--- a/卒研発表tex用_イラスト.pptx
+++ b/卒研発表tex用_イラスト.pptx
@@ -8,7 +8,7 @@
     <p:handoutMasterId r:id="rId11"/>
   </p:handoutMasterIdLst>
   <p:sldIdLst>
-    <p:sldId id="266" r:id="rId2"/>
+    <p:sldId id="291" r:id="rId2"/>
     <p:sldId id="264" r:id="rId3"/>
     <p:sldId id="258" r:id="rId4"/>
     <p:sldId id="259" r:id="rId5"/>
@@ -205,7 +205,7 @@
           <a:p>
             <a:fld id="{B5E7AF8B-FD9C-4188-8BA3-79A46472192F}" type="datetimeFigureOut">
               <a:rPr kumimoji="1" lang="ja-JP" altLang="en-US" smtClean="0"/>
-              <a:t>2020/1/17</a:t>
+              <a:t>2020/1/20</a:t>
             </a:fld>
             <a:endParaRPr kumimoji="1" lang="ja-JP" altLang="en-US"/>
           </a:p>
@@ -330,10 +330,9 @@
           </a:lstStyle>
           <a:p>
             <a:r>
-              <a:rPr kumimoji="1" lang="ja-JP" altLang="en-US" smtClean="0"/>
+              <a:rPr kumimoji="1" lang="ja-JP" altLang="en-US"/>
               <a:t>マスター タイトルの書式設定</a:t>
             </a:r>
-            <a:endParaRPr kumimoji="1" lang="ja-JP" altLang="en-US"/>
           </a:p>
         </p:txBody>
       </p:sp>
@@ -395,10 +394,9 @@
           </a:lstStyle>
           <a:p>
             <a:r>
-              <a:rPr kumimoji="1" lang="ja-JP" altLang="en-US" smtClean="0"/>
+              <a:rPr kumimoji="1" lang="ja-JP" altLang="en-US"/>
               <a:t>マスター サブタイトルの書式設定</a:t>
             </a:r>
-            <a:endParaRPr kumimoji="1" lang="ja-JP" altLang="en-US"/>
           </a:p>
         </p:txBody>
       </p:sp>
@@ -419,7 +417,7 @@
           <a:p>
             <a:fld id="{1019A24B-2DB6-47C4-AADA-142B59CEEE3F}" type="datetimeFigureOut">
               <a:rPr kumimoji="1" lang="ja-JP" altLang="en-US" smtClean="0"/>
-              <a:t>2020/1/17</a:t>
+              <a:t>2020/1/20</a:t>
             </a:fld>
             <a:endParaRPr kumimoji="1" lang="ja-JP" altLang="en-US"/>
           </a:p>
@@ -513,10 +511,9 @@
           <a:lstStyle/>
           <a:p>
             <a:r>
-              <a:rPr kumimoji="1" lang="ja-JP" altLang="en-US" smtClean="0"/>
+              <a:rPr kumimoji="1" lang="ja-JP" altLang="en-US"/>
               <a:t>マスター タイトルの書式設定</a:t>
             </a:r>
-            <a:endParaRPr kumimoji="1" lang="ja-JP" altLang="en-US"/>
           </a:p>
         </p:txBody>
       </p:sp>
@@ -537,70 +534,69 @@
           <a:p>
             <a:pPr lvl="0"/>
             <a:r>
-              <a:rPr kumimoji="1" lang="ja-JP" altLang="en-US" smtClean="0"/>
+              <a:rPr kumimoji="1" lang="ja-JP" altLang="en-US"/>
               <a:t>マスター テキストの書式設定</a:t>
             </a:r>
           </a:p>
           <a:p>
             <a:pPr lvl="1"/>
             <a:r>
-              <a:rPr kumimoji="1" lang="ja-JP" altLang="en-US" smtClean="0"/>
+              <a:rPr kumimoji="1" lang="ja-JP" altLang="en-US"/>
               <a:t>第 </a:t>
             </a:r>
             <a:r>
-              <a:rPr kumimoji="1" lang="en-US" altLang="ja-JP" smtClean="0"/>
+              <a:rPr kumimoji="1" lang="en-US" altLang="ja-JP"/>
               <a:t>2 </a:t>
             </a:r>
             <a:r>
-              <a:rPr kumimoji="1" lang="ja-JP" altLang="en-US" smtClean="0"/>
+              <a:rPr kumimoji="1" lang="ja-JP" altLang="en-US"/>
               <a:t>レベル</a:t>
             </a:r>
           </a:p>
           <a:p>
             <a:pPr lvl="2"/>
             <a:r>
-              <a:rPr kumimoji="1" lang="ja-JP" altLang="en-US" smtClean="0"/>
+              <a:rPr kumimoji="1" lang="ja-JP" altLang="en-US"/>
               <a:t>第 </a:t>
             </a:r>
             <a:r>
-              <a:rPr kumimoji="1" lang="en-US" altLang="ja-JP" smtClean="0"/>
+              <a:rPr kumimoji="1" lang="en-US" altLang="ja-JP"/>
               <a:t>3 </a:t>
             </a:r>
             <a:r>
-              <a:rPr kumimoji="1" lang="ja-JP" altLang="en-US" smtClean="0"/>
+              <a:rPr kumimoji="1" lang="ja-JP" altLang="en-US"/>
               <a:t>レベル</a:t>
             </a:r>
           </a:p>
           <a:p>
             <a:pPr lvl="3"/>
             <a:r>
-              <a:rPr kumimoji="1" lang="ja-JP" altLang="en-US" smtClean="0"/>
+              <a:rPr kumimoji="1" lang="ja-JP" altLang="en-US"/>
               <a:t>第 </a:t>
             </a:r>
             <a:r>
-              <a:rPr kumimoji="1" lang="en-US" altLang="ja-JP" smtClean="0"/>
+              <a:rPr kumimoji="1" lang="en-US" altLang="ja-JP"/>
               <a:t>4 </a:t>
             </a:r>
             <a:r>
-              <a:rPr kumimoji="1" lang="ja-JP" altLang="en-US" smtClean="0"/>
+              <a:rPr kumimoji="1" lang="ja-JP" altLang="en-US"/>
               <a:t>レベル</a:t>
             </a:r>
           </a:p>
           <a:p>
             <a:pPr lvl="4"/>
             <a:r>
-              <a:rPr kumimoji="1" lang="ja-JP" altLang="en-US" smtClean="0"/>
+              <a:rPr kumimoji="1" lang="ja-JP" altLang="en-US"/>
               <a:t>第 </a:t>
             </a:r>
             <a:r>
-              <a:rPr kumimoji="1" lang="en-US" altLang="ja-JP" smtClean="0"/>
+              <a:rPr kumimoji="1" lang="en-US" altLang="ja-JP"/>
               <a:t>5 </a:t>
             </a:r>
             <a:r>
-              <a:rPr kumimoji="1" lang="ja-JP" altLang="en-US" smtClean="0"/>
+              <a:rPr kumimoji="1" lang="ja-JP" altLang="en-US"/>
               <a:t>レベル</a:t>
             </a:r>
-            <a:endParaRPr kumimoji="1" lang="ja-JP" altLang="en-US"/>
           </a:p>
         </p:txBody>
       </p:sp>
@@ -621,7 +617,7 @@
           <a:p>
             <a:fld id="{1019A24B-2DB6-47C4-AADA-142B59CEEE3F}" type="datetimeFigureOut">
               <a:rPr kumimoji="1" lang="ja-JP" altLang="en-US" smtClean="0"/>
-              <a:t>2020/1/17</a:t>
+              <a:t>2020/1/20</a:t>
             </a:fld>
             <a:endParaRPr kumimoji="1" lang="ja-JP" altLang="en-US"/>
           </a:p>
@@ -720,10 +716,9 @@
           <a:lstStyle/>
           <a:p>
             <a:r>
-              <a:rPr kumimoji="1" lang="ja-JP" altLang="en-US" smtClean="0"/>
+              <a:rPr kumimoji="1" lang="ja-JP" altLang="en-US"/>
               <a:t>マスター タイトルの書式設定</a:t>
             </a:r>
-            <a:endParaRPr kumimoji="1" lang="ja-JP" altLang="en-US"/>
           </a:p>
         </p:txBody>
       </p:sp>
@@ -749,70 +744,69 @@
           <a:p>
             <a:pPr lvl="0"/>
             <a:r>
-              <a:rPr kumimoji="1" lang="ja-JP" altLang="en-US" smtClean="0"/>
+              <a:rPr kumimoji="1" lang="ja-JP" altLang="en-US"/>
               <a:t>マスター テキストの書式設定</a:t>
             </a:r>
           </a:p>
           <a:p>
             <a:pPr lvl="1"/>
             <a:r>
-              <a:rPr kumimoji="1" lang="ja-JP" altLang="en-US" smtClean="0"/>
+              <a:rPr kumimoji="1" lang="ja-JP" altLang="en-US"/>
               <a:t>第 </a:t>
             </a:r>
             <a:r>
-              <a:rPr kumimoji="1" lang="en-US" altLang="ja-JP" smtClean="0"/>
+              <a:rPr kumimoji="1" lang="en-US" altLang="ja-JP"/>
               <a:t>2 </a:t>
             </a:r>
             <a:r>
-              <a:rPr kumimoji="1" lang="ja-JP" altLang="en-US" smtClean="0"/>
+              <a:rPr kumimoji="1" lang="ja-JP" altLang="en-US"/>
               <a:t>レベル</a:t>
             </a:r>
           </a:p>
           <a:p>
             <a:pPr lvl="2"/>
             <a:r>
-              <a:rPr kumimoji="1" lang="ja-JP" altLang="en-US" smtClean="0"/>
+              <a:rPr kumimoji="1" lang="ja-JP" altLang="en-US"/>
               <a:t>第 </a:t>
             </a:r>
             <a:r>
-              <a:rPr kumimoji="1" lang="en-US" altLang="ja-JP" smtClean="0"/>
+              <a:rPr kumimoji="1" lang="en-US" altLang="ja-JP"/>
               <a:t>3 </a:t>
             </a:r>
             <a:r>
-              <a:rPr kumimoji="1" lang="ja-JP" altLang="en-US" smtClean="0"/>
+              <a:rPr kumimoji="1" lang="ja-JP" altLang="en-US"/>
               <a:t>レベル</a:t>
             </a:r>
           </a:p>
           <a:p>
             <a:pPr lvl="3"/>
             <a:r>
-              <a:rPr kumimoji="1" lang="ja-JP" altLang="en-US" smtClean="0"/>
+              <a:rPr kumimoji="1" lang="ja-JP" altLang="en-US"/>
               <a:t>第 </a:t>
             </a:r>
             <a:r>
-              <a:rPr kumimoji="1" lang="en-US" altLang="ja-JP" smtClean="0"/>
+              <a:rPr kumimoji="1" lang="en-US" altLang="ja-JP"/>
               <a:t>4 </a:t>
             </a:r>
             <a:r>
-              <a:rPr kumimoji="1" lang="ja-JP" altLang="en-US" smtClean="0"/>
+              <a:rPr kumimoji="1" lang="ja-JP" altLang="en-US"/>
               <a:t>レベル</a:t>
             </a:r>
           </a:p>
           <a:p>
             <a:pPr lvl="4"/>
             <a:r>
-              <a:rPr kumimoji="1" lang="ja-JP" altLang="en-US" smtClean="0"/>
+              <a:rPr kumimoji="1" lang="ja-JP" altLang="en-US"/>
               <a:t>第 </a:t>
             </a:r>
             <a:r>
-              <a:rPr kumimoji="1" lang="en-US" altLang="ja-JP" smtClean="0"/>
+              <a:rPr kumimoji="1" lang="en-US" altLang="ja-JP"/>
               <a:t>5 </a:t>
             </a:r>
             <a:r>
-              <a:rPr kumimoji="1" lang="ja-JP" altLang="en-US" smtClean="0"/>
+              <a:rPr kumimoji="1" lang="ja-JP" altLang="en-US"/>
               <a:t>レベル</a:t>
             </a:r>
-            <a:endParaRPr kumimoji="1" lang="ja-JP" altLang="en-US"/>
           </a:p>
         </p:txBody>
       </p:sp>
@@ -833,7 +827,7 @@
           <a:p>
             <a:fld id="{1019A24B-2DB6-47C4-AADA-142B59CEEE3F}" type="datetimeFigureOut">
               <a:rPr kumimoji="1" lang="ja-JP" altLang="en-US" smtClean="0"/>
-              <a:t>2020/1/17</a:t>
+              <a:t>2020/1/20</a:t>
             </a:fld>
             <a:endParaRPr kumimoji="1" lang="ja-JP" altLang="en-US"/>
           </a:p>
@@ -927,10 +921,9 @@
           <a:lstStyle/>
           <a:p>
             <a:r>
-              <a:rPr kumimoji="1" lang="ja-JP" altLang="en-US" smtClean="0"/>
+              <a:rPr kumimoji="1" lang="ja-JP" altLang="en-US"/>
               <a:t>マスター タイトルの書式設定</a:t>
             </a:r>
-            <a:endParaRPr kumimoji="1" lang="ja-JP" altLang="en-US"/>
           </a:p>
         </p:txBody>
       </p:sp>
@@ -951,70 +944,69 @@
           <a:p>
             <a:pPr lvl="0"/>
             <a:r>
-              <a:rPr kumimoji="1" lang="ja-JP" altLang="en-US" smtClean="0"/>
+              <a:rPr kumimoji="1" lang="ja-JP" altLang="en-US"/>
               <a:t>マスター テキストの書式設定</a:t>
             </a:r>
           </a:p>
           <a:p>
             <a:pPr lvl="1"/>
             <a:r>
-              <a:rPr kumimoji="1" lang="ja-JP" altLang="en-US" smtClean="0"/>
+              <a:rPr kumimoji="1" lang="ja-JP" altLang="en-US"/>
               <a:t>第 </a:t>
             </a:r>
             <a:r>
-              <a:rPr kumimoji="1" lang="en-US" altLang="ja-JP" smtClean="0"/>
+              <a:rPr kumimoji="1" lang="en-US" altLang="ja-JP"/>
               <a:t>2 </a:t>
             </a:r>
             <a:r>
-              <a:rPr kumimoji="1" lang="ja-JP" altLang="en-US" smtClean="0"/>
+              <a:rPr kumimoji="1" lang="ja-JP" altLang="en-US"/>
               <a:t>レベル</a:t>
             </a:r>
           </a:p>
           <a:p>
             <a:pPr lvl="2"/>
             <a:r>
-              <a:rPr kumimoji="1" lang="ja-JP" altLang="en-US" smtClean="0"/>
+              <a:rPr kumimoji="1" lang="ja-JP" altLang="en-US"/>
               <a:t>第 </a:t>
             </a:r>
             <a:r>
-              <a:rPr kumimoji="1" lang="en-US" altLang="ja-JP" smtClean="0"/>
+              <a:rPr kumimoji="1" lang="en-US" altLang="ja-JP"/>
               <a:t>3 </a:t>
             </a:r>
             <a:r>
-              <a:rPr kumimoji="1" lang="ja-JP" altLang="en-US" smtClean="0"/>
+              <a:rPr kumimoji="1" lang="ja-JP" altLang="en-US"/>
               <a:t>レベル</a:t>
             </a:r>
           </a:p>
           <a:p>
             <a:pPr lvl="3"/>
             <a:r>
-              <a:rPr kumimoji="1" lang="ja-JP" altLang="en-US" smtClean="0"/>
+              <a:rPr kumimoji="1" lang="ja-JP" altLang="en-US"/>
               <a:t>第 </a:t>
             </a:r>
             <a:r>
-              <a:rPr kumimoji="1" lang="en-US" altLang="ja-JP" smtClean="0"/>
+              <a:rPr kumimoji="1" lang="en-US" altLang="ja-JP"/>
               <a:t>4 </a:t>
             </a:r>
             <a:r>
-              <a:rPr kumimoji="1" lang="ja-JP" altLang="en-US" smtClean="0"/>
+              <a:rPr kumimoji="1" lang="ja-JP" altLang="en-US"/>
               <a:t>レベル</a:t>
             </a:r>
           </a:p>
           <a:p>
             <a:pPr lvl="4"/>
             <a:r>
-              <a:rPr kumimoji="1" lang="ja-JP" altLang="en-US" smtClean="0"/>
+              <a:rPr kumimoji="1" lang="ja-JP" altLang="en-US"/>
               <a:t>第 </a:t>
             </a:r>
             <a:r>
-              <a:rPr kumimoji="1" lang="en-US" altLang="ja-JP" smtClean="0"/>
+              <a:rPr kumimoji="1" lang="en-US" altLang="ja-JP"/>
               <a:t>5 </a:t>
             </a:r>
             <a:r>
-              <a:rPr kumimoji="1" lang="ja-JP" altLang="en-US" smtClean="0"/>
+              <a:rPr kumimoji="1" lang="ja-JP" altLang="en-US"/>
               <a:t>レベル</a:t>
             </a:r>
-            <a:endParaRPr kumimoji="1" lang="ja-JP" altLang="en-US"/>
           </a:p>
         </p:txBody>
       </p:sp>
@@ -1035,7 +1027,7 @@
           <a:p>
             <a:fld id="{1019A24B-2DB6-47C4-AADA-142B59CEEE3F}" type="datetimeFigureOut">
               <a:rPr kumimoji="1" lang="ja-JP" altLang="en-US" smtClean="0"/>
-              <a:t>2020/1/17</a:t>
+              <a:t>2020/1/20</a:t>
             </a:fld>
             <a:endParaRPr kumimoji="1" lang="ja-JP" altLang="en-US"/>
           </a:p>
@@ -1138,10 +1130,9 @@
           </a:lstStyle>
           <a:p>
             <a:r>
-              <a:rPr kumimoji="1" lang="ja-JP" altLang="en-US" smtClean="0"/>
+              <a:rPr kumimoji="1" lang="ja-JP" altLang="en-US"/>
               <a:t>マスター タイトルの書式設定</a:t>
             </a:r>
-            <a:endParaRPr kumimoji="1" lang="ja-JP" altLang="en-US"/>
           </a:p>
         </p:txBody>
       </p:sp>
@@ -1258,7 +1249,7 @@
           <a:p>
             <a:pPr lvl="0"/>
             <a:r>
-              <a:rPr kumimoji="1" lang="ja-JP" altLang="en-US" smtClean="0"/>
+              <a:rPr kumimoji="1" lang="ja-JP" altLang="en-US"/>
               <a:t>マスター テキストの書式設定</a:t>
             </a:r>
           </a:p>
@@ -1281,7 +1272,7 @@
           <a:p>
             <a:fld id="{1019A24B-2DB6-47C4-AADA-142B59CEEE3F}" type="datetimeFigureOut">
               <a:rPr kumimoji="1" lang="ja-JP" altLang="en-US" smtClean="0"/>
-              <a:t>2020/1/17</a:t>
+              <a:t>2020/1/20</a:t>
             </a:fld>
             <a:endParaRPr kumimoji="1" lang="ja-JP" altLang="en-US"/>
           </a:p>
@@ -1375,10 +1366,9 @@
           <a:lstStyle/>
           <a:p>
             <a:r>
-              <a:rPr kumimoji="1" lang="ja-JP" altLang="en-US" smtClean="0"/>
+              <a:rPr kumimoji="1" lang="ja-JP" altLang="en-US"/>
               <a:t>マスター タイトルの書式設定</a:t>
             </a:r>
-            <a:endParaRPr kumimoji="1" lang="ja-JP" altLang="en-US"/>
           </a:p>
         </p:txBody>
       </p:sp>
@@ -1404,70 +1394,69 @@
           <a:p>
             <a:pPr lvl="0"/>
             <a:r>
-              <a:rPr kumimoji="1" lang="ja-JP" altLang="en-US" smtClean="0"/>
+              <a:rPr kumimoji="1" lang="ja-JP" altLang="en-US"/>
               <a:t>マスター テキストの書式設定</a:t>
             </a:r>
           </a:p>
           <a:p>
             <a:pPr lvl="1"/>
             <a:r>
-              <a:rPr kumimoji="1" lang="ja-JP" altLang="en-US" smtClean="0"/>
+              <a:rPr kumimoji="1" lang="ja-JP" altLang="en-US"/>
               <a:t>第 </a:t>
             </a:r>
             <a:r>
-              <a:rPr kumimoji="1" lang="en-US" altLang="ja-JP" smtClean="0"/>
+              <a:rPr kumimoji="1" lang="en-US" altLang="ja-JP"/>
               <a:t>2 </a:t>
             </a:r>
             <a:r>
-              <a:rPr kumimoji="1" lang="ja-JP" altLang="en-US" smtClean="0"/>
+              <a:rPr kumimoji="1" lang="ja-JP" altLang="en-US"/>
               <a:t>レベル</a:t>
             </a:r>
           </a:p>
           <a:p>
             <a:pPr lvl="2"/>
             <a:r>
-              <a:rPr kumimoji="1" lang="ja-JP" altLang="en-US" smtClean="0"/>
+              <a:rPr kumimoji="1" lang="ja-JP" altLang="en-US"/>
               <a:t>第 </a:t>
             </a:r>
             <a:r>
-              <a:rPr kumimoji="1" lang="en-US" altLang="ja-JP" smtClean="0"/>
+              <a:rPr kumimoji="1" lang="en-US" altLang="ja-JP"/>
               <a:t>3 </a:t>
             </a:r>
             <a:r>
-              <a:rPr kumimoji="1" lang="ja-JP" altLang="en-US" smtClean="0"/>
+              <a:rPr kumimoji="1" lang="ja-JP" altLang="en-US"/>
               <a:t>レベル</a:t>
             </a:r>
           </a:p>
           <a:p>
             <a:pPr lvl="3"/>
             <a:r>
-              <a:rPr kumimoji="1" lang="ja-JP" altLang="en-US" smtClean="0"/>
+              <a:rPr kumimoji="1" lang="ja-JP" altLang="en-US"/>
               <a:t>第 </a:t>
             </a:r>
             <a:r>
-              <a:rPr kumimoji="1" lang="en-US" altLang="ja-JP" smtClean="0"/>
+              <a:rPr kumimoji="1" lang="en-US" altLang="ja-JP"/>
               <a:t>4 </a:t>
             </a:r>
             <a:r>
-              <a:rPr kumimoji="1" lang="ja-JP" altLang="en-US" smtClean="0"/>
+              <a:rPr kumimoji="1" lang="ja-JP" altLang="en-US"/>
               <a:t>レベル</a:t>
             </a:r>
           </a:p>
           <a:p>
             <a:pPr lvl="4"/>
             <a:r>
-              <a:rPr kumimoji="1" lang="ja-JP" altLang="en-US" smtClean="0"/>
+              <a:rPr kumimoji="1" lang="ja-JP" altLang="en-US"/>
               <a:t>第 </a:t>
             </a:r>
             <a:r>
-              <a:rPr kumimoji="1" lang="en-US" altLang="ja-JP" smtClean="0"/>
+              <a:rPr kumimoji="1" lang="en-US" altLang="ja-JP"/>
               <a:t>5 </a:t>
             </a:r>
             <a:r>
-              <a:rPr kumimoji="1" lang="ja-JP" altLang="en-US" smtClean="0"/>
+              <a:rPr kumimoji="1" lang="ja-JP" altLang="en-US"/>
               <a:t>レベル</a:t>
             </a:r>
-            <a:endParaRPr kumimoji="1" lang="ja-JP" altLang="en-US"/>
           </a:p>
         </p:txBody>
       </p:sp>
@@ -1493,70 +1482,69 @@
           <a:p>
             <a:pPr lvl="0"/>
             <a:r>
-              <a:rPr kumimoji="1" lang="ja-JP" altLang="en-US" smtClean="0"/>
+              <a:rPr kumimoji="1" lang="ja-JP" altLang="en-US"/>
               <a:t>マスター テキストの書式設定</a:t>
             </a:r>
           </a:p>
           <a:p>
             <a:pPr lvl="1"/>
             <a:r>
-              <a:rPr kumimoji="1" lang="ja-JP" altLang="en-US" smtClean="0"/>
+              <a:rPr kumimoji="1" lang="ja-JP" altLang="en-US"/>
               <a:t>第 </a:t>
             </a:r>
             <a:r>
-              <a:rPr kumimoji="1" lang="en-US" altLang="ja-JP" smtClean="0"/>
+              <a:rPr kumimoji="1" lang="en-US" altLang="ja-JP"/>
               <a:t>2 </a:t>
             </a:r>
             <a:r>
-              <a:rPr kumimoji="1" lang="ja-JP" altLang="en-US" smtClean="0"/>
+              <a:rPr kumimoji="1" lang="ja-JP" altLang="en-US"/>
               <a:t>レベル</a:t>
             </a:r>
           </a:p>
           <a:p>
             <a:pPr lvl="2"/>
             <a:r>
-              <a:rPr kumimoji="1" lang="ja-JP" altLang="en-US" smtClean="0"/>
+              <a:rPr kumimoji="1" lang="ja-JP" altLang="en-US"/>
               <a:t>第 </a:t>
             </a:r>
             <a:r>
-              <a:rPr kumimoji="1" lang="en-US" altLang="ja-JP" smtClean="0"/>
+              <a:rPr kumimoji="1" lang="en-US" altLang="ja-JP"/>
               <a:t>3 </a:t>
             </a:r>
             <a:r>
-              <a:rPr kumimoji="1" lang="ja-JP" altLang="en-US" smtClean="0"/>
+              <a:rPr kumimoji="1" lang="ja-JP" altLang="en-US"/>
               <a:t>レベル</a:t>
             </a:r>
           </a:p>
           <a:p>
             <a:pPr lvl="3"/>
             <a:r>
-              <a:rPr kumimoji="1" lang="ja-JP" altLang="en-US" smtClean="0"/>
+              <a:rPr kumimoji="1" lang="ja-JP" altLang="en-US"/>
               <a:t>第 </a:t>
             </a:r>
             <a:r>
-              <a:rPr kumimoji="1" lang="en-US" altLang="ja-JP" smtClean="0"/>
+              <a:rPr kumimoji="1" lang="en-US" altLang="ja-JP"/>
               <a:t>4 </a:t>
             </a:r>
             <a:r>
-              <a:rPr kumimoji="1" lang="ja-JP" altLang="en-US" smtClean="0"/>
+              <a:rPr kumimoji="1" lang="ja-JP" altLang="en-US"/>
               <a:t>レベル</a:t>
             </a:r>
           </a:p>
           <a:p>
             <a:pPr lvl="4"/>
             <a:r>
-              <a:rPr kumimoji="1" lang="ja-JP" altLang="en-US" smtClean="0"/>
+              <a:rPr kumimoji="1" lang="ja-JP" altLang="en-US"/>
               <a:t>第 </a:t>
             </a:r>
             <a:r>
-              <a:rPr kumimoji="1" lang="en-US" altLang="ja-JP" smtClean="0"/>
+              <a:rPr kumimoji="1" lang="en-US" altLang="ja-JP"/>
               <a:t>5 </a:t>
             </a:r>
             <a:r>
-              <a:rPr kumimoji="1" lang="ja-JP" altLang="en-US" smtClean="0"/>
+              <a:rPr kumimoji="1" lang="ja-JP" altLang="en-US"/>
               <a:t>レベル</a:t>
             </a:r>
-            <a:endParaRPr kumimoji="1" lang="ja-JP" altLang="en-US"/>
           </a:p>
         </p:txBody>
       </p:sp>
@@ -1577,7 +1565,7 @@
           <a:p>
             <a:fld id="{1019A24B-2DB6-47C4-AADA-142B59CEEE3F}" type="datetimeFigureOut">
               <a:rPr kumimoji="1" lang="ja-JP" altLang="en-US" smtClean="0"/>
-              <a:t>2020/1/17</a:t>
+              <a:t>2020/1/20</a:t>
             </a:fld>
             <a:endParaRPr kumimoji="1" lang="ja-JP" altLang="en-US"/>
           </a:p>
@@ -1676,10 +1664,9 @@
           <a:lstStyle/>
           <a:p>
             <a:r>
-              <a:rPr kumimoji="1" lang="ja-JP" altLang="en-US" smtClean="0"/>
+              <a:rPr kumimoji="1" lang="ja-JP" altLang="en-US"/>
               <a:t>マスター タイトルの書式設定</a:t>
             </a:r>
-            <a:endParaRPr kumimoji="1" lang="ja-JP" altLang="en-US"/>
           </a:p>
         </p:txBody>
       </p:sp>
@@ -1742,7 +1729,7 @@
           <a:p>
             <a:pPr lvl="0"/>
             <a:r>
-              <a:rPr kumimoji="1" lang="ja-JP" altLang="en-US" smtClean="0"/>
+              <a:rPr kumimoji="1" lang="ja-JP" altLang="en-US"/>
               <a:t>マスター テキストの書式設定</a:t>
             </a:r>
           </a:p>
@@ -1770,70 +1757,69 @@
           <a:p>
             <a:pPr lvl="0"/>
             <a:r>
-              <a:rPr kumimoji="1" lang="ja-JP" altLang="en-US" smtClean="0"/>
+              <a:rPr kumimoji="1" lang="ja-JP" altLang="en-US"/>
               <a:t>マスター テキストの書式設定</a:t>
             </a:r>
           </a:p>
           <a:p>
             <a:pPr lvl="1"/>
             <a:r>
-              <a:rPr kumimoji="1" lang="ja-JP" altLang="en-US" smtClean="0"/>
+              <a:rPr kumimoji="1" lang="ja-JP" altLang="en-US"/>
               <a:t>第 </a:t>
             </a:r>
             <a:r>
-              <a:rPr kumimoji="1" lang="en-US" altLang="ja-JP" smtClean="0"/>
+              <a:rPr kumimoji="1" lang="en-US" altLang="ja-JP"/>
               <a:t>2 </a:t>
             </a:r>
             <a:r>
-              <a:rPr kumimoji="1" lang="ja-JP" altLang="en-US" smtClean="0"/>
+              <a:rPr kumimoji="1" lang="ja-JP" altLang="en-US"/>
               <a:t>レベル</a:t>
             </a:r>
           </a:p>
           <a:p>
             <a:pPr lvl="2"/>
             <a:r>
-              <a:rPr kumimoji="1" lang="ja-JP" altLang="en-US" smtClean="0"/>
+              <a:rPr kumimoji="1" lang="ja-JP" altLang="en-US"/>
               <a:t>第 </a:t>
             </a:r>
             <a:r>
-              <a:rPr kumimoji="1" lang="en-US" altLang="ja-JP" smtClean="0"/>
+              <a:rPr kumimoji="1" lang="en-US" altLang="ja-JP"/>
               <a:t>3 </a:t>
             </a:r>
             <a:r>
-              <a:rPr kumimoji="1" lang="ja-JP" altLang="en-US" smtClean="0"/>
+              <a:rPr kumimoji="1" lang="ja-JP" altLang="en-US"/>
               <a:t>レベル</a:t>
             </a:r>
           </a:p>
           <a:p>
             <a:pPr lvl="3"/>
             <a:r>
-              <a:rPr kumimoji="1" lang="ja-JP" altLang="en-US" smtClean="0"/>
+              <a:rPr kumimoji="1" lang="ja-JP" altLang="en-US"/>
               <a:t>第 </a:t>
             </a:r>
             <a:r>
-              <a:rPr kumimoji="1" lang="en-US" altLang="ja-JP" smtClean="0"/>
+              <a:rPr kumimoji="1" lang="en-US" altLang="ja-JP"/>
               <a:t>4 </a:t>
             </a:r>
             <a:r>
-              <a:rPr kumimoji="1" lang="ja-JP" altLang="en-US" smtClean="0"/>
+              <a:rPr kumimoji="1" lang="ja-JP" altLang="en-US"/>
               <a:t>レベル</a:t>
             </a:r>
           </a:p>
           <a:p>
             <a:pPr lvl="4"/>
             <a:r>
-              <a:rPr kumimoji="1" lang="ja-JP" altLang="en-US" smtClean="0"/>
+              <a:rPr kumimoji="1" lang="ja-JP" altLang="en-US"/>
               <a:t>第 </a:t>
             </a:r>
             <a:r>
-              <a:rPr kumimoji="1" lang="en-US" altLang="ja-JP" smtClean="0"/>
+              <a:rPr kumimoji="1" lang="en-US" altLang="ja-JP"/>
               <a:t>5 </a:t>
             </a:r>
             <a:r>
-              <a:rPr kumimoji="1" lang="ja-JP" altLang="en-US" smtClean="0"/>
+              <a:rPr kumimoji="1" lang="ja-JP" altLang="en-US"/>
               <a:t>レベル</a:t>
             </a:r>
-            <a:endParaRPr kumimoji="1" lang="ja-JP" altLang="en-US"/>
           </a:p>
         </p:txBody>
       </p:sp>
@@ -1896,7 +1882,7 @@
           <a:p>
             <a:pPr lvl="0"/>
             <a:r>
-              <a:rPr kumimoji="1" lang="ja-JP" altLang="en-US" smtClean="0"/>
+              <a:rPr kumimoji="1" lang="ja-JP" altLang="en-US"/>
               <a:t>マスター テキストの書式設定</a:t>
             </a:r>
           </a:p>
@@ -1924,70 +1910,69 @@
           <a:p>
             <a:pPr lvl="0"/>
             <a:r>
-              <a:rPr kumimoji="1" lang="ja-JP" altLang="en-US" smtClean="0"/>
+              <a:rPr kumimoji="1" lang="ja-JP" altLang="en-US"/>
               <a:t>マスター テキストの書式設定</a:t>
             </a:r>
           </a:p>
           <a:p>
             <a:pPr lvl="1"/>
             <a:r>
-              <a:rPr kumimoji="1" lang="ja-JP" altLang="en-US" smtClean="0"/>
+              <a:rPr kumimoji="1" lang="ja-JP" altLang="en-US"/>
               <a:t>第 </a:t>
             </a:r>
             <a:r>
-              <a:rPr kumimoji="1" lang="en-US" altLang="ja-JP" smtClean="0"/>
+              <a:rPr kumimoji="1" lang="en-US" altLang="ja-JP"/>
               <a:t>2 </a:t>
             </a:r>
             <a:r>
-              <a:rPr kumimoji="1" lang="ja-JP" altLang="en-US" smtClean="0"/>
+              <a:rPr kumimoji="1" lang="ja-JP" altLang="en-US"/>
               <a:t>レベル</a:t>
             </a:r>
           </a:p>
           <a:p>
             <a:pPr lvl="2"/>
             <a:r>
-              <a:rPr kumimoji="1" lang="ja-JP" altLang="en-US" smtClean="0"/>
+              <a:rPr kumimoji="1" lang="ja-JP" altLang="en-US"/>
               <a:t>第 </a:t>
             </a:r>
             <a:r>
-              <a:rPr kumimoji="1" lang="en-US" altLang="ja-JP" smtClean="0"/>
+              <a:rPr kumimoji="1" lang="en-US" altLang="ja-JP"/>
               <a:t>3 </a:t>
             </a:r>
             <a:r>
-              <a:rPr kumimoji="1" lang="ja-JP" altLang="en-US" smtClean="0"/>
+              <a:rPr kumimoji="1" lang="ja-JP" altLang="en-US"/>
               <a:t>レベル</a:t>
             </a:r>
           </a:p>
           <a:p>
             <a:pPr lvl="3"/>
             <a:r>
-              <a:rPr kumimoji="1" lang="ja-JP" altLang="en-US" smtClean="0"/>
+              <a:rPr kumimoji="1" lang="ja-JP" altLang="en-US"/>
               <a:t>第 </a:t>
             </a:r>
             <a:r>
-              <a:rPr kumimoji="1" lang="en-US" altLang="ja-JP" smtClean="0"/>
+              <a:rPr kumimoji="1" lang="en-US" altLang="ja-JP"/>
               <a:t>4 </a:t>
             </a:r>
             <a:r>
-              <a:rPr kumimoji="1" lang="ja-JP" altLang="en-US" smtClean="0"/>
+              <a:rPr kumimoji="1" lang="ja-JP" altLang="en-US"/>
               <a:t>レベル</a:t>
             </a:r>
           </a:p>
           <a:p>
             <a:pPr lvl="4"/>
             <a:r>
-              <a:rPr kumimoji="1" lang="ja-JP" altLang="en-US" smtClean="0"/>
+              <a:rPr kumimoji="1" lang="ja-JP" altLang="en-US"/>
               <a:t>第 </a:t>
             </a:r>
             <a:r>
-              <a:rPr kumimoji="1" lang="en-US" altLang="ja-JP" smtClean="0"/>
+              <a:rPr kumimoji="1" lang="en-US" altLang="ja-JP"/>
               <a:t>5 </a:t>
             </a:r>
             <a:r>
-              <a:rPr kumimoji="1" lang="ja-JP" altLang="en-US" smtClean="0"/>
+              <a:rPr kumimoji="1" lang="ja-JP" altLang="en-US"/>
               <a:t>レベル</a:t>
             </a:r>
-            <a:endParaRPr kumimoji="1" lang="ja-JP" altLang="en-US"/>
           </a:p>
         </p:txBody>
       </p:sp>
@@ -2008,7 +1993,7 @@
           <a:p>
             <a:fld id="{1019A24B-2DB6-47C4-AADA-142B59CEEE3F}" type="datetimeFigureOut">
               <a:rPr kumimoji="1" lang="ja-JP" altLang="en-US" smtClean="0"/>
-              <a:t>2020/1/17</a:t>
+              <a:t>2020/1/20</a:t>
             </a:fld>
             <a:endParaRPr kumimoji="1" lang="ja-JP" altLang="en-US"/>
           </a:p>
@@ -2102,10 +2087,9 @@
           <a:lstStyle/>
           <a:p>
             <a:r>
-              <a:rPr kumimoji="1" lang="ja-JP" altLang="en-US" smtClean="0"/>
+              <a:rPr kumimoji="1" lang="ja-JP" altLang="en-US"/>
               <a:t>マスター タイトルの書式設定</a:t>
             </a:r>
-            <a:endParaRPr kumimoji="1" lang="ja-JP" altLang="en-US"/>
           </a:p>
         </p:txBody>
       </p:sp>
@@ -2126,7 +2110,7 @@
           <a:p>
             <a:fld id="{1019A24B-2DB6-47C4-AADA-142B59CEEE3F}" type="datetimeFigureOut">
               <a:rPr kumimoji="1" lang="ja-JP" altLang="en-US" smtClean="0"/>
-              <a:t>2020/1/17</a:t>
+              <a:t>2020/1/20</a:t>
             </a:fld>
             <a:endParaRPr kumimoji="1" lang="ja-JP" altLang="en-US"/>
           </a:p>
@@ -2221,7 +2205,7 @@
           <a:p>
             <a:fld id="{1019A24B-2DB6-47C4-AADA-142B59CEEE3F}" type="datetimeFigureOut">
               <a:rPr kumimoji="1" lang="ja-JP" altLang="en-US" smtClean="0"/>
-              <a:t>2020/1/17</a:t>
+              <a:t>2020/1/20</a:t>
             </a:fld>
             <a:endParaRPr kumimoji="1" lang="ja-JP" altLang="en-US"/>
           </a:p>
@@ -2324,10 +2308,9 @@
           </a:lstStyle>
           <a:p>
             <a:r>
-              <a:rPr kumimoji="1" lang="ja-JP" altLang="en-US" smtClean="0"/>
+              <a:rPr kumimoji="1" lang="ja-JP" altLang="en-US"/>
               <a:t>マスター タイトルの書式設定</a:t>
             </a:r>
-            <a:endParaRPr kumimoji="1" lang="ja-JP" altLang="en-US"/>
           </a:p>
         </p:txBody>
       </p:sp>
@@ -2381,70 +2364,69 @@
           <a:p>
             <a:pPr lvl="0"/>
             <a:r>
-              <a:rPr kumimoji="1" lang="ja-JP" altLang="en-US" smtClean="0"/>
+              <a:rPr kumimoji="1" lang="ja-JP" altLang="en-US"/>
               <a:t>マスター テキストの書式設定</a:t>
             </a:r>
           </a:p>
           <a:p>
             <a:pPr lvl="1"/>
             <a:r>
-              <a:rPr kumimoji="1" lang="ja-JP" altLang="en-US" smtClean="0"/>
+              <a:rPr kumimoji="1" lang="ja-JP" altLang="en-US"/>
               <a:t>第 </a:t>
             </a:r>
             <a:r>
-              <a:rPr kumimoji="1" lang="en-US" altLang="ja-JP" smtClean="0"/>
+              <a:rPr kumimoji="1" lang="en-US" altLang="ja-JP"/>
               <a:t>2 </a:t>
             </a:r>
             <a:r>
-              <a:rPr kumimoji="1" lang="ja-JP" altLang="en-US" smtClean="0"/>
+              <a:rPr kumimoji="1" lang="ja-JP" altLang="en-US"/>
               <a:t>レベル</a:t>
             </a:r>
           </a:p>
           <a:p>
             <a:pPr lvl="2"/>
             <a:r>
-              <a:rPr kumimoji="1" lang="ja-JP" altLang="en-US" smtClean="0"/>
+              <a:rPr kumimoji="1" lang="ja-JP" altLang="en-US"/>
               <a:t>第 </a:t>
             </a:r>
             <a:r>
-              <a:rPr kumimoji="1" lang="en-US" altLang="ja-JP" smtClean="0"/>
+              <a:rPr kumimoji="1" lang="en-US" altLang="ja-JP"/>
               <a:t>3 </a:t>
             </a:r>
             <a:r>
-              <a:rPr kumimoji="1" lang="ja-JP" altLang="en-US" smtClean="0"/>
+              <a:rPr kumimoji="1" lang="ja-JP" altLang="en-US"/>
               <a:t>レベル</a:t>
             </a:r>
           </a:p>
           <a:p>
             <a:pPr lvl="3"/>
             <a:r>
-              <a:rPr kumimoji="1" lang="ja-JP" altLang="en-US" smtClean="0"/>
+              <a:rPr kumimoji="1" lang="ja-JP" altLang="en-US"/>
               <a:t>第 </a:t>
             </a:r>
             <a:r>
-              <a:rPr kumimoji="1" lang="en-US" altLang="ja-JP" smtClean="0"/>
+              <a:rPr kumimoji="1" lang="en-US" altLang="ja-JP"/>
               <a:t>4 </a:t>
             </a:r>
             <a:r>
-              <a:rPr kumimoji="1" lang="ja-JP" altLang="en-US" smtClean="0"/>
+              <a:rPr kumimoji="1" lang="ja-JP" altLang="en-US"/>
               <a:t>レベル</a:t>
             </a:r>
           </a:p>
           <a:p>
             <a:pPr lvl="4"/>
             <a:r>
-              <a:rPr kumimoji="1" lang="ja-JP" altLang="en-US" smtClean="0"/>
+              <a:rPr kumimoji="1" lang="ja-JP" altLang="en-US"/>
               <a:t>第 </a:t>
             </a:r>
             <a:r>
-              <a:rPr kumimoji="1" lang="en-US" altLang="ja-JP" smtClean="0"/>
+              <a:rPr kumimoji="1" lang="en-US" altLang="ja-JP"/>
               <a:t>5 </a:t>
             </a:r>
             <a:r>
-              <a:rPr kumimoji="1" lang="ja-JP" altLang="en-US" smtClean="0"/>
+              <a:rPr kumimoji="1" lang="ja-JP" altLang="en-US"/>
               <a:t>レベル</a:t>
             </a:r>
-            <a:endParaRPr kumimoji="1" lang="ja-JP" altLang="en-US"/>
           </a:p>
         </p:txBody>
       </p:sp>
@@ -2507,7 +2489,7 @@
           <a:p>
             <a:pPr lvl="0"/>
             <a:r>
-              <a:rPr kumimoji="1" lang="ja-JP" altLang="en-US" smtClean="0"/>
+              <a:rPr kumimoji="1" lang="ja-JP" altLang="en-US"/>
               <a:t>マスター テキストの書式設定</a:t>
             </a:r>
           </a:p>
@@ -2530,7 +2512,7 @@
           <a:p>
             <a:fld id="{1019A24B-2DB6-47C4-AADA-142B59CEEE3F}" type="datetimeFigureOut">
               <a:rPr kumimoji="1" lang="ja-JP" altLang="en-US" smtClean="0"/>
-              <a:t>2020/1/17</a:t>
+              <a:t>2020/1/20</a:t>
             </a:fld>
             <a:endParaRPr kumimoji="1" lang="ja-JP" altLang="en-US"/>
           </a:p>
@@ -2633,10 +2615,9 @@
           </a:lstStyle>
           <a:p>
             <a:r>
-              <a:rPr kumimoji="1" lang="ja-JP" altLang="en-US" smtClean="0"/>
+              <a:rPr kumimoji="1" lang="ja-JP" altLang="en-US"/>
               <a:t>マスター タイトルの書式設定</a:t>
             </a:r>
-            <a:endParaRPr kumimoji="1" lang="ja-JP" altLang="en-US"/>
           </a:p>
         </p:txBody>
       </p:sp>
@@ -2760,7 +2741,7 @@
           <a:p>
             <a:pPr lvl="0"/>
             <a:r>
-              <a:rPr kumimoji="1" lang="ja-JP" altLang="en-US" smtClean="0"/>
+              <a:rPr kumimoji="1" lang="ja-JP" altLang="en-US"/>
               <a:t>マスター テキストの書式設定</a:t>
             </a:r>
           </a:p>
@@ -2783,7 +2764,7 @@
           <a:p>
             <a:fld id="{1019A24B-2DB6-47C4-AADA-142B59CEEE3F}" type="datetimeFigureOut">
               <a:rPr kumimoji="1" lang="ja-JP" altLang="en-US" smtClean="0"/>
-              <a:t>2020/1/17</a:t>
+              <a:t>2020/1/20</a:t>
             </a:fld>
             <a:endParaRPr kumimoji="1" lang="ja-JP" altLang="en-US"/>
           </a:p>
@@ -2892,10 +2873,9 @@
           <a:lstStyle/>
           <a:p>
             <a:r>
-              <a:rPr kumimoji="1" lang="ja-JP" altLang="en-US" smtClean="0"/>
+              <a:rPr kumimoji="1" lang="ja-JP" altLang="en-US"/>
               <a:t>マスター タイトルの書式設定</a:t>
             </a:r>
-            <a:endParaRPr kumimoji="1" lang="ja-JP" altLang="en-US"/>
           </a:p>
         </p:txBody>
       </p:sp>
@@ -2926,70 +2906,69 @@
           <a:p>
             <a:pPr lvl="0"/>
             <a:r>
-              <a:rPr kumimoji="1" lang="ja-JP" altLang="en-US" smtClean="0"/>
+              <a:rPr kumimoji="1" lang="ja-JP" altLang="en-US"/>
               <a:t>マスター テキストの書式設定</a:t>
             </a:r>
           </a:p>
           <a:p>
             <a:pPr lvl="1"/>
             <a:r>
-              <a:rPr kumimoji="1" lang="ja-JP" altLang="en-US" smtClean="0"/>
+              <a:rPr kumimoji="1" lang="ja-JP" altLang="en-US"/>
               <a:t>第 </a:t>
             </a:r>
             <a:r>
-              <a:rPr kumimoji="1" lang="en-US" altLang="ja-JP" smtClean="0"/>
+              <a:rPr kumimoji="1" lang="en-US" altLang="ja-JP"/>
               <a:t>2 </a:t>
             </a:r>
             <a:r>
-              <a:rPr kumimoji="1" lang="ja-JP" altLang="en-US" smtClean="0"/>
+              <a:rPr kumimoji="1" lang="ja-JP" altLang="en-US"/>
               <a:t>レベル</a:t>
             </a:r>
           </a:p>
           <a:p>
             <a:pPr lvl="2"/>
             <a:r>
-              <a:rPr kumimoji="1" lang="ja-JP" altLang="en-US" smtClean="0"/>
+              <a:rPr kumimoji="1" lang="ja-JP" altLang="en-US"/>
               <a:t>第 </a:t>
             </a:r>
             <a:r>
-              <a:rPr kumimoji="1" lang="en-US" altLang="ja-JP" smtClean="0"/>
+              <a:rPr kumimoji="1" lang="en-US" altLang="ja-JP"/>
               <a:t>3 </a:t>
             </a:r>
             <a:r>
-              <a:rPr kumimoji="1" lang="ja-JP" altLang="en-US" smtClean="0"/>
+              <a:rPr kumimoji="1" lang="ja-JP" altLang="en-US"/>
               <a:t>レベル</a:t>
             </a:r>
           </a:p>
           <a:p>
             <a:pPr lvl="3"/>
             <a:r>
-              <a:rPr kumimoji="1" lang="ja-JP" altLang="en-US" smtClean="0"/>
+              <a:rPr kumimoji="1" lang="ja-JP" altLang="en-US"/>
               <a:t>第 </a:t>
             </a:r>
             <a:r>
-              <a:rPr kumimoji="1" lang="en-US" altLang="ja-JP" smtClean="0"/>
+              <a:rPr kumimoji="1" lang="en-US" altLang="ja-JP"/>
               <a:t>4 </a:t>
             </a:r>
             <a:r>
-              <a:rPr kumimoji="1" lang="ja-JP" altLang="en-US" smtClean="0"/>
+              <a:rPr kumimoji="1" lang="ja-JP" altLang="en-US"/>
               <a:t>レベル</a:t>
             </a:r>
           </a:p>
           <a:p>
             <a:pPr lvl="4"/>
             <a:r>
-              <a:rPr kumimoji="1" lang="ja-JP" altLang="en-US" smtClean="0"/>
+              <a:rPr kumimoji="1" lang="ja-JP" altLang="en-US"/>
               <a:t>第 </a:t>
             </a:r>
             <a:r>
-              <a:rPr kumimoji="1" lang="en-US" altLang="ja-JP" smtClean="0"/>
+              <a:rPr kumimoji="1" lang="en-US" altLang="ja-JP"/>
               <a:t>5 </a:t>
             </a:r>
             <a:r>
-              <a:rPr kumimoji="1" lang="ja-JP" altLang="en-US" smtClean="0"/>
+              <a:rPr kumimoji="1" lang="ja-JP" altLang="en-US"/>
               <a:t>レベル</a:t>
             </a:r>
-            <a:endParaRPr kumimoji="1" lang="ja-JP" altLang="en-US"/>
           </a:p>
         </p:txBody>
       </p:sp>
@@ -3028,7 +3007,7 @@
           <a:p>
             <a:fld id="{1019A24B-2DB6-47C4-AADA-142B59CEEE3F}" type="datetimeFigureOut">
               <a:rPr kumimoji="1" lang="ja-JP" altLang="en-US" smtClean="0"/>
-              <a:t>2020/1/17</a:t>
+              <a:t>2020/1/20</a:t>
             </a:fld>
             <a:endParaRPr kumimoji="1" lang="ja-JP" altLang="en-US"/>
           </a:p>
@@ -3433,10 +3412,3310 @@
           <a:chExt cx="0" cy="0"/>
         </a:xfrm>
       </p:grpSpPr>
+      <p:graphicFrame>
+        <p:nvGraphicFramePr>
+          <p:cNvPr id="7" name="表 6">
+            <a:extLst>
+              <a:ext uri="{FF2B5EF4-FFF2-40B4-BE49-F238E27FC236}">
+                <a16:creationId xmlns:a16="http://schemas.microsoft.com/office/drawing/2014/main" id="{D493EB09-1B9D-4710-9B5D-D799FD99DB03}"/>
+              </a:ext>
+            </a:extLst>
+          </p:cNvPr>
+          <p:cNvGraphicFramePr>
+            <a:graphicFrameLocks noGrp="1"/>
+          </p:cNvGraphicFramePr>
+          <p:nvPr>
+            <p:extLst/>
+          </p:nvPr>
+        </p:nvGraphicFramePr>
+        <p:xfrm>
+          <a:off x="274773" y="684642"/>
+          <a:ext cx="5488715" cy="5488715"/>
+        </p:xfrm>
+        <a:graphic>
+          <a:graphicData uri="http://schemas.openxmlformats.org/drawingml/2006/table">
+            <a:tbl>
+              <a:tblPr/>
+              <a:tblGrid>
+                <a:gridCol w="1097743">
+                  <a:extLst>
+                    <a:ext uri="{9D8B030D-6E8A-4147-A177-3AD203B41FA5}">
+                      <a16:colId xmlns:a16="http://schemas.microsoft.com/office/drawing/2014/main" val="144580569"/>
+                    </a:ext>
+                  </a:extLst>
+                </a:gridCol>
+                <a:gridCol w="1097743">
+                  <a:extLst>
+                    <a:ext uri="{9D8B030D-6E8A-4147-A177-3AD203B41FA5}">
+                      <a16:colId xmlns:a16="http://schemas.microsoft.com/office/drawing/2014/main" val="2059519976"/>
+                    </a:ext>
+                  </a:extLst>
+                </a:gridCol>
+                <a:gridCol w="1097743">
+                  <a:extLst>
+                    <a:ext uri="{9D8B030D-6E8A-4147-A177-3AD203B41FA5}">
+                      <a16:colId xmlns:a16="http://schemas.microsoft.com/office/drawing/2014/main" val="124030810"/>
+                    </a:ext>
+                  </a:extLst>
+                </a:gridCol>
+                <a:gridCol w="1097743">
+                  <a:extLst>
+                    <a:ext uri="{9D8B030D-6E8A-4147-A177-3AD203B41FA5}">
+                      <a16:colId xmlns:a16="http://schemas.microsoft.com/office/drawing/2014/main" val="3413403711"/>
+                    </a:ext>
+                  </a:extLst>
+                </a:gridCol>
+                <a:gridCol w="1097743">
+                  <a:extLst>
+                    <a:ext uri="{9D8B030D-6E8A-4147-A177-3AD203B41FA5}">
+                      <a16:colId xmlns:a16="http://schemas.microsoft.com/office/drawing/2014/main" val="4264007366"/>
+                    </a:ext>
+                  </a:extLst>
+                </a:gridCol>
+              </a:tblGrid>
+              <a:tr h="1097743">
+                <a:tc>
+                  <a:txBody>
+                    <a:bodyPr/>
+                    <a:lstStyle/>
+                    <a:p>
+                      <a:pPr algn="ctr" fontAlgn="ctr"/>
+                      <a:r>
+                        <a:rPr lang="en-US" sz="2600" b="0" i="0" u="none" strike="noStrike" dirty="0">
+                          <a:solidFill>
+                            <a:srgbClr val="000000"/>
+                          </a:solidFill>
+                          <a:effectLst/>
+                          <a:latin typeface="Times New Roman" panose="02020603050405020304" pitchFamily="18" charset="0"/>
+                          <a:ea typeface="游ゴシック" panose="020B0400000000000000" pitchFamily="50" charset="-128"/>
+                          <a:cs typeface="Times New Roman" panose="02020603050405020304" pitchFamily="18" charset="0"/>
+                        </a:rPr>
+                        <a:t>I(0, 0)</a:t>
+                      </a:r>
+                    </a:p>
+                  </a:txBody>
+                  <a:tcPr marL="8852" marR="8852" marT="8852" marB="0" anchor="ctr">
+                    <a:lnL w="19050" cap="flat" cmpd="sng" algn="ctr">
+                      <a:solidFill>
+                        <a:srgbClr val="000000"/>
+                      </a:solidFill>
+                      <a:prstDash val="solid"/>
+                      <a:round/>
+                      <a:headEnd type="none" w="med" len="med"/>
+                      <a:tailEnd type="none" w="med" len="med"/>
+                    </a:lnL>
+                    <a:lnR w="19050" cap="flat" cmpd="sng" algn="ctr">
+                      <a:solidFill>
+                        <a:srgbClr val="000000"/>
+                      </a:solidFill>
+                      <a:prstDash val="solid"/>
+                      <a:round/>
+                      <a:headEnd type="none" w="med" len="med"/>
+                      <a:tailEnd type="none" w="med" len="med"/>
+                    </a:lnR>
+                    <a:lnT w="19050" cap="flat" cmpd="sng" algn="ctr">
+                      <a:solidFill>
+                        <a:srgbClr val="000000"/>
+                      </a:solidFill>
+                      <a:prstDash val="solid"/>
+                      <a:round/>
+                      <a:headEnd type="none" w="med" len="med"/>
+                      <a:tailEnd type="none" w="med" len="med"/>
+                    </a:lnT>
+                    <a:lnB w="19050" cap="flat" cmpd="sng" algn="ctr">
+                      <a:solidFill>
+                        <a:srgbClr val="000000"/>
+                      </a:solidFill>
+                      <a:prstDash val="solid"/>
+                      <a:round/>
+                      <a:headEnd type="none" w="med" len="med"/>
+                      <a:tailEnd type="none" w="med" len="med"/>
+                    </a:lnB>
+                  </a:tcPr>
+                </a:tc>
+                <a:tc>
+                  <a:txBody>
+                    <a:bodyPr/>
+                    <a:lstStyle/>
+                    <a:p>
+                      <a:pPr algn="ctr" fontAlgn="ctr"/>
+                      <a:r>
+                        <a:rPr lang="en-US" sz="2600" b="0" i="0" u="none" strike="noStrike">
+                          <a:solidFill>
+                            <a:srgbClr val="000000"/>
+                          </a:solidFill>
+                          <a:effectLst/>
+                          <a:latin typeface="Times New Roman" panose="02020603050405020304" pitchFamily="18" charset="0"/>
+                          <a:ea typeface="游ゴシック" panose="020B0400000000000000" pitchFamily="50" charset="-128"/>
+                          <a:cs typeface="Times New Roman" panose="02020603050405020304" pitchFamily="18" charset="0"/>
+                        </a:rPr>
+                        <a:t>I(0, 1)</a:t>
+                      </a:r>
+                    </a:p>
+                  </a:txBody>
+                  <a:tcPr marL="8852" marR="8852" marT="8852" marB="0" anchor="ctr">
+                    <a:lnL w="19050" cap="flat" cmpd="sng" algn="ctr">
+                      <a:solidFill>
+                        <a:srgbClr val="000000"/>
+                      </a:solidFill>
+                      <a:prstDash val="solid"/>
+                      <a:round/>
+                      <a:headEnd type="none" w="med" len="med"/>
+                      <a:tailEnd type="none" w="med" len="med"/>
+                    </a:lnL>
+                    <a:lnR w="19050" cap="flat" cmpd="sng" algn="ctr">
+                      <a:solidFill>
+                        <a:srgbClr val="000000"/>
+                      </a:solidFill>
+                      <a:prstDash val="solid"/>
+                      <a:round/>
+                      <a:headEnd type="none" w="med" len="med"/>
+                      <a:tailEnd type="none" w="med" len="med"/>
+                    </a:lnR>
+                    <a:lnT w="19050" cap="flat" cmpd="sng" algn="ctr">
+                      <a:solidFill>
+                        <a:srgbClr val="000000"/>
+                      </a:solidFill>
+                      <a:prstDash val="solid"/>
+                      <a:round/>
+                      <a:headEnd type="none" w="med" len="med"/>
+                      <a:tailEnd type="none" w="med" len="med"/>
+                    </a:lnT>
+                    <a:lnB w="19050" cap="flat" cmpd="sng" algn="ctr">
+                      <a:solidFill>
+                        <a:srgbClr val="000000"/>
+                      </a:solidFill>
+                      <a:prstDash val="solid"/>
+                      <a:round/>
+                      <a:headEnd type="none" w="med" len="med"/>
+                      <a:tailEnd type="none" w="med" len="med"/>
+                    </a:lnB>
+                  </a:tcPr>
+                </a:tc>
+                <a:tc>
+                  <a:txBody>
+                    <a:bodyPr/>
+                    <a:lstStyle/>
+                    <a:p>
+                      <a:pPr algn="ctr" fontAlgn="ctr"/>
+                      <a:r>
+                        <a:rPr lang="en-US" sz="2600" b="0" i="0" u="none" strike="noStrike">
+                          <a:solidFill>
+                            <a:srgbClr val="000000"/>
+                          </a:solidFill>
+                          <a:effectLst/>
+                          <a:latin typeface="Times New Roman" panose="02020603050405020304" pitchFamily="18" charset="0"/>
+                          <a:ea typeface="游ゴシック" panose="020B0400000000000000" pitchFamily="50" charset="-128"/>
+                          <a:cs typeface="Times New Roman" panose="02020603050405020304" pitchFamily="18" charset="0"/>
+                        </a:rPr>
+                        <a:t>I(0, 2)</a:t>
+                      </a:r>
+                    </a:p>
+                  </a:txBody>
+                  <a:tcPr marL="8852" marR="8852" marT="8852" marB="0" anchor="ctr">
+                    <a:lnL w="19050" cap="flat" cmpd="sng" algn="ctr">
+                      <a:solidFill>
+                        <a:srgbClr val="000000"/>
+                      </a:solidFill>
+                      <a:prstDash val="solid"/>
+                      <a:round/>
+                      <a:headEnd type="none" w="med" len="med"/>
+                      <a:tailEnd type="none" w="med" len="med"/>
+                    </a:lnL>
+                    <a:lnR w="19050" cap="flat" cmpd="sng" algn="ctr">
+                      <a:solidFill>
+                        <a:srgbClr val="000000"/>
+                      </a:solidFill>
+                      <a:prstDash val="solid"/>
+                      <a:round/>
+                      <a:headEnd type="none" w="med" len="med"/>
+                      <a:tailEnd type="none" w="med" len="med"/>
+                    </a:lnR>
+                    <a:lnT w="19050" cap="flat" cmpd="sng" algn="ctr">
+                      <a:solidFill>
+                        <a:srgbClr val="000000"/>
+                      </a:solidFill>
+                      <a:prstDash val="solid"/>
+                      <a:round/>
+                      <a:headEnd type="none" w="med" len="med"/>
+                      <a:tailEnd type="none" w="med" len="med"/>
+                    </a:lnT>
+                    <a:lnB w="19050" cap="flat" cmpd="sng" algn="ctr">
+                      <a:solidFill>
+                        <a:srgbClr val="000000"/>
+                      </a:solidFill>
+                      <a:prstDash val="solid"/>
+                      <a:round/>
+                      <a:headEnd type="none" w="med" len="med"/>
+                      <a:tailEnd type="none" w="med" len="med"/>
+                    </a:lnB>
+                  </a:tcPr>
+                </a:tc>
+                <a:tc>
+                  <a:txBody>
+                    <a:bodyPr/>
+                    <a:lstStyle/>
+                    <a:p>
+                      <a:pPr algn="ctr" fontAlgn="ctr"/>
+                      <a:endParaRPr lang="ja-JP" altLang="en-US" sz="2600" b="0" i="0" u="none" strike="noStrike">
+                        <a:solidFill>
+                          <a:srgbClr val="000000"/>
+                        </a:solidFill>
+                        <a:effectLst/>
+                        <a:latin typeface="Times New Roman" panose="02020603050405020304" pitchFamily="18" charset="0"/>
+                        <a:ea typeface="游ゴシック" panose="020B0400000000000000" pitchFamily="50" charset="-128"/>
+                        <a:cs typeface="Times New Roman" panose="02020603050405020304" pitchFamily="18" charset="0"/>
+                      </a:endParaRPr>
+                    </a:p>
+                  </a:txBody>
+                  <a:tcPr marL="8852" marR="8852" marT="8852" marB="0" anchor="ctr">
+                    <a:lnL w="19050" cap="flat" cmpd="sng" algn="ctr">
+                      <a:solidFill>
+                        <a:srgbClr val="000000"/>
+                      </a:solidFill>
+                      <a:prstDash val="solid"/>
+                      <a:round/>
+                      <a:headEnd type="none" w="med" len="med"/>
+                      <a:tailEnd type="none" w="med" len="med"/>
+                    </a:lnL>
+                    <a:lnR w="19050" cap="flat" cmpd="sng" algn="ctr">
+                      <a:solidFill>
+                        <a:srgbClr val="000000"/>
+                      </a:solidFill>
+                      <a:prstDash val="solid"/>
+                      <a:round/>
+                      <a:headEnd type="none" w="med" len="med"/>
+                      <a:tailEnd type="none" w="med" len="med"/>
+                    </a:lnR>
+                    <a:lnT>
+                      <a:noFill/>
+                    </a:lnT>
+                    <a:lnB>
+                      <a:noFill/>
+                    </a:lnB>
+                  </a:tcPr>
+                </a:tc>
+                <a:tc>
+                  <a:txBody>
+                    <a:bodyPr/>
+                    <a:lstStyle/>
+                    <a:p>
+                      <a:pPr algn="ctr" fontAlgn="ctr"/>
+                      <a:r>
+                        <a:rPr lang="en-US" sz="2600" b="0" i="0" u="none" strike="noStrike" dirty="0">
+                          <a:solidFill>
+                            <a:srgbClr val="000000"/>
+                          </a:solidFill>
+                          <a:effectLst/>
+                          <a:latin typeface="Times New Roman" panose="02020603050405020304" pitchFamily="18" charset="0"/>
+                          <a:ea typeface="游ゴシック" panose="020B0400000000000000" pitchFamily="50" charset="-128"/>
+                          <a:cs typeface="Times New Roman" panose="02020603050405020304" pitchFamily="18" charset="0"/>
+                        </a:rPr>
+                        <a:t>I(0, </a:t>
+                      </a:r>
+                      <a:r>
+                        <a:rPr lang="en-US" sz="2600" b="0" i="1" u="none" strike="noStrike" dirty="0">
+                          <a:solidFill>
+                            <a:srgbClr val="000000"/>
+                          </a:solidFill>
+                          <a:effectLst/>
+                          <a:latin typeface="Times New Roman" panose="02020603050405020304" pitchFamily="18" charset="0"/>
+                          <a:ea typeface="游ゴシック" panose="020B0400000000000000" pitchFamily="50" charset="-128"/>
+                          <a:cs typeface="Times New Roman" panose="02020603050405020304" pitchFamily="18" charset="0"/>
+                        </a:rPr>
+                        <a:t>j</a:t>
+                      </a:r>
+                      <a:r>
+                        <a:rPr lang="en-US" sz="2600" b="0" i="0" u="none" strike="noStrike" dirty="0">
+                          <a:solidFill>
+                            <a:srgbClr val="000000"/>
+                          </a:solidFill>
+                          <a:effectLst/>
+                          <a:latin typeface="Times New Roman" panose="02020603050405020304" pitchFamily="18" charset="0"/>
+                          <a:ea typeface="游ゴシック" panose="020B0400000000000000" pitchFamily="50" charset="-128"/>
+                          <a:cs typeface="Times New Roman" panose="02020603050405020304" pitchFamily="18" charset="0"/>
+                        </a:rPr>
+                        <a:t>)</a:t>
+                      </a:r>
+                    </a:p>
+                  </a:txBody>
+                  <a:tcPr marL="8852" marR="8852" marT="8852" marB="0" anchor="ctr">
+                    <a:lnL w="19050" cap="flat" cmpd="sng" algn="ctr">
+                      <a:solidFill>
+                        <a:srgbClr val="000000"/>
+                      </a:solidFill>
+                      <a:prstDash val="solid"/>
+                      <a:round/>
+                      <a:headEnd type="none" w="med" len="med"/>
+                      <a:tailEnd type="none" w="med" len="med"/>
+                    </a:lnL>
+                    <a:lnR w="19050" cap="flat" cmpd="sng" algn="ctr">
+                      <a:solidFill>
+                        <a:srgbClr val="000000"/>
+                      </a:solidFill>
+                      <a:prstDash val="solid"/>
+                      <a:round/>
+                      <a:headEnd type="none" w="med" len="med"/>
+                      <a:tailEnd type="none" w="med" len="med"/>
+                    </a:lnR>
+                    <a:lnT w="19050" cap="flat" cmpd="sng" algn="ctr">
+                      <a:solidFill>
+                        <a:srgbClr val="000000"/>
+                      </a:solidFill>
+                      <a:prstDash val="solid"/>
+                      <a:round/>
+                      <a:headEnd type="none" w="med" len="med"/>
+                      <a:tailEnd type="none" w="med" len="med"/>
+                    </a:lnT>
+                    <a:lnB w="19050" cap="flat" cmpd="sng" algn="ctr">
+                      <a:solidFill>
+                        <a:srgbClr val="000000"/>
+                      </a:solidFill>
+                      <a:prstDash val="solid"/>
+                      <a:round/>
+                      <a:headEnd type="none" w="med" len="med"/>
+                      <a:tailEnd type="none" w="med" len="med"/>
+                    </a:lnB>
+                  </a:tcPr>
+                </a:tc>
+                <a:extLst>
+                  <a:ext uri="{0D108BD9-81ED-4DB2-BD59-A6C34878D82A}">
+                    <a16:rowId xmlns:a16="http://schemas.microsoft.com/office/drawing/2014/main" val="3993400623"/>
+                  </a:ext>
+                </a:extLst>
+              </a:tr>
+              <a:tr h="1097743">
+                <a:tc>
+                  <a:txBody>
+                    <a:bodyPr/>
+                    <a:lstStyle/>
+                    <a:p>
+                      <a:pPr algn="ctr" fontAlgn="ctr"/>
+                      <a:r>
+                        <a:rPr lang="en-US" sz="2600" b="0" i="0" u="none" strike="noStrike">
+                          <a:solidFill>
+                            <a:srgbClr val="000000"/>
+                          </a:solidFill>
+                          <a:effectLst/>
+                          <a:latin typeface="Times New Roman" panose="02020603050405020304" pitchFamily="18" charset="0"/>
+                          <a:ea typeface="游ゴシック" panose="020B0400000000000000" pitchFamily="50" charset="-128"/>
+                          <a:cs typeface="Times New Roman" panose="02020603050405020304" pitchFamily="18" charset="0"/>
+                        </a:rPr>
+                        <a:t>I(1, 0)</a:t>
+                      </a:r>
+                    </a:p>
+                  </a:txBody>
+                  <a:tcPr marL="8852" marR="8852" marT="8852" marB="0" anchor="ctr">
+                    <a:lnL w="19050" cap="flat" cmpd="sng" algn="ctr">
+                      <a:solidFill>
+                        <a:srgbClr val="000000"/>
+                      </a:solidFill>
+                      <a:prstDash val="solid"/>
+                      <a:round/>
+                      <a:headEnd type="none" w="med" len="med"/>
+                      <a:tailEnd type="none" w="med" len="med"/>
+                    </a:lnL>
+                    <a:lnR w="19050" cap="flat" cmpd="sng" algn="ctr">
+                      <a:solidFill>
+                        <a:srgbClr val="000000"/>
+                      </a:solidFill>
+                      <a:prstDash val="solid"/>
+                      <a:round/>
+                      <a:headEnd type="none" w="med" len="med"/>
+                      <a:tailEnd type="none" w="med" len="med"/>
+                    </a:lnR>
+                    <a:lnT w="19050" cap="flat" cmpd="sng" algn="ctr">
+                      <a:solidFill>
+                        <a:srgbClr val="000000"/>
+                      </a:solidFill>
+                      <a:prstDash val="solid"/>
+                      <a:round/>
+                      <a:headEnd type="none" w="med" len="med"/>
+                      <a:tailEnd type="none" w="med" len="med"/>
+                    </a:lnT>
+                    <a:lnB w="19050" cap="flat" cmpd="sng" algn="ctr">
+                      <a:solidFill>
+                        <a:srgbClr val="000000"/>
+                      </a:solidFill>
+                      <a:prstDash val="solid"/>
+                      <a:round/>
+                      <a:headEnd type="none" w="med" len="med"/>
+                      <a:tailEnd type="none" w="med" len="med"/>
+                    </a:lnB>
+                  </a:tcPr>
+                </a:tc>
+                <a:tc>
+                  <a:txBody>
+                    <a:bodyPr/>
+                    <a:lstStyle/>
+                    <a:p>
+                      <a:pPr algn="ctr" fontAlgn="ctr"/>
+                      <a:r>
+                        <a:rPr lang="en-US" sz="2600" b="0" i="0" u="none" strike="noStrike">
+                          <a:solidFill>
+                            <a:srgbClr val="000000"/>
+                          </a:solidFill>
+                          <a:effectLst/>
+                          <a:latin typeface="Times New Roman" panose="02020603050405020304" pitchFamily="18" charset="0"/>
+                          <a:ea typeface="游ゴシック" panose="020B0400000000000000" pitchFamily="50" charset="-128"/>
+                          <a:cs typeface="Times New Roman" panose="02020603050405020304" pitchFamily="18" charset="0"/>
+                        </a:rPr>
+                        <a:t>I(1, 1)</a:t>
+                      </a:r>
+                    </a:p>
+                  </a:txBody>
+                  <a:tcPr marL="8852" marR="8852" marT="8852" marB="0" anchor="ctr">
+                    <a:lnL w="19050" cap="flat" cmpd="sng" algn="ctr">
+                      <a:solidFill>
+                        <a:srgbClr val="000000"/>
+                      </a:solidFill>
+                      <a:prstDash val="solid"/>
+                      <a:round/>
+                      <a:headEnd type="none" w="med" len="med"/>
+                      <a:tailEnd type="none" w="med" len="med"/>
+                    </a:lnL>
+                    <a:lnR w="19050" cap="flat" cmpd="sng" algn="ctr">
+                      <a:solidFill>
+                        <a:srgbClr val="000000"/>
+                      </a:solidFill>
+                      <a:prstDash val="solid"/>
+                      <a:round/>
+                      <a:headEnd type="none" w="med" len="med"/>
+                      <a:tailEnd type="none" w="med" len="med"/>
+                    </a:lnR>
+                    <a:lnT w="19050" cap="flat" cmpd="sng" algn="ctr">
+                      <a:solidFill>
+                        <a:srgbClr val="000000"/>
+                      </a:solidFill>
+                      <a:prstDash val="solid"/>
+                      <a:round/>
+                      <a:headEnd type="none" w="med" len="med"/>
+                      <a:tailEnd type="none" w="med" len="med"/>
+                    </a:lnT>
+                    <a:lnB w="19050" cap="flat" cmpd="sng" algn="ctr">
+                      <a:solidFill>
+                        <a:srgbClr val="000000"/>
+                      </a:solidFill>
+                      <a:prstDash val="solid"/>
+                      <a:round/>
+                      <a:headEnd type="none" w="med" len="med"/>
+                      <a:tailEnd type="none" w="med" len="med"/>
+                    </a:lnB>
+                  </a:tcPr>
+                </a:tc>
+                <a:tc>
+                  <a:txBody>
+                    <a:bodyPr/>
+                    <a:lstStyle/>
+                    <a:p>
+                      <a:pPr algn="ctr" fontAlgn="ctr"/>
+                      <a:r>
+                        <a:rPr lang="en-US" sz="2600" b="0" i="0" u="none" strike="noStrike">
+                          <a:solidFill>
+                            <a:srgbClr val="000000"/>
+                          </a:solidFill>
+                          <a:effectLst/>
+                          <a:latin typeface="Times New Roman" panose="02020603050405020304" pitchFamily="18" charset="0"/>
+                          <a:ea typeface="游ゴシック" panose="020B0400000000000000" pitchFamily="50" charset="-128"/>
+                          <a:cs typeface="Times New Roman" panose="02020603050405020304" pitchFamily="18" charset="0"/>
+                        </a:rPr>
+                        <a:t>I(1, 2)</a:t>
+                      </a:r>
+                    </a:p>
+                  </a:txBody>
+                  <a:tcPr marL="8852" marR="8852" marT="8852" marB="0" anchor="ctr">
+                    <a:lnL w="19050" cap="flat" cmpd="sng" algn="ctr">
+                      <a:solidFill>
+                        <a:srgbClr val="000000"/>
+                      </a:solidFill>
+                      <a:prstDash val="solid"/>
+                      <a:round/>
+                      <a:headEnd type="none" w="med" len="med"/>
+                      <a:tailEnd type="none" w="med" len="med"/>
+                    </a:lnL>
+                    <a:lnR w="19050" cap="flat" cmpd="sng" algn="ctr">
+                      <a:solidFill>
+                        <a:srgbClr val="000000"/>
+                      </a:solidFill>
+                      <a:prstDash val="solid"/>
+                      <a:round/>
+                      <a:headEnd type="none" w="med" len="med"/>
+                      <a:tailEnd type="none" w="med" len="med"/>
+                    </a:lnR>
+                    <a:lnT w="19050" cap="flat" cmpd="sng" algn="ctr">
+                      <a:solidFill>
+                        <a:srgbClr val="000000"/>
+                      </a:solidFill>
+                      <a:prstDash val="solid"/>
+                      <a:round/>
+                      <a:headEnd type="none" w="med" len="med"/>
+                      <a:tailEnd type="none" w="med" len="med"/>
+                    </a:lnT>
+                    <a:lnB w="19050" cap="flat" cmpd="sng" algn="ctr">
+                      <a:solidFill>
+                        <a:srgbClr val="000000"/>
+                      </a:solidFill>
+                      <a:prstDash val="solid"/>
+                      <a:round/>
+                      <a:headEnd type="none" w="med" len="med"/>
+                      <a:tailEnd type="none" w="med" len="med"/>
+                    </a:lnB>
+                  </a:tcPr>
+                </a:tc>
+                <a:tc>
+                  <a:txBody>
+                    <a:bodyPr/>
+                    <a:lstStyle/>
+                    <a:p>
+                      <a:pPr algn="ctr" fontAlgn="ctr"/>
+                      <a:r>
+                        <a:rPr lang="en-US" altLang="ja-JP" sz="2600" b="0" i="0" u="none" strike="noStrike">
+                          <a:solidFill>
+                            <a:srgbClr val="000000"/>
+                          </a:solidFill>
+                          <a:effectLst/>
+                          <a:latin typeface="Times New Roman" panose="02020603050405020304" pitchFamily="18" charset="0"/>
+                          <a:ea typeface="游ゴシック" panose="020B0400000000000000" pitchFamily="50" charset="-128"/>
+                          <a:cs typeface="Times New Roman" panose="02020603050405020304" pitchFamily="18" charset="0"/>
+                        </a:rPr>
+                        <a:t>…</a:t>
+                      </a:r>
+                    </a:p>
+                  </a:txBody>
+                  <a:tcPr marL="8852" marR="8852" marT="8852" marB="0" anchor="ctr">
+                    <a:lnL w="19050" cap="flat" cmpd="sng" algn="ctr">
+                      <a:solidFill>
+                        <a:srgbClr val="000000"/>
+                      </a:solidFill>
+                      <a:prstDash val="solid"/>
+                      <a:round/>
+                      <a:headEnd type="none" w="med" len="med"/>
+                      <a:tailEnd type="none" w="med" len="med"/>
+                    </a:lnL>
+                    <a:lnR w="19050" cap="flat" cmpd="sng" algn="ctr">
+                      <a:solidFill>
+                        <a:srgbClr val="000000"/>
+                      </a:solidFill>
+                      <a:prstDash val="solid"/>
+                      <a:round/>
+                      <a:headEnd type="none" w="med" len="med"/>
+                      <a:tailEnd type="none" w="med" len="med"/>
+                    </a:lnR>
+                    <a:lnT>
+                      <a:noFill/>
+                    </a:lnT>
+                    <a:lnB>
+                      <a:noFill/>
+                    </a:lnB>
+                  </a:tcPr>
+                </a:tc>
+                <a:tc>
+                  <a:txBody>
+                    <a:bodyPr/>
+                    <a:lstStyle/>
+                    <a:p>
+                      <a:pPr algn="ctr" fontAlgn="ctr"/>
+                      <a:r>
+                        <a:rPr lang="en-US" sz="2600" b="0" i="0" u="none" strike="noStrike" dirty="0">
+                          <a:solidFill>
+                            <a:srgbClr val="000000"/>
+                          </a:solidFill>
+                          <a:effectLst/>
+                          <a:latin typeface="Times New Roman" panose="02020603050405020304" pitchFamily="18" charset="0"/>
+                          <a:ea typeface="游ゴシック" panose="020B0400000000000000" pitchFamily="50" charset="-128"/>
+                          <a:cs typeface="Times New Roman" panose="02020603050405020304" pitchFamily="18" charset="0"/>
+                        </a:rPr>
+                        <a:t>I(1, </a:t>
+                      </a:r>
+                      <a:r>
+                        <a:rPr lang="en-US" sz="2600" b="0" i="1" u="none" strike="noStrike" dirty="0">
+                          <a:solidFill>
+                            <a:srgbClr val="000000"/>
+                          </a:solidFill>
+                          <a:effectLst/>
+                          <a:latin typeface="Times New Roman" panose="02020603050405020304" pitchFamily="18" charset="0"/>
+                          <a:ea typeface="游ゴシック" panose="020B0400000000000000" pitchFamily="50" charset="-128"/>
+                          <a:cs typeface="Times New Roman" panose="02020603050405020304" pitchFamily="18" charset="0"/>
+                        </a:rPr>
+                        <a:t>j</a:t>
+                      </a:r>
+                      <a:r>
+                        <a:rPr lang="en-US" sz="2600" b="0" i="0" u="none" strike="noStrike" dirty="0">
+                          <a:solidFill>
+                            <a:srgbClr val="000000"/>
+                          </a:solidFill>
+                          <a:effectLst/>
+                          <a:latin typeface="Times New Roman" panose="02020603050405020304" pitchFamily="18" charset="0"/>
+                          <a:ea typeface="游ゴシック" panose="020B0400000000000000" pitchFamily="50" charset="-128"/>
+                          <a:cs typeface="Times New Roman" panose="02020603050405020304" pitchFamily="18" charset="0"/>
+                        </a:rPr>
+                        <a:t>)</a:t>
+                      </a:r>
+                    </a:p>
+                  </a:txBody>
+                  <a:tcPr marL="8852" marR="8852" marT="8852" marB="0" anchor="ctr">
+                    <a:lnL w="19050" cap="flat" cmpd="sng" algn="ctr">
+                      <a:solidFill>
+                        <a:srgbClr val="000000"/>
+                      </a:solidFill>
+                      <a:prstDash val="solid"/>
+                      <a:round/>
+                      <a:headEnd type="none" w="med" len="med"/>
+                      <a:tailEnd type="none" w="med" len="med"/>
+                    </a:lnL>
+                    <a:lnR w="19050" cap="flat" cmpd="sng" algn="ctr">
+                      <a:solidFill>
+                        <a:srgbClr val="000000"/>
+                      </a:solidFill>
+                      <a:prstDash val="solid"/>
+                      <a:round/>
+                      <a:headEnd type="none" w="med" len="med"/>
+                      <a:tailEnd type="none" w="med" len="med"/>
+                    </a:lnR>
+                    <a:lnT w="19050" cap="flat" cmpd="sng" algn="ctr">
+                      <a:solidFill>
+                        <a:srgbClr val="000000"/>
+                      </a:solidFill>
+                      <a:prstDash val="solid"/>
+                      <a:round/>
+                      <a:headEnd type="none" w="med" len="med"/>
+                      <a:tailEnd type="none" w="med" len="med"/>
+                    </a:lnT>
+                    <a:lnB w="19050" cap="flat" cmpd="sng" algn="ctr">
+                      <a:solidFill>
+                        <a:srgbClr val="000000"/>
+                      </a:solidFill>
+                      <a:prstDash val="solid"/>
+                      <a:round/>
+                      <a:headEnd type="none" w="med" len="med"/>
+                      <a:tailEnd type="none" w="med" len="med"/>
+                    </a:lnB>
+                  </a:tcPr>
+                </a:tc>
+                <a:extLst>
+                  <a:ext uri="{0D108BD9-81ED-4DB2-BD59-A6C34878D82A}">
+                    <a16:rowId xmlns:a16="http://schemas.microsoft.com/office/drawing/2014/main" val="3526078250"/>
+                  </a:ext>
+                </a:extLst>
+              </a:tr>
+              <a:tr h="1097743">
+                <a:tc>
+                  <a:txBody>
+                    <a:bodyPr/>
+                    <a:lstStyle/>
+                    <a:p>
+                      <a:pPr algn="ctr" fontAlgn="ctr"/>
+                      <a:r>
+                        <a:rPr lang="en-US" sz="2600" b="0" i="0" u="none" strike="noStrike">
+                          <a:solidFill>
+                            <a:srgbClr val="000000"/>
+                          </a:solidFill>
+                          <a:effectLst/>
+                          <a:latin typeface="Times New Roman" panose="02020603050405020304" pitchFamily="18" charset="0"/>
+                          <a:ea typeface="游ゴシック" panose="020B0400000000000000" pitchFamily="50" charset="-128"/>
+                          <a:cs typeface="Times New Roman" panose="02020603050405020304" pitchFamily="18" charset="0"/>
+                        </a:rPr>
+                        <a:t>I(2, 0)</a:t>
+                      </a:r>
+                    </a:p>
+                  </a:txBody>
+                  <a:tcPr marL="8852" marR="8852" marT="8852" marB="0" anchor="ctr">
+                    <a:lnL w="19050" cap="flat" cmpd="sng" algn="ctr">
+                      <a:solidFill>
+                        <a:srgbClr val="000000"/>
+                      </a:solidFill>
+                      <a:prstDash val="solid"/>
+                      <a:round/>
+                      <a:headEnd type="none" w="med" len="med"/>
+                      <a:tailEnd type="none" w="med" len="med"/>
+                    </a:lnL>
+                    <a:lnR w="19050" cap="flat" cmpd="sng" algn="ctr">
+                      <a:solidFill>
+                        <a:srgbClr val="000000"/>
+                      </a:solidFill>
+                      <a:prstDash val="solid"/>
+                      <a:round/>
+                      <a:headEnd type="none" w="med" len="med"/>
+                      <a:tailEnd type="none" w="med" len="med"/>
+                    </a:lnR>
+                    <a:lnT w="19050" cap="flat" cmpd="sng" algn="ctr">
+                      <a:solidFill>
+                        <a:srgbClr val="000000"/>
+                      </a:solidFill>
+                      <a:prstDash val="solid"/>
+                      <a:round/>
+                      <a:headEnd type="none" w="med" len="med"/>
+                      <a:tailEnd type="none" w="med" len="med"/>
+                    </a:lnT>
+                    <a:lnB w="19050" cap="flat" cmpd="sng" algn="ctr">
+                      <a:solidFill>
+                        <a:srgbClr val="000000"/>
+                      </a:solidFill>
+                      <a:prstDash val="solid"/>
+                      <a:round/>
+                      <a:headEnd type="none" w="med" len="med"/>
+                      <a:tailEnd type="none" w="med" len="med"/>
+                    </a:lnB>
+                  </a:tcPr>
+                </a:tc>
+                <a:tc>
+                  <a:txBody>
+                    <a:bodyPr/>
+                    <a:lstStyle/>
+                    <a:p>
+                      <a:pPr algn="ctr" fontAlgn="ctr"/>
+                      <a:r>
+                        <a:rPr lang="en-US" sz="2600" b="0" i="0" u="none" strike="noStrike">
+                          <a:solidFill>
+                            <a:srgbClr val="000000"/>
+                          </a:solidFill>
+                          <a:effectLst/>
+                          <a:latin typeface="Times New Roman" panose="02020603050405020304" pitchFamily="18" charset="0"/>
+                          <a:ea typeface="游ゴシック" panose="020B0400000000000000" pitchFamily="50" charset="-128"/>
+                          <a:cs typeface="Times New Roman" panose="02020603050405020304" pitchFamily="18" charset="0"/>
+                        </a:rPr>
+                        <a:t>I(2, 1)</a:t>
+                      </a:r>
+                    </a:p>
+                  </a:txBody>
+                  <a:tcPr marL="8852" marR="8852" marT="8852" marB="0" anchor="ctr">
+                    <a:lnL w="19050" cap="flat" cmpd="sng" algn="ctr">
+                      <a:solidFill>
+                        <a:srgbClr val="000000"/>
+                      </a:solidFill>
+                      <a:prstDash val="solid"/>
+                      <a:round/>
+                      <a:headEnd type="none" w="med" len="med"/>
+                      <a:tailEnd type="none" w="med" len="med"/>
+                    </a:lnL>
+                    <a:lnR w="19050" cap="flat" cmpd="sng" algn="ctr">
+                      <a:solidFill>
+                        <a:srgbClr val="000000"/>
+                      </a:solidFill>
+                      <a:prstDash val="solid"/>
+                      <a:round/>
+                      <a:headEnd type="none" w="med" len="med"/>
+                      <a:tailEnd type="none" w="med" len="med"/>
+                    </a:lnR>
+                    <a:lnT w="19050" cap="flat" cmpd="sng" algn="ctr">
+                      <a:solidFill>
+                        <a:srgbClr val="000000"/>
+                      </a:solidFill>
+                      <a:prstDash val="solid"/>
+                      <a:round/>
+                      <a:headEnd type="none" w="med" len="med"/>
+                      <a:tailEnd type="none" w="med" len="med"/>
+                    </a:lnT>
+                    <a:lnB w="19050" cap="flat" cmpd="sng" algn="ctr">
+                      <a:solidFill>
+                        <a:srgbClr val="000000"/>
+                      </a:solidFill>
+                      <a:prstDash val="solid"/>
+                      <a:round/>
+                      <a:headEnd type="none" w="med" len="med"/>
+                      <a:tailEnd type="none" w="med" len="med"/>
+                    </a:lnB>
+                  </a:tcPr>
+                </a:tc>
+                <a:tc>
+                  <a:txBody>
+                    <a:bodyPr/>
+                    <a:lstStyle/>
+                    <a:p>
+                      <a:pPr algn="ctr" fontAlgn="ctr"/>
+                      <a:r>
+                        <a:rPr lang="en-US" sz="2600" b="0" i="0" u="none" strike="noStrike">
+                          <a:solidFill>
+                            <a:srgbClr val="000000"/>
+                          </a:solidFill>
+                          <a:effectLst/>
+                          <a:latin typeface="Times New Roman" panose="02020603050405020304" pitchFamily="18" charset="0"/>
+                          <a:ea typeface="游ゴシック" panose="020B0400000000000000" pitchFamily="50" charset="-128"/>
+                          <a:cs typeface="Times New Roman" panose="02020603050405020304" pitchFamily="18" charset="0"/>
+                        </a:rPr>
+                        <a:t>I(2, 2)</a:t>
+                      </a:r>
+                    </a:p>
+                  </a:txBody>
+                  <a:tcPr marL="8852" marR="8852" marT="8852" marB="0" anchor="ctr">
+                    <a:lnL w="19050" cap="flat" cmpd="sng" algn="ctr">
+                      <a:solidFill>
+                        <a:srgbClr val="000000"/>
+                      </a:solidFill>
+                      <a:prstDash val="solid"/>
+                      <a:round/>
+                      <a:headEnd type="none" w="med" len="med"/>
+                      <a:tailEnd type="none" w="med" len="med"/>
+                    </a:lnL>
+                    <a:lnR w="19050" cap="flat" cmpd="sng" algn="ctr">
+                      <a:solidFill>
+                        <a:srgbClr val="000000"/>
+                      </a:solidFill>
+                      <a:prstDash val="solid"/>
+                      <a:round/>
+                      <a:headEnd type="none" w="med" len="med"/>
+                      <a:tailEnd type="none" w="med" len="med"/>
+                    </a:lnR>
+                    <a:lnT w="19050" cap="flat" cmpd="sng" algn="ctr">
+                      <a:solidFill>
+                        <a:srgbClr val="000000"/>
+                      </a:solidFill>
+                      <a:prstDash val="solid"/>
+                      <a:round/>
+                      <a:headEnd type="none" w="med" len="med"/>
+                      <a:tailEnd type="none" w="med" len="med"/>
+                    </a:lnT>
+                    <a:lnB w="19050" cap="flat" cmpd="sng" algn="ctr">
+                      <a:solidFill>
+                        <a:srgbClr val="000000"/>
+                      </a:solidFill>
+                      <a:prstDash val="solid"/>
+                      <a:round/>
+                      <a:headEnd type="none" w="med" len="med"/>
+                      <a:tailEnd type="none" w="med" len="med"/>
+                    </a:lnB>
+                  </a:tcPr>
+                </a:tc>
+                <a:tc>
+                  <a:txBody>
+                    <a:bodyPr/>
+                    <a:lstStyle/>
+                    <a:p>
+                      <a:pPr algn="ctr" fontAlgn="ctr"/>
+                      <a:endParaRPr lang="ja-JP" altLang="en-US" sz="2600" b="0" i="0" u="none" strike="noStrike" dirty="0">
+                        <a:solidFill>
+                          <a:srgbClr val="000000"/>
+                        </a:solidFill>
+                        <a:effectLst/>
+                        <a:latin typeface="Times New Roman" panose="02020603050405020304" pitchFamily="18" charset="0"/>
+                        <a:ea typeface="游ゴシック" panose="020B0400000000000000" pitchFamily="50" charset="-128"/>
+                        <a:cs typeface="Times New Roman" panose="02020603050405020304" pitchFamily="18" charset="0"/>
+                      </a:endParaRPr>
+                    </a:p>
+                  </a:txBody>
+                  <a:tcPr marL="8852" marR="8852" marT="8852" marB="0" anchor="ctr">
+                    <a:lnL w="19050" cap="flat" cmpd="sng" algn="ctr">
+                      <a:solidFill>
+                        <a:srgbClr val="000000"/>
+                      </a:solidFill>
+                      <a:prstDash val="solid"/>
+                      <a:round/>
+                      <a:headEnd type="none" w="med" len="med"/>
+                      <a:tailEnd type="none" w="med" len="med"/>
+                    </a:lnL>
+                    <a:lnR w="19050" cap="flat" cmpd="sng" algn="ctr">
+                      <a:solidFill>
+                        <a:srgbClr val="000000"/>
+                      </a:solidFill>
+                      <a:prstDash val="solid"/>
+                      <a:round/>
+                      <a:headEnd type="none" w="med" len="med"/>
+                      <a:tailEnd type="none" w="med" len="med"/>
+                    </a:lnR>
+                    <a:lnT>
+                      <a:noFill/>
+                    </a:lnT>
+                    <a:lnB>
+                      <a:noFill/>
+                    </a:lnB>
+                  </a:tcPr>
+                </a:tc>
+                <a:tc>
+                  <a:txBody>
+                    <a:bodyPr/>
+                    <a:lstStyle/>
+                    <a:p>
+                      <a:pPr algn="ctr" fontAlgn="ctr"/>
+                      <a:r>
+                        <a:rPr lang="en-US" sz="2600" b="0" i="0" u="none" strike="noStrike" dirty="0">
+                          <a:solidFill>
+                            <a:srgbClr val="000000"/>
+                          </a:solidFill>
+                          <a:effectLst/>
+                          <a:latin typeface="Times New Roman" panose="02020603050405020304" pitchFamily="18" charset="0"/>
+                          <a:ea typeface="游ゴシック" panose="020B0400000000000000" pitchFamily="50" charset="-128"/>
+                          <a:cs typeface="Times New Roman" panose="02020603050405020304" pitchFamily="18" charset="0"/>
+                        </a:rPr>
+                        <a:t>I(2, </a:t>
+                      </a:r>
+                      <a:r>
+                        <a:rPr lang="en-US" sz="2600" b="0" i="1" u="none" strike="noStrike" dirty="0">
+                          <a:solidFill>
+                            <a:srgbClr val="000000"/>
+                          </a:solidFill>
+                          <a:effectLst/>
+                          <a:latin typeface="Times New Roman" panose="02020603050405020304" pitchFamily="18" charset="0"/>
+                          <a:ea typeface="游ゴシック" panose="020B0400000000000000" pitchFamily="50" charset="-128"/>
+                          <a:cs typeface="Times New Roman" panose="02020603050405020304" pitchFamily="18" charset="0"/>
+                        </a:rPr>
+                        <a:t>j</a:t>
+                      </a:r>
+                      <a:r>
+                        <a:rPr lang="en-US" sz="2600" b="0" i="0" u="none" strike="noStrike" dirty="0">
+                          <a:solidFill>
+                            <a:srgbClr val="000000"/>
+                          </a:solidFill>
+                          <a:effectLst/>
+                          <a:latin typeface="Times New Roman" panose="02020603050405020304" pitchFamily="18" charset="0"/>
+                          <a:ea typeface="游ゴシック" panose="020B0400000000000000" pitchFamily="50" charset="-128"/>
+                          <a:cs typeface="Times New Roman" panose="02020603050405020304" pitchFamily="18" charset="0"/>
+                        </a:rPr>
+                        <a:t>)</a:t>
+                      </a:r>
+                    </a:p>
+                  </a:txBody>
+                  <a:tcPr marL="8852" marR="8852" marT="8852" marB="0" anchor="ctr">
+                    <a:lnL w="19050" cap="flat" cmpd="sng" algn="ctr">
+                      <a:solidFill>
+                        <a:srgbClr val="000000"/>
+                      </a:solidFill>
+                      <a:prstDash val="solid"/>
+                      <a:round/>
+                      <a:headEnd type="none" w="med" len="med"/>
+                      <a:tailEnd type="none" w="med" len="med"/>
+                    </a:lnL>
+                    <a:lnR w="19050" cap="flat" cmpd="sng" algn="ctr">
+                      <a:solidFill>
+                        <a:srgbClr val="000000"/>
+                      </a:solidFill>
+                      <a:prstDash val="solid"/>
+                      <a:round/>
+                      <a:headEnd type="none" w="med" len="med"/>
+                      <a:tailEnd type="none" w="med" len="med"/>
+                    </a:lnR>
+                    <a:lnT w="19050" cap="flat" cmpd="sng" algn="ctr">
+                      <a:solidFill>
+                        <a:srgbClr val="000000"/>
+                      </a:solidFill>
+                      <a:prstDash val="solid"/>
+                      <a:round/>
+                      <a:headEnd type="none" w="med" len="med"/>
+                      <a:tailEnd type="none" w="med" len="med"/>
+                    </a:lnT>
+                    <a:lnB w="19050" cap="flat" cmpd="sng" algn="ctr">
+                      <a:solidFill>
+                        <a:srgbClr val="000000"/>
+                      </a:solidFill>
+                      <a:prstDash val="solid"/>
+                      <a:round/>
+                      <a:headEnd type="none" w="med" len="med"/>
+                      <a:tailEnd type="none" w="med" len="med"/>
+                    </a:lnB>
+                  </a:tcPr>
+                </a:tc>
+                <a:extLst>
+                  <a:ext uri="{0D108BD9-81ED-4DB2-BD59-A6C34878D82A}">
+                    <a16:rowId xmlns:a16="http://schemas.microsoft.com/office/drawing/2014/main" val="3076640951"/>
+                  </a:ext>
+                </a:extLst>
+              </a:tr>
+              <a:tr h="1097743">
+                <a:tc>
+                  <a:txBody>
+                    <a:bodyPr/>
+                    <a:lstStyle/>
+                    <a:p>
+                      <a:pPr algn="ctr" fontAlgn="ctr"/>
+                      <a:endParaRPr lang="ja-JP" altLang="en-US" sz="2600" b="0" i="0" u="none" strike="noStrike">
+                        <a:solidFill>
+                          <a:srgbClr val="000000"/>
+                        </a:solidFill>
+                        <a:effectLst/>
+                        <a:latin typeface="Times New Roman" panose="02020603050405020304" pitchFamily="18" charset="0"/>
+                        <a:ea typeface="游ゴシック" panose="020B0400000000000000" pitchFamily="50" charset="-128"/>
+                        <a:cs typeface="Times New Roman" panose="02020603050405020304" pitchFamily="18" charset="0"/>
+                      </a:endParaRPr>
+                    </a:p>
+                  </a:txBody>
+                  <a:tcPr marL="8852" marR="8852" marT="8852" marB="0" anchor="ctr">
+                    <a:lnL>
+                      <a:noFill/>
+                    </a:lnL>
+                    <a:lnR>
+                      <a:noFill/>
+                    </a:lnR>
+                    <a:lnT w="19050" cap="flat" cmpd="sng" algn="ctr">
+                      <a:solidFill>
+                        <a:srgbClr val="000000"/>
+                      </a:solidFill>
+                      <a:prstDash val="solid"/>
+                      <a:round/>
+                      <a:headEnd type="none" w="med" len="med"/>
+                      <a:tailEnd type="none" w="med" len="med"/>
+                    </a:lnT>
+                    <a:lnB w="19050" cap="flat" cmpd="sng" algn="ctr">
+                      <a:solidFill>
+                        <a:srgbClr val="000000"/>
+                      </a:solidFill>
+                      <a:prstDash val="solid"/>
+                      <a:round/>
+                      <a:headEnd type="none" w="med" len="med"/>
+                      <a:tailEnd type="none" w="med" len="med"/>
+                    </a:lnB>
+                  </a:tcPr>
+                </a:tc>
+                <a:tc>
+                  <a:txBody>
+                    <a:bodyPr/>
+                    <a:lstStyle/>
+                    <a:p>
+                      <a:pPr algn="ctr" fontAlgn="ctr"/>
+                      <a:r>
+                        <a:rPr lang="en-US" altLang="ja-JP" sz="2600" b="0" i="0" u="none" strike="noStrike">
+                          <a:solidFill>
+                            <a:srgbClr val="000000"/>
+                          </a:solidFill>
+                          <a:effectLst/>
+                          <a:latin typeface="Times New Roman" panose="02020603050405020304" pitchFamily="18" charset="0"/>
+                          <a:ea typeface="游ゴシック" panose="020B0400000000000000" pitchFamily="50" charset="-128"/>
+                          <a:cs typeface="Times New Roman" panose="02020603050405020304" pitchFamily="18" charset="0"/>
+                        </a:rPr>
+                        <a:t>…</a:t>
+                      </a:r>
+                    </a:p>
+                  </a:txBody>
+                  <a:tcPr marL="8852" marR="8852" marT="8852" marB="0" vert="eaVert" anchor="ctr">
+                    <a:lnL>
+                      <a:noFill/>
+                    </a:lnL>
+                    <a:lnR>
+                      <a:noFill/>
+                    </a:lnR>
+                    <a:lnT w="19050" cap="flat" cmpd="sng" algn="ctr">
+                      <a:solidFill>
+                        <a:srgbClr val="000000"/>
+                      </a:solidFill>
+                      <a:prstDash val="solid"/>
+                      <a:round/>
+                      <a:headEnd type="none" w="med" len="med"/>
+                      <a:tailEnd type="none" w="med" len="med"/>
+                    </a:lnT>
+                    <a:lnB w="19050" cap="flat" cmpd="sng" algn="ctr">
+                      <a:solidFill>
+                        <a:srgbClr val="000000"/>
+                      </a:solidFill>
+                      <a:prstDash val="solid"/>
+                      <a:round/>
+                      <a:headEnd type="none" w="med" len="med"/>
+                      <a:tailEnd type="none" w="med" len="med"/>
+                    </a:lnB>
+                  </a:tcPr>
+                </a:tc>
+                <a:tc>
+                  <a:txBody>
+                    <a:bodyPr/>
+                    <a:lstStyle/>
+                    <a:p>
+                      <a:pPr algn="ctr" fontAlgn="ctr"/>
+                      <a:endParaRPr lang="ja-JP" altLang="en-US" sz="2600" b="0" i="0" u="none" strike="noStrike">
+                        <a:solidFill>
+                          <a:srgbClr val="000000"/>
+                        </a:solidFill>
+                        <a:effectLst/>
+                        <a:latin typeface="Times New Roman" panose="02020603050405020304" pitchFamily="18" charset="0"/>
+                        <a:ea typeface="游ゴシック" panose="020B0400000000000000" pitchFamily="50" charset="-128"/>
+                        <a:cs typeface="Times New Roman" panose="02020603050405020304" pitchFamily="18" charset="0"/>
+                      </a:endParaRPr>
+                    </a:p>
+                  </a:txBody>
+                  <a:tcPr marL="8852" marR="8852" marT="8852" marB="0" anchor="ctr">
+                    <a:lnL>
+                      <a:noFill/>
+                    </a:lnL>
+                    <a:lnR>
+                      <a:noFill/>
+                    </a:lnR>
+                    <a:lnT w="19050" cap="flat" cmpd="sng" algn="ctr">
+                      <a:solidFill>
+                        <a:srgbClr val="000000"/>
+                      </a:solidFill>
+                      <a:prstDash val="solid"/>
+                      <a:round/>
+                      <a:headEnd type="none" w="med" len="med"/>
+                      <a:tailEnd type="none" w="med" len="med"/>
+                    </a:lnT>
+                    <a:lnB w="19050" cap="flat" cmpd="sng" algn="ctr">
+                      <a:solidFill>
+                        <a:srgbClr val="000000"/>
+                      </a:solidFill>
+                      <a:prstDash val="solid"/>
+                      <a:round/>
+                      <a:headEnd type="none" w="med" len="med"/>
+                      <a:tailEnd type="none" w="med" len="med"/>
+                    </a:lnB>
+                  </a:tcPr>
+                </a:tc>
+                <a:tc>
+                  <a:txBody>
+                    <a:bodyPr/>
+                    <a:lstStyle/>
+                    <a:p>
+                      <a:pPr algn="ctr" fontAlgn="t"/>
+                      <a:endParaRPr lang="en-US" altLang="ja-JP" sz="2600" b="0" i="0" u="none" strike="noStrike" dirty="0">
+                        <a:solidFill>
+                          <a:srgbClr val="000000"/>
+                        </a:solidFill>
+                        <a:effectLst/>
+                        <a:latin typeface="Times New Roman" panose="02020603050405020304" pitchFamily="18" charset="0"/>
+                        <a:ea typeface="游ゴシック" panose="020B0400000000000000" pitchFamily="50" charset="-128"/>
+                        <a:cs typeface="Times New Roman" panose="02020603050405020304" pitchFamily="18" charset="0"/>
+                      </a:endParaRPr>
+                    </a:p>
+                  </a:txBody>
+                  <a:tcPr marL="8852" marR="8852" marT="8852" marB="0">
+                    <a:lnL>
+                      <a:noFill/>
+                    </a:lnL>
+                    <a:lnR>
+                      <a:noFill/>
+                    </a:lnR>
+                    <a:lnT>
+                      <a:noFill/>
+                    </a:lnT>
+                    <a:lnB>
+                      <a:noFill/>
+                    </a:lnB>
+                  </a:tcPr>
+                </a:tc>
+                <a:tc>
+                  <a:txBody>
+                    <a:bodyPr/>
+                    <a:lstStyle/>
+                    <a:p>
+                      <a:pPr algn="ctr" fontAlgn="ctr"/>
+                      <a:r>
+                        <a:rPr lang="en-US" altLang="ja-JP" sz="2600" b="0" i="0" u="none" strike="noStrike" dirty="0">
+                          <a:solidFill>
+                            <a:srgbClr val="000000"/>
+                          </a:solidFill>
+                          <a:effectLst/>
+                          <a:latin typeface="Times New Roman" panose="02020603050405020304" pitchFamily="18" charset="0"/>
+                          <a:ea typeface="游ゴシック" panose="020B0400000000000000" pitchFamily="50" charset="-128"/>
+                          <a:cs typeface="Times New Roman" panose="02020603050405020304" pitchFamily="18" charset="0"/>
+                        </a:rPr>
+                        <a:t>…</a:t>
+                      </a:r>
+                      <a:endParaRPr lang="ja-JP" altLang="en-US" sz="2600" b="0" i="0" u="none" strike="noStrike" dirty="0">
+                        <a:solidFill>
+                          <a:srgbClr val="000000"/>
+                        </a:solidFill>
+                        <a:effectLst/>
+                        <a:latin typeface="Times New Roman" panose="02020603050405020304" pitchFamily="18" charset="0"/>
+                        <a:ea typeface="游ゴシック" panose="020B0400000000000000" pitchFamily="50" charset="-128"/>
+                        <a:cs typeface="Times New Roman" panose="02020603050405020304" pitchFamily="18" charset="0"/>
+                      </a:endParaRPr>
+                    </a:p>
+                  </a:txBody>
+                  <a:tcPr marL="8852" marR="8852" marT="8852" marB="0" vert="eaVert" anchor="ctr">
+                    <a:lnL>
+                      <a:noFill/>
+                    </a:lnL>
+                    <a:lnR>
+                      <a:noFill/>
+                    </a:lnR>
+                    <a:lnT w="19050" cap="flat" cmpd="sng" algn="ctr">
+                      <a:solidFill>
+                        <a:srgbClr val="000000"/>
+                      </a:solidFill>
+                      <a:prstDash val="solid"/>
+                      <a:round/>
+                      <a:headEnd type="none" w="med" len="med"/>
+                      <a:tailEnd type="none" w="med" len="med"/>
+                    </a:lnT>
+                    <a:lnB w="19050" cap="flat" cmpd="sng" algn="ctr">
+                      <a:solidFill>
+                        <a:srgbClr val="000000"/>
+                      </a:solidFill>
+                      <a:prstDash val="solid"/>
+                      <a:round/>
+                      <a:headEnd type="none" w="med" len="med"/>
+                      <a:tailEnd type="none" w="med" len="med"/>
+                    </a:lnB>
+                  </a:tcPr>
+                </a:tc>
+                <a:extLst>
+                  <a:ext uri="{0D108BD9-81ED-4DB2-BD59-A6C34878D82A}">
+                    <a16:rowId xmlns:a16="http://schemas.microsoft.com/office/drawing/2014/main" val="571347162"/>
+                  </a:ext>
+                </a:extLst>
+              </a:tr>
+              <a:tr h="1097743">
+                <a:tc>
+                  <a:txBody>
+                    <a:bodyPr/>
+                    <a:lstStyle/>
+                    <a:p>
+                      <a:pPr algn="ctr" fontAlgn="ctr"/>
+                      <a:r>
+                        <a:rPr lang="en-US" sz="2600" b="0" i="0" u="none" strike="noStrike" dirty="0">
+                          <a:solidFill>
+                            <a:srgbClr val="000000"/>
+                          </a:solidFill>
+                          <a:effectLst/>
+                          <a:latin typeface="Times New Roman" panose="02020603050405020304" pitchFamily="18" charset="0"/>
+                          <a:ea typeface="游ゴシック" panose="020B0400000000000000" pitchFamily="50" charset="-128"/>
+                          <a:cs typeface="Times New Roman" panose="02020603050405020304" pitchFamily="18" charset="0"/>
+                        </a:rPr>
+                        <a:t>I(</a:t>
+                      </a:r>
+                      <a:r>
+                        <a:rPr lang="en-US" sz="2600" b="0" i="1" u="none" strike="noStrike" dirty="0" err="1">
+                          <a:solidFill>
+                            <a:srgbClr val="000000"/>
+                          </a:solidFill>
+                          <a:effectLst/>
+                          <a:latin typeface="Times New Roman" panose="02020603050405020304" pitchFamily="18" charset="0"/>
+                          <a:ea typeface="游ゴシック" panose="020B0400000000000000" pitchFamily="50" charset="-128"/>
+                          <a:cs typeface="Times New Roman" panose="02020603050405020304" pitchFamily="18" charset="0"/>
+                        </a:rPr>
+                        <a:t>i</a:t>
+                      </a:r>
+                      <a:r>
+                        <a:rPr lang="en-US" sz="2600" b="0" i="0" u="none" strike="noStrike" dirty="0">
+                          <a:solidFill>
+                            <a:srgbClr val="000000"/>
+                          </a:solidFill>
+                          <a:effectLst/>
+                          <a:latin typeface="Times New Roman" panose="02020603050405020304" pitchFamily="18" charset="0"/>
+                          <a:ea typeface="游ゴシック" panose="020B0400000000000000" pitchFamily="50" charset="-128"/>
+                          <a:cs typeface="Times New Roman" panose="02020603050405020304" pitchFamily="18" charset="0"/>
+                        </a:rPr>
+                        <a:t>, 0)</a:t>
+                      </a:r>
+                    </a:p>
+                  </a:txBody>
+                  <a:tcPr marL="8852" marR="8852" marT="8852" marB="0" anchor="ctr">
+                    <a:lnL w="19050" cap="flat" cmpd="sng" algn="ctr">
+                      <a:solidFill>
+                        <a:srgbClr val="000000"/>
+                      </a:solidFill>
+                      <a:prstDash val="solid"/>
+                      <a:round/>
+                      <a:headEnd type="none" w="med" len="med"/>
+                      <a:tailEnd type="none" w="med" len="med"/>
+                    </a:lnL>
+                    <a:lnR w="19050" cap="flat" cmpd="sng" algn="ctr">
+                      <a:solidFill>
+                        <a:srgbClr val="000000"/>
+                      </a:solidFill>
+                      <a:prstDash val="solid"/>
+                      <a:round/>
+                      <a:headEnd type="none" w="med" len="med"/>
+                      <a:tailEnd type="none" w="med" len="med"/>
+                    </a:lnR>
+                    <a:lnT w="19050" cap="flat" cmpd="sng" algn="ctr">
+                      <a:solidFill>
+                        <a:srgbClr val="000000"/>
+                      </a:solidFill>
+                      <a:prstDash val="solid"/>
+                      <a:round/>
+                      <a:headEnd type="none" w="med" len="med"/>
+                      <a:tailEnd type="none" w="med" len="med"/>
+                    </a:lnT>
+                    <a:lnB w="19050" cap="flat" cmpd="sng" algn="ctr">
+                      <a:solidFill>
+                        <a:srgbClr val="000000"/>
+                      </a:solidFill>
+                      <a:prstDash val="solid"/>
+                      <a:round/>
+                      <a:headEnd type="none" w="med" len="med"/>
+                      <a:tailEnd type="none" w="med" len="med"/>
+                    </a:lnB>
+                  </a:tcPr>
+                </a:tc>
+                <a:tc>
+                  <a:txBody>
+                    <a:bodyPr/>
+                    <a:lstStyle/>
+                    <a:p>
+                      <a:pPr algn="ctr" fontAlgn="ctr"/>
+                      <a:r>
+                        <a:rPr lang="en-US" sz="2600" b="0" i="0" u="none" strike="noStrike" dirty="0">
+                          <a:solidFill>
+                            <a:srgbClr val="000000"/>
+                          </a:solidFill>
+                          <a:effectLst/>
+                          <a:latin typeface="Times New Roman" panose="02020603050405020304" pitchFamily="18" charset="0"/>
+                          <a:ea typeface="游ゴシック" panose="020B0400000000000000" pitchFamily="50" charset="-128"/>
+                          <a:cs typeface="Times New Roman" panose="02020603050405020304" pitchFamily="18" charset="0"/>
+                        </a:rPr>
+                        <a:t>I(</a:t>
+                      </a:r>
+                      <a:r>
+                        <a:rPr lang="en-US" sz="2600" b="0" i="1" u="none" strike="noStrike" dirty="0" err="1">
+                          <a:solidFill>
+                            <a:srgbClr val="000000"/>
+                          </a:solidFill>
+                          <a:effectLst/>
+                          <a:latin typeface="Times New Roman" panose="02020603050405020304" pitchFamily="18" charset="0"/>
+                          <a:ea typeface="游ゴシック" panose="020B0400000000000000" pitchFamily="50" charset="-128"/>
+                          <a:cs typeface="Times New Roman" panose="02020603050405020304" pitchFamily="18" charset="0"/>
+                        </a:rPr>
+                        <a:t>i</a:t>
+                      </a:r>
+                      <a:r>
+                        <a:rPr lang="en-US" sz="2600" b="0" i="0" u="none" strike="noStrike" dirty="0">
+                          <a:solidFill>
+                            <a:srgbClr val="000000"/>
+                          </a:solidFill>
+                          <a:effectLst/>
+                          <a:latin typeface="Times New Roman" panose="02020603050405020304" pitchFamily="18" charset="0"/>
+                          <a:ea typeface="游ゴシック" panose="020B0400000000000000" pitchFamily="50" charset="-128"/>
+                          <a:cs typeface="Times New Roman" panose="02020603050405020304" pitchFamily="18" charset="0"/>
+                        </a:rPr>
+                        <a:t>, 1)</a:t>
+                      </a:r>
+                    </a:p>
+                  </a:txBody>
+                  <a:tcPr marL="8852" marR="8852" marT="8852" marB="0" anchor="ctr">
+                    <a:lnL w="19050" cap="flat" cmpd="sng" algn="ctr">
+                      <a:solidFill>
+                        <a:srgbClr val="000000"/>
+                      </a:solidFill>
+                      <a:prstDash val="solid"/>
+                      <a:round/>
+                      <a:headEnd type="none" w="med" len="med"/>
+                      <a:tailEnd type="none" w="med" len="med"/>
+                    </a:lnL>
+                    <a:lnR w="19050" cap="flat" cmpd="sng" algn="ctr">
+                      <a:solidFill>
+                        <a:srgbClr val="000000"/>
+                      </a:solidFill>
+                      <a:prstDash val="solid"/>
+                      <a:round/>
+                      <a:headEnd type="none" w="med" len="med"/>
+                      <a:tailEnd type="none" w="med" len="med"/>
+                    </a:lnR>
+                    <a:lnT w="19050" cap="flat" cmpd="sng" algn="ctr">
+                      <a:solidFill>
+                        <a:srgbClr val="000000"/>
+                      </a:solidFill>
+                      <a:prstDash val="solid"/>
+                      <a:round/>
+                      <a:headEnd type="none" w="med" len="med"/>
+                      <a:tailEnd type="none" w="med" len="med"/>
+                    </a:lnT>
+                    <a:lnB w="19050" cap="flat" cmpd="sng" algn="ctr">
+                      <a:solidFill>
+                        <a:srgbClr val="000000"/>
+                      </a:solidFill>
+                      <a:prstDash val="solid"/>
+                      <a:round/>
+                      <a:headEnd type="none" w="med" len="med"/>
+                      <a:tailEnd type="none" w="med" len="med"/>
+                    </a:lnB>
+                  </a:tcPr>
+                </a:tc>
+                <a:tc>
+                  <a:txBody>
+                    <a:bodyPr/>
+                    <a:lstStyle/>
+                    <a:p>
+                      <a:pPr algn="ctr" fontAlgn="ctr"/>
+                      <a:r>
+                        <a:rPr lang="en-US" sz="2600" b="0" i="0" u="none" strike="noStrike" dirty="0">
+                          <a:solidFill>
+                            <a:srgbClr val="000000"/>
+                          </a:solidFill>
+                          <a:effectLst/>
+                          <a:latin typeface="Times New Roman" panose="02020603050405020304" pitchFamily="18" charset="0"/>
+                          <a:ea typeface="游ゴシック" panose="020B0400000000000000" pitchFamily="50" charset="-128"/>
+                          <a:cs typeface="Times New Roman" panose="02020603050405020304" pitchFamily="18" charset="0"/>
+                        </a:rPr>
+                        <a:t>I(</a:t>
+                      </a:r>
+                      <a:r>
+                        <a:rPr lang="en-US" sz="2600" b="0" i="1" u="none" strike="noStrike" dirty="0" err="1">
+                          <a:solidFill>
+                            <a:srgbClr val="000000"/>
+                          </a:solidFill>
+                          <a:effectLst/>
+                          <a:latin typeface="Times New Roman" panose="02020603050405020304" pitchFamily="18" charset="0"/>
+                          <a:ea typeface="游ゴシック" panose="020B0400000000000000" pitchFamily="50" charset="-128"/>
+                          <a:cs typeface="Times New Roman" panose="02020603050405020304" pitchFamily="18" charset="0"/>
+                        </a:rPr>
+                        <a:t>i</a:t>
+                      </a:r>
+                      <a:r>
+                        <a:rPr lang="en-US" sz="2600" b="0" i="0" u="none" strike="noStrike" dirty="0">
+                          <a:solidFill>
+                            <a:srgbClr val="000000"/>
+                          </a:solidFill>
+                          <a:effectLst/>
+                          <a:latin typeface="Times New Roman" panose="02020603050405020304" pitchFamily="18" charset="0"/>
+                          <a:ea typeface="游ゴシック" panose="020B0400000000000000" pitchFamily="50" charset="-128"/>
+                          <a:cs typeface="Times New Roman" panose="02020603050405020304" pitchFamily="18" charset="0"/>
+                        </a:rPr>
+                        <a:t>, 2)</a:t>
+                      </a:r>
+                    </a:p>
+                  </a:txBody>
+                  <a:tcPr marL="8852" marR="8852" marT="8852" marB="0" anchor="ctr">
+                    <a:lnL w="19050" cap="flat" cmpd="sng" algn="ctr">
+                      <a:solidFill>
+                        <a:srgbClr val="000000"/>
+                      </a:solidFill>
+                      <a:prstDash val="solid"/>
+                      <a:round/>
+                      <a:headEnd type="none" w="med" len="med"/>
+                      <a:tailEnd type="none" w="med" len="med"/>
+                    </a:lnL>
+                    <a:lnR w="19050" cap="flat" cmpd="sng" algn="ctr">
+                      <a:solidFill>
+                        <a:srgbClr val="000000"/>
+                      </a:solidFill>
+                      <a:prstDash val="solid"/>
+                      <a:round/>
+                      <a:headEnd type="none" w="med" len="med"/>
+                      <a:tailEnd type="none" w="med" len="med"/>
+                    </a:lnR>
+                    <a:lnT w="19050" cap="flat" cmpd="sng" algn="ctr">
+                      <a:solidFill>
+                        <a:srgbClr val="000000"/>
+                      </a:solidFill>
+                      <a:prstDash val="solid"/>
+                      <a:round/>
+                      <a:headEnd type="none" w="med" len="med"/>
+                      <a:tailEnd type="none" w="med" len="med"/>
+                    </a:lnT>
+                    <a:lnB w="19050" cap="flat" cmpd="sng" algn="ctr">
+                      <a:solidFill>
+                        <a:srgbClr val="000000"/>
+                      </a:solidFill>
+                      <a:prstDash val="solid"/>
+                      <a:round/>
+                      <a:headEnd type="none" w="med" len="med"/>
+                      <a:tailEnd type="none" w="med" len="med"/>
+                    </a:lnB>
+                  </a:tcPr>
+                </a:tc>
+                <a:tc>
+                  <a:txBody>
+                    <a:bodyPr/>
+                    <a:lstStyle/>
+                    <a:p>
+                      <a:pPr algn="ctr" fontAlgn="ctr"/>
+                      <a:r>
+                        <a:rPr lang="en-US" altLang="ja-JP" sz="2600" b="0" i="0" u="none" strike="noStrike" dirty="0">
+                          <a:solidFill>
+                            <a:srgbClr val="000000"/>
+                          </a:solidFill>
+                          <a:effectLst/>
+                          <a:latin typeface="Times New Roman" panose="02020603050405020304" pitchFamily="18" charset="0"/>
+                          <a:ea typeface="游ゴシック" panose="020B0400000000000000" pitchFamily="50" charset="-128"/>
+                          <a:cs typeface="Times New Roman" panose="02020603050405020304" pitchFamily="18" charset="0"/>
+                        </a:rPr>
+                        <a:t>…</a:t>
+                      </a:r>
+                      <a:endParaRPr lang="ja-JP" altLang="en-US" sz="2600" b="0" i="0" u="none" strike="noStrike" dirty="0">
+                        <a:solidFill>
+                          <a:srgbClr val="000000"/>
+                        </a:solidFill>
+                        <a:effectLst/>
+                        <a:latin typeface="Times New Roman" panose="02020603050405020304" pitchFamily="18" charset="0"/>
+                        <a:ea typeface="游ゴシック" panose="020B0400000000000000" pitchFamily="50" charset="-128"/>
+                        <a:cs typeface="Times New Roman" panose="02020603050405020304" pitchFamily="18" charset="0"/>
+                      </a:endParaRPr>
+                    </a:p>
+                  </a:txBody>
+                  <a:tcPr marL="8852" marR="8852" marT="8852" marB="0" anchor="ctr">
+                    <a:lnL w="19050" cap="flat" cmpd="sng" algn="ctr">
+                      <a:solidFill>
+                        <a:srgbClr val="000000"/>
+                      </a:solidFill>
+                      <a:prstDash val="solid"/>
+                      <a:round/>
+                      <a:headEnd type="none" w="med" len="med"/>
+                      <a:tailEnd type="none" w="med" len="med"/>
+                    </a:lnL>
+                    <a:lnR w="19050" cap="flat" cmpd="sng" algn="ctr">
+                      <a:solidFill>
+                        <a:srgbClr val="000000"/>
+                      </a:solidFill>
+                      <a:prstDash val="solid"/>
+                      <a:round/>
+                      <a:headEnd type="none" w="med" len="med"/>
+                      <a:tailEnd type="none" w="med" len="med"/>
+                    </a:lnR>
+                    <a:lnT>
+                      <a:noFill/>
+                    </a:lnT>
+                    <a:lnB>
+                      <a:noFill/>
+                    </a:lnB>
+                  </a:tcPr>
+                </a:tc>
+                <a:tc>
+                  <a:txBody>
+                    <a:bodyPr/>
+                    <a:lstStyle/>
+                    <a:p>
+                      <a:pPr algn="ctr" fontAlgn="ctr"/>
+                      <a:r>
+                        <a:rPr lang="en-US" sz="2600" b="0" i="0" u="none" strike="noStrike" dirty="0">
+                          <a:solidFill>
+                            <a:srgbClr val="000000"/>
+                          </a:solidFill>
+                          <a:effectLst/>
+                          <a:latin typeface="Times New Roman" panose="02020603050405020304" pitchFamily="18" charset="0"/>
+                          <a:ea typeface="游ゴシック" panose="020B0400000000000000" pitchFamily="50" charset="-128"/>
+                          <a:cs typeface="Times New Roman" panose="02020603050405020304" pitchFamily="18" charset="0"/>
+                        </a:rPr>
+                        <a:t>I(</a:t>
+                      </a:r>
+                      <a:r>
+                        <a:rPr lang="en-US" sz="2600" b="0" i="1" u="none" strike="noStrike" dirty="0" err="1">
+                          <a:solidFill>
+                            <a:srgbClr val="000000"/>
+                          </a:solidFill>
+                          <a:effectLst/>
+                          <a:latin typeface="Times New Roman" panose="02020603050405020304" pitchFamily="18" charset="0"/>
+                          <a:ea typeface="游ゴシック" panose="020B0400000000000000" pitchFamily="50" charset="-128"/>
+                          <a:cs typeface="Times New Roman" panose="02020603050405020304" pitchFamily="18" charset="0"/>
+                        </a:rPr>
+                        <a:t>i</a:t>
+                      </a:r>
+                      <a:r>
+                        <a:rPr lang="en-US" sz="2600" b="0" i="0" u="none" strike="noStrike" dirty="0">
+                          <a:solidFill>
+                            <a:srgbClr val="000000"/>
+                          </a:solidFill>
+                          <a:effectLst/>
+                          <a:latin typeface="Times New Roman" panose="02020603050405020304" pitchFamily="18" charset="0"/>
+                          <a:ea typeface="游ゴシック" panose="020B0400000000000000" pitchFamily="50" charset="-128"/>
+                          <a:cs typeface="Times New Roman" panose="02020603050405020304" pitchFamily="18" charset="0"/>
+                        </a:rPr>
+                        <a:t>, </a:t>
+                      </a:r>
+                      <a:r>
+                        <a:rPr lang="en-US" sz="2600" b="0" i="1" u="none" strike="noStrike" dirty="0">
+                          <a:solidFill>
+                            <a:srgbClr val="000000"/>
+                          </a:solidFill>
+                          <a:effectLst/>
+                          <a:latin typeface="Times New Roman" panose="02020603050405020304" pitchFamily="18" charset="0"/>
+                          <a:ea typeface="游ゴシック" panose="020B0400000000000000" pitchFamily="50" charset="-128"/>
+                          <a:cs typeface="Times New Roman" panose="02020603050405020304" pitchFamily="18" charset="0"/>
+                        </a:rPr>
+                        <a:t>j</a:t>
+                      </a:r>
+                      <a:r>
+                        <a:rPr lang="en-US" sz="2600" b="0" i="0" u="none" strike="noStrike" dirty="0">
+                          <a:solidFill>
+                            <a:srgbClr val="000000"/>
+                          </a:solidFill>
+                          <a:effectLst/>
+                          <a:latin typeface="Times New Roman" panose="02020603050405020304" pitchFamily="18" charset="0"/>
+                          <a:ea typeface="游ゴシック" panose="020B0400000000000000" pitchFamily="50" charset="-128"/>
+                          <a:cs typeface="Times New Roman" panose="02020603050405020304" pitchFamily="18" charset="0"/>
+                        </a:rPr>
+                        <a:t>)</a:t>
+                      </a:r>
+                    </a:p>
+                  </a:txBody>
+                  <a:tcPr marL="8852" marR="8852" marT="8852" marB="0" anchor="ctr">
+                    <a:lnL w="19050" cap="flat" cmpd="sng" algn="ctr">
+                      <a:solidFill>
+                        <a:srgbClr val="000000"/>
+                      </a:solidFill>
+                      <a:prstDash val="solid"/>
+                      <a:round/>
+                      <a:headEnd type="none" w="med" len="med"/>
+                      <a:tailEnd type="none" w="med" len="med"/>
+                    </a:lnL>
+                    <a:lnR w="19050" cap="flat" cmpd="sng" algn="ctr">
+                      <a:solidFill>
+                        <a:srgbClr val="000000"/>
+                      </a:solidFill>
+                      <a:prstDash val="solid"/>
+                      <a:round/>
+                      <a:headEnd type="none" w="med" len="med"/>
+                      <a:tailEnd type="none" w="med" len="med"/>
+                    </a:lnR>
+                    <a:lnT w="19050" cap="flat" cmpd="sng" algn="ctr">
+                      <a:solidFill>
+                        <a:srgbClr val="000000"/>
+                      </a:solidFill>
+                      <a:prstDash val="solid"/>
+                      <a:round/>
+                      <a:headEnd type="none" w="med" len="med"/>
+                      <a:tailEnd type="none" w="med" len="med"/>
+                    </a:lnT>
+                    <a:lnB w="19050" cap="flat" cmpd="sng" algn="ctr">
+                      <a:solidFill>
+                        <a:srgbClr val="000000"/>
+                      </a:solidFill>
+                      <a:prstDash val="solid"/>
+                      <a:round/>
+                      <a:headEnd type="none" w="med" len="med"/>
+                      <a:tailEnd type="none" w="med" len="med"/>
+                    </a:lnB>
+                  </a:tcPr>
+                </a:tc>
+                <a:extLst>
+                  <a:ext uri="{0D108BD9-81ED-4DB2-BD59-A6C34878D82A}">
+                    <a16:rowId xmlns:a16="http://schemas.microsoft.com/office/drawing/2014/main" val="1571458236"/>
+                  </a:ext>
+                </a:extLst>
+              </a:tr>
+            </a:tbl>
+          </a:graphicData>
+        </a:graphic>
+      </p:graphicFrame>
+      <p:graphicFrame>
+        <p:nvGraphicFramePr>
+          <p:cNvPr id="10" name="表 9">
+            <a:extLst>
+              <a:ext uri="{FF2B5EF4-FFF2-40B4-BE49-F238E27FC236}">
+                <a16:creationId xmlns:a16="http://schemas.microsoft.com/office/drawing/2014/main" id="{0E266EE2-7435-43AB-BA59-7CAE49DF1489}"/>
+              </a:ext>
+            </a:extLst>
+          </p:cNvPr>
+          <p:cNvGraphicFramePr>
+            <a:graphicFrameLocks noGrp="1"/>
+          </p:cNvGraphicFramePr>
+          <p:nvPr>
+            <p:extLst/>
+          </p:nvPr>
+        </p:nvGraphicFramePr>
+        <p:xfrm>
+          <a:off x="6428514" y="684642"/>
+          <a:ext cx="5488715" cy="5488715"/>
+        </p:xfrm>
+        <a:graphic>
+          <a:graphicData uri="http://schemas.openxmlformats.org/drawingml/2006/table">
+            <a:tbl>
+              <a:tblPr/>
+              <a:tblGrid>
+                <a:gridCol w="1097743">
+                  <a:extLst>
+                    <a:ext uri="{9D8B030D-6E8A-4147-A177-3AD203B41FA5}">
+                      <a16:colId xmlns:a16="http://schemas.microsoft.com/office/drawing/2014/main" val="3208639564"/>
+                    </a:ext>
+                  </a:extLst>
+                </a:gridCol>
+                <a:gridCol w="1097743">
+                  <a:extLst>
+                    <a:ext uri="{9D8B030D-6E8A-4147-A177-3AD203B41FA5}">
+                      <a16:colId xmlns:a16="http://schemas.microsoft.com/office/drawing/2014/main" val="610101651"/>
+                    </a:ext>
+                  </a:extLst>
+                </a:gridCol>
+                <a:gridCol w="1097743">
+                  <a:extLst>
+                    <a:ext uri="{9D8B030D-6E8A-4147-A177-3AD203B41FA5}">
+                      <a16:colId xmlns:a16="http://schemas.microsoft.com/office/drawing/2014/main" val="785152055"/>
+                    </a:ext>
+                  </a:extLst>
+                </a:gridCol>
+                <a:gridCol w="1097743">
+                  <a:extLst>
+                    <a:ext uri="{9D8B030D-6E8A-4147-A177-3AD203B41FA5}">
+                      <a16:colId xmlns:a16="http://schemas.microsoft.com/office/drawing/2014/main" val="4161812025"/>
+                    </a:ext>
+                  </a:extLst>
+                </a:gridCol>
+                <a:gridCol w="1097743">
+                  <a:extLst>
+                    <a:ext uri="{9D8B030D-6E8A-4147-A177-3AD203B41FA5}">
+                      <a16:colId xmlns:a16="http://schemas.microsoft.com/office/drawing/2014/main" val="1814775501"/>
+                    </a:ext>
+                  </a:extLst>
+                </a:gridCol>
+              </a:tblGrid>
+              <a:tr h="1097743">
+                <a:tc>
+                  <a:txBody>
+                    <a:bodyPr/>
+                    <a:lstStyle/>
+                    <a:p>
+                      <a:pPr algn="ctr" fontAlgn="ctr"/>
+                      <a:r>
+                        <a:rPr lang="en-US" sz="2600" b="0" i="0" u="none" strike="noStrike">
+                          <a:solidFill>
+                            <a:srgbClr val="000000"/>
+                          </a:solidFill>
+                          <a:effectLst/>
+                          <a:latin typeface="Times New Roman" panose="02020603050405020304" pitchFamily="18" charset="0"/>
+                          <a:ea typeface="游ゴシック" panose="020B0400000000000000" pitchFamily="50" charset="-128"/>
+                          <a:cs typeface="Times New Roman" panose="02020603050405020304" pitchFamily="18" charset="0"/>
+                        </a:rPr>
+                        <a:t>S(0, 0)</a:t>
+                      </a:r>
+                    </a:p>
+                  </a:txBody>
+                  <a:tcPr marL="8852" marR="8852" marT="8852" marB="0" anchor="ctr">
+                    <a:lnL w="19050" cap="flat" cmpd="sng" algn="ctr">
+                      <a:solidFill>
+                        <a:srgbClr val="000000"/>
+                      </a:solidFill>
+                      <a:prstDash val="solid"/>
+                      <a:round/>
+                      <a:headEnd type="none" w="med" len="med"/>
+                      <a:tailEnd type="none" w="med" len="med"/>
+                    </a:lnL>
+                    <a:lnR w="19050" cap="flat" cmpd="sng" algn="ctr">
+                      <a:solidFill>
+                        <a:srgbClr val="000000"/>
+                      </a:solidFill>
+                      <a:prstDash val="solid"/>
+                      <a:round/>
+                      <a:headEnd type="none" w="med" len="med"/>
+                      <a:tailEnd type="none" w="med" len="med"/>
+                    </a:lnR>
+                    <a:lnT w="19050" cap="flat" cmpd="sng" algn="ctr">
+                      <a:solidFill>
+                        <a:srgbClr val="000000"/>
+                      </a:solidFill>
+                      <a:prstDash val="solid"/>
+                      <a:round/>
+                      <a:headEnd type="none" w="med" len="med"/>
+                      <a:tailEnd type="none" w="med" len="med"/>
+                    </a:lnT>
+                    <a:lnB w="19050" cap="flat" cmpd="sng" algn="ctr">
+                      <a:solidFill>
+                        <a:srgbClr val="000000"/>
+                      </a:solidFill>
+                      <a:prstDash val="solid"/>
+                      <a:round/>
+                      <a:headEnd type="none" w="med" len="med"/>
+                      <a:tailEnd type="none" w="med" len="med"/>
+                    </a:lnB>
+                  </a:tcPr>
+                </a:tc>
+                <a:tc>
+                  <a:txBody>
+                    <a:bodyPr/>
+                    <a:lstStyle/>
+                    <a:p>
+                      <a:pPr algn="ctr" fontAlgn="ctr"/>
+                      <a:r>
+                        <a:rPr lang="en-US" sz="2600" b="0" i="0" u="none" strike="noStrike" dirty="0">
+                          <a:solidFill>
+                            <a:srgbClr val="000000"/>
+                          </a:solidFill>
+                          <a:effectLst/>
+                          <a:latin typeface="Times New Roman" panose="02020603050405020304" pitchFamily="18" charset="0"/>
+                          <a:ea typeface="游ゴシック" panose="020B0400000000000000" pitchFamily="50" charset="-128"/>
+                          <a:cs typeface="Times New Roman" panose="02020603050405020304" pitchFamily="18" charset="0"/>
+                        </a:rPr>
+                        <a:t>S(0, 1)</a:t>
+                      </a:r>
+                    </a:p>
+                  </a:txBody>
+                  <a:tcPr marL="8852" marR="8852" marT="8852" marB="0" anchor="ctr">
+                    <a:lnL w="19050" cap="flat" cmpd="sng" algn="ctr">
+                      <a:solidFill>
+                        <a:srgbClr val="000000"/>
+                      </a:solidFill>
+                      <a:prstDash val="solid"/>
+                      <a:round/>
+                      <a:headEnd type="none" w="med" len="med"/>
+                      <a:tailEnd type="none" w="med" len="med"/>
+                    </a:lnL>
+                    <a:lnR w="19050" cap="flat" cmpd="sng" algn="ctr">
+                      <a:solidFill>
+                        <a:srgbClr val="000000"/>
+                      </a:solidFill>
+                      <a:prstDash val="solid"/>
+                      <a:round/>
+                      <a:headEnd type="none" w="med" len="med"/>
+                      <a:tailEnd type="none" w="med" len="med"/>
+                    </a:lnR>
+                    <a:lnT w="19050" cap="flat" cmpd="sng" algn="ctr">
+                      <a:solidFill>
+                        <a:srgbClr val="000000"/>
+                      </a:solidFill>
+                      <a:prstDash val="solid"/>
+                      <a:round/>
+                      <a:headEnd type="none" w="med" len="med"/>
+                      <a:tailEnd type="none" w="med" len="med"/>
+                    </a:lnT>
+                    <a:lnB w="19050" cap="flat" cmpd="sng" algn="ctr">
+                      <a:solidFill>
+                        <a:srgbClr val="000000"/>
+                      </a:solidFill>
+                      <a:prstDash val="solid"/>
+                      <a:round/>
+                      <a:headEnd type="none" w="med" len="med"/>
+                      <a:tailEnd type="none" w="med" len="med"/>
+                    </a:lnB>
+                  </a:tcPr>
+                </a:tc>
+                <a:tc>
+                  <a:txBody>
+                    <a:bodyPr/>
+                    <a:lstStyle/>
+                    <a:p>
+                      <a:pPr algn="ctr" fontAlgn="ctr"/>
+                      <a:r>
+                        <a:rPr lang="en-US" sz="2600" b="0" i="0" u="none" strike="noStrike">
+                          <a:solidFill>
+                            <a:srgbClr val="000000"/>
+                          </a:solidFill>
+                          <a:effectLst/>
+                          <a:latin typeface="Times New Roman" panose="02020603050405020304" pitchFamily="18" charset="0"/>
+                          <a:ea typeface="游ゴシック" panose="020B0400000000000000" pitchFamily="50" charset="-128"/>
+                          <a:cs typeface="Times New Roman" panose="02020603050405020304" pitchFamily="18" charset="0"/>
+                        </a:rPr>
+                        <a:t>S(0, 2)</a:t>
+                      </a:r>
+                    </a:p>
+                  </a:txBody>
+                  <a:tcPr marL="8852" marR="8852" marT="8852" marB="0" anchor="ctr">
+                    <a:lnL w="19050" cap="flat" cmpd="sng" algn="ctr">
+                      <a:solidFill>
+                        <a:srgbClr val="000000"/>
+                      </a:solidFill>
+                      <a:prstDash val="solid"/>
+                      <a:round/>
+                      <a:headEnd type="none" w="med" len="med"/>
+                      <a:tailEnd type="none" w="med" len="med"/>
+                    </a:lnL>
+                    <a:lnR w="19050" cap="flat" cmpd="sng" algn="ctr">
+                      <a:solidFill>
+                        <a:srgbClr val="000000"/>
+                      </a:solidFill>
+                      <a:prstDash val="solid"/>
+                      <a:round/>
+                      <a:headEnd type="none" w="med" len="med"/>
+                      <a:tailEnd type="none" w="med" len="med"/>
+                    </a:lnR>
+                    <a:lnT w="19050" cap="flat" cmpd="sng" algn="ctr">
+                      <a:solidFill>
+                        <a:srgbClr val="000000"/>
+                      </a:solidFill>
+                      <a:prstDash val="solid"/>
+                      <a:round/>
+                      <a:headEnd type="none" w="med" len="med"/>
+                      <a:tailEnd type="none" w="med" len="med"/>
+                    </a:lnT>
+                    <a:lnB w="19050" cap="flat" cmpd="sng" algn="ctr">
+                      <a:solidFill>
+                        <a:srgbClr val="000000"/>
+                      </a:solidFill>
+                      <a:prstDash val="solid"/>
+                      <a:round/>
+                      <a:headEnd type="none" w="med" len="med"/>
+                      <a:tailEnd type="none" w="med" len="med"/>
+                    </a:lnB>
+                  </a:tcPr>
+                </a:tc>
+                <a:tc>
+                  <a:txBody>
+                    <a:bodyPr/>
+                    <a:lstStyle/>
+                    <a:p>
+                      <a:pPr algn="ctr" fontAlgn="ctr"/>
+                      <a:endParaRPr lang="ja-JP" altLang="en-US" sz="2600" b="0" i="0" u="none" strike="noStrike">
+                        <a:solidFill>
+                          <a:srgbClr val="000000"/>
+                        </a:solidFill>
+                        <a:effectLst/>
+                        <a:latin typeface="Times New Roman" panose="02020603050405020304" pitchFamily="18" charset="0"/>
+                        <a:ea typeface="游ゴシック" panose="020B0400000000000000" pitchFamily="50" charset="-128"/>
+                        <a:cs typeface="Times New Roman" panose="02020603050405020304" pitchFamily="18" charset="0"/>
+                      </a:endParaRPr>
+                    </a:p>
+                  </a:txBody>
+                  <a:tcPr marL="8852" marR="8852" marT="8852" marB="0" anchor="ctr">
+                    <a:lnL w="19050" cap="flat" cmpd="sng" algn="ctr">
+                      <a:solidFill>
+                        <a:srgbClr val="000000"/>
+                      </a:solidFill>
+                      <a:prstDash val="solid"/>
+                      <a:round/>
+                      <a:headEnd type="none" w="med" len="med"/>
+                      <a:tailEnd type="none" w="med" len="med"/>
+                    </a:lnL>
+                    <a:lnR w="19050" cap="flat" cmpd="sng" algn="ctr">
+                      <a:solidFill>
+                        <a:srgbClr val="000000"/>
+                      </a:solidFill>
+                      <a:prstDash val="solid"/>
+                      <a:round/>
+                      <a:headEnd type="none" w="med" len="med"/>
+                      <a:tailEnd type="none" w="med" len="med"/>
+                    </a:lnR>
+                    <a:lnT>
+                      <a:noFill/>
+                    </a:lnT>
+                    <a:lnB>
+                      <a:noFill/>
+                    </a:lnB>
+                  </a:tcPr>
+                </a:tc>
+                <a:tc>
+                  <a:txBody>
+                    <a:bodyPr/>
+                    <a:lstStyle/>
+                    <a:p>
+                      <a:pPr algn="ctr" fontAlgn="ctr"/>
+                      <a:r>
+                        <a:rPr lang="en-US" sz="2600" b="0" i="0" u="none" strike="noStrike" dirty="0">
+                          <a:solidFill>
+                            <a:srgbClr val="000000"/>
+                          </a:solidFill>
+                          <a:effectLst/>
+                          <a:latin typeface="Times New Roman" panose="02020603050405020304" pitchFamily="18" charset="0"/>
+                          <a:ea typeface="游ゴシック" panose="020B0400000000000000" pitchFamily="50" charset="-128"/>
+                          <a:cs typeface="Times New Roman" panose="02020603050405020304" pitchFamily="18" charset="0"/>
+                        </a:rPr>
+                        <a:t>S(0, </a:t>
+                      </a:r>
+                      <a:r>
+                        <a:rPr lang="en-US" sz="2600" b="0" i="1" u="none" strike="noStrike" dirty="0">
+                          <a:solidFill>
+                            <a:srgbClr val="000000"/>
+                          </a:solidFill>
+                          <a:effectLst/>
+                          <a:latin typeface="Times New Roman" panose="02020603050405020304" pitchFamily="18" charset="0"/>
+                          <a:ea typeface="游ゴシック" panose="020B0400000000000000" pitchFamily="50" charset="-128"/>
+                          <a:cs typeface="Times New Roman" panose="02020603050405020304" pitchFamily="18" charset="0"/>
+                        </a:rPr>
+                        <a:t>v</a:t>
+                      </a:r>
+                      <a:r>
+                        <a:rPr lang="en-US" sz="2600" b="0" i="0" u="none" strike="noStrike" dirty="0">
+                          <a:solidFill>
+                            <a:srgbClr val="000000"/>
+                          </a:solidFill>
+                          <a:effectLst/>
+                          <a:latin typeface="Times New Roman" panose="02020603050405020304" pitchFamily="18" charset="0"/>
+                          <a:ea typeface="游ゴシック" panose="020B0400000000000000" pitchFamily="50" charset="-128"/>
+                          <a:cs typeface="Times New Roman" panose="02020603050405020304" pitchFamily="18" charset="0"/>
+                        </a:rPr>
+                        <a:t>)</a:t>
+                      </a:r>
+                    </a:p>
+                  </a:txBody>
+                  <a:tcPr marL="8852" marR="8852" marT="8852" marB="0" anchor="ctr">
+                    <a:lnL w="19050" cap="flat" cmpd="sng" algn="ctr">
+                      <a:solidFill>
+                        <a:srgbClr val="000000"/>
+                      </a:solidFill>
+                      <a:prstDash val="solid"/>
+                      <a:round/>
+                      <a:headEnd type="none" w="med" len="med"/>
+                      <a:tailEnd type="none" w="med" len="med"/>
+                    </a:lnL>
+                    <a:lnR w="19050" cap="flat" cmpd="sng" algn="ctr">
+                      <a:solidFill>
+                        <a:srgbClr val="000000"/>
+                      </a:solidFill>
+                      <a:prstDash val="solid"/>
+                      <a:round/>
+                      <a:headEnd type="none" w="med" len="med"/>
+                      <a:tailEnd type="none" w="med" len="med"/>
+                    </a:lnR>
+                    <a:lnT w="19050" cap="flat" cmpd="sng" algn="ctr">
+                      <a:solidFill>
+                        <a:srgbClr val="000000"/>
+                      </a:solidFill>
+                      <a:prstDash val="solid"/>
+                      <a:round/>
+                      <a:headEnd type="none" w="med" len="med"/>
+                      <a:tailEnd type="none" w="med" len="med"/>
+                    </a:lnT>
+                    <a:lnB w="19050" cap="flat" cmpd="sng" algn="ctr">
+                      <a:solidFill>
+                        <a:srgbClr val="000000"/>
+                      </a:solidFill>
+                      <a:prstDash val="solid"/>
+                      <a:round/>
+                      <a:headEnd type="none" w="med" len="med"/>
+                      <a:tailEnd type="none" w="med" len="med"/>
+                    </a:lnB>
+                  </a:tcPr>
+                </a:tc>
+                <a:extLst>
+                  <a:ext uri="{0D108BD9-81ED-4DB2-BD59-A6C34878D82A}">
+                    <a16:rowId xmlns:a16="http://schemas.microsoft.com/office/drawing/2014/main" val="954968811"/>
+                  </a:ext>
+                </a:extLst>
+              </a:tr>
+              <a:tr h="1097743">
+                <a:tc>
+                  <a:txBody>
+                    <a:bodyPr/>
+                    <a:lstStyle/>
+                    <a:p>
+                      <a:pPr algn="ctr" fontAlgn="ctr"/>
+                      <a:r>
+                        <a:rPr lang="en-US" sz="2600" b="0" i="0" u="none" strike="noStrike">
+                          <a:solidFill>
+                            <a:srgbClr val="000000"/>
+                          </a:solidFill>
+                          <a:effectLst/>
+                          <a:latin typeface="Times New Roman" panose="02020603050405020304" pitchFamily="18" charset="0"/>
+                          <a:ea typeface="游ゴシック" panose="020B0400000000000000" pitchFamily="50" charset="-128"/>
+                          <a:cs typeface="Times New Roman" panose="02020603050405020304" pitchFamily="18" charset="0"/>
+                        </a:rPr>
+                        <a:t>S(1, 0)</a:t>
+                      </a:r>
+                    </a:p>
+                  </a:txBody>
+                  <a:tcPr marL="8852" marR="8852" marT="8852" marB="0" anchor="ctr">
+                    <a:lnL w="19050" cap="flat" cmpd="sng" algn="ctr">
+                      <a:solidFill>
+                        <a:srgbClr val="000000"/>
+                      </a:solidFill>
+                      <a:prstDash val="solid"/>
+                      <a:round/>
+                      <a:headEnd type="none" w="med" len="med"/>
+                      <a:tailEnd type="none" w="med" len="med"/>
+                    </a:lnL>
+                    <a:lnR w="19050" cap="flat" cmpd="sng" algn="ctr">
+                      <a:solidFill>
+                        <a:srgbClr val="000000"/>
+                      </a:solidFill>
+                      <a:prstDash val="solid"/>
+                      <a:round/>
+                      <a:headEnd type="none" w="med" len="med"/>
+                      <a:tailEnd type="none" w="med" len="med"/>
+                    </a:lnR>
+                    <a:lnT w="19050" cap="flat" cmpd="sng" algn="ctr">
+                      <a:solidFill>
+                        <a:srgbClr val="000000"/>
+                      </a:solidFill>
+                      <a:prstDash val="solid"/>
+                      <a:round/>
+                      <a:headEnd type="none" w="med" len="med"/>
+                      <a:tailEnd type="none" w="med" len="med"/>
+                    </a:lnT>
+                    <a:lnB w="19050" cap="flat" cmpd="sng" algn="ctr">
+                      <a:solidFill>
+                        <a:srgbClr val="000000"/>
+                      </a:solidFill>
+                      <a:prstDash val="solid"/>
+                      <a:round/>
+                      <a:headEnd type="none" w="med" len="med"/>
+                      <a:tailEnd type="none" w="med" len="med"/>
+                    </a:lnB>
+                  </a:tcPr>
+                </a:tc>
+                <a:tc>
+                  <a:txBody>
+                    <a:bodyPr/>
+                    <a:lstStyle/>
+                    <a:p>
+                      <a:pPr algn="ctr" fontAlgn="ctr"/>
+                      <a:r>
+                        <a:rPr lang="en-US" sz="2600" b="0" i="0" u="none" strike="noStrike">
+                          <a:solidFill>
+                            <a:srgbClr val="000000"/>
+                          </a:solidFill>
+                          <a:effectLst/>
+                          <a:latin typeface="Times New Roman" panose="02020603050405020304" pitchFamily="18" charset="0"/>
+                          <a:ea typeface="游ゴシック" panose="020B0400000000000000" pitchFamily="50" charset="-128"/>
+                          <a:cs typeface="Times New Roman" panose="02020603050405020304" pitchFamily="18" charset="0"/>
+                        </a:rPr>
+                        <a:t>S(1, 1)</a:t>
+                      </a:r>
+                    </a:p>
+                  </a:txBody>
+                  <a:tcPr marL="8852" marR="8852" marT="8852" marB="0" anchor="ctr">
+                    <a:lnL w="19050" cap="flat" cmpd="sng" algn="ctr">
+                      <a:solidFill>
+                        <a:srgbClr val="000000"/>
+                      </a:solidFill>
+                      <a:prstDash val="solid"/>
+                      <a:round/>
+                      <a:headEnd type="none" w="med" len="med"/>
+                      <a:tailEnd type="none" w="med" len="med"/>
+                    </a:lnL>
+                    <a:lnR w="19050" cap="flat" cmpd="sng" algn="ctr">
+                      <a:solidFill>
+                        <a:srgbClr val="000000"/>
+                      </a:solidFill>
+                      <a:prstDash val="solid"/>
+                      <a:round/>
+                      <a:headEnd type="none" w="med" len="med"/>
+                      <a:tailEnd type="none" w="med" len="med"/>
+                    </a:lnR>
+                    <a:lnT w="19050" cap="flat" cmpd="sng" algn="ctr">
+                      <a:solidFill>
+                        <a:srgbClr val="000000"/>
+                      </a:solidFill>
+                      <a:prstDash val="solid"/>
+                      <a:round/>
+                      <a:headEnd type="none" w="med" len="med"/>
+                      <a:tailEnd type="none" w="med" len="med"/>
+                    </a:lnT>
+                    <a:lnB w="19050" cap="flat" cmpd="sng" algn="ctr">
+                      <a:solidFill>
+                        <a:srgbClr val="000000"/>
+                      </a:solidFill>
+                      <a:prstDash val="solid"/>
+                      <a:round/>
+                      <a:headEnd type="none" w="med" len="med"/>
+                      <a:tailEnd type="none" w="med" len="med"/>
+                    </a:lnB>
+                  </a:tcPr>
+                </a:tc>
+                <a:tc>
+                  <a:txBody>
+                    <a:bodyPr/>
+                    <a:lstStyle/>
+                    <a:p>
+                      <a:pPr algn="ctr" fontAlgn="ctr"/>
+                      <a:r>
+                        <a:rPr lang="en-US" sz="2600" b="0" i="0" u="none" strike="noStrike" dirty="0">
+                          <a:solidFill>
+                            <a:srgbClr val="000000"/>
+                          </a:solidFill>
+                          <a:effectLst/>
+                          <a:latin typeface="Times New Roman" panose="02020603050405020304" pitchFamily="18" charset="0"/>
+                          <a:ea typeface="游ゴシック" panose="020B0400000000000000" pitchFamily="50" charset="-128"/>
+                          <a:cs typeface="Times New Roman" panose="02020603050405020304" pitchFamily="18" charset="0"/>
+                        </a:rPr>
+                        <a:t>S(1, 2)</a:t>
+                      </a:r>
+                    </a:p>
+                  </a:txBody>
+                  <a:tcPr marL="8852" marR="8852" marT="8852" marB="0" anchor="ctr">
+                    <a:lnL w="19050" cap="flat" cmpd="sng" algn="ctr">
+                      <a:solidFill>
+                        <a:srgbClr val="000000"/>
+                      </a:solidFill>
+                      <a:prstDash val="solid"/>
+                      <a:round/>
+                      <a:headEnd type="none" w="med" len="med"/>
+                      <a:tailEnd type="none" w="med" len="med"/>
+                    </a:lnL>
+                    <a:lnR w="19050" cap="flat" cmpd="sng" algn="ctr">
+                      <a:solidFill>
+                        <a:srgbClr val="000000"/>
+                      </a:solidFill>
+                      <a:prstDash val="solid"/>
+                      <a:round/>
+                      <a:headEnd type="none" w="med" len="med"/>
+                      <a:tailEnd type="none" w="med" len="med"/>
+                    </a:lnR>
+                    <a:lnT w="19050" cap="flat" cmpd="sng" algn="ctr">
+                      <a:solidFill>
+                        <a:srgbClr val="000000"/>
+                      </a:solidFill>
+                      <a:prstDash val="solid"/>
+                      <a:round/>
+                      <a:headEnd type="none" w="med" len="med"/>
+                      <a:tailEnd type="none" w="med" len="med"/>
+                    </a:lnT>
+                    <a:lnB w="19050" cap="flat" cmpd="sng" algn="ctr">
+                      <a:solidFill>
+                        <a:srgbClr val="000000"/>
+                      </a:solidFill>
+                      <a:prstDash val="solid"/>
+                      <a:round/>
+                      <a:headEnd type="none" w="med" len="med"/>
+                      <a:tailEnd type="none" w="med" len="med"/>
+                    </a:lnB>
+                  </a:tcPr>
+                </a:tc>
+                <a:tc>
+                  <a:txBody>
+                    <a:bodyPr/>
+                    <a:lstStyle/>
+                    <a:p>
+                      <a:pPr algn="ctr" fontAlgn="ctr"/>
+                      <a:r>
+                        <a:rPr lang="en-US" altLang="ja-JP" sz="2600" b="0" i="0" u="none" strike="noStrike">
+                          <a:solidFill>
+                            <a:srgbClr val="000000"/>
+                          </a:solidFill>
+                          <a:effectLst/>
+                          <a:latin typeface="Times New Roman" panose="02020603050405020304" pitchFamily="18" charset="0"/>
+                          <a:ea typeface="游ゴシック" panose="020B0400000000000000" pitchFamily="50" charset="-128"/>
+                          <a:cs typeface="Times New Roman" panose="02020603050405020304" pitchFamily="18" charset="0"/>
+                        </a:rPr>
+                        <a:t>…</a:t>
+                      </a:r>
+                    </a:p>
+                  </a:txBody>
+                  <a:tcPr marL="8852" marR="8852" marT="8852" marB="0" anchor="ctr">
+                    <a:lnL w="19050" cap="flat" cmpd="sng" algn="ctr">
+                      <a:solidFill>
+                        <a:srgbClr val="000000"/>
+                      </a:solidFill>
+                      <a:prstDash val="solid"/>
+                      <a:round/>
+                      <a:headEnd type="none" w="med" len="med"/>
+                      <a:tailEnd type="none" w="med" len="med"/>
+                    </a:lnL>
+                    <a:lnR w="19050" cap="flat" cmpd="sng" algn="ctr">
+                      <a:solidFill>
+                        <a:srgbClr val="000000"/>
+                      </a:solidFill>
+                      <a:prstDash val="solid"/>
+                      <a:round/>
+                      <a:headEnd type="none" w="med" len="med"/>
+                      <a:tailEnd type="none" w="med" len="med"/>
+                    </a:lnR>
+                    <a:lnT>
+                      <a:noFill/>
+                    </a:lnT>
+                    <a:lnB>
+                      <a:noFill/>
+                    </a:lnB>
+                  </a:tcPr>
+                </a:tc>
+                <a:tc>
+                  <a:txBody>
+                    <a:bodyPr/>
+                    <a:lstStyle/>
+                    <a:p>
+                      <a:pPr algn="ctr" fontAlgn="ctr"/>
+                      <a:r>
+                        <a:rPr lang="en-US" sz="2600" b="0" i="0" u="none" strike="noStrike" dirty="0">
+                          <a:solidFill>
+                            <a:srgbClr val="000000"/>
+                          </a:solidFill>
+                          <a:effectLst/>
+                          <a:latin typeface="Times New Roman" panose="02020603050405020304" pitchFamily="18" charset="0"/>
+                          <a:ea typeface="游ゴシック" panose="020B0400000000000000" pitchFamily="50" charset="-128"/>
+                          <a:cs typeface="Times New Roman" panose="02020603050405020304" pitchFamily="18" charset="0"/>
+                        </a:rPr>
+                        <a:t>S(1, </a:t>
+                      </a:r>
+                      <a:r>
+                        <a:rPr lang="en-US" sz="2600" b="0" i="1" u="none" strike="noStrike" dirty="0">
+                          <a:solidFill>
+                            <a:srgbClr val="000000"/>
+                          </a:solidFill>
+                          <a:effectLst/>
+                          <a:latin typeface="Times New Roman" panose="02020603050405020304" pitchFamily="18" charset="0"/>
+                          <a:ea typeface="游ゴシック" panose="020B0400000000000000" pitchFamily="50" charset="-128"/>
+                          <a:cs typeface="Times New Roman" panose="02020603050405020304" pitchFamily="18" charset="0"/>
+                        </a:rPr>
+                        <a:t>v</a:t>
+                      </a:r>
+                      <a:r>
+                        <a:rPr lang="en-US" sz="2600" b="0" i="0" u="none" strike="noStrike" dirty="0">
+                          <a:solidFill>
+                            <a:srgbClr val="000000"/>
+                          </a:solidFill>
+                          <a:effectLst/>
+                          <a:latin typeface="Times New Roman" panose="02020603050405020304" pitchFamily="18" charset="0"/>
+                          <a:ea typeface="游ゴシック" panose="020B0400000000000000" pitchFamily="50" charset="-128"/>
+                          <a:cs typeface="Times New Roman" panose="02020603050405020304" pitchFamily="18" charset="0"/>
+                        </a:rPr>
+                        <a:t>)</a:t>
+                      </a:r>
+                    </a:p>
+                  </a:txBody>
+                  <a:tcPr marL="8852" marR="8852" marT="8852" marB="0" anchor="ctr">
+                    <a:lnL w="19050" cap="flat" cmpd="sng" algn="ctr">
+                      <a:solidFill>
+                        <a:srgbClr val="000000"/>
+                      </a:solidFill>
+                      <a:prstDash val="solid"/>
+                      <a:round/>
+                      <a:headEnd type="none" w="med" len="med"/>
+                      <a:tailEnd type="none" w="med" len="med"/>
+                    </a:lnL>
+                    <a:lnR w="19050" cap="flat" cmpd="sng" algn="ctr">
+                      <a:solidFill>
+                        <a:srgbClr val="000000"/>
+                      </a:solidFill>
+                      <a:prstDash val="solid"/>
+                      <a:round/>
+                      <a:headEnd type="none" w="med" len="med"/>
+                      <a:tailEnd type="none" w="med" len="med"/>
+                    </a:lnR>
+                    <a:lnT w="19050" cap="flat" cmpd="sng" algn="ctr">
+                      <a:solidFill>
+                        <a:srgbClr val="000000"/>
+                      </a:solidFill>
+                      <a:prstDash val="solid"/>
+                      <a:round/>
+                      <a:headEnd type="none" w="med" len="med"/>
+                      <a:tailEnd type="none" w="med" len="med"/>
+                    </a:lnT>
+                    <a:lnB w="19050" cap="flat" cmpd="sng" algn="ctr">
+                      <a:solidFill>
+                        <a:srgbClr val="000000"/>
+                      </a:solidFill>
+                      <a:prstDash val="solid"/>
+                      <a:round/>
+                      <a:headEnd type="none" w="med" len="med"/>
+                      <a:tailEnd type="none" w="med" len="med"/>
+                    </a:lnB>
+                  </a:tcPr>
+                </a:tc>
+                <a:extLst>
+                  <a:ext uri="{0D108BD9-81ED-4DB2-BD59-A6C34878D82A}">
+                    <a16:rowId xmlns:a16="http://schemas.microsoft.com/office/drawing/2014/main" val="1099427455"/>
+                  </a:ext>
+                </a:extLst>
+              </a:tr>
+              <a:tr h="1097743">
+                <a:tc>
+                  <a:txBody>
+                    <a:bodyPr/>
+                    <a:lstStyle/>
+                    <a:p>
+                      <a:pPr algn="ctr" fontAlgn="ctr"/>
+                      <a:r>
+                        <a:rPr lang="en-US" sz="2600" b="0" i="0" u="none" strike="noStrike">
+                          <a:solidFill>
+                            <a:srgbClr val="000000"/>
+                          </a:solidFill>
+                          <a:effectLst/>
+                          <a:latin typeface="Times New Roman" panose="02020603050405020304" pitchFamily="18" charset="0"/>
+                          <a:ea typeface="游ゴシック" panose="020B0400000000000000" pitchFamily="50" charset="-128"/>
+                          <a:cs typeface="Times New Roman" panose="02020603050405020304" pitchFamily="18" charset="0"/>
+                        </a:rPr>
+                        <a:t>S(2, 0)</a:t>
+                      </a:r>
+                    </a:p>
+                  </a:txBody>
+                  <a:tcPr marL="8852" marR="8852" marT="8852" marB="0" anchor="ctr">
+                    <a:lnL w="19050" cap="flat" cmpd="sng" algn="ctr">
+                      <a:solidFill>
+                        <a:srgbClr val="000000"/>
+                      </a:solidFill>
+                      <a:prstDash val="solid"/>
+                      <a:round/>
+                      <a:headEnd type="none" w="med" len="med"/>
+                      <a:tailEnd type="none" w="med" len="med"/>
+                    </a:lnL>
+                    <a:lnR w="19050" cap="flat" cmpd="sng" algn="ctr">
+                      <a:solidFill>
+                        <a:srgbClr val="000000"/>
+                      </a:solidFill>
+                      <a:prstDash val="solid"/>
+                      <a:round/>
+                      <a:headEnd type="none" w="med" len="med"/>
+                      <a:tailEnd type="none" w="med" len="med"/>
+                    </a:lnR>
+                    <a:lnT w="19050" cap="flat" cmpd="sng" algn="ctr">
+                      <a:solidFill>
+                        <a:srgbClr val="000000"/>
+                      </a:solidFill>
+                      <a:prstDash val="solid"/>
+                      <a:round/>
+                      <a:headEnd type="none" w="med" len="med"/>
+                      <a:tailEnd type="none" w="med" len="med"/>
+                    </a:lnT>
+                    <a:lnB w="19050" cap="flat" cmpd="sng" algn="ctr">
+                      <a:solidFill>
+                        <a:srgbClr val="000000"/>
+                      </a:solidFill>
+                      <a:prstDash val="solid"/>
+                      <a:round/>
+                      <a:headEnd type="none" w="med" len="med"/>
+                      <a:tailEnd type="none" w="med" len="med"/>
+                    </a:lnB>
+                  </a:tcPr>
+                </a:tc>
+                <a:tc>
+                  <a:txBody>
+                    <a:bodyPr/>
+                    <a:lstStyle/>
+                    <a:p>
+                      <a:pPr algn="ctr" fontAlgn="ctr"/>
+                      <a:r>
+                        <a:rPr lang="en-US" sz="2600" b="0" i="0" u="none" strike="noStrike">
+                          <a:solidFill>
+                            <a:srgbClr val="000000"/>
+                          </a:solidFill>
+                          <a:effectLst/>
+                          <a:latin typeface="Times New Roman" panose="02020603050405020304" pitchFamily="18" charset="0"/>
+                          <a:ea typeface="游ゴシック" panose="020B0400000000000000" pitchFamily="50" charset="-128"/>
+                          <a:cs typeface="Times New Roman" panose="02020603050405020304" pitchFamily="18" charset="0"/>
+                        </a:rPr>
+                        <a:t>S(2, 1)</a:t>
+                      </a:r>
+                    </a:p>
+                  </a:txBody>
+                  <a:tcPr marL="8852" marR="8852" marT="8852" marB="0" anchor="ctr">
+                    <a:lnL w="19050" cap="flat" cmpd="sng" algn="ctr">
+                      <a:solidFill>
+                        <a:srgbClr val="000000"/>
+                      </a:solidFill>
+                      <a:prstDash val="solid"/>
+                      <a:round/>
+                      <a:headEnd type="none" w="med" len="med"/>
+                      <a:tailEnd type="none" w="med" len="med"/>
+                    </a:lnL>
+                    <a:lnR w="19050" cap="flat" cmpd="sng" algn="ctr">
+                      <a:solidFill>
+                        <a:srgbClr val="000000"/>
+                      </a:solidFill>
+                      <a:prstDash val="solid"/>
+                      <a:round/>
+                      <a:headEnd type="none" w="med" len="med"/>
+                      <a:tailEnd type="none" w="med" len="med"/>
+                    </a:lnR>
+                    <a:lnT w="19050" cap="flat" cmpd="sng" algn="ctr">
+                      <a:solidFill>
+                        <a:srgbClr val="000000"/>
+                      </a:solidFill>
+                      <a:prstDash val="solid"/>
+                      <a:round/>
+                      <a:headEnd type="none" w="med" len="med"/>
+                      <a:tailEnd type="none" w="med" len="med"/>
+                    </a:lnT>
+                    <a:lnB w="19050" cap="flat" cmpd="sng" algn="ctr">
+                      <a:solidFill>
+                        <a:srgbClr val="000000"/>
+                      </a:solidFill>
+                      <a:prstDash val="solid"/>
+                      <a:round/>
+                      <a:headEnd type="none" w="med" len="med"/>
+                      <a:tailEnd type="none" w="med" len="med"/>
+                    </a:lnB>
+                  </a:tcPr>
+                </a:tc>
+                <a:tc>
+                  <a:txBody>
+                    <a:bodyPr/>
+                    <a:lstStyle/>
+                    <a:p>
+                      <a:pPr algn="ctr" fontAlgn="ctr"/>
+                      <a:r>
+                        <a:rPr lang="en-US" sz="2600" b="0" i="0" u="none" strike="noStrike" dirty="0">
+                          <a:solidFill>
+                            <a:srgbClr val="000000"/>
+                          </a:solidFill>
+                          <a:effectLst/>
+                          <a:latin typeface="Times New Roman" panose="02020603050405020304" pitchFamily="18" charset="0"/>
+                          <a:ea typeface="游ゴシック" panose="020B0400000000000000" pitchFamily="50" charset="-128"/>
+                          <a:cs typeface="Times New Roman" panose="02020603050405020304" pitchFamily="18" charset="0"/>
+                        </a:rPr>
+                        <a:t>S(2, 2)</a:t>
+                      </a:r>
+                    </a:p>
+                  </a:txBody>
+                  <a:tcPr marL="8852" marR="8852" marT="8852" marB="0" anchor="ctr">
+                    <a:lnL w="19050" cap="flat" cmpd="sng" algn="ctr">
+                      <a:solidFill>
+                        <a:srgbClr val="000000"/>
+                      </a:solidFill>
+                      <a:prstDash val="solid"/>
+                      <a:round/>
+                      <a:headEnd type="none" w="med" len="med"/>
+                      <a:tailEnd type="none" w="med" len="med"/>
+                    </a:lnL>
+                    <a:lnR w="19050" cap="flat" cmpd="sng" algn="ctr">
+                      <a:solidFill>
+                        <a:srgbClr val="000000"/>
+                      </a:solidFill>
+                      <a:prstDash val="solid"/>
+                      <a:round/>
+                      <a:headEnd type="none" w="med" len="med"/>
+                      <a:tailEnd type="none" w="med" len="med"/>
+                    </a:lnR>
+                    <a:lnT w="19050" cap="flat" cmpd="sng" algn="ctr">
+                      <a:solidFill>
+                        <a:srgbClr val="000000"/>
+                      </a:solidFill>
+                      <a:prstDash val="solid"/>
+                      <a:round/>
+                      <a:headEnd type="none" w="med" len="med"/>
+                      <a:tailEnd type="none" w="med" len="med"/>
+                    </a:lnT>
+                    <a:lnB w="19050" cap="flat" cmpd="sng" algn="ctr">
+                      <a:solidFill>
+                        <a:srgbClr val="000000"/>
+                      </a:solidFill>
+                      <a:prstDash val="solid"/>
+                      <a:round/>
+                      <a:headEnd type="none" w="med" len="med"/>
+                      <a:tailEnd type="none" w="med" len="med"/>
+                    </a:lnB>
+                  </a:tcPr>
+                </a:tc>
+                <a:tc>
+                  <a:txBody>
+                    <a:bodyPr/>
+                    <a:lstStyle/>
+                    <a:p>
+                      <a:pPr algn="ctr" fontAlgn="ctr"/>
+                      <a:endParaRPr lang="ja-JP" altLang="en-US" sz="2600" b="0" i="0" u="none" strike="noStrike">
+                        <a:solidFill>
+                          <a:srgbClr val="000000"/>
+                        </a:solidFill>
+                        <a:effectLst/>
+                        <a:latin typeface="Times New Roman" panose="02020603050405020304" pitchFamily="18" charset="0"/>
+                        <a:ea typeface="游ゴシック" panose="020B0400000000000000" pitchFamily="50" charset="-128"/>
+                        <a:cs typeface="Times New Roman" panose="02020603050405020304" pitchFamily="18" charset="0"/>
+                      </a:endParaRPr>
+                    </a:p>
+                  </a:txBody>
+                  <a:tcPr marL="8852" marR="8852" marT="8852" marB="0" anchor="ctr">
+                    <a:lnL w="19050" cap="flat" cmpd="sng" algn="ctr">
+                      <a:solidFill>
+                        <a:srgbClr val="000000"/>
+                      </a:solidFill>
+                      <a:prstDash val="solid"/>
+                      <a:round/>
+                      <a:headEnd type="none" w="med" len="med"/>
+                      <a:tailEnd type="none" w="med" len="med"/>
+                    </a:lnL>
+                    <a:lnR w="19050" cap="flat" cmpd="sng" algn="ctr">
+                      <a:solidFill>
+                        <a:srgbClr val="000000"/>
+                      </a:solidFill>
+                      <a:prstDash val="solid"/>
+                      <a:round/>
+                      <a:headEnd type="none" w="med" len="med"/>
+                      <a:tailEnd type="none" w="med" len="med"/>
+                    </a:lnR>
+                    <a:lnT>
+                      <a:noFill/>
+                    </a:lnT>
+                    <a:lnB>
+                      <a:noFill/>
+                    </a:lnB>
+                  </a:tcPr>
+                </a:tc>
+                <a:tc>
+                  <a:txBody>
+                    <a:bodyPr/>
+                    <a:lstStyle/>
+                    <a:p>
+                      <a:pPr algn="ctr" fontAlgn="ctr"/>
+                      <a:r>
+                        <a:rPr lang="en-US" sz="2600" b="0" i="0" u="none" strike="noStrike" dirty="0">
+                          <a:solidFill>
+                            <a:srgbClr val="000000"/>
+                          </a:solidFill>
+                          <a:effectLst/>
+                          <a:latin typeface="Times New Roman" panose="02020603050405020304" pitchFamily="18" charset="0"/>
+                          <a:ea typeface="游ゴシック" panose="020B0400000000000000" pitchFamily="50" charset="-128"/>
+                          <a:cs typeface="Times New Roman" panose="02020603050405020304" pitchFamily="18" charset="0"/>
+                        </a:rPr>
+                        <a:t>S(2, </a:t>
+                      </a:r>
+                      <a:r>
+                        <a:rPr lang="en-US" sz="2600" b="0" i="1" u="none" strike="noStrike" dirty="0">
+                          <a:solidFill>
+                            <a:srgbClr val="000000"/>
+                          </a:solidFill>
+                          <a:effectLst/>
+                          <a:latin typeface="Times New Roman" panose="02020603050405020304" pitchFamily="18" charset="0"/>
+                          <a:ea typeface="游ゴシック" panose="020B0400000000000000" pitchFamily="50" charset="-128"/>
+                          <a:cs typeface="Times New Roman" panose="02020603050405020304" pitchFamily="18" charset="0"/>
+                        </a:rPr>
+                        <a:t>v</a:t>
+                      </a:r>
+                      <a:r>
+                        <a:rPr lang="en-US" sz="2600" b="0" i="0" u="none" strike="noStrike" dirty="0">
+                          <a:solidFill>
+                            <a:srgbClr val="000000"/>
+                          </a:solidFill>
+                          <a:effectLst/>
+                          <a:latin typeface="Times New Roman" panose="02020603050405020304" pitchFamily="18" charset="0"/>
+                          <a:ea typeface="游ゴシック" panose="020B0400000000000000" pitchFamily="50" charset="-128"/>
+                          <a:cs typeface="Times New Roman" panose="02020603050405020304" pitchFamily="18" charset="0"/>
+                        </a:rPr>
+                        <a:t>)</a:t>
+                      </a:r>
+                    </a:p>
+                  </a:txBody>
+                  <a:tcPr marL="8852" marR="8852" marT="8852" marB="0" anchor="ctr">
+                    <a:lnL w="19050" cap="flat" cmpd="sng" algn="ctr">
+                      <a:solidFill>
+                        <a:srgbClr val="000000"/>
+                      </a:solidFill>
+                      <a:prstDash val="solid"/>
+                      <a:round/>
+                      <a:headEnd type="none" w="med" len="med"/>
+                      <a:tailEnd type="none" w="med" len="med"/>
+                    </a:lnL>
+                    <a:lnR w="19050" cap="flat" cmpd="sng" algn="ctr">
+                      <a:solidFill>
+                        <a:srgbClr val="000000"/>
+                      </a:solidFill>
+                      <a:prstDash val="solid"/>
+                      <a:round/>
+                      <a:headEnd type="none" w="med" len="med"/>
+                      <a:tailEnd type="none" w="med" len="med"/>
+                    </a:lnR>
+                    <a:lnT w="19050" cap="flat" cmpd="sng" algn="ctr">
+                      <a:solidFill>
+                        <a:srgbClr val="000000"/>
+                      </a:solidFill>
+                      <a:prstDash val="solid"/>
+                      <a:round/>
+                      <a:headEnd type="none" w="med" len="med"/>
+                      <a:tailEnd type="none" w="med" len="med"/>
+                    </a:lnT>
+                    <a:lnB w="19050" cap="flat" cmpd="sng" algn="ctr">
+                      <a:solidFill>
+                        <a:srgbClr val="000000"/>
+                      </a:solidFill>
+                      <a:prstDash val="solid"/>
+                      <a:round/>
+                      <a:headEnd type="none" w="med" len="med"/>
+                      <a:tailEnd type="none" w="med" len="med"/>
+                    </a:lnB>
+                  </a:tcPr>
+                </a:tc>
+                <a:extLst>
+                  <a:ext uri="{0D108BD9-81ED-4DB2-BD59-A6C34878D82A}">
+                    <a16:rowId xmlns:a16="http://schemas.microsoft.com/office/drawing/2014/main" val="2533089654"/>
+                  </a:ext>
+                </a:extLst>
+              </a:tr>
+              <a:tr h="1097743">
+                <a:tc>
+                  <a:txBody>
+                    <a:bodyPr/>
+                    <a:lstStyle/>
+                    <a:p>
+                      <a:pPr algn="ctr" fontAlgn="ctr"/>
+                      <a:endParaRPr lang="ja-JP" altLang="en-US" sz="2600" b="0" i="0" u="none" strike="noStrike">
+                        <a:solidFill>
+                          <a:srgbClr val="000000"/>
+                        </a:solidFill>
+                        <a:effectLst/>
+                        <a:latin typeface="Times New Roman" panose="02020603050405020304" pitchFamily="18" charset="0"/>
+                        <a:ea typeface="游ゴシック" panose="020B0400000000000000" pitchFamily="50" charset="-128"/>
+                        <a:cs typeface="Times New Roman" panose="02020603050405020304" pitchFamily="18" charset="0"/>
+                      </a:endParaRPr>
+                    </a:p>
+                  </a:txBody>
+                  <a:tcPr marL="8852" marR="8852" marT="8852" marB="0" anchor="ctr">
+                    <a:lnL>
+                      <a:noFill/>
+                    </a:lnL>
+                    <a:lnR>
+                      <a:noFill/>
+                    </a:lnR>
+                    <a:lnT w="19050" cap="flat" cmpd="sng" algn="ctr">
+                      <a:solidFill>
+                        <a:srgbClr val="000000"/>
+                      </a:solidFill>
+                      <a:prstDash val="solid"/>
+                      <a:round/>
+                      <a:headEnd type="none" w="med" len="med"/>
+                      <a:tailEnd type="none" w="med" len="med"/>
+                    </a:lnT>
+                    <a:lnB w="19050" cap="flat" cmpd="sng" algn="ctr">
+                      <a:solidFill>
+                        <a:srgbClr val="000000"/>
+                      </a:solidFill>
+                      <a:prstDash val="solid"/>
+                      <a:round/>
+                      <a:headEnd type="none" w="med" len="med"/>
+                      <a:tailEnd type="none" w="med" len="med"/>
+                    </a:lnB>
+                  </a:tcPr>
+                </a:tc>
+                <a:tc>
+                  <a:txBody>
+                    <a:bodyPr/>
+                    <a:lstStyle/>
+                    <a:p>
+                      <a:pPr algn="ctr" fontAlgn="ctr"/>
+                      <a:r>
+                        <a:rPr lang="en-US" altLang="ja-JP" sz="2600" b="0" i="0" u="none" strike="noStrike">
+                          <a:solidFill>
+                            <a:srgbClr val="000000"/>
+                          </a:solidFill>
+                          <a:effectLst/>
+                          <a:latin typeface="Times New Roman" panose="02020603050405020304" pitchFamily="18" charset="0"/>
+                          <a:ea typeface="游ゴシック" panose="020B0400000000000000" pitchFamily="50" charset="-128"/>
+                          <a:cs typeface="Times New Roman" panose="02020603050405020304" pitchFamily="18" charset="0"/>
+                        </a:rPr>
+                        <a:t>…</a:t>
+                      </a:r>
+                    </a:p>
+                  </a:txBody>
+                  <a:tcPr marL="8852" marR="8852" marT="8852" marB="0" vert="eaVert" anchor="ctr">
+                    <a:lnL>
+                      <a:noFill/>
+                    </a:lnL>
+                    <a:lnR>
+                      <a:noFill/>
+                    </a:lnR>
+                    <a:lnT w="19050" cap="flat" cmpd="sng" algn="ctr">
+                      <a:solidFill>
+                        <a:srgbClr val="000000"/>
+                      </a:solidFill>
+                      <a:prstDash val="solid"/>
+                      <a:round/>
+                      <a:headEnd type="none" w="med" len="med"/>
+                      <a:tailEnd type="none" w="med" len="med"/>
+                    </a:lnT>
+                    <a:lnB w="19050" cap="flat" cmpd="sng" algn="ctr">
+                      <a:solidFill>
+                        <a:srgbClr val="000000"/>
+                      </a:solidFill>
+                      <a:prstDash val="solid"/>
+                      <a:round/>
+                      <a:headEnd type="none" w="med" len="med"/>
+                      <a:tailEnd type="none" w="med" len="med"/>
+                    </a:lnB>
+                  </a:tcPr>
+                </a:tc>
+                <a:tc>
+                  <a:txBody>
+                    <a:bodyPr/>
+                    <a:lstStyle/>
+                    <a:p>
+                      <a:pPr algn="ctr" fontAlgn="ctr"/>
+                      <a:endParaRPr lang="ja-JP" altLang="en-US" sz="2600" b="0" i="0" u="none" strike="noStrike" dirty="0">
+                        <a:solidFill>
+                          <a:srgbClr val="000000"/>
+                        </a:solidFill>
+                        <a:effectLst/>
+                        <a:latin typeface="Times New Roman" panose="02020603050405020304" pitchFamily="18" charset="0"/>
+                        <a:ea typeface="游ゴシック" panose="020B0400000000000000" pitchFamily="50" charset="-128"/>
+                        <a:cs typeface="Times New Roman" panose="02020603050405020304" pitchFamily="18" charset="0"/>
+                      </a:endParaRPr>
+                    </a:p>
+                  </a:txBody>
+                  <a:tcPr marL="8852" marR="8852" marT="8852" marB="0" anchor="ctr">
+                    <a:lnL>
+                      <a:noFill/>
+                    </a:lnL>
+                    <a:lnR>
+                      <a:noFill/>
+                    </a:lnR>
+                    <a:lnT w="19050" cap="flat" cmpd="sng" algn="ctr">
+                      <a:solidFill>
+                        <a:srgbClr val="000000"/>
+                      </a:solidFill>
+                      <a:prstDash val="solid"/>
+                      <a:round/>
+                      <a:headEnd type="none" w="med" len="med"/>
+                      <a:tailEnd type="none" w="med" len="med"/>
+                    </a:lnT>
+                    <a:lnB w="19050" cap="flat" cmpd="sng" algn="ctr">
+                      <a:solidFill>
+                        <a:srgbClr val="000000"/>
+                      </a:solidFill>
+                      <a:prstDash val="solid"/>
+                      <a:round/>
+                      <a:headEnd type="none" w="med" len="med"/>
+                      <a:tailEnd type="none" w="med" len="med"/>
+                    </a:lnB>
+                  </a:tcPr>
+                </a:tc>
+                <a:tc>
+                  <a:txBody>
+                    <a:bodyPr/>
+                    <a:lstStyle/>
+                    <a:p>
+                      <a:pPr algn="ctr" fontAlgn="t"/>
+                      <a:endParaRPr lang="en-US" altLang="ja-JP" sz="2600" b="0" i="0" u="none" strike="noStrike" dirty="0">
+                        <a:solidFill>
+                          <a:srgbClr val="000000"/>
+                        </a:solidFill>
+                        <a:effectLst/>
+                        <a:latin typeface="Times New Roman" panose="02020603050405020304" pitchFamily="18" charset="0"/>
+                        <a:ea typeface="游ゴシック" panose="020B0400000000000000" pitchFamily="50" charset="-128"/>
+                        <a:cs typeface="Times New Roman" panose="02020603050405020304" pitchFamily="18" charset="0"/>
+                      </a:endParaRPr>
+                    </a:p>
+                  </a:txBody>
+                  <a:tcPr marL="8852" marR="8852" marT="8852" marB="0">
+                    <a:lnL>
+                      <a:noFill/>
+                    </a:lnL>
+                    <a:lnR>
+                      <a:noFill/>
+                    </a:lnR>
+                    <a:lnT>
+                      <a:noFill/>
+                    </a:lnT>
+                    <a:lnB>
+                      <a:noFill/>
+                    </a:lnB>
+                  </a:tcPr>
+                </a:tc>
+                <a:tc>
+                  <a:txBody>
+                    <a:bodyPr/>
+                    <a:lstStyle/>
+                    <a:p>
+                      <a:pPr algn="ctr" fontAlgn="ctr"/>
+                      <a:r>
+                        <a:rPr lang="en-US" altLang="ja-JP" sz="2600" b="0" i="0" u="none" strike="noStrike" dirty="0">
+                          <a:solidFill>
+                            <a:srgbClr val="000000"/>
+                          </a:solidFill>
+                          <a:effectLst/>
+                          <a:latin typeface="Times New Roman" panose="02020603050405020304" pitchFamily="18" charset="0"/>
+                          <a:ea typeface="游ゴシック" panose="020B0400000000000000" pitchFamily="50" charset="-128"/>
+                          <a:cs typeface="Times New Roman" panose="02020603050405020304" pitchFamily="18" charset="0"/>
+                        </a:rPr>
+                        <a:t>…</a:t>
+                      </a:r>
+                      <a:endParaRPr lang="ja-JP" altLang="en-US" sz="2600" b="0" i="0" u="none" strike="noStrike" dirty="0">
+                        <a:solidFill>
+                          <a:srgbClr val="000000"/>
+                        </a:solidFill>
+                        <a:effectLst/>
+                        <a:latin typeface="Times New Roman" panose="02020603050405020304" pitchFamily="18" charset="0"/>
+                        <a:ea typeface="游ゴシック" panose="020B0400000000000000" pitchFamily="50" charset="-128"/>
+                        <a:cs typeface="Times New Roman" panose="02020603050405020304" pitchFamily="18" charset="0"/>
+                      </a:endParaRPr>
+                    </a:p>
+                  </a:txBody>
+                  <a:tcPr marL="8852" marR="8852" marT="8852" marB="0" vert="eaVert" anchor="ctr">
+                    <a:lnL>
+                      <a:noFill/>
+                    </a:lnL>
+                    <a:lnR>
+                      <a:noFill/>
+                    </a:lnR>
+                    <a:lnT w="19050" cap="flat" cmpd="sng" algn="ctr">
+                      <a:solidFill>
+                        <a:srgbClr val="000000"/>
+                      </a:solidFill>
+                      <a:prstDash val="solid"/>
+                      <a:round/>
+                      <a:headEnd type="none" w="med" len="med"/>
+                      <a:tailEnd type="none" w="med" len="med"/>
+                    </a:lnT>
+                    <a:lnB w="19050" cap="flat" cmpd="sng" algn="ctr">
+                      <a:solidFill>
+                        <a:srgbClr val="000000"/>
+                      </a:solidFill>
+                      <a:prstDash val="solid"/>
+                      <a:round/>
+                      <a:headEnd type="none" w="med" len="med"/>
+                      <a:tailEnd type="none" w="med" len="med"/>
+                    </a:lnB>
+                  </a:tcPr>
+                </a:tc>
+                <a:extLst>
+                  <a:ext uri="{0D108BD9-81ED-4DB2-BD59-A6C34878D82A}">
+                    <a16:rowId xmlns:a16="http://schemas.microsoft.com/office/drawing/2014/main" val="1199567445"/>
+                  </a:ext>
+                </a:extLst>
+              </a:tr>
+              <a:tr h="1097743">
+                <a:tc>
+                  <a:txBody>
+                    <a:bodyPr/>
+                    <a:lstStyle/>
+                    <a:p>
+                      <a:pPr algn="ctr" fontAlgn="ctr"/>
+                      <a:r>
+                        <a:rPr lang="en-US" sz="2600" b="0" i="0" u="none" strike="noStrike" dirty="0">
+                          <a:solidFill>
+                            <a:srgbClr val="000000"/>
+                          </a:solidFill>
+                          <a:effectLst/>
+                          <a:latin typeface="Times New Roman" panose="02020603050405020304" pitchFamily="18" charset="0"/>
+                          <a:ea typeface="游ゴシック" panose="020B0400000000000000" pitchFamily="50" charset="-128"/>
+                          <a:cs typeface="Times New Roman" panose="02020603050405020304" pitchFamily="18" charset="0"/>
+                        </a:rPr>
+                        <a:t>S(</a:t>
+                      </a:r>
+                      <a:r>
+                        <a:rPr lang="en-US" sz="2600" b="0" i="1" u="none" strike="noStrike" dirty="0">
+                          <a:solidFill>
+                            <a:srgbClr val="000000"/>
+                          </a:solidFill>
+                          <a:effectLst/>
+                          <a:latin typeface="Times New Roman" panose="02020603050405020304" pitchFamily="18" charset="0"/>
+                          <a:ea typeface="游ゴシック" panose="020B0400000000000000" pitchFamily="50" charset="-128"/>
+                          <a:cs typeface="Times New Roman" panose="02020603050405020304" pitchFamily="18" charset="0"/>
+                        </a:rPr>
+                        <a:t>u</a:t>
+                      </a:r>
+                      <a:r>
+                        <a:rPr lang="en-US" sz="2600" b="0" i="0" u="none" strike="noStrike" dirty="0">
+                          <a:solidFill>
+                            <a:srgbClr val="000000"/>
+                          </a:solidFill>
+                          <a:effectLst/>
+                          <a:latin typeface="Times New Roman" panose="02020603050405020304" pitchFamily="18" charset="0"/>
+                          <a:ea typeface="游ゴシック" panose="020B0400000000000000" pitchFamily="50" charset="-128"/>
+                          <a:cs typeface="Times New Roman" panose="02020603050405020304" pitchFamily="18" charset="0"/>
+                        </a:rPr>
+                        <a:t>, 0)</a:t>
+                      </a:r>
+                    </a:p>
+                  </a:txBody>
+                  <a:tcPr marL="8852" marR="8852" marT="8852" marB="0" anchor="ctr">
+                    <a:lnL w="19050" cap="flat" cmpd="sng" algn="ctr">
+                      <a:solidFill>
+                        <a:srgbClr val="000000"/>
+                      </a:solidFill>
+                      <a:prstDash val="solid"/>
+                      <a:round/>
+                      <a:headEnd type="none" w="med" len="med"/>
+                      <a:tailEnd type="none" w="med" len="med"/>
+                    </a:lnL>
+                    <a:lnR w="19050" cap="flat" cmpd="sng" algn="ctr">
+                      <a:solidFill>
+                        <a:srgbClr val="000000"/>
+                      </a:solidFill>
+                      <a:prstDash val="solid"/>
+                      <a:round/>
+                      <a:headEnd type="none" w="med" len="med"/>
+                      <a:tailEnd type="none" w="med" len="med"/>
+                    </a:lnR>
+                    <a:lnT w="19050" cap="flat" cmpd="sng" algn="ctr">
+                      <a:solidFill>
+                        <a:srgbClr val="000000"/>
+                      </a:solidFill>
+                      <a:prstDash val="solid"/>
+                      <a:round/>
+                      <a:headEnd type="none" w="med" len="med"/>
+                      <a:tailEnd type="none" w="med" len="med"/>
+                    </a:lnT>
+                    <a:lnB w="19050" cap="flat" cmpd="sng" algn="ctr">
+                      <a:solidFill>
+                        <a:srgbClr val="000000"/>
+                      </a:solidFill>
+                      <a:prstDash val="solid"/>
+                      <a:round/>
+                      <a:headEnd type="none" w="med" len="med"/>
+                      <a:tailEnd type="none" w="med" len="med"/>
+                    </a:lnB>
+                  </a:tcPr>
+                </a:tc>
+                <a:tc>
+                  <a:txBody>
+                    <a:bodyPr/>
+                    <a:lstStyle/>
+                    <a:p>
+                      <a:pPr algn="ctr" fontAlgn="ctr"/>
+                      <a:r>
+                        <a:rPr lang="en-US" sz="2600" b="0" i="0" u="none" strike="noStrike" dirty="0">
+                          <a:solidFill>
+                            <a:srgbClr val="000000"/>
+                          </a:solidFill>
+                          <a:effectLst/>
+                          <a:latin typeface="Times New Roman" panose="02020603050405020304" pitchFamily="18" charset="0"/>
+                          <a:ea typeface="游ゴシック" panose="020B0400000000000000" pitchFamily="50" charset="-128"/>
+                          <a:cs typeface="Times New Roman" panose="02020603050405020304" pitchFamily="18" charset="0"/>
+                        </a:rPr>
+                        <a:t>S(</a:t>
+                      </a:r>
+                      <a:r>
+                        <a:rPr lang="en-US" sz="2600" b="0" i="1" u="none" strike="noStrike" dirty="0">
+                          <a:solidFill>
+                            <a:srgbClr val="000000"/>
+                          </a:solidFill>
+                          <a:effectLst/>
+                          <a:latin typeface="Times New Roman" panose="02020603050405020304" pitchFamily="18" charset="0"/>
+                          <a:ea typeface="游ゴシック" panose="020B0400000000000000" pitchFamily="50" charset="-128"/>
+                          <a:cs typeface="Times New Roman" panose="02020603050405020304" pitchFamily="18" charset="0"/>
+                        </a:rPr>
+                        <a:t>u</a:t>
+                      </a:r>
+                      <a:r>
+                        <a:rPr lang="en-US" sz="2600" b="0" i="0" u="none" strike="noStrike" dirty="0">
+                          <a:solidFill>
+                            <a:srgbClr val="000000"/>
+                          </a:solidFill>
+                          <a:effectLst/>
+                          <a:latin typeface="Times New Roman" panose="02020603050405020304" pitchFamily="18" charset="0"/>
+                          <a:ea typeface="游ゴシック" panose="020B0400000000000000" pitchFamily="50" charset="-128"/>
+                          <a:cs typeface="Times New Roman" panose="02020603050405020304" pitchFamily="18" charset="0"/>
+                        </a:rPr>
+                        <a:t>, 1)</a:t>
+                      </a:r>
+                    </a:p>
+                  </a:txBody>
+                  <a:tcPr marL="8852" marR="8852" marT="8852" marB="0" anchor="ctr">
+                    <a:lnL w="19050" cap="flat" cmpd="sng" algn="ctr">
+                      <a:solidFill>
+                        <a:srgbClr val="000000"/>
+                      </a:solidFill>
+                      <a:prstDash val="solid"/>
+                      <a:round/>
+                      <a:headEnd type="none" w="med" len="med"/>
+                      <a:tailEnd type="none" w="med" len="med"/>
+                    </a:lnL>
+                    <a:lnR w="19050" cap="flat" cmpd="sng" algn="ctr">
+                      <a:solidFill>
+                        <a:srgbClr val="000000"/>
+                      </a:solidFill>
+                      <a:prstDash val="solid"/>
+                      <a:round/>
+                      <a:headEnd type="none" w="med" len="med"/>
+                      <a:tailEnd type="none" w="med" len="med"/>
+                    </a:lnR>
+                    <a:lnT w="19050" cap="flat" cmpd="sng" algn="ctr">
+                      <a:solidFill>
+                        <a:srgbClr val="000000"/>
+                      </a:solidFill>
+                      <a:prstDash val="solid"/>
+                      <a:round/>
+                      <a:headEnd type="none" w="med" len="med"/>
+                      <a:tailEnd type="none" w="med" len="med"/>
+                    </a:lnT>
+                    <a:lnB w="19050" cap="flat" cmpd="sng" algn="ctr">
+                      <a:solidFill>
+                        <a:srgbClr val="000000"/>
+                      </a:solidFill>
+                      <a:prstDash val="solid"/>
+                      <a:round/>
+                      <a:headEnd type="none" w="med" len="med"/>
+                      <a:tailEnd type="none" w="med" len="med"/>
+                    </a:lnB>
+                  </a:tcPr>
+                </a:tc>
+                <a:tc>
+                  <a:txBody>
+                    <a:bodyPr/>
+                    <a:lstStyle/>
+                    <a:p>
+                      <a:pPr algn="ctr" fontAlgn="ctr"/>
+                      <a:r>
+                        <a:rPr lang="en-US" sz="2600" b="0" i="0" u="none" strike="noStrike" dirty="0">
+                          <a:solidFill>
+                            <a:srgbClr val="000000"/>
+                          </a:solidFill>
+                          <a:effectLst/>
+                          <a:latin typeface="Times New Roman" panose="02020603050405020304" pitchFamily="18" charset="0"/>
+                          <a:ea typeface="游ゴシック" panose="020B0400000000000000" pitchFamily="50" charset="-128"/>
+                          <a:cs typeface="Times New Roman" panose="02020603050405020304" pitchFamily="18" charset="0"/>
+                        </a:rPr>
+                        <a:t>S(</a:t>
+                      </a:r>
+                      <a:r>
+                        <a:rPr lang="en-US" sz="2600" b="0" i="1" u="none" strike="noStrike" dirty="0">
+                          <a:solidFill>
+                            <a:srgbClr val="000000"/>
+                          </a:solidFill>
+                          <a:effectLst/>
+                          <a:latin typeface="Times New Roman" panose="02020603050405020304" pitchFamily="18" charset="0"/>
+                          <a:ea typeface="游ゴシック" panose="020B0400000000000000" pitchFamily="50" charset="-128"/>
+                          <a:cs typeface="Times New Roman" panose="02020603050405020304" pitchFamily="18" charset="0"/>
+                        </a:rPr>
+                        <a:t>u</a:t>
+                      </a:r>
+                      <a:r>
+                        <a:rPr lang="en-US" sz="2600" b="0" i="0" u="none" strike="noStrike" dirty="0">
+                          <a:solidFill>
+                            <a:srgbClr val="000000"/>
+                          </a:solidFill>
+                          <a:effectLst/>
+                          <a:latin typeface="Times New Roman" panose="02020603050405020304" pitchFamily="18" charset="0"/>
+                          <a:ea typeface="游ゴシック" panose="020B0400000000000000" pitchFamily="50" charset="-128"/>
+                          <a:cs typeface="Times New Roman" panose="02020603050405020304" pitchFamily="18" charset="0"/>
+                        </a:rPr>
+                        <a:t>, 2)</a:t>
+                      </a:r>
+                    </a:p>
+                  </a:txBody>
+                  <a:tcPr marL="8852" marR="8852" marT="8852" marB="0" anchor="ctr">
+                    <a:lnL w="19050" cap="flat" cmpd="sng" algn="ctr">
+                      <a:solidFill>
+                        <a:srgbClr val="000000"/>
+                      </a:solidFill>
+                      <a:prstDash val="solid"/>
+                      <a:round/>
+                      <a:headEnd type="none" w="med" len="med"/>
+                      <a:tailEnd type="none" w="med" len="med"/>
+                    </a:lnL>
+                    <a:lnR w="19050" cap="flat" cmpd="sng" algn="ctr">
+                      <a:solidFill>
+                        <a:srgbClr val="000000"/>
+                      </a:solidFill>
+                      <a:prstDash val="solid"/>
+                      <a:round/>
+                      <a:headEnd type="none" w="med" len="med"/>
+                      <a:tailEnd type="none" w="med" len="med"/>
+                    </a:lnR>
+                    <a:lnT w="19050" cap="flat" cmpd="sng" algn="ctr">
+                      <a:solidFill>
+                        <a:srgbClr val="000000"/>
+                      </a:solidFill>
+                      <a:prstDash val="solid"/>
+                      <a:round/>
+                      <a:headEnd type="none" w="med" len="med"/>
+                      <a:tailEnd type="none" w="med" len="med"/>
+                    </a:lnT>
+                    <a:lnB w="19050" cap="flat" cmpd="sng" algn="ctr">
+                      <a:solidFill>
+                        <a:srgbClr val="000000"/>
+                      </a:solidFill>
+                      <a:prstDash val="solid"/>
+                      <a:round/>
+                      <a:headEnd type="none" w="med" len="med"/>
+                      <a:tailEnd type="none" w="med" len="med"/>
+                    </a:lnB>
+                  </a:tcPr>
+                </a:tc>
+                <a:tc>
+                  <a:txBody>
+                    <a:bodyPr/>
+                    <a:lstStyle/>
+                    <a:p>
+                      <a:pPr algn="ctr" fontAlgn="ctr"/>
+                      <a:r>
+                        <a:rPr lang="en-US" altLang="ja-JP" sz="2600" b="0" i="0" u="none" strike="noStrike" dirty="0">
+                          <a:solidFill>
+                            <a:srgbClr val="000000"/>
+                          </a:solidFill>
+                          <a:effectLst/>
+                          <a:latin typeface="Times New Roman" panose="02020603050405020304" pitchFamily="18" charset="0"/>
+                          <a:ea typeface="游ゴシック" panose="020B0400000000000000" pitchFamily="50" charset="-128"/>
+                          <a:cs typeface="Times New Roman" panose="02020603050405020304" pitchFamily="18" charset="0"/>
+                        </a:rPr>
+                        <a:t>…</a:t>
+                      </a:r>
+                      <a:endParaRPr lang="ja-JP" altLang="en-US" sz="2600" b="0" i="0" u="none" strike="noStrike" dirty="0">
+                        <a:solidFill>
+                          <a:srgbClr val="000000"/>
+                        </a:solidFill>
+                        <a:effectLst/>
+                        <a:latin typeface="Times New Roman" panose="02020603050405020304" pitchFamily="18" charset="0"/>
+                        <a:ea typeface="游ゴシック" panose="020B0400000000000000" pitchFamily="50" charset="-128"/>
+                        <a:cs typeface="Times New Roman" panose="02020603050405020304" pitchFamily="18" charset="0"/>
+                      </a:endParaRPr>
+                    </a:p>
+                  </a:txBody>
+                  <a:tcPr marL="8852" marR="8852" marT="8852" marB="0" anchor="ctr">
+                    <a:lnL w="19050" cap="flat" cmpd="sng" algn="ctr">
+                      <a:solidFill>
+                        <a:srgbClr val="000000"/>
+                      </a:solidFill>
+                      <a:prstDash val="solid"/>
+                      <a:round/>
+                      <a:headEnd type="none" w="med" len="med"/>
+                      <a:tailEnd type="none" w="med" len="med"/>
+                    </a:lnL>
+                    <a:lnR w="19050" cap="flat" cmpd="sng" algn="ctr">
+                      <a:solidFill>
+                        <a:srgbClr val="000000"/>
+                      </a:solidFill>
+                      <a:prstDash val="solid"/>
+                      <a:round/>
+                      <a:headEnd type="none" w="med" len="med"/>
+                      <a:tailEnd type="none" w="med" len="med"/>
+                    </a:lnR>
+                    <a:lnT>
+                      <a:noFill/>
+                    </a:lnT>
+                    <a:lnB>
+                      <a:noFill/>
+                    </a:lnB>
+                  </a:tcPr>
+                </a:tc>
+                <a:tc>
+                  <a:txBody>
+                    <a:bodyPr/>
+                    <a:lstStyle/>
+                    <a:p>
+                      <a:pPr algn="ctr" fontAlgn="ctr"/>
+                      <a:r>
+                        <a:rPr lang="en-US" sz="2600" b="0" i="0" u="none" strike="noStrike" dirty="0">
+                          <a:solidFill>
+                            <a:srgbClr val="000000"/>
+                          </a:solidFill>
+                          <a:effectLst/>
+                          <a:latin typeface="Times New Roman" panose="02020603050405020304" pitchFamily="18" charset="0"/>
+                          <a:ea typeface="游ゴシック" panose="020B0400000000000000" pitchFamily="50" charset="-128"/>
+                          <a:cs typeface="Times New Roman" panose="02020603050405020304" pitchFamily="18" charset="0"/>
+                        </a:rPr>
+                        <a:t>S(</a:t>
+                      </a:r>
+                      <a:r>
+                        <a:rPr lang="en-US" sz="2600" b="0" i="1" u="none" strike="noStrike" dirty="0">
+                          <a:solidFill>
+                            <a:srgbClr val="000000"/>
+                          </a:solidFill>
+                          <a:effectLst/>
+                          <a:latin typeface="Times New Roman" panose="02020603050405020304" pitchFamily="18" charset="0"/>
+                          <a:ea typeface="游ゴシック" panose="020B0400000000000000" pitchFamily="50" charset="-128"/>
+                          <a:cs typeface="Times New Roman" panose="02020603050405020304" pitchFamily="18" charset="0"/>
+                        </a:rPr>
+                        <a:t>u</a:t>
+                      </a:r>
+                      <a:r>
+                        <a:rPr lang="en-US" sz="2600" b="0" i="0" u="none" strike="noStrike" dirty="0">
+                          <a:solidFill>
+                            <a:srgbClr val="000000"/>
+                          </a:solidFill>
+                          <a:effectLst/>
+                          <a:latin typeface="Times New Roman" panose="02020603050405020304" pitchFamily="18" charset="0"/>
+                          <a:ea typeface="游ゴシック" panose="020B0400000000000000" pitchFamily="50" charset="-128"/>
+                          <a:cs typeface="Times New Roman" panose="02020603050405020304" pitchFamily="18" charset="0"/>
+                        </a:rPr>
+                        <a:t>, </a:t>
+                      </a:r>
+                      <a:r>
+                        <a:rPr lang="en-US" sz="2600" b="0" i="1" u="none" strike="noStrike" dirty="0">
+                          <a:solidFill>
+                            <a:srgbClr val="000000"/>
+                          </a:solidFill>
+                          <a:effectLst/>
+                          <a:latin typeface="Times New Roman" panose="02020603050405020304" pitchFamily="18" charset="0"/>
+                          <a:ea typeface="游ゴシック" panose="020B0400000000000000" pitchFamily="50" charset="-128"/>
+                          <a:cs typeface="Times New Roman" panose="02020603050405020304" pitchFamily="18" charset="0"/>
+                        </a:rPr>
+                        <a:t>v</a:t>
+                      </a:r>
+                      <a:r>
+                        <a:rPr lang="en-US" sz="2600" b="0" i="0" u="none" strike="noStrike" dirty="0">
+                          <a:solidFill>
+                            <a:srgbClr val="000000"/>
+                          </a:solidFill>
+                          <a:effectLst/>
+                          <a:latin typeface="Times New Roman" panose="02020603050405020304" pitchFamily="18" charset="0"/>
+                          <a:ea typeface="游ゴシック" panose="020B0400000000000000" pitchFamily="50" charset="-128"/>
+                          <a:cs typeface="Times New Roman" panose="02020603050405020304" pitchFamily="18" charset="0"/>
+                        </a:rPr>
+                        <a:t>)</a:t>
+                      </a:r>
+                    </a:p>
+                  </a:txBody>
+                  <a:tcPr marL="8852" marR="8852" marT="8852" marB="0" anchor="ctr">
+                    <a:lnL w="19050" cap="flat" cmpd="sng" algn="ctr">
+                      <a:solidFill>
+                        <a:srgbClr val="000000"/>
+                      </a:solidFill>
+                      <a:prstDash val="solid"/>
+                      <a:round/>
+                      <a:headEnd type="none" w="med" len="med"/>
+                      <a:tailEnd type="none" w="med" len="med"/>
+                    </a:lnL>
+                    <a:lnR w="19050" cap="flat" cmpd="sng" algn="ctr">
+                      <a:solidFill>
+                        <a:srgbClr val="000000"/>
+                      </a:solidFill>
+                      <a:prstDash val="solid"/>
+                      <a:round/>
+                      <a:headEnd type="none" w="med" len="med"/>
+                      <a:tailEnd type="none" w="med" len="med"/>
+                    </a:lnR>
+                    <a:lnT w="19050" cap="flat" cmpd="sng" algn="ctr">
+                      <a:solidFill>
+                        <a:srgbClr val="000000"/>
+                      </a:solidFill>
+                      <a:prstDash val="solid"/>
+                      <a:round/>
+                      <a:headEnd type="none" w="med" len="med"/>
+                      <a:tailEnd type="none" w="med" len="med"/>
+                    </a:lnT>
+                    <a:lnB w="19050" cap="flat" cmpd="sng" algn="ctr">
+                      <a:solidFill>
+                        <a:srgbClr val="000000"/>
+                      </a:solidFill>
+                      <a:prstDash val="solid"/>
+                      <a:round/>
+                      <a:headEnd type="none" w="med" len="med"/>
+                      <a:tailEnd type="none" w="med" len="med"/>
+                    </a:lnB>
+                  </a:tcPr>
+                </a:tc>
+                <a:extLst>
+                  <a:ext uri="{0D108BD9-81ED-4DB2-BD59-A6C34878D82A}">
+                    <a16:rowId xmlns:a16="http://schemas.microsoft.com/office/drawing/2014/main" val="3033093498"/>
+                  </a:ext>
+                </a:extLst>
+              </a:tr>
+            </a:tbl>
+          </a:graphicData>
+        </a:graphic>
+      </p:graphicFrame>
     </p:spTree>
     <p:extLst>
       <p:ext uri="{BB962C8B-B14F-4D97-AF65-F5344CB8AC3E}">
-        <p14:creationId xmlns:p14="http://schemas.microsoft.com/office/powerpoint/2010/main" val="1409596763"/>
+        <p14:creationId xmlns:p14="http://schemas.microsoft.com/office/powerpoint/2010/main" val="4285085525"/>
       </p:ext>
     </p:extLst>
   </p:cSld>
@@ -3515,18 +6794,17 @@
             <a:p>
               <a:pPr algn="ctr"/>
               <a:r>
-                <a:rPr kumimoji="1" lang="ja-JP" altLang="en-US" sz="2400" b="1" dirty="0" smtClean="0"/>
+                <a:rPr kumimoji="1" lang="ja-JP" altLang="en-US" sz="2400" b="1" dirty="0"/>
                 <a:t>オブジェクト</a:t>
               </a:r>
-              <a:endParaRPr kumimoji="1" lang="en-US" altLang="ja-JP" sz="2400" b="1" dirty="0" smtClean="0"/>
+              <a:endParaRPr kumimoji="1" lang="en-US" altLang="ja-JP" sz="2400" b="1" dirty="0"/>
             </a:p>
             <a:p>
               <a:pPr algn="ctr"/>
               <a:r>
-                <a:rPr kumimoji="1" lang="ja-JP" altLang="en-US" sz="2400" b="1" dirty="0" smtClean="0"/>
+                <a:rPr kumimoji="1" lang="ja-JP" altLang="en-US" sz="2400" b="1" dirty="0"/>
                 <a:t>抽出</a:t>
               </a:r>
-              <a:endParaRPr kumimoji="1" lang="ja-JP" altLang="en-US" sz="2400" b="1" dirty="0"/>
             </a:p>
           </p:txBody>
         </p:sp>
@@ -3625,13 +6903,8 @@
               <a:pPr algn="ctr"/>
               <a:r>
                 <a:rPr lang="ja-JP" altLang="en-US" sz="2400" b="1" dirty="0"/>
-                <a:t>画像</a:t>
+                <a:t>画像を取得</a:t>
               </a:r>
-              <a:r>
-                <a:rPr lang="ja-JP" altLang="en-US" sz="2400" b="1" dirty="0" smtClean="0"/>
-                <a:t>を取得</a:t>
-              </a:r>
-              <a:endParaRPr lang="ja-JP" altLang="en-US" sz="2400" b="1" dirty="0"/>
             </a:p>
           </p:txBody>
         </p:sp>
@@ -5275,13 +8548,6 @@
   <p:clrMapOvr>
     <a:masterClrMapping/>
   </p:clrMapOvr>
-  <p:timing>
-    <p:tnLst>
-      <p:par>
-        <p:cTn id="1" dur="indefinite" restart="never" nodeType="tmRoot"/>
-      </p:par>
-    </p:tnLst>
-  </p:timing>
 </p:sld>
 </file>
 
@@ -6693,13 +9959,6 @@
   <p:clrMapOvr>
     <a:masterClrMapping/>
   </p:clrMapOvr>
-  <p:timing>
-    <p:tnLst>
-      <p:par>
-        <p:cTn id="1" dur="indefinite" restart="never" nodeType="tmRoot"/>
-      </p:par>
-    </p:tnLst>
-  </p:timing>
 </p:sld>
 </file>
 
@@ -8520,13 +11779,6 @@
   <p:clrMapOvr>
     <a:masterClrMapping/>
   </p:clrMapOvr>
-  <p:timing>
-    <p:tnLst>
-      <p:par>
-        <p:cTn id="1" dur="indefinite" restart="never" nodeType="tmRoot"/>
-      </p:par>
-    </p:tnLst>
-  </p:timing>
 </p:sld>
 </file>
 
@@ -9661,13 +12913,6 @@
   <p:clrMapOvr>
     <a:masterClrMapping/>
   </p:clrMapOvr>
-  <p:timing>
-    <p:tnLst>
-      <p:par>
-        <p:cTn id="1" dur="indefinite" restart="never" nodeType="tmRoot"/>
-      </p:par>
-    </p:tnLst>
-  </p:timing>
 </p:sld>
 </file>
 
@@ -10943,13 +14188,6 @@
   <p:clrMapOvr>
     <a:masterClrMapping/>
   </p:clrMapOvr>
-  <p:timing>
-    <p:tnLst>
-      <p:par>
-        <p:cTn id="1" dur="indefinite" restart="never" nodeType="tmRoot"/>
-      </p:par>
-    </p:tnLst>
-  </p:timing>
 </p:sld>
 </file>
 
@@ -11712,7 +14950,7 @@
                 <a:t>l</a:t>
               </a:r>
               <a:r>
-                <a:rPr kumimoji="1" lang="en-US" altLang="ja-JP" sz="2000" i="1" dirty="0" smtClean="0">
+                <a:rPr kumimoji="1" lang="en-US" altLang="ja-JP" sz="2000" i="1" dirty="0">
                   <a:latin typeface="Times New Roman" panose="02020603050405020304" pitchFamily="18" charset="0"/>
                   <a:cs typeface="Times New Roman" panose="02020603050405020304" pitchFamily="18" charset="0"/>
                 </a:rPr>
@@ -11761,7 +14999,7 @@
                 <a:t>l</a:t>
               </a:r>
               <a:r>
-                <a:rPr lang="en-US" altLang="ja-JP" sz="2000" i="1" dirty="0" smtClean="0">
+                <a:rPr lang="en-US" altLang="ja-JP" sz="2000" i="1" dirty="0">
                   <a:latin typeface="Times New Roman" panose="02020603050405020304" pitchFamily="18" charset="0"/>
                   <a:cs typeface="Times New Roman" panose="02020603050405020304" pitchFamily="18" charset="0"/>
                 </a:rPr>
@@ -12144,13 +15382,6 @@
   <p:clrMapOvr>
     <a:masterClrMapping/>
   </p:clrMapOvr>
-  <p:timing>
-    <p:tnLst>
-      <p:par>
-        <p:cTn id="1" dur="indefinite" restart="never" nodeType="tmRoot"/>
-      </p:par>
-    </p:tnLst>
-  </p:timing>
 </p:sld>
 </file>
 

--- a/卒研発表tex用_イラスト.pptx
+++ b/卒研発表tex用_イラスト.pptx
@@ -10,13 +10,13 @@
   <p:sldIdLst>
     <p:sldId id="291" r:id="rId2"/>
     <p:sldId id="264" r:id="rId3"/>
-    <p:sldId id="258" r:id="rId4"/>
-    <p:sldId id="259" r:id="rId5"/>
-    <p:sldId id="260" r:id="rId6"/>
-    <p:sldId id="261" r:id="rId7"/>
-    <p:sldId id="262" r:id="rId8"/>
-    <p:sldId id="263" r:id="rId9"/>
-    <p:sldId id="265" r:id="rId10"/>
+    <p:sldId id="265" r:id="rId4"/>
+    <p:sldId id="258" r:id="rId5"/>
+    <p:sldId id="259" r:id="rId6"/>
+    <p:sldId id="260" r:id="rId7"/>
+    <p:sldId id="261" r:id="rId8"/>
+    <p:sldId id="262" r:id="rId9"/>
+    <p:sldId id="263" r:id="rId10"/>
   </p:sldIdLst>
   <p:sldSz cx="12192000" cy="6858000"/>
   <p:notesSz cx="7099300" cy="10234613"/>
@@ -205,7 +205,7 @@
           <a:p>
             <a:fld id="{B5E7AF8B-FD9C-4188-8BA3-79A46472192F}" type="datetimeFigureOut">
               <a:rPr kumimoji="1" lang="ja-JP" altLang="en-US" smtClean="0"/>
-              <a:t>2020/1/20</a:t>
+              <a:t>2020/1/21</a:t>
             </a:fld>
             <a:endParaRPr kumimoji="1" lang="ja-JP" altLang="en-US"/>
           </a:p>
@@ -417,7 +417,7 @@
           <a:p>
             <a:fld id="{1019A24B-2DB6-47C4-AADA-142B59CEEE3F}" type="datetimeFigureOut">
               <a:rPr kumimoji="1" lang="ja-JP" altLang="en-US" smtClean="0"/>
-              <a:t>2020/1/20</a:t>
+              <a:t>2020/1/21</a:t>
             </a:fld>
             <a:endParaRPr kumimoji="1" lang="ja-JP" altLang="en-US"/>
           </a:p>
@@ -617,7 +617,7 @@
           <a:p>
             <a:fld id="{1019A24B-2DB6-47C4-AADA-142B59CEEE3F}" type="datetimeFigureOut">
               <a:rPr kumimoji="1" lang="ja-JP" altLang="en-US" smtClean="0"/>
-              <a:t>2020/1/20</a:t>
+              <a:t>2020/1/21</a:t>
             </a:fld>
             <a:endParaRPr kumimoji="1" lang="ja-JP" altLang="en-US"/>
           </a:p>
@@ -827,7 +827,7 @@
           <a:p>
             <a:fld id="{1019A24B-2DB6-47C4-AADA-142B59CEEE3F}" type="datetimeFigureOut">
               <a:rPr kumimoji="1" lang="ja-JP" altLang="en-US" smtClean="0"/>
-              <a:t>2020/1/20</a:t>
+              <a:t>2020/1/21</a:t>
             </a:fld>
             <a:endParaRPr kumimoji="1" lang="ja-JP" altLang="en-US"/>
           </a:p>
@@ -1027,7 +1027,7 @@
           <a:p>
             <a:fld id="{1019A24B-2DB6-47C4-AADA-142B59CEEE3F}" type="datetimeFigureOut">
               <a:rPr kumimoji="1" lang="ja-JP" altLang="en-US" smtClean="0"/>
-              <a:t>2020/1/20</a:t>
+              <a:t>2020/1/21</a:t>
             </a:fld>
             <a:endParaRPr kumimoji="1" lang="ja-JP" altLang="en-US"/>
           </a:p>
@@ -1272,7 +1272,7 @@
           <a:p>
             <a:fld id="{1019A24B-2DB6-47C4-AADA-142B59CEEE3F}" type="datetimeFigureOut">
               <a:rPr kumimoji="1" lang="ja-JP" altLang="en-US" smtClean="0"/>
-              <a:t>2020/1/20</a:t>
+              <a:t>2020/1/21</a:t>
             </a:fld>
             <a:endParaRPr kumimoji="1" lang="ja-JP" altLang="en-US"/>
           </a:p>
@@ -1565,7 +1565,7 @@
           <a:p>
             <a:fld id="{1019A24B-2DB6-47C4-AADA-142B59CEEE3F}" type="datetimeFigureOut">
               <a:rPr kumimoji="1" lang="ja-JP" altLang="en-US" smtClean="0"/>
-              <a:t>2020/1/20</a:t>
+              <a:t>2020/1/21</a:t>
             </a:fld>
             <a:endParaRPr kumimoji="1" lang="ja-JP" altLang="en-US"/>
           </a:p>
@@ -1993,7 +1993,7 @@
           <a:p>
             <a:fld id="{1019A24B-2DB6-47C4-AADA-142B59CEEE3F}" type="datetimeFigureOut">
               <a:rPr kumimoji="1" lang="ja-JP" altLang="en-US" smtClean="0"/>
-              <a:t>2020/1/20</a:t>
+              <a:t>2020/1/21</a:t>
             </a:fld>
             <a:endParaRPr kumimoji="1" lang="ja-JP" altLang="en-US"/>
           </a:p>
@@ -2110,7 +2110,7 @@
           <a:p>
             <a:fld id="{1019A24B-2DB6-47C4-AADA-142B59CEEE3F}" type="datetimeFigureOut">
               <a:rPr kumimoji="1" lang="ja-JP" altLang="en-US" smtClean="0"/>
-              <a:t>2020/1/20</a:t>
+              <a:t>2020/1/21</a:t>
             </a:fld>
             <a:endParaRPr kumimoji="1" lang="ja-JP" altLang="en-US"/>
           </a:p>
@@ -2205,7 +2205,7 @@
           <a:p>
             <a:fld id="{1019A24B-2DB6-47C4-AADA-142B59CEEE3F}" type="datetimeFigureOut">
               <a:rPr kumimoji="1" lang="ja-JP" altLang="en-US" smtClean="0"/>
-              <a:t>2020/1/20</a:t>
+              <a:t>2020/1/21</a:t>
             </a:fld>
             <a:endParaRPr kumimoji="1" lang="ja-JP" altLang="en-US"/>
           </a:p>
@@ -2512,7 +2512,7 @@
           <a:p>
             <a:fld id="{1019A24B-2DB6-47C4-AADA-142B59CEEE3F}" type="datetimeFigureOut">
               <a:rPr kumimoji="1" lang="ja-JP" altLang="en-US" smtClean="0"/>
-              <a:t>2020/1/20</a:t>
+              <a:t>2020/1/21</a:t>
             </a:fld>
             <a:endParaRPr kumimoji="1" lang="ja-JP" altLang="en-US"/>
           </a:p>
@@ -2764,7 +2764,7 @@
           <a:p>
             <a:fld id="{1019A24B-2DB6-47C4-AADA-142B59CEEE3F}" type="datetimeFigureOut">
               <a:rPr kumimoji="1" lang="ja-JP" altLang="en-US" smtClean="0"/>
-              <a:t>2020/1/20</a:t>
+              <a:t>2020/1/21</a:t>
             </a:fld>
             <a:endParaRPr kumimoji="1" lang="ja-JP" altLang="en-US"/>
           </a:p>
@@ -3007,7 +3007,7 @@
           <a:p>
             <a:fld id="{1019A24B-2DB6-47C4-AADA-142B59CEEE3F}" type="datetimeFigureOut">
               <a:rPr kumimoji="1" lang="ja-JP" altLang="en-US" smtClean="0"/>
-              <a:t>2020/1/20</a:t>
+              <a:t>2020/1/21</a:t>
             </a:fld>
             <a:endParaRPr kumimoji="1" lang="ja-JP" altLang="en-US"/>
           </a:p>
@@ -7091,6 +7091,351 @@
           <a:chExt cx="0" cy="0"/>
         </a:xfrm>
       </p:grpSpPr>
+      <p:pic>
+        <p:nvPicPr>
+          <p:cNvPr id="3" name="図 2">
+            <a:extLst>
+              <a:ext uri="{FF2B5EF4-FFF2-40B4-BE49-F238E27FC236}">
+                <a16:creationId xmlns:a16="http://schemas.microsoft.com/office/drawing/2014/main" id="{5F076B1C-81F3-4C07-AE52-C087C3FA87ED}"/>
+              </a:ext>
+            </a:extLst>
+          </p:cNvPr>
+          <p:cNvPicPr>
+            <a:picLocks noChangeAspect="1"/>
+          </p:cNvPicPr>
+          <p:nvPr/>
+        </p:nvPicPr>
+        <p:blipFill>
+          <a:blip r:embed="rId2">
+            <a:extLst>
+              <a:ext uri="{28A0092B-C50C-407E-A947-70E740481C1C}">
+                <a14:useLocalDpi xmlns:a14="http://schemas.microsoft.com/office/drawing/2010/main" val="0"/>
+              </a:ext>
+            </a:extLst>
+          </a:blip>
+          <a:stretch>
+            <a:fillRect/>
+          </a:stretch>
+        </p:blipFill>
+        <p:spPr>
+          <a:xfrm>
+            <a:off x="0" y="425548"/>
+            <a:ext cx="12190137" cy="6006904"/>
+          </a:xfrm>
+          <a:prstGeom prst="rect">
+            <a:avLst/>
+          </a:prstGeom>
+        </p:spPr>
+      </p:pic>
+      <p:sp>
+        <p:nvSpPr>
+          <p:cNvPr id="4" name="テキスト ボックス 3">
+            <a:extLst>
+              <a:ext uri="{FF2B5EF4-FFF2-40B4-BE49-F238E27FC236}">
+                <a16:creationId xmlns:a16="http://schemas.microsoft.com/office/drawing/2014/main" id="{C53E53F2-5025-4762-8E3B-12C3CDBF4EB3}"/>
+              </a:ext>
+            </a:extLst>
+          </p:cNvPr>
+          <p:cNvSpPr txBox="1"/>
+          <p:nvPr/>
+        </p:nvSpPr>
+        <p:spPr>
+          <a:xfrm>
+            <a:off x="312751" y="614697"/>
+            <a:ext cx="1415772" cy="584775"/>
+          </a:xfrm>
+          <a:prstGeom prst="rect">
+            <a:avLst/>
+          </a:prstGeom>
+          <a:solidFill>
+            <a:schemeClr val="bg1"/>
+          </a:solidFill>
+          <a:ln w="28575">
+            <a:solidFill>
+              <a:schemeClr val="tx1"/>
+            </a:solidFill>
+          </a:ln>
+        </p:spPr>
+        <p:txBody>
+          <a:bodyPr wrap="none" rtlCol="0">
+            <a:spAutoFit/>
+          </a:bodyPr>
+          <a:lstStyle/>
+          <a:p>
+            <a:r>
+              <a:rPr kumimoji="1" lang="ja-JP" altLang="en-US" sz="3200" dirty="0"/>
+              <a:t>生画像</a:t>
+            </a:r>
+          </a:p>
+        </p:txBody>
+      </p:sp>
+      <p:sp>
+        <p:nvSpPr>
+          <p:cNvPr id="5" name="テキスト ボックス 4">
+            <a:extLst>
+              <a:ext uri="{FF2B5EF4-FFF2-40B4-BE49-F238E27FC236}">
+                <a16:creationId xmlns:a16="http://schemas.microsoft.com/office/drawing/2014/main" id="{9B3FAF93-48D7-4AEB-983F-BC4956EDF150}"/>
+              </a:ext>
+            </a:extLst>
+          </p:cNvPr>
+          <p:cNvSpPr txBox="1"/>
+          <p:nvPr/>
+        </p:nvSpPr>
+        <p:spPr>
+          <a:xfrm>
+            <a:off x="4242021" y="614697"/>
+            <a:ext cx="2236510" cy="584775"/>
+          </a:xfrm>
+          <a:prstGeom prst="rect">
+            <a:avLst/>
+          </a:prstGeom>
+          <a:solidFill>
+            <a:schemeClr val="bg1"/>
+          </a:solidFill>
+          <a:ln w="28575">
+            <a:solidFill>
+              <a:schemeClr val="tx1"/>
+            </a:solidFill>
+          </a:ln>
+        </p:spPr>
+        <p:txBody>
+          <a:bodyPr wrap="none" rtlCol="0">
+            <a:spAutoFit/>
+          </a:bodyPr>
+          <a:lstStyle/>
+          <a:p>
+            <a:r>
+              <a:rPr lang="ja-JP" altLang="en-US" sz="3200" dirty="0"/>
+              <a:t>グレー</a:t>
+            </a:r>
+            <a:r>
+              <a:rPr kumimoji="1" lang="ja-JP" altLang="en-US" sz="3200" dirty="0"/>
+              <a:t>画像</a:t>
+            </a:r>
+          </a:p>
+        </p:txBody>
+      </p:sp>
+      <p:sp>
+        <p:nvSpPr>
+          <p:cNvPr id="6" name="テキスト ボックス 5">
+            <a:extLst>
+              <a:ext uri="{FF2B5EF4-FFF2-40B4-BE49-F238E27FC236}">
+                <a16:creationId xmlns:a16="http://schemas.microsoft.com/office/drawing/2014/main" id="{4C8FE104-8801-4EE9-9060-3C6F9BB10F16}"/>
+              </a:ext>
+            </a:extLst>
+          </p:cNvPr>
+          <p:cNvSpPr txBox="1"/>
+          <p:nvPr/>
+        </p:nvSpPr>
+        <p:spPr>
+          <a:xfrm>
+            <a:off x="8123314" y="614696"/>
+            <a:ext cx="3057247" cy="584775"/>
+          </a:xfrm>
+          <a:prstGeom prst="rect">
+            <a:avLst/>
+          </a:prstGeom>
+          <a:solidFill>
+            <a:schemeClr val="bg1"/>
+          </a:solidFill>
+          <a:ln w="28575">
+            <a:solidFill>
+              <a:schemeClr val="tx1"/>
+            </a:solidFill>
+          </a:ln>
+        </p:spPr>
+        <p:txBody>
+          <a:bodyPr wrap="none" rtlCol="0">
+            <a:spAutoFit/>
+          </a:bodyPr>
+          <a:lstStyle/>
+          <a:p>
+            <a:r>
+              <a:rPr lang="ja-JP" altLang="en-US" sz="3200" dirty="0"/>
+              <a:t>大域的閾値選択</a:t>
+            </a:r>
+            <a:endParaRPr kumimoji="1" lang="ja-JP" altLang="en-US" sz="3200" dirty="0"/>
+          </a:p>
+        </p:txBody>
+      </p:sp>
+      <p:sp>
+        <p:nvSpPr>
+          <p:cNvPr id="7" name="テキスト ボックス 6">
+            <a:extLst>
+              <a:ext uri="{FF2B5EF4-FFF2-40B4-BE49-F238E27FC236}">
+                <a16:creationId xmlns:a16="http://schemas.microsoft.com/office/drawing/2014/main" id="{F7BF6F77-EDEA-4E3C-9E5E-E88667ED8E02}"/>
+              </a:ext>
+            </a:extLst>
+          </p:cNvPr>
+          <p:cNvSpPr txBox="1"/>
+          <p:nvPr/>
+        </p:nvSpPr>
+        <p:spPr>
+          <a:xfrm>
+            <a:off x="312751" y="3523574"/>
+            <a:ext cx="2646878" cy="584775"/>
+          </a:xfrm>
+          <a:prstGeom prst="rect">
+            <a:avLst/>
+          </a:prstGeom>
+          <a:solidFill>
+            <a:schemeClr val="bg1"/>
+          </a:solidFill>
+          <a:ln w="28575">
+            <a:solidFill>
+              <a:schemeClr val="tx1"/>
+            </a:solidFill>
+          </a:ln>
+        </p:spPr>
+        <p:txBody>
+          <a:bodyPr wrap="none" rtlCol="0">
+            <a:spAutoFit/>
+          </a:bodyPr>
+          <a:lstStyle/>
+          <a:p>
+            <a:r>
+              <a:rPr kumimoji="1" lang="ja-JP" altLang="en-US" sz="3200" dirty="0"/>
+              <a:t>大津の二値化</a:t>
+            </a:r>
+          </a:p>
+        </p:txBody>
+      </p:sp>
+      <p:sp>
+        <p:nvSpPr>
+          <p:cNvPr id="8" name="テキスト ボックス 7">
+            <a:extLst>
+              <a:ext uri="{FF2B5EF4-FFF2-40B4-BE49-F238E27FC236}">
+                <a16:creationId xmlns:a16="http://schemas.microsoft.com/office/drawing/2014/main" id="{61A26294-8894-456C-9F95-DCBDF76A685D}"/>
+              </a:ext>
+            </a:extLst>
+          </p:cNvPr>
+          <p:cNvSpPr txBox="1"/>
+          <p:nvPr/>
+        </p:nvSpPr>
+        <p:spPr>
+          <a:xfrm>
+            <a:off x="4242021" y="3540620"/>
+            <a:ext cx="2646878" cy="584775"/>
+          </a:xfrm>
+          <a:prstGeom prst="rect">
+            <a:avLst/>
+          </a:prstGeom>
+          <a:solidFill>
+            <a:schemeClr val="bg1"/>
+          </a:solidFill>
+          <a:ln w="28575">
+            <a:solidFill>
+              <a:schemeClr val="tx1"/>
+            </a:solidFill>
+          </a:ln>
+        </p:spPr>
+        <p:txBody>
+          <a:bodyPr wrap="none" rtlCol="0">
+            <a:spAutoFit/>
+          </a:bodyPr>
+          <a:lstStyle/>
+          <a:p>
+            <a:r>
+              <a:rPr lang="ja-JP" altLang="en-US" sz="3200" dirty="0"/>
+              <a:t>適応的二値化</a:t>
+            </a:r>
+            <a:endParaRPr kumimoji="1" lang="ja-JP" altLang="en-US" sz="3200" dirty="0"/>
+          </a:p>
+        </p:txBody>
+      </p:sp>
+      <p:sp>
+        <p:nvSpPr>
+          <p:cNvPr id="10" name="テキスト ボックス 9">
+            <a:extLst>
+              <a:ext uri="{FF2B5EF4-FFF2-40B4-BE49-F238E27FC236}">
+                <a16:creationId xmlns:a16="http://schemas.microsoft.com/office/drawing/2014/main" id="{C9D6DC85-EB45-4056-809B-937434DA2A10}"/>
+              </a:ext>
+            </a:extLst>
+          </p:cNvPr>
+          <p:cNvSpPr txBox="1"/>
+          <p:nvPr/>
+        </p:nvSpPr>
+        <p:spPr>
+          <a:xfrm>
+            <a:off x="8123314" y="3523573"/>
+            <a:ext cx="2781531" cy="584775"/>
+          </a:xfrm>
+          <a:prstGeom prst="rect">
+            <a:avLst/>
+          </a:prstGeom>
+          <a:solidFill>
+            <a:schemeClr val="bg1"/>
+          </a:solidFill>
+          <a:ln w="28575">
+            <a:solidFill>
+              <a:schemeClr val="tx1"/>
+            </a:solidFill>
+          </a:ln>
+        </p:spPr>
+        <p:txBody>
+          <a:bodyPr wrap="none" rtlCol="0">
+            <a:spAutoFit/>
+          </a:bodyPr>
+          <a:lstStyle/>
+          <a:p>
+            <a:r>
+              <a:rPr kumimoji="1" lang="en-US" altLang="ja-JP" sz="3200" dirty="0"/>
+              <a:t>2</a:t>
+            </a:r>
+            <a:r>
+              <a:rPr kumimoji="1" lang="ja-JP" altLang="en-US" sz="3200" dirty="0" err="1"/>
+              <a:t>つの</a:t>
+            </a:r>
+            <a:r>
+              <a:rPr kumimoji="1" lang="ja-JP" altLang="en-US" sz="3200" dirty="0"/>
+              <a:t>閾値</a:t>
+            </a:r>
+            <a:r>
+              <a:rPr kumimoji="1" lang="en-US" altLang="ja-JP" sz="3200" dirty="0"/>
+              <a:t>(</a:t>
+            </a:r>
+            <a:r>
+              <a:rPr kumimoji="1" lang="ja-JP" altLang="en-US" sz="3200" dirty="0"/>
+              <a:t>黒</a:t>
+            </a:r>
+            <a:r>
+              <a:rPr kumimoji="1" lang="en-US" altLang="ja-JP" sz="3200" dirty="0"/>
+              <a:t>)</a:t>
+            </a:r>
+            <a:endParaRPr kumimoji="1" lang="ja-JP" altLang="en-US" sz="3200" dirty="0"/>
+          </a:p>
+        </p:txBody>
+      </p:sp>
+    </p:spTree>
+    <p:extLst>
+      <p:ext uri="{BB962C8B-B14F-4D97-AF65-F5344CB8AC3E}">
+        <p14:creationId xmlns:p14="http://schemas.microsoft.com/office/powerpoint/2010/main" val="2805776640"/>
+      </p:ext>
+    </p:extLst>
+  </p:cSld>
+  <p:clrMapOvr>
+    <a:masterClrMapping/>
+  </p:clrMapOvr>
+</p:sld>
+</file>
+
+<file path=ppt/slides/slide4.xml><?xml version="1.0" encoding="utf-8"?>
+<p:sld xmlns:a="http://schemas.openxmlformats.org/drawingml/2006/main" xmlns:r="http://schemas.openxmlformats.org/officeDocument/2006/relationships" xmlns:p="http://schemas.openxmlformats.org/presentationml/2006/main">
+  <p:cSld>
+    <p:spTree>
+      <p:nvGrpSpPr>
+        <p:cNvPr id="1" name=""/>
+        <p:cNvGrpSpPr/>
+        <p:nvPr/>
+      </p:nvGrpSpPr>
+      <p:grpSpPr>
+        <a:xfrm>
+          <a:off x="0" y="0"/>
+          <a:ext cx="0" cy="0"/>
+          <a:chOff x="0" y="0"/>
+          <a:chExt cx="0" cy="0"/>
+        </a:xfrm>
+      </p:grpSpPr>
       <p:grpSp>
         <p:nvGrpSpPr>
           <p:cNvPr id="17" name="グループ化 16"/>
@@ -8551,7 +8896,7 @@
 </p:sld>
 </file>
 
-<file path=ppt/slides/slide4.xml><?xml version="1.0" encoding="utf-8"?>
+<file path=ppt/slides/slide5.xml><?xml version="1.0" encoding="utf-8"?>
 <p:sld xmlns:a="http://schemas.openxmlformats.org/drawingml/2006/main" xmlns:r="http://schemas.openxmlformats.org/officeDocument/2006/relationships" xmlns:p="http://schemas.openxmlformats.org/presentationml/2006/main">
   <p:cSld>
     <p:spTree>
@@ -9962,7 +10307,7 @@
 </p:sld>
 </file>
 
-<file path=ppt/slides/slide5.xml><?xml version="1.0" encoding="utf-8"?>
+<file path=ppt/slides/slide6.xml><?xml version="1.0" encoding="utf-8"?>
 <p:sld xmlns:a="http://schemas.openxmlformats.org/drawingml/2006/main" xmlns:r="http://schemas.openxmlformats.org/officeDocument/2006/relationships" xmlns:p="http://schemas.openxmlformats.org/presentationml/2006/main">
   <p:cSld>
     <p:spTree>
@@ -11782,7 +12127,7 @@
 </p:sld>
 </file>
 
-<file path=ppt/slides/slide6.xml><?xml version="1.0" encoding="utf-8"?>
+<file path=ppt/slides/slide7.xml><?xml version="1.0" encoding="utf-8"?>
 <p:sld xmlns:a="http://schemas.openxmlformats.org/drawingml/2006/main" xmlns:r="http://schemas.openxmlformats.org/officeDocument/2006/relationships" xmlns:p="http://schemas.openxmlformats.org/presentationml/2006/main">
   <p:cSld>
     <p:spTree>
@@ -12916,7 +13261,7 @@
 </p:sld>
 </file>
 
-<file path=ppt/slides/slide7.xml><?xml version="1.0" encoding="utf-8"?>
+<file path=ppt/slides/slide8.xml><?xml version="1.0" encoding="utf-8"?>
 <p:sld xmlns:a="http://schemas.openxmlformats.org/drawingml/2006/main" xmlns:r="http://schemas.openxmlformats.org/officeDocument/2006/relationships" xmlns:p="http://schemas.openxmlformats.org/presentationml/2006/main">
   <p:cSld>
     <p:spTree>
@@ -14191,7 +14536,7 @@
 </p:sld>
 </file>
 
-<file path=ppt/slides/slide8.xml><?xml version="1.0" encoding="utf-8"?>
+<file path=ppt/slides/slide9.xml><?xml version="1.0" encoding="utf-8"?>
 <p:sld xmlns:a="http://schemas.openxmlformats.org/drawingml/2006/main" xmlns:r="http://schemas.openxmlformats.org/officeDocument/2006/relationships" xmlns:p="http://schemas.openxmlformats.org/presentationml/2006/main">
   <p:cSld>
     <p:spTree>
@@ -15385,351 +15730,6 @@
 </p:sld>
 </file>
 
-<file path=ppt/slides/slide9.xml><?xml version="1.0" encoding="utf-8"?>
-<p:sld xmlns:a="http://schemas.openxmlformats.org/drawingml/2006/main" xmlns:r="http://schemas.openxmlformats.org/officeDocument/2006/relationships" xmlns:p="http://schemas.openxmlformats.org/presentationml/2006/main">
-  <p:cSld>
-    <p:spTree>
-      <p:nvGrpSpPr>
-        <p:cNvPr id="1" name=""/>
-        <p:cNvGrpSpPr/>
-        <p:nvPr/>
-      </p:nvGrpSpPr>
-      <p:grpSpPr>
-        <a:xfrm>
-          <a:off x="0" y="0"/>
-          <a:ext cx="0" cy="0"/>
-          <a:chOff x="0" y="0"/>
-          <a:chExt cx="0" cy="0"/>
-        </a:xfrm>
-      </p:grpSpPr>
-      <p:pic>
-        <p:nvPicPr>
-          <p:cNvPr id="3" name="図 2">
-            <a:extLst>
-              <a:ext uri="{FF2B5EF4-FFF2-40B4-BE49-F238E27FC236}">
-                <a16:creationId xmlns:a16="http://schemas.microsoft.com/office/drawing/2014/main" id="{5F076B1C-81F3-4C07-AE52-C087C3FA87ED}"/>
-              </a:ext>
-            </a:extLst>
-          </p:cNvPr>
-          <p:cNvPicPr>
-            <a:picLocks noChangeAspect="1"/>
-          </p:cNvPicPr>
-          <p:nvPr/>
-        </p:nvPicPr>
-        <p:blipFill>
-          <a:blip r:embed="rId2">
-            <a:extLst>
-              <a:ext uri="{28A0092B-C50C-407E-A947-70E740481C1C}">
-                <a14:useLocalDpi xmlns:a14="http://schemas.microsoft.com/office/drawing/2010/main" val="0"/>
-              </a:ext>
-            </a:extLst>
-          </a:blip>
-          <a:stretch>
-            <a:fillRect/>
-          </a:stretch>
-        </p:blipFill>
-        <p:spPr>
-          <a:xfrm>
-            <a:off x="0" y="425548"/>
-            <a:ext cx="12190137" cy="6006904"/>
-          </a:xfrm>
-          <a:prstGeom prst="rect">
-            <a:avLst/>
-          </a:prstGeom>
-        </p:spPr>
-      </p:pic>
-      <p:sp>
-        <p:nvSpPr>
-          <p:cNvPr id="4" name="テキスト ボックス 3">
-            <a:extLst>
-              <a:ext uri="{FF2B5EF4-FFF2-40B4-BE49-F238E27FC236}">
-                <a16:creationId xmlns:a16="http://schemas.microsoft.com/office/drawing/2014/main" id="{C53E53F2-5025-4762-8E3B-12C3CDBF4EB3}"/>
-              </a:ext>
-            </a:extLst>
-          </p:cNvPr>
-          <p:cNvSpPr txBox="1"/>
-          <p:nvPr/>
-        </p:nvSpPr>
-        <p:spPr>
-          <a:xfrm>
-            <a:off x="312751" y="614697"/>
-            <a:ext cx="1415772" cy="584775"/>
-          </a:xfrm>
-          <a:prstGeom prst="rect">
-            <a:avLst/>
-          </a:prstGeom>
-          <a:solidFill>
-            <a:schemeClr val="bg1"/>
-          </a:solidFill>
-          <a:ln w="28575">
-            <a:solidFill>
-              <a:schemeClr val="tx1"/>
-            </a:solidFill>
-          </a:ln>
-        </p:spPr>
-        <p:txBody>
-          <a:bodyPr wrap="none" rtlCol="0">
-            <a:spAutoFit/>
-          </a:bodyPr>
-          <a:lstStyle/>
-          <a:p>
-            <a:r>
-              <a:rPr kumimoji="1" lang="ja-JP" altLang="en-US" sz="3200" dirty="0"/>
-              <a:t>生画像</a:t>
-            </a:r>
-          </a:p>
-        </p:txBody>
-      </p:sp>
-      <p:sp>
-        <p:nvSpPr>
-          <p:cNvPr id="5" name="テキスト ボックス 4">
-            <a:extLst>
-              <a:ext uri="{FF2B5EF4-FFF2-40B4-BE49-F238E27FC236}">
-                <a16:creationId xmlns:a16="http://schemas.microsoft.com/office/drawing/2014/main" id="{9B3FAF93-48D7-4AEB-983F-BC4956EDF150}"/>
-              </a:ext>
-            </a:extLst>
-          </p:cNvPr>
-          <p:cNvSpPr txBox="1"/>
-          <p:nvPr/>
-        </p:nvSpPr>
-        <p:spPr>
-          <a:xfrm>
-            <a:off x="4242021" y="614697"/>
-            <a:ext cx="2236510" cy="584775"/>
-          </a:xfrm>
-          <a:prstGeom prst="rect">
-            <a:avLst/>
-          </a:prstGeom>
-          <a:solidFill>
-            <a:schemeClr val="bg1"/>
-          </a:solidFill>
-          <a:ln w="28575">
-            <a:solidFill>
-              <a:schemeClr val="tx1"/>
-            </a:solidFill>
-          </a:ln>
-        </p:spPr>
-        <p:txBody>
-          <a:bodyPr wrap="none" rtlCol="0">
-            <a:spAutoFit/>
-          </a:bodyPr>
-          <a:lstStyle/>
-          <a:p>
-            <a:r>
-              <a:rPr lang="ja-JP" altLang="en-US" sz="3200" dirty="0"/>
-              <a:t>グレー</a:t>
-            </a:r>
-            <a:r>
-              <a:rPr kumimoji="1" lang="ja-JP" altLang="en-US" sz="3200" dirty="0"/>
-              <a:t>画像</a:t>
-            </a:r>
-          </a:p>
-        </p:txBody>
-      </p:sp>
-      <p:sp>
-        <p:nvSpPr>
-          <p:cNvPr id="6" name="テキスト ボックス 5">
-            <a:extLst>
-              <a:ext uri="{FF2B5EF4-FFF2-40B4-BE49-F238E27FC236}">
-                <a16:creationId xmlns:a16="http://schemas.microsoft.com/office/drawing/2014/main" id="{4C8FE104-8801-4EE9-9060-3C6F9BB10F16}"/>
-              </a:ext>
-            </a:extLst>
-          </p:cNvPr>
-          <p:cNvSpPr txBox="1"/>
-          <p:nvPr/>
-        </p:nvSpPr>
-        <p:spPr>
-          <a:xfrm>
-            <a:off x="8123314" y="614696"/>
-            <a:ext cx="3057247" cy="584775"/>
-          </a:xfrm>
-          <a:prstGeom prst="rect">
-            <a:avLst/>
-          </a:prstGeom>
-          <a:solidFill>
-            <a:schemeClr val="bg1"/>
-          </a:solidFill>
-          <a:ln w="28575">
-            <a:solidFill>
-              <a:schemeClr val="tx1"/>
-            </a:solidFill>
-          </a:ln>
-        </p:spPr>
-        <p:txBody>
-          <a:bodyPr wrap="none" rtlCol="0">
-            <a:spAutoFit/>
-          </a:bodyPr>
-          <a:lstStyle/>
-          <a:p>
-            <a:r>
-              <a:rPr lang="ja-JP" altLang="en-US" sz="3200" dirty="0"/>
-              <a:t>大域的閾値選択</a:t>
-            </a:r>
-            <a:endParaRPr kumimoji="1" lang="ja-JP" altLang="en-US" sz="3200" dirty="0"/>
-          </a:p>
-        </p:txBody>
-      </p:sp>
-      <p:sp>
-        <p:nvSpPr>
-          <p:cNvPr id="7" name="テキスト ボックス 6">
-            <a:extLst>
-              <a:ext uri="{FF2B5EF4-FFF2-40B4-BE49-F238E27FC236}">
-                <a16:creationId xmlns:a16="http://schemas.microsoft.com/office/drawing/2014/main" id="{F7BF6F77-EDEA-4E3C-9E5E-E88667ED8E02}"/>
-              </a:ext>
-            </a:extLst>
-          </p:cNvPr>
-          <p:cNvSpPr txBox="1"/>
-          <p:nvPr/>
-        </p:nvSpPr>
-        <p:spPr>
-          <a:xfrm>
-            <a:off x="312751" y="3523574"/>
-            <a:ext cx="2646878" cy="584775"/>
-          </a:xfrm>
-          <a:prstGeom prst="rect">
-            <a:avLst/>
-          </a:prstGeom>
-          <a:solidFill>
-            <a:schemeClr val="bg1"/>
-          </a:solidFill>
-          <a:ln w="28575">
-            <a:solidFill>
-              <a:schemeClr val="tx1"/>
-            </a:solidFill>
-          </a:ln>
-        </p:spPr>
-        <p:txBody>
-          <a:bodyPr wrap="none" rtlCol="0">
-            <a:spAutoFit/>
-          </a:bodyPr>
-          <a:lstStyle/>
-          <a:p>
-            <a:r>
-              <a:rPr kumimoji="1" lang="ja-JP" altLang="en-US" sz="3200" dirty="0"/>
-              <a:t>大津の二値化</a:t>
-            </a:r>
-          </a:p>
-        </p:txBody>
-      </p:sp>
-      <p:sp>
-        <p:nvSpPr>
-          <p:cNvPr id="8" name="テキスト ボックス 7">
-            <a:extLst>
-              <a:ext uri="{FF2B5EF4-FFF2-40B4-BE49-F238E27FC236}">
-                <a16:creationId xmlns:a16="http://schemas.microsoft.com/office/drawing/2014/main" id="{61A26294-8894-456C-9F95-DCBDF76A685D}"/>
-              </a:ext>
-            </a:extLst>
-          </p:cNvPr>
-          <p:cNvSpPr txBox="1"/>
-          <p:nvPr/>
-        </p:nvSpPr>
-        <p:spPr>
-          <a:xfrm>
-            <a:off x="4242021" y="3540620"/>
-            <a:ext cx="2646878" cy="584775"/>
-          </a:xfrm>
-          <a:prstGeom prst="rect">
-            <a:avLst/>
-          </a:prstGeom>
-          <a:solidFill>
-            <a:schemeClr val="bg1"/>
-          </a:solidFill>
-          <a:ln w="28575">
-            <a:solidFill>
-              <a:schemeClr val="tx1"/>
-            </a:solidFill>
-          </a:ln>
-        </p:spPr>
-        <p:txBody>
-          <a:bodyPr wrap="none" rtlCol="0">
-            <a:spAutoFit/>
-          </a:bodyPr>
-          <a:lstStyle/>
-          <a:p>
-            <a:r>
-              <a:rPr lang="ja-JP" altLang="en-US" sz="3200" dirty="0"/>
-              <a:t>適応的二値化</a:t>
-            </a:r>
-            <a:endParaRPr kumimoji="1" lang="ja-JP" altLang="en-US" sz="3200" dirty="0"/>
-          </a:p>
-        </p:txBody>
-      </p:sp>
-      <p:sp>
-        <p:nvSpPr>
-          <p:cNvPr id="10" name="テキスト ボックス 9">
-            <a:extLst>
-              <a:ext uri="{FF2B5EF4-FFF2-40B4-BE49-F238E27FC236}">
-                <a16:creationId xmlns:a16="http://schemas.microsoft.com/office/drawing/2014/main" id="{C9D6DC85-EB45-4056-809B-937434DA2A10}"/>
-              </a:ext>
-            </a:extLst>
-          </p:cNvPr>
-          <p:cNvSpPr txBox="1"/>
-          <p:nvPr/>
-        </p:nvSpPr>
-        <p:spPr>
-          <a:xfrm>
-            <a:off x="8123314" y="3523573"/>
-            <a:ext cx="2781531" cy="584775"/>
-          </a:xfrm>
-          <a:prstGeom prst="rect">
-            <a:avLst/>
-          </a:prstGeom>
-          <a:solidFill>
-            <a:schemeClr val="bg1"/>
-          </a:solidFill>
-          <a:ln w="28575">
-            <a:solidFill>
-              <a:schemeClr val="tx1"/>
-            </a:solidFill>
-          </a:ln>
-        </p:spPr>
-        <p:txBody>
-          <a:bodyPr wrap="none" rtlCol="0">
-            <a:spAutoFit/>
-          </a:bodyPr>
-          <a:lstStyle/>
-          <a:p>
-            <a:r>
-              <a:rPr kumimoji="1" lang="en-US" altLang="ja-JP" sz="3200" dirty="0"/>
-              <a:t>2</a:t>
-            </a:r>
-            <a:r>
-              <a:rPr kumimoji="1" lang="ja-JP" altLang="en-US" sz="3200" dirty="0" err="1"/>
-              <a:t>つの</a:t>
-            </a:r>
-            <a:r>
-              <a:rPr kumimoji="1" lang="ja-JP" altLang="en-US" sz="3200" dirty="0"/>
-              <a:t>閾値</a:t>
-            </a:r>
-            <a:r>
-              <a:rPr kumimoji="1" lang="en-US" altLang="ja-JP" sz="3200" dirty="0"/>
-              <a:t>(</a:t>
-            </a:r>
-            <a:r>
-              <a:rPr kumimoji="1" lang="ja-JP" altLang="en-US" sz="3200" dirty="0"/>
-              <a:t>黒</a:t>
-            </a:r>
-            <a:r>
-              <a:rPr kumimoji="1" lang="en-US" altLang="ja-JP" sz="3200" dirty="0"/>
-              <a:t>)</a:t>
-            </a:r>
-            <a:endParaRPr kumimoji="1" lang="ja-JP" altLang="en-US" sz="3200" dirty="0"/>
-          </a:p>
-        </p:txBody>
-      </p:sp>
-    </p:spTree>
-    <p:extLst>
-      <p:ext uri="{BB962C8B-B14F-4D97-AF65-F5344CB8AC3E}">
-        <p14:creationId xmlns:p14="http://schemas.microsoft.com/office/powerpoint/2010/main" val="2805776640"/>
-      </p:ext>
-    </p:extLst>
-  </p:cSld>
-  <p:clrMapOvr>
-    <a:masterClrMapping/>
-  </p:clrMapOvr>
-</p:sld>
-</file>
-
 <file path=ppt/theme/theme1.xml><?xml version="1.0" encoding="utf-8"?>
 <a:theme xmlns:a="http://schemas.openxmlformats.org/drawingml/2006/main" name="Office テーマ">
   <a:themeElements>

--- a/卒研発表tex用_イラスト.pptx
+++ b/卒研発表tex用_イラスト.pptx
@@ -5,18 +5,19 @@
     <p:sldMasterId id="2147483648" r:id="rId1"/>
   </p:sldMasterIdLst>
   <p:handoutMasterIdLst>
-    <p:handoutMasterId r:id="rId11"/>
+    <p:handoutMasterId r:id="rId12"/>
   </p:handoutMasterIdLst>
   <p:sldIdLst>
-    <p:sldId id="291" r:id="rId2"/>
-    <p:sldId id="264" r:id="rId3"/>
-    <p:sldId id="265" r:id="rId4"/>
-    <p:sldId id="258" r:id="rId5"/>
-    <p:sldId id="259" r:id="rId6"/>
-    <p:sldId id="260" r:id="rId7"/>
-    <p:sldId id="261" r:id="rId8"/>
-    <p:sldId id="262" r:id="rId9"/>
-    <p:sldId id="263" r:id="rId10"/>
+    <p:sldId id="292" r:id="rId2"/>
+    <p:sldId id="291" r:id="rId3"/>
+    <p:sldId id="264" r:id="rId4"/>
+    <p:sldId id="265" r:id="rId5"/>
+    <p:sldId id="258" r:id="rId6"/>
+    <p:sldId id="259" r:id="rId7"/>
+    <p:sldId id="260" r:id="rId8"/>
+    <p:sldId id="261" r:id="rId9"/>
+    <p:sldId id="262" r:id="rId10"/>
+    <p:sldId id="263" r:id="rId11"/>
   </p:sldIdLst>
   <p:sldSz cx="12192000" cy="6858000"/>
   <p:notesSz cx="7099300" cy="10234613"/>
@@ -3412,6 +3413,1230 @@
           <a:chExt cx="0" cy="0"/>
         </a:xfrm>
       </p:grpSpPr>
+    </p:spTree>
+    <p:extLst>
+      <p:ext uri="{BB962C8B-B14F-4D97-AF65-F5344CB8AC3E}">
+        <p14:creationId xmlns:p14="http://schemas.microsoft.com/office/powerpoint/2010/main" val="3146931613"/>
+      </p:ext>
+    </p:extLst>
+  </p:cSld>
+  <p:clrMapOvr>
+    <a:masterClrMapping/>
+  </p:clrMapOvr>
+</p:sld>
+</file>
+
+<file path=ppt/slides/slide10.xml><?xml version="1.0" encoding="utf-8"?>
+<p:sld xmlns:a="http://schemas.openxmlformats.org/drawingml/2006/main" xmlns:r="http://schemas.openxmlformats.org/officeDocument/2006/relationships" xmlns:p="http://schemas.openxmlformats.org/presentationml/2006/main">
+  <p:cSld>
+    <p:spTree>
+      <p:nvGrpSpPr>
+        <p:cNvPr id="1" name=""/>
+        <p:cNvGrpSpPr/>
+        <p:nvPr/>
+      </p:nvGrpSpPr>
+      <p:grpSpPr>
+        <a:xfrm>
+          <a:off x="0" y="0"/>
+          <a:ext cx="0" cy="0"/>
+          <a:chOff x="0" y="0"/>
+          <a:chExt cx="0" cy="0"/>
+        </a:xfrm>
+      </p:grpSpPr>
+      <p:grpSp>
+        <p:nvGrpSpPr>
+          <p:cNvPr id="8" name="グループ化 7"/>
+          <p:cNvGrpSpPr/>
+          <p:nvPr/>
+        </p:nvGrpSpPr>
+        <p:grpSpPr>
+          <a:xfrm>
+            <a:off x="3576656" y="468348"/>
+            <a:ext cx="5360493" cy="5602867"/>
+            <a:chOff x="160124" y="584727"/>
+            <a:chExt cx="5360493" cy="5602867"/>
+          </a:xfrm>
+        </p:grpSpPr>
+        <p:grpSp>
+          <p:nvGrpSpPr>
+            <p:cNvPr id="5" name="グループ化 4">
+              <a:extLst>
+                <a:ext uri="{FF2B5EF4-FFF2-40B4-BE49-F238E27FC236}">
+                  <a16:creationId xmlns:a16="http://schemas.microsoft.com/office/drawing/2014/main" id="{E7C82472-7D26-4F66-A92F-6E96170E4B08}"/>
+                </a:ext>
+              </a:extLst>
+            </p:cNvPr>
+            <p:cNvGrpSpPr/>
+            <p:nvPr/>
+          </p:nvGrpSpPr>
+          <p:grpSpPr>
+            <a:xfrm>
+              <a:off x="304801" y="1169503"/>
+              <a:ext cx="4810541" cy="4518992"/>
+              <a:chOff x="781879" y="1126435"/>
+              <a:chExt cx="4810541" cy="4518992"/>
+            </a:xfrm>
+          </p:grpSpPr>
+          <p:cxnSp>
+            <p:nvCxnSpPr>
+              <p:cNvPr id="3" name="直線矢印コネクタ 2">
+                <a:extLst>
+                  <a:ext uri="{FF2B5EF4-FFF2-40B4-BE49-F238E27FC236}">
+                    <a16:creationId xmlns:a16="http://schemas.microsoft.com/office/drawing/2014/main" id="{B8817C62-2C83-4A61-8C8A-FA28F450CE17}"/>
+                  </a:ext>
+                </a:extLst>
+              </p:cNvPr>
+              <p:cNvCxnSpPr>
+                <a:cxnSpLocks/>
+              </p:cNvCxnSpPr>
+              <p:nvPr/>
+            </p:nvCxnSpPr>
+            <p:spPr>
+              <a:xfrm flipV="1">
+                <a:off x="821635" y="1126435"/>
+                <a:ext cx="0" cy="4518991"/>
+              </a:xfrm>
+              <a:prstGeom prst="straightConnector1">
+                <a:avLst/>
+              </a:prstGeom>
+              <a:ln w="76200">
+                <a:tailEnd type="triangle"/>
+              </a:ln>
+            </p:spPr>
+            <p:style>
+              <a:lnRef idx="1">
+                <a:schemeClr val="dk1"/>
+              </a:lnRef>
+              <a:fillRef idx="0">
+                <a:schemeClr val="dk1"/>
+              </a:fillRef>
+              <a:effectRef idx="0">
+                <a:schemeClr val="dk1"/>
+              </a:effectRef>
+              <a:fontRef idx="minor">
+                <a:schemeClr val="tx1"/>
+              </a:fontRef>
+            </p:style>
+          </p:cxnSp>
+          <p:cxnSp>
+            <p:nvCxnSpPr>
+              <p:cNvPr id="4" name="直線矢印コネクタ 3">
+                <a:extLst>
+                  <a:ext uri="{FF2B5EF4-FFF2-40B4-BE49-F238E27FC236}">
+                    <a16:creationId xmlns:a16="http://schemas.microsoft.com/office/drawing/2014/main" id="{7A340436-1C06-4B9C-9736-BF1EBF853F7A}"/>
+                  </a:ext>
+                </a:extLst>
+              </p:cNvPr>
+              <p:cNvCxnSpPr>
+                <a:cxnSpLocks/>
+              </p:cNvCxnSpPr>
+              <p:nvPr/>
+            </p:nvCxnSpPr>
+            <p:spPr>
+              <a:xfrm>
+                <a:off x="781879" y="5645427"/>
+                <a:ext cx="4810541" cy="0"/>
+              </a:xfrm>
+              <a:prstGeom prst="straightConnector1">
+                <a:avLst/>
+              </a:prstGeom>
+              <a:ln w="76200">
+                <a:tailEnd type="triangle"/>
+              </a:ln>
+            </p:spPr>
+            <p:style>
+              <a:lnRef idx="1">
+                <a:schemeClr val="dk1"/>
+              </a:lnRef>
+              <a:fillRef idx="0">
+                <a:schemeClr val="dk1"/>
+              </a:fillRef>
+              <a:effectRef idx="0">
+                <a:schemeClr val="dk1"/>
+              </a:effectRef>
+              <a:fontRef idx="minor">
+                <a:schemeClr val="tx1"/>
+              </a:fontRef>
+            </p:style>
+          </p:cxnSp>
+        </p:grpSp>
+        <p:cxnSp>
+          <p:nvCxnSpPr>
+            <p:cNvPr id="7" name="直線コネクタ 6">
+              <a:extLst>
+                <a:ext uri="{FF2B5EF4-FFF2-40B4-BE49-F238E27FC236}">
+                  <a16:creationId xmlns:a16="http://schemas.microsoft.com/office/drawing/2014/main" id="{3E7DD812-678B-474A-9C84-DC3D690B10A4}"/>
+                </a:ext>
+              </a:extLst>
+            </p:cNvPr>
+            <p:cNvCxnSpPr>
+              <a:cxnSpLocks/>
+            </p:cNvCxnSpPr>
+            <p:nvPr/>
+          </p:nvCxnSpPr>
+          <p:spPr>
+            <a:xfrm flipV="1">
+              <a:off x="344557" y="4389781"/>
+              <a:ext cx="2544417" cy="1298714"/>
+            </a:xfrm>
+            <a:prstGeom prst="line">
+              <a:avLst/>
+            </a:prstGeom>
+            <a:ln w="76200">
+              <a:headEnd type="oval" w="med" len="med"/>
+              <a:tailEnd type="oval" w="med" len="med"/>
+            </a:ln>
+          </p:spPr>
+          <p:style>
+            <a:lnRef idx="1">
+              <a:schemeClr val="dk1"/>
+            </a:lnRef>
+            <a:fillRef idx="0">
+              <a:schemeClr val="dk1"/>
+            </a:fillRef>
+            <a:effectRef idx="0">
+              <a:schemeClr val="dk1"/>
+            </a:effectRef>
+            <a:fontRef idx="minor">
+              <a:schemeClr val="tx1"/>
+            </a:fontRef>
+          </p:style>
+        </p:cxnSp>
+        <p:cxnSp>
+          <p:nvCxnSpPr>
+            <p:cNvPr id="9" name="直線コネクタ 8">
+              <a:extLst>
+                <a:ext uri="{FF2B5EF4-FFF2-40B4-BE49-F238E27FC236}">
+                  <a16:creationId xmlns:a16="http://schemas.microsoft.com/office/drawing/2014/main" id="{5AFA99D1-D389-4C5B-AF30-1318FD231EBF}"/>
+                </a:ext>
+              </a:extLst>
+            </p:cNvPr>
+            <p:cNvCxnSpPr>
+              <a:cxnSpLocks/>
+            </p:cNvCxnSpPr>
+            <p:nvPr/>
+          </p:nvCxnSpPr>
+          <p:spPr>
+            <a:xfrm flipV="1">
+              <a:off x="2888974" y="2317278"/>
+              <a:ext cx="722505" cy="2072504"/>
+            </a:xfrm>
+            <a:prstGeom prst="line">
+              <a:avLst/>
+            </a:prstGeom>
+            <a:ln w="76200">
+              <a:headEnd type="diamond" w="med" len="med"/>
+              <a:tailEnd type="diamond" w="med" len="med"/>
+            </a:ln>
+          </p:spPr>
+          <p:style>
+            <a:lnRef idx="1">
+              <a:schemeClr val="dk1"/>
+            </a:lnRef>
+            <a:fillRef idx="0">
+              <a:schemeClr val="dk1"/>
+            </a:fillRef>
+            <a:effectRef idx="0">
+              <a:schemeClr val="dk1"/>
+            </a:effectRef>
+            <a:fontRef idx="minor">
+              <a:schemeClr val="tx1"/>
+            </a:fontRef>
+          </p:style>
+        </p:cxnSp>
+        <p:grpSp>
+          <p:nvGrpSpPr>
+            <p:cNvPr id="14" name="グループ化 13">
+              <a:extLst>
+                <a:ext uri="{FF2B5EF4-FFF2-40B4-BE49-F238E27FC236}">
+                  <a16:creationId xmlns:a16="http://schemas.microsoft.com/office/drawing/2014/main" id="{6802FE1C-4D13-4E0D-A2FD-B75CAE58F0DA}"/>
+                </a:ext>
+              </a:extLst>
+            </p:cNvPr>
+            <p:cNvGrpSpPr/>
+            <p:nvPr/>
+          </p:nvGrpSpPr>
+          <p:grpSpPr>
+            <a:xfrm rot="1222204">
+              <a:off x="3486330" y="1807313"/>
+              <a:ext cx="450639" cy="536165"/>
+              <a:chOff x="3460436" y="2308202"/>
+              <a:chExt cx="450639" cy="536165"/>
+            </a:xfrm>
+          </p:grpSpPr>
+          <p:cxnSp>
+            <p:nvCxnSpPr>
+              <p:cNvPr id="24" name="直線コネクタ 23">
+                <a:extLst>
+                  <a:ext uri="{FF2B5EF4-FFF2-40B4-BE49-F238E27FC236}">
+                    <a16:creationId xmlns:a16="http://schemas.microsoft.com/office/drawing/2014/main" id="{7A63DAD3-7512-432F-A3A7-1A497CA5CE0C}"/>
+                  </a:ext>
+                </a:extLst>
+              </p:cNvPr>
+              <p:cNvCxnSpPr>
+                <a:cxnSpLocks/>
+              </p:cNvCxnSpPr>
+              <p:nvPr/>
+            </p:nvCxnSpPr>
+            <p:spPr>
+              <a:xfrm flipV="1">
+                <a:off x="3463376" y="2319803"/>
+                <a:ext cx="0" cy="512965"/>
+              </a:xfrm>
+              <a:prstGeom prst="line">
+                <a:avLst/>
+              </a:prstGeom>
+              <a:ln w="38100">
+                <a:headEnd type="none" w="med" len="med"/>
+                <a:tailEnd type="none" w="med" len="med"/>
+              </a:ln>
+            </p:spPr>
+            <p:style>
+              <a:lnRef idx="1">
+                <a:schemeClr val="dk1"/>
+              </a:lnRef>
+              <a:fillRef idx="0">
+                <a:schemeClr val="dk1"/>
+              </a:fillRef>
+              <a:effectRef idx="0">
+                <a:schemeClr val="dk1"/>
+              </a:effectRef>
+              <a:fontRef idx="minor">
+                <a:schemeClr val="tx1"/>
+              </a:fontRef>
+            </p:style>
+          </p:cxnSp>
+          <p:cxnSp>
+            <p:nvCxnSpPr>
+              <p:cNvPr id="27" name="直線コネクタ 26">
+                <a:extLst>
+                  <a:ext uri="{FF2B5EF4-FFF2-40B4-BE49-F238E27FC236}">
+                    <a16:creationId xmlns:a16="http://schemas.microsoft.com/office/drawing/2014/main" id="{2A77E8F6-8AD4-4BC2-A42C-316012E6C5E5}"/>
+                  </a:ext>
+                </a:extLst>
+              </p:cNvPr>
+              <p:cNvCxnSpPr>
+                <a:cxnSpLocks/>
+              </p:cNvCxnSpPr>
+              <p:nvPr/>
+            </p:nvCxnSpPr>
+            <p:spPr>
+              <a:xfrm flipV="1">
+                <a:off x="3911075" y="2308202"/>
+                <a:ext cx="0" cy="536165"/>
+              </a:xfrm>
+              <a:prstGeom prst="line">
+                <a:avLst/>
+              </a:prstGeom>
+              <a:ln w="38100">
+                <a:headEnd type="none" w="med" len="med"/>
+                <a:tailEnd type="none" w="med" len="med"/>
+              </a:ln>
+            </p:spPr>
+            <p:style>
+              <a:lnRef idx="1">
+                <a:schemeClr val="dk1"/>
+              </a:lnRef>
+              <a:fillRef idx="0">
+                <a:schemeClr val="dk1"/>
+              </a:fillRef>
+              <a:effectRef idx="0">
+                <a:schemeClr val="dk1"/>
+              </a:effectRef>
+              <a:fontRef idx="minor">
+                <a:schemeClr val="tx1"/>
+              </a:fontRef>
+            </p:style>
+          </p:cxnSp>
+          <p:cxnSp>
+            <p:nvCxnSpPr>
+              <p:cNvPr id="29" name="直線コネクタ 28">
+                <a:extLst>
+                  <a:ext uri="{FF2B5EF4-FFF2-40B4-BE49-F238E27FC236}">
+                    <a16:creationId xmlns:a16="http://schemas.microsoft.com/office/drawing/2014/main" id="{11537060-4597-4BD9-A884-2B1DBDA32C08}"/>
+                  </a:ext>
+                </a:extLst>
+              </p:cNvPr>
+              <p:cNvCxnSpPr>
+                <a:cxnSpLocks/>
+              </p:cNvCxnSpPr>
+              <p:nvPr/>
+            </p:nvCxnSpPr>
+            <p:spPr>
+              <a:xfrm>
+                <a:off x="3460436" y="2832622"/>
+                <a:ext cx="450639" cy="0"/>
+              </a:xfrm>
+              <a:prstGeom prst="line">
+                <a:avLst/>
+              </a:prstGeom>
+              <a:ln w="38100"/>
+            </p:spPr>
+            <p:style>
+              <a:lnRef idx="1">
+                <a:schemeClr val="dk1"/>
+              </a:lnRef>
+              <a:fillRef idx="0">
+                <a:schemeClr val="dk1"/>
+              </a:fillRef>
+              <a:effectRef idx="0">
+                <a:schemeClr val="dk1"/>
+              </a:effectRef>
+              <a:fontRef idx="minor">
+                <a:schemeClr val="tx1"/>
+              </a:fontRef>
+            </p:style>
+          </p:cxnSp>
+        </p:grpSp>
+        <p:grpSp>
+          <p:nvGrpSpPr>
+            <p:cNvPr id="18" name="グループ化 17">
+              <a:extLst>
+                <a:ext uri="{FF2B5EF4-FFF2-40B4-BE49-F238E27FC236}">
+                  <a16:creationId xmlns:a16="http://schemas.microsoft.com/office/drawing/2014/main" id="{3D8BC205-555A-4D0A-85D7-105FB78C0129}"/>
+                </a:ext>
+              </a:extLst>
+            </p:cNvPr>
+            <p:cNvGrpSpPr/>
+            <p:nvPr/>
+          </p:nvGrpSpPr>
+          <p:grpSpPr>
+            <a:xfrm>
+              <a:off x="967412" y="5147196"/>
+              <a:ext cx="956216" cy="978611"/>
+              <a:chOff x="967412" y="5147196"/>
+              <a:chExt cx="956216" cy="978611"/>
+            </a:xfrm>
+          </p:grpSpPr>
+          <p:sp>
+            <p:nvSpPr>
+              <p:cNvPr id="31" name="円弧 30">
+                <a:extLst>
+                  <a:ext uri="{FF2B5EF4-FFF2-40B4-BE49-F238E27FC236}">
+                    <a16:creationId xmlns:a16="http://schemas.microsoft.com/office/drawing/2014/main" id="{8EF24A81-B80A-4AE1-B40C-03EC3BC7E03D}"/>
+                  </a:ext>
+                </a:extLst>
+              </p:cNvPr>
+              <p:cNvSpPr/>
+              <p:nvPr/>
+            </p:nvSpPr>
+            <p:spPr>
+              <a:xfrm>
+                <a:off x="967412" y="5251181"/>
+                <a:ext cx="490329" cy="874626"/>
+              </a:xfrm>
+              <a:prstGeom prst="arc">
+                <a:avLst/>
+              </a:prstGeom>
+              <a:ln w="38100">
+                <a:headEnd type="triangle" w="med" len="med"/>
+                <a:tailEnd type="none" w="med" len="med"/>
+              </a:ln>
+            </p:spPr>
+            <p:style>
+              <a:lnRef idx="1">
+                <a:schemeClr val="dk1"/>
+              </a:lnRef>
+              <a:fillRef idx="0">
+                <a:schemeClr val="dk1"/>
+              </a:fillRef>
+              <a:effectRef idx="0">
+                <a:schemeClr val="dk1"/>
+              </a:effectRef>
+              <a:fontRef idx="minor">
+                <a:schemeClr val="tx1"/>
+              </a:fontRef>
+            </p:style>
+            <p:txBody>
+              <a:bodyPr rtlCol="0" anchor="ctr"/>
+              <a:lstStyle/>
+              <a:p>
+                <a:pPr algn="ctr"/>
+                <a:endParaRPr kumimoji="1" lang="ja-JP" altLang="en-US"/>
+              </a:p>
+            </p:txBody>
+          </p:sp>
+          <p:sp>
+            <p:nvSpPr>
+              <p:cNvPr id="32" name="テキスト ボックス 31">
+                <a:extLst>
+                  <a:ext uri="{FF2B5EF4-FFF2-40B4-BE49-F238E27FC236}">
+                    <a16:creationId xmlns:a16="http://schemas.microsoft.com/office/drawing/2014/main" id="{EC060A66-2801-49EE-A823-A05C9B0A67BC}"/>
+                  </a:ext>
+                </a:extLst>
+              </p:cNvPr>
+              <p:cNvSpPr txBox="1"/>
+              <p:nvPr/>
+            </p:nvSpPr>
+            <p:spPr>
+              <a:xfrm>
+                <a:off x="1408743" y="5147196"/>
+                <a:ext cx="514885" cy="584775"/>
+              </a:xfrm>
+              <a:prstGeom prst="rect">
+                <a:avLst/>
+              </a:prstGeom>
+              <a:noFill/>
+            </p:spPr>
+            <p:txBody>
+              <a:bodyPr wrap="none" rtlCol="0">
+                <a:spAutoFit/>
+              </a:bodyPr>
+              <a:lstStyle/>
+              <a:p>
+                <a:r>
+                  <a:rPr kumimoji="1" lang="en-US" altLang="ja-JP" sz="3200" i="1" dirty="0">
+                    <a:latin typeface="Times New Roman" panose="02020603050405020304" pitchFamily="18" charset="0"/>
+                    <a:cs typeface="Times New Roman" panose="02020603050405020304" pitchFamily="18" charset="0"/>
+                  </a:rPr>
+                  <a:t>θ</a:t>
+                </a:r>
+                <a:r>
+                  <a:rPr kumimoji="1" lang="en-US" altLang="ja-JP" sz="2000" i="1" dirty="0">
+                    <a:latin typeface="Times New Roman" panose="02020603050405020304" pitchFamily="18" charset="0"/>
+                    <a:cs typeface="Times New Roman" panose="02020603050405020304" pitchFamily="18" charset="0"/>
+                  </a:rPr>
+                  <a:t>1</a:t>
+                </a:r>
+                <a:endParaRPr kumimoji="1" lang="ja-JP" altLang="en-US" sz="3200" i="1" dirty="0">
+                  <a:latin typeface="Times New Roman" panose="02020603050405020304" pitchFamily="18" charset="0"/>
+                  <a:cs typeface="Times New Roman" panose="02020603050405020304" pitchFamily="18" charset="0"/>
+                </a:endParaRPr>
+              </a:p>
+            </p:txBody>
+          </p:sp>
+        </p:grpSp>
+        <p:cxnSp>
+          <p:nvCxnSpPr>
+            <p:cNvPr id="34" name="直線コネクタ 33">
+              <a:extLst>
+                <a:ext uri="{FF2B5EF4-FFF2-40B4-BE49-F238E27FC236}">
+                  <a16:creationId xmlns:a16="http://schemas.microsoft.com/office/drawing/2014/main" id="{8C5149AD-287A-49FC-82F4-A8D6E9B7C9AA}"/>
+                </a:ext>
+              </a:extLst>
+            </p:cNvPr>
+            <p:cNvCxnSpPr>
+              <a:cxnSpLocks/>
+            </p:cNvCxnSpPr>
+            <p:nvPr/>
+          </p:nvCxnSpPr>
+          <p:spPr>
+            <a:xfrm flipV="1">
+              <a:off x="2729224" y="3376486"/>
+              <a:ext cx="2107096" cy="1076738"/>
+            </a:xfrm>
+            <a:prstGeom prst="line">
+              <a:avLst/>
+            </a:prstGeom>
+            <a:ln>
+              <a:prstDash val="dash"/>
+            </a:ln>
+          </p:spPr>
+          <p:style>
+            <a:lnRef idx="1">
+              <a:schemeClr val="dk1"/>
+            </a:lnRef>
+            <a:fillRef idx="0">
+              <a:schemeClr val="dk1"/>
+            </a:fillRef>
+            <a:effectRef idx="0">
+              <a:schemeClr val="dk1"/>
+            </a:effectRef>
+            <a:fontRef idx="minor">
+              <a:schemeClr val="tx1"/>
+            </a:fontRef>
+          </p:style>
+        </p:cxnSp>
+        <p:grpSp>
+          <p:nvGrpSpPr>
+            <p:cNvPr id="17" name="グループ化 16">
+              <a:extLst>
+                <a:ext uri="{FF2B5EF4-FFF2-40B4-BE49-F238E27FC236}">
+                  <a16:creationId xmlns:a16="http://schemas.microsoft.com/office/drawing/2014/main" id="{C7EDA8B6-CC9C-4914-9175-EDBE9D6B9807}"/>
+                </a:ext>
+              </a:extLst>
+            </p:cNvPr>
+            <p:cNvGrpSpPr/>
+            <p:nvPr/>
+          </p:nvGrpSpPr>
+          <p:grpSpPr>
+            <a:xfrm>
+              <a:off x="2832316" y="3438585"/>
+              <a:ext cx="862464" cy="972306"/>
+              <a:chOff x="3086158" y="3078580"/>
+              <a:chExt cx="862464" cy="972306"/>
+            </a:xfrm>
+          </p:grpSpPr>
+          <p:sp>
+            <p:nvSpPr>
+              <p:cNvPr id="35" name="円弧 34">
+                <a:extLst>
+                  <a:ext uri="{FF2B5EF4-FFF2-40B4-BE49-F238E27FC236}">
+                    <a16:creationId xmlns:a16="http://schemas.microsoft.com/office/drawing/2014/main" id="{42B38824-A192-469A-A63B-66B8DD337B18}"/>
+                  </a:ext>
+                </a:extLst>
+              </p:cNvPr>
+              <p:cNvSpPr/>
+              <p:nvPr/>
+            </p:nvSpPr>
+            <p:spPr>
+              <a:xfrm>
+                <a:off x="3086158" y="3468518"/>
+                <a:ext cx="540533" cy="582368"/>
+              </a:xfrm>
+              <a:prstGeom prst="arc">
+                <a:avLst/>
+              </a:prstGeom>
+              <a:ln w="38100">
+                <a:headEnd type="triangle" w="med" len="med"/>
+                <a:tailEnd type="none" w="med" len="med"/>
+              </a:ln>
+            </p:spPr>
+            <p:style>
+              <a:lnRef idx="1">
+                <a:schemeClr val="dk1"/>
+              </a:lnRef>
+              <a:fillRef idx="0">
+                <a:schemeClr val="dk1"/>
+              </a:fillRef>
+              <a:effectRef idx="0">
+                <a:schemeClr val="dk1"/>
+              </a:effectRef>
+              <a:fontRef idx="minor">
+                <a:schemeClr val="tx1"/>
+              </a:fontRef>
+            </p:style>
+            <p:txBody>
+              <a:bodyPr rtlCol="0" anchor="ctr"/>
+              <a:lstStyle/>
+              <a:p>
+                <a:pPr algn="ctr"/>
+                <a:endParaRPr kumimoji="1" lang="ja-JP" altLang="en-US"/>
+              </a:p>
+            </p:txBody>
+          </p:sp>
+          <p:sp>
+            <p:nvSpPr>
+              <p:cNvPr id="36" name="テキスト ボックス 35">
+                <a:extLst>
+                  <a:ext uri="{FF2B5EF4-FFF2-40B4-BE49-F238E27FC236}">
+                    <a16:creationId xmlns:a16="http://schemas.microsoft.com/office/drawing/2014/main" id="{C6651DFE-7985-4C3D-A1CC-63225A4B3DE9}"/>
+                  </a:ext>
+                </a:extLst>
+              </p:cNvPr>
+              <p:cNvSpPr txBox="1"/>
+              <p:nvPr/>
+            </p:nvSpPr>
+            <p:spPr>
+              <a:xfrm>
+                <a:off x="3433737" y="3078580"/>
+                <a:ext cx="514885" cy="584775"/>
+              </a:xfrm>
+              <a:prstGeom prst="rect">
+                <a:avLst/>
+              </a:prstGeom>
+              <a:noFill/>
+            </p:spPr>
+            <p:txBody>
+              <a:bodyPr wrap="none" rtlCol="0">
+                <a:spAutoFit/>
+              </a:bodyPr>
+              <a:lstStyle/>
+              <a:p>
+                <a:r>
+                  <a:rPr kumimoji="1" lang="en-US" altLang="ja-JP" sz="3200" i="1" dirty="0">
+                    <a:latin typeface="Times New Roman" panose="02020603050405020304" pitchFamily="18" charset="0"/>
+                    <a:cs typeface="Times New Roman" panose="02020603050405020304" pitchFamily="18" charset="0"/>
+                  </a:rPr>
+                  <a:t>θ</a:t>
+                </a:r>
+                <a:r>
+                  <a:rPr lang="en-US" altLang="ja-JP" sz="2000" i="1" dirty="0">
+                    <a:latin typeface="Times New Roman" panose="02020603050405020304" pitchFamily="18" charset="0"/>
+                    <a:cs typeface="Times New Roman" panose="02020603050405020304" pitchFamily="18" charset="0"/>
+                  </a:rPr>
+                  <a:t>2</a:t>
+                </a:r>
+                <a:endParaRPr kumimoji="1" lang="ja-JP" altLang="en-US" sz="3200" i="1" dirty="0">
+                  <a:latin typeface="Times New Roman" panose="02020603050405020304" pitchFamily="18" charset="0"/>
+                  <a:cs typeface="Times New Roman" panose="02020603050405020304" pitchFamily="18" charset="0"/>
+                </a:endParaRPr>
+              </a:p>
+            </p:txBody>
+          </p:sp>
+        </p:grpSp>
+        <p:sp>
+          <p:nvSpPr>
+            <p:cNvPr id="37" name="テキスト ボックス 36">
+              <a:extLst>
+                <a:ext uri="{FF2B5EF4-FFF2-40B4-BE49-F238E27FC236}">
+                  <a16:creationId xmlns:a16="http://schemas.microsoft.com/office/drawing/2014/main" id="{02C08B31-A1AD-4B3A-BCD2-C88427D9B253}"/>
+                </a:ext>
+              </a:extLst>
+            </p:cNvPr>
+            <p:cNvSpPr txBox="1"/>
+            <p:nvPr/>
+          </p:nvSpPr>
+          <p:spPr>
+            <a:xfrm>
+              <a:off x="160124" y="584727"/>
+              <a:ext cx="389850" cy="584775"/>
+            </a:xfrm>
+            <a:prstGeom prst="rect">
+              <a:avLst/>
+            </a:prstGeom>
+            <a:noFill/>
+          </p:spPr>
+          <p:txBody>
+            <a:bodyPr wrap="none" rtlCol="0">
+              <a:spAutoFit/>
+            </a:bodyPr>
+            <a:lstStyle/>
+            <a:p>
+              <a:r>
+                <a:rPr lang="en-US" altLang="ja-JP" sz="3200" b="1" dirty="0">
+                  <a:latin typeface="Times New Roman" panose="02020603050405020304" pitchFamily="18" charset="0"/>
+                  <a:cs typeface="Times New Roman" panose="02020603050405020304" pitchFamily="18" charset="0"/>
+                </a:rPr>
+                <a:t>y</a:t>
+              </a:r>
+              <a:endParaRPr kumimoji="1" lang="ja-JP" altLang="en-US" sz="3200" b="1" dirty="0">
+                <a:latin typeface="Times New Roman" panose="02020603050405020304" pitchFamily="18" charset="0"/>
+                <a:cs typeface="Times New Roman" panose="02020603050405020304" pitchFamily="18" charset="0"/>
+              </a:endParaRPr>
+            </a:p>
+          </p:txBody>
+        </p:sp>
+        <p:sp>
+          <p:nvSpPr>
+            <p:cNvPr id="38" name="テキスト ボックス 37">
+              <a:extLst>
+                <a:ext uri="{FF2B5EF4-FFF2-40B4-BE49-F238E27FC236}">
+                  <a16:creationId xmlns:a16="http://schemas.microsoft.com/office/drawing/2014/main" id="{9B731AD9-55F8-43B4-A00D-422BB8DE04D5}"/>
+                </a:ext>
+              </a:extLst>
+            </p:cNvPr>
+            <p:cNvSpPr txBox="1"/>
+            <p:nvPr/>
+          </p:nvSpPr>
+          <p:spPr>
+            <a:xfrm>
+              <a:off x="5130767" y="5396106"/>
+              <a:ext cx="389850" cy="584775"/>
+            </a:xfrm>
+            <a:prstGeom prst="rect">
+              <a:avLst/>
+            </a:prstGeom>
+            <a:noFill/>
+          </p:spPr>
+          <p:txBody>
+            <a:bodyPr wrap="none" rtlCol="0">
+              <a:spAutoFit/>
+            </a:bodyPr>
+            <a:lstStyle/>
+            <a:p>
+              <a:r>
+                <a:rPr lang="en-US" altLang="ja-JP" sz="3200" b="1" dirty="0">
+                  <a:latin typeface="Times New Roman" panose="02020603050405020304" pitchFamily="18" charset="0"/>
+                  <a:cs typeface="Times New Roman" panose="02020603050405020304" pitchFamily="18" charset="0"/>
+                </a:rPr>
+                <a:t>x</a:t>
+              </a:r>
+              <a:endParaRPr kumimoji="1" lang="ja-JP" altLang="en-US" sz="3200" b="1" dirty="0">
+                <a:latin typeface="Times New Roman" panose="02020603050405020304" pitchFamily="18" charset="0"/>
+                <a:cs typeface="Times New Roman" panose="02020603050405020304" pitchFamily="18" charset="0"/>
+              </a:endParaRPr>
+            </a:p>
+          </p:txBody>
+        </p:sp>
+        <p:sp>
+          <p:nvSpPr>
+            <p:cNvPr id="39" name="テキスト ボックス 38">
+              <a:extLst>
+                <a:ext uri="{FF2B5EF4-FFF2-40B4-BE49-F238E27FC236}">
+                  <a16:creationId xmlns:a16="http://schemas.microsoft.com/office/drawing/2014/main" id="{0B389FA3-17ED-426C-A307-98D6AE2EE47F}"/>
+                </a:ext>
+              </a:extLst>
+            </p:cNvPr>
+            <p:cNvSpPr txBox="1"/>
+            <p:nvPr/>
+          </p:nvSpPr>
+          <p:spPr>
+            <a:xfrm>
+              <a:off x="1195188" y="4425404"/>
+              <a:ext cx="426720" cy="584775"/>
+            </a:xfrm>
+            <a:prstGeom prst="rect">
+              <a:avLst/>
+            </a:prstGeom>
+            <a:noFill/>
+          </p:spPr>
+          <p:txBody>
+            <a:bodyPr wrap="none" rtlCol="0">
+              <a:spAutoFit/>
+            </a:bodyPr>
+            <a:lstStyle/>
+            <a:p>
+              <a:r>
+                <a:rPr lang="en-US" altLang="ja-JP" sz="3200" i="1" dirty="0">
+                  <a:latin typeface="Times New Roman" panose="02020603050405020304" pitchFamily="18" charset="0"/>
+                  <a:cs typeface="Times New Roman" panose="02020603050405020304" pitchFamily="18" charset="0"/>
+                </a:rPr>
+                <a:t>l</a:t>
+              </a:r>
+              <a:r>
+                <a:rPr kumimoji="1" lang="en-US" altLang="ja-JP" sz="2000" i="1" dirty="0">
+                  <a:latin typeface="Times New Roman" panose="02020603050405020304" pitchFamily="18" charset="0"/>
+                  <a:cs typeface="Times New Roman" panose="02020603050405020304" pitchFamily="18" charset="0"/>
+                </a:rPr>
+                <a:t>1</a:t>
+              </a:r>
+              <a:endParaRPr kumimoji="1" lang="ja-JP" altLang="en-US" sz="3200" i="1" dirty="0">
+                <a:latin typeface="Times New Roman" panose="02020603050405020304" pitchFamily="18" charset="0"/>
+                <a:cs typeface="Times New Roman" panose="02020603050405020304" pitchFamily="18" charset="0"/>
+              </a:endParaRPr>
+            </a:p>
+          </p:txBody>
+        </p:sp>
+        <p:sp>
+          <p:nvSpPr>
+            <p:cNvPr id="40" name="テキスト ボックス 39">
+              <a:extLst>
+                <a:ext uri="{FF2B5EF4-FFF2-40B4-BE49-F238E27FC236}">
+                  <a16:creationId xmlns:a16="http://schemas.microsoft.com/office/drawing/2014/main" id="{D6B3404A-BA64-427D-B5F2-EF472F64A047}"/>
+                </a:ext>
+              </a:extLst>
+            </p:cNvPr>
+            <p:cNvSpPr txBox="1"/>
+            <p:nvPr/>
+          </p:nvSpPr>
+          <p:spPr>
+            <a:xfrm>
+              <a:off x="2690414" y="3012699"/>
+              <a:ext cx="426720" cy="584775"/>
+            </a:xfrm>
+            <a:prstGeom prst="rect">
+              <a:avLst/>
+            </a:prstGeom>
+            <a:noFill/>
+          </p:spPr>
+          <p:txBody>
+            <a:bodyPr wrap="none" rtlCol="0">
+              <a:spAutoFit/>
+            </a:bodyPr>
+            <a:lstStyle/>
+            <a:p>
+              <a:r>
+                <a:rPr lang="en-US" altLang="ja-JP" sz="3200" i="1" dirty="0">
+                  <a:latin typeface="Times New Roman" panose="02020603050405020304" pitchFamily="18" charset="0"/>
+                  <a:cs typeface="Times New Roman" panose="02020603050405020304" pitchFamily="18" charset="0"/>
+                </a:rPr>
+                <a:t>l</a:t>
+              </a:r>
+              <a:r>
+                <a:rPr lang="en-US" altLang="ja-JP" sz="2000" i="1" dirty="0">
+                  <a:latin typeface="Times New Roman" panose="02020603050405020304" pitchFamily="18" charset="0"/>
+                  <a:cs typeface="Times New Roman" panose="02020603050405020304" pitchFamily="18" charset="0"/>
+                </a:rPr>
+                <a:t>2</a:t>
+              </a:r>
+              <a:endParaRPr kumimoji="1" lang="ja-JP" altLang="en-US" sz="3200" i="1" dirty="0">
+                <a:latin typeface="Times New Roman" panose="02020603050405020304" pitchFamily="18" charset="0"/>
+                <a:cs typeface="Times New Roman" panose="02020603050405020304" pitchFamily="18" charset="0"/>
+              </a:endParaRPr>
+            </a:p>
+          </p:txBody>
+        </p:sp>
+        <p:grpSp>
+          <p:nvGrpSpPr>
+            <p:cNvPr id="6" name="グループ化 5"/>
+            <p:cNvGrpSpPr/>
+            <p:nvPr/>
+          </p:nvGrpSpPr>
+          <p:grpSpPr>
+            <a:xfrm rot="2230958" flipH="1">
+              <a:off x="2805246" y="2325175"/>
+              <a:ext cx="1440487" cy="2249766"/>
+              <a:chOff x="2274642" y="2124849"/>
+              <a:chExt cx="1440487" cy="2249766"/>
+            </a:xfrm>
+          </p:grpSpPr>
+          <p:sp>
+            <p:nvSpPr>
+              <p:cNvPr id="2" name="円弧 1"/>
+              <p:cNvSpPr/>
+              <p:nvPr/>
+            </p:nvSpPr>
+            <p:spPr>
+              <a:xfrm rot="3291253">
+                <a:off x="2755732" y="2124849"/>
+                <a:ext cx="959397" cy="959397"/>
+              </a:xfrm>
+              <a:prstGeom prst="arc">
+                <a:avLst>
+                  <a:gd name="adj1" fmla="val 16200000"/>
+                  <a:gd name="adj2" fmla="val 18458486"/>
+                </a:avLst>
+              </a:prstGeom>
+              <a:ln w="38100">
+                <a:solidFill>
+                  <a:schemeClr val="tx1"/>
+                </a:solidFill>
+              </a:ln>
+            </p:spPr>
+            <p:style>
+              <a:lnRef idx="1">
+                <a:schemeClr val="accent1"/>
+              </a:lnRef>
+              <a:fillRef idx="0">
+                <a:schemeClr val="accent1"/>
+              </a:fillRef>
+              <a:effectRef idx="0">
+                <a:schemeClr val="accent1"/>
+              </a:effectRef>
+              <a:fontRef idx="minor">
+                <a:schemeClr val="tx1"/>
+              </a:fontRef>
+            </p:style>
+            <p:txBody>
+              <a:bodyPr rtlCol="0" anchor="ctr"/>
+              <a:lstStyle/>
+              <a:p>
+                <a:pPr algn="ctr"/>
+                <a:endParaRPr kumimoji="1" lang="ja-JP" altLang="en-US"/>
+              </a:p>
+            </p:txBody>
+          </p:sp>
+          <p:sp>
+            <p:nvSpPr>
+              <p:cNvPr id="23" name="円弧 22"/>
+              <p:cNvSpPr/>
+              <p:nvPr/>
+            </p:nvSpPr>
+            <p:spPr>
+              <a:xfrm rot="19927927" flipV="1">
+                <a:off x="2274642" y="3415218"/>
+                <a:ext cx="959397" cy="959397"/>
+              </a:xfrm>
+              <a:prstGeom prst="arc">
+                <a:avLst>
+                  <a:gd name="adj1" fmla="val 16200000"/>
+                  <a:gd name="adj2" fmla="val 18458486"/>
+                </a:avLst>
+              </a:prstGeom>
+              <a:ln w="38100">
+                <a:solidFill>
+                  <a:schemeClr val="tx1"/>
+                </a:solidFill>
+              </a:ln>
+            </p:spPr>
+            <p:style>
+              <a:lnRef idx="1">
+                <a:schemeClr val="accent1"/>
+              </a:lnRef>
+              <a:fillRef idx="0">
+                <a:schemeClr val="accent1"/>
+              </a:fillRef>
+              <a:effectRef idx="0">
+                <a:schemeClr val="accent1"/>
+              </a:effectRef>
+              <a:fontRef idx="minor">
+                <a:schemeClr val="tx1"/>
+              </a:fontRef>
+            </p:style>
+            <p:txBody>
+              <a:bodyPr rtlCol="0" anchor="ctr"/>
+              <a:lstStyle/>
+              <a:p>
+                <a:pPr algn="ctr"/>
+                <a:endParaRPr kumimoji="1" lang="ja-JP" altLang="en-US"/>
+              </a:p>
+            </p:txBody>
+          </p:sp>
+        </p:grpSp>
+        <p:grpSp>
+          <p:nvGrpSpPr>
+            <p:cNvPr id="25" name="グループ化 24"/>
+            <p:cNvGrpSpPr/>
+            <p:nvPr/>
+          </p:nvGrpSpPr>
+          <p:grpSpPr>
+            <a:xfrm rot="16382869" flipV="1">
+              <a:off x="768985" y="3898833"/>
+              <a:ext cx="1941655" cy="2635867"/>
+              <a:chOff x="1710289" y="2088383"/>
+              <a:chExt cx="1941655" cy="2635867"/>
+            </a:xfrm>
+          </p:grpSpPr>
+          <p:sp>
+            <p:nvSpPr>
+              <p:cNvPr id="26" name="円弧 25"/>
+              <p:cNvSpPr/>
+              <p:nvPr/>
+            </p:nvSpPr>
+            <p:spPr>
+              <a:xfrm rot="4001098">
+                <a:off x="2692547" y="2088383"/>
+                <a:ext cx="959397" cy="959397"/>
+              </a:xfrm>
+              <a:prstGeom prst="arc">
+                <a:avLst>
+                  <a:gd name="adj1" fmla="val 16200000"/>
+                  <a:gd name="adj2" fmla="val 18458486"/>
+                </a:avLst>
+              </a:prstGeom>
+              <a:ln w="38100">
+                <a:solidFill>
+                  <a:schemeClr val="tx1"/>
+                </a:solidFill>
+              </a:ln>
+            </p:spPr>
+            <p:style>
+              <a:lnRef idx="1">
+                <a:schemeClr val="accent1"/>
+              </a:lnRef>
+              <a:fillRef idx="0">
+                <a:schemeClr val="accent1"/>
+              </a:fillRef>
+              <a:effectRef idx="0">
+                <a:schemeClr val="accent1"/>
+              </a:effectRef>
+              <a:fontRef idx="minor">
+                <a:schemeClr val="tx1"/>
+              </a:fontRef>
+            </p:style>
+            <p:txBody>
+              <a:bodyPr rtlCol="0" anchor="ctr"/>
+              <a:lstStyle/>
+              <a:p>
+                <a:pPr algn="ctr"/>
+                <a:endParaRPr kumimoji="1" lang="ja-JP" altLang="en-US"/>
+              </a:p>
+            </p:txBody>
+          </p:sp>
+          <p:sp>
+            <p:nvSpPr>
+              <p:cNvPr id="28" name="円弧 27"/>
+              <p:cNvSpPr/>
+              <p:nvPr/>
+            </p:nvSpPr>
+            <p:spPr>
+              <a:xfrm rot="21467698" flipV="1">
+                <a:off x="1710289" y="3764853"/>
+                <a:ext cx="959397" cy="959397"/>
+              </a:xfrm>
+              <a:prstGeom prst="arc">
+                <a:avLst>
+                  <a:gd name="adj1" fmla="val 16200000"/>
+                  <a:gd name="adj2" fmla="val 18458486"/>
+                </a:avLst>
+              </a:prstGeom>
+              <a:ln w="38100">
+                <a:solidFill>
+                  <a:schemeClr val="tx1"/>
+                </a:solidFill>
+              </a:ln>
+            </p:spPr>
+            <p:style>
+              <a:lnRef idx="1">
+                <a:schemeClr val="accent1"/>
+              </a:lnRef>
+              <a:fillRef idx="0">
+                <a:schemeClr val="accent1"/>
+              </a:fillRef>
+              <a:effectRef idx="0">
+                <a:schemeClr val="accent1"/>
+              </a:effectRef>
+              <a:fontRef idx="minor">
+                <a:schemeClr val="tx1"/>
+              </a:fontRef>
+            </p:style>
+            <p:txBody>
+              <a:bodyPr rtlCol="0" anchor="ctr"/>
+              <a:lstStyle/>
+              <a:p>
+                <a:pPr algn="ctr"/>
+                <a:endParaRPr kumimoji="1" lang="ja-JP" altLang="en-US"/>
+              </a:p>
+            </p:txBody>
+          </p:sp>
+        </p:grpSp>
+      </p:grpSp>
+      <p:cxnSp>
+        <p:nvCxnSpPr>
+          <p:cNvPr id="13" name="直線コネクタ 12"/>
+          <p:cNvCxnSpPr/>
+          <p:nvPr/>
+        </p:nvCxnSpPr>
+        <p:spPr>
+          <a:xfrm>
+            <a:off x="6315075" y="4262438"/>
+            <a:ext cx="2000250" cy="0"/>
+          </a:xfrm>
+          <a:prstGeom prst="line">
+            <a:avLst/>
+          </a:prstGeom>
+          <a:ln>
+            <a:prstDash val="dash"/>
+          </a:ln>
+        </p:spPr>
+        <p:style>
+          <a:lnRef idx="1">
+            <a:schemeClr val="dk1"/>
+          </a:lnRef>
+          <a:fillRef idx="0">
+            <a:schemeClr val="dk1"/>
+          </a:fillRef>
+          <a:effectRef idx="0">
+            <a:schemeClr val="dk1"/>
+          </a:effectRef>
+          <a:fontRef idx="minor">
+            <a:schemeClr val="tx1"/>
+          </a:fontRef>
+        </p:style>
+      </p:cxnSp>
+      <p:grpSp>
+        <p:nvGrpSpPr>
+          <p:cNvPr id="15" name="グループ化 14"/>
+          <p:cNvGrpSpPr/>
+          <p:nvPr/>
+        </p:nvGrpSpPr>
+        <p:grpSpPr>
+          <a:xfrm>
+            <a:off x="6937843" y="3706955"/>
+            <a:ext cx="956216" cy="978611"/>
+            <a:chOff x="4536344" y="5183217"/>
+            <a:chExt cx="956216" cy="978611"/>
+          </a:xfrm>
+        </p:grpSpPr>
+        <p:sp>
+          <p:nvSpPr>
+            <p:cNvPr id="41" name="円弧 40">
+              <a:extLst>
+                <a:ext uri="{FF2B5EF4-FFF2-40B4-BE49-F238E27FC236}">
+                  <a16:creationId xmlns:a16="http://schemas.microsoft.com/office/drawing/2014/main" id="{8EF24A81-B80A-4AE1-B40C-03EC3BC7E03D}"/>
+                </a:ext>
+              </a:extLst>
+            </p:cNvPr>
+            <p:cNvSpPr/>
+            <p:nvPr/>
+          </p:nvSpPr>
+          <p:spPr>
+            <a:xfrm>
+              <a:off x="4536344" y="5287202"/>
+              <a:ext cx="490329" cy="874626"/>
+            </a:xfrm>
+            <a:prstGeom prst="arc">
+              <a:avLst/>
+            </a:prstGeom>
+            <a:ln w="38100">
+              <a:headEnd type="triangle" w="med" len="med"/>
+              <a:tailEnd type="none" w="med" len="med"/>
+            </a:ln>
+          </p:spPr>
+          <p:style>
+            <a:lnRef idx="1">
+              <a:schemeClr val="dk1"/>
+            </a:lnRef>
+            <a:fillRef idx="0">
+              <a:schemeClr val="dk1"/>
+            </a:fillRef>
+            <a:effectRef idx="0">
+              <a:schemeClr val="dk1"/>
+            </a:effectRef>
+            <a:fontRef idx="minor">
+              <a:schemeClr val="tx1"/>
+            </a:fontRef>
+          </p:style>
+          <p:txBody>
+            <a:bodyPr rtlCol="0" anchor="ctr"/>
+            <a:lstStyle/>
+            <a:p>
+              <a:pPr algn="ctr"/>
+              <a:endParaRPr kumimoji="1" lang="ja-JP" altLang="en-US"/>
+            </a:p>
+          </p:txBody>
+        </p:sp>
+        <p:sp>
+          <p:nvSpPr>
+            <p:cNvPr id="42" name="テキスト ボックス 41">
+              <a:extLst>
+                <a:ext uri="{FF2B5EF4-FFF2-40B4-BE49-F238E27FC236}">
+                  <a16:creationId xmlns:a16="http://schemas.microsoft.com/office/drawing/2014/main" id="{EC060A66-2801-49EE-A823-A05C9B0A67BC}"/>
+                </a:ext>
+              </a:extLst>
+            </p:cNvPr>
+            <p:cNvSpPr txBox="1"/>
+            <p:nvPr/>
+          </p:nvSpPr>
+          <p:spPr>
+            <a:xfrm>
+              <a:off x="4977675" y="5183217"/>
+              <a:ext cx="514885" cy="584775"/>
+            </a:xfrm>
+            <a:prstGeom prst="rect">
+              <a:avLst/>
+            </a:prstGeom>
+            <a:noFill/>
+          </p:spPr>
+          <p:txBody>
+            <a:bodyPr wrap="none" rtlCol="0">
+              <a:spAutoFit/>
+            </a:bodyPr>
+            <a:lstStyle/>
+            <a:p>
+              <a:r>
+                <a:rPr kumimoji="1" lang="en-US" altLang="ja-JP" sz="3200" i="1" dirty="0">
+                  <a:latin typeface="Times New Roman" panose="02020603050405020304" pitchFamily="18" charset="0"/>
+                  <a:cs typeface="Times New Roman" panose="02020603050405020304" pitchFamily="18" charset="0"/>
+                </a:rPr>
+                <a:t>θ</a:t>
+              </a:r>
+              <a:r>
+                <a:rPr kumimoji="1" lang="en-US" altLang="ja-JP" sz="2000" i="1" dirty="0">
+                  <a:latin typeface="Times New Roman" panose="02020603050405020304" pitchFamily="18" charset="0"/>
+                  <a:cs typeface="Times New Roman" panose="02020603050405020304" pitchFamily="18" charset="0"/>
+                </a:rPr>
+                <a:t>1</a:t>
+              </a:r>
+              <a:endParaRPr kumimoji="1" lang="ja-JP" altLang="en-US" sz="3200" i="1" dirty="0">
+                <a:latin typeface="Times New Roman" panose="02020603050405020304" pitchFamily="18" charset="0"/>
+                <a:cs typeface="Times New Roman" panose="02020603050405020304" pitchFamily="18" charset="0"/>
+              </a:endParaRPr>
+            </a:p>
+          </p:txBody>
+        </p:sp>
+      </p:grpSp>
+    </p:spTree>
+    <p:extLst>
+      <p:ext uri="{BB962C8B-B14F-4D97-AF65-F5344CB8AC3E}">
+        <p14:creationId xmlns:p14="http://schemas.microsoft.com/office/powerpoint/2010/main" val="595994784"/>
+      </p:ext>
+    </p:extLst>
+  </p:cSld>
+  <p:clrMapOvr>
+    <a:masterClrMapping/>
+  </p:clrMapOvr>
+</p:sld>
+</file>
+
+<file path=ppt/slides/slide2.xml><?xml version="1.0" encoding="utf-8"?>
+<p:sld xmlns:a="http://schemas.openxmlformats.org/drawingml/2006/main" xmlns:r="http://schemas.openxmlformats.org/officeDocument/2006/relationships" xmlns:p="http://schemas.openxmlformats.org/presentationml/2006/main">
+  <p:cSld>
+    <p:spTree>
+      <p:nvGrpSpPr>
+        <p:cNvPr id="1" name=""/>
+        <p:cNvGrpSpPr/>
+        <p:nvPr/>
+      </p:nvGrpSpPr>
+      <p:grpSpPr>
+        <a:xfrm>
+          <a:off x="0" y="0"/>
+          <a:ext cx="0" cy="0"/>
+          <a:chOff x="0" y="0"/>
+          <a:chExt cx="0" cy="0"/>
+        </a:xfrm>
+      </p:grpSpPr>
       <p:graphicFrame>
         <p:nvGraphicFramePr>
           <p:cNvPr id="7" name="表 6">
@@ -6725,7 +7950,7 @@
 </p:sld>
 </file>
 
-<file path=ppt/slides/slide2.xml><?xml version="1.0" encoding="utf-8"?>
+<file path=ppt/slides/slide3.xml><?xml version="1.0" encoding="utf-8"?>
 <p:sld xmlns:a="http://schemas.openxmlformats.org/drawingml/2006/main" xmlns:r="http://schemas.openxmlformats.org/officeDocument/2006/relationships" xmlns:p="http://schemas.openxmlformats.org/presentationml/2006/main">
   <p:cSld>
     <p:spTree>
@@ -7074,7 +8299,7 @@
 </p:sld>
 </file>
 
-<file path=ppt/slides/slide3.xml><?xml version="1.0" encoding="utf-8"?>
+<file path=ppt/slides/slide4.xml><?xml version="1.0" encoding="utf-8"?>
 <p:sld xmlns:a="http://schemas.openxmlformats.org/drawingml/2006/main" xmlns:r="http://schemas.openxmlformats.org/officeDocument/2006/relationships" xmlns:p="http://schemas.openxmlformats.org/presentationml/2006/main">
   <p:cSld>
     <p:spTree>
@@ -7419,7 +8644,7 @@
 </p:sld>
 </file>
 
-<file path=ppt/slides/slide4.xml><?xml version="1.0" encoding="utf-8"?>
+<file path=ppt/slides/slide5.xml><?xml version="1.0" encoding="utf-8"?>
 <p:sld xmlns:a="http://schemas.openxmlformats.org/drawingml/2006/main" xmlns:r="http://schemas.openxmlformats.org/officeDocument/2006/relationships" xmlns:p="http://schemas.openxmlformats.org/presentationml/2006/main">
   <p:cSld>
     <p:spTree>
@@ -8896,7 +10121,7 @@
 </p:sld>
 </file>
 
-<file path=ppt/slides/slide5.xml><?xml version="1.0" encoding="utf-8"?>
+<file path=ppt/slides/slide6.xml><?xml version="1.0" encoding="utf-8"?>
 <p:sld xmlns:a="http://schemas.openxmlformats.org/drawingml/2006/main" xmlns:r="http://schemas.openxmlformats.org/officeDocument/2006/relationships" xmlns:p="http://schemas.openxmlformats.org/presentationml/2006/main">
   <p:cSld>
     <p:spTree>
@@ -10307,7 +11532,7 @@
 </p:sld>
 </file>
 
-<file path=ppt/slides/slide6.xml><?xml version="1.0" encoding="utf-8"?>
+<file path=ppt/slides/slide7.xml><?xml version="1.0" encoding="utf-8"?>
 <p:sld xmlns:a="http://schemas.openxmlformats.org/drawingml/2006/main" xmlns:r="http://schemas.openxmlformats.org/officeDocument/2006/relationships" xmlns:p="http://schemas.openxmlformats.org/presentationml/2006/main">
   <p:cSld>
     <p:spTree>
@@ -12127,7 +13352,7 @@
 </p:sld>
 </file>
 
-<file path=ppt/slides/slide7.xml><?xml version="1.0" encoding="utf-8"?>
+<file path=ppt/slides/slide8.xml><?xml version="1.0" encoding="utf-8"?>
 <p:sld xmlns:a="http://schemas.openxmlformats.org/drawingml/2006/main" xmlns:r="http://schemas.openxmlformats.org/officeDocument/2006/relationships" xmlns:p="http://schemas.openxmlformats.org/presentationml/2006/main">
   <p:cSld>
     <p:spTree>
@@ -13261,7 +14486,7 @@
 </p:sld>
 </file>
 
-<file path=ppt/slides/slide8.xml><?xml version="1.0" encoding="utf-8"?>
+<file path=ppt/slides/slide9.xml><?xml version="1.0" encoding="utf-8"?>
 <p:sld xmlns:a="http://schemas.openxmlformats.org/drawingml/2006/main" xmlns:r="http://schemas.openxmlformats.org/officeDocument/2006/relationships" xmlns:p="http://schemas.openxmlformats.org/presentationml/2006/main">
   <p:cSld>
     <p:spTree>
@@ -14536,1200 +15761,6 @@
 </p:sld>
 </file>
 
-<file path=ppt/slides/slide9.xml><?xml version="1.0" encoding="utf-8"?>
-<p:sld xmlns:a="http://schemas.openxmlformats.org/drawingml/2006/main" xmlns:r="http://schemas.openxmlformats.org/officeDocument/2006/relationships" xmlns:p="http://schemas.openxmlformats.org/presentationml/2006/main">
-  <p:cSld>
-    <p:spTree>
-      <p:nvGrpSpPr>
-        <p:cNvPr id="1" name=""/>
-        <p:cNvGrpSpPr/>
-        <p:nvPr/>
-      </p:nvGrpSpPr>
-      <p:grpSpPr>
-        <a:xfrm>
-          <a:off x="0" y="0"/>
-          <a:ext cx="0" cy="0"/>
-          <a:chOff x="0" y="0"/>
-          <a:chExt cx="0" cy="0"/>
-        </a:xfrm>
-      </p:grpSpPr>
-      <p:grpSp>
-        <p:nvGrpSpPr>
-          <p:cNvPr id="8" name="グループ化 7"/>
-          <p:cNvGrpSpPr/>
-          <p:nvPr/>
-        </p:nvGrpSpPr>
-        <p:grpSpPr>
-          <a:xfrm>
-            <a:off x="3576656" y="468348"/>
-            <a:ext cx="5360493" cy="5602867"/>
-            <a:chOff x="160124" y="584727"/>
-            <a:chExt cx="5360493" cy="5602867"/>
-          </a:xfrm>
-        </p:grpSpPr>
-        <p:grpSp>
-          <p:nvGrpSpPr>
-            <p:cNvPr id="5" name="グループ化 4">
-              <a:extLst>
-                <a:ext uri="{FF2B5EF4-FFF2-40B4-BE49-F238E27FC236}">
-                  <a16:creationId xmlns:a16="http://schemas.microsoft.com/office/drawing/2014/main" id="{E7C82472-7D26-4F66-A92F-6E96170E4B08}"/>
-                </a:ext>
-              </a:extLst>
-            </p:cNvPr>
-            <p:cNvGrpSpPr/>
-            <p:nvPr/>
-          </p:nvGrpSpPr>
-          <p:grpSpPr>
-            <a:xfrm>
-              <a:off x="304801" y="1169503"/>
-              <a:ext cx="4810541" cy="4518992"/>
-              <a:chOff x="781879" y="1126435"/>
-              <a:chExt cx="4810541" cy="4518992"/>
-            </a:xfrm>
-          </p:grpSpPr>
-          <p:cxnSp>
-            <p:nvCxnSpPr>
-              <p:cNvPr id="3" name="直線矢印コネクタ 2">
-                <a:extLst>
-                  <a:ext uri="{FF2B5EF4-FFF2-40B4-BE49-F238E27FC236}">
-                    <a16:creationId xmlns:a16="http://schemas.microsoft.com/office/drawing/2014/main" id="{B8817C62-2C83-4A61-8C8A-FA28F450CE17}"/>
-                  </a:ext>
-                </a:extLst>
-              </p:cNvPr>
-              <p:cNvCxnSpPr>
-                <a:cxnSpLocks/>
-              </p:cNvCxnSpPr>
-              <p:nvPr/>
-            </p:nvCxnSpPr>
-            <p:spPr>
-              <a:xfrm flipV="1">
-                <a:off x="821635" y="1126435"/>
-                <a:ext cx="0" cy="4518991"/>
-              </a:xfrm>
-              <a:prstGeom prst="straightConnector1">
-                <a:avLst/>
-              </a:prstGeom>
-              <a:ln w="76200">
-                <a:tailEnd type="triangle"/>
-              </a:ln>
-            </p:spPr>
-            <p:style>
-              <a:lnRef idx="1">
-                <a:schemeClr val="dk1"/>
-              </a:lnRef>
-              <a:fillRef idx="0">
-                <a:schemeClr val="dk1"/>
-              </a:fillRef>
-              <a:effectRef idx="0">
-                <a:schemeClr val="dk1"/>
-              </a:effectRef>
-              <a:fontRef idx="minor">
-                <a:schemeClr val="tx1"/>
-              </a:fontRef>
-            </p:style>
-          </p:cxnSp>
-          <p:cxnSp>
-            <p:nvCxnSpPr>
-              <p:cNvPr id="4" name="直線矢印コネクタ 3">
-                <a:extLst>
-                  <a:ext uri="{FF2B5EF4-FFF2-40B4-BE49-F238E27FC236}">
-                    <a16:creationId xmlns:a16="http://schemas.microsoft.com/office/drawing/2014/main" id="{7A340436-1C06-4B9C-9736-BF1EBF853F7A}"/>
-                  </a:ext>
-                </a:extLst>
-              </p:cNvPr>
-              <p:cNvCxnSpPr>
-                <a:cxnSpLocks/>
-              </p:cNvCxnSpPr>
-              <p:nvPr/>
-            </p:nvCxnSpPr>
-            <p:spPr>
-              <a:xfrm>
-                <a:off x="781879" y="5645427"/>
-                <a:ext cx="4810541" cy="0"/>
-              </a:xfrm>
-              <a:prstGeom prst="straightConnector1">
-                <a:avLst/>
-              </a:prstGeom>
-              <a:ln w="76200">
-                <a:tailEnd type="triangle"/>
-              </a:ln>
-            </p:spPr>
-            <p:style>
-              <a:lnRef idx="1">
-                <a:schemeClr val="dk1"/>
-              </a:lnRef>
-              <a:fillRef idx="0">
-                <a:schemeClr val="dk1"/>
-              </a:fillRef>
-              <a:effectRef idx="0">
-                <a:schemeClr val="dk1"/>
-              </a:effectRef>
-              <a:fontRef idx="minor">
-                <a:schemeClr val="tx1"/>
-              </a:fontRef>
-            </p:style>
-          </p:cxnSp>
-        </p:grpSp>
-        <p:cxnSp>
-          <p:nvCxnSpPr>
-            <p:cNvPr id="7" name="直線コネクタ 6">
-              <a:extLst>
-                <a:ext uri="{FF2B5EF4-FFF2-40B4-BE49-F238E27FC236}">
-                  <a16:creationId xmlns:a16="http://schemas.microsoft.com/office/drawing/2014/main" id="{3E7DD812-678B-474A-9C84-DC3D690B10A4}"/>
-                </a:ext>
-              </a:extLst>
-            </p:cNvPr>
-            <p:cNvCxnSpPr>
-              <a:cxnSpLocks/>
-            </p:cNvCxnSpPr>
-            <p:nvPr/>
-          </p:nvCxnSpPr>
-          <p:spPr>
-            <a:xfrm flipV="1">
-              <a:off x="344557" y="4389781"/>
-              <a:ext cx="2544417" cy="1298714"/>
-            </a:xfrm>
-            <a:prstGeom prst="line">
-              <a:avLst/>
-            </a:prstGeom>
-            <a:ln w="76200">
-              <a:headEnd type="oval" w="med" len="med"/>
-              <a:tailEnd type="oval" w="med" len="med"/>
-            </a:ln>
-          </p:spPr>
-          <p:style>
-            <a:lnRef idx="1">
-              <a:schemeClr val="dk1"/>
-            </a:lnRef>
-            <a:fillRef idx="0">
-              <a:schemeClr val="dk1"/>
-            </a:fillRef>
-            <a:effectRef idx="0">
-              <a:schemeClr val="dk1"/>
-            </a:effectRef>
-            <a:fontRef idx="minor">
-              <a:schemeClr val="tx1"/>
-            </a:fontRef>
-          </p:style>
-        </p:cxnSp>
-        <p:cxnSp>
-          <p:nvCxnSpPr>
-            <p:cNvPr id="9" name="直線コネクタ 8">
-              <a:extLst>
-                <a:ext uri="{FF2B5EF4-FFF2-40B4-BE49-F238E27FC236}">
-                  <a16:creationId xmlns:a16="http://schemas.microsoft.com/office/drawing/2014/main" id="{5AFA99D1-D389-4C5B-AF30-1318FD231EBF}"/>
-                </a:ext>
-              </a:extLst>
-            </p:cNvPr>
-            <p:cNvCxnSpPr>
-              <a:cxnSpLocks/>
-            </p:cNvCxnSpPr>
-            <p:nvPr/>
-          </p:nvCxnSpPr>
-          <p:spPr>
-            <a:xfrm flipV="1">
-              <a:off x="2888974" y="2317278"/>
-              <a:ext cx="722505" cy="2072504"/>
-            </a:xfrm>
-            <a:prstGeom prst="line">
-              <a:avLst/>
-            </a:prstGeom>
-            <a:ln w="76200">
-              <a:headEnd type="diamond" w="med" len="med"/>
-              <a:tailEnd type="diamond" w="med" len="med"/>
-            </a:ln>
-          </p:spPr>
-          <p:style>
-            <a:lnRef idx="1">
-              <a:schemeClr val="dk1"/>
-            </a:lnRef>
-            <a:fillRef idx="0">
-              <a:schemeClr val="dk1"/>
-            </a:fillRef>
-            <a:effectRef idx="0">
-              <a:schemeClr val="dk1"/>
-            </a:effectRef>
-            <a:fontRef idx="minor">
-              <a:schemeClr val="tx1"/>
-            </a:fontRef>
-          </p:style>
-        </p:cxnSp>
-        <p:grpSp>
-          <p:nvGrpSpPr>
-            <p:cNvPr id="14" name="グループ化 13">
-              <a:extLst>
-                <a:ext uri="{FF2B5EF4-FFF2-40B4-BE49-F238E27FC236}">
-                  <a16:creationId xmlns:a16="http://schemas.microsoft.com/office/drawing/2014/main" id="{6802FE1C-4D13-4E0D-A2FD-B75CAE58F0DA}"/>
-                </a:ext>
-              </a:extLst>
-            </p:cNvPr>
-            <p:cNvGrpSpPr/>
-            <p:nvPr/>
-          </p:nvGrpSpPr>
-          <p:grpSpPr>
-            <a:xfrm rot="1222204">
-              <a:off x="3486330" y="1807313"/>
-              <a:ext cx="450639" cy="536165"/>
-              <a:chOff x="3460436" y="2308202"/>
-              <a:chExt cx="450639" cy="536165"/>
-            </a:xfrm>
-          </p:grpSpPr>
-          <p:cxnSp>
-            <p:nvCxnSpPr>
-              <p:cNvPr id="24" name="直線コネクタ 23">
-                <a:extLst>
-                  <a:ext uri="{FF2B5EF4-FFF2-40B4-BE49-F238E27FC236}">
-                    <a16:creationId xmlns:a16="http://schemas.microsoft.com/office/drawing/2014/main" id="{7A63DAD3-7512-432F-A3A7-1A497CA5CE0C}"/>
-                  </a:ext>
-                </a:extLst>
-              </p:cNvPr>
-              <p:cNvCxnSpPr>
-                <a:cxnSpLocks/>
-              </p:cNvCxnSpPr>
-              <p:nvPr/>
-            </p:nvCxnSpPr>
-            <p:spPr>
-              <a:xfrm flipV="1">
-                <a:off x="3463376" y="2319803"/>
-                <a:ext cx="0" cy="512965"/>
-              </a:xfrm>
-              <a:prstGeom prst="line">
-                <a:avLst/>
-              </a:prstGeom>
-              <a:ln w="38100">
-                <a:headEnd type="none" w="med" len="med"/>
-                <a:tailEnd type="none" w="med" len="med"/>
-              </a:ln>
-            </p:spPr>
-            <p:style>
-              <a:lnRef idx="1">
-                <a:schemeClr val="dk1"/>
-              </a:lnRef>
-              <a:fillRef idx="0">
-                <a:schemeClr val="dk1"/>
-              </a:fillRef>
-              <a:effectRef idx="0">
-                <a:schemeClr val="dk1"/>
-              </a:effectRef>
-              <a:fontRef idx="minor">
-                <a:schemeClr val="tx1"/>
-              </a:fontRef>
-            </p:style>
-          </p:cxnSp>
-          <p:cxnSp>
-            <p:nvCxnSpPr>
-              <p:cNvPr id="27" name="直線コネクタ 26">
-                <a:extLst>
-                  <a:ext uri="{FF2B5EF4-FFF2-40B4-BE49-F238E27FC236}">
-                    <a16:creationId xmlns:a16="http://schemas.microsoft.com/office/drawing/2014/main" id="{2A77E8F6-8AD4-4BC2-A42C-316012E6C5E5}"/>
-                  </a:ext>
-                </a:extLst>
-              </p:cNvPr>
-              <p:cNvCxnSpPr>
-                <a:cxnSpLocks/>
-              </p:cNvCxnSpPr>
-              <p:nvPr/>
-            </p:nvCxnSpPr>
-            <p:spPr>
-              <a:xfrm flipV="1">
-                <a:off x="3911075" y="2308202"/>
-                <a:ext cx="0" cy="536165"/>
-              </a:xfrm>
-              <a:prstGeom prst="line">
-                <a:avLst/>
-              </a:prstGeom>
-              <a:ln w="38100">
-                <a:headEnd type="none" w="med" len="med"/>
-                <a:tailEnd type="none" w="med" len="med"/>
-              </a:ln>
-            </p:spPr>
-            <p:style>
-              <a:lnRef idx="1">
-                <a:schemeClr val="dk1"/>
-              </a:lnRef>
-              <a:fillRef idx="0">
-                <a:schemeClr val="dk1"/>
-              </a:fillRef>
-              <a:effectRef idx="0">
-                <a:schemeClr val="dk1"/>
-              </a:effectRef>
-              <a:fontRef idx="minor">
-                <a:schemeClr val="tx1"/>
-              </a:fontRef>
-            </p:style>
-          </p:cxnSp>
-          <p:cxnSp>
-            <p:nvCxnSpPr>
-              <p:cNvPr id="29" name="直線コネクタ 28">
-                <a:extLst>
-                  <a:ext uri="{FF2B5EF4-FFF2-40B4-BE49-F238E27FC236}">
-                    <a16:creationId xmlns:a16="http://schemas.microsoft.com/office/drawing/2014/main" id="{11537060-4597-4BD9-A884-2B1DBDA32C08}"/>
-                  </a:ext>
-                </a:extLst>
-              </p:cNvPr>
-              <p:cNvCxnSpPr>
-                <a:cxnSpLocks/>
-              </p:cNvCxnSpPr>
-              <p:nvPr/>
-            </p:nvCxnSpPr>
-            <p:spPr>
-              <a:xfrm>
-                <a:off x="3460436" y="2832622"/>
-                <a:ext cx="450639" cy="0"/>
-              </a:xfrm>
-              <a:prstGeom prst="line">
-                <a:avLst/>
-              </a:prstGeom>
-              <a:ln w="38100"/>
-            </p:spPr>
-            <p:style>
-              <a:lnRef idx="1">
-                <a:schemeClr val="dk1"/>
-              </a:lnRef>
-              <a:fillRef idx="0">
-                <a:schemeClr val="dk1"/>
-              </a:fillRef>
-              <a:effectRef idx="0">
-                <a:schemeClr val="dk1"/>
-              </a:effectRef>
-              <a:fontRef idx="minor">
-                <a:schemeClr val="tx1"/>
-              </a:fontRef>
-            </p:style>
-          </p:cxnSp>
-        </p:grpSp>
-        <p:grpSp>
-          <p:nvGrpSpPr>
-            <p:cNvPr id="18" name="グループ化 17">
-              <a:extLst>
-                <a:ext uri="{FF2B5EF4-FFF2-40B4-BE49-F238E27FC236}">
-                  <a16:creationId xmlns:a16="http://schemas.microsoft.com/office/drawing/2014/main" id="{3D8BC205-555A-4D0A-85D7-105FB78C0129}"/>
-                </a:ext>
-              </a:extLst>
-            </p:cNvPr>
-            <p:cNvGrpSpPr/>
-            <p:nvPr/>
-          </p:nvGrpSpPr>
-          <p:grpSpPr>
-            <a:xfrm>
-              <a:off x="967412" y="5147196"/>
-              <a:ext cx="956216" cy="978611"/>
-              <a:chOff x="967412" y="5147196"/>
-              <a:chExt cx="956216" cy="978611"/>
-            </a:xfrm>
-          </p:grpSpPr>
-          <p:sp>
-            <p:nvSpPr>
-              <p:cNvPr id="31" name="円弧 30">
-                <a:extLst>
-                  <a:ext uri="{FF2B5EF4-FFF2-40B4-BE49-F238E27FC236}">
-                    <a16:creationId xmlns:a16="http://schemas.microsoft.com/office/drawing/2014/main" id="{8EF24A81-B80A-4AE1-B40C-03EC3BC7E03D}"/>
-                  </a:ext>
-                </a:extLst>
-              </p:cNvPr>
-              <p:cNvSpPr/>
-              <p:nvPr/>
-            </p:nvSpPr>
-            <p:spPr>
-              <a:xfrm>
-                <a:off x="967412" y="5251181"/>
-                <a:ext cx="490329" cy="874626"/>
-              </a:xfrm>
-              <a:prstGeom prst="arc">
-                <a:avLst/>
-              </a:prstGeom>
-              <a:ln w="38100">
-                <a:headEnd type="triangle" w="med" len="med"/>
-                <a:tailEnd type="none" w="med" len="med"/>
-              </a:ln>
-            </p:spPr>
-            <p:style>
-              <a:lnRef idx="1">
-                <a:schemeClr val="dk1"/>
-              </a:lnRef>
-              <a:fillRef idx="0">
-                <a:schemeClr val="dk1"/>
-              </a:fillRef>
-              <a:effectRef idx="0">
-                <a:schemeClr val="dk1"/>
-              </a:effectRef>
-              <a:fontRef idx="minor">
-                <a:schemeClr val="tx1"/>
-              </a:fontRef>
-            </p:style>
-            <p:txBody>
-              <a:bodyPr rtlCol="0" anchor="ctr"/>
-              <a:lstStyle/>
-              <a:p>
-                <a:pPr algn="ctr"/>
-                <a:endParaRPr kumimoji="1" lang="ja-JP" altLang="en-US"/>
-              </a:p>
-            </p:txBody>
-          </p:sp>
-          <p:sp>
-            <p:nvSpPr>
-              <p:cNvPr id="32" name="テキスト ボックス 31">
-                <a:extLst>
-                  <a:ext uri="{FF2B5EF4-FFF2-40B4-BE49-F238E27FC236}">
-                    <a16:creationId xmlns:a16="http://schemas.microsoft.com/office/drawing/2014/main" id="{EC060A66-2801-49EE-A823-A05C9B0A67BC}"/>
-                  </a:ext>
-                </a:extLst>
-              </p:cNvPr>
-              <p:cNvSpPr txBox="1"/>
-              <p:nvPr/>
-            </p:nvSpPr>
-            <p:spPr>
-              <a:xfrm>
-                <a:off x="1408743" y="5147196"/>
-                <a:ext cx="514885" cy="584775"/>
-              </a:xfrm>
-              <a:prstGeom prst="rect">
-                <a:avLst/>
-              </a:prstGeom>
-              <a:noFill/>
-            </p:spPr>
-            <p:txBody>
-              <a:bodyPr wrap="none" rtlCol="0">
-                <a:spAutoFit/>
-              </a:bodyPr>
-              <a:lstStyle/>
-              <a:p>
-                <a:r>
-                  <a:rPr kumimoji="1" lang="en-US" altLang="ja-JP" sz="3200" i="1" dirty="0">
-                    <a:latin typeface="Times New Roman" panose="02020603050405020304" pitchFamily="18" charset="0"/>
-                    <a:cs typeface="Times New Roman" panose="02020603050405020304" pitchFamily="18" charset="0"/>
-                  </a:rPr>
-                  <a:t>θ</a:t>
-                </a:r>
-                <a:r>
-                  <a:rPr kumimoji="1" lang="en-US" altLang="ja-JP" sz="2000" i="1" dirty="0">
-                    <a:latin typeface="Times New Roman" panose="02020603050405020304" pitchFamily="18" charset="0"/>
-                    <a:cs typeface="Times New Roman" panose="02020603050405020304" pitchFamily="18" charset="0"/>
-                  </a:rPr>
-                  <a:t>1</a:t>
-                </a:r>
-                <a:endParaRPr kumimoji="1" lang="ja-JP" altLang="en-US" sz="3200" i="1" dirty="0">
-                  <a:latin typeface="Times New Roman" panose="02020603050405020304" pitchFamily="18" charset="0"/>
-                  <a:cs typeface="Times New Roman" panose="02020603050405020304" pitchFamily="18" charset="0"/>
-                </a:endParaRPr>
-              </a:p>
-            </p:txBody>
-          </p:sp>
-        </p:grpSp>
-        <p:cxnSp>
-          <p:nvCxnSpPr>
-            <p:cNvPr id="34" name="直線コネクタ 33">
-              <a:extLst>
-                <a:ext uri="{FF2B5EF4-FFF2-40B4-BE49-F238E27FC236}">
-                  <a16:creationId xmlns:a16="http://schemas.microsoft.com/office/drawing/2014/main" id="{8C5149AD-287A-49FC-82F4-A8D6E9B7C9AA}"/>
-                </a:ext>
-              </a:extLst>
-            </p:cNvPr>
-            <p:cNvCxnSpPr>
-              <a:cxnSpLocks/>
-            </p:cNvCxnSpPr>
-            <p:nvPr/>
-          </p:nvCxnSpPr>
-          <p:spPr>
-            <a:xfrm flipV="1">
-              <a:off x="2729224" y="3376486"/>
-              <a:ext cx="2107096" cy="1076738"/>
-            </a:xfrm>
-            <a:prstGeom prst="line">
-              <a:avLst/>
-            </a:prstGeom>
-            <a:ln>
-              <a:prstDash val="dash"/>
-            </a:ln>
-          </p:spPr>
-          <p:style>
-            <a:lnRef idx="1">
-              <a:schemeClr val="dk1"/>
-            </a:lnRef>
-            <a:fillRef idx="0">
-              <a:schemeClr val="dk1"/>
-            </a:fillRef>
-            <a:effectRef idx="0">
-              <a:schemeClr val="dk1"/>
-            </a:effectRef>
-            <a:fontRef idx="minor">
-              <a:schemeClr val="tx1"/>
-            </a:fontRef>
-          </p:style>
-        </p:cxnSp>
-        <p:grpSp>
-          <p:nvGrpSpPr>
-            <p:cNvPr id="17" name="グループ化 16">
-              <a:extLst>
-                <a:ext uri="{FF2B5EF4-FFF2-40B4-BE49-F238E27FC236}">
-                  <a16:creationId xmlns:a16="http://schemas.microsoft.com/office/drawing/2014/main" id="{C7EDA8B6-CC9C-4914-9175-EDBE9D6B9807}"/>
-                </a:ext>
-              </a:extLst>
-            </p:cNvPr>
-            <p:cNvGrpSpPr/>
-            <p:nvPr/>
-          </p:nvGrpSpPr>
-          <p:grpSpPr>
-            <a:xfrm>
-              <a:off x="2832316" y="3438585"/>
-              <a:ext cx="862464" cy="972306"/>
-              <a:chOff x="3086158" y="3078580"/>
-              <a:chExt cx="862464" cy="972306"/>
-            </a:xfrm>
-          </p:grpSpPr>
-          <p:sp>
-            <p:nvSpPr>
-              <p:cNvPr id="35" name="円弧 34">
-                <a:extLst>
-                  <a:ext uri="{FF2B5EF4-FFF2-40B4-BE49-F238E27FC236}">
-                    <a16:creationId xmlns:a16="http://schemas.microsoft.com/office/drawing/2014/main" id="{42B38824-A192-469A-A63B-66B8DD337B18}"/>
-                  </a:ext>
-                </a:extLst>
-              </p:cNvPr>
-              <p:cNvSpPr/>
-              <p:nvPr/>
-            </p:nvSpPr>
-            <p:spPr>
-              <a:xfrm>
-                <a:off x="3086158" y="3468518"/>
-                <a:ext cx="540533" cy="582368"/>
-              </a:xfrm>
-              <a:prstGeom prst="arc">
-                <a:avLst/>
-              </a:prstGeom>
-              <a:ln w="38100">
-                <a:headEnd type="triangle" w="med" len="med"/>
-                <a:tailEnd type="none" w="med" len="med"/>
-              </a:ln>
-            </p:spPr>
-            <p:style>
-              <a:lnRef idx="1">
-                <a:schemeClr val="dk1"/>
-              </a:lnRef>
-              <a:fillRef idx="0">
-                <a:schemeClr val="dk1"/>
-              </a:fillRef>
-              <a:effectRef idx="0">
-                <a:schemeClr val="dk1"/>
-              </a:effectRef>
-              <a:fontRef idx="minor">
-                <a:schemeClr val="tx1"/>
-              </a:fontRef>
-            </p:style>
-            <p:txBody>
-              <a:bodyPr rtlCol="0" anchor="ctr"/>
-              <a:lstStyle/>
-              <a:p>
-                <a:pPr algn="ctr"/>
-                <a:endParaRPr kumimoji="1" lang="ja-JP" altLang="en-US"/>
-              </a:p>
-            </p:txBody>
-          </p:sp>
-          <p:sp>
-            <p:nvSpPr>
-              <p:cNvPr id="36" name="テキスト ボックス 35">
-                <a:extLst>
-                  <a:ext uri="{FF2B5EF4-FFF2-40B4-BE49-F238E27FC236}">
-                    <a16:creationId xmlns:a16="http://schemas.microsoft.com/office/drawing/2014/main" id="{C6651DFE-7985-4C3D-A1CC-63225A4B3DE9}"/>
-                  </a:ext>
-                </a:extLst>
-              </p:cNvPr>
-              <p:cNvSpPr txBox="1"/>
-              <p:nvPr/>
-            </p:nvSpPr>
-            <p:spPr>
-              <a:xfrm>
-                <a:off x="3433737" y="3078580"/>
-                <a:ext cx="514885" cy="584775"/>
-              </a:xfrm>
-              <a:prstGeom prst="rect">
-                <a:avLst/>
-              </a:prstGeom>
-              <a:noFill/>
-            </p:spPr>
-            <p:txBody>
-              <a:bodyPr wrap="none" rtlCol="0">
-                <a:spAutoFit/>
-              </a:bodyPr>
-              <a:lstStyle/>
-              <a:p>
-                <a:r>
-                  <a:rPr kumimoji="1" lang="en-US" altLang="ja-JP" sz="3200" i="1" dirty="0">
-                    <a:latin typeface="Times New Roman" panose="02020603050405020304" pitchFamily="18" charset="0"/>
-                    <a:cs typeface="Times New Roman" panose="02020603050405020304" pitchFamily="18" charset="0"/>
-                  </a:rPr>
-                  <a:t>θ</a:t>
-                </a:r>
-                <a:r>
-                  <a:rPr lang="en-US" altLang="ja-JP" sz="2000" i="1" dirty="0">
-                    <a:latin typeface="Times New Roman" panose="02020603050405020304" pitchFamily="18" charset="0"/>
-                    <a:cs typeface="Times New Roman" panose="02020603050405020304" pitchFamily="18" charset="0"/>
-                  </a:rPr>
-                  <a:t>2</a:t>
-                </a:r>
-                <a:endParaRPr kumimoji="1" lang="ja-JP" altLang="en-US" sz="3200" i="1" dirty="0">
-                  <a:latin typeface="Times New Roman" panose="02020603050405020304" pitchFamily="18" charset="0"/>
-                  <a:cs typeface="Times New Roman" panose="02020603050405020304" pitchFamily="18" charset="0"/>
-                </a:endParaRPr>
-              </a:p>
-            </p:txBody>
-          </p:sp>
-        </p:grpSp>
-        <p:sp>
-          <p:nvSpPr>
-            <p:cNvPr id="37" name="テキスト ボックス 36">
-              <a:extLst>
-                <a:ext uri="{FF2B5EF4-FFF2-40B4-BE49-F238E27FC236}">
-                  <a16:creationId xmlns:a16="http://schemas.microsoft.com/office/drawing/2014/main" id="{02C08B31-A1AD-4B3A-BCD2-C88427D9B253}"/>
-                </a:ext>
-              </a:extLst>
-            </p:cNvPr>
-            <p:cNvSpPr txBox="1"/>
-            <p:nvPr/>
-          </p:nvSpPr>
-          <p:spPr>
-            <a:xfrm>
-              <a:off x="160124" y="584727"/>
-              <a:ext cx="389850" cy="584775"/>
-            </a:xfrm>
-            <a:prstGeom prst="rect">
-              <a:avLst/>
-            </a:prstGeom>
-            <a:noFill/>
-          </p:spPr>
-          <p:txBody>
-            <a:bodyPr wrap="none" rtlCol="0">
-              <a:spAutoFit/>
-            </a:bodyPr>
-            <a:lstStyle/>
-            <a:p>
-              <a:r>
-                <a:rPr lang="en-US" altLang="ja-JP" sz="3200" b="1" dirty="0">
-                  <a:latin typeface="Times New Roman" panose="02020603050405020304" pitchFamily="18" charset="0"/>
-                  <a:cs typeface="Times New Roman" panose="02020603050405020304" pitchFamily="18" charset="0"/>
-                </a:rPr>
-                <a:t>y</a:t>
-              </a:r>
-              <a:endParaRPr kumimoji="1" lang="ja-JP" altLang="en-US" sz="3200" b="1" dirty="0">
-                <a:latin typeface="Times New Roman" panose="02020603050405020304" pitchFamily="18" charset="0"/>
-                <a:cs typeface="Times New Roman" panose="02020603050405020304" pitchFamily="18" charset="0"/>
-              </a:endParaRPr>
-            </a:p>
-          </p:txBody>
-        </p:sp>
-        <p:sp>
-          <p:nvSpPr>
-            <p:cNvPr id="38" name="テキスト ボックス 37">
-              <a:extLst>
-                <a:ext uri="{FF2B5EF4-FFF2-40B4-BE49-F238E27FC236}">
-                  <a16:creationId xmlns:a16="http://schemas.microsoft.com/office/drawing/2014/main" id="{9B731AD9-55F8-43B4-A00D-422BB8DE04D5}"/>
-                </a:ext>
-              </a:extLst>
-            </p:cNvPr>
-            <p:cNvSpPr txBox="1"/>
-            <p:nvPr/>
-          </p:nvSpPr>
-          <p:spPr>
-            <a:xfrm>
-              <a:off x="5130767" y="5396106"/>
-              <a:ext cx="389850" cy="584775"/>
-            </a:xfrm>
-            <a:prstGeom prst="rect">
-              <a:avLst/>
-            </a:prstGeom>
-            <a:noFill/>
-          </p:spPr>
-          <p:txBody>
-            <a:bodyPr wrap="none" rtlCol="0">
-              <a:spAutoFit/>
-            </a:bodyPr>
-            <a:lstStyle/>
-            <a:p>
-              <a:r>
-                <a:rPr lang="en-US" altLang="ja-JP" sz="3200" b="1" dirty="0">
-                  <a:latin typeface="Times New Roman" panose="02020603050405020304" pitchFamily="18" charset="0"/>
-                  <a:cs typeface="Times New Roman" panose="02020603050405020304" pitchFamily="18" charset="0"/>
-                </a:rPr>
-                <a:t>x</a:t>
-              </a:r>
-              <a:endParaRPr kumimoji="1" lang="ja-JP" altLang="en-US" sz="3200" b="1" dirty="0">
-                <a:latin typeface="Times New Roman" panose="02020603050405020304" pitchFamily="18" charset="0"/>
-                <a:cs typeface="Times New Roman" panose="02020603050405020304" pitchFamily="18" charset="0"/>
-              </a:endParaRPr>
-            </a:p>
-          </p:txBody>
-        </p:sp>
-        <p:sp>
-          <p:nvSpPr>
-            <p:cNvPr id="39" name="テキスト ボックス 38">
-              <a:extLst>
-                <a:ext uri="{FF2B5EF4-FFF2-40B4-BE49-F238E27FC236}">
-                  <a16:creationId xmlns:a16="http://schemas.microsoft.com/office/drawing/2014/main" id="{0B389FA3-17ED-426C-A307-98D6AE2EE47F}"/>
-                </a:ext>
-              </a:extLst>
-            </p:cNvPr>
-            <p:cNvSpPr txBox="1"/>
-            <p:nvPr/>
-          </p:nvSpPr>
-          <p:spPr>
-            <a:xfrm>
-              <a:off x="1195188" y="4425404"/>
-              <a:ext cx="426720" cy="584775"/>
-            </a:xfrm>
-            <a:prstGeom prst="rect">
-              <a:avLst/>
-            </a:prstGeom>
-            <a:noFill/>
-          </p:spPr>
-          <p:txBody>
-            <a:bodyPr wrap="none" rtlCol="0">
-              <a:spAutoFit/>
-            </a:bodyPr>
-            <a:lstStyle/>
-            <a:p>
-              <a:r>
-                <a:rPr lang="en-US" altLang="ja-JP" sz="3200" i="1" dirty="0">
-                  <a:latin typeface="Times New Roman" panose="02020603050405020304" pitchFamily="18" charset="0"/>
-                  <a:cs typeface="Times New Roman" panose="02020603050405020304" pitchFamily="18" charset="0"/>
-                </a:rPr>
-                <a:t>l</a:t>
-              </a:r>
-              <a:r>
-                <a:rPr kumimoji="1" lang="en-US" altLang="ja-JP" sz="2000" i="1" dirty="0">
-                  <a:latin typeface="Times New Roman" panose="02020603050405020304" pitchFamily="18" charset="0"/>
-                  <a:cs typeface="Times New Roman" panose="02020603050405020304" pitchFamily="18" charset="0"/>
-                </a:rPr>
-                <a:t>1</a:t>
-              </a:r>
-              <a:endParaRPr kumimoji="1" lang="ja-JP" altLang="en-US" sz="3200" i="1" dirty="0">
-                <a:latin typeface="Times New Roman" panose="02020603050405020304" pitchFamily="18" charset="0"/>
-                <a:cs typeface="Times New Roman" panose="02020603050405020304" pitchFamily="18" charset="0"/>
-              </a:endParaRPr>
-            </a:p>
-          </p:txBody>
-        </p:sp>
-        <p:sp>
-          <p:nvSpPr>
-            <p:cNvPr id="40" name="テキスト ボックス 39">
-              <a:extLst>
-                <a:ext uri="{FF2B5EF4-FFF2-40B4-BE49-F238E27FC236}">
-                  <a16:creationId xmlns:a16="http://schemas.microsoft.com/office/drawing/2014/main" id="{D6B3404A-BA64-427D-B5F2-EF472F64A047}"/>
-                </a:ext>
-              </a:extLst>
-            </p:cNvPr>
-            <p:cNvSpPr txBox="1"/>
-            <p:nvPr/>
-          </p:nvSpPr>
-          <p:spPr>
-            <a:xfrm>
-              <a:off x="2690414" y="3012699"/>
-              <a:ext cx="426720" cy="584775"/>
-            </a:xfrm>
-            <a:prstGeom prst="rect">
-              <a:avLst/>
-            </a:prstGeom>
-            <a:noFill/>
-          </p:spPr>
-          <p:txBody>
-            <a:bodyPr wrap="none" rtlCol="0">
-              <a:spAutoFit/>
-            </a:bodyPr>
-            <a:lstStyle/>
-            <a:p>
-              <a:r>
-                <a:rPr lang="en-US" altLang="ja-JP" sz="3200" i="1" dirty="0">
-                  <a:latin typeface="Times New Roman" panose="02020603050405020304" pitchFamily="18" charset="0"/>
-                  <a:cs typeface="Times New Roman" panose="02020603050405020304" pitchFamily="18" charset="0"/>
-                </a:rPr>
-                <a:t>l</a:t>
-              </a:r>
-              <a:r>
-                <a:rPr lang="en-US" altLang="ja-JP" sz="2000" i="1" dirty="0">
-                  <a:latin typeface="Times New Roman" panose="02020603050405020304" pitchFamily="18" charset="0"/>
-                  <a:cs typeface="Times New Roman" panose="02020603050405020304" pitchFamily="18" charset="0"/>
-                </a:rPr>
-                <a:t>2</a:t>
-              </a:r>
-              <a:endParaRPr kumimoji="1" lang="ja-JP" altLang="en-US" sz="3200" i="1" dirty="0">
-                <a:latin typeface="Times New Roman" panose="02020603050405020304" pitchFamily="18" charset="0"/>
-                <a:cs typeface="Times New Roman" panose="02020603050405020304" pitchFamily="18" charset="0"/>
-              </a:endParaRPr>
-            </a:p>
-          </p:txBody>
-        </p:sp>
-        <p:grpSp>
-          <p:nvGrpSpPr>
-            <p:cNvPr id="6" name="グループ化 5"/>
-            <p:cNvGrpSpPr/>
-            <p:nvPr/>
-          </p:nvGrpSpPr>
-          <p:grpSpPr>
-            <a:xfrm rot="2230958" flipH="1">
-              <a:off x="2805246" y="2325175"/>
-              <a:ext cx="1440487" cy="2249766"/>
-              <a:chOff x="2274642" y="2124849"/>
-              <a:chExt cx="1440487" cy="2249766"/>
-            </a:xfrm>
-          </p:grpSpPr>
-          <p:sp>
-            <p:nvSpPr>
-              <p:cNvPr id="2" name="円弧 1"/>
-              <p:cNvSpPr/>
-              <p:nvPr/>
-            </p:nvSpPr>
-            <p:spPr>
-              <a:xfrm rot="3291253">
-                <a:off x="2755732" y="2124849"/>
-                <a:ext cx="959397" cy="959397"/>
-              </a:xfrm>
-              <a:prstGeom prst="arc">
-                <a:avLst>
-                  <a:gd name="adj1" fmla="val 16200000"/>
-                  <a:gd name="adj2" fmla="val 18458486"/>
-                </a:avLst>
-              </a:prstGeom>
-              <a:ln w="38100">
-                <a:solidFill>
-                  <a:schemeClr val="tx1"/>
-                </a:solidFill>
-              </a:ln>
-            </p:spPr>
-            <p:style>
-              <a:lnRef idx="1">
-                <a:schemeClr val="accent1"/>
-              </a:lnRef>
-              <a:fillRef idx="0">
-                <a:schemeClr val="accent1"/>
-              </a:fillRef>
-              <a:effectRef idx="0">
-                <a:schemeClr val="accent1"/>
-              </a:effectRef>
-              <a:fontRef idx="minor">
-                <a:schemeClr val="tx1"/>
-              </a:fontRef>
-            </p:style>
-            <p:txBody>
-              <a:bodyPr rtlCol="0" anchor="ctr"/>
-              <a:lstStyle/>
-              <a:p>
-                <a:pPr algn="ctr"/>
-                <a:endParaRPr kumimoji="1" lang="ja-JP" altLang="en-US"/>
-              </a:p>
-            </p:txBody>
-          </p:sp>
-          <p:sp>
-            <p:nvSpPr>
-              <p:cNvPr id="23" name="円弧 22"/>
-              <p:cNvSpPr/>
-              <p:nvPr/>
-            </p:nvSpPr>
-            <p:spPr>
-              <a:xfrm rot="19927927" flipV="1">
-                <a:off x="2274642" y="3415218"/>
-                <a:ext cx="959397" cy="959397"/>
-              </a:xfrm>
-              <a:prstGeom prst="arc">
-                <a:avLst>
-                  <a:gd name="adj1" fmla="val 16200000"/>
-                  <a:gd name="adj2" fmla="val 18458486"/>
-                </a:avLst>
-              </a:prstGeom>
-              <a:ln w="38100">
-                <a:solidFill>
-                  <a:schemeClr val="tx1"/>
-                </a:solidFill>
-              </a:ln>
-            </p:spPr>
-            <p:style>
-              <a:lnRef idx="1">
-                <a:schemeClr val="accent1"/>
-              </a:lnRef>
-              <a:fillRef idx="0">
-                <a:schemeClr val="accent1"/>
-              </a:fillRef>
-              <a:effectRef idx="0">
-                <a:schemeClr val="accent1"/>
-              </a:effectRef>
-              <a:fontRef idx="minor">
-                <a:schemeClr val="tx1"/>
-              </a:fontRef>
-            </p:style>
-            <p:txBody>
-              <a:bodyPr rtlCol="0" anchor="ctr"/>
-              <a:lstStyle/>
-              <a:p>
-                <a:pPr algn="ctr"/>
-                <a:endParaRPr kumimoji="1" lang="ja-JP" altLang="en-US"/>
-              </a:p>
-            </p:txBody>
-          </p:sp>
-        </p:grpSp>
-        <p:grpSp>
-          <p:nvGrpSpPr>
-            <p:cNvPr id="25" name="グループ化 24"/>
-            <p:cNvGrpSpPr/>
-            <p:nvPr/>
-          </p:nvGrpSpPr>
-          <p:grpSpPr>
-            <a:xfrm rot="16382869" flipV="1">
-              <a:off x="768985" y="3898833"/>
-              <a:ext cx="1941655" cy="2635867"/>
-              <a:chOff x="1710289" y="2088383"/>
-              <a:chExt cx="1941655" cy="2635867"/>
-            </a:xfrm>
-          </p:grpSpPr>
-          <p:sp>
-            <p:nvSpPr>
-              <p:cNvPr id="26" name="円弧 25"/>
-              <p:cNvSpPr/>
-              <p:nvPr/>
-            </p:nvSpPr>
-            <p:spPr>
-              <a:xfrm rot="4001098">
-                <a:off x="2692547" y="2088383"/>
-                <a:ext cx="959397" cy="959397"/>
-              </a:xfrm>
-              <a:prstGeom prst="arc">
-                <a:avLst>
-                  <a:gd name="adj1" fmla="val 16200000"/>
-                  <a:gd name="adj2" fmla="val 18458486"/>
-                </a:avLst>
-              </a:prstGeom>
-              <a:ln w="38100">
-                <a:solidFill>
-                  <a:schemeClr val="tx1"/>
-                </a:solidFill>
-              </a:ln>
-            </p:spPr>
-            <p:style>
-              <a:lnRef idx="1">
-                <a:schemeClr val="accent1"/>
-              </a:lnRef>
-              <a:fillRef idx="0">
-                <a:schemeClr val="accent1"/>
-              </a:fillRef>
-              <a:effectRef idx="0">
-                <a:schemeClr val="accent1"/>
-              </a:effectRef>
-              <a:fontRef idx="minor">
-                <a:schemeClr val="tx1"/>
-              </a:fontRef>
-            </p:style>
-            <p:txBody>
-              <a:bodyPr rtlCol="0" anchor="ctr"/>
-              <a:lstStyle/>
-              <a:p>
-                <a:pPr algn="ctr"/>
-                <a:endParaRPr kumimoji="1" lang="ja-JP" altLang="en-US"/>
-              </a:p>
-            </p:txBody>
-          </p:sp>
-          <p:sp>
-            <p:nvSpPr>
-              <p:cNvPr id="28" name="円弧 27"/>
-              <p:cNvSpPr/>
-              <p:nvPr/>
-            </p:nvSpPr>
-            <p:spPr>
-              <a:xfrm rot="21467698" flipV="1">
-                <a:off x="1710289" y="3764853"/>
-                <a:ext cx="959397" cy="959397"/>
-              </a:xfrm>
-              <a:prstGeom prst="arc">
-                <a:avLst>
-                  <a:gd name="adj1" fmla="val 16200000"/>
-                  <a:gd name="adj2" fmla="val 18458486"/>
-                </a:avLst>
-              </a:prstGeom>
-              <a:ln w="38100">
-                <a:solidFill>
-                  <a:schemeClr val="tx1"/>
-                </a:solidFill>
-              </a:ln>
-            </p:spPr>
-            <p:style>
-              <a:lnRef idx="1">
-                <a:schemeClr val="accent1"/>
-              </a:lnRef>
-              <a:fillRef idx="0">
-                <a:schemeClr val="accent1"/>
-              </a:fillRef>
-              <a:effectRef idx="0">
-                <a:schemeClr val="accent1"/>
-              </a:effectRef>
-              <a:fontRef idx="minor">
-                <a:schemeClr val="tx1"/>
-              </a:fontRef>
-            </p:style>
-            <p:txBody>
-              <a:bodyPr rtlCol="0" anchor="ctr"/>
-              <a:lstStyle/>
-              <a:p>
-                <a:pPr algn="ctr"/>
-                <a:endParaRPr kumimoji="1" lang="ja-JP" altLang="en-US"/>
-              </a:p>
-            </p:txBody>
-          </p:sp>
-        </p:grpSp>
-      </p:grpSp>
-      <p:cxnSp>
-        <p:nvCxnSpPr>
-          <p:cNvPr id="13" name="直線コネクタ 12"/>
-          <p:cNvCxnSpPr/>
-          <p:nvPr/>
-        </p:nvCxnSpPr>
-        <p:spPr>
-          <a:xfrm>
-            <a:off x="6315075" y="4262438"/>
-            <a:ext cx="2000250" cy="0"/>
-          </a:xfrm>
-          <a:prstGeom prst="line">
-            <a:avLst/>
-          </a:prstGeom>
-          <a:ln>
-            <a:prstDash val="dash"/>
-          </a:ln>
-        </p:spPr>
-        <p:style>
-          <a:lnRef idx="1">
-            <a:schemeClr val="dk1"/>
-          </a:lnRef>
-          <a:fillRef idx="0">
-            <a:schemeClr val="dk1"/>
-          </a:fillRef>
-          <a:effectRef idx="0">
-            <a:schemeClr val="dk1"/>
-          </a:effectRef>
-          <a:fontRef idx="minor">
-            <a:schemeClr val="tx1"/>
-          </a:fontRef>
-        </p:style>
-      </p:cxnSp>
-      <p:grpSp>
-        <p:nvGrpSpPr>
-          <p:cNvPr id="15" name="グループ化 14"/>
-          <p:cNvGrpSpPr/>
-          <p:nvPr/>
-        </p:nvGrpSpPr>
-        <p:grpSpPr>
-          <a:xfrm>
-            <a:off x="6937843" y="3706955"/>
-            <a:ext cx="956216" cy="978611"/>
-            <a:chOff x="4536344" y="5183217"/>
-            <a:chExt cx="956216" cy="978611"/>
-          </a:xfrm>
-        </p:grpSpPr>
-        <p:sp>
-          <p:nvSpPr>
-            <p:cNvPr id="41" name="円弧 40">
-              <a:extLst>
-                <a:ext uri="{FF2B5EF4-FFF2-40B4-BE49-F238E27FC236}">
-                  <a16:creationId xmlns:a16="http://schemas.microsoft.com/office/drawing/2014/main" id="{8EF24A81-B80A-4AE1-B40C-03EC3BC7E03D}"/>
-                </a:ext>
-              </a:extLst>
-            </p:cNvPr>
-            <p:cNvSpPr/>
-            <p:nvPr/>
-          </p:nvSpPr>
-          <p:spPr>
-            <a:xfrm>
-              <a:off x="4536344" y="5287202"/>
-              <a:ext cx="490329" cy="874626"/>
-            </a:xfrm>
-            <a:prstGeom prst="arc">
-              <a:avLst/>
-            </a:prstGeom>
-            <a:ln w="38100">
-              <a:headEnd type="triangle" w="med" len="med"/>
-              <a:tailEnd type="none" w="med" len="med"/>
-            </a:ln>
-          </p:spPr>
-          <p:style>
-            <a:lnRef idx="1">
-              <a:schemeClr val="dk1"/>
-            </a:lnRef>
-            <a:fillRef idx="0">
-              <a:schemeClr val="dk1"/>
-            </a:fillRef>
-            <a:effectRef idx="0">
-              <a:schemeClr val="dk1"/>
-            </a:effectRef>
-            <a:fontRef idx="minor">
-              <a:schemeClr val="tx1"/>
-            </a:fontRef>
-          </p:style>
-          <p:txBody>
-            <a:bodyPr rtlCol="0" anchor="ctr"/>
-            <a:lstStyle/>
-            <a:p>
-              <a:pPr algn="ctr"/>
-              <a:endParaRPr kumimoji="1" lang="ja-JP" altLang="en-US"/>
-            </a:p>
-          </p:txBody>
-        </p:sp>
-        <p:sp>
-          <p:nvSpPr>
-            <p:cNvPr id="42" name="テキスト ボックス 41">
-              <a:extLst>
-                <a:ext uri="{FF2B5EF4-FFF2-40B4-BE49-F238E27FC236}">
-                  <a16:creationId xmlns:a16="http://schemas.microsoft.com/office/drawing/2014/main" id="{EC060A66-2801-49EE-A823-A05C9B0A67BC}"/>
-                </a:ext>
-              </a:extLst>
-            </p:cNvPr>
-            <p:cNvSpPr txBox="1"/>
-            <p:nvPr/>
-          </p:nvSpPr>
-          <p:spPr>
-            <a:xfrm>
-              <a:off x="4977675" y="5183217"/>
-              <a:ext cx="514885" cy="584775"/>
-            </a:xfrm>
-            <a:prstGeom prst="rect">
-              <a:avLst/>
-            </a:prstGeom>
-            <a:noFill/>
-          </p:spPr>
-          <p:txBody>
-            <a:bodyPr wrap="none" rtlCol="0">
-              <a:spAutoFit/>
-            </a:bodyPr>
-            <a:lstStyle/>
-            <a:p>
-              <a:r>
-                <a:rPr kumimoji="1" lang="en-US" altLang="ja-JP" sz="3200" i="1" dirty="0">
-                  <a:latin typeface="Times New Roman" panose="02020603050405020304" pitchFamily="18" charset="0"/>
-                  <a:cs typeface="Times New Roman" panose="02020603050405020304" pitchFamily="18" charset="0"/>
-                </a:rPr>
-                <a:t>θ</a:t>
-              </a:r>
-              <a:r>
-                <a:rPr kumimoji="1" lang="en-US" altLang="ja-JP" sz="2000" i="1" dirty="0">
-                  <a:latin typeface="Times New Roman" panose="02020603050405020304" pitchFamily="18" charset="0"/>
-                  <a:cs typeface="Times New Roman" panose="02020603050405020304" pitchFamily="18" charset="0"/>
-                </a:rPr>
-                <a:t>1</a:t>
-              </a:r>
-              <a:endParaRPr kumimoji="1" lang="ja-JP" altLang="en-US" sz="3200" i="1" dirty="0">
-                <a:latin typeface="Times New Roman" panose="02020603050405020304" pitchFamily="18" charset="0"/>
-                <a:cs typeface="Times New Roman" panose="02020603050405020304" pitchFamily="18" charset="0"/>
-              </a:endParaRPr>
-            </a:p>
-          </p:txBody>
-        </p:sp>
-      </p:grpSp>
-    </p:spTree>
-    <p:extLst>
-      <p:ext uri="{BB962C8B-B14F-4D97-AF65-F5344CB8AC3E}">
-        <p14:creationId xmlns:p14="http://schemas.microsoft.com/office/powerpoint/2010/main" val="595994784"/>
-      </p:ext>
-    </p:extLst>
-  </p:cSld>
-  <p:clrMapOvr>
-    <a:masterClrMapping/>
-  </p:clrMapOvr>
-</p:sld>
-</file>
-
 <file path=ppt/theme/theme1.xml><?xml version="1.0" encoding="utf-8"?>
 <a:theme xmlns:a="http://schemas.openxmlformats.org/drawingml/2006/main" name="Office テーマ">
   <a:themeElements>

--- a/卒研発表tex用_イラスト.pptx
+++ b/卒研発表tex用_イラスト.pptx
@@ -3413,6 +3413,318 @@
           <a:chExt cx="0" cy="0"/>
         </a:xfrm>
       </p:grpSpPr>
+      <p:grpSp>
+        <p:nvGrpSpPr>
+          <p:cNvPr id="22" name="グループ化 21"/>
+          <p:cNvGrpSpPr/>
+          <p:nvPr/>
+        </p:nvGrpSpPr>
+        <p:grpSpPr>
+          <a:xfrm>
+            <a:off x="360365" y="1423987"/>
+            <a:ext cx="3552825" cy="3552825"/>
+            <a:chOff x="1848530" y="1423987"/>
+            <a:chExt cx="3552825" cy="3552825"/>
+          </a:xfrm>
+        </p:grpSpPr>
+        <p:pic>
+          <p:nvPicPr>
+            <p:cNvPr id="9" name="図 8"/>
+            <p:cNvPicPr>
+              <a:picLocks noChangeAspect="1"/>
+            </p:cNvPicPr>
+            <p:nvPr/>
+          </p:nvPicPr>
+          <p:blipFill>
+            <a:blip r:embed="rId2"/>
+            <a:stretch>
+              <a:fillRect/>
+            </a:stretch>
+          </p:blipFill>
+          <p:spPr>
+            <a:xfrm>
+              <a:off x="1848530" y="1423987"/>
+              <a:ext cx="3552825" cy="3552825"/>
+            </a:xfrm>
+            <a:prstGeom prst="rect">
+              <a:avLst/>
+            </a:prstGeom>
+          </p:spPr>
+        </p:pic>
+        <p:grpSp>
+          <p:nvGrpSpPr>
+            <p:cNvPr id="14" name="グループ化 13"/>
+            <p:cNvGrpSpPr/>
+            <p:nvPr/>
+          </p:nvGrpSpPr>
+          <p:grpSpPr>
+            <a:xfrm>
+              <a:off x="2302325" y="1943097"/>
+              <a:ext cx="2612573" cy="2612573"/>
+              <a:chOff x="2302325" y="1943097"/>
+              <a:chExt cx="2612573" cy="2612573"/>
+            </a:xfrm>
+          </p:grpSpPr>
+          <p:cxnSp>
+            <p:nvCxnSpPr>
+              <p:cNvPr id="7" name="直線矢印コネクタ 6"/>
+              <p:cNvCxnSpPr/>
+              <p:nvPr/>
+            </p:nvCxnSpPr>
+            <p:spPr>
+              <a:xfrm>
+                <a:off x="3608612" y="1943097"/>
+                <a:ext cx="0" cy="2612573"/>
+              </a:xfrm>
+              <a:prstGeom prst="straightConnector1">
+                <a:avLst/>
+              </a:prstGeom>
+              <a:ln w="57150">
+                <a:headEnd type="triangle"/>
+                <a:tailEnd type="triangle"/>
+              </a:ln>
+            </p:spPr>
+            <p:style>
+              <a:lnRef idx="1">
+                <a:schemeClr val="dk1"/>
+              </a:lnRef>
+              <a:fillRef idx="0">
+                <a:schemeClr val="dk1"/>
+              </a:fillRef>
+              <a:effectRef idx="0">
+                <a:schemeClr val="dk1"/>
+              </a:effectRef>
+              <a:fontRef idx="minor">
+                <a:schemeClr val="tx1"/>
+              </a:fontRef>
+            </p:style>
+          </p:cxnSp>
+          <p:cxnSp>
+            <p:nvCxnSpPr>
+              <p:cNvPr id="11" name="直線矢印コネクタ 10"/>
+              <p:cNvCxnSpPr/>
+              <p:nvPr/>
+            </p:nvCxnSpPr>
+            <p:spPr>
+              <a:xfrm rot="16200000">
+                <a:off x="3608612" y="1894112"/>
+                <a:ext cx="0" cy="2612573"/>
+              </a:xfrm>
+              <a:prstGeom prst="straightConnector1">
+                <a:avLst/>
+              </a:prstGeom>
+              <a:ln w="57150">
+                <a:headEnd type="triangle"/>
+                <a:tailEnd type="triangle"/>
+              </a:ln>
+            </p:spPr>
+            <p:style>
+              <a:lnRef idx="1">
+                <a:schemeClr val="dk1"/>
+              </a:lnRef>
+              <a:fillRef idx="0">
+                <a:schemeClr val="dk1"/>
+              </a:fillRef>
+              <a:effectRef idx="0">
+                <a:schemeClr val="dk1"/>
+              </a:effectRef>
+              <a:fontRef idx="minor">
+                <a:schemeClr val="tx1"/>
+              </a:fontRef>
+            </p:style>
+          </p:cxnSp>
+        </p:grpSp>
+      </p:grpSp>
+      <p:grpSp>
+        <p:nvGrpSpPr>
+          <p:cNvPr id="21" name="グループ化 20"/>
+          <p:cNvGrpSpPr/>
+          <p:nvPr/>
+        </p:nvGrpSpPr>
+        <p:grpSpPr>
+          <a:xfrm>
+            <a:off x="4261190" y="1423985"/>
+            <a:ext cx="3552825" cy="3552825"/>
+            <a:chOff x="1200830" y="1456644"/>
+            <a:chExt cx="3552825" cy="3552825"/>
+          </a:xfrm>
+        </p:grpSpPr>
+        <p:pic>
+          <p:nvPicPr>
+            <p:cNvPr id="15" name="図 14"/>
+            <p:cNvPicPr>
+              <a:picLocks noChangeAspect="1"/>
+            </p:cNvPicPr>
+            <p:nvPr/>
+          </p:nvPicPr>
+          <p:blipFill>
+            <a:blip r:embed="rId3"/>
+            <a:stretch>
+              <a:fillRect/>
+            </a:stretch>
+          </p:blipFill>
+          <p:spPr>
+            <a:xfrm>
+              <a:off x="1200830" y="1456644"/>
+              <a:ext cx="3552825" cy="3552825"/>
+            </a:xfrm>
+            <a:prstGeom prst="rect">
+              <a:avLst/>
+            </a:prstGeom>
+          </p:spPr>
+        </p:pic>
+        <p:grpSp>
+          <p:nvGrpSpPr>
+            <p:cNvPr id="16" name="グループ化 15"/>
+            <p:cNvGrpSpPr/>
+            <p:nvPr/>
+          </p:nvGrpSpPr>
+          <p:grpSpPr>
+            <a:xfrm>
+              <a:off x="1670955" y="1926769"/>
+              <a:ext cx="2612573" cy="2612574"/>
+              <a:chOff x="2302325" y="1943096"/>
+              <a:chExt cx="2612573" cy="2612574"/>
+            </a:xfrm>
+          </p:grpSpPr>
+          <p:cxnSp>
+            <p:nvCxnSpPr>
+              <p:cNvPr id="17" name="直線矢印コネクタ 16"/>
+              <p:cNvCxnSpPr/>
+              <p:nvPr/>
+            </p:nvCxnSpPr>
+            <p:spPr>
+              <a:xfrm>
+                <a:off x="3608612" y="1943097"/>
+                <a:ext cx="0" cy="2612573"/>
+              </a:xfrm>
+              <a:prstGeom prst="straightConnector1">
+                <a:avLst/>
+              </a:prstGeom>
+              <a:ln w="57150">
+                <a:headEnd type="triangle"/>
+                <a:tailEnd type="triangle"/>
+              </a:ln>
+            </p:spPr>
+            <p:style>
+              <a:lnRef idx="1">
+                <a:schemeClr val="dk1"/>
+              </a:lnRef>
+              <a:fillRef idx="0">
+                <a:schemeClr val="dk1"/>
+              </a:fillRef>
+              <a:effectRef idx="0">
+                <a:schemeClr val="dk1"/>
+              </a:effectRef>
+              <a:fontRef idx="minor">
+                <a:schemeClr val="tx1"/>
+              </a:fontRef>
+            </p:style>
+          </p:cxnSp>
+          <p:cxnSp>
+            <p:nvCxnSpPr>
+              <p:cNvPr id="18" name="直線矢印コネクタ 17"/>
+              <p:cNvCxnSpPr/>
+              <p:nvPr/>
+            </p:nvCxnSpPr>
+            <p:spPr>
+              <a:xfrm rot="16200000">
+                <a:off x="3608612" y="1894112"/>
+                <a:ext cx="0" cy="2612573"/>
+              </a:xfrm>
+              <a:prstGeom prst="straightConnector1">
+                <a:avLst/>
+              </a:prstGeom>
+              <a:ln w="57150">
+                <a:headEnd type="triangle"/>
+                <a:tailEnd type="triangle"/>
+              </a:ln>
+            </p:spPr>
+            <p:style>
+              <a:lnRef idx="1">
+                <a:schemeClr val="dk1"/>
+              </a:lnRef>
+              <a:fillRef idx="0">
+                <a:schemeClr val="dk1"/>
+              </a:fillRef>
+              <a:effectRef idx="0">
+                <a:schemeClr val="dk1"/>
+              </a:effectRef>
+              <a:fontRef idx="minor">
+                <a:schemeClr val="tx1"/>
+              </a:fontRef>
+            </p:style>
+          </p:cxnSp>
+          <p:cxnSp>
+            <p:nvCxnSpPr>
+              <p:cNvPr id="19" name="直線矢印コネクタ 18"/>
+              <p:cNvCxnSpPr/>
+              <p:nvPr/>
+            </p:nvCxnSpPr>
+            <p:spPr>
+              <a:xfrm rot="2700000">
+                <a:off x="3608612" y="1943096"/>
+                <a:ext cx="0" cy="2612573"/>
+              </a:xfrm>
+              <a:prstGeom prst="straightConnector1">
+                <a:avLst/>
+              </a:prstGeom>
+              <a:ln w="57150">
+                <a:headEnd type="triangle"/>
+                <a:tailEnd type="triangle"/>
+              </a:ln>
+            </p:spPr>
+            <p:style>
+              <a:lnRef idx="1">
+                <a:schemeClr val="dk1"/>
+              </a:lnRef>
+              <a:fillRef idx="0">
+                <a:schemeClr val="dk1"/>
+              </a:fillRef>
+              <a:effectRef idx="0">
+                <a:schemeClr val="dk1"/>
+              </a:effectRef>
+              <a:fontRef idx="minor">
+                <a:schemeClr val="tx1"/>
+              </a:fontRef>
+            </p:style>
+          </p:cxnSp>
+          <p:cxnSp>
+            <p:nvCxnSpPr>
+              <p:cNvPr id="20" name="直線矢印コネクタ 19"/>
+              <p:cNvCxnSpPr/>
+              <p:nvPr/>
+            </p:nvCxnSpPr>
+            <p:spPr>
+              <a:xfrm rot="18900000" flipH="1">
+                <a:off x="3624942" y="1943096"/>
+                <a:ext cx="0" cy="2612573"/>
+              </a:xfrm>
+              <a:prstGeom prst="straightConnector1">
+                <a:avLst/>
+              </a:prstGeom>
+              <a:ln w="57150">
+                <a:headEnd type="triangle"/>
+                <a:tailEnd type="triangle"/>
+              </a:ln>
+            </p:spPr>
+            <p:style>
+              <a:lnRef idx="1">
+                <a:schemeClr val="dk1"/>
+              </a:lnRef>
+              <a:fillRef idx="0">
+                <a:schemeClr val="dk1"/>
+              </a:fillRef>
+              <a:effectRef idx="0">
+                <a:schemeClr val="dk1"/>
+              </a:effectRef>
+              <a:fontRef idx="minor">
+                <a:schemeClr val="tx1"/>
+              </a:fontRef>
+            </p:style>
+          </p:cxnSp>
+        </p:grpSp>
+      </p:grpSp>
     </p:spTree>
     <p:extLst>
       <p:ext uri="{BB962C8B-B14F-4D97-AF65-F5344CB8AC3E}">
@@ -3423,6 +3735,13 @@
   <p:clrMapOvr>
     <a:masterClrMapping/>
   </p:clrMapOvr>
+  <p:timing>
+    <p:tnLst>
+      <p:par>
+        <p:cTn id="1" dur="indefinite" restart="never" nodeType="tmRoot"/>
+      </p:par>
+    </p:tnLst>
+  </p:timing>
 </p:sld>
 </file>
 
@@ -7947,6 +8266,13 @@
   <p:clrMapOvr>
     <a:masterClrMapping/>
   </p:clrMapOvr>
+  <p:timing>
+    <p:tnLst>
+      <p:par>
+        <p:cTn id="1" dur="indefinite" restart="never" nodeType="tmRoot"/>
+      </p:par>
+    </p:tnLst>
+  </p:timing>
 </p:sld>
 </file>
 

--- a/卒研発表tex用_イラスト.pptx
+++ b/卒研発表tex用_イラスト.pptx
@@ -5,19 +5,33 @@
     <p:sldMasterId id="2147483648" r:id="rId1"/>
   </p:sldMasterIdLst>
   <p:handoutMasterIdLst>
-    <p:handoutMasterId r:id="rId12"/>
+    <p:handoutMasterId r:id="rId26"/>
   </p:handoutMasterIdLst>
   <p:sldIdLst>
-    <p:sldId id="292" r:id="rId2"/>
-    <p:sldId id="291" r:id="rId3"/>
-    <p:sldId id="264" r:id="rId4"/>
-    <p:sldId id="265" r:id="rId5"/>
-    <p:sldId id="258" r:id="rId6"/>
-    <p:sldId id="259" r:id="rId7"/>
-    <p:sldId id="260" r:id="rId8"/>
-    <p:sldId id="261" r:id="rId9"/>
-    <p:sldId id="262" r:id="rId10"/>
-    <p:sldId id="263" r:id="rId11"/>
+    <p:sldId id="294" r:id="rId2"/>
+    <p:sldId id="295" r:id="rId3"/>
+    <p:sldId id="296" r:id="rId4"/>
+    <p:sldId id="297" r:id="rId5"/>
+    <p:sldId id="298" r:id="rId6"/>
+    <p:sldId id="299" r:id="rId7"/>
+    <p:sldId id="300" r:id="rId8"/>
+    <p:sldId id="301" r:id="rId9"/>
+    <p:sldId id="302" r:id="rId10"/>
+    <p:sldId id="303" r:id="rId11"/>
+    <p:sldId id="304" r:id="rId12"/>
+    <p:sldId id="305" r:id="rId13"/>
+    <p:sldId id="306" r:id="rId14"/>
+    <p:sldId id="293" r:id="rId15"/>
+    <p:sldId id="265" r:id="rId16"/>
+    <p:sldId id="292" r:id="rId17"/>
+    <p:sldId id="291" r:id="rId18"/>
+    <p:sldId id="264" r:id="rId19"/>
+    <p:sldId id="258" r:id="rId20"/>
+    <p:sldId id="259" r:id="rId21"/>
+    <p:sldId id="260" r:id="rId22"/>
+    <p:sldId id="261" r:id="rId23"/>
+    <p:sldId id="262" r:id="rId24"/>
+    <p:sldId id="263" r:id="rId25"/>
   </p:sldIdLst>
   <p:sldSz cx="12192000" cy="6858000"/>
   <p:notesSz cx="7099300" cy="10234613"/>
@@ -206,7 +220,7 @@
           <a:p>
             <a:fld id="{B5E7AF8B-FD9C-4188-8BA3-79A46472192F}" type="datetimeFigureOut">
               <a:rPr kumimoji="1" lang="ja-JP" altLang="en-US" smtClean="0"/>
-              <a:t>2020/1/21</a:t>
+              <a:t>2020/1/23</a:t>
             </a:fld>
             <a:endParaRPr kumimoji="1" lang="ja-JP" altLang="en-US"/>
           </a:p>
@@ -418,7 +432,7 @@
           <a:p>
             <a:fld id="{1019A24B-2DB6-47C4-AADA-142B59CEEE3F}" type="datetimeFigureOut">
               <a:rPr kumimoji="1" lang="ja-JP" altLang="en-US" smtClean="0"/>
-              <a:t>2020/1/21</a:t>
+              <a:t>2020/1/23</a:t>
             </a:fld>
             <a:endParaRPr kumimoji="1" lang="ja-JP" altLang="en-US"/>
           </a:p>
@@ -618,7 +632,7 @@
           <a:p>
             <a:fld id="{1019A24B-2DB6-47C4-AADA-142B59CEEE3F}" type="datetimeFigureOut">
               <a:rPr kumimoji="1" lang="ja-JP" altLang="en-US" smtClean="0"/>
-              <a:t>2020/1/21</a:t>
+              <a:t>2020/1/23</a:t>
             </a:fld>
             <a:endParaRPr kumimoji="1" lang="ja-JP" altLang="en-US"/>
           </a:p>
@@ -828,7 +842,7 @@
           <a:p>
             <a:fld id="{1019A24B-2DB6-47C4-AADA-142B59CEEE3F}" type="datetimeFigureOut">
               <a:rPr kumimoji="1" lang="ja-JP" altLang="en-US" smtClean="0"/>
-              <a:t>2020/1/21</a:t>
+              <a:t>2020/1/23</a:t>
             </a:fld>
             <a:endParaRPr kumimoji="1" lang="ja-JP" altLang="en-US"/>
           </a:p>
@@ -1028,7 +1042,7 @@
           <a:p>
             <a:fld id="{1019A24B-2DB6-47C4-AADA-142B59CEEE3F}" type="datetimeFigureOut">
               <a:rPr kumimoji="1" lang="ja-JP" altLang="en-US" smtClean="0"/>
-              <a:t>2020/1/21</a:t>
+              <a:t>2020/1/23</a:t>
             </a:fld>
             <a:endParaRPr kumimoji="1" lang="ja-JP" altLang="en-US"/>
           </a:p>
@@ -1273,7 +1287,7 @@
           <a:p>
             <a:fld id="{1019A24B-2DB6-47C4-AADA-142B59CEEE3F}" type="datetimeFigureOut">
               <a:rPr kumimoji="1" lang="ja-JP" altLang="en-US" smtClean="0"/>
-              <a:t>2020/1/21</a:t>
+              <a:t>2020/1/23</a:t>
             </a:fld>
             <a:endParaRPr kumimoji="1" lang="ja-JP" altLang="en-US"/>
           </a:p>
@@ -1566,7 +1580,7 @@
           <a:p>
             <a:fld id="{1019A24B-2DB6-47C4-AADA-142B59CEEE3F}" type="datetimeFigureOut">
               <a:rPr kumimoji="1" lang="ja-JP" altLang="en-US" smtClean="0"/>
-              <a:t>2020/1/21</a:t>
+              <a:t>2020/1/23</a:t>
             </a:fld>
             <a:endParaRPr kumimoji="1" lang="ja-JP" altLang="en-US"/>
           </a:p>
@@ -1994,7 +2008,7 @@
           <a:p>
             <a:fld id="{1019A24B-2DB6-47C4-AADA-142B59CEEE3F}" type="datetimeFigureOut">
               <a:rPr kumimoji="1" lang="ja-JP" altLang="en-US" smtClean="0"/>
-              <a:t>2020/1/21</a:t>
+              <a:t>2020/1/23</a:t>
             </a:fld>
             <a:endParaRPr kumimoji="1" lang="ja-JP" altLang="en-US"/>
           </a:p>
@@ -2111,7 +2125,7 @@
           <a:p>
             <a:fld id="{1019A24B-2DB6-47C4-AADA-142B59CEEE3F}" type="datetimeFigureOut">
               <a:rPr kumimoji="1" lang="ja-JP" altLang="en-US" smtClean="0"/>
-              <a:t>2020/1/21</a:t>
+              <a:t>2020/1/23</a:t>
             </a:fld>
             <a:endParaRPr kumimoji="1" lang="ja-JP" altLang="en-US"/>
           </a:p>
@@ -2206,7 +2220,7 @@
           <a:p>
             <a:fld id="{1019A24B-2DB6-47C4-AADA-142B59CEEE3F}" type="datetimeFigureOut">
               <a:rPr kumimoji="1" lang="ja-JP" altLang="en-US" smtClean="0"/>
-              <a:t>2020/1/21</a:t>
+              <a:t>2020/1/23</a:t>
             </a:fld>
             <a:endParaRPr kumimoji="1" lang="ja-JP" altLang="en-US"/>
           </a:p>
@@ -2513,7 +2527,7 @@
           <a:p>
             <a:fld id="{1019A24B-2DB6-47C4-AADA-142B59CEEE3F}" type="datetimeFigureOut">
               <a:rPr kumimoji="1" lang="ja-JP" altLang="en-US" smtClean="0"/>
-              <a:t>2020/1/21</a:t>
+              <a:t>2020/1/23</a:t>
             </a:fld>
             <a:endParaRPr kumimoji="1" lang="ja-JP" altLang="en-US"/>
           </a:p>
@@ -2765,7 +2779,7 @@
           <a:p>
             <a:fld id="{1019A24B-2DB6-47C4-AADA-142B59CEEE3F}" type="datetimeFigureOut">
               <a:rPr kumimoji="1" lang="ja-JP" altLang="en-US" smtClean="0"/>
-              <a:t>2020/1/21</a:t>
+              <a:t>2020/1/23</a:t>
             </a:fld>
             <a:endParaRPr kumimoji="1" lang="ja-JP" altLang="en-US"/>
           </a:p>
@@ -3008,7 +3022,7 @@
           <a:p>
             <a:fld id="{1019A24B-2DB6-47C4-AADA-142B59CEEE3F}" type="datetimeFigureOut">
               <a:rPr kumimoji="1" lang="ja-JP" altLang="en-US" smtClean="0"/>
-              <a:t>2020/1/21</a:t>
+              <a:t>2020/1/23</a:t>
             </a:fld>
             <a:endParaRPr kumimoji="1" lang="ja-JP" altLang="en-US"/>
           </a:p>
@@ -3413,6 +3427,2813 @@
           <a:chExt cx="0" cy="0"/>
         </a:xfrm>
       </p:grpSpPr>
+      <p:pic>
+        <p:nvPicPr>
+          <p:cNvPr id="3" name="図 2" descr="パソコンの画面&#10;&#10;自動的に生成された説明">
+            <a:extLst>
+              <a:ext uri="{FF2B5EF4-FFF2-40B4-BE49-F238E27FC236}">
+                <a16:creationId xmlns:a16="http://schemas.microsoft.com/office/drawing/2014/main" id="{478C837E-9BA1-4786-BBAD-7B10DC48ED9E}"/>
+              </a:ext>
+            </a:extLst>
+          </p:cNvPr>
+          <p:cNvPicPr>
+            <a:picLocks noChangeAspect="1"/>
+          </p:cNvPicPr>
+          <p:nvPr/>
+        </p:nvPicPr>
+        <p:blipFill>
+          <a:blip r:embed="rId2">
+            <a:extLst>
+              <a:ext uri="{28A0092B-C50C-407E-A947-70E740481C1C}">
+                <a14:useLocalDpi xmlns:a14="http://schemas.microsoft.com/office/drawing/2010/main" val="0"/>
+              </a:ext>
+            </a:extLst>
+          </a:blip>
+          <a:stretch>
+            <a:fillRect/>
+          </a:stretch>
+        </p:blipFill>
+        <p:spPr>
+          <a:xfrm>
+            <a:off x="370676" y="490127"/>
+            <a:ext cx="11450648" cy="5877745"/>
+          </a:xfrm>
+          <a:prstGeom prst="rect">
+            <a:avLst/>
+          </a:prstGeom>
+        </p:spPr>
+      </p:pic>
+      <p:grpSp>
+        <p:nvGrpSpPr>
+          <p:cNvPr id="15" name="グループ化 14">
+            <a:extLst>
+              <a:ext uri="{FF2B5EF4-FFF2-40B4-BE49-F238E27FC236}">
+                <a16:creationId xmlns:a16="http://schemas.microsoft.com/office/drawing/2014/main" id="{5B3A9052-C9CB-45AD-8CE8-E79FBF7FA4C4}"/>
+              </a:ext>
+            </a:extLst>
+          </p:cNvPr>
+          <p:cNvGrpSpPr/>
+          <p:nvPr/>
+        </p:nvGrpSpPr>
+        <p:grpSpPr>
+          <a:xfrm>
+            <a:off x="370676" y="0"/>
+            <a:ext cx="8604922" cy="5018285"/>
+            <a:chOff x="370676" y="0"/>
+            <a:chExt cx="8604922" cy="5018285"/>
+          </a:xfrm>
+        </p:grpSpPr>
+        <p:sp>
+          <p:nvSpPr>
+            <p:cNvPr id="4" name="テキスト ボックス 3">
+              <a:extLst>
+                <a:ext uri="{FF2B5EF4-FFF2-40B4-BE49-F238E27FC236}">
+                  <a16:creationId xmlns:a16="http://schemas.microsoft.com/office/drawing/2014/main" id="{F6F41264-AADF-4F02-8D18-C290988CA8A6}"/>
+                </a:ext>
+              </a:extLst>
+            </p:cNvPr>
+            <p:cNvSpPr txBox="1"/>
+            <p:nvPr/>
+          </p:nvSpPr>
+          <p:spPr>
+            <a:xfrm>
+              <a:off x="370676" y="0"/>
+              <a:ext cx="3416320" cy="523220"/>
+            </a:xfrm>
+            <a:prstGeom prst="rect">
+              <a:avLst/>
+            </a:prstGeom>
+            <a:noFill/>
+          </p:spPr>
+          <p:txBody>
+            <a:bodyPr wrap="none" rtlCol="0">
+              <a:spAutoFit/>
+            </a:bodyPr>
+            <a:lstStyle/>
+            <a:p>
+              <a:r>
+                <a:rPr kumimoji="1" lang="ja-JP" altLang="en-US" sz="2800" b="1" dirty="0"/>
+                <a:t>クリニカ　包装なし</a:t>
+              </a:r>
+            </a:p>
+          </p:txBody>
+        </p:sp>
+        <p:sp>
+          <p:nvSpPr>
+            <p:cNvPr id="5" name="テキスト ボックス 4">
+              <a:extLst>
+                <a:ext uri="{FF2B5EF4-FFF2-40B4-BE49-F238E27FC236}">
+                  <a16:creationId xmlns:a16="http://schemas.microsoft.com/office/drawing/2014/main" id="{A1ECE7FD-D676-4326-86D2-1D5AA066C555}"/>
+                </a:ext>
+              </a:extLst>
+            </p:cNvPr>
+            <p:cNvSpPr txBox="1"/>
+            <p:nvPr/>
+          </p:nvSpPr>
+          <p:spPr>
+            <a:xfrm>
+              <a:off x="504026" y="644015"/>
+              <a:ext cx="686406" cy="369332"/>
+            </a:xfrm>
+            <a:prstGeom prst="rect">
+              <a:avLst/>
+            </a:prstGeom>
+            <a:noFill/>
+          </p:spPr>
+          <p:txBody>
+            <a:bodyPr wrap="none" rtlCol="0">
+              <a:spAutoFit/>
+            </a:bodyPr>
+            <a:lstStyle/>
+            <a:p>
+              <a:r>
+                <a:rPr lang="en-US" altLang="ja-JP" b="1" dirty="0"/>
+                <a:t>RGB</a:t>
+              </a:r>
+              <a:endParaRPr kumimoji="1" lang="ja-JP" altLang="en-US" b="1" dirty="0"/>
+            </a:p>
+          </p:txBody>
+        </p:sp>
+        <p:sp>
+          <p:nvSpPr>
+            <p:cNvPr id="6" name="テキスト ボックス 5">
+              <a:extLst>
+                <a:ext uri="{FF2B5EF4-FFF2-40B4-BE49-F238E27FC236}">
+                  <a16:creationId xmlns:a16="http://schemas.microsoft.com/office/drawing/2014/main" id="{7F40C6D7-C2E3-440B-A267-8049BDC27283}"/>
+                </a:ext>
+              </a:extLst>
+            </p:cNvPr>
+            <p:cNvSpPr txBox="1"/>
+            <p:nvPr/>
+          </p:nvSpPr>
+          <p:spPr>
+            <a:xfrm>
+              <a:off x="4352126" y="649855"/>
+              <a:ext cx="684803" cy="369332"/>
+            </a:xfrm>
+            <a:prstGeom prst="rect">
+              <a:avLst/>
+            </a:prstGeom>
+            <a:noFill/>
+          </p:spPr>
+          <p:txBody>
+            <a:bodyPr wrap="none" rtlCol="0">
+              <a:spAutoFit/>
+            </a:bodyPr>
+            <a:lstStyle/>
+            <a:p>
+              <a:r>
+                <a:rPr lang="en-US" altLang="ja-JP" b="1" dirty="0" err="1"/>
+                <a:t>Glay</a:t>
+              </a:r>
+              <a:endParaRPr kumimoji="1" lang="ja-JP" altLang="en-US" b="1" dirty="0"/>
+            </a:p>
+          </p:txBody>
+        </p:sp>
+        <p:sp>
+          <p:nvSpPr>
+            <p:cNvPr id="7" name="テキスト ボックス 6">
+              <a:extLst>
+                <a:ext uri="{FF2B5EF4-FFF2-40B4-BE49-F238E27FC236}">
+                  <a16:creationId xmlns:a16="http://schemas.microsoft.com/office/drawing/2014/main" id="{032F5A1C-F422-49CA-ABB8-849B1C750ABB}"/>
+                </a:ext>
+              </a:extLst>
+            </p:cNvPr>
+            <p:cNvSpPr txBox="1"/>
+            <p:nvPr/>
+          </p:nvSpPr>
+          <p:spPr>
+            <a:xfrm>
+              <a:off x="8198623" y="644015"/>
+              <a:ext cx="649537" cy="369332"/>
+            </a:xfrm>
+            <a:prstGeom prst="rect">
+              <a:avLst/>
+            </a:prstGeom>
+            <a:noFill/>
+          </p:spPr>
+          <p:txBody>
+            <a:bodyPr wrap="none" rtlCol="0">
+              <a:spAutoFit/>
+            </a:bodyPr>
+            <a:lstStyle/>
+            <a:p>
+              <a:r>
+                <a:rPr lang="en-US" altLang="ja-JP" b="1" dirty="0"/>
+                <a:t>XYZ</a:t>
+              </a:r>
+              <a:endParaRPr kumimoji="1" lang="ja-JP" altLang="en-US" b="1" dirty="0"/>
+            </a:p>
+          </p:txBody>
+        </p:sp>
+        <p:sp>
+          <p:nvSpPr>
+            <p:cNvPr id="8" name="テキスト ボックス 7">
+              <a:extLst>
+                <a:ext uri="{FF2B5EF4-FFF2-40B4-BE49-F238E27FC236}">
+                  <a16:creationId xmlns:a16="http://schemas.microsoft.com/office/drawing/2014/main" id="{C0378799-FEA9-43D3-B717-E9417D053523}"/>
+                </a:ext>
+              </a:extLst>
+            </p:cNvPr>
+            <p:cNvSpPr txBox="1"/>
+            <p:nvPr/>
+          </p:nvSpPr>
+          <p:spPr>
+            <a:xfrm>
+              <a:off x="522460" y="2646484"/>
+              <a:ext cx="675185" cy="369332"/>
+            </a:xfrm>
+            <a:prstGeom prst="rect">
+              <a:avLst/>
+            </a:prstGeom>
+            <a:noFill/>
+          </p:spPr>
+          <p:txBody>
+            <a:bodyPr wrap="none" rtlCol="0">
+              <a:spAutoFit/>
+            </a:bodyPr>
+            <a:lstStyle/>
+            <a:p>
+              <a:r>
+                <a:rPr kumimoji="1" lang="en-US" altLang="ja-JP" b="1" dirty="0"/>
+                <a:t>HSV</a:t>
+              </a:r>
+              <a:endParaRPr kumimoji="1" lang="ja-JP" altLang="en-US" b="1" dirty="0"/>
+            </a:p>
+          </p:txBody>
+        </p:sp>
+        <p:sp>
+          <p:nvSpPr>
+            <p:cNvPr id="9" name="テキスト ボックス 8">
+              <a:extLst>
+                <a:ext uri="{FF2B5EF4-FFF2-40B4-BE49-F238E27FC236}">
+                  <a16:creationId xmlns:a16="http://schemas.microsoft.com/office/drawing/2014/main" id="{B8175AEB-4451-428D-8044-7B56EFDE5E33}"/>
+                </a:ext>
+              </a:extLst>
+            </p:cNvPr>
+            <p:cNvSpPr txBox="1"/>
+            <p:nvPr/>
+          </p:nvSpPr>
+          <p:spPr>
+            <a:xfrm>
+              <a:off x="4352126" y="2646484"/>
+              <a:ext cx="660758" cy="369332"/>
+            </a:xfrm>
+            <a:prstGeom prst="rect">
+              <a:avLst/>
+            </a:prstGeom>
+            <a:noFill/>
+          </p:spPr>
+          <p:txBody>
+            <a:bodyPr wrap="none" rtlCol="0">
+              <a:spAutoFit/>
+            </a:bodyPr>
+            <a:lstStyle/>
+            <a:p>
+              <a:r>
+                <a:rPr lang="en-US" altLang="ja-JP" b="1" dirty="0"/>
+                <a:t>HLS</a:t>
+              </a:r>
+              <a:endParaRPr kumimoji="1" lang="ja-JP" altLang="en-US" b="1" dirty="0"/>
+            </a:p>
+          </p:txBody>
+        </p:sp>
+        <p:sp>
+          <p:nvSpPr>
+            <p:cNvPr id="10" name="テキスト ボックス 9">
+              <a:extLst>
+                <a:ext uri="{FF2B5EF4-FFF2-40B4-BE49-F238E27FC236}">
+                  <a16:creationId xmlns:a16="http://schemas.microsoft.com/office/drawing/2014/main" id="{E385D88B-6492-4789-A41B-BB7F3A85D53E}"/>
+                </a:ext>
+              </a:extLst>
+            </p:cNvPr>
+            <p:cNvSpPr txBox="1"/>
+            <p:nvPr/>
+          </p:nvSpPr>
+          <p:spPr>
+            <a:xfrm>
+              <a:off x="8071183" y="2646484"/>
+              <a:ext cx="904415" cy="369332"/>
+            </a:xfrm>
+            <a:prstGeom prst="rect">
+              <a:avLst/>
+            </a:prstGeom>
+            <a:noFill/>
+          </p:spPr>
+          <p:txBody>
+            <a:bodyPr wrap="none" rtlCol="0">
+              <a:spAutoFit/>
+            </a:bodyPr>
+            <a:lstStyle/>
+            <a:p>
+              <a:r>
+                <a:rPr lang="en-US" altLang="ja-JP" b="1" dirty="0" err="1"/>
+                <a:t>YCrCb</a:t>
+              </a:r>
+              <a:endParaRPr kumimoji="1" lang="ja-JP" altLang="en-US" b="1" dirty="0"/>
+            </a:p>
+          </p:txBody>
+        </p:sp>
+        <p:sp>
+          <p:nvSpPr>
+            <p:cNvPr id="12" name="テキスト ボックス 11">
+              <a:extLst>
+                <a:ext uri="{FF2B5EF4-FFF2-40B4-BE49-F238E27FC236}">
+                  <a16:creationId xmlns:a16="http://schemas.microsoft.com/office/drawing/2014/main" id="{CCF4CFD7-8C7C-41ED-BA5E-5C4D8AC59D1E}"/>
+                </a:ext>
+              </a:extLst>
+            </p:cNvPr>
+            <p:cNvSpPr txBox="1"/>
+            <p:nvPr/>
+          </p:nvSpPr>
+          <p:spPr>
+            <a:xfrm>
+              <a:off x="504026" y="4648953"/>
+              <a:ext cx="665567" cy="369332"/>
+            </a:xfrm>
+            <a:prstGeom prst="rect">
+              <a:avLst/>
+            </a:prstGeom>
+            <a:noFill/>
+          </p:spPr>
+          <p:txBody>
+            <a:bodyPr wrap="none" rtlCol="0">
+              <a:spAutoFit/>
+            </a:bodyPr>
+            <a:lstStyle/>
+            <a:p>
+              <a:r>
+                <a:rPr lang="en-US" altLang="ja-JP" b="1" dirty="0"/>
+                <a:t>LUV</a:t>
+              </a:r>
+              <a:endParaRPr kumimoji="1" lang="ja-JP" altLang="en-US" b="1" dirty="0"/>
+            </a:p>
+          </p:txBody>
+        </p:sp>
+        <p:sp>
+          <p:nvSpPr>
+            <p:cNvPr id="13" name="テキスト ボックス 12">
+              <a:extLst>
+                <a:ext uri="{FF2B5EF4-FFF2-40B4-BE49-F238E27FC236}">
+                  <a16:creationId xmlns:a16="http://schemas.microsoft.com/office/drawing/2014/main" id="{3E0320B6-875B-4708-A05D-19272C558BBA}"/>
+                </a:ext>
+              </a:extLst>
+            </p:cNvPr>
+            <p:cNvSpPr txBox="1"/>
+            <p:nvPr/>
+          </p:nvSpPr>
+          <p:spPr>
+            <a:xfrm>
+              <a:off x="4356935" y="4643113"/>
+              <a:ext cx="651140" cy="369332"/>
+            </a:xfrm>
+            <a:prstGeom prst="rect">
+              <a:avLst/>
+            </a:prstGeom>
+            <a:noFill/>
+          </p:spPr>
+          <p:txBody>
+            <a:bodyPr wrap="none" rtlCol="0">
+              <a:spAutoFit/>
+            </a:bodyPr>
+            <a:lstStyle/>
+            <a:p>
+              <a:r>
+                <a:rPr kumimoji="1" lang="en-US" altLang="ja-JP" b="1" dirty="0"/>
+                <a:t>LAB</a:t>
+              </a:r>
+              <a:endParaRPr kumimoji="1" lang="ja-JP" altLang="en-US" b="1" dirty="0"/>
+            </a:p>
+          </p:txBody>
+        </p:sp>
+        <p:sp>
+          <p:nvSpPr>
+            <p:cNvPr id="14" name="テキスト ボックス 13">
+              <a:extLst>
+                <a:ext uri="{FF2B5EF4-FFF2-40B4-BE49-F238E27FC236}">
+                  <a16:creationId xmlns:a16="http://schemas.microsoft.com/office/drawing/2014/main" id="{11D8F7CE-478D-4112-8A50-E07D629DF03E}"/>
+                </a:ext>
+              </a:extLst>
+            </p:cNvPr>
+            <p:cNvSpPr txBox="1"/>
+            <p:nvPr/>
+          </p:nvSpPr>
+          <p:spPr>
+            <a:xfrm>
+              <a:off x="8197820" y="4643113"/>
+              <a:ext cx="679994" cy="369332"/>
+            </a:xfrm>
+            <a:prstGeom prst="rect">
+              <a:avLst/>
+            </a:prstGeom>
+            <a:noFill/>
+          </p:spPr>
+          <p:txBody>
+            <a:bodyPr wrap="none" rtlCol="0">
+              <a:spAutoFit/>
+            </a:bodyPr>
+            <a:lstStyle/>
+            <a:p>
+              <a:r>
+                <a:rPr lang="en-US" altLang="ja-JP" b="1" dirty="0"/>
+                <a:t>YUV</a:t>
+              </a:r>
+              <a:endParaRPr kumimoji="1" lang="ja-JP" altLang="en-US" b="1" dirty="0"/>
+            </a:p>
+          </p:txBody>
+        </p:sp>
+      </p:grpSp>
+    </p:spTree>
+    <p:extLst>
+      <p:ext uri="{BB962C8B-B14F-4D97-AF65-F5344CB8AC3E}">
+        <p14:creationId xmlns:p14="http://schemas.microsoft.com/office/powerpoint/2010/main" val="4041085487"/>
+      </p:ext>
+    </p:extLst>
+  </p:cSld>
+  <p:clrMapOvr>
+    <a:masterClrMapping/>
+  </p:clrMapOvr>
+</p:sld>
+</file>
+
+<file path=ppt/slides/slide10.xml><?xml version="1.0" encoding="utf-8"?>
+<p:sld xmlns:a="http://schemas.openxmlformats.org/drawingml/2006/main" xmlns:r="http://schemas.openxmlformats.org/officeDocument/2006/relationships" xmlns:p="http://schemas.openxmlformats.org/presentationml/2006/main">
+  <p:cSld>
+    <p:spTree>
+      <p:nvGrpSpPr>
+        <p:cNvPr id="1" name=""/>
+        <p:cNvGrpSpPr/>
+        <p:nvPr/>
+      </p:nvGrpSpPr>
+      <p:grpSpPr>
+        <a:xfrm>
+          <a:off x="0" y="0"/>
+          <a:ext cx="0" cy="0"/>
+          <a:chOff x="0" y="0"/>
+          <a:chExt cx="0" cy="0"/>
+        </a:xfrm>
+      </p:grpSpPr>
+      <p:pic>
+        <p:nvPicPr>
+          <p:cNvPr id="11" name="図 10" descr="パソコンの画面&#10;&#10;自動的に生成された説明">
+            <a:extLst>
+              <a:ext uri="{FF2B5EF4-FFF2-40B4-BE49-F238E27FC236}">
+                <a16:creationId xmlns:a16="http://schemas.microsoft.com/office/drawing/2014/main" id="{1D76C2ED-9AEA-4BFC-9E2E-E687DCC4BC29}"/>
+              </a:ext>
+            </a:extLst>
+          </p:cNvPr>
+          <p:cNvPicPr>
+            <a:picLocks noChangeAspect="1"/>
+          </p:cNvPicPr>
+          <p:nvPr/>
+        </p:nvPicPr>
+        <p:blipFill>
+          <a:blip r:embed="rId2">
+            <a:extLst>
+              <a:ext uri="{28A0092B-C50C-407E-A947-70E740481C1C}">
+                <a14:useLocalDpi xmlns:a14="http://schemas.microsoft.com/office/drawing/2010/main" val="0"/>
+              </a:ext>
+            </a:extLst>
+          </a:blip>
+          <a:stretch>
+            <a:fillRect/>
+          </a:stretch>
+        </p:blipFill>
+        <p:spPr>
+          <a:xfrm>
+            <a:off x="370676" y="490127"/>
+            <a:ext cx="11450648" cy="5877745"/>
+          </a:xfrm>
+          <a:prstGeom prst="rect">
+            <a:avLst/>
+          </a:prstGeom>
+        </p:spPr>
+      </p:pic>
+      <p:grpSp>
+        <p:nvGrpSpPr>
+          <p:cNvPr id="15" name="グループ化 14">
+            <a:extLst>
+              <a:ext uri="{FF2B5EF4-FFF2-40B4-BE49-F238E27FC236}">
+                <a16:creationId xmlns:a16="http://schemas.microsoft.com/office/drawing/2014/main" id="{5B3A9052-C9CB-45AD-8CE8-E79FBF7FA4C4}"/>
+              </a:ext>
+            </a:extLst>
+          </p:cNvPr>
+          <p:cNvGrpSpPr/>
+          <p:nvPr/>
+        </p:nvGrpSpPr>
+        <p:grpSpPr>
+          <a:xfrm>
+            <a:off x="370676" y="0"/>
+            <a:ext cx="8604922" cy="5018285"/>
+            <a:chOff x="370676" y="0"/>
+            <a:chExt cx="8604922" cy="5018285"/>
+          </a:xfrm>
+        </p:grpSpPr>
+        <p:sp>
+          <p:nvSpPr>
+            <p:cNvPr id="4" name="テキスト ボックス 3">
+              <a:extLst>
+                <a:ext uri="{FF2B5EF4-FFF2-40B4-BE49-F238E27FC236}">
+                  <a16:creationId xmlns:a16="http://schemas.microsoft.com/office/drawing/2014/main" id="{F6F41264-AADF-4F02-8D18-C290988CA8A6}"/>
+                </a:ext>
+              </a:extLst>
+            </p:cNvPr>
+            <p:cNvSpPr txBox="1"/>
+            <p:nvPr/>
+          </p:nvSpPr>
+          <p:spPr>
+            <a:xfrm>
+              <a:off x="370676" y="0"/>
+              <a:ext cx="3416320" cy="523220"/>
+            </a:xfrm>
+            <a:prstGeom prst="rect">
+              <a:avLst/>
+            </a:prstGeom>
+            <a:noFill/>
+          </p:spPr>
+          <p:txBody>
+            <a:bodyPr wrap="none" rtlCol="0">
+              <a:spAutoFit/>
+            </a:bodyPr>
+            <a:lstStyle/>
+            <a:p>
+              <a:r>
+                <a:rPr lang="ja-JP" altLang="en-US" sz="2800" b="1" dirty="0"/>
+                <a:t>歯ブラシ</a:t>
+              </a:r>
+              <a:r>
+                <a:rPr kumimoji="1" lang="ja-JP" altLang="en-US" sz="2800" b="1" dirty="0"/>
+                <a:t>　包装なし</a:t>
+              </a:r>
+            </a:p>
+          </p:txBody>
+        </p:sp>
+        <p:sp>
+          <p:nvSpPr>
+            <p:cNvPr id="5" name="テキスト ボックス 4">
+              <a:extLst>
+                <a:ext uri="{FF2B5EF4-FFF2-40B4-BE49-F238E27FC236}">
+                  <a16:creationId xmlns:a16="http://schemas.microsoft.com/office/drawing/2014/main" id="{A1ECE7FD-D676-4326-86D2-1D5AA066C555}"/>
+                </a:ext>
+              </a:extLst>
+            </p:cNvPr>
+            <p:cNvSpPr txBox="1"/>
+            <p:nvPr/>
+          </p:nvSpPr>
+          <p:spPr>
+            <a:xfrm>
+              <a:off x="504026" y="644015"/>
+              <a:ext cx="686406" cy="369332"/>
+            </a:xfrm>
+            <a:prstGeom prst="rect">
+              <a:avLst/>
+            </a:prstGeom>
+            <a:noFill/>
+          </p:spPr>
+          <p:txBody>
+            <a:bodyPr wrap="none" rtlCol="0">
+              <a:spAutoFit/>
+            </a:bodyPr>
+            <a:lstStyle/>
+            <a:p>
+              <a:r>
+                <a:rPr lang="en-US" altLang="ja-JP" b="1" dirty="0"/>
+                <a:t>RGB</a:t>
+              </a:r>
+              <a:endParaRPr kumimoji="1" lang="ja-JP" altLang="en-US" b="1" dirty="0"/>
+            </a:p>
+          </p:txBody>
+        </p:sp>
+        <p:sp>
+          <p:nvSpPr>
+            <p:cNvPr id="6" name="テキスト ボックス 5">
+              <a:extLst>
+                <a:ext uri="{FF2B5EF4-FFF2-40B4-BE49-F238E27FC236}">
+                  <a16:creationId xmlns:a16="http://schemas.microsoft.com/office/drawing/2014/main" id="{7F40C6D7-C2E3-440B-A267-8049BDC27283}"/>
+                </a:ext>
+              </a:extLst>
+            </p:cNvPr>
+            <p:cNvSpPr txBox="1"/>
+            <p:nvPr/>
+          </p:nvSpPr>
+          <p:spPr>
+            <a:xfrm>
+              <a:off x="4352126" y="649855"/>
+              <a:ext cx="684803" cy="369332"/>
+            </a:xfrm>
+            <a:prstGeom prst="rect">
+              <a:avLst/>
+            </a:prstGeom>
+            <a:noFill/>
+          </p:spPr>
+          <p:txBody>
+            <a:bodyPr wrap="none" rtlCol="0">
+              <a:spAutoFit/>
+            </a:bodyPr>
+            <a:lstStyle/>
+            <a:p>
+              <a:r>
+                <a:rPr lang="en-US" altLang="ja-JP" b="1" dirty="0" err="1"/>
+                <a:t>Glay</a:t>
+              </a:r>
+              <a:endParaRPr kumimoji="1" lang="ja-JP" altLang="en-US" b="1" dirty="0"/>
+            </a:p>
+          </p:txBody>
+        </p:sp>
+        <p:sp>
+          <p:nvSpPr>
+            <p:cNvPr id="7" name="テキスト ボックス 6">
+              <a:extLst>
+                <a:ext uri="{FF2B5EF4-FFF2-40B4-BE49-F238E27FC236}">
+                  <a16:creationId xmlns:a16="http://schemas.microsoft.com/office/drawing/2014/main" id="{032F5A1C-F422-49CA-ABB8-849B1C750ABB}"/>
+                </a:ext>
+              </a:extLst>
+            </p:cNvPr>
+            <p:cNvSpPr txBox="1"/>
+            <p:nvPr/>
+          </p:nvSpPr>
+          <p:spPr>
+            <a:xfrm>
+              <a:off x="8198623" y="644015"/>
+              <a:ext cx="649537" cy="369332"/>
+            </a:xfrm>
+            <a:prstGeom prst="rect">
+              <a:avLst/>
+            </a:prstGeom>
+            <a:noFill/>
+          </p:spPr>
+          <p:txBody>
+            <a:bodyPr wrap="none" rtlCol="0">
+              <a:spAutoFit/>
+            </a:bodyPr>
+            <a:lstStyle/>
+            <a:p>
+              <a:r>
+                <a:rPr lang="en-US" altLang="ja-JP" b="1" dirty="0"/>
+                <a:t>XYZ</a:t>
+              </a:r>
+              <a:endParaRPr kumimoji="1" lang="ja-JP" altLang="en-US" b="1" dirty="0"/>
+            </a:p>
+          </p:txBody>
+        </p:sp>
+        <p:sp>
+          <p:nvSpPr>
+            <p:cNvPr id="8" name="テキスト ボックス 7">
+              <a:extLst>
+                <a:ext uri="{FF2B5EF4-FFF2-40B4-BE49-F238E27FC236}">
+                  <a16:creationId xmlns:a16="http://schemas.microsoft.com/office/drawing/2014/main" id="{C0378799-FEA9-43D3-B717-E9417D053523}"/>
+                </a:ext>
+              </a:extLst>
+            </p:cNvPr>
+            <p:cNvSpPr txBox="1"/>
+            <p:nvPr/>
+          </p:nvSpPr>
+          <p:spPr>
+            <a:xfrm>
+              <a:off x="522460" y="2646484"/>
+              <a:ext cx="675185" cy="369332"/>
+            </a:xfrm>
+            <a:prstGeom prst="rect">
+              <a:avLst/>
+            </a:prstGeom>
+            <a:noFill/>
+          </p:spPr>
+          <p:txBody>
+            <a:bodyPr wrap="none" rtlCol="0">
+              <a:spAutoFit/>
+            </a:bodyPr>
+            <a:lstStyle/>
+            <a:p>
+              <a:r>
+                <a:rPr kumimoji="1" lang="en-US" altLang="ja-JP" b="1" dirty="0"/>
+                <a:t>HSV</a:t>
+              </a:r>
+              <a:endParaRPr kumimoji="1" lang="ja-JP" altLang="en-US" b="1" dirty="0"/>
+            </a:p>
+          </p:txBody>
+        </p:sp>
+        <p:sp>
+          <p:nvSpPr>
+            <p:cNvPr id="9" name="テキスト ボックス 8">
+              <a:extLst>
+                <a:ext uri="{FF2B5EF4-FFF2-40B4-BE49-F238E27FC236}">
+                  <a16:creationId xmlns:a16="http://schemas.microsoft.com/office/drawing/2014/main" id="{B8175AEB-4451-428D-8044-7B56EFDE5E33}"/>
+                </a:ext>
+              </a:extLst>
+            </p:cNvPr>
+            <p:cNvSpPr txBox="1"/>
+            <p:nvPr/>
+          </p:nvSpPr>
+          <p:spPr>
+            <a:xfrm>
+              <a:off x="4352126" y="2646484"/>
+              <a:ext cx="660758" cy="369332"/>
+            </a:xfrm>
+            <a:prstGeom prst="rect">
+              <a:avLst/>
+            </a:prstGeom>
+            <a:noFill/>
+          </p:spPr>
+          <p:txBody>
+            <a:bodyPr wrap="none" rtlCol="0">
+              <a:spAutoFit/>
+            </a:bodyPr>
+            <a:lstStyle/>
+            <a:p>
+              <a:r>
+                <a:rPr lang="en-US" altLang="ja-JP" b="1" dirty="0"/>
+                <a:t>HLS</a:t>
+              </a:r>
+              <a:endParaRPr kumimoji="1" lang="ja-JP" altLang="en-US" b="1" dirty="0"/>
+            </a:p>
+          </p:txBody>
+        </p:sp>
+        <p:sp>
+          <p:nvSpPr>
+            <p:cNvPr id="10" name="テキスト ボックス 9">
+              <a:extLst>
+                <a:ext uri="{FF2B5EF4-FFF2-40B4-BE49-F238E27FC236}">
+                  <a16:creationId xmlns:a16="http://schemas.microsoft.com/office/drawing/2014/main" id="{E385D88B-6492-4789-A41B-BB7F3A85D53E}"/>
+                </a:ext>
+              </a:extLst>
+            </p:cNvPr>
+            <p:cNvSpPr txBox="1"/>
+            <p:nvPr/>
+          </p:nvSpPr>
+          <p:spPr>
+            <a:xfrm>
+              <a:off x="8071183" y="2646484"/>
+              <a:ext cx="904415" cy="369332"/>
+            </a:xfrm>
+            <a:prstGeom prst="rect">
+              <a:avLst/>
+            </a:prstGeom>
+            <a:noFill/>
+          </p:spPr>
+          <p:txBody>
+            <a:bodyPr wrap="none" rtlCol="0">
+              <a:spAutoFit/>
+            </a:bodyPr>
+            <a:lstStyle/>
+            <a:p>
+              <a:r>
+                <a:rPr lang="en-US" altLang="ja-JP" b="1" dirty="0" err="1"/>
+                <a:t>YCrCb</a:t>
+              </a:r>
+              <a:endParaRPr kumimoji="1" lang="ja-JP" altLang="en-US" b="1" dirty="0"/>
+            </a:p>
+          </p:txBody>
+        </p:sp>
+        <p:sp>
+          <p:nvSpPr>
+            <p:cNvPr id="12" name="テキスト ボックス 11">
+              <a:extLst>
+                <a:ext uri="{FF2B5EF4-FFF2-40B4-BE49-F238E27FC236}">
+                  <a16:creationId xmlns:a16="http://schemas.microsoft.com/office/drawing/2014/main" id="{CCF4CFD7-8C7C-41ED-BA5E-5C4D8AC59D1E}"/>
+                </a:ext>
+              </a:extLst>
+            </p:cNvPr>
+            <p:cNvSpPr txBox="1"/>
+            <p:nvPr/>
+          </p:nvSpPr>
+          <p:spPr>
+            <a:xfrm>
+              <a:off x="504026" y="4648953"/>
+              <a:ext cx="665567" cy="369332"/>
+            </a:xfrm>
+            <a:prstGeom prst="rect">
+              <a:avLst/>
+            </a:prstGeom>
+            <a:noFill/>
+          </p:spPr>
+          <p:txBody>
+            <a:bodyPr wrap="none" rtlCol="0">
+              <a:spAutoFit/>
+            </a:bodyPr>
+            <a:lstStyle/>
+            <a:p>
+              <a:r>
+                <a:rPr lang="en-US" altLang="ja-JP" b="1" dirty="0"/>
+                <a:t>LUV</a:t>
+              </a:r>
+              <a:endParaRPr kumimoji="1" lang="ja-JP" altLang="en-US" b="1" dirty="0"/>
+            </a:p>
+          </p:txBody>
+        </p:sp>
+        <p:sp>
+          <p:nvSpPr>
+            <p:cNvPr id="13" name="テキスト ボックス 12">
+              <a:extLst>
+                <a:ext uri="{FF2B5EF4-FFF2-40B4-BE49-F238E27FC236}">
+                  <a16:creationId xmlns:a16="http://schemas.microsoft.com/office/drawing/2014/main" id="{3E0320B6-875B-4708-A05D-19272C558BBA}"/>
+                </a:ext>
+              </a:extLst>
+            </p:cNvPr>
+            <p:cNvSpPr txBox="1"/>
+            <p:nvPr/>
+          </p:nvSpPr>
+          <p:spPr>
+            <a:xfrm>
+              <a:off x="4356935" y="4643113"/>
+              <a:ext cx="651140" cy="369332"/>
+            </a:xfrm>
+            <a:prstGeom prst="rect">
+              <a:avLst/>
+            </a:prstGeom>
+            <a:noFill/>
+          </p:spPr>
+          <p:txBody>
+            <a:bodyPr wrap="none" rtlCol="0">
+              <a:spAutoFit/>
+            </a:bodyPr>
+            <a:lstStyle/>
+            <a:p>
+              <a:r>
+                <a:rPr kumimoji="1" lang="en-US" altLang="ja-JP" b="1" dirty="0"/>
+                <a:t>LAB</a:t>
+              </a:r>
+              <a:endParaRPr kumimoji="1" lang="ja-JP" altLang="en-US" b="1" dirty="0"/>
+            </a:p>
+          </p:txBody>
+        </p:sp>
+        <p:sp>
+          <p:nvSpPr>
+            <p:cNvPr id="14" name="テキスト ボックス 13">
+              <a:extLst>
+                <a:ext uri="{FF2B5EF4-FFF2-40B4-BE49-F238E27FC236}">
+                  <a16:creationId xmlns:a16="http://schemas.microsoft.com/office/drawing/2014/main" id="{11D8F7CE-478D-4112-8A50-E07D629DF03E}"/>
+                </a:ext>
+              </a:extLst>
+            </p:cNvPr>
+            <p:cNvSpPr txBox="1"/>
+            <p:nvPr/>
+          </p:nvSpPr>
+          <p:spPr>
+            <a:xfrm>
+              <a:off x="8197820" y="4643113"/>
+              <a:ext cx="679994" cy="369332"/>
+            </a:xfrm>
+            <a:prstGeom prst="rect">
+              <a:avLst/>
+            </a:prstGeom>
+            <a:noFill/>
+          </p:spPr>
+          <p:txBody>
+            <a:bodyPr wrap="none" rtlCol="0">
+              <a:spAutoFit/>
+            </a:bodyPr>
+            <a:lstStyle/>
+            <a:p>
+              <a:r>
+                <a:rPr lang="en-US" altLang="ja-JP" b="1" dirty="0"/>
+                <a:t>YUV</a:t>
+              </a:r>
+              <a:endParaRPr kumimoji="1" lang="ja-JP" altLang="en-US" b="1" dirty="0"/>
+            </a:p>
+          </p:txBody>
+        </p:sp>
+      </p:grpSp>
+    </p:spTree>
+    <p:extLst>
+      <p:ext uri="{BB962C8B-B14F-4D97-AF65-F5344CB8AC3E}">
+        <p14:creationId xmlns:p14="http://schemas.microsoft.com/office/powerpoint/2010/main" val="4175227943"/>
+      </p:ext>
+    </p:extLst>
+  </p:cSld>
+  <p:clrMapOvr>
+    <a:masterClrMapping/>
+  </p:clrMapOvr>
+</p:sld>
+</file>
+
+<file path=ppt/slides/slide11.xml><?xml version="1.0" encoding="utf-8"?>
+<p:sld xmlns:a="http://schemas.openxmlformats.org/drawingml/2006/main" xmlns:r="http://schemas.openxmlformats.org/officeDocument/2006/relationships" xmlns:p="http://schemas.openxmlformats.org/presentationml/2006/main">
+  <p:cSld>
+    <p:spTree>
+      <p:nvGrpSpPr>
+        <p:cNvPr id="1" name=""/>
+        <p:cNvGrpSpPr/>
+        <p:nvPr/>
+      </p:nvGrpSpPr>
+      <p:grpSpPr>
+        <a:xfrm>
+          <a:off x="0" y="0"/>
+          <a:ext cx="0" cy="0"/>
+          <a:chOff x="0" y="0"/>
+          <a:chExt cx="0" cy="0"/>
+        </a:xfrm>
+      </p:grpSpPr>
+      <p:grpSp>
+        <p:nvGrpSpPr>
+          <p:cNvPr id="15" name="グループ化 14">
+            <a:extLst>
+              <a:ext uri="{FF2B5EF4-FFF2-40B4-BE49-F238E27FC236}">
+                <a16:creationId xmlns:a16="http://schemas.microsoft.com/office/drawing/2014/main" id="{5B3A9052-C9CB-45AD-8CE8-E79FBF7FA4C4}"/>
+              </a:ext>
+            </a:extLst>
+          </p:cNvPr>
+          <p:cNvGrpSpPr/>
+          <p:nvPr/>
+        </p:nvGrpSpPr>
+        <p:grpSpPr>
+          <a:xfrm>
+            <a:off x="370676" y="0"/>
+            <a:ext cx="8604922" cy="5018285"/>
+            <a:chOff x="370676" y="0"/>
+            <a:chExt cx="8604922" cy="5018285"/>
+          </a:xfrm>
+        </p:grpSpPr>
+        <p:sp>
+          <p:nvSpPr>
+            <p:cNvPr id="4" name="テキスト ボックス 3">
+              <a:extLst>
+                <a:ext uri="{FF2B5EF4-FFF2-40B4-BE49-F238E27FC236}">
+                  <a16:creationId xmlns:a16="http://schemas.microsoft.com/office/drawing/2014/main" id="{F6F41264-AADF-4F02-8D18-C290988CA8A6}"/>
+                </a:ext>
+              </a:extLst>
+            </p:cNvPr>
+            <p:cNvSpPr txBox="1"/>
+            <p:nvPr/>
+          </p:nvSpPr>
+          <p:spPr>
+            <a:xfrm>
+              <a:off x="370676" y="0"/>
+              <a:ext cx="2698175" cy="523220"/>
+            </a:xfrm>
+            <a:prstGeom prst="rect">
+              <a:avLst/>
+            </a:prstGeom>
+            <a:noFill/>
+          </p:spPr>
+          <p:txBody>
+            <a:bodyPr wrap="none" rtlCol="0">
+              <a:spAutoFit/>
+            </a:bodyPr>
+            <a:lstStyle/>
+            <a:p>
+              <a:r>
+                <a:rPr kumimoji="1" lang="ja-JP" altLang="en-US" sz="2800" b="1" dirty="0"/>
+                <a:t>耳栓　包装なし</a:t>
+              </a:r>
+            </a:p>
+          </p:txBody>
+        </p:sp>
+        <p:sp>
+          <p:nvSpPr>
+            <p:cNvPr id="5" name="テキスト ボックス 4">
+              <a:extLst>
+                <a:ext uri="{FF2B5EF4-FFF2-40B4-BE49-F238E27FC236}">
+                  <a16:creationId xmlns:a16="http://schemas.microsoft.com/office/drawing/2014/main" id="{A1ECE7FD-D676-4326-86D2-1D5AA066C555}"/>
+                </a:ext>
+              </a:extLst>
+            </p:cNvPr>
+            <p:cNvSpPr txBox="1"/>
+            <p:nvPr/>
+          </p:nvSpPr>
+          <p:spPr>
+            <a:xfrm>
+              <a:off x="504026" y="644015"/>
+              <a:ext cx="686406" cy="369332"/>
+            </a:xfrm>
+            <a:prstGeom prst="rect">
+              <a:avLst/>
+            </a:prstGeom>
+            <a:noFill/>
+          </p:spPr>
+          <p:txBody>
+            <a:bodyPr wrap="none" rtlCol="0">
+              <a:spAutoFit/>
+            </a:bodyPr>
+            <a:lstStyle/>
+            <a:p>
+              <a:r>
+                <a:rPr lang="en-US" altLang="ja-JP" b="1" dirty="0"/>
+                <a:t>RGB</a:t>
+              </a:r>
+              <a:endParaRPr kumimoji="1" lang="ja-JP" altLang="en-US" b="1" dirty="0"/>
+            </a:p>
+          </p:txBody>
+        </p:sp>
+        <p:sp>
+          <p:nvSpPr>
+            <p:cNvPr id="6" name="テキスト ボックス 5">
+              <a:extLst>
+                <a:ext uri="{FF2B5EF4-FFF2-40B4-BE49-F238E27FC236}">
+                  <a16:creationId xmlns:a16="http://schemas.microsoft.com/office/drawing/2014/main" id="{7F40C6D7-C2E3-440B-A267-8049BDC27283}"/>
+                </a:ext>
+              </a:extLst>
+            </p:cNvPr>
+            <p:cNvSpPr txBox="1"/>
+            <p:nvPr/>
+          </p:nvSpPr>
+          <p:spPr>
+            <a:xfrm>
+              <a:off x="4352126" y="649855"/>
+              <a:ext cx="684803" cy="369332"/>
+            </a:xfrm>
+            <a:prstGeom prst="rect">
+              <a:avLst/>
+            </a:prstGeom>
+            <a:noFill/>
+          </p:spPr>
+          <p:txBody>
+            <a:bodyPr wrap="none" rtlCol="0">
+              <a:spAutoFit/>
+            </a:bodyPr>
+            <a:lstStyle/>
+            <a:p>
+              <a:r>
+                <a:rPr lang="en-US" altLang="ja-JP" b="1" dirty="0" err="1"/>
+                <a:t>Glay</a:t>
+              </a:r>
+              <a:endParaRPr kumimoji="1" lang="ja-JP" altLang="en-US" b="1" dirty="0"/>
+            </a:p>
+          </p:txBody>
+        </p:sp>
+        <p:sp>
+          <p:nvSpPr>
+            <p:cNvPr id="7" name="テキスト ボックス 6">
+              <a:extLst>
+                <a:ext uri="{FF2B5EF4-FFF2-40B4-BE49-F238E27FC236}">
+                  <a16:creationId xmlns:a16="http://schemas.microsoft.com/office/drawing/2014/main" id="{032F5A1C-F422-49CA-ABB8-849B1C750ABB}"/>
+                </a:ext>
+              </a:extLst>
+            </p:cNvPr>
+            <p:cNvSpPr txBox="1"/>
+            <p:nvPr/>
+          </p:nvSpPr>
+          <p:spPr>
+            <a:xfrm>
+              <a:off x="8198623" y="644015"/>
+              <a:ext cx="649537" cy="369332"/>
+            </a:xfrm>
+            <a:prstGeom prst="rect">
+              <a:avLst/>
+            </a:prstGeom>
+            <a:noFill/>
+          </p:spPr>
+          <p:txBody>
+            <a:bodyPr wrap="none" rtlCol="0">
+              <a:spAutoFit/>
+            </a:bodyPr>
+            <a:lstStyle/>
+            <a:p>
+              <a:r>
+                <a:rPr lang="en-US" altLang="ja-JP" b="1" dirty="0"/>
+                <a:t>XYZ</a:t>
+              </a:r>
+              <a:endParaRPr kumimoji="1" lang="ja-JP" altLang="en-US" b="1" dirty="0"/>
+            </a:p>
+          </p:txBody>
+        </p:sp>
+        <p:sp>
+          <p:nvSpPr>
+            <p:cNvPr id="8" name="テキスト ボックス 7">
+              <a:extLst>
+                <a:ext uri="{FF2B5EF4-FFF2-40B4-BE49-F238E27FC236}">
+                  <a16:creationId xmlns:a16="http://schemas.microsoft.com/office/drawing/2014/main" id="{C0378799-FEA9-43D3-B717-E9417D053523}"/>
+                </a:ext>
+              </a:extLst>
+            </p:cNvPr>
+            <p:cNvSpPr txBox="1"/>
+            <p:nvPr/>
+          </p:nvSpPr>
+          <p:spPr>
+            <a:xfrm>
+              <a:off x="522460" y="2646484"/>
+              <a:ext cx="675185" cy="369332"/>
+            </a:xfrm>
+            <a:prstGeom prst="rect">
+              <a:avLst/>
+            </a:prstGeom>
+            <a:noFill/>
+          </p:spPr>
+          <p:txBody>
+            <a:bodyPr wrap="none" rtlCol="0">
+              <a:spAutoFit/>
+            </a:bodyPr>
+            <a:lstStyle/>
+            <a:p>
+              <a:r>
+                <a:rPr kumimoji="1" lang="en-US" altLang="ja-JP" b="1" dirty="0"/>
+                <a:t>HSV</a:t>
+              </a:r>
+              <a:endParaRPr kumimoji="1" lang="ja-JP" altLang="en-US" b="1" dirty="0"/>
+            </a:p>
+          </p:txBody>
+        </p:sp>
+        <p:sp>
+          <p:nvSpPr>
+            <p:cNvPr id="9" name="テキスト ボックス 8">
+              <a:extLst>
+                <a:ext uri="{FF2B5EF4-FFF2-40B4-BE49-F238E27FC236}">
+                  <a16:creationId xmlns:a16="http://schemas.microsoft.com/office/drawing/2014/main" id="{B8175AEB-4451-428D-8044-7B56EFDE5E33}"/>
+                </a:ext>
+              </a:extLst>
+            </p:cNvPr>
+            <p:cNvSpPr txBox="1"/>
+            <p:nvPr/>
+          </p:nvSpPr>
+          <p:spPr>
+            <a:xfrm>
+              <a:off x="4352126" y="2646484"/>
+              <a:ext cx="660758" cy="369332"/>
+            </a:xfrm>
+            <a:prstGeom prst="rect">
+              <a:avLst/>
+            </a:prstGeom>
+            <a:noFill/>
+          </p:spPr>
+          <p:txBody>
+            <a:bodyPr wrap="none" rtlCol="0">
+              <a:spAutoFit/>
+            </a:bodyPr>
+            <a:lstStyle/>
+            <a:p>
+              <a:r>
+                <a:rPr lang="en-US" altLang="ja-JP" b="1" dirty="0"/>
+                <a:t>HLS</a:t>
+              </a:r>
+              <a:endParaRPr kumimoji="1" lang="ja-JP" altLang="en-US" b="1" dirty="0"/>
+            </a:p>
+          </p:txBody>
+        </p:sp>
+        <p:sp>
+          <p:nvSpPr>
+            <p:cNvPr id="10" name="テキスト ボックス 9">
+              <a:extLst>
+                <a:ext uri="{FF2B5EF4-FFF2-40B4-BE49-F238E27FC236}">
+                  <a16:creationId xmlns:a16="http://schemas.microsoft.com/office/drawing/2014/main" id="{E385D88B-6492-4789-A41B-BB7F3A85D53E}"/>
+                </a:ext>
+              </a:extLst>
+            </p:cNvPr>
+            <p:cNvSpPr txBox="1"/>
+            <p:nvPr/>
+          </p:nvSpPr>
+          <p:spPr>
+            <a:xfrm>
+              <a:off x="8071183" y="2646484"/>
+              <a:ext cx="904415" cy="369332"/>
+            </a:xfrm>
+            <a:prstGeom prst="rect">
+              <a:avLst/>
+            </a:prstGeom>
+            <a:noFill/>
+          </p:spPr>
+          <p:txBody>
+            <a:bodyPr wrap="none" rtlCol="0">
+              <a:spAutoFit/>
+            </a:bodyPr>
+            <a:lstStyle/>
+            <a:p>
+              <a:r>
+                <a:rPr lang="en-US" altLang="ja-JP" b="1" dirty="0" err="1"/>
+                <a:t>YCrCb</a:t>
+              </a:r>
+              <a:endParaRPr kumimoji="1" lang="ja-JP" altLang="en-US" b="1" dirty="0"/>
+            </a:p>
+          </p:txBody>
+        </p:sp>
+        <p:sp>
+          <p:nvSpPr>
+            <p:cNvPr id="12" name="テキスト ボックス 11">
+              <a:extLst>
+                <a:ext uri="{FF2B5EF4-FFF2-40B4-BE49-F238E27FC236}">
+                  <a16:creationId xmlns:a16="http://schemas.microsoft.com/office/drawing/2014/main" id="{CCF4CFD7-8C7C-41ED-BA5E-5C4D8AC59D1E}"/>
+                </a:ext>
+              </a:extLst>
+            </p:cNvPr>
+            <p:cNvSpPr txBox="1"/>
+            <p:nvPr/>
+          </p:nvSpPr>
+          <p:spPr>
+            <a:xfrm>
+              <a:off x="504026" y="4648953"/>
+              <a:ext cx="665567" cy="369332"/>
+            </a:xfrm>
+            <a:prstGeom prst="rect">
+              <a:avLst/>
+            </a:prstGeom>
+            <a:noFill/>
+          </p:spPr>
+          <p:txBody>
+            <a:bodyPr wrap="none" rtlCol="0">
+              <a:spAutoFit/>
+            </a:bodyPr>
+            <a:lstStyle/>
+            <a:p>
+              <a:r>
+                <a:rPr lang="en-US" altLang="ja-JP" b="1" dirty="0"/>
+                <a:t>LUV</a:t>
+              </a:r>
+              <a:endParaRPr kumimoji="1" lang="ja-JP" altLang="en-US" b="1" dirty="0"/>
+            </a:p>
+          </p:txBody>
+        </p:sp>
+        <p:sp>
+          <p:nvSpPr>
+            <p:cNvPr id="13" name="テキスト ボックス 12">
+              <a:extLst>
+                <a:ext uri="{FF2B5EF4-FFF2-40B4-BE49-F238E27FC236}">
+                  <a16:creationId xmlns:a16="http://schemas.microsoft.com/office/drawing/2014/main" id="{3E0320B6-875B-4708-A05D-19272C558BBA}"/>
+                </a:ext>
+              </a:extLst>
+            </p:cNvPr>
+            <p:cNvSpPr txBox="1"/>
+            <p:nvPr/>
+          </p:nvSpPr>
+          <p:spPr>
+            <a:xfrm>
+              <a:off x="4356935" y="4643113"/>
+              <a:ext cx="651140" cy="369332"/>
+            </a:xfrm>
+            <a:prstGeom prst="rect">
+              <a:avLst/>
+            </a:prstGeom>
+            <a:noFill/>
+          </p:spPr>
+          <p:txBody>
+            <a:bodyPr wrap="none" rtlCol="0">
+              <a:spAutoFit/>
+            </a:bodyPr>
+            <a:lstStyle/>
+            <a:p>
+              <a:r>
+                <a:rPr kumimoji="1" lang="en-US" altLang="ja-JP" b="1" dirty="0"/>
+                <a:t>LAB</a:t>
+              </a:r>
+              <a:endParaRPr kumimoji="1" lang="ja-JP" altLang="en-US" b="1" dirty="0"/>
+            </a:p>
+          </p:txBody>
+        </p:sp>
+        <p:sp>
+          <p:nvSpPr>
+            <p:cNvPr id="14" name="テキスト ボックス 13">
+              <a:extLst>
+                <a:ext uri="{FF2B5EF4-FFF2-40B4-BE49-F238E27FC236}">
+                  <a16:creationId xmlns:a16="http://schemas.microsoft.com/office/drawing/2014/main" id="{11D8F7CE-478D-4112-8A50-E07D629DF03E}"/>
+                </a:ext>
+              </a:extLst>
+            </p:cNvPr>
+            <p:cNvSpPr txBox="1"/>
+            <p:nvPr/>
+          </p:nvSpPr>
+          <p:spPr>
+            <a:xfrm>
+              <a:off x="8197820" y="4643113"/>
+              <a:ext cx="679994" cy="369332"/>
+            </a:xfrm>
+            <a:prstGeom prst="rect">
+              <a:avLst/>
+            </a:prstGeom>
+            <a:noFill/>
+          </p:spPr>
+          <p:txBody>
+            <a:bodyPr wrap="none" rtlCol="0">
+              <a:spAutoFit/>
+            </a:bodyPr>
+            <a:lstStyle/>
+            <a:p>
+              <a:r>
+                <a:rPr lang="en-US" altLang="ja-JP" b="1" dirty="0"/>
+                <a:t>YUV</a:t>
+              </a:r>
+              <a:endParaRPr kumimoji="1" lang="ja-JP" altLang="en-US" b="1" dirty="0"/>
+            </a:p>
+          </p:txBody>
+        </p:sp>
+      </p:grpSp>
+      <p:pic>
+        <p:nvPicPr>
+          <p:cNvPr id="3" name="図 2" descr="パソコンの画面&#10;&#10;自動的に生成された説明">
+            <a:extLst>
+              <a:ext uri="{FF2B5EF4-FFF2-40B4-BE49-F238E27FC236}">
+                <a16:creationId xmlns:a16="http://schemas.microsoft.com/office/drawing/2014/main" id="{B0FFBDA6-B8D3-477D-9701-405CE54B6B29}"/>
+              </a:ext>
+            </a:extLst>
+          </p:cNvPr>
+          <p:cNvPicPr>
+            <a:picLocks noChangeAspect="1"/>
+          </p:cNvPicPr>
+          <p:nvPr/>
+        </p:nvPicPr>
+        <p:blipFill>
+          <a:blip r:embed="rId2">
+            <a:extLst>
+              <a:ext uri="{28A0092B-C50C-407E-A947-70E740481C1C}">
+                <a14:useLocalDpi xmlns:a14="http://schemas.microsoft.com/office/drawing/2010/main" val="0"/>
+              </a:ext>
+            </a:extLst>
+          </a:blip>
+          <a:stretch>
+            <a:fillRect/>
+          </a:stretch>
+        </p:blipFill>
+        <p:spPr>
+          <a:xfrm>
+            <a:off x="370676" y="490127"/>
+            <a:ext cx="11450648" cy="5877745"/>
+          </a:xfrm>
+          <a:prstGeom prst="rect">
+            <a:avLst/>
+          </a:prstGeom>
+        </p:spPr>
+      </p:pic>
+    </p:spTree>
+    <p:extLst>
+      <p:ext uri="{BB962C8B-B14F-4D97-AF65-F5344CB8AC3E}">
+        <p14:creationId xmlns:p14="http://schemas.microsoft.com/office/powerpoint/2010/main" val="3912607541"/>
+      </p:ext>
+    </p:extLst>
+  </p:cSld>
+  <p:clrMapOvr>
+    <a:masterClrMapping/>
+  </p:clrMapOvr>
+</p:sld>
+</file>
+
+<file path=ppt/slides/slide12.xml><?xml version="1.0" encoding="utf-8"?>
+<p:sld xmlns:a="http://schemas.openxmlformats.org/drawingml/2006/main" xmlns:r="http://schemas.openxmlformats.org/officeDocument/2006/relationships" xmlns:p="http://schemas.openxmlformats.org/presentationml/2006/main">
+  <p:cSld>
+    <p:spTree>
+      <p:nvGrpSpPr>
+        <p:cNvPr id="1" name=""/>
+        <p:cNvGrpSpPr/>
+        <p:nvPr/>
+      </p:nvGrpSpPr>
+      <p:grpSpPr>
+        <a:xfrm>
+          <a:off x="0" y="0"/>
+          <a:ext cx="0" cy="0"/>
+          <a:chOff x="0" y="0"/>
+          <a:chExt cx="0" cy="0"/>
+        </a:xfrm>
+      </p:grpSpPr>
+      <p:pic>
+        <p:nvPicPr>
+          <p:cNvPr id="11" name="図 10" descr="抽象, スクリーンショット が含まれている画像&#10;&#10;自動的に生成された説明">
+            <a:extLst>
+              <a:ext uri="{FF2B5EF4-FFF2-40B4-BE49-F238E27FC236}">
+                <a16:creationId xmlns:a16="http://schemas.microsoft.com/office/drawing/2014/main" id="{C4F3BE36-93E4-49A1-B55A-CA558E9E25B9}"/>
+              </a:ext>
+            </a:extLst>
+          </p:cNvPr>
+          <p:cNvPicPr>
+            <a:picLocks noChangeAspect="1"/>
+          </p:cNvPicPr>
+          <p:nvPr/>
+        </p:nvPicPr>
+        <p:blipFill>
+          <a:blip r:embed="rId2">
+            <a:extLst>
+              <a:ext uri="{28A0092B-C50C-407E-A947-70E740481C1C}">
+                <a14:useLocalDpi xmlns:a14="http://schemas.microsoft.com/office/drawing/2010/main" val="0"/>
+              </a:ext>
+            </a:extLst>
+          </a:blip>
+          <a:stretch>
+            <a:fillRect/>
+          </a:stretch>
+        </p:blipFill>
+        <p:spPr>
+          <a:xfrm>
+            <a:off x="370676" y="490127"/>
+            <a:ext cx="11450648" cy="5877745"/>
+          </a:xfrm>
+          <a:prstGeom prst="rect">
+            <a:avLst/>
+          </a:prstGeom>
+        </p:spPr>
+      </p:pic>
+      <p:grpSp>
+        <p:nvGrpSpPr>
+          <p:cNvPr id="15" name="グループ化 14">
+            <a:extLst>
+              <a:ext uri="{FF2B5EF4-FFF2-40B4-BE49-F238E27FC236}">
+                <a16:creationId xmlns:a16="http://schemas.microsoft.com/office/drawing/2014/main" id="{5B3A9052-C9CB-45AD-8CE8-E79FBF7FA4C4}"/>
+              </a:ext>
+            </a:extLst>
+          </p:cNvPr>
+          <p:cNvGrpSpPr/>
+          <p:nvPr/>
+        </p:nvGrpSpPr>
+        <p:grpSpPr>
+          <a:xfrm>
+            <a:off x="370676" y="0"/>
+            <a:ext cx="8604922" cy="5018285"/>
+            <a:chOff x="370676" y="0"/>
+            <a:chExt cx="8604922" cy="5018285"/>
+          </a:xfrm>
+        </p:grpSpPr>
+        <p:sp>
+          <p:nvSpPr>
+            <p:cNvPr id="4" name="テキスト ボックス 3">
+              <a:extLst>
+                <a:ext uri="{FF2B5EF4-FFF2-40B4-BE49-F238E27FC236}">
+                  <a16:creationId xmlns:a16="http://schemas.microsoft.com/office/drawing/2014/main" id="{F6F41264-AADF-4F02-8D18-C290988CA8A6}"/>
+                </a:ext>
+              </a:extLst>
+            </p:cNvPr>
+            <p:cNvSpPr txBox="1"/>
+            <p:nvPr/>
+          </p:nvSpPr>
+          <p:spPr>
+            <a:xfrm>
+              <a:off x="370676" y="0"/>
+              <a:ext cx="2698175" cy="523220"/>
+            </a:xfrm>
+            <a:prstGeom prst="rect">
+              <a:avLst/>
+            </a:prstGeom>
+            <a:noFill/>
+          </p:spPr>
+          <p:txBody>
+            <a:bodyPr wrap="none" rtlCol="0">
+              <a:spAutoFit/>
+            </a:bodyPr>
+            <a:lstStyle/>
+            <a:p>
+              <a:r>
+                <a:rPr kumimoji="1" lang="ja-JP" altLang="en-US" sz="2800" b="1" dirty="0"/>
+                <a:t>耳栓　包装</a:t>
+              </a:r>
+              <a:r>
+                <a:rPr lang="ja-JP" altLang="en-US" sz="2800" b="1" dirty="0"/>
+                <a:t>あり</a:t>
+              </a:r>
+              <a:endParaRPr kumimoji="1" lang="ja-JP" altLang="en-US" sz="2800" b="1" dirty="0"/>
+            </a:p>
+          </p:txBody>
+        </p:sp>
+        <p:sp>
+          <p:nvSpPr>
+            <p:cNvPr id="5" name="テキスト ボックス 4">
+              <a:extLst>
+                <a:ext uri="{FF2B5EF4-FFF2-40B4-BE49-F238E27FC236}">
+                  <a16:creationId xmlns:a16="http://schemas.microsoft.com/office/drawing/2014/main" id="{A1ECE7FD-D676-4326-86D2-1D5AA066C555}"/>
+                </a:ext>
+              </a:extLst>
+            </p:cNvPr>
+            <p:cNvSpPr txBox="1"/>
+            <p:nvPr/>
+          </p:nvSpPr>
+          <p:spPr>
+            <a:xfrm>
+              <a:off x="504026" y="644015"/>
+              <a:ext cx="686406" cy="369332"/>
+            </a:xfrm>
+            <a:prstGeom prst="rect">
+              <a:avLst/>
+            </a:prstGeom>
+            <a:noFill/>
+          </p:spPr>
+          <p:txBody>
+            <a:bodyPr wrap="none" rtlCol="0">
+              <a:spAutoFit/>
+            </a:bodyPr>
+            <a:lstStyle/>
+            <a:p>
+              <a:r>
+                <a:rPr lang="en-US" altLang="ja-JP" b="1" dirty="0"/>
+                <a:t>RGB</a:t>
+              </a:r>
+              <a:endParaRPr kumimoji="1" lang="ja-JP" altLang="en-US" b="1" dirty="0"/>
+            </a:p>
+          </p:txBody>
+        </p:sp>
+        <p:sp>
+          <p:nvSpPr>
+            <p:cNvPr id="6" name="テキスト ボックス 5">
+              <a:extLst>
+                <a:ext uri="{FF2B5EF4-FFF2-40B4-BE49-F238E27FC236}">
+                  <a16:creationId xmlns:a16="http://schemas.microsoft.com/office/drawing/2014/main" id="{7F40C6D7-C2E3-440B-A267-8049BDC27283}"/>
+                </a:ext>
+              </a:extLst>
+            </p:cNvPr>
+            <p:cNvSpPr txBox="1"/>
+            <p:nvPr/>
+          </p:nvSpPr>
+          <p:spPr>
+            <a:xfrm>
+              <a:off x="4352126" y="649855"/>
+              <a:ext cx="684803" cy="369332"/>
+            </a:xfrm>
+            <a:prstGeom prst="rect">
+              <a:avLst/>
+            </a:prstGeom>
+            <a:noFill/>
+          </p:spPr>
+          <p:txBody>
+            <a:bodyPr wrap="none" rtlCol="0">
+              <a:spAutoFit/>
+            </a:bodyPr>
+            <a:lstStyle/>
+            <a:p>
+              <a:r>
+                <a:rPr lang="en-US" altLang="ja-JP" b="1" dirty="0" err="1"/>
+                <a:t>Glay</a:t>
+              </a:r>
+              <a:endParaRPr kumimoji="1" lang="ja-JP" altLang="en-US" b="1" dirty="0"/>
+            </a:p>
+          </p:txBody>
+        </p:sp>
+        <p:sp>
+          <p:nvSpPr>
+            <p:cNvPr id="7" name="テキスト ボックス 6">
+              <a:extLst>
+                <a:ext uri="{FF2B5EF4-FFF2-40B4-BE49-F238E27FC236}">
+                  <a16:creationId xmlns:a16="http://schemas.microsoft.com/office/drawing/2014/main" id="{032F5A1C-F422-49CA-ABB8-849B1C750ABB}"/>
+                </a:ext>
+              </a:extLst>
+            </p:cNvPr>
+            <p:cNvSpPr txBox="1"/>
+            <p:nvPr/>
+          </p:nvSpPr>
+          <p:spPr>
+            <a:xfrm>
+              <a:off x="8198623" y="644015"/>
+              <a:ext cx="649537" cy="369332"/>
+            </a:xfrm>
+            <a:prstGeom prst="rect">
+              <a:avLst/>
+            </a:prstGeom>
+            <a:noFill/>
+          </p:spPr>
+          <p:txBody>
+            <a:bodyPr wrap="none" rtlCol="0">
+              <a:spAutoFit/>
+            </a:bodyPr>
+            <a:lstStyle/>
+            <a:p>
+              <a:r>
+                <a:rPr lang="en-US" altLang="ja-JP" b="1" dirty="0"/>
+                <a:t>XYZ</a:t>
+              </a:r>
+              <a:endParaRPr kumimoji="1" lang="ja-JP" altLang="en-US" b="1" dirty="0"/>
+            </a:p>
+          </p:txBody>
+        </p:sp>
+        <p:sp>
+          <p:nvSpPr>
+            <p:cNvPr id="8" name="テキスト ボックス 7">
+              <a:extLst>
+                <a:ext uri="{FF2B5EF4-FFF2-40B4-BE49-F238E27FC236}">
+                  <a16:creationId xmlns:a16="http://schemas.microsoft.com/office/drawing/2014/main" id="{C0378799-FEA9-43D3-B717-E9417D053523}"/>
+                </a:ext>
+              </a:extLst>
+            </p:cNvPr>
+            <p:cNvSpPr txBox="1"/>
+            <p:nvPr/>
+          </p:nvSpPr>
+          <p:spPr>
+            <a:xfrm>
+              <a:off x="522460" y="2646484"/>
+              <a:ext cx="675185" cy="369332"/>
+            </a:xfrm>
+            <a:prstGeom prst="rect">
+              <a:avLst/>
+            </a:prstGeom>
+            <a:noFill/>
+          </p:spPr>
+          <p:txBody>
+            <a:bodyPr wrap="none" rtlCol="0">
+              <a:spAutoFit/>
+            </a:bodyPr>
+            <a:lstStyle/>
+            <a:p>
+              <a:r>
+                <a:rPr kumimoji="1" lang="en-US" altLang="ja-JP" b="1" dirty="0"/>
+                <a:t>HSV</a:t>
+              </a:r>
+              <a:endParaRPr kumimoji="1" lang="ja-JP" altLang="en-US" b="1" dirty="0"/>
+            </a:p>
+          </p:txBody>
+        </p:sp>
+        <p:sp>
+          <p:nvSpPr>
+            <p:cNvPr id="9" name="テキスト ボックス 8">
+              <a:extLst>
+                <a:ext uri="{FF2B5EF4-FFF2-40B4-BE49-F238E27FC236}">
+                  <a16:creationId xmlns:a16="http://schemas.microsoft.com/office/drawing/2014/main" id="{B8175AEB-4451-428D-8044-7B56EFDE5E33}"/>
+                </a:ext>
+              </a:extLst>
+            </p:cNvPr>
+            <p:cNvSpPr txBox="1"/>
+            <p:nvPr/>
+          </p:nvSpPr>
+          <p:spPr>
+            <a:xfrm>
+              <a:off x="4352126" y="2646484"/>
+              <a:ext cx="660758" cy="369332"/>
+            </a:xfrm>
+            <a:prstGeom prst="rect">
+              <a:avLst/>
+            </a:prstGeom>
+            <a:noFill/>
+          </p:spPr>
+          <p:txBody>
+            <a:bodyPr wrap="none" rtlCol="0">
+              <a:spAutoFit/>
+            </a:bodyPr>
+            <a:lstStyle/>
+            <a:p>
+              <a:r>
+                <a:rPr lang="en-US" altLang="ja-JP" b="1" dirty="0"/>
+                <a:t>HLS</a:t>
+              </a:r>
+              <a:endParaRPr kumimoji="1" lang="ja-JP" altLang="en-US" b="1" dirty="0"/>
+            </a:p>
+          </p:txBody>
+        </p:sp>
+        <p:sp>
+          <p:nvSpPr>
+            <p:cNvPr id="10" name="テキスト ボックス 9">
+              <a:extLst>
+                <a:ext uri="{FF2B5EF4-FFF2-40B4-BE49-F238E27FC236}">
+                  <a16:creationId xmlns:a16="http://schemas.microsoft.com/office/drawing/2014/main" id="{E385D88B-6492-4789-A41B-BB7F3A85D53E}"/>
+                </a:ext>
+              </a:extLst>
+            </p:cNvPr>
+            <p:cNvSpPr txBox="1"/>
+            <p:nvPr/>
+          </p:nvSpPr>
+          <p:spPr>
+            <a:xfrm>
+              <a:off x="8071183" y="2646484"/>
+              <a:ext cx="904415" cy="369332"/>
+            </a:xfrm>
+            <a:prstGeom prst="rect">
+              <a:avLst/>
+            </a:prstGeom>
+            <a:noFill/>
+          </p:spPr>
+          <p:txBody>
+            <a:bodyPr wrap="none" rtlCol="0">
+              <a:spAutoFit/>
+            </a:bodyPr>
+            <a:lstStyle/>
+            <a:p>
+              <a:r>
+                <a:rPr lang="en-US" altLang="ja-JP" b="1" dirty="0" err="1"/>
+                <a:t>YCrCb</a:t>
+              </a:r>
+              <a:endParaRPr kumimoji="1" lang="ja-JP" altLang="en-US" b="1" dirty="0"/>
+            </a:p>
+          </p:txBody>
+        </p:sp>
+        <p:sp>
+          <p:nvSpPr>
+            <p:cNvPr id="12" name="テキスト ボックス 11">
+              <a:extLst>
+                <a:ext uri="{FF2B5EF4-FFF2-40B4-BE49-F238E27FC236}">
+                  <a16:creationId xmlns:a16="http://schemas.microsoft.com/office/drawing/2014/main" id="{CCF4CFD7-8C7C-41ED-BA5E-5C4D8AC59D1E}"/>
+                </a:ext>
+              </a:extLst>
+            </p:cNvPr>
+            <p:cNvSpPr txBox="1"/>
+            <p:nvPr/>
+          </p:nvSpPr>
+          <p:spPr>
+            <a:xfrm>
+              <a:off x="504026" y="4648953"/>
+              <a:ext cx="665567" cy="369332"/>
+            </a:xfrm>
+            <a:prstGeom prst="rect">
+              <a:avLst/>
+            </a:prstGeom>
+            <a:noFill/>
+          </p:spPr>
+          <p:txBody>
+            <a:bodyPr wrap="none" rtlCol="0">
+              <a:spAutoFit/>
+            </a:bodyPr>
+            <a:lstStyle/>
+            <a:p>
+              <a:r>
+                <a:rPr lang="en-US" altLang="ja-JP" b="1" dirty="0"/>
+                <a:t>LUV</a:t>
+              </a:r>
+              <a:endParaRPr kumimoji="1" lang="ja-JP" altLang="en-US" b="1" dirty="0"/>
+            </a:p>
+          </p:txBody>
+        </p:sp>
+        <p:sp>
+          <p:nvSpPr>
+            <p:cNvPr id="13" name="テキスト ボックス 12">
+              <a:extLst>
+                <a:ext uri="{FF2B5EF4-FFF2-40B4-BE49-F238E27FC236}">
+                  <a16:creationId xmlns:a16="http://schemas.microsoft.com/office/drawing/2014/main" id="{3E0320B6-875B-4708-A05D-19272C558BBA}"/>
+                </a:ext>
+              </a:extLst>
+            </p:cNvPr>
+            <p:cNvSpPr txBox="1"/>
+            <p:nvPr/>
+          </p:nvSpPr>
+          <p:spPr>
+            <a:xfrm>
+              <a:off x="4356935" y="4643113"/>
+              <a:ext cx="651140" cy="369332"/>
+            </a:xfrm>
+            <a:prstGeom prst="rect">
+              <a:avLst/>
+            </a:prstGeom>
+            <a:noFill/>
+          </p:spPr>
+          <p:txBody>
+            <a:bodyPr wrap="none" rtlCol="0">
+              <a:spAutoFit/>
+            </a:bodyPr>
+            <a:lstStyle/>
+            <a:p>
+              <a:r>
+                <a:rPr kumimoji="1" lang="en-US" altLang="ja-JP" b="1" dirty="0"/>
+                <a:t>LAB</a:t>
+              </a:r>
+              <a:endParaRPr kumimoji="1" lang="ja-JP" altLang="en-US" b="1" dirty="0"/>
+            </a:p>
+          </p:txBody>
+        </p:sp>
+        <p:sp>
+          <p:nvSpPr>
+            <p:cNvPr id="14" name="テキスト ボックス 13">
+              <a:extLst>
+                <a:ext uri="{FF2B5EF4-FFF2-40B4-BE49-F238E27FC236}">
+                  <a16:creationId xmlns:a16="http://schemas.microsoft.com/office/drawing/2014/main" id="{11D8F7CE-478D-4112-8A50-E07D629DF03E}"/>
+                </a:ext>
+              </a:extLst>
+            </p:cNvPr>
+            <p:cNvSpPr txBox="1"/>
+            <p:nvPr/>
+          </p:nvSpPr>
+          <p:spPr>
+            <a:xfrm>
+              <a:off x="8197820" y="4643113"/>
+              <a:ext cx="679994" cy="369332"/>
+            </a:xfrm>
+            <a:prstGeom prst="rect">
+              <a:avLst/>
+            </a:prstGeom>
+            <a:noFill/>
+          </p:spPr>
+          <p:txBody>
+            <a:bodyPr wrap="none" rtlCol="0">
+              <a:spAutoFit/>
+            </a:bodyPr>
+            <a:lstStyle/>
+            <a:p>
+              <a:r>
+                <a:rPr lang="en-US" altLang="ja-JP" b="1" dirty="0"/>
+                <a:t>YUV</a:t>
+              </a:r>
+              <a:endParaRPr kumimoji="1" lang="ja-JP" altLang="en-US" b="1" dirty="0"/>
+            </a:p>
+          </p:txBody>
+        </p:sp>
+      </p:grpSp>
+    </p:spTree>
+    <p:extLst>
+      <p:ext uri="{BB962C8B-B14F-4D97-AF65-F5344CB8AC3E}">
+        <p14:creationId xmlns:p14="http://schemas.microsoft.com/office/powerpoint/2010/main" val="2648012552"/>
+      </p:ext>
+    </p:extLst>
+  </p:cSld>
+  <p:clrMapOvr>
+    <a:masterClrMapping/>
+  </p:clrMapOvr>
+</p:sld>
+</file>
+
+<file path=ppt/slides/slide13.xml><?xml version="1.0" encoding="utf-8"?>
+<p:sld xmlns:a="http://schemas.openxmlformats.org/drawingml/2006/main" xmlns:r="http://schemas.openxmlformats.org/officeDocument/2006/relationships" xmlns:p="http://schemas.openxmlformats.org/presentationml/2006/main">
+  <p:cSld>
+    <p:spTree>
+      <p:nvGrpSpPr>
+        <p:cNvPr id="1" name=""/>
+        <p:cNvGrpSpPr/>
+        <p:nvPr/>
+      </p:nvGrpSpPr>
+      <p:grpSpPr>
+        <a:xfrm>
+          <a:off x="0" y="0"/>
+          <a:ext cx="0" cy="0"/>
+          <a:chOff x="0" y="0"/>
+          <a:chExt cx="0" cy="0"/>
+        </a:xfrm>
+      </p:grpSpPr>
+      <p:pic>
+        <p:nvPicPr>
+          <p:cNvPr id="3" name="図 2" descr="パソコンの画面&#10;&#10;自動的に生成された説明">
+            <a:extLst>
+              <a:ext uri="{FF2B5EF4-FFF2-40B4-BE49-F238E27FC236}">
+                <a16:creationId xmlns:a16="http://schemas.microsoft.com/office/drawing/2014/main" id="{72512A3A-A1A2-40E7-836E-91768A37B965}"/>
+              </a:ext>
+            </a:extLst>
+          </p:cNvPr>
+          <p:cNvPicPr>
+            <a:picLocks noChangeAspect="1"/>
+          </p:cNvPicPr>
+          <p:nvPr/>
+        </p:nvPicPr>
+        <p:blipFill>
+          <a:blip r:embed="rId2">
+            <a:extLst>
+              <a:ext uri="{28A0092B-C50C-407E-A947-70E740481C1C}">
+                <a14:useLocalDpi xmlns:a14="http://schemas.microsoft.com/office/drawing/2010/main" val="0"/>
+              </a:ext>
+            </a:extLst>
+          </a:blip>
+          <a:stretch>
+            <a:fillRect/>
+          </a:stretch>
+        </p:blipFill>
+        <p:spPr>
+          <a:xfrm>
+            <a:off x="370676" y="490127"/>
+            <a:ext cx="11450648" cy="5877745"/>
+          </a:xfrm>
+          <a:prstGeom prst="rect">
+            <a:avLst/>
+          </a:prstGeom>
+        </p:spPr>
+      </p:pic>
+      <p:grpSp>
+        <p:nvGrpSpPr>
+          <p:cNvPr id="15" name="グループ化 14">
+            <a:extLst>
+              <a:ext uri="{FF2B5EF4-FFF2-40B4-BE49-F238E27FC236}">
+                <a16:creationId xmlns:a16="http://schemas.microsoft.com/office/drawing/2014/main" id="{5B3A9052-C9CB-45AD-8CE8-E79FBF7FA4C4}"/>
+              </a:ext>
+            </a:extLst>
+          </p:cNvPr>
+          <p:cNvGrpSpPr/>
+          <p:nvPr/>
+        </p:nvGrpSpPr>
+        <p:grpSpPr>
+          <a:xfrm>
+            <a:off x="370676" y="0"/>
+            <a:ext cx="8604922" cy="5018285"/>
+            <a:chOff x="370676" y="0"/>
+            <a:chExt cx="8604922" cy="5018285"/>
+          </a:xfrm>
+        </p:grpSpPr>
+        <p:sp>
+          <p:nvSpPr>
+            <p:cNvPr id="4" name="テキスト ボックス 3">
+              <a:extLst>
+                <a:ext uri="{FF2B5EF4-FFF2-40B4-BE49-F238E27FC236}">
+                  <a16:creationId xmlns:a16="http://schemas.microsoft.com/office/drawing/2014/main" id="{F6F41264-AADF-4F02-8D18-C290988CA8A6}"/>
+                </a:ext>
+              </a:extLst>
+            </p:cNvPr>
+            <p:cNvSpPr txBox="1"/>
+            <p:nvPr/>
+          </p:nvSpPr>
+          <p:spPr>
+            <a:xfrm>
+              <a:off x="370676" y="0"/>
+              <a:ext cx="3416320" cy="523220"/>
+            </a:xfrm>
+            <a:prstGeom prst="rect">
+              <a:avLst/>
+            </a:prstGeom>
+            <a:noFill/>
+          </p:spPr>
+          <p:txBody>
+            <a:bodyPr wrap="none" rtlCol="0">
+              <a:spAutoFit/>
+            </a:bodyPr>
+            <a:lstStyle/>
+            <a:p>
+              <a:r>
+                <a:rPr kumimoji="1" lang="ja-JP" altLang="en-US" sz="2800" b="1"/>
+                <a:t>耳栓容器　包装なし</a:t>
+              </a:r>
+              <a:endParaRPr kumimoji="1" lang="ja-JP" altLang="en-US" sz="2800" b="1" dirty="0"/>
+            </a:p>
+          </p:txBody>
+        </p:sp>
+        <p:sp>
+          <p:nvSpPr>
+            <p:cNvPr id="5" name="テキスト ボックス 4">
+              <a:extLst>
+                <a:ext uri="{FF2B5EF4-FFF2-40B4-BE49-F238E27FC236}">
+                  <a16:creationId xmlns:a16="http://schemas.microsoft.com/office/drawing/2014/main" id="{A1ECE7FD-D676-4326-86D2-1D5AA066C555}"/>
+                </a:ext>
+              </a:extLst>
+            </p:cNvPr>
+            <p:cNvSpPr txBox="1"/>
+            <p:nvPr/>
+          </p:nvSpPr>
+          <p:spPr>
+            <a:xfrm>
+              <a:off x="504026" y="644015"/>
+              <a:ext cx="686406" cy="369332"/>
+            </a:xfrm>
+            <a:prstGeom prst="rect">
+              <a:avLst/>
+            </a:prstGeom>
+            <a:noFill/>
+          </p:spPr>
+          <p:txBody>
+            <a:bodyPr wrap="none" rtlCol="0">
+              <a:spAutoFit/>
+            </a:bodyPr>
+            <a:lstStyle/>
+            <a:p>
+              <a:r>
+                <a:rPr lang="en-US" altLang="ja-JP" b="1" dirty="0"/>
+                <a:t>RGB</a:t>
+              </a:r>
+              <a:endParaRPr kumimoji="1" lang="ja-JP" altLang="en-US" b="1" dirty="0"/>
+            </a:p>
+          </p:txBody>
+        </p:sp>
+        <p:sp>
+          <p:nvSpPr>
+            <p:cNvPr id="6" name="テキスト ボックス 5">
+              <a:extLst>
+                <a:ext uri="{FF2B5EF4-FFF2-40B4-BE49-F238E27FC236}">
+                  <a16:creationId xmlns:a16="http://schemas.microsoft.com/office/drawing/2014/main" id="{7F40C6D7-C2E3-440B-A267-8049BDC27283}"/>
+                </a:ext>
+              </a:extLst>
+            </p:cNvPr>
+            <p:cNvSpPr txBox="1"/>
+            <p:nvPr/>
+          </p:nvSpPr>
+          <p:spPr>
+            <a:xfrm>
+              <a:off x="4352126" y="649855"/>
+              <a:ext cx="684803" cy="369332"/>
+            </a:xfrm>
+            <a:prstGeom prst="rect">
+              <a:avLst/>
+            </a:prstGeom>
+            <a:noFill/>
+          </p:spPr>
+          <p:txBody>
+            <a:bodyPr wrap="none" rtlCol="0">
+              <a:spAutoFit/>
+            </a:bodyPr>
+            <a:lstStyle/>
+            <a:p>
+              <a:r>
+                <a:rPr lang="en-US" altLang="ja-JP" b="1" dirty="0" err="1"/>
+                <a:t>Glay</a:t>
+              </a:r>
+              <a:endParaRPr kumimoji="1" lang="ja-JP" altLang="en-US" b="1" dirty="0"/>
+            </a:p>
+          </p:txBody>
+        </p:sp>
+        <p:sp>
+          <p:nvSpPr>
+            <p:cNvPr id="7" name="テキスト ボックス 6">
+              <a:extLst>
+                <a:ext uri="{FF2B5EF4-FFF2-40B4-BE49-F238E27FC236}">
+                  <a16:creationId xmlns:a16="http://schemas.microsoft.com/office/drawing/2014/main" id="{032F5A1C-F422-49CA-ABB8-849B1C750ABB}"/>
+                </a:ext>
+              </a:extLst>
+            </p:cNvPr>
+            <p:cNvSpPr txBox="1"/>
+            <p:nvPr/>
+          </p:nvSpPr>
+          <p:spPr>
+            <a:xfrm>
+              <a:off x="8198623" y="644015"/>
+              <a:ext cx="649537" cy="369332"/>
+            </a:xfrm>
+            <a:prstGeom prst="rect">
+              <a:avLst/>
+            </a:prstGeom>
+            <a:noFill/>
+          </p:spPr>
+          <p:txBody>
+            <a:bodyPr wrap="none" rtlCol="0">
+              <a:spAutoFit/>
+            </a:bodyPr>
+            <a:lstStyle/>
+            <a:p>
+              <a:r>
+                <a:rPr lang="en-US" altLang="ja-JP" b="1" dirty="0"/>
+                <a:t>XYZ</a:t>
+              </a:r>
+              <a:endParaRPr kumimoji="1" lang="ja-JP" altLang="en-US" b="1" dirty="0"/>
+            </a:p>
+          </p:txBody>
+        </p:sp>
+        <p:sp>
+          <p:nvSpPr>
+            <p:cNvPr id="8" name="テキスト ボックス 7">
+              <a:extLst>
+                <a:ext uri="{FF2B5EF4-FFF2-40B4-BE49-F238E27FC236}">
+                  <a16:creationId xmlns:a16="http://schemas.microsoft.com/office/drawing/2014/main" id="{C0378799-FEA9-43D3-B717-E9417D053523}"/>
+                </a:ext>
+              </a:extLst>
+            </p:cNvPr>
+            <p:cNvSpPr txBox="1"/>
+            <p:nvPr/>
+          </p:nvSpPr>
+          <p:spPr>
+            <a:xfrm>
+              <a:off x="522460" y="2646484"/>
+              <a:ext cx="675185" cy="369332"/>
+            </a:xfrm>
+            <a:prstGeom prst="rect">
+              <a:avLst/>
+            </a:prstGeom>
+            <a:noFill/>
+          </p:spPr>
+          <p:txBody>
+            <a:bodyPr wrap="none" rtlCol="0">
+              <a:spAutoFit/>
+            </a:bodyPr>
+            <a:lstStyle/>
+            <a:p>
+              <a:r>
+                <a:rPr kumimoji="1" lang="en-US" altLang="ja-JP" b="1" dirty="0"/>
+                <a:t>HSV</a:t>
+              </a:r>
+              <a:endParaRPr kumimoji="1" lang="ja-JP" altLang="en-US" b="1" dirty="0"/>
+            </a:p>
+          </p:txBody>
+        </p:sp>
+        <p:sp>
+          <p:nvSpPr>
+            <p:cNvPr id="9" name="テキスト ボックス 8">
+              <a:extLst>
+                <a:ext uri="{FF2B5EF4-FFF2-40B4-BE49-F238E27FC236}">
+                  <a16:creationId xmlns:a16="http://schemas.microsoft.com/office/drawing/2014/main" id="{B8175AEB-4451-428D-8044-7B56EFDE5E33}"/>
+                </a:ext>
+              </a:extLst>
+            </p:cNvPr>
+            <p:cNvSpPr txBox="1"/>
+            <p:nvPr/>
+          </p:nvSpPr>
+          <p:spPr>
+            <a:xfrm>
+              <a:off x="4352126" y="2646484"/>
+              <a:ext cx="660758" cy="369332"/>
+            </a:xfrm>
+            <a:prstGeom prst="rect">
+              <a:avLst/>
+            </a:prstGeom>
+            <a:noFill/>
+          </p:spPr>
+          <p:txBody>
+            <a:bodyPr wrap="none" rtlCol="0">
+              <a:spAutoFit/>
+            </a:bodyPr>
+            <a:lstStyle/>
+            <a:p>
+              <a:r>
+                <a:rPr lang="en-US" altLang="ja-JP" b="1" dirty="0"/>
+                <a:t>HLS</a:t>
+              </a:r>
+              <a:endParaRPr kumimoji="1" lang="ja-JP" altLang="en-US" b="1" dirty="0"/>
+            </a:p>
+          </p:txBody>
+        </p:sp>
+        <p:sp>
+          <p:nvSpPr>
+            <p:cNvPr id="10" name="テキスト ボックス 9">
+              <a:extLst>
+                <a:ext uri="{FF2B5EF4-FFF2-40B4-BE49-F238E27FC236}">
+                  <a16:creationId xmlns:a16="http://schemas.microsoft.com/office/drawing/2014/main" id="{E385D88B-6492-4789-A41B-BB7F3A85D53E}"/>
+                </a:ext>
+              </a:extLst>
+            </p:cNvPr>
+            <p:cNvSpPr txBox="1"/>
+            <p:nvPr/>
+          </p:nvSpPr>
+          <p:spPr>
+            <a:xfrm>
+              <a:off x="8071183" y="2646484"/>
+              <a:ext cx="904415" cy="369332"/>
+            </a:xfrm>
+            <a:prstGeom prst="rect">
+              <a:avLst/>
+            </a:prstGeom>
+            <a:noFill/>
+          </p:spPr>
+          <p:txBody>
+            <a:bodyPr wrap="none" rtlCol="0">
+              <a:spAutoFit/>
+            </a:bodyPr>
+            <a:lstStyle/>
+            <a:p>
+              <a:r>
+                <a:rPr lang="en-US" altLang="ja-JP" b="1" dirty="0" err="1"/>
+                <a:t>YCrCb</a:t>
+              </a:r>
+              <a:endParaRPr kumimoji="1" lang="ja-JP" altLang="en-US" b="1" dirty="0"/>
+            </a:p>
+          </p:txBody>
+        </p:sp>
+        <p:sp>
+          <p:nvSpPr>
+            <p:cNvPr id="12" name="テキスト ボックス 11">
+              <a:extLst>
+                <a:ext uri="{FF2B5EF4-FFF2-40B4-BE49-F238E27FC236}">
+                  <a16:creationId xmlns:a16="http://schemas.microsoft.com/office/drawing/2014/main" id="{CCF4CFD7-8C7C-41ED-BA5E-5C4D8AC59D1E}"/>
+                </a:ext>
+              </a:extLst>
+            </p:cNvPr>
+            <p:cNvSpPr txBox="1"/>
+            <p:nvPr/>
+          </p:nvSpPr>
+          <p:spPr>
+            <a:xfrm>
+              <a:off x="504026" y="4648953"/>
+              <a:ext cx="665567" cy="369332"/>
+            </a:xfrm>
+            <a:prstGeom prst="rect">
+              <a:avLst/>
+            </a:prstGeom>
+            <a:noFill/>
+          </p:spPr>
+          <p:txBody>
+            <a:bodyPr wrap="none" rtlCol="0">
+              <a:spAutoFit/>
+            </a:bodyPr>
+            <a:lstStyle/>
+            <a:p>
+              <a:r>
+                <a:rPr lang="en-US" altLang="ja-JP" b="1" dirty="0"/>
+                <a:t>LUV</a:t>
+              </a:r>
+              <a:endParaRPr kumimoji="1" lang="ja-JP" altLang="en-US" b="1" dirty="0"/>
+            </a:p>
+          </p:txBody>
+        </p:sp>
+        <p:sp>
+          <p:nvSpPr>
+            <p:cNvPr id="13" name="テキスト ボックス 12">
+              <a:extLst>
+                <a:ext uri="{FF2B5EF4-FFF2-40B4-BE49-F238E27FC236}">
+                  <a16:creationId xmlns:a16="http://schemas.microsoft.com/office/drawing/2014/main" id="{3E0320B6-875B-4708-A05D-19272C558BBA}"/>
+                </a:ext>
+              </a:extLst>
+            </p:cNvPr>
+            <p:cNvSpPr txBox="1"/>
+            <p:nvPr/>
+          </p:nvSpPr>
+          <p:spPr>
+            <a:xfrm>
+              <a:off x="4356935" y="4643113"/>
+              <a:ext cx="651140" cy="369332"/>
+            </a:xfrm>
+            <a:prstGeom prst="rect">
+              <a:avLst/>
+            </a:prstGeom>
+            <a:noFill/>
+          </p:spPr>
+          <p:txBody>
+            <a:bodyPr wrap="none" rtlCol="0">
+              <a:spAutoFit/>
+            </a:bodyPr>
+            <a:lstStyle/>
+            <a:p>
+              <a:r>
+                <a:rPr kumimoji="1" lang="en-US" altLang="ja-JP" b="1" dirty="0"/>
+                <a:t>LAB</a:t>
+              </a:r>
+              <a:endParaRPr kumimoji="1" lang="ja-JP" altLang="en-US" b="1" dirty="0"/>
+            </a:p>
+          </p:txBody>
+        </p:sp>
+        <p:sp>
+          <p:nvSpPr>
+            <p:cNvPr id="14" name="テキスト ボックス 13">
+              <a:extLst>
+                <a:ext uri="{FF2B5EF4-FFF2-40B4-BE49-F238E27FC236}">
+                  <a16:creationId xmlns:a16="http://schemas.microsoft.com/office/drawing/2014/main" id="{11D8F7CE-478D-4112-8A50-E07D629DF03E}"/>
+                </a:ext>
+              </a:extLst>
+            </p:cNvPr>
+            <p:cNvSpPr txBox="1"/>
+            <p:nvPr/>
+          </p:nvSpPr>
+          <p:spPr>
+            <a:xfrm>
+              <a:off x="8197820" y="4643113"/>
+              <a:ext cx="679994" cy="369332"/>
+            </a:xfrm>
+            <a:prstGeom prst="rect">
+              <a:avLst/>
+            </a:prstGeom>
+            <a:noFill/>
+          </p:spPr>
+          <p:txBody>
+            <a:bodyPr wrap="none" rtlCol="0">
+              <a:spAutoFit/>
+            </a:bodyPr>
+            <a:lstStyle/>
+            <a:p>
+              <a:r>
+                <a:rPr lang="en-US" altLang="ja-JP" b="1" dirty="0"/>
+                <a:t>YUV</a:t>
+              </a:r>
+              <a:endParaRPr kumimoji="1" lang="ja-JP" altLang="en-US" b="1" dirty="0"/>
+            </a:p>
+          </p:txBody>
+        </p:sp>
+      </p:grpSp>
+    </p:spTree>
+    <p:extLst>
+      <p:ext uri="{BB962C8B-B14F-4D97-AF65-F5344CB8AC3E}">
+        <p14:creationId xmlns:p14="http://schemas.microsoft.com/office/powerpoint/2010/main" val="431965444"/>
+      </p:ext>
+    </p:extLst>
+  </p:cSld>
+  <p:clrMapOvr>
+    <a:masterClrMapping/>
+  </p:clrMapOvr>
+</p:sld>
+</file>
+
+<file path=ppt/slides/slide14.xml><?xml version="1.0" encoding="utf-8"?>
+<p:sld xmlns:a="http://schemas.openxmlformats.org/drawingml/2006/main" xmlns:r="http://schemas.openxmlformats.org/officeDocument/2006/relationships" xmlns:p="http://schemas.openxmlformats.org/presentationml/2006/main">
+  <p:cSld>
+    <p:spTree>
+      <p:nvGrpSpPr>
+        <p:cNvPr id="1" name=""/>
+        <p:cNvGrpSpPr/>
+        <p:nvPr/>
+      </p:nvGrpSpPr>
+      <p:grpSpPr>
+        <a:xfrm>
+          <a:off x="0" y="0"/>
+          <a:ext cx="0" cy="0"/>
+          <a:chOff x="0" y="0"/>
+          <a:chExt cx="0" cy="0"/>
+        </a:xfrm>
+      </p:grpSpPr>
+      <p:grpSp>
+        <p:nvGrpSpPr>
+          <p:cNvPr id="7" name="グループ化 6">
+            <a:extLst>
+              <a:ext uri="{FF2B5EF4-FFF2-40B4-BE49-F238E27FC236}">
+                <a16:creationId xmlns:a16="http://schemas.microsoft.com/office/drawing/2014/main" id="{BABE9B77-3D94-4C21-A091-2BF79CA1BB7D}"/>
+              </a:ext>
+            </a:extLst>
+          </p:cNvPr>
+          <p:cNvGrpSpPr/>
+          <p:nvPr/>
+        </p:nvGrpSpPr>
+        <p:grpSpPr>
+          <a:xfrm>
+            <a:off x="5638688" y="-17527"/>
+            <a:ext cx="5740624" cy="6875527"/>
+            <a:chOff x="5638688" y="-17527"/>
+            <a:chExt cx="5740624" cy="6875527"/>
+          </a:xfrm>
+        </p:grpSpPr>
+        <p:pic>
+          <p:nvPicPr>
+            <p:cNvPr id="3" name="図 2">
+              <a:extLst>
+                <a:ext uri="{FF2B5EF4-FFF2-40B4-BE49-F238E27FC236}">
+                  <a16:creationId xmlns:a16="http://schemas.microsoft.com/office/drawing/2014/main" id="{1F8C1F2B-C186-4595-AAD3-4AE810199DB7}"/>
+                </a:ext>
+              </a:extLst>
+            </p:cNvPr>
+            <p:cNvPicPr>
+              <a:picLocks noChangeAspect="1"/>
+            </p:cNvPicPr>
+            <p:nvPr/>
+          </p:nvPicPr>
+          <p:blipFill>
+            <a:blip r:embed="rId2">
+              <a:extLst>
+                <a:ext uri="{28A0092B-C50C-407E-A947-70E740481C1C}">
+                  <a14:useLocalDpi xmlns:a14="http://schemas.microsoft.com/office/drawing/2010/main" val="0"/>
+                </a:ext>
+              </a:extLst>
+            </a:blip>
+            <a:stretch>
+              <a:fillRect/>
+            </a:stretch>
+          </p:blipFill>
+          <p:spPr>
+            <a:xfrm>
+              <a:off x="5638688" y="-17527"/>
+              <a:ext cx="5740624" cy="6875527"/>
+            </a:xfrm>
+            <a:prstGeom prst="rect">
+              <a:avLst/>
+            </a:prstGeom>
+          </p:spPr>
+        </p:pic>
+        <p:sp>
+          <p:nvSpPr>
+            <p:cNvPr id="4" name="テキスト ボックス 3">
+              <a:extLst>
+                <a:ext uri="{FF2B5EF4-FFF2-40B4-BE49-F238E27FC236}">
+                  <a16:creationId xmlns:a16="http://schemas.microsoft.com/office/drawing/2014/main" id="{FBBCDEDE-1C70-42AD-9E4F-E6C711135C94}"/>
+                </a:ext>
+              </a:extLst>
+            </p:cNvPr>
+            <p:cNvSpPr txBox="1"/>
+            <p:nvPr/>
+          </p:nvSpPr>
+          <p:spPr>
+            <a:xfrm>
+              <a:off x="5803788" y="279670"/>
+              <a:ext cx="800212" cy="338554"/>
+            </a:xfrm>
+            <a:prstGeom prst="rect">
+              <a:avLst/>
+            </a:prstGeom>
+            <a:solidFill>
+              <a:schemeClr val="bg1"/>
+            </a:solidFill>
+            <a:ln w="28575">
+              <a:solidFill>
+                <a:schemeClr val="tx1"/>
+              </a:solidFill>
+            </a:ln>
+          </p:spPr>
+          <p:txBody>
+            <a:bodyPr wrap="square" rtlCol="0">
+              <a:spAutoFit/>
+            </a:bodyPr>
+            <a:lstStyle/>
+            <a:p>
+              <a:r>
+                <a:rPr kumimoji="1" lang="ja-JP" altLang="en-US" sz="1600" dirty="0"/>
+                <a:t>生画像</a:t>
+              </a:r>
+            </a:p>
+          </p:txBody>
+        </p:sp>
+        <p:sp>
+          <p:nvSpPr>
+            <p:cNvPr id="5" name="テキスト ボックス 4">
+              <a:extLst>
+                <a:ext uri="{FF2B5EF4-FFF2-40B4-BE49-F238E27FC236}">
+                  <a16:creationId xmlns:a16="http://schemas.microsoft.com/office/drawing/2014/main" id="{9D6B5FA8-7910-4D8C-BF88-95882ABD4D3E}"/>
+                </a:ext>
+              </a:extLst>
+            </p:cNvPr>
+            <p:cNvSpPr txBox="1"/>
+            <p:nvPr/>
+          </p:nvSpPr>
+          <p:spPr>
+            <a:xfrm>
+              <a:off x="5803788" y="2552970"/>
+              <a:ext cx="1232012" cy="338554"/>
+            </a:xfrm>
+            <a:prstGeom prst="rect">
+              <a:avLst/>
+            </a:prstGeom>
+            <a:solidFill>
+              <a:schemeClr val="bg1"/>
+            </a:solidFill>
+            <a:ln w="28575">
+              <a:solidFill>
+                <a:schemeClr val="tx1"/>
+              </a:solidFill>
+            </a:ln>
+          </p:spPr>
+          <p:txBody>
+            <a:bodyPr wrap="square" rtlCol="0">
+              <a:spAutoFit/>
+            </a:bodyPr>
+            <a:lstStyle/>
+            <a:p>
+              <a:r>
+                <a:rPr lang="ja-JP" altLang="en-US" sz="1600" dirty="0"/>
+                <a:t>グレー</a:t>
+              </a:r>
+              <a:r>
+                <a:rPr kumimoji="1" lang="ja-JP" altLang="en-US" sz="1600" dirty="0"/>
+                <a:t>画像</a:t>
+              </a:r>
+            </a:p>
+          </p:txBody>
+        </p:sp>
+        <p:sp>
+          <p:nvSpPr>
+            <p:cNvPr id="6" name="テキスト ボックス 5">
+              <a:extLst>
+                <a:ext uri="{FF2B5EF4-FFF2-40B4-BE49-F238E27FC236}">
+                  <a16:creationId xmlns:a16="http://schemas.microsoft.com/office/drawing/2014/main" id="{74D01EC7-36E4-426E-92B8-FCF329BB00D0}"/>
+                </a:ext>
+              </a:extLst>
+            </p:cNvPr>
+            <p:cNvSpPr txBox="1"/>
+            <p:nvPr/>
+          </p:nvSpPr>
+          <p:spPr>
+            <a:xfrm>
+              <a:off x="5803788" y="4927870"/>
+              <a:ext cx="1562212" cy="338554"/>
+            </a:xfrm>
+            <a:prstGeom prst="rect">
+              <a:avLst/>
+            </a:prstGeom>
+            <a:solidFill>
+              <a:schemeClr val="bg1"/>
+            </a:solidFill>
+            <a:ln w="28575">
+              <a:solidFill>
+                <a:schemeClr val="tx1"/>
+              </a:solidFill>
+            </a:ln>
+          </p:spPr>
+          <p:txBody>
+            <a:bodyPr wrap="square" rtlCol="0">
+              <a:spAutoFit/>
+            </a:bodyPr>
+            <a:lstStyle/>
+            <a:p>
+              <a:r>
+                <a:rPr kumimoji="1" lang="en-US" altLang="ja-JP" sz="1600" dirty="0"/>
+                <a:t>gamma</a:t>
+              </a:r>
+              <a:r>
+                <a:rPr lang="en-US" altLang="ja-JP" sz="1600" dirty="0"/>
+                <a:t>=2.6</a:t>
+              </a:r>
+              <a:endParaRPr kumimoji="1" lang="ja-JP" altLang="en-US" sz="1600" dirty="0"/>
+            </a:p>
+          </p:txBody>
+        </p:sp>
+      </p:grpSp>
+    </p:spTree>
+    <p:extLst>
+      <p:ext uri="{BB962C8B-B14F-4D97-AF65-F5344CB8AC3E}">
+        <p14:creationId xmlns:p14="http://schemas.microsoft.com/office/powerpoint/2010/main" val="1512472825"/>
+      </p:ext>
+    </p:extLst>
+  </p:cSld>
+  <p:clrMapOvr>
+    <a:masterClrMapping/>
+  </p:clrMapOvr>
+</p:sld>
+</file>
+
+<file path=ppt/slides/slide15.xml><?xml version="1.0" encoding="utf-8"?>
+<p:sld xmlns:a="http://schemas.openxmlformats.org/drawingml/2006/main" xmlns:r="http://schemas.openxmlformats.org/officeDocument/2006/relationships" xmlns:p="http://schemas.openxmlformats.org/presentationml/2006/main">
+  <p:cSld>
+    <p:spTree>
+      <p:nvGrpSpPr>
+        <p:cNvPr id="1" name=""/>
+        <p:cNvGrpSpPr/>
+        <p:nvPr/>
+      </p:nvGrpSpPr>
+      <p:grpSpPr>
+        <a:xfrm>
+          <a:off x="0" y="0"/>
+          <a:ext cx="0" cy="0"/>
+          <a:chOff x="0" y="0"/>
+          <a:chExt cx="0" cy="0"/>
+        </a:xfrm>
+      </p:grpSpPr>
+      <p:pic>
+        <p:nvPicPr>
+          <p:cNvPr id="3" name="図 2">
+            <a:extLst>
+              <a:ext uri="{FF2B5EF4-FFF2-40B4-BE49-F238E27FC236}">
+                <a16:creationId xmlns:a16="http://schemas.microsoft.com/office/drawing/2014/main" id="{5F076B1C-81F3-4C07-AE52-C087C3FA87ED}"/>
+              </a:ext>
+            </a:extLst>
+          </p:cNvPr>
+          <p:cNvPicPr>
+            <a:picLocks noChangeAspect="1"/>
+          </p:cNvPicPr>
+          <p:nvPr/>
+        </p:nvPicPr>
+        <p:blipFill>
+          <a:blip r:embed="rId2">
+            <a:extLst>
+              <a:ext uri="{28A0092B-C50C-407E-A947-70E740481C1C}">
+                <a14:useLocalDpi xmlns:a14="http://schemas.microsoft.com/office/drawing/2010/main" val="0"/>
+              </a:ext>
+            </a:extLst>
+          </a:blip>
+          <a:stretch>
+            <a:fillRect/>
+          </a:stretch>
+        </p:blipFill>
+        <p:spPr>
+          <a:xfrm>
+            <a:off x="0" y="425548"/>
+            <a:ext cx="12190137" cy="6006904"/>
+          </a:xfrm>
+          <a:prstGeom prst="rect">
+            <a:avLst/>
+          </a:prstGeom>
+        </p:spPr>
+      </p:pic>
+      <p:sp>
+        <p:nvSpPr>
+          <p:cNvPr id="4" name="テキスト ボックス 3">
+            <a:extLst>
+              <a:ext uri="{FF2B5EF4-FFF2-40B4-BE49-F238E27FC236}">
+                <a16:creationId xmlns:a16="http://schemas.microsoft.com/office/drawing/2014/main" id="{C53E53F2-5025-4762-8E3B-12C3CDBF4EB3}"/>
+              </a:ext>
+            </a:extLst>
+          </p:cNvPr>
+          <p:cNvSpPr txBox="1"/>
+          <p:nvPr/>
+        </p:nvSpPr>
+        <p:spPr>
+          <a:xfrm>
+            <a:off x="312751" y="614697"/>
+            <a:ext cx="1415772" cy="584775"/>
+          </a:xfrm>
+          <a:prstGeom prst="rect">
+            <a:avLst/>
+          </a:prstGeom>
+          <a:solidFill>
+            <a:schemeClr val="bg1"/>
+          </a:solidFill>
+          <a:ln w="28575">
+            <a:solidFill>
+              <a:schemeClr val="tx1"/>
+            </a:solidFill>
+          </a:ln>
+        </p:spPr>
+        <p:txBody>
+          <a:bodyPr wrap="none" rtlCol="0">
+            <a:spAutoFit/>
+          </a:bodyPr>
+          <a:lstStyle/>
+          <a:p>
+            <a:r>
+              <a:rPr kumimoji="1" lang="ja-JP" altLang="en-US" sz="3200" dirty="0"/>
+              <a:t>生画像</a:t>
+            </a:r>
+          </a:p>
+        </p:txBody>
+      </p:sp>
+      <p:sp>
+        <p:nvSpPr>
+          <p:cNvPr id="5" name="テキスト ボックス 4">
+            <a:extLst>
+              <a:ext uri="{FF2B5EF4-FFF2-40B4-BE49-F238E27FC236}">
+                <a16:creationId xmlns:a16="http://schemas.microsoft.com/office/drawing/2014/main" id="{9B3FAF93-48D7-4AEB-983F-BC4956EDF150}"/>
+              </a:ext>
+            </a:extLst>
+          </p:cNvPr>
+          <p:cNvSpPr txBox="1"/>
+          <p:nvPr/>
+        </p:nvSpPr>
+        <p:spPr>
+          <a:xfrm>
+            <a:off x="4242021" y="614697"/>
+            <a:ext cx="2236510" cy="584775"/>
+          </a:xfrm>
+          <a:prstGeom prst="rect">
+            <a:avLst/>
+          </a:prstGeom>
+          <a:solidFill>
+            <a:schemeClr val="bg1"/>
+          </a:solidFill>
+          <a:ln w="28575">
+            <a:solidFill>
+              <a:schemeClr val="tx1"/>
+            </a:solidFill>
+          </a:ln>
+        </p:spPr>
+        <p:txBody>
+          <a:bodyPr wrap="none" rtlCol="0">
+            <a:spAutoFit/>
+          </a:bodyPr>
+          <a:lstStyle/>
+          <a:p>
+            <a:r>
+              <a:rPr lang="ja-JP" altLang="en-US" sz="3200" dirty="0"/>
+              <a:t>グレー</a:t>
+            </a:r>
+            <a:r>
+              <a:rPr kumimoji="1" lang="ja-JP" altLang="en-US" sz="3200" dirty="0"/>
+              <a:t>画像</a:t>
+            </a:r>
+          </a:p>
+        </p:txBody>
+      </p:sp>
+      <p:sp>
+        <p:nvSpPr>
+          <p:cNvPr id="6" name="テキスト ボックス 5">
+            <a:extLst>
+              <a:ext uri="{FF2B5EF4-FFF2-40B4-BE49-F238E27FC236}">
+                <a16:creationId xmlns:a16="http://schemas.microsoft.com/office/drawing/2014/main" id="{4C8FE104-8801-4EE9-9060-3C6F9BB10F16}"/>
+              </a:ext>
+            </a:extLst>
+          </p:cNvPr>
+          <p:cNvSpPr txBox="1"/>
+          <p:nvPr/>
+        </p:nvSpPr>
+        <p:spPr>
+          <a:xfrm>
+            <a:off x="8123314" y="614696"/>
+            <a:ext cx="3057247" cy="584775"/>
+          </a:xfrm>
+          <a:prstGeom prst="rect">
+            <a:avLst/>
+          </a:prstGeom>
+          <a:solidFill>
+            <a:schemeClr val="bg1"/>
+          </a:solidFill>
+          <a:ln w="28575">
+            <a:solidFill>
+              <a:schemeClr val="tx1"/>
+            </a:solidFill>
+          </a:ln>
+        </p:spPr>
+        <p:txBody>
+          <a:bodyPr wrap="none" rtlCol="0">
+            <a:spAutoFit/>
+          </a:bodyPr>
+          <a:lstStyle/>
+          <a:p>
+            <a:r>
+              <a:rPr lang="ja-JP" altLang="en-US" sz="3200" dirty="0"/>
+              <a:t>大域的閾値選択</a:t>
+            </a:r>
+            <a:endParaRPr kumimoji="1" lang="ja-JP" altLang="en-US" sz="3200" dirty="0"/>
+          </a:p>
+        </p:txBody>
+      </p:sp>
+      <p:sp>
+        <p:nvSpPr>
+          <p:cNvPr id="7" name="テキスト ボックス 6">
+            <a:extLst>
+              <a:ext uri="{FF2B5EF4-FFF2-40B4-BE49-F238E27FC236}">
+                <a16:creationId xmlns:a16="http://schemas.microsoft.com/office/drawing/2014/main" id="{F7BF6F77-EDEA-4E3C-9E5E-E88667ED8E02}"/>
+              </a:ext>
+            </a:extLst>
+          </p:cNvPr>
+          <p:cNvSpPr txBox="1"/>
+          <p:nvPr/>
+        </p:nvSpPr>
+        <p:spPr>
+          <a:xfrm>
+            <a:off x="312751" y="3523574"/>
+            <a:ext cx="2646878" cy="584775"/>
+          </a:xfrm>
+          <a:prstGeom prst="rect">
+            <a:avLst/>
+          </a:prstGeom>
+          <a:solidFill>
+            <a:schemeClr val="bg1"/>
+          </a:solidFill>
+          <a:ln w="28575">
+            <a:solidFill>
+              <a:schemeClr val="tx1"/>
+            </a:solidFill>
+          </a:ln>
+        </p:spPr>
+        <p:txBody>
+          <a:bodyPr wrap="none" rtlCol="0">
+            <a:spAutoFit/>
+          </a:bodyPr>
+          <a:lstStyle/>
+          <a:p>
+            <a:r>
+              <a:rPr kumimoji="1" lang="ja-JP" altLang="en-US" sz="3200" dirty="0"/>
+              <a:t>大津の二値化</a:t>
+            </a:r>
+          </a:p>
+        </p:txBody>
+      </p:sp>
+      <p:sp>
+        <p:nvSpPr>
+          <p:cNvPr id="8" name="テキスト ボックス 7">
+            <a:extLst>
+              <a:ext uri="{FF2B5EF4-FFF2-40B4-BE49-F238E27FC236}">
+                <a16:creationId xmlns:a16="http://schemas.microsoft.com/office/drawing/2014/main" id="{61A26294-8894-456C-9F95-DCBDF76A685D}"/>
+              </a:ext>
+            </a:extLst>
+          </p:cNvPr>
+          <p:cNvSpPr txBox="1"/>
+          <p:nvPr/>
+        </p:nvSpPr>
+        <p:spPr>
+          <a:xfrm>
+            <a:off x="4242021" y="3540620"/>
+            <a:ext cx="2646878" cy="584775"/>
+          </a:xfrm>
+          <a:prstGeom prst="rect">
+            <a:avLst/>
+          </a:prstGeom>
+          <a:solidFill>
+            <a:schemeClr val="bg1"/>
+          </a:solidFill>
+          <a:ln w="28575">
+            <a:solidFill>
+              <a:schemeClr val="tx1"/>
+            </a:solidFill>
+          </a:ln>
+        </p:spPr>
+        <p:txBody>
+          <a:bodyPr wrap="none" rtlCol="0">
+            <a:spAutoFit/>
+          </a:bodyPr>
+          <a:lstStyle/>
+          <a:p>
+            <a:r>
+              <a:rPr lang="ja-JP" altLang="en-US" sz="3200" dirty="0"/>
+              <a:t>適応的二値化</a:t>
+            </a:r>
+            <a:endParaRPr kumimoji="1" lang="ja-JP" altLang="en-US" sz="3200" dirty="0"/>
+          </a:p>
+        </p:txBody>
+      </p:sp>
+      <p:sp>
+        <p:nvSpPr>
+          <p:cNvPr id="10" name="テキスト ボックス 9">
+            <a:extLst>
+              <a:ext uri="{FF2B5EF4-FFF2-40B4-BE49-F238E27FC236}">
+                <a16:creationId xmlns:a16="http://schemas.microsoft.com/office/drawing/2014/main" id="{C9D6DC85-EB45-4056-809B-937434DA2A10}"/>
+              </a:ext>
+            </a:extLst>
+          </p:cNvPr>
+          <p:cNvSpPr txBox="1"/>
+          <p:nvPr/>
+        </p:nvSpPr>
+        <p:spPr>
+          <a:xfrm>
+            <a:off x="8123314" y="3523573"/>
+            <a:ext cx="2781531" cy="584775"/>
+          </a:xfrm>
+          <a:prstGeom prst="rect">
+            <a:avLst/>
+          </a:prstGeom>
+          <a:solidFill>
+            <a:schemeClr val="bg1"/>
+          </a:solidFill>
+          <a:ln w="28575">
+            <a:solidFill>
+              <a:schemeClr val="tx1"/>
+            </a:solidFill>
+          </a:ln>
+        </p:spPr>
+        <p:txBody>
+          <a:bodyPr wrap="none" rtlCol="0">
+            <a:spAutoFit/>
+          </a:bodyPr>
+          <a:lstStyle/>
+          <a:p>
+            <a:r>
+              <a:rPr kumimoji="1" lang="en-US" altLang="ja-JP" sz="3200" dirty="0"/>
+              <a:t>2</a:t>
+            </a:r>
+            <a:r>
+              <a:rPr kumimoji="1" lang="ja-JP" altLang="en-US" sz="3200" dirty="0" err="1"/>
+              <a:t>つの</a:t>
+            </a:r>
+            <a:r>
+              <a:rPr kumimoji="1" lang="ja-JP" altLang="en-US" sz="3200" dirty="0"/>
+              <a:t>閾値</a:t>
+            </a:r>
+            <a:r>
+              <a:rPr kumimoji="1" lang="en-US" altLang="ja-JP" sz="3200" dirty="0"/>
+              <a:t>(</a:t>
+            </a:r>
+            <a:r>
+              <a:rPr kumimoji="1" lang="ja-JP" altLang="en-US" sz="3200" dirty="0"/>
+              <a:t>黒</a:t>
+            </a:r>
+            <a:r>
+              <a:rPr kumimoji="1" lang="en-US" altLang="ja-JP" sz="3200" dirty="0"/>
+              <a:t>)</a:t>
+            </a:r>
+            <a:endParaRPr kumimoji="1" lang="ja-JP" altLang="en-US" sz="3200" dirty="0"/>
+          </a:p>
+        </p:txBody>
+      </p:sp>
+    </p:spTree>
+    <p:extLst>
+      <p:ext uri="{BB962C8B-B14F-4D97-AF65-F5344CB8AC3E}">
+        <p14:creationId xmlns:p14="http://schemas.microsoft.com/office/powerpoint/2010/main" val="2805776640"/>
+      </p:ext>
+    </p:extLst>
+  </p:cSld>
+  <p:clrMapOvr>
+    <a:masterClrMapping/>
+  </p:clrMapOvr>
+</p:sld>
+</file>
+
+<file path=ppt/slides/slide16.xml><?xml version="1.0" encoding="utf-8"?>
+<p:sld xmlns:a="http://schemas.openxmlformats.org/drawingml/2006/main" xmlns:r="http://schemas.openxmlformats.org/officeDocument/2006/relationships" xmlns:p="http://schemas.openxmlformats.org/presentationml/2006/main">
+  <p:cSld>
+    <p:spTree>
+      <p:nvGrpSpPr>
+        <p:cNvPr id="1" name=""/>
+        <p:cNvGrpSpPr/>
+        <p:nvPr/>
+      </p:nvGrpSpPr>
+      <p:grpSpPr>
+        <a:xfrm>
+          <a:off x="0" y="0"/>
+          <a:ext cx="0" cy="0"/>
+          <a:chOff x="0" y="0"/>
+          <a:chExt cx="0" cy="0"/>
+        </a:xfrm>
+      </p:grpSpPr>
       <p:grpSp>
         <p:nvGrpSpPr>
           <p:cNvPr id="22" name="グループ化 21"/>
@@ -3735,1211 +6556,10 @@
   <p:clrMapOvr>
     <a:masterClrMapping/>
   </p:clrMapOvr>
-  <p:timing>
-    <p:tnLst>
-      <p:par>
-        <p:cTn id="1" dur="indefinite" restart="never" nodeType="tmRoot"/>
-      </p:par>
-    </p:tnLst>
-  </p:timing>
 </p:sld>
 </file>
 
-<file path=ppt/slides/slide10.xml><?xml version="1.0" encoding="utf-8"?>
-<p:sld xmlns:a="http://schemas.openxmlformats.org/drawingml/2006/main" xmlns:r="http://schemas.openxmlformats.org/officeDocument/2006/relationships" xmlns:p="http://schemas.openxmlformats.org/presentationml/2006/main">
-  <p:cSld>
-    <p:spTree>
-      <p:nvGrpSpPr>
-        <p:cNvPr id="1" name=""/>
-        <p:cNvGrpSpPr/>
-        <p:nvPr/>
-      </p:nvGrpSpPr>
-      <p:grpSpPr>
-        <a:xfrm>
-          <a:off x="0" y="0"/>
-          <a:ext cx="0" cy="0"/>
-          <a:chOff x="0" y="0"/>
-          <a:chExt cx="0" cy="0"/>
-        </a:xfrm>
-      </p:grpSpPr>
-      <p:grpSp>
-        <p:nvGrpSpPr>
-          <p:cNvPr id="8" name="グループ化 7"/>
-          <p:cNvGrpSpPr/>
-          <p:nvPr/>
-        </p:nvGrpSpPr>
-        <p:grpSpPr>
-          <a:xfrm>
-            <a:off x="3576656" y="468348"/>
-            <a:ext cx="5360493" cy="5602867"/>
-            <a:chOff x="160124" y="584727"/>
-            <a:chExt cx="5360493" cy="5602867"/>
-          </a:xfrm>
-        </p:grpSpPr>
-        <p:grpSp>
-          <p:nvGrpSpPr>
-            <p:cNvPr id="5" name="グループ化 4">
-              <a:extLst>
-                <a:ext uri="{FF2B5EF4-FFF2-40B4-BE49-F238E27FC236}">
-                  <a16:creationId xmlns:a16="http://schemas.microsoft.com/office/drawing/2014/main" id="{E7C82472-7D26-4F66-A92F-6E96170E4B08}"/>
-                </a:ext>
-              </a:extLst>
-            </p:cNvPr>
-            <p:cNvGrpSpPr/>
-            <p:nvPr/>
-          </p:nvGrpSpPr>
-          <p:grpSpPr>
-            <a:xfrm>
-              <a:off x="304801" y="1169503"/>
-              <a:ext cx="4810541" cy="4518992"/>
-              <a:chOff x="781879" y="1126435"/>
-              <a:chExt cx="4810541" cy="4518992"/>
-            </a:xfrm>
-          </p:grpSpPr>
-          <p:cxnSp>
-            <p:nvCxnSpPr>
-              <p:cNvPr id="3" name="直線矢印コネクタ 2">
-                <a:extLst>
-                  <a:ext uri="{FF2B5EF4-FFF2-40B4-BE49-F238E27FC236}">
-                    <a16:creationId xmlns:a16="http://schemas.microsoft.com/office/drawing/2014/main" id="{B8817C62-2C83-4A61-8C8A-FA28F450CE17}"/>
-                  </a:ext>
-                </a:extLst>
-              </p:cNvPr>
-              <p:cNvCxnSpPr>
-                <a:cxnSpLocks/>
-              </p:cNvCxnSpPr>
-              <p:nvPr/>
-            </p:nvCxnSpPr>
-            <p:spPr>
-              <a:xfrm flipV="1">
-                <a:off x="821635" y="1126435"/>
-                <a:ext cx="0" cy="4518991"/>
-              </a:xfrm>
-              <a:prstGeom prst="straightConnector1">
-                <a:avLst/>
-              </a:prstGeom>
-              <a:ln w="76200">
-                <a:tailEnd type="triangle"/>
-              </a:ln>
-            </p:spPr>
-            <p:style>
-              <a:lnRef idx="1">
-                <a:schemeClr val="dk1"/>
-              </a:lnRef>
-              <a:fillRef idx="0">
-                <a:schemeClr val="dk1"/>
-              </a:fillRef>
-              <a:effectRef idx="0">
-                <a:schemeClr val="dk1"/>
-              </a:effectRef>
-              <a:fontRef idx="minor">
-                <a:schemeClr val="tx1"/>
-              </a:fontRef>
-            </p:style>
-          </p:cxnSp>
-          <p:cxnSp>
-            <p:nvCxnSpPr>
-              <p:cNvPr id="4" name="直線矢印コネクタ 3">
-                <a:extLst>
-                  <a:ext uri="{FF2B5EF4-FFF2-40B4-BE49-F238E27FC236}">
-                    <a16:creationId xmlns:a16="http://schemas.microsoft.com/office/drawing/2014/main" id="{7A340436-1C06-4B9C-9736-BF1EBF853F7A}"/>
-                  </a:ext>
-                </a:extLst>
-              </p:cNvPr>
-              <p:cNvCxnSpPr>
-                <a:cxnSpLocks/>
-              </p:cNvCxnSpPr>
-              <p:nvPr/>
-            </p:nvCxnSpPr>
-            <p:spPr>
-              <a:xfrm>
-                <a:off x="781879" y="5645427"/>
-                <a:ext cx="4810541" cy="0"/>
-              </a:xfrm>
-              <a:prstGeom prst="straightConnector1">
-                <a:avLst/>
-              </a:prstGeom>
-              <a:ln w="76200">
-                <a:tailEnd type="triangle"/>
-              </a:ln>
-            </p:spPr>
-            <p:style>
-              <a:lnRef idx="1">
-                <a:schemeClr val="dk1"/>
-              </a:lnRef>
-              <a:fillRef idx="0">
-                <a:schemeClr val="dk1"/>
-              </a:fillRef>
-              <a:effectRef idx="0">
-                <a:schemeClr val="dk1"/>
-              </a:effectRef>
-              <a:fontRef idx="minor">
-                <a:schemeClr val="tx1"/>
-              </a:fontRef>
-            </p:style>
-          </p:cxnSp>
-        </p:grpSp>
-        <p:cxnSp>
-          <p:nvCxnSpPr>
-            <p:cNvPr id="7" name="直線コネクタ 6">
-              <a:extLst>
-                <a:ext uri="{FF2B5EF4-FFF2-40B4-BE49-F238E27FC236}">
-                  <a16:creationId xmlns:a16="http://schemas.microsoft.com/office/drawing/2014/main" id="{3E7DD812-678B-474A-9C84-DC3D690B10A4}"/>
-                </a:ext>
-              </a:extLst>
-            </p:cNvPr>
-            <p:cNvCxnSpPr>
-              <a:cxnSpLocks/>
-            </p:cNvCxnSpPr>
-            <p:nvPr/>
-          </p:nvCxnSpPr>
-          <p:spPr>
-            <a:xfrm flipV="1">
-              <a:off x="344557" y="4389781"/>
-              <a:ext cx="2544417" cy="1298714"/>
-            </a:xfrm>
-            <a:prstGeom prst="line">
-              <a:avLst/>
-            </a:prstGeom>
-            <a:ln w="76200">
-              <a:headEnd type="oval" w="med" len="med"/>
-              <a:tailEnd type="oval" w="med" len="med"/>
-            </a:ln>
-          </p:spPr>
-          <p:style>
-            <a:lnRef idx="1">
-              <a:schemeClr val="dk1"/>
-            </a:lnRef>
-            <a:fillRef idx="0">
-              <a:schemeClr val="dk1"/>
-            </a:fillRef>
-            <a:effectRef idx="0">
-              <a:schemeClr val="dk1"/>
-            </a:effectRef>
-            <a:fontRef idx="minor">
-              <a:schemeClr val="tx1"/>
-            </a:fontRef>
-          </p:style>
-        </p:cxnSp>
-        <p:cxnSp>
-          <p:nvCxnSpPr>
-            <p:cNvPr id="9" name="直線コネクタ 8">
-              <a:extLst>
-                <a:ext uri="{FF2B5EF4-FFF2-40B4-BE49-F238E27FC236}">
-                  <a16:creationId xmlns:a16="http://schemas.microsoft.com/office/drawing/2014/main" id="{5AFA99D1-D389-4C5B-AF30-1318FD231EBF}"/>
-                </a:ext>
-              </a:extLst>
-            </p:cNvPr>
-            <p:cNvCxnSpPr>
-              <a:cxnSpLocks/>
-            </p:cNvCxnSpPr>
-            <p:nvPr/>
-          </p:nvCxnSpPr>
-          <p:spPr>
-            <a:xfrm flipV="1">
-              <a:off x="2888974" y="2317278"/>
-              <a:ext cx="722505" cy="2072504"/>
-            </a:xfrm>
-            <a:prstGeom prst="line">
-              <a:avLst/>
-            </a:prstGeom>
-            <a:ln w="76200">
-              <a:headEnd type="diamond" w="med" len="med"/>
-              <a:tailEnd type="diamond" w="med" len="med"/>
-            </a:ln>
-          </p:spPr>
-          <p:style>
-            <a:lnRef idx="1">
-              <a:schemeClr val="dk1"/>
-            </a:lnRef>
-            <a:fillRef idx="0">
-              <a:schemeClr val="dk1"/>
-            </a:fillRef>
-            <a:effectRef idx="0">
-              <a:schemeClr val="dk1"/>
-            </a:effectRef>
-            <a:fontRef idx="minor">
-              <a:schemeClr val="tx1"/>
-            </a:fontRef>
-          </p:style>
-        </p:cxnSp>
-        <p:grpSp>
-          <p:nvGrpSpPr>
-            <p:cNvPr id="14" name="グループ化 13">
-              <a:extLst>
-                <a:ext uri="{FF2B5EF4-FFF2-40B4-BE49-F238E27FC236}">
-                  <a16:creationId xmlns:a16="http://schemas.microsoft.com/office/drawing/2014/main" id="{6802FE1C-4D13-4E0D-A2FD-B75CAE58F0DA}"/>
-                </a:ext>
-              </a:extLst>
-            </p:cNvPr>
-            <p:cNvGrpSpPr/>
-            <p:nvPr/>
-          </p:nvGrpSpPr>
-          <p:grpSpPr>
-            <a:xfrm rot="1222204">
-              <a:off x="3486330" y="1807313"/>
-              <a:ext cx="450639" cy="536165"/>
-              <a:chOff x="3460436" y="2308202"/>
-              <a:chExt cx="450639" cy="536165"/>
-            </a:xfrm>
-          </p:grpSpPr>
-          <p:cxnSp>
-            <p:nvCxnSpPr>
-              <p:cNvPr id="24" name="直線コネクタ 23">
-                <a:extLst>
-                  <a:ext uri="{FF2B5EF4-FFF2-40B4-BE49-F238E27FC236}">
-                    <a16:creationId xmlns:a16="http://schemas.microsoft.com/office/drawing/2014/main" id="{7A63DAD3-7512-432F-A3A7-1A497CA5CE0C}"/>
-                  </a:ext>
-                </a:extLst>
-              </p:cNvPr>
-              <p:cNvCxnSpPr>
-                <a:cxnSpLocks/>
-              </p:cNvCxnSpPr>
-              <p:nvPr/>
-            </p:nvCxnSpPr>
-            <p:spPr>
-              <a:xfrm flipV="1">
-                <a:off x="3463376" y="2319803"/>
-                <a:ext cx="0" cy="512965"/>
-              </a:xfrm>
-              <a:prstGeom prst="line">
-                <a:avLst/>
-              </a:prstGeom>
-              <a:ln w="38100">
-                <a:headEnd type="none" w="med" len="med"/>
-                <a:tailEnd type="none" w="med" len="med"/>
-              </a:ln>
-            </p:spPr>
-            <p:style>
-              <a:lnRef idx="1">
-                <a:schemeClr val="dk1"/>
-              </a:lnRef>
-              <a:fillRef idx="0">
-                <a:schemeClr val="dk1"/>
-              </a:fillRef>
-              <a:effectRef idx="0">
-                <a:schemeClr val="dk1"/>
-              </a:effectRef>
-              <a:fontRef idx="minor">
-                <a:schemeClr val="tx1"/>
-              </a:fontRef>
-            </p:style>
-          </p:cxnSp>
-          <p:cxnSp>
-            <p:nvCxnSpPr>
-              <p:cNvPr id="27" name="直線コネクタ 26">
-                <a:extLst>
-                  <a:ext uri="{FF2B5EF4-FFF2-40B4-BE49-F238E27FC236}">
-                    <a16:creationId xmlns:a16="http://schemas.microsoft.com/office/drawing/2014/main" id="{2A77E8F6-8AD4-4BC2-A42C-316012E6C5E5}"/>
-                  </a:ext>
-                </a:extLst>
-              </p:cNvPr>
-              <p:cNvCxnSpPr>
-                <a:cxnSpLocks/>
-              </p:cNvCxnSpPr>
-              <p:nvPr/>
-            </p:nvCxnSpPr>
-            <p:spPr>
-              <a:xfrm flipV="1">
-                <a:off x="3911075" y="2308202"/>
-                <a:ext cx="0" cy="536165"/>
-              </a:xfrm>
-              <a:prstGeom prst="line">
-                <a:avLst/>
-              </a:prstGeom>
-              <a:ln w="38100">
-                <a:headEnd type="none" w="med" len="med"/>
-                <a:tailEnd type="none" w="med" len="med"/>
-              </a:ln>
-            </p:spPr>
-            <p:style>
-              <a:lnRef idx="1">
-                <a:schemeClr val="dk1"/>
-              </a:lnRef>
-              <a:fillRef idx="0">
-                <a:schemeClr val="dk1"/>
-              </a:fillRef>
-              <a:effectRef idx="0">
-                <a:schemeClr val="dk1"/>
-              </a:effectRef>
-              <a:fontRef idx="minor">
-                <a:schemeClr val="tx1"/>
-              </a:fontRef>
-            </p:style>
-          </p:cxnSp>
-          <p:cxnSp>
-            <p:nvCxnSpPr>
-              <p:cNvPr id="29" name="直線コネクタ 28">
-                <a:extLst>
-                  <a:ext uri="{FF2B5EF4-FFF2-40B4-BE49-F238E27FC236}">
-                    <a16:creationId xmlns:a16="http://schemas.microsoft.com/office/drawing/2014/main" id="{11537060-4597-4BD9-A884-2B1DBDA32C08}"/>
-                  </a:ext>
-                </a:extLst>
-              </p:cNvPr>
-              <p:cNvCxnSpPr>
-                <a:cxnSpLocks/>
-              </p:cNvCxnSpPr>
-              <p:nvPr/>
-            </p:nvCxnSpPr>
-            <p:spPr>
-              <a:xfrm>
-                <a:off x="3460436" y="2832622"/>
-                <a:ext cx="450639" cy="0"/>
-              </a:xfrm>
-              <a:prstGeom prst="line">
-                <a:avLst/>
-              </a:prstGeom>
-              <a:ln w="38100"/>
-            </p:spPr>
-            <p:style>
-              <a:lnRef idx="1">
-                <a:schemeClr val="dk1"/>
-              </a:lnRef>
-              <a:fillRef idx="0">
-                <a:schemeClr val="dk1"/>
-              </a:fillRef>
-              <a:effectRef idx="0">
-                <a:schemeClr val="dk1"/>
-              </a:effectRef>
-              <a:fontRef idx="minor">
-                <a:schemeClr val="tx1"/>
-              </a:fontRef>
-            </p:style>
-          </p:cxnSp>
-        </p:grpSp>
-        <p:grpSp>
-          <p:nvGrpSpPr>
-            <p:cNvPr id="18" name="グループ化 17">
-              <a:extLst>
-                <a:ext uri="{FF2B5EF4-FFF2-40B4-BE49-F238E27FC236}">
-                  <a16:creationId xmlns:a16="http://schemas.microsoft.com/office/drawing/2014/main" id="{3D8BC205-555A-4D0A-85D7-105FB78C0129}"/>
-                </a:ext>
-              </a:extLst>
-            </p:cNvPr>
-            <p:cNvGrpSpPr/>
-            <p:nvPr/>
-          </p:nvGrpSpPr>
-          <p:grpSpPr>
-            <a:xfrm>
-              <a:off x="967412" y="5147196"/>
-              <a:ext cx="956216" cy="978611"/>
-              <a:chOff x="967412" y="5147196"/>
-              <a:chExt cx="956216" cy="978611"/>
-            </a:xfrm>
-          </p:grpSpPr>
-          <p:sp>
-            <p:nvSpPr>
-              <p:cNvPr id="31" name="円弧 30">
-                <a:extLst>
-                  <a:ext uri="{FF2B5EF4-FFF2-40B4-BE49-F238E27FC236}">
-                    <a16:creationId xmlns:a16="http://schemas.microsoft.com/office/drawing/2014/main" id="{8EF24A81-B80A-4AE1-B40C-03EC3BC7E03D}"/>
-                  </a:ext>
-                </a:extLst>
-              </p:cNvPr>
-              <p:cNvSpPr/>
-              <p:nvPr/>
-            </p:nvSpPr>
-            <p:spPr>
-              <a:xfrm>
-                <a:off x="967412" y="5251181"/>
-                <a:ext cx="490329" cy="874626"/>
-              </a:xfrm>
-              <a:prstGeom prst="arc">
-                <a:avLst/>
-              </a:prstGeom>
-              <a:ln w="38100">
-                <a:headEnd type="triangle" w="med" len="med"/>
-                <a:tailEnd type="none" w="med" len="med"/>
-              </a:ln>
-            </p:spPr>
-            <p:style>
-              <a:lnRef idx="1">
-                <a:schemeClr val="dk1"/>
-              </a:lnRef>
-              <a:fillRef idx="0">
-                <a:schemeClr val="dk1"/>
-              </a:fillRef>
-              <a:effectRef idx="0">
-                <a:schemeClr val="dk1"/>
-              </a:effectRef>
-              <a:fontRef idx="minor">
-                <a:schemeClr val="tx1"/>
-              </a:fontRef>
-            </p:style>
-            <p:txBody>
-              <a:bodyPr rtlCol="0" anchor="ctr"/>
-              <a:lstStyle/>
-              <a:p>
-                <a:pPr algn="ctr"/>
-                <a:endParaRPr kumimoji="1" lang="ja-JP" altLang="en-US"/>
-              </a:p>
-            </p:txBody>
-          </p:sp>
-          <p:sp>
-            <p:nvSpPr>
-              <p:cNvPr id="32" name="テキスト ボックス 31">
-                <a:extLst>
-                  <a:ext uri="{FF2B5EF4-FFF2-40B4-BE49-F238E27FC236}">
-                    <a16:creationId xmlns:a16="http://schemas.microsoft.com/office/drawing/2014/main" id="{EC060A66-2801-49EE-A823-A05C9B0A67BC}"/>
-                  </a:ext>
-                </a:extLst>
-              </p:cNvPr>
-              <p:cNvSpPr txBox="1"/>
-              <p:nvPr/>
-            </p:nvSpPr>
-            <p:spPr>
-              <a:xfrm>
-                <a:off x="1408743" y="5147196"/>
-                <a:ext cx="514885" cy="584775"/>
-              </a:xfrm>
-              <a:prstGeom prst="rect">
-                <a:avLst/>
-              </a:prstGeom>
-              <a:noFill/>
-            </p:spPr>
-            <p:txBody>
-              <a:bodyPr wrap="none" rtlCol="0">
-                <a:spAutoFit/>
-              </a:bodyPr>
-              <a:lstStyle/>
-              <a:p>
-                <a:r>
-                  <a:rPr kumimoji="1" lang="en-US" altLang="ja-JP" sz="3200" i="1" dirty="0">
-                    <a:latin typeface="Times New Roman" panose="02020603050405020304" pitchFamily="18" charset="0"/>
-                    <a:cs typeface="Times New Roman" panose="02020603050405020304" pitchFamily="18" charset="0"/>
-                  </a:rPr>
-                  <a:t>θ</a:t>
-                </a:r>
-                <a:r>
-                  <a:rPr kumimoji="1" lang="en-US" altLang="ja-JP" sz="2000" i="1" dirty="0">
-                    <a:latin typeface="Times New Roman" panose="02020603050405020304" pitchFamily="18" charset="0"/>
-                    <a:cs typeface="Times New Roman" panose="02020603050405020304" pitchFamily="18" charset="0"/>
-                  </a:rPr>
-                  <a:t>1</a:t>
-                </a:r>
-                <a:endParaRPr kumimoji="1" lang="ja-JP" altLang="en-US" sz="3200" i="1" dirty="0">
-                  <a:latin typeface="Times New Roman" panose="02020603050405020304" pitchFamily="18" charset="0"/>
-                  <a:cs typeface="Times New Roman" panose="02020603050405020304" pitchFamily="18" charset="0"/>
-                </a:endParaRPr>
-              </a:p>
-            </p:txBody>
-          </p:sp>
-        </p:grpSp>
-        <p:cxnSp>
-          <p:nvCxnSpPr>
-            <p:cNvPr id="34" name="直線コネクタ 33">
-              <a:extLst>
-                <a:ext uri="{FF2B5EF4-FFF2-40B4-BE49-F238E27FC236}">
-                  <a16:creationId xmlns:a16="http://schemas.microsoft.com/office/drawing/2014/main" id="{8C5149AD-287A-49FC-82F4-A8D6E9B7C9AA}"/>
-                </a:ext>
-              </a:extLst>
-            </p:cNvPr>
-            <p:cNvCxnSpPr>
-              <a:cxnSpLocks/>
-            </p:cNvCxnSpPr>
-            <p:nvPr/>
-          </p:nvCxnSpPr>
-          <p:spPr>
-            <a:xfrm flipV="1">
-              <a:off x="2729224" y="3376486"/>
-              <a:ext cx="2107096" cy="1076738"/>
-            </a:xfrm>
-            <a:prstGeom prst="line">
-              <a:avLst/>
-            </a:prstGeom>
-            <a:ln>
-              <a:prstDash val="dash"/>
-            </a:ln>
-          </p:spPr>
-          <p:style>
-            <a:lnRef idx="1">
-              <a:schemeClr val="dk1"/>
-            </a:lnRef>
-            <a:fillRef idx="0">
-              <a:schemeClr val="dk1"/>
-            </a:fillRef>
-            <a:effectRef idx="0">
-              <a:schemeClr val="dk1"/>
-            </a:effectRef>
-            <a:fontRef idx="minor">
-              <a:schemeClr val="tx1"/>
-            </a:fontRef>
-          </p:style>
-        </p:cxnSp>
-        <p:grpSp>
-          <p:nvGrpSpPr>
-            <p:cNvPr id="17" name="グループ化 16">
-              <a:extLst>
-                <a:ext uri="{FF2B5EF4-FFF2-40B4-BE49-F238E27FC236}">
-                  <a16:creationId xmlns:a16="http://schemas.microsoft.com/office/drawing/2014/main" id="{C7EDA8B6-CC9C-4914-9175-EDBE9D6B9807}"/>
-                </a:ext>
-              </a:extLst>
-            </p:cNvPr>
-            <p:cNvGrpSpPr/>
-            <p:nvPr/>
-          </p:nvGrpSpPr>
-          <p:grpSpPr>
-            <a:xfrm>
-              <a:off x="2832316" y="3438585"/>
-              <a:ext cx="862464" cy="972306"/>
-              <a:chOff x="3086158" y="3078580"/>
-              <a:chExt cx="862464" cy="972306"/>
-            </a:xfrm>
-          </p:grpSpPr>
-          <p:sp>
-            <p:nvSpPr>
-              <p:cNvPr id="35" name="円弧 34">
-                <a:extLst>
-                  <a:ext uri="{FF2B5EF4-FFF2-40B4-BE49-F238E27FC236}">
-                    <a16:creationId xmlns:a16="http://schemas.microsoft.com/office/drawing/2014/main" id="{42B38824-A192-469A-A63B-66B8DD337B18}"/>
-                  </a:ext>
-                </a:extLst>
-              </p:cNvPr>
-              <p:cNvSpPr/>
-              <p:nvPr/>
-            </p:nvSpPr>
-            <p:spPr>
-              <a:xfrm>
-                <a:off x="3086158" y="3468518"/>
-                <a:ext cx="540533" cy="582368"/>
-              </a:xfrm>
-              <a:prstGeom prst="arc">
-                <a:avLst/>
-              </a:prstGeom>
-              <a:ln w="38100">
-                <a:headEnd type="triangle" w="med" len="med"/>
-                <a:tailEnd type="none" w="med" len="med"/>
-              </a:ln>
-            </p:spPr>
-            <p:style>
-              <a:lnRef idx="1">
-                <a:schemeClr val="dk1"/>
-              </a:lnRef>
-              <a:fillRef idx="0">
-                <a:schemeClr val="dk1"/>
-              </a:fillRef>
-              <a:effectRef idx="0">
-                <a:schemeClr val="dk1"/>
-              </a:effectRef>
-              <a:fontRef idx="minor">
-                <a:schemeClr val="tx1"/>
-              </a:fontRef>
-            </p:style>
-            <p:txBody>
-              <a:bodyPr rtlCol="0" anchor="ctr"/>
-              <a:lstStyle/>
-              <a:p>
-                <a:pPr algn="ctr"/>
-                <a:endParaRPr kumimoji="1" lang="ja-JP" altLang="en-US"/>
-              </a:p>
-            </p:txBody>
-          </p:sp>
-          <p:sp>
-            <p:nvSpPr>
-              <p:cNvPr id="36" name="テキスト ボックス 35">
-                <a:extLst>
-                  <a:ext uri="{FF2B5EF4-FFF2-40B4-BE49-F238E27FC236}">
-                    <a16:creationId xmlns:a16="http://schemas.microsoft.com/office/drawing/2014/main" id="{C6651DFE-7985-4C3D-A1CC-63225A4B3DE9}"/>
-                  </a:ext>
-                </a:extLst>
-              </p:cNvPr>
-              <p:cNvSpPr txBox="1"/>
-              <p:nvPr/>
-            </p:nvSpPr>
-            <p:spPr>
-              <a:xfrm>
-                <a:off x="3433737" y="3078580"/>
-                <a:ext cx="514885" cy="584775"/>
-              </a:xfrm>
-              <a:prstGeom prst="rect">
-                <a:avLst/>
-              </a:prstGeom>
-              <a:noFill/>
-            </p:spPr>
-            <p:txBody>
-              <a:bodyPr wrap="none" rtlCol="0">
-                <a:spAutoFit/>
-              </a:bodyPr>
-              <a:lstStyle/>
-              <a:p>
-                <a:r>
-                  <a:rPr kumimoji="1" lang="en-US" altLang="ja-JP" sz="3200" i="1" dirty="0">
-                    <a:latin typeface="Times New Roman" panose="02020603050405020304" pitchFamily="18" charset="0"/>
-                    <a:cs typeface="Times New Roman" panose="02020603050405020304" pitchFamily="18" charset="0"/>
-                  </a:rPr>
-                  <a:t>θ</a:t>
-                </a:r>
-                <a:r>
-                  <a:rPr lang="en-US" altLang="ja-JP" sz="2000" i="1" dirty="0">
-                    <a:latin typeface="Times New Roman" panose="02020603050405020304" pitchFamily="18" charset="0"/>
-                    <a:cs typeface="Times New Roman" panose="02020603050405020304" pitchFamily="18" charset="0"/>
-                  </a:rPr>
-                  <a:t>2</a:t>
-                </a:r>
-                <a:endParaRPr kumimoji="1" lang="ja-JP" altLang="en-US" sz="3200" i="1" dirty="0">
-                  <a:latin typeface="Times New Roman" panose="02020603050405020304" pitchFamily="18" charset="0"/>
-                  <a:cs typeface="Times New Roman" panose="02020603050405020304" pitchFamily="18" charset="0"/>
-                </a:endParaRPr>
-              </a:p>
-            </p:txBody>
-          </p:sp>
-        </p:grpSp>
-        <p:sp>
-          <p:nvSpPr>
-            <p:cNvPr id="37" name="テキスト ボックス 36">
-              <a:extLst>
-                <a:ext uri="{FF2B5EF4-FFF2-40B4-BE49-F238E27FC236}">
-                  <a16:creationId xmlns:a16="http://schemas.microsoft.com/office/drawing/2014/main" id="{02C08B31-A1AD-4B3A-BCD2-C88427D9B253}"/>
-                </a:ext>
-              </a:extLst>
-            </p:cNvPr>
-            <p:cNvSpPr txBox="1"/>
-            <p:nvPr/>
-          </p:nvSpPr>
-          <p:spPr>
-            <a:xfrm>
-              <a:off x="160124" y="584727"/>
-              <a:ext cx="389850" cy="584775"/>
-            </a:xfrm>
-            <a:prstGeom prst="rect">
-              <a:avLst/>
-            </a:prstGeom>
-            <a:noFill/>
-          </p:spPr>
-          <p:txBody>
-            <a:bodyPr wrap="none" rtlCol="0">
-              <a:spAutoFit/>
-            </a:bodyPr>
-            <a:lstStyle/>
-            <a:p>
-              <a:r>
-                <a:rPr lang="en-US" altLang="ja-JP" sz="3200" b="1" dirty="0">
-                  <a:latin typeface="Times New Roman" panose="02020603050405020304" pitchFamily="18" charset="0"/>
-                  <a:cs typeface="Times New Roman" panose="02020603050405020304" pitchFamily="18" charset="0"/>
-                </a:rPr>
-                <a:t>y</a:t>
-              </a:r>
-              <a:endParaRPr kumimoji="1" lang="ja-JP" altLang="en-US" sz="3200" b="1" dirty="0">
-                <a:latin typeface="Times New Roman" panose="02020603050405020304" pitchFamily="18" charset="0"/>
-                <a:cs typeface="Times New Roman" panose="02020603050405020304" pitchFamily="18" charset="0"/>
-              </a:endParaRPr>
-            </a:p>
-          </p:txBody>
-        </p:sp>
-        <p:sp>
-          <p:nvSpPr>
-            <p:cNvPr id="38" name="テキスト ボックス 37">
-              <a:extLst>
-                <a:ext uri="{FF2B5EF4-FFF2-40B4-BE49-F238E27FC236}">
-                  <a16:creationId xmlns:a16="http://schemas.microsoft.com/office/drawing/2014/main" id="{9B731AD9-55F8-43B4-A00D-422BB8DE04D5}"/>
-                </a:ext>
-              </a:extLst>
-            </p:cNvPr>
-            <p:cNvSpPr txBox="1"/>
-            <p:nvPr/>
-          </p:nvSpPr>
-          <p:spPr>
-            <a:xfrm>
-              <a:off x="5130767" y="5396106"/>
-              <a:ext cx="389850" cy="584775"/>
-            </a:xfrm>
-            <a:prstGeom prst="rect">
-              <a:avLst/>
-            </a:prstGeom>
-            <a:noFill/>
-          </p:spPr>
-          <p:txBody>
-            <a:bodyPr wrap="none" rtlCol="0">
-              <a:spAutoFit/>
-            </a:bodyPr>
-            <a:lstStyle/>
-            <a:p>
-              <a:r>
-                <a:rPr lang="en-US" altLang="ja-JP" sz="3200" b="1" dirty="0">
-                  <a:latin typeface="Times New Roman" panose="02020603050405020304" pitchFamily="18" charset="0"/>
-                  <a:cs typeface="Times New Roman" panose="02020603050405020304" pitchFamily="18" charset="0"/>
-                </a:rPr>
-                <a:t>x</a:t>
-              </a:r>
-              <a:endParaRPr kumimoji="1" lang="ja-JP" altLang="en-US" sz="3200" b="1" dirty="0">
-                <a:latin typeface="Times New Roman" panose="02020603050405020304" pitchFamily="18" charset="0"/>
-                <a:cs typeface="Times New Roman" panose="02020603050405020304" pitchFamily="18" charset="0"/>
-              </a:endParaRPr>
-            </a:p>
-          </p:txBody>
-        </p:sp>
-        <p:sp>
-          <p:nvSpPr>
-            <p:cNvPr id="39" name="テキスト ボックス 38">
-              <a:extLst>
-                <a:ext uri="{FF2B5EF4-FFF2-40B4-BE49-F238E27FC236}">
-                  <a16:creationId xmlns:a16="http://schemas.microsoft.com/office/drawing/2014/main" id="{0B389FA3-17ED-426C-A307-98D6AE2EE47F}"/>
-                </a:ext>
-              </a:extLst>
-            </p:cNvPr>
-            <p:cNvSpPr txBox="1"/>
-            <p:nvPr/>
-          </p:nvSpPr>
-          <p:spPr>
-            <a:xfrm>
-              <a:off x="1195188" y="4425404"/>
-              <a:ext cx="426720" cy="584775"/>
-            </a:xfrm>
-            <a:prstGeom prst="rect">
-              <a:avLst/>
-            </a:prstGeom>
-            <a:noFill/>
-          </p:spPr>
-          <p:txBody>
-            <a:bodyPr wrap="none" rtlCol="0">
-              <a:spAutoFit/>
-            </a:bodyPr>
-            <a:lstStyle/>
-            <a:p>
-              <a:r>
-                <a:rPr lang="en-US" altLang="ja-JP" sz="3200" i="1" dirty="0">
-                  <a:latin typeface="Times New Roman" panose="02020603050405020304" pitchFamily="18" charset="0"/>
-                  <a:cs typeface="Times New Roman" panose="02020603050405020304" pitchFamily="18" charset="0"/>
-                </a:rPr>
-                <a:t>l</a:t>
-              </a:r>
-              <a:r>
-                <a:rPr kumimoji="1" lang="en-US" altLang="ja-JP" sz="2000" i="1" dirty="0">
-                  <a:latin typeface="Times New Roman" panose="02020603050405020304" pitchFamily="18" charset="0"/>
-                  <a:cs typeface="Times New Roman" panose="02020603050405020304" pitchFamily="18" charset="0"/>
-                </a:rPr>
-                <a:t>1</a:t>
-              </a:r>
-              <a:endParaRPr kumimoji="1" lang="ja-JP" altLang="en-US" sz="3200" i="1" dirty="0">
-                <a:latin typeface="Times New Roman" panose="02020603050405020304" pitchFamily="18" charset="0"/>
-                <a:cs typeface="Times New Roman" panose="02020603050405020304" pitchFamily="18" charset="0"/>
-              </a:endParaRPr>
-            </a:p>
-          </p:txBody>
-        </p:sp>
-        <p:sp>
-          <p:nvSpPr>
-            <p:cNvPr id="40" name="テキスト ボックス 39">
-              <a:extLst>
-                <a:ext uri="{FF2B5EF4-FFF2-40B4-BE49-F238E27FC236}">
-                  <a16:creationId xmlns:a16="http://schemas.microsoft.com/office/drawing/2014/main" id="{D6B3404A-BA64-427D-B5F2-EF472F64A047}"/>
-                </a:ext>
-              </a:extLst>
-            </p:cNvPr>
-            <p:cNvSpPr txBox="1"/>
-            <p:nvPr/>
-          </p:nvSpPr>
-          <p:spPr>
-            <a:xfrm>
-              <a:off x="2690414" y="3012699"/>
-              <a:ext cx="426720" cy="584775"/>
-            </a:xfrm>
-            <a:prstGeom prst="rect">
-              <a:avLst/>
-            </a:prstGeom>
-            <a:noFill/>
-          </p:spPr>
-          <p:txBody>
-            <a:bodyPr wrap="none" rtlCol="0">
-              <a:spAutoFit/>
-            </a:bodyPr>
-            <a:lstStyle/>
-            <a:p>
-              <a:r>
-                <a:rPr lang="en-US" altLang="ja-JP" sz="3200" i="1" dirty="0">
-                  <a:latin typeface="Times New Roman" panose="02020603050405020304" pitchFamily="18" charset="0"/>
-                  <a:cs typeface="Times New Roman" panose="02020603050405020304" pitchFamily="18" charset="0"/>
-                </a:rPr>
-                <a:t>l</a:t>
-              </a:r>
-              <a:r>
-                <a:rPr lang="en-US" altLang="ja-JP" sz="2000" i="1" dirty="0">
-                  <a:latin typeface="Times New Roman" panose="02020603050405020304" pitchFamily="18" charset="0"/>
-                  <a:cs typeface="Times New Roman" panose="02020603050405020304" pitchFamily="18" charset="0"/>
-                </a:rPr>
-                <a:t>2</a:t>
-              </a:r>
-              <a:endParaRPr kumimoji="1" lang="ja-JP" altLang="en-US" sz="3200" i="1" dirty="0">
-                <a:latin typeface="Times New Roman" panose="02020603050405020304" pitchFamily="18" charset="0"/>
-                <a:cs typeface="Times New Roman" panose="02020603050405020304" pitchFamily="18" charset="0"/>
-              </a:endParaRPr>
-            </a:p>
-          </p:txBody>
-        </p:sp>
-        <p:grpSp>
-          <p:nvGrpSpPr>
-            <p:cNvPr id="6" name="グループ化 5"/>
-            <p:cNvGrpSpPr/>
-            <p:nvPr/>
-          </p:nvGrpSpPr>
-          <p:grpSpPr>
-            <a:xfrm rot="2230958" flipH="1">
-              <a:off x="2805246" y="2325175"/>
-              <a:ext cx="1440487" cy="2249766"/>
-              <a:chOff x="2274642" y="2124849"/>
-              <a:chExt cx="1440487" cy="2249766"/>
-            </a:xfrm>
-          </p:grpSpPr>
-          <p:sp>
-            <p:nvSpPr>
-              <p:cNvPr id="2" name="円弧 1"/>
-              <p:cNvSpPr/>
-              <p:nvPr/>
-            </p:nvSpPr>
-            <p:spPr>
-              <a:xfrm rot="3291253">
-                <a:off x="2755732" y="2124849"/>
-                <a:ext cx="959397" cy="959397"/>
-              </a:xfrm>
-              <a:prstGeom prst="arc">
-                <a:avLst>
-                  <a:gd name="adj1" fmla="val 16200000"/>
-                  <a:gd name="adj2" fmla="val 18458486"/>
-                </a:avLst>
-              </a:prstGeom>
-              <a:ln w="38100">
-                <a:solidFill>
-                  <a:schemeClr val="tx1"/>
-                </a:solidFill>
-              </a:ln>
-            </p:spPr>
-            <p:style>
-              <a:lnRef idx="1">
-                <a:schemeClr val="accent1"/>
-              </a:lnRef>
-              <a:fillRef idx="0">
-                <a:schemeClr val="accent1"/>
-              </a:fillRef>
-              <a:effectRef idx="0">
-                <a:schemeClr val="accent1"/>
-              </a:effectRef>
-              <a:fontRef idx="minor">
-                <a:schemeClr val="tx1"/>
-              </a:fontRef>
-            </p:style>
-            <p:txBody>
-              <a:bodyPr rtlCol="0" anchor="ctr"/>
-              <a:lstStyle/>
-              <a:p>
-                <a:pPr algn="ctr"/>
-                <a:endParaRPr kumimoji="1" lang="ja-JP" altLang="en-US"/>
-              </a:p>
-            </p:txBody>
-          </p:sp>
-          <p:sp>
-            <p:nvSpPr>
-              <p:cNvPr id="23" name="円弧 22"/>
-              <p:cNvSpPr/>
-              <p:nvPr/>
-            </p:nvSpPr>
-            <p:spPr>
-              <a:xfrm rot="19927927" flipV="1">
-                <a:off x="2274642" y="3415218"/>
-                <a:ext cx="959397" cy="959397"/>
-              </a:xfrm>
-              <a:prstGeom prst="arc">
-                <a:avLst>
-                  <a:gd name="adj1" fmla="val 16200000"/>
-                  <a:gd name="adj2" fmla="val 18458486"/>
-                </a:avLst>
-              </a:prstGeom>
-              <a:ln w="38100">
-                <a:solidFill>
-                  <a:schemeClr val="tx1"/>
-                </a:solidFill>
-              </a:ln>
-            </p:spPr>
-            <p:style>
-              <a:lnRef idx="1">
-                <a:schemeClr val="accent1"/>
-              </a:lnRef>
-              <a:fillRef idx="0">
-                <a:schemeClr val="accent1"/>
-              </a:fillRef>
-              <a:effectRef idx="0">
-                <a:schemeClr val="accent1"/>
-              </a:effectRef>
-              <a:fontRef idx="minor">
-                <a:schemeClr val="tx1"/>
-              </a:fontRef>
-            </p:style>
-            <p:txBody>
-              <a:bodyPr rtlCol="0" anchor="ctr"/>
-              <a:lstStyle/>
-              <a:p>
-                <a:pPr algn="ctr"/>
-                <a:endParaRPr kumimoji="1" lang="ja-JP" altLang="en-US"/>
-              </a:p>
-            </p:txBody>
-          </p:sp>
-        </p:grpSp>
-        <p:grpSp>
-          <p:nvGrpSpPr>
-            <p:cNvPr id="25" name="グループ化 24"/>
-            <p:cNvGrpSpPr/>
-            <p:nvPr/>
-          </p:nvGrpSpPr>
-          <p:grpSpPr>
-            <a:xfrm rot="16382869" flipV="1">
-              <a:off x="768985" y="3898833"/>
-              <a:ext cx="1941655" cy="2635867"/>
-              <a:chOff x="1710289" y="2088383"/>
-              <a:chExt cx="1941655" cy="2635867"/>
-            </a:xfrm>
-          </p:grpSpPr>
-          <p:sp>
-            <p:nvSpPr>
-              <p:cNvPr id="26" name="円弧 25"/>
-              <p:cNvSpPr/>
-              <p:nvPr/>
-            </p:nvSpPr>
-            <p:spPr>
-              <a:xfrm rot="4001098">
-                <a:off x="2692547" y="2088383"/>
-                <a:ext cx="959397" cy="959397"/>
-              </a:xfrm>
-              <a:prstGeom prst="arc">
-                <a:avLst>
-                  <a:gd name="adj1" fmla="val 16200000"/>
-                  <a:gd name="adj2" fmla="val 18458486"/>
-                </a:avLst>
-              </a:prstGeom>
-              <a:ln w="38100">
-                <a:solidFill>
-                  <a:schemeClr val="tx1"/>
-                </a:solidFill>
-              </a:ln>
-            </p:spPr>
-            <p:style>
-              <a:lnRef idx="1">
-                <a:schemeClr val="accent1"/>
-              </a:lnRef>
-              <a:fillRef idx="0">
-                <a:schemeClr val="accent1"/>
-              </a:fillRef>
-              <a:effectRef idx="0">
-                <a:schemeClr val="accent1"/>
-              </a:effectRef>
-              <a:fontRef idx="minor">
-                <a:schemeClr val="tx1"/>
-              </a:fontRef>
-            </p:style>
-            <p:txBody>
-              <a:bodyPr rtlCol="0" anchor="ctr"/>
-              <a:lstStyle/>
-              <a:p>
-                <a:pPr algn="ctr"/>
-                <a:endParaRPr kumimoji="1" lang="ja-JP" altLang="en-US"/>
-              </a:p>
-            </p:txBody>
-          </p:sp>
-          <p:sp>
-            <p:nvSpPr>
-              <p:cNvPr id="28" name="円弧 27"/>
-              <p:cNvSpPr/>
-              <p:nvPr/>
-            </p:nvSpPr>
-            <p:spPr>
-              <a:xfrm rot="21467698" flipV="1">
-                <a:off x="1710289" y="3764853"/>
-                <a:ext cx="959397" cy="959397"/>
-              </a:xfrm>
-              <a:prstGeom prst="arc">
-                <a:avLst>
-                  <a:gd name="adj1" fmla="val 16200000"/>
-                  <a:gd name="adj2" fmla="val 18458486"/>
-                </a:avLst>
-              </a:prstGeom>
-              <a:ln w="38100">
-                <a:solidFill>
-                  <a:schemeClr val="tx1"/>
-                </a:solidFill>
-              </a:ln>
-            </p:spPr>
-            <p:style>
-              <a:lnRef idx="1">
-                <a:schemeClr val="accent1"/>
-              </a:lnRef>
-              <a:fillRef idx="0">
-                <a:schemeClr val="accent1"/>
-              </a:fillRef>
-              <a:effectRef idx="0">
-                <a:schemeClr val="accent1"/>
-              </a:effectRef>
-              <a:fontRef idx="minor">
-                <a:schemeClr val="tx1"/>
-              </a:fontRef>
-            </p:style>
-            <p:txBody>
-              <a:bodyPr rtlCol="0" anchor="ctr"/>
-              <a:lstStyle/>
-              <a:p>
-                <a:pPr algn="ctr"/>
-                <a:endParaRPr kumimoji="1" lang="ja-JP" altLang="en-US"/>
-              </a:p>
-            </p:txBody>
-          </p:sp>
-        </p:grpSp>
-      </p:grpSp>
-      <p:cxnSp>
-        <p:nvCxnSpPr>
-          <p:cNvPr id="13" name="直線コネクタ 12"/>
-          <p:cNvCxnSpPr/>
-          <p:nvPr/>
-        </p:nvCxnSpPr>
-        <p:spPr>
-          <a:xfrm>
-            <a:off x="6315075" y="4262438"/>
-            <a:ext cx="2000250" cy="0"/>
-          </a:xfrm>
-          <a:prstGeom prst="line">
-            <a:avLst/>
-          </a:prstGeom>
-          <a:ln>
-            <a:prstDash val="dash"/>
-          </a:ln>
-        </p:spPr>
-        <p:style>
-          <a:lnRef idx="1">
-            <a:schemeClr val="dk1"/>
-          </a:lnRef>
-          <a:fillRef idx="0">
-            <a:schemeClr val="dk1"/>
-          </a:fillRef>
-          <a:effectRef idx="0">
-            <a:schemeClr val="dk1"/>
-          </a:effectRef>
-          <a:fontRef idx="minor">
-            <a:schemeClr val="tx1"/>
-          </a:fontRef>
-        </p:style>
-      </p:cxnSp>
-      <p:grpSp>
-        <p:nvGrpSpPr>
-          <p:cNvPr id="15" name="グループ化 14"/>
-          <p:cNvGrpSpPr/>
-          <p:nvPr/>
-        </p:nvGrpSpPr>
-        <p:grpSpPr>
-          <a:xfrm>
-            <a:off x="6937843" y="3706955"/>
-            <a:ext cx="956216" cy="978611"/>
-            <a:chOff x="4536344" y="5183217"/>
-            <a:chExt cx="956216" cy="978611"/>
-          </a:xfrm>
-        </p:grpSpPr>
-        <p:sp>
-          <p:nvSpPr>
-            <p:cNvPr id="41" name="円弧 40">
-              <a:extLst>
-                <a:ext uri="{FF2B5EF4-FFF2-40B4-BE49-F238E27FC236}">
-                  <a16:creationId xmlns:a16="http://schemas.microsoft.com/office/drawing/2014/main" id="{8EF24A81-B80A-4AE1-B40C-03EC3BC7E03D}"/>
-                </a:ext>
-              </a:extLst>
-            </p:cNvPr>
-            <p:cNvSpPr/>
-            <p:nvPr/>
-          </p:nvSpPr>
-          <p:spPr>
-            <a:xfrm>
-              <a:off x="4536344" y="5287202"/>
-              <a:ext cx="490329" cy="874626"/>
-            </a:xfrm>
-            <a:prstGeom prst="arc">
-              <a:avLst/>
-            </a:prstGeom>
-            <a:ln w="38100">
-              <a:headEnd type="triangle" w="med" len="med"/>
-              <a:tailEnd type="none" w="med" len="med"/>
-            </a:ln>
-          </p:spPr>
-          <p:style>
-            <a:lnRef idx="1">
-              <a:schemeClr val="dk1"/>
-            </a:lnRef>
-            <a:fillRef idx="0">
-              <a:schemeClr val="dk1"/>
-            </a:fillRef>
-            <a:effectRef idx="0">
-              <a:schemeClr val="dk1"/>
-            </a:effectRef>
-            <a:fontRef idx="minor">
-              <a:schemeClr val="tx1"/>
-            </a:fontRef>
-          </p:style>
-          <p:txBody>
-            <a:bodyPr rtlCol="0" anchor="ctr"/>
-            <a:lstStyle/>
-            <a:p>
-              <a:pPr algn="ctr"/>
-              <a:endParaRPr kumimoji="1" lang="ja-JP" altLang="en-US"/>
-            </a:p>
-          </p:txBody>
-        </p:sp>
-        <p:sp>
-          <p:nvSpPr>
-            <p:cNvPr id="42" name="テキスト ボックス 41">
-              <a:extLst>
-                <a:ext uri="{FF2B5EF4-FFF2-40B4-BE49-F238E27FC236}">
-                  <a16:creationId xmlns:a16="http://schemas.microsoft.com/office/drawing/2014/main" id="{EC060A66-2801-49EE-A823-A05C9B0A67BC}"/>
-                </a:ext>
-              </a:extLst>
-            </p:cNvPr>
-            <p:cNvSpPr txBox="1"/>
-            <p:nvPr/>
-          </p:nvSpPr>
-          <p:spPr>
-            <a:xfrm>
-              <a:off x="4977675" y="5183217"/>
-              <a:ext cx="514885" cy="584775"/>
-            </a:xfrm>
-            <a:prstGeom prst="rect">
-              <a:avLst/>
-            </a:prstGeom>
-            <a:noFill/>
-          </p:spPr>
-          <p:txBody>
-            <a:bodyPr wrap="none" rtlCol="0">
-              <a:spAutoFit/>
-            </a:bodyPr>
-            <a:lstStyle/>
-            <a:p>
-              <a:r>
-                <a:rPr kumimoji="1" lang="en-US" altLang="ja-JP" sz="3200" i="1" dirty="0">
-                  <a:latin typeface="Times New Roman" panose="02020603050405020304" pitchFamily="18" charset="0"/>
-                  <a:cs typeface="Times New Roman" panose="02020603050405020304" pitchFamily="18" charset="0"/>
-                </a:rPr>
-                <a:t>θ</a:t>
-              </a:r>
-              <a:r>
-                <a:rPr kumimoji="1" lang="en-US" altLang="ja-JP" sz="2000" i="1" dirty="0">
-                  <a:latin typeface="Times New Roman" panose="02020603050405020304" pitchFamily="18" charset="0"/>
-                  <a:cs typeface="Times New Roman" panose="02020603050405020304" pitchFamily="18" charset="0"/>
-                </a:rPr>
-                <a:t>1</a:t>
-              </a:r>
-              <a:endParaRPr kumimoji="1" lang="ja-JP" altLang="en-US" sz="3200" i="1" dirty="0">
-                <a:latin typeface="Times New Roman" panose="02020603050405020304" pitchFamily="18" charset="0"/>
-                <a:cs typeface="Times New Roman" panose="02020603050405020304" pitchFamily="18" charset="0"/>
-              </a:endParaRPr>
-            </a:p>
-          </p:txBody>
-        </p:sp>
-      </p:grpSp>
-    </p:spTree>
-    <p:extLst>
-      <p:ext uri="{BB962C8B-B14F-4D97-AF65-F5344CB8AC3E}">
-        <p14:creationId xmlns:p14="http://schemas.microsoft.com/office/powerpoint/2010/main" val="595994784"/>
-      </p:ext>
-    </p:extLst>
-  </p:cSld>
-  <p:clrMapOvr>
-    <a:masterClrMapping/>
-  </p:clrMapOvr>
-</p:sld>
-</file>
-
-<file path=ppt/slides/slide2.xml><?xml version="1.0" encoding="utf-8"?>
+<file path=ppt/slides/slide17.xml><?xml version="1.0" encoding="utf-8"?>
 <p:sld xmlns:a="http://schemas.openxmlformats.org/drawingml/2006/main" xmlns:r="http://schemas.openxmlformats.org/officeDocument/2006/relationships" xmlns:p="http://schemas.openxmlformats.org/presentationml/2006/main">
   <p:cSld>
     <p:spTree>
@@ -4968,9 +6588,7 @@
           <p:cNvGraphicFramePr>
             <a:graphicFrameLocks noGrp="1"/>
           </p:cNvGraphicFramePr>
-          <p:nvPr>
-            <p:extLst/>
-          </p:nvPr>
+          <p:nvPr/>
         </p:nvGraphicFramePr>
         <p:xfrm>
           <a:off x="274773" y="684642"/>
@@ -6618,9 +8236,7 @@
           <p:cNvGraphicFramePr>
             <a:graphicFrameLocks noGrp="1"/>
           </p:cNvGraphicFramePr>
-          <p:nvPr>
-            <p:extLst/>
-          </p:nvPr>
+          <p:nvPr/>
         </p:nvGraphicFramePr>
         <p:xfrm>
           <a:off x="6428514" y="684642"/>
@@ -8266,17 +9882,10 @@
   <p:clrMapOvr>
     <a:masterClrMapping/>
   </p:clrMapOvr>
-  <p:timing>
-    <p:tnLst>
-      <p:par>
-        <p:cTn id="1" dur="indefinite" restart="never" nodeType="tmRoot"/>
-      </p:par>
-    </p:tnLst>
-  </p:timing>
 </p:sld>
 </file>
 
-<file path=ppt/slides/slide3.xml><?xml version="1.0" encoding="utf-8"?>
+<file path=ppt/slides/slide18.xml><?xml version="1.0" encoding="utf-8"?>
 <p:sld xmlns:a="http://schemas.openxmlformats.org/drawingml/2006/main" xmlns:r="http://schemas.openxmlformats.org/officeDocument/2006/relationships" xmlns:p="http://schemas.openxmlformats.org/presentationml/2006/main">
   <p:cSld>
     <p:spTree>
@@ -8625,352 +10234,7 @@
 </p:sld>
 </file>
 
-<file path=ppt/slides/slide4.xml><?xml version="1.0" encoding="utf-8"?>
-<p:sld xmlns:a="http://schemas.openxmlformats.org/drawingml/2006/main" xmlns:r="http://schemas.openxmlformats.org/officeDocument/2006/relationships" xmlns:p="http://schemas.openxmlformats.org/presentationml/2006/main">
-  <p:cSld>
-    <p:spTree>
-      <p:nvGrpSpPr>
-        <p:cNvPr id="1" name=""/>
-        <p:cNvGrpSpPr/>
-        <p:nvPr/>
-      </p:nvGrpSpPr>
-      <p:grpSpPr>
-        <a:xfrm>
-          <a:off x="0" y="0"/>
-          <a:ext cx="0" cy="0"/>
-          <a:chOff x="0" y="0"/>
-          <a:chExt cx="0" cy="0"/>
-        </a:xfrm>
-      </p:grpSpPr>
-      <p:pic>
-        <p:nvPicPr>
-          <p:cNvPr id="3" name="図 2">
-            <a:extLst>
-              <a:ext uri="{FF2B5EF4-FFF2-40B4-BE49-F238E27FC236}">
-                <a16:creationId xmlns:a16="http://schemas.microsoft.com/office/drawing/2014/main" id="{5F076B1C-81F3-4C07-AE52-C087C3FA87ED}"/>
-              </a:ext>
-            </a:extLst>
-          </p:cNvPr>
-          <p:cNvPicPr>
-            <a:picLocks noChangeAspect="1"/>
-          </p:cNvPicPr>
-          <p:nvPr/>
-        </p:nvPicPr>
-        <p:blipFill>
-          <a:blip r:embed="rId2">
-            <a:extLst>
-              <a:ext uri="{28A0092B-C50C-407E-A947-70E740481C1C}">
-                <a14:useLocalDpi xmlns:a14="http://schemas.microsoft.com/office/drawing/2010/main" val="0"/>
-              </a:ext>
-            </a:extLst>
-          </a:blip>
-          <a:stretch>
-            <a:fillRect/>
-          </a:stretch>
-        </p:blipFill>
-        <p:spPr>
-          <a:xfrm>
-            <a:off x="0" y="425548"/>
-            <a:ext cx="12190137" cy="6006904"/>
-          </a:xfrm>
-          <a:prstGeom prst="rect">
-            <a:avLst/>
-          </a:prstGeom>
-        </p:spPr>
-      </p:pic>
-      <p:sp>
-        <p:nvSpPr>
-          <p:cNvPr id="4" name="テキスト ボックス 3">
-            <a:extLst>
-              <a:ext uri="{FF2B5EF4-FFF2-40B4-BE49-F238E27FC236}">
-                <a16:creationId xmlns:a16="http://schemas.microsoft.com/office/drawing/2014/main" id="{C53E53F2-5025-4762-8E3B-12C3CDBF4EB3}"/>
-              </a:ext>
-            </a:extLst>
-          </p:cNvPr>
-          <p:cNvSpPr txBox="1"/>
-          <p:nvPr/>
-        </p:nvSpPr>
-        <p:spPr>
-          <a:xfrm>
-            <a:off x="312751" y="614697"/>
-            <a:ext cx="1415772" cy="584775"/>
-          </a:xfrm>
-          <a:prstGeom prst="rect">
-            <a:avLst/>
-          </a:prstGeom>
-          <a:solidFill>
-            <a:schemeClr val="bg1"/>
-          </a:solidFill>
-          <a:ln w="28575">
-            <a:solidFill>
-              <a:schemeClr val="tx1"/>
-            </a:solidFill>
-          </a:ln>
-        </p:spPr>
-        <p:txBody>
-          <a:bodyPr wrap="none" rtlCol="0">
-            <a:spAutoFit/>
-          </a:bodyPr>
-          <a:lstStyle/>
-          <a:p>
-            <a:r>
-              <a:rPr kumimoji="1" lang="ja-JP" altLang="en-US" sz="3200" dirty="0"/>
-              <a:t>生画像</a:t>
-            </a:r>
-          </a:p>
-        </p:txBody>
-      </p:sp>
-      <p:sp>
-        <p:nvSpPr>
-          <p:cNvPr id="5" name="テキスト ボックス 4">
-            <a:extLst>
-              <a:ext uri="{FF2B5EF4-FFF2-40B4-BE49-F238E27FC236}">
-                <a16:creationId xmlns:a16="http://schemas.microsoft.com/office/drawing/2014/main" id="{9B3FAF93-48D7-4AEB-983F-BC4956EDF150}"/>
-              </a:ext>
-            </a:extLst>
-          </p:cNvPr>
-          <p:cNvSpPr txBox="1"/>
-          <p:nvPr/>
-        </p:nvSpPr>
-        <p:spPr>
-          <a:xfrm>
-            <a:off x="4242021" y="614697"/>
-            <a:ext cx="2236510" cy="584775"/>
-          </a:xfrm>
-          <a:prstGeom prst="rect">
-            <a:avLst/>
-          </a:prstGeom>
-          <a:solidFill>
-            <a:schemeClr val="bg1"/>
-          </a:solidFill>
-          <a:ln w="28575">
-            <a:solidFill>
-              <a:schemeClr val="tx1"/>
-            </a:solidFill>
-          </a:ln>
-        </p:spPr>
-        <p:txBody>
-          <a:bodyPr wrap="none" rtlCol="0">
-            <a:spAutoFit/>
-          </a:bodyPr>
-          <a:lstStyle/>
-          <a:p>
-            <a:r>
-              <a:rPr lang="ja-JP" altLang="en-US" sz="3200" dirty="0"/>
-              <a:t>グレー</a:t>
-            </a:r>
-            <a:r>
-              <a:rPr kumimoji="1" lang="ja-JP" altLang="en-US" sz="3200" dirty="0"/>
-              <a:t>画像</a:t>
-            </a:r>
-          </a:p>
-        </p:txBody>
-      </p:sp>
-      <p:sp>
-        <p:nvSpPr>
-          <p:cNvPr id="6" name="テキスト ボックス 5">
-            <a:extLst>
-              <a:ext uri="{FF2B5EF4-FFF2-40B4-BE49-F238E27FC236}">
-                <a16:creationId xmlns:a16="http://schemas.microsoft.com/office/drawing/2014/main" id="{4C8FE104-8801-4EE9-9060-3C6F9BB10F16}"/>
-              </a:ext>
-            </a:extLst>
-          </p:cNvPr>
-          <p:cNvSpPr txBox="1"/>
-          <p:nvPr/>
-        </p:nvSpPr>
-        <p:spPr>
-          <a:xfrm>
-            <a:off x="8123314" y="614696"/>
-            <a:ext cx="3057247" cy="584775"/>
-          </a:xfrm>
-          <a:prstGeom prst="rect">
-            <a:avLst/>
-          </a:prstGeom>
-          <a:solidFill>
-            <a:schemeClr val="bg1"/>
-          </a:solidFill>
-          <a:ln w="28575">
-            <a:solidFill>
-              <a:schemeClr val="tx1"/>
-            </a:solidFill>
-          </a:ln>
-        </p:spPr>
-        <p:txBody>
-          <a:bodyPr wrap="none" rtlCol="0">
-            <a:spAutoFit/>
-          </a:bodyPr>
-          <a:lstStyle/>
-          <a:p>
-            <a:r>
-              <a:rPr lang="ja-JP" altLang="en-US" sz="3200" dirty="0"/>
-              <a:t>大域的閾値選択</a:t>
-            </a:r>
-            <a:endParaRPr kumimoji="1" lang="ja-JP" altLang="en-US" sz="3200" dirty="0"/>
-          </a:p>
-        </p:txBody>
-      </p:sp>
-      <p:sp>
-        <p:nvSpPr>
-          <p:cNvPr id="7" name="テキスト ボックス 6">
-            <a:extLst>
-              <a:ext uri="{FF2B5EF4-FFF2-40B4-BE49-F238E27FC236}">
-                <a16:creationId xmlns:a16="http://schemas.microsoft.com/office/drawing/2014/main" id="{F7BF6F77-EDEA-4E3C-9E5E-E88667ED8E02}"/>
-              </a:ext>
-            </a:extLst>
-          </p:cNvPr>
-          <p:cNvSpPr txBox="1"/>
-          <p:nvPr/>
-        </p:nvSpPr>
-        <p:spPr>
-          <a:xfrm>
-            <a:off x="312751" y="3523574"/>
-            <a:ext cx="2646878" cy="584775"/>
-          </a:xfrm>
-          <a:prstGeom prst="rect">
-            <a:avLst/>
-          </a:prstGeom>
-          <a:solidFill>
-            <a:schemeClr val="bg1"/>
-          </a:solidFill>
-          <a:ln w="28575">
-            <a:solidFill>
-              <a:schemeClr val="tx1"/>
-            </a:solidFill>
-          </a:ln>
-        </p:spPr>
-        <p:txBody>
-          <a:bodyPr wrap="none" rtlCol="0">
-            <a:spAutoFit/>
-          </a:bodyPr>
-          <a:lstStyle/>
-          <a:p>
-            <a:r>
-              <a:rPr kumimoji="1" lang="ja-JP" altLang="en-US" sz="3200" dirty="0"/>
-              <a:t>大津の二値化</a:t>
-            </a:r>
-          </a:p>
-        </p:txBody>
-      </p:sp>
-      <p:sp>
-        <p:nvSpPr>
-          <p:cNvPr id="8" name="テキスト ボックス 7">
-            <a:extLst>
-              <a:ext uri="{FF2B5EF4-FFF2-40B4-BE49-F238E27FC236}">
-                <a16:creationId xmlns:a16="http://schemas.microsoft.com/office/drawing/2014/main" id="{61A26294-8894-456C-9F95-DCBDF76A685D}"/>
-              </a:ext>
-            </a:extLst>
-          </p:cNvPr>
-          <p:cNvSpPr txBox="1"/>
-          <p:nvPr/>
-        </p:nvSpPr>
-        <p:spPr>
-          <a:xfrm>
-            <a:off x="4242021" y="3540620"/>
-            <a:ext cx="2646878" cy="584775"/>
-          </a:xfrm>
-          <a:prstGeom prst="rect">
-            <a:avLst/>
-          </a:prstGeom>
-          <a:solidFill>
-            <a:schemeClr val="bg1"/>
-          </a:solidFill>
-          <a:ln w="28575">
-            <a:solidFill>
-              <a:schemeClr val="tx1"/>
-            </a:solidFill>
-          </a:ln>
-        </p:spPr>
-        <p:txBody>
-          <a:bodyPr wrap="none" rtlCol="0">
-            <a:spAutoFit/>
-          </a:bodyPr>
-          <a:lstStyle/>
-          <a:p>
-            <a:r>
-              <a:rPr lang="ja-JP" altLang="en-US" sz="3200" dirty="0"/>
-              <a:t>適応的二値化</a:t>
-            </a:r>
-            <a:endParaRPr kumimoji="1" lang="ja-JP" altLang="en-US" sz="3200" dirty="0"/>
-          </a:p>
-        </p:txBody>
-      </p:sp>
-      <p:sp>
-        <p:nvSpPr>
-          <p:cNvPr id="10" name="テキスト ボックス 9">
-            <a:extLst>
-              <a:ext uri="{FF2B5EF4-FFF2-40B4-BE49-F238E27FC236}">
-                <a16:creationId xmlns:a16="http://schemas.microsoft.com/office/drawing/2014/main" id="{C9D6DC85-EB45-4056-809B-937434DA2A10}"/>
-              </a:ext>
-            </a:extLst>
-          </p:cNvPr>
-          <p:cNvSpPr txBox="1"/>
-          <p:nvPr/>
-        </p:nvSpPr>
-        <p:spPr>
-          <a:xfrm>
-            <a:off x="8123314" y="3523573"/>
-            <a:ext cx="2781531" cy="584775"/>
-          </a:xfrm>
-          <a:prstGeom prst="rect">
-            <a:avLst/>
-          </a:prstGeom>
-          <a:solidFill>
-            <a:schemeClr val="bg1"/>
-          </a:solidFill>
-          <a:ln w="28575">
-            <a:solidFill>
-              <a:schemeClr val="tx1"/>
-            </a:solidFill>
-          </a:ln>
-        </p:spPr>
-        <p:txBody>
-          <a:bodyPr wrap="none" rtlCol="0">
-            <a:spAutoFit/>
-          </a:bodyPr>
-          <a:lstStyle/>
-          <a:p>
-            <a:r>
-              <a:rPr kumimoji="1" lang="en-US" altLang="ja-JP" sz="3200" dirty="0"/>
-              <a:t>2</a:t>
-            </a:r>
-            <a:r>
-              <a:rPr kumimoji="1" lang="ja-JP" altLang="en-US" sz="3200" dirty="0" err="1"/>
-              <a:t>つの</a:t>
-            </a:r>
-            <a:r>
-              <a:rPr kumimoji="1" lang="ja-JP" altLang="en-US" sz="3200" dirty="0"/>
-              <a:t>閾値</a:t>
-            </a:r>
-            <a:r>
-              <a:rPr kumimoji="1" lang="en-US" altLang="ja-JP" sz="3200" dirty="0"/>
-              <a:t>(</a:t>
-            </a:r>
-            <a:r>
-              <a:rPr kumimoji="1" lang="ja-JP" altLang="en-US" sz="3200" dirty="0"/>
-              <a:t>黒</a:t>
-            </a:r>
-            <a:r>
-              <a:rPr kumimoji="1" lang="en-US" altLang="ja-JP" sz="3200" dirty="0"/>
-              <a:t>)</a:t>
-            </a:r>
-            <a:endParaRPr kumimoji="1" lang="ja-JP" altLang="en-US" sz="3200" dirty="0"/>
-          </a:p>
-        </p:txBody>
-      </p:sp>
-    </p:spTree>
-    <p:extLst>
-      <p:ext uri="{BB962C8B-B14F-4D97-AF65-F5344CB8AC3E}">
-        <p14:creationId xmlns:p14="http://schemas.microsoft.com/office/powerpoint/2010/main" val="2805776640"/>
-      </p:ext>
-    </p:extLst>
-  </p:cSld>
-  <p:clrMapOvr>
-    <a:masterClrMapping/>
-  </p:clrMapOvr>
-</p:sld>
-</file>
-
-<file path=ppt/slides/slide5.xml><?xml version="1.0" encoding="utf-8"?>
+<file path=ppt/slides/slide19.xml><?xml version="1.0" encoding="utf-8"?>
 <p:sld xmlns:a="http://schemas.openxmlformats.org/drawingml/2006/main" xmlns:r="http://schemas.openxmlformats.org/officeDocument/2006/relationships" xmlns:p="http://schemas.openxmlformats.org/presentationml/2006/main">
   <p:cSld>
     <p:spTree>
@@ -10447,7 +11711,453 @@
 </p:sld>
 </file>
 
-<file path=ppt/slides/slide6.xml><?xml version="1.0" encoding="utf-8"?>
+<file path=ppt/slides/slide2.xml><?xml version="1.0" encoding="utf-8"?>
+<p:sld xmlns:a="http://schemas.openxmlformats.org/drawingml/2006/main" xmlns:r="http://schemas.openxmlformats.org/officeDocument/2006/relationships" xmlns:p="http://schemas.openxmlformats.org/presentationml/2006/main">
+  <p:cSld>
+    <p:spTree>
+      <p:nvGrpSpPr>
+        <p:cNvPr id="1" name=""/>
+        <p:cNvGrpSpPr/>
+        <p:nvPr/>
+      </p:nvGrpSpPr>
+      <p:grpSpPr>
+        <a:xfrm>
+          <a:off x="0" y="0"/>
+          <a:ext cx="0" cy="0"/>
+          <a:chOff x="0" y="0"/>
+          <a:chExt cx="0" cy="0"/>
+        </a:xfrm>
+      </p:grpSpPr>
+      <p:pic>
+        <p:nvPicPr>
+          <p:cNvPr id="11" name="図 10" descr="パソコン画面のスクリーンショット&#10;&#10;自動的に生成された説明">
+            <a:extLst>
+              <a:ext uri="{FF2B5EF4-FFF2-40B4-BE49-F238E27FC236}">
+                <a16:creationId xmlns:a16="http://schemas.microsoft.com/office/drawing/2014/main" id="{745CA1A5-963B-4EC9-92A6-3C46641AF76F}"/>
+              </a:ext>
+            </a:extLst>
+          </p:cNvPr>
+          <p:cNvPicPr>
+            <a:picLocks noChangeAspect="1"/>
+          </p:cNvPicPr>
+          <p:nvPr/>
+        </p:nvPicPr>
+        <p:blipFill>
+          <a:blip r:embed="rId2">
+            <a:extLst>
+              <a:ext uri="{28A0092B-C50C-407E-A947-70E740481C1C}">
+                <a14:useLocalDpi xmlns:a14="http://schemas.microsoft.com/office/drawing/2010/main" val="0"/>
+              </a:ext>
+            </a:extLst>
+          </a:blip>
+          <a:stretch>
+            <a:fillRect/>
+          </a:stretch>
+        </p:blipFill>
+        <p:spPr>
+          <a:xfrm>
+            <a:off x="370676" y="490127"/>
+            <a:ext cx="11450648" cy="5877745"/>
+          </a:xfrm>
+          <a:prstGeom prst="rect">
+            <a:avLst/>
+          </a:prstGeom>
+        </p:spPr>
+      </p:pic>
+      <p:grpSp>
+        <p:nvGrpSpPr>
+          <p:cNvPr id="15" name="グループ化 14">
+            <a:extLst>
+              <a:ext uri="{FF2B5EF4-FFF2-40B4-BE49-F238E27FC236}">
+                <a16:creationId xmlns:a16="http://schemas.microsoft.com/office/drawing/2014/main" id="{5B3A9052-C9CB-45AD-8CE8-E79FBF7FA4C4}"/>
+              </a:ext>
+            </a:extLst>
+          </p:cNvPr>
+          <p:cNvGrpSpPr/>
+          <p:nvPr/>
+        </p:nvGrpSpPr>
+        <p:grpSpPr>
+          <a:xfrm>
+            <a:off x="370676" y="0"/>
+            <a:ext cx="8604922" cy="5018285"/>
+            <a:chOff x="370676" y="0"/>
+            <a:chExt cx="8604922" cy="5018285"/>
+          </a:xfrm>
+        </p:grpSpPr>
+        <p:sp>
+          <p:nvSpPr>
+            <p:cNvPr id="4" name="テキスト ボックス 3">
+              <a:extLst>
+                <a:ext uri="{FF2B5EF4-FFF2-40B4-BE49-F238E27FC236}">
+                  <a16:creationId xmlns:a16="http://schemas.microsoft.com/office/drawing/2014/main" id="{F6F41264-AADF-4F02-8D18-C290988CA8A6}"/>
+                </a:ext>
+              </a:extLst>
+            </p:cNvPr>
+            <p:cNvSpPr txBox="1"/>
+            <p:nvPr/>
+          </p:nvSpPr>
+          <p:spPr>
+            <a:xfrm>
+              <a:off x="370676" y="0"/>
+              <a:ext cx="3416320" cy="523220"/>
+            </a:xfrm>
+            <a:prstGeom prst="rect">
+              <a:avLst/>
+            </a:prstGeom>
+            <a:noFill/>
+          </p:spPr>
+          <p:txBody>
+            <a:bodyPr wrap="none" rtlCol="0">
+              <a:spAutoFit/>
+            </a:bodyPr>
+            <a:lstStyle/>
+            <a:p>
+              <a:r>
+                <a:rPr kumimoji="1" lang="ja-JP" altLang="en-US" sz="2800" b="1" dirty="0"/>
+                <a:t>クリニカ　包装あり</a:t>
+              </a:r>
+            </a:p>
+          </p:txBody>
+        </p:sp>
+        <p:sp>
+          <p:nvSpPr>
+            <p:cNvPr id="5" name="テキスト ボックス 4">
+              <a:extLst>
+                <a:ext uri="{FF2B5EF4-FFF2-40B4-BE49-F238E27FC236}">
+                  <a16:creationId xmlns:a16="http://schemas.microsoft.com/office/drawing/2014/main" id="{A1ECE7FD-D676-4326-86D2-1D5AA066C555}"/>
+                </a:ext>
+              </a:extLst>
+            </p:cNvPr>
+            <p:cNvSpPr txBox="1"/>
+            <p:nvPr/>
+          </p:nvSpPr>
+          <p:spPr>
+            <a:xfrm>
+              <a:off x="504026" y="644015"/>
+              <a:ext cx="686406" cy="369332"/>
+            </a:xfrm>
+            <a:prstGeom prst="rect">
+              <a:avLst/>
+            </a:prstGeom>
+            <a:noFill/>
+          </p:spPr>
+          <p:txBody>
+            <a:bodyPr wrap="none" rtlCol="0">
+              <a:spAutoFit/>
+            </a:bodyPr>
+            <a:lstStyle/>
+            <a:p>
+              <a:r>
+                <a:rPr lang="en-US" altLang="ja-JP" b="1" dirty="0"/>
+                <a:t>RGB</a:t>
+              </a:r>
+              <a:endParaRPr kumimoji="1" lang="ja-JP" altLang="en-US" b="1" dirty="0"/>
+            </a:p>
+          </p:txBody>
+        </p:sp>
+        <p:sp>
+          <p:nvSpPr>
+            <p:cNvPr id="6" name="テキスト ボックス 5">
+              <a:extLst>
+                <a:ext uri="{FF2B5EF4-FFF2-40B4-BE49-F238E27FC236}">
+                  <a16:creationId xmlns:a16="http://schemas.microsoft.com/office/drawing/2014/main" id="{7F40C6D7-C2E3-440B-A267-8049BDC27283}"/>
+                </a:ext>
+              </a:extLst>
+            </p:cNvPr>
+            <p:cNvSpPr txBox="1"/>
+            <p:nvPr/>
+          </p:nvSpPr>
+          <p:spPr>
+            <a:xfrm>
+              <a:off x="4352126" y="649855"/>
+              <a:ext cx="684803" cy="369332"/>
+            </a:xfrm>
+            <a:prstGeom prst="rect">
+              <a:avLst/>
+            </a:prstGeom>
+            <a:noFill/>
+          </p:spPr>
+          <p:txBody>
+            <a:bodyPr wrap="none" rtlCol="0">
+              <a:spAutoFit/>
+            </a:bodyPr>
+            <a:lstStyle/>
+            <a:p>
+              <a:r>
+                <a:rPr lang="en-US" altLang="ja-JP" b="1" dirty="0" err="1"/>
+                <a:t>Glay</a:t>
+              </a:r>
+              <a:endParaRPr kumimoji="1" lang="ja-JP" altLang="en-US" b="1" dirty="0"/>
+            </a:p>
+          </p:txBody>
+        </p:sp>
+        <p:sp>
+          <p:nvSpPr>
+            <p:cNvPr id="7" name="テキスト ボックス 6">
+              <a:extLst>
+                <a:ext uri="{FF2B5EF4-FFF2-40B4-BE49-F238E27FC236}">
+                  <a16:creationId xmlns:a16="http://schemas.microsoft.com/office/drawing/2014/main" id="{032F5A1C-F422-49CA-ABB8-849B1C750ABB}"/>
+                </a:ext>
+              </a:extLst>
+            </p:cNvPr>
+            <p:cNvSpPr txBox="1"/>
+            <p:nvPr/>
+          </p:nvSpPr>
+          <p:spPr>
+            <a:xfrm>
+              <a:off x="8198623" y="644015"/>
+              <a:ext cx="649537" cy="369332"/>
+            </a:xfrm>
+            <a:prstGeom prst="rect">
+              <a:avLst/>
+            </a:prstGeom>
+            <a:noFill/>
+          </p:spPr>
+          <p:txBody>
+            <a:bodyPr wrap="none" rtlCol="0">
+              <a:spAutoFit/>
+            </a:bodyPr>
+            <a:lstStyle/>
+            <a:p>
+              <a:r>
+                <a:rPr lang="en-US" altLang="ja-JP" b="1" dirty="0"/>
+                <a:t>XYZ</a:t>
+              </a:r>
+              <a:endParaRPr kumimoji="1" lang="ja-JP" altLang="en-US" b="1" dirty="0"/>
+            </a:p>
+          </p:txBody>
+        </p:sp>
+        <p:sp>
+          <p:nvSpPr>
+            <p:cNvPr id="8" name="テキスト ボックス 7">
+              <a:extLst>
+                <a:ext uri="{FF2B5EF4-FFF2-40B4-BE49-F238E27FC236}">
+                  <a16:creationId xmlns:a16="http://schemas.microsoft.com/office/drawing/2014/main" id="{C0378799-FEA9-43D3-B717-E9417D053523}"/>
+                </a:ext>
+              </a:extLst>
+            </p:cNvPr>
+            <p:cNvSpPr txBox="1"/>
+            <p:nvPr/>
+          </p:nvSpPr>
+          <p:spPr>
+            <a:xfrm>
+              <a:off x="522460" y="2646484"/>
+              <a:ext cx="675185" cy="369332"/>
+            </a:xfrm>
+            <a:prstGeom prst="rect">
+              <a:avLst/>
+            </a:prstGeom>
+            <a:noFill/>
+          </p:spPr>
+          <p:txBody>
+            <a:bodyPr wrap="none" rtlCol="0">
+              <a:spAutoFit/>
+            </a:bodyPr>
+            <a:lstStyle/>
+            <a:p>
+              <a:r>
+                <a:rPr kumimoji="1" lang="en-US" altLang="ja-JP" b="1" dirty="0"/>
+                <a:t>HSV</a:t>
+              </a:r>
+              <a:endParaRPr kumimoji="1" lang="ja-JP" altLang="en-US" b="1" dirty="0"/>
+            </a:p>
+          </p:txBody>
+        </p:sp>
+        <p:sp>
+          <p:nvSpPr>
+            <p:cNvPr id="9" name="テキスト ボックス 8">
+              <a:extLst>
+                <a:ext uri="{FF2B5EF4-FFF2-40B4-BE49-F238E27FC236}">
+                  <a16:creationId xmlns:a16="http://schemas.microsoft.com/office/drawing/2014/main" id="{B8175AEB-4451-428D-8044-7B56EFDE5E33}"/>
+                </a:ext>
+              </a:extLst>
+            </p:cNvPr>
+            <p:cNvSpPr txBox="1"/>
+            <p:nvPr/>
+          </p:nvSpPr>
+          <p:spPr>
+            <a:xfrm>
+              <a:off x="4352126" y="2646484"/>
+              <a:ext cx="660758" cy="369332"/>
+            </a:xfrm>
+            <a:prstGeom prst="rect">
+              <a:avLst/>
+            </a:prstGeom>
+            <a:noFill/>
+          </p:spPr>
+          <p:txBody>
+            <a:bodyPr wrap="none" rtlCol="0">
+              <a:spAutoFit/>
+            </a:bodyPr>
+            <a:lstStyle/>
+            <a:p>
+              <a:r>
+                <a:rPr lang="en-US" altLang="ja-JP" b="1" dirty="0"/>
+                <a:t>HLS</a:t>
+              </a:r>
+              <a:endParaRPr kumimoji="1" lang="ja-JP" altLang="en-US" b="1" dirty="0"/>
+            </a:p>
+          </p:txBody>
+        </p:sp>
+        <p:sp>
+          <p:nvSpPr>
+            <p:cNvPr id="10" name="テキスト ボックス 9">
+              <a:extLst>
+                <a:ext uri="{FF2B5EF4-FFF2-40B4-BE49-F238E27FC236}">
+                  <a16:creationId xmlns:a16="http://schemas.microsoft.com/office/drawing/2014/main" id="{E385D88B-6492-4789-A41B-BB7F3A85D53E}"/>
+                </a:ext>
+              </a:extLst>
+            </p:cNvPr>
+            <p:cNvSpPr txBox="1"/>
+            <p:nvPr/>
+          </p:nvSpPr>
+          <p:spPr>
+            <a:xfrm>
+              <a:off x="8071183" y="2646484"/>
+              <a:ext cx="904415" cy="369332"/>
+            </a:xfrm>
+            <a:prstGeom prst="rect">
+              <a:avLst/>
+            </a:prstGeom>
+            <a:noFill/>
+          </p:spPr>
+          <p:txBody>
+            <a:bodyPr wrap="none" rtlCol="0">
+              <a:spAutoFit/>
+            </a:bodyPr>
+            <a:lstStyle/>
+            <a:p>
+              <a:r>
+                <a:rPr lang="en-US" altLang="ja-JP" b="1" dirty="0" err="1"/>
+                <a:t>YCrCb</a:t>
+              </a:r>
+              <a:endParaRPr kumimoji="1" lang="ja-JP" altLang="en-US" b="1" dirty="0"/>
+            </a:p>
+          </p:txBody>
+        </p:sp>
+        <p:sp>
+          <p:nvSpPr>
+            <p:cNvPr id="12" name="テキスト ボックス 11">
+              <a:extLst>
+                <a:ext uri="{FF2B5EF4-FFF2-40B4-BE49-F238E27FC236}">
+                  <a16:creationId xmlns:a16="http://schemas.microsoft.com/office/drawing/2014/main" id="{CCF4CFD7-8C7C-41ED-BA5E-5C4D8AC59D1E}"/>
+                </a:ext>
+              </a:extLst>
+            </p:cNvPr>
+            <p:cNvSpPr txBox="1"/>
+            <p:nvPr/>
+          </p:nvSpPr>
+          <p:spPr>
+            <a:xfrm>
+              <a:off x="504026" y="4648953"/>
+              <a:ext cx="665567" cy="369332"/>
+            </a:xfrm>
+            <a:prstGeom prst="rect">
+              <a:avLst/>
+            </a:prstGeom>
+            <a:noFill/>
+          </p:spPr>
+          <p:txBody>
+            <a:bodyPr wrap="none" rtlCol="0">
+              <a:spAutoFit/>
+            </a:bodyPr>
+            <a:lstStyle/>
+            <a:p>
+              <a:r>
+                <a:rPr lang="en-US" altLang="ja-JP" b="1" dirty="0"/>
+                <a:t>LUV</a:t>
+              </a:r>
+              <a:endParaRPr kumimoji="1" lang="ja-JP" altLang="en-US" b="1" dirty="0"/>
+            </a:p>
+          </p:txBody>
+        </p:sp>
+        <p:sp>
+          <p:nvSpPr>
+            <p:cNvPr id="13" name="テキスト ボックス 12">
+              <a:extLst>
+                <a:ext uri="{FF2B5EF4-FFF2-40B4-BE49-F238E27FC236}">
+                  <a16:creationId xmlns:a16="http://schemas.microsoft.com/office/drawing/2014/main" id="{3E0320B6-875B-4708-A05D-19272C558BBA}"/>
+                </a:ext>
+              </a:extLst>
+            </p:cNvPr>
+            <p:cNvSpPr txBox="1"/>
+            <p:nvPr/>
+          </p:nvSpPr>
+          <p:spPr>
+            <a:xfrm>
+              <a:off x="4356935" y="4643113"/>
+              <a:ext cx="651140" cy="369332"/>
+            </a:xfrm>
+            <a:prstGeom prst="rect">
+              <a:avLst/>
+            </a:prstGeom>
+            <a:noFill/>
+          </p:spPr>
+          <p:txBody>
+            <a:bodyPr wrap="none" rtlCol="0">
+              <a:spAutoFit/>
+            </a:bodyPr>
+            <a:lstStyle/>
+            <a:p>
+              <a:r>
+                <a:rPr kumimoji="1" lang="en-US" altLang="ja-JP" b="1" dirty="0"/>
+                <a:t>LAB</a:t>
+              </a:r>
+              <a:endParaRPr kumimoji="1" lang="ja-JP" altLang="en-US" b="1" dirty="0"/>
+            </a:p>
+          </p:txBody>
+        </p:sp>
+        <p:sp>
+          <p:nvSpPr>
+            <p:cNvPr id="14" name="テキスト ボックス 13">
+              <a:extLst>
+                <a:ext uri="{FF2B5EF4-FFF2-40B4-BE49-F238E27FC236}">
+                  <a16:creationId xmlns:a16="http://schemas.microsoft.com/office/drawing/2014/main" id="{11D8F7CE-478D-4112-8A50-E07D629DF03E}"/>
+                </a:ext>
+              </a:extLst>
+            </p:cNvPr>
+            <p:cNvSpPr txBox="1"/>
+            <p:nvPr/>
+          </p:nvSpPr>
+          <p:spPr>
+            <a:xfrm>
+              <a:off x="8197820" y="4643113"/>
+              <a:ext cx="679994" cy="369332"/>
+            </a:xfrm>
+            <a:prstGeom prst="rect">
+              <a:avLst/>
+            </a:prstGeom>
+            <a:noFill/>
+          </p:spPr>
+          <p:txBody>
+            <a:bodyPr wrap="none" rtlCol="0">
+              <a:spAutoFit/>
+            </a:bodyPr>
+            <a:lstStyle/>
+            <a:p>
+              <a:r>
+                <a:rPr lang="en-US" altLang="ja-JP" b="1" dirty="0"/>
+                <a:t>YUV</a:t>
+              </a:r>
+              <a:endParaRPr kumimoji="1" lang="ja-JP" altLang="en-US" b="1" dirty="0"/>
+            </a:p>
+          </p:txBody>
+        </p:sp>
+      </p:grpSp>
+    </p:spTree>
+    <p:extLst>
+      <p:ext uri="{BB962C8B-B14F-4D97-AF65-F5344CB8AC3E}">
+        <p14:creationId xmlns:p14="http://schemas.microsoft.com/office/powerpoint/2010/main" val="3299727986"/>
+      </p:ext>
+    </p:extLst>
+  </p:cSld>
+  <p:clrMapOvr>
+    <a:masterClrMapping/>
+  </p:clrMapOvr>
+</p:sld>
+</file>
+
+<file path=ppt/slides/slide20.xml><?xml version="1.0" encoding="utf-8"?>
 <p:sld xmlns:a="http://schemas.openxmlformats.org/drawingml/2006/main" xmlns:r="http://schemas.openxmlformats.org/officeDocument/2006/relationships" xmlns:p="http://schemas.openxmlformats.org/presentationml/2006/main">
   <p:cSld>
     <p:spTree>
@@ -11858,7 +13568,7 @@
 </p:sld>
 </file>
 
-<file path=ppt/slides/slide7.xml><?xml version="1.0" encoding="utf-8"?>
+<file path=ppt/slides/slide21.xml><?xml version="1.0" encoding="utf-8"?>
 <p:sld xmlns:a="http://schemas.openxmlformats.org/drawingml/2006/main" xmlns:r="http://schemas.openxmlformats.org/officeDocument/2006/relationships" xmlns:p="http://schemas.openxmlformats.org/presentationml/2006/main">
   <p:cSld>
     <p:spTree>
@@ -13678,7 +15388,7 @@
 </p:sld>
 </file>
 
-<file path=ppt/slides/slide8.xml><?xml version="1.0" encoding="utf-8"?>
+<file path=ppt/slides/slide22.xml><?xml version="1.0" encoding="utf-8"?>
 <p:sld xmlns:a="http://schemas.openxmlformats.org/drawingml/2006/main" xmlns:r="http://schemas.openxmlformats.org/officeDocument/2006/relationships" xmlns:p="http://schemas.openxmlformats.org/presentationml/2006/main">
   <p:cSld>
     <p:spTree>
@@ -14812,7 +16522,7 @@
 </p:sld>
 </file>
 
-<file path=ppt/slides/slide9.xml><?xml version="1.0" encoding="utf-8"?>
+<file path=ppt/slides/slide23.xml><?xml version="1.0" encoding="utf-8"?>
 <p:sld xmlns:a="http://schemas.openxmlformats.org/drawingml/2006/main" xmlns:r="http://schemas.openxmlformats.org/officeDocument/2006/relationships" xmlns:p="http://schemas.openxmlformats.org/presentationml/2006/main">
   <p:cSld>
     <p:spTree>
@@ -16087,6 +17797,4348 @@
 </p:sld>
 </file>
 
+<file path=ppt/slides/slide24.xml><?xml version="1.0" encoding="utf-8"?>
+<p:sld xmlns:a="http://schemas.openxmlformats.org/drawingml/2006/main" xmlns:r="http://schemas.openxmlformats.org/officeDocument/2006/relationships" xmlns:p="http://schemas.openxmlformats.org/presentationml/2006/main">
+  <p:cSld>
+    <p:spTree>
+      <p:nvGrpSpPr>
+        <p:cNvPr id="1" name=""/>
+        <p:cNvGrpSpPr/>
+        <p:nvPr/>
+      </p:nvGrpSpPr>
+      <p:grpSpPr>
+        <a:xfrm>
+          <a:off x="0" y="0"/>
+          <a:ext cx="0" cy="0"/>
+          <a:chOff x="0" y="0"/>
+          <a:chExt cx="0" cy="0"/>
+        </a:xfrm>
+      </p:grpSpPr>
+      <p:grpSp>
+        <p:nvGrpSpPr>
+          <p:cNvPr id="8" name="グループ化 7"/>
+          <p:cNvGrpSpPr/>
+          <p:nvPr/>
+        </p:nvGrpSpPr>
+        <p:grpSpPr>
+          <a:xfrm>
+            <a:off x="3576656" y="468348"/>
+            <a:ext cx="5360493" cy="5602867"/>
+            <a:chOff x="160124" y="584727"/>
+            <a:chExt cx="5360493" cy="5602867"/>
+          </a:xfrm>
+        </p:grpSpPr>
+        <p:grpSp>
+          <p:nvGrpSpPr>
+            <p:cNvPr id="5" name="グループ化 4">
+              <a:extLst>
+                <a:ext uri="{FF2B5EF4-FFF2-40B4-BE49-F238E27FC236}">
+                  <a16:creationId xmlns:a16="http://schemas.microsoft.com/office/drawing/2014/main" id="{E7C82472-7D26-4F66-A92F-6E96170E4B08}"/>
+                </a:ext>
+              </a:extLst>
+            </p:cNvPr>
+            <p:cNvGrpSpPr/>
+            <p:nvPr/>
+          </p:nvGrpSpPr>
+          <p:grpSpPr>
+            <a:xfrm>
+              <a:off x="304801" y="1169503"/>
+              <a:ext cx="4810541" cy="4518992"/>
+              <a:chOff x="781879" y="1126435"/>
+              <a:chExt cx="4810541" cy="4518992"/>
+            </a:xfrm>
+          </p:grpSpPr>
+          <p:cxnSp>
+            <p:nvCxnSpPr>
+              <p:cNvPr id="3" name="直線矢印コネクタ 2">
+                <a:extLst>
+                  <a:ext uri="{FF2B5EF4-FFF2-40B4-BE49-F238E27FC236}">
+                    <a16:creationId xmlns:a16="http://schemas.microsoft.com/office/drawing/2014/main" id="{B8817C62-2C83-4A61-8C8A-FA28F450CE17}"/>
+                  </a:ext>
+                </a:extLst>
+              </p:cNvPr>
+              <p:cNvCxnSpPr>
+                <a:cxnSpLocks/>
+              </p:cNvCxnSpPr>
+              <p:nvPr/>
+            </p:nvCxnSpPr>
+            <p:spPr>
+              <a:xfrm flipV="1">
+                <a:off x="821635" y="1126435"/>
+                <a:ext cx="0" cy="4518991"/>
+              </a:xfrm>
+              <a:prstGeom prst="straightConnector1">
+                <a:avLst/>
+              </a:prstGeom>
+              <a:ln w="76200">
+                <a:tailEnd type="triangle"/>
+              </a:ln>
+            </p:spPr>
+            <p:style>
+              <a:lnRef idx="1">
+                <a:schemeClr val="dk1"/>
+              </a:lnRef>
+              <a:fillRef idx="0">
+                <a:schemeClr val="dk1"/>
+              </a:fillRef>
+              <a:effectRef idx="0">
+                <a:schemeClr val="dk1"/>
+              </a:effectRef>
+              <a:fontRef idx="minor">
+                <a:schemeClr val="tx1"/>
+              </a:fontRef>
+            </p:style>
+          </p:cxnSp>
+          <p:cxnSp>
+            <p:nvCxnSpPr>
+              <p:cNvPr id="4" name="直線矢印コネクタ 3">
+                <a:extLst>
+                  <a:ext uri="{FF2B5EF4-FFF2-40B4-BE49-F238E27FC236}">
+                    <a16:creationId xmlns:a16="http://schemas.microsoft.com/office/drawing/2014/main" id="{7A340436-1C06-4B9C-9736-BF1EBF853F7A}"/>
+                  </a:ext>
+                </a:extLst>
+              </p:cNvPr>
+              <p:cNvCxnSpPr>
+                <a:cxnSpLocks/>
+              </p:cNvCxnSpPr>
+              <p:nvPr/>
+            </p:nvCxnSpPr>
+            <p:spPr>
+              <a:xfrm>
+                <a:off x="781879" y="5645427"/>
+                <a:ext cx="4810541" cy="0"/>
+              </a:xfrm>
+              <a:prstGeom prst="straightConnector1">
+                <a:avLst/>
+              </a:prstGeom>
+              <a:ln w="76200">
+                <a:tailEnd type="triangle"/>
+              </a:ln>
+            </p:spPr>
+            <p:style>
+              <a:lnRef idx="1">
+                <a:schemeClr val="dk1"/>
+              </a:lnRef>
+              <a:fillRef idx="0">
+                <a:schemeClr val="dk1"/>
+              </a:fillRef>
+              <a:effectRef idx="0">
+                <a:schemeClr val="dk1"/>
+              </a:effectRef>
+              <a:fontRef idx="minor">
+                <a:schemeClr val="tx1"/>
+              </a:fontRef>
+            </p:style>
+          </p:cxnSp>
+        </p:grpSp>
+        <p:cxnSp>
+          <p:nvCxnSpPr>
+            <p:cNvPr id="7" name="直線コネクタ 6">
+              <a:extLst>
+                <a:ext uri="{FF2B5EF4-FFF2-40B4-BE49-F238E27FC236}">
+                  <a16:creationId xmlns:a16="http://schemas.microsoft.com/office/drawing/2014/main" id="{3E7DD812-678B-474A-9C84-DC3D690B10A4}"/>
+                </a:ext>
+              </a:extLst>
+            </p:cNvPr>
+            <p:cNvCxnSpPr>
+              <a:cxnSpLocks/>
+            </p:cNvCxnSpPr>
+            <p:nvPr/>
+          </p:nvCxnSpPr>
+          <p:spPr>
+            <a:xfrm flipV="1">
+              <a:off x="344557" y="4389781"/>
+              <a:ext cx="2544417" cy="1298714"/>
+            </a:xfrm>
+            <a:prstGeom prst="line">
+              <a:avLst/>
+            </a:prstGeom>
+            <a:ln w="76200">
+              <a:headEnd type="oval" w="med" len="med"/>
+              <a:tailEnd type="oval" w="med" len="med"/>
+            </a:ln>
+          </p:spPr>
+          <p:style>
+            <a:lnRef idx="1">
+              <a:schemeClr val="dk1"/>
+            </a:lnRef>
+            <a:fillRef idx="0">
+              <a:schemeClr val="dk1"/>
+            </a:fillRef>
+            <a:effectRef idx="0">
+              <a:schemeClr val="dk1"/>
+            </a:effectRef>
+            <a:fontRef idx="minor">
+              <a:schemeClr val="tx1"/>
+            </a:fontRef>
+          </p:style>
+        </p:cxnSp>
+        <p:cxnSp>
+          <p:nvCxnSpPr>
+            <p:cNvPr id="9" name="直線コネクタ 8">
+              <a:extLst>
+                <a:ext uri="{FF2B5EF4-FFF2-40B4-BE49-F238E27FC236}">
+                  <a16:creationId xmlns:a16="http://schemas.microsoft.com/office/drawing/2014/main" id="{5AFA99D1-D389-4C5B-AF30-1318FD231EBF}"/>
+                </a:ext>
+              </a:extLst>
+            </p:cNvPr>
+            <p:cNvCxnSpPr>
+              <a:cxnSpLocks/>
+            </p:cNvCxnSpPr>
+            <p:nvPr/>
+          </p:nvCxnSpPr>
+          <p:spPr>
+            <a:xfrm flipV="1">
+              <a:off x="2888974" y="2317278"/>
+              <a:ext cx="722505" cy="2072504"/>
+            </a:xfrm>
+            <a:prstGeom prst="line">
+              <a:avLst/>
+            </a:prstGeom>
+            <a:ln w="76200">
+              <a:headEnd type="diamond" w="med" len="med"/>
+              <a:tailEnd type="diamond" w="med" len="med"/>
+            </a:ln>
+          </p:spPr>
+          <p:style>
+            <a:lnRef idx="1">
+              <a:schemeClr val="dk1"/>
+            </a:lnRef>
+            <a:fillRef idx="0">
+              <a:schemeClr val="dk1"/>
+            </a:fillRef>
+            <a:effectRef idx="0">
+              <a:schemeClr val="dk1"/>
+            </a:effectRef>
+            <a:fontRef idx="minor">
+              <a:schemeClr val="tx1"/>
+            </a:fontRef>
+          </p:style>
+        </p:cxnSp>
+        <p:grpSp>
+          <p:nvGrpSpPr>
+            <p:cNvPr id="14" name="グループ化 13">
+              <a:extLst>
+                <a:ext uri="{FF2B5EF4-FFF2-40B4-BE49-F238E27FC236}">
+                  <a16:creationId xmlns:a16="http://schemas.microsoft.com/office/drawing/2014/main" id="{6802FE1C-4D13-4E0D-A2FD-B75CAE58F0DA}"/>
+                </a:ext>
+              </a:extLst>
+            </p:cNvPr>
+            <p:cNvGrpSpPr/>
+            <p:nvPr/>
+          </p:nvGrpSpPr>
+          <p:grpSpPr>
+            <a:xfrm rot="1222204">
+              <a:off x="3486330" y="1807313"/>
+              <a:ext cx="450639" cy="536165"/>
+              <a:chOff x="3460436" y="2308202"/>
+              <a:chExt cx="450639" cy="536165"/>
+            </a:xfrm>
+          </p:grpSpPr>
+          <p:cxnSp>
+            <p:nvCxnSpPr>
+              <p:cNvPr id="24" name="直線コネクタ 23">
+                <a:extLst>
+                  <a:ext uri="{FF2B5EF4-FFF2-40B4-BE49-F238E27FC236}">
+                    <a16:creationId xmlns:a16="http://schemas.microsoft.com/office/drawing/2014/main" id="{7A63DAD3-7512-432F-A3A7-1A497CA5CE0C}"/>
+                  </a:ext>
+                </a:extLst>
+              </p:cNvPr>
+              <p:cNvCxnSpPr>
+                <a:cxnSpLocks/>
+              </p:cNvCxnSpPr>
+              <p:nvPr/>
+            </p:nvCxnSpPr>
+            <p:spPr>
+              <a:xfrm flipV="1">
+                <a:off x="3463376" y="2319803"/>
+                <a:ext cx="0" cy="512965"/>
+              </a:xfrm>
+              <a:prstGeom prst="line">
+                <a:avLst/>
+              </a:prstGeom>
+              <a:ln w="38100">
+                <a:headEnd type="none" w="med" len="med"/>
+                <a:tailEnd type="none" w="med" len="med"/>
+              </a:ln>
+            </p:spPr>
+            <p:style>
+              <a:lnRef idx="1">
+                <a:schemeClr val="dk1"/>
+              </a:lnRef>
+              <a:fillRef idx="0">
+                <a:schemeClr val="dk1"/>
+              </a:fillRef>
+              <a:effectRef idx="0">
+                <a:schemeClr val="dk1"/>
+              </a:effectRef>
+              <a:fontRef idx="minor">
+                <a:schemeClr val="tx1"/>
+              </a:fontRef>
+            </p:style>
+          </p:cxnSp>
+          <p:cxnSp>
+            <p:nvCxnSpPr>
+              <p:cNvPr id="27" name="直線コネクタ 26">
+                <a:extLst>
+                  <a:ext uri="{FF2B5EF4-FFF2-40B4-BE49-F238E27FC236}">
+                    <a16:creationId xmlns:a16="http://schemas.microsoft.com/office/drawing/2014/main" id="{2A77E8F6-8AD4-4BC2-A42C-316012E6C5E5}"/>
+                  </a:ext>
+                </a:extLst>
+              </p:cNvPr>
+              <p:cNvCxnSpPr>
+                <a:cxnSpLocks/>
+              </p:cNvCxnSpPr>
+              <p:nvPr/>
+            </p:nvCxnSpPr>
+            <p:spPr>
+              <a:xfrm flipV="1">
+                <a:off x="3911075" y="2308202"/>
+                <a:ext cx="0" cy="536165"/>
+              </a:xfrm>
+              <a:prstGeom prst="line">
+                <a:avLst/>
+              </a:prstGeom>
+              <a:ln w="38100">
+                <a:headEnd type="none" w="med" len="med"/>
+                <a:tailEnd type="none" w="med" len="med"/>
+              </a:ln>
+            </p:spPr>
+            <p:style>
+              <a:lnRef idx="1">
+                <a:schemeClr val="dk1"/>
+              </a:lnRef>
+              <a:fillRef idx="0">
+                <a:schemeClr val="dk1"/>
+              </a:fillRef>
+              <a:effectRef idx="0">
+                <a:schemeClr val="dk1"/>
+              </a:effectRef>
+              <a:fontRef idx="minor">
+                <a:schemeClr val="tx1"/>
+              </a:fontRef>
+            </p:style>
+          </p:cxnSp>
+          <p:cxnSp>
+            <p:nvCxnSpPr>
+              <p:cNvPr id="29" name="直線コネクタ 28">
+                <a:extLst>
+                  <a:ext uri="{FF2B5EF4-FFF2-40B4-BE49-F238E27FC236}">
+                    <a16:creationId xmlns:a16="http://schemas.microsoft.com/office/drawing/2014/main" id="{11537060-4597-4BD9-A884-2B1DBDA32C08}"/>
+                  </a:ext>
+                </a:extLst>
+              </p:cNvPr>
+              <p:cNvCxnSpPr>
+                <a:cxnSpLocks/>
+              </p:cNvCxnSpPr>
+              <p:nvPr/>
+            </p:nvCxnSpPr>
+            <p:spPr>
+              <a:xfrm>
+                <a:off x="3460436" y="2832622"/>
+                <a:ext cx="450639" cy="0"/>
+              </a:xfrm>
+              <a:prstGeom prst="line">
+                <a:avLst/>
+              </a:prstGeom>
+              <a:ln w="38100"/>
+            </p:spPr>
+            <p:style>
+              <a:lnRef idx="1">
+                <a:schemeClr val="dk1"/>
+              </a:lnRef>
+              <a:fillRef idx="0">
+                <a:schemeClr val="dk1"/>
+              </a:fillRef>
+              <a:effectRef idx="0">
+                <a:schemeClr val="dk1"/>
+              </a:effectRef>
+              <a:fontRef idx="minor">
+                <a:schemeClr val="tx1"/>
+              </a:fontRef>
+            </p:style>
+          </p:cxnSp>
+        </p:grpSp>
+        <p:grpSp>
+          <p:nvGrpSpPr>
+            <p:cNvPr id="18" name="グループ化 17">
+              <a:extLst>
+                <a:ext uri="{FF2B5EF4-FFF2-40B4-BE49-F238E27FC236}">
+                  <a16:creationId xmlns:a16="http://schemas.microsoft.com/office/drawing/2014/main" id="{3D8BC205-555A-4D0A-85D7-105FB78C0129}"/>
+                </a:ext>
+              </a:extLst>
+            </p:cNvPr>
+            <p:cNvGrpSpPr/>
+            <p:nvPr/>
+          </p:nvGrpSpPr>
+          <p:grpSpPr>
+            <a:xfrm>
+              <a:off x="967412" y="5147196"/>
+              <a:ext cx="956216" cy="978611"/>
+              <a:chOff x="967412" y="5147196"/>
+              <a:chExt cx="956216" cy="978611"/>
+            </a:xfrm>
+          </p:grpSpPr>
+          <p:sp>
+            <p:nvSpPr>
+              <p:cNvPr id="31" name="円弧 30">
+                <a:extLst>
+                  <a:ext uri="{FF2B5EF4-FFF2-40B4-BE49-F238E27FC236}">
+                    <a16:creationId xmlns:a16="http://schemas.microsoft.com/office/drawing/2014/main" id="{8EF24A81-B80A-4AE1-B40C-03EC3BC7E03D}"/>
+                  </a:ext>
+                </a:extLst>
+              </p:cNvPr>
+              <p:cNvSpPr/>
+              <p:nvPr/>
+            </p:nvSpPr>
+            <p:spPr>
+              <a:xfrm>
+                <a:off x="967412" y="5251181"/>
+                <a:ext cx="490329" cy="874626"/>
+              </a:xfrm>
+              <a:prstGeom prst="arc">
+                <a:avLst/>
+              </a:prstGeom>
+              <a:ln w="38100">
+                <a:headEnd type="triangle" w="med" len="med"/>
+                <a:tailEnd type="none" w="med" len="med"/>
+              </a:ln>
+            </p:spPr>
+            <p:style>
+              <a:lnRef idx="1">
+                <a:schemeClr val="dk1"/>
+              </a:lnRef>
+              <a:fillRef idx="0">
+                <a:schemeClr val="dk1"/>
+              </a:fillRef>
+              <a:effectRef idx="0">
+                <a:schemeClr val="dk1"/>
+              </a:effectRef>
+              <a:fontRef idx="minor">
+                <a:schemeClr val="tx1"/>
+              </a:fontRef>
+            </p:style>
+            <p:txBody>
+              <a:bodyPr rtlCol="0" anchor="ctr"/>
+              <a:lstStyle/>
+              <a:p>
+                <a:pPr algn="ctr"/>
+                <a:endParaRPr kumimoji="1" lang="ja-JP" altLang="en-US"/>
+              </a:p>
+            </p:txBody>
+          </p:sp>
+          <p:sp>
+            <p:nvSpPr>
+              <p:cNvPr id="32" name="テキスト ボックス 31">
+                <a:extLst>
+                  <a:ext uri="{FF2B5EF4-FFF2-40B4-BE49-F238E27FC236}">
+                    <a16:creationId xmlns:a16="http://schemas.microsoft.com/office/drawing/2014/main" id="{EC060A66-2801-49EE-A823-A05C9B0A67BC}"/>
+                  </a:ext>
+                </a:extLst>
+              </p:cNvPr>
+              <p:cNvSpPr txBox="1"/>
+              <p:nvPr/>
+            </p:nvSpPr>
+            <p:spPr>
+              <a:xfrm>
+                <a:off x="1408743" y="5147196"/>
+                <a:ext cx="514885" cy="584775"/>
+              </a:xfrm>
+              <a:prstGeom prst="rect">
+                <a:avLst/>
+              </a:prstGeom>
+              <a:noFill/>
+            </p:spPr>
+            <p:txBody>
+              <a:bodyPr wrap="none" rtlCol="0">
+                <a:spAutoFit/>
+              </a:bodyPr>
+              <a:lstStyle/>
+              <a:p>
+                <a:r>
+                  <a:rPr kumimoji="1" lang="en-US" altLang="ja-JP" sz="3200" i="1" dirty="0">
+                    <a:latin typeface="Times New Roman" panose="02020603050405020304" pitchFamily="18" charset="0"/>
+                    <a:cs typeface="Times New Roman" panose="02020603050405020304" pitchFamily="18" charset="0"/>
+                  </a:rPr>
+                  <a:t>θ</a:t>
+                </a:r>
+                <a:r>
+                  <a:rPr kumimoji="1" lang="en-US" altLang="ja-JP" sz="2000" i="1" dirty="0">
+                    <a:latin typeface="Times New Roman" panose="02020603050405020304" pitchFamily="18" charset="0"/>
+                    <a:cs typeface="Times New Roman" panose="02020603050405020304" pitchFamily="18" charset="0"/>
+                  </a:rPr>
+                  <a:t>1</a:t>
+                </a:r>
+                <a:endParaRPr kumimoji="1" lang="ja-JP" altLang="en-US" sz="3200" i="1" dirty="0">
+                  <a:latin typeface="Times New Roman" panose="02020603050405020304" pitchFamily="18" charset="0"/>
+                  <a:cs typeface="Times New Roman" panose="02020603050405020304" pitchFamily="18" charset="0"/>
+                </a:endParaRPr>
+              </a:p>
+            </p:txBody>
+          </p:sp>
+        </p:grpSp>
+        <p:cxnSp>
+          <p:nvCxnSpPr>
+            <p:cNvPr id="34" name="直線コネクタ 33">
+              <a:extLst>
+                <a:ext uri="{FF2B5EF4-FFF2-40B4-BE49-F238E27FC236}">
+                  <a16:creationId xmlns:a16="http://schemas.microsoft.com/office/drawing/2014/main" id="{8C5149AD-287A-49FC-82F4-A8D6E9B7C9AA}"/>
+                </a:ext>
+              </a:extLst>
+            </p:cNvPr>
+            <p:cNvCxnSpPr>
+              <a:cxnSpLocks/>
+            </p:cNvCxnSpPr>
+            <p:nvPr/>
+          </p:nvCxnSpPr>
+          <p:spPr>
+            <a:xfrm flipV="1">
+              <a:off x="2729224" y="3376486"/>
+              <a:ext cx="2107096" cy="1076738"/>
+            </a:xfrm>
+            <a:prstGeom prst="line">
+              <a:avLst/>
+            </a:prstGeom>
+            <a:ln>
+              <a:prstDash val="dash"/>
+            </a:ln>
+          </p:spPr>
+          <p:style>
+            <a:lnRef idx="1">
+              <a:schemeClr val="dk1"/>
+            </a:lnRef>
+            <a:fillRef idx="0">
+              <a:schemeClr val="dk1"/>
+            </a:fillRef>
+            <a:effectRef idx="0">
+              <a:schemeClr val="dk1"/>
+            </a:effectRef>
+            <a:fontRef idx="minor">
+              <a:schemeClr val="tx1"/>
+            </a:fontRef>
+          </p:style>
+        </p:cxnSp>
+        <p:grpSp>
+          <p:nvGrpSpPr>
+            <p:cNvPr id="17" name="グループ化 16">
+              <a:extLst>
+                <a:ext uri="{FF2B5EF4-FFF2-40B4-BE49-F238E27FC236}">
+                  <a16:creationId xmlns:a16="http://schemas.microsoft.com/office/drawing/2014/main" id="{C7EDA8B6-CC9C-4914-9175-EDBE9D6B9807}"/>
+                </a:ext>
+              </a:extLst>
+            </p:cNvPr>
+            <p:cNvGrpSpPr/>
+            <p:nvPr/>
+          </p:nvGrpSpPr>
+          <p:grpSpPr>
+            <a:xfrm>
+              <a:off x="2832316" y="3438585"/>
+              <a:ext cx="862464" cy="972306"/>
+              <a:chOff x="3086158" y="3078580"/>
+              <a:chExt cx="862464" cy="972306"/>
+            </a:xfrm>
+          </p:grpSpPr>
+          <p:sp>
+            <p:nvSpPr>
+              <p:cNvPr id="35" name="円弧 34">
+                <a:extLst>
+                  <a:ext uri="{FF2B5EF4-FFF2-40B4-BE49-F238E27FC236}">
+                    <a16:creationId xmlns:a16="http://schemas.microsoft.com/office/drawing/2014/main" id="{42B38824-A192-469A-A63B-66B8DD337B18}"/>
+                  </a:ext>
+                </a:extLst>
+              </p:cNvPr>
+              <p:cNvSpPr/>
+              <p:nvPr/>
+            </p:nvSpPr>
+            <p:spPr>
+              <a:xfrm>
+                <a:off x="3086158" y="3468518"/>
+                <a:ext cx="540533" cy="582368"/>
+              </a:xfrm>
+              <a:prstGeom prst="arc">
+                <a:avLst/>
+              </a:prstGeom>
+              <a:ln w="38100">
+                <a:headEnd type="triangle" w="med" len="med"/>
+                <a:tailEnd type="none" w="med" len="med"/>
+              </a:ln>
+            </p:spPr>
+            <p:style>
+              <a:lnRef idx="1">
+                <a:schemeClr val="dk1"/>
+              </a:lnRef>
+              <a:fillRef idx="0">
+                <a:schemeClr val="dk1"/>
+              </a:fillRef>
+              <a:effectRef idx="0">
+                <a:schemeClr val="dk1"/>
+              </a:effectRef>
+              <a:fontRef idx="minor">
+                <a:schemeClr val="tx1"/>
+              </a:fontRef>
+            </p:style>
+            <p:txBody>
+              <a:bodyPr rtlCol="0" anchor="ctr"/>
+              <a:lstStyle/>
+              <a:p>
+                <a:pPr algn="ctr"/>
+                <a:endParaRPr kumimoji="1" lang="ja-JP" altLang="en-US"/>
+              </a:p>
+            </p:txBody>
+          </p:sp>
+          <p:sp>
+            <p:nvSpPr>
+              <p:cNvPr id="36" name="テキスト ボックス 35">
+                <a:extLst>
+                  <a:ext uri="{FF2B5EF4-FFF2-40B4-BE49-F238E27FC236}">
+                    <a16:creationId xmlns:a16="http://schemas.microsoft.com/office/drawing/2014/main" id="{C6651DFE-7985-4C3D-A1CC-63225A4B3DE9}"/>
+                  </a:ext>
+                </a:extLst>
+              </p:cNvPr>
+              <p:cNvSpPr txBox="1"/>
+              <p:nvPr/>
+            </p:nvSpPr>
+            <p:spPr>
+              <a:xfrm>
+                <a:off x="3433737" y="3078580"/>
+                <a:ext cx="514885" cy="584775"/>
+              </a:xfrm>
+              <a:prstGeom prst="rect">
+                <a:avLst/>
+              </a:prstGeom>
+              <a:noFill/>
+            </p:spPr>
+            <p:txBody>
+              <a:bodyPr wrap="none" rtlCol="0">
+                <a:spAutoFit/>
+              </a:bodyPr>
+              <a:lstStyle/>
+              <a:p>
+                <a:r>
+                  <a:rPr kumimoji="1" lang="en-US" altLang="ja-JP" sz="3200" i="1" dirty="0">
+                    <a:latin typeface="Times New Roman" panose="02020603050405020304" pitchFamily="18" charset="0"/>
+                    <a:cs typeface="Times New Roman" panose="02020603050405020304" pitchFamily="18" charset="0"/>
+                  </a:rPr>
+                  <a:t>θ</a:t>
+                </a:r>
+                <a:r>
+                  <a:rPr lang="en-US" altLang="ja-JP" sz="2000" i="1" dirty="0">
+                    <a:latin typeface="Times New Roman" panose="02020603050405020304" pitchFamily="18" charset="0"/>
+                    <a:cs typeface="Times New Roman" panose="02020603050405020304" pitchFamily="18" charset="0"/>
+                  </a:rPr>
+                  <a:t>2</a:t>
+                </a:r>
+                <a:endParaRPr kumimoji="1" lang="ja-JP" altLang="en-US" sz="3200" i="1" dirty="0">
+                  <a:latin typeface="Times New Roman" panose="02020603050405020304" pitchFamily="18" charset="0"/>
+                  <a:cs typeface="Times New Roman" panose="02020603050405020304" pitchFamily="18" charset="0"/>
+                </a:endParaRPr>
+              </a:p>
+            </p:txBody>
+          </p:sp>
+        </p:grpSp>
+        <p:sp>
+          <p:nvSpPr>
+            <p:cNvPr id="37" name="テキスト ボックス 36">
+              <a:extLst>
+                <a:ext uri="{FF2B5EF4-FFF2-40B4-BE49-F238E27FC236}">
+                  <a16:creationId xmlns:a16="http://schemas.microsoft.com/office/drawing/2014/main" id="{02C08B31-A1AD-4B3A-BCD2-C88427D9B253}"/>
+                </a:ext>
+              </a:extLst>
+            </p:cNvPr>
+            <p:cNvSpPr txBox="1"/>
+            <p:nvPr/>
+          </p:nvSpPr>
+          <p:spPr>
+            <a:xfrm>
+              <a:off x="160124" y="584727"/>
+              <a:ext cx="389850" cy="584775"/>
+            </a:xfrm>
+            <a:prstGeom prst="rect">
+              <a:avLst/>
+            </a:prstGeom>
+            <a:noFill/>
+          </p:spPr>
+          <p:txBody>
+            <a:bodyPr wrap="none" rtlCol="0">
+              <a:spAutoFit/>
+            </a:bodyPr>
+            <a:lstStyle/>
+            <a:p>
+              <a:r>
+                <a:rPr lang="en-US" altLang="ja-JP" sz="3200" b="1" dirty="0">
+                  <a:latin typeface="Times New Roman" panose="02020603050405020304" pitchFamily="18" charset="0"/>
+                  <a:cs typeface="Times New Roman" panose="02020603050405020304" pitchFamily="18" charset="0"/>
+                </a:rPr>
+                <a:t>y</a:t>
+              </a:r>
+              <a:endParaRPr kumimoji="1" lang="ja-JP" altLang="en-US" sz="3200" b="1" dirty="0">
+                <a:latin typeface="Times New Roman" panose="02020603050405020304" pitchFamily="18" charset="0"/>
+                <a:cs typeface="Times New Roman" panose="02020603050405020304" pitchFamily="18" charset="0"/>
+              </a:endParaRPr>
+            </a:p>
+          </p:txBody>
+        </p:sp>
+        <p:sp>
+          <p:nvSpPr>
+            <p:cNvPr id="38" name="テキスト ボックス 37">
+              <a:extLst>
+                <a:ext uri="{FF2B5EF4-FFF2-40B4-BE49-F238E27FC236}">
+                  <a16:creationId xmlns:a16="http://schemas.microsoft.com/office/drawing/2014/main" id="{9B731AD9-55F8-43B4-A00D-422BB8DE04D5}"/>
+                </a:ext>
+              </a:extLst>
+            </p:cNvPr>
+            <p:cNvSpPr txBox="1"/>
+            <p:nvPr/>
+          </p:nvSpPr>
+          <p:spPr>
+            <a:xfrm>
+              <a:off x="5130767" y="5396106"/>
+              <a:ext cx="389850" cy="584775"/>
+            </a:xfrm>
+            <a:prstGeom prst="rect">
+              <a:avLst/>
+            </a:prstGeom>
+            <a:noFill/>
+          </p:spPr>
+          <p:txBody>
+            <a:bodyPr wrap="none" rtlCol="0">
+              <a:spAutoFit/>
+            </a:bodyPr>
+            <a:lstStyle/>
+            <a:p>
+              <a:r>
+                <a:rPr lang="en-US" altLang="ja-JP" sz="3200" b="1" dirty="0">
+                  <a:latin typeface="Times New Roman" panose="02020603050405020304" pitchFamily="18" charset="0"/>
+                  <a:cs typeface="Times New Roman" panose="02020603050405020304" pitchFamily="18" charset="0"/>
+                </a:rPr>
+                <a:t>x</a:t>
+              </a:r>
+              <a:endParaRPr kumimoji="1" lang="ja-JP" altLang="en-US" sz="3200" b="1" dirty="0">
+                <a:latin typeface="Times New Roman" panose="02020603050405020304" pitchFamily="18" charset="0"/>
+                <a:cs typeface="Times New Roman" panose="02020603050405020304" pitchFamily="18" charset="0"/>
+              </a:endParaRPr>
+            </a:p>
+          </p:txBody>
+        </p:sp>
+        <p:sp>
+          <p:nvSpPr>
+            <p:cNvPr id="39" name="テキスト ボックス 38">
+              <a:extLst>
+                <a:ext uri="{FF2B5EF4-FFF2-40B4-BE49-F238E27FC236}">
+                  <a16:creationId xmlns:a16="http://schemas.microsoft.com/office/drawing/2014/main" id="{0B389FA3-17ED-426C-A307-98D6AE2EE47F}"/>
+                </a:ext>
+              </a:extLst>
+            </p:cNvPr>
+            <p:cNvSpPr txBox="1"/>
+            <p:nvPr/>
+          </p:nvSpPr>
+          <p:spPr>
+            <a:xfrm>
+              <a:off x="1195188" y="4425404"/>
+              <a:ext cx="426720" cy="584775"/>
+            </a:xfrm>
+            <a:prstGeom prst="rect">
+              <a:avLst/>
+            </a:prstGeom>
+            <a:noFill/>
+          </p:spPr>
+          <p:txBody>
+            <a:bodyPr wrap="none" rtlCol="0">
+              <a:spAutoFit/>
+            </a:bodyPr>
+            <a:lstStyle/>
+            <a:p>
+              <a:r>
+                <a:rPr lang="en-US" altLang="ja-JP" sz="3200" i="1" dirty="0">
+                  <a:latin typeface="Times New Roman" panose="02020603050405020304" pitchFamily="18" charset="0"/>
+                  <a:cs typeface="Times New Roman" panose="02020603050405020304" pitchFamily="18" charset="0"/>
+                </a:rPr>
+                <a:t>l</a:t>
+              </a:r>
+              <a:r>
+                <a:rPr kumimoji="1" lang="en-US" altLang="ja-JP" sz="2000" i="1" dirty="0">
+                  <a:latin typeface="Times New Roman" panose="02020603050405020304" pitchFamily="18" charset="0"/>
+                  <a:cs typeface="Times New Roman" panose="02020603050405020304" pitchFamily="18" charset="0"/>
+                </a:rPr>
+                <a:t>1</a:t>
+              </a:r>
+              <a:endParaRPr kumimoji="1" lang="ja-JP" altLang="en-US" sz="3200" i="1" dirty="0">
+                <a:latin typeface="Times New Roman" panose="02020603050405020304" pitchFamily="18" charset="0"/>
+                <a:cs typeface="Times New Roman" panose="02020603050405020304" pitchFamily="18" charset="0"/>
+              </a:endParaRPr>
+            </a:p>
+          </p:txBody>
+        </p:sp>
+        <p:sp>
+          <p:nvSpPr>
+            <p:cNvPr id="40" name="テキスト ボックス 39">
+              <a:extLst>
+                <a:ext uri="{FF2B5EF4-FFF2-40B4-BE49-F238E27FC236}">
+                  <a16:creationId xmlns:a16="http://schemas.microsoft.com/office/drawing/2014/main" id="{D6B3404A-BA64-427D-B5F2-EF472F64A047}"/>
+                </a:ext>
+              </a:extLst>
+            </p:cNvPr>
+            <p:cNvSpPr txBox="1"/>
+            <p:nvPr/>
+          </p:nvSpPr>
+          <p:spPr>
+            <a:xfrm>
+              <a:off x="2690414" y="3012699"/>
+              <a:ext cx="426720" cy="584775"/>
+            </a:xfrm>
+            <a:prstGeom prst="rect">
+              <a:avLst/>
+            </a:prstGeom>
+            <a:noFill/>
+          </p:spPr>
+          <p:txBody>
+            <a:bodyPr wrap="none" rtlCol="0">
+              <a:spAutoFit/>
+            </a:bodyPr>
+            <a:lstStyle/>
+            <a:p>
+              <a:r>
+                <a:rPr lang="en-US" altLang="ja-JP" sz="3200" i="1" dirty="0">
+                  <a:latin typeface="Times New Roman" panose="02020603050405020304" pitchFamily="18" charset="0"/>
+                  <a:cs typeface="Times New Roman" panose="02020603050405020304" pitchFamily="18" charset="0"/>
+                </a:rPr>
+                <a:t>l</a:t>
+              </a:r>
+              <a:r>
+                <a:rPr lang="en-US" altLang="ja-JP" sz="2000" i="1" dirty="0">
+                  <a:latin typeface="Times New Roman" panose="02020603050405020304" pitchFamily="18" charset="0"/>
+                  <a:cs typeface="Times New Roman" panose="02020603050405020304" pitchFamily="18" charset="0"/>
+                </a:rPr>
+                <a:t>2</a:t>
+              </a:r>
+              <a:endParaRPr kumimoji="1" lang="ja-JP" altLang="en-US" sz="3200" i="1" dirty="0">
+                <a:latin typeface="Times New Roman" panose="02020603050405020304" pitchFamily="18" charset="0"/>
+                <a:cs typeface="Times New Roman" panose="02020603050405020304" pitchFamily="18" charset="0"/>
+              </a:endParaRPr>
+            </a:p>
+          </p:txBody>
+        </p:sp>
+        <p:grpSp>
+          <p:nvGrpSpPr>
+            <p:cNvPr id="6" name="グループ化 5"/>
+            <p:cNvGrpSpPr/>
+            <p:nvPr/>
+          </p:nvGrpSpPr>
+          <p:grpSpPr>
+            <a:xfrm rot="2230958" flipH="1">
+              <a:off x="2805246" y="2325175"/>
+              <a:ext cx="1440487" cy="2249766"/>
+              <a:chOff x="2274642" y="2124849"/>
+              <a:chExt cx="1440487" cy="2249766"/>
+            </a:xfrm>
+          </p:grpSpPr>
+          <p:sp>
+            <p:nvSpPr>
+              <p:cNvPr id="2" name="円弧 1"/>
+              <p:cNvSpPr/>
+              <p:nvPr/>
+            </p:nvSpPr>
+            <p:spPr>
+              <a:xfrm rot="3291253">
+                <a:off x="2755732" y="2124849"/>
+                <a:ext cx="959397" cy="959397"/>
+              </a:xfrm>
+              <a:prstGeom prst="arc">
+                <a:avLst>
+                  <a:gd name="adj1" fmla="val 16200000"/>
+                  <a:gd name="adj2" fmla="val 18458486"/>
+                </a:avLst>
+              </a:prstGeom>
+              <a:ln w="38100">
+                <a:solidFill>
+                  <a:schemeClr val="tx1"/>
+                </a:solidFill>
+              </a:ln>
+            </p:spPr>
+            <p:style>
+              <a:lnRef idx="1">
+                <a:schemeClr val="accent1"/>
+              </a:lnRef>
+              <a:fillRef idx="0">
+                <a:schemeClr val="accent1"/>
+              </a:fillRef>
+              <a:effectRef idx="0">
+                <a:schemeClr val="accent1"/>
+              </a:effectRef>
+              <a:fontRef idx="minor">
+                <a:schemeClr val="tx1"/>
+              </a:fontRef>
+            </p:style>
+            <p:txBody>
+              <a:bodyPr rtlCol="0" anchor="ctr"/>
+              <a:lstStyle/>
+              <a:p>
+                <a:pPr algn="ctr"/>
+                <a:endParaRPr kumimoji="1" lang="ja-JP" altLang="en-US"/>
+              </a:p>
+            </p:txBody>
+          </p:sp>
+          <p:sp>
+            <p:nvSpPr>
+              <p:cNvPr id="23" name="円弧 22"/>
+              <p:cNvSpPr/>
+              <p:nvPr/>
+            </p:nvSpPr>
+            <p:spPr>
+              <a:xfrm rot="19927927" flipV="1">
+                <a:off x="2274642" y="3415218"/>
+                <a:ext cx="959397" cy="959397"/>
+              </a:xfrm>
+              <a:prstGeom prst="arc">
+                <a:avLst>
+                  <a:gd name="adj1" fmla="val 16200000"/>
+                  <a:gd name="adj2" fmla="val 18458486"/>
+                </a:avLst>
+              </a:prstGeom>
+              <a:ln w="38100">
+                <a:solidFill>
+                  <a:schemeClr val="tx1"/>
+                </a:solidFill>
+              </a:ln>
+            </p:spPr>
+            <p:style>
+              <a:lnRef idx="1">
+                <a:schemeClr val="accent1"/>
+              </a:lnRef>
+              <a:fillRef idx="0">
+                <a:schemeClr val="accent1"/>
+              </a:fillRef>
+              <a:effectRef idx="0">
+                <a:schemeClr val="accent1"/>
+              </a:effectRef>
+              <a:fontRef idx="minor">
+                <a:schemeClr val="tx1"/>
+              </a:fontRef>
+            </p:style>
+            <p:txBody>
+              <a:bodyPr rtlCol="0" anchor="ctr"/>
+              <a:lstStyle/>
+              <a:p>
+                <a:pPr algn="ctr"/>
+                <a:endParaRPr kumimoji="1" lang="ja-JP" altLang="en-US"/>
+              </a:p>
+            </p:txBody>
+          </p:sp>
+        </p:grpSp>
+        <p:grpSp>
+          <p:nvGrpSpPr>
+            <p:cNvPr id="25" name="グループ化 24"/>
+            <p:cNvGrpSpPr/>
+            <p:nvPr/>
+          </p:nvGrpSpPr>
+          <p:grpSpPr>
+            <a:xfrm rot="16382869" flipV="1">
+              <a:off x="768985" y="3898833"/>
+              <a:ext cx="1941655" cy="2635867"/>
+              <a:chOff x="1710289" y="2088383"/>
+              <a:chExt cx="1941655" cy="2635867"/>
+            </a:xfrm>
+          </p:grpSpPr>
+          <p:sp>
+            <p:nvSpPr>
+              <p:cNvPr id="26" name="円弧 25"/>
+              <p:cNvSpPr/>
+              <p:nvPr/>
+            </p:nvSpPr>
+            <p:spPr>
+              <a:xfrm rot="4001098">
+                <a:off x="2692547" y="2088383"/>
+                <a:ext cx="959397" cy="959397"/>
+              </a:xfrm>
+              <a:prstGeom prst="arc">
+                <a:avLst>
+                  <a:gd name="adj1" fmla="val 16200000"/>
+                  <a:gd name="adj2" fmla="val 18458486"/>
+                </a:avLst>
+              </a:prstGeom>
+              <a:ln w="38100">
+                <a:solidFill>
+                  <a:schemeClr val="tx1"/>
+                </a:solidFill>
+              </a:ln>
+            </p:spPr>
+            <p:style>
+              <a:lnRef idx="1">
+                <a:schemeClr val="accent1"/>
+              </a:lnRef>
+              <a:fillRef idx="0">
+                <a:schemeClr val="accent1"/>
+              </a:fillRef>
+              <a:effectRef idx="0">
+                <a:schemeClr val="accent1"/>
+              </a:effectRef>
+              <a:fontRef idx="minor">
+                <a:schemeClr val="tx1"/>
+              </a:fontRef>
+            </p:style>
+            <p:txBody>
+              <a:bodyPr rtlCol="0" anchor="ctr"/>
+              <a:lstStyle/>
+              <a:p>
+                <a:pPr algn="ctr"/>
+                <a:endParaRPr kumimoji="1" lang="ja-JP" altLang="en-US"/>
+              </a:p>
+            </p:txBody>
+          </p:sp>
+          <p:sp>
+            <p:nvSpPr>
+              <p:cNvPr id="28" name="円弧 27"/>
+              <p:cNvSpPr/>
+              <p:nvPr/>
+            </p:nvSpPr>
+            <p:spPr>
+              <a:xfrm rot="21467698" flipV="1">
+                <a:off x="1710289" y="3764853"/>
+                <a:ext cx="959397" cy="959397"/>
+              </a:xfrm>
+              <a:prstGeom prst="arc">
+                <a:avLst>
+                  <a:gd name="adj1" fmla="val 16200000"/>
+                  <a:gd name="adj2" fmla="val 18458486"/>
+                </a:avLst>
+              </a:prstGeom>
+              <a:ln w="38100">
+                <a:solidFill>
+                  <a:schemeClr val="tx1"/>
+                </a:solidFill>
+              </a:ln>
+            </p:spPr>
+            <p:style>
+              <a:lnRef idx="1">
+                <a:schemeClr val="accent1"/>
+              </a:lnRef>
+              <a:fillRef idx="0">
+                <a:schemeClr val="accent1"/>
+              </a:fillRef>
+              <a:effectRef idx="0">
+                <a:schemeClr val="accent1"/>
+              </a:effectRef>
+              <a:fontRef idx="minor">
+                <a:schemeClr val="tx1"/>
+              </a:fontRef>
+            </p:style>
+            <p:txBody>
+              <a:bodyPr rtlCol="0" anchor="ctr"/>
+              <a:lstStyle/>
+              <a:p>
+                <a:pPr algn="ctr"/>
+                <a:endParaRPr kumimoji="1" lang="ja-JP" altLang="en-US"/>
+              </a:p>
+            </p:txBody>
+          </p:sp>
+        </p:grpSp>
+      </p:grpSp>
+      <p:cxnSp>
+        <p:nvCxnSpPr>
+          <p:cNvPr id="13" name="直線コネクタ 12"/>
+          <p:cNvCxnSpPr/>
+          <p:nvPr/>
+        </p:nvCxnSpPr>
+        <p:spPr>
+          <a:xfrm>
+            <a:off x="6315075" y="4262438"/>
+            <a:ext cx="2000250" cy="0"/>
+          </a:xfrm>
+          <a:prstGeom prst="line">
+            <a:avLst/>
+          </a:prstGeom>
+          <a:ln>
+            <a:prstDash val="dash"/>
+          </a:ln>
+        </p:spPr>
+        <p:style>
+          <a:lnRef idx="1">
+            <a:schemeClr val="dk1"/>
+          </a:lnRef>
+          <a:fillRef idx="0">
+            <a:schemeClr val="dk1"/>
+          </a:fillRef>
+          <a:effectRef idx="0">
+            <a:schemeClr val="dk1"/>
+          </a:effectRef>
+          <a:fontRef idx="minor">
+            <a:schemeClr val="tx1"/>
+          </a:fontRef>
+        </p:style>
+      </p:cxnSp>
+      <p:grpSp>
+        <p:nvGrpSpPr>
+          <p:cNvPr id="15" name="グループ化 14"/>
+          <p:cNvGrpSpPr/>
+          <p:nvPr/>
+        </p:nvGrpSpPr>
+        <p:grpSpPr>
+          <a:xfrm>
+            <a:off x="6937843" y="3706955"/>
+            <a:ext cx="956216" cy="978611"/>
+            <a:chOff x="4536344" y="5183217"/>
+            <a:chExt cx="956216" cy="978611"/>
+          </a:xfrm>
+        </p:grpSpPr>
+        <p:sp>
+          <p:nvSpPr>
+            <p:cNvPr id="41" name="円弧 40">
+              <a:extLst>
+                <a:ext uri="{FF2B5EF4-FFF2-40B4-BE49-F238E27FC236}">
+                  <a16:creationId xmlns:a16="http://schemas.microsoft.com/office/drawing/2014/main" id="{8EF24A81-B80A-4AE1-B40C-03EC3BC7E03D}"/>
+                </a:ext>
+              </a:extLst>
+            </p:cNvPr>
+            <p:cNvSpPr/>
+            <p:nvPr/>
+          </p:nvSpPr>
+          <p:spPr>
+            <a:xfrm>
+              <a:off x="4536344" y="5287202"/>
+              <a:ext cx="490329" cy="874626"/>
+            </a:xfrm>
+            <a:prstGeom prst="arc">
+              <a:avLst/>
+            </a:prstGeom>
+            <a:ln w="38100">
+              <a:headEnd type="triangle" w="med" len="med"/>
+              <a:tailEnd type="none" w="med" len="med"/>
+            </a:ln>
+          </p:spPr>
+          <p:style>
+            <a:lnRef idx="1">
+              <a:schemeClr val="dk1"/>
+            </a:lnRef>
+            <a:fillRef idx="0">
+              <a:schemeClr val="dk1"/>
+            </a:fillRef>
+            <a:effectRef idx="0">
+              <a:schemeClr val="dk1"/>
+            </a:effectRef>
+            <a:fontRef idx="minor">
+              <a:schemeClr val="tx1"/>
+            </a:fontRef>
+          </p:style>
+          <p:txBody>
+            <a:bodyPr rtlCol="0" anchor="ctr"/>
+            <a:lstStyle/>
+            <a:p>
+              <a:pPr algn="ctr"/>
+              <a:endParaRPr kumimoji="1" lang="ja-JP" altLang="en-US"/>
+            </a:p>
+          </p:txBody>
+        </p:sp>
+        <p:sp>
+          <p:nvSpPr>
+            <p:cNvPr id="42" name="テキスト ボックス 41">
+              <a:extLst>
+                <a:ext uri="{FF2B5EF4-FFF2-40B4-BE49-F238E27FC236}">
+                  <a16:creationId xmlns:a16="http://schemas.microsoft.com/office/drawing/2014/main" id="{EC060A66-2801-49EE-A823-A05C9B0A67BC}"/>
+                </a:ext>
+              </a:extLst>
+            </p:cNvPr>
+            <p:cNvSpPr txBox="1"/>
+            <p:nvPr/>
+          </p:nvSpPr>
+          <p:spPr>
+            <a:xfrm>
+              <a:off x="4977675" y="5183217"/>
+              <a:ext cx="514885" cy="584775"/>
+            </a:xfrm>
+            <a:prstGeom prst="rect">
+              <a:avLst/>
+            </a:prstGeom>
+            <a:noFill/>
+          </p:spPr>
+          <p:txBody>
+            <a:bodyPr wrap="none" rtlCol="0">
+              <a:spAutoFit/>
+            </a:bodyPr>
+            <a:lstStyle/>
+            <a:p>
+              <a:r>
+                <a:rPr kumimoji="1" lang="en-US" altLang="ja-JP" sz="3200" i="1" dirty="0">
+                  <a:latin typeface="Times New Roman" panose="02020603050405020304" pitchFamily="18" charset="0"/>
+                  <a:cs typeface="Times New Roman" panose="02020603050405020304" pitchFamily="18" charset="0"/>
+                </a:rPr>
+                <a:t>θ</a:t>
+              </a:r>
+              <a:r>
+                <a:rPr kumimoji="1" lang="en-US" altLang="ja-JP" sz="2000" i="1" dirty="0">
+                  <a:latin typeface="Times New Roman" panose="02020603050405020304" pitchFamily="18" charset="0"/>
+                  <a:cs typeface="Times New Roman" panose="02020603050405020304" pitchFamily="18" charset="0"/>
+                </a:rPr>
+                <a:t>1</a:t>
+              </a:r>
+              <a:endParaRPr kumimoji="1" lang="ja-JP" altLang="en-US" sz="3200" i="1" dirty="0">
+                <a:latin typeface="Times New Roman" panose="02020603050405020304" pitchFamily="18" charset="0"/>
+                <a:cs typeface="Times New Roman" panose="02020603050405020304" pitchFamily="18" charset="0"/>
+              </a:endParaRPr>
+            </a:p>
+          </p:txBody>
+        </p:sp>
+      </p:grpSp>
+    </p:spTree>
+    <p:extLst>
+      <p:ext uri="{BB962C8B-B14F-4D97-AF65-F5344CB8AC3E}">
+        <p14:creationId xmlns:p14="http://schemas.microsoft.com/office/powerpoint/2010/main" val="595994784"/>
+      </p:ext>
+    </p:extLst>
+  </p:cSld>
+  <p:clrMapOvr>
+    <a:masterClrMapping/>
+  </p:clrMapOvr>
+</p:sld>
+</file>
+
+<file path=ppt/slides/slide3.xml><?xml version="1.0" encoding="utf-8"?>
+<p:sld xmlns:a="http://schemas.openxmlformats.org/drawingml/2006/main" xmlns:r="http://schemas.openxmlformats.org/officeDocument/2006/relationships" xmlns:p="http://schemas.openxmlformats.org/presentationml/2006/main">
+  <p:cSld>
+    <p:spTree>
+      <p:nvGrpSpPr>
+        <p:cNvPr id="1" name=""/>
+        <p:cNvGrpSpPr/>
+        <p:nvPr/>
+      </p:nvGrpSpPr>
+      <p:grpSpPr>
+        <a:xfrm>
+          <a:off x="0" y="0"/>
+          <a:ext cx="0" cy="0"/>
+          <a:chOff x="0" y="0"/>
+          <a:chExt cx="0" cy="0"/>
+        </a:xfrm>
+      </p:grpSpPr>
+      <p:pic>
+        <p:nvPicPr>
+          <p:cNvPr id="3" name="図 2" descr="パソコンの画面&#10;&#10;自動的に生成された説明">
+            <a:extLst>
+              <a:ext uri="{FF2B5EF4-FFF2-40B4-BE49-F238E27FC236}">
+                <a16:creationId xmlns:a16="http://schemas.microsoft.com/office/drawing/2014/main" id="{503892CE-652D-43CA-83B7-C6120A03FBE7}"/>
+              </a:ext>
+            </a:extLst>
+          </p:cNvPr>
+          <p:cNvPicPr>
+            <a:picLocks noChangeAspect="1"/>
+          </p:cNvPicPr>
+          <p:nvPr/>
+        </p:nvPicPr>
+        <p:blipFill>
+          <a:blip r:embed="rId2">
+            <a:extLst>
+              <a:ext uri="{28A0092B-C50C-407E-A947-70E740481C1C}">
+                <a14:useLocalDpi xmlns:a14="http://schemas.microsoft.com/office/drawing/2010/main" val="0"/>
+              </a:ext>
+            </a:extLst>
+          </a:blip>
+          <a:stretch>
+            <a:fillRect/>
+          </a:stretch>
+        </p:blipFill>
+        <p:spPr>
+          <a:xfrm>
+            <a:off x="370676" y="490127"/>
+            <a:ext cx="11450648" cy="5877745"/>
+          </a:xfrm>
+          <a:prstGeom prst="rect">
+            <a:avLst/>
+          </a:prstGeom>
+        </p:spPr>
+      </p:pic>
+      <p:grpSp>
+        <p:nvGrpSpPr>
+          <p:cNvPr id="15" name="グループ化 14">
+            <a:extLst>
+              <a:ext uri="{FF2B5EF4-FFF2-40B4-BE49-F238E27FC236}">
+                <a16:creationId xmlns:a16="http://schemas.microsoft.com/office/drawing/2014/main" id="{5B3A9052-C9CB-45AD-8CE8-E79FBF7FA4C4}"/>
+              </a:ext>
+            </a:extLst>
+          </p:cNvPr>
+          <p:cNvGrpSpPr/>
+          <p:nvPr/>
+        </p:nvGrpSpPr>
+        <p:grpSpPr>
+          <a:xfrm>
+            <a:off x="370676" y="0"/>
+            <a:ext cx="8604922" cy="5018285"/>
+            <a:chOff x="370676" y="0"/>
+            <a:chExt cx="8604922" cy="5018285"/>
+          </a:xfrm>
+        </p:grpSpPr>
+        <p:sp>
+          <p:nvSpPr>
+            <p:cNvPr id="4" name="テキスト ボックス 3">
+              <a:extLst>
+                <a:ext uri="{FF2B5EF4-FFF2-40B4-BE49-F238E27FC236}">
+                  <a16:creationId xmlns:a16="http://schemas.microsoft.com/office/drawing/2014/main" id="{F6F41264-AADF-4F02-8D18-C290988CA8A6}"/>
+                </a:ext>
+              </a:extLst>
+            </p:cNvPr>
+            <p:cNvSpPr txBox="1"/>
+            <p:nvPr/>
+          </p:nvSpPr>
+          <p:spPr>
+            <a:xfrm>
+              <a:off x="370676" y="0"/>
+              <a:ext cx="3315331" cy="523220"/>
+            </a:xfrm>
+            <a:prstGeom prst="rect">
+              <a:avLst/>
+            </a:prstGeom>
+            <a:noFill/>
+          </p:spPr>
+          <p:txBody>
+            <a:bodyPr wrap="none" rtlCol="0">
+              <a:spAutoFit/>
+            </a:bodyPr>
+            <a:lstStyle/>
+            <a:p>
+              <a:r>
+                <a:rPr lang="ja-JP" altLang="en-US" sz="2800" b="1" dirty="0"/>
+                <a:t>ジュー</a:t>
+              </a:r>
+              <a:r>
+                <a:rPr lang="en-US" altLang="ja-JP" sz="2800" b="1" dirty="0"/>
+                <a:t>C</a:t>
+              </a:r>
+              <a:r>
+                <a:rPr kumimoji="1" lang="ja-JP" altLang="en-US" sz="2800" b="1" dirty="0"/>
+                <a:t>　包装なし</a:t>
+              </a:r>
+            </a:p>
+          </p:txBody>
+        </p:sp>
+        <p:sp>
+          <p:nvSpPr>
+            <p:cNvPr id="5" name="テキスト ボックス 4">
+              <a:extLst>
+                <a:ext uri="{FF2B5EF4-FFF2-40B4-BE49-F238E27FC236}">
+                  <a16:creationId xmlns:a16="http://schemas.microsoft.com/office/drawing/2014/main" id="{A1ECE7FD-D676-4326-86D2-1D5AA066C555}"/>
+                </a:ext>
+              </a:extLst>
+            </p:cNvPr>
+            <p:cNvSpPr txBox="1"/>
+            <p:nvPr/>
+          </p:nvSpPr>
+          <p:spPr>
+            <a:xfrm>
+              <a:off x="504026" y="644015"/>
+              <a:ext cx="686406" cy="369332"/>
+            </a:xfrm>
+            <a:prstGeom prst="rect">
+              <a:avLst/>
+            </a:prstGeom>
+            <a:noFill/>
+          </p:spPr>
+          <p:txBody>
+            <a:bodyPr wrap="none" rtlCol="0">
+              <a:spAutoFit/>
+            </a:bodyPr>
+            <a:lstStyle/>
+            <a:p>
+              <a:r>
+                <a:rPr lang="en-US" altLang="ja-JP" b="1" dirty="0"/>
+                <a:t>RGB</a:t>
+              </a:r>
+              <a:endParaRPr kumimoji="1" lang="ja-JP" altLang="en-US" b="1" dirty="0"/>
+            </a:p>
+          </p:txBody>
+        </p:sp>
+        <p:sp>
+          <p:nvSpPr>
+            <p:cNvPr id="6" name="テキスト ボックス 5">
+              <a:extLst>
+                <a:ext uri="{FF2B5EF4-FFF2-40B4-BE49-F238E27FC236}">
+                  <a16:creationId xmlns:a16="http://schemas.microsoft.com/office/drawing/2014/main" id="{7F40C6D7-C2E3-440B-A267-8049BDC27283}"/>
+                </a:ext>
+              </a:extLst>
+            </p:cNvPr>
+            <p:cNvSpPr txBox="1"/>
+            <p:nvPr/>
+          </p:nvSpPr>
+          <p:spPr>
+            <a:xfrm>
+              <a:off x="4352126" y="649855"/>
+              <a:ext cx="684803" cy="369332"/>
+            </a:xfrm>
+            <a:prstGeom prst="rect">
+              <a:avLst/>
+            </a:prstGeom>
+            <a:noFill/>
+          </p:spPr>
+          <p:txBody>
+            <a:bodyPr wrap="none" rtlCol="0">
+              <a:spAutoFit/>
+            </a:bodyPr>
+            <a:lstStyle/>
+            <a:p>
+              <a:r>
+                <a:rPr lang="en-US" altLang="ja-JP" b="1" dirty="0" err="1"/>
+                <a:t>Glay</a:t>
+              </a:r>
+              <a:endParaRPr kumimoji="1" lang="ja-JP" altLang="en-US" b="1" dirty="0"/>
+            </a:p>
+          </p:txBody>
+        </p:sp>
+        <p:sp>
+          <p:nvSpPr>
+            <p:cNvPr id="7" name="テキスト ボックス 6">
+              <a:extLst>
+                <a:ext uri="{FF2B5EF4-FFF2-40B4-BE49-F238E27FC236}">
+                  <a16:creationId xmlns:a16="http://schemas.microsoft.com/office/drawing/2014/main" id="{032F5A1C-F422-49CA-ABB8-849B1C750ABB}"/>
+                </a:ext>
+              </a:extLst>
+            </p:cNvPr>
+            <p:cNvSpPr txBox="1"/>
+            <p:nvPr/>
+          </p:nvSpPr>
+          <p:spPr>
+            <a:xfrm>
+              <a:off x="8198623" y="644015"/>
+              <a:ext cx="649537" cy="369332"/>
+            </a:xfrm>
+            <a:prstGeom prst="rect">
+              <a:avLst/>
+            </a:prstGeom>
+            <a:noFill/>
+          </p:spPr>
+          <p:txBody>
+            <a:bodyPr wrap="none" rtlCol="0">
+              <a:spAutoFit/>
+            </a:bodyPr>
+            <a:lstStyle/>
+            <a:p>
+              <a:r>
+                <a:rPr lang="en-US" altLang="ja-JP" b="1" dirty="0"/>
+                <a:t>XYZ</a:t>
+              </a:r>
+              <a:endParaRPr kumimoji="1" lang="ja-JP" altLang="en-US" b="1" dirty="0"/>
+            </a:p>
+          </p:txBody>
+        </p:sp>
+        <p:sp>
+          <p:nvSpPr>
+            <p:cNvPr id="8" name="テキスト ボックス 7">
+              <a:extLst>
+                <a:ext uri="{FF2B5EF4-FFF2-40B4-BE49-F238E27FC236}">
+                  <a16:creationId xmlns:a16="http://schemas.microsoft.com/office/drawing/2014/main" id="{C0378799-FEA9-43D3-B717-E9417D053523}"/>
+                </a:ext>
+              </a:extLst>
+            </p:cNvPr>
+            <p:cNvSpPr txBox="1"/>
+            <p:nvPr/>
+          </p:nvSpPr>
+          <p:spPr>
+            <a:xfrm>
+              <a:off x="522460" y="2646484"/>
+              <a:ext cx="675185" cy="369332"/>
+            </a:xfrm>
+            <a:prstGeom prst="rect">
+              <a:avLst/>
+            </a:prstGeom>
+            <a:noFill/>
+          </p:spPr>
+          <p:txBody>
+            <a:bodyPr wrap="none" rtlCol="0">
+              <a:spAutoFit/>
+            </a:bodyPr>
+            <a:lstStyle/>
+            <a:p>
+              <a:r>
+                <a:rPr kumimoji="1" lang="en-US" altLang="ja-JP" b="1" dirty="0"/>
+                <a:t>HSV</a:t>
+              </a:r>
+              <a:endParaRPr kumimoji="1" lang="ja-JP" altLang="en-US" b="1" dirty="0"/>
+            </a:p>
+          </p:txBody>
+        </p:sp>
+        <p:sp>
+          <p:nvSpPr>
+            <p:cNvPr id="9" name="テキスト ボックス 8">
+              <a:extLst>
+                <a:ext uri="{FF2B5EF4-FFF2-40B4-BE49-F238E27FC236}">
+                  <a16:creationId xmlns:a16="http://schemas.microsoft.com/office/drawing/2014/main" id="{B8175AEB-4451-428D-8044-7B56EFDE5E33}"/>
+                </a:ext>
+              </a:extLst>
+            </p:cNvPr>
+            <p:cNvSpPr txBox="1"/>
+            <p:nvPr/>
+          </p:nvSpPr>
+          <p:spPr>
+            <a:xfrm>
+              <a:off x="4352126" y="2646484"/>
+              <a:ext cx="660758" cy="369332"/>
+            </a:xfrm>
+            <a:prstGeom prst="rect">
+              <a:avLst/>
+            </a:prstGeom>
+            <a:noFill/>
+          </p:spPr>
+          <p:txBody>
+            <a:bodyPr wrap="none" rtlCol="0">
+              <a:spAutoFit/>
+            </a:bodyPr>
+            <a:lstStyle/>
+            <a:p>
+              <a:r>
+                <a:rPr lang="en-US" altLang="ja-JP" b="1" dirty="0"/>
+                <a:t>HLS</a:t>
+              </a:r>
+              <a:endParaRPr kumimoji="1" lang="ja-JP" altLang="en-US" b="1" dirty="0"/>
+            </a:p>
+          </p:txBody>
+        </p:sp>
+        <p:sp>
+          <p:nvSpPr>
+            <p:cNvPr id="10" name="テキスト ボックス 9">
+              <a:extLst>
+                <a:ext uri="{FF2B5EF4-FFF2-40B4-BE49-F238E27FC236}">
+                  <a16:creationId xmlns:a16="http://schemas.microsoft.com/office/drawing/2014/main" id="{E385D88B-6492-4789-A41B-BB7F3A85D53E}"/>
+                </a:ext>
+              </a:extLst>
+            </p:cNvPr>
+            <p:cNvSpPr txBox="1"/>
+            <p:nvPr/>
+          </p:nvSpPr>
+          <p:spPr>
+            <a:xfrm>
+              <a:off x="8071183" y="2646484"/>
+              <a:ext cx="904415" cy="369332"/>
+            </a:xfrm>
+            <a:prstGeom prst="rect">
+              <a:avLst/>
+            </a:prstGeom>
+            <a:noFill/>
+          </p:spPr>
+          <p:txBody>
+            <a:bodyPr wrap="none" rtlCol="0">
+              <a:spAutoFit/>
+            </a:bodyPr>
+            <a:lstStyle/>
+            <a:p>
+              <a:r>
+                <a:rPr lang="en-US" altLang="ja-JP" b="1" dirty="0" err="1"/>
+                <a:t>YCrCb</a:t>
+              </a:r>
+              <a:endParaRPr kumimoji="1" lang="ja-JP" altLang="en-US" b="1" dirty="0"/>
+            </a:p>
+          </p:txBody>
+        </p:sp>
+        <p:sp>
+          <p:nvSpPr>
+            <p:cNvPr id="12" name="テキスト ボックス 11">
+              <a:extLst>
+                <a:ext uri="{FF2B5EF4-FFF2-40B4-BE49-F238E27FC236}">
+                  <a16:creationId xmlns:a16="http://schemas.microsoft.com/office/drawing/2014/main" id="{CCF4CFD7-8C7C-41ED-BA5E-5C4D8AC59D1E}"/>
+                </a:ext>
+              </a:extLst>
+            </p:cNvPr>
+            <p:cNvSpPr txBox="1"/>
+            <p:nvPr/>
+          </p:nvSpPr>
+          <p:spPr>
+            <a:xfrm>
+              <a:off x="504026" y="4648953"/>
+              <a:ext cx="665567" cy="369332"/>
+            </a:xfrm>
+            <a:prstGeom prst="rect">
+              <a:avLst/>
+            </a:prstGeom>
+            <a:noFill/>
+          </p:spPr>
+          <p:txBody>
+            <a:bodyPr wrap="none" rtlCol="0">
+              <a:spAutoFit/>
+            </a:bodyPr>
+            <a:lstStyle/>
+            <a:p>
+              <a:r>
+                <a:rPr lang="en-US" altLang="ja-JP" b="1" dirty="0"/>
+                <a:t>LUV</a:t>
+              </a:r>
+              <a:endParaRPr kumimoji="1" lang="ja-JP" altLang="en-US" b="1" dirty="0"/>
+            </a:p>
+          </p:txBody>
+        </p:sp>
+        <p:sp>
+          <p:nvSpPr>
+            <p:cNvPr id="13" name="テキスト ボックス 12">
+              <a:extLst>
+                <a:ext uri="{FF2B5EF4-FFF2-40B4-BE49-F238E27FC236}">
+                  <a16:creationId xmlns:a16="http://schemas.microsoft.com/office/drawing/2014/main" id="{3E0320B6-875B-4708-A05D-19272C558BBA}"/>
+                </a:ext>
+              </a:extLst>
+            </p:cNvPr>
+            <p:cNvSpPr txBox="1"/>
+            <p:nvPr/>
+          </p:nvSpPr>
+          <p:spPr>
+            <a:xfrm>
+              <a:off x="4356935" y="4643113"/>
+              <a:ext cx="651140" cy="369332"/>
+            </a:xfrm>
+            <a:prstGeom prst="rect">
+              <a:avLst/>
+            </a:prstGeom>
+            <a:noFill/>
+          </p:spPr>
+          <p:txBody>
+            <a:bodyPr wrap="none" rtlCol="0">
+              <a:spAutoFit/>
+            </a:bodyPr>
+            <a:lstStyle/>
+            <a:p>
+              <a:r>
+                <a:rPr kumimoji="1" lang="en-US" altLang="ja-JP" b="1" dirty="0"/>
+                <a:t>LAB</a:t>
+              </a:r>
+              <a:endParaRPr kumimoji="1" lang="ja-JP" altLang="en-US" b="1" dirty="0"/>
+            </a:p>
+          </p:txBody>
+        </p:sp>
+        <p:sp>
+          <p:nvSpPr>
+            <p:cNvPr id="14" name="テキスト ボックス 13">
+              <a:extLst>
+                <a:ext uri="{FF2B5EF4-FFF2-40B4-BE49-F238E27FC236}">
+                  <a16:creationId xmlns:a16="http://schemas.microsoft.com/office/drawing/2014/main" id="{11D8F7CE-478D-4112-8A50-E07D629DF03E}"/>
+                </a:ext>
+              </a:extLst>
+            </p:cNvPr>
+            <p:cNvSpPr txBox="1"/>
+            <p:nvPr/>
+          </p:nvSpPr>
+          <p:spPr>
+            <a:xfrm>
+              <a:off x="8197820" y="4643113"/>
+              <a:ext cx="679994" cy="369332"/>
+            </a:xfrm>
+            <a:prstGeom prst="rect">
+              <a:avLst/>
+            </a:prstGeom>
+            <a:noFill/>
+          </p:spPr>
+          <p:txBody>
+            <a:bodyPr wrap="none" rtlCol="0">
+              <a:spAutoFit/>
+            </a:bodyPr>
+            <a:lstStyle/>
+            <a:p>
+              <a:r>
+                <a:rPr lang="en-US" altLang="ja-JP" b="1" dirty="0"/>
+                <a:t>YUV</a:t>
+              </a:r>
+              <a:endParaRPr kumimoji="1" lang="ja-JP" altLang="en-US" b="1" dirty="0"/>
+            </a:p>
+          </p:txBody>
+        </p:sp>
+      </p:grpSp>
+    </p:spTree>
+    <p:extLst>
+      <p:ext uri="{BB962C8B-B14F-4D97-AF65-F5344CB8AC3E}">
+        <p14:creationId xmlns:p14="http://schemas.microsoft.com/office/powerpoint/2010/main" val="3379219674"/>
+      </p:ext>
+    </p:extLst>
+  </p:cSld>
+  <p:clrMapOvr>
+    <a:masterClrMapping/>
+  </p:clrMapOvr>
+</p:sld>
+</file>
+
+<file path=ppt/slides/slide4.xml><?xml version="1.0" encoding="utf-8"?>
+<p:sld xmlns:a="http://schemas.openxmlformats.org/drawingml/2006/main" xmlns:r="http://schemas.openxmlformats.org/officeDocument/2006/relationships" xmlns:p="http://schemas.openxmlformats.org/presentationml/2006/main">
+  <p:cSld>
+    <p:spTree>
+      <p:nvGrpSpPr>
+        <p:cNvPr id="1" name=""/>
+        <p:cNvGrpSpPr/>
+        <p:nvPr/>
+      </p:nvGrpSpPr>
+      <p:grpSpPr>
+        <a:xfrm>
+          <a:off x="0" y="0"/>
+          <a:ext cx="0" cy="0"/>
+          <a:chOff x="0" y="0"/>
+          <a:chExt cx="0" cy="0"/>
+        </a:xfrm>
+      </p:grpSpPr>
+      <p:pic>
+        <p:nvPicPr>
+          <p:cNvPr id="11" name="図 10" descr="パソコン画面のスクリーンショット&#10;&#10;自動的に生成された説明">
+            <a:extLst>
+              <a:ext uri="{FF2B5EF4-FFF2-40B4-BE49-F238E27FC236}">
+                <a16:creationId xmlns:a16="http://schemas.microsoft.com/office/drawing/2014/main" id="{86A26155-11DA-475C-A07A-D8BFF0FB1083}"/>
+              </a:ext>
+            </a:extLst>
+          </p:cNvPr>
+          <p:cNvPicPr>
+            <a:picLocks noChangeAspect="1"/>
+          </p:cNvPicPr>
+          <p:nvPr/>
+        </p:nvPicPr>
+        <p:blipFill>
+          <a:blip r:embed="rId2">
+            <a:extLst>
+              <a:ext uri="{28A0092B-C50C-407E-A947-70E740481C1C}">
+                <a14:useLocalDpi xmlns:a14="http://schemas.microsoft.com/office/drawing/2010/main" val="0"/>
+              </a:ext>
+            </a:extLst>
+          </a:blip>
+          <a:stretch>
+            <a:fillRect/>
+          </a:stretch>
+        </p:blipFill>
+        <p:spPr>
+          <a:xfrm>
+            <a:off x="370676" y="490127"/>
+            <a:ext cx="11450648" cy="5877745"/>
+          </a:xfrm>
+          <a:prstGeom prst="rect">
+            <a:avLst/>
+          </a:prstGeom>
+        </p:spPr>
+      </p:pic>
+      <p:grpSp>
+        <p:nvGrpSpPr>
+          <p:cNvPr id="15" name="グループ化 14">
+            <a:extLst>
+              <a:ext uri="{FF2B5EF4-FFF2-40B4-BE49-F238E27FC236}">
+                <a16:creationId xmlns:a16="http://schemas.microsoft.com/office/drawing/2014/main" id="{5B3A9052-C9CB-45AD-8CE8-E79FBF7FA4C4}"/>
+              </a:ext>
+            </a:extLst>
+          </p:cNvPr>
+          <p:cNvGrpSpPr/>
+          <p:nvPr/>
+        </p:nvGrpSpPr>
+        <p:grpSpPr>
+          <a:xfrm>
+            <a:off x="370676" y="0"/>
+            <a:ext cx="8604922" cy="5018285"/>
+            <a:chOff x="370676" y="0"/>
+            <a:chExt cx="8604922" cy="5018285"/>
+          </a:xfrm>
+        </p:grpSpPr>
+        <p:sp>
+          <p:nvSpPr>
+            <p:cNvPr id="4" name="テキスト ボックス 3">
+              <a:extLst>
+                <a:ext uri="{FF2B5EF4-FFF2-40B4-BE49-F238E27FC236}">
+                  <a16:creationId xmlns:a16="http://schemas.microsoft.com/office/drawing/2014/main" id="{F6F41264-AADF-4F02-8D18-C290988CA8A6}"/>
+                </a:ext>
+              </a:extLst>
+            </p:cNvPr>
+            <p:cNvSpPr txBox="1"/>
+            <p:nvPr/>
+          </p:nvSpPr>
+          <p:spPr>
+            <a:xfrm>
+              <a:off x="370676" y="0"/>
+              <a:ext cx="3315331" cy="523220"/>
+            </a:xfrm>
+            <a:prstGeom prst="rect">
+              <a:avLst/>
+            </a:prstGeom>
+            <a:noFill/>
+          </p:spPr>
+          <p:txBody>
+            <a:bodyPr wrap="none" rtlCol="0">
+              <a:spAutoFit/>
+            </a:bodyPr>
+            <a:lstStyle/>
+            <a:p>
+              <a:r>
+                <a:rPr lang="ja-JP" altLang="en-US" sz="2800" b="1" dirty="0"/>
+                <a:t>ジュー</a:t>
+              </a:r>
+              <a:r>
+                <a:rPr lang="en-US" altLang="ja-JP" sz="2800" b="1" dirty="0"/>
+                <a:t>C</a:t>
+              </a:r>
+              <a:r>
+                <a:rPr kumimoji="1" lang="ja-JP" altLang="en-US" sz="2800" b="1" dirty="0"/>
+                <a:t>　包装</a:t>
+              </a:r>
+              <a:r>
+                <a:rPr lang="ja-JP" altLang="en-US" sz="2800" b="1" dirty="0"/>
+                <a:t>あり</a:t>
+              </a:r>
+              <a:endParaRPr kumimoji="1" lang="ja-JP" altLang="en-US" sz="2800" b="1" dirty="0"/>
+            </a:p>
+          </p:txBody>
+        </p:sp>
+        <p:sp>
+          <p:nvSpPr>
+            <p:cNvPr id="5" name="テキスト ボックス 4">
+              <a:extLst>
+                <a:ext uri="{FF2B5EF4-FFF2-40B4-BE49-F238E27FC236}">
+                  <a16:creationId xmlns:a16="http://schemas.microsoft.com/office/drawing/2014/main" id="{A1ECE7FD-D676-4326-86D2-1D5AA066C555}"/>
+                </a:ext>
+              </a:extLst>
+            </p:cNvPr>
+            <p:cNvSpPr txBox="1"/>
+            <p:nvPr/>
+          </p:nvSpPr>
+          <p:spPr>
+            <a:xfrm>
+              <a:off x="504026" y="644015"/>
+              <a:ext cx="686406" cy="369332"/>
+            </a:xfrm>
+            <a:prstGeom prst="rect">
+              <a:avLst/>
+            </a:prstGeom>
+            <a:noFill/>
+          </p:spPr>
+          <p:txBody>
+            <a:bodyPr wrap="none" rtlCol="0">
+              <a:spAutoFit/>
+            </a:bodyPr>
+            <a:lstStyle/>
+            <a:p>
+              <a:r>
+                <a:rPr lang="en-US" altLang="ja-JP" b="1" dirty="0"/>
+                <a:t>RGB</a:t>
+              </a:r>
+              <a:endParaRPr kumimoji="1" lang="ja-JP" altLang="en-US" b="1" dirty="0"/>
+            </a:p>
+          </p:txBody>
+        </p:sp>
+        <p:sp>
+          <p:nvSpPr>
+            <p:cNvPr id="6" name="テキスト ボックス 5">
+              <a:extLst>
+                <a:ext uri="{FF2B5EF4-FFF2-40B4-BE49-F238E27FC236}">
+                  <a16:creationId xmlns:a16="http://schemas.microsoft.com/office/drawing/2014/main" id="{7F40C6D7-C2E3-440B-A267-8049BDC27283}"/>
+                </a:ext>
+              </a:extLst>
+            </p:cNvPr>
+            <p:cNvSpPr txBox="1"/>
+            <p:nvPr/>
+          </p:nvSpPr>
+          <p:spPr>
+            <a:xfrm>
+              <a:off x="4352126" y="649855"/>
+              <a:ext cx="684803" cy="369332"/>
+            </a:xfrm>
+            <a:prstGeom prst="rect">
+              <a:avLst/>
+            </a:prstGeom>
+            <a:noFill/>
+          </p:spPr>
+          <p:txBody>
+            <a:bodyPr wrap="none" rtlCol="0">
+              <a:spAutoFit/>
+            </a:bodyPr>
+            <a:lstStyle/>
+            <a:p>
+              <a:r>
+                <a:rPr lang="en-US" altLang="ja-JP" b="1" dirty="0" err="1"/>
+                <a:t>Glay</a:t>
+              </a:r>
+              <a:endParaRPr kumimoji="1" lang="ja-JP" altLang="en-US" b="1" dirty="0"/>
+            </a:p>
+          </p:txBody>
+        </p:sp>
+        <p:sp>
+          <p:nvSpPr>
+            <p:cNvPr id="7" name="テキスト ボックス 6">
+              <a:extLst>
+                <a:ext uri="{FF2B5EF4-FFF2-40B4-BE49-F238E27FC236}">
+                  <a16:creationId xmlns:a16="http://schemas.microsoft.com/office/drawing/2014/main" id="{032F5A1C-F422-49CA-ABB8-849B1C750ABB}"/>
+                </a:ext>
+              </a:extLst>
+            </p:cNvPr>
+            <p:cNvSpPr txBox="1"/>
+            <p:nvPr/>
+          </p:nvSpPr>
+          <p:spPr>
+            <a:xfrm>
+              <a:off x="8198623" y="644015"/>
+              <a:ext cx="649537" cy="369332"/>
+            </a:xfrm>
+            <a:prstGeom prst="rect">
+              <a:avLst/>
+            </a:prstGeom>
+            <a:noFill/>
+          </p:spPr>
+          <p:txBody>
+            <a:bodyPr wrap="none" rtlCol="0">
+              <a:spAutoFit/>
+            </a:bodyPr>
+            <a:lstStyle/>
+            <a:p>
+              <a:r>
+                <a:rPr lang="en-US" altLang="ja-JP" b="1" dirty="0"/>
+                <a:t>XYZ</a:t>
+              </a:r>
+              <a:endParaRPr kumimoji="1" lang="ja-JP" altLang="en-US" b="1" dirty="0"/>
+            </a:p>
+          </p:txBody>
+        </p:sp>
+        <p:sp>
+          <p:nvSpPr>
+            <p:cNvPr id="8" name="テキスト ボックス 7">
+              <a:extLst>
+                <a:ext uri="{FF2B5EF4-FFF2-40B4-BE49-F238E27FC236}">
+                  <a16:creationId xmlns:a16="http://schemas.microsoft.com/office/drawing/2014/main" id="{C0378799-FEA9-43D3-B717-E9417D053523}"/>
+                </a:ext>
+              </a:extLst>
+            </p:cNvPr>
+            <p:cNvSpPr txBox="1"/>
+            <p:nvPr/>
+          </p:nvSpPr>
+          <p:spPr>
+            <a:xfrm>
+              <a:off x="522460" y="2646484"/>
+              <a:ext cx="675185" cy="369332"/>
+            </a:xfrm>
+            <a:prstGeom prst="rect">
+              <a:avLst/>
+            </a:prstGeom>
+            <a:noFill/>
+          </p:spPr>
+          <p:txBody>
+            <a:bodyPr wrap="none" rtlCol="0">
+              <a:spAutoFit/>
+            </a:bodyPr>
+            <a:lstStyle/>
+            <a:p>
+              <a:r>
+                <a:rPr kumimoji="1" lang="en-US" altLang="ja-JP" b="1" dirty="0"/>
+                <a:t>HSV</a:t>
+              </a:r>
+              <a:endParaRPr kumimoji="1" lang="ja-JP" altLang="en-US" b="1" dirty="0"/>
+            </a:p>
+          </p:txBody>
+        </p:sp>
+        <p:sp>
+          <p:nvSpPr>
+            <p:cNvPr id="9" name="テキスト ボックス 8">
+              <a:extLst>
+                <a:ext uri="{FF2B5EF4-FFF2-40B4-BE49-F238E27FC236}">
+                  <a16:creationId xmlns:a16="http://schemas.microsoft.com/office/drawing/2014/main" id="{B8175AEB-4451-428D-8044-7B56EFDE5E33}"/>
+                </a:ext>
+              </a:extLst>
+            </p:cNvPr>
+            <p:cNvSpPr txBox="1"/>
+            <p:nvPr/>
+          </p:nvSpPr>
+          <p:spPr>
+            <a:xfrm>
+              <a:off x="4352126" y="2646484"/>
+              <a:ext cx="660758" cy="369332"/>
+            </a:xfrm>
+            <a:prstGeom prst="rect">
+              <a:avLst/>
+            </a:prstGeom>
+            <a:noFill/>
+          </p:spPr>
+          <p:txBody>
+            <a:bodyPr wrap="none" rtlCol="0">
+              <a:spAutoFit/>
+            </a:bodyPr>
+            <a:lstStyle/>
+            <a:p>
+              <a:r>
+                <a:rPr lang="en-US" altLang="ja-JP" b="1" dirty="0"/>
+                <a:t>HLS</a:t>
+              </a:r>
+              <a:endParaRPr kumimoji="1" lang="ja-JP" altLang="en-US" b="1" dirty="0"/>
+            </a:p>
+          </p:txBody>
+        </p:sp>
+        <p:sp>
+          <p:nvSpPr>
+            <p:cNvPr id="10" name="テキスト ボックス 9">
+              <a:extLst>
+                <a:ext uri="{FF2B5EF4-FFF2-40B4-BE49-F238E27FC236}">
+                  <a16:creationId xmlns:a16="http://schemas.microsoft.com/office/drawing/2014/main" id="{E385D88B-6492-4789-A41B-BB7F3A85D53E}"/>
+                </a:ext>
+              </a:extLst>
+            </p:cNvPr>
+            <p:cNvSpPr txBox="1"/>
+            <p:nvPr/>
+          </p:nvSpPr>
+          <p:spPr>
+            <a:xfrm>
+              <a:off x="8071183" y="2646484"/>
+              <a:ext cx="904415" cy="369332"/>
+            </a:xfrm>
+            <a:prstGeom prst="rect">
+              <a:avLst/>
+            </a:prstGeom>
+            <a:noFill/>
+          </p:spPr>
+          <p:txBody>
+            <a:bodyPr wrap="none" rtlCol="0">
+              <a:spAutoFit/>
+            </a:bodyPr>
+            <a:lstStyle/>
+            <a:p>
+              <a:r>
+                <a:rPr lang="en-US" altLang="ja-JP" b="1" dirty="0" err="1"/>
+                <a:t>YCrCb</a:t>
+              </a:r>
+              <a:endParaRPr kumimoji="1" lang="ja-JP" altLang="en-US" b="1" dirty="0"/>
+            </a:p>
+          </p:txBody>
+        </p:sp>
+        <p:sp>
+          <p:nvSpPr>
+            <p:cNvPr id="12" name="テキスト ボックス 11">
+              <a:extLst>
+                <a:ext uri="{FF2B5EF4-FFF2-40B4-BE49-F238E27FC236}">
+                  <a16:creationId xmlns:a16="http://schemas.microsoft.com/office/drawing/2014/main" id="{CCF4CFD7-8C7C-41ED-BA5E-5C4D8AC59D1E}"/>
+                </a:ext>
+              </a:extLst>
+            </p:cNvPr>
+            <p:cNvSpPr txBox="1"/>
+            <p:nvPr/>
+          </p:nvSpPr>
+          <p:spPr>
+            <a:xfrm>
+              <a:off x="504026" y="4648953"/>
+              <a:ext cx="665567" cy="369332"/>
+            </a:xfrm>
+            <a:prstGeom prst="rect">
+              <a:avLst/>
+            </a:prstGeom>
+            <a:noFill/>
+          </p:spPr>
+          <p:txBody>
+            <a:bodyPr wrap="none" rtlCol="0">
+              <a:spAutoFit/>
+            </a:bodyPr>
+            <a:lstStyle/>
+            <a:p>
+              <a:r>
+                <a:rPr lang="en-US" altLang="ja-JP" b="1" dirty="0"/>
+                <a:t>LUV</a:t>
+              </a:r>
+              <a:endParaRPr kumimoji="1" lang="ja-JP" altLang="en-US" b="1" dirty="0"/>
+            </a:p>
+          </p:txBody>
+        </p:sp>
+        <p:sp>
+          <p:nvSpPr>
+            <p:cNvPr id="13" name="テキスト ボックス 12">
+              <a:extLst>
+                <a:ext uri="{FF2B5EF4-FFF2-40B4-BE49-F238E27FC236}">
+                  <a16:creationId xmlns:a16="http://schemas.microsoft.com/office/drawing/2014/main" id="{3E0320B6-875B-4708-A05D-19272C558BBA}"/>
+                </a:ext>
+              </a:extLst>
+            </p:cNvPr>
+            <p:cNvSpPr txBox="1"/>
+            <p:nvPr/>
+          </p:nvSpPr>
+          <p:spPr>
+            <a:xfrm>
+              <a:off x="4356935" y="4643113"/>
+              <a:ext cx="651140" cy="369332"/>
+            </a:xfrm>
+            <a:prstGeom prst="rect">
+              <a:avLst/>
+            </a:prstGeom>
+            <a:noFill/>
+          </p:spPr>
+          <p:txBody>
+            <a:bodyPr wrap="none" rtlCol="0">
+              <a:spAutoFit/>
+            </a:bodyPr>
+            <a:lstStyle/>
+            <a:p>
+              <a:r>
+                <a:rPr kumimoji="1" lang="en-US" altLang="ja-JP" b="1" dirty="0"/>
+                <a:t>LAB</a:t>
+              </a:r>
+              <a:endParaRPr kumimoji="1" lang="ja-JP" altLang="en-US" b="1" dirty="0"/>
+            </a:p>
+          </p:txBody>
+        </p:sp>
+        <p:sp>
+          <p:nvSpPr>
+            <p:cNvPr id="14" name="テキスト ボックス 13">
+              <a:extLst>
+                <a:ext uri="{FF2B5EF4-FFF2-40B4-BE49-F238E27FC236}">
+                  <a16:creationId xmlns:a16="http://schemas.microsoft.com/office/drawing/2014/main" id="{11D8F7CE-478D-4112-8A50-E07D629DF03E}"/>
+                </a:ext>
+              </a:extLst>
+            </p:cNvPr>
+            <p:cNvSpPr txBox="1"/>
+            <p:nvPr/>
+          </p:nvSpPr>
+          <p:spPr>
+            <a:xfrm>
+              <a:off x="8197820" y="4643113"/>
+              <a:ext cx="679994" cy="369332"/>
+            </a:xfrm>
+            <a:prstGeom prst="rect">
+              <a:avLst/>
+            </a:prstGeom>
+            <a:noFill/>
+          </p:spPr>
+          <p:txBody>
+            <a:bodyPr wrap="none" rtlCol="0">
+              <a:spAutoFit/>
+            </a:bodyPr>
+            <a:lstStyle/>
+            <a:p>
+              <a:r>
+                <a:rPr lang="en-US" altLang="ja-JP" b="1" dirty="0"/>
+                <a:t>YUV</a:t>
+              </a:r>
+              <a:endParaRPr kumimoji="1" lang="ja-JP" altLang="en-US" b="1" dirty="0"/>
+            </a:p>
+          </p:txBody>
+        </p:sp>
+      </p:grpSp>
+    </p:spTree>
+    <p:extLst>
+      <p:ext uri="{BB962C8B-B14F-4D97-AF65-F5344CB8AC3E}">
+        <p14:creationId xmlns:p14="http://schemas.microsoft.com/office/powerpoint/2010/main" val="1837901873"/>
+      </p:ext>
+    </p:extLst>
+  </p:cSld>
+  <p:clrMapOvr>
+    <a:masterClrMapping/>
+  </p:clrMapOvr>
+</p:sld>
+</file>
+
+<file path=ppt/slides/slide5.xml><?xml version="1.0" encoding="utf-8"?>
+<p:sld xmlns:a="http://schemas.openxmlformats.org/drawingml/2006/main" xmlns:r="http://schemas.openxmlformats.org/officeDocument/2006/relationships" xmlns:p="http://schemas.openxmlformats.org/presentationml/2006/main">
+  <p:cSld>
+    <p:spTree>
+      <p:nvGrpSpPr>
+        <p:cNvPr id="1" name=""/>
+        <p:cNvGrpSpPr/>
+        <p:nvPr/>
+      </p:nvGrpSpPr>
+      <p:grpSpPr>
+        <a:xfrm>
+          <a:off x="0" y="0"/>
+          <a:ext cx="0" cy="0"/>
+          <a:chOff x="0" y="0"/>
+          <a:chExt cx="0" cy="0"/>
+        </a:xfrm>
+      </p:grpSpPr>
+      <p:pic>
+        <p:nvPicPr>
+          <p:cNvPr id="17" name="図 16" descr="パソコンの画面&#10;&#10;自動的に生成された説明">
+            <a:extLst>
+              <a:ext uri="{FF2B5EF4-FFF2-40B4-BE49-F238E27FC236}">
+                <a16:creationId xmlns:a16="http://schemas.microsoft.com/office/drawing/2014/main" id="{3BB6ED73-30F7-4B05-ABB3-462B997E243B}"/>
+              </a:ext>
+            </a:extLst>
+          </p:cNvPr>
+          <p:cNvPicPr>
+            <a:picLocks noChangeAspect="1"/>
+          </p:cNvPicPr>
+          <p:nvPr/>
+        </p:nvPicPr>
+        <p:blipFill>
+          <a:blip r:embed="rId2">
+            <a:extLst>
+              <a:ext uri="{28A0092B-C50C-407E-A947-70E740481C1C}">
+                <a14:useLocalDpi xmlns:a14="http://schemas.microsoft.com/office/drawing/2010/main" val="0"/>
+              </a:ext>
+            </a:extLst>
+          </a:blip>
+          <a:stretch>
+            <a:fillRect/>
+          </a:stretch>
+        </p:blipFill>
+        <p:spPr>
+          <a:xfrm>
+            <a:off x="370676" y="490127"/>
+            <a:ext cx="11450648" cy="5877745"/>
+          </a:xfrm>
+          <a:prstGeom prst="rect">
+            <a:avLst/>
+          </a:prstGeom>
+        </p:spPr>
+      </p:pic>
+      <p:grpSp>
+        <p:nvGrpSpPr>
+          <p:cNvPr id="15" name="グループ化 14">
+            <a:extLst>
+              <a:ext uri="{FF2B5EF4-FFF2-40B4-BE49-F238E27FC236}">
+                <a16:creationId xmlns:a16="http://schemas.microsoft.com/office/drawing/2014/main" id="{5B3A9052-C9CB-45AD-8CE8-E79FBF7FA4C4}"/>
+              </a:ext>
+            </a:extLst>
+          </p:cNvPr>
+          <p:cNvGrpSpPr/>
+          <p:nvPr/>
+        </p:nvGrpSpPr>
+        <p:grpSpPr>
+          <a:xfrm>
+            <a:off x="370676" y="0"/>
+            <a:ext cx="8604922" cy="5018285"/>
+            <a:chOff x="370676" y="0"/>
+            <a:chExt cx="8604922" cy="5018285"/>
+          </a:xfrm>
+        </p:grpSpPr>
+        <p:sp>
+          <p:nvSpPr>
+            <p:cNvPr id="4" name="テキスト ボックス 3">
+              <a:extLst>
+                <a:ext uri="{FF2B5EF4-FFF2-40B4-BE49-F238E27FC236}">
+                  <a16:creationId xmlns:a16="http://schemas.microsoft.com/office/drawing/2014/main" id="{F6F41264-AADF-4F02-8D18-C290988CA8A6}"/>
+                </a:ext>
+              </a:extLst>
+            </p:cNvPr>
+            <p:cNvSpPr txBox="1"/>
+            <p:nvPr/>
+          </p:nvSpPr>
+          <p:spPr>
+            <a:xfrm>
+              <a:off x="370676" y="0"/>
+              <a:ext cx="4852610" cy="523220"/>
+            </a:xfrm>
+            <a:prstGeom prst="rect">
+              <a:avLst/>
+            </a:prstGeom>
+            <a:noFill/>
+          </p:spPr>
+          <p:txBody>
+            <a:bodyPr wrap="none" rtlCol="0">
+              <a:spAutoFit/>
+            </a:bodyPr>
+            <a:lstStyle/>
+            <a:p>
+              <a:r>
+                <a:rPr kumimoji="1" lang="ja-JP" altLang="en-US" sz="2800" b="1" dirty="0"/>
+                <a:t>ドレッシング容器　包装なし</a:t>
+              </a:r>
+            </a:p>
+          </p:txBody>
+        </p:sp>
+        <p:sp>
+          <p:nvSpPr>
+            <p:cNvPr id="5" name="テキスト ボックス 4">
+              <a:extLst>
+                <a:ext uri="{FF2B5EF4-FFF2-40B4-BE49-F238E27FC236}">
+                  <a16:creationId xmlns:a16="http://schemas.microsoft.com/office/drawing/2014/main" id="{A1ECE7FD-D676-4326-86D2-1D5AA066C555}"/>
+                </a:ext>
+              </a:extLst>
+            </p:cNvPr>
+            <p:cNvSpPr txBox="1"/>
+            <p:nvPr/>
+          </p:nvSpPr>
+          <p:spPr>
+            <a:xfrm>
+              <a:off x="504026" y="644015"/>
+              <a:ext cx="686406" cy="369332"/>
+            </a:xfrm>
+            <a:prstGeom prst="rect">
+              <a:avLst/>
+            </a:prstGeom>
+            <a:noFill/>
+          </p:spPr>
+          <p:txBody>
+            <a:bodyPr wrap="none" rtlCol="0">
+              <a:spAutoFit/>
+            </a:bodyPr>
+            <a:lstStyle/>
+            <a:p>
+              <a:r>
+                <a:rPr lang="en-US" altLang="ja-JP" b="1" dirty="0"/>
+                <a:t>RGB</a:t>
+              </a:r>
+              <a:endParaRPr kumimoji="1" lang="ja-JP" altLang="en-US" b="1" dirty="0"/>
+            </a:p>
+          </p:txBody>
+        </p:sp>
+        <p:sp>
+          <p:nvSpPr>
+            <p:cNvPr id="6" name="テキスト ボックス 5">
+              <a:extLst>
+                <a:ext uri="{FF2B5EF4-FFF2-40B4-BE49-F238E27FC236}">
+                  <a16:creationId xmlns:a16="http://schemas.microsoft.com/office/drawing/2014/main" id="{7F40C6D7-C2E3-440B-A267-8049BDC27283}"/>
+                </a:ext>
+              </a:extLst>
+            </p:cNvPr>
+            <p:cNvSpPr txBox="1"/>
+            <p:nvPr/>
+          </p:nvSpPr>
+          <p:spPr>
+            <a:xfrm>
+              <a:off x="4352126" y="649855"/>
+              <a:ext cx="684803" cy="369332"/>
+            </a:xfrm>
+            <a:prstGeom prst="rect">
+              <a:avLst/>
+            </a:prstGeom>
+            <a:noFill/>
+          </p:spPr>
+          <p:txBody>
+            <a:bodyPr wrap="none" rtlCol="0">
+              <a:spAutoFit/>
+            </a:bodyPr>
+            <a:lstStyle/>
+            <a:p>
+              <a:r>
+                <a:rPr lang="en-US" altLang="ja-JP" b="1" dirty="0" err="1"/>
+                <a:t>Glay</a:t>
+              </a:r>
+              <a:endParaRPr kumimoji="1" lang="ja-JP" altLang="en-US" b="1" dirty="0"/>
+            </a:p>
+          </p:txBody>
+        </p:sp>
+        <p:sp>
+          <p:nvSpPr>
+            <p:cNvPr id="7" name="テキスト ボックス 6">
+              <a:extLst>
+                <a:ext uri="{FF2B5EF4-FFF2-40B4-BE49-F238E27FC236}">
+                  <a16:creationId xmlns:a16="http://schemas.microsoft.com/office/drawing/2014/main" id="{032F5A1C-F422-49CA-ABB8-849B1C750ABB}"/>
+                </a:ext>
+              </a:extLst>
+            </p:cNvPr>
+            <p:cNvSpPr txBox="1"/>
+            <p:nvPr/>
+          </p:nvSpPr>
+          <p:spPr>
+            <a:xfrm>
+              <a:off x="8198623" y="644015"/>
+              <a:ext cx="649537" cy="369332"/>
+            </a:xfrm>
+            <a:prstGeom prst="rect">
+              <a:avLst/>
+            </a:prstGeom>
+            <a:noFill/>
+          </p:spPr>
+          <p:txBody>
+            <a:bodyPr wrap="none" rtlCol="0">
+              <a:spAutoFit/>
+            </a:bodyPr>
+            <a:lstStyle/>
+            <a:p>
+              <a:r>
+                <a:rPr lang="en-US" altLang="ja-JP" b="1" dirty="0"/>
+                <a:t>XYZ</a:t>
+              </a:r>
+              <a:endParaRPr kumimoji="1" lang="ja-JP" altLang="en-US" b="1" dirty="0"/>
+            </a:p>
+          </p:txBody>
+        </p:sp>
+        <p:sp>
+          <p:nvSpPr>
+            <p:cNvPr id="8" name="テキスト ボックス 7">
+              <a:extLst>
+                <a:ext uri="{FF2B5EF4-FFF2-40B4-BE49-F238E27FC236}">
+                  <a16:creationId xmlns:a16="http://schemas.microsoft.com/office/drawing/2014/main" id="{C0378799-FEA9-43D3-B717-E9417D053523}"/>
+                </a:ext>
+              </a:extLst>
+            </p:cNvPr>
+            <p:cNvSpPr txBox="1"/>
+            <p:nvPr/>
+          </p:nvSpPr>
+          <p:spPr>
+            <a:xfrm>
+              <a:off x="522460" y="2646484"/>
+              <a:ext cx="675185" cy="369332"/>
+            </a:xfrm>
+            <a:prstGeom prst="rect">
+              <a:avLst/>
+            </a:prstGeom>
+            <a:noFill/>
+          </p:spPr>
+          <p:txBody>
+            <a:bodyPr wrap="none" rtlCol="0">
+              <a:spAutoFit/>
+            </a:bodyPr>
+            <a:lstStyle/>
+            <a:p>
+              <a:r>
+                <a:rPr kumimoji="1" lang="en-US" altLang="ja-JP" b="1" dirty="0"/>
+                <a:t>HSV</a:t>
+              </a:r>
+              <a:endParaRPr kumimoji="1" lang="ja-JP" altLang="en-US" b="1" dirty="0"/>
+            </a:p>
+          </p:txBody>
+        </p:sp>
+        <p:sp>
+          <p:nvSpPr>
+            <p:cNvPr id="9" name="テキスト ボックス 8">
+              <a:extLst>
+                <a:ext uri="{FF2B5EF4-FFF2-40B4-BE49-F238E27FC236}">
+                  <a16:creationId xmlns:a16="http://schemas.microsoft.com/office/drawing/2014/main" id="{B8175AEB-4451-428D-8044-7B56EFDE5E33}"/>
+                </a:ext>
+              </a:extLst>
+            </p:cNvPr>
+            <p:cNvSpPr txBox="1"/>
+            <p:nvPr/>
+          </p:nvSpPr>
+          <p:spPr>
+            <a:xfrm>
+              <a:off x="4352126" y="2646484"/>
+              <a:ext cx="660758" cy="369332"/>
+            </a:xfrm>
+            <a:prstGeom prst="rect">
+              <a:avLst/>
+            </a:prstGeom>
+            <a:noFill/>
+          </p:spPr>
+          <p:txBody>
+            <a:bodyPr wrap="none" rtlCol="0">
+              <a:spAutoFit/>
+            </a:bodyPr>
+            <a:lstStyle/>
+            <a:p>
+              <a:r>
+                <a:rPr lang="en-US" altLang="ja-JP" b="1" dirty="0"/>
+                <a:t>HLS</a:t>
+              </a:r>
+              <a:endParaRPr kumimoji="1" lang="ja-JP" altLang="en-US" b="1" dirty="0"/>
+            </a:p>
+          </p:txBody>
+        </p:sp>
+        <p:sp>
+          <p:nvSpPr>
+            <p:cNvPr id="10" name="テキスト ボックス 9">
+              <a:extLst>
+                <a:ext uri="{FF2B5EF4-FFF2-40B4-BE49-F238E27FC236}">
+                  <a16:creationId xmlns:a16="http://schemas.microsoft.com/office/drawing/2014/main" id="{E385D88B-6492-4789-A41B-BB7F3A85D53E}"/>
+                </a:ext>
+              </a:extLst>
+            </p:cNvPr>
+            <p:cNvSpPr txBox="1"/>
+            <p:nvPr/>
+          </p:nvSpPr>
+          <p:spPr>
+            <a:xfrm>
+              <a:off x="8071183" y="2646484"/>
+              <a:ext cx="904415" cy="369332"/>
+            </a:xfrm>
+            <a:prstGeom prst="rect">
+              <a:avLst/>
+            </a:prstGeom>
+            <a:noFill/>
+          </p:spPr>
+          <p:txBody>
+            <a:bodyPr wrap="none" rtlCol="0">
+              <a:spAutoFit/>
+            </a:bodyPr>
+            <a:lstStyle/>
+            <a:p>
+              <a:r>
+                <a:rPr lang="en-US" altLang="ja-JP" b="1" dirty="0" err="1"/>
+                <a:t>YCrCb</a:t>
+              </a:r>
+              <a:endParaRPr kumimoji="1" lang="ja-JP" altLang="en-US" b="1" dirty="0"/>
+            </a:p>
+          </p:txBody>
+        </p:sp>
+        <p:sp>
+          <p:nvSpPr>
+            <p:cNvPr id="12" name="テキスト ボックス 11">
+              <a:extLst>
+                <a:ext uri="{FF2B5EF4-FFF2-40B4-BE49-F238E27FC236}">
+                  <a16:creationId xmlns:a16="http://schemas.microsoft.com/office/drawing/2014/main" id="{CCF4CFD7-8C7C-41ED-BA5E-5C4D8AC59D1E}"/>
+                </a:ext>
+              </a:extLst>
+            </p:cNvPr>
+            <p:cNvSpPr txBox="1"/>
+            <p:nvPr/>
+          </p:nvSpPr>
+          <p:spPr>
+            <a:xfrm>
+              <a:off x="504026" y="4648953"/>
+              <a:ext cx="665567" cy="369332"/>
+            </a:xfrm>
+            <a:prstGeom prst="rect">
+              <a:avLst/>
+            </a:prstGeom>
+            <a:noFill/>
+          </p:spPr>
+          <p:txBody>
+            <a:bodyPr wrap="none" rtlCol="0">
+              <a:spAutoFit/>
+            </a:bodyPr>
+            <a:lstStyle/>
+            <a:p>
+              <a:r>
+                <a:rPr lang="en-US" altLang="ja-JP" b="1" dirty="0"/>
+                <a:t>LUV</a:t>
+              </a:r>
+              <a:endParaRPr kumimoji="1" lang="ja-JP" altLang="en-US" b="1" dirty="0"/>
+            </a:p>
+          </p:txBody>
+        </p:sp>
+        <p:sp>
+          <p:nvSpPr>
+            <p:cNvPr id="13" name="テキスト ボックス 12">
+              <a:extLst>
+                <a:ext uri="{FF2B5EF4-FFF2-40B4-BE49-F238E27FC236}">
+                  <a16:creationId xmlns:a16="http://schemas.microsoft.com/office/drawing/2014/main" id="{3E0320B6-875B-4708-A05D-19272C558BBA}"/>
+                </a:ext>
+              </a:extLst>
+            </p:cNvPr>
+            <p:cNvSpPr txBox="1"/>
+            <p:nvPr/>
+          </p:nvSpPr>
+          <p:spPr>
+            <a:xfrm>
+              <a:off x="4356935" y="4643113"/>
+              <a:ext cx="651140" cy="369332"/>
+            </a:xfrm>
+            <a:prstGeom prst="rect">
+              <a:avLst/>
+            </a:prstGeom>
+            <a:noFill/>
+          </p:spPr>
+          <p:txBody>
+            <a:bodyPr wrap="none" rtlCol="0">
+              <a:spAutoFit/>
+            </a:bodyPr>
+            <a:lstStyle/>
+            <a:p>
+              <a:r>
+                <a:rPr kumimoji="1" lang="en-US" altLang="ja-JP" b="1" dirty="0"/>
+                <a:t>LAB</a:t>
+              </a:r>
+              <a:endParaRPr kumimoji="1" lang="ja-JP" altLang="en-US" b="1" dirty="0"/>
+            </a:p>
+          </p:txBody>
+        </p:sp>
+        <p:sp>
+          <p:nvSpPr>
+            <p:cNvPr id="14" name="テキスト ボックス 13">
+              <a:extLst>
+                <a:ext uri="{FF2B5EF4-FFF2-40B4-BE49-F238E27FC236}">
+                  <a16:creationId xmlns:a16="http://schemas.microsoft.com/office/drawing/2014/main" id="{11D8F7CE-478D-4112-8A50-E07D629DF03E}"/>
+                </a:ext>
+              </a:extLst>
+            </p:cNvPr>
+            <p:cNvSpPr txBox="1"/>
+            <p:nvPr/>
+          </p:nvSpPr>
+          <p:spPr>
+            <a:xfrm>
+              <a:off x="8197820" y="4643113"/>
+              <a:ext cx="679994" cy="369332"/>
+            </a:xfrm>
+            <a:prstGeom prst="rect">
+              <a:avLst/>
+            </a:prstGeom>
+            <a:noFill/>
+          </p:spPr>
+          <p:txBody>
+            <a:bodyPr wrap="none" rtlCol="0">
+              <a:spAutoFit/>
+            </a:bodyPr>
+            <a:lstStyle/>
+            <a:p>
+              <a:r>
+                <a:rPr lang="en-US" altLang="ja-JP" b="1" dirty="0"/>
+                <a:t>YUV</a:t>
+              </a:r>
+              <a:endParaRPr kumimoji="1" lang="ja-JP" altLang="en-US" b="1" dirty="0"/>
+            </a:p>
+          </p:txBody>
+        </p:sp>
+      </p:grpSp>
+    </p:spTree>
+    <p:extLst>
+      <p:ext uri="{BB962C8B-B14F-4D97-AF65-F5344CB8AC3E}">
+        <p14:creationId xmlns:p14="http://schemas.microsoft.com/office/powerpoint/2010/main" val="1168456880"/>
+      </p:ext>
+    </p:extLst>
+  </p:cSld>
+  <p:clrMapOvr>
+    <a:masterClrMapping/>
+  </p:clrMapOvr>
+</p:sld>
+</file>
+
+<file path=ppt/slides/slide6.xml><?xml version="1.0" encoding="utf-8"?>
+<p:sld xmlns:a="http://schemas.openxmlformats.org/drawingml/2006/main" xmlns:r="http://schemas.openxmlformats.org/officeDocument/2006/relationships" xmlns:p="http://schemas.openxmlformats.org/presentationml/2006/main">
+  <p:cSld>
+    <p:spTree>
+      <p:nvGrpSpPr>
+        <p:cNvPr id="1" name=""/>
+        <p:cNvGrpSpPr/>
+        <p:nvPr/>
+      </p:nvGrpSpPr>
+      <p:grpSpPr>
+        <a:xfrm>
+          <a:off x="0" y="0"/>
+          <a:ext cx="0" cy="0"/>
+          <a:chOff x="0" y="0"/>
+          <a:chExt cx="0" cy="0"/>
+        </a:xfrm>
+      </p:grpSpPr>
+      <p:pic>
+        <p:nvPicPr>
+          <p:cNvPr id="17" name="図 16" descr="パソコン画面のスクリーンショット&#10;&#10;自動的に生成された説明">
+            <a:extLst>
+              <a:ext uri="{FF2B5EF4-FFF2-40B4-BE49-F238E27FC236}">
+                <a16:creationId xmlns:a16="http://schemas.microsoft.com/office/drawing/2014/main" id="{E5E3E90A-B3AB-4CDF-808B-A767779B3F8D}"/>
+              </a:ext>
+            </a:extLst>
+          </p:cNvPr>
+          <p:cNvPicPr>
+            <a:picLocks noChangeAspect="1"/>
+          </p:cNvPicPr>
+          <p:nvPr/>
+        </p:nvPicPr>
+        <p:blipFill>
+          <a:blip r:embed="rId2">
+            <a:extLst>
+              <a:ext uri="{28A0092B-C50C-407E-A947-70E740481C1C}">
+                <a14:useLocalDpi xmlns:a14="http://schemas.microsoft.com/office/drawing/2010/main" val="0"/>
+              </a:ext>
+            </a:extLst>
+          </a:blip>
+          <a:stretch>
+            <a:fillRect/>
+          </a:stretch>
+        </p:blipFill>
+        <p:spPr>
+          <a:xfrm>
+            <a:off x="370676" y="490127"/>
+            <a:ext cx="11450648" cy="5877745"/>
+          </a:xfrm>
+          <a:prstGeom prst="rect">
+            <a:avLst/>
+          </a:prstGeom>
+        </p:spPr>
+      </p:pic>
+      <p:grpSp>
+        <p:nvGrpSpPr>
+          <p:cNvPr id="15" name="グループ化 14">
+            <a:extLst>
+              <a:ext uri="{FF2B5EF4-FFF2-40B4-BE49-F238E27FC236}">
+                <a16:creationId xmlns:a16="http://schemas.microsoft.com/office/drawing/2014/main" id="{5B3A9052-C9CB-45AD-8CE8-E79FBF7FA4C4}"/>
+              </a:ext>
+            </a:extLst>
+          </p:cNvPr>
+          <p:cNvGrpSpPr/>
+          <p:nvPr/>
+        </p:nvGrpSpPr>
+        <p:grpSpPr>
+          <a:xfrm>
+            <a:off x="370676" y="0"/>
+            <a:ext cx="8604922" cy="5018285"/>
+            <a:chOff x="370676" y="0"/>
+            <a:chExt cx="8604922" cy="5018285"/>
+          </a:xfrm>
+        </p:grpSpPr>
+        <p:sp>
+          <p:nvSpPr>
+            <p:cNvPr id="4" name="テキスト ボックス 3">
+              <a:extLst>
+                <a:ext uri="{FF2B5EF4-FFF2-40B4-BE49-F238E27FC236}">
+                  <a16:creationId xmlns:a16="http://schemas.microsoft.com/office/drawing/2014/main" id="{F6F41264-AADF-4F02-8D18-C290988CA8A6}"/>
+                </a:ext>
+              </a:extLst>
+            </p:cNvPr>
+            <p:cNvSpPr txBox="1"/>
+            <p:nvPr/>
+          </p:nvSpPr>
+          <p:spPr>
+            <a:xfrm>
+              <a:off x="370676" y="0"/>
+              <a:ext cx="4852610" cy="523220"/>
+            </a:xfrm>
+            <a:prstGeom prst="rect">
+              <a:avLst/>
+            </a:prstGeom>
+            <a:noFill/>
+          </p:spPr>
+          <p:txBody>
+            <a:bodyPr wrap="none" rtlCol="0">
+              <a:spAutoFit/>
+            </a:bodyPr>
+            <a:lstStyle/>
+            <a:p>
+              <a:r>
+                <a:rPr kumimoji="1" lang="ja-JP" altLang="en-US" sz="2800" b="1" dirty="0"/>
+                <a:t>ドレッシング容器　包装</a:t>
+              </a:r>
+              <a:r>
+                <a:rPr lang="ja-JP" altLang="en-US" sz="2800" b="1" dirty="0"/>
+                <a:t>あり</a:t>
+              </a:r>
+              <a:endParaRPr kumimoji="1" lang="ja-JP" altLang="en-US" sz="2800" b="1" dirty="0"/>
+            </a:p>
+          </p:txBody>
+        </p:sp>
+        <p:sp>
+          <p:nvSpPr>
+            <p:cNvPr id="5" name="テキスト ボックス 4">
+              <a:extLst>
+                <a:ext uri="{FF2B5EF4-FFF2-40B4-BE49-F238E27FC236}">
+                  <a16:creationId xmlns:a16="http://schemas.microsoft.com/office/drawing/2014/main" id="{A1ECE7FD-D676-4326-86D2-1D5AA066C555}"/>
+                </a:ext>
+              </a:extLst>
+            </p:cNvPr>
+            <p:cNvSpPr txBox="1"/>
+            <p:nvPr/>
+          </p:nvSpPr>
+          <p:spPr>
+            <a:xfrm>
+              <a:off x="504026" y="644015"/>
+              <a:ext cx="686406" cy="369332"/>
+            </a:xfrm>
+            <a:prstGeom prst="rect">
+              <a:avLst/>
+            </a:prstGeom>
+            <a:noFill/>
+          </p:spPr>
+          <p:txBody>
+            <a:bodyPr wrap="none" rtlCol="0">
+              <a:spAutoFit/>
+            </a:bodyPr>
+            <a:lstStyle/>
+            <a:p>
+              <a:r>
+                <a:rPr lang="en-US" altLang="ja-JP" b="1" dirty="0"/>
+                <a:t>RGB</a:t>
+              </a:r>
+              <a:endParaRPr kumimoji="1" lang="ja-JP" altLang="en-US" b="1" dirty="0"/>
+            </a:p>
+          </p:txBody>
+        </p:sp>
+        <p:sp>
+          <p:nvSpPr>
+            <p:cNvPr id="6" name="テキスト ボックス 5">
+              <a:extLst>
+                <a:ext uri="{FF2B5EF4-FFF2-40B4-BE49-F238E27FC236}">
+                  <a16:creationId xmlns:a16="http://schemas.microsoft.com/office/drawing/2014/main" id="{7F40C6D7-C2E3-440B-A267-8049BDC27283}"/>
+                </a:ext>
+              </a:extLst>
+            </p:cNvPr>
+            <p:cNvSpPr txBox="1"/>
+            <p:nvPr/>
+          </p:nvSpPr>
+          <p:spPr>
+            <a:xfrm>
+              <a:off x="4352126" y="649855"/>
+              <a:ext cx="684803" cy="369332"/>
+            </a:xfrm>
+            <a:prstGeom prst="rect">
+              <a:avLst/>
+            </a:prstGeom>
+            <a:noFill/>
+          </p:spPr>
+          <p:txBody>
+            <a:bodyPr wrap="none" rtlCol="0">
+              <a:spAutoFit/>
+            </a:bodyPr>
+            <a:lstStyle/>
+            <a:p>
+              <a:r>
+                <a:rPr lang="en-US" altLang="ja-JP" b="1" dirty="0" err="1"/>
+                <a:t>Glay</a:t>
+              </a:r>
+              <a:endParaRPr kumimoji="1" lang="ja-JP" altLang="en-US" b="1" dirty="0"/>
+            </a:p>
+          </p:txBody>
+        </p:sp>
+        <p:sp>
+          <p:nvSpPr>
+            <p:cNvPr id="7" name="テキスト ボックス 6">
+              <a:extLst>
+                <a:ext uri="{FF2B5EF4-FFF2-40B4-BE49-F238E27FC236}">
+                  <a16:creationId xmlns:a16="http://schemas.microsoft.com/office/drawing/2014/main" id="{032F5A1C-F422-49CA-ABB8-849B1C750ABB}"/>
+                </a:ext>
+              </a:extLst>
+            </p:cNvPr>
+            <p:cNvSpPr txBox="1"/>
+            <p:nvPr/>
+          </p:nvSpPr>
+          <p:spPr>
+            <a:xfrm>
+              <a:off x="8198623" y="644015"/>
+              <a:ext cx="649537" cy="369332"/>
+            </a:xfrm>
+            <a:prstGeom prst="rect">
+              <a:avLst/>
+            </a:prstGeom>
+            <a:noFill/>
+          </p:spPr>
+          <p:txBody>
+            <a:bodyPr wrap="none" rtlCol="0">
+              <a:spAutoFit/>
+            </a:bodyPr>
+            <a:lstStyle/>
+            <a:p>
+              <a:r>
+                <a:rPr lang="en-US" altLang="ja-JP" b="1" dirty="0"/>
+                <a:t>XYZ</a:t>
+              </a:r>
+              <a:endParaRPr kumimoji="1" lang="ja-JP" altLang="en-US" b="1" dirty="0"/>
+            </a:p>
+          </p:txBody>
+        </p:sp>
+        <p:sp>
+          <p:nvSpPr>
+            <p:cNvPr id="8" name="テキスト ボックス 7">
+              <a:extLst>
+                <a:ext uri="{FF2B5EF4-FFF2-40B4-BE49-F238E27FC236}">
+                  <a16:creationId xmlns:a16="http://schemas.microsoft.com/office/drawing/2014/main" id="{C0378799-FEA9-43D3-B717-E9417D053523}"/>
+                </a:ext>
+              </a:extLst>
+            </p:cNvPr>
+            <p:cNvSpPr txBox="1"/>
+            <p:nvPr/>
+          </p:nvSpPr>
+          <p:spPr>
+            <a:xfrm>
+              <a:off x="522460" y="2646484"/>
+              <a:ext cx="675185" cy="369332"/>
+            </a:xfrm>
+            <a:prstGeom prst="rect">
+              <a:avLst/>
+            </a:prstGeom>
+            <a:noFill/>
+          </p:spPr>
+          <p:txBody>
+            <a:bodyPr wrap="none" rtlCol="0">
+              <a:spAutoFit/>
+            </a:bodyPr>
+            <a:lstStyle/>
+            <a:p>
+              <a:r>
+                <a:rPr kumimoji="1" lang="en-US" altLang="ja-JP" b="1" dirty="0"/>
+                <a:t>HSV</a:t>
+              </a:r>
+              <a:endParaRPr kumimoji="1" lang="ja-JP" altLang="en-US" b="1" dirty="0"/>
+            </a:p>
+          </p:txBody>
+        </p:sp>
+        <p:sp>
+          <p:nvSpPr>
+            <p:cNvPr id="9" name="テキスト ボックス 8">
+              <a:extLst>
+                <a:ext uri="{FF2B5EF4-FFF2-40B4-BE49-F238E27FC236}">
+                  <a16:creationId xmlns:a16="http://schemas.microsoft.com/office/drawing/2014/main" id="{B8175AEB-4451-428D-8044-7B56EFDE5E33}"/>
+                </a:ext>
+              </a:extLst>
+            </p:cNvPr>
+            <p:cNvSpPr txBox="1"/>
+            <p:nvPr/>
+          </p:nvSpPr>
+          <p:spPr>
+            <a:xfrm>
+              <a:off x="4352126" y="2646484"/>
+              <a:ext cx="660758" cy="369332"/>
+            </a:xfrm>
+            <a:prstGeom prst="rect">
+              <a:avLst/>
+            </a:prstGeom>
+            <a:noFill/>
+          </p:spPr>
+          <p:txBody>
+            <a:bodyPr wrap="none" rtlCol="0">
+              <a:spAutoFit/>
+            </a:bodyPr>
+            <a:lstStyle/>
+            <a:p>
+              <a:r>
+                <a:rPr lang="en-US" altLang="ja-JP" b="1" dirty="0"/>
+                <a:t>HLS</a:t>
+              </a:r>
+              <a:endParaRPr kumimoji="1" lang="ja-JP" altLang="en-US" b="1" dirty="0"/>
+            </a:p>
+          </p:txBody>
+        </p:sp>
+        <p:sp>
+          <p:nvSpPr>
+            <p:cNvPr id="10" name="テキスト ボックス 9">
+              <a:extLst>
+                <a:ext uri="{FF2B5EF4-FFF2-40B4-BE49-F238E27FC236}">
+                  <a16:creationId xmlns:a16="http://schemas.microsoft.com/office/drawing/2014/main" id="{E385D88B-6492-4789-A41B-BB7F3A85D53E}"/>
+                </a:ext>
+              </a:extLst>
+            </p:cNvPr>
+            <p:cNvSpPr txBox="1"/>
+            <p:nvPr/>
+          </p:nvSpPr>
+          <p:spPr>
+            <a:xfrm>
+              <a:off x="8071183" y="2646484"/>
+              <a:ext cx="904415" cy="369332"/>
+            </a:xfrm>
+            <a:prstGeom prst="rect">
+              <a:avLst/>
+            </a:prstGeom>
+            <a:noFill/>
+          </p:spPr>
+          <p:txBody>
+            <a:bodyPr wrap="none" rtlCol="0">
+              <a:spAutoFit/>
+            </a:bodyPr>
+            <a:lstStyle/>
+            <a:p>
+              <a:r>
+                <a:rPr lang="en-US" altLang="ja-JP" b="1" dirty="0" err="1"/>
+                <a:t>YCrCb</a:t>
+              </a:r>
+              <a:endParaRPr kumimoji="1" lang="ja-JP" altLang="en-US" b="1" dirty="0"/>
+            </a:p>
+          </p:txBody>
+        </p:sp>
+        <p:sp>
+          <p:nvSpPr>
+            <p:cNvPr id="12" name="テキスト ボックス 11">
+              <a:extLst>
+                <a:ext uri="{FF2B5EF4-FFF2-40B4-BE49-F238E27FC236}">
+                  <a16:creationId xmlns:a16="http://schemas.microsoft.com/office/drawing/2014/main" id="{CCF4CFD7-8C7C-41ED-BA5E-5C4D8AC59D1E}"/>
+                </a:ext>
+              </a:extLst>
+            </p:cNvPr>
+            <p:cNvSpPr txBox="1"/>
+            <p:nvPr/>
+          </p:nvSpPr>
+          <p:spPr>
+            <a:xfrm>
+              <a:off x="504026" y="4648953"/>
+              <a:ext cx="665567" cy="369332"/>
+            </a:xfrm>
+            <a:prstGeom prst="rect">
+              <a:avLst/>
+            </a:prstGeom>
+            <a:noFill/>
+          </p:spPr>
+          <p:txBody>
+            <a:bodyPr wrap="none" rtlCol="0">
+              <a:spAutoFit/>
+            </a:bodyPr>
+            <a:lstStyle/>
+            <a:p>
+              <a:r>
+                <a:rPr lang="en-US" altLang="ja-JP" b="1" dirty="0"/>
+                <a:t>LUV</a:t>
+              </a:r>
+              <a:endParaRPr kumimoji="1" lang="ja-JP" altLang="en-US" b="1" dirty="0"/>
+            </a:p>
+          </p:txBody>
+        </p:sp>
+        <p:sp>
+          <p:nvSpPr>
+            <p:cNvPr id="13" name="テキスト ボックス 12">
+              <a:extLst>
+                <a:ext uri="{FF2B5EF4-FFF2-40B4-BE49-F238E27FC236}">
+                  <a16:creationId xmlns:a16="http://schemas.microsoft.com/office/drawing/2014/main" id="{3E0320B6-875B-4708-A05D-19272C558BBA}"/>
+                </a:ext>
+              </a:extLst>
+            </p:cNvPr>
+            <p:cNvSpPr txBox="1"/>
+            <p:nvPr/>
+          </p:nvSpPr>
+          <p:spPr>
+            <a:xfrm>
+              <a:off x="4356935" y="4643113"/>
+              <a:ext cx="651140" cy="369332"/>
+            </a:xfrm>
+            <a:prstGeom prst="rect">
+              <a:avLst/>
+            </a:prstGeom>
+            <a:noFill/>
+          </p:spPr>
+          <p:txBody>
+            <a:bodyPr wrap="none" rtlCol="0">
+              <a:spAutoFit/>
+            </a:bodyPr>
+            <a:lstStyle/>
+            <a:p>
+              <a:r>
+                <a:rPr kumimoji="1" lang="en-US" altLang="ja-JP" b="1" dirty="0"/>
+                <a:t>LAB</a:t>
+              </a:r>
+              <a:endParaRPr kumimoji="1" lang="ja-JP" altLang="en-US" b="1" dirty="0"/>
+            </a:p>
+          </p:txBody>
+        </p:sp>
+        <p:sp>
+          <p:nvSpPr>
+            <p:cNvPr id="14" name="テキスト ボックス 13">
+              <a:extLst>
+                <a:ext uri="{FF2B5EF4-FFF2-40B4-BE49-F238E27FC236}">
+                  <a16:creationId xmlns:a16="http://schemas.microsoft.com/office/drawing/2014/main" id="{11D8F7CE-478D-4112-8A50-E07D629DF03E}"/>
+                </a:ext>
+              </a:extLst>
+            </p:cNvPr>
+            <p:cNvSpPr txBox="1"/>
+            <p:nvPr/>
+          </p:nvSpPr>
+          <p:spPr>
+            <a:xfrm>
+              <a:off x="8197820" y="4643113"/>
+              <a:ext cx="679994" cy="369332"/>
+            </a:xfrm>
+            <a:prstGeom prst="rect">
+              <a:avLst/>
+            </a:prstGeom>
+            <a:noFill/>
+          </p:spPr>
+          <p:txBody>
+            <a:bodyPr wrap="none" rtlCol="0">
+              <a:spAutoFit/>
+            </a:bodyPr>
+            <a:lstStyle/>
+            <a:p>
+              <a:r>
+                <a:rPr lang="en-US" altLang="ja-JP" b="1" dirty="0"/>
+                <a:t>YUV</a:t>
+              </a:r>
+              <a:endParaRPr kumimoji="1" lang="ja-JP" altLang="en-US" b="1" dirty="0"/>
+            </a:p>
+          </p:txBody>
+        </p:sp>
+      </p:grpSp>
+    </p:spTree>
+    <p:extLst>
+      <p:ext uri="{BB962C8B-B14F-4D97-AF65-F5344CB8AC3E}">
+        <p14:creationId xmlns:p14="http://schemas.microsoft.com/office/powerpoint/2010/main" val="607234124"/>
+      </p:ext>
+    </p:extLst>
+  </p:cSld>
+  <p:clrMapOvr>
+    <a:masterClrMapping/>
+  </p:clrMapOvr>
+</p:sld>
+</file>
+
+<file path=ppt/slides/slide7.xml><?xml version="1.0" encoding="utf-8"?>
+<p:sld xmlns:a="http://schemas.openxmlformats.org/drawingml/2006/main" xmlns:r="http://schemas.openxmlformats.org/officeDocument/2006/relationships" xmlns:p="http://schemas.openxmlformats.org/presentationml/2006/main">
+  <p:cSld>
+    <p:spTree>
+      <p:nvGrpSpPr>
+        <p:cNvPr id="1" name=""/>
+        <p:cNvGrpSpPr/>
+        <p:nvPr/>
+      </p:nvGrpSpPr>
+      <p:grpSpPr>
+        <a:xfrm>
+          <a:off x="0" y="0"/>
+          <a:ext cx="0" cy="0"/>
+          <a:chOff x="0" y="0"/>
+          <a:chExt cx="0" cy="0"/>
+        </a:xfrm>
+      </p:grpSpPr>
+      <p:pic>
+        <p:nvPicPr>
+          <p:cNvPr id="3" name="図 2" descr="パソコンの画面&#10;&#10;自動的に生成された説明">
+            <a:extLst>
+              <a:ext uri="{FF2B5EF4-FFF2-40B4-BE49-F238E27FC236}">
+                <a16:creationId xmlns:a16="http://schemas.microsoft.com/office/drawing/2014/main" id="{C25F370A-A05E-4279-994D-40C42EE9DA17}"/>
+              </a:ext>
+            </a:extLst>
+          </p:cNvPr>
+          <p:cNvPicPr>
+            <a:picLocks noChangeAspect="1"/>
+          </p:cNvPicPr>
+          <p:nvPr/>
+        </p:nvPicPr>
+        <p:blipFill>
+          <a:blip r:embed="rId2">
+            <a:extLst>
+              <a:ext uri="{28A0092B-C50C-407E-A947-70E740481C1C}">
+                <a14:useLocalDpi xmlns:a14="http://schemas.microsoft.com/office/drawing/2010/main" val="0"/>
+              </a:ext>
+            </a:extLst>
+          </a:blip>
+          <a:stretch>
+            <a:fillRect/>
+          </a:stretch>
+        </p:blipFill>
+        <p:spPr>
+          <a:xfrm>
+            <a:off x="370676" y="490127"/>
+            <a:ext cx="11450648" cy="5877745"/>
+          </a:xfrm>
+          <a:prstGeom prst="rect">
+            <a:avLst/>
+          </a:prstGeom>
+        </p:spPr>
+      </p:pic>
+      <p:grpSp>
+        <p:nvGrpSpPr>
+          <p:cNvPr id="15" name="グループ化 14">
+            <a:extLst>
+              <a:ext uri="{FF2B5EF4-FFF2-40B4-BE49-F238E27FC236}">
+                <a16:creationId xmlns:a16="http://schemas.microsoft.com/office/drawing/2014/main" id="{5B3A9052-C9CB-45AD-8CE8-E79FBF7FA4C4}"/>
+              </a:ext>
+            </a:extLst>
+          </p:cNvPr>
+          <p:cNvGrpSpPr/>
+          <p:nvPr/>
+        </p:nvGrpSpPr>
+        <p:grpSpPr>
+          <a:xfrm>
+            <a:off x="370676" y="0"/>
+            <a:ext cx="8604922" cy="5018285"/>
+            <a:chOff x="370676" y="0"/>
+            <a:chExt cx="8604922" cy="5018285"/>
+          </a:xfrm>
+        </p:grpSpPr>
+        <p:sp>
+          <p:nvSpPr>
+            <p:cNvPr id="4" name="テキスト ボックス 3">
+              <a:extLst>
+                <a:ext uri="{FF2B5EF4-FFF2-40B4-BE49-F238E27FC236}">
+                  <a16:creationId xmlns:a16="http://schemas.microsoft.com/office/drawing/2014/main" id="{F6F41264-AADF-4F02-8D18-C290988CA8A6}"/>
+                </a:ext>
+              </a:extLst>
+            </p:cNvPr>
+            <p:cNvSpPr txBox="1"/>
+            <p:nvPr/>
+          </p:nvSpPr>
+          <p:spPr>
+            <a:xfrm>
+              <a:off x="370676" y="0"/>
+              <a:ext cx="3775393" cy="523220"/>
+            </a:xfrm>
+            <a:prstGeom prst="rect">
+              <a:avLst/>
+            </a:prstGeom>
+            <a:noFill/>
+          </p:spPr>
+          <p:txBody>
+            <a:bodyPr wrap="none" rtlCol="0">
+              <a:spAutoFit/>
+            </a:bodyPr>
+            <a:lstStyle/>
+            <a:p>
+              <a:r>
+                <a:rPr kumimoji="1" lang="ja-JP" altLang="en-US" sz="2800" b="1" dirty="0"/>
+                <a:t>ブレスケア　包装なし</a:t>
+              </a:r>
+            </a:p>
+          </p:txBody>
+        </p:sp>
+        <p:sp>
+          <p:nvSpPr>
+            <p:cNvPr id="5" name="テキスト ボックス 4">
+              <a:extLst>
+                <a:ext uri="{FF2B5EF4-FFF2-40B4-BE49-F238E27FC236}">
+                  <a16:creationId xmlns:a16="http://schemas.microsoft.com/office/drawing/2014/main" id="{A1ECE7FD-D676-4326-86D2-1D5AA066C555}"/>
+                </a:ext>
+              </a:extLst>
+            </p:cNvPr>
+            <p:cNvSpPr txBox="1"/>
+            <p:nvPr/>
+          </p:nvSpPr>
+          <p:spPr>
+            <a:xfrm>
+              <a:off x="504026" y="644015"/>
+              <a:ext cx="686406" cy="369332"/>
+            </a:xfrm>
+            <a:prstGeom prst="rect">
+              <a:avLst/>
+            </a:prstGeom>
+            <a:noFill/>
+          </p:spPr>
+          <p:txBody>
+            <a:bodyPr wrap="none" rtlCol="0">
+              <a:spAutoFit/>
+            </a:bodyPr>
+            <a:lstStyle/>
+            <a:p>
+              <a:r>
+                <a:rPr lang="en-US" altLang="ja-JP" b="1" dirty="0"/>
+                <a:t>RGB</a:t>
+              </a:r>
+              <a:endParaRPr kumimoji="1" lang="ja-JP" altLang="en-US" b="1" dirty="0"/>
+            </a:p>
+          </p:txBody>
+        </p:sp>
+        <p:sp>
+          <p:nvSpPr>
+            <p:cNvPr id="6" name="テキスト ボックス 5">
+              <a:extLst>
+                <a:ext uri="{FF2B5EF4-FFF2-40B4-BE49-F238E27FC236}">
+                  <a16:creationId xmlns:a16="http://schemas.microsoft.com/office/drawing/2014/main" id="{7F40C6D7-C2E3-440B-A267-8049BDC27283}"/>
+                </a:ext>
+              </a:extLst>
+            </p:cNvPr>
+            <p:cNvSpPr txBox="1"/>
+            <p:nvPr/>
+          </p:nvSpPr>
+          <p:spPr>
+            <a:xfrm>
+              <a:off x="4352126" y="649855"/>
+              <a:ext cx="684803" cy="369332"/>
+            </a:xfrm>
+            <a:prstGeom prst="rect">
+              <a:avLst/>
+            </a:prstGeom>
+            <a:noFill/>
+          </p:spPr>
+          <p:txBody>
+            <a:bodyPr wrap="none" rtlCol="0">
+              <a:spAutoFit/>
+            </a:bodyPr>
+            <a:lstStyle/>
+            <a:p>
+              <a:r>
+                <a:rPr lang="en-US" altLang="ja-JP" b="1" dirty="0" err="1"/>
+                <a:t>Glay</a:t>
+              </a:r>
+              <a:endParaRPr kumimoji="1" lang="ja-JP" altLang="en-US" b="1" dirty="0"/>
+            </a:p>
+          </p:txBody>
+        </p:sp>
+        <p:sp>
+          <p:nvSpPr>
+            <p:cNvPr id="7" name="テキスト ボックス 6">
+              <a:extLst>
+                <a:ext uri="{FF2B5EF4-FFF2-40B4-BE49-F238E27FC236}">
+                  <a16:creationId xmlns:a16="http://schemas.microsoft.com/office/drawing/2014/main" id="{032F5A1C-F422-49CA-ABB8-849B1C750ABB}"/>
+                </a:ext>
+              </a:extLst>
+            </p:cNvPr>
+            <p:cNvSpPr txBox="1"/>
+            <p:nvPr/>
+          </p:nvSpPr>
+          <p:spPr>
+            <a:xfrm>
+              <a:off x="8198623" y="644015"/>
+              <a:ext cx="649537" cy="369332"/>
+            </a:xfrm>
+            <a:prstGeom prst="rect">
+              <a:avLst/>
+            </a:prstGeom>
+            <a:noFill/>
+          </p:spPr>
+          <p:txBody>
+            <a:bodyPr wrap="none" rtlCol="0">
+              <a:spAutoFit/>
+            </a:bodyPr>
+            <a:lstStyle/>
+            <a:p>
+              <a:r>
+                <a:rPr lang="en-US" altLang="ja-JP" b="1" dirty="0"/>
+                <a:t>XYZ</a:t>
+              </a:r>
+              <a:endParaRPr kumimoji="1" lang="ja-JP" altLang="en-US" b="1" dirty="0"/>
+            </a:p>
+          </p:txBody>
+        </p:sp>
+        <p:sp>
+          <p:nvSpPr>
+            <p:cNvPr id="8" name="テキスト ボックス 7">
+              <a:extLst>
+                <a:ext uri="{FF2B5EF4-FFF2-40B4-BE49-F238E27FC236}">
+                  <a16:creationId xmlns:a16="http://schemas.microsoft.com/office/drawing/2014/main" id="{C0378799-FEA9-43D3-B717-E9417D053523}"/>
+                </a:ext>
+              </a:extLst>
+            </p:cNvPr>
+            <p:cNvSpPr txBox="1"/>
+            <p:nvPr/>
+          </p:nvSpPr>
+          <p:spPr>
+            <a:xfrm>
+              <a:off x="522460" y="2646484"/>
+              <a:ext cx="675185" cy="369332"/>
+            </a:xfrm>
+            <a:prstGeom prst="rect">
+              <a:avLst/>
+            </a:prstGeom>
+            <a:noFill/>
+          </p:spPr>
+          <p:txBody>
+            <a:bodyPr wrap="none" rtlCol="0">
+              <a:spAutoFit/>
+            </a:bodyPr>
+            <a:lstStyle/>
+            <a:p>
+              <a:r>
+                <a:rPr kumimoji="1" lang="en-US" altLang="ja-JP" b="1" dirty="0"/>
+                <a:t>HSV</a:t>
+              </a:r>
+              <a:endParaRPr kumimoji="1" lang="ja-JP" altLang="en-US" b="1" dirty="0"/>
+            </a:p>
+          </p:txBody>
+        </p:sp>
+        <p:sp>
+          <p:nvSpPr>
+            <p:cNvPr id="9" name="テキスト ボックス 8">
+              <a:extLst>
+                <a:ext uri="{FF2B5EF4-FFF2-40B4-BE49-F238E27FC236}">
+                  <a16:creationId xmlns:a16="http://schemas.microsoft.com/office/drawing/2014/main" id="{B8175AEB-4451-428D-8044-7B56EFDE5E33}"/>
+                </a:ext>
+              </a:extLst>
+            </p:cNvPr>
+            <p:cNvSpPr txBox="1"/>
+            <p:nvPr/>
+          </p:nvSpPr>
+          <p:spPr>
+            <a:xfrm>
+              <a:off x="4352126" y="2646484"/>
+              <a:ext cx="660758" cy="369332"/>
+            </a:xfrm>
+            <a:prstGeom prst="rect">
+              <a:avLst/>
+            </a:prstGeom>
+            <a:noFill/>
+          </p:spPr>
+          <p:txBody>
+            <a:bodyPr wrap="none" rtlCol="0">
+              <a:spAutoFit/>
+            </a:bodyPr>
+            <a:lstStyle/>
+            <a:p>
+              <a:r>
+                <a:rPr lang="en-US" altLang="ja-JP" b="1" dirty="0"/>
+                <a:t>HLS</a:t>
+              </a:r>
+              <a:endParaRPr kumimoji="1" lang="ja-JP" altLang="en-US" b="1" dirty="0"/>
+            </a:p>
+          </p:txBody>
+        </p:sp>
+        <p:sp>
+          <p:nvSpPr>
+            <p:cNvPr id="10" name="テキスト ボックス 9">
+              <a:extLst>
+                <a:ext uri="{FF2B5EF4-FFF2-40B4-BE49-F238E27FC236}">
+                  <a16:creationId xmlns:a16="http://schemas.microsoft.com/office/drawing/2014/main" id="{E385D88B-6492-4789-A41B-BB7F3A85D53E}"/>
+                </a:ext>
+              </a:extLst>
+            </p:cNvPr>
+            <p:cNvSpPr txBox="1"/>
+            <p:nvPr/>
+          </p:nvSpPr>
+          <p:spPr>
+            <a:xfrm>
+              <a:off x="8071183" y="2646484"/>
+              <a:ext cx="904415" cy="369332"/>
+            </a:xfrm>
+            <a:prstGeom prst="rect">
+              <a:avLst/>
+            </a:prstGeom>
+            <a:noFill/>
+          </p:spPr>
+          <p:txBody>
+            <a:bodyPr wrap="none" rtlCol="0">
+              <a:spAutoFit/>
+            </a:bodyPr>
+            <a:lstStyle/>
+            <a:p>
+              <a:r>
+                <a:rPr lang="en-US" altLang="ja-JP" b="1" dirty="0" err="1"/>
+                <a:t>YCrCb</a:t>
+              </a:r>
+              <a:endParaRPr kumimoji="1" lang="ja-JP" altLang="en-US" b="1" dirty="0"/>
+            </a:p>
+          </p:txBody>
+        </p:sp>
+        <p:sp>
+          <p:nvSpPr>
+            <p:cNvPr id="12" name="テキスト ボックス 11">
+              <a:extLst>
+                <a:ext uri="{FF2B5EF4-FFF2-40B4-BE49-F238E27FC236}">
+                  <a16:creationId xmlns:a16="http://schemas.microsoft.com/office/drawing/2014/main" id="{CCF4CFD7-8C7C-41ED-BA5E-5C4D8AC59D1E}"/>
+                </a:ext>
+              </a:extLst>
+            </p:cNvPr>
+            <p:cNvSpPr txBox="1"/>
+            <p:nvPr/>
+          </p:nvSpPr>
+          <p:spPr>
+            <a:xfrm>
+              <a:off x="504026" y="4648953"/>
+              <a:ext cx="665567" cy="369332"/>
+            </a:xfrm>
+            <a:prstGeom prst="rect">
+              <a:avLst/>
+            </a:prstGeom>
+            <a:noFill/>
+          </p:spPr>
+          <p:txBody>
+            <a:bodyPr wrap="none" rtlCol="0">
+              <a:spAutoFit/>
+            </a:bodyPr>
+            <a:lstStyle/>
+            <a:p>
+              <a:r>
+                <a:rPr lang="en-US" altLang="ja-JP" b="1" dirty="0"/>
+                <a:t>LUV</a:t>
+              </a:r>
+              <a:endParaRPr kumimoji="1" lang="ja-JP" altLang="en-US" b="1" dirty="0"/>
+            </a:p>
+          </p:txBody>
+        </p:sp>
+        <p:sp>
+          <p:nvSpPr>
+            <p:cNvPr id="13" name="テキスト ボックス 12">
+              <a:extLst>
+                <a:ext uri="{FF2B5EF4-FFF2-40B4-BE49-F238E27FC236}">
+                  <a16:creationId xmlns:a16="http://schemas.microsoft.com/office/drawing/2014/main" id="{3E0320B6-875B-4708-A05D-19272C558BBA}"/>
+                </a:ext>
+              </a:extLst>
+            </p:cNvPr>
+            <p:cNvSpPr txBox="1"/>
+            <p:nvPr/>
+          </p:nvSpPr>
+          <p:spPr>
+            <a:xfrm>
+              <a:off x="4356935" y="4643113"/>
+              <a:ext cx="651140" cy="369332"/>
+            </a:xfrm>
+            <a:prstGeom prst="rect">
+              <a:avLst/>
+            </a:prstGeom>
+            <a:noFill/>
+          </p:spPr>
+          <p:txBody>
+            <a:bodyPr wrap="none" rtlCol="0">
+              <a:spAutoFit/>
+            </a:bodyPr>
+            <a:lstStyle/>
+            <a:p>
+              <a:r>
+                <a:rPr kumimoji="1" lang="en-US" altLang="ja-JP" b="1" dirty="0"/>
+                <a:t>LAB</a:t>
+              </a:r>
+              <a:endParaRPr kumimoji="1" lang="ja-JP" altLang="en-US" b="1" dirty="0"/>
+            </a:p>
+          </p:txBody>
+        </p:sp>
+        <p:sp>
+          <p:nvSpPr>
+            <p:cNvPr id="14" name="テキスト ボックス 13">
+              <a:extLst>
+                <a:ext uri="{FF2B5EF4-FFF2-40B4-BE49-F238E27FC236}">
+                  <a16:creationId xmlns:a16="http://schemas.microsoft.com/office/drawing/2014/main" id="{11D8F7CE-478D-4112-8A50-E07D629DF03E}"/>
+                </a:ext>
+              </a:extLst>
+            </p:cNvPr>
+            <p:cNvSpPr txBox="1"/>
+            <p:nvPr/>
+          </p:nvSpPr>
+          <p:spPr>
+            <a:xfrm>
+              <a:off x="8197820" y="4643113"/>
+              <a:ext cx="679994" cy="369332"/>
+            </a:xfrm>
+            <a:prstGeom prst="rect">
+              <a:avLst/>
+            </a:prstGeom>
+            <a:noFill/>
+          </p:spPr>
+          <p:txBody>
+            <a:bodyPr wrap="none" rtlCol="0">
+              <a:spAutoFit/>
+            </a:bodyPr>
+            <a:lstStyle/>
+            <a:p>
+              <a:r>
+                <a:rPr lang="en-US" altLang="ja-JP" b="1" dirty="0"/>
+                <a:t>YUV</a:t>
+              </a:r>
+              <a:endParaRPr kumimoji="1" lang="ja-JP" altLang="en-US" b="1" dirty="0"/>
+            </a:p>
+          </p:txBody>
+        </p:sp>
+      </p:grpSp>
+    </p:spTree>
+    <p:extLst>
+      <p:ext uri="{BB962C8B-B14F-4D97-AF65-F5344CB8AC3E}">
+        <p14:creationId xmlns:p14="http://schemas.microsoft.com/office/powerpoint/2010/main" val="3877463270"/>
+      </p:ext>
+    </p:extLst>
+  </p:cSld>
+  <p:clrMapOvr>
+    <a:masterClrMapping/>
+  </p:clrMapOvr>
+</p:sld>
+</file>
+
+<file path=ppt/slides/slide8.xml><?xml version="1.0" encoding="utf-8"?>
+<p:sld xmlns:a="http://schemas.openxmlformats.org/drawingml/2006/main" xmlns:r="http://schemas.openxmlformats.org/officeDocument/2006/relationships" xmlns:p="http://schemas.openxmlformats.org/presentationml/2006/main">
+  <p:cSld>
+    <p:spTree>
+      <p:nvGrpSpPr>
+        <p:cNvPr id="1" name=""/>
+        <p:cNvGrpSpPr/>
+        <p:nvPr/>
+      </p:nvGrpSpPr>
+      <p:grpSpPr>
+        <a:xfrm>
+          <a:off x="0" y="0"/>
+          <a:ext cx="0" cy="0"/>
+          <a:chOff x="0" y="0"/>
+          <a:chExt cx="0" cy="0"/>
+        </a:xfrm>
+      </p:grpSpPr>
+      <p:pic>
+        <p:nvPicPr>
+          <p:cNvPr id="11" name="図 10" descr="パソコンの画面&#10;&#10;自動的に生成された説明">
+            <a:extLst>
+              <a:ext uri="{FF2B5EF4-FFF2-40B4-BE49-F238E27FC236}">
+                <a16:creationId xmlns:a16="http://schemas.microsoft.com/office/drawing/2014/main" id="{6D1CAF8F-023A-4EB1-9A5D-4B60F541D749}"/>
+              </a:ext>
+            </a:extLst>
+          </p:cNvPr>
+          <p:cNvPicPr>
+            <a:picLocks noChangeAspect="1"/>
+          </p:cNvPicPr>
+          <p:nvPr/>
+        </p:nvPicPr>
+        <p:blipFill>
+          <a:blip r:embed="rId2">
+            <a:extLst>
+              <a:ext uri="{28A0092B-C50C-407E-A947-70E740481C1C}">
+                <a14:useLocalDpi xmlns:a14="http://schemas.microsoft.com/office/drawing/2010/main" val="0"/>
+              </a:ext>
+            </a:extLst>
+          </a:blip>
+          <a:stretch>
+            <a:fillRect/>
+          </a:stretch>
+        </p:blipFill>
+        <p:spPr>
+          <a:xfrm>
+            <a:off x="370676" y="490127"/>
+            <a:ext cx="11450648" cy="5877745"/>
+          </a:xfrm>
+          <a:prstGeom prst="rect">
+            <a:avLst/>
+          </a:prstGeom>
+        </p:spPr>
+      </p:pic>
+      <p:grpSp>
+        <p:nvGrpSpPr>
+          <p:cNvPr id="15" name="グループ化 14">
+            <a:extLst>
+              <a:ext uri="{FF2B5EF4-FFF2-40B4-BE49-F238E27FC236}">
+                <a16:creationId xmlns:a16="http://schemas.microsoft.com/office/drawing/2014/main" id="{5B3A9052-C9CB-45AD-8CE8-E79FBF7FA4C4}"/>
+              </a:ext>
+            </a:extLst>
+          </p:cNvPr>
+          <p:cNvGrpSpPr/>
+          <p:nvPr/>
+        </p:nvGrpSpPr>
+        <p:grpSpPr>
+          <a:xfrm>
+            <a:off x="370676" y="0"/>
+            <a:ext cx="8604922" cy="5018285"/>
+            <a:chOff x="370676" y="0"/>
+            <a:chExt cx="8604922" cy="5018285"/>
+          </a:xfrm>
+        </p:grpSpPr>
+        <p:sp>
+          <p:nvSpPr>
+            <p:cNvPr id="4" name="テキスト ボックス 3">
+              <a:extLst>
+                <a:ext uri="{FF2B5EF4-FFF2-40B4-BE49-F238E27FC236}">
+                  <a16:creationId xmlns:a16="http://schemas.microsoft.com/office/drawing/2014/main" id="{F6F41264-AADF-4F02-8D18-C290988CA8A6}"/>
+                </a:ext>
+              </a:extLst>
+            </p:cNvPr>
+            <p:cNvSpPr txBox="1"/>
+            <p:nvPr/>
+          </p:nvSpPr>
+          <p:spPr>
+            <a:xfrm>
+              <a:off x="370676" y="0"/>
+              <a:ext cx="3775393" cy="523220"/>
+            </a:xfrm>
+            <a:prstGeom prst="rect">
+              <a:avLst/>
+            </a:prstGeom>
+            <a:noFill/>
+          </p:spPr>
+          <p:txBody>
+            <a:bodyPr wrap="none" rtlCol="0">
+              <a:spAutoFit/>
+            </a:bodyPr>
+            <a:lstStyle/>
+            <a:p>
+              <a:r>
+                <a:rPr kumimoji="1" lang="ja-JP" altLang="en-US" sz="2800" b="1" dirty="0"/>
+                <a:t>ブレスケア　包装なし</a:t>
+              </a:r>
+            </a:p>
+          </p:txBody>
+        </p:sp>
+        <p:sp>
+          <p:nvSpPr>
+            <p:cNvPr id="5" name="テキスト ボックス 4">
+              <a:extLst>
+                <a:ext uri="{FF2B5EF4-FFF2-40B4-BE49-F238E27FC236}">
+                  <a16:creationId xmlns:a16="http://schemas.microsoft.com/office/drawing/2014/main" id="{A1ECE7FD-D676-4326-86D2-1D5AA066C555}"/>
+                </a:ext>
+              </a:extLst>
+            </p:cNvPr>
+            <p:cNvSpPr txBox="1"/>
+            <p:nvPr/>
+          </p:nvSpPr>
+          <p:spPr>
+            <a:xfrm>
+              <a:off x="504026" y="644015"/>
+              <a:ext cx="686406" cy="369332"/>
+            </a:xfrm>
+            <a:prstGeom prst="rect">
+              <a:avLst/>
+            </a:prstGeom>
+            <a:noFill/>
+          </p:spPr>
+          <p:txBody>
+            <a:bodyPr wrap="none" rtlCol="0">
+              <a:spAutoFit/>
+            </a:bodyPr>
+            <a:lstStyle/>
+            <a:p>
+              <a:r>
+                <a:rPr lang="en-US" altLang="ja-JP" b="1" dirty="0"/>
+                <a:t>RGB</a:t>
+              </a:r>
+              <a:endParaRPr kumimoji="1" lang="ja-JP" altLang="en-US" b="1" dirty="0"/>
+            </a:p>
+          </p:txBody>
+        </p:sp>
+        <p:sp>
+          <p:nvSpPr>
+            <p:cNvPr id="6" name="テキスト ボックス 5">
+              <a:extLst>
+                <a:ext uri="{FF2B5EF4-FFF2-40B4-BE49-F238E27FC236}">
+                  <a16:creationId xmlns:a16="http://schemas.microsoft.com/office/drawing/2014/main" id="{7F40C6D7-C2E3-440B-A267-8049BDC27283}"/>
+                </a:ext>
+              </a:extLst>
+            </p:cNvPr>
+            <p:cNvSpPr txBox="1"/>
+            <p:nvPr/>
+          </p:nvSpPr>
+          <p:spPr>
+            <a:xfrm>
+              <a:off x="4352126" y="649855"/>
+              <a:ext cx="684803" cy="369332"/>
+            </a:xfrm>
+            <a:prstGeom prst="rect">
+              <a:avLst/>
+            </a:prstGeom>
+            <a:noFill/>
+          </p:spPr>
+          <p:txBody>
+            <a:bodyPr wrap="none" rtlCol="0">
+              <a:spAutoFit/>
+            </a:bodyPr>
+            <a:lstStyle/>
+            <a:p>
+              <a:r>
+                <a:rPr lang="en-US" altLang="ja-JP" b="1" dirty="0" err="1"/>
+                <a:t>Glay</a:t>
+              </a:r>
+              <a:endParaRPr kumimoji="1" lang="ja-JP" altLang="en-US" b="1" dirty="0"/>
+            </a:p>
+          </p:txBody>
+        </p:sp>
+        <p:sp>
+          <p:nvSpPr>
+            <p:cNvPr id="7" name="テキスト ボックス 6">
+              <a:extLst>
+                <a:ext uri="{FF2B5EF4-FFF2-40B4-BE49-F238E27FC236}">
+                  <a16:creationId xmlns:a16="http://schemas.microsoft.com/office/drawing/2014/main" id="{032F5A1C-F422-49CA-ABB8-849B1C750ABB}"/>
+                </a:ext>
+              </a:extLst>
+            </p:cNvPr>
+            <p:cNvSpPr txBox="1"/>
+            <p:nvPr/>
+          </p:nvSpPr>
+          <p:spPr>
+            <a:xfrm>
+              <a:off x="8198623" y="644015"/>
+              <a:ext cx="649537" cy="369332"/>
+            </a:xfrm>
+            <a:prstGeom prst="rect">
+              <a:avLst/>
+            </a:prstGeom>
+            <a:noFill/>
+          </p:spPr>
+          <p:txBody>
+            <a:bodyPr wrap="none" rtlCol="0">
+              <a:spAutoFit/>
+            </a:bodyPr>
+            <a:lstStyle/>
+            <a:p>
+              <a:r>
+                <a:rPr lang="en-US" altLang="ja-JP" b="1" dirty="0"/>
+                <a:t>XYZ</a:t>
+              </a:r>
+              <a:endParaRPr kumimoji="1" lang="ja-JP" altLang="en-US" b="1" dirty="0"/>
+            </a:p>
+          </p:txBody>
+        </p:sp>
+        <p:sp>
+          <p:nvSpPr>
+            <p:cNvPr id="8" name="テキスト ボックス 7">
+              <a:extLst>
+                <a:ext uri="{FF2B5EF4-FFF2-40B4-BE49-F238E27FC236}">
+                  <a16:creationId xmlns:a16="http://schemas.microsoft.com/office/drawing/2014/main" id="{C0378799-FEA9-43D3-B717-E9417D053523}"/>
+                </a:ext>
+              </a:extLst>
+            </p:cNvPr>
+            <p:cNvSpPr txBox="1"/>
+            <p:nvPr/>
+          </p:nvSpPr>
+          <p:spPr>
+            <a:xfrm>
+              <a:off x="522460" y="2646484"/>
+              <a:ext cx="675185" cy="369332"/>
+            </a:xfrm>
+            <a:prstGeom prst="rect">
+              <a:avLst/>
+            </a:prstGeom>
+            <a:noFill/>
+          </p:spPr>
+          <p:txBody>
+            <a:bodyPr wrap="none" rtlCol="0">
+              <a:spAutoFit/>
+            </a:bodyPr>
+            <a:lstStyle/>
+            <a:p>
+              <a:r>
+                <a:rPr kumimoji="1" lang="en-US" altLang="ja-JP" b="1" dirty="0"/>
+                <a:t>HSV</a:t>
+              </a:r>
+              <a:endParaRPr kumimoji="1" lang="ja-JP" altLang="en-US" b="1" dirty="0"/>
+            </a:p>
+          </p:txBody>
+        </p:sp>
+        <p:sp>
+          <p:nvSpPr>
+            <p:cNvPr id="9" name="テキスト ボックス 8">
+              <a:extLst>
+                <a:ext uri="{FF2B5EF4-FFF2-40B4-BE49-F238E27FC236}">
+                  <a16:creationId xmlns:a16="http://schemas.microsoft.com/office/drawing/2014/main" id="{B8175AEB-4451-428D-8044-7B56EFDE5E33}"/>
+                </a:ext>
+              </a:extLst>
+            </p:cNvPr>
+            <p:cNvSpPr txBox="1"/>
+            <p:nvPr/>
+          </p:nvSpPr>
+          <p:spPr>
+            <a:xfrm>
+              <a:off x="4352126" y="2646484"/>
+              <a:ext cx="660758" cy="369332"/>
+            </a:xfrm>
+            <a:prstGeom prst="rect">
+              <a:avLst/>
+            </a:prstGeom>
+            <a:noFill/>
+          </p:spPr>
+          <p:txBody>
+            <a:bodyPr wrap="none" rtlCol="0">
+              <a:spAutoFit/>
+            </a:bodyPr>
+            <a:lstStyle/>
+            <a:p>
+              <a:r>
+                <a:rPr lang="en-US" altLang="ja-JP" b="1" dirty="0"/>
+                <a:t>HLS</a:t>
+              </a:r>
+              <a:endParaRPr kumimoji="1" lang="ja-JP" altLang="en-US" b="1" dirty="0"/>
+            </a:p>
+          </p:txBody>
+        </p:sp>
+        <p:sp>
+          <p:nvSpPr>
+            <p:cNvPr id="10" name="テキスト ボックス 9">
+              <a:extLst>
+                <a:ext uri="{FF2B5EF4-FFF2-40B4-BE49-F238E27FC236}">
+                  <a16:creationId xmlns:a16="http://schemas.microsoft.com/office/drawing/2014/main" id="{E385D88B-6492-4789-A41B-BB7F3A85D53E}"/>
+                </a:ext>
+              </a:extLst>
+            </p:cNvPr>
+            <p:cNvSpPr txBox="1"/>
+            <p:nvPr/>
+          </p:nvSpPr>
+          <p:spPr>
+            <a:xfrm>
+              <a:off x="8071183" y="2646484"/>
+              <a:ext cx="904415" cy="369332"/>
+            </a:xfrm>
+            <a:prstGeom prst="rect">
+              <a:avLst/>
+            </a:prstGeom>
+            <a:noFill/>
+          </p:spPr>
+          <p:txBody>
+            <a:bodyPr wrap="none" rtlCol="0">
+              <a:spAutoFit/>
+            </a:bodyPr>
+            <a:lstStyle/>
+            <a:p>
+              <a:r>
+                <a:rPr lang="en-US" altLang="ja-JP" b="1" dirty="0" err="1"/>
+                <a:t>YCrCb</a:t>
+              </a:r>
+              <a:endParaRPr kumimoji="1" lang="ja-JP" altLang="en-US" b="1" dirty="0"/>
+            </a:p>
+          </p:txBody>
+        </p:sp>
+        <p:sp>
+          <p:nvSpPr>
+            <p:cNvPr id="12" name="テキスト ボックス 11">
+              <a:extLst>
+                <a:ext uri="{FF2B5EF4-FFF2-40B4-BE49-F238E27FC236}">
+                  <a16:creationId xmlns:a16="http://schemas.microsoft.com/office/drawing/2014/main" id="{CCF4CFD7-8C7C-41ED-BA5E-5C4D8AC59D1E}"/>
+                </a:ext>
+              </a:extLst>
+            </p:cNvPr>
+            <p:cNvSpPr txBox="1"/>
+            <p:nvPr/>
+          </p:nvSpPr>
+          <p:spPr>
+            <a:xfrm>
+              <a:off x="504026" y="4648953"/>
+              <a:ext cx="665567" cy="369332"/>
+            </a:xfrm>
+            <a:prstGeom prst="rect">
+              <a:avLst/>
+            </a:prstGeom>
+            <a:noFill/>
+          </p:spPr>
+          <p:txBody>
+            <a:bodyPr wrap="none" rtlCol="0">
+              <a:spAutoFit/>
+            </a:bodyPr>
+            <a:lstStyle/>
+            <a:p>
+              <a:r>
+                <a:rPr lang="en-US" altLang="ja-JP" b="1" dirty="0"/>
+                <a:t>LUV</a:t>
+              </a:r>
+              <a:endParaRPr kumimoji="1" lang="ja-JP" altLang="en-US" b="1" dirty="0"/>
+            </a:p>
+          </p:txBody>
+        </p:sp>
+        <p:sp>
+          <p:nvSpPr>
+            <p:cNvPr id="13" name="テキスト ボックス 12">
+              <a:extLst>
+                <a:ext uri="{FF2B5EF4-FFF2-40B4-BE49-F238E27FC236}">
+                  <a16:creationId xmlns:a16="http://schemas.microsoft.com/office/drawing/2014/main" id="{3E0320B6-875B-4708-A05D-19272C558BBA}"/>
+                </a:ext>
+              </a:extLst>
+            </p:cNvPr>
+            <p:cNvSpPr txBox="1"/>
+            <p:nvPr/>
+          </p:nvSpPr>
+          <p:spPr>
+            <a:xfrm>
+              <a:off x="4356935" y="4643113"/>
+              <a:ext cx="651140" cy="369332"/>
+            </a:xfrm>
+            <a:prstGeom prst="rect">
+              <a:avLst/>
+            </a:prstGeom>
+            <a:noFill/>
+          </p:spPr>
+          <p:txBody>
+            <a:bodyPr wrap="none" rtlCol="0">
+              <a:spAutoFit/>
+            </a:bodyPr>
+            <a:lstStyle/>
+            <a:p>
+              <a:r>
+                <a:rPr kumimoji="1" lang="en-US" altLang="ja-JP" b="1" dirty="0"/>
+                <a:t>LAB</a:t>
+              </a:r>
+              <a:endParaRPr kumimoji="1" lang="ja-JP" altLang="en-US" b="1" dirty="0"/>
+            </a:p>
+          </p:txBody>
+        </p:sp>
+        <p:sp>
+          <p:nvSpPr>
+            <p:cNvPr id="14" name="テキスト ボックス 13">
+              <a:extLst>
+                <a:ext uri="{FF2B5EF4-FFF2-40B4-BE49-F238E27FC236}">
+                  <a16:creationId xmlns:a16="http://schemas.microsoft.com/office/drawing/2014/main" id="{11D8F7CE-478D-4112-8A50-E07D629DF03E}"/>
+                </a:ext>
+              </a:extLst>
+            </p:cNvPr>
+            <p:cNvSpPr txBox="1"/>
+            <p:nvPr/>
+          </p:nvSpPr>
+          <p:spPr>
+            <a:xfrm>
+              <a:off x="8197820" y="4643113"/>
+              <a:ext cx="679994" cy="369332"/>
+            </a:xfrm>
+            <a:prstGeom prst="rect">
+              <a:avLst/>
+            </a:prstGeom>
+            <a:noFill/>
+          </p:spPr>
+          <p:txBody>
+            <a:bodyPr wrap="none" rtlCol="0">
+              <a:spAutoFit/>
+            </a:bodyPr>
+            <a:lstStyle/>
+            <a:p>
+              <a:r>
+                <a:rPr lang="en-US" altLang="ja-JP" b="1" dirty="0"/>
+                <a:t>YUV</a:t>
+              </a:r>
+              <a:endParaRPr kumimoji="1" lang="ja-JP" altLang="en-US" b="1" dirty="0"/>
+            </a:p>
+          </p:txBody>
+        </p:sp>
+      </p:grpSp>
+    </p:spTree>
+    <p:extLst>
+      <p:ext uri="{BB962C8B-B14F-4D97-AF65-F5344CB8AC3E}">
+        <p14:creationId xmlns:p14="http://schemas.microsoft.com/office/powerpoint/2010/main" val="3003902246"/>
+      </p:ext>
+    </p:extLst>
+  </p:cSld>
+  <p:clrMapOvr>
+    <a:masterClrMapping/>
+  </p:clrMapOvr>
+</p:sld>
+</file>
+
+<file path=ppt/slides/slide9.xml><?xml version="1.0" encoding="utf-8"?>
+<p:sld xmlns:a="http://schemas.openxmlformats.org/drawingml/2006/main" xmlns:r="http://schemas.openxmlformats.org/officeDocument/2006/relationships" xmlns:p="http://schemas.openxmlformats.org/presentationml/2006/main">
+  <p:cSld>
+    <p:spTree>
+      <p:nvGrpSpPr>
+        <p:cNvPr id="1" name=""/>
+        <p:cNvGrpSpPr/>
+        <p:nvPr/>
+      </p:nvGrpSpPr>
+      <p:grpSpPr>
+        <a:xfrm>
+          <a:off x="0" y="0"/>
+          <a:ext cx="0" cy="0"/>
+          <a:chOff x="0" y="0"/>
+          <a:chExt cx="0" cy="0"/>
+        </a:xfrm>
+      </p:grpSpPr>
+      <p:pic>
+        <p:nvPicPr>
+          <p:cNvPr id="3" name="図 2" descr="抽象, スクリーンショット が含まれている画像&#10;&#10;自動的に生成された説明">
+            <a:extLst>
+              <a:ext uri="{FF2B5EF4-FFF2-40B4-BE49-F238E27FC236}">
+                <a16:creationId xmlns:a16="http://schemas.microsoft.com/office/drawing/2014/main" id="{4AE00013-3697-426A-AE97-D78A920ED52F}"/>
+              </a:ext>
+            </a:extLst>
+          </p:cNvPr>
+          <p:cNvPicPr>
+            <a:picLocks noChangeAspect="1"/>
+          </p:cNvPicPr>
+          <p:nvPr/>
+        </p:nvPicPr>
+        <p:blipFill>
+          <a:blip r:embed="rId2">
+            <a:extLst>
+              <a:ext uri="{28A0092B-C50C-407E-A947-70E740481C1C}">
+                <a14:useLocalDpi xmlns:a14="http://schemas.microsoft.com/office/drawing/2010/main" val="0"/>
+              </a:ext>
+            </a:extLst>
+          </a:blip>
+          <a:stretch>
+            <a:fillRect/>
+          </a:stretch>
+        </p:blipFill>
+        <p:spPr>
+          <a:xfrm>
+            <a:off x="370676" y="490127"/>
+            <a:ext cx="11450648" cy="5877745"/>
+          </a:xfrm>
+          <a:prstGeom prst="rect">
+            <a:avLst/>
+          </a:prstGeom>
+        </p:spPr>
+      </p:pic>
+      <p:grpSp>
+        <p:nvGrpSpPr>
+          <p:cNvPr id="15" name="グループ化 14">
+            <a:extLst>
+              <a:ext uri="{FF2B5EF4-FFF2-40B4-BE49-F238E27FC236}">
+                <a16:creationId xmlns:a16="http://schemas.microsoft.com/office/drawing/2014/main" id="{5B3A9052-C9CB-45AD-8CE8-E79FBF7FA4C4}"/>
+              </a:ext>
+            </a:extLst>
+          </p:cNvPr>
+          <p:cNvGrpSpPr/>
+          <p:nvPr/>
+        </p:nvGrpSpPr>
+        <p:grpSpPr>
+          <a:xfrm>
+            <a:off x="370676" y="0"/>
+            <a:ext cx="8604922" cy="5018285"/>
+            <a:chOff x="370676" y="0"/>
+            <a:chExt cx="8604922" cy="5018285"/>
+          </a:xfrm>
+        </p:grpSpPr>
+        <p:sp>
+          <p:nvSpPr>
+            <p:cNvPr id="4" name="テキスト ボックス 3">
+              <a:extLst>
+                <a:ext uri="{FF2B5EF4-FFF2-40B4-BE49-F238E27FC236}">
+                  <a16:creationId xmlns:a16="http://schemas.microsoft.com/office/drawing/2014/main" id="{F6F41264-AADF-4F02-8D18-C290988CA8A6}"/>
+                </a:ext>
+              </a:extLst>
+            </p:cNvPr>
+            <p:cNvSpPr txBox="1"/>
+            <p:nvPr/>
+          </p:nvSpPr>
+          <p:spPr>
+            <a:xfrm>
+              <a:off x="370676" y="0"/>
+              <a:ext cx="3775393" cy="523220"/>
+            </a:xfrm>
+            <a:prstGeom prst="rect">
+              <a:avLst/>
+            </a:prstGeom>
+            <a:noFill/>
+          </p:spPr>
+          <p:txBody>
+            <a:bodyPr wrap="none" rtlCol="0">
+              <a:spAutoFit/>
+            </a:bodyPr>
+            <a:lstStyle/>
+            <a:p>
+              <a:r>
+                <a:rPr kumimoji="1" lang="ja-JP" altLang="en-US" sz="2800" b="1" dirty="0"/>
+                <a:t>ブレスケア　包装あり</a:t>
+              </a:r>
+            </a:p>
+          </p:txBody>
+        </p:sp>
+        <p:sp>
+          <p:nvSpPr>
+            <p:cNvPr id="5" name="テキスト ボックス 4">
+              <a:extLst>
+                <a:ext uri="{FF2B5EF4-FFF2-40B4-BE49-F238E27FC236}">
+                  <a16:creationId xmlns:a16="http://schemas.microsoft.com/office/drawing/2014/main" id="{A1ECE7FD-D676-4326-86D2-1D5AA066C555}"/>
+                </a:ext>
+              </a:extLst>
+            </p:cNvPr>
+            <p:cNvSpPr txBox="1"/>
+            <p:nvPr/>
+          </p:nvSpPr>
+          <p:spPr>
+            <a:xfrm>
+              <a:off x="504026" y="644015"/>
+              <a:ext cx="686406" cy="369332"/>
+            </a:xfrm>
+            <a:prstGeom prst="rect">
+              <a:avLst/>
+            </a:prstGeom>
+            <a:noFill/>
+          </p:spPr>
+          <p:txBody>
+            <a:bodyPr wrap="none" rtlCol="0">
+              <a:spAutoFit/>
+            </a:bodyPr>
+            <a:lstStyle/>
+            <a:p>
+              <a:r>
+                <a:rPr lang="en-US" altLang="ja-JP" b="1" dirty="0"/>
+                <a:t>RGB</a:t>
+              </a:r>
+              <a:endParaRPr kumimoji="1" lang="ja-JP" altLang="en-US" b="1" dirty="0"/>
+            </a:p>
+          </p:txBody>
+        </p:sp>
+        <p:sp>
+          <p:nvSpPr>
+            <p:cNvPr id="6" name="テキスト ボックス 5">
+              <a:extLst>
+                <a:ext uri="{FF2B5EF4-FFF2-40B4-BE49-F238E27FC236}">
+                  <a16:creationId xmlns:a16="http://schemas.microsoft.com/office/drawing/2014/main" id="{7F40C6D7-C2E3-440B-A267-8049BDC27283}"/>
+                </a:ext>
+              </a:extLst>
+            </p:cNvPr>
+            <p:cNvSpPr txBox="1"/>
+            <p:nvPr/>
+          </p:nvSpPr>
+          <p:spPr>
+            <a:xfrm>
+              <a:off x="4352126" y="649855"/>
+              <a:ext cx="684803" cy="369332"/>
+            </a:xfrm>
+            <a:prstGeom prst="rect">
+              <a:avLst/>
+            </a:prstGeom>
+            <a:noFill/>
+          </p:spPr>
+          <p:txBody>
+            <a:bodyPr wrap="none" rtlCol="0">
+              <a:spAutoFit/>
+            </a:bodyPr>
+            <a:lstStyle/>
+            <a:p>
+              <a:r>
+                <a:rPr lang="en-US" altLang="ja-JP" b="1" dirty="0" err="1"/>
+                <a:t>Glay</a:t>
+              </a:r>
+              <a:endParaRPr kumimoji="1" lang="ja-JP" altLang="en-US" b="1" dirty="0"/>
+            </a:p>
+          </p:txBody>
+        </p:sp>
+        <p:sp>
+          <p:nvSpPr>
+            <p:cNvPr id="7" name="テキスト ボックス 6">
+              <a:extLst>
+                <a:ext uri="{FF2B5EF4-FFF2-40B4-BE49-F238E27FC236}">
+                  <a16:creationId xmlns:a16="http://schemas.microsoft.com/office/drawing/2014/main" id="{032F5A1C-F422-49CA-ABB8-849B1C750ABB}"/>
+                </a:ext>
+              </a:extLst>
+            </p:cNvPr>
+            <p:cNvSpPr txBox="1"/>
+            <p:nvPr/>
+          </p:nvSpPr>
+          <p:spPr>
+            <a:xfrm>
+              <a:off x="8198623" y="644015"/>
+              <a:ext cx="649537" cy="369332"/>
+            </a:xfrm>
+            <a:prstGeom prst="rect">
+              <a:avLst/>
+            </a:prstGeom>
+            <a:noFill/>
+          </p:spPr>
+          <p:txBody>
+            <a:bodyPr wrap="none" rtlCol="0">
+              <a:spAutoFit/>
+            </a:bodyPr>
+            <a:lstStyle/>
+            <a:p>
+              <a:r>
+                <a:rPr lang="en-US" altLang="ja-JP" b="1" dirty="0"/>
+                <a:t>XYZ</a:t>
+              </a:r>
+              <a:endParaRPr kumimoji="1" lang="ja-JP" altLang="en-US" b="1" dirty="0"/>
+            </a:p>
+          </p:txBody>
+        </p:sp>
+        <p:sp>
+          <p:nvSpPr>
+            <p:cNvPr id="8" name="テキスト ボックス 7">
+              <a:extLst>
+                <a:ext uri="{FF2B5EF4-FFF2-40B4-BE49-F238E27FC236}">
+                  <a16:creationId xmlns:a16="http://schemas.microsoft.com/office/drawing/2014/main" id="{C0378799-FEA9-43D3-B717-E9417D053523}"/>
+                </a:ext>
+              </a:extLst>
+            </p:cNvPr>
+            <p:cNvSpPr txBox="1"/>
+            <p:nvPr/>
+          </p:nvSpPr>
+          <p:spPr>
+            <a:xfrm>
+              <a:off x="522460" y="2646484"/>
+              <a:ext cx="675185" cy="369332"/>
+            </a:xfrm>
+            <a:prstGeom prst="rect">
+              <a:avLst/>
+            </a:prstGeom>
+            <a:noFill/>
+          </p:spPr>
+          <p:txBody>
+            <a:bodyPr wrap="none" rtlCol="0">
+              <a:spAutoFit/>
+            </a:bodyPr>
+            <a:lstStyle/>
+            <a:p>
+              <a:r>
+                <a:rPr kumimoji="1" lang="en-US" altLang="ja-JP" b="1" dirty="0"/>
+                <a:t>HSV</a:t>
+              </a:r>
+              <a:endParaRPr kumimoji="1" lang="ja-JP" altLang="en-US" b="1" dirty="0"/>
+            </a:p>
+          </p:txBody>
+        </p:sp>
+        <p:sp>
+          <p:nvSpPr>
+            <p:cNvPr id="9" name="テキスト ボックス 8">
+              <a:extLst>
+                <a:ext uri="{FF2B5EF4-FFF2-40B4-BE49-F238E27FC236}">
+                  <a16:creationId xmlns:a16="http://schemas.microsoft.com/office/drawing/2014/main" id="{B8175AEB-4451-428D-8044-7B56EFDE5E33}"/>
+                </a:ext>
+              </a:extLst>
+            </p:cNvPr>
+            <p:cNvSpPr txBox="1"/>
+            <p:nvPr/>
+          </p:nvSpPr>
+          <p:spPr>
+            <a:xfrm>
+              <a:off x="4352126" y="2646484"/>
+              <a:ext cx="660758" cy="369332"/>
+            </a:xfrm>
+            <a:prstGeom prst="rect">
+              <a:avLst/>
+            </a:prstGeom>
+            <a:noFill/>
+          </p:spPr>
+          <p:txBody>
+            <a:bodyPr wrap="none" rtlCol="0">
+              <a:spAutoFit/>
+            </a:bodyPr>
+            <a:lstStyle/>
+            <a:p>
+              <a:r>
+                <a:rPr lang="en-US" altLang="ja-JP" b="1" dirty="0"/>
+                <a:t>HLS</a:t>
+              </a:r>
+              <a:endParaRPr kumimoji="1" lang="ja-JP" altLang="en-US" b="1" dirty="0"/>
+            </a:p>
+          </p:txBody>
+        </p:sp>
+        <p:sp>
+          <p:nvSpPr>
+            <p:cNvPr id="10" name="テキスト ボックス 9">
+              <a:extLst>
+                <a:ext uri="{FF2B5EF4-FFF2-40B4-BE49-F238E27FC236}">
+                  <a16:creationId xmlns:a16="http://schemas.microsoft.com/office/drawing/2014/main" id="{E385D88B-6492-4789-A41B-BB7F3A85D53E}"/>
+                </a:ext>
+              </a:extLst>
+            </p:cNvPr>
+            <p:cNvSpPr txBox="1"/>
+            <p:nvPr/>
+          </p:nvSpPr>
+          <p:spPr>
+            <a:xfrm>
+              <a:off x="8071183" y="2646484"/>
+              <a:ext cx="904415" cy="369332"/>
+            </a:xfrm>
+            <a:prstGeom prst="rect">
+              <a:avLst/>
+            </a:prstGeom>
+            <a:noFill/>
+          </p:spPr>
+          <p:txBody>
+            <a:bodyPr wrap="none" rtlCol="0">
+              <a:spAutoFit/>
+            </a:bodyPr>
+            <a:lstStyle/>
+            <a:p>
+              <a:r>
+                <a:rPr lang="en-US" altLang="ja-JP" b="1" dirty="0" err="1"/>
+                <a:t>YCrCb</a:t>
+              </a:r>
+              <a:endParaRPr kumimoji="1" lang="ja-JP" altLang="en-US" b="1" dirty="0"/>
+            </a:p>
+          </p:txBody>
+        </p:sp>
+        <p:sp>
+          <p:nvSpPr>
+            <p:cNvPr id="12" name="テキスト ボックス 11">
+              <a:extLst>
+                <a:ext uri="{FF2B5EF4-FFF2-40B4-BE49-F238E27FC236}">
+                  <a16:creationId xmlns:a16="http://schemas.microsoft.com/office/drawing/2014/main" id="{CCF4CFD7-8C7C-41ED-BA5E-5C4D8AC59D1E}"/>
+                </a:ext>
+              </a:extLst>
+            </p:cNvPr>
+            <p:cNvSpPr txBox="1"/>
+            <p:nvPr/>
+          </p:nvSpPr>
+          <p:spPr>
+            <a:xfrm>
+              <a:off x="504026" y="4648953"/>
+              <a:ext cx="665567" cy="369332"/>
+            </a:xfrm>
+            <a:prstGeom prst="rect">
+              <a:avLst/>
+            </a:prstGeom>
+            <a:noFill/>
+          </p:spPr>
+          <p:txBody>
+            <a:bodyPr wrap="none" rtlCol="0">
+              <a:spAutoFit/>
+            </a:bodyPr>
+            <a:lstStyle/>
+            <a:p>
+              <a:r>
+                <a:rPr lang="en-US" altLang="ja-JP" b="1" dirty="0"/>
+                <a:t>LUV</a:t>
+              </a:r>
+              <a:endParaRPr kumimoji="1" lang="ja-JP" altLang="en-US" b="1" dirty="0"/>
+            </a:p>
+          </p:txBody>
+        </p:sp>
+        <p:sp>
+          <p:nvSpPr>
+            <p:cNvPr id="13" name="テキスト ボックス 12">
+              <a:extLst>
+                <a:ext uri="{FF2B5EF4-FFF2-40B4-BE49-F238E27FC236}">
+                  <a16:creationId xmlns:a16="http://schemas.microsoft.com/office/drawing/2014/main" id="{3E0320B6-875B-4708-A05D-19272C558BBA}"/>
+                </a:ext>
+              </a:extLst>
+            </p:cNvPr>
+            <p:cNvSpPr txBox="1"/>
+            <p:nvPr/>
+          </p:nvSpPr>
+          <p:spPr>
+            <a:xfrm>
+              <a:off x="4356935" y="4643113"/>
+              <a:ext cx="651140" cy="369332"/>
+            </a:xfrm>
+            <a:prstGeom prst="rect">
+              <a:avLst/>
+            </a:prstGeom>
+            <a:noFill/>
+          </p:spPr>
+          <p:txBody>
+            <a:bodyPr wrap="none" rtlCol="0">
+              <a:spAutoFit/>
+            </a:bodyPr>
+            <a:lstStyle/>
+            <a:p>
+              <a:r>
+                <a:rPr kumimoji="1" lang="en-US" altLang="ja-JP" b="1" dirty="0"/>
+                <a:t>LAB</a:t>
+              </a:r>
+              <a:endParaRPr kumimoji="1" lang="ja-JP" altLang="en-US" b="1" dirty="0"/>
+            </a:p>
+          </p:txBody>
+        </p:sp>
+        <p:sp>
+          <p:nvSpPr>
+            <p:cNvPr id="14" name="テキスト ボックス 13">
+              <a:extLst>
+                <a:ext uri="{FF2B5EF4-FFF2-40B4-BE49-F238E27FC236}">
+                  <a16:creationId xmlns:a16="http://schemas.microsoft.com/office/drawing/2014/main" id="{11D8F7CE-478D-4112-8A50-E07D629DF03E}"/>
+                </a:ext>
+              </a:extLst>
+            </p:cNvPr>
+            <p:cNvSpPr txBox="1"/>
+            <p:nvPr/>
+          </p:nvSpPr>
+          <p:spPr>
+            <a:xfrm>
+              <a:off x="8197820" y="4643113"/>
+              <a:ext cx="679994" cy="369332"/>
+            </a:xfrm>
+            <a:prstGeom prst="rect">
+              <a:avLst/>
+            </a:prstGeom>
+            <a:noFill/>
+          </p:spPr>
+          <p:txBody>
+            <a:bodyPr wrap="none" rtlCol="0">
+              <a:spAutoFit/>
+            </a:bodyPr>
+            <a:lstStyle/>
+            <a:p>
+              <a:r>
+                <a:rPr lang="en-US" altLang="ja-JP" b="1" dirty="0"/>
+                <a:t>YUV</a:t>
+              </a:r>
+              <a:endParaRPr kumimoji="1" lang="ja-JP" altLang="en-US" b="1" dirty="0"/>
+            </a:p>
+          </p:txBody>
+        </p:sp>
+      </p:grpSp>
+    </p:spTree>
+    <p:extLst>
+      <p:ext uri="{BB962C8B-B14F-4D97-AF65-F5344CB8AC3E}">
+        <p14:creationId xmlns:p14="http://schemas.microsoft.com/office/powerpoint/2010/main" val="1972219155"/>
+      </p:ext>
+    </p:extLst>
+  </p:cSld>
+  <p:clrMapOvr>
+    <a:masterClrMapping/>
+  </p:clrMapOvr>
+</p:sld>
+</file>
+
 <file path=ppt/theme/theme1.xml><?xml version="1.0" encoding="utf-8"?>
 <a:theme xmlns:a="http://schemas.openxmlformats.org/drawingml/2006/main" name="Office テーマ">
   <a:themeElements>

--- a/卒研発表tex用_イラスト.pptx
+++ b/卒研発表tex用_イラスト.pptx
@@ -5,25 +5,26 @@
     <p:sldMasterId id="2147483648" r:id="rId1"/>
   </p:sldMasterIdLst>
   <p:handoutMasterIdLst>
-    <p:handoutMasterId r:id="rId18"/>
+    <p:handoutMasterId r:id="rId19"/>
   </p:handoutMasterIdLst>
   <p:sldIdLst>
-    <p:sldId id="293" r:id="rId2"/>
-    <p:sldId id="294" r:id="rId3"/>
-    <p:sldId id="295" r:id="rId4"/>
-    <p:sldId id="296" r:id="rId5"/>
-    <p:sldId id="297" r:id="rId6"/>
-    <p:sldId id="298" r:id="rId7"/>
-    <p:sldId id="292" r:id="rId8"/>
-    <p:sldId id="291" r:id="rId9"/>
-    <p:sldId id="264" r:id="rId10"/>
-    <p:sldId id="265" r:id="rId11"/>
-    <p:sldId id="258" r:id="rId12"/>
-    <p:sldId id="259" r:id="rId13"/>
-    <p:sldId id="260" r:id="rId14"/>
-    <p:sldId id="261" r:id="rId15"/>
-    <p:sldId id="262" r:id="rId16"/>
-    <p:sldId id="263" r:id="rId17"/>
+    <p:sldId id="299" r:id="rId2"/>
+    <p:sldId id="293" r:id="rId3"/>
+    <p:sldId id="294" r:id="rId4"/>
+    <p:sldId id="295" r:id="rId5"/>
+    <p:sldId id="296" r:id="rId6"/>
+    <p:sldId id="297" r:id="rId7"/>
+    <p:sldId id="298" r:id="rId8"/>
+    <p:sldId id="292" r:id="rId9"/>
+    <p:sldId id="291" r:id="rId10"/>
+    <p:sldId id="264" r:id="rId11"/>
+    <p:sldId id="265" r:id="rId12"/>
+    <p:sldId id="258" r:id="rId13"/>
+    <p:sldId id="259" r:id="rId14"/>
+    <p:sldId id="260" r:id="rId15"/>
+    <p:sldId id="261" r:id="rId16"/>
+    <p:sldId id="262" r:id="rId17"/>
+    <p:sldId id="263" r:id="rId18"/>
   </p:sldIdLst>
   <p:sldSz cx="12192000" cy="6858000"/>
   <p:notesSz cx="7099300" cy="10234613"/>
@@ -223,7 +224,7 @@
           <a:p>
             <a:fld id="{B5E7AF8B-FD9C-4188-8BA3-79A46472192F}" type="datetimeFigureOut">
               <a:rPr kumimoji="1" lang="ja-JP" altLang="en-US" smtClean="0"/>
-              <a:t>2020/1/24</a:t>
+              <a:t>2020/1/28</a:t>
             </a:fld>
             <a:endParaRPr kumimoji="1" lang="ja-JP" altLang="en-US"/>
           </a:p>
@@ -435,7 +436,7 @@
           <a:p>
             <a:fld id="{1019A24B-2DB6-47C4-AADA-142B59CEEE3F}" type="datetimeFigureOut">
               <a:rPr kumimoji="1" lang="ja-JP" altLang="en-US" smtClean="0"/>
-              <a:t>2020/1/24</a:t>
+              <a:t>2020/1/28</a:t>
             </a:fld>
             <a:endParaRPr kumimoji="1" lang="ja-JP" altLang="en-US"/>
           </a:p>
@@ -635,7 +636,7 @@
           <a:p>
             <a:fld id="{1019A24B-2DB6-47C4-AADA-142B59CEEE3F}" type="datetimeFigureOut">
               <a:rPr kumimoji="1" lang="ja-JP" altLang="en-US" smtClean="0"/>
-              <a:t>2020/1/24</a:t>
+              <a:t>2020/1/28</a:t>
             </a:fld>
             <a:endParaRPr kumimoji="1" lang="ja-JP" altLang="en-US"/>
           </a:p>
@@ -845,7 +846,7 @@
           <a:p>
             <a:fld id="{1019A24B-2DB6-47C4-AADA-142B59CEEE3F}" type="datetimeFigureOut">
               <a:rPr kumimoji="1" lang="ja-JP" altLang="en-US" smtClean="0"/>
-              <a:t>2020/1/24</a:t>
+              <a:t>2020/1/28</a:t>
             </a:fld>
             <a:endParaRPr kumimoji="1" lang="ja-JP" altLang="en-US"/>
           </a:p>
@@ -1045,7 +1046,7 @@
           <a:p>
             <a:fld id="{1019A24B-2DB6-47C4-AADA-142B59CEEE3F}" type="datetimeFigureOut">
               <a:rPr kumimoji="1" lang="ja-JP" altLang="en-US" smtClean="0"/>
-              <a:t>2020/1/24</a:t>
+              <a:t>2020/1/28</a:t>
             </a:fld>
             <a:endParaRPr kumimoji="1" lang="ja-JP" altLang="en-US"/>
           </a:p>
@@ -1290,7 +1291,7 @@
           <a:p>
             <a:fld id="{1019A24B-2DB6-47C4-AADA-142B59CEEE3F}" type="datetimeFigureOut">
               <a:rPr kumimoji="1" lang="ja-JP" altLang="en-US" smtClean="0"/>
-              <a:t>2020/1/24</a:t>
+              <a:t>2020/1/28</a:t>
             </a:fld>
             <a:endParaRPr kumimoji="1" lang="ja-JP" altLang="en-US"/>
           </a:p>
@@ -1583,7 +1584,7 @@
           <a:p>
             <a:fld id="{1019A24B-2DB6-47C4-AADA-142B59CEEE3F}" type="datetimeFigureOut">
               <a:rPr kumimoji="1" lang="ja-JP" altLang="en-US" smtClean="0"/>
-              <a:t>2020/1/24</a:t>
+              <a:t>2020/1/28</a:t>
             </a:fld>
             <a:endParaRPr kumimoji="1" lang="ja-JP" altLang="en-US"/>
           </a:p>
@@ -2011,7 +2012,7 @@
           <a:p>
             <a:fld id="{1019A24B-2DB6-47C4-AADA-142B59CEEE3F}" type="datetimeFigureOut">
               <a:rPr kumimoji="1" lang="ja-JP" altLang="en-US" smtClean="0"/>
-              <a:t>2020/1/24</a:t>
+              <a:t>2020/1/28</a:t>
             </a:fld>
             <a:endParaRPr kumimoji="1" lang="ja-JP" altLang="en-US"/>
           </a:p>
@@ -2128,7 +2129,7 @@
           <a:p>
             <a:fld id="{1019A24B-2DB6-47C4-AADA-142B59CEEE3F}" type="datetimeFigureOut">
               <a:rPr kumimoji="1" lang="ja-JP" altLang="en-US" smtClean="0"/>
-              <a:t>2020/1/24</a:t>
+              <a:t>2020/1/28</a:t>
             </a:fld>
             <a:endParaRPr kumimoji="1" lang="ja-JP" altLang="en-US"/>
           </a:p>
@@ -2223,7 +2224,7 @@
           <a:p>
             <a:fld id="{1019A24B-2DB6-47C4-AADA-142B59CEEE3F}" type="datetimeFigureOut">
               <a:rPr kumimoji="1" lang="ja-JP" altLang="en-US" smtClean="0"/>
-              <a:t>2020/1/24</a:t>
+              <a:t>2020/1/28</a:t>
             </a:fld>
             <a:endParaRPr kumimoji="1" lang="ja-JP" altLang="en-US"/>
           </a:p>
@@ -2530,7 +2531,7 @@
           <a:p>
             <a:fld id="{1019A24B-2DB6-47C4-AADA-142B59CEEE3F}" type="datetimeFigureOut">
               <a:rPr kumimoji="1" lang="ja-JP" altLang="en-US" smtClean="0"/>
-              <a:t>2020/1/24</a:t>
+              <a:t>2020/1/28</a:t>
             </a:fld>
             <a:endParaRPr kumimoji="1" lang="ja-JP" altLang="en-US"/>
           </a:p>
@@ -2782,7 +2783,7 @@
           <a:p>
             <a:fld id="{1019A24B-2DB6-47C4-AADA-142B59CEEE3F}" type="datetimeFigureOut">
               <a:rPr kumimoji="1" lang="ja-JP" altLang="en-US" smtClean="0"/>
-              <a:t>2020/1/24</a:t>
+              <a:t>2020/1/28</a:t>
             </a:fld>
             <a:endParaRPr kumimoji="1" lang="ja-JP" altLang="en-US"/>
           </a:p>
@@ -3025,7 +3026,7 @@
           <a:p>
             <a:fld id="{1019A24B-2DB6-47C4-AADA-142B59CEEE3F}" type="datetimeFigureOut">
               <a:rPr kumimoji="1" lang="ja-JP" altLang="en-US" smtClean="0"/>
-              <a:t>2020/1/24</a:t>
+              <a:t>2020/1/28</a:t>
             </a:fld>
             <a:endParaRPr kumimoji="1" lang="ja-JP" altLang="en-US"/>
           </a:p>
@@ -3430,70 +3431,849 @@
           <a:chExt cx="0" cy="0"/>
         </a:xfrm>
       </p:grpSpPr>
-      <p:pic>
-        <p:nvPicPr>
-          <p:cNvPr id="5" name="図 4"/>
-          <p:cNvPicPr>
-            <a:picLocks noChangeAspect="1"/>
-          </p:cNvPicPr>
-          <p:nvPr/>
-        </p:nvPicPr>
-        <p:blipFill>
-          <a:blip r:embed="rId2">
+      <p:sp>
+        <p:nvSpPr>
+          <p:cNvPr id="2" name="四角形: 角を丸くする 1">
             <a:extLst>
-              <a:ext uri="{28A0092B-C50C-407E-A947-70E740481C1C}">
-                <a14:useLocalDpi xmlns:a14="http://schemas.microsoft.com/office/drawing/2010/main" val="0"/>
+              <a:ext uri="{FF2B5EF4-FFF2-40B4-BE49-F238E27FC236}">
+                <a16:creationId xmlns:a16="http://schemas.microsoft.com/office/drawing/2014/main" id="{2A55337E-6094-4D79-B334-FAF3768FC102}"/>
               </a:ext>
             </a:extLst>
-          </a:blip>
-          <a:stretch>
-            <a:fillRect/>
-          </a:stretch>
-        </p:blipFill>
+          </p:cNvPr>
+          <p:cNvSpPr/>
+          <p:nvPr/>
+        </p:nvSpPr>
         <p:spPr>
           <a:xfrm>
-            <a:off x="4571787" y="2285840"/>
-            <a:ext cx="3048425" cy="2286319"/>
+            <a:off x="715617" y="221973"/>
+            <a:ext cx="10654748" cy="6414053"/>
+          </a:xfrm>
+          <a:prstGeom prst="roundRect">
+            <a:avLst/>
+          </a:prstGeom>
+          <a:solidFill>
+            <a:schemeClr val="accent1">
+              <a:lumMod val="40000"/>
+              <a:lumOff val="60000"/>
+            </a:schemeClr>
+          </a:solidFill>
+          <a:ln w="38100">
+            <a:solidFill>
+              <a:schemeClr val="accent1">
+                <a:lumMod val="75000"/>
+              </a:schemeClr>
+            </a:solidFill>
+          </a:ln>
+        </p:spPr>
+        <p:style>
+          <a:lnRef idx="2">
+            <a:schemeClr val="accent1">
+              <a:shade val="50000"/>
+            </a:schemeClr>
+          </a:lnRef>
+          <a:fillRef idx="1">
+            <a:schemeClr val="accent1"/>
+          </a:fillRef>
+          <a:effectRef idx="0">
+            <a:schemeClr val="accent1"/>
+          </a:effectRef>
+          <a:fontRef idx="minor">
+            <a:schemeClr val="lt1"/>
+          </a:fontRef>
+        </p:style>
+        <p:txBody>
+          <a:bodyPr rtlCol="0" anchor="ctr"/>
+          <a:lstStyle/>
+          <a:p>
+            <a:pPr algn="ctr"/>
+            <a:endParaRPr kumimoji="1" lang="ja-JP" altLang="en-US" dirty="0"/>
+          </a:p>
+        </p:txBody>
+      </p:sp>
+      <p:sp>
+        <p:nvSpPr>
+          <p:cNvPr id="3" name="テキスト ボックス 2">
+            <a:extLst>
+              <a:ext uri="{FF2B5EF4-FFF2-40B4-BE49-F238E27FC236}">
+                <a16:creationId xmlns:a16="http://schemas.microsoft.com/office/drawing/2014/main" id="{878647A7-EBA7-42AC-86BC-12E885556F17}"/>
+              </a:ext>
+            </a:extLst>
+          </p:cNvPr>
+          <p:cNvSpPr txBox="1"/>
+          <p:nvPr/>
+        </p:nvSpPr>
+        <p:spPr>
+          <a:xfrm>
+            <a:off x="5027328" y="244875"/>
+            <a:ext cx="1826141" cy="584775"/>
           </a:xfrm>
           <a:prstGeom prst="rect">
             <a:avLst/>
           </a:prstGeom>
-          <a:ln>
+          <a:noFill/>
+        </p:spPr>
+        <p:txBody>
+          <a:bodyPr wrap="none" rtlCol="0">
+            <a:spAutoFit/>
+          </a:bodyPr>
+          <a:lstStyle/>
+          <a:p>
+            <a:r>
+              <a:rPr kumimoji="1" lang="ja-JP" altLang="en-US" sz="3200" b="1" dirty="0"/>
+              <a:t>画像認識</a:t>
+            </a:r>
+          </a:p>
+        </p:txBody>
+      </p:sp>
+      <p:sp>
+        <p:nvSpPr>
+          <p:cNvPr id="13" name="四角形: 角を丸くする 12">
+            <a:extLst>
+              <a:ext uri="{FF2B5EF4-FFF2-40B4-BE49-F238E27FC236}">
+                <a16:creationId xmlns:a16="http://schemas.microsoft.com/office/drawing/2014/main" id="{D9E55BD3-4B1B-454C-AECE-B463ACE3BA69}"/>
+              </a:ext>
+            </a:extLst>
+          </p:cNvPr>
+          <p:cNvSpPr/>
+          <p:nvPr/>
+        </p:nvSpPr>
+        <p:spPr>
+          <a:xfrm>
+            <a:off x="959222" y="829650"/>
+            <a:ext cx="10194031" cy="5654169"/>
+          </a:xfrm>
+          <a:prstGeom prst="roundRect">
+            <a:avLst>
+              <a:gd name="adj" fmla="val 19403"/>
+            </a:avLst>
+          </a:prstGeom>
+          <a:solidFill>
+            <a:schemeClr val="accent2">
+              <a:lumMod val="40000"/>
+              <a:lumOff val="60000"/>
+            </a:schemeClr>
+          </a:solidFill>
+          <a:ln w="38100">
             <a:solidFill>
-              <a:schemeClr val="tx1"/>
+              <a:schemeClr val="accent2">
+                <a:lumMod val="75000"/>
+              </a:schemeClr>
             </a:solidFill>
           </a:ln>
         </p:spPr>
-      </p:pic>
+        <p:style>
+          <a:lnRef idx="2">
+            <a:schemeClr val="accent1">
+              <a:shade val="50000"/>
+            </a:schemeClr>
+          </a:lnRef>
+          <a:fillRef idx="1">
+            <a:schemeClr val="accent1"/>
+          </a:fillRef>
+          <a:effectRef idx="0">
+            <a:schemeClr val="accent1"/>
+          </a:effectRef>
+          <a:fontRef idx="minor">
+            <a:schemeClr val="lt1"/>
+          </a:fontRef>
+        </p:style>
+        <p:txBody>
+          <a:bodyPr rtlCol="0" anchor="ctr"/>
+          <a:lstStyle/>
+          <a:p>
+            <a:pPr algn="ctr"/>
+            <a:endParaRPr kumimoji="1" lang="ja-JP" altLang="en-US"/>
+          </a:p>
+        </p:txBody>
+      </p:sp>
+      <p:sp>
+        <p:nvSpPr>
+          <p:cNvPr id="9" name="四角形: 角を丸くする 8">
+            <a:extLst>
+              <a:ext uri="{FF2B5EF4-FFF2-40B4-BE49-F238E27FC236}">
+                <a16:creationId xmlns:a16="http://schemas.microsoft.com/office/drawing/2014/main" id="{394B96E7-2F83-4B0F-8BCF-78FAFB2CD2BC}"/>
+              </a:ext>
+            </a:extLst>
+          </p:cNvPr>
+          <p:cNvSpPr/>
+          <p:nvPr/>
+        </p:nvSpPr>
+        <p:spPr>
+          <a:xfrm>
+            <a:off x="1401062" y="1551408"/>
+            <a:ext cx="3864567" cy="4210651"/>
+          </a:xfrm>
+          <a:prstGeom prst="roundRect">
+            <a:avLst>
+              <a:gd name="adj" fmla="val 19403"/>
+            </a:avLst>
+          </a:prstGeom>
+          <a:solidFill>
+            <a:schemeClr val="accent6">
+              <a:lumMod val="60000"/>
+              <a:lumOff val="40000"/>
+            </a:schemeClr>
+          </a:solidFill>
+          <a:ln w="38100">
+            <a:solidFill>
+              <a:schemeClr val="accent6">
+                <a:lumMod val="75000"/>
+              </a:schemeClr>
+            </a:solidFill>
+          </a:ln>
+        </p:spPr>
+        <p:style>
+          <a:lnRef idx="2">
+            <a:schemeClr val="accent1">
+              <a:shade val="50000"/>
+            </a:schemeClr>
+          </a:lnRef>
+          <a:fillRef idx="1">
+            <a:schemeClr val="accent1"/>
+          </a:fillRef>
+          <a:effectRef idx="0">
+            <a:schemeClr val="accent1"/>
+          </a:effectRef>
+          <a:fontRef idx="minor">
+            <a:schemeClr val="lt1"/>
+          </a:fontRef>
+        </p:style>
+        <p:txBody>
+          <a:bodyPr rtlCol="0" anchor="ctr"/>
+          <a:lstStyle/>
+          <a:p>
+            <a:pPr algn="ctr"/>
+            <a:endParaRPr kumimoji="1" lang="ja-JP" altLang="en-US"/>
+          </a:p>
+        </p:txBody>
+      </p:sp>
+      <p:sp>
+        <p:nvSpPr>
+          <p:cNvPr id="10" name="四角形: 角を丸くする 9">
+            <a:extLst>
+              <a:ext uri="{FF2B5EF4-FFF2-40B4-BE49-F238E27FC236}">
+                <a16:creationId xmlns:a16="http://schemas.microsoft.com/office/drawing/2014/main" id="{18E4DC69-68FD-4B6D-B3E3-C175BB908423}"/>
+              </a:ext>
+            </a:extLst>
+          </p:cNvPr>
+          <p:cNvSpPr/>
+          <p:nvPr/>
+        </p:nvSpPr>
+        <p:spPr>
+          <a:xfrm>
+            <a:off x="6911043" y="2063315"/>
+            <a:ext cx="3864567" cy="4210652"/>
+          </a:xfrm>
+          <a:prstGeom prst="roundRect">
+            <a:avLst>
+              <a:gd name="adj" fmla="val 19403"/>
+            </a:avLst>
+          </a:prstGeom>
+          <a:solidFill>
+            <a:schemeClr val="accent4">
+              <a:lumMod val="40000"/>
+              <a:lumOff val="60000"/>
+            </a:schemeClr>
+          </a:solidFill>
+          <a:ln w="38100">
+            <a:solidFill>
+              <a:schemeClr val="accent4">
+                <a:lumMod val="75000"/>
+              </a:schemeClr>
+            </a:solidFill>
+          </a:ln>
+        </p:spPr>
+        <p:style>
+          <a:lnRef idx="2">
+            <a:schemeClr val="accent1">
+              <a:shade val="50000"/>
+            </a:schemeClr>
+          </a:lnRef>
+          <a:fillRef idx="1">
+            <a:schemeClr val="accent1"/>
+          </a:fillRef>
+          <a:effectRef idx="0">
+            <a:schemeClr val="accent1"/>
+          </a:effectRef>
+          <a:fontRef idx="minor">
+            <a:schemeClr val="lt1"/>
+          </a:fontRef>
+        </p:style>
+        <p:txBody>
+          <a:bodyPr rtlCol="0" anchor="ctr"/>
+          <a:lstStyle/>
+          <a:p>
+            <a:pPr algn="ctr"/>
+            <a:endParaRPr kumimoji="1" lang="ja-JP" altLang="en-US"/>
+          </a:p>
+        </p:txBody>
+      </p:sp>
+      <p:sp>
+        <p:nvSpPr>
+          <p:cNvPr id="14" name="テキスト ボックス 13">
+            <a:extLst>
+              <a:ext uri="{FF2B5EF4-FFF2-40B4-BE49-F238E27FC236}">
+                <a16:creationId xmlns:a16="http://schemas.microsoft.com/office/drawing/2014/main" id="{F8963166-85A6-4EF5-B027-7E10C427F600}"/>
+              </a:ext>
+            </a:extLst>
+          </p:cNvPr>
+          <p:cNvSpPr txBox="1"/>
+          <p:nvPr/>
+        </p:nvSpPr>
+        <p:spPr>
+          <a:xfrm>
+            <a:off x="4065950" y="820455"/>
+            <a:ext cx="3980577" cy="646331"/>
+          </a:xfrm>
+          <a:prstGeom prst="rect">
+            <a:avLst/>
+          </a:prstGeom>
+          <a:noFill/>
+        </p:spPr>
+        <p:txBody>
+          <a:bodyPr wrap="none" rtlCol="0">
+            <a:spAutoFit/>
+          </a:bodyPr>
+          <a:lstStyle/>
+          <a:p>
+            <a:r>
+              <a:rPr kumimoji="1" lang="ja-JP" altLang="en-US" sz="3600" b="1" dirty="0"/>
+              <a:t>画像</a:t>
+            </a:r>
+            <a:r>
+              <a:rPr kumimoji="1" lang="ja-JP" altLang="en-US" sz="3200" b="1" dirty="0"/>
+              <a:t>アノテーション</a:t>
+            </a:r>
+            <a:endParaRPr kumimoji="1" lang="ja-JP" altLang="en-US" sz="3600" b="1" dirty="0"/>
+          </a:p>
+        </p:txBody>
+      </p:sp>
+      <p:sp>
+        <p:nvSpPr>
+          <p:cNvPr id="11" name="楕円 10">
+            <a:extLst>
+              <a:ext uri="{FF2B5EF4-FFF2-40B4-BE49-F238E27FC236}">
+                <a16:creationId xmlns:a16="http://schemas.microsoft.com/office/drawing/2014/main" id="{4239044F-9372-41A5-B67F-EB96411ADE2B}"/>
+              </a:ext>
+            </a:extLst>
+          </p:cNvPr>
+          <p:cNvSpPr/>
+          <p:nvPr/>
+        </p:nvSpPr>
+        <p:spPr>
+          <a:xfrm>
+            <a:off x="1601644" y="2273166"/>
+            <a:ext cx="2880784" cy="2810521"/>
+          </a:xfrm>
+          <a:prstGeom prst="ellipse">
+            <a:avLst/>
+          </a:prstGeom>
+          <a:solidFill>
+            <a:schemeClr val="accent5">
+              <a:lumMod val="75000"/>
+            </a:schemeClr>
+          </a:solidFill>
+          <a:ln>
+            <a:noFill/>
+          </a:ln>
+        </p:spPr>
+        <p:style>
+          <a:lnRef idx="2">
+            <a:schemeClr val="accent1">
+              <a:shade val="50000"/>
+            </a:schemeClr>
+          </a:lnRef>
+          <a:fillRef idx="1">
+            <a:schemeClr val="accent1"/>
+          </a:fillRef>
+          <a:effectRef idx="0">
+            <a:schemeClr val="accent1"/>
+          </a:effectRef>
+          <a:fontRef idx="minor">
+            <a:schemeClr val="lt1"/>
+          </a:fontRef>
+        </p:style>
+        <p:txBody>
+          <a:bodyPr rtlCol="0" anchor="ctr"/>
+          <a:lstStyle/>
+          <a:p>
+            <a:pPr algn="ctr"/>
+            <a:endParaRPr kumimoji="1" lang="ja-JP" altLang="en-US"/>
+          </a:p>
+        </p:txBody>
+      </p:sp>
+      <p:sp>
+        <p:nvSpPr>
+          <p:cNvPr id="7" name="テキスト ボックス 6">
+            <a:extLst>
+              <a:ext uri="{FF2B5EF4-FFF2-40B4-BE49-F238E27FC236}">
+                <a16:creationId xmlns:a16="http://schemas.microsoft.com/office/drawing/2014/main" id="{CC6DCBE0-C0A3-4DCF-80CC-DF31854A16F0}"/>
+              </a:ext>
+            </a:extLst>
+          </p:cNvPr>
+          <p:cNvSpPr txBox="1"/>
+          <p:nvPr/>
+        </p:nvSpPr>
+        <p:spPr>
+          <a:xfrm>
+            <a:off x="2420274" y="1603769"/>
+            <a:ext cx="1826141" cy="584775"/>
+          </a:xfrm>
+          <a:prstGeom prst="rect">
+            <a:avLst/>
+          </a:prstGeom>
+          <a:noFill/>
+        </p:spPr>
+        <p:txBody>
+          <a:bodyPr wrap="square" rtlCol="0">
+            <a:spAutoFit/>
+          </a:bodyPr>
+          <a:lstStyle/>
+          <a:p>
+            <a:r>
+              <a:rPr kumimoji="1" lang="ja-JP" altLang="en-US" sz="3200" b="1" dirty="0"/>
+              <a:t>物体検出</a:t>
+            </a:r>
+          </a:p>
+        </p:txBody>
+      </p:sp>
+      <p:sp>
+        <p:nvSpPr>
+          <p:cNvPr id="8" name="テキスト ボックス 7">
+            <a:extLst>
+              <a:ext uri="{FF2B5EF4-FFF2-40B4-BE49-F238E27FC236}">
+                <a16:creationId xmlns:a16="http://schemas.microsoft.com/office/drawing/2014/main" id="{5811E7B0-F511-4A94-9247-470951F1F5DE}"/>
+              </a:ext>
+            </a:extLst>
+          </p:cNvPr>
+          <p:cNvSpPr txBox="1"/>
+          <p:nvPr/>
+        </p:nvSpPr>
+        <p:spPr>
+          <a:xfrm>
+            <a:off x="7725071" y="2188544"/>
+            <a:ext cx="2236510" cy="584775"/>
+          </a:xfrm>
+          <a:prstGeom prst="rect">
+            <a:avLst/>
+          </a:prstGeom>
+          <a:noFill/>
+        </p:spPr>
+        <p:txBody>
+          <a:bodyPr wrap="square" rtlCol="0">
+            <a:spAutoFit/>
+          </a:bodyPr>
+          <a:lstStyle/>
+          <a:p>
+            <a:r>
+              <a:rPr lang="ja-JP" altLang="en-US" sz="3200" b="1" dirty="0"/>
+              <a:t>シーン</a:t>
+            </a:r>
+            <a:r>
+              <a:rPr kumimoji="1" lang="ja-JP" altLang="en-US" sz="3200" b="1" dirty="0"/>
+              <a:t>認識</a:t>
+            </a:r>
+          </a:p>
+        </p:txBody>
+      </p:sp>
+      <p:sp>
+        <p:nvSpPr>
+          <p:cNvPr id="12" name="テキスト ボックス 11">
+            <a:extLst>
+              <a:ext uri="{FF2B5EF4-FFF2-40B4-BE49-F238E27FC236}">
+                <a16:creationId xmlns:a16="http://schemas.microsoft.com/office/drawing/2014/main" id="{07EDDC06-F481-42B0-A589-BF6FE1955D28}"/>
+              </a:ext>
+            </a:extLst>
+          </p:cNvPr>
+          <p:cNvSpPr txBox="1"/>
+          <p:nvPr/>
+        </p:nvSpPr>
+        <p:spPr>
+          <a:xfrm>
+            <a:off x="2150231" y="2773319"/>
+            <a:ext cx="1826141" cy="584775"/>
+          </a:xfrm>
+          <a:prstGeom prst="rect">
+            <a:avLst/>
+          </a:prstGeom>
+          <a:noFill/>
+        </p:spPr>
+        <p:txBody>
+          <a:bodyPr wrap="none" rtlCol="0">
+            <a:spAutoFit/>
+          </a:bodyPr>
+          <a:lstStyle/>
+          <a:p>
+            <a:r>
+              <a:rPr kumimoji="1" lang="ja-JP" altLang="en-US" sz="3200" b="1" dirty="0"/>
+              <a:t>物体認識</a:t>
+            </a:r>
+          </a:p>
+        </p:txBody>
+      </p:sp>
     </p:spTree>
     <p:extLst>
       <p:ext uri="{BB962C8B-B14F-4D97-AF65-F5344CB8AC3E}">
-        <p14:creationId xmlns:p14="http://schemas.microsoft.com/office/powerpoint/2010/main" val="1833349637"/>
+        <p14:creationId xmlns:p14="http://schemas.microsoft.com/office/powerpoint/2010/main" val="302986211"/>
       </p:ext>
     </p:extLst>
   </p:cSld>
   <p:clrMapOvr>
     <a:masterClrMapping/>
   </p:clrMapOvr>
-  <mc:AlternateContent xmlns:mc="http://schemas.openxmlformats.org/markup-compatibility/2006">
-    <mc:Choice xmlns:p14="http://schemas.microsoft.com/office/powerpoint/2010/main" Requires="p14">
-      <p:transition spd="slow" p14:dur="2000"/>
-    </mc:Choice>
-    <mc:Fallback>
-      <p:transition spd="slow"/>
-    </mc:Fallback>
-  </mc:AlternateContent>
-  <p:timing>
-    <p:tnLst>
-      <p:par>
-        <p:cTn id="1" dur="indefinite" restart="never" nodeType="tmRoot"/>
-      </p:par>
-    </p:tnLst>
-  </p:timing>
 </p:sld>
 </file>
 
 <file path=ppt/slides/slide10.xml><?xml version="1.0" encoding="utf-8"?>
+<p:sld xmlns:a="http://schemas.openxmlformats.org/drawingml/2006/main" xmlns:r="http://schemas.openxmlformats.org/officeDocument/2006/relationships" xmlns:p="http://schemas.openxmlformats.org/presentationml/2006/main">
+  <p:cSld>
+    <p:spTree>
+      <p:nvGrpSpPr>
+        <p:cNvPr id="1" name=""/>
+        <p:cNvGrpSpPr/>
+        <p:nvPr/>
+      </p:nvGrpSpPr>
+      <p:grpSpPr>
+        <a:xfrm>
+          <a:off x="0" y="0"/>
+          <a:ext cx="0" cy="0"/>
+          <a:chOff x="0" y="0"/>
+          <a:chExt cx="0" cy="0"/>
+        </a:xfrm>
+      </p:grpSpPr>
+      <p:grpSp>
+        <p:nvGrpSpPr>
+          <p:cNvPr id="19" name="グループ化 18"/>
+          <p:cNvGrpSpPr/>
+          <p:nvPr/>
+        </p:nvGrpSpPr>
+        <p:grpSpPr>
+          <a:xfrm>
+            <a:off x="557895" y="2604406"/>
+            <a:ext cx="11048997" cy="938894"/>
+            <a:chOff x="198667" y="1673678"/>
+            <a:chExt cx="11048997" cy="938894"/>
+          </a:xfrm>
+        </p:grpSpPr>
+        <p:sp>
+          <p:nvSpPr>
+            <p:cNvPr id="5" name="角丸四角形 4"/>
+            <p:cNvSpPr/>
+            <p:nvPr/>
+          </p:nvSpPr>
+          <p:spPr>
+            <a:xfrm>
+              <a:off x="6136823" y="1673678"/>
+              <a:ext cx="2141763" cy="938894"/>
+            </a:xfrm>
+            <a:prstGeom prst="roundRect">
+              <a:avLst/>
+            </a:prstGeom>
+            <a:ln w="28575"/>
+          </p:spPr>
+          <p:style>
+            <a:lnRef idx="2">
+              <a:schemeClr val="accent1">
+                <a:shade val="50000"/>
+              </a:schemeClr>
+            </a:lnRef>
+            <a:fillRef idx="1">
+              <a:schemeClr val="accent1"/>
+            </a:fillRef>
+            <a:effectRef idx="0">
+              <a:schemeClr val="accent1"/>
+            </a:effectRef>
+            <a:fontRef idx="minor">
+              <a:schemeClr val="lt1"/>
+            </a:fontRef>
+          </p:style>
+          <p:txBody>
+            <a:bodyPr rtlCol="0" anchor="ctr"/>
+            <a:lstStyle/>
+            <a:p>
+              <a:pPr algn="ctr"/>
+              <a:r>
+                <a:rPr kumimoji="1" lang="ja-JP" altLang="en-US" sz="2400" b="1" dirty="0"/>
+                <a:t>オブジェクト</a:t>
+              </a:r>
+              <a:endParaRPr kumimoji="1" lang="en-US" altLang="ja-JP" sz="2400" b="1" dirty="0"/>
+            </a:p>
+            <a:p>
+              <a:pPr algn="ctr"/>
+              <a:r>
+                <a:rPr kumimoji="1" lang="ja-JP" altLang="en-US" sz="2400" b="1" dirty="0"/>
+                <a:t>抽出</a:t>
+              </a:r>
+            </a:p>
+          </p:txBody>
+        </p:sp>
+        <p:sp>
+          <p:nvSpPr>
+            <p:cNvPr id="9" name="角丸四角形 8"/>
+            <p:cNvSpPr/>
+            <p:nvPr/>
+          </p:nvSpPr>
+          <p:spPr>
+            <a:xfrm>
+              <a:off x="3167745" y="1673678"/>
+              <a:ext cx="2141763" cy="938894"/>
+            </a:xfrm>
+            <a:prstGeom prst="roundRect">
+              <a:avLst/>
+            </a:prstGeom>
+            <a:ln w="28575"/>
+          </p:spPr>
+          <p:style>
+            <a:lnRef idx="2">
+              <a:schemeClr val="accent1">
+                <a:shade val="50000"/>
+              </a:schemeClr>
+            </a:lnRef>
+            <a:fillRef idx="1">
+              <a:schemeClr val="accent1"/>
+            </a:fillRef>
+            <a:effectRef idx="0">
+              <a:schemeClr val="accent1"/>
+            </a:effectRef>
+            <a:fontRef idx="minor">
+              <a:schemeClr val="lt1"/>
+            </a:fontRef>
+          </p:style>
+          <p:txBody>
+            <a:bodyPr rtlCol="0" anchor="ctr"/>
+            <a:lstStyle/>
+            <a:p>
+              <a:pPr algn="ctr"/>
+              <a:r>
+                <a:rPr lang="ja-JP" altLang="en-US" sz="2400" b="1" dirty="0"/>
+                <a:t>特定の色で</a:t>
+              </a:r>
+              <a:endParaRPr lang="en-US" altLang="ja-JP" sz="2400" b="1" dirty="0"/>
+            </a:p>
+            <a:p>
+              <a:pPr algn="ctr"/>
+              <a:r>
+                <a:rPr lang="ja-JP" altLang="en-US" sz="2400" b="1" dirty="0"/>
+                <a:t>二値化</a:t>
+              </a:r>
+            </a:p>
+          </p:txBody>
+        </p:sp>
+        <p:sp>
+          <p:nvSpPr>
+            <p:cNvPr id="10" name="角丸四角形 9"/>
+            <p:cNvSpPr/>
+            <p:nvPr/>
+          </p:nvSpPr>
+          <p:spPr>
+            <a:xfrm>
+              <a:off x="198667" y="1673678"/>
+              <a:ext cx="2141763" cy="938894"/>
+            </a:xfrm>
+            <a:prstGeom prst="roundRect">
+              <a:avLst/>
+            </a:prstGeom>
+            <a:ln w="28575">
+              <a:solidFill>
+                <a:srgbClr val="0070C0"/>
+              </a:solidFill>
+            </a:ln>
+          </p:spPr>
+          <p:style>
+            <a:lnRef idx="2">
+              <a:schemeClr val="accent1">
+                <a:shade val="50000"/>
+              </a:schemeClr>
+            </a:lnRef>
+            <a:fillRef idx="1">
+              <a:schemeClr val="accent1"/>
+            </a:fillRef>
+            <a:effectRef idx="0">
+              <a:schemeClr val="accent1"/>
+            </a:effectRef>
+            <a:fontRef idx="minor">
+              <a:schemeClr val="lt1"/>
+            </a:fontRef>
+          </p:style>
+          <p:txBody>
+            <a:bodyPr rtlCol="0" anchor="ctr"/>
+            <a:lstStyle/>
+            <a:p>
+              <a:pPr algn="ctr"/>
+              <a:r>
+                <a:rPr lang="ja-JP" altLang="en-US" sz="2400" b="1" dirty="0"/>
+                <a:t>画像を取得</a:t>
+              </a:r>
+            </a:p>
+          </p:txBody>
+        </p:sp>
+        <p:sp>
+          <p:nvSpPr>
+            <p:cNvPr id="11" name="角丸四角形 10"/>
+            <p:cNvSpPr/>
+            <p:nvPr/>
+          </p:nvSpPr>
+          <p:spPr>
+            <a:xfrm>
+              <a:off x="9105901" y="1673678"/>
+              <a:ext cx="2141763" cy="938894"/>
+            </a:xfrm>
+            <a:prstGeom prst="roundRect">
+              <a:avLst/>
+            </a:prstGeom>
+            <a:ln w="28575"/>
+          </p:spPr>
+          <p:style>
+            <a:lnRef idx="2">
+              <a:schemeClr val="accent1">
+                <a:shade val="50000"/>
+              </a:schemeClr>
+            </a:lnRef>
+            <a:fillRef idx="1">
+              <a:schemeClr val="accent1"/>
+            </a:fillRef>
+            <a:effectRef idx="0">
+              <a:schemeClr val="accent1"/>
+            </a:effectRef>
+            <a:fontRef idx="minor">
+              <a:schemeClr val="lt1"/>
+            </a:fontRef>
+          </p:style>
+          <p:txBody>
+            <a:bodyPr rtlCol="0" anchor="ctr"/>
+            <a:lstStyle/>
+            <a:p>
+              <a:pPr algn="ctr"/>
+              <a:r>
+                <a:rPr lang="ja-JP" altLang="en-US" sz="2400" b="1" dirty="0"/>
+                <a:t>重心計算</a:t>
+              </a:r>
+            </a:p>
+          </p:txBody>
+        </p:sp>
+        <p:cxnSp>
+          <p:nvCxnSpPr>
+            <p:cNvPr id="13" name="直線矢印コネクタ 12"/>
+            <p:cNvCxnSpPr>
+              <a:stCxn id="10" idx="3"/>
+              <a:endCxn id="9" idx="1"/>
+            </p:cNvCxnSpPr>
+            <p:nvPr/>
+          </p:nvCxnSpPr>
+          <p:spPr>
+            <a:xfrm>
+              <a:off x="2340430" y="2143125"/>
+              <a:ext cx="827315" cy="0"/>
+            </a:xfrm>
+            <a:prstGeom prst="straightConnector1">
+              <a:avLst/>
+            </a:prstGeom>
+            <a:ln w="38100">
+              <a:tailEnd type="triangle"/>
+            </a:ln>
+          </p:spPr>
+          <p:style>
+            <a:lnRef idx="1">
+              <a:schemeClr val="accent1"/>
+            </a:lnRef>
+            <a:fillRef idx="0">
+              <a:schemeClr val="accent1"/>
+            </a:fillRef>
+            <a:effectRef idx="0">
+              <a:schemeClr val="accent1"/>
+            </a:effectRef>
+            <a:fontRef idx="minor">
+              <a:schemeClr val="tx1"/>
+            </a:fontRef>
+          </p:style>
+        </p:cxnSp>
+        <p:cxnSp>
+          <p:nvCxnSpPr>
+            <p:cNvPr id="15" name="直線矢印コネクタ 14"/>
+            <p:cNvCxnSpPr>
+              <a:stCxn id="9" idx="3"/>
+              <a:endCxn id="5" idx="1"/>
+            </p:cNvCxnSpPr>
+            <p:nvPr/>
+          </p:nvCxnSpPr>
+          <p:spPr>
+            <a:xfrm>
+              <a:off x="5309508" y="2143125"/>
+              <a:ext cx="827315" cy="0"/>
+            </a:xfrm>
+            <a:prstGeom prst="straightConnector1">
+              <a:avLst/>
+            </a:prstGeom>
+            <a:ln w="38100">
+              <a:tailEnd type="triangle"/>
+            </a:ln>
+          </p:spPr>
+          <p:style>
+            <a:lnRef idx="1">
+              <a:schemeClr val="accent1"/>
+            </a:lnRef>
+            <a:fillRef idx="0">
+              <a:schemeClr val="accent1"/>
+            </a:fillRef>
+            <a:effectRef idx="0">
+              <a:schemeClr val="accent1"/>
+            </a:effectRef>
+            <a:fontRef idx="minor">
+              <a:schemeClr val="tx1"/>
+            </a:fontRef>
+          </p:style>
+        </p:cxnSp>
+        <p:cxnSp>
+          <p:nvCxnSpPr>
+            <p:cNvPr id="17" name="直線矢印コネクタ 16"/>
+            <p:cNvCxnSpPr>
+              <a:stCxn id="5" idx="3"/>
+              <a:endCxn id="11" idx="1"/>
+            </p:cNvCxnSpPr>
+            <p:nvPr/>
+          </p:nvCxnSpPr>
+          <p:spPr>
+            <a:xfrm>
+              <a:off x="8278586" y="2143125"/>
+              <a:ext cx="827315" cy="0"/>
+            </a:xfrm>
+            <a:prstGeom prst="straightConnector1">
+              <a:avLst/>
+            </a:prstGeom>
+            <a:ln w="38100">
+              <a:tailEnd type="triangle"/>
+            </a:ln>
+          </p:spPr>
+          <p:style>
+            <a:lnRef idx="1">
+              <a:schemeClr val="accent1"/>
+            </a:lnRef>
+            <a:fillRef idx="0">
+              <a:schemeClr val="accent1"/>
+            </a:fillRef>
+            <a:effectRef idx="0">
+              <a:schemeClr val="accent1"/>
+            </a:effectRef>
+            <a:fontRef idx="minor">
+              <a:schemeClr val="tx1"/>
+            </a:fontRef>
+          </p:style>
+        </p:cxnSp>
+      </p:grpSp>
+    </p:spTree>
+    <p:extLst>
+      <p:ext uri="{BB962C8B-B14F-4D97-AF65-F5344CB8AC3E}">
+        <p14:creationId xmlns:p14="http://schemas.microsoft.com/office/powerpoint/2010/main" val="2768874140"/>
+      </p:ext>
+    </p:extLst>
+  </p:cSld>
+  <p:clrMapOvr>
+    <a:masterClrMapping/>
+  </p:clrMapOvr>
+</p:sld>
+</file>
+
+<file path=ppt/slides/slide11.xml><?xml version="1.0" encoding="utf-8"?>
 <p:sld xmlns:a="http://schemas.openxmlformats.org/drawingml/2006/main" xmlns:r="http://schemas.openxmlformats.org/officeDocument/2006/relationships" xmlns:p="http://schemas.openxmlformats.org/presentationml/2006/main">
   <p:cSld>
     <p:spTree>
@@ -3838,7 +4618,7 @@
 </p:sld>
 </file>
 
-<file path=ppt/slides/slide11.xml><?xml version="1.0" encoding="utf-8"?>
+<file path=ppt/slides/slide12.xml><?xml version="1.0" encoding="utf-8"?>
 <p:sld xmlns:a="http://schemas.openxmlformats.org/drawingml/2006/main" xmlns:r="http://schemas.openxmlformats.org/officeDocument/2006/relationships" xmlns:p="http://schemas.openxmlformats.org/presentationml/2006/main">
   <p:cSld>
     <p:spTree>
@@ -5315,7 +6095,7 @@
 </p:sld>
 </file>
 
-<file path=ppt/slides/slide12.xml><?xml version="1.0" encoding="utf-8"?>
+<file path=ppt/slides/slide13.xml><?xml version="1.0" encoding="utf-8"?>
 <p:sld xmlns:a="http://schemas.openxmlformats.org/drawingml/2006/main" xmlns:r="http://schemas.openxmlformats.org/officeDocument/2006/relationships" xmlns:p="http://schemas.openxmlformats.org/presentationml/2006/main">
   <p:cSld>
     <p:spTree>
@@ -6726,7 +7506,7 @@
 </p:sld>
 </file>
 
-<file path=ppt/slides/slide13.xml><?xml version="1.0" encoding="utf-8"?>
+<file path=ppt/slides/slide14.xml><?xml version="1.0" encoding="utf-8"?>
 <p:sld xmlns:a="http://schemas.openxmlformats.org/drawingml/2006/main" xmlns:r="http://schemas.openxmlformats.org/officeDocument/2006/relationships" xmlns:p="http://schemas.openxmlformats.org/presentationml/2006/main">
   <p:cSld>
     <p:spTree>
@@ -8546,7 +9326,7 @@
 </p:sld>
 </file>
 
-<file path=ppt/slides/slide14.xml><?xml version="1.0" encoding="utf-8"?>
+<file path=ppt/slides/slide15.xml><?xml version="1.0" encoding="utf-8"?>
 <p:sld xmlns:a="http://schemas.openxmlformats.org/drawingml/2006/main" xmlns:r="http://schemas.openxmlformats.org/officeDocument/2006/relationships" xmlns:p="http://schemas.openxmlformats.org/presentationml/2006/main">
   <p:cSld>
     <p:spTree>
@@ -9680,7 +10460,7 @@
 </p:sld>
 </file>
 
-<file path=ppt/slides/slide15.xml><?xml version="1.0" encoding="utf-8"?>
+<file path=ppt/slides/slide16.xml><?xml version="1.0" encoding="utf-8"?>
 <p:sld xmlns:a="http://schemas.openxmlformats.org/drawingml/2006/main" xmlns:r="http://schemas.openxmlformats.org/officeDocument/2006/relationships" xmlns:p="http://schemas.openxmlformats.org/presentationml/2006/main">
   <p:cSld>
     <p:spTree>
@@ -10955,7 +11735,7 @@
 </p:sld>
 </file>
 
-<file path=ppt/slides/slide16.xml><?xml version="1.0" encoding="utf-8"?>
+<file path=ppt/slides/slide17.xml><?xml version="1.0" encoding="utf-8"?>
 <p:sld xmlns:a="http://schemas.openxmlformats.org/drawingml/2006/main" xmlns:r="http://schemas.openxmlformats.org/officeDocument/2006/relationships" xmlns:p="http://schemas.openxmlformats.org/presentationml/2006/main">
   <p:cSld>
     <p:spTree>
@@ -12168,6 +12948,71 @@
       </p:grpSpPr>
       <p:pic>
         <p:nvPicPr>
+          <p:cNvPr id="5" name="図 4"/>
+          <p:cNvPicPr>
+            <a:picLocks noChangeAspect="1"/>
+          </p:cNvPicPr>
+          <p:nvPr/>
+        </p:nvPicPr>
+        <p:blipFill>
+          <a:blip r:embed="rId2">
+            <a:extLst>
+              <a:ext uri="{28A0092B-C50C-407E-A947-70E740481C1C}">
+                <a14:useLocalDpi xmlns:a14="http://schemas.microsoft.com/office/drawing/2010/main" val="0"/>
+              </a:ext>
+            </a:extLst>
+          </a:blip>
+          <a:stretch>
+            <a:fillRect/>
+          </a:stretch>
+        </p:blipFill>
+        <p:spPr>
+          <a:xfrm>
+            <a:off x="4571787" y="2285840"/>
+            <a:ext cx="3048425" cy="2286319"/>
+          </a:xfrm>
+          <a:prstGeom prst="rect">
+            <a:avLst/>
+          </a:prstGeom>
+          <a:ln>
+            <a:solidFill>
+              <a:schemeClr val="tx1"/>
+            </a:solidFill>
+          </a:ln>
+        </p:spPr>
+      </p:pic>
+    </p:spTree>
+    <p:extLst>
+      <p:ext uri="{BB962C8B-B14F-4D97-AF65-F5344CB8AC3E}">
+        <p14:creationId xmlns:p14="http://schemas.microsoft.com/office/powerpoint/2010/main" val="1833349637"/>
+      </p:ext>
+    </p:extLst>
+  </p:cSld>
+  <p:clrMapOvr>
+    <a:masterClrMapping/>
+  </p:clrMapOvr>
+</p:sld>
+</file>
+
+<file path=ppt/slides/slide3.xml><?xml version="1.0" encoding="utf-8"?>
+<p:sld xmlns:a="http://schemas.openxmlformats.org/drawingml/2006/main" xmlns:r="http://schemas.openxmlformats.org/officeDocument/2006/relationships" xmlns:p="http://schemas.openxmlformats.org/presentationml/2006/main">
+  <p:cSld>
+    <p:spTree>
+      <p:nvGrpSpPr>
+        <p:cNvPr id="1" name=""/>
+        <p:cNvGrpSpPr/>
+        <p:nvPr/>
+      </p:nvGrpSpPr>
+      <p:grpSpPr>
+        <a:xfrm>
+          <a:off x="0" y="0"/>
+          <a:ext cx="0" cy="0"/>
+          <a:chOff x="0" y="0"/>
+          <a:chExt cx="0" cy="0"/>
+        </a:xfrm>
+      </p:grpSpPr>
+      <p:pic>
+        <p:nvPicPr>
           <p:cNvPr id="2" name="図 1"/>
           <p:cNvPicPr>
             <a:picLocks noChangeAspect="1"/>
@@ -12211,17 +13056,10 @@
   <p:clrMapOvr>
     <a:masterClrMapping/>
   </p:clrMapOvr>
-  <p:timing>
-    <p:tnLst>
-      <p:par>
-        <p:cTn id="1" dur="indefinite" restart="never" nodeType="tmRoot"/>
-      </p:par>
-    </p:tnLst>
-  </p:timing>
 </p:sld>
 </file>
 
-<file path=ppt/slides/slide3.xml><?xml version="1.0" encoding="utf-8"?>
+<file path=ppt/slides/slide4.xml><?xml version="1.0" encoding="utf-8"?>
 <p:sld xmlns:a="http://schemas.openxmlformats.org/drawingml/2006/main" xmlns:r="http://schemas.openxmlformats.org/officeDocument/2006/relationships" xmlns:p="http://schemas.openxmlformats.org/presentationml/2006/main">
   <p:cSld>
     <p:spTree>
@@ -12283,17 +13121,10 @@
   <p:clrMapOvr>
     <a:masterClrMapping/>
   </p:clrMapOvr>
-  <p:timing>
-    <p:tnLst>
-      <p:par>
-        <p:cTn id="1" dur="indefinite" restart="never" nodeType="tmRoot"/>
-      </p:par>
-    </p:tnLst>
-  </p:timing>
 </p:sld>
 </file>
 
-<file path=ppt/slides/slide4.xml><?xml version="1.0" encoding="utf-8"?>
+<file path=ppt/slides/slide5.xml><?xml version="1.0" encoding="utf-8"?>
 <p:sld xmlns:a="http://schemas.openxmlformats.org/drawingml/2006/main" xmlns:r="http://schemas.openxmlformats.org/officeDocument/2006/relationships" xmlns:p="http://schemas.openxmlformats.org/presentationml/2006/main">
   <p:cSld>
     <p:spTree>
@@ -12355,17 +13186,10 @@
   <p:clrMapOvr>
     <a:masterClrMapping/>
   </p:clrMapOvr>
-  <p:timing>
-    <p:tnLst>
-      <p:par>
-        <p:cTn id="1" dur="indefinite" restart="never" nodeType="tmRoot"/>
-      </p:par>
-    </p:tnLst>
-  </p:timing>
 </p:sld>
 </file>
 
-<file path=ppt/slides/slide5.xml><?xml version="1.0" encoding="utf-8"?>
+<file path=ppt/slides/slide6.xml><?xml version="1.0" encoding="utf-8"?>
 <p:sld xmlns:a="http://schemas.openxmlformats.org/drawingml/2006/main" xmlns:r="http://schemas.openxmlformats.org/officeDocument/2006/relationships" xmlns:p="http://schemas.openxmlformats.org/presentationml/2006/main">
   <p:cSld>
     <p:spTree>
@@ -12427,17 +13251,10 @@
   <p:clrMapOvr>
     <a:masterClrMapping/>
   </p:clrMapOvr>
-  <p:timing>
-    <p:tnLst>
-      <p:par>
-        <p:cTn id="1" dur="indefinite" restart="never" nodeType="tmRoot"/>
-      </p:par>
-    </p:tnLst>
-  </p:timing>
 </p:sld>
 </file>
 
-<file path=ppt/slides/slide6.xml><?xml version="1.0" encoding="utf-8"?>
+<file path=ppt/slides/slide7.xml><?xml version="1.0" encoding="utf-8"?>
 <p:sld xmlns:a="http://schemas.openxmlformats.org/drawingml/2006/main" xmlns:r="http://schemas.openxmlformats.org/officeDocument/2006/relationships" xmlns:p="http://schemas.openxmlformats.org/presentationml/2006/main">
   <p:cSld>
     <p:spTree>
@@ -12499,17 +13316,10 @@
   <p:clrMapOvr>
     <a:masterClrMapping/>
   </p:clrMapOvr>
-  <p:timing>
-    <p:tnLst>
-      <p:par>
-        <p:cTn id="1" dur="indefinite" restart="never" nodeType="tmRoot"/>
-      </p:par>
-    </p:tnLst>
-  </p:timing>
 </p:sld>
 </file>
 
-<file path=ppt/slides/slide7.xml><?xml version="1.0" encoding="utf-8"?>
+<file path=ppt/slides/slide8.xml><?xml version="1.0" encoding="utf-8"?>
 <p:sld xmlns:a="http://schemas.openxmlformats.org/drawingml/2006/main" xmlns:r="http://schemas.openxmlformats.org/officeDocument/2006/relationships" xmlns:p="http://schemas.openxmlformats.org/presentationml/2006/main">
   <p:cSld>
     <p:spTree>
@@ -12848,17 +13658,10 @@
   <p:clrMapOvr>
     <a:masterClrMapping/>
   </p:clrMapOvr>
-  <p:timing>
-    <p:tnLst>
-      <p:par>
-        <p:cTn id="1" dur="indefinite" restart="never" nodeType="tmRoot"/>
-      </p:par>
-    </p:tnLst>
-  </p:timing>
 </p:sld>
 </file>
 
-<file path=ppt/slides/slide8.xml><?xml version="1.0" encoding="utf-8"?>
+<file path=ppt/slides/slide9.xml><?xml version="1.0" encoding="utf-8"?>
 <p:sld xmlns:a="http://schemas.openxmlformats.org/drawingml/2006/main" xmlns:r="http://schemas.openxmlformats.org/officeDocument/2006/relationships" xmlns:p="http://schemas.openxmlformats.org/presentationml/2006/main">
   <p:cSld>
     <p:spTree>
@@ -12887,9 +13690,7 @@
           <p:cNvGraphicFramePr>
             <a:graphicFrameLocks noGrp="1"/>
           </p:cNvGraphicFramePr>
-          <p:nvPr>
-            <p:extLst/>
-          </p:nvPr>
+          <p:nvPr/>
         </p:nvGraphicFramePr>
         <p:xfrm>
           <a:off x="274773" y="684642"/>
@@ -14537,9 +15338,7 @@
           <p:cNvGraphicFramePr>
             <a:graphicFrameLocks noGrp="1"/>
           </p:cNvGraphicFramePr>
-          <p:nvPr>
-            <p:extLst/>
-          </p:nvPr>
+          <p:nvPr/>
         </p:nvGraphicFramePr>
         <p:xfrm>
           <a:off x="6428514" y="684642"/>
@@ -16185,362 +16984,6 @@
   <p:clrMapOvr>
     <a:masterClrMapping/>
   </p:clrMapOvr>
-  <p:timing>
-    <p:tnLst>
-      <p:par>
-        <p:cTn id="1" dur="indefinite" restart="never" nodeType="tmRoot"/>
-      </p:par>
-    </p:tnLst>
-  </p:timing>
-</p:sld>
-</file>
-
-<file path=ppt/slides/slide9.xml><?xml version="1.0" encoding="utf-8"?>
-<p:sld xmlns:a="http://schemas.openxmlformats.org/drawingml/2006/main" xmlns:r="http://schemas.openxmlformats.org/officeDocument/2006/relationships" xmlns:p="http://schemas.openxmlformats.org/presentationml/2006/main">
-  <p:cSld>
-    <p:spTree>
-      <p:nvGrpSpPr>
-        <p:cNvPr id="1" name=""/>
-        <p:cNvGrpSpPr/>
-        <p:nvPr/>
-      </p:nvGrpSpPr>
-      <p:grpSpPr>
-        <a:xfrm>
-          <a:off x="0" y="0"/>
-          <a:ext cx="0" cy="0"/>
-          <a:chOff x="0" y="0"/>
-          <a:chExt cx="0" cy="0"/>
-        </a:xfrm>
-      </p:grpSpPr>
-      <p:grpSp>
-        <p:nvGrpSpPr>
-          <p:cNvPr id="19" name="グループ化 18"/>
-          <p:cNvGrpSpPr/>
-          <p:nvPr/>
-        </p:nvGrpSpPr>
-        <p:grpSpPr>
-          <a:xfrm>
-            <a:off x="557895" y="2604406"/>
-            <a:ext cx="11048997" cy="938894"/>
-            <a:chOff x="198667" y="1673678"/>
-            <a:chExt cx="11048997" cy="938894"/>
-          </a:xfrm>
-        </p:grpSpPr>
-        <p:sp>
-          <p:nvSpPr>
-            <p:cNvPr id="5" name="角丸四角形 4"/>
-            <p:cNvSpPr/>
-            <p:nvPr/>
-          </p:nvSpPr>
-          <p:spPr>
-            <a:xfrm>
-              <a:off x="6136823" y="1673678"/>
-              <a:ext cx="2141763" cy="938894"/>
-            </a:xfrm>
-            <a:prstGeom prst="roundRect">
-              <a:avLst/>
-            </a:prstGeom>
-            <a:ln w="28575"/>
-          </p:spPr>
-          <p:style>
-            <a:lnRef idx="2">
-              <a:schemeClr val="accent1">
-                <a:shade val="50000"/>
-              </a:schemeClr>
-            </a:lnRef>
-            <a:fillRef idx="1">
-              <a:schemeClr val="accent1"/>
-            </a:fillRef>
-            <a:effectRef idx="0">
-              <a:schemeClr val="accent1"/>
-            </a:effectRef>
-            <a:fontRef idx="minor">
-              <a:schemeClr val="lt1"/>
-            </a:fontRef>
-          </p:style>
-          <p:txBody>
-            <a:bodyPr rtlCol="0" anchor="ctr"/>
-            <a:lstStyle/>
-            <a:p>
-              <a:pPr algn="ctr"/>
-              <a:r>
-                <a:rPr kumimoji="1" lang="ja-JP" altLang="en-US" sz="2400" b="1" dirty="0"/>
-                <a:t>オブジェクト</a:t>
-              </a:r>
-              <a:endParaRPr kumimoji="1" lang="en-US" altLang="ja-JP" sz="2400" b="1" dirty="0"/>
-            </a:p>
-            <a:p>
-              <a:pPr algn="ctr"/>
-              <a:r>
-                <a:rPr kumimoji="1" lang="ja-JP" altLang="en-US" sz="2400" b="1" dirty="0"/>
-                <a:t>抽出</a:t>
-              </a:r>
-            </a:p>
-          </p:txBody>
-        </p:sp>
-        <p:sp>
-          <p:nvSpPr>
-            <p:cNvPr id="9" name="角丸四角形 8"/>
-            <p:cNvSpPr/>
-            <p:nvPr/>
-          </p:nvSpPr>
-          <p:spPr>
-            <a:xfrm>
-              <a:off x="3167745" y="1673678"/>
-              <a:ext cx="2141763" cy="938894"/>
-            </a:xfrm>
-            <a:prstGeom prst="roundRect">
-              <a:avLst/>
-            </a:prstGeom>
-            <a:ln w="28575"/>
-          </p:spPr>
-          <p:style>
-            <a:lnRef idx="2">
-              <a:schemeClr val="accent1">
-                <a:shade val="50000"/>
-              </a:schemeClr>
-            </a:lnRef>
-            <a:fillRef idx="1">
-              <a:schemeClr val="accent1"/>
-            </a:fillRef>
-            <a:effectRef idx="0">
-              <a:schemeClr val="accent1"/>
-            </a:effectRef>
-            <a:fontRef idx="minor">
-              <a:schemeClr val="lt1"/>
-            </a:fontRef>
-          </p:style>
-          <p:txBody>
-            <a:bodyPr rtlCol="0" anchor="ctr"/>
-            <a:lstStyle/>
-            <a:p>
-              <a:pPr algn="ctr"/>
-              <a:r>
-                <a:rPr lang="ja-JP" altLang="en-US" sz="2400" b="1" dirty="0"/>
-                <a:t>特定の色で</a:t>
-              </a:r>
-              <a:endParaRPr lang="en-US" altLang="ja-JP" sz="2400" b="1" dirty="0"/>
-            </a:p>
-            <a:p>
-              <a:pPr algn="ctr"/>
-              <a:r>
-                <a:rPr lang="ja-JP" altLang="en-US" sz="2400" b="1" dirty="0"/>
-                <a:t>二値化</a:t>
-              </a:r>
-            </a:p>
-          </p:txBody>
-        </p:sp>
-        <p:sp>
-          <p:nvSpPr>
-            <p:cNvPr id="10" name="角丸四角形 9"/>
-            <p:cNvSpPr/>
-            <p:nvPr/>
-          </p:nvSpPr>
-          <p:spPr>
-            <a:xfrm>
-              <a:off x="198667" y="1673678"/>
-              <a:ext cx="2141763" cy="938894"/>
-            </a:xfrm>
-            <a:prstGeom prst="roundRect">
-              <a:avLst/>
-            </a:prstGeom>
-            <a:ln w="28575">
-              <a:solidFill>
-                <a:srgbClr val="0070C0"/>
-              </a:solidFill>
-            </a:ln>
-          </p:spPr>
-          <p:style>
-            <a:lnRef idx="2">
-              <a:schemeClr val="accent1">
-                <a:shade val="50000"/>
-              </a:schemeClr>
-            </a:lnRef>
-            <a:fillRef idx="1">
-              <a:schemeClr val="accent1"/>
-            </a:fillRef>
-            <a:effectRef idx="0">
-              <a:schemeClr val="accent1"/>
-            </a:effectRef>
-            <a:fontRef idx="minor">
-              <a:schemeClr val="lt1"/>
-            </a:fontRef>
-          </p:style>
-          <p:txBody>
-            <a:bodyPr rtlCol="0" anchor="ctr"/>
-            <a:lstStyle/>
-            <a:p>
-              <a:pPr algn="ctr"/>
-              <a:r>
-                <a:rPr lang="ja-JP" altLang="en-US" sz="2400" b="1" dirty="0"/>
-                <a:t>画像を取得</a:t>
-              </a:r>
-            </a:p>
-          </p:txBody>
-        </p:sp>
-        <p:sp>
-          <p:nvSpPr>
-            <p:cNvPr id="11" name="角丸四角形 10"/>
-            <p:cNvSpPr/>
-            <p:nvPr/>
-          </p:nvSpPr>
-          <p:spPr>
-            <a:xfrm>
-              <a:off x="9105901" y="1673678"/>
-              <a:ext cx="2141763" cy="938894"/>
-            </a:xfrm>
-            <a:prstGeom prst="roundRect">
-              <a:avLst/>
-            </a:prstGeom>
-            <a:ln w="28575"/>
-          </p:spPr>
-          <p:style>
-            <a:lnRef idx="2">
-              <a:schemeClr val="accent1">
-                <a:shade val="50000"/>
-              </a:schemeClr>
-            </a:lnRef>
-            <a:fillRef idx="1">
-              <a:schemeClr val="accent1"/>
-            </a:fillRef>
-            <a:effectRef idx="0">
-              <a:schemeClr val="accent1"/>
-            </a:effectRef>
-            <a:fontRef idx="minor">
-              <a:schemeClr val="lt1"/>
-            </a:fontRef>
-          </p:style>
-          <p:txBody>
-            <a:bodyPr rtlCol="0" anchor="ctr"/>
-            <a:lstStyle/>
-            <a:p>
-              <a:pPr algn="ctr"/>
-              <a:r>
-                <a:rPr lang="ja-JP" altLang="en-US" sz="2400" b="1" dirty="0"/>
-                <a:t>重心計算</a:t>
-              </a:r>
-            </a:p>
-          </p:txBody>
-        </p:sp>
-        <p:cxnSp>
-          <p:nvCxnSpPr>
-            <p:cNvPr id="13" name="直線矢印コネクタ 12"/>
-            <p:cNvCxnSpPr>
-              <a:stCxn id="10" idx="3"/>
-              <a:endCxn id="9" idx="1"/>
-            </p:cNvCxnSpPr>
-            <p:nvPr/>
-          </p:nvCxnSpPr>
-          <p:spPr>
-            <a:xfrm>
-              <a:off x="2340430" y="2143125"/>
-              <a:ext cx="827315" cy="0"/>
-            </a:xfrm>
-            <a:prstGeom prst="straightConnector1">
-              <a:avLst/>
-            </a:prstGeom>
-            <a:ln w="38100">
-              <a:tailEnd type="triangle"/>
-            </a:ln>
-          </p:spPr>
-          <p:style>
-            <a:lnRef idx="1">
-              <a:schemeClr val="accent1"/>
-            </a:lnRef>
-            <a:fillRef idx="0">
-              <a:schemeClr val="accent1"/>
-            </a:fillRef>
-            <a:effectRef idx="0">
-              <a:schemeClr val="accent1"/>
-            </a:effectRef>
-            <a:fontRef idx="minor">
-              <a:schemeClr val="tx1"/>
-            </a:fontRef>
-          </p:style>
-        </p:cxnSp>
-        <p:cxnSp>
-          <p:nvCxnSpPr>
-            <p:cNvPr id="15" name="直線矢印コネクタ 14"/>
-            <p:cNvCxnSpPr>
-              <a:stCxn id="9" idx="3"/>
-              <a:endCxn id="5" idx="1"/>
-            </p:cNvCxnSpPr>
-            <p:nvPr/>
-          </p:nvCxnSpPr>
-          <p:spPr>
-            <a:xfrm>
-              <a:off x="5309508" y="2143125"/>
-              <a:ext cx="827315" cy="0"/>
-            </a:xfrm>
-            <a:prstGeom prst="straightConnector1">
-              <a:avLst/>
-            </a:prstGeom>
-            <a:ln w="38100">
-              <a:tailEnd type="triangle"/>
-            </a:ln>
-          </p:spPr>
-          <p:style>
-            <a:lnRef idx="1">
-              <a:schemeClr val="accent1"/>
-            </a:lnRef>
-            <a:fillRef idx="0">
-              <a:schemeClr val="accent1"/>
-            </a:fillRef>
-            <a:effectRef idx="0">
-              <a:schemeClr val="accent1"/>
-            </a:effectRef>
-            <a:fontRef idx="minor">
-              <a:schemeClr val="tx1"/>
-            </a:fontRef>
-          </p:style>
-        </p:cxnSp>
-        <p:cxnSp>
-          <p:nvCxnSpPr>
-            <p:cNvPr id="17" name="直線矢印コネクタ 16"/>
-            <p:cNvCxnSpPr>
-              <a:stCxn id="5" idx="3"/>
-              <a:endCxn id="11" idx="1"/>
-            </p:cNvCxnSpPr>
-            <p:nvPr/>
-          </p:nvCxnSpPr>
-          <p:spPr>
-            <a:xfrm>
-              <a:off x="8278586" y="2143125"/>
-              <a:ext cx="827315" cy="0"/>
-            </a:xfrm>
-            <a:prstGeom prst="straightConnector1">
-              <a:avLst/>
-            </a:prstGeom>
-            <a:ln w="38100">
-              <a:tailEnd type="triangle"/>
-            </a:ln>
-          </p:spPr>
-          <p:style>
-            <a:lnRef idx="1">
-              <a:schemeClr val="accent1"/>
-            </a:lnRef>
-            <a:fillRef idx="0">
-              <a:schemeClr val="accent1"/>
-            </a:fillRef>
-            <a:effectRef idx="0">
-              <a:schemeClr val="accent1"/>
-            </a:effectRef>
-            <a:fontRef idx="minor">
-              <a:schemeClr val="tx1"/>
-            </a:fontRef>
-          </p:style>
-        </p:cxnSp>
-      </p:grpSp>
-    </p:spTree>
-    <p:extLst>
-      <p:ext uri="{BB962C8B-B14F-4D97-AF65-F5344CB8AC3E}">
-        <p14:creationId xmlns:p14="http://schemas.microsoft.com/office/powerpoint/2010/main" val="2768874140"/>
-      </p:ext>
-    </p:extLst>
-  </p:cSld>
-  <p:clrMapOvr>
-    <a:masterClrMapping/>
-  </p:clrMapOvr>
 </p:sld>
 </file>
 

--- a/卒研発表tex用_イラスト.pptx
+++ b/卒研発表tex用_イラスト.pptx
@@ -5,27 +5,28 @@
     <p:sldMasterId id="2147483648" r:id="rId1"/>
   </p:sldMasterIdLst>
   <p:handoutMasterIdLst>
-    <p:handoutMasterId r:id="rId20"/>
+    <p:handoutMasterId r:id="rId21"/>
   </p:handoutMasterIdLst>
   <p:sldIdLst>
-    <p:sldId id="300" r:id="rId2"/>
-    <p:sldId id="299" r:id="rId3"/>
-    <p:sldId id="293" r:id="rId4"/>
-    <p:sldId id="294" r:id="rId5"/>
-    <p:sldId id="295" r:id="rId6"/>
-    <p:sldId id="296" r:id="rId7"/>
-    <p:sldId id="297" r:id="rId8"/>
-    <p:sldId id="298" r:id="rId9"/>
-    <p:sldId id="292" r:id="rId10"/>
-    <p:sldId id="291" r:id="rId11"/>
-    <p:sldId id="264" r:id="rId12"/>
-    <p:sldId id="265" r:id="rId13"/>
-    <p:sldId id="258" r:id="rId14"/>
-    <p:sldId id="259" r:id="rId15"/>
-    <p:sldId id="260" r:id="rId16"/>
-    <p:sldId id="261" r:id="rId17"/>
-    <p:sldId id="262" r:id="rId18"/>
-    <p:sldId id="263" r:id="rId19"/>
+    <p:sldId id="301" r:id="rId2"/>
+    <p:sldId id="300" r:id="rId3"/>
+    <p:sldId id="299" r:id="rId4"/>
+    <p:sldId id="293" r:id="rId5"/>
+    <p:sldId id="294" r:id="rId6"/>
+    <p:sldId id="295" r:id="rId7"/>
+    <p:sldId id="296" r:id="rId8"/>
+    <p:sldId id="297" r:id="rId9"/>
+    <p:sldId id="298" r:id="rId10"/>
+    <p:sldId id="292" r:id="rId11"/>
+    <p:sldId id="291" r:id="rId12"/>
+    <p:sldId id="264" r:id="rId13"/>
+    <p:sldId id="265" r:id="rId14"/>
+    <p:sldId id="258" r:id="rId15"/>
+    <p:sldId id="259" r:id="rId16"/>
+    <p:sldId id="260" r:id="rId17"/>
+    <p:sldId id="261" r:id="rId18"/>
+    <p:sldId id="262" r:id="rId19"/>
+    <p:sldId id="263" r:id="rId20"/>
   </p:sldIdLst>
   <p:sldSz cx="12192000" cy="6858000"/>
   <p:notesSz cx="7099300" cy="10234613"/>
@@ -3432,2394 +3433,24 @@
           <a:chExt cx="0" cy="0"/>
         </a:xfrm>
       </p:grpSpPr>
-      <p:grpSp>
-        <p:nvGrpSpPr>
-          <p:cNvPr id="239" name="グループ化 238"/>
-          <p:cNvGrpSpPr/>
-          <p:nvPr/>
-        </p:nvGrpSpPr>
-        <p:grpSpPr>
-          <a:xfrm>
-            <a:off x="2151663" y="287453"/>
-            <a:ext cx="7888674" cy="5117156"/>
-            <a:chOff x="1205345" y="351008"/>
-            <a:chExt cx="9639782" cy="6253050"/>
-          </a:xfrm>
-        </p:grpSpPr>
-        <p:cxnSp>
-          <p:nvCxnSpPr>
-            <p:cNvPr id="43" name="直線コネクタ 42"/>
-            <p:cNvCxnSpPr>
-              <a:stCxn id="3" idx="6"/>
-              <a:endCxn id="21" idx="2"/>
-            </p:cNvCxnSpPr>
-            <p:nvPr/>
-          </p:nvCxnSpPr>
-          <p:spPr>
-            <a:xfrm flipV="1">
-              <a:off x="2497669" y="2207262"/>
-              <a:ext cx="1649257" cy="711298"/>
-            </a:xfrm>
-            <a:prstGeom prst="line">
-              <a:avLst/>
-            </a:prstGeom>
-            <a:ln w="38100"/>
-          </p:spPr>
-          <p:style>
-            <a:lnRef idx="1">
-              <a:schemeClr val="dk1"/>
-            </a:lnRef>
-            <a:fillRef idx="0">
-              <a:schemeClr val="dk1"/>
-            </a:fillRef>
-            <a:effectRef idx="0">
-              <a:schemeClr val="dk1"/>
-            </a:effectRef>
-            <a:fontRef idx="minor">
-              <a:schemeClr val="tx1"/>
-            </a:fontRef>
-          </p:style>
-        </p:cxnSp>
-        <p:cxnSp>
-          <p:nvCxnSpPr>
-            <p:cNvPr id="45" name="直線コネクタ 44"/>
-            <p:cNvCxnSpPr>
-              <a:stCxn id="3" idx="6"/>
-              <a:endCxn id="22" idx="2"/>
-            </p:cNvCxnSpPr>
-            <p:nvPr/>
-          </p:nvCxnSpPr>
-          <p:spPr>
-            <a:xfrm>
-              <a:off x="2497669" y="2918560"/>
-              <a:ext cx="1648171" cy="556975"/>
-            </a:xfrm>
-            <a:prstGeom prst="line">
-              <a:avLst/>
-            </a:prstGeom>
-            <a:ln w="38100"/>
-          </p:spPr>
-          <p:style>
-            <a:lnRef idx="1">
-              <a:schemeClr val="dk1"/>
-            </a:lnRef>
-            <a:fillRef idx="0">
-              <a:schemeClr val="dk1"/>
-            </a:fillRef>
-            <a:effectRef idx="0">
-              <a:schemeClr val="dk1"/>
-            </a:effectRef>
-            <a:fontRef idx="minor">
-              <a:schemeClr val="tx1"/>
-            </a:fontRef>
-          </p:style>
-        </p:cxnSp>
-        <p:cxnSp>
-          <p:nvCxnSpPr>
-            <p:cNvPr id="47" name="直線コネクタ 46"/>
-            <p:cNvCxnSpPr>
-              <a:stCxn id="3" idx="6"/>
-              <a:endCxn id="23" idx="2"/>
-            </p:cNvCxnSpPr>
-            <p:nvPr/>
-          </p:nvCxnSpPr>
-          <p:spPr>
-            <a:xfrm>
-              <a:off x="2497669" y="2918560"/>
-              <a:ext cx="1648171" cy="1979571"/>
-            </a:xfrm>
-            <a:prstGeom prst="line">
-              <a:avLst/>
-            </a:prstGeom>
-            <a:ln w="38100"/>
-          </p:spPr>
-          <p:style>
-            <a:lnRef idx="1">
-              <a:schemeClr val="dk1"/>
-            </a:lnRef>
-            <a:fillRef idx="0">
-              <a:schemeClr val="dk1"/>
-            </a:fillRef>
-            <a:effectRef idx="0">
-              <a:schemeClr val="dk1"/>
-            </a:effectRef>
-            <a:fontRef idx="minor">
-              <a:schemeClr val="tx1"/>
-            </a:fontRef>
-          </p:style>
-        </p:cxnSp>
-        <p:cxnSp>
-          <p:nvCxnSpPr>
-            <p:cNvPr id="49" name="直線コネクタ 48"/>
-            <p:cNvCxnSpPr>
-              <a:stCxn id="3" idx="6"/>
-              <a:endCxn id="24" idx="2"/>
-            </p:cNvCxnSpPr>
-            <p:nvPr/>
-          </p:nvCxnSpPr>
-          <p:spPr>
-            <a:xfrm>
-              <a:off x="2497669" y="2918560"/>
-              <a:ext cx="1648171" cy="3262741"/>
-            </a:xfrm>
-            <a:prstGeom prst="line">
-              <a:avLst/>
-            </a:prstGeom>
-            <a:ln w="38100"/>
-          </p:spPr>
-          <p:style>
-            <a:lnRef idx="1">
-              <a:schemeClr val="dk1"/>
-            </a:lnRef>
-            <a:fillRef idx="0">
-              <a:schemeClr val="dk1"/>
-            </a:fillRef>
-            <a:effectRef idx="0">
-              <a:schemeClr val="dk1"/>
-            </a:effectRef>
-            <a:fontRef idx="minor">
-              <a:schemeClr val="tx1"/>
-            </a:fontRef>
-          </p:style>
-        </p:cxnSp>
-        <p:cxnSp>
-          <p:nvCxnSpPr>
-            <p:cNvPr id="55" name="直線コネクタ 54"/>
-            <p:cNvCxnSpPr>
-              <a:stCxn id="4" idx="6"/>
-              <a:endCxn id="21" idx="2"/>
-            </p:cNvCxnSpPr>
-            <p:nvPr/>
-          </p:nvCxnSpPr>
-          <p:spPr>
-            <a:xfrm flipV="1">
-              <a:off x="2497669" y="2207262"/>
-              <a:ext cx="1649257" cy="2015275"/>
-            </a:xfrm>
-            <a:prstGeom prst="line">
-              <a:avLst/>
-            </a:prstGeom>
-            <a:ln w="38100"/>
-          </p:spPr>
-          <p:style>
-            <a:lnRef idx="1">
-              <a:schemeClr val="dk1"/>
-            </a:lnRef>
-            <a:fillRef idx="0">
-              <a:schemeClr val="dk1"/>
-            </a:fillRef>
-            <a:effectRef idx="0">
-              <a:schemeClr val="dk1"/>
-            </a:effectRef>
-            <a:fontRef idx="minor">
-              <a:schemeClr val="tx1"/>
-            </a:fontRef>
-          </p:style>
-        </p:cxnSp>
-        <p:cxnSp>
-          <p:nvCxnSpPr>
-            <p:cNvPr id="57" name="直線コネクタ 56"/>
-            <p:cNvCxnSpPr>
-              <a:stCxn id="4" idx="6"/>
-              <a:endCxn id="22" idx="2"/>
-            </p:cNvCxnSpPr>
-            <p:nvPr/>
-          </p:nvCxnSpPr>
-          <p:spPr>
-            <a:xfrm flipV="1">
-              <a:off x="2497669" y="3475535"/>
-              <a:ext cx="1648171" cy="747002"/>
-            </a:xfrm>
-            <a:prstGeom prst="line">
-              <a:avLst/>
-            </a:prstGeom>
-            <a:ln w="38100"/>
-          </p:spPr>
-          <p:style>
-            <a:lnRef idx="1">
-              <a:schemeClr val="dk1"/>
-            </a:lnRef>
-            <a:fillRef idx="0">
-              <a:schemeClr val="dk1"/>
-            </a:fillRef>
-            <a:effectRef idx="0">
-              <a:schemeClr val="dk1"/>
-            </a:effectRef>
-            <a:fontRef idx="minor">
-              <a:schemeClr val="tx1"/>
-            </a:fontRef>
-          </p:style>
-        </p:cxnSp>
-        <p:cxnSp>
-          <p:nvCxnSpPr>
-            <p:cNvPr id="59" name="直線コネクタ 58"/>
-            <p:cNvCxnSpPr>
-              <a:stCxn id="4" idx="6"/>
-              <a:endCxn id="23" idx="2"/>
-            </p:cNvCxnSpPr>
-            <p:nvPr/>
-          </p:nvCxnSpPr>
-          <p:spPr>
-            <a:xfrm>
-              <a:off x="2497669" y="4222537"/>
-              <a:ext cx="1648171" cy="675594"/>
-            </a:xfrm>
-            <a:prstGeom prst="line">
-              <a:avLst/>
-            </a:prstGeom>
-            <a:ln w="38100"/>
-          </p:spPr>
-          <p:style>
-            <a:lnRef idx="1">
-              <a:schemeClr val="dk1"/>
-            </a:lnRef>
-            <a:fillRef idx="0">
-              <a:schemeClr val="dk1"/>
-            </a:fillRef>
-            <a:effectRef idx="0">
-              <a:schemeClr val="dk1"/>
-            </a:effectRef>
-            <a:fontRef idx="minor">
-              <a:schemeClr val="tx1"/>
-            </a:fontRef>
-          </p:style>
-        </p:cxnSp>
-        <p:cxnSp>
-          <p:nvCxnSpPr>
-            <p:cNvPr id="61" name="直線コネクタ 60"/>
-            <p:cNvCxnSpPr>
-              <a:stCxn id="4" idx="6"/>
-              <a:endCxn id="24" idx="2"/>
-            </p:cNvCxnSpPr>
-            <p:nvPr/>
-          </p:nvCxnSpPr>
-          <p:spPr>
-            <a:xfrm>
-              <a:off x="2497669" y="4222537"/>
-              <a:ext cx="1648171" cy="1958764"/>
-            </a:xfrm>
-            <a:prstGeom prst="line">
-              <a:avLst/>
-            </a:prstGeom>
-            <a:ln w="38100"/>
-          </p:spPr>
-          <p:style>
-            <a:lnRef idx="1">
-              <a:schemeClr val="dk1"/>
-            </a:lnRef>
-            <a:fillRef idx="0">
-              <a:schemeClr val="dk1"/>
-            </a:fillRef>
-            <a:effectRef idx="0">
-              <a:schemeClr val="dk1"/>
-            </a:effectRef>
-            <a:fontRef idx="minor">
-              <a:schemeClr val="tx1"/>
-            </a:fontRef>
-          </p:style>
-        </p:cxnSp>
-        <p:cxnSp>
-          <p:nvCxnSpPr>
-            <p:cNvPr id="65" name="直線コネクタ 64"/>
-            <p:cNvCxnSpPr>
-              <a:stCxn id="5" idx="6"/>
-              <a:endCxn id="21" idx="2"/>
-            </p:cNvCxnSpPr>
-            <p:nvPr/>
-          </p:nvCxnSpPr>
-          <p:spPr>
-            <a:xfrm flipV="1">
-              <a:off x="2497669" y="2207262"/>
-              <a:ext cx="1649257" cy="3288054"/>
-            </a:xfrm>
-            <a:prstGeom prst="line">
-              <a:avLst/>
-            </a:prstGeom>
-            <a:ln w="38100"/>
-          </p:spPr>
-          <p:style>
-            <a:lnRef idx="1">
-              <a:schemeClr val="dk1"/>
-            </a:lnRef>
-            <a:fillRef idx="0">
-              <a:schemeClr val="dk1"/>
-            </a:fillRef>
-            <a:effectRef idx="0">
-              <a:schemeClr val="dk1"/>
-            </a:effectRef>
-            <a:fontRef idx="minor">
-              <a:schemeClr val="tx1"/>
-            </a:fontRef>
-          </p:style>
-        </p:cxnSp>
-        <p:cxnSp>
-          <p:nvCxnSpPr>
-            <p:cNvPr id="67" name="直線コネクタ 66"/>
-            <p:cNvCxnSpPr>
-              <a:stCxn id="5" idx="6"/>
-              <a:endCxn id="22" idx="2"/>
-            </p:cNvCxnSpPr>
-            <p:nvPr/>
-          </p:nvCxnSpPr>
-          <p:spPr>
-            <a:xfrm flipV="1">
-              <a:off x="2497669" y="3475535"/>
-              <a:ext cx="1648171" cy="2019781"/>
-            </a:xfrm>
-            <a:prstGeom prst="line">
-              <a:avLst/>
-            </a:prstGeom>
-            <a:ln w="38100"/>
-          </p:spPr>
-          <p:style>
-            <a:lnRef idx="1">
-              <a:schemeClr val="dk1"/>
-            </a:lnRef>
-            <a:fillRef idx="0">
-              <a:schemeClr val="dk1"/>
-            </a:fillRef>
-            <a:effectRef idx="0">
-              <a:schemeClr val="dk1"/>
-            </a:effectRef>
-            <a:fontRef idx="minor">
-              <a:schemeClr val="tx1"/>
-            </a:fontRef>
-          </p:style>
-        </p:cxnSp>
-        <p:cxnSp>
-          <p:nvCxnSpPr>
-            <p:cNvPr id="69" name="直線コネクタ 68"/>
-            <p:cNvCxnSpPr>
-              <a:stCxn id="5" idx="6"/>
-              <a:endCxn id="23" idx="2"/>
-            </p:cNvCxnSpPr>
-            <p:nvPr/>
-          </p:nvCxnSpPr>
-          <p:spPr>
-            <a:xfrm flipV="1">
-              <a:off x="2497669" y="4898131"/>
-              <a:ext cx="1648171" cy="597185"/>
-            </a:xfrm>
-            <a:prstGeom prst="line">
-              <a:avLst/>
-            </a:prstGeom>
-            <a:ln w="38100"/>
-          </p:spPr>
-          <p:style>
-            <a:lnRef idx="1">
-              <a:schemeClr val="dk1"/>
-            </a:lnRef>
-            <a:fillRef idx="0">
-              <a:schemeClr val="dk1"/>
-            </a:fillRef>
-            <a:effectRef idx="0">
-              <a:schemeClr val="dk1"/>
-            </a:effectRef>
-            <a:fontRef idx="minor">
-              <a:schemeClr val="tx1"/>
-            </a:fontRef>
-          </p:style>
-        </p:cxnSp>
-        <p:cxnSp>
-          <p:nvCxnSpPr>
-            <p:cNvPr id="108" name="直線コネクタ 107"/>
-            <p:cNvCxnSpPr>
-              <a:stCxn id="5" idx="6"/>
-              <a:endCxn id="24" idx="2"/>
-            </p:cNvCxnSpPr>
-            <p:nvPr/>
-          </p:nvCxnSpPr>
-          <p:spPr>
-            <a:xfrm>
-              <a:off x="2497669" y="5495316"/>
-              <a:ext cx="1648171" cy="685985"/>
-            </a:xfrm>
-            <a:prstGeom prst="line">
-              <a:avLst/>
-            </a:prstGeom>
-            <a:ln w="38100">
-              <a:solidFill>
-                <a:schemeClr val="tx1"/>
-              </a:solidFill>
-            </a:ln>
-          </p:spPr>
-          <p:style>
-            <a:lnRef idx="1">
-              <a:schemeClr val="dk1"/>
-            </a:lnRef>
-            <a:fillRef idx="0">
-              <a:schemeClr val="dk1"/>
-            </a:fillRef>
-            <a:effectRef idx="0">
-              <a:schemeClr val="dk1"/>
-            </a:effectRef>
-            <a:fontRef idx="minor">
-              <a:schemeClr val="tx1"/>
-            </a:fontRef>
-          </p:style>
-        </p:cxnSp>
-        <p:cxnSp>
-          <p:nvCxnSpPr>
-            <p:cNvPr id="117" name="直線コネクタ 116"/>
-            <p:cNvCxnSpPr>
-              <a:stCxn id="21" idx="6"/>
-              <a:endCxn id="112" idx="2"/>
-            </p:cNvCxnSpPr>
-            <p:nvPr/>
-          </p:nvCxnSpPr>
-          <p:spPr>
-            <a:xfrm>
-              <a:off x="4992441" y="2207262"/>
-              <a:ext cx="2202694" cy="0"/>
-            </a:xfrm>
-            <a:prstGeom prst="line">
-              <a:avLst/>
-            </a:prstGeom>
-            <a:ln w="38100"/>
-          </p:spPr>
-          <p:style>
-            <a:lnRef idx="1">
-              <a:schemeClr val="dk1"/>
-            </a:lnRef>
-            <a:fillRef idx="0">
-              <a:schemeClr val="dk1"/>
-            </a:fillRef>
-            <a:effectRef idx="0">
-              <a:schemeClr val="dk1"/>
-            </a:effectRef>
-            <a:fontRef idx="minor">
-              <a:schemeClr val="tx1"/>
-            </a:fontRef>
-          </p:style>
-        </p:cxnSp>
-        <p:cxnSp>
-          <p:nvCxnSpPr>
-            <p:cNvPr id="119" name="直線コネクタ 118"/>
-            <p:cNvCxnSpPr>
-              <a:stCxn id="21" idx="6"/>
-              <a:endCxn id="113" idx="2"/>
-            </p:cNvCxnSpPr>
-            <p:nvPr/>
-          </p:nvCxnSpPr>
-          <p:spPr>
-            <a:xfrm>
-              <a:off x="4992441" y="2207262"/>
-              <a:ext cx="2201608" cy="1268273"/>
-            </a:xfrm>
-            <a:prstGeom prst="line">
-              <a:avLst/>
-            </a:prstGeom>
-            <a:ln w="38100"/>
-          </p:spPr>
-          <p:style>
-            <a:lnRef idx="1">
-              <a:schemeClr val="dk1"/>
-            </a:lnRef>
-            <a:fillRef idx="0">
-              <a:schemeClr val="dk1"/>
-            </a:fillRef>
-            <a:effectRef idx="0">
-              <a:schemeClr val="dk1"/>
-            </a:effectRef>
-            <a:fontRef idx="minor">
-              <a:schemeClr val="tx1"/>
-            </a:fontRef>
-          </p:style>
-        </p:cxnSp>
-        <p:cxnSp>
-          <p:nvCxnSpPr>
-            <p:cNvPr id="121" name="直線コネクタ 120"/>
-            <p:cNvCxnSpPr>
-              <a:stCxn id="21" idx="6"/>
-              <a:endCxn id="114" idx="2"/>
-            </p:cNvCxnSpPr>
-            <p:nvPr/>
-          </p:nvCxnSpPr>
-          <p:spPr>
-            <a:xfrm>
-              <a:off x="4992441" y="2207262"/>
-              <a:ext cx="2201608" cy="2690869"/>
-            </a:xfrm>
-            <a:prstGeom prst="line">
-              <a:avLst/>
-            </a:prstGeom>
-            <a:ln w="38100"/>
-          </p:spPr>
-          <p:style>
-            <a:lnRef idx="1">
-              <a:schemeClr val="dk1"/>
-            </a:lnRef>
-            <a:fillRef idx="0">
-              <a:schemeClr val="dk1"/>
-            </a:fillRef>
-            <a:effectRef idx="0">
-              <a:schemeClr val="dk1"/>
-            </a:effectRef>
-            <a:fontRef idx="minor">
-              <a:schemeClr val="tx1"/>
-            </a:fontRef>
-          </p:style>
-        </p:cxnSp>
-        <p:cxnSp>
-          <p:nvCxnSpPr>
-            <p:cNvPr id="124" name="直線コネクタ 123"/>
-            <p:cNvCxnSpPr>
-              <a:stCxn id="21" idx="6"/>
-              <a:endCxn id="115" idx="2"/>
-            </p:cNvCxnSpPr>
-            <p:nvPr/>
-          </p:nvCxnSpPr>
-          <p:spPr>
-            <a:xfrm>
-              <a:off x="4992441" y="2207262"/>
-              <a:ext cx="2201608" cy="3974039"/>
-            </a:xfrm>
-            <a:prstGeom prst="line">
-              <a:avLst/>
-            </a:prstGeom>
-            <a:ln w="38100"/>
-          </p:spPr>
-          <p:style>
-            <a:lnRef idx="1">
-              <a:schemeClr val="dk1"/>
-            </a:lnRef>
-            <a:fillRef idx="0">
-              <a:schemeClr val="dk1"/>
-            </a:fillRef>
-            <a:effectRef idx="0">
-              <a:schemeClr val="dk1"/>
-            </a:effectRef>
-            <a:fontRef idx="minor">
-              <a:schemeClr val="tx1"/>
-            </a:fontRef>
-          </p:style>
-        </p:cxnSp>
-        <p:cxnSp>
-          <p:nvCxnSpPr>
-            <p:cNvPr id="125" name="直線コネクタ 124"/>
-            <p:cNvCxnSpPr>
-              <a:stCxn id="22" idx="6"/>
-              <a:endCxn id="115" idx="2"/>
-            </p:cNvCxnSpPr>
-            <p:nvPr/>
-          </p:nvCxnSpPr>
-          <p:spPr>
-            <a:xfrm>
-              <a:off x="4991355" y="3475535"/>
-              <a:ext cx="2202694" cy="2705766"/>
-            </a:xfrm>
-            <a:prstGeom prst="line">
-              <a:avLst/>
-            </a:prstGeom>
-            <a:ln w="38100"/>
-          </p:spPr>
-          <p:style>
-            <a:lnRef idx="1">
-              <a:schemeClr val="dk1"/>
-            </a:lnRef>
-            <a:fillRef idx="0">
-              <a:schemeClr val="dk1"/>
-            </a:fillRef>
-            <a:effectRef idx="0">
-              <a:schemeClr val="dk1"/>
-            </a:effectRef>
-            <a:fontRef idx="minor">
-              <a:schemeClr val="tx1"/>
-            </a:fontRef>
-          </p:style>
-        </p:cxnSp>
-        <p:cxnSp>
-          <p:nvCxnSpPr>
-            <p:cNvPr id="129" name="直線コネクタ 128"/>
-            <p:cNvCxnSpPr>
-              <a:stCxn id="22" idx="6"/>
-              <a:endCxn id="114" idx="2"/>
-            </p:cNvCxnSpPr>
-            <p:nvPr/>
-          </p:nvCxnSpPr>
-          <p:spPr>
-            <a:xfrm>
-              <a:off x="4991355" y="3475535"/>
-              <a:ext cx="2202694" cy="1422596"/>
-            </a:xfrm>
-            <a:prstGeom prst="line">
-              <a:avLst/>
-            </a:prstGeom>
-            <a:ln w="38100"/>
-          </p:spPr>
-          <p:style>
-            <a:lnRef idx="1">
-              <a:schemeClr val="dk1"/>
-            </a:lnRef>
-            <a:fillRef idx="0">
-              <a:schemeClr val="dk1"/>
-            </a:fillRef>
-            <a:effectRef idx="0">
-              <a:schemeClr val="dk1"/>
-            </a:effectRef>
-            <a:fontRef idx="minor">
-              <a:schemeClr val="tx1"/>
-            </a:fontRef>
-          </p:style>
-        </p:cxnSp>
-        <p:cxnSp>
-          <p:nvCxnSpPr>
-            <p:cNvPr id="132" name="直線コネクタ 131"/>
-            <p:cNvCxnSpPr>
-              <a:stCxn id="22" idx="6"/>
-              <a:endCxn id="113" idx="2"/>
-            </p:cNvCxnSpPr>
-            <p:nvPr/>
-          </p:nvCxnSpPr>
-          <p:spPr>
-            <a:xfrm>
-              <a:off x="4991355" y="3475535"/>
-              <a:ext cx="2202694" cy="0"/>
-            </a:xfrm>
-            <a:prstGeom prst="line">
-              <a:avLst/>
-            </a:prstGeom>
-            <a:ln w="38100"/>
-          </p:spPr>
-          <p:style>
-            <a:lnRef idx="1">
-              <a:schemeClr val="dk1"/>
-            </a:lnRef>
-            <a:fillRef idx="0">
-              <a:schemeClr val="dk1"/>
-            </a:fillRef>
-            <a:effectRef idx="0">
-              <a:schemeClr val="dk1"/>
-            </a:effectRef>
-            <a:fontRef idx="minor">
-              <a:schemeClr val="tx1"/>
-            </a:fontRef>
-          </p:style>
-        </p:cxnSp>
-        <p:cxnSp>
-          <p:nvCxnSpPr>
-            <p:cNvPr id="133" name="直線コネクタ 132"/>
-            <p:cNvCxnSpPr>
-              <a:stCxn id="22" idx="6"/>
-              <a:endCxn id="112" idx="2"/>
-            </p:cNvCxnSpPr>
-            <p:nvPr/>
-          </p:nvCxnSpPr>
-          <p:spPr>
-            <a:xfrm flipV="1">
-              <a:off x="4991355" y="2207262"/>
-              <a:ext cx="2203780" cy="1268273"/>
-            </a:xfrm>
-            <a:prstGeom prst="line">
-              <a:avLst/>
-            </a:prstGeom>
-            <a:ln w="38100"/>
-          </p:spPr>
-          <p:style>
-            <a:lnRef idx="1">
-              <a:schemeClr val="dk1"/>
-            </a:lnRef>
-            <a:fillRef idx="0">
-              <a:schemeClr val="dk1"/>
-            </a:fillRef>
-            <a:effectRef idx="0">
-              <a:schemeClr val="dk1"/>
-            </a:effectRef>
-            <a:fontRef idx="minor">
-              <a:schemeClr val="tx1"/>
-            </a:fontRef>
-          </p:style>
-        </p:cxnSp>
-        <p:cxnSp>
-          <p:nvCxnSpPr>
-            <p:cNvPr id="139" name="直線コネクタ 138"/>
-            <p:cNvCxnSpPr>
-              <a:stCxn id="23" idx="6"/>
-              <a:endCxn id="115" idx="2"/>
-            </p:cNvCxnSpPr>
-            <p:nvPr/>
-          </p:nvCxnSpPr>
-          <p:spPr>
-            <a:xfrm>
-              <a:off x="4991355" y="4898131"/>
-              <a:ext cx="2202694" cy="1283170"/>
-            </a:xfrm>
-            <a:prstGeom prst="line">
-              <a:avLst/>
-            </a:prstGeom>
-            <a:ln w="38100"/>
-          </p:spPr>
-          <p:style>
-            <a:lnRef idx="1">
-              <a:schemeClr val="dk1"/>
-            </a:lnRef>
-            <a:fillRef idx="0">
-              <a:schemeClr val="dk1"/>
-            </a:fillRef>
-            <a:effectRef idx="0">
-              <a:schemeClr val="dk1"/>
-            </a:effectRef>
-            <a:fontRef idx="minor">
-              <a:schemeClr val="tx1"/>
-            </a:fontRef>
-          </p:style>
-        </p:cxnSp>
-        <p:cxnSp>
-          <p:nvCxnSpPr>
-            <p:cNvPr id="140" name="直線コネクタ 139"/>
-            <p:cNvCxnSpPr>
-              <a:stCxn id="23" idx="6"/>
-              <a:endCxn id="114" idx="2"/>
-            </p:cNvCxnSpPr>
-            <p:nvPr/>
-          </p:nvCxnSpPr>
-          <p:spPr>
-            <a:xfrm>
-              <a:off x="4991355" y="4898131"/>
-              <a:ext cx="2202694" cy="0"/>
-            </a:xfrm>
-            <a:prstGeom prst="line">
-              <a:avLst/>
-            </a:prstGeom>
-            <a:ln w="38100"/>
-          </p:spPr>
-          <p:style>
-            <a:lnRef idx="1">
-              <a:schemeClr val="dk1"/>
-            </a:lnRef>
-            <a:fillRef idx="0">
-              <a:schemeClr val="dk1"/>
-            </a:fillRef>
-            <a:effectRef idx="0">
-              <a:schemeClr val="dk1"/>
-            </a:effectRef>
-            <a:fontRef idx="minor">
-              <a:schemeClr val="tx1"/>
-            </a:fontRef>
-          </p:style>
-        </p:cxnSp>
-        <p:cxnSp>
-          <p:nvCxnSpPr>
-            <p:cNvPr id="141" name="直線コネクタ 140"/>
-            <p:cNvCxnSpPr>
-              <a:stCxn id="23" idx="6"/>
-              <a:endCxn id="113" idx="2"/>
-            </p:cNvCxnSpPr>
-            <p:nvPr/>
-          </p:nvCxnSpPr>
-          <p:spPr>
-            <a:xfrm flipV="1">
-              <a:off x="4991355" y="3475535"/>
-              <a:ext cx="2202694" cy="1422596"/>
-            </a:xfrm>
-            <a:prstGeom prst="line">
-              <a:avLst/>
-            </a:prstGeom>
-            <a:ln w="38100"/>
-          </p:spPr>
-          <p:style>
-            <a:lnRef idx="1">
-              <a:schemeClr val="dk1"/>
-            </a:lnRef>
-            <a:fillRef idx="0">
-              <a:schemeClr val="dk1"/>
-            </a:fillRef>
-            <a:effectRef idx="0">
-              <a:schemeClr val="dk1"/>
-            </a:effectRef>
-            <a:fontRef idx="minor">
-              <a:schemeClr val="tx1"/>
-            </a:fontRef>
-          </p:style>
-        </p:cxnSp>
-        <p:cxnSp>
-          <p:nvCxnSpPr>
-            <p:cNvPr id="142" name="直線コネクタ 141"/>
-            <p:cNvCxnSpPr>
-              <a:stCxn id="23" idx="6"/>
-              <a:endCxn id="112" idx="2"/>
-            </p:cNvCxnSpPr>
-            <p:nvPr/>
-          </p:nvCxnSpPr>
-          <p:spPr>
-            <a:xfrm flipV="1">
-              <a:off x="4991355" y="2207262"/>
-              <a:ext cx="2203780" cy="2690869"/>
-            </a:xfrm>
-            <a:prstGeom prst="line">
-              <a:avLst/>
-            </a:prstGeom>
-            <a:ln w="38100"/>
-          </p:spPr>
-          <p:style>
-            <a:lnRef idx="1">
-              <a:schemeClr val="dk1"/>
-            </a:lnRef>
-            <a:fillRef idx="0">
-              <a:schemeClr val="dk1"/>
-            </a:fillRef>
-            <a:effectRef idx="0">
-              <a:schemeClr val="dk1"/>
-            </a:effectRef>
-            <a:fontRef idx="minor">
-              <a:schemeClr val="tx1"/>
-            </a:fontRef>
-          </p:style>
-        </p:cxnSp>
-        <p:cxnSp>
-          <p:nvCxnSpPr>
-            <p:cNvPr id="155" name="直線コネクタ 154"/>
-            <p:cNvCxnSpPr>
-              <a:stCxn id="24" idx="6"/>
-              <a:endCxn id="112" idx="2"/>
-            </p:cNvCxnSpPr>
-            <p:nvPr/>
-          </p:nvCxnSpPr>
-          <p:spPr>
-            <a:xfrm flipV="1">
-              <a:off x="4991355" y="2207262"/>
-              <a:ext cx="2203780" cy="3974039"/>
-            </a:xfrm>
-            <a:prstGeom prst="line">
-              <a:avLst/>
-            </a:prstGeom>
-            <a:ln w="38100"/>
-          </p:spPr>
-          <p:style>
-            <a:lnRef idx="1">
-              <a:schemeClr val="dk1"/>
-            </a:lnRef>
-            <a:fillRef idx="0">
-              <a:schemeClr val="dk1"/>
-            </a:fillRef>
-            <a:effectRef idx="0">
-              <a:schemeClr val="dk1"/>
-            </a:effectRef>
-            <a:fontRef idx="minor">
-              <a:schemeClr val="tx1"/>
-            </a:fontRef>
-          </p:style>
-        </p:cxnSp>
-        <p:cxnSp>
-          <p:nvCxnSpPr>
-            <p:cNvPr id="156" name="直線コネクタ 155"/>
-            <p:cNvCxnSpPr>
-              <a:stCxn id="24" idx="6"/>
-              <a:endCxn id="113" idx="2"/>
-            </p:cNvCxnSpPr>
-            <p:nvPr/>
-          </p:nvCxnSpPr>
-          <p:spPr>
-            <a:xfrm flipV="1">
-              <a:off x="4991355" y="3475535"/>
-              <a:ext cx="2202694" cy="2705766"/>
-            </a:xfrm>
-            <a:prstGeom prst="line">
-              <a:avLst/>
-            </a:prstGeom>
-            <a:ln w="38100"/>
-          </p:spPr>
-          <p:style>
-            <a:lnRef idx="1">
-              <a:schemeClr val="dk1"/>
-            </a:lnRef>
-            <a:fillRef idx="0">
-              <a:schemeClr val="dk1"/>
-            </a:fillRef>
-            <a:effectRef idx="0">
-              <a:schemeClr val="dk1"/>
-            </a:effectRef>
-            <a:fontRef idx="minor">
-              <a:schemeClr val="tx1"/>
-            </a:fontRef>
-          </p:style>
-        </p:cxnSp>
-        <p:cxnSp>
-          <p:nvCxnSpPr>
-            <p:cNvPr id="157" name="直線コネクタ 156"/>
-            <p:cNvCxnSpPr>
-              <a:stCxn id="24" idx="6"/>
-              <a:endCxn id="114" idx="2"/>
-            </p:cNvCxnSpPr>
-            <p:nvPr/>
-          </p:nvCxnSpPr>
-          <p:spPr>
-            <a:xfrm flipV="1">
-              <a:off x="4991355" y="4898131"/>
-              <a:ext cx="2202694" cy="1283170"/>
-            </a:xfrm>
-            <a:prstGeom prst="line">
-              <a:avLst/>
-            </a:prstGeom>
-            <a:ln w="38100"/>
-          </p:spPr>
-          <p:style>
-            <a:lnRef idx="1">
-              <a:schemeClr val="dk1"/>
-            </a:lnRef>
-            <a:fillRef idx="0">
-              <a:schemeClr val="dk1"/>
-            </a:fillRef>
-            <a:effectRef idx="0">
-              <a:schemeClr val="dk1"/>
-            </a:effectRef>
-            <a:fontRef idx="minor">
-              <a:schemeClr val="tx1"/>
-            </a:fontRef>
-          </p:style>
-        </p:cxnSp>
-        <p:cxnSp>
-          <p:nvCxnSpPr>
-            <p:cNvPr id="158" name="直線コネクタ 157"/>
-            <p:cNvCxnSpPr>
-              <a:stCxn id="24" idx="6"/>
-              <a:endCxn id="115" idx="2"/>
-            </p:cNvCxnSpPr>
-            <p:nvPr/>
-          </p:nvCxnSpPr>
-          <p:spPr>
-            <a:xfrm>
-              <a:off x="4991355" y="6181301"/>
-              <a:ext cx="2202694" cy="0"/>
-            </a:xfrm>
-            <a:prstGeom prst="line">
-              <a:avLst/>
-            </a:prstGeom>
-            <a:ln w="38100"/>
-          </p:spPr>
-          <p:style>
-            <a:lnRef idx="1">
-              <a:schemeClr val="dk1"/>
-            </a:lnRef>
-            <a:fillRef idx="0">
-              <a:schemeClr val="dk1"/>
-            </a:fillRef>
-            <a:effectRef idx="0">
-              <a:schemeClr val="dk1"/>
-            </a:effectRef>
-            <a:fontRef idx="minor">
-              <a:schemeClr val="tx1"/>
-            </a:fontRef>
-          </p:style>
-        </p:cxnSp>
-        <p:grpSp>
-          <p:nvGrpSpPr>
-            <p:cNvPr id="231" name="グループ化 230"/>
-            <p:cNvGrpSpPr/>
-            <p:nvPr/>
-          </p:nvGrpSpPr>
-          <p:grpSpPr>
-            <a:xfrm>
-              <a:off x="1652154" y="1784504"/>
-              <a:ext cx="8887691" cy="4819554"/>
-              <a:chOff x="218994" y="377335"/>
-              <a:chExt cx="11330248" cy="6144087"/>
-            </a:xfrm>
-          </p:grpSpPr>
-          <p:grpSp>
-            <p:nvGrpSpPr>
-              <p:cNvPr id="110" name="グループ化 109"/>
-              <p:cNvGrpSpPr/>
-              <p:nvPr/>
-            </p:nvGrpSpPr>
-            <p:grpSpPr>
-              <a:xfrm>
-                <a:off x="218994" y="1284115"/>
-                <a:ext cx="1077884" cy="4362796"/>
-                <a:chOff x="648398" y="1258485"/>
-                <a:chExt cx="1077884" cy="4362796"/>
-              </a:xfrm>
-            </p:grpSpPr>
-            <p:sp>
-              <p:nvSpPr>
-                <p:cNvPr id="3" name="楕円 2"/>
-                <p:cNvSpPr/>
-                <p:nvPr/>
-              </p:nvSpPr>
-              <p:spPr>
-                <a:xfrm>
-                  <a:off x="648398" y="1258485"/>
-                  <a:ext cx="1077884" cy="1077884"/>
-                </a:xfrm>
-                <a:prstGeom prst="ellipse">
-                  <a:avLst/>
-                </a:prstGeom>
-                <a:solidFill>
-                  <a:schemeClr val="bg2">
-                    <a:lumMod val="90000"/>
-                  </a:schemeClr>
-                </a:solidFill>
-                <a:ln>
-                  <a:solidFill>
-                    <a:schemeClr val="tx1"/>
-                  </a:solidFill>
-                </a:ln>
-              </p:spPr>
-              <p:style>
-                <a:lnRef idx="2">
-                  <a:schemeClr val="accent1">
-                    <a:shade val="50000"/>
-                  </a:schemeClr>
-                </a:lnRef>
-                <a:fillRef idx="1">
-                  <a:schemeClr val="accent1"/>
-                </a:fillRef>
-                <a:effectRef idx="0">
-                  <a:schemeClr val="accent1"/>
-                </a:effectRef>
-                <a:fontRef idx="minor">
-                  <a:schemeClr val="lt1"/>
-                </a:fontRef>
-              </p:style>
-              <p:txBody>
-                <a:bodyPr rtlCol="0" anchor="ctr"/>
-                <a:lstStyle/>
-                <a:p>
-                  <a:pPr algn="ctr"/>
-                  <a:endParaRPr kumimoji="1" lang="ja-JP" altLang="en-US"/>
-                </a:p>
-              </p:txBody>
-            </p:sp>
-            <p:sp>
-              <p:nvSpPr>
-                <p:cNvPr id="4" name="楕円 3"/>
-                <p:cNvSpPr/>
-                <p:nvPr/>
-              </p:nvSpPr>
-              <p:spPr>
-                <a:xfrm>
-                  <a:off x="648398" y="2920827"/>
-                  <a:ext cx="1077884" cy="1077884"/>
-                </a:xfrm>
-                <a:prstGeom prst="ellipse">
-                  <a:avLst/>
-                </a:prstGeom>
-                <a:solidFill>
-                  <a:schemeClr val="bg2">
-                    <a:lumMod val="90000"/>
-                  </a:schemeClr>
-                </a:solidFill>
-                <a:ln>
-                  <a:solidFill>
-                    <a:schemeClr val="tx1"/>
-                  </a:solidFill>
-                </a:ln>
-              </p:spPr>
-              <p:style>
-                <a:lnRef idx="2">
-                  <a:schemeClr val="accent1">
-                    <a:shade val="50000"/>
-                  </a:schemeClr>
-                </a:lnRef>
-                <a:fillRef idx="1">
-                  <a:schemeClr val="accent1"/>
-                </a:fillRef>
-                <a:effectRef idx="0">
-                  <a:schemeClr val="accent1"/>
-                </a:effectRef>
-                <a:fontRef idx="minor">
-                  <a:schemeClr val="lt1"/>
-                </a:fontRef>
-              </p:style>
-              <p:txBody>
-                <a:bodyPr rtlCol="0" anchor="ctr"/>
-                <a:lstStyle/>
-                <a:p>
-                  <a:pPr algn="ctr"/>
-                  <a:endParaRPr kumimoji="1" lang="ja-JP" altLang="en-US"/>
-                </a:p>
-              </p:txBody>
-            </p:sp>
-            <p:sp>
-              <p:nvSpPr>
-                <p:cNvPr id="5" name="楕円 4"/>
-                <p:cNvSpPr/>
-                <p:nvPr/>
-              </p:nvSpPr>
-              <p:spPr>
-                <a:xfrm>
-                  <a:off x="648398" y="4543397"/>
-                  <a:ext cx="1077884" cy="1077884"/>
-                </a:xfrm>
-                <a:prstGeom prst="ellipse">
-                  <a:avLst/>
-                </a:prstGeom>
-                <a:solidFill>
-                  <a:schemeClr val="bg2">
-                    <a:lumMod val="90000"/>
-                  </a:schemeClr>
-                </a:solidFill>
-                <a:ln>
-                  <a:solidFill>
-                    <a:schemeClr val="tx1"/>
-                  </a:solidFill>
-                </a:ln>
-              </p:spPr>
-              <p:style>
-                <a:lnRef idx="2">
-                  <a:schemeClr val="accent1">
-                    <a:shade val="50000"/>
-                  </a:schemeClr>
-                </a:lnRef>
-                <a:fillRef idx="1">
-                  <a:schemeClr val="accent1"/>
-                </a:fillRef>
-                <a:effectRef idx="0">
-                  <a:schemeClr val="accent1"/>
-                </a:effectRef>
-                <a:fontRef idx="minor">
-                  <a:schemeClr val="lt1"/>
-                </a:fontRef>
-              </p:style>
-              <p:txBody>
-                <a:bodyPr rtlCol="0" anchor="ctr"/>
-                <a:lstStyle/>
-                <a:p>
-                  <a:pPr algn="ctr"/>
-                  <a:endParaRPr kumimoji="1" lang="ja-JP" altLang="en-US"/>
-                </a:p>
-              </p:txBody>
-            </p:sp>
-          </p:grpSp>
-          <p:grpSp>
-            <p:nvGrpSpPr>
-              <p:cNvPr id="109" name="グループ化 108"/>
-              <p:cNvGrpSpPr/>
-              <p:nvPr/>
-            </p:nvGrpSpPr>
-            <p:grpSpPr>
-              <a:xfrm>
-                <a:off x="3398006" y="377335"/>
-                <a:ext cx="1079268" cy="6144087"/>
-                <a:chOff x="3248376" y="377335"/>
-                <a:chExt cx="1079268" cy="6144087"/>
-              </a:xfrm>
-            </p:grpSpPr>
-            <p:sp>
-              <p:nvSpPr>
-                <p:cNvPr id="21" name="楕円 20"/>
-                <p:cNvSpPr/>
-                <p:nvPr/>
-              </p:nvSpPr>
-              <p:spPr>
-                <a:xfrm>
-                  <a:off x="3249760" y="377335"/>
-                  <a:ext cx="1077884" cy="1077884"/>
-                </a:xfrm>
-                <a:prstGeom prst="ellipse">
-                  <a:avLst/>
-                </a:prstGeom>
-                <a:solidFill>
-                  <a:schemeClr val="bg2">
-                    <a:lumMod val="90000"/>
-                  </a:schemeClr>
-                </a:solidFill>
-                <a:ln>
-                  <a:solidFill>
-                    <a:schemeClr val="tx1"/>
-                  </a:solidFill>
-                </a:ln>
-              </p:spPr>
-              <p:style>
-                <a:lnRef idx="2">
-                  <a:schemeClr val="accent1">
-                    <a:shade val="50000"/>
-                  </a:schemeClr>
-                </a:lnRef>
-                <a:fillRef idx="1">
-                  <a:schemeClr val="accent1"/>
-                </a:fillRef>
-                <a:effectRef idx="0">
-                  <a:schemeClr val="accent1"/>
-                </a:effectRef>
-                <a:fontRef idx="minor">
-                  <a:schemeClr val="lt1"/>
-                </a:fontRef>
-              </p:style>
-              <p:txBody>
-                <a:bodyPr rtlCol="0" anchor="ctr"/>
-                <a:lstStyle/>
-                <a:p>
-                  <a:pPr algn="ctr"/>
-                  <a:endParaRPr kumimoji="1" lang="ja-JP" altLang="en-US"/>
-                </a:p>
-              </p:txBody>
-            </p:sp>
-            <p:sp>
-              <p:nvSpPr>
-                <p:cNvPr id="22" name="楕円 21"/>
-                <p:cNvSpPr/>
-                <p:nvPr/>
-              </p:nvSpPr>
-              <p:spPr>
-                <a:xfrm>
-                  <a:off x="3248376" y="1994161"/>
-                  <a:ext cx="1077884" cy="1077884"/>
-                </a:xfrm>
-                <a:prstGeom prst="ellipse">
-                  <a:avLst/>
-                </a:prstGeom>
-                <a:solidFill>
-                  <a:schemeClr val="bg2">
-                    <a:lumMod val="90000"/>
-                  </a:schemeClr>
-                </a:solidFill>
-                <a:ln>
-                  <a:solidFill>
-                    <a:schemeClr val="tx1"/>
-                  </a:solidFill>
-                </a:ln>
-              </p:spPr>
-              <p:style>
-                <a:lnRef idx="2">
-                  <a:schemeClr val="accent1">
-                    <a:shade val="50000"/>
-                  </a:schemeClr>
-                </a:lnRef>
-                <a:fillRef idx="1">
-                  <a:schemeClr val="accent1"/>
-                </a:fillRef>
-                <a:effectRef idx="0">
-                  <a:schemeClr val="accent1"/>
-                </a:effectRef>
-                <a:fontRef idx="minor">
-                  <a:schemeClr val="lt1"/>
-                </a:fontRef>
-              </p:style>
-              <p:txBody>
-                <a:bodyPr rtlCol="0" anchor="ctr"/>
-                <a:lstStyle/>
-                <a:p>
-                  <a:pPr algn="ctr"/>
-                  <a:endParaRPr kumimoji="1" lang="ja-JP" altLang="en-US"/>
-                </a:p>
-              </p:txBody>
-            </p:sp>
-            <p:sp>
-              <p:nvSpPr>
-                <p:cNvPr id="23" name="楕円 22"/>
-                <p:cNvSpPr/>
-                <p:nvPr/>
-              </p:nvSpPr>
-              <p:spPr>
-                <a:xfrm>
-                  <a:off x="3248376" y="3807721"/>
-                  <a:ext cx="1077884" cy="1077884"/>
-                </a:xfrm>
-                <a:prstGeom prst="ellipse">
-                  <a:avLst/>
-                </a:prstGeom>
-                <a:solidFill>
-                  <a:schemeClr val="bg2">
-                    <a:lumMod val="90000"/>
-                  </a:schemeClr>
-                </a:solidFill>
-                <a:ln>
-                  <a:solidFill>
-                    <a:schemeClr val="tx1"/>
-                  </a:solidFill>
-                </a:ln>
-              </p:spPr>
-              <p:style>
-                <a:lnRef idx="2">
-                  <a:schemeClr val="accent1">
-                    <a:shade val="50000"/>
-                  </a:schemeClr>
-                </a:lnRef>
-                <a:fillRef idx="1">
-                  <a:schemeClr val="accent1"/>
-                </a:fillRef>
-                <a:effectRef idx="0">
-                  <a:schemeClr val="accent1"/>
-                </a:effectRef>
-                <a:fontRef idx="minor">
-                  <a:schemeClr val="lt1"/>
-                </a:fontRef>
-              </p:style>
-              <p:txBody>
-                <a:bodyPr rtlCol="0" anchor="ctr"/>
-                <a:lstStyle/>
-                <a:p>
-                  <a:pPr algn="ctr"/>
-                  <a:endParaRPr kumimoji="1" lang="ja-JP" altLang="en-US"/>
-                </a:p>
-              </p:txBody>
-            </p:sp>
-            <p:sp>
-              <p:nvSpPr>
-                <p:cNvPr id="24" name="楕円 23"/>
-                <p:cNvSpPr/>
-                <p:nvPr/>
-              </p:nvSpPr>
-              <p:spPr>
-                <a:xfrm>
-                  <a:off x="3248376" y="5443538"/>
-                  <a:ext cx="1077884" cy="1077884"/>
-                </a:xfrm>
-                <a:prstGeom prst="ellipse">
-                  <a:avLst/>
-                </a:prstGeom>
-                <a:solidFill>
-                  <a:schemeClr val="bg2">
-                    <a:lumMod val="90000"/>
-                  </a:schemeClr>
-                </a:solidFill>
-                <a:ln>
-                  <a:solidFill>
-                    <a:schemeClr val="tx1"/>
-                  </a:solidFill>
-                </a:ln>
-              </p:spPr>
-              <p:style>
-                <a:lnRef idx="2">
-                  <a:schemeClr val="accent1">
-                    <a:shade val="50000"/>
-                  </a:schemeClr>
-                </a:lnRef>
-                <a:fillRef idx="1">
-                  <a:schemeClr val="accent1"/>
-                </a:fillRef>
-                <a:effectRef idx="0">
-                  <a:schemeClr val="accent1"/>
-                </a:effectRef>
-                <a:fontRef idx="minor">
-                  <a:schemeClr val="lt1"/>
-                </a:fontRef>
-              </p:style>
-              <p:txBody>
-                <a:bodyPr rtlCol="0" anchor="ctr"/>
-                <a:lstStyle/>
-                <a:p>
-                  <a:pPr algn="ctr"/>
-                  <a:endParaRPr kumimoji="1" lang="ja-JP" altLang="en-US"/>
-                </a:p>
-              </p:txBody>
-            </p:sp>
-          </p:grpSp>
-          <p:grpSp>
-            <p:nvGrpSpPr>
-              <p:cNvPr id="111" name="グループ化 110"/>
-              <p:cNvGrpSpPr/>
-              <p:nvPr/>
-            </p:nvGrpSpPr>
-            <p:grpSpPr>
-              <a:xfrm>
-                <a:off x="7283938" y="377335"/>
-                <a:ext cx="1079268" cy="6144087"/>
-                <a:chOff x="3248376" y="377335"/>
-                <a:chExt cx="1079268" cy="6144087"/>
-              </a:xfrm>
-            </p:grpSpPr>
-            <p:sp>
-              <p:nvSpPr>
-                <p:cNvPr id="112" name="楕円 111"/>
-                <p:cNvSpPr/>
-                <p:nvPr/>
-              </p:nvSpPr>
-              <p:spPr>
-                <a:xfrm>
-                  <a:off x="3249760" y="377335"/>
-                  <a:ext cx="1077884" cy="1077884"/>
-                </a:xfrm>
-                <a:prstGeom prst="ellipse">
-                  <a:avLst/>
-                </a:prstGeom>
-                <a:solidFill>
-                  <a:schemeClr val="bg2">
-                    <a:lumMod val="90000"/>
-                  </a:schemeClr>
-                </a:solidFill>
-                <a:ln>
-                  <a:solidFill>
-                    <a:schemeClr val="tx1"/>
-                  </a:solidFill>
-                </a:ln>
-              </p:spPr>
-              <p:style>
-                <a:lnRef idx="2">
-                  <a:schemeClr val="accent1">
-                    <a:shade val="50000"/>
-                  </a:schemeClr>
-                </a:lnRef>
-                <a:fillRef idx="1">
-                  <a:schemeClr val="accent1"/>
-                </a:fillRef>
-                <a:effectRef idx="0">
-                  <a:schemeClr val="accent1"/>
-                </a:effectRef>
-                <a:fontRef idx="minor">
-                  <a:schemeClr val="lt1"/>
-                </a:fontRef>
-              </p:style>
-              <p:txBody>
-                <a:bodyPr rtlCol="0" anchor="ctr"/>
-                <a:lstStyle/>
-                <a:p>
-                  <a:pPr algn="ctr"/>
-                  <a:endParaRPr kumimoji="1" lang="ja-JP" altLang="en-US"/>
-                </a:p>
-              </p:txBody>
-            </p:sp>
-            <p:sp>
-              <p:nvSpPr>
-                <p:cNvPr id="113" name="楕円 112"/>
-                <p:cNvSpPr/>
-                <p:nvPr/>
-              </p:nvSpPr>
-              <p:spPr>
-                <a:xfrm>
-                  <a:off x="3248376" y="1994161"/>
-                  <a:ext cx="1077884" cy="1077884"/>
-                </a:xfrm>
-                <a:prstGeom prst="ellipse">
-                  <a:avLst/>
-                </a:prstGeom>
-                <a:solidFill>
-                  <a:schemeClr val="bg2">
-                    <a:lumMod val="90000"/>
-                  </a:schemeClr>
-                </a:solidFill>
-                <a:ln>
-                  <a:solidFill>
-                    <a:schemeClr val="tx1"/>
-                  </a:solidFill>
-                </a:ln>
-              </p:spPr>
-              <p:style>
-                <a:lnRef idx="2">
-                  <a:schemeClr val="accent1">
-                    <a:shade val="50000"/>
-                  </a:schemeClr>
-                </a:lnRef>
-                <a:fillRef idx="1">
-                  <a:schemeClr val="accent1"/>
-                </a:fillRef>
-                <a:effectRef idx="0">
-                  <a:schemeClr val="accent1"/>
-                </a:effectRef>
-                <a:fontRef idx="minor">
-                  <a:schemeClr val="lt1"/>
-                </a:fontRef>
-              </p:style>
-              <p:txBody>
-                <a:bodyPr rtlCol="0" anchor="ctr"/>
-                <a:lstStyle/>
-                <a:p>
-                  <a:pPr algn="ctr"/>
-                  <a:endParaRPr kumimoji="1" lang="ja-JP" altLang="en-US"/>
-                </a:p>
-              </p:txBody>
-            </p:sp>
-            <p:sp>
-              <p:nvSpPr>
-                <p:cNvPr id="114" name="楕円 113"/>
-                <p:cNvSpPr/>
-                <p:nvPr/>
-              </p:nvSpPr>
-              <p:spPr>
-                <a:xfrm>
-                  <a:off x="3248376" y="3807721"/>
-                  <a:ext cx="1077884" cy="1077884"/>
-                </a:xfrm>
-                <a:prstGeom prst="ellipse">
-                  <a:avLst/>
-                </a:prstGeom>
-                <a:solidFill>
-                  <a:schemeClr val="bg2">
-                    <a:lumMod val="90000"/>
-                  </a:schemeClr>
-                </a:solidFill>
-                <a:ln>
-                  <a:solidFill>
-                    <a:schemeClr val="tx1"/>
-                  </a:solidFill>
-                </a:ln>
-              </p:spPr>
-              <p:style>
-                <a:lnRef idx="2">
-                  <a:schemeClr val="accent1">
-                    <a:shade val="50000"/>
-                  </a:schemeClr>
-                </a:lnRef>
-                <a:fillRef idx="1">
-                  <a:schemeClr val="accent1"/>
-                </a:fillRef>
-                <a:effectRef idx="0">
-                  <a:schemeClr val="accent1"/>
-                </a:effectRef>
-                <a:fontRef idx="minor">
-                  <a:schemeClr val="lt1"/>
-                </a:fontRef>
-              </p:style>
-              <p:txBody>
-                <a:bodyPr rtlCol="0" anchor="ctr"/>
-                <a:lstStyle/>
-                <a:p>
-                  <a:pPr algn="ctr"/>
-                  <a:endParaRPr kumimoji="1" lang="ja-JP" altLang="en-US"/>
-                </a:p>
-              </p:txBody>
-            </p:sp>
-            <p:sp>
-              <p:nvSpPr>
-                <p:cNvPr id="115" name="楕円 114"/>
-                <p:cNvSpPr/>
-                <p:nvPr/>
-              </p:nvSpPr>
-              <p:spPr>
-                <a:xfrm>
-                  <a:off x="3248376" y="5443538"/>
-                  <a:ext cx="1077884" cy="1077884"/>
-                </a:xfrm>
-                <a:prstGeom prst="ellipse">
-                  <a:avLst/>
-                </a:prstGeom>
-                <a:solidFill>
-                  <a:schemeClr val="bg2">
-                    <a:lumMod val="90000"/>
-                  </a:schemeClr>
-                </a:solidFill>
-                <a:ln>
-                  <a:solidFill>
-                    <a:schemeClr val="tx1"/>
-                  </a:solidFill>
-                </a:ln>
-              </p:spPr>
-              <p:style>
-                <a:lnRef idx="2">
-                  <a:schemeClr val="accent1">
-                    <a:shade val="50000"/>
-                  </a:schemeClr>
-                </a:lnRef>
-                <a:fillRef idx="1">
-                  <a:schemeClr val="accent1"/>
-                </a:fillRef>
-                <a:effectRef idx="0">
-                  <a:schemeClr val="accent1"/>
-                </a:effectRef>
-                <a:fontRef idx="minor">
-                  <a:schemeClr val="lt1"/>
-                </a:fontRef>
-              </p:style>
-              <p:txBody>
-                <a:bodyPr rtlCol="0" anchor="ctr"/>
-                <a:lstStyle/>
-                <a:p>
-                  <a:pPr algn="ctr"/>
-                  <a:endParaRPr kumimoji="1" lang="ja-JP" altLang="en-US"/>
-                </a:p>
-              </p:txBody>
-            </p:sp>
-          </p:grpSp>
-          <p:grpSp>
-            <p:nvGrpSpPr>
-              <p:cNvPr id="171" name="グループ化 170"/>
-              <p:cNvGrpSpPr/>
-              <p:nvPr/>
-            </p:nvGrpSpPr>
-            <p:grpSpPr>
-              <a:xfrm>
-                <a:off x="10471358" y="1284115"/>
-                <a:ext cx="1077884" cy="4362796"/>
-                <a:chOff x="648398" y="1258485"/>
-                <a:chExt cx="1077884" cy="4362796"/>
-              </a:xfrm>
-            </p:grpSpPr>
-            <p:sp>
-              <p:nvSpPr>
-                <p:cNvPr id="172" name="楕円 171"/>
-                <p:cNvSpPr/>
-                <p:nvPr/>
-              </p:nvSpPr>
-              <p:spPr>
-                <a:xfrm>
-                  <a:off x="648398" y="1258485"/>
-                  <a:ext cx="1077884" cy="1077884"/>
-                </a:xfrm>
-                <a:prstGeom prst="ellipse">
-                  <a:avLst/>
-                </a:prstGeom>
-                <a:solidFill>
-                  <a:schemeClr val="bg2">
-                    <a:lumMod val="90000"/>
-                  </a:schemeClr>
-                </a:solidFill>
-                <a:ln>
-                  <a:solidFill>
-                    <a:schemeClr val="tx1"/>
-                  </a:solidFill>
-                </a:ln>
-              </p:spPr>
-              <p:style>
-                <a:lnRef idx="2">
-                  <a:schemeClr val="accent1">
-                    <a:shade val="50000"/>
-                  </a:schemeClr>
-                </a:lnRef>
-                <a:fillRef idx="1">
-                  <a:schemeClr val="accent1"/>
-                </a:fillRef>
-                <a:effectRef idx="0">
-                  <a:schemeClr val="accent1"/>
-                </a:effectRef>
-                <a:fontRef idx="minor">
-                  <a:schemeClr val="lt1"/>
-                </a:fontRef>
-              </p:style>
-              <p:txBody>
-                <a:bodyPr rtlCol="0" anchor="ctr"/>
-                <a:lstStyle/>
-                <a:p>
-                  <a:pPr algn="ctr"/>
-                  <a:endParaRPr kumimoji="1" lang="ja-JP" altLang="en-US"/>
-                </a:p>
-              </p:txBody>
-            </p:sp>
-            <p:sp>
-              <p:nvSpPr>
-                <p:cNvPr id="173" name="楕円 172"/>
-                <p:cNvSpPr/>
-                <p:nvPr/>
-              </p:nvSpPr>
-              <p:spPr>
-                <a:xfrm>
-                  <a:off x="648398" y="2920827"/>
-                  <a:ext cx="1077884" cy="1077884"/>
-                </a:xfrm>
-                <a:prstGeom prst="ellipse">
-                  <a:avLst/>
-                </a:prstGeom>
-                <a:solidFill>
-                  <a:schemeClr val="bg2">
-                    <a:lumMod val="90000"/>
-                  </a:schemeClr>
-                </a:solidFill>
-                <a:ln>
-                  <a:solidFill>
-                    <a:schemeClr val="tx1"/>
-                  </a:solidFill>
-                </a:ln>
-              </p:spPr>
-              <p:style>
-                <a:lnRef idx="2">
-                  <a:schemeClr val="accent1">
-                    <a:shade val="50000"/>
-                  </a:schemeClr>
-                </a:lnRef>
-                <a:fillRef idx="1">
-                  <a:schemeClr val="accent1"/>
-                </a:fillRef>
-                <a:effectRef idx="0">
-                  <a:schemeClr val="accent1"/>
-                </a:effectRef>
-                <a:fontRef idx="minor">
-                  <a:schemeClr val="lt1"/>
-                </a:fontRef>
-              </p:style>
-              <p:txBody>
-                <a:bodyPr rtlCol="0" anchor="ctr"/>
-                <a:lstStyle/>
-                <a:p>
-                  <a:pPr algn="ctr"/>
-                  <a:endParaRPr kumimoji="1" lang="ja-JP" altLang="en-US"/>
-                </a:p>
-              </p:txBody>
-            </p:sp>
-            <p:sp>
-              <p:nvSpPr>
-                <p:cNvPr id="174" name="楕円 173"/>
-                <p:cNvSpPr/>
-                <p:nvPr/>
-              </p:nvSpPr>
-              <p:spPr>
-                <a:xfrm>
-                  <a:off x="648398" y="4543397"/>
-                  <a:ext cx="1077884" cy="1077884"/>
-                </a:xfrm>
-                <a:prstGeom prst="ellipse">
-                  <a:avLst/>
-                </a:prstGeom>
-                <a:solidFill>
-                  <a:schemeClr val="bg2">
-                    <a:lumMod val="90000"/>
-                  </a:schemeClr>
-                </a:solidFill>
-                <a:ln>
-                  <a:solidFill>
-                    <a:schemeClr val="tx1"/>
-                  </a:solidFill>
-                </a:ln>
-              </p:spPr>
-              <p:style>
-                <a:lnRef idx="2">
-                  <a:schemeClr val="accent1">
-                    <a:shade val="50000"/>
-                  </a:schemeClr>
-                </a:lnRef>
-                <a:fillRef idx="1">
-                  <a:schemeClr val="accent1"/>
-                </a:fillRef>
-                <a:effectRef idx="0">
-                  <a:schemeClr val="accent1"/>
-                </a:effectRef>
-                <a:fontRef idx="minor">
-                  <a:schemeClr val="lt1"/>
-                </a:fontRef>
-              </p:style>
-              <p:txBody>
-                <a:bodyPr rtlCol="0" anchor="ctr"/>
-                <a:lstStyle/>
-                <a:p>
-                  <a:pPr algn="ctr"/>
-                  <a:endParaRPr kumimoji="1" lang="ja-JP" altLang="en-US"/>
-                </a:p>
-              </p:txBody>
-            </p:sp>
-          </p:grpSp>
-        </p:grpSp>
-        <p:cxnSp>
-          <p:nvCxnSpPr>
-            <p:cNvPr id="191" name="直線コネクタ 190"/>
-            <p:cNvCxnSpPr>
-              <a:stCxn id="112" idx="6"/>
-              <a:endCxn id="172" idx="2"/>
-            </p:cNvCxnSpPr>
-            <p:nvPr/>
-          </p:nvCxnSpPr>
-          <p:spPr>
-            <a:xfrm>
-              <a:off x="8040650" y="2207262"/>
-              <a:ext cx="1653680" cy="711298"/>
-            </a:xfrm>
-            <a:prstGeom prst="line">
-              <a:avLst/>
-            </a:prstGeom>
-            <a:ln w="38100"/>
-          </p:spPr>
-          <p:style>
-            <a:lnRef idx="1">
-              <a:schemeClr val="dk1"/>
-            </a:lnRef>
-            <a:fillRef idx="0">
-              <a:schemeClr val="dk1"/>
-            </a:fillRef>
-            <a:effectRef idx="0">
-              <a:schemeClr val="dk1"/>
-            </a:effectRef>
-            <a:fontRef idx="minor">
-              <a:schemeClr val="tx1"/>
-            </a:fontRef>
-          </p:style>
-        </p:cxnSp>
-        <p:cxnSp>
-          <p:nvCxnSpPr>
-            <p:cNvPr id="192" name="直線コネクタ 191"/>
-            <p:cNvCxnSpPr>
-              <a:stCxn id="112" idx="6"/>
-              <a:endCxn id="173" idx="2"/>
-            </p:cNvCxnSpPr>
-            <p:nvPr/>
-          </p:nvCxnSpPr>
-          <p:spPr>
-            <a:xfrm>
-              <a:off x="8040650" y="2207262"/>
-              <a:ext cx="1653680" cy="2015275"/>
-            </a:xfrm>
-            <a:prstGeom prst="line">
-              <a:avLst/>
-            </a:prstGeom>
-            <a:ln w="38100"/>
-          </p:spPr>
-          <p:style>
-            <a:lnRef idx="1">
-              <a:schemeClr val="dk1"/>
-            </a:lnRef>
-            <a:fillRef idx="0">
-              <a:schemeClr val="dk1"/>
-            </a:fillRef>
-            <a:effectRef idx="0">
-              <a:schemeClr val="dk1"/>
-            </a:effectRef>
-            <a:fontRef idx="minor">
-              <a:schemeClr val="tx1"/>
-            </a:fontRef>
-          </p:style>
-        </p:cxnSp>
-        <p:cxnSp>
-          <p:nvCxnSpPr>
-            <p:cNvPr id="193" name="直線コネクタ 192"/>
-            <p:cNvCxnSpPr>
-              <a:stCxn id="112" idx="6"/>
-              <a:endCxn id="174" idx="2"/>
-            </p:cNvCxnSpPr>
-            <p:nvPr/>
-          </p:nvCxnSpPr>
-          <p:spPr>
-            <a:xfrm>
-              <a:off x="8040650" y="2207262"/>
-              <a:ext cx="1653680" cy="3288054"/>
-            </a:xfrm>
-            <a:prstGeom prst="line">
-              <a:avLst/>
-            </a:prstGeom>
-            <a:ln w="38100"/>
-          </p:spPr>
-          <p:style>
-            <a:lnRef idx="1">
-              <a:schemeClr val="dk1"/>
-            </a:lnRef>
-            <a:fillRef idx="0">
-              <a:schemeClr val="dk1"/>
-            </a:fillRef>
-            <a:effectRef idx="0">
-              <a:schemeClr val="dk1"/>
-            </a:effectRef>
-            <a:fontRef idx="minor">
-              <a:schemeClr val="tx1"/>
-            </a:fontRef>
-          </p:style>
-        </p:cxnSp>
-        <p:cxnSp>
-          <p:nvCxnSpPr>
-            <p:cNvPr id="203" name="直線コネクタ 202"/>
-            <p:cNvCxnSpPr>
-              <a:stCxn id="113" idx="6"/>
-              <a:endCxn id="174" idx="2"/>
-            </p:cNvCxnSpPr>
-            <p:nvPr/>
-          </p:nvCxnSpPr>
-          <p:spPr>
-            <a:xfrm>
-              <a:off x="8039564" y="3475535"/>
-              <a:ext cx="1654766" cy="2019781"/>
-            </a:xfrm>
-            <a:prstGeom prst="line">
-              <a:avLst/>
-            </a:prstGeom>
-            <a:ln w="38100"/>
-          </p:spPr>
-          <p:style>
-            <a:lnRef idx="1">
-              <a:schemeClr val="dk1"/>
-            </a:lnRef>
-            <a:fillRef idx="0">
-              <a:schemeClr val="dk1"/>
-            </a:fillRef>
-            <a:effectRef idx="0">
-              <a:schemeClr val="dk1"/>
-            </a:effectRef>
-            <a:fontRef idx="minor">
-              <a:schemeClr val="tx1"/>
-            </a:fontRef>
-          </p:style>
-        </p:cxnSp>
-        <p:cxnSp>
-          <p:nvCxnSpPr>
-            <p:cNvPr id="204" name="直線コネクタ 203"/>
-            <p:cNvCxnSpPr>
-              <a:stCxn id="113" idx="6"/>
-              <a:endCxn id="173" idx="2"/>
-            </p:cNvCxnSpPr>
-            <p:nvPr/>
-          </p:nvCxnSpPr>
-          <p:spPr>
-            <a:xfrm>
-              <a:off x="8039564" y="3475535"/>
-              <a:ext cx="1654766" cy="747002"/>
-            </a:xfrm>
-            <a:prstGeom prst="line">
-              <a:avLst/>
-            </a:prstGeom>
-            <a:ln w="38100"/>
-          </p:spPr>
-          <p:style>
-            <a:lnRef idx="1">
-              <a:schemeClr val="dk1"/>
-            </a:lnRef>
-            <a:fillRef idx="0">
-              <a:schemeClr val="dk1"/>
-            </a:fillRef>
-            <a:effectRef idx="0">
-              <a:schemeClr val="dk1"/>
-            </a:effectRef>
-            <a:fontRef idx="minor">
-              <a:schemeClr val="tx1"/>
-            </a:fontRef>
-          </p:style>
-        </p:cxnSp>
-        <p:cxnSp>
-          <p:nvCxnSpPr>
-            <p:cNvPr id="205" name="直線コネクタ 204"/>
-            <p:cNvCxnSpPr>
-              <a:stCxn id="113" idx="6"/>
-              <a:endCxn id="172" idx="2"/>
-            </p:cNvCxnSpPr>
-            <p:nvPr/>
-          </p:nvCxnSpPr>
-          <p:spPr>
-            <a:xfrm flipV="1">
-              <a:off x="8039564" y="2918560"/>
-              <a:ext cx="1654766" cy="556975"/>
-            </a:xfrm>
-            <a:prstGeom prst="line">
-              <a:avLst/>
-            </a:prstGeom>
-            <a:ln w="38100"/>
-          </p:spPr>
-          <p:style>
-            <a:lnRef idx="1">
-              <a:schemeClr val="dk1"/>
-            </a:lnRef>
-            <a:fillRef idx="0">
-              <a:schemeClr val="dk1"/>
-            </a:fillRef>
-            <a:effectRef idx="0">
-              <a:schemeClr val="dk1"/>
-            </a:effectRef>
-            <a:fontRef idx="minor">
-              <a:schemeClr val="tx1"/>
-            </a:fontRef>
-          </p:style>
-        </p:cxnSp>
-        <p:cxnSp>
-          <p:nvCxnSpPr>
-            <p:cNvPr id="212" name="直線コネクタ 211"/>
-            <p:cNvCxnSpPr>
-              <a:stCxn id="114" idx="6"/>
-              <a:endCxn id="174" idx="2"/>
-            </p:cNvCxnSpPr>
-            <p:nvPr/>
-          </p:nvCxnSpPr>
-          <p:spPr>
-            <a:xfrm>
-              <a:off x="8039564" y="4898131"/>
-              <a:ext cx="1654766" cy="597185"/>
-            </a:xfrm>
-            <a:prstGeom prst="line">
-              <a:avLst/>
-            </a:prstGeom>
-            <a:ln w="38100"/>
-          </p:spPr>
-          <p:style>
-            <a:lnRef idx="1">
-              <a:schemeClr val="dk1"/>
-            </a:lnRef>
-            <a:fillRef idx="0">
-              <a:schemeClr val="dk1"/>
-            </a:fillRef>
-            <a:effectRef idx="0">
-              <a:schemeClr val="dk1"/>
-            </a:effectRef>
-            <a:fontRef idx="minor">
-              <a:schemeClr val="tx1"/>
-            </a:fontRef>
-          </p:style>
-        </p:cxnSp>
-        <p:cxnSp>
-          <p:nvCxnSpPr>
-            <p:cNvPr id="213" name="直線コネクタ 212"/>
-            <p:cNvCxnSpPr>
-              <a:stCxn id="114" idx="6"/>
-              <a:endCxn id="173" idx="2"/>
-            </p:cNvCxnSpPr>
-            <p:nvPr/>
-          </p:nvCxnSpPr>
-          <p:spPr>
-            <a:xfrm flipV="1">
-              <a:off x="8039564" y="4222537"/>
-              <a:ext cx="1654766" cy="675594"/>
-            </a:xfrm>
-            <a:prstGeom prst="line">
-              <a:avLst/>
-            </a:prstGeom>
-            <a:ln w="38100"/>
-          </p:spPr>
-          <p:style>
-            <a:lnRef idx="1">
-              <a:schemeClr val="dk1"/>
-            </a:lnRef>
-            <a:fillRef idx="0">
-              <a:schemeClr val="dk1"/>
-            </a:fillRef>
-            <a:effectRef idx="0">
-              <a:schemeClr val="dk1"/>
-            </a:effectRef>
-            <a:fontRef idx="minor">
-              <a:schemeClr val="tx1"/>
-            </a:fontRef>
-          </p:style>
-        </p:cxnSp>
-        <p:cxnSp>
-          <p:nvCxnSpPr>
-            <p:cNvPr id="214" name="直線コネクタ 213"/>
-            <p:cNvCxnSpPr>
-              <a:stCxn id="114" idx="6"/>
-              <a:endCxn id="172" idx="2"/>
-            </p:cNvCxnSpPr>
-            <p:nvPr/>
-          </p:nvCxnSpPr>
-          <p:spPr>
-            <a:xfrm flipV="1">
-              <a:off x="8039564" y="2918560"/>
-              <a:ext cx="1654766" cy="1979571"/>
-            </a:xfrm>
-            <a:prstGeom prst="line">
-              <a:avLst/>
-            </a:prstGeom>
-            <a:ln w="38100"/>
-          </p:spPr>
-          <p:style>
-            <a:lnRef idx="1">
-              <a:schemeClr val="dk1"/>
-            </a:lnRef>
-            <a:fillRef idx="0">
-              <a:schemeClr val="dk1"/>
-            </a:fillRef>
-            <a:effectRef idx="0">
-              <a:schemeClr val="dk1"/>
-            </a:effectRef>
-            <a:fontRef idx="minor">
-              <a:schemeClr val="tx1"/>
-            </a:fontRef>
-          </p:style>
-        </p:cxnSp>
-        <p:cxnSp>
-          <p:nvCxnSpPr>
-            <p:cNvPr id="221" name="直線コネクタ 220"/>
-            <p:cNvCxnSpPr>
-              <a:stCxn id="115" idx="6"/>
-              <a:endCxn id="172" idx="2"/>
-            </p:cNvCxnSpPr>
-            <p:nvPr/>
-          </p:nvCxnSpPr>
-          <p:spPr>
-            <a:xfrm flipV="1">
-              <a:off x="8039564" y="2918560"/>
-              <a:ext cx="1654766" cy="3262741"/>
-            </a:xfrm>
-            <a:prstGeom prst="line">
-              <a:avLst/>
-            </a:prstGeom>
-            <a:ln w="38100"/>
-          </p:spPr>
-          <p:style>
-            <a:lnRef idx="1">
-              <a:schemeClr val="dk1"/>
-            </a:lnRef>
-            <a:fillRef idx="0">
-              <a:schemeClr val="dk1"/>
-            </a:fillRef>
-            <a:effectRef idx="0">
-              <a:schemeClr val="dk1"/>
-            </a:effectRef>
-            <a:fontRef idx="minor">
-              <a:schemeClr val="tx1"/>
-            </a:fontRef>
-          </p:style>
-        </p:cxnSp>
-        <p:cxnSp>
-          <p:nvCxnSpPr>
-            <p:cNvPr id="222" name="直線コネクタ 221"/>
-            <p:cNvCxnSpPr>
-              <a:stCxn id="115" idx="6"/>
-              <a:endCxn id="173" idx="2"/>
-            </p:cNvCxnSpPr>
-            <p:nvPr/>
-          </p:nvCxnSpPr>
-          <p:spPr>
-            <a:xfrm flipV="1">
-              <a:off x="8039564" y="4222537"/>
-              <a:ext cx="1654766" cy="1958764"/>
-            </a:xfrm>
-            <a:prstGeom prst="line">
-              <a:avLst/>
-            </a:prstGeom>
-            <a:ln w="38100"/>
-          </p:spPr>
-          <p:style>
-            <a:lnRef idx="1">
-              <a:schemeClr val="dk1"/>
-            </a:lnRef>
-            <a:fillRef idx="0">
-              <a:schemeClr val="dk1"/>
-            </a:fillRef>
-            <a:effectRef idx="0">
-              <a:schemeClr val="dk1"/>
-            </a:effectRef>
-            <a:fontRef idx="minor">
-              <a:schemeClr val="tx1"/>
-            </a:fontRef>
-          </p:style>
-        </p:cxnSp>
-        <p:cxnSp>
-          <p:nvCxnSpPr>
-            <p:cNvPr id="223" name="直線コネクタ 222"/>
-            <p:cNvCxnSpPr>
-              <a:stCxn id="115" idx="6"/>
-              <a:endCxn id="174" idx="2"/>
-            </p:cNvCxnSpPr>
-            <p:nvPr/>
-          </p:nvCxnSpPr>
-          <p:spPr>
-            <a:xfrm flipV="1">
-              <a:off x="8039564" y="5495316"/>
-              <a:ext cx="1654766" cy="685985"/>
-            </a:xfrm>
-            <a:prstGeom prst="line">
-              <a:avLst/>
-            </a:prstGeom>
-            <a:ln w="38100"/>
-          </p:spPr>
-          <p:style>
-            <a:lnRef idx="1">
-              <a:schemeClr val="dk1"/>
-            </a:lnRef>
-            <a:fillRef idx="0">
-              <a:schemeClr val="dk1"/>
-            </a:fillRef>
-            <a:effectRef idx="0">
-              <a:schemeClr val="dk1"/>
-            </a:effectRef>
-            <a:fontRef idx="minor">
-              <a:schemeClr val="tx1"/>
-            </a:fontRef>
-          </p:style>
-        </p:cxnSp>
-        <p:sp>
-          <p:nvSpPr>
-            <p:cNvPr id="232" name="テキスト ボックス 231"/>
-            <p:cNvSpPr txBox="1"/>
-            <p:nvPr/>
-          </p:nvSpPr>
-          <p:spPr>
-            <a:xfrm>
-              <a:off x="1297508" y="351008"/>
-              <a:ext cx="1405962" cy="564144"/>
-            </a:xfrm>
-            <a:prstGeom prst="rect">
-              <a:avLst/>
-            </a:prstGeom>
-            <a:noFill/>
-          </p:spPr>
-          <p:txBody>
-            <a:bodyPr wrap="square" rtlCol="0">
-              <a:spAutoFit/>
-            </a:bodyPr>
-            <a:lstStyle/>
-            <a:p>
-              <a:r>
-                <a:rPr kumimoji="1" lang="ja-JP" altLang="en-US" sz="2400" b="1" dirty="0" smtClean="0"/>
-                <a:t>入力層</a:t>
-              </a:r>
-              <a:endParaRPr kumimoji="1" lang="ja-JP" altLang="en-US" sz="2400" b="1" dirty="0"/>
-            </a:p>
-          </p:txBody>
-        </p:sp>
-        <p:sp>
-          <p:nvSpPr>
-            <p:cNvPr id="233" name="左中かっこ 232"/>
-            <p:cNvSpPr/>
-            <p:nvPr/>
-          </p:nvSpPr>
-          <p:spPr>
-            <a:xfrm rot="5400000">
-              <a:off x="1806706" y="334898"/>
-              <a:ext cx="387568" cy="1590290"/>
-            </a:xfrm>
-            <a:prstGeom prst="leftBrace">
-              <a:avLst/>
-            </a:prstGeom>
-            <a:ln w="28575"/>
-          </p:spPr>
-          <p:style>
-            <a:lnRef idx="1">
-              <a:schemeClr val="dk1"/>
-            </a:lnRef>
-            <a:fillRef idx="0">
-              <a:schemeClr val="dk1"/>
-            </a:fillRef>
-            <a:effectRef idx="0">
-              <a:schemeClr val="dk1"/>
-            </a:effectRef>
-            <a:fontRef idx="minor">
-              <a:schemeClr val="tx1"/>
-            </a:fontRef>
-          </p:style>
-          <p:txBody>
-            <a:bodyPr rtlCol="0" anchor="ctr"/>
-            <a:lstStyle/>
-            <a:p>
-              <a:pPr algn="ctr"/>
-              <a:endParaRPr kumimoji="1" lang="ja-JP" altLang="en-US"/>
-            </a:p>
-          </p:txBody>
-        </p:sp>
-        <p:sp>
-          <p:nvSpPr>
-            <p:cNvPr id="234" name="テキスト ボックス 233"/>
-            <p:cNvSpPr txBox="1"/>
-            <p:nvPr/>
-          </p:nvSpPr>
-          <p:spPr>
-            <a:xfrm>
-              <a:off x="5386722" y="351008"/>
-              <a:ext cx="1411957" cy="564144"/>
-            </a:xfrm>
-            <a:prstGeom prst="rect">
-              <a:avLst/>
-            </a:prstGeom>
-            <a:noFill/>
-          </p:spPr>
-          <p:txBody>
-            <a:bodyPr wrap="square" rtlCol="0">
-              <a:spAutoFit/>
-            </a:bodyPr>
-            <a:lstStyle/>
-            <a:p>
-              <a:r>
-                <a:rPr lang="ja-JP" altLang="en-US" sz="2400" b="1" dirty="0"/>
-                <a:t>隠</a:t>
-              </a:r>
-              <a:r>
-                <a:rPr lang="ja-JP" altLang="en-US" sz="2400" b="1" dirty="0" smtClean="0"/>
-                <a:t>れ</a:t>
-              </a:r>
-              <a:r>
-                <a:rPr kumimoji="1" lang="ja-JP" altLang="en-US" sz="2400" b="1" dirty="0" smtClean="0"/>
-                <a:t>層</a:t>
-              </a:r>
-              <a:endParaRPr kumimoji="1" lang="ja-JP" altLang="en-US" sz="2400" b="1" dirty="0"/>
-            </a:p>
-          </p:txBody>
-        </p:sp>
-        <p:sp>
-          <p:nvSpPr>
-            <p:cNvPr id="235" name="左中かっこ 234"/>
-            <p:cNvSpPr/>
-            <p:nvPr/>
-          </p:nvSpPr>
-          <p:spPr>
-            <a:xfrm rot="5400000">
-              <a:off x="5902216" y="-1460823"/>
-              <a:ext cx="387568" cy="5178829"/>
-            </a:xfrm>
-            <a:prstGeom prst="leftBrace">
-              <a:avLst>
-                <a:gd name="adj1" fmla="val 8333"/>
-                <a:gd name="adj2" fmla="val 50000"/>
-              </a:avLst>
-            </a:prstGeom>
-            <a:ln w="28575"/>
-          </p:spPr>
-          <p:style>
-            <a:lnRef idx="1">
-              <a:schemeClr val="dk1"/>
-            </a:lnRef>
-            <a:fillRef idx="0">
-              <a:schemeClr val="dk1"/>
-            </a:fillRef>
-            <a:effectRef idx="0">
-              <a:schemeClr val="dk1"/>
-            </a:effectRef>
-            <a:fontRef idx="minor">
-              <a:schemeClr val="tx1"/>
-            </a:fontRef>
-          </p:style>
-          <p:txBody>
-            <a:bodyPr rtlCol="0" anchor="ctr"/>
-            <a:lstStyle/>
-            <a:p>
-              <a:pPr algn="ctr"/>
-              <a:endParaRPr kumimoji="1" lang="ja-JP" altLang="en-US"/>
-            </a:p>
-          </p:txBody>
-        </p:sp>
-        <p:sp>
-          <p:nvSpPr>
-            <p:cNvPr id="236" name="テキスト ボックス 235"/>
-            <p:cNvSpPr txBox="1"/>
-            <p:nvPr/>
-          </p:nvSpPr>
-          <p:spPr>
-            <a:xfrm>
-              <a:off x="9375408" y="370662"/>
-              <a:ext cx="1349144" cy="564144"/>
-            </a:xfrm>
-            <a:prstGeom prst="rect">
-              <a:avLst/>
-            </a:prstGeom>
-            <a:noFill/>
-          </p:spPr>
-          <p:txBody>
-            <a:bodyPr wrap="square" rtlCol="0">
-              <a:spAutoFit/>
-            </a:bodyPr>
-            <a:lstStyle/>
-            <a:p>
-              <a:r>
-                <a:rPr lang="ja-JP" altLang="en-US" sz="2400" b="1" dirty="0"/>
-                <a:t>出力</a:t>
-              </a:r>
-              <a:r>
-                <a:rPr kumimoji="1" lang="ja-JP" altLang="en-US" sz="2400" b="1" dirty="0" smtClean="0"/>
-                <a:t>層</a:t>
-              </a:r>
-              <a:endParaRPr kumimoji="1" lang="ja-JP" altLang="en-US" sz="2400" b="1" dirty="0"/>
-            </a:p>
-          </p:txBody>
-        </p:sp>
-        <p:sp>
-          <p:nvSpPr>
-            <p:cNvPr id="237" name="左中かっこ 236"/>
-            <p:cNvSpPr/>
-            <p:nvPr/>
-          </p:nvSpPr>
-          <p:spPr>
-            <a:xfrm rot="5400000">
-              <a:off x="9856197" y="333446"/>
-              <a:ext cx="387569" cy="1590290"/>
-            </a:xfrm>
-            <a:prstGeom prst="leftBrace">
-              <a:avLst/>
-            </a:prstGeom>
-            <a:ln w="28575"/>
-          </p:spPr>
-          <p:style>
-            <a:lnRef idx="1">
-              <a:schemeClr val="dk1"/>
-            </a:lnRef>
-            <a:fillRef idx="0">
-              <a:schemeClr val="dk1"/>
-            </a:fillRef>
-            <a:effectRef idx="0">
-              <a:schemeClr val="dk1"/>
-            </a:effectRef>
-            <a:fontRef idx="minor">
-              <a:schemeClr val="tx1"/>
-            </a:fontRef>
-          </p:style>
-          <p:txBody>
-            <a:bodyPr rtlCol="0" anchor="ctr"/>
-            <a:lstStyle/>
-            <a:p>
-              <a:pPr algn="ctr"/>
-              <a:endParaRPr kumimoji="1" lang="ja-JP" altLang="en-US"/>
-            </a:p>
-          </p:txBody>
-        </p:sp>
-      </p:grpSp>
       <p:sp>
         <p:nvSpPr>
-          <p:cNvPr id="240" name="右矢印 239"/>
+          <p:cNvPr id="2" name="楕円 1">
+            <a:extLst>
+              <a:ext uri="{FF2B5EF4-FFF2-40B4-BE49-F238E27FC236}">
+                <a16:creationId xmlns:a16="http://schemas.microsoft.com/office/drawing/2014/main" id="{E1FE9A11-EDD3-4D63-B932-407DE454C4F7}"/>
+              </a:ext>
+            </a:extLst>
+          </p:cNvPr>
           <p:cNvSpPr/>
           <p:nvPr/>
         </p:nvSpPr>
         <p:spPr>
           <a:xfrm>
-            <a:off x="1441482" y="3206041"/>
-            <a:ext cx="706118" cy="518943"/>
+            <a:off x="5271880" y="3273286"/>
+            <a:ext cx="1648240" cy="1706219"/>
           </a:xfrm>
-          <a:prstGeom prst="rightArrow">
+          <a:prstGeom prst="ellipse">
             <a:avLst/>
           </a:prstGeom>
           <a:solidFill>
@@ -5827,21 +3458,23 @@
               <a:lumMod val="50000"/>
             </a:schemeClr>
           </a:solidFill>
-          <a:ln>
-            <a:noFill/>
+          <a:ln w="28575">
+            <a:solidFill>
+              <a:schemeClr val="tx1"/>
+            </a:solidFill>
           </a:ln>
         </p:spPr>
         <p:style>
           <a:lnRef idx="2">
-            <a:schemeClr val="accent3">
+            <a:schemeClr val="accent1">
               <a:shade val="50000"/>
             </a:schemeClr>
           </a:lnRef>
           <a:fillRef idx="1">
-            <a:schemeClr val="accent3"/>
+            <a:schemeClr val="accent1"/>
           </a:fillRef>
           <a:effectRef idx="0">
-            <a:schemeClr val="accent3"/>
+            <a:schemeClr val="accent1"/>
           </a:effectRef>
           <a:fontRef idx="minor">
             <a:schemeClr val="lt1"/>
@@ -5852,153 +3485,455 @@
           <a:lstStyle/>
           <a:p>
             <a:pPr algn="ctr"/>
-            <a:endParaRPr kumimoji="1" lang="ja-JP" altLang="en-US"/>
+            <a:endParaRPr kumimoji="1" lang="ja-JP" altLang="en-US" dirty="0"/>
           </a:p>
         </p:txBody>
       </p:sp>
-      <p:sp>
-        <p:nvSpPr>
-          <p:cNvPr id="241" name="右矢印 240"/>
-          <p:cNvSpPr/>
+      <p:cxnSp>
+        <p:nvCxnSpPr>
+          <p:cNvPr id="4" name="直線矢印コネクタ 3">
+            <a:extLst>
+              <a:ext uri="{FF2B5EF4-FFF2-40B4-BE49-F238E27FC236}">
+                <a16:creationId xmlns:a16="http://schemas.microsoft.com/office/drawing/2014/main" id="{45DE7437-4ABD-4B13-81B2-615003459286}"/>
+              </a:ext>
+            </a:extLst>
+          </p:cNvPr>
+          <p:cNvCxnSpPr>
+            <a:cxnSpLocks/>
+            <a:endCxn id="2" idx="1"/>
+          </p:cNvCxnSpPr>
           <p:nvPr/>
-        </p:nvSpPr>
+        </p:nvCxnSpPr>
         <p:spPr>
           <a:xfrm>
-            <a:off x="10111512" y="3213193"/>
-            <a:ext cx="706118" cy="518943"/>
+            <a:off x="4380089" y="2280356"/>
+            <a:ext cx="1133170" cy="1242800"/>
           </a:xfrm>
-          <a:prstGeom prst="rightArrow">
+          <a:prstGeom prst="straightConnector1">
             <a:avLst/>
           </a:prstGeom>
-          <a:solidFill>
-            <a:schemeClr val="bg2">
-              <a:lumMod val="50000"/>
-            </a:schemeClr>
-          </a:solidFill>
-          <a:ln>
-            <a:noFill/>
+          <a:ln w="38100">
+            <a:solidFill>
+              <a:schemeClr val="tx1"/>
+            </a:solidFill>
+            <a:tailEnd type="triangle"/>
           </a:ln>
         </p:spPr>
         <p:style>
-          <a:lnRef idx="2">
-            <a:schemeClr val="accent3">
-              <a:shade val="50000"/>
-            </a:schemeClr>
+          <a:lnRef idx="1">
+            <a:schemeClr val="accent1"/>
           </a:lnRef>
-          <a:fillRef idx="1">
-            <a:schemeClr val="accent3"/>
+          <a:fillRef idx="0">
+            <a:schemeClr val="accent1"/>
           </a:fillRef>
           <a:effectRef idx="0">
-            <a:schemeClr val="accent3"/>
+            <a:schemeClr val="accent1"/>
           </a:effectRef>
           <a:fontRef idx="minor">
-            <a:schemeClr val="lt1"/>
+            <a:schemeClr val="tx1"/>
           </a:fontRef>
         </p:style>
-        <p:txBody>
-          <a:bodyPr rtlCol="0" anchor="ctr"/>
-          <a:lstStyle/>
-          <a:p>
-            <a:pPr algn="ctr"/>
-            <a:endParaRPr kumimoji="1" lang="ja-JP" altLang="en-US"/>
-          </a:p>
-        </p:txBody>
-      </p:sp>
-      <p:sp>
-        <p:nvSpPr>
-          <p:cNvPr id="242" name="テキスト ボックス 241"/>
-          <p:cNvSpPr txBox="1"/>
+      </p:cxnSp>
+      <p:cxnSp>
+        <p:nvCxnSpPr>
+          <p:cNvPr id="7" name="直線矢印コネクタ 6">
+            <a:extLst>
+              <a:ext uri="{FF2B5EF4-FFF2-40B4-BE49-F238E27FC236}">
+                <a16:creationId xmlns:a16="http://schemas.microsoft.com/office/drawing/2014/main" id="{81B3166E-D7F3-41CA-B104-E7C2AB4D3C9B}"/>
+              </a:ext>
+            </a:extLst>
+          </p:cNvPr>
+          <p:cNvCxnSpPr>
+            <a:cxnSpLocks/>
+          </p:cNvCxnSpPr>
           <p:nvPr/>
-        </p:nvSpPr>
+        </p:nvCxnSpPr>
         <p:spPr>
           <a:xfrm>
-            <a:off x="0" y="2931353"/>
-            <a:ext cx="1415772" cy="1077218"/>
+            <a:off x="4865511" y="1919111"/>
+            <a:ext cx="864701" cy="1354175"/>
           </a:xfrm>
-          <a:prstGeom prst="rect">
+          <a:prstGeom prst="straightConnector1">
             <a:avLst/>
           </a:prstGeom>
-          <a:noFill/>
+          <a:ln w="38100">
+            <a:solidFill>
+              <a:schemeClr val="tx1"/>
+            </a:solidFill>
+            <a:tailEnd type="triangle"/>
+          </a:ln>
         </p:spPr>
-        <p:txBody>
-          <a:bodyPr wrap="none" rtlCol="0">
-            <a:spAutoFit/>
-          </a:bodyPr>
-          <a:lstStyle/>
-          <a:p>
-            <a:r>
-              <a:rPr kumimoji="1" lang="ja-JP" altLang="en-US" sz="3200" b="1" dirty="0" smtClean="0"/>
-              <a:t>入力</a:t>
-            </a:r>
-            <a:endParaRPr kumimoji="1" lang="en-US" altLang="ja-JP" sz="3200" b="1" dirty="0" smtClean="0"/>
-          </a:p>
-          <a:p>
-            <a:r>
-              <a:rPr kumimoji="1" lang="ja-JP" altLang="en-US" sz="3200" b="1" dirty="0" smtClean="0"/>
-              <a:t>データ</a:t>
-            </a:r>
-            <a:endParaRPr kumimoji="1" lang="ja-JP" altLang="en-US" sz="3200" b="1" dirty="0"/>
-          </a:p>
-        </p:txBody>
-      </p:sp>
-      <p:sp>
-        <p:nvSpPr>
-          <p:cNvPr id="243" name="テキスト ボックス 242"/>
-          <p:cNvSpPr txBox="1"/>
-          <p:nvPr/>
-        </p:nvSpPr>
-        <p:spPr>
-          <a:xfrm>
-            <a:off x="10776228" y="2934055"/>
-            <a:ext cx="1415772" cy="1077218"/>
-          </a:xfrm>
-          <a:prstGeom prst="rect">
-            <a:avLst/>
-          </a:prstGeom>
-          <a:noFill/>
-        </p:spPr>
-        <p:txBody>
-          <a:bodyPr wrap="none" rtlCol="0">
-            <a:spAutoFit/>
-          </a:bodyPr>
-          <a:lstStyle/>
-          <a:p>
-            <a:r>
-              <a:rPr lang="ja-JP" altLang="en-US" sz="3200" b="1" dirty="0"/>
-              <a:t>出力</a:t>
-            </a:r>
-            <a:endParaRPr kumimoji="1" lang="en-US" altLang="ja-JP" sz="3200" b="1" dirty="0" smtClean="0"/>
-          </a:p>
-          <a:p>
-            <a:r>
-              <a:rPr kumimoji="1" lang="ja-JP" altLang="en-US" sz="3200" b="1" dirty="0" smtClean="0"/>
-              <a:t>データ</a:t>
-            </a:r>
-            <a:endParaRPr kumimoji="1" lang="ja-JP" altLang="en-US" sz="3200" b="1" dirty="0"/>
-          </a:p>
-        </p:txBody>
-      </p:sp>
+        <p:style>
+          <a:lnRef idx="1">
+            <a:schemeClr val="accent1"/>
+          </a:lnRef>
+          <a:fillRef idx="0">
+            <a:schemeClr val="accent1"/>
+          </a:fillRef>
+          <a:effectRef idx="0">
+            <a:schemeClr val="accent1"/>
+          </a:effectRef>
+          <a:fontRef idx="minor">
+            <a:schemeClr val="tx1"/>
+          </a:fontRef>
+        </p:style>
+      </p:cxnSp>
     </p:spTree>
     <p:extLst>
       <p:ext uri="{BB962C8B-B14F-4D97-AF65-F5344CB8AC3E}">
-        <p14:creationId xmlns:p14="http://schemas.microsoft.com/office/powerpoint/2010/main" val="812024425"/>
+        <p14:creationId xmlns:p14="http://schemas.microsoft.com/office/powerpoint/2010/main" val="1453613039"/>
       </p:ext>
     </p:extLst>
   </p:cSld>
   <p:clrMapOvr>
     <a:masterClrMapping/>
   </p:clrMapOvr>
-  <p:timing>
-    <p:tnLst>
-      <p:par>
-        <p:cTn id="1" dur="indefinite" restart="never" nodeType="tmRoot"/>
-      </p:par>
-    </p:tnLst>
-  </p:timing>
 </p:sld>
 </file>
 
 <file path=ppt/slides/slide10.xml><?xml version="1.0" encoding="utf-8"?>
+<p:sld xmlns:a="http://schemas.openxmlformats.org/drawingml/2006/main" xmlns:r="http://schemas.openxmlformats.org/officeDocument/2006/relationships" xmlns:p="http://schemas.openxmlformats.org/presentationml/2006/main">
+  <p:cSld>
+    <p:spTree>
+      <p:nvGrpSpPr>
+        <p:cNvPr id="1" name=""/>
+        <p:cNvGrpSpPr/>
+        <p:nvPr/>
+      </p:nvGrpSpPr>
+      <p:grpSpPr>
+        <a:xfrm>
+          <a:off x="0" y="0"/>
+          <a:ext cx="0" cy="0"/>
+          <a:chOff x="0" y="0"/>
+          <a:chExt cx="0" cy="0"/>
+        </a:xfrm>
+      </p:grpSpPr>
+      <p:grpSp>
+        <p:nvGrpSpPr>
+          <p:cNvPr id="22" name="グループ化 21"/>
+          <p:cNvGrpSpPr/>
+          <p:nvPr/>
+        </p:nvGrpSpPr>
+        <p:grpSpPr>
+          <a:xfrm>
+            <a:off x="360365" y="1423987"/>
+            <a:ext cx="3552825" cy="3552825"/>
+            <a:chOff x="1848530" y="1423987"/>
+            <a:chExt cx="3552825" cy="3552825"/>
+          </a:xfrm>
+        </p:grpSpPr>
+        <p:pic>
+          <p:nvPicPr>
+            <p:cNvPr id="9" name="図 8"/>
+            <p:cNvPicPr>
+              <a:picLocks noChangeAspect="1"/>
+            </p:cNvPicPr>
+            <p:nvPr/>
+          </p:nvPicPr>
+          <p:blipFill>
+            <a:blip r:embed="rId2"/>
+            <a:stretch>
+              <a:fillRect/>
+            </a:stretch>
+          </p:blipFill>
+          <p:spPr>
+            <a:xfrm>
+              <a:off x="1848530" y="1423987"/>
+              <a:ext cx="3552825" cy="3552825"/>
+            </a:xfrm>
+            <a:prstGeom prst="rect">
+              <a:avLst/>
+            </a:prstGeom>
+          </p:spPr>
+        </p:pic>
+        <p:grpSp>
+          <p:nvGrpSpPr>
+            <p:cNvPr id="14" name="グループ化 13"/>
+            <p:cNvGrpSpPr/>
+            <p:nvPr/>
+          </p:nvGrpSpPr>
+          <p:grpSpPr>
+            <a:xfrm>
+              <a:off x="2302325" y="1943097"/>
+              <a:ext cx="2612573" cy="2612573"/>
+              <a:chOff x="2302325" y="1943097"/>
+              <a:chExt cx="2612573" cy="2612573"/>
+            </a:xfrm>
+          </p:grpSpPr>
+          <p:cxnSp>
+            <p:nvCxnSpPr>
+              <p:cNvPr id="7" name="直線矢印コネクタ 6"/>
+              <p:cNvCxnSpPr/>
+              <p:nvPr/>
+            </p:nvCxnSpPr>
+            <p:spPr>
+              <a:xfrm>
+                <a:off x="3608612" y="1943097"/>
+                <a:ext cx="0" cy="2612573"/>
+              </a:xfrm>
+              <a:prstGeom prst="straightConnector1">
+                <a:avLst/>
+              </a:prstGeom>
+              <a:ln w="57150">
+                <a:headEnd type="triangle"/>
+                <a:tailEnd type="triangle"/>
+              </a:ln>
+            </p:spPr>
+            <p:style>
+              <a:lnRef idx="1">
+                <a:schemeClr val="dk1"/>
+              </a:lnRef>
+              <a:fillRef idx="0">
+                <a:schemeClr val="dk1"/>
+              </a:fillRef>
+              <a:effectRef idx="0">
+                <a:schemeClr val="dk1"/>
+              </a:effectRef>
+              <a:fontRef idx="minor">
+                <a:schemeClr val="tx1"/>
+              </a:fontRef>
+            </p:style>
+          </p:cxnSp>
+          <p:cxnSp>
+            <p:nvCxnSpPr>
+              <p:cNvPr id="11" name="直線矢印コネクタ 10"/>
+              <p:cNvCxnSpPr/>
+              <p:nvPr/>
+            </p:nvCxnSpPr>
+            <p:spPr>
+              <a:xfrm rot="16200000">
+                <a:off x="3608612" y="1894112"/>
+                <a:ext cx="0" cy="2612573"/>
+              </a:xfrm>
+              <a:prstGeom prst="straightConnector1">
+                <a:avLst/>
+              </a:prstGeom>
+              <a:ln w="57150">
+                <a:headEnd type="triangle"/>
+                <a:tailEnd type="triangle"/>
+              </a:ln>
+            </p:spPr>
+            <p:style>
+              <a:lnRef idx="1">
+                <a:schemeClr val="dk1"/>
+              </a:lnRef>
+              <a:fillRef idx="0">
+                <a:schemeClr val="dk1"/>
+              </a:fillRef>
+              <a:effectRef idx="0">
+                <a:schemeClr val="dk1"/>
+              </a:effectRef>
+              <a:fontRef idx="minor">
+                <a:schemeClr val="tx1"/>
+              </a:fontRef>
+            </p:style>
+          </p:cxnSp>
+        </p:grpSp>
+      </p:grpSp>
+      <p:grpSp>
+        <p:nvGrpSpPr>
+          <p:cNvPr id="21" name="グループ化 20"/>
+          <p:cNvGrpSpPr/>
+          <p:nvPr/>
+        </p:nvGrpSpPr>
+        <p:grpSpPr>
+          <a:xfrm>
+            <a:off x="4261190" y="1423985"/>
+            <a:ext cx="3552825" cy="3552825"/>
+            <a:chOff x="1200830" y="1456644"/>
+            <a:chExt cx="3552825" cy="3552825"/>
+          </a:xfrm>
+        </p:grpSpPr>
+        <p:pic>
+          <p:nvPicPr>
+            <p:cNvPr id="15" name="図 14"/>
+            <p:cNvPicPr>
+              <a:picLocks noChangeAspect="1"/>
+            </p:cNvPicPr>
+            <p:nvPr/>
+          </p:nvPicPr>
+          <p:blipFill>
+            <a:blip r:embed="rId3"/>
+            <a:stretch>
+              <a:fillRect/>
+            </a:stretch>
+          </p:blipFill>
+          <p:spPr>
+            <a:xfrm>
+              <a:off x="1200830" y="1456644"/>
+              <a:ext cx="3552825" cy="3552825"/>
+            </a:xfrm>
+            <a:prstGeom prst="rect">
+              <a:avLst/>
+            </a:prstGeom>
+          </p:spPr>
+        </p:pic>
+        <p:grpSp>
+          <p:nvGrpSpPr>
+            <p:cNvPr id="16" name="グループ化 15"/>
+            <p:cNvGrpSpPr/>
+            <p:nvPr/>
+          </p:nvGrpSpPr>
+          <p:grpSpPr>
+            <a:xfrm>
+              <a:off x="1670955" y="1926769"/>
+              <a:ext cx="2612573" cy="2612574"/>
+              <a:chOff x="2302325" y="1943096"/>
+              <a:chExt cx="2612573" cy="2612574"/>
+            </a:xfrm>
+          </p:grpSpPr>
+          <p:cxnSp>
+            <p:nvCxnSpPr>
+              <p:cNvPr id="17" name="直線矢印コネクタ 16"/>
+              <p:cNvCxnSpPr/>
+              <p:nvPr/>
+            </p:nvCxnSpPr>
+            <p:spPr>
+              <a:xfrm>
+                <a:off x="3608612" y="1943097"/>
+                <a:ext cx="0" cy="2612573"/>
+              </a:xfrm>
+              <a:prstGeom prst="straightConnector1">
+                <a:avLst/>
+              </a:prstGeom>
+              <a:ln w="57150">
+                <a:headEnd type="triangle"/>
+                <a:tailEnd type="triangle"/>
+              </a:ln>
+            </p:spPr>
+            <p:style>
+              <a:lnRef idx="1">
+                <a:schemeClr val="dk1"/>
+              </a:lnRef>
+              <a:fillRef idx="0">
+                <a:schemeClr val="dk1"/>
+              </a:fillRef>
+              <a:effectRef idx="0">
+                <a:schemeClr val="dk1"/>
+              </a:effectRef>
+              <a:fontRef idx="minor">
+                <a:schemeClr val="tx1"/>
+              </a:fontRef>
+            </p:style>
+          </p:cxnSp>
+          <p:cxnSp>
+            <p:nvCxnSpPr>
+              <p:cNvPr id="18" name="直線矢印コネクタ 17"/>
+              <p:cNvCxnSpPr/>
+              <p:nvPr/>
+            </p:nvCxnSpPr>
+            <p:spPr>
+              <a:xfrm rot="16200000">
+                <a:off x="3608612" y="1894112"/>
+                <a:ext cx="0" cy="2612573"/>
+              </a:xfrm>
+              <a:prstGeom prst="straightConnector1">
+                <a:avLst/>
+              </a:prstGeom>
+              <a:ln w="57150">
+                <a:headEnd type="triangle"/>
+                <a:tailEnd type="triangle"/>
+              </a:ln>
+            </p:spPr>
+            <p:style>
+              <a:lnRef idx="1">
+                <a:schemeClr val="dk1"/>
+              </a:lnRef>
+              <a:fillRef idx="0">
+                <a:schemeClr val="dk1"/>
+              </a:fillRef>
+              <a:effectRef idx="0">
+                <a:schemeClr val="dk1"/>
+              </a:effectRef>
+              <a:fontRef idx="minor">
+                <a:schemeClr val="tx1"/>
+              </a:fontRef>
+            </p:style>
+          </p:cxnSp>
+          <p:cxnSp>
+            <p:nvCxnSpPr>
+              <p:cNvPr id="19" name="直線矢印コネクタ 18"/>
+              <p:cNvCxnSpPr/>
+              <p:nvPr/>
+            </p:nvCxnSpPr>
+            <p:spPr>
+              <a:xfrm rot="2700000">
+                <a:off x="3608612" y="1943096"/>
+                <a:ext cx="0" cy="2612573"/>
+              </a:xfrm>
+              <a:prstGeom prst="straightConnector1">
+                <a:avLst/>
+              </a:prstGeom>
+              <a:ln w="57150">
+                <a:headEnd type="triangle"/>
+                <a:tailEnd type="triangle"/>
+              </a:ln>
+            </p:spPr>
+            <p:style>
+              <a:lnRef idx="1">
+                <a:schemeClr val="dk1"/>
+              </a:lnRef>
+              <a:fillRef idx="0">
+                <a:schemeClr val="dk1"/>
+              </a:fillRef>
+              <a:effectRef idx="0">
+                <a:schemeClr val="dk1"/>
+              </a:effectRef>
+              <a:fontRef idx="minor">
+                <a:schemeClr val="tx1"/>
+              </a:fontRef>
+            </p:style>
+          </p:cxnSp>
+          <p:cxnSp>
+            <p:nvCxnSpPr>
+              <p:cNvPr id="20" name="直線矢印コネクタ 19"/>
+              <p:cNvCxnSpPr/>
+              <p:nvPr/>
+            </p:nvCxnSpPr>
+            <p:spPr>
+              <a:xfrm rot="18900000" flipH="1">
+                <a:off x="3624942" y="1943096"/>
+                <a:ext cx="0" cy="2612573"/>
+              </a:xfrm>
+              <a:prstGeom prst="straightConnector1">
+                <a:avLst/>
+              </a:prstGeom>
+              <a:ln w="57150">
+                <a:headEnd type="triangle"/>
+                <a:tailEnd type="triangle"/>
+              </a:ln>
+            </p:spPr>
+            <p:style>
+              <a:lnRef idx="1">
+                <a:schemeClr val="dk1"/>
+              </a:lnRef>
+              <a:fillRef idx="0">
+                <a:schemeClr val="dk1"/>
+              </a:fillRef>
+              <a:effectRef idx="0">
+                <a:schemeClr val="dk1"/>
+              </a:effectRef>
+              <a:fontRef idx="minor">
+                <a:schemeClr val="tx1"/>
+              </a:fontRef>
+            </p:style>
+          </p:cxnSp>
+        </p:grpSp>
+      </p:grpSp>
+    </p:spTree>
+    <p:extLst>
+      <p:ext uri="{BB962C8B-B14F-4D97-AF65-F5344CB8AC3E}">
+        <p14:creationId xmlns:p14="http://schemas.microsoft.com/office/powerpoint/2010/main" val="3146931613"/>
+      </p:ext>
+    </p:extLst>
+  </p:cSld>
+  <p:clrMapOvr>
+    <a:masterClrMapping/>
+  </p:clrMapOvr>
+</p:sld>
+</file>
+
+<file path=ppt/slides/slide11.xml><?xml version="1.0" encoding="utf-8"?>
 <p:sld xmlns:a="http://schemas.openxmlformats.org/drawingml/2006/main" xmlns:r="http://schemas.openxmlformats.org/officeDocument/2006/relationships" xmlns:p="http://schemas.openxmlformats.org/presentationml/2006/main">
   <p:cSld>
     <p:spTree>
@@ -9324,7 +7259,7 @@
 </p:sld>
 </file>
 
-<file path=ppt/slides/slide11.xml><?xml version="1.0" encoding="utf-8"?>
+<file path=ppt/slides/slide12.xml><?xml version="1.0" encoding="utf-8"?>
 <p:sld xmlns:a="http://schemas.openxmlformats.org/drawingml/2006/main" xmlns:r="http://schemas.openxmlformats.org/officeDocument/2006/relationships" xmlns:p="http://schemas.openxmlformats.org/presentationml/2006/main">
   <p:cSld>
     <p:spTree>
@@ -9673,7 +7608,7 @@
 </p:sld>
 </file>
 
-<file path=ppt/slides/slide12.xml><?xml version="1.0" encoding="utf-8"?>
+<file path=ppt/slides/slide13.xml><?xml version="1.0" encoding="utf-8"?>
 <p:sld xmlns:a="http://schemas.openxmlformats.org/drawingml/2006/main" xmlns:r="http://schemas.openxmlformats.org/officeDocument/2006/relationships" xmlns:p="http://schemas.openxmlformats.org/presentationml/2006/main">
   <p:cSld>
     <p:spTree>
@@ -10018,7 +7953,7 @@
 </p:sld>
 </file>
 
-<file path=ppt/slides/slide13.xml><?xml version="1.0" encoding="utf-8"?>
+<file path=ppt/slides/slide14.xml><?xml version="1.0" encoding="utf-8"?>
 <p:sld xmlns:a="http://schemas.openxmlformats.org/drawingml/2006/main" xmlns:r="http://schemas.openxmlformats.org/officeDocument/2006/relationships" xmlns:p="http://schemas.openxmlformats.org/presentationml/2006/main">
   <p:cSld>
     <p:spTree>
@@ -11495,7 +9430,7 @@
 </p:sld>
 </file>
 
-<file path=ppt/slides/slide14.xml><?xml version="1.0" encoding="utf-8"?>
+<file path=ppt/slides/slide15.xml><?xml version="1.0" encoding="utf-8"?>
 <p:sld xmlns:a="http://schemas.openxmlformats.org/drawingml/2006/main" xmlns:r="http://schemas.openxmlformats.org/officeDocument/2006/relationships" xmlns:p="http://schemas.openxmlformats.org/presentationml/2006/main">
   <p:cSld>
     <p:spTree>
@@ -12906,7 +10841,7 @@
 </p:sld>
 </file>
 
-<file path=ppt/slides/slide15.xml><?xml version="1.0" encoding="utf-8"?>
+<file path=ppt/slides/slide16.xml><?xml version="1.0" encoding="utf-8"?>
 <p:sld xmlns:a="http://schemas.openxmlformats.org/drawingml/2006/main" xmlns:r="http://schemas.openxmlformats.org/officeDocument/2006/relationships" xmlns:p="http://schemas.openxmlformats.org/presentationml/2006/main">
   <p:cSld>
     <p:spTree>
@@ -14726,7 +12661,7 @@
 </p:sld>
 </file>
 
-<file path=ppt/slides/slide16.xml><?xml version="1.0" encoding="utf-8"?>
+<file path=ppt/slides/slide17.xml><?xml version="1.0" encoding="utf-8"?>
 <p:sld xmlns:a="http://schemas.openxmlformats.org/drawingml/2006/main" xmlns:r="http://schemas.openxmlformats.org/officeDocument/2006/relationships" xmlns:p="http://schemas.openxmlformats.org/presentationml/2006/main">
   <p:cSld>
     <p:spTree>
@@ -15860,7 +13795,7 @@
 </p:sld>
 </file>
 
-<file path=ppt/slides/slide17.xml><?xml version="1.0" encoding="utf-8"?>
+<file path=ppt/slides/slide18.xml><?xml version="1.0" encoding="utf-8"?>
 <p:sld xmlns:a="http://schemas.openxmlformats.org/drawingml/2006/main" xmlns:r="http://schemas.openxmlformats.org/officeDocument/2006/relationships" xmlns:p="http://schemas.openxmlformats.org/presentationml/2006/main">
   <p:cSld>
     <p:spTree>
@@ -17135,7 +15070,7 @@
 </p:sld>
 </file>
 
-<file path=ppt/slides/slide18.xml><?xml version="1.0" encoding="utf-8"?>
+<file path=ppt/slides/slide19.xml><?xml version="1.0" encoding="utf-8"?>
 <p:sld xmlns:a="http://schemas.openxmlformats.org/drawingml/2006/main" xmlns:r="http://schemas.openxmlformats.org/officeDocument/2006/relationships" xmlns:p="http://schemas.openxmlformats.org/presentationml/2006/main">
   <p:cSld>
     <p:spTree>
@@ -18346,6 +16281,2573 @@
           <a:chExt cx="0" cy="0"/>
         </a:xfrm>
       </p:grpSpPr>
+      <p:grpSp>
+        <p:nvGrpSpPr>
+          <p:cNvPr id="239" name="グループ化 238"/>
+          <p:cNvGrpSpPr/>
+          <p:nvPr/>
+        </p:nvGrpSpPr>
+        <p:grpSpPr>
+          <a:xfrm>
+            <a:off x="2151663" y="287453"/>
+            <a:ext cx="7888674" cy="5117156"/>
+            <a:chOff x="1205345" y="351008"/>
+            <a:chExt cx="9639782" cy="6253050"/>
+          </a:xfrm>
+        </p:grpSpPr>
+        <p:cxnSp>
+          <p:nvCxnSpPr>
+            <p:cNvPr id="43" name="直線コネクタ 42"/>
+            <p:cNvCxnSpPr>
+              <a:stCxn id="3" idx="6"/>
+              <a:endCxn id="21" idx="2"/>
+            </p:cNvCxnSpPr>
+            <p:nvPr/>
+          </p:nvCxnSpPr>
+          <p:spPr>
+            <a:xfrm flipV="1">
+              <a:off x="2497669" y="2207262"/>
+              <a:ext cx="1649257" cy="711298"/>
+            </a:xfrm>
+            <a:prstGeom prst="line">
+              <a:avLst/>
+            </a:prstGeom>
+            <a:ln w="38100"/>
+          </p:spPr>
+          <p:style>
+            <a:lnRef idx="1">
+              <a:schemeClr val="dk1"/>
+            </a:lnRef>
+            <a:fillRef idx="0">
+              <a:schemeClr val="dk1"/>
+            </a:fillRef>
+            <a:effectRef idx="0">
+              <a:schemeClr val="dk1"/>
+            </a:effectRef>
+            <a:fontRef idx="minor">
+              <a:schemeClr val="tx1"/>
+            </a:fontRef>
+          </p:style>
+        </p:cxnSp>
+        <p:cxnSp>
+          <p:nvCxnSpPr>
+            <p:cNvPr id="45" name="直線コネクタ 44"/>
+            <p:cNvCxnSpPr>
+              <a:stCxn id="3" idx="6"/>
+              <a:endCxn id="22" idx="2"/>
+            </p:cNvCxnSpPr>
+            <p:nvPr/>
+          </p:nvCxnSpPr>
+          <p:spPr>
+            <a:xfrm>
+              <a:off x="2497669" y="2918560"/>
+              <a:ext cx="1648171" cy="556975"/>
+            </a:xfrm>
+            <a:prstGeom prst="line">
+              <a:avLst/>
+            </a:prstGeom>
+            <a:ln w="38100"/>
+          </p:spPr>
+          <p:style>
+            <a:lnRef idx="1">
+              <a:schemeClr val="dk1"/>
+            </a:lnRef>
+            <a:fillRef idx="0">
+              <a:schemeClr val="dk1"/>
+            </a:fillRef>
+            <a:effectRef idx="0">
+              <a:schemeClr val="dk1"/>
+            </a:effectRef>
+            <a:fontRef idx="minor">
+              <a:schemeClr val="tx1"/>
+            </a:fontRef>
+          </p:style>
+        </p:cxnSp>
+        <p:cxnSp>
+          <p:nvCxnSpPr>
+            <p:cNvPr id="47" name="直線コネクタ 46"/>
+            <p:cNvCxnSpPr>
+              <a:stCxn id="3" idx="6"/>
+              <a:endCxn id="23" idx="2"/>
+            </p:cNvCxnSpPr>
+            <p:nvPr/>
+          </p:nvCxnSpPr>
+          <p:spPr>
+            <a:xfrm>
+              <a:off x="2497669" y="2918560"/>
+              <a:ext cx="1648171" cy="1979571"/>
+            </a:xfrm>
+            <a:prstGeom prst="line">
+              <a:avLst/>
+            </a:prstGeom>
+            <a:ln w="38100"/>
+          </p:spPr>
+          <p:style>
+            <a:lnRef idx="1">
+              <a:schemeClr val="dk1"/>
+            </a:lnRef>
+            <a:fillRef idx="0">
+              <a:schemeClr val="dk1"/>
+            </a:fillRef>
+            <a:effectRef idx="0">
+              <a:schemeClr val="dk1"/>
+            </a:effectRef>
+            <a:fontRef idx="minor">
+              <a:schemeClr val="tx1"/>
+            </a:fontRef>
+          </p:style>
+        </p:cxnSp>
+        <p:cxnSp>
+          <p:nvCxnSpPr>
+            <p:cNvPr id="49" name="直線コネクタ 48"/>
+            <p:cNvCxnSpPr>
+              <a:stCxn id="3" idx="6"/>
+              <a:endCxn id="24" idx="2"/>
+            </p:cNvCxnSpPr>
+            <p:nvPr/>
+          </p:nvCxnSpPr>
+          <p:spPr>
+            <a:xfrm>
+              <a:off x="2497669" y="2918560"/>
+              <a:ext cx="1648171" cy="3262741"/>
+            </a:xfrm>
+            <a:prstGeom prst="line">
+              <a:avLst/>
+            </a:prstGeom>
+            <a:ln w="38100"/>
+          </p:spPr>
+          <p:style>
+            <a:lnRef idx="1">
+              <a:schemeClr val="dk1"/>
+            </a:lnRef>
+            <a:fillRef idx="0">
+              <a:schemeClr val="dk1"/>
+            </a:fillRef>
+            <a:effectRef idx="0">
+              <a:schemeClr val="dk1"/>
+            </a:effectRef>
+            <a:fontRef idx="minor">
+              <a:schemeClr val="tx1"/>
+            </a:fontRef>
+          </p:style>
+        </p:cxnSp>
+        <p:cxnSp>
+          <p:nvCxnSpPr>
+            <p:cNvPr id="55" name="直線コネクタ 54"/>
+            <p:cNvCxnSpPr>
+              <a:stCxn id="4" idx="6"/>
+              <a:endCxn id="21" idx="2"/>
+            </p:cNvCxnSpPr>
+            <p:nvPr/>
+          </p:nvCxnSpPr>
+          <p:spPr>
+            <a:xfrm flipV="1">
+              <a:off x="2497669" y="2207262"/>
+              <a:ext cx="1649257" cy="2015275"/>
+            </a:xfrm>
+            <a:prstGeom prst="line">
+              <a:avLst/>
+            </a:prstGeom>
+            <a:ln w="38100"/>
+          </p:spPr>
+          <p:style>
+            <a:lnRef idx="1">
+              <a:schemeClr val="dk1"/>
+            </a:lnRef>
+            <a:fillRef idx="0">
+              <a:schemeClr val="dk1"/>
+            </a:fillRef>
+            <a:effectRef idx="0">
+              <a:schemeClr val="dk1"/>
+            </a:effectRef>
+            <a:fontRef idx="minor">
+              <a:schemeClr val="tx1"/>
+            </a:fontRef>
+          </p:style>
+        </p:cxnSp>
+        <p:cxnSp>
+          <p:nvCxnSpPr>
+            <p:cNvPr id="57" name="直線コネクタ 56"/>
+            <p:cNvCxnSpPr>
+              <a:stCxn id="4" idx="6"/>
+              <a:endCxn id="22" idx="2"/>
+            </p:cNvCxnSpPr>
+            <p:nvPr/>
+          </p:nvCxnSpPr>
+          <p:spPr>
+            <a:xfrm flipV="1">
+              <a:off x="2497669" y="3475535"/>
+              <a:ext cx="1648171" cy="747002"/>
+            </a:xfrm>
+            <a:prstGeom prst="line">
+              <a:avLst/>
+            </a:prstGeom>
+            <a:ln w="38100"/>
+          </p:spPr>
+          <p:style>
+            <a:lnRef idx="1">
+              <a:schemeClr val="dk1"/>
+            </a:lnRef>
+            <a:fillRef idx="0">
+              <a:schemeClr val="dk1"/>
+            </a:fillRef>
+            <a:effectRef idx="0">
+              <a:schemeClr val="dk1"/>
+            </a:effectRef>
+            <a:fontRef idx="minor">
+              <a:schemeClr val="tx1"/>
+            </a:fontRef>
+          </p:style>
+        </p:cxnSp>
+        <p:cxnSp>
+          <p:nvCxnSpPr>
+            <p:cNvPr id="59" name="直線コネクタ 58"/>
+            <p:cNvCxnSpPr>
+              <a:stCxn id="4" idx="6"/>
+              <a:endCxn id="23" idx="2"/>
+            </p:cNvCxnSpPr>
+            <p:nvPr/>
+          </p:nvCxnSpPr>
+          <p:spPr>
+            <a:xfrm>
+              <a:off x="2497669" y="4222537"/>
+              <a:ext cx="1648171" cy="675594"/>
+            </a:xfrm>
+            <a:prstGeom prst="line">
+              <a:avLst/>
+            </a:prstGeom>
+            <a:ln w="38100"/>
+          </p:spPr>
+          <p:style>
+            <a:lnRef idx="1">
+              <a:schemeClr val="dk1"/>
+            </a:lnRef>
+            <a:fillRef idx="0">
+              <a:schemeClr val="dk1"/>
+            </a:fillRef>
+            <a:effectRef idx="0">
+              <a:schemeClr val="dk1"/>
+            </a:effectRef>
+            <a:fontRef idx="minor">
+              <a:schemeClr val="tx1"/>
+            </a:fontRef>
+          </p:style>
+        </p:cxnSp>
+        <p:cxnSp>
+          <p:nvCxnSpPr>
+            <p:cNvPr id="61" name="直線コネクタ 60"/>
+            <p:cNvCxnSpPr>
+              <a:stCxn id="4" idx="6"/>
+              <a:endCxn id="24" idx="2"/>
+            </p:cNvCxnSpPr>
+            <p:nvPr/>
+          </p:nvCxnSpPr>
+          <p:spPr>
+            <a:xfrm>
+              <a:off x="2497669" y="4222537"/>
+              <a:ext cx="1648171" cy="1958764"/>
+            </a:xfrm>
+            <a:prstGeom prst="line">
+              <a:avLst/>
+            </a:prstGeom>
+            <a:ln w="38100"/>
+          </p:spPr>
+          <p:style>
+            <a:lnRef idx="1">
+              <a:schemeClr val="dk1"/>
+            </a:lnRef>
+            <a:fillRef idx="0">
+              <a:schemeClr val="dk1"/>
+            </a:fillRef>
+            <a:effectRef idx="0">
+              <a:schemeClr val="dk1"/>
+            </a:effectRef>
+            <a:fontRef idx="minor">
+              <a:schemeClr val="tx1"/>
+            </a:fontRef>
+          </p:style>
+        </p:cxnSp>
+        <p:cxnSp>
+          <p:nvCxnSpPr>
+            <p:cNvPr id="65" name="直線コネクタ 64"/>
+            <p:cNvCxnSpPr>
+              <a:stCxn id="5" idx="6"/>
+              <a:endCxn id="21" idx="2"/>
+            </p:cNvCxnSpPr>
+            <p:nvPr/>
+          </p:nvCxnSpPr>
+          <p:spPr>
+            <a:xfrm flipV="1">
+              <a:off x="2497669" y="2207262"/>
+              <a:ext cx="1649257" cy="3288054"/>
+            </a:xfrm>
+            <a:prstGeom prst="line">
+              <a:avLst/>
+            </a:prstGeom>
+            <a:ln w="38100"/>
+          </p:spPr>
+          <p:style>
+            <a:lnRef idx="1">
+              <a:schemeClr val="dk1"/>
+            </a:lnRef>
+            <a:fillRef idx="0">
+              <a:schemeClr val="dk1"/>
+            </a:fillRef>
+            <a:effectRef idx="0">
+              <a:schemeClr val="dk1"/>
+            </a:effectRef>
+            <a:fontRef idx="minor">
+              <a:schemeClr val="tx1"/>
+            </a:fontRef>
+          </p:style>
+        </p:cxnSp>
+        <p:cxnSp>
+          <p:nvCxnSpPr>
+            <p:cNvPr id="67" name="直線コネクタ 66"/>
+            <p:cNvCxnSpPr>
+              <a:stCxn id="5" idx="6"/>
+              <a:endCxn id="22" idx="2"/>
+            </p:cNvCxnSpPr>
+            <p:nvPr/>
+          </p:nvCxnSpPr>
+          <p:spPr>
+            <a:xfrm flipV="1">
+              <a:off x="2497669" y="3475535"/>
+              <a:ext cx="1648171" cy="2019781"/>
+            </a:xfrm>
+            <a:prstGeom prst="line">
+              <a:avLst/>
+            </a:prstGeom>
+            <a:ln w="38100"/>
+          </p:spPr>
+          <p:style>
+            <a:lnRef idx="1">
+              <a:schemeClr val="dk1"/>
+            </a:lnRef>
+            <a:fillRef idx="0">
+              <a:schemeClr val="dk1"/>
+            </a:fillRef>
+            <a:effectRef idx="0">
+              <a:schemeClr val="dk1"/>
+            </a:effectRef>
+            <a:fontRef idx="minor">
+              <a:schemeClr val="tx1"/>
+            </a:fontRef>
+          </p:style>
+        </p:cxnSp>
+        <p:cxnSp>
+          <p:nvCxnSpPr>
+            <p:cNvPr id="69" name="直線コネクタ 68"/>
+            <p:cNvCxnSpPr>
+              <a:stCxn id="5" idx="6"/>
+              <a:endCxn id="23" idx="2"/>
+            </p:cNvCxnSpPr>
+            <p:nvPr/>
+          </p:nvCxnSpPr>
+          <p:spPr>
+            <a:xfrm flipV="1">
+              <a:off x="2497669" y="4898131"/>
+              <a:ext cx="1648171" cy="597185"/>
+            </a:xfrm>
+            <a:prstGeom prst="line">
+              <a:avLst/>
+            </a:prstGeom>
+            <a:ln w="38100"/>
+          </p:spPr>
+          <p:style>
+            <a:lnRef idx="1">
+              <a:schemeClr val="dk1"/>
+            </a:lnRef>
+            <a:fillRef idx="0">
+              <a:schemeClr val="dk1"/>
+            </a:fillRef>
+            <a:effectRef idx="0">
+              <a:schemeClr val="dk1"/>
+            </a:effectRef>
+            <a:fontRef idx="minor">
+              <a:schemeClr val="tx1"/>
+            </a:fontRef>
+          </p:style>
+        </p:cxnSp>
+        <p:cxnSp>
+          <p:nvCxnSpPr>
+            <p:cNvPr id="108" name="直線コネクタ 107"/>
+            <p:cNvCxnSpPr>
+              <a:stCxn id="5" idx="6"/>
+              <a:endCxn id="24" idx="2"/>
+            </p:cNvCxnSpPr>
+            <p:nvPr/>
+          </p:nvCxnSpPr>
+          <p:spPr>
+            <a:xfrm>
+              <a:off x="2497669" y="5495316"/>
+              <a:ext cx="1648171" cy="685985"/>
+            </a:xfrm>
+            <a:prstGeom prst="line">
+              <a:avLst/>
+            </a:prstGeom>
+            <a:ln w="38100">
+              <a:solidFill>
+                <a:schemeClr val="tx1"/>
+              </a:solidFill>
+            </a:ln>
+          </p:spPr>
+          <p:style>
+            <a:lnRef idx="1">
+              <a:schemeClr val="dk1"/>
+            </a:lnRef>
+            <a:fillRef idx="0">
+              <a:schemeClr val="dk1"/>
+            </a:fillRef>
+            <a:effectRef idx="0">
+              <a:schemeClr val="dk1"/>
+            </a:effectRef>
+            <a:fontRef idx="minor">
+              <a:schemeClr val="tx1"/>
+            </a:fontRef>
+          </p:style>
+        </p:cxnSp>
+        <p:cxnSp>
+          <p:nvCxnSpPr>
+            <p:cNvPr id="117" name="直線コネクタ 116"/>
+            <p:cNvCxnSpPr>
+              <a:stCxn id="21" idx="6"/>
+              <a:endCxn id="112" idx="2"/>
+            </p:cNvCxnSpPr>
+            <p:nvPr/>
+          </p:nvCxnSpPr>
+          <p:spPr>
+            <a:xfrm>
+              <a:off x="4992441" y="2207262"/>
+              <a:ext cx="2202694" cy="0"/>
+            </a:xfrm>
+            <a:prstGeom prst="line">
+              <a:avLst/>
+            </a:prstGeom>
+            <a:ln w="38100"/>
+          </p:spPr>
+          <p:style>
+            <a:lnRef idx="1">
+              <a:schemeClr val="dk1"/>
+            </a:lnRef>
+            <a:fillRef idx="0">
+              <a:schemeClr val="dk1"/>
+            </a:fillRef>
+            <a:effectRef idx="0">
+              <a:schemeClr val="dk1"/>
+            </a:effectRef>
+            <a:fontRef idx="minor">
+              <a:schemeClr val="tx1"/>
+            </a:fontRef>
+          </p:style>
+        </p:cxnSp>
+        <p:cxnSp>
+          <p:nvCxnSpPr>
+            <p:cNvPr id="119" name="直線コネクタ 118"/>
+            <p:cNvCxnSpPr>
+              <a:stCxn id="21" idx="6"/>
+              <a:endCxn id="113" idx="2"/>
+            </p:cNvCxnSpPr>
+            <p:nvPr/>
+          </p:nvCxnSpPr>
+          <p:spPr>
+            <a:xfrm>
+              <a:off x="4992441" y="2207262"/>
+              <a:ext cx="2201608" cy="1268273"/>
+            </a:xfrm>
+            <a:prstGeom prst="line">
+              <a:avLst/>
+            </a:prstGeom>
+            <a:ln w="38100"/>
+          </p:spPr>
+          <p:style>
+            <a:lnRef idx="1">
+              <a:schemeClr val="dk1"/>
+            </a:lnRef>
+            <a:fillRef idx="0">
+              <a:schemeClr val="dk1"/>
+            </a:fillRef>
+            <a:effectRef idx="0">
+              <a:schemeClr val="dk1"/>
+            </a:effectRef>
+            <a:fontRef idx="minor">
+              <a:schemeClr val="tx1"/>
+            </a:fontRef>
+          </p:style>
+        </p:cxnSp>
+        <p:cxnSp>
+          <p:nvCxnSpPr>
+            <p:cNvPr id="121" name="直線コネクタ 120"/>
+            <p:cNvCxnSpPr>
+              <a:stCxn id="21" idx="6"/>
+              <a:endCxn id="114" idx="2"/>
+            </p:cNvCxnSpPr>
+            <p:nvPr/>
+          </p:nvCxnSpPr>
+          <p:spPr>
+            <a:xfrm>
+              <a:off x="4992441" y="2207262"/>
+              <a:ext cx="2201608" cy="2690869"/>
+            </a:xfrm>
+            <a:prstGeom prst="line">
+              <a:avLst/>
+            </a:prstGeom>
+            <a:ln w="38100"/>
+          </p:spPr>
+          <p:style>
+            <a:lnRef idx="1">
+              <a:schemeClr val="dk1"/>
+            </a:lnRef>
+            <a:fillRef idx="0">
+              <a:schemeClr val="dk1"/>
+            </a:fillRef>
+            <a:effectRef idx="0">
+              <a:schemeClr val="dk1"/>
+            </a:effectRef>
+            <a:fontRef idx="minor">
+              <a:schemeClr val="tx1"/>
+            </a:fontRef>
+          </p:style>
+        </p:cxnSp>
+        <p:cxnSp>
+          <p:nvCxnSpPr>
+            <p:cNvPr id="124" name="直線コネクタ 123"/>
+            <p:cNvCxnSpPr>
+              <a:stCxn id="21" idx="6"/>
+              <a:endCxn id="115" idx="2"/>
+            </p:cNvCxnSpPr>
+            <p:nvPr/>
+          </p:nvCxnSpPr>
+          <p:spPr>
+            <a:xfrm>
+              <a:off x="4992441" y="2207262"/>
+              <a:ext cx="2201608" cy="3974039"/>
+            </a:xfrm>
+            <a:prstGeom prst="line">
+              <a:avLst/>
+            </a:prstGeom>
+            <a:ln w="38100"/>
+          </p:spPr>
+          <p:style>
+            <a:lnRef idx="1">
+              <a:schemeClr val="dk1"/>
+            </a:lnRef>
+            <a:fillRef idx="0">
+              <a:schemeClr val="dk1"/>
+            </a:fillRef>
+            <a:effectRef idx="0">
+              <a:schemeClr val="dk1"/>
+            </a:effectRef>
+            <a:fontRef idx="minor">
+              <a:schemeClr val="tx1"/>
+            </a:fontRef>
+          </p:style>
+        </p:cxnSp>
+        <p:cxnSp>
+          <p:nvCxnSpPr>
+            <p:cNvPr id="125" name="直線コネクタ 124"/>
+            <p:cNvCxnSpPr>
+              <a:stCxn id="22" idx="6"/>
+              <a:endCxn id="115" idx="2"/>
+            </p:cNvCxnSpPr>
+            <p:nvPr/>
+          </p:nvCxnSpPr>
+          <p:spPr>
+            <a:xfrm>
+              <a:off x="4991355" y="3475535"/>
+              <a:ext cx="2202694" cy="2705766"/>
+            </a:xfrm>
+            <a:prstGeom prst="line">
+              <a:avLst/>
+            </a:prstGeom>
+            <a:ln w="38100"/>
+          </p:spPr>
+          <p:style>
+            <a:lnRef idx="1">
+              <a:schemeClr val="dk1"/>
+            </a:lnRef>
+            <a:fillRef idx="0">
+              <a:schemeClr val="dk1"/>
+            </a:fillRef>
+            <a:effectRef idx="0">
+              <a:schemeClr val="dk1"/>
+            </a:effectRef>
+            <a:fontRef idx="minor">
+              <a:schemeClr val="tx1"/>
+            </a:fontRef>
+          </p:style>
+        </p:cxnSp>
+        <p:cxnSp>
+          <p:nvCxnSpPr>
+            <p:cNvPr id="129" name="直線コネクタ 128"/>
+            <p:cNvCxnSpPr>
+              <a:stCxn id="22" idx="6"/>
+              <a:endCxn id="114" idx="2"/>
+            </p:cNvCxnSpPr>
+            <p:nvPr/>
+          </p:nvCxnSpPr>
+          <p:spPr>
+            <a:xfrm>
+              <a:off x="4991355" y="3475535"/>
+              <a:ext cx="2202694" cy="1422596"/>
+            </a:xfrm>
+            <a:prstGeom prst="line">
+              <a:avLst/>
+            </a:prstGeom>
+            <a:ln w="38100"/>
+          </p:spPr>
+          <p:style>
+            <a:lnRef idx="1">
+              <a:schemeClr val="dk1"/>
+            </a:lnRef>
+            <a:fillRef idx="0">
+              <a:schemeClr val="dk1"/>
+            </a:fillRef>
+            <a:effectRef idx="0">
+              <a:schemeClr val="dk1"/>
+            </a:effectRef>
+            <a:fontRef idx="minor">
+              <a:schemeClr val="tx1"/>
+            </a:fontRef>
+          </p:style>
+        </p:cxnSp>
+        <p:cxnSp>
+          <p:nvCxnSpPr>
+            <p:cNvPr id="132" name="直線コネクタ 131"/>
+            <p:cNvCxnSpPr>
+              <a:stCxn id="22" idx="6"/>
+              <a:endCxn id="113" idx="2"/>
+            </p:cNvCxnSpPr>
+            <p:nvPr/>
+          </p:nvCxnSpPr>
+          <p:spPr>
+            <a:xfrm>
+              <a:off x="4991355" y="3475535"/>
+              <a:ext cx="2202694" cy="0"/>
+            </a:xfrm>
+            <a:prstGeom prst="line">
+              <a:avLst/>
+            </a:prstGeom>
+            <a:ln w="38100"/>
+          </p:spPr>
+          <p:style>
+            <a:lnRef idx="1">
+              <a:schemeClr val="dk1"/>
+            </a:lnRef>
+            <a:fillRef idx="0">
+              <a:schemeClr val="dk1"/>
+            </a:fillRef>
+            <a:effectRef idx="0">
+              <a:schemeClr val="dk1"/>
+            </a:effectRef>
+            <a:fontRef idx="minor">
+              <a:schemeClr val="tx1"/>
+            </a:fontRef>
+          </p:style>
+        </p:cxnSp>
+        <p:cxnSp>
+          <p:nvCxnSpPr>
+            <p:cNvPr id="133" name="直線コネクタ 132"/>
+            <p:cNvCxnSpPr>
+              <a:stCxn id="22" idx="6"/>
+              <a:endCxn id="112" idx="2"/>
+            </p:cNvCxnSpPr>
+            <p:nvPr/>
+          </p:nvCxnSpPr>
+          <p:spPr>
+            <a:xfrm flipV="1">
+              <a:off x="4991355" y="2207262"/>
+              <a:ext cx="2203780" cy="1268273"/>
+            </a:xfrm>
+            <a:prstGeom prst="line">
+              <a:avLst/>
+            </a:prstGeom>
+            <a:ln w="38100"/>
+          </p:spPr>
+          <p:style>
+            <a:lnRef idx="1">
+              <a:schemeClr val="dk1"/>
+            </a:lnRef>
+            <a:fillRef idx="0">
+              <a:schemeClr val="dk1"/>
+            </a:fillRef>
+            <a:effectRef idx="0">
+              <a:schemeClr val="dk1"/>
+            </a:effectRef>
+            <a:fontRef idx="minor">
+              <a:schemeClr val="tx1"/>
+            </a:fontRef>
+          </p:style>
+        </p:cxnSp>
+        <p:cxnSp>
+          <p:nvCxnSpPr>
+            <p:cNvPr id="139" name="直線コネクタ 138"/>
+            <p:cNvCxnSpPr>
+              <a:stCxn id="23" idx="6"/>
+              <a:endCxn id="115" idx="2"/>
+            </p:cNvCxnSpPr>
+            <p:nvPr/>
+          </p:nvCxnSpPr>
+          <p:spPr>
+            <a:xfrm>
+              <a:off x="4991355" y="4898131"/>
+              <a:ext cx="2202694" cy="1283170"/>
+            </a:xfrm>
+            <a:prstGeom prst="line">
+              <a:avLst/>
+            </a:prstGeom>
+            <a:ln w="38100"/>
+          </p:spPr>
+          <p:style>
+            <a:lnRef idx="1">
+              <a:schemeClr val="dk1"/>
+            </a:lnRef>
+            <a:fillRef idx="0">
+              <a:schemeClr val="dk1"/>
+            </a:fillRef>
+            <a:effectRef idx="0">
+              <a:schemeClr val="dk1"/>
+            </a:effectRef>
+            <a:fontRef idx="minor">
+              <a:schemeClr val="tx1"/>
+            </a:fontRef>
+          </p:style>
+        </p:cxnSp>
+        <p:cxnSp>
+          <p:nvCxnSpPr>
+            <p:cNvPr id="140" name="直線コネクタ 139"/>
+            <p:cNvCxnSpPr>
+              <a:stCxn id="23" idx="6"/>
+              <a:endCxn id="114" idx="2"/>
+            </p:cNvCxnSpPr>
+            <p:nvPr/>
+          </p:nvCxnSpPr>
+          <p:spPr>
+            <a:xfrm>
+              <a:off x="4991355" y="4898131"/>
+              <a:ext cx="2202694" cy="0"/>
+            </a:xfrm>
+            <a:prstGeom prst="line">
+              <a:avLst/>
+            </a:prstGeom>
+            <a:ln w="38100"/>
+          </p:spPr>
+          <p:style>
+            <a:lnRef idx="1">
+              <a:schemeClr val="dk1"/>
+            </a:lnRef>
+            <a:fillRef idx="0">
+              <a:schemeClr val="dk1"/>
+            </a:fillRef>
+            <a:effectRef idx="0">
+              <a:schemeClr val="dk1"/>
+            </a:effectRef>
+            <a:fontRef idx="minor">
+              <a:schemeClr val="tx1"/>
+            </a:fontRef>
+          </p:style>
+        </p:cxnSp>
+        <p:cxnSp>
+          <p:nvCxnSpPr>
+            <p:cNvPr id="141" name="直線コネクタ 140"/>
+            <p:cNvCxnSpPr>
+              <a:stCxn id="23" idx="6"/>
+              <a:endCxn id="113" idx="2"/>
+            </p:cNvCxnSpPr>
+            <p:nvPr/>
+          </p:nvCxnSpPr>
+          <p:spPr>
+            <a:xfrm flipV="1">
+              <a:off x="4991355" y="3475535"/>
+              <a:ext cx="2202694" cy="1422596"/>
+            </a:xfrm>
+            <a:prstGeom prst="line">
+              <a:avLst/>
+            </a:prstGeom>
+            <a:ln w="38100"/>
+          </p:spPr>
+          <p:style>
+            <a:lnRef idx="1">
+              <a:schemeClr val="dk1"/>
+            </a:lnRef>
+            <a:fillRef idx="0">
+              <a:schemeClr val="dk1"/>
+            </a:fillRef>
+            <a:effectRef idx="0">
+              <a:schemeClr val="dk1"/>
+            </a:effectRef>
+            <a:fontRef idx="minor">
+              <a:schemeClr val="tx1"/>
+            </a:fontRef>
+          </p:style>
+        </p:cxnSp>
+        <p:cxnSp>
+          <p:nvCxnSpPr>
+            <p:cNvPr id="142" name="直線コネクタ 141"/>
+            <p:cNvCxnSpPr>
+              <a:stCxn id="23" idx="6"/>
+              <a:endCxn id="112" idx="2"/>
+            </p:cNvCxnSpPr>
+            <p:nvPr/>
+          </p:nvCxnSpPr>
+          <p:spPr>
+            <a:xfrm flipV="1">
+              <a:off x="4991355" y="2207262"/>
+              <a:ext cx="2203780" cy="2690869"/>
+            </a:xfrm>
+            <a:prstGeom prst="line">
+              <a:avLst/>
+            </a:prstGeom>
+            <a:ln w="38100"/>
+          </p:spPr>
+          <p:style>
+            <a:lnRef idx="1">
+              <a:schemeClr val="dk1"/>
+            </a:lnRef>
+            <a:fillRef idx="0">
+              <a:schemeClr val="dk1"/>
+            </a:fillRef>
+            <a:effectRef idx="0">
+              <a:schemeClr val="dk1"/>
+            </a:effectRef>
+            <a:fontRef idx="minor">
+              <a:schemeClr val="tx1"/>
+            </a:fontRef>
+          </p:style>
+        </p:cxnSp>
+        <p:cxnSp>
+          <p:nvCxnSpPr>
+            <p:cNvPr id="155" name="直線コネクタ 154"/>
+            <p:cNvCxnSpPr>
+              <a:stCxn id="24" idx="6"/>
+              <a:endCxn id="112" idx="2"/>
+            </p:cNvCxnSpPr>
+            <p:nvPr/>
+          </p:nvCxnSpPr>
+          <p:spPr>
+            <a:xfrm flipV="1">
+              <a:off x="4991355" y="2207262"/>
+              <a:ext cx="2203780" cy="3974039"/>
+            </a:xfrm>
+            <a:prstGeom prst="line">
+              <a:avLst/>
+            </a:prstGeom>
+            <a:ln w="38100"/>
+          </p:spPr>
+          <p:style>
+            <a:lnRef idx="1">
+              <a:schemeClr val="dk1"/>
+            </a:lnRef>
+            <a:fillRef idx="0">
+              <a:schemeClr val="dk1"/>
+            </a:fillRef>
+            <a:effectRef idx="0">
+              <a:schemeClr val="dk1"/>
+            </a:effectRef>
+            <a:fontRef idx="minor">
+              <a:schemeClr val="tx1"/>
+            </a:fontRef>
+          </p:style>
+        </p:cxnSp>
+        <p:cxnSp>
+          <p:nvCxnSpPr>
+            <p:cNvPr id="156" name="直線コネクタ 155"/>
+            <p:cNvCxnSpPr>
+              <a:stCxn id="24" idx="6"/>
+              <a:endCxn id="113" idx="2"/>
+            </p:cNvCxnSpPr>
+            <p:nvPr/>
+          </p:nvCxnSpPr>
+          <p:spPr>
+            <a:xfrm flipV="1">
+              <a:off x="4991355" y="3475535"/>
+              <a:ext cx="2202694" cy="2705766"/>
+            </a:xfrm>
+            <a:prstGeom prst="line">
+              <a:avLst/>
+            </a:prstGeom>
+            <a:ln w="38100"/>
+          </p:spPr>
+          <p:style>
+            <a:lnRef idx="1">
+              <a:schemeClr val="dk1"/>
+            </a:lnRef>
+            <a:fillRef idx="0">
+              <a:schemeClr val="dk1"/>
+            </a:fillRef>
+            <a:effectRef idx="0">
+              <a:schemeClr val="dk1"/>
+            </a:effectRef>
+            <a:fontRef idx="minor">
+              <a:schemeClr val="tx1"/>
+            </a:fontRef>
+          </p:style>
+        </p:cxnSp>
+        <p:cxnSp>
+          <p:nvCxnSpPr>
+            <p:cNvPr id="157" name="直線コネクタ 156"/>
+            <p:cNvCxnSpPr>
+              <a:stCxn id="24" idx="6"/>
+              <a:endCxn id="114" idx="2"/>
+            </p:cNvCxnSpPr>
+            <p:nvPr/>
+          </p:nvCxnSpPr>
+          <p:spPr>
+            <a:xfrm flipV="1">
+              <a:off x="4991355" y="4898131"/>
+              <a:ext cx="2202694" cy="1283170"/>
+            </a:xfrm>
+            <a:prstGeom prst="line">
+              <a:avLst/>
+            </a:prstGeom>
+            <a:ln w="38100"/>
+          </p:spPr>
+          <p:style>
+            <a:lnRef idx="1">
+              <a:schemeClr val="dk1"/>
+            </a:lnRef>
+            <a:fillRef idx="0">
+              <a:schemeClr val="dk1"/>
+            </a:fillRef>
+            <a:effectRef idx="0">
+              <a:schemeClr val="dk1"/>
+            </a:effectRef>
+            <a:fontRef idx="minor">
+              <a:schemeClr val="tx1"/>
+            </a:fontRef>
+          </p:style>
+        </p:cxnSp>
+        <p:cxnSp>
+          <p:nvCxnSpPr>
+            <p:cNvPr id="158" name="直線コネクタ 157"/>
+            <p:cNvCxnSpPr>
+              <a:stCxn id="24" idx="6"/>
+              <a:endCxn id="115" idx="2"/>
+            </p:cNvCxnSpPr>
+            <p:nvPr/>
+          </p:nvCxnSpPr>
+          <p:spPr>
+            <a:xfrm>
+              <a:off x="4991355" y="6181301"/>
+              <a:ext cx="2202694" cy="0"/>
+            </a:xfrm>
+            <a:prstGeom prst="line">
+              <a:avLst/>
+            </a:prstGeom>
+            <a:ln w="38100"/>
+          </p:spPr>
+          <p:style>
+            <a:lnRef idx="1">
+              <a:schemeClr val="dk1"/>
+            </a:lnRef>
+            <a:fillRef idx="0">
+              <a:schemeClr val="dk1"/>
+            </a:fillRef>
+            <a:effectRef idx="0">
+              <a:schemeClr val="dk1"/>
+            </a:effectRef>
+            <a:fontRef idx="minor">
+              <a:schemeClr val="tx1"/>
+            </a:fontRef>
+          </p:style>
+        </p:cxnSp>
+        <p:grpSp>
+          <p:nvGrpSpPr>
+            <p:cNvPr id="231" name="グループ化 230"/>
+            <p:cNvGrpSpPr/>
+            <p:nvPr/>
+          </p:nvGrpSpPr>
+          <p:grpSpPr>
+            <a:xfrm>
+              <a:off x="1652154" y="1784504"/>
+              <a:ext cx="8887691" cy="4819554"/>
+              <a:chOff x="218994" y="377335"/>
+              <a:chExt cx="11330248" cy="6144087"/>
+            </a:xfrm>
+          </p:grpSpPr>
+          <p:grpSp>
+            <p:nvGrpSpPr>
+              <p:cNvPr id="110" name="グループ化 109"/>
+              <p:cNvGrpSpPr/>
+              <p:nvPr/>
+            </p:nvGrpSpPr>
+            <p:grpSpPr>
+              <a:xfrm>
+                <a:off x="218994" y="1284115"/>
+                <a:ext cx="1077884" cy="4362796"/>
+                <a:chOff x="648398" y="1258485"/>
+                <a:chExt cx="1077884" cy="4362796"/>
+              </a:xfrm>
+            </p:grpSpPr>
+            <p:sp>
+              <p:nvSpPr>
+                <p:cNvPr id="3" name="楕円 2"/>
+                <p:cNvSpPr/>
+                <p:nvPr/>
+              </p:nvSpPr>
+              <p:spPr>
+                <a:xfrm>
+                  <a:off x="648398" y="1258485"/>
+                  <a:ext cx="1077884" cy="1077884"/>
+                </a:xfrm>
+                <a:prstGeom prst="ellipse">
+                  <a:avLst/>
+                </a:prstGeom>
+                <a:solidFill>
+                  <a:schemeClr val="bg2">
+                    <a:lumMod val="90000"/>
+                  </a:schemeClr>
+                </a:solidFill>
+                <a:ln>
+                  <a:solidFill>
+                    <a:schemeClr val="tx1"/>
+                  </a:solidFill>
+                </a:ln>
+              </p:spPr>
+              <p:style>
+                <a:lnRef idx="2">
+                  <a:schemeClr val="accent1">
+                    <a:shade val="50000"/>
+                  </a:schemeClr>
+                </a:lnRef>
+                <a:fillRef idx="1">
+                  <a:schemeClr val="accent1"/>
+                </a:fillRef>
+                <a:effectRef idx="0">
+                  <a:schemeClr val="accent1"/>
+                </a:effectRef>
+                <a:fontRef idx="minor">
+                  <a:schemeClr val="lt1"/>
+                </a:fontRef>
+              </p:style>
+              <p:txBody>
+                <a:bodyPr rtlCol="0" anchor="ctr"/>
+                <a:lstStyle/>
+                <a:p>
+                  <a:pPr algn="ctr"/>
+                  <a:endParaRPr kumimoji="1" lang="ja-JP" altLang="en-US"/>
+                </a:p>
+              </p:txBody>
+            </p:sp>
+            <p:sp>
+              <p:nvSpPr>
+                <p:cNvPr id="4" name="楕円 3"/>
+                <p:cNvSpPr/>
+                <p:nvPr/>
+              </p:nvSpPr>
+              <p:spPr>
+                <a:xfrm>
+                  <a:off x="648398" y="2920827"/>
+                  <a:ext cx="1077884" cy="1077884"/>
+                </a:xfrm>
+                <a:prstGeom prst="ellipse">
+                  <a:avLst/>
+                </a:prstGeom>
+                <a:solidFill>
+                  <a:schemeClr val="bg2">
+                    <a:lumMod val="90000"/>
+                  </a:schemeClr>
+                </a:solidFill>
+                <a:ln>
+                  <a:solidFill>
+                    <a:schemeClr val="tx1"/>
+                  </a:solidFill>
+                </a:ln>
+              </p:spPr>
+              <p:style>
+                <a:lnRef idx="2">
+                  <a:schemeClr val="accent1">
+                    <a:shade val="50000"/>
+                  </a:schemeClr>
+                </a:lnRef>
+                <a:fillRef idx="1">
+                  <a:schemeClr val="accent1"/>
+                </a:fillRef>
+                <a:effectRef idx="0">
+                  <a:schemeClr val="accent1"/>
+                </a:effectRef>
+                <a:fontRef idx="minor">
+                  <a:schemeClr val="lt1"/>
+                </a:fontRef>
+              </p:style>
+              <p:txBody>
+                <a:bodyPr rtlCol="0" anchor="ctr"/>
+                <a:lstStyle/>
+                <a:p>
+                  <a:pPr algn="ctr"/>
+                  <a:endParaRPr kumimoji="1" lang="ja-JP" altLang="en-US"/>
+                </a:p>
+              </p:txBody>
+            </p:sp>
+            <p:sp>
+              <p:nvSpPr>
+                <p:cNvPr id="5" name="楕円 4"/>
+                <p:cNvSpPr/>
+                <p:nvPr/>
+              </p:nvSpPr>
+              <p:spPr>
+                <a:xfrm>
+                  <a:off x="648398" y="4543397"/>
+                  <a:ext cx="1077884" cy="1077884"/>
+                </a:xfrm>
+                <a:prstGeom prst="ellipse">
+                  <a:avLst/>
+                </a:prstGeom>
+                <a:solidFill>
+                  <a:schemeClr val="bg2">
+                    <a:lumMod val="90000"/>
+                  </a:schemeClr>
+                </a:solidFill>
+                <a:ln>
+                  <a:solidFill>
+                    <a:schemeClr val="tx1"/>
+                  </a:solidFill>
+                </a:ln>
+              </p:spPr>
+              <p:style>
+                <a:lnRef idx="2">
+                  <a:schemeClr val="accent1">
+                    <a:shade val="50000"/>
+                  </a:schemeClr>
+                </a:lnRef>
+                <a:fillRef idx="1">
+                  <a:schemeClr val="accent1"/>
+                </a:fillRef>
+                <a:effectRef idx="0">
+                  <a:schemeClr val="accent1"/>
+                </a:effectRef>
+                <a:fontRef idx="minor">
+                  <a:schemeClr val="lt1"/>
+                </a:fontRef>
+              </p:style>
+              <p:txBody>
+                <a:bodyPr rtlCol="0" anchor="ctr"/>
+                <a:lstStyle/>
+                <a:p>
+                  <a:pPr algn="ctr"/>
+                  <a:endParaRPr kumimoji="1" lang="ja-JP" altLang="en-US"/>
+                </a:p>
+              </p:txBody>
+            </p:sp>
+          </p:grpSp>
+          <p:grpSp>
+            <p:nvGrpSpPr>
+              <p:cNvPr id="109" name="グループ化 108"/>
+              <p:cNvGrpSpPr/>
+              <p:nvPr/>
+            </p:nvGrpSpPr>
+            <p:grpSpPr>
+              <a:xfrm>
+                <a:off x="3398006" y="377335"/>
+                <a:ext cx="1079268" cy="6144087"/>
+                <a:chOff x="3248376" y="377335"/>
+                <a:chExt cx="1079268" cy="6144087"/>
+              </a:xfrm>
+            </p:grpSpPr>
+            <p:sp>
+              <p:nvSpPr>
+                <p:cNvPr id="21" name="楕円 20"/>
+                <p:cNvSpPr/>
+                <p:nvPr/>
+              </p:nvSpPr>
+              <p:spPr>
+                <a:xfrm>
+                  <a:off x="3249760" y="377335"/>
+                  <a:ext cx="1077884" cy="1077884"/>
+                </a:xfrm>
+                <a:prstGeom prst="ellipse">
+                  <a:avLst/>
+                </a:prstGeom>
+                <a:solidFill>
+                  <a:schemeClr val="bg2">
+                    <a:lumMod val="90000"/>
+                  </a:schemeClr>
+                </a:solidFill>
+                <a:ln>
+                  <a:solidFill>
+                    <a:schemeClr val="tx1"/>
+                  </a:solidFill>
+                </a:ln>
+              </p:spPr>
+              <p:style>
+                <a:lnRef idx="2">
+                  <a:schemeClr val="accent1">
+                    <a:shade val="50000"/>
+                  </a:schemeClr>
+                </a:lnRef>
+                <a:fillRef idx="1">
+                  <a:schemeClr val="accent1"/>
+                </a:fillRef>
+                <a:effectRef idx="0">
+                  <a:schemeClr val="accent1"/>
+                </a:effectRef>
+                <a:fontRef idx="minor">
+                  <a:schemeClr val="lt1"/>
+                </a:fontRef>
+              </p:style>
+              <p:txBody>
+                <a:bodyPr rtlCol="0" anchor="ctr"/>
+                <a:lstStyle/>
+                <a:p>
+                  <a:pPr algn="ctr"/>
+                  <a:endParaRPr kumimoji="1" lang="ja-JP" altLang="en-US"/>
+                </a:p>
+              </p:txBody>
+            </p:sp>
+            <p:sp>
+              <p:nvSpPr>
+                <p:cNvPr id="22" name="楕円 21"/>
+                <p:cNvSpPr/>
+                <p:nvPr/>
+              </p:nvSpPr>
+              <p:spPr>
+                <a:xfrm>
+                  <a:off x="3248376" y="1994161"/>
+                  <a:ext cx="1077884" cy="1077884"/>
+                </a:xfrm>
+                <a:prstGeom prst="ellipse">
+                  <a:avLst/>
+                </a:prstGeom>
+                <a:solidFill>
+                  <a:schemeClr val="bg2">
+                    <a:lumMod val="90000"/>
+                  </a:schemeClr>
+                </a:solidFill>
+                <a:ln>
+                  <a:solidFill>
+                    <a:schemeClr val="tx1"/>
+                  </a:solidFill>
+                </a:ln>
+              </p:spPr>
+              <p:style>
+                <a:lnRef idx="2">
+                  <a:schemeClr val="accent1">
+                    <a:shade val="50000"/>
+                  </a:schemeClr>
+                </a:lnRef>
+                <a:fillRef idx="1">
+                  <a:schemeClr val="accent1"/>
+                </a:fillRef>
+                <a:effectRef idx="0">
+                  <a:schemeClr val="accent1"/>
+                </a:effectRef>
+                <a:fontRef idx="minor">
+                  <a:schemeClr val="lt1"/>
+                </a:fontRef>
+              </p:style>
+              <p:txBody>
+                <a:bodyPr rtlCol="0" anchor="ctr"/>
+                <a:lstStyle/>
+                <a:p>
+                  <a:pPr algn="ctr"/>
+                  <a:endParaRPr kumimoji="1" lang="ja-JP" altLang="en-US"/>
+                </a:p>
+              </p:txBody>
+            </p:sp>
+            <p:sp>
+              <p:nvSpPr>
+                <p:cNvPr id="23" name="楕円 22"/>
+                <p:cNvSpPr/>
+                <p:nvPr/>
+              </p:nvSpPr>
+              <p:spPr>
+                <a:xfrm>
+                  <a:off x="3248376" y="3807721"/>
+                  <a:ext cx="1077884" cy="1077884"/>
+                </a:xfrm>
+                <a:prstGeom prst="ellipse">
+                  <a:avLst/>
+                </a:prstGeom>
+                <a:solidFill>
+                  <a:schemeClr val="bg2">
+                    <a:lumMod val="90000"/>
+                  </a:schemeClr>
+                </a:solidFill>
+                <a:ln>
+                  <a:solidFill>
+                    <a:schemeClr val="tx1"/>
+                  </a:solidFill>
+                </a:ln>
+              </p:spPr>
+              <p:style>
+                <a:lnRef idx="2">
+                  <a:schemeClr val="accent1">
+                    <a:shade val="50000"/>
+                  </a:schemeClr>
+                </a:lnRef>
+                <a:fillRef idx="1">
+                  <a:schemeClr val="accent1"/>
+                </a:fillRef>
+                <a:effectRef idx="0">
+                  <a:schemeClr val="accent1"/>
+                </a:effectRef>
+                <a:fontRef idx="minor">
+                  <a:schemeClr val="lt1"/>
+                </a:fontRef>
+              </p:style>
+              <p:txBody>
+                <a:bodyPr rtlCol="0" anchor="ctr"/>
+                <a:lstStyle/>
+                <a:p>
+                  <a:pPr algn="ctr"/>
+                  <a:endParaRPr kumimoji="1" lang="ja-JP" altLang="en-US"/>
+                </a:p>
+              </p:txBody>
+            </p:sp>
+            <p:sp>
+              <p:nvSpPr>
+                <p:cNvPr id="24" name="楕円 23"/>
+                <p:cNvSpPr/>
+                <p:nvPr/>
+              </p:nvSpPr>
+              <p:spPr>
+                <a:xfrm>
+                  <a:off x="3248376" y="5443538"/>
+                  <a:ext cx="1077884" cy="1077884"/>
+                </a:xfrm>
+                <a:prstGeom prst="ellipse">
+                  <a:avLst/>
+                </a:prstGeom>
+                <a:solidFill>
+                  <a:schemeClr val="bg2">
+                    <a:lumMod val="90000"/>
+                  </a:schemeClr>
+                </a:solidFill>
+                <a:ln>
+                  <a:solidFill>
+                    <a:schemeClr val="tx1"/>
+                  </a:solidFill>
+                </a:ln>
+              </p:spPr>
+              <p:style>
+                <a:lnRef idx="2">
+                  <a:schemeClr val="accent1">
+                    <a:shade val="50000"/>
+                  </a:schemeClr>
+                </a:lnRef>
+                <a:fillRef idx="1">
+                  <a:schemeClr val="accent1"/>
+                </a:fillRef>
+                <a:effectRef idx="0">
+                  <a:schemeClr val="accent1"/>
+                </a:effectRef>
+                <a:fontRef idx="minor">
+                  <a:schemeClr val="lt1"/>
+                </a:fontRef>
+              </p:style>
+              <p:txBody>
+                <a:bodyPr rtlCol="0" anchor="ctr"/>
+                <a:lstStyle/>
+                <a:p>
+                  <a:pPr algn="ctr"/>
+                  <a:endParaRPr kumimoji="1" lang="ja-JP" altLang="en-US"/>
+                </a:p>
+              </p:txBody>
+            </p:sp>
+          </p:grpSp>
+          <p:grpSp>
+            <p:nvGrpSpPr>
+              <p:cNvPr id="111" name="グループ化 110"/>
+              <p:cNvGrpSpPr/>
+              <p:nvPr/>
+            </p:nvGrpSpPr>
+            <p:grpSpPr>
+              <a:xfrm>
+                <a:off x="7283938" y="377335"/>
+                <a:ext cx="1079268" cy="6144087"/>
+                <a:chOff x="3248376" y="377335"/>
+                <a:chExt cx="1079268" cy="6144087"/>
+              </a:xfrm>
+            </p:grpSpPr>
+            <p:sp>
+              <p:nvSpPr>
+                <p:cNvPr id="112" name="楕円 111"/>
+                <p:cNvSpPr/>
+                <p:nvPr/>
+              </p:nvSpPr>
+              <p:spPr>
+                <a:xfrm>
+                  <a:off x="3249760" y="377335"/>
+                  <a:ext cx="1077884" cy="1077884"/>
+                </a:xfrm>
+                <a:prstGeom prst="ellipse">
+                  <a:avLst/>
+                </a:prstGeom>
+                <a:solidFill>
+                  <a:schemeClr val="bg2">
+                    <a:lumMod val="90000"/>
+                  </a:schemeClr>
+                </a:solidFill>
+                <a:ln>
+                  <a:solidFill>
+                    <a:schemeClr val="tx1"/>
+                  </a:solidFill>
+                </a:ln>
+              </p:spPr>
+              <p:style>
+                <a:lnRef idx="2">
+                  <a:schemeClr val="accent1">
+                    <a:shade val="50000"/>
+                  </a:schemeClr>
+                </a:lnRef>
+                <a:fillRef idx="1">
+                  <a:schemeClr val="accent1"/>
+                </a:fillRef>
+                <a:effectRef idx="0">
+                  <a:schemeClr val="accent1"/>
+                </a:effectRef>
+                <a:fontRef idx="minor">
+                  <a:schemeClr val="lt1"/>
+                </a:fontRef>
+              </p:style>
+              <p:txBody>
+                <a:bodyPr rtlCol="0" anchor="ctr"/>
+                <a:lstStyle/>
+                <a:p>
+                  <a:pPr algn="ctr"/>
+                  <a:endParaRPr kumimoji="1" lang="ja-JP" altLang="en-US"/>
+                </a:p>
+              </p:txBody>
+            </p:sp>
+            <p:sp>
+              <p:nvSpPr>
+                <p:cNvPr id="113" name="楕円 112"/>
+                <p:cNvSpPr/>
+                <p:nvPr/>
+              </p:nvSpPr>
+              <p:spPr>
+                <a:xfrm>
+                  <a:off x="3248376" y="1994161"/>
+                  <a:ext cx="1077884" cy="1077884"/>
+                </a:xfrm>
+                <a:prstGeom prst="ellipse">
+                  <a:avLst/>
+                </a:prstGeom>
+                <a:solidFill>
+                  <a:schemeClr val="bg2">
+                    <a:lumMod val="90000"/>
+                  </a:schemeClr>
+                </a:solidFill>
+                <a:ln>
+                  <a:solidFill>
+                    <a:schemeClr val="tx1"/>
+                  </a:solidFill>
+                </a:ln>
+              </p:spPr>
+              <p:style>
+                <a:lnRef idx="2">
+                  <a:schemeClr val="accent1">
+                    <a:shade val="50000"/>
+                  </a:schemeClr>
+                </a:lnRef>
+                <a:fillRef idx="1">
+                  <a:schemeClr val="accent1"/>
+                </a:fillRef>
+                <a:effectRef idx="0">
+                  <a:schemeClr val="accent1"/>
+                </a:effectRef>
+                <a:fontRef idx="minor">
+                  <a:schemeClr val="lt1"/>
+                </a:fontRef>
+              </p:style>
+              <p:txBody>
+                <a:bodyPr rtlCol="0" anchor="ctr"/>
+                <a:lstStyle/>
+                <a:p>
+                  <a:pPr algn="ctr"/>
+                  <a:endParaRPr kumimoji="1" lang="ja-JP" altLang="en-US"/>
+                </a:p>
+              </p:txBody>
+            </p:sp>
+            <p:sp>
+              <p:nvSpPr>
+                <p:cNvPr id="114" name="楕円 113"/>
+                <p:cNvSpPr/>
+                <p:nvPr/>
+              </p:nvSpPr>
+              <p:spPr>
+                <a:xfrm>
+                  <a:off x="3248376" y="3807721"/>
+                  <a:ext cx="1077884" cy="1077884"/>
+                </a:xfrm>
+                <a:prstGeom prst="ellipse">
+                  <a:avLst/>
+                </a:prstGeom>
+                <a:solidFill>
+                  <a:schemeClr val="bg2">
+                    <a:lumMod val="90000"/>
+                  </a:schemeClr>
+                </a:solidFill>
+                <a:ln>
+                  <a:solidFill>
+                    <a:schemeClr val="tx1"/>
+                  </a:solidFill>
+                </a:ln>
+              </p:spPr>
+              <p:style>
+                <a:lnRef idx="2">
+                  <a:schemeClr val="accent1">
+                    <a:shade val="50000"/>
+                  </a:schemeClr>
+                </a:lnRef>
+                <a:fillRef idx="1">
+                  <a:schemeClr val="accent1"/>
+                </a:fillRef>
+                <a:effectRef idx="0">
+                  <a:schemeClr val="accent1"/>
+                </a:effectRef>
+                <a:fontRef idx="minor">
+                  <a:schemeClr val="lt1"/>
+                </a:fontRef>
+              </p:style>
+              <p:txBody>
+                <a:bodyPr rtlCol="0" anchor="ctr"/>
+                <a:lstStyle/>
+                <a:p>
+                  <a:pPr algn="ctr"/>
+                  <a:endParaRPr kumimoji="1" lang="ja-JP" altLang="en-US"/>
+                </a:p>
+              </p:txBody>
+            </p:sp>
+            <p:sp>
+              <p:nvSpPr>
+                <p:cNvPr id="115" name="楕円 114"/>
+                <p:cNvSpPr/>
+                <p:nvPr/>
+              </p:nvSpPr>
+              <p:spPr>
+                <a:xfrm>
+                  <a:off x="3248376" y="5443538"/>
+                  <a:ext cx="1077884" cy="1077884"/>
+                </a:xfrm>
+                <a:prstGeom prst="ellipse">
+                  <a:avLst/>
+                </a:prstGeom>
+                <a:solidFill>
+                  <a:schemeClr val="bg2">
+                    <a:lumMod val="90000"/>
+                  </a:schemeClr>
+                </a:solidFill>
+                <a:ln>
+                  <a:solidFill>
+                    <a:schemeClr val="tx1"/>
+                  </a:solidFill>
+                </a:ln>
+              </p:spPr>
+              <p:style>
+                <a:lnRef idx="2">
+                  <a:schemeClr val="accent1">
+                    <a:shade val="50000"/>
+                  </a:schemeClr>
+                </a:lnRef>
+                <a:fillRef idx="1">
+                  <a:schemeClr val="accent1"/>
+                </a:fillRef>
+                <a:effectRef idx="0">
+                  <a:schemeClr val="accent1"/>
+                </a:effectRef>
+                <a:fontRef idx="minor">
+                  <a:schemeClr val="lt1"/>
+                </a:fontRef>
+              </p:style>
+              <p:txBody>
+                <a:bodyPr rtlCol="0" anchor="ctr"/>
+                <a:lstStyle/>
+                <a:p>
+                  <a:pPr algn="ctr"/>
+                  <a:endParaRPr kumimoji="1" lang="ja-JP" altLang="en-US"/>
+                </a:p>
+              </p:txBody>
+            </p:sp>
+          </p:grpSp>
+          <p:grpSp>
+            <p:nvGrpSpPr>
+              <p:cNvPr id="171" name="グループ化 170"/>
+              <p:cNvGrpSpPr/>
+              <p:nvPr/>
+            </p:nvGrpSpPr>
+            <p:grpSpPr>
+              <a:xfrm>
+                <a:off x="10471358" y="1284115"/>
+                <a:ext cx="1077884" cy="4362796"/>
+                <a:chOff x="648398" y="1258485"/>
+                <a:chExt cx="1077884" cy="4362796"/>
+              </a:xfrm>
+            </p:grpSpPr>
+            <p:sp>
+              <p:nvSpPr>
+                <p:cNvPr id="172" name="楕円 171"/>
+                <p:cNvSpPr/>
+                <p:nvPr/>
+              </p:nvSpPr>
+              <p:spPr>
+                <a:xfrm>
+                  <a:off x="648398" y="1258485"/>
+                  <a:ext cx="1077884" cy="1077884"/>
+                </a:xfrm>
+                <a:prstGeom prst="ellipse">
+                  <a:avLst/>
+                </a:prstGeom>
+                <a:solidFill>
+                  <a:schemeClr val="bg2">
+                    <a:lumMod val="90000"/>
+                  </a:schemeClr>
+                </a:solidFill>
+                <a:ln>
+                  <a:solidFill>
+                    <a:schemeClr val="tx1"/>
+                  </a:solidFill>
+                </a:ln>
+              </p:spPr>
+              <p:style>
+                <a:lnRef idx="2">
+                  <a:schemeClr val="accent1">
+                    <a:shade val="50000"/>
+                  </a:schemeClr>
+                </a:lnRef>
+                <a:fillRef idx="1">
+                  <a:schemeClr val="accent1"/>
+                </a:fillRef>
+                <a:effectRef idx="0">
+                  <a:schemeClr val="accent1"/>
+                </a:effectRef>
+                <a:fontRef idx="minor">
+                  <a:schemeClr val="lt1"/>
+                </a:fontRef>
+              </p:style>
+              <p:txBody>
+                <a:bodyPr rtlCol="0" anchor="ctr"/>
+                <a:lstStyle/>
+                <a:p>
+                  <a:pPr algn="ctr"/>
+                  <a:endParaRPr kumimoji="1" lang="ja-JP" altLang="en-US"/>
+                </a:p>
+              </p:txBody>
+            </p:sp>
+            <p:sp>
+              <p:nvSpPr>
+                <p:cNvPr id="173" name="楕円 172"/>
+                <p:cNvSpPr/>
+                <p:nvPr/>
+              </p:nvSpPr>
+              <p:spPr>
+                <a:xfrm>
+                  <a:off x="648398" y="2920827"/>
+                  <a:ext cx="1077884" cy="1077884"/>
+                </a:xfrm>
+                <a:prstGeom prst="ellipse">
+                  <a:avLst/>
+                </a:prstGeom>
+                <a:solidFill>
+                  <a:schemeClr val="bg2">
+                    <a:lumMod val="90000"/>
+                  </a:schemeClr>
+                </a:solidFill>
+                <a:ln>
+                  <a:solidFill>
+                    <a:schemeClr val="tx1"/>
+                  </a:solidFill>
+                </a:ln>
+              </p:spPr>
+              <p:style>
+                <a:lnRef idx="2">
+                  <a:schemeClr val="accent1">
+                    <a:shade val="50000"/>
+                  </a:schemeClr>
+                </a:lnRef>
+                <a:fillRef idx="1">
+                  <a:schemeClr val="accent1"/>
+                </a:fillRef>
+                <a:effectRef idx="0">
+                  <a:schemeClr val="accent1"/>
+                </a:effectRef>
+                <a:fontRef idx="minor">
+                  <a:schemeClr val="lt1"/>
+                </a:fontRef>
+              </p:style>
+              <p:txBody>
+                <a:bodyPr rtlCol="0" anchor="ctr"/>
+                <a:lstStyle/>
+                <a:p>
+                  <a:pPr algn="ctr"/>
+                  <a:endParaRPr kumimoji="1" lang="ja-JP" altLang="en-US"/>
+                </a:p>
+              </p:txBody>
+            </p:sp>
+            <p:sp>
+              <p:nvSpPr>
+                <p:cNvPr id="174" name="楕円 173"/>
+                <p:cNvSpPr/>
+                <p:nvPr/>
+              </p:nvSpPr>
+              <p:spPr>
+                <a:xfrm>
+                  <a:off x="648398" y="4543397"/>
+                  <a:ext cx="1077884" cy="1077884"/>
+                </a:xfrm>
+                <a:prstGeom prst="ellipse">
+                  <a:avLst/>
+                </a:prstGeom>
+                <a:solidFill>
+                  <a:schemeClr val="bg2">
+                    <a:lumMod val="90000"/>
+                  </a:schemeClr>
+                </a:solidFill>
+                <a:ln>
+                  <a:solidFill>
+                    <a:schemeClr val="tx1"/>
+                  </a:solidFill>
+                </a:ln>
+              </p:spPr>
+              <p:style>
+                <a:lnRef idx="2">
+                  <a:schemeClr val="accent1">
+                    <a:shade val="50000"/>
+                  </a:schemeClr>
+                </a:lnRef>
+                <a:fillRef idx="1">
+                  <a:schemeClr val="accent1"/>
+                </a:fillRef>
+                <a:effectRef idx="0">
+                  <a:schemeClr val="accent1"/>
+                </a:effectRef>
+                <a:fontRef idx="minor">
+                  <a:schemeClr val="lt1"/>
+                </a:fontRef>
+              </p:style>
+              <p:txBody>
+                <a:bodyPr rtlCol="0" anchor="ctr"/>
+                <a:lstStyle/>
+                <a:p>
+                  <a:pPr algn="ctr"/>
+                  <a:endParaRPr kumimoji="1" lang="ja-JP" altLang="en-US"/>
+                </a:p>
+              </p:txBody>
+            </p:sp>
+          </p:grpSp>
+        </p:grpSp>
+        <p:cxnSp>
+          <p:nvCxnSpPr>
+            <p:cNvPr id="191" name="直線コネクタ 190"/>
+            <p:cNvCxnSpPr>
+              <a:stCxn id="112" idx="6"/>
+              <a:endCxn id="172" idx="2"/>
+            </p:cNvCxnSpPr>
+            <p:nvPr/>
+          </p:nvCxnSpPr>
+          <p:spPr>
+            <a:xfrm>
+              <a:off x="8040650" y="2207262"/>
+              <a:ext cx="1653680" cy="711298"/>
+            </a:xfrm>
+            <a:prstGeom prst="line">
+              <a:avLst/>
+            </a:prstGeom>
+            <a:ln w="38100"/>
+          </p:spPr>
+          <p:style>
+            <a:lnRef idx="1">
+              <a:schemeClr val="dk1"/>
+            </a:lnRef>
+            <a:fillRef idx="0">
+              <a:schemeClr val="dk1"/>
+            </a:fillRef>
+            <a:effectRef idx="0">
+              <a:schemeClr val="dk1"/>
+            </a:effectRef>
+            <a:fontRef idx="minor">
+              <a:schemeClr val="tx1"/>
+            </a:fontRef>
+          </p:style>
+        </p:cxnSp>
+        <p:cxnSp>
+          <p:nvCxnSpPr>
+            <p:cNvPr id="192" name="直線コネクタ 191"/>
+            <p:cNvCxnSpPr>
+              <a:stCxn id="112" idx="6"/>
+              <a:endCxn id="173" idx="2"/>
+            </p:cNvCxnSpPr>
+            <p:nvPr/>
+          </p:nvCxnSpPr>
+          <p:spPr>
+            <a:xfrm>
+              <a:off x="8040650" y="2207262"/>
+              <a:ext cx="1653680" cy="2015275"/>
+            </a:xfrm>
+            <a:prstGeom prst="line">
+              <a:avLst/>
+            </a:prstGeom>
+            <a:ln w="38100"/>
+          </p:spPr>
+          <p:style>
+            <a:lnRef idx="1">
+              <a:schemeClr val="dk1"/>
+            </a:lnRef>
+            <a:fillRef idx="0">
+              <a:schemeClr val="dk1"/>
+            </a:fillRef>
+            <a:effectRef idx="0">
+              <a:schemeClr val="dk1"/>
+            </a:effectRef>
+            <a:fontRef idx="minor">
+              <a:schemeClr val="tx1"/>
+            </a:fontRef>
+          </p:style>
+        </p:cxnSp>
+        <p:cxnSp>
+          <p:nvCxnSpPr>
+            <p:cNvPr id="193" name="直線コネクタ 192"/>
+            <p:cNvCxnSpPr>
+              <a:stCxn id="112" idx="6"/>
+              <a:endCxn id="174" idx="2"/>
+            </p:cNvCxnSpPr>
+            <p:nvPr/>
+          </p:nvCxnSpPr>
+          <p:spPr>
+            <a:xfrm>
+              <a:off x="8040650" y="2207262"/>
+              <a:ext cx="1653680" cy="3288054"/>
+            </a:xfrm>
+            <a:prstGeom prst="line">
+              <a:avLst/>
+            </a:prstGeom>
+            <a:ln w="38100"/>
+          </p:spPr>
+          <p:style>
+            <a:lnRef idx="1">
+              <a:schemeClr val="dk1"/>
+            </a:lnRef>
+            <a:fillRef idx="0">
+              <a:schemeClr val="dk1"/>
+            </a:fillRef>
+            <a:effectRef idx="0">
+              <a:schemeClr val="dk1"/>
+            </a:effectRef>
+            <a:fontRef idx="minor">
+              <a:schemeClr val="tx1"/>
+            </a:fontRef>
+          </p:style>
+        </p:cxnSp>
+        <p:cxnSp>
+          <p:nvCxnSpPr>
+            <p:cNvPr id="203" name="直線コネクタ 202"/>
+            <p:cNvCxnSpPr>
+              <a:stCxn id="113" idx="6"/>
+              <a:endCxn id="174" idx="2"/>
+            </p:cNvCxnSpPr>
+            <p:nvPr/>
+          </p:nvCxnSpPr>
+          <p:spPr>
+            <a:xfrm>
+              <a:off x="8039564" y="3475535"/>
+              <a:ext cx="1654766" cy="2019781"/>
+            </a:xfrm>
+            <a:prstGeom prst="line">
+              <a:avLst/>
+            </a:prstGeom>
+            <a:ln w="38100"/>
+          </p:spPr>
+          <p:style>
+            <a:lnRef idx="1">
+              <a:schemeClr val="dk1"/>
+            </a:lnRef>
+            <a:fillRef idx="0">
+              <a:schemeClr val="dk1"/>
+            </a:fillRef>
+            <a:effectRef idx="0">
+              <a:schemeClr val="dk1"/>
+            </a:effectRef>
+            <a:fontRef idx="minor">
+              <a:schemeClr val="tx1"/>
+            </a:fontRef>
+          </p:style>
+        </p:cxnSp>
+        <p:cxnSp>
+          <p:nvCxnSpPr>
+            <p:cNvPr id="204" name="直線コネクタ 203"/>
+            <p:cNvCxnSpPr>
+              <a:stCxn id="113" idx="6"/>
+              <a:endCxn id="173" idx="2"/>
+            </p:cNvCxnSpPr>
+            <p:nvPr/>
+          </p:nvCxnSpPr>
+          <p:spPr>
+            <a:xfrm>
+              <a:off x="8039564" y="3475535"/>
+              <a:ext cx="1654766" cy="747002"/>
+            </a:xfrm>
+            <a:prstGeom prst="line">
+              <a:avLst/>
+            </a:prstGeom>
+            <a:ln w="38100"/>
+          </p:spPr>
+          <p:style>
+            <a:lnRef idx="1">
+              <a:schemeClr val="dk1"/>
+            </a:lnRef>
+            <a:fillRef idx="0">
+              <a:schemeClr val="dk1"/>
+            </a:fillRef>
+            <a:effectRef idx="0">
+              <a:schemeClr val="dk1"/>
+            </a:effectRef>
+            <a:fontRef idx="minor">
+              <a:schemeClr val="tx1"/>
+            </a:fontRef>
+          </p:style>
+        </p:cxnSp>
+        <p:cxnSp>
+          <p:nvCxnSpPr>
+            <p:cNvPr id="205" name="直線コネクタ 204"/>
+            <p:cNvCxnSpPr>
+              <a:stCxn id="113" idx="6"/>
+              <a:endCxn id="172" idx="2"/>
+            </p:cNvCxnSpPr>
+            <p:nvPr/>
+          </p:nvCxnSpPr>
+          <p:spPr>
+            <a:xfrm flipV="1">
+              <a:off x="8039564" y="2918560"/>
+              <a:ext cx="1654766" cy="556975"/>
+            </a:xfrm>
+            <a:prstGeom prst="line">
+              <a:avLst/>
+            </a:prstGeom>
+            <a:ln w="38100"/>
+          </p:spPr>
+          <p:style>
+            <a:lnRef idx="1">
+              <a:schemeClr val="dk1"/>
+            </a:lnRef>
+            <a:fillRef idx="0">
+              <a:schemeClr val="dk1"/>
+            </a:fillRef>
+            <a:effectRef idx="0">
+              <a:schemeClr val="dk1"/>
+            </a:effectRef>
+            <a:fontRef idx="minor">
+              <a:schemeClr val="tx1"/>
+            </a:fontRef>
+          </p:style>
+        </p:cxnSp>
+        <p:cxnSp>
+          <p:nvCxnSpPr>
+            <p:cNvPr id="212" name="直線コネクタ 211"/>
+            <p:cNvCxnSpPr>
+              <a:stCxn id="114" idx="6"/>
+              <a:endCxn id="174" idx="2"/>
+            </p:cNvCxnSpPr>
+            <p:nvPr/>
+          </p:nvCxnSpPr>
+          <p:spPr>
+            <a:xfrm>
+              <a:off x="8039564" y="4898131"/>
+              <a:ext cx="1654766" cy="597185"/>
+            </a:xfrm>
+            <a:prstGeom prst="line">
+              <a:avLst/>
+            </a:prstGeom>
+            <a:ln w="38100"/>
+          </p:spPr>
+          <p:style>
+            <a:lnRef idx="1">
+              <a:schemeClr val="dk1"/>
+            </a:lnRef>
+            <a:fillRef idx="0">
+              <a:schemeClr val="dk1"/>
+            </a:fillRef>
+            <a:effectRef idx="0">
+              <a:schemeClr val="dk1"/>
+            </a:effectRef>
+            <a:fontRef idx="minor">
+              <a:schemeClr val="tx1"/>
+            </a:fontRef>
+          </p:style>
+        </p:cxnSp>
+        <p:cxnSp>
+          <p:nvCxnSpPr>
+            <p:cNvPr id="213" name="直線コネクタ 212"/>
+            <p:cNvCxnSpPr>
+              <a:stCxn id="114" idx="6"/>
+              <a:endCxn id="173" idx="2"/>
+            </p:cNvCxnSpPr>
+            <p:nvPr/>
+          </p:nvCxnSpPr>
+          <p:spPr>
+            <a:xfrm flipV="1">
+              <a:off x="8039564" y="4222537"/>
+              <a:ext cx="1654766" cy="675594"/>
+            </a:xfrm>
+            <a:prstGeom prst="line">
+              <a:avLst/>
+            </a:prstGeom>
+            <a:ln w="38100"/>
+          </p:spPr>
+          <p:style>
+            <a:lnRef idx="1">
+              <a:schemeClr val="dk1"/>
+            </a:lnRef>
+            <a:fillRef idx="0">
+              <a:schemeClr val="dk1"/>
+            </a:fillRef>
+            <a:effectRef idx="0">
+              <a:schemeClr val="dk1"/>
+            </a:effectRef>
+            <a:fontRef idx="minor">
+              <a:schemeClr val="tx1"/>
+            </a:fontRef>
+          </p:style>
+        </p:cxnSp>
+        <p:cxnSp>
+          <p:nvCxnSpPr>
+            <p:cNvPr id="214" name="直線コネクタ 213"/>
+            <p:cNvCxnSpPr>
+              <a:stCxn id="114" idx="6"/>
+              <a:endCxn id="172" idx="2"/>
+            </p:cNvCxnSpPr>
+            <p:nvPr/>
+          </p:nvCxnSpPr>
+          <p:spPr>
+            <a:xfrm flipV="1">
+              <a:off x="8039564" y="2918560"/>
+              <a:ext cx="1654766" cy="1979571"/>
+            </a:xfrm>
+            <a:prstGeom prst="line">
+              <a:avLst/>
+            </a:prstGeom>
+            <a:ln w="38100"/>
+          </p:spPr>
+          <p:style>
+            <a:lnRef idx="1">
+              <a:schemeClr val="dk1"/>
+            </a:lnRef>
+            <a:fillRef idx="0">
+              <a:schemeClr val="dk1"/>
+            </a:fillRef>
+            <a:effectRef idx="0">
+              <a:schemeClr val="dk1"/>
+            </a:effectRef>
+            <a:fontRef idx="minor">
+              <a:schemeClr val="tx1"/>
+            </a:fontRef>
+          </p:style>
+        </p:cxnSp>
+        <p:cxnSp>
+          <p:nvCxnSpPr>
+            <p:cNvPr id="221" name="直線コネクタ 220"/>
+            <p:cNvCxnSpPr>
+              <a:stCxn id="115" idx="6"/>
+              <a:endCxn id="172" idx="2"/>
+            </p:cNvCxnSpPr>
+            <p:nvPr/>
+          </p:nvCxnSpPr>
+          <p:spPr>
+            <a:xfrm flipV="1">
+              <a:off x="8039564" y="2918560"/>
+              <a:ext cx="1654766" cy="3262741"/>
+            </a:xfrm>
+            <a:prstGeom prst="line">
+              <a:avLst/>
+            </a:prstGeom>
+            <a:ln w="38100"/>
+          </p:spPr>
+          <p:style>
+            <a:lnRef idx="1">
+              <a:schemeClr val="dk1"/>
+            </a:lnRef>
+            <a:fillRef idx="0">
+              <a:schemeClr val="dk1"/>
+            </a:fillRef>
+            <a:effectRef idx="0">
+              <a:schemeClr val="dk1"/>
+            </a:effectRef>
+            <a:fontRef idx="minor">
+              <a:schemeClr val="tx1"/>
+            </a:fontRef>
+          </p:style>
+        </p:cxnSp>
+        <p:cxnSp>
+          <p:nvCxnSpPr>
+            <p:cNvPr id="222" name="直線コネクタ 221"/>
+            <p:cNvCxnSpPr>
+              <a:stCxn id="115" idx="6"/>
+              <a:endCxn id="173" idx="2"/>
+            </p:cNvCxnSpPr>
+            <p:nvPr/>
+          </p:nvCxnSpPr>
+          <p:spPr>
+            <a:xfrm flipV="1">
+              <a:off x="8039564" y="4222537"/>
+              <a:ext cx="1654766" cy="1958764"/>
+            </a:xfrm>
+            <a:prstGeom prst="line">
+              <a:avLst/>
+            </a:prstGeom>
+            <a:ln w="38100"/>
+          </p:spPr>
+          <p:style>
+            <a:lnRef idx="1">
+              <a:schemeClr val="dk1"/>
+            </a:lnRef>
+            <a:fillRef idx="0">
+              <a:schemeClr val="dk1"/>
+            </a:fillRef>
+            <a:effectRef idx="0">
+              <a:schemeClr val="dk1"/>
+            </a:effectRef>
+            <a:fontRef idx="minor">
+              <a:schemeClr val="tx1"/>
+            </a:fontRef>
+          </p:style>
+        </p:cxnSp>
+        <p:cxnSp>
+          <p:nvCxnSpPr>
+            <p:cNvPr id="223" name="直線コネクタ 222"/>
+            <p:cNvCxnSpPr>
+              <a:stCxn id="115" idx="6"/>
+              <a:endCxn id="174" idx="2"/>
+            </p:cNvCxnSpPr>
+            <p:nvPr/>
+          </p:nvCxnSpPr>
+          <p:spPr>
+            <a:xfrm flipV="1">
+              <a:off x="8039564" y="5495316"/>
+              <a:ext cx="1654766" cy="685985"/>
+            </a:xfrm>
+            <a:prstGeom prst="line">
+              <a:avLst/>
+            </a:prstGeom>
+            <a:ln w="38100"/>
+          </p:spPr>
+          <p:style>
+            <a:lnRef idx="1">
+              <a:schemeClr val="dk1"/>
+            </a:lnRef>
+            <a:fillRef idx="0">
+              <a:schemeClr val="dk1"/>
+            </a:fillRef>
+            <a:effectRef idx="0">
+              <a:schemeClr val="dk1"/>
+            </a:effectRef>
+            <a:fontRef idx="minor">
+              <a:schemeClr val="tx1"/>
+            </a:fontRef>
+          </p:style>
+        </p:cxnSp>
+        <p:sp>
+          <p:nvSpPr>
+            <p:cNvPr id="232" name="テキスト ボックス 231"/>
+            <p:cNvSpPr txBox="1"/>
+            <p:nvPr/>
+          </p:nvSpPr>
+          <p:spPr>
+            <a:xfrm>
+              <a:off x="1297508" y="351008"/>
+              <a:ext cx="1405962" cy="564144"/>
+            </a:xfrm>
+            <a:prstGeom prst="rect">
+              <a:avLst/>
+            </a:prstGeom>
+            <a:noFill/>
+          </p:spPr>
+          <p:txBody>
+            <a:bodyPr wrap="square" rtlCol="0">
+              <a:spAutoFit/>
+            </a:bodyPr>
+            <a:lstStyle/>
+            <a:p>
+              <a:r>
+                <a:rPr kumimoji="1" lang="ja-JP" altLang="en-US" sz="2400" b="1" dirty="0"/>
+                <a:t>入力層</a:t>
+              </a:r>
+            </a:p>
+          </p:txBody>
+        </p:sp>
+        <p:sp>
+          <p:nvSpPr>
+            <p:cNvPr id="233" name="左中かっこ 232"/>
+            <p:cNvSpPr/>
+            <p:nvPr/>
+          </p:nvSpPr>
+          <p:spPr>
+            <a:xfrm rot="5400000">
+              <a:off x="1806706" y="334898"/>
+              <a:ext cx="387568" cy="1590290"/>
+            </a:xfrm>
+            <a:prstGeom prst="leftBrace">
+              <a:avLst/>
+            </a:prstGeom>
+            <a:ln w="28575"/>
+          </p:spPr>
+          <p:style>
+            <a:lnRef idx="1">
+              <a:schemeClr val="dk1"/>
+            </a:lnRef>
+            <a:fillRef idx="0">
+              <a:schemeClr val="dk1"/>
+            </a:fillRef>
+            <a:effectRef idx="0">
+              <a:schemeClr val="dk1"/>
+            </a:effectRef>
+            <a:fontRef idx="minor">
+              <a:schemeClr val="tx1"/>
+            </a:fontRef>
+          </p:style>
+          <p:txBody>
+            <a:bodyPr rtlCol="0" anchor="ctr"/>
+            <a:lstStyle/>
+            <a:p>
+              <a:pPr algn="ctr"/>
+              <a:endParaRPr kumimoji="1" lang="ja-JP" altLang="en-US"/>
+            </a:p>
+          </p:txBody>
+        </p:sp>
+        <p:sp>
+          <p:nvSpPr>
+            <p:cNvPr id="234" name="テキスト ボックス 233"/>
+            <p:cNvSpPr txBox="1"/>
+            <p:nvPr/>
+          </p:nvSpPr>
+          <p:spPr>
+            <a:xfrm>
+              <a:off x="5386722" y="351008"/>
+              <a:ext cx="1411957" cy="564144"/>
+            </a:xfrm>
+            <a:prstGeom prst="rect">
+              <a:avLst/>
+            </a:prstGeom>
+            <a:noFill/>
+          </p:spPr>
+          <p:txBody>
+            <a:bodyPr wrap="square" rtlCol="0">
+              <a:spAutoFit/>
+            </a:bodyPr>
+            <a:lstStyle/>
+            <a:p>
+              <a:r>
+                <a:rPr lang="ja-JP" altLang="en-US" sz="2400" b="1" dirty="0"/>
+                <a:t>隠れ</a:t>
+              </a:r>
+              <a:r>
+                <a:rPr kumimoji="1" lang="ja-JP" altLang="en-US" sz="2400" b="1" dirty="0"/>
+                <a:t>層</a:t>
+              </a:r>
+            </a:p>
+          </p:txBody>
+        </p:sp>
+        <p:sp>
+          <p:nvSpPr>
+            <p:cNvPr id="235" name="左中かっこ 234"/>
+            <p:cNvSpPr/>
+            <p:nvPr/>
+          </p:nvSpPr>
+          <p:spPr>
+            <a:xfrm rot="5400000">
+              <a:off x="5902216" y="-1460823"/>
+              <a:ext cx="387568" cy="5178829"/>
+            </a:xfrm>
+            <a:prstGeom prst="leftBrace">
+              <a:avLst>
+                <a:gd name="adj1" fmla="val 8333"/>
+                <a:gd name="adj2" fmla="val 50000"/>
+              </a:avLst>
+            </a:prstGeom>
+            <a:ln w="28575"/>
+          </p:spPr>
+          <p:style>
+            <a:lnRef idx="1">
+              <a:schemeClr val="dk1"/>
+            </a:lnRef>
+            <a:fillRef idx="0">
+              <a:schemeClr val="dk1"/>
+            </a:fillRef>
+            <a:effectRef idx="0">
+              <a:schemeClr val="dk1"/>
+            </a:effectRef>
+            <a:fontRef idx="minor">
+              <a:schemeClr val="tx1"/>
+            </a:fontRef>
+          </p:style>
+          <p:txBody>
+            <a:bodyPr rtlCol="0" anchor="ctr"/>
+            <a:lstStyle/>
+            <a:p>
+              <a:pPr algn="ctr"/>
+              <a:endParaRPr kumimoji="1" lang="ja-JP" altLang="en-US"/>
+            </a:p>
+          </p:txBody>
+        </p:sp>
+        <p:sp>
+          <p:nvSpPr>
+            <p:cNvPr id="236" name="テキスト ボックス 235"/>
+            <p:cNvSpPr txBox="1"/>
+            <p:nvPr/>
+          </p:nvSpPr>
+          <p:spPr>
+            <a:xfrm>
+              <a:off x="9375408" y="370662"/>
+              <a:ext cx="1349144" cy="564144"/>
+            </a:xfrm>
+            <a:prstGeom prst="rect">
+              <a:avLst/>
+            </a:prstGeom>
+            <a:noFill/>
+          </p:spPr>
+          <p:txBody>
+            <a:bodyPr wrap="square" rtlCol="0">
+              <a:spAutoFit/>
+            </a:bodyPr>
+            <a:lstStyle/>
+            <a:p>
+              <a:r>
+                <a:rPr lang="ja-JP" altLang="en-US" sz="2400" b="1" dirty="0"/>
+                <a:t>出力</a:t>
+              </a:r>
+              <a:r>
+                <a:rPr kumimoji="1" lang="ja-JP" altLang="en-US" sz="2400" b="1" dirty="0"/>
+                <a:t>層</a:t>
+              </a:r>
+            </a:p>
+          </p:txBody>
+        </p:sp>
+        <p:sp>
+          <p:nvSpPr>
+            <p:cNvPr id="237" name="左中かっこ 236"/>
+            <p:cNvSpPr/>
+            <p:nvPr/>
+          </p:nvSpPr>
+          <p:spPr>
+            <a:xfrm rot="5400000">
+              <a:off x="9856197" y="333446"/>
+              <a:ext cx="387569" cy="1590290"/>
+            </a:xfrm>
+            <a:prstGeom prst="leftBrace">
+              <a:avLst/>
+            </a:prstGeom>
+            <a:ln w="28575"/>
+          </p:spPr>
+          <p:style>
+            <a:lnRef idx="1">
+              <a:schemeClr val="dk1"/>
+            </a:lnRef>
+            <a:fillRef idx="0">
+              <a:schemeClr val="dk1"/>
+            </a:fillRef>
+            <a:effectRef idx="0">
+              <a:schemeClr val="dk1"/>
+            </a:effectRef>
+            <a:fontRef idx="minor">
+              <a:schemeClr val="tx1"/>
+            </a:fontRef>
+          </p:style>
+          <p:txBody>
+            <a:bodyPr rtlCol="0" anchor="ctr"/>
+            <a:lstStyle/>
+            <a:p>
+              <a:pPr algn="ctr"/>
+              <a:endParaRPr kumimoji="1" lang="ja-JP" altLang="en-US"/>
+            </a:p>
+          </p:txBody>
+        </p:sp>
+      </p:grpSp>
+      <p:sp>
+        <p:nvSpPr>
+          <p:cNvPr id="240" name="右矢印 239"/>
+          <p:cNvSpPr/>
+          <p:nvPr/>
+        </p:nvSpPr>
+        <p:spPr>
+          <a:xfrm>
+            <a:off x="1441482" y="3206041"/>
+            <a:ext cx="706118" cy="518943"/>
+          </a:xfrm>
+          <a:prstGeom prst="rightArrow">
+            <a:avLst/>
+          </a:prstGeom>
+          <a:solidFill>
+            <a:schemeClr val="bg2">
+              <a:lumMod val="50000"/>
+            </a:schemeClr>
+          </a:solidFill>
+          <a:ln>
+            <a:noFill/>
+          </a:ln>
+        </p:spPr>
+        <p:style>
+          <a:lnRef idx="2">
+            <a:schemeClr val="accent3">
+              <a:shade val="50000"/>
+            </a:schemeClr>
+          </a:lnRef>
+          <a:fillRef idx="1">
+            <a:schemeClr val="accent3"/>
+          </a:fillRef>
+          <a:effectRef idx="0">
+            <a:schemeClr val="accent3"/>
+          </a:effectRef>
+          <a:fontRef idx="minor">
+            <a:schemeClr val="lt1"/>
+          </a:fontRef>
+        </p:style>
+        <p:txBody>
+          <a:bodyPr rtlCol="0" anchor="ctr"/>
+          <a:lstStyle/>
+          <a:p>
+            <a:pPr algn="ctr"/>
+            <a:endParaRPr kumimoji="1" lang="ja-JP" altLang="en-US"/>
+          </a:p>
+        </p:txBody>
+      </p:sp>
+      <p:sp>
+        <p:nvSpPr>
+          <p:cNvPr id="241" name="右矢印 240"/>
+          <p:cNvSpPr/>
+          <p:nvPr/>
+        </p:nvSpPr>
+        <p:spPr>
+          <a:xfrm>
+            <a:off x="10111512" y="3213193"/>
+            <a:ext cx="706118" cy="518943"/>
+          </a:xfrm>
+          <a:prstGeom prst="rightArrow">
+            <a:avLst/>
+          </a:prstGeom>
+          <a:solidFill>
+            <a:schemeClr val="bg2">
+              <a:lumMod val="50000"/>
+            </a:schemeClr>
+          </a:solidFill>
+          <a:ln>
+            <a:noFill/>
+          </a:ln>
+        </p:spPr>
+        <p:style>
+          <a:lnRef idx="2">
+            <a:schemeClr val="accent3">
+              <a:shade val="50000"/>
+            </a:schemeClr>
+          </a:lnRef>
+          <a:fillRef idx="1">
+            <a:schemeClr val="accent3"/>
+          </a:fillRef>
+          <a:effectRef idx="0">
+            <a:schemeClr val="accent3"/>
+          </a:effectRef>
+          <a:fontRef idx="minor">
+            <a:schemeClr val="lt1"/>
+          </a:fontRef>
+        </p:style>
+        <p:txBody>
+          <a:bodyPr rtlCol="0" anchor="ctr"/>
+          <a:lstStyle/>
+          <a:p>
+            <a:pPr algn="ctr"/>
+            <a:endParaRPr kumimoji="1" lang="ja-JP" altLang="en-US"/>
+          </a:p>
+        </p:txBody>
+      </p:sp>
+      <p:sp>
+        <p:nvSpPr>
+          <p:cNvPr id="242" name="テキスト ボックス 241"/>
+          <p:cNvSpPr txBox="1"/>
+          <p:nvPr/>
+        </p:nvSpPr>
+        <p:spPr>
+          <a:xfrm>
+            <a:off x="0" y="2931353"/>
+            <a:ext cx="1415772" cy="1077218"/>
+          </a:xfrm>
+          <a:prstGeom prst="rect">
+            <a:avLst/>
+          </a:prstGeom>
+          <a:noFill/>
+        </p:spPr>
+        <p:txBody>
+          <a:bodyPr wrap="none" rtlCol="0">
+            <a:spAutoFit/>
+          </a:bodyPr>
+          <a:lstStyle/>
+          <a:p>
+            <a:r>
+              <a:rPr kumimoji="1" lang="ja-JP" altLang="en-US" sz="3200" b="1" dirty="0"/>
+              <a:t>入力</a:t>
+            </a:r>
+            <a:endParaRPr kumimoji="1" lang="en-US" altLang="ja-JP" sz="3200" b="1" dirty="0"/>
+          </a:p>
+          <a:p>
+            <a:r>
+              <a:rPr kumimoji="1" lang="ja-JP" altLang="en-US" sz="3200" b="1" dirty="0"/>
+              <a:t>データ</a:t>
+            </a:r>
+          </a:p>
+        </p:txBody>
+      </p:sp>
+      <p:sp>
+        <p:nvSpPr>
+          <p:cNvPr id="243" name="テキスト ボックス 242"/>
+          <p:cNvSpPr txBox="1"/>
+          <p:nvPr/>
+        </p:nvSpPr>
+        <p:spPr>
+          <a:xfrm>
+            <a:off x="10776228" y="2934055"/>
+            <a:ext cx="1415772" cy="1077218"/>
+          </a:xfrm>
+          <a:prstGeom prst="rect">
+            <a:avLst/>
+          </a:prstGeom>
+          <a:noFill/>
+        </p:spPr>
+        <p:txBody>
+          <a:bodyPr wrap="none" rtlCol="0">
+            <a:spAutoFit/>
+          </a:bodyPr>
+          <a:lstStyle/>
+          <a:p>
+            <a:r>
+              <a:rPr lang="ja-JP" altLang="en-US" sz="3200" b="1" dirty="0"/>
+              <a:t>出力</a:t>
+            </a:r>
+            <a:endParaRPr kumimoji="1" lang="en-US" altLang="ja-JP" sz="3200" b="1" dirty="0"/>
+          </a:p>
+          <a:p>
+            <a:r>
+              <a:rPr kumimoji="1" lang="ja-JP" altLang="en-US" sz="3200" b="1" dirty="0"/>
+              <a:t>データ</a:t>
+            </a:r>
+          </a:p>
+        </p:txBody>
+      </p:sp>
+    </p:spTree>
+    <p:extLst>
+      <p:ext uri="{BB962C8B-B14F-4D97-AF65-F5344CB8AC3E}">
+        <p14:creationId xmlns:p14="http://schemas.microsoft.com/office/powerpoint/2010/main" val="812024425"/>
+      </p:ext>
+    </p:extLst>
+  </p:cSld>
+  <p:clrMapOvr>
+    <a:masterClrMapping/>
+  </p:clrMapOvr>
+</p:sld>
+</file>
+
+<file path=ppt/slides/slide3.xml><?xml version="1.0" encoding="utf-8"?>
+<p:sld xmlns:a="http://schemas.openxmlformats.org/drawingml/2006/main" xmlns:r="http://schemas.openxmlformats.org/officeDocument/2006/relationships" xmlns:p="http://schemas.openxmlformats.org/presentationml/2006/main">
+  <p:cSld>
+    <p:spTree>
+      <p:nvGrpSpPr>
+        <p:cNvPr id="1" name=""/>
+        <p:cNvGrpSpPr/>
+        <p:nvPr/>
+      </p:nvGrpSpPr>
+      <p:grpSpPr>
+        <a:xfrm>
+          <a:off x="0" y="0"/>
+          <a:ext cx="0" cy="0"/>
+          <a:chOff x="0" y="0"/>
+          <a:chExt cx="0" cy="0"/>
+        </a:xfrm>
+      </p:grpSpPr>
       <p:sp>
         <p:nvSpPr>
           <p:cNvPr id="2" name="四角形: 角を丸くする 1">
@@ -18839,7 +19341,7 @@
 </p:sld>
 </file>
 
-<file path=ppt/slides/slide3.xml><?xml version="1.0" encoding="utf-8"?>
+<file path=ppt/slides/slide4.xml><?xml version="1.0" encoding="utf-8"?>
 <p:sld xmlns:a="http://schemas.openxmlformats.org/drawingml/2006/main" xmlns:r="http://schemas.openxmlformats.org/officeDocument/2006/relationships" xmlns:p="http://schemas.openxmlformats.org/presentationml/2006/main">
   <p:cSld>
     <p:spTree>
@@ -18904,7 +19406,7 @@
 </p:sld>
 </file>
 
-<file path=ppt/slides/slide4.xml><?xml version="1.0" encoding="utf-8"?>
+<file path=ppt/slides/slide5.xml><?xml version="1.0" encoding="utf-8"?>
 <p:sld xmlns:a="http://schemas.openxmlformats.org/drawingml/2006/main" xmlns:r="http://schemas.openxmlformats.org/officeDocument/2006/relationships" xmlns:p="http://schemas.openxmlformats.org/presentationml/2006/main">
   <p:cSld>
     <p:spTree>
@@ -18969,7 +19471,7 @@
 </p:sld>
 </file>
 
-<file path=ppt/slides/slide5.xml><?xml version="1.0" encoding="utf-8"?>
+<file path=ppt/slides/slide6.xml><?xml version="1.0" encoding="utf-8"?>
 <p:sld xmlns:a="http://schemas.openxmlformats.org/drawingml/2006/main" xmlns:r="http://schemas.openxmlformats.org/officeDocument/2006/relationships" xmlns:p="http://schemas.openxmlformats.org/presentationml/2006/main">
   <p:cSld>
     <p:spTree>
@@ -19034,7 +19536,7 @@
 </p:sld>
 </file>
 
-<file path=ppt/slides/slide6.xml><?xml version="1.0" encoding="utf-8"?>
+<file path=ppt/slides/slide7.xml><?xml version="1.0" encoding="utf-8"?>
 <p:sld xmlns:a="http://schemas.openxmlformats.org/drawingml/2006/main" xmlns:r="http://schemas.openxmlformats.org/officeDocument/2006/relationships" xmlns:p="http://schemas.openxmlformats.org/presentationml/2006/main">
   <p:cSld>
     <p:spTree>
@@ -19099,7 +19601,7 @@
 </p:sld>
 </file>
 
-<file path=ppt/slides/slide7.xml><?xml version="1.0" encoding="utf-8"?>
+<file path=ppt/slides/slide8.xml><?xml version="1.0" encoding="utf-8"?>
 <p:sld xmlns:a="http://schemas.openxmlformats.org/drawingml/2006/main" xmlns:r="http://schemas.openxmlformats.org/officeDocument/2006/relationships" xmlns:p="http://schemas.openxmlformats.org/presentationml/2006/main">
   <p:cSld>
     <p:spTree>
@@ -19164,7 +19666,7 @@
 </p:sld>
 </file>
 
-<file path=ppt/slides/slide8.xml><?xml version="1.0" encoding="utf-8"?>
+<file path=ppt/slides/slide9.xml><?xml version="1.0" encoding="utf-8"?>
 <p:sld xmlns:a="http://schemas.openxmlformats.org/drawingml/2006/main" xmlns:r="http://schemas.openxmlformats.org/officeDocument/2006/relationships" xmlns:p="http://schemas.openxmlformats.org/presentationml/2006/main">
   <p:cSld>
     <p:spTree>
@@ -19220,348 +19722,6 @@
     <p:extLst>
       <p:ext uri="{BB962C8B-B14F-4D97-AF65-F5344CB8AC3E}">
         <p14:creationId xmlns:p14="http://schemas.microsoft.com/office/powerpoint/2010/main" val="2131509672"/>
-      </p:ext>
-    </p:extLst>
-  </p:cSld>
-  <p:clrMapOvr>
-    <a:masterClrMapping/>
-  </p:clrMapOvr>
-</p:sld>
-</file>
-
-<file path=ppt/slides/slide9.xml><?xml version="1.0" encoding="utf-8"?>
-<p:sld xmlns:a="http://schemas.openxmlformats.org/drawingml/2006/main" xmlns:r="http://schemas.openxmlformats.org/officeDocument/2006/relationships" xmlns:p="http://schemas.openxmlformats.org/presentationml/2006/main">
-  <p:cSld>
-    <p:spTree>
-      <p:nvGrpSpPr>
-        <p:cNvPr id="1" name=""/>
-        <p:cNvGrpSpPr/>
-        <p:nvPr/>
-      </p:nvGrpSpPr>
-      <p:grpSpPr>
-        <a:xfrm>
-          <a:off x="0" y="0"/>
-          <a:ext cx="0" cy="0"/>
-          <a:chOff x="0" y="0"/>
-          <a:chExt cx="0" cy="0"/>
-        </a:xfrm>
-      </p:grpSpPr>
-      <p:grpSp>
-        <p:nvGrpSpPr>
-          <p:cNvPr id="22" name="グループ化 21"/>
-          <p:cNvGrpSpPr/>
-          <p:nvPr/>
-        </p:nvGrpSpPr>
-        <p:grpSpPr>
-          <a:xfrm>
-            <a:off x="360365" y="1423987"/>
-            <a:ext cx="3552825" cy="3552825"/>
-            <a:chOff x="1848530" y="1423987"/>
-            <a:chExt cx="3552825" cy="3552825"/>
-          </a:xfrm>
-        </p:grpSpPr>
-        <p:pic>
-          <p:nvPicPr>
-            <p:cNvPr id="9" name="図 8"/>
-            <p:cNvPicPr>
-              <a:picLocks noChangeAspect="1"/>
-            </p:cNvPicPr>
-            <p:nvPr/>
-          </p:nvPicPr>
-          <p:blipFill>
-            <a:blip r:embed="rId2"/>
-            <a:stretch>
-              <a:fillRect/>
-            </a:stretch>
-          </p:blipFill>
-          <p:spPr>
-            <a:xfrm>
-              <a:off x="1848530" y="1423987"/>
-              <a:ext cx="3552825" cy="3552825"/>
-            </a:xfrm>
-            <a:prstGeom prst="rect">
-              <a:avLst/>
-            </a:prstGeom>
-          </p:spPr>
-        </p:pic>
-        <p:grpSp>
-          <p:nvGrpSpPr>
-            <p:cNvPr id="14" name="グループ化 13"/>
-            <p:cNvGrpSpPr/>
-            <p:nvPr/>
-          </p:nvGrpSpPr>
-          <p:grpSpPr>
-            <a:xfrm>
-              <a:off x="2302325" y="1943097"/>
-              <a:ext cx="2612573" cy="2612573"/>
-              <a:chOff x="2302325" y="1943097"/>
-              <a:chExt cx="2612573" cy="2612573"/>
-            </a:xfrm>
-          </p:grpSpPr>
-          <p:cxnSp>
-            <p:nvCxnSpPr>
-              <p:cNvPr id="7" name="直線矢印コネクタ 6"/>
-              <p:cNvCxnSpPr/>
-              <p:nvPr/>
-            </p:nvCxnSpPr>
-            <p:spPr>
-              <a:xfrm>
-                <a:off x="3608612" y="1943097"/>
-                <a:ext cx="0" cy="2612573"/>
-              </a:xfrm>
-              <a:prstGeom prst="straightConnector1">
-                <a:avLst/>
-              </a:prstGeom>
-              <a:ln w="57150">
-                <a:headEnd type="triangle"/>
-                <a:tailEnd type="triangle"/>
-              </a:ln>
-            </p:spPr>
-            <p:style>
-              <a:lnRef idx="1">
-                <a:schemeClr val="dk1"/>
-              </a:lnRef>
-              <a:fillRef idx="0">
-                <a:schemeClr val="dk1"/>
-              </a:fillRef>
-              <a:effectRef idx="0">
-                <a:schemeClr val="dk1"/>
-              </a:effectRef>
-              <a:fontRef idx="minor">
-                <a:schemeClr val="tx1"/>
-              </a:fontRef>
-            </p:style>
-          </p:cxnSp>
-          <p:cxnSp>
-            <p:nvCxnSpPr>
-              <p:cNvPr id="11" name="直線矢印コネクタ 10"/>
-              <p:cNvCxnSpPr/>
-              <p:nvPr/>
-            </p:nvCxnSpPr>
-            <p:spPr>
-              <a:xfrm rot="16200000">
-                <a:off x="3608612" y="1894112"/>
-                <a:ext cx="0" cy="2612573"/>
-              </a:xfrm>
-              <a:prstGeom prst="straightConnector1">
-                <a:avLst/>
-              </a:prstGeom>
-              <a:ln w="57150">
-                <a:headEnd type="triangle"/>
-                <a:tailEnd type="triangle"/>
-              </a:ln>
-            </p:spPr>
-            <p:style>
-              <a:lnRef idx="1">
-                <a:schemeClr val="dk1"/>
-              </a:lnRef>
-              <a:fillRef idx="0">
-                <a:schemeClr val="dk1"/>
-              </a:fillRef>
-              <a:effectRef idx="0">
-                <a:schemeClr val="dk1"/>
-              </a:effectRef>
-              <a:fontRef idx="minor">
-                <a:schemeClr val="tx1"/>
-              </a:fontRef>
-            </p:style>
-          </p:cxnSp>
-        </p:grpSp>
-      </p:grpSp>
-      <p:grpSp>
-        <p:nvGrpSpPr>
-          <p:cNvPr id="21" name="グループ化 20"/>
-          <p:cNvGrpSpPr/>
-          <p:nvPr/>
-        </p:nvGrpSpPr>
-        <p:grpSpPr>
-          <a:xfrm>
-            <a:off x="4261190" y="1423985"/>
-            <a:ext cx="3552825" cy="3552825"/>
-            <a:chOff x="1200830" y="1456644"/>
-            <a:chExt cx="3552825" cy="3552825"/>
-          </a:xfrm>
-        </p:grpSpPr>
-        <p:pic>
-          <p:nvPicPr>
-            <p:cNvPr id="15" name="図 14"/>
-            <p:cNvPicPr>
-              <a:picLocks noChangeAspect="1"/>
-            </p:cNvPicPr>
-            <p:nvPr/>
-          </p:nvPicPr>
-          <p:blipFill>
-            <a:blip r:embed="rId3"/>
-            <a:stretch>
-              <a:fillRect/>
-            </a:stretch>
-          </p:blipFill>
-          <p:spPr>
-            <a:xfrm>
-              <a:off x="1200830" y="1456644"/>
-              <a:ext cx="3552825" cy="3552825"/>
-            </a:xfrm>
-            <a:prstGeom prst="rect">
-              <a:avLst/>
-            </a:prstGeom>
-          </p:spPr>
-        </p:pic>
-        <p:grpSp>
-          <p:nvGrpSpPr>
-            <p:cNvPr id="16" name="グループ化 15"/>
-            <p:cNvGrpSpPr/>
-            <p:nvPr/>
-          </p:nvGrpSpPr>
-          <p:grpSpPr>
-            <a:xfrm>
-              <a:off x="1670955" y="1926769"/>
-              <a:ext cx="2612573" cy="2612574"/>
-              <a:chOff x="2302325" y="1943096"/>
-              <a:chExt cx="2612573" cy="2612574"/>
-            </a:xfrm>
-          </p:grpSpPr>
-          <p:cxnSp>
-            <p:nvCxnSpPr>
-              <p:cNvPr id="17" name="直線矢印コネクタ 16"/>
-              <p:cNvCxnSpPr/>
-              <p:nvPr/>
-            </p:nvCxnSpPr>
-            <p:spPr>
-              <a:xfrm>
-                <a:off x="3608612" y="1943097"/>
-                <a:ext cx="0" cy="2612573"/>
-              </a:xfrm>
-              <a:prstGeom prst="straightConnector1">
-                <a:avLst/>
-              </a:prstGeom>
-              <a:ln w="57150">
-                <a:headEnd type="triangle"/>
-                <a:tailEnd type="triangle"/>
-              </a:ln>
-            </p:spPr>
-            <p:style>
-              <a:lnRef idx="1">
-                <a:schemeClr val="dk1"/>
-              </a:lnRef>
-              <a:fillRef idx="0">
-                <a:schemeClr val="dk1"/>
-              </a:fillRef>
-              <a:effectRef idx="0">
-                <a:schemeClr val="dk1"/>
-              </a:effectRef>
-              <a:fontRef idx="minor">
-                <a:schemeClr val="tx1"/>
-              </a:fontRef>
-            </p:style>
-          </p:cxnSp>
-          <p:cxnSp>
-            <p:nvCxnSpPr>
-              <p:cNvPr id="18" name="直線矢印コネクタ 17"/>
-              <p:cNvCxnSpPr/>
-              <p:nvPr/>
-            </p:nvCxnSpPr>
-            <p:spPr>
-              <a:xfrm rot="16200000">
-                <a:off x="3608612" y="1894112"/>
-                <a:ext cx="0" cy="2612573"/>
-              </a:xfrm>
-              <a:prstGeom prst="straightConnector1">
-                <a:avLst/>
-              </a:prstGeom>
-              <a:ln w="57150">
-                <a:headEnd type="triangle"/>
-                <a:tailEnd type="triangle"/>
-              </a:ln>
-            </p:spPr>
-            <p:style>
-              <a:lnRef idx="1">
-                <a:schemeClr val="dk1"/>
-              </a:lnRef>
-              <a:fillRef idx="0">
-                <a:schemeClr val="dk1"/>
-              </a:fillRef>
-              <a:effectRef idx="0">
-                <a:schemeClr val="dk1"/>
-              </a:effectRef>
-              <a:fontRef idx="minor">
-                <a:schemeClr val="tx1"/>
-              </a:fontRef>
-            </p:style>
-          </p:cxnSp>
-          <p:cxnSp>
-            <p:nvCxnSpPr>
-              <p:cNvPr id="19" name="直線矢印コネクタ 18"/>
-              <p:cNvCxnSpPr/>
-              <p:nvPr/>
-            </p:nvCxnSpPr>
-            <p:spPr>
-              <a:xfrm rot="2700000">
-                <a:off x="3608612" y="1943096"/>
-                <a:ext cx="0" cy="2612573"/>
-              </a:xfrm>
-              <a:prstGeom prst="straightConnector1">
-                <a:avLst/>
-              </a:prstGeom>
-              <a:ln w="57150">
-                <a:headEnd type="triangle"/>
-                <a:tailEnd type="triangle"/>
-              </a:ln>
-            </p:spPr>
-            <p:style>
-              <a:lnRef idx="1">
-                <a:schemeClr val="dk1"/>
-              </a:lnRef>
-              <a:fillRef idx="0">
-                <a:schemeClr val="dk1"/>
-              </a:fillRef>
-              <a:effectRef idx="0">
-                <a:schemeClr val="dk1"/>
-              </a:effectRef>
-              <a:fontRef idx="minor">
-                <a:schemeClr val="tx1"/>
-              </a:fontRef>
-            </p:style>
-          </p:cxnSp>
-          <p:cxnSp>
-            <p:nvCxnSpPr>
-              <p:cNvPr id="20" name="直線矢印コネクタ 19"/>
-              <p:cNvCxnSpPr/>
-              <p:nvPr/>
-            </p:nvCxnSpPr>
-            <p:spPr>
-              <a:xfrm rot="18900000" flipH="1">
-                <a:off x="3624942" y="1943096"/>
-                <a:ext cx="0" cy="2612573"/>
-              </a:xfrm>
-              <a:prstGeom prst="straightConnector1">
-                <a:avLst/>
-              </a:prstGeom>
-              <a:ln w="57150">
-                <a:headEnd type="triangle"/>
-                <a:tailEnd type="triangle"/>
-              </a:ln>
-            </p:spPr>
-            <p:style>
-              <a:lnRef idx="1">
-                <a:schemeClr val="dk1"/>
-              </a:lnRef>
-              <a:fillRef idx="0">
-                <a:schemeClr val="dk1"/>
-              </a:fillRef>
-              <a:effectRef idx="0">
-                <a:schemeClr val="dk1"/>
-              </a:effectRef>
-              <a:fontRef idx="minor">
-                <a:schemeClr val="tx1"/>
-              </a:fontRef>
-            </p:style>
-          </p:cxnSp>
-        </p:grpSp>
-      </p:grpSp>
-    </p:spTree>
-    <p:extLst>
-      <p:ext uri="{BB962C8B-B14F-4D97-AF65-F5344CB8AC3E}">
-        <p14:creationId xmlns:p14="http://schemas.microsoft.com/office/powerpoint/2010/main" val="3146931613"/>
       </p:ext>
     </p:extLst>
   </p:cSld>

--- a/卒研発表tex用_イラスト.pptx
+++ b/卒研発表tex用_イラスト.pptx
@@ -3433,81 +3433,1836 @@
           <a:chExt cx="0" cy="0"/>
         </a:xfrm>
       </p:grpSpPr>
-      <p:sp>
-        <p:nvSpPr>
-          <p:cNvPr id="2" name="楕円 1">
-            <a:extLst>
-              <a:ext uri="{FF2B5EF4-FFF2-40B4-BE49-F238E27FC236}">
-                <a16:creationId xmlns:a16="http://schemas.microsoft.com/office/drawing/2014/main" id="{E1FE9A11-EDD3-4D63-B932-407DE454C4F7}"/>
-              </a:ext>
-            </a:extLst>
-          </p:cNvPr>
-          <p:cNvSpPr/>
+      <p:grpSp>
+        <p:nvGrpSpPr>
+          <p:cNvPr id="91" name="グループ化 90"/>
+          <p:cNvGrpSpPr/>
           <p:nvPr/>
-        </p:nvSpPr>
-        <p:spPr>
+        </p:nvGrpSpPr>
+        <p:grpSpPr>
           <a:xfrm>
-            <a:off x="5271880" y="3273286"/>
-            <a:ext cx="1648240" cy="1706219"/>
+            <a:off x="3420784" y="1002794"/>
+            <a:ext cx="6131208" cy="4925438"/>
+            <a:chOff x="3411259" y="1678486"/>
+            <a:chExt cx="6131208" cy="4925438"/>
           </a:xfrm>
-          <a:prstGeom prst="ellipse">
-            <a:avLst/>
-          </a:prstGeom>
-          <a:solidFill>
-            <a:schemeClr val="bg2">
-              <a:lumMod val="50000"/>
-            </a:schemeClr>
-          </a:solidFill>
-          <a:ln w="28575">
+        </p:grpSpPr>
+        <p:sp>
+          <p:nvSpPr>
+            <p:cNvPr id="2" name="楕円 1">
+              <a:extLst>
+                <a:ext uri="{FF2B5EF4-FFF2-40B4-BE49-F238E27FC236}">
+                  <a16:creationId xmlns:a16="http://schemas.microsoft.com/office/drawing/2014/main" id="{E1FE9A11-EDD3-4D63-B932-407DE454C4F7}"/>
+                </a:ext>
+              </a:extLst>
+            </p:cNvPr>
+            <p:cNvSpPr/>
+            <p:nvPr/>
+          </p:nvSpPr>
+          <p:spPr>
+            <a:xfrm>
+              <a:off x="5271880" y="3273286"/>
+              <a:ext cx="1648240" cy="1706219"/>
+            </a:xfrm>
+            <a:prstGeom prst="ellipse">
+              <a:avLst/>
+            </a:prstGeom>
             <a:solidFill>
+              <a:schemeClr val="bg2">
+                <a:lumMod val="90000"/>
+              </a:schemeClr>
+            </a:solidFill>
+            <a:ln w="28575">
+              <a:solidFill>
+                <a:schemeClr val="tx1"/>
+              </a:solidFill>
+            </a:ln>
+          </p:spPr>
+          <p:style>
+            <a:lnRef idx="2">
+              <a:schemeClr val="accent1">
+                <a:shade val="50000"/>
+              </a:schemeClr>
+            </a:lnRef>
+            <a:fillRef idx="1">
+              <a:schemeClr val="accent1"/>
+            </a:fillRef>
+            <a:effectRef idx="0">
+              <a:schemeClr val="accent1"/>
+            </a:effectRef>
+            <a:fontRef idx="minor">
+              <a:schemeClr val="lt1"/>
+            </a:fontRef>
+          </p:style>
+          <p:txBody>
+            <a:bodyPr rtlCol="0" anchor="ctr"/>
+            <a:lstStyle/>
+            <a:p>
+              <a:pPr algn="ctr"/>
+              <a:endParaRPr kumimoji="1" lang="ja-JP" altLang="en-US" dirty="0"/>
+            </a:p>
+          </p:txBody>
+        </p:sp>
+        <p:cxnSp>
+          <p:nvCxnSpPr>
+            <p:cNvPr id="6" name="直線矢印コネクタ 5">
+              <a:extLst>
+                <a:ext uri="{FF2B5EF4-FFF2-40B4-BE49-F238E27FC236}">
+                  <a16:creationId xmlns:a16="http://schemas.microsoft.com/office/drawing/2014/main" id="{81B3166E-D7F3-41CA-B104-E7C2AB4D3C9B}"/>
+                </a:ext>
+              </a:extLst>
+            </p:cNvPr>
+            <p:cNvCxnSpPr>
+              <a:cxnSpLocks/>
+            </p:cNvCxnSpPr>
+            <p:nvPr/>
+          </p:nvCxnSpPr>
+          <p:spPr>
+            <a:xfrm>
+              <a:off x="4533427" y="2054288"/>
+              <a:ext cx="1048515" cy="1369996"/>
+            </a:xfrm>
+            <a:prstGeom prst="straightConnector1">
+              <a:avLst/>
+            </a:prstGeom>
+            <a:ln w="38100">
+              <a:solidFill>
+                <a:schemeClr val="tx1"/>
+              </a:solidFill>
+              <a:tailEnd type="triangle"/>
+            </a:ln>
+          </p:spPr>
+          <p:style>
+            <a:lnRef idx="1">
+              <a:schemeClr val="accent1"/>
+            </a:lnRef>
+            <a:fillRef idx="0">
+              <a:schemeClr val="accent1"/>
+            </a:fillRef>
+            <a:effectRef idx="0">
+              <a:schemeClr val="accent1"/>
+            </a:effectRef>
+            <a:fontRef idx="minor">
               <a:schemeClr val="tx1"/>
-            </a:solidFill>
-          </a:ln>
-        </p:spPr>
-        <p:style>
-          <a:lnRef idx="2">
-            <a:schemeClr val="accent1">
-              <a:shade val="50000"/>
-            </a:schemeClr>
-          </a:lnRef>
-          <a:fillRef idx="1">
-            <a:schemeClr val="accent1"/>
-          </a:fillRef>
-          <a:effectRef idx="0">
-            <a:schemeClr val="accent1"/>
-          </a:effectRef>
-          <a:fontRef idx="minor">
-            <a:schemeClr val="lt1"/>
-          </a:fontRef>
-        </p:style>
-        <p:txBody>
-          <a:bodyPr rtlCol="0" anchor="ctr"/>
-          <a:lstStyle/>
-          <a:p>
-            <a:pPr algn="ctr"/>
-            <a:endParaRPr kumimoji="1" lang="ja-JP" altLang="en-US" dirty="0"/>
-          </a:p>
-        </p:txBody>
-      </p:sp>
+            </a:fontRef>
+          </p:style>
+        </p:cxnSp>
+        <p:cxnSp>
+          <p:nvCxnSpPr>
+            <p:cNvPr id="17" name="直線矢印コネクタ 16">
+              <a:extLst>
+                <a:ext uri="{FF2B5EF4-FFF2-40B4-BE49-F238E27FC236}">
+                  <a16:creationId xmlns:a16="http://schemas.microsoft.com/office/drawing/2014/main" id="{45DE7437-4ABD-4B13-81B2-615003459286}"/>
+                </a:ext>
+              </a:extLst>
+            </p:cNvPr>
+            <p:cNvCxnSpPr>
+              <a:cxnSpLocks/>
+            </p:cNvCxnSpPr>
+            <p:nvPr/>
+          </p:nvCxnSpPr>
+          <p:spPr>
+            <a:xfrm flipH="1">
+              <a:off x="6825308" y="2114817"/>
+              <a:ext cx="1682843" cy="1596104"/>
+            </a:xfrm>
+            <a:prstGeom prst="straightConnector1">
+              <a:avLst/>
+            </a:prstGeom>
+            <a:ln w="38100">
+              <a:solidFill>
+                <a:schemeClr val="tx1"/>
+              </a:solidFill>
+              <a:tailEnd type="triangle"/>
+            </a:ln>
+          </p:spPr>
+          <p:style>
+            <a:lnRef idx="1">
+              <a:schemeClr val="accent1"/>
+            </a:lnRef>
+            <a:fillRef idx="0">
+              <a:schemeClr val="accent1"/>
+            </a:fillRef>
+            <a:effectRef idx="0">
+              <a:schemeClr val="accent1"/>
+            </a:effectRef>
+            <a:fontRef idx="minor">
+              <a:schemeClr val="tx1"/>
+            </a:fontRef>
+          </p:style>
+        </p:cxnSp>
+        <p:cxnSp>
+          <p:nvCxnSpPr>
+            <p:cNvPr id="18" name="直線矢印コネクタ 17">
+              <a:extLst>
+                <a:ext uri="{FF2B5EF4-FFF2-40B4-BE49-F238E27FC236}">
+                  <a16:creationId xmlns:a16="http://schemas.microsoft.com/office/drawing/2014/main" id="{81B3166E-D7F3-41CA-B104-E7C2AB4D3C9B}"/>
+                </a:ext>
+              </a:extLst>
+            </p:cNvPr>
+            <p:cNvCxnSpPr>
+              <a:cxnSpLocks/>
+            </p:cNvCxnSpPr>
+            <p:nvPr/>
+          </p:nvCxnSpPr>
+          <p:spPr>
+            <a:xfrm flipH="1">
+              <a:off x="6363156" y="2149416"/>
+              <a:ext cx="462152" cy="1132651"/>
+            </a:xfrm>
+            <a:prstGeom prst="straightConnector1">
+              <a:avLst/>
+            </a:prstGeom>
+            <a:ln w="38100">
+              <a:solidFill>
+                <a:schemeClr val="tx1"/>
+              </a:solidFill>
+              <a:tailEnd type="triangle"/>
+            </a:ln>
+          </p:spPr>
+          <p:style>
+            <a:lnRef idx="1">
+              <a:schemeClr val="accent1"/>
+            </a:lnRef>
+            <a:fillRef idx="0">
+              <a:schemeClr val="accent1"/>
+            </a:fillRef>
+            <a:effectRef idx="0">
+              <a:schemeClr val="accent1"/>
+            </a:effectRef>
+            <a:fontRef idx="minor">
+              <a:schemeClr val="tx1"/>
+            </a:fontRef>
+          </p:style>
+        </p:cxnSp>
+        <p:cxnSp>
+          <p:nvCxnSpPr>
+            <p:cNvPr id="30" name="直線矢印コネクタ 29">
+              <a:extLst>
+                <a:ext uri="{FF2B5EF4-FFF2-40B4-BE49-F238E27FC236}">
+                  <a16:creationId xmlns:a16="http://schemas.microsoft.com/office/drawing/2014/main" id="{81B3166E-D7F3-41CA-B104-E7C2AB4D3C9B}"/>
+                </a:ext>
+              </a:extLst>
+            </p:cNvPr>
+            <p:cNvCxnSpPr>
+              <a:cxnSpLocks/>
+            </p:cNvCxnSpPr>
+            <p:nvPr/>
+          </p:nvCxnSpPr>
+          <p:spPr>
+            <a:xfrm>
+              <a:off x="3683849" y="2054288"/>
+              <a:ext cx="1699157" cy="1656633"/>
+            </a:xfrm>
+            <a:prstGeom prst="straightConnector1">
+              <a:avLst/>
+            </a:prstGeom>
+            <a:ln w="38100">
+              <a:solidFill>
+                <a:schemeClr val="tx1"/>
+              </a:solidFill>
+              <a:tailEnd type="triangle"/>
+            </a:ln>
+          </p:spPr>
+          <p:style>
+            <a:lnRef idx="1">
+              <a:schemeClr val="accent1"/>
+            </a:lnRef>
+            <a:fillRef idx="0">
+              <a:schemeClr val="accent1"/>
+            </a:fillRef>
+            <a:effectRef idx="0">
+              <a:schemeClr val="accent1"/>
+            </a:effectRef>
+            <a:fontRef idx="minor">
+              <a:schemeClr val="tx1"/>
+            </a:fontRef>
+          </p:style>
+        </p:cxnSp>
+        <p:cxnSp>
+          <p:nvCxnSpPr>
+            <p:cNvPr id="54" name="直線矢印コネクタ 53">
+              <a:extLst>
+                <a:ext uri="{FF2B5EF4-FFF2-40B4-BE49-F238E27FC236}">
+                  <a16:creationId xmlns:a16="http://schemas.microsoft.com/office/drawing/2014/main" id="{81B3166E-D7F3-41CA-B104-E7C2AB4D3C9B}"/>
+                </a:ext>
+              </a:extLst>
+            </p:cNvPr>
+            <p:cNvCxnSpPr>
+              <a:cxnSpLocks/>
+            </p:cNvCxnSpPr>
+            <p:nvPr/>
+          </p:nvCxnSpPr>
+          <p:spPr>
+            <a:xfrm>
+              <a:off x="5344848" y="2114817"/>
+              <a:ext cx="554936" cy="1151408"/>
+            </a:xfrm>
+            <a:prstGeom prst="straightConnector1">
+              <a:avLst/>
+            </a:prstGeom>
+            <a:ln w="38100">
+              <a:solidFill>
+                <a:schemeClr val="tx1"/>
+              </a:solidFill>
+              <a:tailEnd type="triangle"/>
+            </a:ln>
+          </p:spPr>
+          <p:style>
+            <a:lnRef idx="1">
+              <a:schemeClr val="accent1"/>
+            </a:lnRef>
+            <a:fillRef idx="0">
+              <a:schemeClr val="accent1"/>
+            </a:fillRef>
+            <a:effectRef idx="0">
+              <a:schemeClr val="accent1"/>
+            </a:effectRef>
+            <a:fontRef idx="minor">
+              <a:schemeClr val="tx1"/>
+            </a:fontRef>
+          </p:style>
+        </p:cxnSp>
+        <p:cxnSp>
+          <p:nvCxnSpPr>
+            <p:cNvPr id="59" name="直線矢印コネクタ 58">
+              <a:extLst>
+                <a:ext uri="{FF2B5EF4-FFF2-40B4-BE49-F238E27FC236}">
+                  <a16:creationId xmlns:a16="http://schemas.microsoft.com/office/drawing/2014/main" id="{45DE7437-4ABD-4B13-81B2-615003459286}"/>
+                </a:ext>
+              </a:extLst>
+            </p:cNvPr>
+            <p:cNvCxnSpPr>
+              <a:cxnSpLocks/>
+            </p:cNvCxnSpPr>
+            <p:nvPr/>
+          </p:nvCxnSpPr>
+          <p:spPr>
+            <a:xfrm flipH="1">
+              <a:off x="6618737" y="2114106"/>
+              <a:ext cx="950502" cy="1304862"/>
+            </a:xfrm>
+            <a:prstGeom prst="straightConnector1">
+              <a:avLst/>
+            </a:prstGeom>
+            <a:ln w="38100">
+              <a:solidFill>
+                <a:schemeClr val="tx1"/>
+              </a:solidFill>
+              <a:tailEnd type="triangle"/>
+            </a:ln>
+          </p:spPr>
+          <p:style>
+            <a:lnRef idx="1">
+              <a:schemeClr val="accent1"/>
+            </a:lnRef>
+            <a:fillRef idx="0">
+              <a:schemeClr val="accent1"/>
+            </a:fillRef>
+            <a:effectRef idx="0">
+              <a:schemeClr val="accent1"/>
+            </a:effectRef>
+            <a:fontRef idx="minor">
+              <a:schemeClr val="tx1"/>
+            </a:fontRef>
+          </p:style>
+        </p:cxnSp>
+        <p:grpSp>
+          <p:nvGrpSpPr>
+            <p:cNvPr id="72" name="グループ化 71"/>
+            <p:cNvGrpSpPr/>
+            <p:nvPr/>
+          </p:nvGrpSpPr>
+          <p:grpSpPr>
+            <a:xfrm>
+              <a:off x="3411259" y="1678486"/>
+              <a:ext cx="5369482" cy="375802"/>
+              <a:chOff x="3805030" y="1660925"/>
+              <a:chExt cx="4650552" cy="375802"/>
+            </a:xfrm>
+          </p:grpSpPr>
+          <p:sp>
+            <p:nvSpPr>
+              <p:cNvPr id="19" name="テキスト ボックス 18"/>
+              <p:cNvSpPr txBox="1"/>
+              <p:nvPr/>
+            </p:nvSpPr>
+            <p:spPr>
+              <a:xfrm>
+                <a:off x="5741154" y="1667395"/>
+                <a:ext cx="776944" cy="369332"/>
+              </a:xfrm>
+              <a:prstGeom prst="rect">
+                <a:avLst/>
+              </a:prstGeom>
+              <a:noFill/>
+            </p:spPr>
+            <p:txBody>
+              <a:bodyPr wrap="square" rtlCol="0">
+                <a:spAutoFit/>
+              </a:bodyPr>
+              <a:lstStyle/>
+              <a:p>
+                <a:r>
+                  <a:rPr kumimoji="1" lang="ja-JP" altLang="en-US" dirty="0" smtClean="0"/>
+                  <a:t>・・・</a:t>
+                </a:r>
+                <a:endParaRPr kumimoji="1" lang="ja-JP" altLang="en-US" dirty="0"/>
+              </a:p>
+            </p:txBody>
+          </p:sp>
+          <mc:AlternateContent xmlns:mc="http://schemas.openxmlformats.org/markup-compatibility/2006">
+            <mc:Choice xmlns:a14="http://schemas.microsoft.com/office/drawing/2010/main" Requires="a14">
+              <p:sp>
+                <p:nvSpPr>
+                  <p:cNvPr id="28" name="テキスト ボックス 27"/>
+                  <p:cNvSpPr txBox="1"/>
+                  <p:nvPr/>
+                </p:nvSpPr>
+                <p:spPr>
+                  <a:xfrm>
+                    <a:off x="3805030" y="1660925"/>
+                    <a:ext cx="294247" cy="276999"/>
+                  </a:xfrm>
+                  <a:prstGeom prst="rect">
+                    <a:avLst/>
+                  </a:prstGeom>
+                  <a:noFill/>
+                </p:spPr>
+                <p:txBody>
+                  <a:bodyPr wrap="none" lIns="0" tIns="0" rIns="0" bIns="0" rtlCol="0">
+                    <a:spAutoFit/>
+                  </a:bodyPr>
+                  <a:lstStyle/>
+                  <a:p>
+                    <a14:m>
+                      <m:oMathPara xmlns:m="http://schemas.openxmlformats.org/officeDocument/2006/math">
+                        <m:oMathParaPr>
+                          <m:jc m:val="centerGroup"/>
+                        </m:oMathParaPr>
+                        <m:oMath xmlns:m="http://schemas.openxmlformats.org/officeDocument/2006/math">
+                          <m:sSub>
+                            <m:sSubPr>
+                              <m:ctrlPr>
+                                <a:rPr kumimoji="1" lang="en-US" altLang="ja-JP" i="1" smtClean="0">
+                                  <a:latin typeface="Cambria Math" panose="02040503050406030204" pitchFamily="18" charset="0"/>
+                                </a:rPr>
+                              </m:ctrlPr>
+                            </m:sSubPr>
+                            <m:e>
+                              <m:r>
+                                <a:rPr kumimoji="1" lang="en-US" altLang="ja-JP" b="0" i="1" smtClean="0">
+                                  <a:latin typeface="Cambria Math" panose="02040503050406030204" pitchFamily="18" charset="0"/>
+                                </a:rPr>
+                                <m:t>𝑥</m:t>
+                              </m:r>
+                            </m:e>
+                            <m:sub>
+                              <m:r>
+                                <a:rPr kumimoji="1" lang="en-US" altLang="ja-JP" b="0" i="1" smtClean="0">
+                                  <a:latin typeface="Cambria Math" panose="02040503050406030204" pitchFamily="18" charset="0"/>
+                                </a:rPr>
+                                <m:t>0</m:t>
+                              </m:r>
+                            </m:sub>
+                          </m:sSub>
+                        </m:oMath>
+                      </m:oMathPara>
+                    </a14:m>
+                    <a:endParaRPr kumimoji="1" lang="ja-JP" altLang="en-US" dirty="0"/>
+                  </a:p>
+                </p:txBody>
+              </p:sp>
+            </mc:Choice>
+            <mc:Fallback>
+              <p:sp>
+                <p:nvSpPr>
+                  <p:cNvPr id="28" name="テキスト ボックス 27"/>
+                  <p:cNvSpPr txBox="1">
+                    <a:spLocks noRot="1" noChangeAspect="1" noMove="1" noResize="1" noEditPoints="1" noAdjustHandles="1" noChangeArrowheads="1" noChangeShapeType="1" noTextEdit="1"/>
+                  </p:cNvSpPr>
+                  <p:nvPr/>
+                </p:nvSpPr>
+                <p:spPr>
+                  <a:xfrm>
+                    <a:off x="3805030" y="1660925"/>
+                    <a:ext cx="294247" cy="276999"/>
+                  </a:xfrm>
+                  <a:prstGeom prst="rect">
+                    <a:avLst/>
+                  </a:prstGeom>
+                  <a:blipFill>
+                    <a:blip r:embed="rId2"/>
+                    <a:stretch>
+                      <a:fillRect l="-1786" b="-15556"/>
+                    </a:stretch>
+                  </a:blipFill>
+                </p:spPr>
+                <p:txBody>
+                  <a:bodyPr/>
+                  <a:lstStyle/>
+                  <a:p>
+                    <a:r>
+                      <a:rPr lang="ja-JP" altLang="en-US">
+                        <a:noFill/>
+                      </a:rPr>
+                      <a:t> </a:t>
+                    </a:r>
+                  </a:p>
+                </p:txBody>
+              </p:sp>
+            </mc:Fallback>
+          </mc:AlternateContent>
+          <mc:AlternateContent xmlns:mc="http://schemas.openxmlformats.org/markup-compatibility/2006">
+            <mc:Choice xmlns:a14="http://schemas.microsoft.com/office/drawing/2010/main" Requires="a14">
+              <p:sp>
+                <p:nvSpPr>
+                  <p:cNvPr id="29" name="テキスト ボックス 28"/>
+                  <p:cNvSpPr txBox="1"/>
+                  <p:nvPr/>
+                </p:nvSpPr>
+                <p:spPr>
+                  <a:xfrm>
+                    <a:off x="6583053" y="1660926"/>
+                    <a:ext cx="527965" cy="276999"/>
+                  </a:xfrm>
+                  <a:prstGeom prst="rect">
+                    <a:avLst/>
+                  </a:prstGeom>
+                  <a:noFill/>
+                </p:spPr>
+                <p:txBody>
+                  <a:bodyPr wrap="none" lIns="0" tIns="0" rIns="0" bIns="0" rtlCol="0">
+                    <a:spAutoFit/>
+                  </a:bodyPr>
+                  <a:lstStyle/>
+                  <a:p>
+                    <a14:m>
+                      <m:oMathPara xmlns:m="http://schemas.openxmlformats.org/officeDocument/2006/math">
+                        <m:oMathParaPr>
+                          <m:jc m:val="centerGroup"/>
+                        </m:oMathParaPr>
+                        <m:oMath xmlns:m="http://schemas.openxmlformats.org/officeDocument/2006/math">
+                          <m:sSub>
+                            <m:sSubPr>
+                              <m:ctrlPr>
+                                <a:rPr kumimoji="1" lang="en-US" altLang="ja-JP" i="1" smtClean="0">
+                                  <a:latin typeface="Cambria Math" panose="02040503050406030204" pitchFamily="18" charset="0"/>
+                                </a:rPr>
+                              </m:ctrlPr>
+                            </m:sSubPr>
+                            <m:e>
+                              <m:r>
+                                <a:rPr kumimoji="1" lang="en-US" altLang="ja-JP" b="0" i="1" smtClean="0">
+                                  <a:latin typeface="Cambria Math" panose="02040503050406030204" pitchFamily="18" charset="0"/>
+                                </a:rPr>
+                                <m:t>𝑥</m:t>
+                              </m:r>
+                            </m:e>
+                            <m:sub>
+                              <m:r>
+                                <a:rPr kumimoji="1" lang="en-US" altLang="ja-JP" b="0" i="1" smtClean="0">
+                                  <a:latin typeface="Cambria Math" panose="02040503050406030204" pitchFamily="18" charset="0"/>
+                                </a:rPr>
+                                <m:t>𝑛</m:t>
+                              </m:r>
+                              <m:r>
+                                <a:rPr kumimoji="1" lang="en-US" altLang="ja-JP" b="0" i="1" smtClean="0">
+                                  <a:latin typeface="Cambria Math" panose="02040503050406030204" pitchFamily="18" charset="0"/>
+                                </a:rPr>
+                                <m:t>−2</m:t>
+                              </m:r>
+                            </m:sub>
+                          </m:sSub>
+                        </m:oMath>
+                      </m:oMathPara>
+                    </a14:m>
+                    <a:endParaRPr kumimoji="1" lang="ja-JP" altLang="en-US" dirty="0"/>
+                  </a:p>
+                </p:txBody>
+              </p:sp>
+            </mc:Choice>
+            <mc:Fallback>
+              <p:sp>
+                <p:nvSpPr>
+                  <p:cNvPr id="29" name="テキスト ボックス 28"/>
+                  <p:cNvSpPr txBox="1">
+                    <a:spLocks noRot="1" noChangeAspect="1" noMove="1" noResize="1" noEditPoints="1" noAdjustHandles="1" noChangeArrowheads="1" noChangeShapeType="1" noTextEdit="1"/>
+                  </p:cNvSpPr>
+                  <p:nvPr/>
+                </p:nvSpPr>
+                <p:spPr>
+                  <a:xfrm>
+                    <a:off x="6583053" y="1660926"/>
+                    <a:ext cx="527965" cy="276999"/>
+                  </a:xfrm>
+                  <a:prstGeom prst="rect">
+                    <a:avLst/>
+                  </a:prstGeom>
+                  <a:blipFill>
+                    <a:blip r:embed="rId3"/>
+                    <a:stretch>
+                      <a:fillRect b="-15556"/>
+                    </a:stretch>
+                  </a:blipFill>
+                </p:spPr>
+                <p:txBody>
+                  <a:bodyPr/>
+                  <a:lstStyle/>
+                  <a:p>
+                    <a:r>
+                      <a:rPr lang="ja-JP" altLang="en-US">
+                        <a:noFill/>
+                      </a:rPr>
+                      <a:t> </a:t>
+                    </a:r>
+                  </a:p>
+                </p:txBody>
+              </p:sp>
+            </mc:Fallback>
+          </mc:AlternateContent>
+          <mc:AlternateContent xmlns:mc="http://schemas.openxmlformats.org/markup-compatibility/2006">
+            <mc:Choice xmlns:a14="http://schemas.microsoft.com/office/drawing/2010/main" Requires="a14">
+              <p:sp>
+                <p:nvSpPr>
+                  <p:cNvPr id="35" name="テキスト ボックス 34"/>
+                  <p:cNvSpPr txBox="1"/>
+                  <p:nvPr/>
+                </p:nvSpPr>
+                <p:spPr>
+                  <a:xfrm>
+                    <a:off x="4603314" y="1660926"/>
+                    <a:ext cx="288925" cy="276999"/>
+                  </a:xfrm>
+                  <a:prstGeom prst="rect">
+                    <a:avLst/>
+                  </a:prstGeom>
+                  <a:noFill/>
+                </p:spPr>
+                <p:txBody>
+                  <a:bodyPr wrap="none" lIns="0" tIns="0" rIns="0" bIns="0" rtlCol="0">
+                    <a:spAutoFit/>
+                  </a:bodyPr>
+                  <a:lstStyle/>
+                  <a:p>
+                    <a14:m>
+                      <m:oMathPara xmlns:m="http://schemas.openxmlformats.org/officeDocument/2006/math">
+                        <m:oMathParaPr>
+                          <m:jc m:val="centerGroup"/>
+                        </m:oMathParaPr>
+                        <m:oMath xmlns:m="http://schemas.openxmlformats.org/officeDocument/2006/math">
+                          <m:sSub>
+                            <m:sSubPr>
+                              <m:ctrlPr>
+                                <a:rPr kumimoji="1" lang="en-US" altLang="ja-JP" i="1" smtClean="0">
+                                  <a:latin typeface="Cambria Math" panose="02040503050406030204" pitchFamily="18" charset="0"/>
+                                </a:rPr>
+                              </m:ctrlPr>
+                            </m:sSubPr>
+                            <m:e>
+                              <m:r>
+                                <a:rPr kumimoji="1" lang="en-US" altLang="ja-JP" b="0" i="1" smtClean="0">
+                                  <a:latin typeface="Cambria Math" panose="02040503050406030204" pitchFamily="18" charset="0"/>
+                                </a:rPr>
+                                <m:t>𝑥</m:t>
+                              </m:r>
+                            </m:e>
+                            <m:sub>
+                              <m:r>
+                                <a:rPr kumimoji="1" lang="en-US" altLang="ja-JP" b="0" i="1" smtClean="0">
+                                  <a:latin typeface="Cambria Math" panose="02040503050406030204" pitchFamily="18" charset="0"/>
+                                </a:rPr>
+                                <m:t>1</m:t>
+                              </m:r>
+                            </m:sub>
+                          </m:sSub>
+                        </m:oMath>
+                      </m:oMathPara>
+                    </a14:m>
+                    <a:endParaRPr kumimoji="1" lang="ja-JP" altLang="en-US" dirty="0"/>
+                  </a:p>
+                </p:txBody>
+              </p:sp>
+            </mc:Choice>
+            <mc:Fallback>
+              <p:sp>
+                <p:nvSpPr>
+                  <p:cNvPr id="35" name="テキスト ボックス 34"/>
+                  <p:cNvSpPr txBox="1">
+                    <a:spLocks noRot="1" noChangeAspect="1" noMove="1" noResize="1" noEditPoints="1" noAdjustHandles="1" noChangeArrowheads="1" noChangeShapeType="1" noTextEdit="1"/>
+                  </p:cNvSpPr>
+                  <p:nvPr/>
+                </p:nvSpPr>
+                <p:spPr>
+                  <a:xfrm>
+                    <a:off x="4603314" y="1660926"/>
+                    <a:ext cx="288925" cy="276999"/>
+                  </a:xfrm>
+                  <a:prstGeom prst="rect">
+                    <a:avLst/>
+                  </a:prstGeom>
+                  <a:blipFill>
+                    <a:blip r:embed="rId4"/>
+                    <a:stretch>
+                      <a:fillRect l="-1818" b="-15556"/>
+                    </a:stretch>
+                  </a:blipFill>
+                </p:spPr>
+                <p:txBody>
+                  <a:bodyPr/>
+                  <a:lstStyle/>
+                  <a:p>
+                    <a:r>
+                      <a:rPr lang="ja-JP" altLang="en-US">
+                        <a:noFill/>
+                      </a:rPr>
+                      <a:t> </a:t>
+                    </a:r>
+                  </a:p>
+                </p:txBody>
+              </p:sp>
+            </mc:Fallback>
+          </mc:AlternateContent>
+          <mc:AlternateContent xmlns:mc="http://schemas.openxmlformats.org/markup-compatibility/2006">
+            <mc:Choice xmlns:a14="http://schemas.microsoft.com/office/drawing/2010/main" Requires="a14">
+              <p:sp>
+                <p:nvSpPr>
+                  <p:cNvPr id="52" name="テキスト ボックス 51"/>
+                  <p:cNvSpPr txBox="1"/>
+                  <p:nvPr/>
+                </p:nvSpPr>
+                <p:spPr>
+                  <a:xfrm>
+                    <a:off x="5332604" y="1660926"/>
+                    <a:ext cx="294247" cy="276999"/>
+                  </a:xfrm>
+                  <a:prstGeom prst="rect">
+                    <a:avLst/>
+                  </a:prstGeom>
+                  <a:noFill/>
+                </p:spPr>
+                <p:txBody>
+                  <a:bodyPr wrap="none" lIns="0" tIns="0" rIns="0" bIns="0" rtlCol="0">
+                    <a:spAutoFit/>
+                  </a:bodyPr>
+                  <a:lstStyle/>
+                  <a:p>
+                    <a14:m>
+                      <m:oMathPara xmlns:m="http://schemas.openxmlformats.org/officeDocument/2006/math">
+                        <m:oMathParaPr>
+                          <m:jc m:val="centerGroup"/>
+                        </m:oMathParaPr>
+                        <m:oMath xmlns:m="http://schemas.openxmlformats.org/officeDocument/2006/math">
+                          <m:sSub>
+                            <m:sSubPr>
+                              <m:ctrlPr>
+                                <a:rPr kumimoji="1" lang="en-US" altLang="ja-JP" i="1" smtClean="0">
+                                  <a:latin typeface="Cambria Math" panose="02040503050406030204" pitchFamily="18" charset="0"/>
+                                </a:rPr>
+                              </m:ctrlPr>
+                            </m:sSubPr>
+                            <m:e>
+                              <m:r>
+                                <a:rPr kumimoji="1" lang="en-US" altLang="ja-JP" b="0" i="1" smtClean="0">
+                                  <a:latin typeface="Cambria Math" panose="02040503050406030204" pitchFamily="18" charset="0"/>
+                                </a:rPr>
+                                <m:t>𝑥</m:t>
+                              </m:r>
+                            </m:e>
+                            <m:sub>
+                              <m:r>
+                                <a:rPr kumimoji="1" lang="en-US" altLang="ja-JP" b="0" i="1" smtClean="0">
+                                  <a:latin typeface="Cambria Math" panose="02040503050406030204" pitchFamily="18" charset="0"/>
+                                </a:rPr>
+                                <m:t>2</m:t>
+                              </m:r>
+                            </m:sub>
+                          </m:sSub>
+                        </m:oMath>
+                      </m:oMathPara>
+                    </a14:m>
+                    <a:endParaRPr kumimoji="1" lang="ja-JP" altLang="en-US" dirty="0"/>
+                  </a:p>
+                </p:txBody>
+              </p:sp>
+            </mc:Choice>
+            <mc:Fallback>
+              <p:sp>
+                <p:nvSpPr>
+                  <p:cNvPr id="52" name="テキスト ボックス 51"/>
+                  <p:cNvSpPr txBox="1">
+                    <a:spLocks noRot="1" noChangeAspect="1" noMove="1" noResize="1" noEditPoints="1" noAdjustHandles="1" noChangeArrowheads="1" noChangeShapeType="1" noTextEdit="1"/>
+                  </p:cNvSpPr>
+                  <p:nvPr/>
+                </p:nvSpPr>
+                <p:spPr>
+                  <a:xfrm>
+                    <a:off x="5332604" y="1660926"/>
+                    <a:ext cx="294247" cy="276999"/>
+                  </a:xfrm>
+                  <a:prstGeom prst="rect">
+                    <a:avLst/>
+                  </a:prstGeom>
+                  <a:blipFill>
+                    <a:blip r:embed="rId5"/>
+                    <a:stretch>
+                      <a:fillRect l="-1786" b="-15556"/>
+                    </a:stretch>
+                  </a:blipFill>
+                </p:spPr>
+                <p:txBody>
+                  <a:bodyPr/>
+                  <a:lstStyle/>
+                  <a:p>
+                    <a:r>
+                      <a:rPr lang="ja-JP" altLang="en-US">
+                        <a:noFill/>
+                      </a:rPr>
+                      <a:t> </a:t>
+                    </a:r>
+                  </a:p>
+                </p:txBody>
+              </p:sp>
+            </mc:Fallback>
+          </mc:AlternateContent>
+          <mc:AlternateContent xmlns:mc="http://schemas.openxmlformats.org/markup-compatibility/2006">
+            <mc:Choice xmlns:a14="http://schemas.microsoft.com/office/drawing/2010/main" Requires="a14">
+              <p:sp>
+                <p:nvSpPr>
+                  <p:cNvPr id="58" name="テキスト ボックス 57"/>
+                  <p:cNvSpPr txBox="1"/>
+                  <p:nvPr/>
+                </p:nvSpPr>
+                <p:spPr>
+                  <a:xfrm>
+                    <a:off x="7259404" y="1660925"/>
+                    <a:ext cx="527965" cy="276999"/>
+                  </a:xfrm>
+                  <a:prstGeom prst="rect">
+                    <a:avLst/>
+                  </a:prstGeom>
+                  <a:noFill/>
+                </p:spPr>
+                <p:txBody>
+                  <a:bodyPr wrap="none" lIns="0" tIns="0" rIns="0" bIns="0" rtlCol="0">
+                    <a:spAutoFit/>
+                  </a:bodyPr>
+                  <a:lstStyle/>
+                  <a:p>
+                    <a14:m>
+                      <m:oMathPara xmlns:m="http://schemas.openxmlformats.org/officeDocument/2006/math">
+                        <m:oMathParaPr>
+                          <m:jc m:val="centerGroup"/>
+                        </m:oMathParaPr>
+                        <m:oMath xmlns:m="http://schemas.openxmlformats.org/officeDocument/2006/math">
+                          <m:sSub>
+                            <m:sSubPr>
+                              <m:ctrlPr>
+                                <a:rPr kumimoji="1" lang="en-US" altLang="ja-JP" i="1" smtClean="0">
+                                  <a:latin typeface="Cambria Math" panose="02040503050406030204" pitchFamily="18" charset="0"/>
+                                </a:rPr>
+                              </m:ctrlPr>
+                            </m:sSubPr>
+                            <m:e>
+                              <m:r>
+                                <a:rPr kumimoji="1" lang="en-US" altLang="ja-JP" b="0" i="1" smtClean="0">
+                                  <a:latin typeface="Cambria Math" panose="02040503050406030204" pitchFamily="18" charset="0"/>
+                                </a:rPr>
+                                <m:t>𝑥</m:t>
+                              </m:r>
+                            </m:e>
+                            <m:sub>
+                              <m:r>
+                                <a:rPr kumimoji="1" lang="en-US" altLang="ja-JP" b="0" i="1" smtClean="0">
+                                  <a:latin typeface="Cambria Math" panose="02040503050406030204" pitchFamily="18" charset="0"/>
+                                </a:rPr>
+                                <m:t>𝑛</m:t>
+                              </m:r>
+                              <m:r>
+                                <a:rPr kumimoji="1" lang="en-US" altLang="ja-JP" b="0" i="1" smtClean="0">
+                                  <a:latin typeface="Cambria Math" panose="02040503050406030204" pitchFamily="18" charset="0"/>
+                                </a:rPr>
+                                <m:t>−1</m:t>
+                              </m:r>
+                            </m:sub>
+                          </m:sSub>
+                        </m:oMath>
+                      </m:oMathPara>
+                    </a14:m>
+                    <a:endParaRPr kumimoji="1" lang="ja-JP" altLang="en-US" dirty="0"/>
+                  </a:p>
+                </p:txBody>
+              </p:sp>
+            </mc:Choice>
+            <mc:Fallback>
+              <p:sp>
+                <p:nvSpPr>
+                  <p:cNvPr id="58" name="テキスト ボックス 57"/>
+                  <p:cNvSpPr txBox="1">
+                    <a:spLocks noRot="1" noChangeAspect="1" noMove="1" noResize="1" noEditPoints="1" noAdjustHandles="1" noChangeArrowheads="1" noChangeShapeType="1" noTextEdit="1"/>
+                  </p:cNvSpPr>
+                  <p:nvPr/>
+                </p:nvSpPr>
+                <p:spPr>
+                  <a:xfrm>
+                    <a:off x="7259404" y="1660925"/>
+                    <a:ext cx="527965" cy="276999"/>
+                  </a:xfrm>
+                  <a:prstGeom prst="rect">
+                    <a:avLst/>
+                  </a:prstGeom>
+                  <a:blipFill>
+                    <a:blip r:embed="rId6"/>
+                    <a:stretch>
+                      <a:fillRect b="-15556"/>
+                    </a:stretch>
+                  </a:blipFill>
+                </p:spPr>
+                <p:txBody>
+                  <a:bodyPr/>
+                  <a:lstStyle/>
+                  <a:p>
+                    <a:r>
+                      <a:rPr lang="ja-JP" altLang="en-US">
+                        <a:noFill/>
+                      </a:rPr>
+                      <a:t> </a:t>
+                    </a:r>
+                  </a:p>
+                </p:txBody>
+              </p:sp>
+            </mc:Fallback>
+          </mc:AlternateContent>
+          <mc:AlternateContent xmlns:mc="http://schemas.openxmlformats.org/markup-compatibility/2006">
+            <mc:Choice xmlns:a14="http://schemas.microsoft.com/office/drawing/2010/main" Requires="a14">
+              <p:sp>
+                <p:nvSpPr>
+                  <p:cNvPr id="61" name="テキスト ボックス 60"/>
+                  <p:cNvSpPr txBox="1"/>
+                  <p:nvPr/>
+                </p:nvSpPr>
+                <p:spPr>
+                  <a:xfrm>
+                    <a:off x="8147229" y="1667395"/>
+                    <a:ext cx="308353" cy="276999"/>
+                  </a:xfrm>
+                  <a:prstGeom prst="rect">
+                    <a:avLst/>
+                  </a:prstGeom>
+                  <a:noFill/>
+                </p:spPr>
+                <p:txBody>
+                  <a:bodyPr wrap="none" lIns="0" tIns="0" rIns="0" bIns="0" rtlCol="0">
+                    <a:spAutoFit/>
+                  </a:bodyPr>
+                  <a:lstStyle/>
+                  <a:p>
+                    <a14:m>
+                      <m:oMathPara xmlns:m="http://schemas.openxmlformats.org/officeDocument/2006/math">
+                        <m:oMathParaPr>
+                          <m:jc m:val="centerGroup"/>
+                        </m:oMathParaPr>
+                        <m:oMath xmlns:m="http://schemas.openxmlformats.org/officeDocument/2006/math">
+                          <m:sSub>
+                            <m:sSubPr>
+                              <m:ctrlPr>
+                                <a:rPr kumimoji="1" lang="en-US" altLang="ja-JP" i="1" smtClean="0">
+                                  <a:latin typeface="Cambria Math" panose="02040503050406030204" pitchFamily="18" charset="0"/>
+                                </a:rPr>
+                              </m:ctrlPr>
+                            </m:sSubPr>
+                            <m:e>
+                              <m:r>
+                                <a:rPr kumimoji="1" lang="en-US" altLang="ja-JP" b="0" i="1" smtClean="0">
+                                  <a:latin typeface="Cambria Math" panose="02040503050406030204" pitchFamily="18" charset="0"/>
+                                </a:rPr>
+                                <m:t>𝑥</m:t>
+                              </m:r>
+                            </m:e>
+                            <m:sub>
+                              <m:r>
+                                <a:rPr kumimoji="1" lang="en-US" altLang="ja-JP" b="0" i="1" smtClean="0">
+                                  <a:latin typeface="Cambria Math" panose="02040503050406030204" pitchFamily="18" charset="0"/>
+                                </a:rPr>
+                                <m:t>𝑛</m:t>
+                              </m:r>
+                            </m:sub>
+                          </m:sSub>
+                        </m:oMath>
+                      </m:oMathPara>
+                    </a14:m>
+                    <a:endParaRPr kumimoji="1" lang="ja-JP" altLang="en-US" dirty="0"/>
+                  </a:p>
+                </p:txBody>
+              </p:sp>
+            </mc:Choice>
+            <mc:Fallback>
+              <p:sp>
+                <p:nvSpPr>
+                  <p:cNvPr id="61" name="テキスト ボックス 60"/>
+                  <p:cNvSpPr txBox="1">
+                    <a:spLocks noRot="1" noChangeAspect="1" noMove="1" noResize="1" noEditPoints="1" noAdjustHandles="1" noChangeArrowheads="1" noChangeShapeType="1" noTextEdit="1"/>
+                  </p:cNvSpPr>
+                  <p:nvPr/>
+                </p:nvSpPr>
+                <p:spPr>
+                  <a:xfrm>
+                    <a:off x="8147229" y="1667395"/>
+                    <a:ext cx="308353" cy="276999"/>
+                  </a:xfrm>
+                  <a:prstGeom prst="rect">
+                    <a:avLst/>
+                  </a:prstGeom>
+                  <a:blipFill>
+                    <a:blip r:embed="rId7"/>
+                    <a:stretch>
+                      <a:fillRect l="-1724" b="-11111"/>
+                    </a:stretch>
+                  </a:blipFill>
+                </p:spPr>
+                <p:txBody>
+                  <a:bodyPr/>
+                  <a:lstStyle/>
+                  <a:p>
+                    <a:r>
+                      <a:rPr lang="ja-JP" altLang="en-US">
+                        <a:noFill/>
+                      </a:rPr>
+                      <a:t> </a:t>
+                    </a:r>
+                  </a:p>
+                </p:txBody>
+              </p:sp>
+            </mc:Fallback>
+          </mc:AlternateContent>
+        </p:grpSp>
+        <p:cxnSp>
+          <p:nvCxnSpPr>
+            <p:cNvPr id="68" name="直線矢印コネクタ 67"/>
+            <p:cNvCxnSpPr>
+              <a:stCxn id="2" idx="4"/>
+            </p:cNvCxnSpPr>
+            <p:nvPr/>
+          </p:nvCxnSpPr>
+          <p:spPr>
+            <a:xfrm>
+              <a:off x="6096000" y="4979505"/>
+              <a:ext cx="0" cy="1154595"/>
+            </a:xfrm>
+            <a:prstGeom prst="straightConnector1">
+              <a:avLst/>
+            </a:prstGeom>
+            <a:ln w="38100">
+              <a:solidFill>
+                <a:schemeClr val="tx1"/>
+              </a:solidFill>
+              <a:tailEnd type="triangle"/>
+            </a:ln>
+          </p:spPr>
+          <p:style>
+            <a:lnRef idx="1">
+              <a:schemeClr val="dk1"/>
+            </a:lnRef>
+            <a:fillRef idx="0">
+              <a:schemeClr val="dk1"/>
+            </a:fillRef>
+            <a:effectRef idx="0">
+              <a:schemeClr val="dk1"/>
+            </a:effectRef>
+            <a:fontRef idx="minor">
+              <a:schemeClr val="tx1"/>
+            </a:fontRef>
+          </p:style>
+        </p:cxnSp>
+        <mc:AlternateContent xmlns:mc="http://schemas.openxmlformats.org/markup-compatibility/2006">
+          <mc:Choice xmlns:a14="http://schemas.microsoft.com/office/drawing/2010/main" Requires="a14">
+            <p:sp>
+              <p:nvSpPr>
+                <p:cNvPr id="70" name="テキスト ボックス 69"/>
+                <p:cNvSpPr txBox="1"/>
+                <p:nvPr/>
+              </p:nvSpPr>
+              <p:spPr>
+                <a:xfrm>
+                  <a:off x="6306196" y="4979505"/>
+                  <a:ext cx="3236271" cy="1624419"/>
+                </a:xfrm>
+                <a:prstGeom prst="rect">
+                  <a:avLst/>
+                </a:prstGeom>
+                <a:noFill/>
+              </p:spPr>
+              <p:txBody>
+                <a:bodyPr wrap="none" lIns="0" tIns="0" rIns="0" bIns="0" rtlCol="0">
+                  <a:spAutoFit/>
+                </a:bodyPr>
+                <a:lstStyle/>
+                <a:p>
+                  <a14:m>
+                    <m:oMathPara xmlns:m="http://schemas.openxmlformats.org/officeDocument/2006/math">
+                      <m:oMathParaPr>
+                        <m:jc m:val="centerGroup"/>
+                      </m:oMathParaPr>
+                      <m:oMath xmlns:m="http://schemas.openxmlformats.org/officeDocument/2006/math">
+                        <m:sSup>
+                          <m:sSupPr>
+                            <m:ctrlPr>
+                              <a:rPr kumimoji="1" lang="en-US" altLang="ja-JP" b="0" i="1" smtClean="0">
+                                <a:latin typeface="Cambria Math" panose="02040503050406030204" pitchFamily="18" charset="0"/>
+                              </a:rPr>
+                            </m:ctrlPr>
+                          </m:sSupPr>
+                          <m:e>
+                            <m:r>
+                              <a:rPr kumimoji="1" lang="en-US" altLang="ja-JP" b="0" i="1" smtClean="0">
+                                <a:latin typeface="Cambria Math" panose="02040503050406030204" pitchFamily="18" charset="0"/>
+                              </a:rPr>
+                              <m:t>𝑦</m:t>
+                            </m:r>
+                          </m:e>
+                          <m:sup>
+                            <m:r>
+                              <a:rPr kumimoji="1" lang="en-US" altLang="ja-JP" b="0" i="1" smtClean="0">
+                                <a:latin typeface="Cambria Math" panose="02040503050406030204" pitchFamily="18" charset="0"/>
+                              </a:rPr>
+                              <m:t>′</m:t>
+                            </m:r>
+                          </m:sup>
+                        </m:sSup>
+                        <m:r>
+                          <a:rPr kumimoji="1" lang="en-US" altLang="ja-JP" b="0" i="1" smtClean="0">
+                            <a:latin typeface="Cambria Math" panose="02040503050406030204" pitchFamily="18" charset="0"/>
+                          </a:rPr>
+                          <m:t>= </m:t>
+                        </m:r>
+                        <m:d>
+                          <m:dPr>
+                            <m:begChr m:val="{"/>
+                            <m:endChr m:val=""/>
+                            <m:ctrlPr>
+                              <a:rPr kumimoji="1" lang="en-US" altLang="ja-JP" b="0" i="1" smtClean="0">
+                                <a:latin typeface="Cambria Math" panose="02040503050406030204" pitchFamily="18" charset="0"/>
+                              </a:rPr>
+                            </m:ctrlPr>
+                          </m:dPr>
+                          <m:e>
+                            <m:eqArr>
+                              <m:eqArrPr>
+                                <m:ctrlPr>
+                                  <a:rPr kumimoji="1" lang="en-US" altLang="ja-JP" b="0" i="1" smtClean="0">
+                                    <a:latin typeface="Cambria Math" panose="02040503050406030204" pitchFamily="18" charset="0"/>
+                                  </a:rPr>
+                                </m:ctrlPr>
+                              </m:eqArrPr>
+                              <m:e>
+                                <m:r>
+                                  <a:rPr kumimoji="1" lang="en-US" altLang="ja-JP" b="0" i="1" smtClean="0">
+                                    <a:latin typeface="Cambria Math" panose="02040503050406030204" pitchFamily="18" charset="0"/>
+                                  </a:rPr>
+                                  <m:t>1 </m:t>
+                                </m:r>
+                                <m:d>
+                                  <m:dPr>
+                                    <m:ctrlPr>
+                                      <a:rPr kumimoji="1" lang="en-US" altLang="ja-JP" b="0" i="1" smtClean="0">
+                                        <a:latin typeface="Cambria Math" panose="02040503050406030204" pitchFamily="18" charset="0"/>
+                                      </a:rPr>
+                                    </m:ctrlPr>
+                                  </m:dPr>
+                                  <m:e>
+                                    <m:nary>
+                                      <m:naryPr>
+                                        <m:chr m:val="∑"/>
+                                        <m:ctrlPr>
+                                          <a:rPr kumimoji="1" lang="en-US" altLang="ja-JP" b="0" i="1" smtClean="0">
+                                            <a:latin typeface="Cambria Math" panose="02040503050406030204" pitchFamily="18" charset="0"/>
+                                          </a:rPr>
+                                        </m:ctrlPr>
+                                      </m:naryPr>
+                                      <m:sub>
+                                        <m:r>
+                                          <m:rPr>
+                                            <m:brk m:alnAt="23"/>
+                                          </m:rPr>
+                                          <a:rPr kumimoji="1" lang="en-US" altLang="ja-JP" b="0" i="1" smtClean="0">
+                                            <a:latin typeface="Cambria Math" panose="02040503050406030204" pitchFamily="18" charset="0"/>
+                                          </a:rPr>
+                                          <m:t>𝑖</m:t>
+                                        </m:r>
+                                        <m:r>
+                                          <a:rPr kumimoji="1" lang="en-US" altLang="ja-JP" b="0" i="1" smtClean="0">
+                                            <a:latin typeface="Cambria Math" panose="02040503050406030204" pitchFamily="18" charset="0"/>
+                                          </a:rPr>
+                                          <m:t>=0</m:t>
+                                        </m:r>
+                                      </m:sub>
+                                      <m:sup>
+                                        <m:r>
+                                          <a:rPr kumimoji="1" lang="en-US" altLang="ja-JP" b="0" i="1" smtClean="0">
+                                            <a:latin typeface="Cambria Math" panose="02040503050406030204" pitchFamily="18" charset="0"/>
+                                          </a:rPr>
+                                          <m:t>𝑛</m:t>
+                                        </m:r>
+                                      </m:sup>
+                                      <m:e>
+                                        <m:sSub>
+                                          <m:sSubPr>
+                                            <m:ctrlPr>
+                                              <a:rPr kumimoji="1" lang="en-US" altLang="ja-JP" b="0" i="1" smtClean="0">
+                                                <a:latin typeface="Cambria Math" panose="02040503050406030204" pitchFamily="18" charset="0"/>
+                                              </a:rPr>
+                                            </m:ctrlPr>
+                                          </m:sSubPr>
+                                          <m:e>
+                                            <m:r>
+                                              <a:rPr kumimoji="1" lang="en-US" altLang="ja-JP" b="0" i="1" smtClean="0">
+                                                <a:latin typeface="Cambria Math" panose="02040503050406030204" pitchFamily="18" charset="0"/>
+                                              </a:rPr>
+                                              <m:t>𝑤</m:t>
+                                            </m:r>
+                                          </m:e>
+                                          <m:sub>
+                                            <m:r>
+                                              <a:rPr kumimoji="1" lang="en-US" altLang="ja-JP" b="0" i="1" smtClean="0">
+                                                <a:latin typeface="Cambria Math" panose="02040503050406030204" pitchFamily="18" charset="0"/>
+                                              </a:rPr>
+                                              <m:t>𝑖</m:t>
+                                            </m:r>
+                                          </m:sub>
+                                        </m:sSub>
+                                        <m:sSub>
+                                          <m:sSubPr>
+                                            <m:ctrlPr>
+                                              <a:rPr kumimoji="1" lang="en-US" altLang="ja-JP" b="0" i="1" smtClean="0">
+                                                <a:latin typeface="Cambria Math" panose="02040503050406030204" pitchFamily="18" charset="0"/>
+                                              </a:rPr>
+                                            </m:ctrlPr>
+                                          </m:sSubPr>
+                                          <m:e>
+                                            <m:r>
+                                              <a:rPr kumimoji="1" lang="en-US" altLang="ja-JP" b="0" i="1" smtClean="0">
+                                                <a:latin typeface="Cambria Math" panose="02040503050406030204" pitchFamily="18" charset="0"/>
+                                              </a:rPr>
+                                              <m:t>𝑥</m:t>
+                                            </m:r>
+                                          </m:e>
+                                          <m:sub>
+                                            <m:r>
+                                              <a:rPr kumimoji="1" lang="en-US" altLang="ja-JP" b="0" i="1" smtClean="0">
+                                                <a:latin typeface="Cambria Math" panose="02040503050406030204" pitchFamily="18" charset="0"/>
+                                              </a:rPr>
+                                              <m:t>𝑖</m:t>
+                                            </m:r>
+                                          </m:sub>
+                                        </m:sSub>
+                                        <m:r>
+                                          <a:rPr kumimoji="1" lang="en-US" altLang="ja-JP" b="0" i="1" smtClean="0">
+                                            <a:latin typeface="Cambria Math" panose="02040503050406030204" pitchFamily="18" charset="0"/>
+                                            <a:ea typeface="Cambria Math" panose="02040503050406030204" pitchFamily="18" charset="0"/>
+                                          </a:rPr>
+                                          <m:t>≥0</m:t>
+                                        </m:r>
+                                        <m:r>
+                                          <a:rPr lang="ja-JP" altLang="en-US" i="1">
+                                            <a:latin typeface="Cambria Math" panose="02040503050406030204" pitchFamily="18" charset="0"/>
+                                            <a:ea typeface="Cambria Math" panose="02040503050406030204" pitchFamily="18" charset="0"/>
+                                          </a:rPr>
+                                          <m:t>のとき</m:t>
+                                        </m:r>
+                                      </m:e>
+                                    </m:nary>
+                                  </m:e>
+                                </m:d>
+                              </m:e>
+                              <m:e>
+                                <m:r>
+                                  <a:rPr kumimoji="1" lang="en-US" altLang="ja-JP" b="0" i="1" smtClean="0">
+                                    <a:latin typeface="Cambria Math" panose="02040503050406030204" pitchFamily="18" charset="0"/>
+                                  </a:rPr>
+                                  <m:t>0  </m:t>
+                                </m:r>
+                                <m:d>
+                                  <m:dPr>
+                                    <m:ctrlPr>
+                                      <a:rPr lang="en-US" altLang="ja-JP" i="1">
+                                        <a:latin typeface="Cambria Math" panose="02040503050406030204" pitchFamily="18" charset="0"/>
+                                      </a:rPr>
+                                    </m:ctrlPr>
+                                  </m:dPr>
+                                  <m:e>
+                                    <m:nary>
+                                      <m:naryPr>
+                                        <m:chr m:val="∑"/>
+                                        <m:ctrlPr>
+                                          <a:rPr lang="en-US" altLang="ja-JP" i="1">
+                                            <a:latin typeface="Cambria Math" panose="02040503050406030204" pitchFamily="18" charset="0"/>
+                                          </a:rPr>
+                                        </m:ctrlPr>
+                                      </m:naryPr>
+                                      <m:sub>
+                                        <m:r>
+                                          <m:rPr>
+                                            <m:brk m:alnAt="23"/>
+                                          </m:rPr>
+                                          <a:rPr lang="en-US" altLang="ja-JP" i="1">
+                                            <a:latin typeface="Cambria Math" panose="02040503050406030204" pitchFamily="18" charset="0"/>
+                                          </a:rPr>
+                                          <m:t>𝑖</m:t>
+                                        </m:r>
+                                        <m:r>
+                                          <a:rPr lang="en-US" altLang="ja-JP" i="1">
+                                            <a:latin typeface="Cambria Math" panose="02040503050406030204" pitchFamily="18" charset="0"/>
+                                          </a:rPr>
+                                          <m:t>=0</m:t>
+                                        </m:r>
+                                      </m:sub>
+                                      <m:sup>
+                                        <m:r>
+                                          <a:rPr lang="en-US" altLang="ja-JP" i="1">
+                                            <a:latin typeface="Cambria Math" panose="02040503050406030204" pitchFamily="18" charset="0"/>
+                                          </a:rPr>
+                                          <m:t>𝑛</m:t>
+                                        </m:r>
+                                      </m:sup>
+                                      <m:e>
+                                        <m:sSub>
+                                          <m:sSubPr>
+                                            <m:ctrlPr>
+                                              <a:rPr lang="en-US" altLang="ja-JP" i="1">
+                                                <a:latin typeface="Cambria Math" panose="02040503050406030204" pitchFamily="18" charset="0"/>
+                                              </a:rPr>
+                                            </m:ctrlPr>
+                                          </m:sSubPr>
+                                          <m:e>
+                                            <m:r>
+                                              <a:rPr lang="en-US" altLang="ja-JP" i="1">
+                                                <a:latin typeface="Cambria Math" panose="02040503050406030204" pitchFamily="18" charset="0"/>
+                                              </a:rPr>
+                                              <m:t>𝑤</m:t>
+                                            </m:r>
+                                          </m:e>
+                                          <m:sub>
+                                            <m:r>
+                                              <a:rPr lang="en-US" altLang="ja-JP" i="1">
+                                                <a:latin typeface="Cambria Math" panose="02040503050406030204" pitchFamily="18" charset="0"/>
+                                              </a:rPr>
+                                              <m:t>𝑖</m:t>
+                                            </m:r>
+                                          </m:sub>
+                                        </m:sSub>
+                                        <m:sSub>
+                                          <m:sSubPr>
+                                            <m:ctrlPr>
+                                              <a:rPr lang="en-US" altLang="ja-JP" i="1">
+                                                <a:latin typeface="Cambria Math" panose="02040503050406030204" pitchFamily="18" charset="0"/>
+                                              </a:rPr>
+                                            </m:ctrlPr>
+                                          </m:sSubPr>
+                                          <m:e>
+                                            <m:r>
+                                              <a:rPr lang="en-US" altLang="ja-JP" i="1">
+                                                <a:latin typeface="Cambria Math" panose="02040503050406030204" pitchFamily="18" charset="0"/>
+                                              </a:rPr>
+                                              <m:t>𝑥</m:t>
+                                            </m:r>
+                                          </m:e>
+                                          <m:sub>
+                                            <m:r>
+                                              <a:rPr lang="en-US" altLang="ja-JP" i="1">
+                                                <a:latin typeface="Cambria Math" panose="02040503050406030204" pitchFamily="18" charset="0"/>
+                                              </a:rPr>
+                                              <m:t>𝑖</m:t>
+                                            </m:r>
+                                          </m:sub>
+                                        </m:sSub>
+                                        <m:r>
+                                          <a:rPr lang="en-US" altLang="ja-JP" i="1">
+                                            <a:latin typeface="Cambria Math" panose="02040503050406030204" pitchFamily="18" charset="0"/>
+                                            <a:ea typeface="Cambria Math" panose="02040503050406030204" pitchFamily="18" charset="0"/>
+                                          </a:rPr>
+                                          <m:t>≥0</m:t>
+                                        </m:r>
+                                        <m:r>
+                                          <a:rPr lang="ja-JP" altLang="en-US" i="1">
+                                            <a:latin typeface="Cambria Math" panose="02040503050406030204" pitchFamily="18" charset="0"/>
+                                            <a:ea typeface="Cambria Math" panose="02040503050406030204" pitchFamily="18" charset="0"/>
+                                          </a:rPr>
+                                          <m:t>のとき</m:t>
+                                        </m:r>
+                                      </m:e>
+                                    </m:nary>
+                                  </m:e>
+                                </m:d>
+                              </m:e>
+                            </m:eqArr>
+                          </m:e>
+                        </m:d>
+                      </m:oMath>
+                    </m:oMathPara>
+                  </a14:m>
+                  <a:endParaRPr kumimoji="1" lang="ja-JP" altLang="en-US" dirty="0"/>
+                </a:p>
+              </p:txBody>
+            </p:sp>
+          </mc:Choice>
+          <mc:Fallback>
+            <p:sp>
+              <p:nvSpPr>
+                <p:cNvPr id="70" name="テキスト ボックス 69"/>
+                <p:cNvSpPr txBox="1">
+                  <a:spLocks noRot="1" noChangeAspect="1" noMove="1" noResize="1" noEditPoints="1" noAdjustHandles="1" noChangeArrowheads="1" noChangeShapeType="1" noTextEdit="1"/>
+                </p:cNvSpPr>
+                <p:nvPr/>
+              </p:nvSpPr>
+              <p:spPr>
+                <a:xfrm>
+                  <a:off x="6306196" y="4979505"/>
+                  <a:ext cx="3236271" cy="1624419"/>
+                </a:xfrm>
+                <a:prstGeom prst="rect">
+                  <a:avLst/>
+                </a:prstGeom>
+                <a:blipFill>
+                  <a:blip r:embed="rId8"/>
+                  <a:stretch>
+                    <a:fillRect/>
+                  </a:stretch>
+                </a:blipFill>
+              </p:spPr>
+              <p:txBody>
+                <a:bodyPr/>
+                <a:lstStyle/>
+                <a:p>
+                  <a:r>
+                    <a:rPr lang="ja-JP" altLang="en-US">
+                      <a:noFill/>
+                    </a:rPr>
+                    <a:t> </a:t>
+                  </a:r>
+                </a:p>
+              </p:txBody>
+            </p:sp>
+          </mc:Fallback>
+        </mc:AlternateContent>
+        <mc:AlternateContent xmlns:mc="http://schemas.openxmlformats.org/markup-compatibility/2006">
+          <mc:Choice xmlns:a14="http://schemas.microsoft.com/office/drawing/2010/main" Requires="a14">
+            <p:sp>
+              <p:nvSpPr>
+                <p:cNvPr id="87" name="テキスト ボックス 86"/>
+                <p:cNvSpPr txBox="1"/>
+                <p:nvPr/>
+              </p:nvSpPr>
+              <p:spPr>
+                <a:xfrm>
+                  <a:off x="5348657" y="3727465"/>
+                  <a:ext cx="335285" cy="276999"/>
+                </a:xfrm>
+                <a:prstGeom prst="rect">
+                  <a:avLst/>
+                </a:prstGeom>
+                <a:noFill/>
+              </p:spPr>
+              <p:txBody>
+                <a:bodyPr wrap="none" lIns="0" tIns="0" rIns="0" bIns="0" rtlCol="0">
+                  <a:spAutoFit/>
+                </a:bodyPr>
+                <a:lstStyle/>
+                <a:p>
+                  <a14:m>
+                    <m:oMathPara xmlns:m="http://schemas.openxmlformats.org/officeDocument/2006/math">
+                      <m:oMathParaPr>
+                        <m:jc m:val="centerGroup"/>
+                      </m:oMathParaPr>
+                      <m:oMath xmlns:m="http://schemas.openxmlformats.org/officeDocument/2006/math">
+                        <m:sSub>
+                          <m:sSubPr>
+                            <m:ctrlPr>
+                              <a:rPr kumimoji="1" lang="en-US" altLang="ja-JP" i="1" smtClean="0">
+                                <a:latin typeface="Cambria Math" panose="02040503050406030204" pitchFamily="18" charset="0"/>
+                              </a:rPr>
+                            </m:ctrlPr>
+                          </m:sSubPr>
+                          <m:e>
+                            <m:r>
+                              <a:rPr kumimoji="1" lang="en-US" altLang="ja-JP" b="0" i="1" smtClean="0">
+                                <a:latin typeface="Cambria Math" panose="02040503050406030204" pitchFamily="18" charset="0"/>
+                              </a:rPr>
+                              <m:t>𝑤</m:t>
+                            </m:r>
+                          </m:e>
+                          <m:sub>
+                            <m:r>
+                              <a:rPr kumimoji="1" lang="en-US" altLang="ja-JP" b="0" i="1" smtClean="0">
+                                <a:latin typeface="Cambria Math" panose="02040503050406030204" pitchFamily="18" charset="0"/>
+                              </a:rPr>
+                              <m:t>0</m:t>
+                            </m:r>
+                          </m:sub>
+                        </m:sSub>
+                      </m:oMath>
+                    </m:oMathPara>
+                  </a14:m>
+                  <a:endParaRPr kumimoji="1" lang="ja-JP" altLang="en-US" dirty="0"/>
+                </a:p>
+              </p:txBody>
+            </p:sp>
+          </mc:Choice>
+          <mc:Fallback>
+            <p:sp>
+              <p:nvSpPr>
+                <p:cNvPr id="87" name="テキスト ボックス 86"/>
+                <p:cNvSpPr txBox="1">
+                  <a:spLocks noRot="1" noChangeAspect="1" noMove="1" noResize="1" noEditPoints="1" noAdjustHandles="1" noChangeArrowheads="1" noChangeShapeType="1" noTextEdit="1"/>
+                </p:cNvSpPr>
+                <p:nvPr/>
+              </p:nvSpPr>
+              <p:spPr>
+                <a:xfrm>
+                  <a:off x="5348657" y="3727465"/>
+                  <a:ext cx="335285" cy="276999"/>
+                </a:xfrm>
+                <a:prstGeom prst="rect">
+                  <a:avLst/>
+                </a:prstGeom>
+                <a:blipFill>
+                  <a:blip r:embed="rId9"/>
+                  <a:stretch>
+                    <a:fillRect l="-7273" r="-5455" b="-15556"/>
+                  </a:stretch>
+                </a:blipFill>
+              </p:spPr>
+              <p:txBody>
+                <a:bodyPr/>
+                <a:lstStyle/>
+                <a:p>
+                  <a:r>
+                    <a:rPr lang="ja-JP" altLang="en-US">
+                      <a:noFill/>
+                    </a:rPr>
+                    <a:t> </a:t>
+                  </a:r>
+                </a:p>
+              </p:txBody>
+            </p:sp>
+          </mc:Fallback>
+        </mc:AlternateContent>
+        <mc:AlternateContent xmlns:mc="http://schemas.openxmlformats.org/markup-compatibility/2006">
+          <mc:Choice xmlns:a14="http://schemas.microsoft.com/office/drawing/2010/main" Requires="a14">
+            <p:sp>
+              <p:nvSpPr>
+                <p:cNvPr id="88" name="テキスト ボックス 87"/>
+                <p:cNvSpPr txBox="1"/>
+                <p:nvPr/>
+              </p:nvSpPr>
+              <p:spPr>
+                <a:xfrm>
+                  <a:off x="5536350" y="3489871"/>
+                  <a:ext cx="329962" cy="276999"/>
+                </a:xfrm>
+                <a:prstGeom prst="rect">
+                  <a:avLst/>
+                </a:prstGeom>
+                <a:noFill/>
+              </p:spPr>
+              <p:txBody>
+                <a:bodyPr wrap="none" lIns="0" tIns="0" rIns="0" bIns="0" rtlCol="0">
+                  <a:spAutoFit/>
+                </a:bodyPr>
+                <a:lstStyle/>
+                <a:p>
+                  <a14:m>
+                    <m:oMathPara xmlns:m="http://schemas.openxmlformats.org/officeDocument/2006/math">
+                      <m:oMathParaPr>
+                        <m:jc m:val="centerGroup"/>
+                      </m:oMathParaPr>
+                      <m:oMath xmlns:m="http://schemas.openxmlformats.org/officeDocument/2006/math">
+                        <m:sSub>
+                          <m:sSubPr>
+                            <m:ctrlPr>
+                              <a:rPr kumimoji="1" lang="en-US" altLang="ja-JP" i="1" smtClean="0">
+                                <a:latin typeface="Cambria Math" panose="02040503050406030204" pitchFamily="18" charset="0"/>
+                              </a:rPr>
+                            </m:ctrlPr>
+                          </m:sSubPr>
+                          <m:e>
+                            <m:r>
+                              <a:rPr kumimoji="1" lang="en-US" altLang="ja-JP" b="0" i="1" smtClean="0">
+                                <a:latin typeface="Cambria Math" panose="02040503050406030204" pitchFamily="18" charset="0"/>
+                              </a:rPr>
+                              <m:t>𝑤</m:t>
+                            </m:r>
+                          </m:e>
+                          <m:sub>
+                            <m:r>
+                              <a:rPr kumimoji="1" lang="en-US" altLang="ja-JP" b="0" i="1" smtClean="0">
+                                <a:latin typeface="Cambria Math" panose="02040503050406030204" pitchFamily="18" charset="0"/>
+                              </a:rPr>
+                              <m:t>1</m:t>
+                            </m:r>
+                          </m:sub>
+                        </m:sSub>
+                      </m:oMath>
+                    </m:oMathPara>
+                  </a14:m>
+                  <a:endParaRPr kumimoji="1" lang="ja-JP" altLang="en-US" dirty="0"/>
+                </a:p>
+              </p:txBody>
+            </p:sp>
+          </mc:Choice>
+          <mc:Fallback>
+            <p:sp>
+              <p:nvSpPr>
+                <p:cNvPr id="88" name="テキスト ボックス 87"/>
+                <p:cNvSpPr txBox="1">
+                  <a:spLocks noRot="1" noChangeAspect="1" noMove="1" noResize="1" noEditPoints="1" noAdjustHandles="1" noChangeArrowheads="1" noChangeShapeType="1" noTextEdit="1"/>
+                </p:cNvSpPr>
+                <p:nvPr/>
+              </p:nvSpPr>
+              <p:spPr>
+                <a:xfrm>
+                  <a:off x="5536350" y="3489871"/>
+                  <a:ext cx="329962" cy="276999"/>
+                </a:xfrm>
+                <a:prstGeom prst="rect">
+                  <a:avLst/>
+                </a:prstGeom>
+                <a:blipFill>
+                  <a:blip r:embed="rId10"/>
+                  <a:stretch>
+                    <a:fillRect l="-9259" r="-3704" b="-15556"/>
+                  </a:stretch>
+                </a:blipFill>
+              </p:spPr>
+              <p:txBody>
+                <a:bodyPr/>
+                <a:lstStyle/>
+                <a:p>
+                  <a:r>
+                    <a:rPr lang="ja-JP" altLang="en-US">
+                      <a:noFill/>
+                    </a:rPr>
+                    <a:t> </a:t>
+                  </a:r>
+                </a:p>
+              </p:txBody>
+            </p:sp>
+          </mc:Fallback>
+        </mc:AlternateContent>
+        <mc:AlternateContent xmlns:mc="http://schemas.openxmlformats.org/markup-compatibility/2006">
+          <mc:Choice xmlns:a14="http://schemas.microsoft.com/office/drawing/2010/main" Requires="a14">
+            <p:sp>
+              <p:nvSpPr>
+                <p:cNvPr id="89" name="テキスト ボックス 88"/>
+                <p:cNvSpPr txBox="1"/>
+                <p:nvPr/>
+              </p:nvSpPr>
+              <p:spPr>
+                <a:xfrm>
+                  <a:off x="5841776" y="3312329"/>
+                  <a:ext cx="335285" cy="276999"/>
+                </a:xfrm>
+                <a:prstGeom prst="rect">
+                  <a:avLst/>
+                </a:prstGeom>
+                <a:noFill/>
+              </p:spPr>
+              <p:txBody>
+                <a:bodyPr wrap="none" lIns="0" tIns="0" rIns="0" bIns="0" rtlCol="0">
+                  <a:spAutoFit/>
+                </a:bodyPr>
+                <a:lstStyle/>
+                <a:p>
+                  <a14:m>
+                    <m:oMathPara xmlns:m="http://schemas.openxmlformats.org/officeDocument/2006/math">
+                      <m:oMathParaPr>
+                        <m:jc m:val="centerGroup"/>
+                      </m:oMathParaPr>
+                      <m:oMath xmlns:m="http://schemas.openxmlformats.org/officeDocument/2006/math">
+                        <m:sSub>
+                          <m:sSubPr>
+                            <m:ctrlPr>
+                              <a:rPr kumimoji="1" lang="en-US" altLang="ja-JP" i="1" smtClean="0">
+                                <a:latin typeface="Cambria Math" panose="02040503050406030204" pitchFamily="18" charset="0"/>
+                              </a:rPr>
+                            </m:ctrlPr>
+                          </m:sSubPr>
+                          <m:e>
+                            <m:r>
+                              <a:rPr kumimoji="1" lang="en-US" altLang="ja-JP" b="0" i="1" smtClean="0">
+                                <a:latin typeface="Cambria Math" panose="02040503050406030204" pitchFamily="18" charset="0"/>
+                              </a:rPr>
+                              <m:t>𝑤</m:t>
+                            </m:r>
+                          </m:e>
+                          <m:sub>
+                            <m:r>
+                              <a:rPr kumimoji="1" lang="en-US" altLang="ja-JP" b="0" i="1" smtClean="0">
+                                <a:latin typeface="Cambria Math" panose="02040503050406030204" pitchFamily="18" charset="0"/>
+                              </a:rPr>
+                              <m:t>2</m:t>
+                            </m:r>
+                          </m:sub>
+                        </m:sSub>
+                      </m:oMath>
+                    </m:oMathPara>
+                  </a14:m>
+                  <a:endParaRPr kumimoji="1" lang="ja-JP" altLang="en-US" dirty="0"/>
+                </a:p>
+              </p:txBody>
+            </p:sp>
+          </mc:Choice>
+          <mc:Fallback>
+            <p:sp>
+              <p:nvSpPr>
+                <p:cNvPr id="89" name="テキスト ボックス 88"/>
+                <p:cNvSpPr txBox="1">
+                  <a:spLocks noRot="1" noChangeAspect="1" noMove="1" noResize="1" noEditPoints="1" noAdjustHandles="1" noChangeArrowheads="1" noChangeShapeType="1" noTextEdit="1"/>
+                </p:cNvSpPr>
+                <p:nvPr/>
+              </p:nvSpPr>
+              <p:spPr>
+                <a:xfrm>
+                  <a:off x="5841776" y="3312329"/>
+                  <a:ext cx="335285" cy="276999"/>
+                </a:xfrm>
+                <a:prstGeom prst="rect">
+                  <a:avLst/>
+                </a:prstGeom>
+                <a:blipFill>
+                  <a:blip r:embed="rId11"/>
+                  <a:stretch>
+                    <a:fillRect l="-7273" r="-5455" b="-15556"/>
+                  </a:stretch>
+                </a:blipFill>
+              </p:spPr>
+              <p:txBody>
+                <a:bodyPr/>
+                <a:lstStyle/>
+                <a:p>
+                  <a:r>
+                    <a:rPr lang="ja-JP" altLang="en-US">
+                      <a:noFill/>
+                    </a:rPr>
+                    <a:t> </a:t>
+                  </a:r>
+                </a:p>
+              </p:txBody>
+            </p:sp>
+          </mc:Fallback>
+        </mc:AlternateContent>
+        <mc:AlternateContent xmlns:mc="http://schemas.openxmlformats.org/markup-compatibility/2006">
+          <mc:Choice xmlns:a14="http://schemas.microsoft.com/office/drawing/2010/main" Requires="a14">
+            <p:sp>
+              <p:nvSpPr>
+                <p:cNvPr id="90" name="テキスト ボックス 89"/>
+                <p:cNvSpPr txBox="1"/>
+                <p:nvPr/>
+              </p:nvSpPr>
+              <p:spPr>
+                <a:xfrm>
+                  <a:off x="6475295" y="3710897"/>
+                  <a:ext cx="342401" cy="276999"/>
+                </a:xfrm>
+                <a:prstGeom prst="rect">
+                  <a:avLst/>
+                </a:prstGeom>
+                <a:noFill/>
+              </p:spPr>
+              <p:txBody>
+                <a:bodyPr wrap="none" lIns="0" tIns="0" rIns="0" bIns="0" rtlCol="0">
+                  <a:spAutoFit/>
+                </a:bodyPr>
+                <a:lstStyle/>
+                <a:p>
+                  <a14:m>
+                    <m:oMathPara xmlns:m="http://schemas.openxmlformats.org/officeDocument/2006/math">
+                      <m:oMathParaPr>
+                        <m:jc m:val="centerGroup"/>
+                      </m:oMathParaPr>
+                      <m:oMath xmlns:m="http://schemas.openxmlformats.org/officeDocument/2006/math">
+                        <m:sSub>
+                          <m:sSubPr>
+                            <m:ctrlPr>
+                              <a:rPr kumimoji="1" lang="en-US" altLang="ja-JP" i="1" smtClean="0">
+                                <a:latin typeface="Cambria Math" panose="02040503050406030204" pitchFamily="18" charset="0"/>
+                              </a:rPr>
+                            </m:ctrlPr>
+                          </m:sSubPr>
+                          <m:e>
+                            <m:r>
+                              <a:rPr kumimoji="1" lang="en-US" altLang="ja-JP" b="0" i="1" smtClean="0">
+                                <a:latin typeface="Cambria Math" panose="02040503050406030204" pitchFamily="18" charset="0"/>
+                              </a:rPr>
+                              <m:t>𝑤</m:t>
+                            </m:r>
+                          </m:e>
+                          <m:sub>
+                            <m:r>
+                              <a:rPr kumimoji="1" lang="en-US" altLang="ja-JP" b="0" i="1" smtClean="0">
+                                <a:latin typeface="Cambria Math" panose="02040503050406030204" pitchFamily="18" charset="0"/>
+                              </a:rPr>
+                              <m:t>𝑛</m:t>
+                            </m:r>
+                          </m:sub>
+                        </m:sSub>
+                      </m:oMath>
+                    </m:oMathPara>
+                  </a14:m>
+                  <a:endParaRPr kumimoji="1" lang="ja-JP" altLang="en-US" dirty="0"/>
+                </a:p>
+              </p:txBody>
+            </p:sp>
+          </mc:Choice>
+          <mc:Fallback>
+            <p:sp>
+              <p:nvSpPr>
+                <p:cNvPr id="90" name="テキスト ボックス 89"/>
+                <p:cNvSpPr txBox="1">
+                  <a:spLocks noRot="1" noChangeAspect="1" noMove="1" noResize="1" noEditPoints="1" noAdjustHandles="1" noChangeArrowheads="1" noChangeShapeType="1" noTextEdit="1"/>
+                </p:cNvSpPr>
+                <p:nvPr/>
+              </p:nvSpPr>
+              <p:spPr>
+                <a:xfrm>
+                  <a:off x="6475295" y="3710897"/>
+                  <a:ext cx="342401" cy="276999"/>
+                </a:xfrm>
+                <a:prstGeom prst="rect">
+                  <a:avLst/>
+                </a:prstGeom>
+                <a:blipFill>
+                  <a:blip r:embed="rId12"/>
+                  <a:stretch>
+                    <a:fillRect l="-7143" b="-11111"/>
+                  </a:stretch>
+                </a:blipFill>
+              </p:spPr>
+              <p:txBody>
+                <a:bodyPr/>
+                <a:lstStyle/>
+                <a:p>
+                  <a:r>
+                    <a:rPr lang="ja-JP" altLang="en-US">
+                      <a:noFill/>
+                    </a:rPr>
+                    <a:t> </a:t>
+                  </a:r>
+                </a:p>
+              </p:txBody>
+            </p:sp>
+          </mc:Fallback>
+        </mc:AlternateContent>
+      </p:grpSp>
       <p:cxnSp>
         <p:nvCxnSpPr>
-          <p:cNvPr id="4" name="直線矢印コネクタ 3">
-            <a:extLst>
-              <a:ext uri="{FF2B5EF4-FFF2-40B4-BE49-F238E27FC236}">
-                <a16:creationId xmlns:a16="http://schemas.microsoft.com/office/drawing/2014/main" id="{45DE7437-4ABD-4B13-81B2-615003459286}"/>
-              </a:ext>
-            </a:extLst>
-          </p:cNvPr>
-          <p:cNvCxnSpPr>
-            <a:cxnSpLocks/>
-            <a:endCxn id="2" idx="1"/>
-          </p:cNvCxnSpPr>
+          <p:cNvPr id="93" name="直線矢印コネクタ 92"/>
+          <p:cNvCxnSpPr/>
           <p:nvPr/>
         </p:nvCxnSpPr>
         <p:spPr>
           <a:xfrm>
-            <a:off x="4380089" y="2280356"/>
-            <a:ext cx="1133170" cy="1242800"/>
+            <a:off x="3251698" y="2387671"/>
+            <a:ext cx="2029812" cy="924533"/>
           </a:xfrm>
           <a:prstGeom prst="straightConnector1">
             <a:avLst/>
@@ -3516,68 +5271,108 @@
             <a:solidFill>
               <a:schemeClr val="tx1"/>
             </a:solidFill>
+            <a:prstDash val="sysDash"/>
             <a:tailEnd type="triangle"/>
           </a:ln>
         </p:spPr>
         <p:style>
           <a:lnRef idx="1">
-            <a:schemeClr val="accent1"/>
+            <a:schemeClr val="dk1"/>
           </a:lnRef>
           <a:fillRef idx="0">
-            <a:schemeClr val="accent1"/>
+            <a:schemeClr val="dk1"/>
           </a:fillRef>
           <a:effectRef idx="0">
-            <a:schemeClr val="accent1"/>
+            <a:schemeClr val="dk1"/>
           </a:effectRef>
           <a:fontRef idx="minor">
             <a:schemeClr val="tx1"/>
           </a:fontRef>
         </p:style>
       </p:cxnSp>
-      <p:cxnSp>
-        <p:nvCxnSpPr>
-          <p:cNvPr id="7" name="直線矢印コネクタ 6">
-            <a:extLst>
-              <a:ext uri="{FF2B5EF4-FFF2-40B4-BE49-F238E27FC236}">
-                <a16:creationId xmlns:a16="http://schemas.microsoft.com/office/drawing/2014/main" id="{81B3166E-D7F3-41CA-B104-E7C2AB4D3C9B}"/>
-              </a:ext>
-            </a:extLst>
-          </p:cNvPr>
-          <p:cNvCxnSpPr>
-            <a:cxnSpLocks/>
-          </p:cNvCxnSpPr>
-          <p:nvPr/>
-        </p:nvCxnSpPr>
-        <p:spPr>
-          <a:xfrm>
-            <a:off x="4865511" y="1919111"/>
-            <a:ext cx="864701" cy="1354175"/>
-          </a:xfrm>
-          <a:prstGeom prst="straightConnector1">
-            <a:avLst/>
-          </a:prstGeom>
-          <a:ln w="38100">
-            <a:solidFill>
-              <a:schemeClr val="tx1"/>
-            </a:solidFill>
-            <a:tailEnd type="triangle"/>
-          </a:ln>
-        </p:spPr>
-        <p:style>
-          <a:lnRef idx="1">
-            <a:schemeClr val="accent1"/>
-          </a:lnRef>
-          <a:fillRef idx="0">
-            <a:schemeClr val="accent1"/>
-          </a:fillRef>
-          <a:effectRef idx="0">
-            <a:schemeClr val="accent1"/>
-          </a:effectRef>
-          <a:fontRef idx="minor">
-            <a:schemeClr val="tx1"/>
-          </a:fontRef>
-        </p:style>
-      </p:cxnSp>
+      <mc:AlternateContent xmlns:mc="http://schemas.openxmlformats.org/markup-compatibility/2006">
+        <mc:Choice xmlns:a14="http://schemas.microsoft.com/office/drawing/2010/main" Requires="a14">
+          <p:sp>
+            <p:nvSpPr>
+              <p:cNvPr id="97" name="テキスト ボックス 96"/>
+              <p:cNvSpPr txBox="1"/>
+              <p:nvPr/>
+            </p:nvSpPr>
+            <p:spPr>
+              <a:xfrm>
+                <a:off x="3030460" y="2206912"/>
+                <a:ext cx="199542" cy="276999"/>
+              </a:xfrm>
+              <a:prstGeom prst="rect">
+                <a:avLst/>
+              </a:prstGeom>
+              <a:noFill/>
+            </p:spPr>
+            <p:txBody>
+              <a:bodyPr wrap="none" lIns="0" tIns="0" rIns="0" bIns="0" rtlCol="0">
+                <a:spAutoFit/>
+              </a:bodyPr>
+              <a:lstStyle/>
+              <a:p>
+                <a14:m>
+                  <m:oMathPara xmlns:m="http://schemas.openxmlformats.org/officeDocument/2006/math">
+                    <m:oMathParaPr>
+                      <m:jc m:val="centerGroup"/>
+                    </m:oMathParaPr>
+                    <m:oMath xmlns:m="http://schemas.openxmlformats.org/officeDocument/2006/math">
+                      <m:r>
+                        <a:rPr kumimoji="1" lang="en-US" altLang="ja-JP" b="0" i="1" smtClean="0">
+                          <a:latin typeface="Cambria Math" panose="02040503050406030204" pitchFamily="18" charset="0"/>
+                        </a:rPr>
+                        <m:t>𝑦</m:t>
+                      </m:r>
+                    </m:oMath>
+                  </m:oMathPara>
+                </a14:m>
+                <a:endParaRPr kumimoji="1" lang="ja-JP" altLang="en-US" dirty="0"/>
+              </a:p>
+            </p:txBody>
+          </p:sp>
+        </mc:Choice>
+        <mc:Fallback>
+          <p:sp>
+            <p:nvSpPr>
+              <p:cNvPr id="97" name="テキスト ボックス 96"/>
+              <p:cNvSpPr txBox="1">
+                <a:spLocks noRot="1" noChangeAspect="1" noMove="1" noResize="1" noEditPoints="1" noAdjustHandles="1" noChangeArrowheads="1" noChangeShapeType="1" noTextEdit="1"/>
+              </p:cNvSpPr>
+              <p:nvPr/>
+            </p:nvSpPr>
+            <p:spPr>
+              <a:xfrm>
+                <a:off x="3030460" y="2206912"/>
+                <a:ext cx="199542" cy="276999"/>
+              </a:xfrm>
+              <a:prstGeom prst="rect">
+                <a:avLst/>
+              </a:prstGeom>
+              <a:blipFill>
+                <a:blip r:embed="rId13"/>
+                <a:stretch>
+                  <a:fillRect l="-27273" r="-21212" b="-26667"/>
+                </a:stretch>
+              </a:blipFill>
+            </p:spPr>
+            <p:txBody>
+              <a:bodyPr/>
+              <a:lstStyle/>
+              <a:p>
+                <a:r>
+                  <a:rPr lang="ja-JP" altLang="en-US">
+                    <a:noFill/>
+                  </a:rPr>
+                  <a:t> </a:t>
+                </a:r>
+              </a:p>
+            </p:txBody>
+          </p:sp>
+        </mc:Fallback>
+      </mc:AlternateContent>
     </p:spTree>
     <p:extLst>
       <p:ext uri="{BB962C8B-B14F-4D97-AF65-F5344CB8AC3E}">

--- a/卒研発表tex用_イラスト.pptx
+++ b/卒研発表tex用_イラスト.pptx
@@ -5,28 +5,30 @@
     <p:sldMasterId id="2147483648" r:id="rId1"/>
   </p:sldMasterIdLst>
   <p:handoutMasterIdLst>
-    <p:handoutMasterId r:id="rId21"/>
+    <p:handoutMasterId r:id="rId23"/>
   </p:handoutMasterIdLst>
   <p:sldIdLst>
-    <p:sldId id="301" r:id="rId2"/>
-    <p:sldId id="300" r:id="rId3"/>
-    <p:sldId id="299" r:id="rId4"/>
-    <p:sldId id="293" r:id="rId5"/>
-    <p:sldId id="294" r:id="rId6"/>
-    <p:sldId id="295" r:id="rId7"/>
-    <p:sldId id="296" r:id="rId8"/>
-    <p:sldId id="297" r:id="rId9"/>
-    <p:sldId id="298" r:id="rId10"/>
-    <p:sldId id="292" r:id="rId11"/>
-    <p:sldId id="291" r:id="rId12"/>
-    <p:sldId id="264" r:id="rId13"/>
-    <p:sldId id="265" r:id="rId14"/>
-    <p:sldId id="258" r:id="rId15"/>
-    <p:sldId id="259" r:id="rId16"/>
-    <p:sldId id="260" r:id="rId17"/>
-    <p:sldId id="261" r:id="rId18"/>
-    <p:sldId id="262" r:id="rId19"/>
-    <p:sldId id="263" r:id="rId20"/>
+    <p:sldId id="303" r:id="rId2"/>
+    <p:sldId id="302" r:id="rId3"/>
+    <p:sldId id="301" r:id="rId4"/>
+    <p:sldId id="300" r:id="rId5"/>
+    <p:sldId id="299" r:id="rId6"/>
+    <p:sldId id="293" r:id="rId7"/>
+    <p:sldId id="294" r:id="rId8"/>
+    <p:sldId id="295" r:id="rId9"/>
+    <p:sldId id="296" r:id="rId10"/>
+    <p:sldId id="297" r:id="rId11"/>
+    <p:sldId id="298" r:id="rId12"/>
+    <p:sldId id="292" r:id="rId13"/>
+    <p:sldId id="291" r:id="rId14"/>
+    <p:sldId id="264" r:id="rId15"/>
+    <p:sldId id="265" r:id="rId16"/>
+    <p:sldId id="258" r:id="rId17"/>
+    <p:sldId id="259" r:id="rId18"/>
+    <p:sldId id="260" r:id="rId19"/>
+    <p:sldId id="261" r:id="rId20"/>
+    <p:sldId id="262" r:id="rId21"/>
+    <p:sldId id="263" r:id="rId22"/>
   </p:sldIdLst>
   <p:sldSz cx="12192000" cy="6858000"/>
   <p:notesSz cx="7099300" cy="10234613"/>
@@ -226,7 +228,7 @@
           <a:p>
             <a:fld id="{B5E7AF8B-FD9C-4188-8BA3-79A46472192F}" type="datetimeFigureOut">
               <a:rPr kumimoji="1" lang="ja-JP" altLang="en-US" smtClean="0"/>
-              <a:t>2020/1/29</a:t>
+              <a:t>2020/1/30</a:t>
             </a:fld>
             <a:endParaRPr kumimoji="1" lang="ja-JP" altLang="en-US"/>
           </a:p>
@@ -438,7 +440,7 @@
           <a:p>
             <a:fld id="{1019A24B-2DB6-47C4-AADA-142B59CEEE3F}" type="datetimeFigureOut">
               <a:rPr kumimoji="1" lang="ja-JP" altLang="en-US" smtClean="0"/>
-              <a:t>2020/1/29</a:t>
+              <a:t>2020/1/30</a:t>
             </a:fld>
             <a:endParaRPr kumimoji="1" lang="ja-JP" altLang="en-US"/>
           </a:p>
@@ -638,7 +640,7 @@
           <a:p>
             <a:fld id="{1019A24B-2DB6-47C4-AADA-142B59CEEE3F}" type="datetimeFigureOut">
               <a:rPr kumimoji="1" lang="ja-JP" altLang="en-US" smtClean="0"/>
-              <a:t>2020/1/29</a:t>
+              <a:t>2020/1/30</a:t>
             </a:fld>
             <a:endParaRPr kumimoji="1" lang="ja-JP" altLang="en-US"/>
           </a:p>
@@ -848,7 +850,7 @@
           <a:p>
             <a:fld id="{1019A24B-2DB6-47C4-AADA-142B59CEEE3F}" type="datetimeFigureOut">
               <a:rPr kumimoji="1" lang="ja-JP" altLang="en-US" smtClean="0"/>
-              <a:t>2020/1/29</a:t>
+              <a:t>2020/1/30</a:t>
             </a:fld>
             <a:endParaRPr kumimoji="1" lang="ja-JP" altLang="en-US"/>
           </a:p>
@@ -1048,7 +1050,7 @@
           <a:p>
             <a:fld id="{1019A24B-2DB6-47C4-AADA-142B59CEEE3F}" type="datetimeFigureOut">
               <a:rPr kumimoji="1" lang="ja-JP" altLang="en-US" smtClean="0"/>
-              <a:t>2020/1/29</a:t>
+              <a:t>2020/1/30</a:t>
             </a:fld>
             <a:endParaRPr kumimoji="1" lang="ja-JP" altLang="en-US"/>
           </a:p>
@@ -1293,7 +1295,7 @@
           <a:p>
             <a:fld id="{1019A24B-2DB6-47C4-AADA-142B59CEEE3F}" type="datetimeFigureOut">
               <a:rPr kumimoji="1" lang="ja-JP" altLang="en-US" smtClean="0"/>
-              <a:t>2020/1/29</a:t>
+              <a:t>2020/1/30</a:t>
             </a:fld>
             <a:endParaRPr kumimoji="1" lang="ja-JP" altLang="en-US"/>
           </a:p>
@@ -1586,7 +1588,7 @@
           <a:p>
             <a:fld id="{1019A24B-2DB6-47C4-AADA-142B59CEEE3F}" type="datetimeFigureOut">
               <a:rPr kumimoji="1" lang="ja-JP" altLang="en-US" smtClean="0"/>
-              <a:t>2020/1/29</a:t>
+              <a:t>2020/1/30</a:t>
             </a:fld>
             <a:endParaRPr kumimoji="1" lang="ja-JP" altLang="en-US"/>
           </a:p>
@@ -2014,7 +2016,7 @@
           <a:p>
             <a:fld id="{1019A24B-2DB6-47C4-AADA-142B59CEEE3F}" type="datetimeFigureOut">
               <a:rPr kumimoji="1" lang="ja-JP" altLang="en-US" smtClean="0"/>
-              <a:t>2020/1/29</a:t>
+              <a:t>2020/1/30</a:t>
             </a:fld>
             <a:endParaRPr kumimoji="1" lang="ja-JP" altLang="en-US"/>
           </a:p>
@@ -2131,7 +2133,7 @@
           <a:p>
             <a:fld id="{1019A24B-2DB6-47C4-AADA-142B59CEEE3F}" type="datetimeFigureOut">
               <a:rPr kumimoji="1" lang="ja-JP" altLang="en-US" smtClean="0"/>
-              <a:t>2020/1/29</a:t>
+              <a:t>2020/1/30</a:t>
             </a:fld>
             <a:endParaRPr kumimoji="1" lang="ja-JP" altLang="en-US"/>
           </a:p>
@@ -2226,7 +2228,7 @@
           <a:p>
             <a:fld id="{1019A24B-2DB6-47C4-AADA-142B59CEEE3F}" type="datetimeFigureOut">
               <a:rPr kumimoji="1" lang="ja-JP" altLang="en-US" smtClean="0"/>
-              <a:t>2020/1/29</a:t>
+              <a:t>2020/1/30</a:t>
             </a:fld>
             <a:endParaRPr kumimoji="1" lang="ja-JP" altLang="en-US"/>
           </a:p>
@@ -2533,7 +2535,7 @@
           <a:p>
             <a:fld id="{1019A24B-2DB6-47C4-AADA-142B59CEEE3F}" type="datetimeFigureOut">
               <a:rPr kumimoji="1" lang="ja-JP" altLang="en-US" smtClean="0"/>
-              <a:t>2020/1/29</a:t>
+              <a:t>2020/1/30</a:t>
             </a:fld>
             <a:endParaRPr kumimoji="1" lang="ja-JP" altLang="en-US"/>
           </a:p>
@@ -2785,7 +2787,7 @@
           <a:p>
             <a:fld id="{1019A24B-2DB6-47C4-AADA-142B59CEEE3F}" type="datetimeFigureOut">
               <a:rPr kumimoji="1" lang="ja-JP" altLang="en-US" smtClean="0"/>
-              <a:t>2020/1/29</a:t>
+              <a:t>2020/1/30</a:t>
             </a:fld>
             <a:endParaRPr kumimoji="1" lang="ja-JP" altLang="en-US"/>
           </a:p>
@@ -3028,7 +3030,7 @@
           <a:p>
             <a:fld id="{1019A24B-2DB6-47C4-AADA-142B59CEEE3F}" type="datetimeFigureOut">
               <a:rPr kumimoji="1" lang="ja-JP" altLang="en-US" smtClean="0"/>
-              <a:t>2020/1/29</a:t>
+              <a:t>2020/1/30</a:t>
             </a:fld>
             <a:endParaRPr kumimoji="1" lang="ja-JP" altLang="en-US"/>
           </a:p>
@@ -3433,1030 +3435,244 @@
           <a:chExt cx="0" cy="0"/>
         </a:xfrm>
       </p:grpSpPr>
+      <p:sp>
+        <p:nvSpPr>
+          <p:cNvPr id="2" name="楕円 1"/>
+          <p:cNvSpPr/>
+          <p:nvPr/>
+        </p:nvSpPr>
+        <p:spPr>
+          <a:xfrm>
+            <a:off x="5286894" y="2717814"/>
+            <a:ext cx="1618211" cy="1495397"/>
+          </a:xfrm>
+          <a:prstGeom prst="ellipse">
+            <a:avLst/>
+          </a:prstGeom>
+          <a:solidFill>
+            <a:schemeClr val="tx1">
+              <a:lumMod val="75000"/>
+              <a:lumOff val="25000"/>
+            </a:schemeClr>
+          </a:solidFill>
+          <a:ln w="28575">
+            <a:solidFill>
+              <a:schemeClr val="tx1"/>
+            </a:solidFill>
+          </a:ln>
+        </p:spPr>
+        <p:style>
+          <a:lnRef idx="2">
+            <a:schemeClr val="accent1">
+              <a:shade val="50000"/>
+            </a:schemeClr>
+          </a:lnRef>
+          <a:fillRef idx="1">
+            <a:schemeClr val="accent1"/>
+          </a:fillRef>
+          <a:effectRef idx="0">
+            <a:schemeClr val="accent1"/>
+          </a:effectRef>
+          <a:fontRef idx="minor">
+            <a:schemeClr val="lt1"/>
+          </a:fontRef>
+        </p:style>
+        <p:txBody>
+          <a:bodyPr rtlCol="0" anchor="ctr"/>
+          <a:lstStyle/>
+          <a:p>
+            <a:pPr algn="ctr"/>
+            <a:endParaRPr kumimoji="1" lang="ja-JP" altLang="en-US"/>
+          </a:p>
+        </p:txBody>
+      </p:sp>
+      <p:sp>
+        <p:nvSpPr>
+          <p:cNvPr id="3" name="楕円 2"/>
+          <p:cNvSpPr/>
+          <p:nvPr/>
+        </p:nvSpPr>
+        <p:spPr>
+          <a:xfrm>
+            <a:off x="534778" y="185204"/>
+            <a:ext cx="1618211" cy="1495397"/>
+          </a:xfrm>
+          <a:prstGeom prst="ellipse">
+            <a:avLst/>
+          </a:prstGeom>
+          <a:solidFill>
+            <a:schemeClr val="tx1">
+              <a:lumMod val="75000"/>
+              <a:lumOff val="25000"/>
+            </a:schemeClr>
+          </a:solidFill>
+          <a:ln w="28575">
+            <a:solidFill>
+              <a:schemeClr val="tx1"/>
+            </a:solidFill>
+          </a:ln>
+        </p:spPr>
+        <p:style>
+          <a:lnRef idx="2">
+            <a:schemeClr val="accent1">
+              <a:shade val="50000"/>
+            </a:schemeClr>
+          </a:lnRef>
+          <a:fillRef idx="1">
+            <a:schemeClr val="accent1"/>
+          </a:fillRef>
+          <a:effectRef idx="0">
+            <a:schemeClr val="accent1"/>
+          </a:effectRef>
+          <a:fontRef idx="minor">
+            <a:schemeClr val="lt1"/>
+          </a:fontRef>
+        </p:style>
+        <p:txBody>
+          <a:bodyPr rtlCol="0" anchor="ctr"/>
+          <a:lstStyle/>
+          <a:p>
+            <a:pPr algn="ctr"/>
+            <a:endParaRPr kumimoji="1" lang="ja-JP" altLang="en-US" dirty="0"/>
+          </a:p>
+        </p:txBody>
+      </p:sp>
+      <p:sp>
+        <p:nvSpPr>
+          <p:cNvPr id="4" name="楕円 3"/>
+          <p:cNvSpPr/>
+          <p:nvPr/>
+        </p:nvSpPr>
+        <p:spPr>
+          <a:xfrm>
+            <a:off x="534777" y="2717814"/>
+            <a:ext cx="1618211" cy="1495397"/>
+          </a:xfrm>
+          <a:prstGeom prst="ellipse">
+            <a:avLst/>
+          </a:prstGeom>
+          <a:solidFill>
+            <a:schemeClr val="tx1">
+              <a:lumMod val="75000"/>
+              <a:lumOff val="25000"/>
+            </a:schemeClr>
+          </a:solidFill>
+          <a:ln w="28575">
+            <a:solidFill>
+              <a:schemeClr val="tx1"/>
+            </a:solidFill>
+          </a:ln>
+        </p:spPr>
+        <p:style>
+          <a:lnRef idx="2">
+            <a:schemeClr val="accent1">
+              <a:shade val="50000"/>
+            </a:schemeClr>
+          </a:lnRef>
+          <a:fillRef idx="1">
+            <a:schemeClr val="accent1"/>
+          </a:fillRef>
+          <a:effectRef idx="0">
+            <a:schemeClr val="accent1"/>
+          </a:effectRef>
+          <a:fontRef idx="minor">
+            <a:schemeClr val="lt1"/>
+          </a:fontRef>
+        </p:style>
+        <p:txBody>
+          <a:bodyPr rtlCol="0" anchor="ctr"/>
+          <a:lstStyle/>
+          <a:p>
+            <a:pPr algn="ctr"/>
+            <a:endParaRPr kumimoji="1" lang="ja-JP" altLang="en-US"/>
+          </a:p>
+        </p:txBody>
+      </p:sp>
+      <p:sp>
+        <p:nvSpPr>
+          <p:cNvPr id="5" name="楕円 4"/>
+          <p:cNvSpPr/>
+          <p:nvPr/>
+        </p:nvSpPr>
+        <p:spPr>
+          <a:xfrm>
+            <a:off x="534776" y="5250424"/>
+            <a:ext cx="1618211" cy="1495397"/>
+          </a:xfrm>
+          <a:prstGeom prst="ellipse">
+            <a:avLst/>
+          </a:prstGeom>
+          <a:solidFill>
+            <a:schemeClr val="tx1">
+              <a:lumMod val="75000"/>
+              <a:lumOff val="25000"/>
+            </a:schemeClr>
+          </a:solidFill>
+          <a:ln w="28575">
+            <a:solidFill>
+              <a:schemeClr val="tx1"/>
+            </a:solidFill>
+          </a:ln>
+        </p:spPr>
+        <p:style>
+          <a:lnRef idx="2">
+            <a:schemeClr val="accent1">
+              <a:shade val="50000"/>
+            </a:schemeClr>
+          </a:lnRef>
+          <a:fillRef idx="1">
+            <a:schemeClr val="accent1"/>
+          </a:fillRef>
+          <a:effectRef idx="0">
+            <a:schemeClr val="accent1"/>
+          </a:effectRef>
+          <a:fontRef idx="minor">
+            <a:schemeClr val="lt1"/>
+          </a:fontRef>
+        </p:style>
+        <p:txBody>
+          <a:bodyPr rtlCol="0" anchor="ctr"/>
+          <a:lstStyle/>
+          <a:p>
+            <a:pPr algn="ctr"/>
+            <a:endParaRPr kumimoji="1" lang="ja-JP" altLang="en-US"/>
+          </a:p>
+        </p:txBody>
+      </p:sp>
       <p:grpSp>
         <p:nvGrpSpPr>
-          <p:cNvPr id="91" name="グループ化 90"/>
+          <p:cNvPr id="35" name="グループ化 34"/>
           <p:cNvGrpSpPr/>
           <p:nvPr/>
         </p:nvGrpSpPr>
         <p:grpSpPr>
           <a:xfrm>
-            <a:off x="3420784" y="1002794"/>
-            <a:ext cx="6131208" cy="4925438"/>
-            <a:chOff x="3411259" y="1678486"/>
-            <a:chExt cx="6131208" cy="4925438"/>
+            <a:off x="2152987" y="932903"/>
+            <a:ext cx="3133907" cy="5081397"/>
+            <a:chOff x="2152987" y="932903"/>
+            <a:chExt cx="3133907" cy="5081397"/>
           </a:xfrm>
         </p:grpSpPr>
-        <p:sp>
-          <p:nvSpPr>
-            <p:cNvPr id="2" name="楕円 1">
-              <a:extLst>
-                <a:ext uri="{FF2B5EF4-FFF2-40B4-BE49-F238E27FC236}">
-                  <a16:creationId xmlns:a16="http://schemas.microsoft.com/office/drawing/2014/main" id="{E1FE9A11-EDD3-4D63-B932-407DE454C4F7}"/>
-                </a:ext>
-              </a:extLst>
-            </p:cNvPr>
-            <p:cNvSpPr/>
-            <p:nvPr/>
-          </p:nvSpPr>
-          <p:spPr>
-            <a:xfrm>
-              <a:off x="5271880" y="3273286"/>
-              <a:ext cx="1648240" cy="1706219"/>
-            </a:xfrm>
-            <a:prstGeom prst="ellipse">
-              <a:avLst/>
-            </a:prstGeom>
-            <a:solidFill>
-              <a:schemeClr val="bg2">
-                <a:lumMod val="90000"/>
-              </a:schemeClr>
-            </a:solidFill>
-            <a:ln w="28575">
-              <a:solidFill>
-                <a:schemeClr val="tx1"/>
-              </a:solidFill>
-            </a:ln>
-          </p:spPr>
-          <p:style>
-            <a:lnRef idx="2">
-              <a:schemeClr val="accent1">
-                <a:shade val="50000"/>
-              </a:schemeClr>
-            </a:lnRef>
-            <a:fillRef idx="1">
-              <a:schemeClr val="accent1"/>
-            </a:fillRef>
-            <a:effectRef idx="0">
-              <a:schemeClr val="accent1"/>
-            </a:effectRef>
-            <a:fontRef idx="minor">
-              <a:schemeClr val="lt1"/>
-            </a:fontRef>
-          </p:style>
-          <p:txBody>
-            <a:bodyPr rtlCol="0" anchor="ctr"/>
-            <a:lstStyle/>
-            <a:p>
-              <a:pPr algn="ctr"/>
-              <a:endParaRPr kumimoji="1" lang="ja-JP" altLang="en-US" dirty="0"/>
-            </a:p>
-          </p:txBody>
-        </p:sp>
         <p:cxnSp>
           <p:nvCxnSpPr>
-            <p:cNvPr id="6" name="直線矢印コネクタ 5">
-              <a:extLst>
-                <a:ext uri="{FF2B5EF4-FFF2-40B4-BE49-F238E27FC236}">
-                  <a16:creationId xmlns:a16="http://schemas.microsoft.com/office/drawing/2014/main" id="{81B3166E-D7F3-41CA-B104-E7C2AB4D3C9B}"/>
-                </a:ext>
-              </a:extLst>
-            </p:cNvPr>
+            <p:cNvPr id="7" name="直線コネクタ 6"/>
             <p:cNvCxnSpPr>
-              <a:cxnSpLocks/>
+              <a:stCxn id="4" idx="6"/>
+              <a:endCxn id="2" idx="2"/>
             </p:cNvCxnSpPr>
             <p:nvPr/>
           </p:nvCxnSpPr>
           <p:spPr>
             <a:xfrm>
-              <a:off x="4533427" y="2054288"/>
-              <a:ext cx="1048515" cy="1369996"/>
+              <a:off x="2152988" y="3465513"/>
+              <a:ext cx="3133906" cy="0"/>
             </a:xfrm>
-            <a:prstGeom prst="straightConnector1">
+            <a:prstGeom prst="line">
               <a:avLst/>
             </a:prstGeom>
-            <a:ln w="38100">
-              <a:solidFill>
-                <a:schemeClr val="tx1"/>
-              </a:solidFill>
-              <a:tailEnd type="triangle"/>
-            </a:ln>
-          </p:spPr>
-          <p:style>
-            <a:lnRef idx="1">
-              <a:schemeClr val="accent1"/>
-            </a:lnRef>
-            <a:fillRef idx="0">
-              <a:schemeClr val="accent1"/>
-            </a:fillRef>
-            <a:effectRef idx="0">
-              <a:schemeClr val="accent1"/>
-            </a:effectRef>
-            <a:fontRef idx="minor">
-              <a:schemeClr val="tx1"/>
-            </a:fontRef>
-          </p:style>
-        </p:cxnSp>
-        <p:cxnSp>
-          <p:nvCxnSpPr>
-            <p:cNvPr id="17" name="直線矢印コネクタ 16">
-              <a:extLst>
-                <a:ext uri="{FF2B5EF4-FFF2-40B4-BE49-F238E27FC236}">
-                  <a16:creationId xmlns:a16="http://schemas.microsoft.com/office/drawing/2014/main" id="{45DE7437-4ABD-4B13-81B2-615003459286}"/>
-                </a:ext>
-              </a:extLst>
-            </p:cNvPr>
-            <p:cNvCxnSpPr>
-              <a:cxnSpLocks/>
-            </p:cNvCxnSpPr>
-            <p:nvPr/>
-          </p:nvCxnSpPr>
-          <p:spPr>
-            <a:xfrm flipH="1">
-              <a:off x="6825308" y="2114817"/>
-              <a:ext cx="1682843" cy="1596104"/>
-            </a:xfrm>
-            <a:prstGeom prst="straightConnector1">
-              <a:avLst/>
-            </a:prstGeom>
-            <a:ln w="38100">
-              <a:solidFill>
-                <a:schemeClr val="tx1"/>
-              </a:solidFill>
-              <a:tailEnd type="triangle"/>
-            </a:ln>
-          </p:spPr>
-          <p:style>
-            <a:lnRef idx="1">
-              <a:schemeClr val="accent1"/>
-            </a:lnRef>
-            <a:fillRef idx="0">
-              <a:schemeClr val="accent1"/>
-            </a:fillRef>
-            <a:effectRef idx="0">
-              <a:schemeClr val="accent1"/>
-            </a:effectRef>
-            <a:fontRef idx="minor">
-              <a:schemeClr val="tx1"/>
-            </a:fontRef>
-          </p:style>
-        </p:cxnSp>
-        <p:cxnSp>
-          <p:nvCxnSpPr>
-            <p:cNvPr id="18" name="直線矢印コネクタ 17">
-              <a:extLst>
-                <a:ext uri="{FF2B5EF4-FFF2-40B4-BE49-F238E27FC236}">
-                  <a16:creationId xmlns:a16="http://schemas.microsoft.com/office/drawing/2014/main" id="{81B3166E-D7F3-41CA-B104-E7C2AB4D3C9B}"/>
-                </a:ext>
-              </a:extLst>
-            </p:cNvPr>
-            <p:cNvCxnSpPr>
-              <a:cxnSpLocks/>
-            </p:cNvCxnSpPr>
-            <p:nvPr/>
-          </p:nvCxnSpPr>
-          <p:spPr>
-            <a:xfrm flipH="1">
-              <a:off x="6363156" y="2149416"/>
-              <a:ext cx="462152" cy="1132651"/>
-            </a:xfrm>
-            <a:prstGeom prst="straightConnector1">
-              <a:avLst/>
-            </a:prstGeom>
-            <a:ln w="38100">
-              <a:solidFill>
-                <a:schemeClr val="tx1"/>
-              </a:solidFill>
-              <a:tailEnd type="triangle"/>
-            </a:ln>
-          </p:spPr>
-          <p:style>
-            <a:lnRef idx="1">
-              <a:schemeClr val="accent1"/>
-            </a:lnRef>
-            <a:fillRef idx="0">
-              <a:schemeClr val="accent1"/>
-            </a:fillRef>
-            <a:effectRef idx="0">
-              <a:schemeClr val="accent1"/>
-            </a:effectRef>
-            <a:fontRef idx="minor">
-              <a:schemeClr val="tx1"/>
-            </a:fontRef>
-          </p:style>
-        </p:cxnSp>
-        <p:cxnSp>
-          <p:nvCxnSpPr>
-            <p:cNvPr id="30" name="直線矢印コネクタ 29">
-              <a:extLst>
-                <a:ext uri="{FF2B5EF4-FFF2-40B4-BE49-F238E27FC236}">
-                  <a16:creationId xmlns:a16="http://schemas.microsoft.com/office/drawing/2014/main" id="{81B3166E-D7F3-41CA-B104-E7C2AB4D3C9B}"/>
-                </a:ext>
-              </a:extLst>
-            </p:cNvPr>
-            <p:cNvCxnSpPr>
-              <a:cxnSpLocks/>
-            </p:cNvCxnSpPr>
-            <p:nvPr/>
-          </p:nvCxnSpPr>
-          <p:spPr>
-            <a:xfrm>
-              <a:off x="3683849" y="2054288"/>
-              <a:ext cx="1699157" cy="1656633"/>
-            </a:xfrm>
-            <a:prstGeom prst="straightConnector1">
-              <a:avLst/>
-            </a:prstGeom>
-            <a:ln w="38100">
-              <a:solidFill>
-                <a:schemeClr val="tx1"/>
-              </a:solidFill>
-              <a:tailEnd type="triangle"/>
-            </a:ln>
-          </p:spPr>
-          <p:style>
-            <a:lnRef idx="1">
-              <a:schemeClr val="accent1"/>
-            </a:lnRef>
-            <a:fillRef idx="0">
-              <a:schemeClr val="accent1"/>
-            </a:fillRef>
-            <a:effectRef idx="0">
-              <a:schemeClr val="accent1"/>
-            </a:effectRef>
-            <a:fontRef idx="minor">
-              <a:schemeClr val="tx1"/>
-            </a:fontRef>
-          </p:style>
-        </p:cxnSp>
-        <p:cxnSp>
-          <p:nvCxnSpPr>
-            <p:cNvPr id="54" name="直線矢印コネクタ 53">
-              <a:extLst>
-                <a:ext uri="{FF2B5EF4-FFF2-40B4-BE49-F238E27FC236}">
-                  <a16:creationId xmlns:a16="http://schemas.microsoft.com/office/drawing/2014/main" id="{81B3166E-D7F3-41CA-B104-E7C2AB4D3C9B}"/>
-                </a:ext>
-              </a:extLst>
-            </p:cNvPr>
-            <p:cNvCxnSpPr>
-              <a:cxnSpLocks/>
-            </p:cNvCxnSpPr>
-            <p:nvPr/>
-          </p:nvCxnSpPr>
-          <p:spPr>
-            <a:xfrm>
-              <a:off x="5344848" y="2114817"/>
-              <a:ext cx="554936" cy="1151408"/>
-            </a:xfrm>
-            <a:prstGeom prst="straightConnector1">
-              <a:avLst/>
-            </a:prstGeom>
-            <a:ln w="38100">
-              <a:solidFill>
-                <a:schemeClr val="tx1"/>
-              </a:solidFill>
-              <a:tailEnd type="triangle"/>
-            </a:ln>
-          </p:spPr>
-          <p:style>
-            <a:lnRef idx="1">
-              <a:schemeClr val="accent1"/>
-            </a:lnRef>
-            <a:fillRef idx="0">
-              <a:schemeClr val="accent1"/>
-            </a:fillRef>
-            <a:effectRef idx="0">
-              <a:schemeClr val="accent1"/>
-            </a:effectRef>
-            <a:fontRef idx="minor">
-              <a:schemeClr val="tx1"/>
-            </a:fontRef>
-          </p:style>
-        </p:cxnSp>
-        <p:cxnSp>
-          <p:nvCxnSpPr>
-            <p:cNvPr id="59" name="直線矢印コネクタ 58">
-              <a:extLst>
-                <a:ext uri="{FF2B5EF4-FFF2-40B4-BE49-F238E27FC236}">
-                  <a16:creationId xmlns:a16="http://schemas.microsoft.com/office/drawing/2014/main" id="{45DE7437-4ABD-4B13-81B2-615003459286}"/>
-                </a:ext>
-              </a:extLst>
-            </p:cNvPr>
-            <p:cNvCxnSpPr>
-              <a:cxnSpLocks/>
-            </p:cNvCxnSpPr>
-            <p:nvPr/>
-          </p:nvCxnSpPr>
-          <p:spPr>
-            <a:xfrm flipH="1">
-              <a:off x="6618737" y="2114106"/>
-              <a:ext cx="950502" cy="1304862"/>
-            </a:xfrm>
-            <a:prstGeom prst="straightConnector1">
-              <a:avLst/>
-            </a:prstGeom>
-            <a:ln w="38100">
-              <a:solidFill>
-                <a:schemeClr val="tx1"/>
-              </a:solidFill>
-              <a:tailEnd type="triangle"/>
-            </a:ln>
-          </p:spPr>
-          <p:style>
-            <a:lnRef idx="1">
-              <a:schemeClr val="accent1"/>
-            </a:lnRef>
-            <a:fillRef idx="0">
-              <a:schemeClr val="accent1"/>
-            </a:fillRef>
-            <a:effectRef idx="0">
-              <a:schemeClr val="accent1"/>
-            </a:effectRef>
-            <a:fontRef idx="minor">
-              <a:schemeClr val="tx1"/>
-            </a:fontRef>
-          </p:style>
-        </p:cxnSp>
-        <p:grpSp>
-          <p:nvGrpSpPr>
-            <p:cNvPr id="72" name="グループ化 71"/>
-            <p:cNvGrpSpPr/>
-            <p:nvPr/>
-          </p:nvGrpSpPr>
-          <p:grpSpPr>
-            <a:xfrm>
-              <a:off x="3411259" y="1678486"/>
-              <a:ext cx="5369482" cy="375802"/>
-              <a:chOff x="3805030" y="1660925"/>
-              <a:chExt cx="4650552" cy="375802"/>
-            </a:xfrm>
-          </p:grpSpPr>
-          <p:sp>
-            <p:nvSpPr>
-              <p:cNvPr id="19" name="テキスト ボックス 18"/>
-              <p:cNvSpPr txBox="1"/>
-              <p:nvPr/>
-            </p:nvSpPr>
-            <p:spPr>
-              <a:xfrm>
-                <a:off x="5741154" y="1667395"/>
-                <a:ext cx="776944" cy="369332"/>
-              </a:xfrm>
-              <a:prstGeom prst="rect">
-                <a:avLst/>
-              </a:prstGeom>
-              <a:noFill/>
-            </p:spPr>
-            <p:txBody>
-              <a:bodyPr wrap="square" rtlCol="0">
-                <a:spAutoFit/>
-              </a:bodyPr>
-              <a:lstStyle/>
-              <a:p>
-                <a:r>
-                  <a:rPr kumimoji="1" lang="ja-JP" altLang="en-US" dirty="0" smtClean="0"/>
-                  <a:t>・・・</a:t>
-                </a:r>
-                <a:endParaRPr kumimoji="1" lang="ja-JP" altLang="en-US" dirty="0"/>
-              </a:p>
-            </p:txBody>
-          </p:sp>
-          <mc:AlternateContent xmlns:mc="http://schemas.openxmlformats.org/markup-compatibility/2006">
-            <mc:Choice xmlns:a14="http://schemas.microsoft.com/office/drawing/2010/main" Requires="a14">
-              <p:sp>
-                <p:nvSpPr>
-                  <p:cNvPr id="28" name="テキスト ボックス 27"/>
-                  <p:cNvSpPr txBox="1"/>
-                  <p:nvPr/>
-                </p:nvSpPr>
-                <p:spPr>
-                  <a:xfrm>
-                    <a:off x="3805030" y="1660925"/>
-                    <a:ext cx="294247" cy="276999"/>
-                  </a:xfrm>
-                  <a:prstGeom prst="rect">
-                    <a:avLst/>
-                  </a:prstGeom>
-                  <a:noFill/>
-                </p:spPr>
-                <p:txBody>
-                  <a:bodyPr wrap="none" lIns="0" tIns="0" rIns="0" bIns="0" rtlCol="0">
-                    <a:spAutoFit/>
-                  </a:bodyPr>
-                  <a:lstStyle/>
-                  <a:p>
-                    <a14:m>
-                      <m:oMathPara xmlns:m="http://schemas.openxmlformats.org/officeDocument/2006/math">
-                        <m:oMathParaPr>
-                          <m:jc m:val="centerGroup"/>
-                        </m:oMathParaPr>
-                        <m:oMath xmlns:m="http://schemas.openxmlformats.org/officeDocument/2006/math">
-                          <m:sSub>
-                            <m:sSubPr>
-                              <m:ctrlPr>
-                                <a:rPr kumimoji="1" lang="en-US" altLang="ja-JP" i="1" smtClean="0">
-                                  <a:latin typeface="Cambria Math" panose="02040503050406030204" pitchFamily="18" charset="0"/>
-                                </a:rPr>
-                              </m:ctrlPr>
-                            </m:sSubPr>
-                            <m:e>
-                              <m:r>
-                                <a:rPr kumimoji="1" lang="en-US" altLang="ja-JP" b="0" i="1" smtClean="0">
-                                  <a:latin typeface="Cambria Math" panose="02040503050406030204" pitchFamily="18" charset="0"/>
-                                </a:rPr>
-                                <m:t>𝑥</m:t>
-                              </m:r>
-                            </m:e>
-                            <m:sub>
-                              <m:r>
-                                <a:rPr kumimoji="1" lang="en-US" altLang="ja-JP" b="0" i="1" smtClean="0">
-                                  <a:latin typeface="Cambria Math" panose="02040503050406030204" pitchFamily="18" charset="0"/>
-                                </a:rPr>
-                                <m:t>0</m:t>
-                              </m:r>
-                            </m:sub>
-                          </m:sSub>
-                        </m:oMath>
-                      </m:oMathPara>
-                    </a14:m>
-                    <a:endParaRPr kumimoji="1" lang="ja-JP" altLang="en-US" dirty="0"/>
-                  </a:p>
-                </p:txBody>
-              </p:sp>
-            </mc:Choice>
-            <mc:Fallback>
-              <p:sp>
-                <p:nvSpPr>
-                  <p:cNvPr id="28" name="テキスト ボックス 27"/>
-                  <p:cNvSpPr txBox="1">
-                    <a:spLocks noRot="1" noChangeAspect="1" noMove="1" noResize="1" noEditPoints="1" noAdjustHandles="1" noChangeArrowheads="1" noChangeShapeType="1" noTextEdit="1"/>
-                  </p:cNvSpPr>
-                  <p:nvPr/>
-                </p:nvSpPr>
-                <p:spPr>
-                  <a:xfrm>
-                    <a:off x="3805030" y="1660925"/>
-                    <a:ext cx="294247" cy="276999"/>
-                  </a:xfrm>
-                  <a:prstGeom prst="rect">
-                    <a:avLst/>
-                  </a:prstGeom>
-                  <a:blipFill>
-                    <a:blip r:embed="rId2"/>
-                    <a:stretch>
-                      <a:fillRect l="-1786" b="-15556"/>
-                    </a:stretch>
-                  </a:blipFill>
-                </p:spPr>
-                <p:txBody>
-                  <a:bodyPr/>
-                  <a:lstStyle/>
-                  <a:p>
-                    <a:r>
-                      <a:rPr lang="ja-JP" altLang="en-US">
-                        <a:noFill/>
-                      </a:rPr>
-                      <a:t> </a:t>
-                    </a:r>
-                  </a:p>
-                </p:txBody>
-              </p:sp>
-            </mc:Fallback>
-          </mc:AlternateContent>
-          <mc:AlternateContent xmlns:mc="http://schemas.openxmlformats.org/markup-compatibility/2006">
-            <mc:Choice xmlns:a14="http://schemas.microsoft.com/office/drawing/2010/main" Requires="a14">
-              <p:sp>
-                <p:nvSpPr>
-                  <p:cNvPr id="29" name="テキスト ボックス 28"/>
-                  <p:cNvSpPr txBox="1"/>
-                  <p:nvPr/>
-                </p:nvSpPr>
-                <p:spPr>
-                  <a:xfrm>
-                    <a:off x="6583053" y="1660926"/>
-                    <a:ext cx="527965" cy="276999"/>
-                  </a:xfrm>
-                  <a:prstGeom prst="rect">
-                    <a:avLst/>
-                  </a:prstGeom>
-                  <a:noFill/>
-                </p:spPr>
-                <p:txBody>
-                  <a:bodyPr wrap="none" lIns="0" tIns="0" rIns="0" bIns="0" rtlCol="0">
-                    <a:spAutoFit/>
-                  </a:bodyPr>
-                  <a:lstStyle/>
-                  <a:p>
-                    <a14:m>
-                      <m:oMathPara xmlns:m="http://schemas.openxmlformats.org/officeDocument/2006/math">
-                        <m:oMathParaPr>
-                          <m:jc m:val="centerGroup"/>
-                        </m:oMathParaPr>
-                        <m:oMath xmlns:m="http://schemas.openxmlformats.org/officeDocument/2006/math">
-                          <m:sSub>
-                            <m:sSubPr>
-                              <m:ctrlPr>
-                                <a:rPr kumimoji="1" lang="en-US" altLang="ja-JP" i="1" smtClean="0">
-                                  <a:latin typeface="Cambria Math" panose="02040503050406030204" pitchFamily="18" charset="0"/>
-                                </a:rPr>
-                              </m:ctrlPr>
-                            </m:sSubPr>
-                            <m:e>
-                              <m:r>
-                                <a:rPr kumimoji="1" lang="en-US" altLang="ja-JP" b="0" i="1" smtClean="0">
-                                  <a:latin typeface="Cambria Math" panose="02040503050406030204" pitchFamily="18" charset="0"/>
-                                </a:rPr>
-                                <m:t>𝑥</m:t>
-                              </m:r>
-                            </m:e>
-                            <m:sub>
-                              <m:r>
-                                <a:rPr kumimoji="1" lang="en-US" altLang="ja-JP" b="0" i="1" smtClean="0">
-                                  <a:latin typeface="Cambria Math" panose="02040503050406030204" pitchFamily="18" charset="0"/>
-                                </a:rPr>
-                                <m:t>𝑛</m:t>
-                              </m:r>
-                              <m:r>
-                                <a:rPr kumimoji="1" lang="en-US" altLang="ja-JP" b="0" i="1" smtClean="0">
-                                  <a:latin typeface="Cambria Math" panose="02040503050406030204" pitchFamily="18" charset="0"/>
-                                </a:rPr>
-                                <m:t>−2</m:t>
-                              </m:r>
-                            </m:sub>
-                          </m:sSub>
-                        </m:oMath>
-                      </m:oMathPara>
-                    </a14:m>
-                    <a:endParaRPr kumimoji="1" lang="ja-JP" altLang="en-US" dirty="0"/>
-                  </a:p>
-                </p:txBody>
-              </p:sp>
-            </mc:Choice>
-            <mc:Fallback>
-              <p:sp>
-                <p:nvSpPr>
-                  <p:cNvPr id="29" name="テキスト ボックス 28"/>
-                  <p:cNvSpPr txBox="1">
-                    <a:spLocks noRot="1" noChangeAspect="1" noMove="1" noResize="1" noEditPoints="1" noAdjustHandles="1" noChangeArrowheads="1" noChangeShapeType="1" noTextEdit="1"/>
-                  </p:cNvSpPr>
-                  <p:nvPr/>
-                </p:nvSpPr>
-                <p:spPr>
-                  <a:xfrm>
-                    <a:off x="6583053" y="1660926"/>
-                    <a:ext cx="527965" cy="276999"/>
-                  </a:xfrm>
-                  <a:prstGeom prst="rect">
-                    <a:avLst/>
-                  </a:prstGeom>
-                  <a:blipFill>
-                    <a:blip r:embed="rId3"/>
-                    <a:stretch>
-                      <a:fillRect b="-15556"/>
-                    </a:stretch>
-                  </a:blipFill>
-                </p:spPr>
-                <p:txBody>
-                  <a:bodyPr/>
-                  <a:lstStyle/>
-                  <a:p>
-                    <a:r>
-                      <a:rPr lang="ja-JP" altLang="en-US">
-                        <a:noFill/>
-                      </a:rPr>
-                      <a:t> </a:t>
-                    </a:r>
-                  </a:p>
-                </p:txBody>
-              </p:sp>
-            </mc:Fallback>
-          </mc:AlternateContent>
-          <mc:AlternateContent xmlns:mc="http://schemas.openxmlformats.org/markup-compatibility/2006">
-            <mc:Choice xmlns:a14="http://schemas.microsoft.com/office/drawing/2010/main" Requires="a14">
-              <p:sp>
-                <p:nvSpPr>
-                  <p:cNvPr id="35" name="テキスト ボックス 34"/>
-                  <p:cNvSpPr txBox="1"/>
-                  <p:nvPr/>
-                </p:nvSpPr>
-                <p:spPr>
-                  <a:xfrm>
-                    <a:off x="4603314" y="1660926"/>
-                    <a:ext cx="288925" cy="276999"/>
-                  </a:xfrm>
-                  <a:prstGeom prst="rect">
-                    <a:avLst/>
-                  </a:prstGeom>
-                  <a:noFill/>
-                </p:spPr>
-                <p:txBody>
-                  <a:bodyPr wrap="none" lIns="0" tIns="0" rIns="0" bIns="0" rtlCol="0">
-                    <a:spAutoFit/>
-                  </a:bodyPr>
-                  <a:lstStyle/>
-                  <a:p>
-                    <a14:m>
-                      <m:oMathPara xmlns:m="http://schemas.openxmlformats.org/officeDocument/2006/math">
-                        <m:oMathParaPr>
-                          <m:jc m:val="centerGroup"/>
-                        </m:oMathParaPr>
-                        <m:oMath xmlns:m="http://schemas.openxmlformats.org/officeDocument/2006/math">
-                          <m:sSub>
-                            <m:sSubPr>
-                              <m:ctrlPr>
-                                <a:rPr kumimoji="1" lang="en-US" altLang="ja-JP" i="1" smtClean="0">
-                                  <a:latin typeface="Cambria Math" panose="02040503050406030204" pitchFamily="18" charset="0"/>
-                                </a:rPr>
-                              </m:ctrlPr>
-                            </m:sSubPr>
-                            <m:e>
-                              <m:r>
-                                <a:rPr kumimoji="1" lang="en-US" altLang="ja-JP" b="0" i="1" smtClean="0">
-                                  <a:latin typeface="Cambria Math" panose="02040503050406030204" pitchFamily="18" charset="0"/>
-                                </a:rPr>
-                                <m:t>𝑥</m:t>
-                              </m:r>
-                            </m:e>
-                            <m:sub>
-                              <m:r>
-                                <a:rPr kumimoji="1" lang="en-US" altLang="ja-JP" b="0" i="1" smtClean="0">
-                                  <a:latin typeface="Cambria Math" panose="02040503050406030204" pitchFamily="18" charset="0"/>
-                                </a:rPr>
-                                <m:t>1</m:t>
-                              </m:r>
-                            </m:sub>
-                          </m:sSub>
-                        </m:oMath>
-                      </m:oMathPara>
-                    </a14:m>
-                    <a:endParaRPr kumimoji="1" lang="ja-JP" altLang="en-US" dirty="0"/>
-                  </a:p>
-                </p:txBody>
-              </p:sp>
-            </mc:Choice>
-            <mc:Fallback>
-              <p:sp>
-                <p:nvSpPr>
-                  <p:cNvPr id="35" name="テキスト ボックス 34"/>
-                  <p:cNvSpPr txBox="1">
-                    <a:spLocks noRot="1" noChangeAspect="1" noMove="1" noResize="1" noEditPoints="1" noAdjustHandles="1" noChangeArrowheads="1" noChangeShapeType="1" noTextEdit="1"/>
-                  </p:cNvSpPr>
-                  <p:nvPr/>
-                </p:nvSpPr>
-                <p:spPr>
-                  <a:xfrm>
-                    <a:off x="4603314" y="1660926"/>
-                    <a:ext cx="288925" cy="276999"/>
-                  </a:xfrm>
-                  <a:prstGeom prst="rect">
-                    <a:avLst/>
-                  </a:prstGeom>
-                  <a:blipFill>
-                    <a:blip r:embed="rId4"/>
-                    <a:stretch>
-                      <a:fillRect l="-1818" b="-15556"/>
-                    </a:stretch>
-                  </a:blipFill>
-                </p:spPr>
-                <p:txBody>
-                  <a:bodyPr/>
-                  <a:lstStyle/>
-                  <a:p>
-                    <a:r>
-                      <a:rPr lang="ja-JP" altLang="en-US">
-                        <a:noFill/>
-                      </a:rPr>
-                      <a:t> </a:t>
-                    </a:r>
-                  </a:p>
-                </p:txBody>
-              </p:sp>
-            </mc:Fallback>
-          </mc:AlternateContent>
-          <mc:AlternateContent xmlns:mc="http://schemas.openxmlformats.org/markup-compatibility/2006">
-            <mc:Choice xmlns:a14="http://schemas.microsoft.com/office/drawing/2010/main" Requires="a14">
-              <p:sp>
-                <p:nvSpPr>
-                  <p:cNvPr id="52" name="テキスト ボックス 51"/>
-                  <p:cNvSpPr txBox="1"/>
-                  <p:nvPr/>
-                </p:nvSpPr>
-                <p:spPr>
-                  <a:xfrm>
-                    <a:off x="5332604" y="1660926"/>
-                    <a:ext cx="294247" cy="276999"/>
-                  </a:xfrm>
-                  <a:prstGeom prst="rect">
-                    <a:avLst/>
-                  </a:prstGeom>
-                  <a:noFill/>
-                </p:spPr>
-                <p:txBody>
-                  <a:bodyPr wrap="none" lIns="0" tIns="0" rIns="0" bIns="0" rtlCol="0">
-                    <a:spAutoFit/>
-                  </a:bodyPr>
-                  <a:lstStyle/>
-                  <a:p>
-                    <a14:m>
-                      <m:oMathPara xmlns:m="http://schemas.openxmlformats.org/officeDocument/2006/math">
-                        <m:oMathParaPr>
-                          <m:jc m:val="centerGroup"/>
-                        </m:oMathParaPr>
-                        <m:oMath xmlns:m="http://schemas.openxmlformats.org/officeDocument/2006/math">
-                          <m:sSub>
-                            <m:sSubPr>
-                              <m:ctrlPr>
-                                <a:rPr kumimoji="1" lang="en-US" altLang="ja-JP" i="1" smtClean="0">
-                                  <a:latin typeface="Cambria Math" panose="02040503050406030204" pitchFamily="18" charset="0"/>
-                                </a:rPr>
-                              </m:ctrlPr>
-                            </m:sSubPr>
-                            <m:e>
-                              <m:r>
-                                <a:rPr kumimoji="1" lang="en-US" altLang="ja-JP" b="0" i="1" smtClean="0">
-                                  <a:latin typeface="Cambria Math" panose="02040503050406030204" pitchFamily="18" charset="0"/>
-                                </a:rPr>
-                                <m:t>𝑥</m:t>
-                              </m:r>
-                            </m:e>
-                            <m:sub>
-                              <m:r>
-                                <a:rPr kumimoji="1" lang="en-US" altLang="ja-JP" b="0" i="1" smtClean="0">
-                                  <a:latin typeface="Cambria Math" panose="02040503050406030204" pitchFamily="18" charset="0"/>
-                                </a:rPr>
-                                <m:t>2</m:t>
-                              </m:r>
-                            </m:sub>
-                          </m:sSub>
-                        </m:oMath>
-                      </m:oMathPara>
-                    </a14:m>
-                    <a:endParaRPr kumimoji="1" lang="ja-JP" altLang="en-US" dirty="0"/>
-                  </a:p>
-                </p:txBody>
-              </p:sp>
-            </mc:Choice>
-            <mc:Fallback>
-              <p:sp>
-                <p:nvSpPr>
-                  <p:cNvPr id="52" name="テキスト ボックス 51"/>
-                  <p:cNvSpPr txBox="1">
-                    <a:spLocks noRot="1" noChangeAspect="1" noMove="1" noResize="1" noEditPoints="1" noAdjustHandles="1" noChangeArrowheads="1" noChangeShapeType="1" noTextEdit="1"/>
-                  </p:cNvSpPr>
-                  <p:nvPr/>
-                </p:nvSpPr>
-                <p:spPr>
-                  <a:xfrm>
-                    <a:off x="5332604" y="1660926"/>
-                    <a:ext cx="294247" cy="276999"/>
-                  </a:xfrm>
-                  <a:prstGeom prst="rect">
-                    <a:avLst/>
-                  </a:prstGeom>
-                  <a:blipFill>
-                    <a:blip r:embed="rId5"/>
-                    <a:stretch>
-                      <a:fillRect l="-1786" b="-15556"/>
-                    </a:stretch>
-                  </a:blipFill>
-                </p:spPr>
-                <p:txBody>
-                  <a:bodyPr/>
-                  <a:lstStyle/>
-                  <a:p>
-                    <a:r>
-                      <a:rPr lang="ja-JP" altLang="en-US">
-                        <a:noFill/>
-                      </a:rPr>
-                      <a:t> </a:t>
-                    </a:r>
-                  </a:p>
-                </p:txBody>
-              </p:sp>
-            </mc:Fallback>
-          </mc:AlternateContent>
-          <mc:AlternateContent xmlns:mc="http://schemas.openxmlformats.org/markup-compatibility/2006">
-            <mc:Choice xmlns:a14="http://schemas.microsoft.com/office/drawing/2010/main" Requires="a14">
-              <p:sp>
-                <p:nvSpPr>
-                  <p:cNvPr id="58" name="テキスト ボックス 57"/>
-                  <p:cNvSpPr txBox="1"/>
-                  <p:nvPr/>
-                </p:nvSpPr>
-                <p:spPr>
-                  <a:xfrm>
-                    <a:off x="7259404" y="1660925"/>
-                    <a:ext cx="527965" cy="276999"/>
-                  </a:xfrm>
-                  <a:prstGeom prst="rect">
-                    <a:avLst/>
-                  </a:prstGeom>
-                  <a:noFill/>
-                </p:spPr>
-                <p:txBody>
-                  <a:bodyPr wrap="none" lIns="0" tIns="0" rIns="0" bIns="0" rtlCol="0">
-                    <a:spAutoFit/>
-                  </a:bodyPr>
-                  <a:lstStyle/>
-                  <a:p>
-                    <a14:m>
-                      <m:oMathPara xmlns:m="http://schemas.openxmlformats.org/officeDocument/2006/math">
-                        <m:oMathParaPr>
-                          <m:jc m:val="centerGroup"/>
-                        </m:oMathParaPr>
-                        <m:oMath xmlns:m="http://schemas.openxmlformats.org/officeDocument/2006/math">
-                          <m:sSub>
-                            <m:sSubPr>
-                              <m:ctrlPr>
-                                <a:rPr kumimoji="1" lang="en-US" altLang="ja-JP" i="1" smtClean="0">
-                                  <a:latin typeface="Cambria Math" panose="02040503050406030204" pitchFamily="18" charset="0"/>
-                                </a:rPr>
-                              </m:ctrlPr>
-                            </m:sSubPr>
-                            <m:e>
-                              <m:r>
-                                <a:rPr kumimoji="1" lang="en-US" altLang="ja-JP" b="0" i="1" smtClean="0">
-                                  <a:latin typeface="Cambria Math" panose="02040503050406030204" pitchFamily="18" charset="0"/>
-                                </a:rPr>
-                                <m:t>𝑥</m:t>
-                              </m:r>
-                            </m:e>
-                            <m:sub>
-                              <m:r>
-                                <a:rPr kumimoji="1" lang="en-US" altLang="ja-JP" b="0" i="1" smtClean="0">
-                                  <a:latin typeface="Cambria Math" panose="02040503050406030204" pitchFamily="18" charset="0"/>
-                                </a:rPr>
-                                <m:t>𝑛</m:t>
-                              </m:r>
-                              <m:r>
-                                <a:rPr kumimoji="1" lang="en-US" altLang="ja-JP" b="0" i="1" smtClean="0">
-                                  <a:latin typeface="Cambria Math" panose="02040503050406030204" pitchFamily="18" charset="0"/>
-                                </a:rPr>
-                                <m:t>−1</m:t>
-                              </m:r>
-                            </m:sub>
-                          </m:sSub>
-                        </m:oMath>
-                      </m:oMathPara>
-                    </a14:m>
-                    <a:endParaRPr kumimoji="1" lang="ja-JP" altLang="en-US" dirty="0"/>
-                  </a:p>
-                </p:txBody>
-              </p:sp>
-            </mc:Choice>
-            <mc:Fallback>
-              <p:sp>
-                <p:nvSpPr>
-                  <p:cNvPr id="58" name="テキスト ボックス 57"/>
-                  <p:cNvSpPr txBox="1">
-                    <a:spLocks noRot="1" noChangeAspect="1" noMove="1" noResize="1" noEditPoints="1" noAdjustHandles="1" noChangeArrowheads="1" noChangeShapeType="1" noTextEdit="1"/>
-                  </p:cNvSpPr>
-                  <p:nvPr/>
-                </p:nvSpPr>
-                <p:spPr>
-                  <a:xfrm>
-                    <a:off x="7259404" y="1660925"/>
-                    <a:ext cx="527965" cy="276999"/>
-                  </a:xfrm>
-                  <a:prstGeom prst="rect">
-                    <a:avLst/>
-                  </a:prstGeom>
-                  <a:blipFill>
-                    <a:blip r:embed="rId6"/>
-                    <a:stretch>
-                      <a:fillRect b="-15556"/>
-                    </a:stretch>
-                  </a:blipFill>
-                </p:spPr>
-                <p:txBody>
-                  <a:bodyPr/>
-                  <a:lstStyle/>
-                  <a:p>
-                    <a:r>
-                      <a:rPr lang="ja-JP" altLang="en-US">
-                        <a:noFill/>
-                      </a:rPr>
-                      <a:t> </a:t>
-                    </a:r>
-                  </a:p>
-                </p:txBody>
-              </p:sp>
-            </mc:Fallback>
-          </mc:AlternateContent>
-          <mc:AlternateContent xmlns:mc="http://schemas.openxmlformats.org/markup-compatibility/2006">
-            <mc:Choice xmlns:a14="http://schemas.microsoft.com/office/drawing/2010/main" Requires="a14">
-              <p:sp>
-                <p:nvSpPr>
-                  <p:cNvPr id="61" name="テキスト ボックス 60"/>
-                  <p:cNvSpPr txBox="1"/>
-                  <p:nvPr/>
-                </p:nvSpPr>
-                <p:spPr>
-                  <a:xfrm>
-                    <a:off x="8147229" y="1667395"/>
-                    <a:ext cx="308353" cy="276999"/>
-                  </a:xfrm>
-                  <a:prstGeom prst="rect">
-                    <a:avLst/>
-                  </a:prstGeom>
-                  <a:noFill/>
-                </p:spPr>
-                <p:txBody>
-                  <a:bodyPr wrap="none" lIns="0" tIns="0" rIns="0" bIns="0" rtlCol="0">
-                    <a:spAutoFit/>
-                  </a:bodyPr>
-                  <a:lstStyle/>
-                  <a:p>
-                    <a14:m>
-                      <m:oMathPara xmlns:m="http://schemas.openxmlformats.org/officeDocument/2006/math">
-                        <m:oMathParaPr>
-                          <m:jc m:val="centerGroup"/>
-                        </m:oMathParaPr>
-                        <m:oMath xmlns:m="http://schemas.openxmlformats.org/officeDocument/2006/math">
-                          <m:sSub>
-                            <m:sSubPr>
-                              <m:ctrlPr>
-                                <a:rPr kumimoji="1" lang="en-US" altLang="ja-JP" i="1" smtClean="0">
-                                  <a:latin typeface="Cambria Math" panose="02040503050406030204" pitchFamily="18" charset="0"/>
-                                </a:rPr>
-                              </m:ctrlPr>
-                            </m:sSubPr>
-                            <m:e>
-                              <m:r>
-                                <a:rPr kumimoji="1" lang="en-US" altLang="ja-JP" b="0" i="1" smtClean="0">
-                                  <a:latin typeface="Cambria Math" panose="02040503050406030204" pitchFamily="18" charset="0"/>
-                                </a:rPr>
-                                <m:t>𝑥</m:t>
-                              </m:r>
-                            </m:e>
-                            <m:sub>
-                              <m:r>
-                                <a:rPr kumimoji="1" lang="en-US" altLang="ja-JP" b="0" i="1" smtClean="0">
-                                  <a:latin typeface="Cambria Math" panose="02040503050406030204" pitchFamily="18" charset="0"/>
-                                </a:rPr>
-                                <m:t>𝑛</m:t>
-                              </m:r>
-                            </m:sub>
-                          </m:sSub>
-                        </m:oMath>
-                      </m:oMathPara>
-                    </a14:m>
-                    <a:endParaRPr kumimoji="1" lang="ja-JP" altLang="en-US" dirty="0"/>
-                  </a:p>
-                </p:txBody>
-              </p:sp>
-            </mc:Choice>
-            <mc:Fallback>
-              <p:sp>
-                <p:nvSpPr>
-                  <p:cNvPr id="61" name="テキスト ボックス 60"/>
-                  <p:cNvSpPr txBox="1">
-                    <a:spLocks noRot="1" noChangeAspect="1" noMove="1" noResize="1" noEditPoints="1" noAdjustHandles="1" noChangeArrowheads="1" noChangeShapeType="1" noTextEdit="1"/>
-                  </p:cNvSpPr>
-                  <p:nvPr/>
-                </p:nvSpPr>
-                <p:spPr>
-                  <a:xfrm>
-                    <a:off x="8147229" y="1667395"/>
-                    <a:ext cx="308353" cy="276999"/>
-                  </a:xfrm>
-                  <a:prstGeom prst="rect">
-                    <a:avLst/>
-                  </a:prstGeom>
-                  <a:blipFill>
-                    <a:blip r:embed="rId7"/>
-                    <a:stretch>
-                      <a:fillRect l="-1724" b="-11111"/>
-                    </a:stretch>
-                  </a:blipFill>
-                </p:spPr>
-                <p:txBody>
-                  <a:bodyPr/>
-                  <a:lstStyle/>
-                  <a:p>
-                    <a:r>
-                      <a:rPr lang="ja-JP" altLang="en-US">
-                        <a:noFill/>
-                      </a:rPr>
-                      <a:t> </a:t>
-                    </a:r>
-                  </a:p>
-                </p:txBody>
-              </p:sp>
-            </mc:Fallback>
-          </mc:AlternateContent>
-        </p:grpSp>
-        <p:cxnSp>
-          <p:nvCxnSpPr>
-            <p:cNvPr id="68" name="直線矢印コネクタ 67"/>
-            <p:cNvCxnSpPr>
-              <a:stCxn id="2" idx="4"/>
-            </p:cNvCxnSpPr>
-            <p:nvPr/>
-          </p:nvCxnSpPr>
-          <p:spPr>
-            <a:xfrm>
-              <a:off x="6096000" y="4979505"/>
-              <a:ext cx="0" cy="1154595"/>
-            </a:xfrm>
-            <a:prstGeom prst="straightConnector1">
-              <a:avLst/>
-            </a:prstGeom>
-            <a:ln w="38100">
-              <a:solidFill>
-                <a:schemeClr val="tx1"/>
-              </a:solidFill>
-              <a:tailEnd type="triangle"/>
+            <a:ln w="57150">
+              <a:headEnd type="none" w="med" len="med"/>
+              <a:tailEnd type="triangle" w="med" len="med"/>
             </a:ln>
           </p:spPr>
           <p:style>
@@ -4474,834 +3690,461 @@
             </a:fontRef>
           </p:style>
         </p:cxnSp>
-        <mc:AlternateContent xmlns:mc="http://schemas.openxmlformats.org/markup-compatibility/2006">
-          <mc:Choice xmlns:a14="http://schemas.microsoft.com/office/drawing/2010/main" Requires="a14">
-            <p:sp>
-              <p:nvSpPr>
-                <p:cNvPr id="70" name="テキスト ボックス 69"/>
-                <p:cNvSpPr txBox="1"/>
-                <p:nvPr/>
-              </p:nvSpPr>
-              <p:spPr>
-                <a:xfrm>
-                  <a:off x="6306196" y="4979505"/>
-                  <a:ext cx="3236271" cy="1624419"/>
-                </a:xfrm>
-                <a:prstGeom prst="rect">
-                  <a:avLst/>
-                </a:prstGeom>
-                <a:noFill/>
-              </p:spPr>
-              <p:txBody>
-                <a:bodyPr wrap="none" lIns="0" tIns="0" rIns="0" bIns="0" rtlCol="0">
-                  <a:spAutoFit/>
-                </a:bodyPr>
-                <a:lstStyle/>
-                <a:p>
-                  <a14:m>
-                    <m:oMathPara xmlns:m="http://schemas.openxmlformats.org/officeDocument/2006/math">
-                      <m:oMathParaPr>
-                        <m:jc m:val="centerGroup"/>
-                      </m:oMathParaPr>
-                      <m:oMath xmlns:m="http://schemas.openxmlformats.org/officeDocument/2006/math">
-                        <m:sSup>
-                          <m:sSupPr>
-                            <m:ctrlPr>
-                              <a:rPr kumimoji="1" lang="en-US" altLang="ja-JP" b="0" i="1" smtClean="0">
-                                <a:latin typeface="Cambria Math" panose="02040503050406030204" pitchFamily="18" charset="0"/>
-                              </a:rPr>
-                            </m:ctrlPr>
-                          </m:sSupPr>
-                          <m:e>
-                            <m:r>
-                              <a:rPr kumimoji="1" lang="en-US" altLang="ja-JP" b="0" i="1" smtClean="0">
-                                <a:latin typeface="Cambria Math" panose="02040503050406030204" pitchFamily="18" charset="0"/>
-                              </a:rPr>
-                              <m:t>𝑦</m:t>
-                            </m:r>
-                          </m:e>
-                          <m:sup>
-                            <m:r>
-                              <a:rPr kumimoji="1" lang="en-US" altLang="ja-JP" b="0" i="1" smtClean="0">
-                                <a:latin typeface="Cambria Math" panose="02040503050406030204" pitchFamily="18" charset="0"/>
-                              </a:rPr>
-                              <m:t>′</m:t>
-                            </m:r>
-                          </m:sup>
-                        </m:sSup>
-                        <m:r>
-                          <a:rPr kumimoji="1" lang="en-US" altLang="ja-JP" b="0" i="1" smtClean="0">
-                            <a:latin typeface="Cambria Math" panose="02040503050406030204" pitchFamily="18" charset="0"/>
-                          </a:rPr>
-                          <m:t>= </m:t>
-                        </m:r>
-                        <m:d>
-                          <m:dPr>
-                            <m:begChr m:val="{"/>
-                            <m:endChr m:val=""/>
-                            <m:ctrlPr>
-                              <a:rPr kumimoji="1" lang="en-US" altLang="ja-JP" b="0" i="1" smtClean="0">
-                                <a:latin typeface="Cambria Math" panose="02040503050406030204" pitchFamily="18" charset="0"/>
-                              </a:rPr>
-                            </m:ctrlPr>
-                          </m:dPr>
-                          <m:e>
-                            <m:eqArr>
-                              <m:eqArrPr>
-                                <m:ctrlPr>
-                                  <a:rPr kumimoji="1" lang="en-US" altLang="ja-JP" b="0" i="1" smtClean="0">
-                                    <a:latin typeface="Cambria Math" panose="02040503050406030204" pitchFamily="18" charset="0"/>
-                                  </a:rPr>
-                                </m:ctrlPr>
-                              </m:eqArrPr>
-                              <m:e>
-                                <m:r>
-                                  <a:rPr kumimoji="1" lang="en-US" altLang="ja-JP" b="0" i="1" smtClean="0">
-                                    <a:latin typeface="Cambria Math" panose="02040503050406030204" pitchFamily="18" charset="0"/>
-                                  </a:rPr>
-                                  <m:t>1 </m:t>
-                                </m:r>
-                                <m:d>
-                                  <m:dPr>
-                                    <m:ctrlPr>
-                                      <a:rPr kumimoji="1" lang="en-US" altLang="ja-JP" b="0" i="1" smtClean="0">
-                                        <a:latin typeface="Cambria Math" panose="02040503050406030204" pitchFamily="18" charset="0"/>
-                                      </a:rPr>
-                                    </m:ctrlPr>
-                                  </m:dPr>
-                                  <m:e>
-                                    <m:nary>
-                                      <m:naryPr>
-                                        <m:chr m:val="∑"/>
-                                        <m:ctrlPr>
-                                          <a:rPr kumimoji="1" lang="en-US" altLang="ja-JP" b="0" i="1" smtClean="0">
-                                            <a:latin typeface="Cambria Math" panose="02040503050406030204" pitchFamily="18" charset="0"/>
-                                          </a:rPr>
-                                        </m:ctrlPr>
-                                      </m:naryPr>
-                                      <m:sub>
-                                        <m:r>
-                                          <m:rPr>
-                                            <m:brk m:alnAt="23"/>
-                                          </m:rPr>
-                                          <a:rPr kumimoji="1" lang="en-US" altLang="ja-JP" b="0" i="1" smtClean="0">
-                                            <a:latin typeface="Cambria Math" panose="02040503050406030204" pitchFamily="18" charset="0"/>
-                                          </a:rPr>
-                                          <m:t>𝑖</m:t>
-                                        </m:r>
-                                        <m:r>
-                                          <a:rPr kumimoji="1" lang="en-US" altLang="ja-JP" b="0" i="1" smtClean="0">
-                                            <a:latin typeface="Cambria Math" panose="02040503050406030204" pitchFamily="18" charset="0"/>
-                                          </a:rPr>
-                                          <m:t>=0</m:t>
-                                        </m:r>
-                                      </m:sub>
-                                      <m:sup>
-                                        <m:r>
-                                          <a:rPr kumimoji="1" lang="en-US" altLang="ja-JP" b="0" i="1" smtClean="0">
-                                            <a:latin typeface="Cambria Math" panose="02040503050406030204" pitchFamily="18" charset="0"/>
-                                          </a:rPr>
-                                          <m:t>𝑛</m:t>
-                                        </m:r>
-                                      </m:sup>
-                                      <m:e>
-                                        <m:sSub>
-                                          <m:sSubPr>
-                                            <m:ctrlPr>
-                                              <a:rPr kumimoji="1" lang="en-US" altLang="ja-JP" b="0" i="1" smtClean="0">
-                                                <a:latin typeface="Cambria Math" panose="02040503050406030204" pitchFamily="18" charset="0"/>
-                                              </a:rPr>
-                                            </m:ctrlPr>
-                                          </m:sSubPr>
-                                          <m:e>
-                                            <m:r>
-                                              <a:rPr kumimoji="1" lang="en-US" altLang="ja-JP" b="0" i="1" smtClean="0">
-                                                <a:latin typeface="Cambria Math" panose="02040503050406030204" pitchFamily="18" charset="0"/>
-                                              </a:rPr>
-                                              <m:t>𝑤</m:t>
-                                            </m:r>
-                                          </m:e>
-                                          <m:sub>
-                                            <m:r>
-                                              <a:rPr kumimoji="1" lang="en-US" altLang="ja-JP" b="0" i="1" smtClean="0">
-                                                <a:latin typeface="Cambria Math" panose="02040503050406030204" pitchFamily="18" charset="0"/>
-                                              </a:rPr>
-                                              <m:t>𝑖</m:t>
-                                            </m:r>
-                                          </m:sub>
-                                        </m:sSub>
-                                        <m:sSub>
-                                          <m:sSubPr>
-                                            <m:ctrlPr>
-                                              <a:rPr kumimoji="1" lang="en-US" altLang="ja-JP" b="0" i="1" smtClean="0">
-                                                <a:latin typeface="Cambria Math" panose="02040503050406030204" pitchFamily="18" charset="0"/>
-                                              </a:rPr>
-                                            </m:ctrlPr>
-                                          </m:sSubPr>
-                                          <m:e>
-                                            <m:r>
-                                              <a:rPr kumimoji="1" lang="en-US" altLang="ja-JP" b="0" i="1" smtClean="0">
-                                                <a:latin typeface="Cambria Math" panose="02040503050406030204" pitchFamily="18" charset="0"/>
-                                              </a:rPr>
-                                              <m:t>𝑥</m:t>
-                                            </m:r>
-                                          </m:e>
-                                          <m:sub>
-                                            <m:r>
-                                              <a:rPr kumimoji="1" lang="en-US" altLang="ja-JP" b="0" i="1" smtClean="0">
-                                                <a:latin typeface="Cambria Math" panose="02040503050406030204" pitchFamily="18" charset="0"/>
-                                              </a:rPr>
-                                              <m:t>𝑖</m:t>
-                                            </m:r>
-                                          </m:sub>
-                                        </m:sSub>
-                                        <m:r>
-                                          <a:rPr kumimoji="1" lang="en-US" altLang="ja-JP" b="0" i="1" smtClean="0">
-                                            <a:latin typeface="Cambria Math" panose="02040503050406030204" pitchFamily="18" charset="0"/>
-                                            <a:ea typeface="Cambria Math" panose="02040503050406030204" pitchFamily="18" charset="0"/>
-                                          </a:rPr>
-                                          <m:t>≥0</m:t>
-                                        </m:r>
-                                        <m:r>
-                                          <a:rPr lang="ja-JP" altLang="en-US" i="1">
-                                            <a:latin typeface="Cambria Math" panose="02040503050406030204" pitchFamily="18" charset="0"/>
-                                            <a:ea typeface="Cambria Math" panose="02040503050406030204" pitchFamily="18" charset="0"/>
-                                          </a:rPr>
-                                          <m:t>のとき</m:t>
-                                        </m:r>
-                                      </m:e>
-                                    </m:nary>
-                                  </m:e>
-                                </m:d>
-                              </m:e>
-                              <m:e>
-                                <m:r>
-                                  <a:rPr kumimoji="1" lang="en-US" altLang="ja-JP" b="0" i="1" smtClean="0">
-                                    <a:latin typeface="Cambria Math" panose="02040503050406030204" pitchFamily="18" charset="0"/>
-                                  </a:rPr>
-                                  <m:t>0  </m:t>
-                                </m:r>
-                                <m:d>
-                                  <m:dPr>
-                                    <m:ctrlPr>
-                                      <a:rPr lang="en-US" altLang="ja-JP" i="1">
-                                        <a:latin typeface="Cambria Math" panose="02040503050406030204" pitchFamily="18" charset="0"/>
-                                      </a:rPr>
-                                    </m:ctrlPr>
-                                  </m:dPr>
-                                  <m:e>
-                                    <m:nary>
-                                      <m:naryPr>
-                                        <m:chr m:val="∑"/>
-                                        <m:ctrlPr>
-                                          <a:rPr lang="en-US" altLang="ja-JP" i="1">
-                                            <a:latin typeface="Cambria Math" panose="02040503050406030204" pitchFamily="18" charset="0"/>
-                                          </a:rPr>
-                                        </m:ctrlPr>
-                                      </m:naryPr>
-                                      <m:sub>
-                                        <m:r>
-                                          <m:rPr>
-                                            <m:brk m:alnAt="23"/>
-                                          </m:rPr>
-                                          <a:rPr lang="en-US" altLang="ja-JP" i="1">
-                                            <a:latin typeface="Cambria Math" panose="02040503050406030204" pitchFamily="18" charset="0"/>
-                                          </a:rPr>
-                                          <m:t>𝑖</m:t>
-                                        </m:r>
-                                        <m:r>
-                                          <a:rPr lang="en-US" altLang="ja-JP" i="1">
-                                            <a:latin typeface="Cambria Math" panose="02040503050406030204" pitchFamily="18" charset="0"/>
-                                          </a:rPr>
-                                          <m:t>=0</m:t>
-                                        </m:r>
-                                      </m:sub>
-                                      <m:sup>
-                                        <m:r>
-                                          <a:rPr lang="en-US" altLang="ja-JP" i="1">
-                                            <a:latin typeface="Cambria Math" panose="02040503050406030204" pitchFamily="18" charset="0"/>
-                                          </a:rPr>
-                                          <m:t>𝑛</m:t>
-                                        </m:r>
-                                      </m:sup>
-                                      <m:e>
-                                        <m:sSub>
-                                          <m:sSubPr>
-                                            <m:ctrlPr>
-                                              <a:rPr lang="en-US" altLang="ja-JP" i="1">
-                                                <a:latin typeface="Cambria Math" panose="02040503050406030204" pitchFamily="18" charset="0"/>
-                                              </a:rPr>
-                                            </m:ctrlPr>
-                                          </m:sSubPr>
-                                          <m:e>
-                                            <m:r>
-                                              <a:rPr lang="en-US" altLang="ja-JP" i="1">
-                                                <a:latin typeface="Cambria Math" panose="02040503050406030204" pitchFamily="18" charset="0"/>
-                                              </a:rPr>
-                                              <m:t>𝑤</m:t>
-                                            </m:r>
-                                          </m:e>
-                                          <m:sub>
-                                            <m:r>
-                                              <a:rPr lang="en-US" altLang="ja-JP" i="1">
-                                                <a:latin typeface="Cambria Math" panose="02040503050406030204" pitchFamily="18" charset="0"/>
-                                              </a:rPr>
-                                              <m:t>𝑖</m:t>
-                                            </m:r>
-                                          </m:sub>
-                                        </m:sSub>
-                                        <m:sSub>
-                                          <m:sSubPr>
-                                            <m:ctrlPr>
-                                              <a:rPr lang="en-US" altLang="ja-JP" i="1">
-                                                <a:latin typeface="Cambria Math" panose="02040503050406030204" pitchFamily="18" charset="0"/>
-                                              </a:rPr>
-                                            </m:ctrlPr>
-                                          </m:sSubPr>
-                                          <m:e>
-                                            <m:r>
-                                              <a:rPr lang="en-US" altLang="ja-JP" i="1">
-                                                <a:latin typeface="Cambria Math" panose="02040503050406030204" pitchFamily="18" charset="0"/>
-                                              </a:rPr>
-                                              <m:t>𝑥</m:t>
-                                            </m:r>
-                                          </m:e>
-                                          <m:sub>
-                                            <m:r>
-                                              <a:rPr lang="en-US" altLang="ja-JP" i="1">
-                                                <a:latin typeface="Cambria Math" panose="02040503050406030204" pitchFamily="18" charset="0"/>
-                                              </a:rPr>
-                                              <m:t>𝑖</m:t>
-                                            </m:r>
-                                          </m:sub>
-                                        </m:sSub>
-                                        <m:r>
-                                          <a:rPr lang="en-US" altLang="ja-JP" i="1">
-                                            <a:latin typeface="Cambria Math" panose="02040503050406030204" pitchFamily="18" charset="0"/>
-                                            <a:ea typeface="Cambria Math" panose="02040503050406030204" pitchFamily="18" charset="0"/>
-                                          </a:rPr>
-                                          <m:t>≥0</m:t>
-                                        </m:r>
-                                        <m:r>
-                                          <a:rPr lang="ja-JP" altLang="en-US" i="1">
-                                            <a:latin typeface="Cambria Math" panose="02040503050406030204" pitchFamily="18" charset="0"/>
-                                            <a:ea typeface="Cambria Math" panose="02040503050406030204" pitchFamily="18" charset="0"/>
-                                          </a:rPr>
-                                          <m:t>のとき</m:t>
-                                        </m:r>
-                                      </m:e>
-                                    </m:nary>
-                                  </m:e>
-                                </m:d>
-                              </m:e>
-                            </m:eqArr>
-                          </m:e>
-                        </m:d>
-                      </m:oMath>
-                    </m:oMathPara>
-                  </a14:m>
-                  <a:endParaRPr kumimoji="1" lang="ja-JP" altLang="en-US" dirty="0"/>
-                </a:p>
-              </p:txBody>
-            </p:sp>
-          </mc:Choice>
-          <mc:Fallback>
-            <p:sp>
-              <p:nvSpPr>
-                <p:cNvPr id="70" name="テキスト ボックス 69"/>
-                <p:cNvSpPr txBox="1">
-                  <a:spLocks noRot="1" noChangeAspect="1" noMove="1" noResize="1" noEditPoints="1" noAdjustHandles="1" noChangeArrowheads="1" noChangeShapeType="1" noTextEdit="1"/>
-                </p:cNvSpPr>
-                <p:nvPr/>
-              </p:nvSpPr>
-              <p:spPr>
-                <a:xfrm>
-                  <a:off x="6306196" y="4979505"/>
-                  <a:ext cx="3236271" cy="1624419"/>
-                </a:xfrm>
-                <a:prstGeom prst="rect">
-                  <a:avLst/>
-                </a:prstGeom>
-                <a:blipFill>
-                  <a:blip r:embed="rId8"/>
-                  <a:stretch>
-                    <a:fillRect/>
-                  </a:stretch>
-                </a:blipFill>
-              </p:spPr>
-              <p:txBody>
-                <a:bodyPr/>
-                <a:lstStyle/>
-                <a:p>
-                  <a:r>
-                    <a:rPr lang="ja-JP" altLang="en-US">
-                      <a:noFill/>
-                    </a:rPr>
-                    <a:t> </a:t>
-                  </a:r>
-                </a:p>
-              </p:txBody>
-            </p:sp>
-          </mc:Fallback>
-        </mc:AlternateContent>
-        <mc:AlternateContent xmlns:mc="http://schemas.openxmlformats.org/markup-compatibility/2006">
-          <mc:Choice xmlns:a14="http://schemas.microsoft.com/office/drawing/2010/main" Requires="a14">
-            <p:sp>
-              <p:nvSpPr>
-                <p:cNvPr id="87" name="テキスト ボックス 86"/>
-                <p:cNvSpPr txBox="1"/>
-                <p:nvPr/>
-              </p:nvSpPr>
-              <p:spPr>
-                <a:xfrm>
-                  <a:off x="5348657" y="3727465"/>
-                  <a:ext cx="335285" cy="276999"/>
-                </a:xfrm>
-                <a:prstGeom prst="rect">
-                  <a:avLst/>
-                </a:prstGeom>
-                <a:noFill/>
-              </p:spPr>
-              <p:txBody>
-                <a:bodyPr wrap="none" lIns="0" tIns="0" rIns="0" bIns="0" rtlCol="0">
-                  <a:spAutoFit/>
-                </a:bodyPr>
-                <a:lstStyle/>
-                <a:p>
-                  <a14:m>
-                    <m:oMathPara xmlns:m="http://schemas.openxmlformats.org/officeDocument/2006/math">
-                      <m:oMathParaPr>
-                        <m:jc m:val="centerGroup"/>
-                      </m:oMathParaPr>
-                      <m:oMath xmlns:m="http://schemas.openxmlformats.org/officeDocument/2006/math">
-                        <m:sSub>
-                          <m:sSubPr>
-                            <m:ctrlPr>
-                              <a:rPr kumimoji="1" lang="en-US" altLang="ja-JP" i="1" smtClean="0">
-                                <a:latin typeface="Cambria Math" panose="02040503050406030204" pitchFamily="18" charset="0"/>
-                              </a:rPr>
-                            </m:ctrlPr>
-                          </m:sSubPr>
-                          <m:e>
-                            <m:r>
-                              <a:rPr kumimoji="1" lang="en-US" altLang="ja-JP" b="0" i="1" smtClean="0">
-                                <a:latin typeface="Cambria Math" panose="02040503050406030204" pitchFamily="18" charset="0"/>
-                              </a:rPr>
-                              <m:t>𝑤</m:t>
-                            </m:r>
-                          </m:e>
-                          <m:sub>
-                            <m:r>
-                              <a:rPr kumimoji="1" lang="en-US" altLang="ja-JP" b="0" i="1" smtClean="0">
-                                <a:latin typeface="Cambria Math" panose="02040503050406030204" pitchFamily="18" charset="0"/>
-                              </a:rPr>
-                              <m:t>0</m:t>
-                            </m:r>
-                          </m:sub>
-                        </m:sSub>
-                      </m:oMath>
-                    </m:oMathPara>
-                  </a14:m>
-                  <a:endParaRPr kumimoji="1" lang="ja-JP" altLang="en-US" dirty="0"/>
-                </a:p>
-              </p:txBody>
-            </p:sp>
-          </mc:Choice>
-          <mc:Fallback>
-            <p:sp>
-              <p:nvSpPr>
-                <p:cNvPr id="87" name="テキスト ボックス 86"/>
-                <p:cNvSpPr txBox="1">
-                  <a:spLocks noRot="1" noChangeAspect="1" noMove="1" noResize="1" noEditPoints="1" noAdjustHandles="1" noChangeArrowheads="1" noChangeShapeType="1" noTextEdit="1"/>
-                </p:cNvSpPr>
-                <p:nvPr/>
-              </p:nvSpPr>
-              <p:spPr>
-                <a:xfrm>
-                  <a:off x="5348657" y="3727465"/>
-                  <a:ext cx="335285" cy="276999"/>
-                </a:xfrm>
-                <a:prstGeom prst="rect">
-                  <a:avLst/>
-                </a:prstGeom>
-                <a:blipFill>
-                  <a:blip r:embed="rId9"/>
-                  <a:stretch>
-                    <a:fillRect l="-7273" r="-5455" b="-15556"/>
-                  </a:stretch>
-                </a:blipFill>
-              </p:spPr>
-              <p:txBody>
-                <a:bodyPr/>
-                <a:lstStyle/>
-                <a:p>
-                  <a:r>
-                    <a:rPr lang="ja-JP" altLang="en-US">
-                      <a:noFill/>
-                    </a:rPr>
-                    <a:t> </a:t>
-                  </a:r>
-                </a:p>
-              </p:txBody>
-            </p:sp>
-          </mc:Fallback>
-        </mc:AlternateContent>
-        <mc:AlternateContent xmlns:mc="http://schemas.openxmlformats.org/markup-compatibility/2006">
-          <mc:Choice xmlns:a14="http://schemas.microsoft.com/office/drawing/2010/main" Requires="a14">
-            <p:sp>
-              <p:nvSpPr>
-                <p:cNvPr id="88" name="テキスト ボックス 87"/>
-                <p:cNvSpPr txBox="1"/>
-                <p:nvPr/>
-              </p:nvSpPr>
-              <p:spPr>
-                <a:xfrm>
-                  <a:off x="5536350" y="3489871"/>
-                  <a:ext cx="329962" cy="276999"/>
-                </a:xfrm>
-                <a:prstGeom prst="rect">
-                  <a:avLst/>
-                </a:prstGeom>
-                <a:noFill/>
-              </p:spPr>
-              <p:txBody>
-                <a:bodyPr wrap="none" lIns="0" tIns="0" rIns="0" bIns="0" rtlCol="0">
-                  <a:spAutoFit/>
-                </a:bodyPr>
-                <a:lstStyle/>
-                <a:p>
-                  <a14:m>
-                    <m:oMathPara xmlns:m="http://schemas.openxmlformats.org/officeDocument/2006/math">
-                      <m:oMathParaPr>
-                        <m:jc m:val="centerGroup"/>
-                      </m:oMathParaPr>
-                      <m:oMath xmlns:m="http://schemas.openxmlformats.org/officeDocument/2006/math">
-                        <m:sSub>
-                          <m:sSubPr>
-                            <m:ctrlPr>
-                              <a:rPr kumimoji="1" lang="en-US" altLang="ja-JP" i="1" smtClean="0">
-                                <a:latin typeface="Cambria Math" panose="02040503050406030204" pitchFamily="18" charset="0"/>
-                              </a:rPr>
-                            </m:ctrlPr>
-                          </m:sSubPr>
-                          <m:e>
-                            <m:r>
-                              <a:rPr kumimoji="1" lang="en-US" altLang="ja-JP" b="0" i="1" smtClean="0">
-                                <a:latin typeface="Cambria Math" panose="02040503050406030204" pitchFamily="18" charset="0"/>
-                              </a:rPr>
-                              <m:t>𝑤</m:t>
-                            </m:r>
-                          </m:e>
-                          <m:sub>
-                            <m:r>
-                              <a:rPr kumimoji="1" lang="en-US" altLang="ja-JP" b="0" i="1" smtClean="0">
-                                <a:latin typeface="Cambria Math" panose="02040503050406030204" pitchFamily="18" charset="0"/>
-                              </a:rPr>
-                              <m:t>1</m:t>
-                            </m:r>
-                          </m:sub>
-                        </m:sSub>
-                      </m:oMath>
-                    </m:oMathPara>
-                  </a14:m>
-                  <a:endParaRPr kumimoji="1" lang="ja-JP" altLang="en-US" dirty="0"/>
-                </a:p>
-              </p:txBody>
-            </p:sp>
-          </mc:Choice>
-          <mc:Fallback>
-            <p:sp>
-              <p:nvSpPr>
-                <p:cNvPr id="88" name="テキスト ボックス 87"/>
-                <p:cNvSpPr txBox="1">
-                  <a:spLocks noRot="1" noChangeAspect="1" noMove="1" noResize="1" noEditPoints="1" noAdjustHandles="1" noChangeArrowheads="1" noChangeShapeType="1" noTextEdit="1"/>
-                </p:cNvSpPr>
-                <p:nvPr/>
-              </p:nvSpPr>
-              <p:spPr>
-                <a:xfrm>
-                  <a:off x="5536350" y="3489871"/>
-                  <a:ext cx="329962" cy="276999"/>
-                </a:xfrm>
-                <a:prstGeom prst="rect">
-                  <a:avLst/>
-                </a:prstGeom>
-                <a:blipFill>
-                  <a:blip r:embed="rId10"/>
-                  <a:stretch>
-                    <a:fillRect l="-9259" r="-3704" b="-15556"/>
-                  </a:stretch>
-                </a:blipFill>
-              </p:spPr>
-              <p:txBody>
-                <a:bodyPr/>
-                <a:lstStyle/>
-                <a:p>
-                  <a:r>
-                    <a:rPr lang="ja-JP" altLang="en-US">
-                      <a:noFill/>
-                    </a:rPr>
-                    <a:t> </a:t>
-                  </a:r>
-                </a:p>
-              </p:txBody>
-            </p:sp>
-          </mc:Fallback>
-        </mc:AlternateContent>
-        <mc:AlternateContent xmlns:mc="http://schemas.openxmlformats.org/markup-compatibility/2006">
-          <mc:Choice xmlns:a14="http://schemas.microsoft.com/office/drawing/2010/main" Requires="a14">
-            <p:sp>
-              <p:nvSpPr>
-                <p:cNvPr id="89" name="テキスト ボックス 88"/>
-                <p:cNvSpPr txBox="1"/>
-                <p:nvPr/>
-              </p:nvSpPr>
-              <p:spPr>
-                <a:xfrm>
-                  <a:off x="5841776" y="3312329"/>
-                  <a:ext cx="335285" cy="276999"/>
-                </a:xfrm>
-                <a:prstGeom prst="rect">
-                  <a:avLst/>
-                </a:prstGeom>
-                <a:noFill/>
-              </p:spPr>
-              <p:txBody>
-                <a:bodyPr wrap="none" lIns="0" tIns="0" rIns="0" bIns="0" rtlCol="0">
-                  <a:spAutoFit/>
-                </a:bodyPr>
-                <a:lstStyle/>
-                <a:p>
-                  <a14:m>
-                    <m:oMathPara xmlns:m="http://schemas.openxmlformats.org/officeDocument/2006/math">
-                      <m:oMathParaPr>
-                        <m:jc m:val="centerGroup"/>
-                      </m:oMathParaPr>
-                      <m:oMath xmlns:m="http://schemas.openxmlformats.org/officeDocument/2006/math">
-                        <m:sSub>
-                          <m:sSubPr>
-                            <m:ctrlPr>
-                              <a:rPr kumimoji="1" lang="en-US" altLang="ja-JP" i="1" smtClean="0">
-                                <a:latin typeface="Cambria Math" panose="02040503050406030204" pitchFamily="18" charset="0"/>
-                              </a:rPr>
-                            </m:ctrlPr>
-                          </m:sSubPr>
-                          <m:e>
-                            <m:r>
-                              <a:rPr kumimoji="1" lang="en-US" altLang="ja-JP" b="0" i="1" smtClean="0">
-                                <a:latin typeface="Cambria Math" panose="02040503050406030204" pitchFamily="18" charset="0"/>
-                              </a:rPr>
-                              <m:t>𝑤</m:t>
-                            </m:r>
-                          </m:e>
-                          <m:sub>
-                            <m:r>
-                              <a:rPr kumimoji="1" lang="en-US" altLang="ja-JP" b="0" i="1" smtClean="0">
-                                <a:latin typeface="Cambria Math" panose="02040503050406030204" pitchFamily="18" charset="0"/>
-                              </a:rPr>
-                              <m:t>2</m:t>
-                            </m:r>
-                          </m:sub>
-                        </m:sSub>
-                      </m:oMath>
-                    </m:oMathPara>
-                  </a14:m>
-                  <a:endParaRPr kumimoji="1" lang="ja-JP" altLang="en-US" dirty="0"/>
-                </a:p>
-              </p:txBody>
-            </p:sp>
-          </mc:Choice>
-          <mc:Fallback>
-            <p:sp>
-              <p:nvSpPr>
-                <p:cNvPr id="89" name="テキスト ボックス 88"/>
-                <p:cNvSpPr txBox="1">
-                  <a:spLocks noRot="1" noChangeAspect="1" noMove="1" noResize="1" noEditPoints="1" noAdjustHandles="1" noChangeArrowheads="1" noChangeShapeType="1" noTextEdit="1"/>
-                </p:cNvSpPr>
-                <p:nvPr/>
-              </p:nvSpPr>
-              <p:spPr>
-                <a:xfrm>
-                  <a:off x="5841776" y="3312329"/>
-                  <a:ext cx="335285" cy="276999"/>
-                </a:xfrm>
-                <a:prstGeom prst="rect">
-                  <a:avLst/>
-                </a:prstGeom>
-                <a:blipFill>
-                  <a:blip r:embed="rId11"/>
-                  <a:stretch>
-                    <a:fillRect l="-7273" r="-5455" b="-15556"/>
-                  </a:stretch>
-                </a:blipFill>
-              </p:spPr>
-              <p:txBody>
-                <a:bodyPr/>
-                <a:lstStyle/>
-                <a:p>
-                  <a:r>
-                    <a:rPr lang="ja-JP" altLang="en-US">
-                      <a:noFill/>
-                    </a:rPr>
-                    <a:t> </a:t>
-                  </a:r>
-                </a:p>
-              </p:txBody>
-            </p:sp>
-          </mc:Fallback>
-        </mc:AlternateContent>
-        <mc:AlternateContent xmlns:mc="http://schemas.openxmlformats.org/markup-compatibility/2006">
-          <mc:Choice xmlns:a14="http://schemas.microsoft.com/office/drawing/2010/main" Requires="a14">
-            <p:sp>
-              <p:nvSpPr>
-                <p:cNvPr id="90" name="テキスト ボックス 89"/>
-                <p:cNvSpPr txBox="1"/>
-                <p:nvPr/>
-              </p:nvSpPr>
-              <p:spPr>
-                <a:xfrm>
-                  <a:off x="6475295" y="3710897"/>
-                  <a:ext cx="342401" cy="276999"/>
-                </a:xfrm>
-                <a:prstGeom prst="rect">
-                  <a:avLst/>
-                </a:prstGeom>
-                <a:noFill/>
-              </p:spPr>
-              <p:txBody>
-                <a:bodyPr wrap="none" lIns="0" tIns="0" rIns="0" bIns="0" rtlCol="0">
-                  <a:spAutoFit/>
-                </a:bodyPr>
-                <a:lstStyle/>
-                <a:p>
-                  <a14:m>
-                    <m:oMathPara xmlns:m="http://schemas.openxmlformats.org/officeDocument/2006/math">
-                      <m:oMathParaPr>
-                        <m:jc m:val="centerGroup"/>
-                      </m:oMathParaPr>
-                      <m:oMath xmlns:m="http://schemas.openxmlformats.org/officeDocument/2006/math">
-                        <m:sSub>
-                          <m:sSubPr>
-                            <m:ctrlPr>
-                              <a:rPr kumimoji="1" lang="en-US" altLang="ja-JP" i="1" smtClean="0">
-                                <a:latin typeface="Cambria Math" panose="02040503050406030204" pitchFamily="18" charset="0"/>
-                              </a:rPr>
-                            </m:ctrlPr>
-                          </m:sSubPr>
-                          <m:e>
-                            <m:r>
-                              <a:rPr kumimoji="1" lang="en-US" altLang="ja-JP" b="0" i="1" smtClean="0">
-                                <a:latin typeface="Cambria Math" panose="02040503050406030204" pitchFamily="18" charset="0"/>
-                              </a:rPr>
-                              <m:t>𝑤</m:t>
-                            </m:r>
-                          </m:e>
-                          <m:sub>
-                            <m:r>
-                              <a:rPr kumimoji="1" lang="en-US" altLang="ja-JP" b="0" i="1" smtClean="0">
-                                <a:latin typeface="Cambria Math" panose="02040503050406030204" pitchFamily="18" charset="0"/>
-                              </a:rPr>
-                              <m:t>𝑛</m:t>
-                            </m:r>
-                          </m:sub>
-                        </m:sSub>
-                      </m:oMath>
-                    </m:oMathPara>
-                  </a14:m>
-                  <a:endParaRPr kumimoji="1" lang="ja-JP" altLang="en-US" dirty="0"/>
-                </a:p>
-              </p:txBody>
-            </p:sp>
-          </mc:Choice>
-          <mc:Fallback>
-            <p:sp>
-              <p:nvSpPr>
-                <p:cNvPr id="90" name="テキスト ボックス 89"/>
-                <p:cNvSpPr txBox="1">
-                  <a:spLocks noRot="1" noChangeAspect="1" noMove="1" noResize="1" noEditPoints="1" noAdjustHandles="1" noChangeArrowheads="1" noChangeShapeType="1" noTextEdit="1"/>
-                </p:cNvSpPr>
-                <p:nvPr/>
-              </p:nvSpPr>
-              <p:spPr>
-                <a:xfrm>
-                  <a:off x="6475295" y="3710897"/>
-                  <a:ext cx="342401" cy="276999"/>
-                </a:xfrm>
-                <a:prstGeom prst="rect">
-                  <a:avLst/>
-                </a:prstGeom>
-                <a:blipFill>
-                  <a:blip r:embed="rId12"/>
-                  <a:stretch>
-                    <a:fillRect l="-7143" b="-11111"/>
-                  </a:stretch>
-                </a:blipFill>
-              </p:spPr>
-              <p:txBody>
-                <a:bodyPr/>
-                <a:lstStyle/>
-                <a:p>
-                  <a:r>
-                    <a:rPr lang="ja-JP" altLang="en-US">
-                      <a:noFill/>
-                    </a:rPr>
-                    <a:t> </a:t>
-                  </a:r>
-                </a:p>
-              </p:txBody>
-            </p:sp>
-          </mc:Fallback>
-        </mc:AlternateContent>
+        <p:cxnSp>
+          <p:nvCxnSpPr>
+            <p:cNvPr id="9" name="直線コネクタ 8"/>
+            <p:cNvCxnSpPr>
+              <a:stCxn id="3" idx="6"/>
+            </p:cNvCxnSpPr>
+            <p:nvPr/>
+          </p:nvCxnSpPr>
+          <p:spPr>
+            <a:xfrm>
+              <a:off x="2152989" y="932903"/>
+              <a:ext cx="1662547" cy="0"/>
+            </a:xfrm>
+            <a:prstGeom prst="line">
+              <a:avLst/>
+            </a:prstGeom>
+            <a:ln w="57150"/>
+          </p:spPr>
+          <p:style>
+            <a:lnRef idx="1">
+              <a:schemeClr val="dk1"/>
+            </a:lnRef>
+            <a:fillRef idx="0">
+              <a:schemeClr val="dk1"/>
+            </a:fillRef>
+            <a:effectRef idx="0">
+              <a:schemeClr val="dk1"/>
+            </a:effectRef>
+            <a:fontRef idx="minor">
+              <a:schemeClr val="tx1"/>
+            </a:fontRef>
+          </p:style>
+        </p:cxnSp>
+        <p:cxnSp>
+          <p:nvCxnSpPr>
+            <p:cNvPr id="12" name="直線コネクタ 11"/>
+            <p:cNvCxnSpPr>
+              <a:stCxn id="5" idx="6"/>
+            </p:cNvCxnSpPr>
+            <p:nvPr/>
+          </p:nvCxnSpPr>
+          <p:spPr>
+            <a:xfrm>
+              <a:off x="2152987" y="5998123"/>
+              <a:ext cx="1662547" cy="0"/>
+            </a:xfrm>
+            <a:prstGeom prst="line">
+              <a:avLst/>
+            </a:prstGeom>
+            <a:ln w="57150"/>
+          </p:spPr>
+          <p:style>
+            <a:lnRef idx="1">
+              <a:schemeClr val="dk1"/>
+            </a:lnRef>
+            <a:fillRef idx="0">
+              <a:schemeClr val="dk1"/>
+            </a:fillRef>
+            <a:effectRef idx="0">
+              <a:schemeClr val="dk1"/>
+            </a:effectRef>
+            <a:fontRef idx="minor">
+              <a:schemeClr val="tx1"/>
+            </a:fontRef>
+          </p:style>
+        </p:cxnSp>
+        <p:cxnSp>
+          <p:nvCxnSpPr>
+            <p:cNvPr id="16" name="直線コネクタ 15"/>
+            <p:cNvCxnSpPr/>
+            <p:nvPr/>
+          </p:nvCxnSpPr>
+          <p:spPr>
+            <a:xfrm>
+              <a:off x="3815536" y="949080"/>
+              <a:ext cx="0" cy="5065220"/>
+            </a:xfrm>
+            <a:prstGeom prst="line">
+              <a:avLst/>
+            </a:prstGeom>
+            <a:ln w="57150"/>
+          </p:spPr>
+          <p:style>
+            <a:lnRef idx="1">
+              <a:schemeClr val="dk1"/>
+            </a:lnRef>
+            <a:fillRef idx="0">
+              <a:schemeClr val="dk1"/>
+            </a:fillRef>
+            <a:effectRef idx="0">
+              <a:schemeClr val="dk1"/>
+            </a:effectRef>
+            <a:fontRef idx="minor">
+              <a:schemeClr val="tx1"/>
+            </a:fontRef>
+          </p:style>
+        </p:cxnSp>
       </p:grpSp>
-      <p:cxnSp>
-        <p:nvCxnSpPr>
-          <p:cNvPr id="93" name="直線矢印コネクタ 92"/>
-          <p:cNvCxnSpPr/>
-          <p:nvPr/>
-        </p:nvCxnSpPr>
-        <p:spPr>
-          <a:xfrm>
-            <a:off x="3251698" y="2387671"/>
-            <a:ext cx="2029812" cy="924533"/>
-          </a:xfrm>
-          <a:prstGeom prst="straightConnector1">
-            <a:avLst/>
-          </a:prstGeom>
-          <a:ln w="38100">
-            <a:solidFill>
-              <a:schemeClr val="tx1"/>
-            </a:solidFill>
-            <a:prstDash val="sysDash"/>
-            <a:tailEnd type="triangle"/>
-          </a:ln>
-        </p:spPr>
-        <p:style>
-          <a:lnRef idx="1">
-            <a:schemeClr val="dk1"/>
-          </a:lnRef>
-          <a:fillRef idx="0">
-            <a:schemeClr val="dk1"/>
-          </a:fillRef>
-          <a:effectRef idx="0">
-            <a:schemeClr val="dk1"/>
-          </a:effectRef>
-          <a:fontRef idx="minor">
-            <a:schemeClr val="tx1"/>
-          </a:fontRef>
-        </p:style>
-      </p:cxnSp>
       <mc:AlternateContent xmlns:mc="http://schemas.openxmlformats.org/markup-compatibility/2006">
         <mc:Choice xmlns:a14="http://schemas.microsoft.com/office/drawing/2010/main" Requires="a14">
           <p:sp>
             <p:nvSpPr>
-              <p:cNvPr id="97" name="テキスト ボックス 96"/>
+              <p:cNvPr id="21" name="テキスト ボックス 20"/>
               <p:cNvSpPr txBox="1"/>
               <p:nvPr/>
             </p:nvSpPr>
             <p:spPr>
               <a:xfrm>
-                <a:off x="3030460" y="2206912"/>
-                <a:ext cx="199542" cy="276999"/>
+                <a:off x="1024277" y="585234"/>
+                <a:ext cx="639214" cy="615553"/>
+              </a:xfrm>
+              <a:prstGeom prst="rect">
+                <a:avLst/>
+              </a:prstGeom>
+              <a:noFill/>
+            </p:spPr>
+            <p:txBody>
+              <a:bodyPr wrap="none" lIns="0" tIns="0" rIns="0" bIns="0" rtlCol="0">
+                <a:spAutoFit/>
+              </a:bodyPr>
+              <a:lstStyle/>
+              <a:p>
+                <a14:m>
+                  <m:oMathPara xmlns:m="http://schemas.openxmlformats.org/officeDocument/2006/math">
+                    <m:oMathParaPr>
+                      <m:jc m:val="centerGroup"/>
+                    </m:oMathParaPr>
+                    <m:oMath xmlns:m="http://schemas.openxmlformats.org/officeDocument/2006/math">
+                      <m:sSub>
+                        <m:sSubPr>
+                          <m:ctrlPr>
+                            <a:rPr kumimoji="1" lang="en-US" altLang="ja-JP" sz="4000" i="1" smtClean="0">
+                              <a:solidFill>
+                                <a:schemeClr val="bg1"/>
+                              </a:solidFill>
+                              <a:latin typeface="Cambria Math" panose="02040503050406030204" pitchFamily="18" charset="0"/>
+                            </a:rPr>
+                          </m:ctrlPr>
+                        </m:sSubPr>
+                        <m:e>
+                          <m:r>
+                            <a:rPr kumimoji="1" lang="en-US" altLang="ja-JP" sz="4000" b="0" i="1" smtClean="0">
+                              <a:solidFill>
+                                <a:schemeClr val="bg1"/>
+                              </a:solidFill>
+                              <a:latin typeface="Cambria Math" panose="02040503050406030204" pitchFamily="18" charset="0"/>
+                            </a:rPr>
+                            <m:t>𝑥</m:t>
+                          </m:r>
+                        </m:e>
+                        <m:sub>
+                          <m:r>
+                            <a:rPr kumimoji="1" lang="en-US" altLang="ja-JP" sz="4000" b="0" i="1" smtClean="0">
+                              <a:solidFill>
+                                <a:schemeClr val="bg1"/>
+                              </a:solidFill>
+                              <a:latin typeface="Cambria Math" panose="02040503050406030204" pitchFamily="18" charset="0"/>
+                            </a:rPr>
+                            <m:t>1</m:t>
+                          </m:r>
+                        </m:sub>
+                      </m:sSub>
+                    </m:oMath>
+                  </m:oMathPara>
+                </a14:m>
+                <a:endParaRPr kumimoji="1" lang="ja-JP" altLang="en-US" sz="4000" dirty="0">
+                  <a:solidFill>
+                    <a:schemeClr val="bg1"/>
+                  </a:solidFill>
+                </a:endParaRPr>
+              </a:p>
+            </p:txBody>
+          </p:sp>
+        </mc:Choice>
+        <mc:Fallback>
+          <p:sp>
+            <p:nvSpPr>
+              <p:cNvPr id="21" name="テキスト ボックス 20"/>
+              <p:cNvSpPr txBox="1">
+                <a:spLocks noRot="1" noChangeAspect="1" noMove="1" noResize="1" noEditPoints="1" noAdjustHandles="1" noChangeArrowheads="1" noChangeShapeType="1" noTextEdit="1"/>
+              </p:cNvSpPr>
+              <p:nvPr/>
+            </p:nvSpPr>
+            <p:spPr>
+              <a:xfrm>
+                <a:off x="1024277" y="585234"/>
+                <a:ext cx="639214" cy="615553"/>
+              </a:xfrm>
+              <a:prstGeom prst="rect">
+                <a:avLst/>
+              </a:prstGeom>
+              <a:blipFill>
+                <a:blip r:embed="rId2"/>
+                <a:stretch>
+                  <a:fillRect/>
+                </a:stretch>
+              </a:blipFill>
+            </p:spPr>
+            <p:txBody>
+              <a:bodyPr/>
+              <a:lstStyle/>
+              <a:p>
+                <a:r>
+                  <a:rPr lang="ja-JP" altLang="en-US">
+                    <a:noFill/>
+                  </a:rPr>
+                  <a:t> </a:t>
+                </a:r>
+              </a:p>
+            </p:txBody>
+          </p:sp>
+        </mc:Fallback>
+      </mc:AlternateContent>
+      <mc:AlternateContent xmlns:mc="http://schemas.openxmlformats.org/markup-compatibility/2006">
+        <mc:Choice xmlns:a14="http://schemas.microsoft.com/office/drawing/2010/main" Requires="a14">
+          <p:sp>
+            <p:nvSpPr>
+              <p:cNvPr id="22" name="テキスト ボックス 21"/>
+              <p:cNvSpPr txBox="1"/>
+              <p:nvPr/>
+            </p:nvSpPr>
+            <p:spPr>
+              <a:xfrm>
+                <a:off x="1024277" y="3040259"/>
+                <a:ext cx="651076" cy="615553"/>
+              </a:xfrm>
+              <a:prstGeom prst="rect">
+                <a:avLst/>
+              </a:prstGeom>
+              <a:noFill/>
+            </p:spPr>
+            <p:txBody>
+              <a:bodyPr wrap="none" lIns="0" tIns="0" rIns="0" bIns="0" rtlCol="0">
+                <a:spAutoFit/>
+              </a:bodyPr>
+              <a:lstStyle/>
+              <a:p>
+                <a14:m>
+                  <m:oMathPara xmlns:m="http://schemas.openxmlformats.org/officeDocument/2006/math">
+                    <m:oMathParaPr>
+                      <m:jc m:val="centerGroup"/>
+                    </m:oMathParaPr>
+                    <m:oMath xmlns:m="http://schemas.openxmlformats.org/officeDocument/2006/math">
+                      <m:sSub>
+                        <m:sSubPr>
+                          <m:ctrlPr>
+                            <a:rPr kumimoji="1" lang="en-US" altLang="ja-JP" sz="4000" i="1" smtClean="0">
+                              <a:solidFill>
+                                <a:schemeClr val="bg1"/>
+                              </a:solidFill>
+                              <a:latin typeface="Cambria Math" panose="02040503050406030204" pitchFamily="18" charset="0"/>
+                            </a:rPr>
+                          </m:ctrlPr>
+                        </m:sSubPr>
+                        <m:e>
+                          <m:r>
+                            <a:rPr kumimoji="1" lang="en-US" altLang="ja-JP" sz="4000" b="0" i="1" smtClean="0">
+                              <a:solidFill>
+                                <a:schemeClr val="bg1"/>
+                              </a:solidFill>
+                              <a:latin typeface="Cambria Math" panose="02040503050406030204" pitchFamily="18" charset="0"/>
+                            </a:rPr>
+                            <m:t>𝑥</m:t>
+                          </m:r>
+                        </m:e>
+                        <m:sub>
+                          <m:r>
+                            <a:rPr kumimoji="1" lang="en-US" altLang="ja-JP" sz="4000" b="0" i="1" smtClean="0">
+                              <a:solidFill>
+                                <a:schemeClr val="bg1"/>
+                              </a:solidFill>
+                              <a:latin typeface="Cambria Math" panose="02040503050406030204" pitchFamily="18" charset="0"/>
+                            </a:rPr>
+                            <m:t>2</m:t>
+                          </m:r>
+                        </m:sub>
+                      </m:sSub>
+                    </m:oMath>
+                  </m:oMathPara>
+                </a14:m>
+                <a:endParaRPr kumimoji="1" lang="ja-JP" altLang="en-US" sz="4000" dirty="0">
+                  <a:solidFill>
+                    <a:schemeClr val="bg1"/>
+                  </a:solidFill>
+                </a:endParaRPr>
+              </a:p>
+            </p:txBody>
+          </p:sp>
+        </mc:Choice>
+        <mc:Fallback>
+          <p:sp>
+            <p:nvSpPr>
+              <p:cNvPr id="22" name="テキスト ボックス 21"/>
+              <p:cNvSpPr txBox="1">
+                <a:spLocks noRot="1" noChangeAspect="1" noMove="1" noResize="1" noEditPoints="1" noAdjustHandles="1" noChangeArrowheads="1" noChangeShapeType="1" noTextEdit="1"/>
+              </p:cNvSpPr>
+              <p:nvPr/>
+            </p:nvSpPr>
+            <p:spPr>
+              <a:xfrm>
+                <a:off x="1024277" y="3040259"/>
+                <a:ext cx="651076" cy="615553"/>
+              </a:xfrm>
+              <a:prstGeom prst="rect">
+                <a:avLst/>
+              </a:prstGeom>
+              <a:blipFill>
+                <a:blip r:embed="rId3"/>
+                <a:stretch>
+                  <a:fillRect/>
+                </a:stretch>
+              </a:blipFill>
+            </p:spPr>
+            <p:txBody>
+              <a:bodyPr/>
+              <a:lstStyle/>
+              <a:p>
+                <a:r>
+                  <a:rPr lang="ja-JP" altLang="en-US">
+                    <a:noFill/>
+                  </a:rPr>
+                  <a:t> </a:t>
+                </a:r>
+              </a:p>
+            </p:txBody>
+          </p:sp>
+        </mc:Fallback>
+      </mc:AlternateContent>
+      <mc:AlternateContent xmlns:mc="http://schemas.openxmlformats.org/markup-compatibility/2006">
+        <mc:Choice xmlns:a14="http://schemas.microsoft.com/office/drawing/2010/main" Requires="a14">
+          <p:sp>
+            <p:nvSpPr>
+              <p:cNvPr id="23" name="テキスト ボックス 22"/>
+              <p:cNvSpPr txBox="1"/>
+              <p:nvPr/>
+            </p:nvSpPr>
+            <p:spPr>
+              <a:xfrm>
+                <a:off x="1024277" y="5628288"/>
+                <a:ext cx="651076" cy="615553"/>
+              </a:xfrm>
+              <a:prstGeom prst="rect">
+                <a:avLst/>
+              </a:prstGeom>
+              <a:noFill/>
+            </p:spPr>
+            <p:txBody>
+              <a:bodyPr wrap="none" lIns="0" tIns="0" rIns="0" bIns="0" rtlCol="0">
+                <a:spAutoFit/>
+              </a:bodyPr>
+              <a:lstStyle/>
+              <a:p>
+                <a14:m>
+                  <m:oMathPara xmlns:m="http://schemas.openxmlformats.org/officeDocument/2006/math">
+                    <m:oMathParaPr>
+                      <m:jc m:val="centerGroup"/>
+                    </m:oMathParaPr>
+                    <m:oMath xmlns:m="http://schemas.openxmlformats.org/officeDocument/2006/math">
+                      <m:sSub>
+                        <m:sSubPr>
+                          <m:ctrlPr>
+                            <a:rPr kumimoji="1" lang="en-US" altLang="ja-JP" sz="4000" i="1" smtClean="0">
+                              <a:solidFill>
+                                <a:schemeClr val="bg1"/>
+                              </a:solidFill>
+                              <a:latin typeface="Cambria Math" panose="02040503050406030204" pitchFamily="18" charset="0"/>
+                            </a:rPr>
+                          </m:ctrlPr>
+                        </m:sSubPr>
+                        <m:e>
+                          <m:r>
+                            <a:rPr kumimoji="1" lang="en-US" altLang="ja-JP" sz="4000" b="0" i="1" smtClean="0">
+                              <a:solidFill>
+                                <a:schemeClr val="bg1"/>
+                              </a:solidFill>
+                              <a:latin typeface="Cambria Math" panose="02040503050406030204" pitchFamily="18" charset="0"/>
+                            </a:rPr>
+                            <m:t>𝑥</m:t>
+                          </m:r>
+                        </m:e>
+                        <m:sub>
+                          <m:r>
+                            <a:rPr kumimoji="1" lang="en-US" altLang="ja-JP" sz="4000" b="0" i="1" smtClean="0">
+                              <a:solidFill>
+                                <a:schemeClr val="bg1"/>
+                              </a:solidFill>
+                              <a:latin typeface="Cambria Math" panose="02040503050406030204" pitchFamily="18" charset="0"/>
+                            </a:rPr>
+                            <m:t>3</m:t>
+                          </m:r>
+                        </m:sub>
+                      </m:sSub>
+                    </m:oMath>
+                  </m:oMathPara>
+                </a14:m>
+                <a:endParaRPr kumimoji="1" lang="ja-JP" altLang="en-US" sz="4000" dirty="0">
+                  <a:solidFill>
+                    <a:schemeClr val="bg1"/>
+                  </a:solidFill>
+                </a:endParaRPr>
+              </a:p>
+            </p:txBody>
+          </p:sp>
+        </mc:Choice>
+        <mc:Fallback>
+          <p:sp>
+            <p:nvSpPr>
+              <p:cNvPr id="23" name="テキスト ボックス 22"/>
+              <p:cNvSpPr txBox="1">
+                <a:spLocks noRot="1" noChangeAspect="1" noMove="1" noResize="1" noEditPoints="1" noAdjustHandles="1" noChangeArrowheads="1" noChangeShapeType="1" noTextEdit="1"/>
+              </p:cNvSpPr>
+              <p:nvPr/>
+            </p:nvSpPr>
+            <p:spPr>
+              <a:xfrm>
+                <a:off x="1024277" y="5628288"/>
+                <a:ext cx="651076" cy="615553"/>
+              </a:xfrm>
+              <a:prstGeom prst="rect">
+                <a:avLst/>
+              </a:prstGeom>
+              <a:blipFill>
+                <a:blip r:embed="rId4"/>
+                <a:stretch>
+                  <a:fillRect/>
+                </a:stretch>
+              </a:blipFill>
+            </p:spPr>
+            <p:txBody>
+              <a:bodyPr/>
+              <a:lstStyle/>
+              <a:p>
+                <a:r>
+                  <a:rPr lang="ja-JP" altLang="en-US">
+                    <a:noFill/>
+                  </a:rPr>
+                  <a:t> </a:t>
+                </a:r>
+              </a:p>
+            </p:txBody>
+          </p:sp>
+        </mc:Fallback>
+      </mc:AlternateContent>
+      <mc:AlternateContent xmlns:mc="http://schemas.openxmlformats.org/markup-compatibility/2006">
+        <mc:Choice xmlns:a14="http://schemas.microsoft.com/office/drawing/2010/main" Requires="a14">
+          <p:sp>
+            <p:nvSpPr>
+              <p:cNvPr id="24" name="テキスト ボックス 23"/>
+              <p:cNvSpPr txBox="1"/>
+              <p:nvPr/>
+            </p:nvSpPr>
+            <p:spPr>
+              <a:xfrm>
+                <a:off x="5500067" y="3157735"/>
+                <a:ext cx="1191865" cy="615553"/>
               </a:xfrm>
               <a:prstGeom prst="rect">
                 <a:avLst/>
@@ -5321,15 +4164,45 @@
                     </m:oMathParaPr>
                     <m:oMath xmlns:m="http://schemas.openxmlformats.org/officeDocument/2006/math">
                       <m:r>
-                        <a:rPr kumimoji="1" lang="en-US" altLang="ja-JP" b="0" i="1" smtClean="0">
+                        <a:rPr kumimoji="1" lang="ja-JP" altLang="en-US" sz="4000" i="1" smtClean="0">
+                          <a:solidFill>
+                            <a:schemeClr val="bg1"/>
+                          </a:solidFill>
                           <a:latin typeface="Cambria Math" panose="02040503050406030204" pitchFamily="18" charset="0"/>
                         </a:rPr>
-                        <m:t>𝑦</m:t>
+                        <m:t>𝜎</m:t>
                       </m:r>
+                      <m:d>
+                        <m:dPr>
+                          <m:ctrlPr>
+                            <a:rPr kumimoji="1" lang="en-US" altLang="ja-JP" sz="4000" i="1" smtClean="0">
+                              <a:solidFill>
+                                <a:schemeClr val="bg1"/>
+                              </a:solidFill>
+                              <a:latin typeface="Cambria Math" panose="02040503050406030204" pitchFamily="18" charset="0"/>
+                            </a:rPr>
+                          </m:ctrlPr>
+                        </m:dPr>
+                        <m:e>
+                          <m:r>
+                            <a:rPr kumimoji="1" lang="en-US" altLang="ja-JP" sz="4000" b="0" i="1" smtClean="0">
+                              <a:solidFill>
+                                <a:schemeClr val="bg1"/>
+                              </a:solidFill>
+                              <a:latin typeface="Cambria Math" panose="02040503050406030204" pitchFamily="18" charset="0"/>
+                            </a:rPr>
+                            <m:t>𝑢</m:t>
+                          </m:r>
+                        </m:e>
+                      </m:d>
                     </m:oMath>
                   </m:oMathPara>
                 </a14:m>
-                <a:endParaRPr kumimoji="1" lang="ja-JP" altLang="en-US" dirty="0"/>
+                <a:endParaRPr kumimoji="1" lang="ja-JP" altLang="en-US" sz="4000" dirty="0">
+                  <a:solidFill>
+                    <a:schemeClr val="bg1"/>
+                  </a:solidFill>
+                </a:endParaRPr>
               </a:p>
             </p:txBody>
           </p:sp>
@@ -5337,7 +4210,7 @@
         <mc:Fallback>
           <p:sp>
             <p:nvSpPr>
-              <p:cNvPr id="97" name="テキスト ボックス 96"/>
+              <p:cNvPr id="24" name="テキスト ボックス 23"/>
               <p:cNvSpPr txBox="1">
                 <a:spLocks noRot="1" noChangeAspect="1" noMove="1" noResize="1" noEditPoints="1" noAdjustHandles="1" noChangeArrowheads="1" noChangeShapeType="1" noTextEdit="1"/>
               </p:cNvSpPr>
@@ -5345,16 +4218,460 @@
             </p:nvSpPr>
             <p:spPr>
               <a:xfrm>
-                <a:off x="3030460" y="2206912"/>
-                <a:ext cx="199542" cy="276999"/>
+                <a:off x="5500067" y="3157735"/>
+                <a:ext cx="1191865" cy="615553"/>
               </a:xfrm>
               <a:prstGeom prst="rect">
                 <a:avLst/>
               </a:prstGeom>
               <a:blipFill>
-                <a:blip r:embed="rId13"/>
+                <a:blip r:embed="rId5"/>
                 <a:stretch>
-                  <a:fillRect l="-27273" r="-21212" b="-26667"/>
+                  <a:fillRect/>
+                </a:stretch>
+              </a:blipFill>
+            </p:spPr>
+            <p:txBody>
+              <a:bodyPr/>
+              <a:lstStyle/>
+              <a:p>
+                <a:r>
+                  <a:rPr lang="ja-JP" altLang="en-US">
+                    <a:noFill/>
+                  </a:rPr>
+                  <a:t> </a:t>
+                </a:r>
+              </a:p>
+            </p:txBody>
+          </p:sp>
+        </mc:Fallback>
+      </mc:AlternateContent>
+      <p:sp>
+        <p:nvSpPr>
+          <p:cNvPr id="30" name="楕円 29"/>
+          <p:cNvSpPr/>
+          <p:nvPr/>
+        </p:nvSpPr>
+        <p:spPr>
+          <a:xfrm>
+            <a:off x="10038997" y="2717814"/>
+            <a:ext cx="1618211" cy="1495397"/>
+          </a:xfrm>
+          <a:prstGeom prst="ellipse">
+            <a:avLst/>
+          </a:prstGeom>
+          <a:solidFill>
+            <a:schemeClr val="bg2">
+              <a:lumMod val="90000"/>
+            </a:schemeClr>
+          </a:solidFill>
+          <a:ln w="28575">
+            <a:solidFill>
+              <a:schemeClr val="tx1"/>
+            </a:solidFill>
+          </a:ln>
+        </p:spPr>
+        <p:style>
+          <a:lnRef idx="2">
+            <a:schemeClr val="accent1">
+              <a:shade val="50000"/>
+            </a:schemeClr>
+          </a:lnRef>
+          <a:fillRef idx="1">
+            <a:schemeClr val="accent1"/>
+          </a:fillRef>
+          <a:effectRef idx="0">
+            <a:schemeClr val="accent1"/>
+          </a:effectRef>
+          <a:fontRef idx="minor">
+            <a:schemeClr val="lt1"/>
+          </a:fontRef>
+        </p:style>
+        <p:txBody>
+          <a:bodyPr rtlCol="0" anchor="ctr"/>
+          <a:lstStyle/>
+          <a:p>
+            <a:pPr algn="ctr"/>
+            <a:endParaRPr kumimoji="1" lang="ja-JP" altLang="en-US" dirty="0"/>
+          </a:p>
+        </p:txBody>
+      </p:sp>
+      <p:cxnSp>
+        <p:nvCxnSpPr>
+          <p:cNvPr id="43" name="直線コネクタ 42"/>
+          <p:cNvCxnSpPr>
+            <a:stCxn id="2" idx="6"/>
+            <a:endCxn id="30" idx="2"/>
+          </p:cNvCxnSpPr>
+          <p:nvPr/>
+        </p:nvCxnSpPr>
+        <p:spPr>
+          <a:xfrm>
+            <a:off x="6905105" y="3465513"/>
+            <a:ext cx="3133892" cy="0"/>
+          </a:xfrm>
+          <a:prstGeom prst="line">
+            <a:avLst/>
+          </a:prstGeom>
+          <a:ln w="57150">
+            <a:headEnd type="none" w="med" len="med"/>
+            <a:tailEnd type="triangle" w="med" len="med"/>
+          </a:ln>
+        </p:spPr>
+        <p:style>
+          <a:lnRef idx="1">
+            <a:schemeClr val="dk1"/>
+          </a:lnRef>
+          <a:fillRef idx="0">
+            <a:schemeClr val="dk1"/>
+          </a:fillRef>
+          <a:effectRef idx="0">
+            <a:schemeClr val="dk1"/>
+          </a:effectRef>
+          <a:fontRef idx="minor">
+            <a:schemeClr val="tx1"/>
+          </a:fontRef>
+        </p:style>
+      </p:cxnSp>
+      <p:sp>
+        <p:nvSpPr>
+          <p:cNvPr id="47" name="右矢印 46"/>
+          <p:cNvSpPr/>
+          <p:nvPr/>
+        </p:nvSpPr>
+        <p:spPr>
+          <a:xfrm flipH="1">
+            <a:off x="7942806" y="3907575"/>
+            <a:ext cx="1058491" cy="387864"/>
+          </a:xfrm>
+          <a:prstGeom prst="rightArrow">
+            <a:avLst/>
+          </a:prstGeom>
+          <a:solidFill>
+            <a:schemeClr val="bg2">
+              <a:lumMod val="90000"/>
+            </a:schemeClr>
+          </a:solidFill>
+          <a:ln>
+            <a:noFill/>
+          </a:ln>
+        </p:spPr>
+        <p:style>
+          <a:lnRef idx="2">
+            <a:schemeClr val="accent1">
+              <a:shade val="50000"/>
+            </a:schemeClr>
+          </a:lnRef>
+          <a:fillRef idx="1">
+            <a:schemeClr val="accent1"/>
+          </a:fillRef>
+          <a:effectRef idx="0">
+            <a:schemeClr val="accent1"/>
+          </a:effectRef>
+          <a:fontRef idx="minor">
+            <a:schemeClr val="lt1"/>
+          </a:fontRef>
+        </p:style>
+        <p:txBody>
+          <a:bodyPr rtlCol="0" anchor="ctr"/>
+          <a:lstStyle/>
+          <a:p>
+            <a:pPr algn="ctr"/>
+            <a:endParaRPr kumimoji="1" lang="ja-JP" altLang="en-US"/>
+          </a:p>
+        </p:txBody>
+      </p:sp>
+      <p:sp>
+        <p:nvSpPr>
+          <p:cNvPr id="48" name="右矢印 47"/>
+          <p:cNvSpPr/>
+          <p:nvPr/>
+        </p:nvSpPr>
+        <p:spPr>
+          <a:xfrm>
+            <a:off x="7942805" y="2599920"/>
+            <a:ext cx="1058491" cy="387864"/>
+          </a:xfrm>
+          <a:prstGeom prst="rightArrow">
+            <a:avLst/>
+          </a:prstGeom>
+          <a:solidFill>
+            <a:schemeClr val="bg2">
+              <a:lumMod val="90000"/>
+            </a:schemeClr>
+          </a:solidFill>
+          <a:ln>
+            <a:noFill/>
+          </a:ln>
+        </p:spPr>
+        <p:style>
+          <a:lnRef idx="2">
+            <a:schemeClr val="accent1">
+              <a:shade val="50000"/>
+            </a:schemeClr>
+          </a:lnRef>
+          <a:fillRef idx="1">
+            <a:schemeClr val="accent1"/>
+          </a:fillRef>
+          <a:effectRef idx="0">
+            <a:schemeClr val="accent1"/>
+          </a:effectRef>
+          <a:fontRef idx="minor">
+            <a:schemeClr val="lt1"/>
+          </a:fontRef>
+        </p:style>
+        <p:txBody>
+          <a:bodyPr rtlCol="0" anchor="ctr"/>
+          <a:lstStyle/>
+          <a:p>
+            <a:pPr algn="ctr"/>
+            <a:endParaRPr kumimoji="1" lang="ja-JP" altLang="en-US"/>
+          </a:p>
+        </p:txBody>
+      </p:sp>
+      <mc:AlternateContent xmlns:mc="http://schemas.openxmlformats.org/markup-compatibility/2006">
+        <mc:Choice xmlns:a14="http://schemas.microsoft.com/office/drawing/2010/main" Requires="a14">
+          <p:sp>
+            <p:nvSpPr>
+              <p:cNvPr id="49" name="テキスト ボックス 48"/>
+              <p:cNvSpPr txBox="1"/>
+              <p:nvPr/>
+            </p:nvSpPr>
+            <p:spPr>
+              <a:xfrm>
+                <a:off x="7192640" y="2138255"/>
+                <a:ext cx="2692468" cy="461665"/>
+              </a:xfrm>
+              <a:prstGeom prst="rect">
+                <a:avLst/>
+              </a:prstGeom>
+              <a:noFill/>
+            </p:spPr>
+            <p:txBody>
+              <a:bodyPr wrap="none" rtlCol="0">
+                <a:spAutoFit/>
+              </a:bodyPr>
+              <a:lstStyle/>
+              <a:p>
+                <a:r>
+                  <a:rPr lang="ja-JP" altLang="en-US" sz="2400" dirty="0" smtClean="0"/>
+                  <a:t>発火</a:t>
+                </a:r>
+                <a14:m>
+                  <m:oMath xmlns:m="http://schemas.openxmlformats.org/officeDocument/2006/math">
+                    <m:r>
+                      <a:rPr lang="en-US" altLang="ja-JP" sz="2400" b="0" i="0" smtClean="0">
+                        <a:latin typeface="Cambria Math" panose="02040503050406030204" pitchFamily="18" charset="0"/>
+                      </a:rPr>
+                      <m:t>  1  </m:t>
+                    </m:r>
+                    <m:d>
+                      <m:dPr>
+                        <m:ctrlPr>
+                          <a:rPr lang="en-US" altLang="ja-JP" sz="2400" i="1" smtClean="0">
+                            <a:latin typeface="Cambria Math" panose="02040503050406030204" pitchFamily="18" charset="0"/>
+                          </a:rPr>
+                        </m:ctrlPr>
+                      </m:dPr>
+                      <m:e>
+                        <m:r>
+                          <a:rPr lang="ja-JP" altLang="en-US" sz="2400" i="1" smtClean="0">
+                            <a:latin typeface="Cambria Math" panose="02040503050406030204" pitchFamily="18" charset="0"/>
+                          </a:rPr>
+                          <m:t>𝛿</m:t>
+                        </m:r>
+                        <m:d>
+                          <m:dPr>
+                            <m:ctrlPr>
+                              <a:rPr lang="en-US" altLang="ja-JP" sz="2400" i="1" smtClean="0">
+                                <a:latin typeface="Cambria Math" panose="02040503050406030204" pitchFamily="18" charset="0"/>
+                              </a:rPr>
+                            </m:ctrlPr>
+                          </m:dPr>
+                          <m:e>
+                            <m:r>
+                              <a:rPr lang="en-US" altLang="ja-JP" sz="2400" b="0" i="1" smtClean="0">
+                                <a:latin typeface="Cambria Math" panose="02040503050406030204" pitchFamily="18" charset="0"/>
+                              </a:rPr>
+                              <m:t>𝑢</m:t>
+                            </m:r>
+                          </m:e>
+                        </m:d>
+                        <m:r>
+                          <a:rPr lang="en-US" altLang="ja-JP" sz="2400" b="0" i="1" smtClean="0">
+                            <a:latin typeface="Cambria Math" panose="02040503050406030204" pitchFamily="18" charset="0"/>
+                          </a:rPr>
+                          <m:t>&gt;</m:t>
+                        </m:r>
+                        <m:r>
+                          <a:rPr lang="en-US" altLang="ja-JP" sz="2400" b="0" i="1" smtClean="0">
+                            <a:latin typeface="Cambria Math" panose="02040503050406030204" pitchFamily="18" charset="0"/>
+                          </a:rPr>
+                          <m:t>𝑎</m:t>
+                        </m:r>
+                      </m:e>
+                    </m:d>
+                  </m:oMath>
+                </a14:m>
+                <a:endParaRPr kumimoji="1" lang="ja-JP" altLang="en-US" sz="2400" dirty="0"/>
+              </a:p>
+            </p:txBody>
+          </p:sp>
+        </mc:Choice>
+        <mc:Fallback>
+          <p:sp>
+            <p:nvSpPr>
+              <p:cNvPr id="49" name="テキスト ボックス 48"/>
+              <p:cNvSpPr txBox="1">
+                <a:spLocks noRot="1" noChangeAspect="1" noMove="1" noResize="1" noEditPoints="1" noAdjustHandles="1" noChangeArrowheads="1" noChangeShapeType="1" noTextEdit="1"/>
+              </p:cNvSpPr>
+              <p:nvPr/>
+            </p:nvSpPr>
+            <p:spPr>
+              <a:xfrm>
+                <a:off x="7192640" y="2138255"/>
+                <a:ext cx="2692468" cy="461665"/>
+              </a:xfrm>
+              <a:prstGeom prst="rect">
+                <a:avLst/>
+              </a:prstGeom>
+              <a:blipFill>
+                <a:blip r:embed="rId6"/>
+                <a:stretch>
+                  <a:fillRect l="-3620" t="-10667" b="-30667"/>
+                </a:stretch>
+              </a:blipFill>
+            </p:spPr>
+            <p:txBody>
+              <a:bodyPr/>
+              <a:lstStyle/>
+              <a:p>
+                <a:r>
+                  <a:rPr lang="ja-JP" altLang="en-US">
+                    <a:noFill/>
+                  </a:rPr>
+                  <a:t> </a:t>
+                </a:r>
+              </a:p>
+            </p:txBody>
+          </p:sp>
+        </mc:Fallback>
+      </mc:AlternateContent>
+      <mc:AlternateContent xmlns:mc="http://schemas.openxmlformats.org/markup-compatibility/2006">
+        <mc:Choice xmlns:a14="http://schemas.microsoft.com/office/drawing/2010/main" Requires="a14">
+          <p:sp>
+            <p:nvSpPr>
+              <p:cNvPr id="50" name="テキスト ボックス 49"/>
+              <p:cNvSpPr txBox="1"/>
+              <p:nvPr/>
+            </p:nvSpPr>
+            <p:spPr>
+              <a:xfrm>
+                <a:off x="7038752" y="4385305"/>
+                <a:ext cx="3000245" cy="461665"/>
+              </a:xfrm>
+              <a:prstGeom prst="rect">
+                <a:avLst/>
+              </a:prstGeom>
+              <a:noFill/>
+            </p:spPr>
+            <p:txBody>
+              <a:bodyPr wrap="none" rtlCol="0">
+                <a:spAutoFit/>
+              </a:bodyPr>
+              <a:lstStyle/>
+              <a:p>
+                <a:r>
+                  <a:rPr lang="ja-JP" altLang="en-US" sz="2400" dirty="0"/>
+                  <a:t>非</a:t>
+                </a:r>
+                <a:r>
+                  <a:rPr lang="ja-JP" altLang="en-US" sz="2400" dirty="0" smtClean="0"/>
+                  <a:t>発火</a:t>
+                </a:r>
+                <a14:m>
+                  <m:oMath xmlns:m="http://schemas.openxmlformats.org/officeDocument/2006/math">
+                    <m:r>
+                      <a:rPr lang="en-US" altLang="ja-JP" sz="2400" b="0" i="0" smtClean="0">
+                        <a:latin typeface="Cambria Math" panose="02040503050406030204" pitchFamily="18" charset="0"/>
+                      </a:rPr>
+                      <m:t>  0  </m:t>
+                    </m:r>
+                    <m:d>
+                      <m:dPr>
+                        <m:ctrlPr>
+                          <a:rPr lang="en-US" altLang="ja-JP" sz="2400" i="1" smtClean="0">
+                            <a:latin typeface="Cambria Math" panose="02040503050406030204" pitchFamily="18" charset="0"/>
+                          </a:rPr>
+                        </m:ctrlPr>
+                      </m:dPr>
+                      <m:e>
+                        <m:r>
+                          <a:rPr lang="ja-JP" altLang="en-US" sz="2400" i="1" smtClean="0">
+                            <a:latin typeface="Cambria Math" panose="02040503050406030204" pitchFamily="18" charset="0"/>
+                          </a:rPr>
+                          <m:t>𝛿</m:t>
+                        </m:r>
+                        <m:d>
+                          <m:dPr>
+                            <m:ctrlPr>
+                              <a:rPr lang="en-US" altLang="ja-JP" sz="2400" i="1" smtClean="0">
+                                <a:latin typeface="Cambria Math" panose="02040503050406030204" pitchFamily="18" charset="0"/>
+                              </a:rPr>
+                            </m:ctrlPr>
+                          </m:dPr>
+                          <m:e>
+                            <m:r>
+                              <a:rPr lang="en-US" altLang="ja-JP" sz="2400" b="0" i="1" smtClean="0">
+                                <a:latin typeface="Cambria Math" panose="02040503050406030204" pitchFamily="18" charset="0"/>
+                              </a:rPr>
+                              <m:t>𝑢</m:t>
+                            </m:r>
+                          </m:e>
+                        </m:d>
+                        <m:r>
+                          <a:rPr lang="en-US" altLang="ja-JP" sz="2400" i="1">
+                            <a:latin typeface="Cambria Math" panose="02040503050406030204" pitchFamily="18" charset="0"/>
+                            <a:ea typeface="Cambria Math" panose="02040503050406030204" pitchFamily="18" charset="0"/>
+                          </a:rPr>
+                          <m:t>≤</m:t>
+                        </m:r>
+                        <m:r>
+                          <a:rPr lang="en-US" altLang="ja-JP" sz="2400" b="0" i="1" smtClean="0">
+                            <a:latin typeface="Cambria Math" panose="02040503050406030204" pitchFamily="18" charset="0"/>
+                          </a:rPr>
+                          <m:t>𝑎</m:t>
+                        </m:r>
+                      </m:e>
+                    </m:d>
+                  </m:oMath>
+                </a14:m>
+                <a:endParaRPr kumimoji="1" lang="ja-JP" altLang="en-US" sz="2400" dirty="0"/>
+              </a:p>
+            </p:txBody>
+          </p:sp>
+        </mc:Choice>
+        <mc:Fallback>
+          <p:sp>
+            <p:nvSpPr>
+              <p:cNvPr id="50" name="テキスト ボックス 49"/>
+              <p:cNvSpPr txBox="1">
+                <a:spLocks noRot="1" noChangeAspect="1" noMove="1" noResize="1" noEditPoints="1" noAdjustHandles="1" noChangeArrowheads="1" noChangeShapeType="1" noTextEdit="1"/>
+              </p:cNvSpPr>
+              <p:nvPr/>
+            </p:nvSpPr>
+            <p:spPr>
+              <a:xfrm>
+                <a:off x="7038752" y="4385305"/>
+                <a:ext cx="3000245" cy="461665"/>
+              </a:xfrm>
+              <a:prstGeom prst="rect">
+                <a:avLst/>
+              </a:prstGeom>
+              <a:blipFill>
+                <a:blip r:embed="rId7"/>
+                <a:stretch>
+                  <a:fillRect l="-3252" t="-10526" b="-28947"/>
                 </a:stretch>
               </a:blipFill>
             </p:spPr>
@@ -5376,7 +4693,7 @@
     </p:spTree>
     <p:extLst>
       <p:ext uri="{BB962C8B-B14F-4D97-AF65-F5344CB8AC3E}">
-        <p14:creationId xmlns:p14="http://schemas.microsoft.com/office/powerpoint/2010/main" val="1453613039"/>
+        <p14:creationId xmlns:p14="http://schemas.microsoft.com/office/powerpoint/2010/main" val="4251893075"/>
       </p:ext>
     </p:extLst>
   </p:cSld>
@@ -5387,6 +4704,136 @@
 </file>
 
 <file path=ppt/slides/slide10.xml><?xml version="1.0" encoding="utf-8"?>
+<p:sld xmlns:a="http://schemas.openxmlformats.org/drawingml/2006/main" xmlns:r="http://schemas.openxmlformats.org/officeDocument/2006/relationships" xmlns:p="http://schemas.openxmlformats.org/presentationml/2006/main">
+  <p:cSld>
+    <p:spTree>
+      <p:nvGrpSpPr>
+        <p:cNvPr id="1" name=""/>
+        <p:cNvGrpSpPr/>
+        <p:nvPr/>
+      </p:nvGrpSpPr>
+      <p:grpSpPr>
+        <a:xfrm>
+          <a:off x="0" y="0"/>
+          <a:ext cx="0" cy="0"/>
+          <a:chOff x="0" y="0"/>
+          <a:chExt cx="0" cy="0"/>
+        </a:xfrm>
+      </p:grpSpPr>
+      <p:pic>
+        <p:nvPicPr>
+          <p:cNvPr id="3" name="図 2"/>
+          <p:cNvPicPr>
+            <a:picLocks noChangeAspect="1"/>
+          </p:cNvPicPr>
+          <p:nvPr/>
+        </p:nvPicPr>
+        <p:blipFill>
+          <a:blip r:embed="rId2">
+            <a:extLst>
+              <a:ext uri="{28A0092B-C50C-407E-A947-70E740481C1C}">
+                <a14:useLocalDpi xmlns:a14="http://schemas.microsoft.com/office/drawing/2010/main" val="0"/>
+              </a:ext>
+            </a:extLst>
+          </a:blip>
+          <a:stretch>
+            <a:fillRect/>
+          </a:stretch>
+        </p:blipFill>
+        <p:spPr>
+          <a:xfrm>
+            <a:off x="4571787" y="2285840"/>
+            <a:ext cx="3048425" cy="2286319"/>
+          </a:xfrm>
+          <a:prstGeom prst="rect">
+            <a:avLst/>
+          </a:prstGeom>
+          <a:ln>
+            <a:solidFill>
+              <a:schemeClr val="tx1"/>
+            </a:solidFill>
+          </a:ln>
+        </p:spPr>
+      </p:pic>
+    </p:spTree>
+    <p:extLst>
+      <p:ext uri="{BB962C8B-B14F-4D97-AF65-F5344CB8AC3E}">
+        <p14:creationId xmlns:p14="http://schemas.microsoft.com/office/powerpoint/2010/main" val="1163274223"/>
+      </p:ext>
+    </p:extLst>
+  </p:cSld>
+  <p:clrMapOvr>
+    <a:masterClrMapping/>
+  </p:clrMapOvr>
+</p:sld>
+</file>
+
+<file path=ppt/slides/slide11.xml><?xml version="1.0" encoding="utf-8"?>
+<p:sld xmlns:a="http://schemas.openxmlformats.org/drawingml/2006/main" xmlns:r="http://schemas.openxmlformats.org/officeDocument/2006/relationships" xmlns:p="http://schemas.openxmlformats.org/presentationml/2006/main">
+  <p:cSld>
+    <p:spTree>
+      <p:nvGrpSpPr>
+        <p:cNvPr id="1" name=""/>
+        <p:cNvGrpSpPr/>
+        <p:nvPr/>
+      </p:nvGrpSpPr>
+      <p:grpSpPr>
+        <a:xfrm>
+          <a:off x="0" y="0"/>
+          <a:ext cx="0" cy="0"/>
+          <a:chOff x="0" y="0"/>
+          <a:chExt cx="0" cy="0"/>
+        </a:xfrm>
+      </p:grpSpPr>
+      <p:pic>
+        <p:nvPicPr>
+          <p:cNvPr id="2" name="図 1"/>
+          <p:cNvPicPr>
+            <a:picLocks noChangeAspect="1"/>
+          </p:cNvPicPr>
+          <p:nvPr/>
+        </p:nvPicPr>
+        <p:blipFill>
+          <a:blip r:embed="rId2">
+            <a:extLst>
+              <a:ext uri="{28A0092B-C50C-407E-A947-70E740481C1C}">
+                <a14:useLocalDpi xmlns:a14="http://schemas.microsoft.com/office/drawing/2010/main" val="0"/>
+              </a:ext>
+            </a:extLst>
+          </a:blip>
+          <a:stretch>
+            <a:fillRect/>
+          </a:stretch>
+        </p:blipFill>
+        <p:spPr>
+          <a:xfrm>
+            <a:off x="4571787" y="2285840"/>
+            <a:ext cx="3048425" cy="2286319"/>
+          </a:xfrm>
+          <a:prstGeom prst="rect">
+            <a:avLst/>
+          </a:prstGeom>
+          <a:ln>
+            <a:solidFill>
+              <a:schemeClr val="tx1"/>
+            </a:solidFill>
+          </a:ln>
+        </p:spPr>
+      </p:pic>
+    </p:spTree>
+    <p:extLst>
+      <p:ext uri="{BB962C8B-B14F-4D97-AF65-F5344CB8AC3E}">
+        <p14:creationId xmlns:p14="http://schemas.microsoft.com/office/powerpoint/2010/main" val="2131509672"/>
+      </p:ext>
+    </p:extLst>
+  </p:cSld>
+  <p:clrMapOvr>
+    <a:masterClrMapping/>
+  </p:clrMapOvr>
+</p:sld>
+</file>
+
+<file path=ppt/slides/slide12.xml><?xml version="1.0" encoding="utf-8"?>
 <p:sld xmlns:a="http://schemas.openxmlformats.org/drawingml/2006/main" xmlns:r="http://schemas.openxmlformats.org/officeDocument/2006/relationships" xmlns:p="http://schemas.openxmlformats.org/presentationml/2006/main">
   <p:cSld>
     <p:spTree>
@@ -5728,7 +5175,7 @@
 </p:sld>
 </file>
 
-<file path=ppt/slides/slide11.xml><?xml version="1.0" encoding="utf-8"?>
+<file path=ppt/slides/slide13.xml><?xml version="1.0" encoding="utf-8"?>
 <p:sld xmlns:a="http://schemas.openxmlformats.org/drawingml/2006/main" xmlns:r="http://schemas.openxmlformats.org/officeDocument/2006/relationships" xmlns:p="http://schemas.openxmlformats.org/presentationml/2006/main">
   <p:cSld>
     <p:spTree>
@@ -9054,7 +8501,7 @@
 </p:sld>
 </file>
 
-<file path=ppt/slides/slide12.xml><?xml version="1.0" encoding="utf-8"?>
+<file path=ppt/slides/slide14.xml><?xml version="1.0" encoding="utf-8"?>
 <p:sld xmlns:a="http://schemas.openxmlformats.org/drawingml/2006/main" xmlns:r="http://schemas.openxmlformats.org/officeDocument/2006/relationships" xmlns:p="http://schemas.openxmlformats.org/presentationml/2006/main">
   <p:cSld>
     <p:spTree>
@@ -9403,7 +8850,7 @@
 </p:sld>
 </file>
 
-<file path=ppt/slides/slide13.xml><?xml version="1.0" encoding="utf-8"?>
+<file path=ppt/slides/slide15.xml><?xml version="1.0" encoding="utf-8"?>
 <p:sld xmlns:a="http://schemas.openxmlformats.org/drawingml/2006/main" xmlns:r="http://schemas.openxmlformats.org/officeDocument/2006/relationships" xmlns:p="http://schemas.openxmlformats.org/presentationml/2006/main">
   <p:cSld>
     <p:spTree>
@@ -9748,7 +9195,7 @@
 </p:sld>
 </file>
 
-<file path=ppt/slides/slide14.xml><?xml version="1.0" encoding="utf-8"?>
+<file path=ppt/slides/slide16.xml><?xml version="1.0" encoding="utf-8"?>
 <p:sld xmlns:a="http://schemas.openxmlformats.org/drawingml/2006/main" xmlns:r="http://schemas.openxmlformats.org/officeDocument/2006/relationships" xmlns:p="http://schemas.openxmlformats.org/presentationml/2006/main">
   <p:cSld>
     <p:spTree>
@@ -11225,7 +10672,7 @@
 </p:sld>
 </file>
 
-<file path=ppt/slides/slide15.xml><?xml version="1.0" encoding="utf-8"?>
+<file path=ppt/slides/slide17.xml><?xml version="1.0" encoding="utf-8"?>
 <p:sld xmlns:a="http://schemas.openxmlformats.org/drawingml/2006/main" xmlns:r="http://schemas.openxmlformats.org/officeDocument/2006/relationships" xmlns:p="http://schemas.openxmlformats.org/presentationml/2006/main">
   <p:cSld>
     <p:spTree>
@@ -12636,7 +12083,7 @@
 </p:sld>
 </file>
 
-<file path=ppt/slides/slide16.xml><?xml version="1.0" encoding="utf-8"?>
+<file path=ppt/slides/slide18.xml><?xml version="1.0" encoding="utf-8"?>
 <p:sld xmlns:a="http://schemas.openxmlformats.org/drawingml/2006/main" xmlns:r="http://schemas.openxmlformats.org/officeDocument/2006/relationships" xmlns:p="http://schemas.openxmlformats.org/presentationml/2006/main">
   <p:cSld>
     <p:spTree>
@@ -14456,7 +13903,7 @@
 </p:sld>
 </file>
 
-<file path=ppt/slides/slide17.xml><?xml version="1.0" encoding="utf-8"?>
+<file path=ppt/slides/slide19.xml><?xml version="1.0" encoding="utf-8"?>
 <p:sld xmlns:a="http://schemas.openxmlformats.org/drawingml/2006/main" xmlns:r="http://schemas.openxmlformats.org/officeDocument/2006/relationships" xmlns:p="http://schemas.openxmlformats.org/presentationml/2006/main">
   <p:cSld>
     <p:spTree>
@@ -15590,7 +15037,2560 @@
 </p:sld>
 </file>
 
-<file path=ppt/slides/slide18.xml><?xml version="1.0" encoding="utf-8"?>
+<file path=ppt/slides/slide2.xml><?xml version="1.0" encoding="utf-8"?>
+<p:sld xmlns:a="http://schemas.openxmlformats.org/drawingml/2006/main" xmlns:r="http://schemas.openxmlformats.org/officeDocument/2006/relationships" xmlns:p="http://schemas.openxmlformats.org/presentationml/2006/main">
+  <p:cSld>
+    <p:spTree>
+      <p:nvGrpSpPr>
+        <p:cNvPr id="1" name=""/>
+        <p:cNvGrpSpPr/>
+        <p:nvPr/>
+      </p:nvGrpSpPr>
+      <p:grpSpPr>
+        <a:xfrm>
+          <a:off x="0" y="0"/>
+          <a:ext cx="0" cy="0"/>
+          <a:chOff x="0" y="0"/>
+          <a:chExt cx="0" cy="0"/>
+        </a:xfrm>
+      </p:grpSpPr>
+      <p:sp>
+        <p:nvSpPr>
+          <p:cNvPr id="14" name="フリーフォーム 13"/>
+          <p:cNvSpPr/>
+          <p:nvPr/>
+        </p:nvSpPr>
+        <p:spPr>
+          <a:xfrm>
+            <a:off x="166140" y="138366"/>
+            <a:ext cx="11995384" cy="6438325"/>
+          </a:xfrm>
+          <a:custGeom>
+            <a:avLst/>
+            <a:gdLst>
+              <a:gd name="connsiteX0" fmla="*/ 174682 w 11995384"/>
+              <a:gd name="connsiteY0" fmla="*/ 2796027 h 6438325"/>
+              <a:gd name="connsiteX1" fmla="*/ 665133 w 11995384"/>
+              <a:gd name="connsiteY1" fmla="*/ 2546645 h 6438325"/>
+              <a:gd name="connsiteX2" fmla="*/ 1429904 w 11995384"/>
+              <a:gd name="connsiteY2" fmla="*/ 2430267 h 6438325"/>
+              <a:gd name="connsiteX3" fmla="*/ 2419118 w 11995384"/>
+              <a:gd name="connsiteY3" fmla="*/ 2530019 h 6438325"/>
+              <a:gd name="connsiteX4" fmla="*/ 2452369 w 11995384"/>
+              <a:gd name="connsiteY4" fmla="*/ 2388703 h 6438325"/>
+              <a:gd name="connsiteX5" fmla="*/ 1712536 w 11995384"/>
+              <a:gd name="connsiteY5" fmla="*/ 1914878 h 6438325"/>
+              <a:gd name="connsiteX6" fmla="*/ 789824 w 11995384"/>
+              <a:gd name="connsiteY6" fmla="*/ 1831750 h 6438325"/>
+              <a:gd name="connsiteX7" fmla="*/ 315998 w 11995384"/>
+              <a:gd name="connsiteY7" fmla="*/ 1948129 h 6438325"/>
+              <a:gd name="connsiteX8" fmla="*/ 573693 w 11995384"/>
+              <a:gd name="connsiteY8" fmla="*/ 1781874 h 6438325"/>
+              <a:gd name="connsiteX9" fmla="*/ 748260 w 11995384"/>
+              <a:gd name="connsiteY9" fmla="*/ 1756936 h 6438325"/>
+              <a:gd name="connsiteX10" fmla="*/ 582005 w 11995384"/>
+              <a:gd name="connsiteY10" fmla="*/ 1682121 h 6438325"/>
+              <a:gd name="connsiteX11" fmla="*/ 324311 w 11995384"/>
+              <a:gd name="connsiteY11" fmla="*/ 1715372 h 6438325"/>
+              <a:gd name="connsiteX12" fmla="*/ 482253 w 11995384"/>
+              <a:gd name="connsiteY12" fmla="*/ 1623932 h 6438325"/>
+              <a:gd name="connsiteX13" fmla="*/ 764885 w 11995384"/>
+              <a:gd name="connsiteY13" fmla="*/ 1640558 h 6438325"/>
+              <a:gd name="connsiteX14" fmla="*/ 1621096 w 11995384"/>
+              <a:gd name="connsiteY14" fmla="*/ 1748623 h 6438325"/>
+              <a:gd name="connsiteX15" fmla="*/ 2435744 w 11995384"/>
+              <a:gd name="connsiteY15" fmla="*/ 1964754 h 6438325"/>
+              <a:gd name="connsiteX16" fmla="*/ 1787351 w 11995384"/>
+              <a:gd name="connsiteY16" fmla="*/ 834223 h 6438325"/>
+              <a:gd name="connsiteX17" fmla="*/ 2527184 w 11995384"/>
+              <a:gd name="connsiteY17" fmla="*/ 1823438 h 6438325"/>
+              <a:gd name="connsiteX18" fmla="*/ 2942820 w 11995384"/>
+              <a:gd name="connsiteY18" fmla="*/ 1998005 h 6438325"/>
+              <a:gd name="connsiteX19" fmla="*/ 2843067 w 11995384"/>
+              <a:gd name="connsiteY19" fmla="*/ 1224921 h 6438325"/>
+              <a:gd name="connsiteX20" fmla="*/ 2360929 w 11995384"/>
+              <a:gd name="connsiteY20" fmla="*/ 27889 h 6438325"/>
+              <a:gd name="connsiteX21" fmla="*/ 2618624 w 11995384"/>
+              <a:gd name="connsiteY21" fmla="*/ 352085 h 6438325"/>
+              <a:gd name="connsiteX22" fmla="*/ 2776565 w 11995384"/>
+              <a:gd name="connsiteY22" fmla="*/ 19576 h 6438325"/>
+              <a:gd name="connsiteX23" fmla="*/ 2743315 w 11995384"/>
+              <a:gd name="connsiteY23" fmla="*/ 526652 h 6438325"/>
+              <a:gd name="connsiteX24" fmla="*/ 3067511 w 11995384"/>
+              <a:gd name="connsiteY24" fmla="*/ 1108543 h 6438325"/>
+              <a:gd name="connsiteX25" fmla="*/ 3366769 w 11995384"/>
+              <a:gd name="connsiteY25" fmla="*/ 850849 h 6438325"/>
+              <a:gd name="connsiteX26" fmla="*/ 3150638 w 11995384"/>
+              <a:gd name="connsiteY26" fmla="*/ 659656 h 6438325"/>
+              <a:gd name="connsiteX27" fmla="*/ 3491460 w 11995384"/>
+              <a:gd name="connsiteY27" fmla="*/ 767721 h 6438325"/>
+              <a:gd name="connsiteX28" fmla="*/ 3749155 w 11995384"/>
+              <a:gd name="connsiteY28" fmla="*/ 584841 h 6438325"/>
+              <a:gd name="connsiteX29" fmla="*/ 3192202 w 11995384"/>
+              <a:gd name="connsiteY29" fmla="*/ 1316361 h 6438325"/>
+              <a:gd name="connsiteX30" fmla="*/ 3175576 w 11995384"/>
+              <a:gd name="connsiteY30" fmla="*/ 1998005 h 6438325"/>
+              <a:gd name="connsiteX31" fmla="*/ 3732529 w 11995384"/>
+              <a:gd name="connsiteY31" fmla="*/ 2114383 h 6438325"/>
+              <a:gd name="connsiteX32" fmla="*/ 4247918 w 11995384"/>
+              <a:gd name="connsiteY32" fmla="*/ 443525 h 6438325"/>
+              <a:gd name="connsiteX33" fmla="*/ 4222980 w 11995384"/>
+              <a:gd name="connsiteY33" fmla="*/ 701219 h 6438325"/>
+              <a:gd name="connsiteX34" fmla="*/ 4031787 w 11995384"/>
+              <a:gd name="connsiteY34" fmla="*/ 1773561 h 6438325"/>
+              <a:gd name="connsiteX35" fmla="*/ 4464049 w 11995384"/>
+              <a:gd name="connsiteY35" fmla="*/ 1357925 h 6438325"/>
+              <a:gd name="connsiteX36" fmla="*/ 4605365 w 11995384"/>
+              <a:gd name="connsiteY36" fmla="*/ 651343 h 6438325"/>
+              <a:gd name="connsiteX37" fmla="*/ 4605365 w 11995384"/>
+              <a:gd name="connsiteY37" fmla="*/ 1091918 h 6438325"/>
+              <a:gd name="connsiteX38" fmla="*/ 4472362 w 11995384"/>
+              <a:gd name="connsiteY38" fmla="*/ 1515867 h 6438325"/>
+              <a:gd name="connsiteX39" fmla="*/ 3965285 w 11995384"/>
+              <a:gd name="connsiteY39" fmla="*/ 2155947 h 6438325"/>
+              <a:gd name="connsiteX40" fmla="*/ 4040100 w 11995384"/>
+              <a:gd name="connsiteY40" fmla="*/ 2355452 h 6438325"/>
+              <a:gd name="connsiteX41" fmla="*/ 4331045 w 11995384"/>
+              <a:gd name="connsiteY41" fmla="*/ 2363765 h 6438325"/>
+              <a:gd name="connsiteX42" fmla="*/ 4663555 w 11995384"/>
+              <a:gd name="connsiteY42" fmla="*/ 1956441 h 6438325"/>
+              <a:gd name="connsiteX43" fmla="*/ 4863060 w 11995384"/>
+              <a:gd name="connsiteY43" fmla="*/ 1698747 h 6438325"/>
+              <a:gd name="connsiteX44" fmla="*/ 4996064 w 11995384"/>
+              <a:gd name="connsiteY44" fmla="*/ 1042041 h 6438325"/>
+              <a:gd name="connsiteX45" fmla="*/ 4954500 w 11995384"/>
+              <a:gd name="connsiteY45" fmla="*/ 1740310 h 6438325"/>
+              <a:gd name="connsiteX46" fmla="*/ 5336885 w 11995384"/>
+              <a:gd name="connsiteY46" fmla="*/ 1075292 h 6438325"/>
+              <a:gd name="connsiteX47" fmla="*/ 5012689 w 11995384"/>
+              <a:gd name="connsiteY47" fmla="*/ 1831750 h 6438325"/>
+              <a:gd name="connsiteX48" fmla="*/ 4846435 w 11995384"/>
+              <a:gd name="connsiteY48" fmla="*/ 2047881 h 6438325"/>
+              <a:gd name="connsiteX49" fmla="*/ 5428325 w 11995384"/>
+              <a:gd name="connsiteY49" fmla="*/ 1989692 h 6438325"/>
+              <a:gd name="connsiteX50" fmla="*/ 4796558 w 11995384"/>
+              <a:gd name="connsiteY50" fmla="*/ 2164259 h 6438325"/>
+              <a:gd name="connsiteX51" fmla="*/ 4580427 w 11995384"/>
+              <a:gd name="connsiteY51" fmla="*/ 2621459 h 6438325"/>
+              <a:gd name="connsiteX52" fmla="*/ 5395075 w 11995384"/>
+              <a:gd name="connsiteY52" fmla="*/ 3328041 h 6438325"/>
+              <a:gd name="connsiteX53" fmla="*/ 7805765 w 11995384"/>
+              <a:gd name="connsiteY53" fmla="*/ 3618987 h 6438325"/>
+              <a:gd name="connsiteX54" fmla="*/ 9634565 w 11995384"/>
+              <a:gd name="connsiteY54" fmla="*/ 3344667 h 6438325"/>
+              <a:gd name="connsiteX55" fmla="*/ 10324522 w 11995384"/>
+              <a:gd name="connsiteY55" fmla="*/ 2363765 h 6438325"/>
+              <a:gd name="connsiteX56" fmla="*/ 10108391 w 11995384"/>
+              <a:gd name="connsiteY56" fmla="*/ 1873314 h 6438325"/>
+              <a:gd name="connsiteX57" fmla="*/ 9750944 w 11995384"/>
+              <a:gd name="connsiteY57" fmla="*/ 1948129 h 6438325"/>
+              <a:gd name="connsiteX58" fmla="*/ 9401809 w 11995384"/>
+              <a:gd name="connsiteY58" fmla="*/ 1948129 h 6438325"/>
+              <a:gd name="connsiteX59" fmla="*/ 9734318 w 11995384"/>
+              <a:gd name="connsiteY59" fmla="*/ 1873314 h 6438325"/>
+              <a:gd name="connsiteX60" fmla="*/ 10025264 w 11995384"/>
+              <a:gd name="connsiteY60" fmla="*/ 1765249 h 6438325"/>
+              <a:gd name="connsiteX61" fmla="*/ 9609627 w 11995384"/>
+              <a:gd name="connsiteY61" fmla="*/ 1756936 h 6438325"/>
+              <a:gd name="connsiteX62" fmla="*/ 9950449 w 11995384"/>
+              <a:gd name="connsiteY62" fmla="*/ 1682121 h 6438325"/>
+              <a:gd name="connsiteX63" fmla="*/ 10307896 w 11995384"/>
+              <a:gd name="connsiteY63" fmla="*/ 1873314 h 6438325"/>
+              <a:gd name="connsiteX64" fmla="*/ 10515715 w 11995384"/>
+              <a:gd name="connsiteY64" fmla="*/ 2097758 h 6438325"/>
+              <a:gd name="connsiteX65" fmla="*/ 10657031 w 11995384"/>
+              <a:gd name="connsiteY65" fmla="*/ 1865001 h 6438325"/>
+              <a:gd name="connsiteX66" fmla="*/ 10781722 w 11995384"/>
+              <a:gd name="connsiteY66" fmla="*/ 1707059 h 6438325"/>
+              <a:gd name="connsiteX67" fmla="*/ 11164107 w 11995384"/>
+              <a:gd name="connsiteY67" fmla="*/ 1407801 h 6438325"/>
+              <a:gd name="connsiteX68" fmla="*/ 10723533 w 11995384"/>
+              <a:gd name="connsiteY68" fmla="*/ 1898252 h 6438325"/>
+              <a:gd name="connsiteX69" fmla="*/ 10756784 w 11995384"/>
+              <a:gd name="connsiteY69" fmla="*/ 2097758 h 6438325"/>
+              <a:gd name="connsiteX70" fmla="*/ 11139169 w 11995384"/>
+              <a:gd name="connsiteY70" fmla="*/ 1823438 h 6438325"/>
+              <a:gd name="connsiteX71" fmla="*/ 11363613 w 11995384"/>
+              <a:gd name="connsiteY71" fmla="*/ 1457678 h 6438325"/>
+              <a:gd name="connsiteX72" fmla="*/ 11255547 w 11995384"/>
+              <a:gd name="connsiteY72" fmla="*/ 1798499 h 6438325"/>
+              <a:gd name="connsiteX73" fmla="*/ 11529867 w 11995384"/>
+              <a:gd name="connsiteY73" fmla="*/ 1690434 h 6438325"/>
+              <a:gd name="connsiteX74" fmla="*/ 11637933 w 11995384"/>
+              <a:gd name="connsiteY74" fmla="*/ 1632245 h 6438325"/>
+              <a:gd name="connsiteX75" fmla="*/ 11338675 w 11995384"/>
+              <a:gd name="connsiteY75" fmla="*/ 1873314 h 6438325"/>
+              <a:gd name="connsiteX76" fmla="*/ 10740158 w 11995384"/>
+              <a:gd name="connsiteY76" fmla="*/ 2222449 h 6438325"/>
+              <a:gd name="connsiteX77" fmla="*/ 10715220 w 11995384"/>
+              <a:gd name="connsiteY77" fmla="*/ 2413641 h 6438325"/>
+              <a:gd name="connsiteX78" fmla="*/ 11413489 w 11995384"/>
+              <a:gd name="connsiteY78" fmla="*/ 2280638 h 6438325"/>
+              <a:gd name="connsiteX79" fmla="*/ 11737685 w 11995384"/>
+              <a:gd name="connsiteY79" fmla="*/ 2155947 h 6438325"/>
+              <a:gd name="connsiteX80" fmla="*/ 11513242 w 11995384"/>
+              <a:gd name="connsiteY80" fmla="*/ 2338827 h 6438325"/>
+              <a:gd name="connsiteX81" fmla="*/ 11770936 w 11995384"/>
+              <a:gd name="connsiteY81" fmla="*/ 2538332 h 6438325"/>
+              <a:gd name="connsiteX82" fmla="*/ 11529867 w 11995384"/>
+              <a:gd name="connsiteY82" fmla="*/ 2446892 h 6438325"/>
+              <a:gd name="connsiteX83" fmla="*/ 11313736 w 11995384"/>
+              <a:gd name="connsiteY83" fmla="*/ 2405329 h 6438325"/>
+              <a:gd name="connsiteX84" fmla="*/ 10665344 w 11995384"/>
+              <a:gd name="connsiteY84" fmla="*/ 2521707 h 6438325"/>
+              <a:gd name="connsiteX85" fmla="*/ 10324522 w 11995384"/>
+              <a:gd name="connsiteY85" fmla="*/ 2953969 h 6438325"/>
+              <a:gd name="connsiteX86" fmla="*/ 10158267 w 11995384"/>
+              <a:gd name="connsiteY86" fmla="*/ 3452732 h 6438325"/>
+              <a:gd name="connsiteX87" fmla="*/ 11213984 w 11995384"/>
+              <a:gd name="connsiteY87" fmla="*/ 3660550 h 6438325"/>
+              <a:gd name="connsiteX88" fmla="*/ 11579744 w 11995384"/>
+              <a:gd name="connsiteY88" fmla="*/ 3286478 h 6438325"/>
+              <a:gd name="connsiteX89" fmla="*/ 11446740 w 11995384"/>
+              <a:gd name="connsiteY89" fmla="*/ 3718739 h 6438325"/>
+              <a:gd name="connsiteX90" fmla="*/ 11646245 w 11995384"/>
+              <a:gd name="connsiteY90" fmla="*/ 3685489 h 6438325"/>
+              <a:gd name="connsiteX91" fmla="*/ 11837438 w 11995384"/>
+              <a:gd name="connsiteY91" fmla="*/ 3552485 h 6438325"/>
+              <a:gd name="connsiteX92" fmla="*/ 11571431 w 11995384"/>
+              <a:gd name="connsiteY92" fmla="*/ 3860056 h 6438325"/>
+              <a:gd name="connsiteX93" fmla="*/ 11995380 w 11995384"/>
+              <a:gd name="connsiteY93" fmla="*/ 3993059 h 6438325"/>
+              <a:gd name="connsiteX94" fmla="*/ 11579744 w 11995384"/>
+              <a:gd name="connsiteY94" fmla="*/ 3976434 h 6438325"/>
+              <a:gd name="connsiteX95" fmla="*/ 11430115 w 11995384"/>
+              <a:gd name="connsiteY95" fmla="*/ 3884994 h 6438325"/>
+              <a:gd name="connsiteX96" fmla="*/ 11612995 w 11995384"/>
+              <a:gd name="connsiteY96" fmla="*/ 4175939 h 6438325"/>
+              <a:gd name="connsiteX97" fmla="*/ 11937191 w 11995384"/>
+              <a:gd name="connsiteY97" fmla="*/ 4325569 h 6438325"/>
+              <a:gd name="connsiteX98" fmla="*/ 11538180 w 11995384"/>
+              <a:gd name="connsiteY98" fmla="*/ 4250754 h 6438325"/>
+              <a:gd name="connsiteX99" fmla="*/ 11338675 w 11995384"/>
+              <a:gd name="connsiteY99" fmla="*/ 3876681 h 6438325"/>
+              <a:gd name="connsiteX100" fmla="*/ 11189045 w 11995384"/>
+              <a:gd name="connsiteY100" fmla="*/ 3801867 h 6438325"/>
+              <a:gd name="connsiteX101" fmla="*/ 11338675 w 11995384"/>
+              <a:gd name="connsiteY101" fmla="*/ 4317256 h 6438325"/>
+              <a:gd name="connsiteX102" fmla="*/ 11413489 w 11995384"/>
+              <a:gd name="connsiteY102" fmla="*/ 4466885 h 6438325"/>
+              <a:gd name="connsiteX103" fmla="*/ 11255547 w 11995384"/>
+              <a:gd name="connsiteY103" fmla="*/ 4275692 h 6438325"/>
+              <a:gd name="connsiteX104" fmla="*/ 11022791 w 11995384"/>
+              <a:gd name="connsiteY104" fmla="*/ 3835118 h 6438325"/>
+              <a:gd name="connsiteX105" fmla="*/ 10000325 w 11995384"/>
+              <a:gd name="connsiteY105" fmla="*/ 3635612 h 6438325"/>
+              <a:gd name="connsiteX106" fmla="*/ 8179838 w 11995384"/>
+              <a:gd name="connsiteY106" fmla="*/ 3768616 h 6438325"/>
+              <a:gd name="connsiteX107" fmla="*/ 5228820 w 11995384"/>
+              <a:gd name="connsiteY107" fmla="*/ 3643925 h 6438325"/>
+              <a:gd name="connsiteX108" fmla="*/ 4222980 w 11995384"/>
+              <a:gd name="connsiteY108" fmla="*/ 3585736 h 6438325"/>
+              <a:gd name="connsiteX109" fmla="*/ 4214667 w 11995384"/>
+              <a:gd name="connsiteY109" fmla="*/ 4292318 h 6438325"/>
+              <a:gd name="connsiteX110" fmla="*/ 4630304 w 11995384"/>
+              <a:gd name="connsiteY110" fmla="*/ 5846798 h 6438325"/>
+              <a:gd name="connsiteX111" fmla="*/ 4887998 w 11995384"/>
+              <a:gd name="connsiteY111" fmla="*/ 6287372 h 6438325"/>
+              <a:gd name="connsiteX112" fmla="*/ 4555489 w 11995384"/>
+              <a:gd name="connsiteY112" fmla="*/ 6021365 h 6438325"/>
+              <a:gd name="connsiteX113" fmla="*/ 4663555 w 11995384"/>
+              <a:gd name="connsiteY113" fmla="*/ 6437001 h 6438325"/>
+              <a:gd name="connsiteX114" fmla="*/ 4488987 w 11995384"/>
+              <a:gd name="connsiteY114" fmla="*/ 6137743 h 6438325"/>
+              <a:gd name="connsiteX115" fmla="*/ 4405860 w 11995384"/>
+              <a:gd name="connsiteY115" fmla="*/ 5713794 h 6438325"/>
+              <a:gd name="connsiteX116" fmla="*/ 4198042 w 11995384"/>
+              <a:gd name="connsiteY116" fmla="*/ 5215030 h 6438325"/>
+              <a:gd name="connsiteX117" fmla="*/ 4206355 w 11995384"/>
+              <a:gd name="connsiteY117" fmla="*/ 5040463 h 6438325"/>
+              <a:gd name="connsiteX118" fmla="*/ 3990224 w 11995384"/>
+              <a:gd name="connsiteY118" fmla="*/ 4483510 h 6438325"/>
+              <a:gd name="connsiteX119" fmla="*/ 3832282 w 11995384"/>
+              <a:gd name="connsiteY119" fmla="*/ 4234129 h 6438325"/>
+              <a:gd name="connsiteX120" fmla="*/ 3242078 w 11995384"/>
+              <a:gd name="connsiteY120" fmla="*/ 4234129 h 6438325"/>
+              <a:gd name="connsiteX121" fmla="*/ 3167264 w 11995384"/>
+              <a:gd name="connsiteY121" fmla="*/ 5073714 h 6438325"/>
+              <a:gd name="connsiteX122" fmla="*/ 4056725 w 11995384"/>
+              <a:gd name="connsiteY122" fmla="*/ 6170994 h 6438325"/>
+              <a:gd name="connsiteX123" fmla="*/ 4439111 w 11995384"/>
+              <a:gd name="connsiteY123" fmla="*/ 6378812 h 6438325"/>
+              <a:gd name="connsiteX124" fmla="*/ 4156478 w 11995384"/>
+              <a:gd name="connsiteY124" fmla="*/ 6362187 h 6438325"/>
+              <a:gd name="connsiteX125" fmla="*/ 3940347 w 11995384"/>
+              <a:gd name="connsiteY125" fmla="*/ 6146056 h 6438325"/>
+              <a:gd name="connsiteX126" fmla="*/ 3857220 w 11995384"/>
+              <a:gd name="connsiteY126" fmla="*/ 6345561 h 6438325"/>
+              <a:gd name="connsiteX127" fmla="*/ 3749155 w 11995384"/>
+              <a:gd name="connsiteY127" fmla="*/ 6054616 h 6438325"/>
+              <a:gd name="connsiteX128" fmla="*/ 3258704 w 11995384"/>
+              <a:gd name="connsiteY128" fmla="*/ 5530914 h 6438325"/>
+              <a:gd name="connsiteX129" fmla="*/ 3050885 w 11995384"/>
+              <a:gd name="connsiteY129" fmla="*/ 5979801 h 6438325"/>
+              <a:gd name="connsiteX130" fmla="*/ 3092449 w 11995384"/>
+              <a:gd name="connsiteY130" fmla="*/ 6320623 h 6438325"/>
+              <a:gd name="connsiteX131" fmla="*/ 2959445 w 11995384"/>
+              <a:gd name="connsiteY131" fmla="*/ 6029678 h 6438325"/>
+              <a:gd name="connsiteX132" fmla="*/ 2951133 w 11995384"/>
+              <a:gd name="connsiteY132" fmla="*/ 5771983 h 6438325"/>
+              <a:gd name="connsiteX133" fmla="*/ 2793191 w 11995384"/>
+              <a:gd name="connsiteY133" fmla="*/ 6170994 h 6438325"/>
+              <a:gd name="connsiteX134" fmla="*/ 2926195 w 11995384"/>
+              <a:gd name="connsiteY134" fmla="*/ 5672230 h 6438325"/>
+              <a:gd name="connsiteX135" fmla="*/ 3042573 w 11995384"/>
+              <a:gd name="connsiteY135" fmla="*/ 5381285 h 6438325"/>
+              <a:gd name="connsiteX136" fmla="*/ 2926195 w 11995384"/>
+              <a:gd name="connsiteY136" fmla="*/ 5065401 h 6438325"/>
+              <a:gd name="connsiteX137" fmla="*/ 2668500 w 11995384"/>
+              <a:gd name="connsiteY137" fmla="*/ 5597416 h 6438325"/>
+              <a:gd name="connsiteX138" fmla="*/ 2868005 w 11995384"/>
+              <a:gd name="connsiteY138" fmla="*/ 4874209 h 6438325"/>
+              <a:gd name="connsiteX139" fmla="*/ 2676813 w 11995384"/>
+              <a:gd name="connsiteY139" fmla="*/ 4325569 h 6438325"/>
+              <a:gd name="connsiteX140" fmla="*/ 2169736 w 11995384"/>
+              <a:gd name="connsiteY140" fmla="*/ 4732892 h 6438325"/>
+              <a:gd name="connsiteX141" fmla="*/ 1853853 w 11995384"/>
+              <a:gd name="connsiteY141" fmla="*/ 5131903 h 6438325"/>
+              <a:gd name="connsiteX142" fmla="*/ 1762413 w 11995384"/>
+              <a:gd name="connsiteY142" fmla="*/ 6262434 h 6438325"/>
+              <a:gd name="connsiteX143" fmla="*/ 1679285 w 11995384"/>
+              <a:gd name="connsiteY143" fmla="*/ 5356347 h 6438325"/>
+              <a:gd name="connsiteX144" fmla="*/ 1646035 w 11995384"/>
+              <a:gd name="connsiteY144" fmla="*/ 5007212 h 6438325"/>
+              <a:gd name="connsiteX145" fmla="*/ 465627 w 11995384"/>
+              <a:gd name="connsiteY145" fmla="*/ 6046303 h 6438325"/>
+              <a:gd name="connsiteX146" fmla="*/ 648507 w 11995384"/>
+              <a:gd name="connsiteY146" fmla="*/ 5705481 h 6438325"/>
+              <a:gd name="connsiteX147" fmla="*/ 274435 w 11995384"/>
+              <a:gd name="connsiteY147" fmla="*/ 5697169 h 6438325"/>
+              <a:gd name="connsiteX148" fmla="*/ 814762 w 11995384"/>
+              <a:gd name="connsiteY148" fmla="*/ 5589103 h 6438325"/>
+              <a:gd name="connsiteX149" fmla="*/ 1629409 w 11995384"/>
+              <a:gd name="connsiteY149" fmla="*/ 4899147 h 6438325"/>
+              <a:gd name="connsiteX150" fmla="*/ 1986856 w 11995384"/>
+              <a:gd name="connsiteY150" fmla="*/ 4425321 h 6438325"/>
+              <a:gd name="connsiteX151" fmla="*/ 2419118 w 11995384"/>
+              <a:gd name="connsiteY151" fmla="*/ 4076187 h 6438325"/>
+              <a:gd name="connsiteX152" fmla="*/ 2402493 w 11995384"/>
+              <a:gd name="connsiteY152" fmla="*/ 3585736 h 6438325"/>
+              <a:gd name="connsiteX153" fmla="*/ 1895416 w 11995384"/>
+              <a:gd name="connsiteY153" fmla="*/ 3386230 h 6438325"/>
+              <a:gd name="connsiteX154" fmla="*/ 1163896 w 11995384"/>
+              <a:gd name="connsiteY154" fmla="*/ 3535859 h 6438325"/>
+              <a:gd name="connsiteX155" fmla="*/ 656820 w 11995384"/>
+              <a:gd name="connsiteY155" fmla="*/ 4142689 h 6438325"/>
+              <a:gd name="connsiteX156" fmla="*/ 748260 w 11995384"/>
+              <a:gd name="connsiteY156" fmla="*/ 3909932 h 6438325"/>
+              <a:gd name="connsiteX157" fmla="*/ 282747 w 11995384"/>
+              <a:gd name="connsiteY157" fmla="*/ 4109438 h 6438325"/>
+              <a:gd name="connsiteX158" fmla="*/ 1039205 w 11995384"/>
+              <a:gd name="connsiteY158" fmla="*/ 3510921 h 6438325"/>
+              <a:gd name="connsiteX159" fmla="*/ 1446529 w 11995384"/>
+              <a:gd name="connsiteY159" fmla="*/ 3228289 h 6438325"/>
+              <a:gd name="connsiteX160" fmla="*/ 115 w 11995384"/>
+              <a:gd name="connsiteY160" fmla="*/ 3560798 h 6438325"/>
+              <a:gd name="connsiteX161" fmla="*/ 1371715 w 11995384"/>
+              <a:gd name="connsiteY161" fmla="*/ 3095285 h 6438325"/>
+              <a:gd name="connsiteX162" fmla="*/ 2327678 w 11995384"/>
+              <a:gd name="connsiteY162" fmla="*/ 2937343 h 6438325"/>
+              <a:gd name="connsiteX163" fmla="*/ 2086609 w 11995384"/>
+              <a:gd name="connsiteY163" fmla="*/ 2646398 h 6438325"/>
+              <a:gd name="connsiteX164" fmla="*/ 1288587 w 11995384"/>
+              <a:gd name="connsiteY164" fmla="*/ 2546645 h 6438325"/>
+              <a:gd name="connsiteX165" fmla="*/ 914515 w 11995384"/>
+              <a:gd name="connsiteY165" fmla="*/ 3070347 h 6438325"/>
+              <a:gd name="connsiteX166" fmla="*/ 972704 w 11995384"/>
+              <a:gd name="connsiteY166" fmla="*/ 2854216 h 6438325"/>
+              <a:gd name="connsiteX167" fmla="*/ 989329 w 11995384"/>
+              <a:gd name="connsiteY167" fmla="*/ 2629772 h 6438325"/>
+              <a:gd name="connsiteX168" fmla="*/ 174682 w 11995384"/>
+              <a:gd name="connsiteY168" fmla="*/ 2796027 h 6438325"/>
+            </a:gdLst>
+            <a:ahLst/>
+            <a:cxnLst>
+              <a:cxn ang="0">
+                <a:pos x="connsiteX0" y="connsiteY0"/>
+              </a:cxn>
+              <a:cxn ang="0">
+                <a:pos x="connsiteX1" y="connsiteY1"/>
+              </a:cxn>
+              <a:cxn ang="0">
+                <a:pos x="connsiteX2" y="connsiteY2"/>
+              </a:cxn>
+              <a:cxn ang="0">
+                <a:pos x="connsiteX3" y="connsiteY3"/>
+              </a:cxn>
+              <a:cxn ang="0">
+                <a:pos x="connsiteX4" y="connsiteY4"/>
+              </a:cxn>
+              <a:cxn ang="0">
+                <a:pos x="connsiteX5" y="connsiteY5"/>
+              </a:cxn>
+              <a:cxn ang="0">
+                <a:pos x="connsiteX6" y="connsiteY6"/>
+              </a:cxn>
+              <a:cxn ang="0">
+                <a:pos x="connsiteX7" y="connsiteY7"/>
+              </a:cxn>
+              <a:cxn ang="0">
+                <a:pos x="connsiteX8" y="connsiteY8"/>
+              </a:cxn>
+              <a:cxn ang="0">
+                <a:pos x="connsiteX9" y="connsiteY9"/>
+              </a:cxn>
+              <a:cxn ang="0">
+                <a:pos x="connsiteX10" y="connsiteY10"/>
+              </a:cxn>
+              <a:cxn ang="0">
+                <a:pos x="connsiteX11" y="connsiteY11"/>
+              </a:cxn>
+              <a:cxn ang="0">
+                <a:pos x="connsiteX12" y="connsiteY12"/>
+              </a:cxn>
+              <a:cxn ang="0">
+                <a:pos x="connsiteX13" y="connsiteY13"/>
+              </a:cxn>
+              <a:cxn ang="0">
+                <a:pos x="connsiteX14" y="connsiteY14"/>
+              </a:cxn>
+              <a:cxn ang="0">
+                <a:pos x="connsiteX15" y="connsiteY15"/>
+              </a:cxn>
+              <a:cxn ang="0">
+                <a:pos x="connsiteX16" y="connsiteY16"/>
+              </a:cxn>
+              <a:cxn ang="0">
+                <a:pos x="connsiteX17" y="connsiteY17"/>
+              </a:cxn>
+              <a:cxn ang="0">
+                <a:pos x="connsiteX18" y="connsiteY18"/>
+              </a:cxn>
+              <a:cxn ang="0">
+                <a:pos x="connsiteX19" y="connsiteY19"/>
+              </a:cxn>
+              <a:cxn ang="0">
+                <a:pos x="connsiteX20" y="connsiteY20"/>
+              </a:cxn>
+              <a:cxn ang="0">
+                <a:pos x="connsiteX21" y="connsiteY21"/>
+              </a:cxn>
+              <a:cxn ang="0">
+                <a:pos x="connsiteX22" y="connsiteY22"/>
+              </a:cxn>
+              <a:cxn ang="0">
+                <a:pos x="connsiteX23" y="connsiteY23"/>
+              </a:cxn>
+              <a:cxn ang="0">
+                <a:pos x="connsiteX24" y="connsiteY24"/>
+              </a:cxn>
+              <a:cxn ang="0">
+                <a:pos x="connsiteX25" y="connsiteY25"/>
+              </a:cxn>
+              <a:cxn ang="0">
+                <a:pos x="connsiteX26" y="connsiteY26"/>
+              </a:cxn>
+              <a:cxn ang="0">
+                <a:pos x="connsiteX27" y="connsiteY27"/>
+              </a:cxn>
+              <a:cxn ang="0">
+                <a:pos x="connsiteX28" y="connsiteY28"/>
+              </a:cxn>
+              <a:cxn ang="0">
+                <a:pos x="connsiteX29" y="connsiteY29"/>
+              </a:cxn>
+              <a:cxn ang="0">
+                <a:pos x="connsiteX30" y="connsiteY30"/>
+              </a:cxn>
+              <a:cxn ang="0">
+                <a:pos x="connsiteX31" y="connsiteY31"/>
+              </a:cxn>
+              <a:cxn ang="0">
+                <a:pos x="connsiteX32" y="connsiteY32"/>
+              </a:cxn>
+              <a:cxn ang="0">
+                <a:pos x="connsiteX33" y="connsiteY33"/>
+              </a:cxn>
+              <a:cxn ang="0">
+                <a:pos x="connsiteX34" y="connsiteY34"/>
+              </a:cxn>
+              <a:cxn ang="0">
+                <a:pos x="connsiteX35" y="connsiteY35"/>
+              </a:cxn>
+              <a:cxn ang="0">
+                <a:pos x="connsiteX36" y="connsiteY36"/>
+              </a:cxn>
+              <a:cxn ang="0">
+                <a:pos x="connsiteX37" y="connsiteY37"/>
+              </a:cxn>
+              <a:cxn ang="0">
+                <a:pos x="connsiteX38" y="connsiteY38"/>
+              </a:cxn>
+              <a:cxn ang="0">
+                <a:pos x="connsiteX39" y="connsiteY39"/>
+              </a:cxn>
+              <a:cxn ang="0">
+                <a:pos x="connsiteX40" y="connsiteY40"/>
+              </a:cxn>
+              <a:cxn ang="0">
+                <a:pos x="connsiteX41" y="connsiteY41"/>
+              </a:cxn>
+              <a:cxn ang="0">
+                <a:pos x="connsiteX42" y="connsiteY42"/>
+              </a:cxn>
+              <a:cxn ang="0">
+                <a:pos x="connsiteX43" y="connsiteY43"/>
+              </a:cxn>
+              <a:cxn ang="0">
+                <a:pos x="connsiteX44" y="connsiteY44"/>
+              </a:cxn>
+              <a:cxn ang="0">
+                <a:pos x="connsiteX45" y="connsiteY45"/>
+              </a:cxn>
+              <a:cxn ang="0">
+                <a:pos x="connsiteX46" y="connsiteY46"/>
+              </a:cxn>
+              <a:cxn ang="0">
+                <a:pos x="connsiteX47" y="connsiteY47"/>
+              </a:cxn>
+              <a:cxn ang="0">
+                <a:pos x="connsiteX48" y="connsiteY48"/>
+              </a:cxn>
+              <a:cxn ang="0">
+                <a:pos x="connsiteX49" y="connsiteY49"/>
+              </a:cxn>
+              <a:cxn ang="0">
+                <a:pos x="connsiteX50" y="connsiteY50"/>
+              </a:cxn>
+              <a:cxn ang="0">
+                <a:pos x="connsiteX51" y="connsiteY51"/>
+              </a:cxn>
+              <a:cxn ang="0">
+                <a:pos x="connsiteX52" y="connsiteY52"/>
+              </a:cxn>
+              <a:cxn ang="0">
+                <a:pos x="connsiteX53" y="connsiteY53"/>
+              </a:cxn>
+              <a:cxn ang="0">
+                <a:pos x="connsiteX54" y="connsiteY54"/>
+              </a:cxn>
+              <a:cxn ang="0">
+                <a:pos x="connsiteX55" y="connsiteY55"/>
+              </a:cxn>
+              <a:cxn ang="0">
+                <a:pos x="connsiteX56" y="connsiteY56"/>
+              </a:cxn>
+              <a:cxn ang="0">
+                <a:pos x="connsiteX57" y="connsiteY57"/>
+              </a:cxn>
+              <a:cxn ang="0">
+                <a:pos x="connsiteX58" y="connsiteY58"/>
+              </a:cxn>
+              <a:cxn ang="0">
+                <a:pos x="connsiteX59" y="connsiteY59"/>
+              </a:cxn>
+              <a:cxn ang="0">
+                <a:pos x="connsiteX60" y="connsiteY60"/>
+              </a:cxn>
+              <a:cxn ang="0">
+                <a:pos x="connsiteX61" y="connsiteY61"/>
+              </a:cxn>
+              <a:cxn ang="0">
+                <a:pos x="connsiteX62" y="connsiteY62"/>
+              </a:cxn>
+              <a:cxn ang="0">
+                <a:pos x="connsiteX63" y="connsiteY63"/>
+              </a:cxn>
+              <a:cxn ang="0">
+                <a:pos x="connsiteX64" y="connsiteY64"/>
+              </a:cxn>
+              <a:cxn ang="0">
+                <a:pos x="connsiteX65" y="connsiteY65"/>
+              </a:cxn>
+              <a:cxn ang="0">
+                <a:pos x="connsiteX66" y="connsiteY66"/>
+              </a:cxn>
+              <a:cxn ang="0">
+                <a:pos x="connsiteX67" y="connsiteY67"/>
+              </a:cxn>
+              <a:cxn ang="0">
+                <a:pos x="connsiteX68" y="connsiteY68"/>
+              </a:cxn>
+              <a:cxn ang="0">
+                <a:pos x="connsiteX69" y="connsiteY69"/>
+              </a:cxn>
+              <a:cxn ang="0">
+                <a:pos x="connsiteX70" y="connsiteY70"/>
+              </a:cxn>
+              <a:cxn ang="0">
+                <a:pos x="connsiteX71" y="connsiteY71"/>
+              </a:cxn>
+              <a:cxn ang="0">
+                <a:pos x="connsiteX72" y="connsiteY72"/>
+              </a:cxn>
+              <a:cxn ang="0">
+                <a:pos x="connsiteX73" y="connsiteY73"/>
+              </a:cxn>
+              <a:cxn ang="0">
+                <a:pos x="connsiteX74" y="connsiteY74"/>
+              </a:cxn>
+              <a:cxn ang="0">
+                <a:pos x="connsiteX75" y="connsiteY75"/>
+              </a:cxn>
+              <a:cxn ang="0">
+                <a:pos x="connsiteX76" y="connsiteY76"/>
+              </a:cxn>
+              <a:cxn ang="0">
+                <a:pos x="connsiteX77" y="connsiteY77"/>
+              </a:cxn>
+              <a:cxn ang="0">
+                <a:pos x="connsiteX78" y="connsiteY78"/>
+              </a:cxn>
+              <a:cxn ang="0">
+                <a:pos x="connsiteX79" y="connsiteY79"/>
+              </a:cxn>
+              <a:cxn ang="0">
+                <a:pos x="connsiteX80" y="connsiteY80"/>
+              </a:cxn>
+              <a:cxn ang="0">
+                <a:pos x="connsiteX81" y="connsiteY81"/>
+              </a:cxn>
+              <a:cxn ang="0">
+                <a:pos x="connsiteX82" y="connsiteY82"/>
+              </a:cxn>
+              <a:cxn ang="0">
+                <a:pos x="connsiteX83" y="connsiteY83"/>
+              </a:cxn>
+              <a:cxn ang="0">
+                <a:pos x="connsiteX84" y="connsiteY84"/>
+              </a:cxn>
+              <a:cxn ang="0">
+                <a:pos x="connsiteX85" y="connsiteY85"/>
+              </a:cxn>
+              <a:cxn ang="0">
+                <a:pos x="connsiteX86" y="connsiteY86"/>
+              </a:cxn>
+              <a:cxn ang="0">
+                <a:pos x="connsiteX87" y="connsiteY87"/>
+              </a:cxn>
+              <a:cxn ang="0">
+                <a:pos x="connsiteX88" y="connsiteY88"/>
+              </a:cxn>
+              <a:cxn ang="0">
+                <a:pos x="connsiteX89" y="connsiteY89"/>
+              </a:cxn>
+              <a:cxn ang="0">
+                <a:pos x="connsiteX90" y="connsiteY90"/>
+              </a:cxn>
+              <a:cxn ang="0">
+                <a:pos x="connsiteX91" y="connsiteY91"/>
+              </a:cxn>
+              <a:cxn ang="0">
+                <a:pos x="connsiteX92" y="connsiteY92"/>
+              </a:cxn>
+              <a:cxn ang="0">
+                <a:pos x="connsiteX93" y="connsiteY93"/>
+              </a:cxn>
+              <a:cxn ang="0">
+                <a:pos x="connsiteX94" y="connsiteY94"/>
+              </a:cxn>
+              <a:cxn ang="0">
+                <a:pos x="connsiteX95" y="connsiteY95"/>
+              </a:cxn>
+              <a:cxn ang="0">
+                <a:pos x="connsiteX96" y="connsiteY96"/>
+              </a:cxn>
+              <a:cxn ang="0">
+                <a:pos x="connsiteX97" y="connsiteY97"/>
+              </a:cxn>
+              <a:cxn ang="0">
+                <a:pos x="connsiteX98" y="connsiteY98"/>
+              </a:cxn>
+              <a:cxn ang="0">
+                <a:pos x="connsiteX99" y="connsiteY99"/>
+              </a:cxn>
+              <a:cxn ang="0">
+                <a:pos x="connsiteX100" y="connsiteY100"/>
+              </a:cxn>
+              <a:cxn ang="0">
+                <a:pos x="connsiteX101" y="connsiteY101"/>
+              </a:cxn>
+              <a:cxn ang="0">
+                <a:pos x="connsiteX102" y="connsiteY102"/>
+              </a:cxn>
+              <a:cxn ang="0">
+                <a:pos x="connsiteX103" y="connsiteY103"/>
+              </a:cxn>
+              <a:cxn ang="0">
+                <a:pos x="connsiteX104" y="connsiteY104"/>
+              </a:cxn>
+              <a:cxn ang="0">
+                <a:pos x="connsiteX105" y="connsiteY105"/>
+              </a:cxn>
+              <a:cxn ang="0">
+                <a:pos x="connsiteX106" y="connsiteY106"/>
+              </a:cxn>
+              <a:cxn ang="0">
+                <a:pos x="connsiteX107" y="connsiteY107"/>
+              </a:cxn>
+              <a:cxn ang="0">
+                <a:pos x="connsiteX108" y="connsiteY108"/>
+              </a:cxn>
+              <a:cxn ang="0">
+                <a:pos x="connsiteX109" y="connsiteY109"/>
+              </a:cxn>
+              <a:cxn ang="0">
+                <a:pos x="connsiteX110" y="connsiteY110"/>
+              </a:cxn>
+              <a:cxn ang="0">
+                <a:pos x="connsiteX111" y="connsiteY111"/>
+              </a:cxn>
+              <a:cxn ang="0">
+                <a:pos x="connsiteX112" y="connsiteY112"/>
+              </a:cxn>
+              <a:cxn ang="0">
+                <a:pos x="connsiteX113" y="connsiteY113"/>
+              </a:cxn>
+              <a:cxn ang="0">
+                <a:pos x="connsiteX114" y="connsiteY114"/>
+              </a:cxn>
+              <a:cxn ang="0">
+                <a:pos x="connsiteX115" y="connsiteY115"/>
+              </a:cxn>
+              <a:cxn ang="0">
+                <a:pos x="connsiteX116" y="connsiteY116"/>
+              </a:cxn>
+              <a:cxn ang="0">
+                <a:pos x="connsiteX117" y="connsiteY117"/>
+              </a:cxn>
+              <a:cxn ang="0">
+                <a:pos x="connsiteX118" y="connsiteY118"/>
+              </a:cxn>
+              <a:cxn ang="0">
+                <a:pos x="connsiteX119" y="connsiteY119"/>
+              </a:cxn>
+              <a:cxn ang="0">
+                <a:pos x="connsiteX120" y="connsiteY120"/>
+              </a:cxn>
+              <a:cxn ang="0">
+                <a:pos x="connsiteX121" y="connsiteY121"/>
+              </a:cxn>
+              <a:cxn ang="0">
+                <a:pos x="connsiteX122" y="connsiteY122"/>
+              </a:cxn>
+              <a:cxn ang="0">
+                <a:pos x="connsiteX123" y="connsiteY123"/>
+              </a:cxn>
+              <a:cxn ang="0">
+                <a:pos x="connsiteX124" y="connsiteY124"/>
+              </a:cxn>
+              <a:cxn ang="0">
+                <a:pos x="connsiteX125" y="connsiteY125"/>
+              </a:cxn>
+              <a:cxn ang="0">
+                <a:pos x="connsiteX126" y="connsiteY126"/>
+              </a:cxn>
+              <a:cxn ang="0">
+                <a:pos x="connsiteX127" y="connsiteY127"/>
+              </a:cxn>
+              <a:cxn ang="0">
+                <a:pos x="connsiteX128" y="connsiteY128"/>
+              </a:cxn>
+              <a:cxn ang="0">
+                <a:pos x="connsiteX129" y="connsiteY129"/>
+              </a:cxn>
+              <a:cxn ang="0">
+                <a:pos x="connsiteX130" y="connsiteY130"/>
+              </a:cxn>
+              <a:cxn ang="0">
+                <a:pos x="connsiteX131" y="connsiteY131"/>
+              </a:cxn>
+              <a:cxn ang="0">
+                <a:pos x="connsiteX132" y="connsiteY132"/>
+              </a:cxn>
+              <a:cxn ang="0">
+                <a:pos x="connsiteX133" y="connsiteY133"/>
+              </a:cxn>
+              <a:cxn ang="0">
+                <a:pos x="connsiteX134" y="connsiteY134"/>
+              </a:cxn>
+              <a:cxn ang="0">
+                <a:pos x="connsiteX135" y="connsiteY135"/>
+              </a:cxn>
+              <a:cxn ang="0">
+                <a:pos x="connsiteX136" y="connsiteY136"/>
+              </a:cxn>
+              <a:cxn ang="0">
+                <a:pos x="connsiteX137" y="connsiteY137"/>
+              </a:cxn>
+              <a:cxn ang="0">
+                <a:pos x="connsiteX138" y="connsiteY138"/>
+              </a:cxn>
+              <a:cxn ang="0">
+                <a:pos x="connsiteX139" y="connsiteY139"/>
+              </a:cxn>
+              <a:cxn ang="0">
+                <a:pos x="connsiteX140" y="connsiteY140"/>
+              </a:cxn>
+              <a:cxn ang="0">
+                <a:pos x="connsiteX141" y="connsiteY141"/>
+              </a:cxn>
+              <a:cxn ang="0">
+                <a:pos x="connsiteX142" y="connsiteY142"/>
+              </a:cxn>
+              <a:cxn ang="0">
+                <a:pos x="connsiteX143" y="connsiteY143"/>
+              </a:cxn>
+              <a:cxn ang="0">
+                <a:pos x="connsiteX144" y="connsiteY144"/>
+              </a:cxn>
+              <a:cxn ang="0">
+                <a:pos x="connsiteX145" y="connsiteY145"/>
+              </a:cxn>
+              <a:cxn ang="0">
+                <a:pos x="connsiteX146" y="connsiteY146"/>
+              </a:cxn>
+              <a:cxn ang="0">
+                <a:pos x="connsiteX147" y="connsiteY147"/>
+              </a:cxn>
+              <a:cxn ang="0">
+                <a:pos x="connsiteX148" y="connsiteY148"/>
+              </a:cxn>
+              <a:cxn ang="0">
+                <a:pos x="connsiteX149" y="connsiteY149"/>
+              </a:cxn>
+              <a:cxn ang="0">
+                <a:pos x="connsiteX150" y="connsiteY150"/>
+              </a:cxn>
+              <a:cxn ang="0">
+                <a:pos x="connsiteX151" y="connsiteY151"/>
+              </a:cxn>
+              <a:cxn ang="0">
+                <a:pos x="connsiteX152" y="connsiteY152"/>
+              </a:cxn>
+              <a:cxn ang="0">
+                <a:pos x="connsiteX153" y="connsiteY153"/>
+              </a:cxn>
+              <a:cxn ang="0">
+                <a:pos x="connsiteX154" y="connsiteY154"/>
+              </a:cxn>
+              <a:cxn ang="0">
+                <a:pos x="connsiteX155" y="connsiteY155"/>
+              </a:cxn>
+              <a:cxn ang="0">
+                <a:pos x="connsiteX156" y="connsiteY156"/>
+              </a:cxn>
+              <a:cxn ang="0">
+                <a:pos x="connsiteX157" y="connsiteY157"/>
+              </a:cxn>
+              <a:cxn ang="0">
+                <a:pos x="connsiteX158" y="connsiteY158"/>
+              </a:cxn>
+              <a:cxn ang="0">
+                <a:pos x="connsiteX159" y="connsiteY159"/>
+              </a:cxn>
+              <a:cxn ang="0">
+                <a:pos x="connsiteX160" y="connsiteY160"/>
+              </a:cxn>
+              <a:cxn ang="0">
+                <a:pos x="connsiteX161" y="connsiteY161"/>
+              </a:cxn>
+              <a:cxn ang="0">
+                <a:pos x="connsiteX162" y="connsiteY162"/>
+              </a:cxn>
+              <a:cxn ang="0">
+                <a:pos x="connsiteX163" y="connsiteY163"/>
+              </a:cxn>
+              <a:cxn ang="0">
+                <a:pos x="connsiteX164" y="connsiteY164"/>
+              </a:cxn>
+              <a:cxn ang="0">
+                <a:pos x="connsiteX165" y="connsiteY165"/>
+              </a:cxn>
+              <a:cxn ang="0">
+                <a:pos x="connsiteX166" y="connsiteY166"/>
+              </a:cxn>
+              <a:cxn ang="0">
+                <a:pos x="connsiteX167" y="connsiteY167"/>
+              </a:cxn>
+              <a:cxn ang="0">
+                <a:pos x="connsiteX168" y="connsiteY168"/>
+              </a:cxn>
+            </a:cxnLst>
+            <a:rect l="l" t="t" r="r" b="b"/>
+            <a:pathLst>
+              <a:path w="11995384" h="6438325">
+                <a:moveTo>
+                  <a:pt x="174682" y="2796027"/>
+                </a:moveTo>
+                <a:cubicBezTo>
+                  <a:pt x="120649" y="2782173"/>
+                  <a:pt x="455929" y="2607605"/>
+                  <a:pt x="665133" y="2546645"/>
+                </a:cubicBezTo>
+                <a:cubicBezTo>
+                  <a:pt x="874337" y="2485685"/>
+                  <a:pt x="1137573" y="2433038"/>
+                  <a:pt x="1429904" y="2430267"/>
+                </a:cubicBezTo>
+                <a:cubicBezTo>
+                  <a:pt x="1722235" y="2427496"/>
+                  <a:pt x="2248707" y="2536946"/>
+                  <a:pt x="2419118" y="2530019"/>
+                </a:cubicBezTo>
+                <a:cubicBezTo>
+                  <a:pt x="2589529" y="2523092"/>
+                  <a:pt x="2570133" y="2491226"/>
+                  <a:pt x="2452369" y="2388703"/>
+                </a:cubicBezTo>
+                <a:cubicBezTo>
+                  <a:pt x="2334605" y="2286179"/>
+                  <a:pt x="1989627" y="2007703"/>
+                  <a:pt x="1712536" y="1914878"/>
+                </a:cubicBezTo>
+                <a:cubicBezTo>
+                  <a:pt x="1435445" y="1822053"/>
+                  <a:pt x="1022580" y="1826208"/>
+                  <a:pt x="789824" y="1831750"/>
+                </a:cubicBezTo>
+                <a:cubicBezTo>
+                  <a:pt x="557068" y="1837292"/>
+                  <a:pt x="352020" y="1956442"/>
+                  <a:pt x="315998" y="1948129"/>
+                </a:cubicBezTo>
+                <a:cubicBezTo>
+                  <a:pt x="279976" y="1939816"/>
+                  <a:pt x="501649" y="1813739"/>
+                  <a:pt x="573693" y="1781874"/>
+                </a:cubicBezTo>
+                <a:cubicBezTo>
+                  <a:pt x="645737" y="1750009"/>
+                  <a:pt x="746875" y="1773561"/>
+                  <a:pt x="748260" y="1756936"/>
+                </a:cubicBezTo>
+                <a:cubicBezTo>
+                  <a:pt x="749645" y="1740311"/>
+                  <a:pt x="652663" y="1689048"/>
+                  <a:pt x="582005" y="1682121"/>
+                </a:cubicBezTo>
+                <a:cubicBezTo>
+                  <a:pt x="511347" y="1675194"/>
+                  <a:pt x="340936" y="1725070"/>
+                  <a:pt x="324311" y="1715372"/>
+                </a:cubicBezTo>
+                <a:cubicBezTo>
+                  <a:pt x="307686" y="1705674"/>
+                  <a:pt x="408824" y="1636401"/>
+                  <a:pt x="482253" y="1623932"/>
+                </a:cubicBezTo>
+                <a:cubicBezTo>
+                  <a:pt x="555682" y="1611463"/>
+                  <a:pt x="575078" y="1619776"/>
+                  <a:pt x="764885" y="1640558"/>
+                </a:cubicBezTo>
+                <a:cubicBezTo>
+                  <a:pt x="954692" y="1661340"/>
+                  <a:pt x="1342620" y="1694590"/>
+                  <a:pt x="1621096" y="1748623"/>
+                </a:cubicBezTo>
+                <a:cubicBezTo>
+                  <a:pt x="1899572" y="1802656"/>
+                  <a:pt x="2408035" y="2117154"/>
+                  <a:pt x="2435744" y="1964754"/>
+                </a:cubicBezTo>
+                <a:cubicBezTo>
+                  <a:pt x="2463453" y="1812354"/>
+                  <a:pt x="1772111" y="857776"/>
+                  <a:pt x="1787351" y="834223"/>
+                </a:cubicBezTo>
+                <a:cubicBezTo>
+                  <a:pt x="1802591" y="810670"/>
+                  <a:pt x="2334606" y="1629474"/>
+                  <a:pt x="2527184" y="1823438"/>
+                </a:cubicBezTo>
+                <a:cubicBezTo>
+                  <a:pt x="2719762" y="2017402"/>
+                  <a:pt x="2890173" y="2097758"/>
+                  <a:pt x="2942820" y="1998005"/>
+                </a:cubicBezTo>
+                <a:cubicBezTo>
+                  <a:pt x="2995467" y="1898252"/>
+                  <a:pt x="2940049" y="1553274"/>
+                  <a:pt x="2843067" y="1224921"/>
+                </a:cubicBezTo>
+                <a:cubicBezTo>
+                  <a:pt x="2746085" y="896568"/>
+                  <a:pt x="2398336" y="173362"/>
+                  <a:pt x="2360929" y="27889"/>
+                </a:cubicBezTo>
+                <a:cubicBezTo>
+                  <a:pt x="2323522" y="-117584"/>
+                  <a:pt x="2549351" y="353470"/>
+                  <a:pt x="2618624" y="352085"/>
+                </a:cubicBezTo>
+                <a:cubicBezTo>
+                  <a:pt x="2687897" y="350700"/>
+                  <a:pt x="2755783" y="-9518"/>
+                  <a:pt x="2776565" y="19576"/>
+                </a:cubicBezTo>
+                <a:cubicBezTo>
+                  <a:pt x="2797347" y="48670"/>
+                  <a:pt x="2694824" y="345158"/>
+                  <a:pt x="2743315" y="526652"/>
+                </a:cubicBezTo>
+                <a:cubicBezTo>
+                  <a:pt x="2791806" y="708146"/>
+                  <a:pt x="2963602" y="1054510"/>
+                  <a:pt x="3067511" y="1108543"/>
+                </a:cubicBezTo>
+                <a:cubicBezTo>
+                  <a:pt x="3171420" y="1162576"/>
+                  <a:pt x="3352915" y="925663"/>
+                  <a:pt x="3366769" y="850849"/>
+                </a:cubicBezTo>
+                <a:cubicBezTo>
+                  <a:pt x="3380623" y="776035"/>
+                  <a:pt x="3129856" y="673511"/>
+                  <a:pt x="3150638" y="659656"/>
+                </a:cubicBezTo>
+                <a:cubicBezTo>
+                  <a:pt x="3171420" y="645801"/>
+                  <a:pt x="3391707" y="780190"/>
+                  <a:pt x="3491460" y="767721"/>
+                </a:cubicBezTo>
+                <a:cubicBezTo>
+                  <a:pt x="3591213" y="755252"/>
+                  <a:pt x="3799031" y="493401"/>
+                  <a:pt x="3749155" y="584841"/>
+                </a:cubicBezTo>
+                <a:cubicBezTo>
+                  <a:pt x="3699279" y="676281"/>
+                  <a:pt x="3287798" y="1080834"/>
+                  <a:pt x="3192202" y="1316361"/>
+                </a:cubicBezTo>
+                <a:cubicBezTo>
+                  <a:pt x="3096606" y="1551888"/>
+                  <a:pt x="3085522" y="1865001"/>
+                  <a:pt x="3175576" y="1998005"/>
+                </a:cubicBezTo>
+                <a:cubicBezTo>
+                  <a:pt x="3265630" y="2131009"/>
+                  <a:pt x="3553805" y="2373463"/>
+                  <a:pt x="3732529" y="2114383"/>
+                </a:cubicBezTo>
+                <a:cubicBezTo>
+                  <a:pt x="3911253" y="1855303"/>
+                  <a:pt x="4166176" y="679052"/>
+                  <a:pt x="4247918" y="443525"/>
+                </a:cubicBezTo>
+                <a:cubicBezTo>
+                  <a:pt x="4329660" y="207998"/>
+                  <a:pt x="4259002" y="479546"/>
+                  <a:pt x="4222980" y="701219"/>
+                </a:cubicBezTo>
+                <a:cubicBezTo>
+                  <a:pt x="4186958" y="922892"/>
+                  <a:pt x="3991609" y="1664110"/>
+                  <a:pt x="4031787" y="1773561"/>
+                </a:cubicBezTo>
+                <a:cubicBezTo>
+                  <a:pt x="4071965" y="1883012"/>
+                  <a:pt x="4368453" y="1544961"/>
+                  <a:pt x="4464049" y="1357925"/>
+                </a:cubicBezTo>
+                <a:cubicBezTo>
+                  <a:pt x="4559645" y="1170889"/>
+                  <a:pt x="4581812" y="695677"/>
+                  <a:pt x="4605365" y="651343"/>
+                </a:cubicBezTo>
+                <a:cubicBezTo>
+                  <a:pt x="4628918" y="607009"/>
+                  <a:pt x="4627532" y="947831"/>
+                  <a:pt x="4605365" y="1091918"/>
+                </a:cubicBezTo>
+                <a:cubicBezTo>
+                  <a:pt x="4583198" y="1236005"/>
+                  <a:pt x="4579042" y="1338529"/>
+                  <a:pt x="4472362" y="1515867"/>
+                </a:cubicBezTo>
+                <a:cubicBezTo>
+                  <a:pt x="4365682" y="1693205"/>
+                  <a:pt x="4037329" y="2016016"/>
+                  <a:pt x="3965285" y="2155947"/>
+                </a:cubicBezTo>
+                <a:cubicBezTo>
+                  <a:pt x="3893241" y="2295878"/>
+                  <a:pt x="3979140" y="2320816"/>
+                  <a:pt x="4040100" y="2355452"/>
+                </a:cubicBezTo>
+                <a:cubicBezTo>
+                  <a:pt x="4101060" y="2390088"/>
+                  <a:pt x="4227136" y="2430267"/>
+                  <a:pt x="4331045" y="2363765"/>
+                </a:cubicBezTo>
+                <a:cubicBezTo>
+                  <a:pt x="4434954" y="2297263"/>
+                  <a:pt x="4574886" y="2067277"/>
+                  <a:pt x="4663555" y="1956441"/>
+                </a:cubicBezTo>
+                <a:cubicBezTo>
+                  <a:pt x="4752224" y="1845605"/>
+                  <a:pt x="4807642" y="1851147"/>
+                  <a:pt x="4863060" y="1698747"/>
+                </a:cubicBezTo>
+                <a:cubicBezTo>
+                  <a:pt x="4918478" y="1546347"/>
+                  <a:pt x="4980824" y="1035114"/>
+                  <a:pt x="4996064" y="1042041"/>
+                </a:cubicBezTo>
+                <a:cubicBezTo>
+                  <a:pt x="5011304" y="1048968"/>
+                  <a:pt x="4897696" y="1734768"/>
+                  <a:pt x="4954500" y="1740310"/>
+                </a:cubicBezTo>
+                <a:cubicBezTo>
+                  <a:pt x="5011304" y="1745852"/>
+                  <a:pt x="5327187" y="1060052"/>
+                  <a:pt x="5336885" y="1075292"/>
+                </a:cubicBezTo>
+                <a:cubicBezTo>
+                  <a:pt x="5346583" y="1090532"/>
+                  <a:pt x="5094431" y="1669652"/>
+                  <a:pt x="5012689" y="1831750"/>
+                </a:cubicBezTo>
+                <a:cubicBezTo>
+                  <a:pt x="4930947" y="1993848"/>
+                  <a:pt x="4777162" y="2021557"/>
+                  <a:pt x="4846435" y="2047881"/>
+                </a:cubicBezTo>
+                <a:cubicBezTo>
+                  <a:pt x="4915708" y="2074205"/>
+                  <a:pt x="5436638" y="1970296"/>
+                  <a:pt x="5428325" y="1989692"/>
+                </a:cubicBezTo>
+                <a:cubicBezTo>
+                  <a:pt x="5420012" y="2009088"/>
+                  <a:pt x="4937874" y="2058964"/>
+                  <a:pt x="4796558" y="2164259"/>
+                </a:cubicBezTo>
+                <a:cubicBezTo>
+                  <a:pt x="4655242" y="2269554"/>
+                  <a:pt x="4480674" y="2427495"/>
+                  <a:pt x="4580427" y="2621459"/>
+                </a:cubicBezTo>
+                <a:cubicBezTo>
+                  <a:pt x="4680180" y="2815423"/>
+                  <a:pt x="4857519" y="3161786"/>
+                  <a:pt x="5395075" y="3328041"/>
+                </a:cubicBezTo>
+                <a:cubicBezTo>
+                  <a:pt x="5932631" y="3494296"/>
+                  <a:pt x="7099183" y="3616216"/>
+                  <a:pt x="7805765" y="3618987"/>
+                </a:cubicBezTo>
+                <a:cubicBezTo>
+                  <a:pt x="8512347" y="3621758"/>
+                  <a:pt x="9214772" y="3553871"/>
+                  <a:pt x="9634565" y="3344667"/>
+                </a:cubicBezTo>
+                <a:cubicBezTo>
+                  <a:pt x="10054358" y="3135463"/>
+                  <a:pt x="10245551" y="2608990"/>
+                  <a:pt x="10324522" y="2363765"/>
+                </a:cubicBezTo>
+                <a:cubicBezTo>
+                  <a:pt x="10403493" y="2118540"/>
+                  <a:pt x="10203987" y="1942587"/>
+                  <a:pt x="10108391" y="1873314"/>
+                </a:cubicBezTo>
+                <a:cubicBezTo>
+                  <a:pt x="10012795" y="1804041"/>
+                  <a:pt x="9868708" y="1935660"/>
+                  <a:pt x="9750944" y="1948129"/>
+                </a:cubicBezTo>
+                <a:cubicBezTo>
+                  <a:pt x="9633180" y="1960598"/>
+                  <a:pt x="9404580" y="1960598"/>
+                  <a:pt x="9401809" y="1948129"/>
+                </a:cubicBezTo>
+                <a:cubicBezTo>
+                  <a:pt x="9399038" y="1935660"/>
+                  <a:pt x="9630409" y="1903794"/>
+                  <a:pt x="9734318" y="1873314"/>
+                </a:cubicBezTo>
+                <a:cubicBezTo>
+                  <a:pt x="9838227" y="1842834"/>
+                  <a:pt x="10046046" y="1784645"/>
+                  <a:pt x="10025264" y="1765249"/>
+                </a:cubicBezTo>
+                <a:cubicBezTo>
+                  <a:pt x="10004482" y="1745853"/>
+                  <a:pt x="9622096" y="1770791"/>
+                  <a:pt x="9609627" y="1756936"/>
+                </a:cubicBezTo>
+                <a:cubicBezTo>
+                  <a:pt x="9597158" y="1743081"/>
+                  <a:pt x="9834071" y="1662725"/>
+                  <a:pt x="9950449" y="1682121"/>
+                </a:cubicBezTo>
+                <a:cubicBezTo>
+                  <a:pt x="10066827" y="1701517"/>
+                  <a:pt x="10213685" y="1804041"/>
+                  <a:pt x="10307896" y="1873314"/>
+                </a:cubicBezTo>
+                <a:cubicBezTo>
+                  <a:pt x="10402107" y="1942587"/>
+                  <a:pt x="10457526" y="2099143"/>
+                  <a:pt x="10515715" y="2097758"/>
+                </a:cubicBezTo>
+                <a:cubicBezTo>
+                  <a:pt x="10573904" y="2096373"/>
+                  <a:pt x="10612697" y="1930117"/>
+                  <a:pt x="10657031" y="1865001"/>
+                </a:cubicBezTo>
+                <a:cubicBezTo>
+                  <a:pt x="10701365" y="1799885"/>
+                  <a:pt x="10697209" y="1783259"/>
+                  <a:pt x="10781722" y="1707059"/>
+                </a:cubicBezTo>
+                <a:cubicBezTo>
+                  <a:pt x="10866235" y="1630859"/>
+                  <a:pt x="11173805" y="1375936"/>
+                  <a:pt x="11164107" y="1407801"/>
+                </a:cubicBezTo>
+                <a:cubicBezTo>
+                  <a:pt x="11154409" y="1439666"/>
+                  <a:pt x="10791420" y="1783259"/>
+                  <a:pt x="10723533" y="1898252"/>
+                </a:cubicBezTo>
+                <a:cubicBezTo>
+                  <a:pt x="10655646" y="2013245"/>
+                  <a:pt x="10687511" y="2110227"/>
+                  <a:pt x="10756784" y="2097758"/>
+                </a:cubicBezTo>
+                <a:cubicBezTo>
+                  <a:pt x="10826057" y="2085289"/>
+                  <a:pt x="11038031" y="1930118"/>
+                  <a:pt x="11139169" y="1823438"/>
+                </a:cubicBezTo>
+                <a:cubicBezTo>
+                  <a:pt x="11240307" y="1716758"/>
+                  <a:pt x="11344217" y="1461834"/>
+                  <a:pt x="11363613" y="1457678"/>
+                </a:cubicBezTo>
+                <a:cubicBezTo>
+                  <a:pt x="11383009" y="1453521"/>
+                  <a:pt x="11227838" y="1759706"/>
+                  <a:pt x="11255547" y="1798499"/>
+                </a:cubicBezTo>
+                <a:cubicBezTo>
+                  <a:pt x="11283256" y="1837292"/>
+                  <a:pt x="11466136" y="1718143"/>
+                  <a:pt x="11529867" y="1690434"/>
+                </a:cubicBezTo>
+                <a:cubicBezTo>
+                  <a:pt x="11593598" y="1662725"/>
+                  <a:pt x="11669798" y="1601765"/>
+                  <a:pt x="11637933" y="1632245"/>
+                </a:cubicBezTo>
+                <a:cubicBezTo>
+                  <a:pt x="11606068" y="1662725"/>
+                  <a:pt x="11488304" y="1774947"/>
+                  <a:pt x="11338675" y="1873314"/>
+                </a:cubicBezTo>
+                <a:cubicBezTo>
+                  <a:pt x="11189046" y="1971681"/>
+                  <a:pt x="10844067" y="2132395"/>
+                  <a:pt x="10740158" y="2222449"/>
+                </a:cubicBezTo>
+                <a:cubicBezTo>
+                  <a:pt x="10636249" y="2312503"/>
+                  <a:pt x="10602998" y="2403943"/>
+                  <a:pt x="10715220" y="2413641"/>
+                </a:cubicBezTo>
+                <a:cubicBezTo>
+                  <a:pt x="10827442" y="2423339"/>
+                  <a:pt x="11243078" y="2323587"/>
+                  <a:pt x="11413489" y="2280638"/>
+                </a:cubicBezTo>
+                <a:cubicBezTo>
+                  <a:pt x="11583900" y="2237689"/>
+                  <a:pt x="11721060" y="2146249"/>
+                  <a:pt x="11737685" y="2155947"/>
+                </a:cubicBezTo>
+                <a:cubicBezTo>
+                  <a:pt x="11754310" y="2165645"/>
+                  <a:pt x="11507700" y="2275096"/>
+                  <a:pt x="11513242" y="2338827"/>
+                </a:cubicBezTo>
+                <a:cubicBezTo>
+                  <a:pt x="11518784" y="2402558"/>
+                  <a:pt x="11768165" y="2520321"/>
+                  <a:pt x="11770936" y="2538332"/>
+                </a:cubicBezTo>
+                <a:cubicBezTo>
+                  <a:pt x="11773707" y="2556343"/>
+                  <a:pt x="11606067" y="2469059"/>
+                  <a:pt x="11529867" y="2446892"/>
+                </a:cubicBezTo>
+                <a:cubicBezTo>
+                  <a:pt x="11453667" y="2424725"/>
+                  <a:pt x="11457823" y="2392860"/>
+                  <a:pt x="11313736" y="2405329"/>
+                </a:cubicBezTo>
+                <a:cubicBezTo>
+                  <a:pt x="11169649" y="2417798"/>
+                  <a:pt x="10830213" y="2430267"/>
+                  <a:pt x="10665344" y="2521707"/>
+                </a:cubicBezTo>
+                <a:cubicBezTo>
+                  <a:pt x="10500475" y="2613147"/>
+                  <a:pt x="10409035" y="2798798"/>
+                  <a:pt x="10324522" y="2953969"/>
+                </a:cubicBezTo>
+                <a:cubicBezTo>
+                  <a:pt x="10240009" y="3109140"/>
+                  <a:pt x="10010023" y="3334969"/>
+                  <a:pt x="10158267" y="3452732"/>
+                </a:cubicBezTo>
+                <a:cubicBezTo>
+                  <a:pt x="10306511" y="3570495"/>
+                  <a:pt x="10977071" y="3688259"/>
+                  <a:pt x="11213984" y="3660550"/>
+                </a:cubicBezTo>
+                <a:cubicBezTo>
+                  <a:pt x="11450897" y="3632841"/>
+                  <a:pt x="11540951" y="3276780"/>
+                  <a:pt x="11579744" y="3286478"/>
+                </a:cubicBezTo>
+                <a:cubicBezTo>
+                  <a:pt x="11618537" y="3296176"/>
+                  <a:pt x="11435657" y="3652237"/>
+                  <a:pt x="11446740" y="3718739"/>
+                </a:cubicBezTo>
+                <a:cubicBezTo>
+                  <a:pt x="11457824" y="3785241"/>
+                  <a:pt x="11581129" y="3713198"/>
+                  <a:pt x="11646245" y="3685489"/>
+                </a:cubicBezTo>
+                <a:cubicBezTo>
+                  <a:pt x="11711361" y="3657780"/>
+                  <a:pt x="11849907" y="3523391"/>
+                  <a:pt x="11837438" y="3552485"/>
+                </a:cubicBezTo>
+                <a:cubicBezTo>
+                  <a:pt x="11824969" y="3581579"/>
+                  <a:pt x="11545107" y="3786627"/>
+                  <a:pt x="11571431" y="3860056"/>
+                </a:cubicBezTo>
+                <a:cubicBezTo>
+                  <a:pt x="11597755" y="3933485"/>
+                  <a:pt x="11993995" y="3973663"/>
+                  <a:pt x="11995380" y="3993059"/>
+                </a:cubicBezTo>
+                <a:cubicBezTo>
+                  <a:pt x="11996765" y="4012455"/>
+                  <a:pt x="11673955" y="3994445"/>
+                  <a:pt x="11579744" y="3976434"/>
+                </a:cubicBezTo>
+                <a:cubicBezTo>
+                  <a:pt x="11485533" y="3958423"/>
+                  <a:pt x="11424573" y="3851743"/>
+                  <a:pt x="11430115" y="3884994"/>
+                </a:cubicBezTo>
+                <a:cubicBezTo>
+                  <a:pt x="11435657" y="3918245"/>
+                  <a:pt x="11528482" y="4102510"/>
+                  <a:pt x="11612995" y="4175939"/>
+                </a:cubicBezTo>
+                <a:cubicBezTo>
+                  <a:pt x="11697508" y="4249368"/>
+                  <a:pt x="11949660" y="4313100"/>
+                  <a:pt x="11937191" y="4325569"/>
+                </a:cubicBezTo>
+                <a:cubicBezTo>
+                  <a:pt x="11924722" y="4338038"/>
+                  <a:pt x="11637933" y="4325569"/>
+                  <a:pt x="11538180" y="4250754"/>
+                </a:cubicBezTo>
+                <a:cubicBezTo>
+                  <a:pt x="11438427" y="4175939"/>
+                  <a:pt x="11396864" y="3951495"/>
+                  <a:pt x="11338675" y="3876681"/>
+                </a:cubicBezTo>
+                <a:cubicBezTo>
+                  <a:pt x="11280486" y="3801867"/>
+                  <a:pt x="11189045" y="3728438"/>
+                  <a:pt x="11189045" y="3801867"/>
+                </a:cubicBezTo>
+                <a:cubicBezTo>
+                  <a:pt x="11189045" y="3875296"/>
+                  <a:pt x="11301268" y="4206420"/>
+                  <a:pt x="11338675" y="4317256"/>
+                </a:cubicBezTo>
+                <a:cubicBezTo>
+                  <a:pt x="11376082" y="4428092"/>
+                  <a:pt x="11427344" y="4473812"/>
+                  <a:pt x="11413489" y="4466885"/>
+                </a:cubicBezTo>
+                <a:cubicBezTo>
+                  <a:pt x="11399634" y="4459958"/>
+                  <a:pt x="11320663" y="4380986"/>
+                  <a:pt x="11255547" y="4275692"/>
+                </a:cubicBezTo>
+                <a:cubicBezTo>
+                  <a:pt x="11190431" y="4170398"/>
+                  <a:pt x="11231995" y="3941798"/>
+                  <a:pt x="11022791" y="3835118"/>
+                </a:cubicBezTo>
+                <a:cubicBezTo>
+                  <a:pt x="10813587" y="3728438"/>
+                  <a:pt x="10474151" y="3646696"/>
+                  <a:pt x="10000325" y="3635612"/>
+                </a:cubicBezTo>
+                <a:cubicBezTo>
+                  <a:pt x="9526500" y="3624528"/>
+                  <a:pt x="8975089" y="3767231"/>
+                  <a:pt x="8179838" y="3768616"/>
+                </a:cubicBezTo>
+                <a:cubicBezTo>
+                  <a:pt x="7384587" y="3770001"/>
+                  <a:pt x="5888296" y="3674405"/>
+                  <a:pt x="5228820" y="3643925"/>
+                </a:cubicBezTo>
+                <a:cubicBezTo>
+                  <a:pt x="4569344" y="3613445"/>
+                  <a:pt x="4392005" y="3477671"/>
+                  <a:pt x="4222980" y="3585736"/>
+                </a:cubicBezTo>
+                <a:cubicBezTo>
+                  <a:pt x="4053955" y="3693801"/>
+                  <a:pt x="4146780" y="3915474"/>
+                  <a:pt x="4214667" y="4292318"/>
+                </a:cubicBezTo>
+                <a:cubicBezTo>
+                  <a:pt x="4282554" y="4669162"/>
+                  <a:pt x="4518082" y="5514289"/>
+                  <a:pt x="4630304" y="5846798"/>
+                </a:cubicBezTo>
+                <a:cubicBezTo>
+                  <a:pt x="4742526" y="6179307"/>
+                  <a:pt x="4900467" y="6258278"/>
+                  <a:pt x="4887998" y="6287372"/>
+                </a:cubicBezTo>
+                <a:cubicBezTo>
+                  <a:pt x="4875529" y="6316466"/>
+                  <a:pt x="4592896" y="5996427"/>
+                  <a:pt x="4555489" y="6021365"/>
+                </a:cubicBezTo>
+                <a:cubicBezTo>
+                  <a:pt x="4518082" y="6046303"/>
+                  <a:pt x="4674639" y="6417605"/>
+                  <a:pt x="4663555" y="6437001"/>
+                </a:cubicBezTo>
+                <a:cubicBezTo>
+                  <a:pt x="4652471" y="6456397"/>
+                  <a:pt x="4531936" y="6258277"/>
+                  <a:pt x="4488987" y="6137743"/>
+                </a:cubicBezTo>
+                <a:cubicBezTo>
+                  <a:pt x="4446038" y="6017209"/>
+                  <a:pt x="4454351" y="5867579"/>
+                  <a:pt x="4405860" y="5713794"/>
+                </a:cubicBezTo>
+                <a:cubicBezTo>
+                  <a:pt x="4357369" y="5560009"/>
+                  <a:pt x="4231293" y="5327252"/>
+                  <a:pt x="4198042" y="5215030"/>
+                </a:cubicBezTo>
+                <a:cubicBezTo>
+                  <a:pt x="4164791" y="5102808"/>
+                  <a:pt x="4240991" y="5162383"/>
+                  <a:pt x="4206355" y="5040463"/>
+                </a:cubicBezTo>
+                <a:cubicBezTo>
+                  <a:pt x="4171719" y="4918543"/>
+                  <a:pt x="4052569" y="4617899"/>
+                  <a:pt x="3990224" y="4483510"/>
+                </a:cubicBezTo>
+                <a:cubicBezTo>
+                  <a:pt x="3927879" y="4349121"/>
+                  <a:pt x="3956973" y="4275693"/>
+                  <a:pt x="3832282" y="4234129"/>
+                </a:cubicBezTo>
+                <a:cubicBezTo>
+                  <a:pt x="3707591" y="4192566"/>
+                  <a:pt x="3352914" y="4094198"/>
+                  <a:pt x="3242078" y="4234129"/>
+                </a:cubicBezTo>
+                <a:cubicBezTo>
+                  <a:pt x="3131242" y="4374060"/>
+                  <a:pt x="3031490" y="4750903"/>
+                  <a:pt x="3167264" y="5073714"/>
+                </a:cubicBezTo>
+                <a:cubicBezTo>
+                  <a:pt x="3303039" y="5396525"/>
+                  <a:pt x="3844751" y="5953478"/>
+                  <a:pt x="4056725" y="6170994"/>
+                </a:cubicBezTo>
+                <a:cubicBezTo>
+                  <a:pt x="4268699" y="6388510"/>
+                  <a:pt x="4422486" y="6346947"/>
+                  <a:pt x="4439111" y="6378812"/>
+                </a:cubicBezTo>
+                <a:cubicBezTo>
+                  <a:pt x="4455736" y="6410677"/>
+                  <a:pt x="4239605" y="6400980"/>
+                  <a:pt x="4156478" y="6362187"/>
+                </a:cubicBezTo>
+                <a:cubicBezTo>
+                  <a:pt x="4073351" y="6323394"/>
+                  <a:pt x="3990223" y="6148827"/>
+                  <a:pt x="3940347" y="6146056"/>
+                </a:cubicBezTo>
+                <a:cubicBezTo>
+                  <a:pt x="3890471" y="6143285"/>
+                  <a:pt x="3889085" y="6360801"/>
+                  <a:pt x="3857220" y="6345561"/>
+                </a:cubicBezTo>
+                <a:cubicBezTo>
+                  <a:pt x="3825355" y="6330321"/>
+                  <a:pt x="3848908" y="6190391"/>
+                  <a:pt x="3749155" y="6054616"/>
+                </a:cubicBezTo>
+                <a:cubicBezTo>
+                  <a:pt x="3649402" y="5918842"/>
+                  <a:pt x="3375082" y="5543383"/>
+                  <a:pt x="3258704" y="5530914"/>
+                </a:cubicBezTo>
+                <a:cubicBezTo>
+                  <a:pt x="3142326" y="5518445"/>
+                  <a:pt x="3078594" y="5848183"/>
+                  <a:pt x="3050885" y="5979801"/>
+                </a:cubicBezTo>
+                <a:cubicBezTo>
+                  <a:pt x="3023176" y="6111419"/>
+                  <a:pt x="3107689" y="6312310"/>
+                  <a:pt x="3092449" y="6320623"/>
+                </a:cubicBezTo>
+                <a:cubicBezTo>
+                  <a:pt x="3077209" y="6328936"/>
+                  <a:pt x="2982998" y="6121118"/>
+                  <a:pt x="2959445" y="6029678"/>
+                </a:cubicBezTo>
+                <a:cubicBezTo>
+                  <a:pt x="2935892" y="5938238"/>
+                  <a:pt x="2978842" y="5748430"/>
+                  <a:pt x="2951133" y="5771983"/>
+                </a:cubicBezTo>
+                <a:cubicBezTo>
+                  <a:pt x="2923424" y="5795536"/>
+                  <a:pt x="2797347" y="6187619"/>
+                  <a:pt x="2793191" y="6170994"/>
+                </a:cubicBezTo>
+                <a:cubicBezTo>
+                  <a:pt x="2789035" y="6154369"/>
+                  <a:pt x="2884631" y="5803848"/>
+                  <a:pt x="2926195" y="5672230"/>
+                </a:cubicBezTo>
+                <a:cubicBezTo>
+                  <a:pt x="2967759" y="5540612"/>
+                  <a:pt x="3042573" y="5482423"/>
+                  <a:pt x="3042573" y="5381285"/>
+                </a:cubicBezTo>
+                <a:cubicBezTo>
+                  <a:pt x="3042573" y="5280147"/>
+                  <a:pt x="2988541" y="5029379"/>
+                  <a:pt x="2926195" y="5065401"/>
+                </a:cubicBezTo>
+                <a:cubicBezTo>
+                  <a:pt x="2863849" y="5101423"/>
+                  <a:pt x="2678198" y="5629281"/>
+                  <a:pt x="2668500" y="5597416"/>
+                </a:cubicBezTo>
+                <a:cubicBezTo>
+                  <a:pt x="2658802" y="5565551"/>
+                  <a:pt x="2866620" y="5086183"/>
+                  <a:pt x="2868005" y="4874209"/>
+                </a:cubicBezTo>
+                <a:cubicBezTo>
+                  <a:pt x="2869390" y="4662235"/>
+                  <a:pt x="2793191" y="4349122"/>
+                  <a:pt x="2676813" y="4325569"/>
+                </a:cubicBezTo>
+                <a:cubicBezTo>
+                  <a:pt x="2560435" y="4302016"/>
+                  <a:pt x="2306896" y="4598503"/>
+                  <a:pt x="2169736" y="4732892"/>
+                </a:cubicBezTo>
+                <a:cubicBezTo>
+                  <a:pt x="2032576" y="4867281"/>
+                  <a:pt x="1921740" y="4876979"/>
+                  <a:pt x="1853853" y="5131903"/>
+                </a:cubicBezTo>
+                <a:cubicBezTo>
+                  <a:pt x="1785966" y="5386827"/>
+                  <a:pt x="1791508" y="6225027"/>
+                  <a:pt x="1762413" y="6262434"/>
+                </a:cubicBezTo>
+                <a:cubicBezTo>
+                  <a:pt x="1733318" y="6299841"/>
+                  <a:pt x="1698681" y="5565551"/>
+                  <a:pt x="1679285" y="5356347"/>
+                </a:cubicBezTo>
+                <a:cubicBezTo>
+                  <a:pt x="1659889" y="5147143"/>
+                  <a:pt x="1848311" y="4892219"/>
+                  <a:pt x="1646035" y="5007212"/>
+                </a:cubicBezTo>
+                <a:cubicBezTo>
+                  <a:pt x="1443759" y="5122205"/>
+                  <a:pt x="631882" y="5929925"/>
+                  <a:pt x="465627" y="6046303"/>
+                </a:cubicBezTo>
+                <a:cubicBezTo>
+                  <a:pt x="299372" y="6162681"/>
+                  <a:pt x="680372" y="5763670"/>
+                  <a:pt x="648507" y="5705481"/>
+                </a:cubicBezTo>
+                <a:cubicBezTo>
+                  <a:pt x="616642" y="5647292"/>
+                  <a:pt x="246726" y="5716565"/>
+                  <a:pt x="274435" y="5697169"/>
+                </a:cubicBezTo>
+                <a:cubicBezTo>
+                  <a:pt x="302144" y="5677773"/>
+                  <a:pt x="588933" y="5722107"/>
+                  <a:pt x="814762" y="5589103"/>
+                </a:cubicBezTo>
+                <a:cubicBezTo>
+                  <a:pt x="1040591" y="5456099"/>
+                  <a:pt x="1434060" y="5093111"/>
+                  <a:pt x="1629409" y="4899147"/>
+                </a:cubicBezTo>
+                <a:cubicBezTo>
+                  <a:pt x="1824758" y="4705183"/>
+                  <a:pt x="1855238" y="4562481"/>
+                  <a:pt x="1986856" y="4425321"/>
+                </a:cubicBezTo>
+                <a:cubicBezTo>
+                  <a:pt x="2118474" y="4288161"/>
+                  <a:pt x="2349845" y="4216118"/>
+                  <a:pt x="2419118" y="4076187"/>
+                </a:cubicBezTo>
+                <a:cubicBezTo>
+                  <a:pt x="2488391" y="3936256"/>
+                  <a:pt x="2489777" y="3700729"/>
+                  <a:pt x="2402493" y="3585736"/>
+                </a:cubicBezTo>
+                <a:cubicBezTo>
+                  <a:pt x="2315209" y="3470743"/>
+                  <a:pt x="2101849" y="3394543"/>
+                  <a:pt x="1895416" y="3386230"/>
+                </a:cubicBezTo>
+                <a:cubicBezTo>
+                  <a:pt x="1688983" y="3377917"/>
+                  <a:pt x="1370329" y="3409783"/>
+                  <a:pt x="1163896" y="3535859"/>
+                </a:cubicBezTo>
+                <a:cubicBezTo>
+                  <a:pt x="957463" y="3661936"/>
+                  <a:pt x="726093" y="4080344"/>
+                  <a:pt x="656820" y="4142689"/>
+                </a:cubicBezTo>
+                <a:cubicBezTo>
+                  <a:pt x="587547" y="4205034"/>
+                  <a:pt x="810606" y="3915474"/>
+                  <a:pt x="748260" y="3909932"/>
+                </a:cubicBezTo>
+                <a:cubicBezTo>
+                  <a:pt x="685914" y="3904390"/>
+                  <a:pt x="234256" y="4175940"/>
+                  <a:pt x="282747" y="4109438"/>
+                </a:cubicBezTo>
+                <a:cubicBezTo>
+                  <a:pt x="331238" y="4042936"/>
+                  <a:pt x="845241" y="3657779"/>
+                  <a:pt x="1039205" y="3510921"/>
+                </a:cubicBezTo>
+                <a:cubicBezTo>
+                  <a:pt x="1233169" y="3364063"/>
+                  <a:pt x="1619711" y="3219976"/>
+                  <a:pt x="1446529" y="3228289"/>
+                </a:cubicBezTo>
+                <a:cubicBezTo>
+                  <a:pt x="1273347" y="3236602"/>
+                  <a:pt x="12584" y="3582965"/>
+                  <a:pt x="115" y="3560798"/>
+                </a:cubicBezTo>
+                <a:cubicBezTo>
+                  <a:pt x="-12354" y="3538631"/>
+                  <a:pt x="983788" y="3199194"/>
+                  <a:pt x="1371715" y="3095285"/>
+                </a:cubicBezTo>
+                <a:cubicBezTo>
+                  <a:pt x="1759642" y="2991376"/>
+                  <a:pt x="2208529" y="3012157"/>
+                  <a:pt x="2327678" y="2937343"/>
+                </a:cubicBezTo>
+                <a:cubicBezTo>
+                  <a:pt x="2446827" y="2862529"/>
+                  <a:pt x="2259791" y="2711514"/>
+                  <a:pt x="2086609" y="2646398"/>
+                </a:cubicBezTo>
+                <a:cubicBezTo>
+                  <a:pt x="1913427" y="2581282"/>
+                  <a:pt x="1483936" y="2475987"/>
+                  <a:pt x="1288587" y="2546645"/>
+                </a:cubicBezTo>
+                <a:cubicBezTo>
+                  <a:pt x="1093238" y="2617303"/>
+                  <a:pt x="967162" y="3019085"/>
+                  <a:pt x="914515" y="3070347"/>
+                </a:cubicBezTo>
+                <a:cubicBezTo>
+                  <a:pt x="861868" y="3121609"/>
+                  <a:pt x="960235" y="2927645"/>
+                  <a:pt x="972704" y="2854216"/>
+                </a:cubicBezTo>
+                <a:cubicBezTo>
+                  <a:pt x="985173" y="2780787"/>
+                  <a:pt x="1119562" y="2642241"/>
+                  <a:pt x="989329" y="2629772"/>
+                </a:cubicBezTo>
+                <a:cubicBezTo>
+                  <a:pt x="859096" y="2617303"/>
+                  <a:pt x="228715" y="2809881"/>
+                  <a:pt x="174682" y="2796027"/>
+                </a:cubicBezTo>
+                <a:close/>
+              </a:path>
+            </a:pathLst>
+          </a:custGeom>
+          <a:solidFill>
+            <a:schemeClr val="tx2">
+              <a:lumMod val="20000"/>
+              <a:lumOff val="80000"/>
+            </a:schemeClr>
+          </a:solidFill>
+          <a:ln>
+            <a:solidFill>
+              <a:schemeClr val="tx1"/>
+            </a:solidFill>
+          </a:ln>
+        </p:spPr>
+        <p:style>
+          <a:lnRef idx="2">
+            <a:schemeClr val="accent1">
+              <a:shade val="50000"/>
+            </a:schemeClr>
+          </a:lnRef>
+          <a:fillRef idx="1">
+            <a:schemeClr val="accent1"/>
+          </a:fillRef>
+          <a:effectRef idx="0">
+            <a:schemeClr val="accent1"/>
+          </a:effectRef>
+          <a:fontRef idx="minor">
+            <a:schemeClr val="lt1"/>
+          </a:fontRef>
+        </p:style>
+        <p:txBody>
+          <a:bodyPr rtlCol="0" anchor="ctr"/>
+          <a:lstStyle/>
+          <a:p>
+            <a:pPr algn="ctr"/>
+            <a:endParaRPr kumimoji="1" lang="ja-JP" altLang="en-US"/>
+          </a:p>
+        </p:txBody>
+      </p:sp>
+      <p:sp>
+        <p:nvSpPr>
+          <p:cNvPr id="11" name="フリーフォーム 10"/>
+          <p:cNvSpPr/>
+          <p:nvPr/>
+        </p:nvSpPr>
+        <p:spPr>
+          <a:xfrm rot="340256">
+            <a:off x="5318623" y="3382835"/>
+            <a:ext cx="1025825" cy="577699"/>
+          </a:xfrm>
+          <a:custGeom>
+            <a:avLst/>
+            <a:gdLst>
+              <a:gd name="connsiteX0" fmla="*/ 307237 w 1157078"/>
+              <a:gd name="connsiteY0" fmla="*/ 18407 h 651615"/>
+              <a:gd name="connsiteX1" fmla="*/ 24605 w 1157078"/>
+              <a:gd name="connsiteY1" fmla="*/ 84909 h 651615"/>
+              <a:gd name="connsiteX2" fmla="*/ 107732 w 1157078"/>
+              <a:gd name="connsiteY2" fmla="*/ 500545 h 651615"/>
+              <a:gd name="connsiteX3" fmla="*/ 847565 w 1157078"/>
+              <a:gd name="connsiteY3" fmla="*/ 650174 h 651615"/>
+              <a:gd name="connsiteX4" fmla="*/ 1063695 w 1157078"/>
+              <a:gd name="connsiteY4" fmla="*/ 542109 h 651615"/>
+              <a:gd name="connsiteX5" fmla="*/ 1105259 w 1157078"/>
+              <a:gd name="connsiteY5" fmla="*/ 51658 h 651615"/>
+              <a:gd name="connsiteX6" fmla="*/ 307237 w 1157078"/>
+              <a:gd name="connsiteY6" fmla="*/ 18407 h 651615"/>
+            </a:gdLst>
+            <a:ahLst/>
+            <a:cxnLst>
+              <a:cxn ang="0">
+                <a:pos x="connsiteX0" y="connsiteY0"/>
+              </a:cxn>
+              <a:cxn ang="0">
+                <a:pos x="connsiteX1" y="connsiteY1"/>
+              </a:cxn>
+              <a:cxn ang="0">
+                <a:pos x="connsiteX2" y="connsiteY2"/>
+              </a:cxn>
+              <a:cxn ang="0">
+                <a:pos x="connsiteX3" y="connsiteY3"/>
+              </a:cxn>
+              <a:cxn ang="0">
+                <a:pos x="connsiteX4" y="connsiteY4"/>
+              </a:cxn>
+              <a:cxn ang="0">
+                <a:pos x="connsiteX5" y="connsiteY5"/>
+              </a:cxn>
+              <a:cxn ang="0">
+                <a:pos x="connsiteX6" y="connsiteY6"/>
+              </a:cxn>
+            </a:cxnLst>
+            <a:rect l="l" t="t" r="r" b="b"/>
+            <a:pathLst>
+              <a:path w="1157078" h="651615">
+                <a:moveTo>
+                  <a:pt x="307237" y="18407"/>
+                </a:moveTo>
+                <a:cubicBezTo>
+                  <a:pt x="127128" y="23949"/>
+                  <a:pt x="57856" y="4553"/>
+                  <a:pt x="24605" y="84909"/>
+                </a:cubicBezTo>
+                <a:cubicBezTo>
+                  <a:pt x="-8646" y="165265"/>
+                  <a:pt x="-29428" y="406334"/>
+                  <a:pt x="107732" y="500545"/>
+                </a:cubicBezTo>
+                <a:cubicBezTo>
+                  <a:pt x="244892" y="594756"/>
+                  <a:pt x="688238" y="643247"/>
+                  <a:pt x="847565" y="650174"/>
+                </a:cubicBezTo>
+                <a:cubicBezTo>
+                  <a:pt x="1006892" y="657101"/>
+                  <a:pt x="1020746" y="641862"/>
+                  <a:pt x="1063695" y="542109"/>
+                </a:cubicBezTo>
+                <a:cubicBezTo>
+                  <a:pt x="1106644" y="442356"/>
+                  <a:pt x="1224408" y="138942"/>
+                  <a:pt x="1105259" y="51658"/>
+                </a:cubicBezTo>
+                <a:cubicBezTo>
+                  <a:pt x="986110" y="-35626"/>
+                  <a:pt x="487346" y="12865"/>
+                  <a:pt x="307237" y="18407"/>
+                </a:cubicBezTo>
+                <a:close/>
+              </a:path>
+            </a:pathLst>
+          </a:custGeom>
+          <a:solidFill>
+            <a:schemeClr val="tx1">
+              <a:lumMod val="50000"/>
+              <a:lumOff val="50000"/>
+            </a:schemeClr>
+          </a:solidFill>
+          <a:ln w="19050">
+            <a:solidFill>
+              <a:schemeClr val="tx1"/>
+            </a:solidFill>
+          </a:ln>
+        </p:spPr>
+        <p:style>
+          <a:lnRef idx="2">
+            <a:schemeClr val="accent1">
+              <a:shade val="50000"/>
+            </a:schemeClr>
+          </a:lnRef>
+          <a:fillRef idx="1">
+            <a:schemeClr val="accent1"/>
+          </a:fillRef>
+          <a:effectRef idx="0">
+            <a:schemeClr val="accent1"/>
+          </a:effectRef>
+          <a:fontRef idx="minor">
+            <a:schemeClr val="lt1"/>
+          </a:fontRef>
+        </p:style>
+        <p:txBody>
+          <a:bodyPr rtlCol="0" anchor="ctr"/>
+          <a:lstStyle/>
+          <a:p>
+            <a:pPr algn="ctr"/>
+            <a:endParaRPr kumimoji="1" lang="ja-JP" altLang="en-US"/>
+          </a:p>
+        </p:txBody>
+      </p:sp>
+      <p:sp>
+        <p:nvSpPr>
+          <p:cNvPr id="12" name="フリーフォーム 11"/>
+          <p:cNvSpPr/>
+          <p:nvPr/>
+        </p:nvSpPr>
+        <p:spPr>
+          <a:xfrm>
+            <a:off x="6415135" y="3479099"/>
+            <a:ext cx="955962" cy="575832"/>
+          </a:xfrm>
+          <a:custGeom>
+            <a:avLst/>
+            <a:gdLst>
+              <a:gd name="connsiteX0" fmla="*/ 5844 w 1413235"/>
+              <a:gd name="connsiteY0" fmla="*/ 149721 h 502998"/>
+              <a:gd name="connsiteX1" fmla="*/ 413168 w 1413235"/>
+              <a:gd name="connsiteY1" fmla="*/ 92 h 502998"/>
+              <a:gd name="connsiteX2" fmla="*/ 1344193 w 1413235"/>
+              <a:gd name="connsiteY2" fmla="*/ 133095 h 502998"/>
+              <a:gd name="connsiteX3" fmla="*/ 1269379 w 1413235"/>
+              <a:gd name="connsiteY3" fmla="*/ 457292 h 502998"/>
+              <a:gd name="connsiteX4" fmla="*/ 670863 w 1413235"/>
+              <a:gd name="connsiteY4" fmla="*/ 498855 h 502998"/>
+              <a:gd name="connsiteX5" fmla="*/ 205350 w 1413235"/>
+              <a:gd name="connsiteY5" fmla="*/ 440666 h 502998"/>
+              <a:gd name="connsiteX6" fmla="*/ 5844 w 1413235"/>
+              <a:gd name="connsiteY6" fmla="*/ 149721 h 502998"/>
+            </a:gdLst>
+            <a:ahLst/>
+            <a:cxnLst>
+              <a:cxn ang="0">
+                <a:pos x="connsiteX0" y="connsiteY0"/>
+              </a:cxn>
+              <a:cxn ang="0">
+                <a:pos x="connsiteX1" y="connsiteY1"/>
+              </a:cxn>
+              <a:cxn ang="0">
+                <a:pos x="connsiteX2" y="connsiteY2"/>
+              </a:cxn>
+              <a:cxn ang="0">
+                <a:pos x="connsiteX3" y="connsiteY3"/>
+              </a:cxn>
+              <a:cxn ang="0">
+                <a:pos x="connsiteX4" y="connsiteY4"/>
+              </a:cxn>
+              <a:cxn ang="0">
+                <a:pos x="connsiteX5" y="connsiteY5"/>
+              </a:cxn>
+              <a:cxn ang="0">
+                <a:pos x="connsiteX6" y="connsiteY6"/>
+              </a:cxn>
+            </a:cxnLst>
+            <a:rect l="l" t="t" r="r" b="b"/>
+            <a:pathLst>
+              <a:path w="1413235" h="502998">
+                <a:moveTo>
+                  <a:pt x="5844" y="149721"/>
+                </a:moveTo>
+                <a:cubicBezTo>
+                  <a:pt x="40480" y="76292"/>
+                  <a:pt x="190110" y="2863"/>
+                  <a:pt x="413168" y="92"/>
+                </a:cubicBezTo>
+                <a:cubicBezTo>
+                  <a:pt x="636226" y="-2679"/>
+                  <a:pt x="1201491" y="56895"/>
+                  <a:pt x="1344193" y="133095"/>
+                </a:cubicBezTo>
+                <a:cubicBezTo>
+                  <a:pt x="1486895" y="209295"/>
+                  <a:pt x="1381601" y="396332"/>
+                  <a:pt x="1269379" y="457292"/>
+                </a:cubicBezTo>
+                <a:cubicBezTo>
+                  <a:pt x="1157157" y="518252"/>
+                  <a:pt x="848201" y="501626"/>
+                  <a:pt x="670863" y="498855"/>
+                </a:cubicBezTo>
+                <a:cubicBezTo>
+                  <a:pt x="493525" y="496084"/>
+                  <a:pt x="313415" y="497470"/>
+                  <a:pt x="205350" y="440666"/>
+                </a:cubicBezTo>
+                <a:cubicBezTo>
+                  <a:pt x="97285" y="383862"/>
+                  <a:pt x="-28792" y="223150"/>
+                  <a:pt x="5844" y="149721"/>
+                </a:cubicBezTo>
+                <a:close/>
+              </a:path>
+            </a:pathLst>
+          </a:custGeom>
+          <a:solidFill>
+            <a:schemeClr val="tx1">
+              <a:lumMod val="50000"/>
+              <a:lumOff val="50000"/>
+            </a:schemeClr>
+          </a:solidFill>
+          <a:ln w="19050">
+            <a:solidFill>
+              <a:schemeClr val="tx1"/>
+            </a:solidFill>
+          </a:ln>
+        </p:spPr>
+        <p:style>
+          <a:lnRef idx="2">
+            <a:schemeClr val="accent1">
+              <a:shade val="50000"/>
+            </a:schemeClr>
+          </a:lnRef>
+          <a:fillRef idx="1">
+            <a:schemeClr val="accent1"/>
+          </a:fillRef>
+          <a:effectRef idx="0">
+            <a:schemeClr val="accent1"/>
+          </a:effectRef>
+          <a:fontRef idx="minor">
+            <a:schemeClr val="lt1"/>
+          </a:fontRef>
+        </p:style>
+        <p:txBody>
+          <a:bodyPr rtlCol="0" anchor="ctr"/>
+          <a:lstStyle/>
+          <a:p>
+            <a:pPr algn="ctr"/>
+            <a:endParaRPr kumimoji="1" lang="ja-JP" altLang="en-US"/>
+          </a:p>
+        </p:txBody>
+      </p:sp>
+      <p:sp>
+        <p:nvSpPr>
+          <p:cNvPr id="13" name="フリーフォーム 12"/>
+          <p:cNvSpPr/>
+          <p:nvPr/>
+        </p:nvSpPr>
+        <p:spPr>
+          <a:xfrm rot="655293">
+            <a:off x="7472918" y="3448527"/>
+            <a:ext cx="1027675" cy="701689"/>
+          </a:xfrm>
+          <a:custGeom>
+            <a:avLst/>
+            <a:gdLst>
+              <a:gd name="connsiteX0" fmla="*/ 441545 w 1744374"/>
+              <a:gd name="connsiteY0" fmla="*/ 225198 h 923412"/>
+              <a:gd name="connsiteX1" fmla="*/ 1106563 w 1744374"/>
+              <a:gd name="connsiteY1" fmla="*/ 92194 h 923412"/>
+              <a:gd name="connsiteX2" fmla="*/ 1306068 w 1744374"/>
+              <a:gd name="connsiteY2" fmla="*/ 754 h 923412"/>
+              <a:gd name="connsiteX3" fmla="*/ 1663516 w 1744374"/>
+              <a:gd name="connsiteY3" fmla="*/ 142070 h 923412"/>
+              <a:gd name="connsiteX4" fmla="*/ 1638578 w 1744374"/>
+              <a:gd name="connsiteY4" fmla="*/ 782150 h 923412"/>
+              <a:gd name="connsiteX5" fmla="*/ 541298 w 1744374"/>
+              <a:gd name="connsiteY5" fmla="*/ 906841 h 923412"/>
+              <a:gd name="connsiteX6" fmla="*/ 970 w 1744374"/>
+              <a:gd name="connsiteY6" fmla="*/ 524456 h 923412"/>
+              <a:gd name="connsiteX7" fmla="*/ 441545 w 1744374"/>
+              <a:gd name="connsiteY7" fmla="*/ 225198 h 923412"/>
+            </a:gdLst>
+            <a:ahLst/>
+            <a:cxnLst>
+              <a:cxn ang="0">
+                <a:pos x="connsiteX0" y="connsiteY0"/>
+              </a:cxn>
+              <a:cxn ang="0">
+                <a:pos x="connsiteX1" y="connsiteY1"/>
+              </a:cxn>
+              <a:cxn ang="0">
+                <a:pos x="connsiteX2" y="connsiteY2"/>
+              </a:cxn>
+              <a:cxn ang="0">
+                <a:pos x="connsiteX3" y="connsiteY3"/>
+              </a:cxn>
+              <a:cxn ang="0">
+                <a:pos x="connsiteX4" y="connsiteY4"/>
+              </a:cxn>
+              <a:cxn ang="0">
+                <a:pos x="connsiteX5" y="connsiteY5"/>
+              </a:cxn>
+              <a:cxn ang="0">
+                <a:pos x="connsiteX6" y="connsiteY6"/>
+              </a:cxn>
+              <a:cxn ang="0">
+                <a:pos x="connsiteX7" y="connsiteY7"/>
+              </a:cxn>
+            </a:cxnLst>
+            <a:rect l="l" t="t" r="r" b="b"/>
+            <a:pathLst>
+              <a:path w="1744374" h="923412">
+                <a:moveTo>
+                  <a:pt x="441545" y="225198"/>
+                </a:moveTo>
+                <a:cubicBezTo>
+                  <a:pt x="625811" y="153154"/>
+                  <a:pt x="962476" y="129601"/>
+                  <a:pt x="1106563" y="92194"/>
+                </a:cubicBezTo>
+                <a:cubicBezTo>
+                  <a:pt x="1250650" y="54787"/>
+                  <a:pt x="1213243" y="-7559"/>
+                  <a:pt x="1306068" y="754"/>
+                </a:cubicBezTo>
+                <a:cubicBezTo>
+                  <a:pt x="1398893" y="9067"/>
+                  <a:pt x="1608098" y="11837"/>
+                  <a:pt x="1663516" y="142070"/>
+                </a:cubicBezTo>
+                <a:cubicBezTo>
+                  <a:pt x="1718934" y="272303"/>
+                  <a:pt x="1825614" y="654688"/>
+                  <a:pt x="1638578" y="782150"/>
+                </a:cubicBezTo>
+                <a:cubicBezTo>
+                  <a:pt x="1451542" y="909612"/>
+                  <a:pt x="814232" y="949790"/>
+                  <a:pt x="541298" y="906841"/>
+                </a:cubicBezTo>
+                <a:cubicBezTo>
+                  <a:pt x="268364" y="863892"/>
+                  <a:pt x="20366" y="636678"/>
+                  <a:pt x="970" y="524456"/>
+                </a:cubicBezTo>
+                <a:cubicBezTo>
+                  <a:pt x="-18426" y="412234"/>
+                  <a:pt x="257279" y="297242"/>
+                  <a:pt x="441545" y="225198"/>
+                </a:cubicBezTo>
+                <a:close/>
+              </a:path>
+            </a:pathLst>
+          </a:custGeom>
+          <a:solidFill>
+            <a:schemeClr val="tx1">
+              <a:lumMod val="50000"/>
+              <a:lumOff val="50000"/>
+            </a:schemeClr>
+          </a:solidFill>
+          <a:ln w="19050">
+            <a:solidFill>
+              <a:schemeClr val="tx1"/>
+            </a:solidFill>
+          </a:ln>
+        </p:spPr>
+        <p:style>
+          <a:lnRef idx="2">
+            <a:schemeClr val="accent1">
+              <a:shade val="50000"/>
+            </a:schemeClr>
+          </a:lnRef>
+          <a:fillRef idx="1">
+            <a:schemeClr val="accent1"/>
+          </a:fillRef>
+          <a:effectRef idx="0">
+            <a:schemeClr val="accent1"/>
+          </a:effectRef>
+          <a:fontRef idx="minor">
+            <a:schemeClr val="lt1"/>
+          </a:fontRef>
+        </p:style>
+        <p:txBody>
+          <a:bodyPr rtlCol="0" anchor="ctr"/>
+          <a:lstStyle/>
+          <a:p>
+            <a:pPr algn="ctr"/>
+            <a:endParaRPr kumimoji="1" lang="ja-JP" altLang="en-US"/>
+          </a:p>
+        </p:txBody>
+      </p:sp>
+      <p:sp>
+        <p:nvSpPr>
+          <p:cNvPr id="15" name="フリーフォーム 14"/>
+          <p:cNvSpPr/>
+          <p:nvPr/>
+        </p:nvSpPr>
+        <p:spPr>
+          <a:xfrm rot="21402208">
+            <a:off x="8662142" y="3465513"/>
+            <a:ext cx="1141534" cy="557057"/>
+          </a:xfrm>
+          <a:custGeom>
+            <a:avLst/>
+            <a:gdLst>
+              <a:gd name="connsiteX0" fmla="*/ 75330 w 1141534"/>
+              <a:gd name="connsiteY0" fmla="*/ 50848 h 557057"/>
+              <a:gd name="connsiteX1" fmla="*/ 67017 w 1141534"/>
+              <a:gd name="connsiteY1" fmla="*/ 366731 h 557057"/>
+              <a:gd name="connsiteX2" fmla="*/ 233272 w 1141534"/>
+              <a:gd name="connsiteY2" fmla="*/ 549611 h 557057"/>
+              <a:gd name="connsiteX3" fmla="*/ 881665 w 1141534"/>
+              <a:gd name="connsiteY3" fmla="*/ 508048 h 557057"/>
+              <a:gd name="connsiteX4" fmla="*/ 1097796 w 1141534"/>
+              <a:gd name="connsiteY4" fmla="*/ 383357 h 557057"/>
+              <a:gd name="connsiteX5" fmla="*/ 1131047 w 1141534"/>
+              <a:gd name="connsiteY5" fmla="*/ 133975 h 557057"/>
+              <a:gd name="connsiteX6" fmla="*/ 964792 w 1141534"/>
+              <a:gd name="connsiteY6" fmla="*/ 9284 h 557057"/>
+              <a:gd name="connsiteX7" fmla="*/ 75330 w 1141534"/>
+              <a:gd name="connsiteY7" fmla="*/ 50848 h 557057"/>
+            </a:gdLst>
+            <a:ahLst/>
+            <a:cxnLst>
+              <a:cxn ang="0">
+                <a:pos x="connsiteX0" y="connsiteY0"/>
+              </a:cxn>
+              <a:cxn ang="0">
+                <a:pos x="connsiteX1" y="connsiteY1"/>
+              </a:cxn>
+              <a:cxn ang="0">
+                <a:pos x="connsiteX2" y="connsiteY2"/>
+              </a:cxn>
+              <a:cxn ang="0">
+                <a:pos x="connsiteX3" y="connsiteY3"/>
+              </a:cxn>
+              <a:cxn ang="0">
+                <a:pos x="connsiteX4" y="connsiteY4"/>
+              </a:cxn>
+              <a:cxn ang="0">
+                <a:pos x="connsiteX5" y="connsiteY5"/>
+              </a:cxn>
+              <a:cxn ang="0">
+                <a:pos x="connsiteX6" y="connsiteY6"/>
+              </a:cxn>
+              <a:cxn ang="0">
+                <a:pos x="connsiteX7" y="connsiteY7"/>
+              </a:cxn>
+            </a:cxnLst>
+            <a:rect l="l" t="t" r="r" b="b"/>
+            <a:pathLst>
+              <a:path w="1141534" h="557057">
+                <a:moveTo>
+                  <a:pt x="75330" y="50848"/>
+                </a:moveTo>
+                <a:cubicBezTo>
+                  <a:pt x="-74299" y="110422"/>
+                  <a:pt x="40693" y="283604"/>
+                  <a:pt x="67017" y="366731"/>
+                </a:cubicBezTo>
+                <a:cubicBezTo>
+                  <a:pt x="93341" y="449858"/>
+                  <a:pt x="97497" y="526058"/>
+                  <a:pt x="233272" y="549611"/>
+                </a:cubicBezTo>
+                <a:cubicBezTo>
+                  <a:pt x="369047" y="573164"/>
+                  <a:pt x="737578" y="535757"/>
+                  <a:pt x="881665" y="508048"/>
+                </a:cubicBezTo>
+                <a:cubicBezTo>
+                  <a:pt x="1025752" y="480339"/>
+                  <a:pt x="1056232" y="445702"/>
+                  <a:pt x="1097796" y="383357"/>
+                </a:cubicBezTo>
+                <a:cubicBezTo>
+                  <a:pt x="1139360" y="321012"/>
+                  <a:pt x="1153214" y="196320"/>
+                  <a:pt x="1131047" y="133975"/>
+                </a:cubicBezTo>
+                <a:cubicBezTo>
+                  <a:pt x="1108880" y="71630"/>
+                  <a:pt x="1137974" y="24524"/>
+                  <a:pt x="964792" y="9284"/>
+                </a:cubicBezTo>
+                <a:cubicBezTo>
+                  <a:pt x="791610" y="-5956"/>
+                  <a:pt x="224959" y="-8726"/>
+                  <a:pt x="75330" y="50848"/>
+                </a:cubicBezTo>
+                <a:close/>
+              </a:path>
+            </a:pathLst>
+          </a:custGeom>
+          <a:solidFill>
+            <a:schemeClr val="tx1">
+              <a:lumMod val="50000"/>
+              <a:lumOff val="50000"/>
+            </a:schemeClr>
+          </a:solidFill>
+          <a:ln w="19050">
+            <a:solidFill>
+              <a:schemeClr val="tx1"/>
+            </a:solidFill>
+          </a:ln>
+        </p:spPr>
+        <p:style>
+          <a:lnRef idx="2">
+            <a:schemeClr val="accent1">
+              <a:shade val="50000"/>
+            </a:schemeClr>
+          </a:lnRef>
+          <a:fillRef idx="1">
+            <a:schemeClr val="accent1"/>
+          </a:fillRef>
+          <a:effectRef idx="0">
+            <a:schemeClr val="accent1"/>
+          </a:effectRef>
+          <a:fontRef idx="minor">
+            <a:schemeClr val="lt1"/>
+          </a:fontRef>
+        </p:style>
+        <p:txBody>
+          <a:bodyPr rtlCol="0" anchor="ctr"/>
+          <a:lstStyle/>
+          <a:p>
+            <a:pPr algn="ctr"/>
+            <a:endParaRPr kumimoji="1" lang="ja-JP" altLang="en-US"/>
+          </a:p>
+        </p:txBody>
+      </p:sp>
+      <p:sp>
+        <p:nvSpPr>
+          <p:cNvPr id="16" name="楕円 15"/>
+          <p:cNvSpPr/>
+          <p:nvPr/>
+        </p:nvSpPr>
+        <p:spPr>
+          <a:xfrm rot="1165481">
+            <a:off x="2937349" y="3009303"/>
+            <a:ext cx="1221971" cy="852287"/>
+          </a:xfrm>
+          <a:prstGeom prst="ellipse">
+            <a:avLst/>
+          </a:prstGeom>
+        </p:spPr>
+        <p:style>
+          <a:lnRef idx="2">
+            <a:schemeClr val="dk1">
+              <a:shade val="50000"/>
+            </a:schemeClr>
+          </a:lnRef>
+          <a:fillRef idx="1">
+            <a:schemeClr val="dk1"/>
+          </a:fillRef>
+          <a:effectRef idx="0">
+            <a:schemeClr val="dk1"/>
+          </a:effectRef>
+          <a:fontRef idx="minor">
+            <a:schemeClr val="lt1"/>
+          </a:fontRef>
+        </p:style>
+        <p:txBody>
+          <a:bodyPr rtlCol="0" anchor="ctr"/>
+          <a:lstStyle/>
+          <a:p>
+            <a:pPr algn="ctr"/>
+            <a:endParaRPr kumimoji="1" lang="ja-JP" altLang="en-US"/>
+          </a:p>
+        </p:txBody>
+      </p:sp>
+      <p:sp>
+        <p:nvSpPr>
+          <p:cNvPr id="20" name="テキスト ボックス 19"/>
+          <p:cNvSpPr txBox="1"/>
+          <p:nvPr/>
+        </p:nvSpPr>
+        <p:spPr>
+          <a:xfrm>
+            <a:off x="6983289" y="2834307"/>
+            <a:ext cx="902811" cy="523220"/>
+          </a:xfrm>
+          <a:prstGeom prst="rect">
+            <a:avLst/>
+          </a:prstGeom>
+          <a:solidFill>
+            <a:schemeClr val="bg1"/>
+          </a:solidFill>
+          <a:ln>
+            <a:solidFill>
+              <a:schemeClr val="tx1"/>
+            </a:solidFill>
+          </a:ln>
+        </p:spPr>
+        <p:txBody>
+          <a:bodyPr wrap="none" rtlCol="0">
+            <a:spAutoFit/>
+          </a:bodyPr>
+          <a:lstStyle/>
+          <a:p>
+            <a:r>
+              <a:rPr kumimoji="1" lang="ja-JP" altLang="en-US" sz="2800" b="1" dirty="0" smtClean="0"/>
+              <a:t>軸索</a:t>
+            </a:r>
+            <a:endParaRPr kumimoji="1" lang="ja-JP" altLang="en-US" sz="2800" b="1" dirty="0"/>
+          </a:p>
+        </p:txBody>
+      </p:sp>
+      <p:sp>
+        <p:nvSpPr>
+          <p:cNvPr id="40" name="テキスト ボックス 39"/>
+          <p:cNvSpPr txBox="1"/>
+          <p:nvPr/>
+        </p:nvSpPr>
+        <p:spPr>
+          <a:xfrm>
+            <a:off x="2917391" y="4019654"/>
+            <a:ext cx="1261884" cy="523220"/>
+          </a:xfrm>
+          <a:prstGeom prst="rect">
+            <a:avLst/>
+          </a:prstGeom>
+          <a:solidFill>
+            <a:schemeClr val="bg1"/>
+          </a:solidFill>
+          <a:ln>
+            <a:solidFill>
+              <a:schemeClr val="tx1"/>
+            </a:solidFill>
+          </a:ln>
+        </p:spPr>
+        <p:txBody>
+          <a:bodyPr wrap="none" rtlCol="0">
+            <a:spAutoFit/>
+          </a:bodyPr>
+          <a:lstStyle/>
+          <a:p>
+            <a:r>
+              <a:rPr lang="ja-JP" altLang="en-US" sz="2800" b="1" dirty="0" smtClean="0"/>
+              <a:t>細胞</a:t>
+            </a:r>
+            <a:r>
+              <a:rPr lang="ja-JP" altLang="en-US" sz="2800" b="1" dirty="0"/>
+              <a:t>体</a:t>
+            </a:r>
+            <a:endParaRPr kumimoji="1" lang="ja-JP" altLang="en-US" sz="2800" b="1" dirty="0"/>
+          </a:p>
+        </p:txBody>
+      </p:sp>
+      <p:sp>
+        <p:nvSpPr>
+          <p:cNvPr id="41" name="テキスト ボックス 40"/>
+          <p:cNvSpPr txBox="1"/>
+          <p:nvPr/>
+        </p:nvSpPr>
+        <p:spPr>
+          <a:xfrm>
+            <a:off x="2830405" y="920252"/>
+            <a:ext cx="1620957" cy="523220"/>
+          </a:xfrm>
+          <a:prstGeom prst="rect">
+            <a:avLst/>
+          </a:prstGeom>
+          <a:solidFill>
+            <a:schemeClr val="bg1"/>
+          </a:solidFill>
+          <a:ln>
+            <a:solidFill>
+              <a:schemeClr val="tx1"/>
+            </a:solidFill>
+          </a:ln>
+        </p:spPr>
+        <p:txBody>
+          <a:bodyPr wrap="none" rtlCol="0">
+            <a:spAutoFit/>
+          </a:bodyPr>
+          <a:lstStyle/>
+          <a:p>
+            <a:r>
+              <a:rPr lang="ja-JP" altLang="en-US" sz="2800" b="1" dirty="0" smtClean="0"/>
+              <a:t>樹状</a:t>
+            </a:r>
+            <a:r>
+              <a:rPr lang="ja-JP" altLang="en-US" sz="2800" b="1" dirty="0"/>
+              <a:t>突起</a:t>
+            </a:r>
+            <a:endParaRPr kumimoji="1" lang="ja-JP" altLang="en-US" sz="2800" b="1" dirty="0"/>
+          </a:p>
+        </p:txBody>
+      </p:sp>
+      <p:sp>
+        <p:nvSpPr>
+          <p:cNvPr id="42" name="テキスト ボックス 41"/>
+          <p:cNvSpPr txBox="1"/>
+          <p:nvPr/>
+        </p:nvSpPr>
+        <p:spPr>
+          <a:xfrm>
+            <a:off x="3276464" y="2789471"/>
+            <a:ext cx="543739" cy="523220"/>
+          </a:xfrm>
+          <a:prstGeom prst="rect">
+            <a:avLst/>
+          </a:prstGeom>
+          <a:solidFill>
+            <a:schemeClr val="bg1"/>
+          </a:solidFill>
+          <a:ln>
+            <a:solidFill>
+              <a:schemeClr val="tx1"/>
+            </a:solidFill>
+          </a:ln>
+        </p:spPr>
+        <p:txBody>
+          <a:bodyPr wrap="none" rtlCol="0">
+            <a:spAutoFit/>
+          </a:bodyPr>
+          <a:lstStyle/>
+          <a:p>
+            <a:r>
+              <a:rPr lang="ja-JP" altLang="en-US" sz="2800" b="1" dirty="0" smtClean="0"/>
+              <a:t>核</a:t>
+            </a:r>
+            <a:endParaRPr kumimoji="1" lang="ja-JP" altLang="en-US" sz="2800" b="1" dirty="0"/>
+          </a:p>
+        </p:txBody>
+      </p:sp>
+      <p:sp>
+        <p:nvSpPr>
+          <p:cNvPr id="43" name="テキスト ボックス 42"/>
+          <p:cNvSpPr txBox="1"/>
+          <p:nvPr/>
+        </p:nvSpPr>
+        <p:spPr>
+          <a:xfrm>
+            <a:off x="5831535" y="4604028"/>
+            <a:ext cx="1980029" cy="523220"/>
+          </a:xfrm>
+          <a:prstGeom prst="rect">
+            <a:avLst/>
+          </a:prstGeom>
+          <a:solidFill>
+            <a:schemeClr val="bg1"/>
+          </a:solidFill>
+          <a:ln>
+            <a:solidFill>
+              <a:schemeClr val="tx1"/>
+            </a:solidFill>
+          </a:ln>
+        </p:spPr>
+        <p:txBody>
+          <a:bodyPr wrap="none" rtlCol="0">
+            <a:spAutoFit/>
+          </a:bodyPr>
+          <a:lstStyle/>
+          <a:p>
+            <a:r>
+              <a:rPr kumimoji="1" lang="ja-JP" altLang="en-US" sz="2800" b="1" dirty="0" smtClean="0"/>
+              <a:t>ミエリン鞘</a:t>
+            </a:r>
+            <a:endParaRPr kumimoji="1" lang="ja-JP" altLang="en-US" sz="2800" b="1" dirty="0"/>
+          </a:p>
+        </p:txBody>
+      </p:sp>
+    </p:spTree>
+    <p:extLst>
+      <p:ext uri="{BB962C8B-B14F-4D97-AF65-F5344CB8AC3E}">
+        <p14:creationId xmlns:p14="http://schemas.microsoft.com/office/powerpoint/2010/main" val="981831725"/>
+      </p:ext>
+    </p:extLst>
+  </p:cSld>
+  <p:clrMapOvr>
+    <a:masterClrMapping/>
+  </p:clrMapOvr>
+</p:sld>
+</file>
+
+<file path=ppt/slides/slide20.xml><?xml version="1.0" encoding="utf-8"?>
 <p:sld xmlns:a="http://schemas.openxmlformats.org/drawingml/2006/main" xmlns:r="http://schemas.openxmlformats.org/officeDocument/2006/relationships" xmlns:p="http://schemas.openxmlformats.org/presentationml/2006/main">
   <p:cSld>
     <p:spTree>
@@ -16865,7 +18865,7 @@
 </p:sld>
 </file>
 
-<file path=ppt/slides/slide19.xml><?xml version="1.0" encoding="utf-8"?>
+<file path=ppt/slides/slide21.xml><?xml version="1.0" encoding="utf-8"?>
 <p:sld xmlns:a="http://schemas.openxmlformats.org/drawingml/2006/main" xmlns:r="http://schemas.openxmlformats.org/officeDocument/2006/relationships" xmlns:p="http://schemas.openxmlformats.org/presentationml/2006/main">
   <p:cSld>
     <p:spTree>
@@ -18059,7 +20059,1744 @@
 </p:sld>
 </file>
 
-<file path=ppt/slides/slide2.xml><?xml version="1.0" encoding="utf-8"?>
+<file path=ppt/slides/slide3.xml><?xml version="1.0" encoding="utf-8"?>
+<p:sld xmlns:a="http://schemas.openxmlformats.org/drawingml/2006/main" xmlns:r="http://schemas.openxmlformats.org/officeDocument/2006/relationships" xmlns:p="http://schemas.openxmlformats.org/presentationml/2006/main">
+  <p:cSld>
+    <p:spTree>
+      <p:nvGrpSpPr>
+        <p:cNvPr id="1" name=""/>
+        <p:cNvGrpSpPr/>
+        <p:nvPr/>
+      </p:nvGrpSpPr>
+      <p:grpSpPr>
+        <a:xfrm>
+          <a:off x="0" y="0"/>
+          <a:ext cx="0" cy="0"/>
+          <a:chOff x="0" y="0"/>
+          <a:chExt cx="0" cy="0"/>
+        </a:xfrm>
+      </p:grpSpPr>
+      <p:grpSp>
+        <p:nvGrpSpPr>
+          <p:cNvPr id="5" name="グループ化 4"/>
+          <p:cNvGrpSpPr/>
+          <p:nvPr/>
+        </p:nvGrpSpPr>
+        <p:grpSpPr>
+          <a:xfrm>
+            <a:off x="2969272" y="1002794"/>
+            <a:ext cx="5876111" cy="4455614"/>
+            <a:chOff x="2969272" y="1002794"/>
+            <a:chExt cx="5876111" cy="4455614"/>
+          </a:xfrm>
+        </p:grpSpPr>
+        <p:grpSp>
+          <p:nvGrpSpPr>
+            <p:cNvPr id="4" name="グループ化 3"/>
+            <p:cNvGrpSpPr/>
+            <p:nvPr/>
+          </p:nvGrpSpPr>
+          <p:grpSpPr>
+            <a:xfrm>
+              <a:off x="2969272" y="1002794"/>
+              <a:ext cx="5876111" cy="4455614"/>
+              <a:chOff x="2969272" y="1002794"/>
+              <a:chExt cx="5876111" cy="4455614"/>
+            </a:xfrm>
+          </p:grpSpPr>
+          <p:grpSp>
+            <p:nvGrpSpPr>
+              <p:cNvPr id="91" name="グループ化 90"/>
+              <p:cNvGrpSpPr/>
+              <p:nvPr/>
+            </p:nvGrpSpPr>
+            <p:grpSpPr>
+              <a:xfrm>
+                <a:off x="3080856" y="1002794"/>
+                <a:ext cx="5764527" cy="4455614"/>
+                <a:chOff x="3071331" y="1678486"/>
+                <a:chExt cx="5764527" cy="4455614"/>
+              </a:xfrm>
+            </p:grpSpPr>
+            <p:sp>
+              <p:nvSpPr>
+                <p:cNvPr id="2" name="楕円 1">
+                  <a:extLst>
+                    <a:ext uri="{FF2B5EF4-FFF2-40B4-BE49-F238E27FC236}">
+                      <a16:creationId xmlns:a16="http://schemas.microsoft.com/office/drawing/2014/main" id="{E1FE9A11-EDD3-4D63-B932-407DE454C4F7}"/>
+                    </a:ext>
+                  </a:extLst>
+                </p:cNvPr>
+                <p:cNvSpPr/>
+                <p:nvPr/>
+              </p:nvSpPr>
+              <p:spPr>
+                <a:xfrm>
+                  <a:off x="5271880" y="3273286"/>
+                  <a:ext cx="1648240" cy="1706219"/>
+                </a:xfrm>
+                <a:prstGeom prst="ellipse">
+                  <a:avLst/>
+                </a:prstGeom>
+                <a:solidFill>
+                  <a:schemeClr val="bg2">
+                    <a:lumMod val="90000"/>
+                  </a:schemeClr>
+                </a:solidFill>
+                <a:ln w="28575">
+                  <a:solidFill>
+                    <a:schemeClr val="tx1"/>
+                  </a:solidFill>
+                </a:ln>
+              </p:spPr>
+              <p:style>
+                <a:lnRef idx="2">
+                  <a:schemeClr val="accent1">
+                    <a:shade val="50000"/>
+                  </a:schemeClr>
+                </a:lnRef>
+                <a:fillRef idx="1">
+                  <a:schemeClr val="accent1"/>
+                </a:fillRef>
+                <a:effectRef idx="0">
+                  <a:schemeClr val="accent1"/>
+                </a:effectRef>
+                <a:fontRef idx="minor">
+                  <a:schemeClr val="lt1"/>
+                </a:fontRef>
+              </p:style>
+              <p:txBody>
+                <a:bodyPr rtlCol="0" anchor="ctr"/>
+                <a:lstStyle/>
+                <a:p>
+                  <a:pPr algn="ctr"/>
+                  <a:endParaRPr kumimoji="1" lang="ja-JP" altLang="en-US" sz="2400" dirty="0"/>
+                </a:p>
+              </p:txBody>
+            </p:sp>
+            <p:cxnSp>
+              <p:nvCxnSpPr>
+                <p:cNvPr id="6" name="直線矢印コネクタ 5">
+                  <a:extLst>
+                    <a:ext uri="{FF2B5EF4-FFF2-40B4-BE49-F238E27FC236}">
+                      <a16:creationId xmlns:a16="http://schemas.microsoft.com/office/drawing/2014/main" id="{81B3166E-D7F3-41CA-B104-E7C2AB4D3C9B}"/>
+                    </a:ext>
+                  </a:extLst>
+                </p:cNvPr>
+                <p:cNvCxnSpPr>
+                  <a:cxnSpLocks/>
+                </p:cNvCxnSpPr>
+                <p:nvPr/>
+              </p:nvCxnSpPr>
+              <p:spPr>
+                <a:xfrm>
+                  <a:off x="4533427" y="2054288"/>
+                  <a:ext cx="1048515" cy="1369996"/>
+                </a:xfrm>
+                <a:prstGeom prst="straightConnector1">
+                  <a:avLst/>
+                </a:prstGeom>
+                <a:ln w="38100">
+                  <a:solidFill>
+                    <a:schemeClr val="tx1"/>
+                  </a:solidFill>
+                  <a:tailEnd type="triangle"/>
+                </a:ln>
+              </p:spPr>
+              <p:style>
+                <a:lnRef idx="1">
+                  <a:schemeClr val="accent1"/>
+                </a:lnRef>
+                <a:fillRef idx="0">
+                  <a:schemeClr val="accent1"/>
+                </a:fillRef>
+                <a:effectRef idx="0">
+                  <a:schemeClr val="accent1"/>
+                </a:effectRef>
+                <a:fontRef idx="minor">
+                  <a:schemeClr val="tx1"/>
+                </a:fontRef>
+              </p:style>
+            </p:cxnSp>
+            <p:cxnSp>
+              <p:nvCxnSpPr>
+                <p:cNvPr id="17" name="直線矢印コネクタ 16">
+                  <a:extLst>
+                    <a:ext uri="{FF2B5EF4-FFF2-40B4-BE49-F238E27FC236}">
+                      <a16:creationId xmlns:a16="http://schemas.microsoft.com/office/drawing/2014/main" id="{45DE7437-4ABD-4B13-81B2-615003459286}"/>
+                    </a:ext>
+                  </a:extLst>
+                </p:cNvPr>
+                <p:cNvCxnSpPr>
+                  <a:cxnSpLocks/>
+                </p:cNvCxnSpPr>
+                <p:nvPr/>
+              </p:nvCxnSpPr>
+              <p:spPr>
+                <a:xfrm flipH="1">
+                  <a:off x="6825308" y="2114817"/>
+                  <a:ext cx="1682843" cy="1596104"/>
+                </a:xfrm>
+                <a:prstGeom prst="straightConnector1">
+                  <a:avLst/>
+                </a:prstGeom>
+                <a:ln w="38100">
+                  <a:solidFill>
+                    <a:schemeClr val="tx1"/>
+                  </a:solidFill>
+                  <a:tailEnd type="triangle"/>
+                </a:ln>
+              </p:spPr>
+              <p:style>
+                <a:lnRef idx="1">
+                  <a:schemeClr val="accent1"/>
+                </a:lnRef>
+                <a:fillRef idx="0">
+                  <a:schemeClr val="accent1"/>
+                </a:fillRef>
+                <a:effectRef idx="0">
+                  <a:schemeClr val="accent1"/>
+                </a:effectRef>
+                <a:fontRef idx="minor">
+                  <a:schemeClr val="tx1"/>
+                </a:fontRef>
+              </p:style>
+            </p:cxnSp>
+            <p:cxnSp>
+              <p:nvCxnSpPr>
+                <p:cNvPr id="18" name="直線矢印コネクタ 17">
+                  <a:extLst>
+                    <a:ext uri="{FF2B5EF4-FFF2-40B4-BE49-F238E27FC236}">
+                      <a16:creationId xmlns:a16="http://schemas.microsoft.com/office/drawing/2014/main" id="{81B3166E-D7F3-41CA-B104-E7C2AB4D3C9B}"/>
+                    </a:ext>
+                  </a:extLst>
+                </p:cNvPr>
+                <p:cNvCxnSpPr>
+                  <a:cxnSpLocks/>
+                </p:cNvCxnSpPr>
+                <p:nvPr/>
+              </p:nvCxnSpPr>
+              <p:spPr>
+                <a:xfrm flipH="1">
+                  <a:off x="6363156" y="2149416"/>
+                  <a:ext cx="462152" cy="1132651"/>
+                </a:xfrm>
+                <a:prstGeom prst="straightConnector1">
+                  <a:avLst/>
+                </a:prstGeom>
+                <a:ln w="38100">
+                  <a:solidFill>
+                    <a:schemeClr val="tx1"/>
+                  </a:solidFill>
+                  <a:tailEnd type="triangle"/>
+                </a:ln>
+              </p:spPr>
+              <p:style>
+                <a:lnRef idx="1">
+                  <a:schemeClr val="accent1"/>
+                </a:lnRef>
+                <a:fillRef idx="0">
+                  <a:schemeClr val="accent1"/>
+                </a:fillRef>
+                <a:effectRef idx="0">
+                  <a:schemeClr val="accent1"/>
+                </a:effectRef>
+                <a:fontRef idx="minor">
+                  <a:schemeClr val="tx1"/>
+                </a:fontRef>
+              </p:style>
+            </p:cxnSp>
+            <p:cxnSp>
+              <p:nvCxnSpPr>
+                <p:cNvPr id="30" name="直線矢印コネクタ 29">
+                  <a:extLst>
+                    <a:ext uri="{FF2B5EF4-FFF2-40B4-BE49-F238E27FC236}">
+                      <a16:creationId xmlns:a16="http://schemas.microsoft.com/office/drawing/2014/main" id="{81B3166E-D7F3-41CA-B104-E7C2AB4D3C9B}"/>
+                    </a:ext>
+                  </a:extLst>
+                </p:cNvPr>
+                <p:cNvCxnSpPr>
+                  <a:cxnSpLocks/>
+                </p:cNvCxnSpPr>
+                <p:nvPr/>
+              </p:nvCxnSpPr>
+              <p:spPr>
+                <a:xfrm>
+                  <a:off x="3683849" y="2054288"/>
+                  <a:ext cx="1699157" cy="1656633"/>
+                </a:xfrm>
+                <a:prstGeom prst="straightConnector1">
+                  <a:avLst/>
+                </a:prstGeom>
+                <a:ln w="38100">
+                  <a:solidFill>
+                    <a:schemeClr val="tx1"/>
+                  </a:solidFill>
+                  <a:tailEnd type="triangle"/>
+                </a:ln>
+              </p:spPr>
+              <p:style>
+                <a:lnRef idx="1">
+                  <a:schemeClr val="accent1"/>
+                </a:lnRef>
+                <a:fillRef idx="0">
+                  <a:schemeClr val="accent1"/>
+                </a:fillRef>
+                <a:effectRef idx="0">
+                  <a:schemeClr val="accent1"/>
+                </a:effectRef>
+                <a:fontRef idx="minor">
+                  <a:schemeClr val="tx1"/>
+                </a:fontRef>
+              </p:style>
+            </p:cxnSp>
+            <p:cxnSp>
+              <p:nvCxnSpPr>
+                <p:cNvPr id="54" name="直線矢印コネクタ 53">
+                  <a:extLst>
+                    <a:ext uri="{FF2B5EF4-FFF2-40B4-BE49-F238E27FC236}">
+                      <a16:creationId xmlns:a16="http://schemas.microsoft.com/office/drawing/2014/main" id="{81B3166E-D7F3-41CA-B104-E7C2AB4D3C9B}"/>
+                    </a:ext>
+                  </a:extLst>
+                </p:cNvPr>
+                <p:cNvCxnSpPr>
+                  <a:cxnSpLocks/>
+                </p:cNvCxnSpPr>
+                <p:nvPr/>
+              </p:nvCxnSpPr>
+              <p:spPr>
+                <a:xfrm>
+                  <a:off x="5344848" y="2114817"/>
+                  <a:ext cx="554936" cy="1151408"/>
+                </a:xfrm>
+                <a:prstGeom prst="straightConnector1">
+                  <a:avLst/>
+                </a:prstGeom>
+                <a:ln w="38100">
+                  <a:solidFill>
+                    <a:schemeClr val="tx1"/>
+                  </a:solidFill>
+                  <a:tailEnd type="triangle"/>
+                </a:ln>
+              </p:spPr>
+              <p:style>
+                <a:lnRef idx="1">
+                  <a:schemeClr val="accent1"/>
+                </a:lnRef>
+                <a:fillRef idx="0">
+                  <a:schemeClr val="accent1"/>
+                </a:fillRef>
+                <a:effectRef idx="0">
+                  <a:schemeClr val="accent1"/>
+                </a:effectRef>
+                <a:fontRef idx="minor">
+                  <a:schemeClr val="tx1"/>
+                </a:fontRef>
+              </p:style>
+            </p:cxnSp>
+            <p:cxnSp>
+              <p:nvCxnSpPr>
+                <p:cNvPr id="59" name="直線矢印コネクタ 58">
+                  <a:extLst>
+                    <a:ext uri="{FF2B5EF4-FFF2-40B4-BE49-F238E27FC236}">
+                      <a16:creationId xmlns:a16="http://schemas.microsoft.com/office/drawing/2014/main" id="{45DE7437-4ABD-4B13-81B2-615003459286}"/>
+                    </a:ext>
+                  </a:extLst>
+                </p:cNvPr>
+                <p:cNvCxnSpPr>
+                  <a:cxnSpLocks/>
+                </p:cNvCxnSpPr>
+                <p:nvPr/>
+              </p:nvCxnSpPr>
+              <p:spPr>
+                <a:xfrm flipH="1">
+                  <a:off x="6618737" y="2114106"/>
+                  <a:ext cx="950502" cy="1304862"/>
+                </a:xfrm>
+                <a:prstGeom prst="straightConnector1">
+                  <a:avLst/>
+                </a:prstGeom>
+                <a:ln w="38100">
+                  <a:solidFill>
+                    <a:schemeClr val="tx1"/>
+                  </a:solidFill>
+                  <a:tailEnd type="triangle"/>
+                </a:ln>
+              </p:spPr>
+              <p:style>
+                <a:lnRef idx="1">
+                  <a:schemeClr val="accent1"/>
+                </a:lnRef>
+                <a:fillRef idx="0">
+                  <a:schemeClr val="accent1"/>
+                </a:fillRef>
+                <a:effectRef idx="0">
+                  <a:schemeClr val="accent1"/>
+                </a:effectRef>
+                <a:fontRef idx="minor">
+                  <a:schemeClr val="tx1"/>
+                </a:fontRef>
+              </p:style>
+            </p:cxnSp>
+            <p:grpSp>
+              <p:nvGrpSpPr>
+                <p:cNvPr id="72" name="グループ化 71"/>
+                <p:cNvGrpSpPr/>
+                <p:nvPr/>
+              </p:nvGrpSpPr>
+              <p:grpSpPr>
+                <a:xfrm>
+                  <a:off x="3071331" y="1678486"/>
+                  <a:ext cx="5764527" cy="837467"/>
+                  <a:chOff x="3510615" y="1660925"/>
+                  <a:chExt cx="4992704" cy="837467"/>
+                </a:xfrm>
+              </p:grpSpPr>
+              <p:sp>
+                <p:nvSpPr>
+                  <p:cNvPr id="19" name="テキスト ボックス 18"/>
+                  <p:cNvSpPr txBox="1"/>
+                  <p:nvPr/>
+                </p:nvSpPr>
+                <p:spPr>
+                  <a:xfrm>
+                    <a:off x="5741154" y="1667395"/>
+                    <a:ext cx="776944" cy="830997"/>
+                  </a:xfrm>
+                  <a:prstGeom prst="rect">
+                    <a:avLst/>
+                  </a:prstGeom>
+                  <a:noFill/>
+                </p:spPr>
+                <p:txBody>
+                  <a:bodyPr wrap="square" rtlCol="0">
+                    <a:spAutoFit/>
+                  </a:bodyPr>
+                  <a:lstStyle/>
+                  <a:p>
+                    <a:r>
+                      <a:rPr kumimoji="1" lang="ja-JP" altLang="en-US" sz="2400" dirty="0" smtClean="0"/>
+                      <a:t>・・・</a:t>
+                    </a:r>
+                    <a:endParaRPr kumimoji="1" lang="ja-JP" altLang="en-US" sz="2400" dirty="0"/>
+                  </a:p>
+                </p:txBody>
+              </p:sp>
+              <mc:AlternateContent xmlns:mc="http://schemas.openxmlformats.org/markup-compatibility/2006">
+                <mc:Choice xmlns:a14="http://schemas.microsoft.com/office/drawing/2010/main" Requires="a14">
+                  <p:sp>
+                    <p:nvSpPr>
+                      <p:cNvPr id="28" name="テキスト ボックス 27"/>
+                      <p:cNvSpPr txBox="1"/>
+                      <p:nvPr/>
+                    </p:nvSpPr>
+                    <p:spPr>
+                      <a:xfrm>
+                        <a:off x="3510615" y="1664410"/>
+                        <a:ext cx="832636" cy="369332"/>
+                      </a:xfrm>
+                      <a:prstGeom prst="rect">
+                        <a:avLst/>
+                      </a:prstGeom>
+                      <a:noFill/>
+                    </p:spPr>
+                    <p:txBody>
+                      <a:bodyPr wrap="none" lIns="0" tIns="0" rIns="0" bIns="0" rtlCol="0">
+                        <a:spAutoFit/>
+                      </a:bodyPr>
+                      <a:lstStyle/>
+                      <a:p>
+                        <a:pPr/>
+                        <a14:m>
+                          <m:oMathPara xmlns:m="http://schemas.openxmlformats.org/officeDocument/2006/math">
+                            <m:oMathParaPr>
+                              <m:jc m:val="centerGroup"/>
+                            </m:oMathParaPr>
+                            <m:oMath xmlns:m="http://schemas.openxmlformats.org/officeDocument/2006/math">
+                              <m:sSub>
+                                <m:sSubPr>
+                                  <m:ctrlPr>
+                                    <a:rPr kumimoji="1" lang="en-US" altLang="ja-JP" sz="2400" i="1" smtClean="0">
+                                      <a:latin typeface="Cambria Math" panose="02040503050406030204" pitchFamily="18" charset="0"/>
+                                    </a:rPr>
+                                  </m:ctrlPr>
+                                </m:sSubPr>
+                                <m:e>
+                                  <m:r>
+                                    <a:rPr kumimoji="1" lang="en-US" altLang="ja-JP" sz="2400" b="0" i="1" smtClean="0">
+                                      <a:latin typeface="Cambria Math" panose="02040503050406030204" pitchFamily="18" charset="0"/>
+                                    </a:rPr>
+                                    <m:t>𝑥</m:t>
+                                  </m:r>
+                                </m:e>
+                                <m:sub>
+                                  <m:r>
+                                    <a:rPr kumimoji="1" lang="en-US" altLang="ja-JP" sz="2400" b="0" i="1" smtClean="0">
+                                      <a:latin typeface="Cambria Math" panose="02040503050406030204" pitchFamily="18" charset="0"/>
+                                    </a:rPr>
+                                    <m:t>0</m:t>
+                                  </m:r>
+                                </m:sub>
+                              </m:sSub>
+                              <m:r>
+                                <a:rPr kumimoji="1" lang="en-US" altLang="ja-JP" sz="2400" b="0" i="1" smtClean="0">
+                                  <a:latin typeface="Cambria Math" panose="02040503050406030204" pitchFamily="18" charset="0"/>
+                                </a:rPr>
+                                <m:t>=1</m:t>
+                              </m:r>
+                            </m:oMath>
+                          </m:oMathPara>
+                        </a14:m>
+                        <a:endParaRPr kumimoji="1" lang="ja-JP" altLang="en-US" sz="2400" dirty="0"/>
+                      </a:p>
+                    </p:txBody>
+                  </p:sp>
+                </mc:Choice>
+                <mc:Fallback>
+                  <p:sp>
+                    <p:nvSpPr>
+                      <p:cNvPr id="28" name="テキスト ボックス 27"/>
+                      <p:cNvSpPr txBox="1">
+                        <a:spLocks noRot="1" noChangeAspect="1" noMove="1" noResize="1" noEditPoints="1" noAdjustHandles="1" noChangeArrowheads="1" noChangeShapeType="1" noTextEdit="1"/>
+                      </p:cNvSpPr>
+                      <p:nvPr/>
+                    </p:nvSpPr>
+                    <p:spPr>
+                      <a:xfrm>
+                        <a:off x="3510615" y="1664410"/>
+                        <a:ext cx="832636" cy="369332"/>
+                      </a:xfrm>
+                      <a:prstGeom prst="rect">
+                        <a:avLst/>
+                      </a:prstGeom>
+                      <a:blipFill>
+                        <a:blip r:embed="rId2"/>
+                        <a:stretch>
+                          <a:fillRect l="-2532" r="-6329" b="-11475"/>
+                        </a:stretch>
+                      </a:blipFill>
+                    </p:spPr>
+                    <p:txBody>
+                      <a:bodyPr/>
+                      <a:lstStyle/>
+                      <a:p>
+                        <a:r>
+                          <a:rPr lang="ja-JP" altLang="en-US">
+                            <a:noFill/>
+                          </a:rPr>
+                          <a:t> </a:t>
+                        </a:r>
+                      </a:p>
+                    </p:txBody>
+                  </p:sp>
+                </mc:Fallback>
+              </mc:AlternateContent>
+              <mc:AlternateContent xmlns:mc="http://schemas.openxmlformats.org/markup-compatibility/2006">
+                <mc:Choice xmlns:a14="http://schemas.microsoft.com/office/drawing/2010/main" Requires="a14">
+                  <p:sp>
+                    <p:nvSpPr>
+                      <p:cNvPr id="29" name="テキスト ボックス 28"/>
+                      <p:cNvSpPr txBox="1"/>
+                      <p:nvPr/>
+                    </p:nvSpPr>
+                    <p:spPr>
+                      <a:xfrm>
+                        <a:off x="6583053" y="1660926"/>
+                        <a:ext cx="610163" cy="369332"/>
+                      </a:xfrm>
+                      <a:prstGeom prst="rect">
+                        <a:avLst/>
+                      </a:prstGeom>
+                      <a:noFill/>
+                    </p:spPr>
+                    <p:txBody>
+                      <a:bodyPr wrap="none" lIns="0" tIns="0" rIns="0" bIns="0" rtlCol="0">
+                        <a:spAutoFit/>
+                      </a:bodyPr>
+                      <a:lstStyle/>
+                      <a:p>
+                        <a:pPr/>
+                        <a14:m>
+                          <m:oMathPara xmlns:m="http://schemas.openxmlformats.org/officeDocument/2006/math">
+                            <m:oMathParaPr>
+                              <m:jc m:val="centerGroup"/>
+                            </m:oMathParaPr>
+                            <m:oMath xmlns:m="http://schemas.openxmlformats.org/officeDocument/2006/math">
+                              <m:sSub>
+                                <m:sSubPr>
+                                  <m:ctrlPr>
+                                    <a:rPr kumimoji="1" lang="en-US" altLang="ja-JP" sz="2400" i="1" smtClean="0">
+                                      <a:latin typeface="Cambria Math" panose="02040503050406030204" pitchFamily="18" charset="0"/>
+                                    </a:rPr>
+                                  </m:ctrlPr>
+                                </m:sSubPr>
+                                <m:e>
+                                  <m:r>
+                                    <a:rPr kumimoji="1" lang="en-US" altLang="ja-JP" sz="2400" b="0" i="1" smtClean="0">
+                                      <a:latin typeface="Cambria Math" panose="02040503050406030204" pitchFamily="18" charset="0"/>
+                                    </a:rPr>
+                                    <m:t>𝑥</m:t>
+                                  </m:r>
+                                </m:e>
+                                <m:sub>
+                                  <m:r>
+                                    <a:rPr kumimoji="1" lang="en-US" altLang="ja-JP" sz="2400" b="0" i="1" smtClean="0">
+                                      <a:latin typeface="Cambria Math" panose="02040503050406030204" pitchFamily="18" charset="0"/>
+                                    </a:rPr>
+                                    <m:t>𝑛</m:t>
+                                  </m:r>
+                                  <m:r>
+                                    <a:rPr kumimoji="1" lang="en-US" altLang="ja-JP" sz="2400" b="0" i="1" smtClean="0">
+                                      <a:latin typeface="Cambria Math" panose="02040503050406030204" pitchFamily="18" charset="0"/>
+                                    </a:rPr>
+                                    <m:t>−2</m:t>
+                                  </m:r>
+                                </m:sub>
+                              </m:sSub>
+                            </m:oMath>
+                          </m:oMathPara>
+                        </a14:m>
+                        <a:endParaRPr kumimoji="1" lang="ja-JP" altLang="en-US" sz="2400" dirty="0"/>
+                      </a:p>
+                    </p:txBody>
+                  </p:sp>
+                </mc:Choice>
+                <mc:Fallback>
+                  <p:sp>
+                    <p:nvSpPr>
+                      <p:cNvPr id="29" name="テキスト ボックス 28"/>
+                      <p:cNvSpPr txBox="1">
+                        <a:spLocks noRot="1" noChangeAspect="1" noMove="1" noResize="1" noEditPoints="1" noAdjustHandles="1" noChangeArrowheads="1" noChangeShapeType="1" noTextEdit="1"/>
+                      </p:cNvSpPr>
+                      <p:nvPr/>
+                    </p:nvSpPr>
+                    <p:spPr>
+                      <a:xfrm>
+                        <a:off x="6583053" y="1660926"/>
+                        <a:ext cx="610163" cy="369332"/>
+                      </a:xfrm>
+                      <a:prstGeom prst="rect">
+                        <a:avLst/>
+                      </a:prstGeom>
+                      <a:blipFill>
+                        <a:blip r:embed="rId3"/>
+                        <a:stretch>
+                          <a:fillRect l="-3448" r="-1724" b="-11667"/>
+                        </a:stretch>
+                      </a:blipFill>
+                    </p:spPr>
+                    <p:txBody>
+                      <a:bodyPr/>
+                      <a:lstStyle/>
+                      <a:p>
+                        <a:r>
+                          <a:rPr lang="ja-JP" altLang="en-US">
+                            <a:noFill/>
+                          </a:rPr>
+                          <a:t> </a:t>
+                        </a:r>
+                      </a:p>
+                    </p:txBody>
+                  </p:sp>
+                </mc:Fallback>
+              </mc:AlternateContent>
+              <mc:AlternateContent xmlns:mc="http://schemas.openxmlformats.org/markup-compatibility/2006">
+                <mc:Choice xmlns:a14="http://schemas.microsoft.com/office/drawing/2010/main" Requires="a14">
+                  <p:sp>
+                    <p:nvSpPr>
+                      <p:cNvPr id="35" name="テキスト ボックス 34"/>
+                      <p:cNvSpPr txBox="1"/>
+                      <p:nvPr/>
+                    </p:nvSpPr>
+                    <p:spPr>
+                      <a:xfrm>
+                        <a:off x="4603314" y="1660926"/>
+                        <a:ext cx="332709" cy="369332"/>
+                      </a:xfrm>
+                      <a:prstGeom prst="rect">
+                        <a:avLst/>
+                      </a:prstGeom>
+                      <a:noFill/>
+                    </p:spPr>
+                    <p:txBody>
+                      <a:bodyPr wrap="none" lIns="0" tIns="0" rIns="0" bIns="0" rtlCol="0">
+                        <a:spAutoFit/>
+                      </a:bodyPr>
+                      <a:lstStyle/>
+                      <a:p>
+                        <a:pPr/>
+                        <a14:m>
+                          <m:oMathPara xmlns:m="http://schemas.openxmlformats.org/officeDocument/2006/math">
+                            <m:oMathParaPr>
+                              <m:jc m:val="centerGroup"/>
+                            </m:oMathParaPr>
+                            <m:oMath xmlns:m="http://schemas.openxmlformats.org/officeDocument/2006/math">
+                              <m:sSub>
+                                <m:sSubPr>
+                                  <m:ctrlPr>
+                                    <a:rPr kumimoji="1" lang="en-US" altLang="ja-JP" sz="2400" i="1" smtClean="0">
+                                      <a:latin typeface="Cambria Math" panose="02040503050406030204" pitchFamily="18" charset="0"/>
+                                    </a:rPr>
+                                  </m:ctrlPr>
+                                </m:sSubPr>
+                                <m:e>
+                                  <m:r>
+                                    <a:rPr kumimoji="1" lang="en-US" altLang="ja-JP" sz="2400" b="0" i="1" smtClean="0">
+                                      <a:latin typeface="Cambria Math" panose="02040503050406030204" pitchFamily="18" charset="0"/>
+                                    </a:rPr>
+                                    <m:t>𝑥</m:t>
+                                  </m:r>
+                                </m:e>
+                                <m:sub>
+                                  <m:r>
+                                    <a:rPr kumimoji="1" lang="en-US" altLang="ja-JP" sz="2400" b="0" i="1" smtClean="0">
+                                      <a:latin typeface="Cambria Math" panose="02040503050406030204" pitchFamily="18" charset="0"/>
+                                    </a:rPr>
+                                    <m:t>1</m:t>
+                                  </m:r>
+                                </m:sub>
+                              </m:sSub>
+                            </m:oMath>
+                          </m:oMathPara>
+                        </a14:m>
+                        <a:endParaRPr kumimoji="1" lang="ja-JP" altLang="en-US" sz="2400" dirty="0"/>
+                      </a:p>
+                    </p:txBody>
+                  </p:sp>
+                </mc:Choice>
+                <mc:Fallback>
+                  <p:sp>
+                    <p:nvSpPr>
+                      <p:cNvPr id="35" name="テキスト ボックス 34"/>
+                      <p:cNvSpPr txBox="1">
+                        <a:spLocks noRot="1" noChangeAspect="1" noMove="1" noResize="1" noEditPoints="1" noAdjustHandles="1" noChangeArrowheads="1" noChangeShapeType="1" noTextEdit="1"/>
+                      </p:cNvSpPr>
+                      <p:nvPr/>
+                    </p:nvSpPr>
+                    <p:spPr>
+                      <a:xfrm>
+                        <a:off x="4603314" y="1660926"/>
+                        <a:ext cx="332709" cy="369332"/>
+                      </a:xfrm>
+                      <a:prstGeom prst="rect">
+                        <a:avLst/>
+                      </a:prstGeom>
+                      <a:blipFill>
+                        <a:blip r:embed="rId4"/>
+                        <a:stretch>
+                          <a:fillRect l="-7937" r="-4762" b="-11667"/>
+                        </a:stretch>
+                      </a:blipFill>
+                    </p:spPr>
+                    <p:txBody>
+                      <a:bodyPr/>
+                      <a:lstStyle/>
+                      <a:p>
+                        <a:r>
+                          <a:rPr lang="ja-JP" altLang="en-US">
+                            <a:noFill/>
+                          </a:rPr>
+                          <a:t> </a:t>
+                        </a:r>
+                      </a:p>
+                    </p:txBody>
+                  </p:sp>
+                </mc:Fallback>
+              </mc:AlternateContent>
+              <mc:AlternateContent xmlns:mc="http://schemas.openxmlformats.org/markup-compatibility/2006">
+                <mc:Choice xmlns:a14="http://schemas.microsoft.com/office/drawing/2010/main" Requires="a14">
+                  <p:sp>
+                    <p:nvSpPr>
+                      <p:cNvPr id="52" name="テキスト ボックス 51"/>
+                      <p:cNvSpPr txBox="1"/>
+                      <p:nvPr/>
+                    </p:nvSpPr>
+                    <p:spPr>
+                      <a:xfrm>
+                        <a:off x="5332604" y="1660926"/>
+                        <a:ext cx="338874" cy="369332"/>
+                      </a:xfrm>
+                      <a:prstGeom prst="rect">
+                        <a:avLst/>
+                      </a:prstGeom>
+                      <a:noFill/>
+                    </p:spPr>
+                    <p:txBody>
+                      <a:bodyPr wrap="none" lIns="0" tIns="0" rIns="0" bIns="0" rtlCol="0">
+                        <a:spAutoFit/>
+                      </a:bodyPr>
+                      <a:lstStyle/>
+                      <a:p>
+                        <a:pPr/>
+                        <a14:m>
+                          <m:oMathPara xmlns:m="http://schemas.openxmlformats.org/officeDocument/2006/math">
+                            <m:oMathParaPr>
+                              <m:jc m:val="centerGroup"/>
+                            </m:oMathParaPr>
+                            <m:oMath xmlns:m="http://schemas.openxmlformats.org/officeDocument/2006/math">
+                              <m:sSub>
+                                <m:sSubPr>
+                                  <m:ctrlPr>
+                                    <a:rPr kumimoji="1" lang="en-US" altLang="ja-JP" sz="2400" i="1" smtClean="0">
+                                      <a:latin typeface="Cambria Math" panose="02040503050406030204" pitchFamily="18" charset="0"/>
+                                    </a:rPr>
+                                  </m:ctrlPr>
+                                </m:sSubPr>
+                                <m:e>
+                                  <m:r>
+                                    <a:rPr kumimoji="1" lang="en-US" altLang="ja-JP" sz="2400" b="0" i="1" smtClean="0">
+                                      <a:latin typeface="Cambria Math" panose="02040503050406030204" pitchFamily="18" charset="0"/>
+                                    </a:rPr>
+                                    <m:t>𝑥</m:t>
+                                  </m:r>
+                                </m:e>
+                                <m:sub>
+                                  <m:r>
+                                    <a:rPr kumimoji="1" lang="en-US" altLang="ja-JP" sz="2400" b="0" i="1" smtClean="0">
+                                      <a:latin typeface="Cambria Math" panose="02040503050406030204" pitchFamily="18" charset="0"/>
+                                    </a:rPr>
+                                    <m:t>2</m:t>
+                                  </m:r>
+                                </m:sub>
+                              </m:sSub>
+                            </m:oMath>
+                          </m:oMathPara>
+                        </a14:m>
+                        <a:endParaRPr kumimoji="1" lang="ja-JP" altLang="en-US" sz="2400" dirty="0"/>
+                      </a:p>
+                    </p:txBody>
+                  </p:sp>
+                </mc:Choice>
+                <mc:Fallback>
+                  <p:sp>
+                    <p:nvSpPr>
+                      <p:cNvPr id="52" name="テキスト ボックス 51"/>
+                      <p:cNvSpPr txBox="1">
+                        <a:spLocks noRot="1" noChangeAspect="1" noMove="1" noResize="1" noEditPoints="1" noAdjustHandles="1" noChangeArrowheads="1" noChangeShapeType="1" noTextEdit="1"/>
+                      </p:cNvSpPr>
+                      <p:nvPr/>
+                    </p:nvSpPr>
+                    <p:spPr>
+                      <a:xfrm>
+                        <a:off x="5332604" y="1660926"/>
+                        <a:ext cx="338874" cy="369332"/>
+                      </a:xfrm>
+                      <a:prstGeom prst="rect">
+                        <a:avLst/>
+                      </a:prstGeom>
+                      <a:blipFill>
+                        <a:blip r:embed="rId5"/>
+                        <a:stretch>
+                          <a:fillRect l="-7692" r="-3077" b="-11667"/>
+                        </a:stretch>
+                      </a:blipFill>
+                    </p:spPr>
+                    <p:txBody>
+                      <a:bodyPr/>
+                      <a:lstStyle/>
+                      <a:p>
+                        <a:r>
+                          <a:rPr lang="ja-JP" altLang="en-US">
+                            <a:noFill/>
+                          </a:rPr>
+                          <a:t> </a:t>
+                        </a:r>
+                      </a:p>
+                    </p:txBody>
+                  </p:sp>
+                </mc:Fallback>
+              </mc:AlternateContent>
+              <mc:AlternateContent xmlns:mc="http://schemas.openxmlformats.org/markup-compatibility/2006">
+                <mc:Choice xmlns:a14="http://schemas.microsoft.com/office/drawing/2010/main" Requires="a14">
+                  <p:sp>
+                    <p:nvSpPr>
+                      <p:cNvPr id="58" name="テキスト ボックス 57"/>
+                      <p:cNvSpPr txBox="1"/>
+                      <p:nvPr/>
+                    </p:nvSpPr>
+                    <p:spPr>
+                      <a:xfrm>
+                        <a:off x="7259404" y="1660925"/>
+                        <a:ext cx="610163" cy="369332"/>
+                      </a:xfrm>
+                      <a:prstGeom prst="rect">
+                        <a:avLst/>
+                      </a:prstGeom>
+                      <a:noFill/>
+                    </p:spPr>
+                    <p:txBody>
+                      <a:bodyPr wrap="none" lIns="0" tIns="0" rIns="0" bIns="0" rtlCol="0">
+                        <a:spAutoFit/>
+                      </a:bodyPr>
+                      <a:lstStyle/>
+                      <a:p>
+                        <a:pPr/>
+                        <a14:m>
+                          <m:oMathPara xmlns:m="http://schemas.openxmlformats.org/officeDocument/2006/math">
+                            <m:oMathParaPr>
+                              <m:jc m:val="centerGroup"/>
+                            </m:oMathParaPr>
+                            <m:oMath xmlns:m="http://schemas.openxmlformats.org/officeDocument/2006/math">
+                              <m:sSub>
+                                <m:sSubPr>
+                                  <m:ctrlPr>
+                                    <a:rPr kumimoji="1" lang="en-US" altLang="ja-JP" sz="2400" i="1" smtClean="0">
+                                      <a:latin typeface="Cambria Math" panose="02040503050406030204" pitchFamily="18" charset="0"/>
+                                    </a:rPr>
+                                  </m:ctrlPr>
+                                </m:sSubPr>
+                                <m:e>
+                                  <m:r>
+                                    <a:rPr kumimoji="1" lang="en-US" altLang="ja-JP" sz="2400" b="0" i="1" smtClean="0">
+                                      <a:latin typeface="Cambria Math" panose="02040503050406030204" pitchFamily="18" charset="0"/>
+                                    </a:rPr>
+                                    <m:t>𝑥</m:t>
+                                  </m:r>
+                                </m:e>
+                                <m:sub>
+                                  <m:r>
+                                    <a:rPr kumimoji="1" lang="en-US" altLang="ja-JP" sz="2400" b="0" i="1" smtClean="0">
+                                      <a:latin typeface="Cambria Math" panose="02040503050406030204" pitchFamily="18" charset="0"/>
+                                    </a:rPr>
+                                    <m:t>𝑛</m:t>
+                                  </m:r>
+                                  <m:r>
+                                    <a:rPr kumimoji="1" lang="en-US" altLang="ja-JP" sz="2400" b="0" i="1" smtClean="0">
+                                      <a:latin typeface="Cambria Math" panose="02040503050406030204" pitchFamily="18" charset="0"/>
+                                    </a:rPr>
+                                    <m:t>−1</m:t>
+                                  </m:r>
+                                </m:sub>
+                              </m:sSub>
+                            </m:oMath>
+                          </m:oMathPara>
+                        </a14:m>
+                        <a:endParaRPr kumimoji="1" lang="ja-JP" altLang="en-US" sz="2400" dirty="0"/>
+                      </a:p>
+                    </p:txBody>
+                  </p:sp>
+                </mc:Choice>
+                <mc:Fallback>
+                  <p:sp>
+                    <p:nvSpPr>
+                      <p:cNvPr id="58" name="テキスト ボックス 57"/>
+                      <p:cNvSpPr txBox="1">
+                        <a:spLocks noRot="1" noChangeAspect="1" noMove="1" noResize="1" noEditPoints="1" noAdjustHandles="1" noChangeArrowheads="1" noChangeShapeType="1" noTextEdit="1"/>
+                      </p:cNvSpPr>
+                      <p:nvPr/>
+                    </p:nvSpPr>
+                    <p:spPr>
+                      <a:xfrm>
+                        <a:off x="7259404" y="1660925"/>
+                        <a:ext cx="610163" cy="369332"/>
+                      </a:xfrm>
+                      <a:prstGeom prst="rect">
+                        <a:avLst/>
+                      </a:prstGeom>
+                      <a:blipFill>
+                        <a:blip r:embed="rId6"/>
+                        <a:stretch>
+                          <a:fillRect l="-3448" r="-1724" b="-11667"/>
+                        </a:stretch>
+                      </a:blipFill>
+                    </p:spPr>
+                    <p:txBody>
+                      <a:bodyPr/>
+                      <a:lstStyle/>
+                      <a:p>
+                        <a:r>
+                          <a:rPr lang="ja-JP" altLang="en-US">
+                            <a:noFill/>
+                          </a:rPr>
+                          <a:t> </a:t>
+                        </a:r>
+                      </a:p>
+                    </p:txBody>
+                  </p:sp>
+                </mc:Fallback>
+              </mc:AlternateContent>
+              <mc:AlternateContent xmlns:mc="http://schemas.openxmlformats.org/markup-compatibility/2006">
+                <mc:Choice xmlns:a14="http://schemas.microsoft.com/office/drawing/2010/main" Requires="a14">
+                  <p:sp>
+                    <p:nvSpPr>
+                      <p:cNvPr id="61" name="テキスト ボックス 60"/>
+                      <p:cNvSpPr txBox="1"/>
+                      <p:nvPr/>
+                    </p:nvSpPr>
+                    <p:spPr>
+                      <a:xfrm>
+                        <a:off x="8147229" y="1667395"/>
+                        <a:ext cx="356090" cy="369332"/>
+                      </a:xfrm>
+                      <a:prstGeom prst="rect">
+                        <a:avLst/>
+                      </a:prstGeom>
+                      <a:noFill/>
+                    </p:spPr>
+                    <p:txBody>
+                      <a:bodyPr wrap="none" lIns="0" tIns="0" rIns="0" bIns="0" rtlCol="0">
+                        <a:spAutoFit/>
+                      </a:bodyPr>
+                      <a:lstStyle/>
+                      <a:p>
+                        <a:pPr/>
+                        <a14:m>
+                          <m:oMathPara xmlns:m="http://schemas.openxmlformats.org/officeDocument/2006/math">
+                            <m:oMathParaPr>
+                              <m:jc m:val="centerGroup"/>
+                            </m:oMathParaPr>
+                            <m:oMath xmlns:m="http://schemas.openxmlformats.org/officeDocument/2006/math">
+                              <m:sSub>
+                                <m:sSubPr>
+                                  <m:ctrlPr>
+                                    <a:rPr kumimoji="1" lang="en-US" altLang="ja-JP" sz="2400" i="1" smtClean="0">
+                                      <a:latin typeface="Cambria Math" panose="02040503050406030204" pitchFamily="18" charset="0"/>
+                                    </a:rPr>
+                                  </m:ctrlPr>
+                                </m:sSubPr>
+                                <m:e>
+                                  <m:r>
+                                    <a:rPr kumimoji="1" lang="en-US" altLang="ja-JP" sz="2400" b="0" i="1" smtClean="0">
+                                      <a:latin typeface="Cambria Math" panose="02040503050406030204" pitchFamily="18" charset="0"/>
+                                    </a:rPr>
+                                    <m:t>𝑥</m:t>
+                                  </m:r>
+                                </m:e>
+                                <m:sub>
+                                  <m:r>
+                                    <a:rPr kumimoji="1" lang="en-US" altLang="ja-JP" sz="2400" b="0" i="1" smtClean="0">
+                                      <a:latin typeface="Cambria Math" panose="02040503050406030204" pitchFamily="18" charset="0"/>
+                                    </a:rPr>
+                                    <m:t>𝑛</m:t>
+                                  </m:r>
+                                </m:sub>
+                              </m:sSub>
+                            </m:oMath>
+                          </m:oMathPara>
+                        </a14:m>
+                        <a:endParaRPr kumimoji="1" lang="ja-JP" altLang="en-US" sz="2400" dirty="0"/>
+                      </a:p>
+                    </p:txBody>
+                  </p:sp>
+                </mc:Choice>
+                <mc:Fallback>
+                  <p:sp>
+                    <p:nvSpPr>
+                      <p:cNvPr id="61" name="テキスト ボックス 60"/>
+                      <p:cNvSpPr txBox="1">
+                        <a:spLocks noRot="1" noChangeAspect="1" noMove="1" noResize="1" noEditPoints="1" noAdjustHandles="1" noChangeArrowheads="1" noChangeShapeType="1" noTextEdit="1"/>
+                      </p:cNvSpPr>
+                      <p:nvPr/>
+                    </p:nvSpPr>
+                    <p:spPr>
+                      <a:xfrm>
+                        <a:off x="8147229" y="1667395"/>
+                        <a:ext cx="356090" cy="369332"/>
+                      </a:xfrm>
+                      <a:prstGeom prst="rect">
+                        <a:avLst/>
+                      </a:prstGeom>
+                      <a:blipFill>
+                        <a:blip r:embed="rId7"/>
+                        <a:stretch>
+                          <a:fillRect l="-8955" b="-8333"/>
+                        </a:stretch>
+                      </a:blipFill>
+                    </p:spPr>
+                    <p:txBody>
+                      <a:bodyPr/>
+                      <a:lstStyle/>
+                      <a:p>
+                        <a:r>
+                          <a:rPr lang="ja-JP" altLang="en-US">
+                            <a:noFill/>
+                          </a:rPr>
+                          <a:t> </a:t>
+                        </a:r>
+                      </a:p>
+                    </p:txBody>
+                  </p:sp>
+                </mc:Fallback>
+              </mc:AlternateContent>
+            </p:grpSp>
+            <p:cxnSp>
+              <p:nvCxnSpPr>
+                <p:cNvPr id="68" name="直線矢印コネクタ 67"/>
+                <p:cNvCxnSpPr>
+                  <a:stCxn id="2" idx="4"/>
+                </p:cNvCxnSpPr>
+                <p:nvPr/>
+              </p:nvCxnSpPr>
+              <p:spPr>
+                <a:xfrm>
+                  <a:off x="6096000" y="4979505"/>
+                  <a:ext cx="0" cy="1154595"/>
+                </a:xfrm>
+                <a:prstGeom prst="straightConnector1">
+                  <a:avLst/>
+                </a:prstGeom>
+                <a:ln w="38100">
+                  <a:solidFill>
+                    <a:schemeClr val="tx1"/>
+                  </a:solidFill>
+                  <a:tailEnd type="triangle"/>
+                </a:ln>
+              </p:spPr>
+              <p:style>
+                <a:lnRef idx="1">
+                  <a:schemeClr val="dk1"/>
+                </a:lnRef>
+                <a:fillRef idx="0">
+                  <a:schemeClr val="dk1"/>
+                </a:fillRef>
+                <a:effectRef idx="0">
+                  <a:schemeClr val="dk1"/>
+                </a:effectRef>
+                <a:fontRef idx="minor">
+                  <a:schemeClr val="tx1"/>
+                </a:fontRef>
+              </p:style>
+            </p:cxnSp>
+            <mc:AlternateContent xmlns:mc="http://schemas.openxmlformats.org/markup-compatibility/2006">
+              <mc:Choice xmlns:a14="http://schemas.microsoft.com/office/drawing/2010/main" Requires="a14">
+                <p:sp>
+                  <p:nvSpPr>
+                    <p:cNvPr id="87" name="テキスト ボックス 86"/>
+                    <p:cNvSpPr txBox="1"/>
+                    <p:nvPr/>
+                  </p:nvSpPr>
+                  <p:spPr>
+                    <a:xfrm>
+                      <a:off x="5372280" y="3671223"/>
+                      <a:ext cx="448200" cy="369332"/>
+                    </a:xfrm>
+                    <a:prstGeom prst="rect">
+                      <a:avLst/>
+                    </a:prstGeom>
+                    <a:noFill/>
+                  </p:spPr>
+                  <p:txBody>
+                    <a:bodyPr wrap="none" lIns="0" tIns="0" rIns="0" bIns="0" rtlCol="0">
+                      <a:spAutoFit/>
+                    </a:bodyPr>
+                    <a:lstStyle/>
+                    <a:p>
+                      <a:pPr/>
+                      <a14:m>
+                        <m:oMathPara xmlns:m="http://schemas.openxmlformats.org/officeDocument/2006/math">
+                          <m:oMathParaPr>
+                            <m:jc m:val="centerGroup"/>
+                          </m:oMathParaPr>
+                          <m:oMath xmlns:m="http://schemas.openxmlformats.org/officeDocument/2006/math">
+                            <m:sSub>
+                              <m:sSubPr>
+                                <m:ctrlPr>
+                                  <a:rPr kumimoji="1" lang="en-US" altLang="ja-JP" sz="2400" i="1" smtClean="0">
+                                    <a:latin typeface="Cambria Math" panose="02040503050406030204" pitchFamily="18" charset="0"/>
+                                  </a:rPr>
+                                </m:ctrlPr>
+                              </m:sSubPr>
+                              <m:e>
+                                <m:r>
+                                  <a:rPr kumimoji="1" lang="en-US" altLang="ja-JP" sz="2400" b="0" i="1" smtClean="0">
+                                    <a:latin typeface="Cambria Math" panose="02040503050406030204" pitchFamily="18" charset="0"/>
+                                  </a:rPr>
+                                  <m:t>𝑤</m:t>
+                                </m:r>
+                              </m:e>
+                              <m:sub>
+                                <m:r>
+                                  <a:rPr kumimoji="1" lang="en-US" altLang="ja-JP" sz="2400" b="0" i="1" smtClean="0">
+                                    <a:latin typeface="Cambria Math" panose="02040503050406030204" pitchFamily="18" charset="0"/>
+                                  </a:rPr>
+                                  <m:t>0</m:t>
+                                </m:r>
+                              </m:sub>
+                            </m:sSub>
+                          </m:oMath>
+                        </m:oMathPara>
+                      </a14:m>
+                      <a:endParaRPr kumimoji="1" lang="ja-JP" altLang="en-US" sz="2400" dirty="0"/>
+                    </a:p>
+                  </p:txBody>
+                </p:sp>
+              </mc:Choice>
+              <mc:Fallback>
+                <p:sp>
+                  <p:nvSpPr>
+                    <p:cNvPr id="87" name="テキスト ボックス 86"/>
+                    <p:cNvSpPr txBox="1">
+                      <a:spLocks noRot="1" noChangeAspect="1" noMove="1" noResize="1" noEditPoints="1" noAdjustHandles="1" noChangeArrowheads="1" noChangeShapeType="1" noTextEdit="1"/>
+                    </p:cNvSpPr>
+                    <p:nvPr/>
+                  </p:nvSpPr>
+                  <p:spPr>
+                    <a:xfrm>
+                      <a:off x="5372280" y="3671223"/>
+                      <a:ext cx="448200" cy="369332"/>
+                    </a:xfrm>
+                    <a:prstGeom prst="rect">
+                      <a:avLst/>
+                    </a:prstGeom>
+                    <a:blipFill>
+                      <a:blip r:embed="rId8"/>
+                      <a:stretch>
+                        <a:fillRect l="-8219" r="-2740" b="-11475"/>
+                      </a:stretch>
+                    </a:blipFill>
+                  </p:spPr>
+                  <p:txBody>
+                    <a:bodyPr/>
+                    <a:lstStyle/>
+                    <a:p>
+                      <a:r>
+                        <a:rPr lang="ja-JP" altLang="en-US">
+                          <a:noFill/>
+                        </a:rPr>
+                        <a:t> </a:t>
+                      </a:r>
+                    </a:p>
+                  </p:txBody>
+                </p:sp>
+              </mc:Fallback>
+            </mc:AlternateContent>
+            <mc:AlternateContent xmlns:mc="http://schemas.openxmlformats.org/markup-compatibility/2006">
+              <mc:Choice xmlns:a14="http://schemas.microsoft.com/office/drawing/2010/main" Requires="a14">
+                <p:sp>
+                  <p:nvSpPr>
+                    <p:cNvPr id="88" name="テキスト ボックス 87"/>
+                    <p:cNvSpPr txBox="1"/>
+                    <p:nvPr/>
+                  </p:nvSpPr>
+                  <p:spPr>
+                    <a:xfrm>
+                      <a:off x="5569822" y="3439481"/>
+                      <a:ext cx="441082" cy="369332"/>
+                    </a:xfrm>
+                    <a:prstGeom prst="rect">
+                      <a:avLst/>
+                    </a:prstGeom>
+                    <a:noFill/>
+                  </p:spPr>
+                  <p:txBody>
+                    <a:bodyPr wrap="none" lIns="0" tIns="0" rIns="0" bIns="0" rtlCol="0">
+                      <a:spAutoFit/>
+                    </a:bodyPr>
+                    <a:lstStyle/>
+                    <a:p>
+                      <a:pPr/>
+                      <a14:m>
+                        <m:oMathPara xmlns:m="http://schemas.openxmlformats.org/officeDocument/2006/math">
+                          <m:oMathParaPr>
+                            <m:jc m:val="centerGroup"/>
+                          </m:oMathParaPr>
+                          <m:oMath xmlns:m="http://schemas.openxmlformats.org/officeDocument/2006/math">
+                            <m:sSub>
+                              <m:sSubPr>
+                                <m:ctrlPr>
+                                  <a:rPr kumimoji="1" lang="en-US" altLang="ja-JP" sz="2400" i="1" smtClean="0">
+                                    <a:latin typeface="Cambria Math" panose="02040503050406030204" pitchFamily="18" charset="0"/>
+                                  </a:rPr>
+                                </m:ctrlPr>
+                              </m:sSubPr>
+                              <m:e>
+                                <m:r>
+                                  <a:rPr kumimoji="1" lang="en-US" altLang="ja-JP" sz="2400" b="0" i="1" smtClean="0">
+                                    <a:latin typeface="Cambria Math" panose="02040503050406030204" pitchFamily="18" charset="0"/>
+                                  </a:rPr>
+                                  <m:t>𝑤</m:t>
+                                </m:r>
+                              </m:e>
+                              <m:sub>
+                                <m:r>
+                                  <a:rPr kumimoji="1" lang="en-US" altLang="ja-JP" sz="2400" b="0" i="1" smtClean="0">
+                                    <a:latin typeface="Cambria Math" panose="02040503050406030204" pitchFamily="18" charset="0"/>
+                                  </a:rPr>
+                                  <m:t>1</m:t>
+                                </m:r>
+                              </m:sub>
+                            </m:sSub>
+                          </m:oMath>
+                        </m:oMathPara>
+                      </a14:m>
+                      <a:endParaRPr kumimoji="1" lang="ja-JP" altLang="en-US" sz="2400" dirty="0"/>
+                    </a:p>
+                  </p:txBody>
+                </p:sp>
+              </mc:Choice>
+              <mc:Fallback>
+                <p:sp>
+                  <p:nvSpPr>
+                    <p:cNvPr id="88" name="テキスト ボックス 87"/>
+                    <p:cNvSpPr txBox="1">
+                      <a:spLocks noRot="1" noChangeAspect="1" noMove="1" noResize="1" noEditPoints="1" noAdjustHandles="1" noChangeArrowheads="1" noChangeShapeType="1" noTextEdit="1"/>
+                    </p:cNvSpPr>
+                    <p:nvPr/>
+                  </p:nvSpPr>
+                  <p:spPr>
+                    <a:xfrm>
+                      <a:off x="5569822" y="3439481"/>
+                      <a:ext cx="441082" cy="369332"/>
+                    </a:xfrm>
+                    <a:prstGeom prst="rect">
+                      <a:avLst/>
+                    </a:prstGeom>
+                    <a:blipFill>
+                      <a:blip r:embed="rId9"/>
+                      <a:stretch>
+                        <a:fillRect l="-6849" r="-1370" b="-11475"/>
+                      </a:stretch>
+                    </a:blipFill>
+                  </p:spPr>
+                  <p:txBody>
+                    <a:bodyPr/>
+                    <a:lstStyle/>
+                    <a:p>
+                      <a:r>
+                        <a:rPr lang="ja-JP" altLang="en-US">
+                          <a:noFill/>
+                        </a:rPr>
+                        <a:t> </a:t>
+                      </a:r>
+                    </a:p>
+                  </p:txBody>
+                </p:sp>
+              </mc:Fallback>
+            </mc:AlternateContent>
+            <mc:AlternateContent xmlns:mc="http://schemas.openxmlformats.org/markup-compatibility/2006">
+              <mc:Choice xmlns:a14="http://schemas.microsoft.com/office/drawing/2010/main" Requires="a14">
+                <p:sp>
+                  <p:nvSpPr>
+                    <p:cNvPr id="89" name="テキスト ボックス 88"/>
+                    <p:cNvSpPr txBox="1"/>
+                    <p:nvPr/>
+                  </p:nvSpPr>
+                  <p:spPr>
+                    <a:xfrm>
+                      <a:off x="5841776" y="3312329"/>
+                      <a:ext cx="448200" cy="369332"/>
+                    </a:xfrm>
+                    <a:prstGeom prst="rect">
+                      <a:avLst/>
+                    </a:prstGeom>
+                    <a:noFill/>
+                  </p:spPr>
+                  <p:txBody>
+                    <a:bodyPr wrap="none" lIns="0" tIns="0" rIns="0" bIns="0" rtlCol="0">
+                      <a:spAutoFit/>
+                    </a:bodyPr>
+                    <a:lstStyle/>
+                    <a:p>
+                      <a:pPr/>
+                      <a14:m>
+                        <m:oMathPara xmlns:m="http://schemas.openxmlformats.org/officeDocument/2006/math">
+                          <m:oMathParaPr>
+                            <m:jc m:val="centerGroup"/>
+                          </m:oMathParaPr>
+                          <m:oMath xmlns:m="http://schemas.openxmlformats.org/officeDocument/2006/math">
+                            <m:sSub>
+                              <m:sSubPr>
+                                <m:ctrlPr>
+                                  <a:rPr kumimoji="1" lang="en-US" altLang="ja-JP" sz="2400" i="1" smtClean="0">
+                                    <a:latin typeface="Cambria Math" panose="02040503050406030204" pitchFamily="18" charset="0"/>
+                                  </a:rPr>
+                                </m:ctrlPr>
+                              </m:sSubPr>
+                              <m:e>
+                                <m:r>
+                                  <a:rPr kumimoji="1" lang="en-US" altLang="ja-JP" sz="2400" b="0" i="1" smtClean="0">
+                                    <a:latin typeface="Cambria Math" panose="02040503050406030204" pitchFamily="18" charset="0"/>
+                                  </a:rPr>
+                                  <m:t>𝑤</m:t>
+                                </m:r>
+                              </m:e>
+                              <m:sub>
+                                <m:r>
+                                  <a:rPr kumimoji="1" lang="en-US" altLang="ja-JP" sz="2400" b="0" i="1" smtClean="0">
+                                    <a:latin typeface="Cambria Math" panose="02040503050406030204" pitchFamily="18" charset="0"/>
+                                  </a:rPr>
+                                  <m:t>2</m:t>
+                                </m:r>
+                              </m:sub>
+                            </m:sSub>
+                          </m:oMath>
+                        </m:oMathPara>
+                      </a14:m>
+                      <a:endParaRPr kumimoji="1" lang="ja-JP" altLang="en-US" sz="2400" dirty="0"/>
+                    </a:p>
+                  </p:txBody>
+                </p:sp>
+              </mc:Choice>
+              <mc:Fallback>
+                <p:sp>
+                  <p:nvSpPr>
+                    <p:cNvPr id="89" name="テキスト ボックス 88"/>
+                    <p:cNvSpPr txBox="1">
+                      <a:spLocks noRot="1" noChangeAspect="1" noMove="1" noResize="1" noEditPoints="1" noAdjustHandles="1" noChangeArrowheads="1" noChangeShapeType="1" noTextEdit="1"/>
+                    </p:cNvSpPr>
+                    <p:nvPr/>
+                  </p:nvSpPr>
+                  <p:spPr>
+                    <a:xfrm>
+                      <a:off x="5841776" y="3312329"/>
+                      <a:ext cx="448200" cy="369332"/>
+                    </a:xfrm>
+                    <a:prstGeom prst="rect">
+                      <a:avLst/>
+                    </a:prstGeom>
+                    <a:blipFill>
+                      <a:blip r:embed="rId10"/>
+                      <a:stretch>
+                        <a:fillRect l="-8219" r="-2740" b="-13333"/>
+                      </a:stretch>
+                    </a:blipFill>
+                  </p:spPr>
+                  <p:txBody>
+                    <a:bodyPr/>
+                    <a:lstStyle/>
+                    <a:p>
+                      <a:r>
+                        <a:rPr lang="ja-JP" altLang="en-US">
+                          <a:noFill/>
+                        </a:rPr>
+                        <a:t> </a:t>
+                      </a:r>
+                    </a:p>
+                  </p:txBody>
+                </p:sp>
+              </mc:Fallback>
+            </mc:AlternateContent>
+            <mc:AlternateContent xmlns:mc="http://schemas.openxmlformats.org/markup-compatibility/2006">
+              <mc:Choice xmlns:a14="http://schemas.microsoft.com/office/drawing/2010/main" Requires="a14">
+                <p:sp>
+                  <p:nvSpPr>
+                    <p:cNvPr id="90" name="テキスト ボックス 89"/>
+                    <p:cNvSpPr txBox="1"/>
+                    <p:nvPr/>
+                  </p:nvSpPr>
+                  <p:spPr>
+                    <a:xfrm>
+                      <a:off x="6475295" y="3710897"/>
+                      <a:ext cx="458715" cy="369332"/>
+                    </a:xfrm>
+                    <a:prstGeom prst="rect">
+                      <a:avLst/>
+                    </a:prstGeom>
+                    <a:noFill/>
+                  </p:spPr>
+                  <p:txBody>
+                    <a:bodyPr wrap="none" lIns="0" tIns="0" rIns="0" bIns="0" rtlCol="0">
+                      <a:spAutoFit/>
+                    </a:bodyPr>
+                    <a:lstStyle/>
+                    <a:p>
+                      <a:pPr/>
+                      <a14:m>
+                        <m:oMathPara xmlns:m="http://schemas.openxmlformats.org/officeDocument/2006/math">
+                          <m:oMathParaPr>
+                            <m:jc m:val="centerGroup"/>
+                          </m:oMathParaPr>
+                          <m:oMath xmlns:m="http://schemas.openxmlformats.org/officeDocument/2006/math">
+                            <m:sSub>
+                              <m:sSubPr>
+                                <m:ctrlPr>
+                                  <a:rPr kumimoji="1" lang="en-US" altLang="ja-JP" sz="2400" i="1" smtClean="0">
+                                    <a:latin typeface="Cambria Math" panose="02040503050406030204" pitchFamily="18" charset="0"/>
+                                  </a:rPr>
+                                </m:ctrlPr>
+                              </m:sSubPr>
+                              <m:e>
+                                <m:r>
+                                  <a:rPr kumimoji="1" lang="en-US" altLang="ja-JP" sz="2400" b="0" i="1" smtClean="0">
+                                    <a:latin typeface="Cambria Math" panose="02040503050406030204" pitchFamily="18" charset="0"/>
+                                  </a:rPr>
+                                  <m:t>𝑤</m:t>
+                                </m:r>
+                              </m:e>
+                              <m:sub>
+                                <m:r>
+                                  <a:rPr kumimoji="1" lang="en-US" altLang="ja-JP" sz="2400" b="0" i="1" smtClean="0">
+                                    <a:latin typeface="Cambria Math" panose="02040503050406030204" pitchFamily="18" charset="0"/>
+                                  </a:rPr>
+                                  <m:t>𝑛</m:t>
+                                </m:r>
+                              </m:sub>
+                            </m:sSub>
+                          </m:oMath>
+                        </m:oMathPara>
+                      </a14:m>
+                      <a:endParaRPr kumimoji="1" lang="ja-JP" altLang="en-US" sz="2400" dirty="0"/>
+                    </a:p>
+                  </p:txBody>
+                </p:sp>
+              </mc:Choice>
+              <mc:Fallback>
+                <p:sp>
+                  <p:nvSpPr>
+                    <p:cNvPr id="90" name="テキスト ボックス 89"/>
+                    <p:cNvSpPr txBox="1">
+                      <a:spLocks noRot="1" noChangeAspect="1" noMove="1" noResize="1" noEditPoints="1" noAdjustHandles="1" noChangeArrowheads="1" noChangeShapeType="1" noTextEdit="1"/>
+                    </p:cNvSpPr>
+                    <p:nvPr/>
+                  </p:nvSpPr>
+                  <p:spPr>
+                    <a:xfrm>
+                      <a:off x="6475295" y="3710897"/>
+                      <a:ext cx="458715" cy="369332"/>
+                    </a:xfrm>
+                    <a:prstGeom prst="rect">
+                      <a:avLst/>
+                    </a:prstGeom>
+                    <a:blipFill>
+                      <a:blip r:embed="rId11"/>
+                      <a:stretch>
+                        <a:fillRect l="-8000" b="-8333"/>
+                      </a:stretch>
+                    </a:blipFill>
+                  </p:spPr>
+                  <p:txBody>
+                    <a:bodyPr/>
+                    <a:lstStyle/>
+                    <a:p>
+                      <a:r>
+                        <a:rPr lang="ja-JP" altLang="en-US">
+                          <a:noFill/>
+                        </a:rPr>
+                        <a:t> </a:t>
+                      </a:r>
+                    </a:p>
+                  </p:txBody>
+                </p:sp>
+              </mc:Fallback>
+            </mc:AlternateContent>
+          </p:grpSp>
+          <p:cxnSp>
+            <p:nvCxnSpPr>
+              <p:cNvPr id="93" name="直線矢印コネクタ 92"/>
+              <p:cNvCxnSpPr/>
+              <p:nvPr/>
+            </p:nvCxnSpPr>
+            <p:spPr>
+              <a:xfrm>
+                <a:off x="3234604" y="2636637"/>
+                <a:ext cx="2024912" cy="814066"/>
+              </a:xfrm>
+              <a:prstGeom prst="straightConnector1">
+                <a:avLst/>
+              </a:prstGeom>
+              <a:ln w="38100">
+                <a:solidFill>
+                  <a:schemeClr val="tx1"/>
+                </a:solidFill>
+                <a:prstDash val="sysDash"/>
+                <a:tailEnd type="triangle"/>
+              </a:ln>
+            </p:spPr>
+            <p:style>
+              <a:lnRef idx="1">
+                <a:schemeClr val="dk1"/>
+              </a:lnRef>
+              <a:fillRef idx="0">
+                <a:schemeClr val="dk1"/>
+              </a:fillRef>
+              <a:effectRef idx="0">
+                <a:schemeClr val="dk1"/>
+              </a:effectRef>
+              <a:fontRef idx="minor">
+                <a:schemeClr val="tx1"/>
+              </a:fontRef>
+            </p:style>
+          </p:cxnSp>
+          <mc:AlternateContent xmlns:mc="http://schemas.openxmlformats.org/markup-compatibility/2006">
+            <mc:Choice xmlns:a14="http://schemas.microsoft.com/office/drawing/2010/main" Requires="a14">
+              <p:sp>
+                <p:nvSpPr>
+                  <p:cNvPr id="97" name="テキスト ボックス 96"/>
+                  <p:cNvSpPr txBox="1"/>
+                  <p:nvPr/>
+                </p:nvSpPr>
+                <p:spPr>
+                  <a:xfrm>
+                    <a:off x="2969272" y="2459094"/>
+                    <a:ext cx="264944" cy="369332"/>
+                  </a:xfrm>
+                  <a:prstGeom prst="rect">
+                    <a:avLst/>
+                  </a:prstGeom>
+                  <a:noFill/>
+                </p:spPr>
+                <p:txBody>
+                  <a:bodyPr wrap="none" lIns="0" tIns="0" rIns="0" bIns="0" rtlCol="0">
+                    <a:spAutoFit/>
+                  </a:bodyPr>
+                  <a:lstStyle/>
+                  <a:p>
+                    <a:pPr/>
+                    <a14:m>
+                      <m:oMathPara xmlns:m="http://schemas.openxmlformats.org/officeDocument/2006/math">
+                        <m:oMathParaPr>
+                          <m:jc m:val="centerGroup"/>
+                        </m:oMathParaPr>
+                        <m:oMath xmlns:m="http://schemas.openxmlformats.org/officeDocument/2006/math">
+                          <m:r>
+                            <a:rPr kumimoji="1" lang="en-US" altLang="ja-JP" sz="2400" b="0" i="1" smtClean="0">
+                              <a:latin typeface="Cambria Math" panose="02040503050406030204" pitchFamily="18" charset="0"/>
+                            </a:rPr>
+                            <m:t>𝑦</m:t>
+                          </m:r>
+                        </m:oMath>
+                      </m:oMathPara>
+                    </a14:m>
+                    <a:endParaRPr kumimoji="1" lang="ja-JP" altLang="en-US" sz="2400" dirty="0"/>
+                  </a:p>
+                </p:txBody>
+              </p:sp>
+            </mc:Choice>
+            <mc:Fallback>
+              <p:sp>
+                <p:nvSpPr>
+                  <p:cNvPr id="97" name="テキスト ボックス 96"/>
+                  <p:cNvSpPr txBox="1">
+                    <a:spLocks noRot="1" noChangeAspect="1" noMove="1" noResize="1" noEditPoints="1" noAdjustHandles="1" noChangeArrowheads="1" noChangeShapeType="1" noTextEdit="1"/>
+                  </p:cNvSpPr>
+                  <p:nvPr/>
+                </p:nvSpPr>
+                <p:spPr>
+                  <a:xfrm>
+                    <a:off x="2969272" y="2459094"/>
+                    <a:ext cx="264944" cy="369332"/>
+                  </a:xfrm>
+                  <a:prstGeom prst="rect">
+                    <a:avLst/>
+                  </a:prstGeom>
+                  <a:blipFill>
+                    <a:blip r:embed="rId12"/>
+                    <a:stretch>
+                      <a:fillRect l="-25000" r="-20455" b="-22951"/>
+                    </a:stretch>
+                  </a:blipFill>
+                </p:spPr>
+                <p:txBody>
+                  <a:bodyPr/>
+                  <a:lstStyle/>
+                  <a:p>
+                    <a:r>
+                      <a:rPr lang="ja-JP" altLang="en-US">
+                        <a:noFill/>
+                      </a:rPr>
+                      <a:t> </a:t>
+                    </a:r>
+                  </a:p>
+                </p:txBody>
+              </p:sp>
+            </mc:Fallback>
+          </mc:AlternateContent>
+        </p:grpSp>
+        <mc:AlternateContent xmlns:mc="http://schemas.openxmlformats.org/markup-compatibility/2006">
+          <mc:Choice xmlns:a14="http://schemas.microsoft.com/office/drawing/2010/main" Requires="a14">
+            <p:sp>
+              <p:nvSpPr>
+                <p:cNvPr id="31" name="テキスト ボックス 30"/>
+                <p:cNvSpPr txBox="1"/>
+                <p:nvPr/>
+              </p:nvSpPr>
+              <p:spPr>
+                <a:xfrm>
+                  <a:off x="6449233" y="4691814"/>
+                  <a:ext cx="339837" cy="369332"/>
+                </a:xfrm>
+                <a:prstGeom prst="rect">
+                  <a:avLst/>
+                </a:prstGeom>
+                <a:noFill/>
+              </p:spPr>
+              <p:txBody>
+                <a:bodyPr wrap="none" lIns="0" tIns="0" rIns="0" bIns="0" rtlCol="0">
+                  <a:spAutoFit/>
+                </a:bodyPr>
+                <a:lstStyle/>
+                <a:p>
+                  <a:pPr/>
+                  <a14:m>
+                    <m:oMathPara xmlns:m="http://schemas.openxmlformats.org/officeDocument/2006/math">
+                      <m:oMathParaPr>
+                        <m:jc m:val="centerGroup"/>
+                      </m:oMathParaPr>
+                      <m:oMath xmlns:m="http://schemas.openxmlformats.org/officeDocument/2006/math">
+                        <m:r>
+                          <a:rPr kumimoji="1" lang="en-US" altLang="ja-JP" sz="2400" b="0" i="1" smtClean="0">
+                            <a:latin typeface="Cambria Math" panose="02040503050406030204" pitchFamily="18" charset="0"/>
+                          </a:rPr>
+                          <m:t>𝑦</m:t>
+                        </m:r>
+                        <m:r>
+                          <a:rPr kumimoji="1" lang="en-US" altLang="ja-JP" sz="2400" b="0" i="1" smtClean="0">
+                            <a:latin typeface="Cambria Math" panose="02040503050406030204" pitchFamily="18" charset="0"/>
+                          </a:rPr>
+                          <m:t>′</m:t>
+                        </m:r>
+                      </m:oMath>
+                    </m:oMathPara>
+                  </a14:m>
+                  <a:endParaRPr kumimoji="1" lang="ja-JP" altLang="en-US" sz="2400" dirty="0"/>
+                </a:p>
+              </p:txBody>
+            </p:sp>
+          </mc:Choice>
+          <mc:Fallback>
+            <p:sp>
+              <p:nvSpPr>
+                <p:cNvPr id="31" name="テキスト ボックス 30"/>
+                <p:cNvSpPr txBox="1">
+                  <a:spLocks noRot="1" noChangeAspect="1" noMove="1" noResize="1" noEditPoints="1" noAdjustHandles="1" noChangeArrowheads="1" noChangeShapeType="1" noTextEdit="1"/>
+                </p:cNvSpPr>
+                <p:nvPr/>
+              </p:nvSpPr>
+              <p:spPr>
+                <a:xfrm>
+                  <a:off x="6449233" y="4691814"/>
+                  <a:ext cx="339837" cy="369332"/>
+                </a:xfrm>
+                <a:prstGeom prst="rect">
+                  <a:avLst/>
+                </a:prstGeom>
+                <a:blipFill>
+                  <a:blip r:embed="rId13"/>
+                  <a:stretch>
+                    <a:fillRect l="-32143" t="-8333" r="-30357" b="-36667"/>
+                  </a:stretch>
+                </a:blipFill>
+              </p:spPr>
+              <p:txBody>
+                <a:bodyPr/>
+                <a:lstStyle/>
+                <a:p>
+                  <a:r>
+                    <a:rPr lang="ja-JP" altLang="en-US">
+                      <a:noFill/>
+                    </a:rPr>
+                    <a:t> </a:t>
+                  </a:r>
+                </a:p>
+              </p:txBody>
+            </p:sp>
+          </mc:Fallback>
+        </mc:AlternateContent>
+      </p:grpSp>
+    </p:spTree>
+    <p:extLst>
+      <p:ext uri="{BB962C8B-B14F-4D97-AF65-F5344CB8AC3E}">
+        <p14:creationId xmlns:p14="http://schemas.microsoft.com/office/powerpoint/2010/main" val="1453613039"/>
+      </p:ext>
+    </p:extLst>
+  </p:cSld>
+  <p:clrMapOvr>
+    <a:masterClrMapping/>
+  </p:clrMapOvr>
+</p:sld>
+</file>
+
+<file path=ppt/slides/slide4.xml><?xml version="1.0" encoding="utf-8"?>
 <p:sld xmlns:a="http://schemas.openxmlformats.org/drawingml/2006/main" xmlns:r="http://schemas.openxmlformats.org/officeDocument/2006/relationships" xmlns:p="http://schemas.openxmlformats.org/presentationml/2006/main">
   <p:cSld>
     <p:spTree>
@@ -20626,7 +24363,7 @@
 </p:sld>
 </file>
 
-<file path=ppt/slides/slide3.xml><?xml version="1.0" encoding="utf-8"?>
+<file path=ppt/slides/slide5.xml><?xml version="1.0" encoding="utf-8"?>
 <p:sld xmlns:a="http://schemas.openxmlformats.org/drawingml/2006/main" xmlns:r="http://schemas.openxmlformats.org/officeDocument/2006/relationships" xmlns:p="http://schemas.openxmlformats.org/presentationml/2006/main">
   <p:cSld>
     <p:spTree>
@@ -21136,7 +24873,7 @@
 </p:sld>
 </file>
 
-<file path=ppt/slides/slide4.xml><?xml version="1.0" encoding="utf-8"?>
+<file path=ppt/slides/slide6.xml><?xml version="1.0" encoding="utf-8"?>
 <p:sld xmlns:a="http://schemas.openxmlformats.org/drawingml/2006/main" xmlns:r="http://schemas.openxmlformats.org/officeDocument/2006/relationships" xmlns:p="http://schemas.openxmlformats.org/presentationml/2006/main">
   <p:cSld>
     <p:spTree>
@@ -21201,7 +24938,7 @@
 </p:sld>
 </file>
 
-<file path=ppt/slides/slide5.xml><?xml version="1.0" encoding="utf-8"?>
+<file path=ppt/slides/slide7.xml><?xml version="1.0" encoding="utf-8"?>
 <p:sld xmlns:a="http://schemas.openxmlformats.org/drawingml/2006/main" xmlns:r="http://schemas.openxmlformats.org/officeDocument/2006/relationships" xmlns:p="http://schemas.openxmlformats.org/presentationml/2006/main">
   <p:cSld>
     <p:spTree>
@@ -21266,7 +25003,7 @@
 </p:sld>
 </file>
 
-<file path=ppt/slides/slide6.xml><?xml version="1.0" encoding="utf-8"?>
+<file path=ppt/slides/slide8.xml><?xml version="1.0" encoding="utf-8"?>
 <p:sld xmlns:a="http://schemas.openxmlformats.org/drawingml/2006/main" xmlns:r="http://schemas.openxmlformats.org/officeDocument/2006/relationships" xmlns:p="http://schemas.openxmlformats.org/presentationml/2006/main">
   <p:cSld>
     <p:spTree>
@@ -21331,7 +25068,7 @@
 </p:sld>
 </file>
 
-<file path=ppt/slides/slide7.xml><?xml version="1.0" encoding="utf-8"?>
+<file path=ppt/slides/slide9.xml><?xml version="1.0" encoding="utf-8"?>
 <p:sld xmlns:a="http://schemas.openxmlformats.org/drawingml/2006/main" xmlns:r="http://schemas.openxmlformats.org/officeDocument/2006/relationships" xmlns:p="http://schemas.openxmlformats.org/presentationml/2006/main">
   <p:cSld>
     <p:spTree>
@@ -21387,136 +25124,6 @@
     <p:extLst>
       <p:ext uri="{BB962C8B-B14F-4D97-AF65-F5344CB8AC3E}">
         <p14:creationId xmlns:p14="http://schemas.microsoft.com/office/powerpoint/2010/main" val="4290672499"/>
-      </p:ext>
-    </p:extLst>
-  </p:cSld>
-  <p:clrMapOvr>
-    <a:masterClrMapping/>
-  </p:clrMapOvr>
-</p:sld>
-</file>
-
-<file path=ppt/slides/slide8.xml><?xml version="1.0" encoding="utf-8"?>
-<p:sld xmlns:a="http://schemas.openxmlformats.org/drawingml/2006/main" xmlns:r="http://schemas.openxmlformats.org/officeDocument/2006/relationships" xmlns:p="http://schemas.openxmlformats.org/presentationml/2006/main">
-  <p:cSld>
-    <p:spTree>
-      <p:nvGrpSpPr>
-        <p:cNvPr id="1" name=""/>
-        <p:cNvGrpSpPr/>
-        <p:nvPr/>
-      </p:nvGrpSpPr>
-      <p:grpSpPr>
-        <a:xfrm>
-          <a:off x="0" y="0"/>
-          <a:ext cx="0" cy="0"/>
-          <a:chOff x="0" y="0"/>
-          <a:chExt cx="0" cy="0"/>
-        </a:xfrm>
-      </p:grpSpPr>
-      <p:pic>
-        <p:nvPicPr>
-          <p:cNvPr id="3" name="図 2"/>
-          <p:cNvPicPr>
-            <a:picLocks noChangeAspect="1"/>
-          </p:cNvPicPr>
-          <p:nvPr/>
-        </p:nvPicPr>
-        <p:blipFill>
-          <a:blip r:embed="rId2">
-            <a:extLst>
-              <a:ext uri="{28A0092B-C50C-407E-A947-70E740481C1C}">
-                <a14:useLocalDpi xmlns:a14="http://schemas.microsoft.com/office/drawing/2010/main" val="0"/>
-              </a:ext>
-            </a:extLst>
-          </a:blip>
-          <a:stretch>
-            <a:fillRect/>
-          </a:stretch>
-        </p:blipFill>
-        <p:spPr>
-          <a:xfrm>
-            <a:off x="4571787" y="2285840"/>
-            <a:ext cx="3048425" cy="2286319"/>
-          </a:xfrm>
-          <a:prstGeom prst="rect">
-            <a:avLst/>
-          </a:prstGeom>
-          <a:ln>
-            <a:solidFill>
-              <a:schemeClr val="tx1"/>
-            </a:solidFill>
-          </a:ln>
-        </p:spPr>
-      </p:pic>
-    </p:spTree>
-    <p:extLst>
-      <p:ext uri="{BB962C8B-B14F-4D97-AF65-F5344CB8AC3E}">
-        <p14:creationId xmlns:p14="http://schemas.microsoft.com/office/powerpoint/2010/main" val="1163274223"/>
-      </p:ext>
-    </p:extLst>
-  </p:cSld>
-  <p:clrMapOvr>
-    <a:masterClrMapping/>
-  </p:clrMapOvr>
-</p:sld>
-</file>
-
-<file path=ppt/slides/slide9.xml><?xml version="1.0" encoding="utf-8"?>
-<p:sld xmlns:a="http://schemas.openxmlformats.org/drawingml/2006/main" xmlns:r="http://schemas.openxmlformats.org/officeDocument/2006/relationships" xmlns:p="http://schemas.openxmlformats.org/presentationml/2006/main">
-  <p:cSld>
-    <p:spTree>
-      <p:nvGrpSpPr>
-        <p:cNvPr id="1" name=""/>
-        <p:cNvGrpSpPr/>
-        <p:nvPr/>
-      </p:nvGrpSpPr>
-      <p:grpSpPr>
-        <a:xfrm>
-          <a:off x="0" y="0"/>
-          <a:ext cx="0" cy="0"/>
-          <a:chOff x="0" y="0"/>
-          <a:chExt cx="0" cy="0"/>
-        </a:xfrm>
-      </p:grpSpPr>
-      <p:pic>
-        <p:nvPicPr>
-          <p:cNvPr id="2" name="図 1"/>
-          <p:cNvPicPr>
-            <a:picLocks noChangeAspect="1"/>
-          </p:cNvPicPr>
-          <p:nvPr/>
-        </p:nvPicPr>
-        <p:blipFill>
-          <a:blip r:embed="rId2">
-            <a:extLst>
-              <a:ext uri="{28A0092B-C50C-407E-A947-70E740481C1C}">
-                <a14:useLocalDpi xmlns:a14="http://schemas.microsoft.com/office/drawing/2010/main" val="0"/>
-              </a:ext>
-            </a:extLst>
-          </a:blip>
-          <a:stretch>
-            <a:fillRect/>
-          </a:stretch>
-        </p:blipFill>
-        <p:spPr>
-          <a:xfrm>
-            <a:off x="4571787" y="2285840"/>
-            <a:ext cx="3048425" cy="2286319"/>
-          </a:xfrm>
-          <a:prstGeom prst="rect">
-            <a:avLst/>
-          </a:prstGeom>
-          <a:ln>
-            <a:solidFill>
-              <a:schemeClr val="tx1"/>
-            </a:solidFill>
-          </a:ln>
-        </p:spPr>
-      </p:pic>
-    </p:spTree>
-    <p:extLst>
-      <p:ext uri="{BB962C8B-B14F-4D97-AF65-F5344CB8AC3E}">
-        <p14:creationId xmlns:p14="http://schemas.microsoft.com/office/powerpoint/2010/main" val="2131509672"/>
       </p:ext>
     </p:extLst>
   </p:cSld>

--- a/卒研発表tex用_イラスト.pptx
+++ b/卒研発表tex用_イラスト.pptx
@@ -5,30 +5,32 @@
     <p:sldMasterId id="2147483648" r:id="rId1"/>
   </p:sldMasterIdLst>
   <p:handoutMasterIdLst>
-    <p:handoutMasterId r:id="rId23"/>
+    <p:handoutMasterId r:id="rId25"/>
   </p:handoutMasterIdLst>
   <p:sldIdLst>
-    <p:sldId id="303" r:id="rId2"/>
-    <p:sldId id="302" r:id="rId3"/>
-    <p:sldId id="301" r:id="rId4"/>
-    <p:sldId id="300" r:id="rId5"/>
-    <p:sldId id="299" r:id="rId6"/>
-    <p:sldId id="293" r:id="rId7"/>
-    <p:sldId id="294" r:id="rId8"/>
-    <p:sldId id="295" r:id="rId9"/>
-    <p:sldId id="296" r:id="rId10"/>
-    <p:sldId id="297" r:id="rId11"/>
-    <p:sldId id="298" r:id="rId12"/>
-    <p:sldId id="292" r:id="rId13"/>
-    <p:sldId id="291" r:id="rId14"/>
-    <p:sldId id="264" r:id="rId15"/>
-    <p:sldId id="265" r:id="rId16"/>
-    <p:sldId id="258" r:id="rId17"/>
-    <p:sldId id="259" r:id="rId18"/>
-    <p:sldId id="260" r:id="rId19"/>
-    <p:sldId id="261" r:id="rId20"/>
-    <p:sldId id="262" r:id="rId21"/>
-    <p:sldId id="263" r:id="rId22"/>
+    <p:sldId id="305" r:id="rId2"/>
+    <p:sldId id="304" r:id="rId3"/>
+    <p:sldId id="303" r:id="rId4"/>
+    <p:sldId id="302" r:id="rId5"/>
+    <p:sldId id="301" r:id="rId6"/>
+    <p:sldId id="300" r:id="rId7"/>
+    <p:sldId id="299" r:id="rId8"/>
+    <p:sldId id="293" r:id="rId9"/>
+    <p:sldId id="294" r:id="rId10"/>
+    <p:sldId id="295" r:id="rId11"/>
+    <p:sldId id="296" r:id="rId12"/>
+    <p:sldId id="297" r:id="rId13"/>
+    <p:sldId id="298" r:id="rId14"/>
+    <p:sldId id="292" r:id="rId15"/>
+    <p:sldId id="291" r:id="rId16"/>
+    <p:sldId id="264" r:id="rId17"/>
+    <p:sldId id="265" r:id="rId18"/>
+    <p:sldId id="258" r:id="rId19"/>
+    <p:sldId id="259" r:id="rId20"/>
+    <p:sldId id="260" r:id="rId21"/>
+    <p:sldId id="261" r:id="rId22"/>
+    <p:sldId id="262" r:id="rId23"/>
+    <p:sldId id="263" r:id="rId24"/>
   </p:sldIdLst>
   <p:sldSz cx="12192000" cy="6858000"/>
   <p:notesSz cx="7099300" cy="10234613"/>
@@ -228,7 +230,7 @@
           <a:p>
             <a:fld id="{B5E7AF8B-FD9C-4188-8BA3-79A46472192F}" type="datetimeFigureOut">
               <a:rPr kumimoji="1" lang="ja-JP" altLang="en-US" smtClean="0"/>
-              <a:t>2020/1/30</a:t>
+              <a:t>2020/1/31</a:t>
             </a:fld>
             <a:endParaRPr kumimoji="1" lang="ja-JP" altLang="en-US"/>
           </a:p>
@@ -440,7 +442,7 @@
           <a:p>
             <a:fld id="{1019A24B-2DB6-47C4-AADA-142B59CEEE3F}" type="datetimeFigureOut">
               <a:rPr kumimoji="1" lang="ja-JP" altLang="en-US" smtClean="0"/>
-              <a:t>2020/1/30</a:t>
+              <a:t>2020/1/31</a:t>
             </a:fld>
             <a:endParaRPr kumimoji="1" lang="ja-JP" altLang="en-US"/>
           </a:p>
@@ -640,7 +642,7 @@
           <a:p>
             <a:fld id="{1019A24B-2DB6-47C4-AADA-142B59CEEE3F}" type="datetimeFigureOut">
               <a:rPr kumimoji="1" lang="ja-JP" altLang="en-US" smtClean="0"/>
-              <a:t>2020/1/30</a:t>
+              <a:t>2020/1/31</a:t>
             </a:fld>
             <a:endParaRPr kumimoji="1" lang="ja-JP" altLang="en-US"/>
           </a:p>
@@ -850,7 +852,7 @@
           <a:p>
             <a:fld id="{1019A24B-2DB6-47C4-AADA-142B59CEEE3F}" type="datetimeFigureOut">
               <a:rPr kumimoji="1" lang="ja-JP" altLang="en-US" smtClean="0"/>
-              <a:t>2020/1/30</a:t>
+              <a:t>2020/1/31</a:t>
             </a:fld>
             <a:endParaRPr kumimoji="1" lang="ja-JP" altLang="en-US"/>
           </a:p>
@@ -1050,7 +1052,7 @@
           <a:p>
             <a:fld id="{1019A24B-2DB6-47C4-AADA-142B59CEEE3F}" type="datetimeFigureOut">
               <a:rPr kumimoji="1" lang="ja-JP" altLang="en-US" smtClean="0"/>
-              <a:t>2020/1/30</a:t>
+              <a:t>2020/1/31</a:t>
             </a:fld>
             <a:endParaRPr kumimoji="1" lang="ja-JP" altLang="en-US"/>
           </a:p>
@@ -1295,7 +1297,7 @@
           <a:p>
             <a:fld id="{1019A24B-2DB6-47C4-AADA-142B59CEEE3F}" type="datetimeFigureOut">
               <a:rPr kumimoji="1" lang="ja-JP" altLang="en-US" smtClean="0"/>
-              <a:t>2020/1/30</a:t>
+              <a:t>2020/1/31</a:t>
             </a:fld>
             <a:endParaRPr kumimoji="1" lang="ja-JP" altLang="en-US"/>
           </a:p>
@@ -1588,7 +1590,7 @@
           <a:p>
             <a:fld id="{1019A24B-2DB6-47C4-AADA-142B59CEEE3F}" type="datetimeFigureOut">
               <a:rPr kumimoji="1" lang="ja-JP" altLang="en-US" smtClean="0"/>
-              <a:t>2020/1/30</a:t>
+              <a:t>2020/1/31</a:t>
             </a:fld>
             <a:endParaRPr kumimoji="1" lang="ja-JP" altLang="en-US"/>
           </a:p>
@@ -2016,7 +2018,7 @@
           <a:p>
             <a:fld id="{1019A24B-2DB6-47C4-AADA-142B59CEEE3F}" type="datetimeFigureOut">
               <a:rPr kumimoji="1" lang="ja-JP" altLang="en-US" smtClean="0"/>
-              <a:t>2020/1/30</a:t>
+              <a:t>2020/1/31</a:t>
             </a:fld>
             <a:endParaRPr kumimoji="1" lang="ja-JP" altLang="en-US"/>
           </a:p>
@@ -2133,7 +2135,7 @@
           <a:p>
             <a:fld id="{1019A24B-2DB6-47C4-AADA-142B59CEEE3F}" type="datetimeFigureOut">
               <a:rPr kumimoji="1" lang="ja-JP" altLang="en-US" smtClean="0"/>
-              <a:t>2020/1/30</a:t>
+              <a:t>2020/1/31</a:t>
             </a:fld>
             <a:endParaRPr kumimoji="1" lang="ja-JP" altLang="en-US"/>
           </a:p>
@@ -2228,7 +2230,7 @@
           <a:p>
             <a:fld id="{1019A24B-2DB6-47C4-AADA-142B59CEEE3F}" type="datetimeFigureOut">
               <a:rPr kumimoji="1" lang="ja-JP" altLang="en-US" smtClean="0"/>
-              <a:t>2020/1/30</a:t>
+              <a:t>2020/1/31</a:t>
             </a:fld>
             <a:endParaRPr kumimoji="1" lang="ja-JP" altLang="en-US"/>
           </a:p>
@@ -2535,7 +2537,7 @@
           <a:p>
             <a:fld id="{1019A24B-2DB6-47C4-AADA-142B59CEEE3F}" type="datetimeFigureOut">
               <a:rPr kumimoji="1" lang="ja-JP" altLang="en-US" smtClean="0"/>
-              <a:t>2020/1/30</a:t>
+              <a:t>2020/1/31</a:t>
             </a:fld>
             <a:endParaRPr kumimoji="1" lang="ja-JP" altLang="en-US"/>
           </a:p>
@@ -2787,7 +2789,7 @@
           <a:p>
             <a:fld id="{1019A24B-2DB6-47C4-AADA-142B59CEEE3F}" type="datetimeFigureOut">
               <a:rPr kumimoji="1" lang="ja-JP" altLang="en-US" smtClean="0"/>
-              <a:t>2020/1/30</a:t>
+              <a:t>2020/1/31</a:t>
             </a:fld>
             <a:endParaRPr kumimoji="1" lang="ja-JP" altLang="en-US"/>
           </a:p>
@@ -3030,7 +3032,7 @@
           <a:p>
             <a:fld id="{1019A24B-2DB6-47C4-AADA-142B59CEEE3F}" type="datetimeFigureOut">
               <a:rPr kumimoji="1" lang="ja-JP" altLang="en-US" smtClean="0"/>
-              <a:t>2020/1/30</a:t>
+              <a:t>2020/1/31</a:t>
             </a:fld>
             <a:endParaRPr kumimoji="1" lang="ja-JP" altLang="en-US"/>
           </a:p>
@@ -3435,887 +3437,30 @@
           <a:chExt cx="0" cy="0"/>
         </a:xfrm>
       </p:grpSpPr>
-      <p:sp>
-        <p:nvSpPr>
-          <p:cNvPr id="2" name="楕円 1"/>
-          <p:cNvSpPr/>
-          <p:nvPr/>
-        </p:nvSpPr>
-        <p:spPr>
-          <a:xfrm>
-            <a:off x="5286894" y="2717814"/>
-            <a:ext cx="1618211" cy="1495397"/>
-          </a:xfrm>
-          <a:prstGeom prst="ellipse">
-            <a:avLst/>
-          </a:prstGeom>
-          <a:solidFill>
-            <a:schemeClr val="tx1">
-              <a:lumMod val="75000"/>
-              <a:lumOff val="25000"/>
-            </a:schemeClr>
-          </a:solidFill>
-          <a:ln w="28575">
-            <a:solidFill>
-              <a:schemeClr val="tx1"/>
-            </a:solidFill>
-          </a:ln>
-        </p:spPr>
-        <p:style>
-          <a:lnRef idx="2">
-            <a:schemeClr val="accent1">
-              <a:shade val="50000"/>
-            </a:schemeClr>
-          </a:lnRef>
-          <a:fillRef idx="1">
-            <a:schemeClr val="accent1"/>
-          </a:fillRef>
-          <a:effectRef idx="0">
-            <a:schemeClr val="accent1"/>
-          </a:effectRef>
-          <a:fontRef idx="minor">
-            <a:schemeClr val="lt1"/>
-          </a:fontRef>
-        </p:style>
-        <p:txBody>
-          <a:bodyPr rtlCol="0" anchor="ctr"/>
-          <a:lstStyle/>
-          <a:p>
-            <a:pPr algn="ctr"/>
-            <a:endParaRPr kumimoji="1" lang="ja-JP" altLang="en-US"/>
-          </a:p>
-        </p:txBody>
-      </p:sp>
-      <p:sp>
-        <p:nvSpPr>
-          <p:cNvPr id="3" name="楕円 2"/>
-          <p:cNvSpPr/>
-          <p:nvPr/>
-        </p:nvSpPr>
-        <p:spPr>
-          <a:xfrm>
-            <a:off x="534778" y="185204"/>
-            <a:ext cx="1618211" cy="1495397"/>
-          </a:xfrm>
-          <a:prstGeom prst="ellipse">
-            <a:avLst/>
-          </a:prstGeom>
-          <a:solidFill>
-            <a:schemeClr val="tx1">
-              <a:lumMod val="75000"/>
-              <a:lumOff val="25000"/>
-            </a:schemeClr>
-          </a:solidFill>
-          <a:ln w="28575">
-            <a:solidFill>
-              <a:schemeClr val="tx1"/>
-            </a:solidFill>
-          </a:ln>
-        </p:spPr>
-        <p:style>
-          <a:lnRef idx="2">
-            <a:schemeClr val="accent1">
-              <a:shade val="50000"/>
-            </a:schemeClr>
-          </a:lnRef>
-          <a:fillRef idx="1">
-            <a:schemeClr val="accent1"/>
-          </a:fillRef>
-          <a:effectRef idx="0">
-            <a:schemeClr val="accent1"/>
-          </a:effectRef>
-          <a:fontRef idx="minor">
-            <a:schemeClr val="lt1"/>
-          </a:fontRef>
-        </p:style>
-        <p:txBody>
-          <a:bodyPr rtlCol="0" anchor="ctr"/>
-          <a:lstStyle/>
-          <a:p>
-            <a:pPr algn="ctr"/>
-            <a:endParaRPr kumimoji="1" lang="ja-JP" altLang="en-US" dirty="0"/>
-          </a:p>
-        </p:txBody>
-      </p:sp>
-      <p:sp>
-        <p:nvSpPr>
-          <p:cNvPr id="4" name="楕円 3"/>
-          <p:cNvSpPr/>
-          <p:nvPr/>
-        </p:nvSpPr>
-        <p:spPr>
-          <a:xfrm>
-            <a:off x="534777" y="2717814"/>
-            <a:ext cx="1618211" cy="1495397"/>
-          </a:xfrm>
-          <a:prstGeom prst="ellipse">
-            <a:avLst/>
-          </a:prstGeom>
-          <a:solidFill>
-            <a:schemeClr val="tx1">
-              <a:lumMod val="75000"/>
-              <a:lumOff val="25000"/>
-            </a:schemeClr>
-          </a:solidFill>
-          <a:ln w="28575">
-            <a:solidFill>
-              <a:schemeClr val="tx1"/>
-            </a:solidFill>
-          </a:ln>
-        </p:spPr>
-        <p:style>
-          <a:lnRef idx="2">
-            <a:schemeClr val="accent1">
-              <a:shade val="50000"/>
-            </a:schemeClr>
-          </a:lnRef>
-          <a:fillRef idx="1">
-            <a:schemeClr val="accent1"/>
-          </a:fillRef>
-          <a:effectRef idx="0">
-            <a:schemeClr val="accent1"/>
-          </a:effectRef>
-          <a:fontRef idx="minor">
-            <a:schemeClr val="lt1"/>
-          </a:fontRef>
-        </p:style>
-        <p:txBody>
-          <a:bodyPr rtlCol="0" anchor="ctr"/>
-          <a:lstStyle/>
-          <a:p>
-            <a:pPr algn="ctr"/>
-            <a:endParaRPr kumimoji="1" lang="ja-JP" altLang="en-US"/>
-          </a:p>
-        </p:txBody>
-      </p:sp>
-      <p:sp>
-        <p:nvSpPr>
-          <p:cNvPr id="5" name="楕円 4"/>
-          <p:cNvSpPr/>
-          <p:nvPr/>
-        </p:nvSpPr>
-        <p:spPr>
-          <a:xfrm>
-            <a:off x="534776" y="5250424"/>
-            <a:ext cx="1618211" cy="1495397"/>
-          </a:xfrm>
-          <a:prstGeom prst="ellipse">
-            <a:avLst/>
-          </a:prstGeom>
-          <a:solidFill>
-            <a:schemeClr val="tx1">
-              <a:lumMod val="75000"/>
-              <a:lumOff val="25000"/>
-            </a:schemeClr>
-          </a:solidFill>
-          <a:ln w="28575">
-            <a:solidFill>
-              <a:schemeClr val="tx1"/>
-            </a:solidFill>
-          </a:ln>
-        </p:spPr>
-        <p:style>
-          <a:lnRef idx="2">
-            <a:schemeClr val="accent1">
-              <a:shade val="50000"/>
-            </a:schemeClr>
-          </a:lnRef>
-          <a:fillRef idx="1">
-            <a:schemeClr val="accent1"/>
-          </a:fillRef>
-          <a:effectRef idx="0">
-            <a:schemeClr val="accent1"/>
-          </a:effectRef>
-          <a:fontRef idx="minor">
-            <a:schemeClr val="lt1"/>
-          </a:fontRef>
-        </p:style>
-        <p:txBody>
-          <a:bodyPr rtlCol="0" anchor="ctr"/>
-          <a:lstStyle/>
-          <a:p>
-            <a:pPr algn="ctr"/>
-            <a:endParaRPr kumimoji="1" lang="ja-JP" altLang="en-US"/>
-          </a:p>
-        </p:txBody>
-      </p:sp>
-      <p:grpSp>
-        <p:nvGrpSpPr>
-          <p:cNvPr id="35" name="グループ化 34"/>
-          <p:cNvGrpSpPr/>
-          <p:nvPr/>
-        </p:nvGrpSpPr>
-        <p:grpSpPr>
-          <a:xfrm>
-            <a:off x="2152987" y="932903"/>
-            <a:ext cx="3133907" cy="5081397"/>
-            <a:chOff x="2152987" y="932903"/>
-            <a:chExt cx="3133907" cy="5081397"/>
-          </a:xfrm>
-        </p:grpSpPr>
-        <p:cxnSp>
-          <p:nvCxnSpPr>
-            <p:cNvPr id="7" name="直線コネクタ 6"/>
-            <p:cNvCxnSpPr>
-              <a:stCxn id="4" idx="6"/>
-              <a:endCxn id="2" idx="2"/>
-            </p:cNvCxnSpPr>
-            <p:nvPr/>
-          </p:nvCxnSpPr>
-          <p:spPr>
-            <a:xfrm>
-              <a:off x="2152988" y="3465513"/>
-              <a:ext cx="3133906" cy="0"/>
-            </a:xfrm>
-            <a:prstGeom prst="line">
-              <a:avLst/>
-            </a:prstGeom>
-            <a:ln w="57150">
-              <a:headEnd type="none" w="med" len="med"/>
-              <a:tailEnd type="triangle" w="med" len="med"/>
-            </a:ln>
-          </p:spPr>
-          <p:style>
-            <a:lnRef idx="1">
-              <a:schemeClr val="dk1"/>
-            </a:lnRef>
-            <a:fillRef idx="0">
-              <a:schemeClr val="dk1"/>
-            </a:fillRef>
-            <a:effectRef idx="0">
-              <a:schemeClr val="dk1"/>
-            </a:effectRef>
-            <a:fontRef idx="minor">
-              <a:schemeClr val="tx1"/>
-            </a:fontRef>
-          </p:style>
-        </p:cxnSp>
-        <p:cxnSp>
-          <p:nvCxnSpPr>
-            <p:cNvPr id="9" name="直線コネクタ 8"/>
-            <p:cNvCxnSpPr>
-              <a:stCxn id="3" idx="6"/>
-            </p:cNvCxnSpPr>
-            <p:nvPr/>
-          </p:nvCxnSpPr>
-          <p:spPr>
-            <a:xfrm>
-              <a:off x="2152989" y="932903"/>
-              <a:ext cx="1662547" cy="0"/>
-            </a:xfrm>
-            <a:prstGeom prst="line">
-              <a:avLst/>
-            </a:prstGeom>
-            <a:ln w="57150"/>
-          </p:spPr>
-          <p:style>
-            <a:lnRef idx="1">
-              <a:schemeClr val="dk1"/>
-            </a:lnRef>
-            <a:fillRef idx="0">
-              <a:schemeClr val="dk1"/>
-            </a:fillRef>
-            <a:effectRef idx="0">
-              <a:schemeClr val="dk1"/>
-            </a:effectRef>
-            <a:fontRef idx="minor">
-              <a:schemeClr val="tx1"/>
-            </a:fontRef>
-          </p:style>
-        </p:cxnSp>
-        <p:cxnSp>
-          <p:nvCxnSpPr>
-            <p:cNvPr id="12" name="直線コネクタ 11"/>
-            <p:cNvCxnSpPr>
-              <a:stCxn id="5" idx="6"/>
-            </p:cNvCxnSpPr>
-            <p:nvPr/>
-          </p:nvCxnSpPr>
-          <p:spPr>
-            <a:xfrm>
-              <a:off x="2152987" y="5998123"/>
-              <a:ext cx="1662547" cy="0"/>
-            </a:xfrm>
-            <a:prstGeom prst="line">
-              <a:avLst/>
-            </a:prstGeom>
-            <a:ln w="57150"/>
-          </p:spPr>
-          <p:style>
-            <a:lnRef idx="1">
-              <a:schemeClr val="dk1"/>
-            </a:lnRef>
-            <a:fillRef idx="0">
-              <a:schemeClr val="dk1"/>
-            </a:fillRef>
-            <a:effectRef idx="0">
-              <a:schemeClr val="dk1"/>
-            </a:effectRef>
-            <a:fontRef idx="minor">
-              <a:schemeClr val="tx1"/>
-            </a:fontRef>
-          </p:style>
-        </p:cxnSp>
-        <p:cxnSp>
-          <p:nvCxnSpPr>
-            <p:cNvPr id="16" name="直線コネクタ 15"/>
-            <p:cNvCxnSpPr/>
-            <p:nvPr/>
-          </p:nvCxnSpPr>
-          <p:spPr>
-            <a:xfrm>
-              <a:off x="3815536" y="949080"/>
-              <a:ext cx="0" cy="5065220"/>
-            </a:xfrm>
-            <a:prstGeom prst="line">
-              <a:avLst/>
-            </a:prstGeom>
-            <a:ln w="57150"/>
-          </p:spPr>
-          <p:style>
-            <a:lnRef idx="1">
-              <a:schemeClr val="dk1"/>
-            </a:lnRef>
-            <a:fillRef idx="0">
-              <a:schemeClr val="dk1"/>
-            </a:fillRef>
-            <a:effectRef idx="0">
-              <a:schemeClr val="dk1"/>
-            </a:effectRef>
-            <a:fontRef idx="minor">
-              <a:schemeClr val="tx1"/>
-            </a:fontRef>
-          </p:style>
-        </p:cxnSp>
-      </p:grpSp>
-      <mc:AlternateContent xmlns:mc="http://schemas.openxmlformats.org/markup-compatibility/2006">
-        <mc:Choice xmlns:a14="http://schemas.microsoft.com/office/drawing/2010/main" Requires="a14">
-          <p:sp>
-            <p:nvSpPr>
-              <p:cNvPr id="21" name="テキスト ボックス 20"/>
-              <p:cNvSpPr txBox="1"/>
-              <p:nvPr/>
-            </p:nvSpPr>
-            <p:spPr>
-              <a:xfrm>
-                <a:off x="1024277" y="585234"/>
-                <a:ext cx="639214" cy="615553"/>
-              </a:xfrm>
-              <a:prstGeom prst="rect">
-                <a:avLst/>
-              </a:prstGeom>
-              <a:noFill/>
-            </p:spPr>
-            <p:txBody>
-              <a:bodyPr wrap="none" lIns="0" tIns="0" rIns="0" bIns="0" rtlCol="0">
-                <a:spAutoFit/>
-              </a:bodyPr>
-              <a:lstStyle/>
-              <a:p>
-                <a14:m>
-                  <m:oMathPara xmlns:m="http://schemas.openxmlformats.org/officeDocument/2006/math">
-                    <m:oMathParaPr>
-                      <m:jc m:val="centerGroup"/>
-                    </m:oMathParaPr>
-                    <m:oMath xmlns:m="http://schemas.openxmlformats.org/officeDocument/2006/math">
-                      <m:sSub>
-                        <m:sSubPr>
-                          <m:ctrlPr>
-                            <a:rPr kumimoji="1" lang="en-US" altLang="ja-JP" sz="4000" i="1" smtClean="0">
-                              <a:solidFill>
-                                <a:schemeClr val="bg1"/>
-                              </a:solidFill>
-                              <a:latin typeface="Cambria Math" panose="02040503050406030204" pitchFamily="18" charset="0"/>
-                            </a:rPr>
-                          </m:ctrlPr>
-                        </m:sSubPr>
-                        <m:e>
-                          <m:r>
-                            <a:rPr kumimoji="1" lang="en-US" altLang="ja-JP" sz="4000" b="0" i="1" smtClean="0">
-                              <a:solidFill>
-                                <a:schemeClr val="bg1"/>
-                              </a:solidFill>
-                              <a:latin typeface="Cambria Math" panose="02040503050406030204" pitchFamily="18" charset="0"/>
-                            </a:rPr>
-                            <m:t>𝑥</m:t>
-                          </m:r>
-                        </m:e>
-                        <m:sub>
-                          <m:r>
-                            <a:rPr kumimoji="1" lang="en-US" altLang="ja-JP" sz="4000" b="0" i="1" smtClean="0">
-                              <a:solidFill>
-                                <a:schemeClr val="bg1"/>
-                              </a:solidFill>
-                              <a:latin typeface="Cambria Math" panose="02040503050406030204" pitchFamily="18" charset="0"/>
-                            </a:rPr>
-                            <m:t>1</m:t>
-                          </m:r>
-                        </m:sub>
-                      </m:sSub>
-                    </m:oMath>
-                  </m:oMathPara>
-                </a14:m>
-                <a:endParaRPr kumimoji="1" lang="ja-JP" altLang="en-US" sz="4000" dirty="0">
-                  <a:solidFill>
-                    <a:schemeClr val="bg1"/>
-                  </a:solidFill>
-                </a:endParaRPr>
-              </a:p>
-            </p:txBody>
-          </p:sp>
-        </mc:Choice>
-        <mc:Fallback>
-          <p:sp>
-            <p:nvSpPr>
-              <p:cNvPr id="21" name="テキスト ボックス 20"/>
-              <p:cNvSpPr txBox="1">
-                <a:spLocks noRot="1" noChangeAspect="1" noMove="1" noResize="1" noEditPoints="1" noAdjustHandles="1" noChangeArrowheads="1" noChangeShapeType="1" noTextEdit="1"/>
-              </p:cNvSpPr>
-              <p:nvPr/>
-            </p:nvSpPr>
-            <p:spPr>
-              <a:xfrm>
-                <a:off x="1024277" y="585234"/>
-                <a:ext cx="639214" cy="615553"/>
-              </a:xfrm>
-              <a:prstGeom prst="rect">
-                <a:avLst/>
-              </a:prstGeom>
-              <a:blipFill>
-                <a:blip r:embed="rId2"/>
-                <a:stretch>
-                  <a:fillRect/>
-                </a:stretch>
-              </a:blipFill>
-            </p:spPr>
-            <p:txBody>
-              <a:bodyPr/>
-              <a:lstStyle/>
-              <a:p>
-                <a:r>
-                  <a:rPr lang="ja-JP" altLang="en-US">
-                    <a:noFill/>
-                  </a:rPr>
-                  <a:t> </a:t>
-                </a:r>
-              </a:p>
-            </p:txBody>
-          </p:sp>
-        </mc:Fallback>
-      </mc:AlternateContent>
-      <mc:AlternateContent xmlns:mc="http://schemas.openxmlformats.org/markup-compatibility/2006">
-        <mc:Choice xmlns:a14="http://schemas.microsoft.com/office/drawing/2010/main" Requires="a14">
-          <p:sp>
-            <p:nvSpPr>
-              <p:cNvPr id="22" name="テキスト ボックス 21"/>
-              <p:cNvSpPr txBox="1"/>
-              <p:nvPr/>
-            </p:nvSpPr>
-            <p:spPr>
-              <a:xfrm>
-                <a:off x="1024277" y="3040259"/>
-                <a:ext cx="651076" cy="615553"/>
-              </a:xfrm>
-              <a:prstGeom prst="rect">
-                <a:avLst/>
-              </a:prstGeom>
-              <a:noFill/>
-            </p:spPr>
-            <p:txBody>
-              <a:bodyPr wrap="none" lIns="0" tIns="0" rIns="0" bIns="0" rtlCol="0">
-                <a:spAutoFit/>
-              </a:bodyPr>
-              <a:lstStyle/>
-              <a:p>
-                <a14:m>
-                  <m:oMathPara xmlns:m="http://schemas.openxmlformats.org/officeDocument/2006/math">
-                    <m:oMathParaPr>
-                      <m:jc m:val="centerGroup"/>
-                    </m:oMathParaPr>
-                    <m:oMath xmlns:m="http://schemas.openxmlformats.org/officeDocument/2006/math">
-                      <m:sSub>
-                        <m:sSubPr>
-                          <m:ctrlPr>
-                            <a:rPr kumimoji="1" lang="en-US" altLang="ja-JP" sz="4000" i="1" smtClean="0">
-                              <a:solidFill>
-                                <a:schemeClr val="bg1"/>
-                              </a:solidFill>
-                              <a:latin typeface="Cambria Math" panose="02040503050406030204" pitchFamily="18" charset="0"/>
-                            </a:rPr>
-                          </m:ctrlPr>
-                        </m:sSubPr>
-                        <m:e>
-                          <m:r>
-                            <a:rPr kumimoji="1" lang="en-US" altLang="ja-JP" sz="4000" b="0" i="1" smtClean="0">
-                              <a:solidFill>
-                                <a:schemeClr val="bg1"/>
-                              </a:solidFill>
-                              <a:latin typeface="Cambria Math" panose="02040503050406030204" pitchFamily="18" charset="0"/>
-                            </a:rPr>
-                            <m:t>𝑥</m:t>
-                          </m:r>
-                        </m:e>
-                        <m:sub>
-                          <m:r>
-                            <a:rPr kumimoji="1" lang="en-US" altLang="ja-JP" sz="4000" b="0" i="1" smtClean="0">
-                              <a:solidFill>
-                                <a:schemeClr val="bg1"/>
-                              </a:solidFill>
-                              <a:latin typeface="Cambria Math" panose="02040503050406030204" pitchFamily="18" charset="0"/>
-                            </a:rPr>
-                            <m:t>2</m:t>
-                          </m:r>
-                        </m:sub>
-                      </m:sSub>
-                    </m:oMath>
-                  </m:oMathPara>
-                </a14:m>
-                <a:endParaRPr kumimoji="1" lang="ja-JP" altLang="en-US" sz="4000" dirty="0">
-                  <a:solidFill>
-                    <a:schemeClr val="bg1"/>
-                  </a:solidFill>
-                </a:endParaRPr>
-              </a:p>
-            </p:txBody>
-          </p:sp>
-        </mc:Choice>
-        <mc:Fallback>
-          <p:sp>
-            <p:nvSpPr>
-              <p:cNvPr id="22" name="テキスト ボックス 21"/>
-              <p:cNvSpPr txBox="1">
-                <a:spLocks noRot="1" noChangeAspect="1" noMove="1" noResize="1" noEditPoints="1" noAdjustHandles="1" noChangeArrowheads="1" noChangeShapeType="1" noTextEdit="1"/>
-              </p:cNvSpPr>
-              <p:nvPr/>
-            </p:nvSpPr>
-            <p:spPr>
-              <a:xfrm>
-                <a:off x="1024277" y="3040259"/>
-                <a:ext cx="651076" cy="615553"/>
-              </a:xfrm>
-              <a:prstGeom prst="rect">
-                <a:avLst/>
-              </a:prstGeom>
-              <a:blipFill>
-                <a:blip r:embed="rId3"/>
-                <a:stretch>
-                  <a:fillRect/>
-                </a:stretch>
-              </a:blipFill>
-            </p:spPr>
-            <p:txBody>
-              <a:bodyPr/>
-              <a:lstStyle/>
-              <a:p>
-                <a:r>
-                  <a:rPr lang="ja-JP" altLang="en-US">
-                    <a:noFill/>
-                  </a:rPr>
-                  <a:t> </a:t>
-                </a:r>
-              </a:p>
-            </p:txBody>
-          </p:sp>
-        </mc:Fallback>
-      </mc:AlternateContent>
-      <mc:AlternateContent xmlns:mc="http://schemas.openxmlformats.org/markup-compatibility/2006">
-        <mc:Choice xmlns:a14="http://schemas.microsoft.com/office/drawing/2010/main" Requires="a14">
-          <p:sp>
-            <p:nvSpPr>
-              <p:cNvPr id="23" name="テキスト ボックス 22"/>
-              <p:cNvSpPr txBox="1"/>
-              <p:nvPr/>
-            </p:nvSpPr>
-            <p:spPr>
-              <a:xfrm>
-                <a:off x="1024277" y="5628288"/>
-                <a:ext cx="651076" cy="615553"/>
-              </a:xfrm>
-              <a:prstGeom prst="rect">
-                <a:avLst/>
-              </a:prstGeom>
-              <a:noFill/>
-            </p:spPr>
-            <p:txBody>
-              <a:bodyPr wrap="none" lIns="0" tIns="0" rIns="0" bIns="0" rtlCol="0">
-                <a:spAutoFit/>
-              </a:bodyPr>
-              <a:lstStyle/>
-              <a:p>
-                <a14:m>
-                  <m:oMathPara xmlns:m="http://schemas.openxmlformats.org/officeDocument/2006/math">
-                    <m:oMathParaPr>
-                      <m:jc m:val="centerGroup"/>
-                    </m:oMathParaPr>
-                    <m:oMath xmlns:m="http://schemas.openxmlformats.org/officeDocument/2006/math">
-                      <m:sSub>
-                        <m:sSubPr>
-                          <m:ctrlPr>
-                            <a:rPr kumimoji="1" lang="en-US" altLang="ja-JP" sz="4000" i="1" smtClean="0">
-                              <a:solidFill>
-                                <a:schemeClr val="bg1"/>
-                              </a:solidFill>
-                              <a:latin typeface="Cambria Math" panose="02040503050406030204" pitchFamily="18" charset="0"/>
-                            </a:rPr>
-                          </m:ctrlPr>
-                        </m:sSubPr>
-                        <m:e>
-                          <m:r>
-                            <a:rPr kumimoji="1" lang="en-US" altLang="ja-JP" sz="4000" b="0" i="1" smtClean="0">
-                              <a:solidFill>
-                                <a:schemeClr val="bg1"/>
-                              </a:solidFill>
-                              <a:latin typeface="Cambria Math" panose="02040503050406030204" pitchFamily="18" charset="0"/>
-                            </a:rPr>
-                            <m:t>𝑥</m:t>
-                          </m:r>
-                        </m:e>
-                        <m:sub>
-                          <m:r>
-                            <a:rPr kumimoji="1" lang="en-US" altLang="ja-JP" sz="4000" b="0" i="1" smtClean="0">
-                              <a:solidFill>
-                                <a:schemeClr val="bg1"/>
-                              </a:solidFill>
-                              <a:latin typeface="Cambria Math" panose="02040503050406030204" pitchFamily="18" charset="0"/>
-                            </a:rPr>
-                            <m:t>3</m:t>
-                          </m:r>
-                        </m:sub>
-                      </m:sSub>
-                    </m:oMath>
-                  </m:oMathPara>
-                </a14:m>
-                <a:endParaRPr kumimoji="1" lang="ja-JP" altLang="en-US" sz="4000" dirty="0">
-                  <a:solidFill>
-                    <a:schemeClr val="bg1"/>
-                  </a:solidFill>
-                </a:endParaRPr>
-              </a:p>
-            </p:txBody>
-          </p:sp>
-        </mc:Choice>
-        <mc:Fallback>
-          <p:sp>
-            <p:nvSpPr>
-              <p:cNvPr id="23" name="テキスト ボックス 22"/>
-              <p:cNvSpPr txBox="1">
-                <a:spLocks noRot="1" noChangeAspect="1" noMove="1" noResize="1" noEditPoints="1" noAdjustHandles="1" noChangeArrowheads="1" noChangeShapeType="1" noTextEdit="1"/>
-              </p:cNvSpPr>
-              <p:nvPr/>
-            </p:nvSpPr>
-            <p:spPr>
-              <a:xfrm>
-                <a:off x="1024277" y="5628288"/>
-                <a:ext cx="651076" cy="615553"/>
-              </a:xfrm>
-              <a:prstGeom prst="rect">
-                <a:avLst/>
-              </a:prstGeom>
-              <a:blipFill>
-                <a:blip r:embed="rId4"/>
-                <a:stretch>
-                  <a:fillRect/>
-                </a:stretch>
-              </a:blipFill>
-            </p:spPr>
-            <p:txBody>
-              <a:bodyPr/>
-              <a:lstStyle/>
-              <a:p>
-                <a:r>
-                  <a:rPr lang="ja-JP" altLang="en-US">
-                    <a:noFill/>
-                  </a:rPr>
-                  <a:t> </a:t>
-                </a:r>
-              </a:p>
-            </p:txBody>
-          </p:sp>
-        </mc:Fallback>
-      </mc:AlternateContent>
-      <mc:AlternateContent xmlns:mc="http://schemas.openxmlformats.org/markup-compatibility/2006">
-        <mc:Choice xmlns:a14="http://schemas.microsoft.com/office/drawing/2010/main" Requires="a14">
-          <p:sp>
-            <p:nvSpPr>
-              <p:cNvPr id="24" name="テキスト ボックス 23"/>
-              <p:cNvSpPr txBox="1"/>
-              <p:nvPr/>
-            </p:nvSpPr>
-            <p:spPr>
-              <a:xfrm>
-                <a:off x="5500067" y="3157735"/>
-                <a:ext cx="1191865" cy="615553"/>
-              </a:xfrm>
-              <a:prstGeom prst="rect">
-                <a:avLst/>
-              </a:prstGeom>
-              <a:noFill/>
-            </p:spPr>
-            <p:txBody>
-              <a:bodyPr wrap="none" lIns="0" tIns="0" rIns="0" bIns="0" rtlCol="0">
-                <a:spAutoFit/>
-              </a:bodyPr>
-              <a:lstStyle/>
-              <a:p>
-                <a14:m>
-                  <m:oMathPara xmlns:m="http://schemas.openxmlformats.org/officeDocument/2006/math">
-                    <m:oMathParaPr>
-                      <m:jc m:val="centerGroup"/>
-                    </m:oMathParaPr>
-                    <m:oMath xmlns:m="http://schemas.openxmlformats.org/officeDocument/2006/math">
-                      <m:r>
-                        <a:rPr kumimoji="1" lang="ja-JP" altLang="en-US" sz="4000" i="1" smtClean="0">
-                          <a:solidFill>
-                            <a:schemeClr val="bg1"/>
-                          </a:solidFill>
-                          <a:latin typeface="Cambria Math" panose="02040503050406030204" pitchFamily="18" charset="0"/>
-                        </a:rPr>
-                        <m:t>𝜎</m:t>
-                      </m:r>
-                      <m:d>
-                        <m:dPr>
-                          <m:ctrlPr>
-                            <a:rPr kumimoji="1" lang="en-US" altLang="ja-JP" sz="4000" i="1" smtClean="0">
-                              <a:solidFill>
-                                <a:schemeClr val="bg1"/>
-                              </a:solidFill>
-                              <a:latin typeface="Cambria Math" panose="02040503050406030204" pitchFamily="18" charset="0"/>
-                            </a:rPr>
-                          </m:ctrlPr>
-                        </m:dPr>
-                        <m:e>
-                          <m:r>
-                            <a:rPr kumimoji="1" lang="en-US" altLang="ja-JP" sz="4000" b="0" i="1" smtClean="0">
-                              <a:solidFill>
-                                <a:schemeClr val="bg1"/>
-                              </a:solidFill>
-                              <a:latin typeface="Cambria Math" panose="02040503050406030204" pitchFamily="18" charset="0"/>
-                            </a:rPr>
-                            <m:t>𝑢</m:t>
-                          </m:r>
-                        </m:e>
-                      </m:d>
-                    </m:oMath>
-                  </m:oMathPara>
-                </a14:m>
-                <a:endParaRPr kumimoji="1" lang="ja-JP" altLang="en-US" sz="4000" dirty="0">
-                  <a:solidFill>
-                    <a:schemeClr val="bg1"/>
-                  </a:solidFill>
-                </a:endParaRPr>
-              </a:p>
-            </p:txBody>
-          </p:sp>
-        </mc:Choice>
-        <mc:Fallback>
-          <p:sp>
-            <p:nvSpPr>
-              <p:cNvPr id="24" name="テキスト ボックス 23"/>
-              <p:cNvSpPr txBox="1">
-                <a:spLocks noRot="1" noChangeAspect="1" noMove="1" noResize="1" noEditPoints="1" noAdjustHandles="1" noChangeArrowheads="1" noChangeShapeType="1" noTextEdit="1"/>
-              </p:cNvSpPr>
-              <p:nvPr/>
-            </p:nvSpPr>
-            <p:spPr>
-              <a:xfrm>
-                <a:off x="5500067" y="3157735"/>
-                <a:ext cx="1191865" cy="615553"/>
-              </a:xfrm>
-              <a:prstGeom prst="rect">
-                <a:avLst/>
-              </a:prstGeom>
-              <a:blipFill>
-                <a:blip r:embed="rId5"/>
-                <a:stretch>
-                  <a:fillRect/>
-                </a:stretch>
-              </a:blipFill>
-            </p:spPr>
-            <p:txBody>
-              <a:bodyPr/>
-              <a:lstStyle/>
-              <a:p>
-                <a:r>
-                  <a:rPr lang="ja-JP" altLang="en-US">
-                    <a:noFill/>
-                  </a:rPr>
-                  <a:t> </a:t>
-                </a:r>
-              </a:p>
-            </p:txBody>
-          </p:sp>
-        </mc:Fallback>
-      </mc:AlternateContent>
-      <p:sp>
-        <p:nvSpPr>
-          <p:cNvPr id="30" name="楕円 29"/>
-          <p:cNvSpPr/>
-          <p:nvPr/>
-        </p:nvSpPr>
-        <p:spPr>
-          <a:xfrm>
-            <a:off x="10038997" y="2717814"/>
-            <a:ext cx="1618211" cy="1495397"/>
-          </a:xfrm>
-          <a:prstGeom prst="ellipse">
-            <a:avLst/>
-          </a:prstGeom>
-          <a:solidFill>
-            <a:schemeClr val="bg2">
-              <a:lumMod val="90000"/>
-            </a:schemeClr>
-          </a:solidFill>
-          <a:ln w="28575">
-            <a:solidFill>
-              <a:schemeClr val="tx1"/>
-            </a:solidFill>
-          </a:ln>
-        </p:spPr>
-        <p:style>
-          <a:lnRef idx="2">
-            <a:schemeClr val="accent1">
-              <a:shade val="50000"/>
-            </a:schemeClr>
-          </a:lnRef>
-          <a:fillRef idx="1">
-            <a:schemeClr val="accent1"/>
-          </a:fillRef>
-          <a:effectRef idx="0">
-            <a:schemeClr val="accent1"/>
-          </a:effectRef>
-          <a:fontRef idx="minor">
-            <a:schemeClr val="lt1"/>
-          </a:fontRef>
-        </p:style>
-        <p:txBody>
-          <a:bodyPr rtlCol="0" anchor="ctr"/>
-          <a:lstStyle/>
-          <a:p>
-            <a:pPr algn="ctr"/>
-            <a:endParaRPr kumimoji="1" lang="ja-JP" altLang="en-US" dirty="0"/>
-          </a:p>
-        </p:txBody>
-      </p:sp>
       <p:cxnSp>
         <p:nvCxnSpPr>
-          <p:cNvPr id="43" name="直線コネクタ 42"/>
+          <p:cNvPr id="3" name="直線矢印コネクタ 2">
+            <a:extLst>
+              <a:ext uri="{FF2B5EF4-FFF2-40B4-BE49-F238E27FC236}">
+                <a16:creationId xmlns:a16="http://schemas.microsoft.com/office/drawing/2014/main" id="{3D8810DB-8895-4C00-BBA0-377751952C15}"/>
+              </a:ext>
+            </a:extLst>
+          </p:cNvPr>
           <p:cNvCxnSpPr>
-            <a:stCxn id="2" idx="6"/>
-            <a:endCxn id="30" idx="2"/>
+            <a:cxnSpLocks/>
           </p:cNvCxnSpPr>
           <p:nvPr/>
         </p:nvCxnSpPr>
         <p:spPr>
-          <a:xfrm>
-            <a:off x="6905105" y="3465513"/>
-            <a:ext cx="3133892" cy="0"/>
+          <a:xfrm flipV="1">
+            <a:off x="2810933" y="406400"/>
+            <a:ext cx="0" cy="5644444"/>
           </a:xfrm>
-          <a:prstGeom prst="line">
+          <a:prstGeom prst="straightConnector1">
             <a:avLst/>
           </a:prstGeom>
-          <a:ln w="57150">
-            <a:headEnd type="none" w="med" len="med"/>
-            <a:tailEnd type="triangle" w="med" len="med"/>
+          <a:ln>
+            <a:tailEnd type="triangle"/>
           </a:ln>
         </p:spPr>
         <p:style>
@@ -4333,367 +3478,10 @@
           </a:fontRef>
         </p:style>
       </p:cxnSp>
-      <p:sp>
-        <p:nvSpPr>
-          <p:cNvPr id="47" name="右矢印 46"/>
-          <p:cNvSpPr/>
-          <p:nvPr/>
-        </p:nvSpPr>
-        <p:spPr>
-          <a:xfrm flipH="1">
-            <a:off x="7942806" y="3907575"/>
-            <a:ext cx="1058491" cy="387864"/>
-          </a:xfrm>
-          <a:prstGeom prst="rightArrow">
-            <a:avLst/>
-          </a:prstGeom>
-          <a:solidFill>
-            <a:schemeClr val="bg2">
-              <a:lumMod val="90000"/>
-            </a:schemeClr>
-          </a:solidFill>
-          <a:ln>
-            <a:noFill/>
-          </a:ln>
-        </p:spPr>
-        <p:style>
-          <a:lnRef idx="2">
-            <a:schemeClr val="accent1">
-              <a:shade val="50000"/>
-            </a:schemeClr>
-          </a:lnRef>
-          <a:fillRef idx="1">
-            <a:schemeClr val="accent1"/>
-          </a:fillRef>
-          <a:effectRef idx="0">
-            <a:schemeClr val="accent1"/>
-          </a:effectRef>
-          <a:fontRef idx="minor">
-            <a:schemeClr val="lt1"/>
-          </a:fontRef>
-        </p:style>
-        <p:txBody>
-          <a:bodyPr rtlCol="0" anchor="ctr"/>
-          <a:lstStyle/>
-          <a:p>
-            <a:pPr algn="ctr"/>
-            <a:endParaRPr kumimoji="1" lang="ja-JP" altLang="en-US"/>
-          </a:p>
-        </p:txBody>
-      </p:sp>
-      <p:sp>
-        <p:nvSpPr>
-          <p:cNvPr id="48" name="右矢印 47"/>
-          <p:cNvSpPr/>
-          <p:nvPr/>
-        </p:nvSpPr>
-        <p:spPr>
-          <a:xfrm>
-            <a:off x="7942805" y="2599920"/>
-            <a:ext cx="1058491" cy="387864"/>
-          </a:xfrm>
-          <a:prstGeom prst="rightArrow">
-            <a:avLst/>
-          </a:prstGeom>
-          <a:solidFill>
-            <a:schemeClr val="bg2">
-              <a:lumMod val="90000"/>
-            </a:schemeClr>
-          </a:solidFill>
-          <a:ln>
-            <a:noFill/>
-          </a:ln>
-        </p:spPr>
-        <p:style>
-          <a:lnRef idx="2">
-            <a:schemeClr val="accent1">
-              <a:shade val="50000"/>
-            </a:schemeClr>
-          </a:lnRef>
-          <a:fillRef idx="1">
-            <a:schemeClr val="accent1"/>
-          </a:fillRef>
-          <a:effectRef idx="0">
-            <a:schemeClr val="accent1"/>
-          </a:effectRef>
-          <a:fontRef idx="minor">
-            <a:schemeClr val="lt1"/>
-          </a:fontRef>
-        </p:style>
-        <p:txBody>
-          <a:bodyPr rtlCol="0" anchor="ctr"/>
-          <a:lstStyle/>
-          <a:p>
-            <a:pPr algn="ctr"/>
-            <a:endParaRPr kumimoji="1" lang="ja-JP" altLang="en-US"/>
-          </a:p>
-        </p:txBody>
-      </p:sp>
-      <mc:AlternateContent xmlns:mc="http://schemas.openxmlformats.org/markup-compatibility/2006">
-        <mc:Choice xmlns:a14="http://schemas.microsoft.com/office/drawing/2010/main" Requires="a14">
-          <p:sp>
-            <p:nvSpPr>
-              <p:cNvPr id="49" name="テキスト ボックス 48"/>
-              <p:cNvSpPr txBox="1"/>
-              <p:nvPr/>
-            </p:nvSpPr>
-            <p:spPr>
-              <a:xfrm>
-                <a:off x="7192640" y="2138255"/>
-                <a:ext cx="2692468" cy="461665"/>
-              </a:xfrm>
-              <a:prstGeom prst="rect">
-                <a:avLst/>
-              </a:prstGeom>
-              <a:noFill/>
-            </p:spPr>
-            <p:txBody>
-              <a:bodyPr wrap="none" rtlCol="0">
-                <a:spAutoFit/>
-              </a:bodyPr>
-              <a:lstStyle/>
-              <a:p>
-                <a:r>
-                  <a:rPr lang="ja-JP" altLang="en-US" sz="2400" dirty="0" smtClean="0"/>
-                  <a:t>発火</a:t>
-                </a:r>
-                <a14:m>
-                  <m:oMath xmlns:m="http://schemas.openxmlformats.org/officeDocument/2006/math">
-                    <m:r>
-                      <a:rPr lang="en-US" altLang="ja-JP" sz="2400" b="0" i="0" smtClean="0">
-                        <a:latin typeface="Cambria Math" panose="02040503050406030204" pitchFamily="18" charset="0"/>
-                      </a:rPr>
-                      <m:t>  1  </m:t>
-                    </m:r>
-                    <m:d>
-                      <m:dPr>
-                        <m:ctrlPr>
-                          <a:rPr lang="en-US" altLang="ja-JP" sz="2400" i="1" smtClean="0">
-                            <a:latin typeface="Cambria Math" panose="02040503050406030204" pitchFamily="18" charset="0"/>
-                          </a:rPr>
-                        </m:ctrlPr>
-                      </m:dPr>
-                      <m:e>
-                        <m:r>
-                          <a:rPr lang="ja-JP" altLang="en-US" sz="2400" i="1" smtClean="0">
-                            <a:latin typeface="Cambria Math" panose="02040503050406030204" pitchFamily="18" charset="0"/>
-                          </a:rPr>
-                          <m:t>𝛿</m:t>
-                        </m:r>
-                        <m:d>
-                          <m:dPr>
-                            <m:ctrlPr>
-                              <a:rPr lang="en-US" altLang="ja-JP" sz="2400" i="1" smtClean="0">
-                                <a:latin typeface="Cambria Math" panose="02040503050406030204" pitchFamily="18" charset="0"/>
-                              </a:rPr>
-                            </m:ctrlPr>
-                          </m:dPr>
-                          <m:e>
-                            <m:r>
-                              <a:rPr lang="en-US" altLang="ja-JP" sz="2400" b="0" i="1" smtClean="0">
-                                <a:latin typeface="Cambria Math" panose="02040503050406030204" pitchFamily="18" charset="0"/>
-                              </a:rPr>
-                              <m:t>𝑢</m:t>
-                            </m:r>
-                          </m:e>
-                        </m:d>
-                        <m:r>
-                          <a:rPr lang="en-US" altLang="ja-JP" sz="2400" b="0" i="1" smtClean="0">
-                            <a:latin typeface="Cambria Math" panose="02040503050406030204" pitchFamily="18" charset="0"/>
-                          </a:rPr>
-                          <m:t>&gt;</m:t>
-                        </m:r>
-                        <m:r>
-                          <a:rPr lang="en-US" altLang="ja-JP" sz="2400" b="0" i="1" smtClean="0">
-                            <a:latin typeface="Cambria Math" panose="02040503050406030204" pitchFamily="18" charset="0"/>
-                          </a:rPr>
-                          <m:t>𝑎</m:t>
-                        </m:r>
-                      </m:e>
-                    </m:d>
-                  </m:oMath>
-                </a14:m>
-                <a:endParaRPr kumimoji="1" lang="ja-JP" altLang="en-US" sz="2400" dirty="0"/>
-              </a:p>
-            </p:txBody>
-          </p:sp>
-        </mc:Choice>
-        <mc:Fallback>
-          <p:sp>
-            <p:nvSpPr>
-              <p:cNvPr id="49" name="テキスト ボックス 48"/>
-              <p:cNvSpPr txBox="1">
-                <a:spLocks noRot="1" noChangeAspect="1" noMove="1" noResize="1" noEditPoints="1" noAdjustHandles="1" noChangeArrowheads="1" noChangeShapeType="1" noTextEdit="1"/>
-              </p:cNvSpPr>
-              <p:nvPr/>
-            </p:nvSpPr>
-            <p:spPr>
-              <a:xfrm>
-                <a:off x="7192640" y="2138255"/>
-                <a:ext cx="2692468" cy="461665"/>
-              </a:xfrm>
-              <a:prstGeom prst="rect">
-                <a:avLst/>
-              </a:prstGeom>
-              <a:blipFill>
-                <a:blip r:embed="rId6"/>
-                <a:stretch>
-                  <a:fillRect l="-3620" t="-10667" b="-30667"/>
-                </a:stretch>
-              </a:blipFill>
-            </p:spPr>
-            <p:txBody>
-              <a:bodyPr/>
-              <a:lstStyle/>
-              <a:p>
-                <a:r>
-                  <a:rPr lang="ja-JP" altLang="en-US">
-                    <a:noFill/>
-                  </a:rPr>
-                  <a:t> </a:t>
-                </a:r>
-              </a:p>
-            </p:txBody>
-          </p:sp>
-        </mc:Fallback>
-      </mc:AlternateContent>
-      <mc:AlternateContent xmlns:mc="http://schemas.openxmlformats.org/markup-compatibility/2006">
-        <mc:Choice xmlns:a14="http://schemas.microsoft.com/office/drawing/2010/main" Requires="a14">
-          <p:sp>
-            <p:nvSpPr>
-              <p:cNvPr id="50" name="テキスト ボックス 49"/>
-              <p:cNvSpPr txBox="1"/>
-              <p:nvPr/>
-            </p:nvSpPr>
-            <p:spPr>
-              <a:xfrm>
-                <a:off x="7038752" y="4385305"/>
-                <a:ext cx="3000245" cy="461665"/>
-              </a:xfrm>
-              <a:prstGeom prst="rect">
-                <a:avLst/>
-              </a:prstGeom>
-              <a:noFill/>
-            </p:spPr>
-            <p:txBody>
-              <a:bodyPr wrap="none" rtlCol="0">
-                <a:spAutoFit/>
-              </a:bodyPr>
-              <a:lstStyle/>
-              <a:p>
-                <a:r>
-                  <a:rPr lang="ja-JP" altLang="en-US" sz="2400" dirty="0"/>
-                  <a:t>非</a:t>
-                </a:r>
-                <a:r>
-                  <a:rPr lang="ja-JP" altLang="en-US" sz="2400" dirty="0" smtClean="0"/>
-                  <a:t>発火</a:t>
-                </a:r>
-                <a14:m>
-                  <m:oMath xmlns:m="http://schemas.openxmlformats.org/officeDocument/2006/math">
-                    <m:r>
-                      <a:rPr lang="en-US" altLang="ja-JP" sz="2400" b="0" i="0" smtClean="0">
-                        <a:latin typeface="Cambria Math" panose="02040503050406030204" pitchFamily="18" charset="0"/>
-                      </a:rPr>
-                      <m:t>  0  </m:t>
-                    </m:r>
-                    <m:d>
-                      <m:dPr>
-                        <m:ctrlPr>
-                          <a:rPr lang="en-US" altLang="ja-JP" sz="2400" i="1" smtClean="0">
-                            <a:latin typeface="Cambria Math" panose="02040503050406030204" pitchFamily="18" charset="0"/>
-                          </a:rPr>
-                        </m:ctrlPr>
-                      </m:dPr>
-                      <m:e>
-                        <m:r>
-                          <a:rPr lang="ja-JP" altLang="en-US" sz="2400" i="1" smtClean="0">
-                            <a:latin typeface="Cambria Math" panose="02040503050406030204" pitchFamily="18" charset="0"/>
-                          </a:rPr>
-                          <m:t>𝛿</m:t>
-                        </m:r>
-                        <m:d>
-                          <m:dPr>
-                            <m:ctrlPr>
-                              <a:rPr lang="en-US" altLang="ja-JP" sz="2400" i="1" smtClean="0">
-                                <a:latin typeface="Cambria Math" panose="02040503050406030204" pitchFamily="18" charset="0"/>
-                              </a:rPr>
-                            </m:ctrlPr>
-                          </m:dPr>
-                          <m:e>
-                            <m:r>
-                              <a:rPr lang="en-US" altLang="ja-JP" sz="2400" b="0" i="1" smtClean="0">
-                                <a:latin typeface="Cambria Math" panose="02040503050406030204" pitchFamily="18" charset="0"/>
-                              </a:rPr>
-                              <m:t>𝑢</m:t>
-                            </m:r>
-                          </m:e>
-                        </m:d>
-                        <m:r>
-                          <a:rPr lang="en-US" altLang="ja-JP" sz="2400" i="1">
-                            <a:latin typeface="Cambria Math" panose="02040503050406030204" pitchFamily="18" charset="0"/>
-                            <a:ea typeface="Cambria Math" panose="02040503050406030204" pitchFamily="18" charset="0"/>
-                          </a:rPr>
-                          <m:t>≤</m:t>
-                        </m:r>
-                        <m:r>
-                          <a:rPr lang="en-US" altLang="ja-JP" sz="2400" b="0" i="1" smtClean="0">
-                            <a:latin typeface="Cambria Math" panose="02040503050406030204" pitchFamily="18" charset="0"/>
-                          </a:rPr>
-                          <m:t>𝑎</m:t>
-                        </m:r>
-                      </m:e>
-                    </m:d>
-                  </m:oMath>
-                </a14:m>
-                <a:endParaRPr kumimoji="1" lang="ja-JP" altLang="en-US" sz="2400" dirty="0"/>
-              </a:p>
-            </p:txBody>
-          </p:sp>
-        </mc:Choice>
-        <mc:Fallback>
-          <p:sp>
-            <p:nvSpPr>
-              <p:cNvPr id="50" name="テキスト ボックス 49"/>
-              <p:cNvSpPr txBox="1">
-                <a:spLocks noRot="1" noChangeAspect="1" noMove="1" noResize="1" noEditPoints="1" noAdjustHandles="1" noChangeArrowheads="1" noChangeShapeType="1" noTextEdit="1"/>
-              </p:cNvSpPr>
-              <p:nvPr/>
-            </p:nvSpPr>
-            <p:spPr>
-              <a:xfrm>
-                <a:off x="7038752" y="4385305"/>
-                <a:ext cx="3000245" cy="461665"/>
-              </a:xfrm>
-              <a:prstGeom prst="rect">
-                <a:avLst/>
-              </a:prstGeom>
-              <a:blipFill>
-                <a:blip r:embed="rId7"/>
-                <a:stretch>
-                  <a:fillRect l="-3252" t="-10526" b="-28947"/>
-                </a:stretch>
-              </a:blipFill>
-            </p:spPr>
-            <p:txBody>
-              <a:bodyPr/>
-              <a:lstStyle/>
-              <a:p>
-                <a:r>
-                  <a:rPr lang="ja-JP" altLang="en-US">
-                    <a:noFill/>
-                  </a:rPr>
-                  <a:t> </a:t>
-                </a:r>
-              </a:p>
-            </p:txBody>
-          </p:sp>
-        </mc:Fallback>
-      </mc:AlternateContent>
     </p:spTree>
     <p:extLst>
       <p:ext uri="{BB962C8B-B14F-4D97-AF65-F5344CB8AC3E}">
-        <p14:creationId xmlns:p14="http://schemas.microsoft.com/office/powerpoint/2010/main" val="4251893075"/>
+        <p14:creationId xmlns:p14="http://schemas.microsoft.com/office/powerpoint/2010/main" val="3834111274"/>
       </p:ext>
     </p:extLst>
   </p:cSld>
@@ -4758,7 +3546,7 @@
     </p:spTree>
     <p:extLst>
       <p:ext uri="{BB962C8B-B14F-4D97-AF65-F5344CB8AC3E}">
-        <p14:creationId xmlns:p14="http://schemas.microsoft.com/office/powerpoint/2010/main" val="1163274223"/>
+        <p14:creationId xmlns:p14="http://schemas.microsoft.com/office/powerpoint/2010/main" val="1131448522"/>
       </p:ext>
     </p:extLst>
   </p:cSld>
@@ -4823,6 +3611,136 @@
     </p:spTree>
     <p:extLst>
       <p:ext uri="{BB962C8B-B14F-4D97-AF65-F5344CB8AC3E}">
+        <p14:creationId xmlns:p14="http://schemas.microsoft.com/office/powerpoint/2010/main" val="4290672499"/>
+      </p:ext>
+    </p:extLst>
+  </p:cSld>
+  <p:clrMapOvr>
+    <a:masterClrMapping/>
+  </p:clrMapOvr>
+</p:sld>
+</file>
+
+<file path=ppt/slides/slide12.xml><?xml version="1.0" encoding="utf-8"?>
+<p:sld xmlns:a="http://schemas.openxmlformats.org/drawingml/2006/main" xmlns:r="http://schemas.openxmlformats.org/officeDocument/2006/relationships" xmlns:p="http://schemas.openxmlformats.org/presentationml/2006/main">
+  <p:cSld>
+    <p:spTree>
+      <p:nvGrpSpPr>
+        <p:cNvPr id="1" name=""/>
+        <p:cNvGrpSpPr/>
+        <p:nvPr/>
+      </p:nvGrpSpPr>
+      <p:grpSpPr>
+        <a:xfrm>
+          <a:off x="0" y="0"/>
+          <a:ext cx="0" cy="0"/>
+          <a:chOff x="0" y="0"/>
+          <a:chExt cx="0" cy="0"/>
+        </a:xfrm>
+      </p:grpSpPr>
+      <p:pic>
+        <p:nvPicPr>
+          <p:cNvPr id="3" name="図 2"/>
+          <p:cNvPicPr>
+            <a:picLocks noChangeAspect="1"/>
+          </p:cNvPicPr>
+          <p:nvPr/>
+        </p:nvPicPr>
+        <p:blipFill>
+          <a:blip r:embed="rId2">
+            <a:extLst>
+              <a:ext uri="{28A0092B-C50C-407E-A947-70E740481C1C}">
+                <a14:useLocalDpi xmlns:a14="http://schemas.microsoft.com/office/drawing/2010/main" val="0"/>
+              </a:ext>
+            </a:extLst>
+          </a:blip>
+          <a:stretch>
+            <a:fillRect/>
+          </a:stretch>
+        </p:blipFill>
+        <p:spPr>
+          <a:xfrm>
+            <a:off x="4571787" y="2285840"/>
+            <a:ext cx="3048425" cy="2286319"/>
+          </a:xfrm>
+          <a:prstGeom prst="rect">
+            <a:avLst/>
+          </a:prstGeom>
+          <a:ln>
+            <a:solidFill>
+              <a:schemeClr val="tx1"/>
+            </a:solidFill>
+          </a:ln>
+        </p:spPr>
+      </p:pic>
+    </p:spTree>
+    <p:extLst>
+      <p:ext uri="{BB962C8B-B14F-4D97-AF65-F5344CB8AC3E}">
+        <p14:creationId xmlns:p14="http://schemas.microsoft.com/office/powerpoint/2010/main" val="1163274223"/>
+      </p:ext>
+    </p:extLst>
+  </p:cSld>
+  <p:clrMapOvr>
+    <a:masterClrMapping/>
+  </p:clrMapOvr>
+</p:sld>
+</file>
+
+<file path=ppt/slides/slide13.xml><?xml version="1.0" encoding="utf-8"?>
+<p:sld xmlns:a="http://schemas.openxmlformats.org/drawingml/2006/main" xmlns:r="http://schemas.openxmlformats.org/officeDocument/2006/relationships" xmlns:p="http://schemas.openxmlformats.org/presentationml/2006/main">
+  <p:cSld>
+    <p:spTree>
+      <p:nvGrpSpPr>
+        <p:cNvPr id="1" name=""/>
+        <p:cNvGrpSpPr/>
+        <p:nvPr/>
+      </p:nvGrpSpPr>
+      <p:grpSpPr>
+        <a:xfrm>
+          <a:off x="0" y="0"/>
+          <a:ext cx="0" cy="0"/>
+          <a:chOff x="0" y="0"/>
+          <a:chExt cx="0" cy="0"/>
+        </a:xfrm>
+      </p:grpSpPr>
+      <p:pic>
+        <p:nvPicPr>
+          <p:cNvPr id="2" name="図 1"/>
+          <p:cNvPicPr>
+            <a:picLocks noChangeAspect="1"/>
+          </p:cNvPicPr>
+          <p:nvPr/>
+        </p:nvPicPr>
+        <p:blipFill>
+          <a:blip r:embed="rId2">
+            <a:extLst>
+              <a:ext uri="{28A0092B-C50C-407E-A947-70E740481C1C}">
+                <a14:useLocalDpi xmlns:a14="http://schemas.microsoft.com/office/drawing/2010/main" val="0"/>
+              </a:ext>
+            </a:extLst>
+          </a:blip>
+          <a:stretch>
+            <a:fillRect/>
+          </a:stretch>
+        </p:blipFill>
+        <p:spPr>
+          <a:xfrm>
+            <a:off x="4571787" y="2285840"/>
+            <a:ext cx="3048425" cy="2286319"/>
+          </a:xfrm>
+          <a:prstGeom prst="rect">
+            <a:avLst/>
+          </a:prstGeom>
+          <a:ln>
+            <a:solidFill>
+              <a:schemeClr val="tx1"/>
+            </a:solidFill>
+          </a:ln>
+        </p:spPr>
+      </p:pic>
+    </p:spTree>
+    <p:extLst>
+      <p:ext uri="{BB962C8B-B14F-4D97-AF65-F5344CB8AC3E}">
         <p14:creationId xmlns:p14="http://schemas.microsoft.com/office/powerpoint/2010/main" val="2131509672"/>
       </p:ext>
     </p:extLst>
@@ -4833,7 +3751,7 @@
 </p:sld>
 </file>
 
-<file path=ppt/slides/slide12.xml><?xml version="1.0" encoding="utf-8"?>
+<file path=ppt/slides/slide14.xml><?xml version="1.0" encoding="utf-8"?>
 <p:sld xmlns:a="http://schemas.openxmlformats.org/drawingml/2006/main" xmlns:r="http://schemas.openxmlformats.org/officeDocument/2006/relationships" xmlns:p="http://schemas.openxmlformats.org/presentationml/2006/main">
   <p:cSld>
     <p:spTree>
@@ -5175,7 +4093,7 @@
 </p:sld>
 </file>
 
-<file path=ppt/slides/slide13.xml><?xml version="1.0" encoding="utf-8"?>
+<file path=ppt/slides/slide15.xml><?xml version="1.0" encoding="utf-8"?>
 <p:sld xmlns:a="http://schemas.openxmlformats.org/drawingml/2006/main" xmlns:r="http://schemas.openxmlformats.org/officeDocument/2006/relationships" xmlns:p="http://schemas.openxmlformats.org/presentationml/2006/main">
   <p:cSld>
     <p:spTree>
@@ -8501,7 +7419,7 @@
 </p:sld>
 </file>
 
-<file path=ppt/slides/slide14.xml><?xml version="1.0" encoding="utf-8"?>
+<file path=ppt/slides/slide16.xml><?xml version="1.0" encoding="utf-8"?>
 <p:sld xmlns:a="http://schemas.openxmlformats.org/drawingml/2006/main" xmlns:r="http://schemas.openxmlformats.org/officeDocument/2006/relationships" xmlns:p="http://schemas.openxmlformats.org/presentationml/2006/main">
   <p:cSld>
     <p:spTree>
@@ -8850,7 +7768,7 @@
 </p:sld>
 </file>
 
-<file path=ppt/slides/slide15.xml><?xml version="1.0" encoding="utf-8"?>
+<file path=ppt/slides/slide17.xml><?xml version="1.0" encoding="utf-8"?>
 <p:sld xmlns:a="http://schemas.openxmlformats.org/drawingml/2006/main" xmlns:r="http://schemas.openxmlformats.org/officeDocument/2006/relationships" xmlns:p="http://schemas.openxmlformats.org/presentationml/2006/main">
   <p:cSld>
     <p:spTree>
@@ -9195,7 +8113,7 @@
 </p:sld>
 </file>
 
-<file path=ppt/slides/slide16.xml><?xml version="1.0" encoding="utf-8"?>
+<file path=ppt/slides/slide18.xml><?xml version="1.0" encoding="utf-8"?>
 <p:sld xmlns:a="http://schemas.openxmlformats.org/drawingml/2006/main" xmlns:r="http://schemas.openxmlformats.org/officeDocument/2006/relationships" xmlns:p="http://schemas.openxmlformats.org/presentationml/2006/main">
   <p:cSld>
     <p:spTree>
@@ -10672,7 +9590,7 @@
 </p:sld>
 </file>
 
-<file path=ppt/slides/slide17.xml><?xml version="1.0" encoding="utf-8"?>
+<file path=ppt/slides/slide19.xml><?xml version="1.0" encoding="utf-8"?>
 <p:sld xmlns:a="http://schemas.openxmlformats.org/drawingml/2006/main" xmlns:r="http://schemas.openxmlformats.org/officeDocument/2006/relationships" xmlns:p="http://schemas.openxmlformats.org/presentationml/2006/main">
   <p:cSld>
     <p:spTree>
@@ -12083,7 +11001,676 @@
 </p:sld>
 </file>
 
-<file path=ppt/slides/slide18.xml><?xml version="1.0" encoding="utf-8"?>
+<file path=ppt/slides/slide2.xml><?xml version="1.0" encoding="utf-8"?>
+<p:sld xmlns:a="http://schemas.openxmlformats.org/drawingml/2006/main" xmlns:r="http://schemas.openxmlformats.org/officeDocument/2006/relationships" xmlns:p="http://schemas.openxmlformats.org/presentationml/2006/main">
+  <p:cSld>
+    <p:spTree>
+      <p:nvGrpSpPr>
+        <p:cNvPr id="1" name=""/>
+        <p:cNvGrpSpPr/>
+        <p:nvPr/>
+      </p:nvGrpSpPr>
+      <p:grpSpPr>
+        <a:xfrm>
+          <a:off x="0" y="0"/>
+          <a:ext cx="0" cy="0"/>
+          <a:chOff x="0" y="0"/>
+          <a:chExt cx="0" cy="0"/>
+        </a:xfrm>
+      </p:grpSpPr>
+      <p:pic>
+        <p:nvPicPr>
+          <p:cNvPr id="11" name="図 10">
+            <a:extLst>
+              <a:ext uri="{FF2B5EF4-FFF2-40B4-BE49-F238E27FC236}">
+                <a16:creationId xmlns:a16="http://schemas.microsoft.com/office/drawing/2014/main" id="{DB32378F-64A7-457B-BAB3-01ECD2CA9DD8}"/>
+              </a:ext>
+            </a:extLst>
+          </p:cNvPr>
+          <p:cNvPicPr>
+            <a:picLocks noChangeAspect="1"/>
+          </p:cNvPicPr>
+          <p:nvPr/>
+        </p:nvPicPr>
+        <p:blipFill rotWithShape="1">
+          <a:blip r:embed="rId2">
+            <a:extLst>
+              <a:ext uri="{28A0092B-C50C-407E-A947-70E740481C1C}">
+                <a14:useLocalDpi xmlns:a14="http://schemas.microsoft.com/office/drawing/2010/main" val="0"/>
+              </a:ext>
+            </a:extLst>
+          </a:blip>
+          <a:srcRect l="8087" t="11611" r="9532" b="7271"/>
+          <a:stretch/>
+        </p:blipFill>
+        <p:spPr>
+          <a:xfrm>
+            <a:off x="2302933" y="632178"/>
+            <a:ext cx="7382934" cy="5429542"/>
+          </a:xfrm>
+          <a:prstGeom prst="rect">
+            <a:avLst/>
+          </a:prstGeom>
+        </p:spPr>
+      </p:pic>
+      <p:cxnSp>
+        <p:nvCxnSpPr>
+          <p:cNvPr id="5" name="直線矢印コネクタ 4">
+            <a:extLst>
+              <a:ext uri="{FF2B5EF4-FFF2-40B4-BE49-F238E27FC236}">
+                <a16:creationId xmlns:a16="http://schemas.microsoft.com/office/drawing/2014/main" id="{9B7B213B-1FE0-4544-AB16-C9047375AFAB}"/>
+              </a:ext>
+            </a:extLst>
+          </p:cNvPr>
+          <p:cNvCxnSpPr>
+            <a:cxnSpLocks/>
+          </p:cNvCxnSpPr>
+          <p:nvPr/>
+        </p:nvCxnSpPr>
+        <p:spPr>
+          <a:xfrm flipV="1">
+            <a:off x="2684151" y="298254"/>
+            <a:ext cx="0" cy="5528604"/>
+          </a:xfrm>
+          <a:prstGeom prst="straightConnector1">
+            <a:avLst/>
+          </a:prstGeom>
+          <a:ln w="57150">
+            <a:solidFill>
+              <a:schemeClr val="tx1"/>
+            </a:solidFill>
+            <a:tailEnd type="triangle"/>
+          </a:ln>
+        </p:spPr>
+        <p:style>
+          <a:lnRef idx="1">
+            <a:schemeClr val="accent1"/>
+          </a:lnRef>
+          <a:fillRef idx="0">
+            <a:schemeClr val="accent1"/>
+          </a:fillRef>
+          <a:effectRef idx="0">
+            <a:schemeClr val="accent1"/>
+          </a:effectRef>
+          <a:fontRef idx="minor">
+            <a:schemeClr val="tx1"/>
+          </a:fontRef>
+        </p:style>
+      </p:cxnSp>
+      <p:cxnSp>
+        <p:nvCxnSpPr>
+          <p:cNvPr id="6" name="直線矢印コネクタ 5">
+            <a:extLst>
+              <a:ext uri="{FF2B5EF4-FFF2-40B4-BE49-F238E27FC236}">
+                <a16:creationId xmlns:a16="http://schemas.microsoft.com/office/drawing/2014/main" id="{83C331FA-078C-4D54-8B6D-DDD3D67CB116}"/>
+              </a:ext>
+            </a:extLst>
+          </p:cNvPr>
+          <p:cNvCxnSpPr>
+            <a:cxnSpLocks/>
+          </p:cNvCxnSpPr>
+          <p:nvPr/>
+        </p:nvCxnSpPr>
+        <p:spPr>
+          <a:xfrm>
+            <a:off x="2661573" y="5815569"/>
+            <a:ext cx="7227494" cy="0"/>
+          </a:xfrm>
+          <a:prstGeom prst="straightConnector1">
+            <a:avLst/>
+          </a:prstGeom>
+          <a:ln w="57150">
+            <a:solidFill>
+              <a:schemeClr val="tx1"/>
+            </a:solidFill>
+            <a:tailEnd type="triangle"/>
+          </a:ln>
+        </p:spPr>
+        <p:style>
+          <a:lnRef idx="1">
+            <a:schemeClr val="accent1"/>
+          </a:lnRef>
+          <a:fillRef idx="0">
+            <a:schemeClr val="accent1"/>
+          </a:fillRef>
+          <a:effectRef idx="0">
+            <a:schemeClr val="accent1"/>
+          </a:effectRef>
+          <a:fontRef idx="minor">
+            <a:schemeClr val="tx1"/>
+          </a:fontRef>
+        </p:style>
+      </p:cxnSp>
+      <mc:AlternateContent xmlns:mc="http://schemas.openxmlformats.org/markup-compatibility/2006">
+        <mc:Choice xmlns:a14="http://schemas.microsoft.com/office/drawing/2010/main" Requires="a14">
+          <p:sp>
+            <p:nvSpPr>
+              <p:cNvPr id="8" name="テキスト ボックス 7">
+                <a:extLst>
+                  <a:ext uri="{FF2B5EF4-FFF2-40B4-BE49-F238E27FC236}">
+                    <a16:creationId xmlns:a16="http://schemas.microsoft.com/office/drawing/2014/main" id="{36D82C98-87D9-43ED-B6E8-3C1FA924E313}"/>
+                  </a:ext>
+                </a:extLst>
+              </p:cNvPr>
+              <p:cNvSpPr txBox="1"/>
+              <p:nvPr/>
+            </p:nvSpPr>
+            <p:spPr>
+              <a:xfrm>
+                <a:off x="5828138" y="6061720"/>
+                <a:ext cx="535723" cy="523220"/>
+              </a:xfrm>
+              <a:prstGeom prst="rect">
+                <a:avLst/>
+              </a:prstGeom>
+              <a:solidFill>
+                <a:schemeClr val="bg1"/>
+              </a:solidFill>
+            </p:spPr>
+            <p:txBody>
+              <a:bodyPr wrap="none" rtlCol="0">
+                <a:spAutoFit/>
+              </a:bodyPr>
+              <a:lstStyle/>
+              <a:p>
+                <a14:m>
+                  <m:oMathPara xmlns:m="http://schemas.openxmlformats.org/officeDocument/2006/math">
+                    <m:oMathParaPr>
+                      <m:jc m:val="centerGroup"/>
+                    </m:oMathParaPr>
+                    <m:oMath xmlns:m="http://schemas.openxmlformats.org/officeDocument/2006/math">
+                      <m:r>
+                        <a:rPr kumimoji="1" lang="en-US" altLang="ja-JP" sz="2800" b="1" i="1" smtClean="0">
+                          <a:solidFill>
+                            <a:schemeClr val="tx1"/>
+                          </a:solidFill>
+                          <a:latin typeface="Cambria Math" panose="02040503050406030204" pitchFamily="18" charset="0"/>
+                        </a:rPr>
+                        <m:t>𝑿</m:t>
+                      </m:r>
+                    </m:oMath>
+                  </m:oMathPara>
+                </a14:m>
+                <a:endParaRPr kumimoji="1" lang="ja-JP" altLang="en-US" sz="2800" b="1" dirty="0"/>
+              </a:p>
+            </p:txBody>
+          </p:sp>
+        </mc:Choice>
+        <mc:Fallback>
+          <p:sp>
+            <p:nvSpPr>
+              <p:cNvPr id="8" name="テキスト ボックス 7">
+                <a:extLst>
+                  <a:ext uri="{FF2B5EF4-FFF2-40B4-BE49-F238E27FC236}">
+                    <a16:creationId xmlns:a16="http://schemas.microsoft.com/office/drawing/2014/main" id="{36D82C98-87D9-43ED-B6E8-3C1FA924E313}"/>
+                  </a:ext>
+                </a:extLst>
+              </p:cNvPr>
+              <p:cNvSpPr txBox="1">
+                <a:spLocks noRot="1" noChangeAspect="1" noMove="1" noResize="1" noEditPoints="1" noAdjustHandles="1" noChangeArrowheads="1" noChangeShapeType="1" noTextEdit="1"/>
+              </p:cNvSpPr>
+              <p:nvPr/>
+            </p:nvSpPr>
+            <p:spPr>
+              <a:xfrm>
+                <a:off x="5828138" y="6061720"/>
+                <a:ext cx="535723" cy="523220"/>
+              </a:xfrm>
+              <a:prstGeom prst="rect">
+                <a:avLst/>
+              </a:prstGeom>
+              <a:blipFill>
+                <a:blip r:embed="rId3"/>
+                <a:stretch>
+                  <a:fillRect/>
+                </a:stretch>
+              </a:blipFill>
+            </p:spPr>
+            <p:txBody>
+              <a:bodyPr/>
+              <a:lstStyle/>
+              <a:p>
+                <a:r>
+                  <a:rPr lang="ja-JP" altLang="en-US">
+                    <a:noFill/>
+                  </a:rPr>
+                  <a:t> </a:t>
+                </a:r>
+              </a:p>
+            </p:txBody>
+          </p:sp>
+        </mc:Fallback>
+      </mc:AlternateContent>
+      <mc:AlternateContent xmlns:mc="http://schemas.openxmlformats.org/markup-compatibility/2006">
+        <mc:Choice xmlns:a14="http://schemas.microsoft.com/office/drawing/2010/main" Requires="a14">
+          <p:sp>
+            <p:nvSpPr>
+              <p:cNvPr id="12" name="テキスト ボックス 11">
+                <a:extLst>
+                  <a:ext uri="{FF2B5EF4-FFF2-40B4-BE49-F238E27FC236}">
+                    <a16:creationId xmlns:a16="http://schemas.microsoft.com/office/drawing/2014/main" id="{F1154551-A7E2-4834-863B-DDC4E81475DE}"/>
+                  </a:ext>
+                </a:extLst>
+              </p:cNvPr>
+              <p:cNvSpPr txBox="1"/>
+              <p:nvPr/>
+            </p:nvSpPr>
+            <p:spPr>
+              <a:xfrm rot="16200000">
+                <a:off x="1596809" y="2725080"/>
+                <a:ext cx="720517" cy="523220"/>
+              </a:xfrm>
+              <a:prstGeom prst="rect">
+                <a:avLst/>
+              </a:prstGeom>
+              <a:solidFill>
+                <a:schemeClr val="bg1"/>
+              </a:solidFill>
+            </p:spPr>
+            <p:txBody>
+              <a:bodyPr wrap="none" rtlCol="0">
+                <a:spAutoFit/>
+              </a:bodyPr>
+              <a:lstStyle/>
+              <a:p>
+                <a14:m>
+                  <m:oMathPara xmlns:m="http://schemas.openxmlformats.org/officeDocument/2006/math">
+                    <m:oMathParaPr>
+                      <m:jc m:val="centerGroup"/>
+                    </m:oMathParaPr>
+                    <m:oMath xmlns:m="http://schemas.openxmlformats.org/officeDocument/2006/math">
+                      <m:sSub>
+                        <m:sSubPr>
+                          <m:ctrlPr>
+                            <a:rPr kumimoji="1" lang="en-US" altLang="ja-JP" sz="2800" b="1" i="1" smtClean="0">
+                              <a:solidFill>
+                                <a:schemeClr val="tx1"/>
+                              </a:solidFill>
+                              <a:latin typeface="Cambria Math" panose="02040503050406030204" pitchFamily="18" charset="0"/>
+                            </a:rPr>
+                          </m:ctrlPr>
+                        </m:sSubPr>
+                        <m:e>
+                          <m:r>
+                            <a:rPr kumimoji="1" lang="en-US" altLang="ja-JP" sz="2800" b="1" i="1" smtClean="0">
+                              <a:solidFill>
+                                <a:schemeClr val="tx1"/>
+                              </a:solidFill>
+                              <a:latin typeface="Cambria Math" panose="02040503050406030204" pitchFamily="18" charset="0"/>
+                            </a:rPr>
+                            <m:t>𝑿</m:t>
+                          </m:r>
+                        </m:e>
+                        <m:sub>
+                          <m:r>
+                            <a:rPr kumimoji="1" lang="en-US" altLang="ja-JP" sz="2800" b="1" i="1" smtClean="0">
+                              <a:solidFill>
+                                <a:schemeClr val="tx1"/>
+                              </a:solidFill>
+                              <a:latin typeface="Cambria Math" panose="02040503050406030204" pitchFamily="18" charset="0"/>
+                            </a:rPr>
+                            <m:t>𝒏</m:t>
+                          </m:r>
+                        </m:sub>
+                      </m:sSub>
+                    </m:oMath>
+                  </m:oMathPara>
+                </a14:m>
+                <a:endParaRPr kumimoji="1" lang="ja-JP" altLang="en-US" sz="2800" b="1" dirty="0"/>
+              </a:p>
+            </p:txBody>
+          </p:sp>
+        </mc:Choice>
+        <mc:Fallback>
+          <p:sp>
+            <p:nvSpPr>
+              <p:cNvPr id="12" name="テキスト ボックス 11">
+                <a:extLst>
+                  <a:ext uri="{FF2B5EF4-FFF2-40B4-BE49-F238E27FC236}">
+                    <a16:creationId xmlns:a16="http://schemas.microsoft.com/office/drawing/2014/main" id="{F1154551-A7E2-4834-863B-DDC4E81475DE}"/>
+                  </a:ext>
+                </a:extLst>
+              </p:cNvPr>
+              <p:cNvSpPr txBox="1">
+                <a:spLocks noRot="1" noChangeAspect="1" noMove="1" noResize="1" noEditPoints="1" noAdjustHandles="1" noChangeArrowheads="1" noChangeShapeType="1" noTextEdit="1"/>
+              </p:cNvSpPr>
+              <p:nvPr/>
+            </p:nvSpPr>
+            <p:spPr>
+              <a:xfrm rot="16200000">
+                <a:off x="1596809" y="2725080"/>
+                <a:ext cx="720517" cy="523220"/>
+              </a:xfrm>
+              <a:prstGeom prst="rect">
+                <a:avLst/>
+              </a:prstGeom>
+              <a:blipFill>
+                <a:blip r:embed="rId4"/>
+                <a:stretch>
+                  <a:fillRect/>
+                </a:stretch>
+              </a:blipFill>
+            </p:spPr>
+            <p:txBody>
+              <a:bodyPr/>
+              <a:lstStyle/>
+              <a:p>
+                <a:r>
+                  <a:rPr lang="ja-JP" altLang="en-US">
+                    <a:noFill/>
+                  </a:rPr>
+                  <a:t> </a:t>
+                </a:r>
+              </a:p>
+            </p:txBody>
+          </p:sp>
+        </mc:Fallback>
+      </mc:AlternateContent>
+      <p:sp>
+        <p:nvSpPr>
+          <p:cNvPr id="20" name="四角形: 角を丸くする 19">
+            <a:extLst>
+              <a:ext uri="{FF2B5EF4-FFF2-40B4-BE49-F238E27FC236}">
+                <a16:creationId xmlns:a16="http://schemas.microsoft.com/office/drawing/2014/main" id="{DF3A7535-A79E-425B-BC6D-FBB703BAF66D}"/>
+              </a:ext>
+            </a:extLst>
+          </p:cNvPr>
+          <p:cNvSpPr/>
+          <p:nvPr/>
+        </p:nvSpPr>
+        <p:spPr>
+          <a:xfrm>
+            <a:off x="9507849" y="451556"/>
+            <a:ext cx="1905216" cy="1264324"/>
+          </a:xfrm>
+          <a:prstGeom prst="roundRect">
+            <a:avLst/>
+          </a:prstGeom>
+          <a:noFill/>
+          <a:ln w="28575">
+            <a:solidFill>
+              <a:schemeClr val="tx1">
+                <a:lumMod val="75000"/>
+                <a:lumOff val="25000"/>
+              </a:schemeClr>
+            </a:solidFill>
+          </a:ln>
+        </p:spPr>
+        <p:style>
+          <a:lnRef idx="2">
+            <a:schemeClr val="accent1">
+              <a:shade val="50000"/>
+            </a:schemeClr>
+          </a:lnRef>
+          <a:fillRef idx="1">
+            <a:schemeClr val="accent1"/>
+          </a:fillRef>
+          <a:effectRef idx="0">
+            <a:schemeClr val="accent1"/>
+          </a:effectRef>
+          <a:fontRef idx="minor">
+            <a:schemeClr val="lt1"/>
+          </a:fontRef>
+        </p:style>
+        <p:txBody>
+          <a:bodyPr rtlCol="0" anchor="ctr"/>
+          <a:lstStyle/>
+          <a:p>
+            <a:pPr algn="ctr"/>
+            <a:endParaRPr kumimoji="1" lang="ja-JP" altLang="en-US"/>
+          </a:p>
+        </p:txBody>
+      </p:sp>
+      <p:grpSp>
+        <p:nvGrpSpPr>
+          <p:cNvPr id="19" name="グループ化 18">
+            <a:extLst>
+              <a:ext uri="{FF2B5EF4-FFF2-40B4-BE49-F238E27FC236}">
+                <a16:creationId xmlns:a16="http://schemas.microsoft.com/office/drawing/2014/main" id="{0C8234AC-8CC2-4BC3-90BC-144709148506}"/>
+              </a:ext>
+            </a:extLst>
+          </p:cNvPr>
+          <p:cNvGrpSpPr/>
+          <p:nvPr/>
+        </p:nvGrpSpPr>
+        <p:grpSpPr>
+          <a:xfrm>
+            <a:off x="9685867" y="570678"/>
+            <a:ext cx="1586521" cy="1026421"/>
+            <a:chOff x="9685867" y="570678"/>
+            <a:chExt cx="1586521" cy="1026421"/>
+          </a:xfrm>
+        </p:grpSpPr>
+        <p:grpSp>
+          <p:nvGrpSpPr>
+            <p:cNvPr id="18" name="グループ化 17">
+              <a:extLst>
+                <a:ext uri="{FF2B5EF4-FFF2-40B4-BE49-F238E27FC236}">
+                  <a16:creationId xmlns:a16="http://schemas.microsoft.com/office/drawing/2014/main" id="{6957CF5E-EAD9-401C-994A-1B27626926C7}"/>
+                </a:ext>
+              </a:extLst>
+            </p:cNvPr>
+            <p:cNvGrpSpPr/>
+            <p:nvPr/>
+          </p:nvGrpSpPr>
+          <p:grpSpPr>
+            <a:xfrm>
+              <a:off x="9718911" y="570678"/>
+              <a:ext cx="1553477" cy="461665"/>
+              <a:chOff x="9718911" y="570678"/>
+              <a:chExt cx="1553477" cy="461665"/>
+            </a:xfrm>
+          </p:grpSpPr>
+          <p:sp>
+            <p:nvSpPr>
+              <p:cNvPr id="13" name="楕円 12">
+                <a:extLst>
+                  <a:ext uri="{FF2B5EF4-FFF2-40B4-BE49-F238E27FC236}">
+                    <a16:creationId xmlns:a16="http://schemas.microsoft.com/office/drawing/2014/main" id="{E658DEC3-52BE-46A4-930F-1710E944CCFD}"/>
+                  </a:ext>
+                </a:extLst>
+              </p:cNvPr>
+              <p:cNvSpPr/>
+              <p:nvPr/>
+            </p:nvSpPr>
+            <p:spPr>
+              <a:xfrm>
+                <a:off x="9718911" y="681053"/>
+                <a:ext cx="240916" cy="240916"/>
+              </a:xfrm>
+              <a:prstGeom prst="ellipse">
+                <a:avLst/>
+              </a:prstGeom>
+              <a:solidFill>
+                <a:srgbClr val="FF0000"/>
+              </a:solidFill>
+              <a:ln>
+                <a:noFill/>
+              </a:ln>
+            </p:spPr>
+            <p:style>
+              <a:lnRef idx="2">
+                <a:schemeClr val="accent1">
+                  <a:shade val="50000"/>
+                </a:schemeClr>
+              </a:lnRef>
+              <a:fillRef idx="1">
+                <a:schemeClr val="accent1"/>
+              </a:fillRef>
+              <a:effectRef idx="0">
+                <a:schemeClr val="accent1"/>
+              </a:effectRef>
+              <a:fontRef idx="minor">
+                <a:schemeClr val="lt1"/>
+              </a:fontRef>
+            </p:style>
+            <p:txBody>
+              <a:bodyPr rtlCol="0" anchor="ctr"/>
+              <a:lstStyle/>
+              <a:p>
+                <a:pPr algn="ctr"/>
+                <a:endParaRPr kumimoji="1" lang="ja-JP" altLang="en-US"/>
+              </a:p>
+            </p:txBody>
+          </p:sp>
+          <p:sp>
+            <p:nvSpPr>
+              <p:cNvPr id="14" name="テキスト ボックス 13">
+                <a:extLst>
+                  <a:ext uri="{FF2B5EF4-FFF2-40B4-BE49-F238E27FC236}">
+                    <a16:creationId xmlns:a16="http://schemas.microsoft.com/office/drawing/2014/main" id="{C2541DE5-4EAA-403C-B952-C29202F15529}"/>
+                  </a:ext>
+                </a:extLst>
+              </p:cNvPr>
+              <p:cNvSpPr txBox="1"/>
+              <p:nvPr/>
+            </p:nvSpPr>
+            <p:spPr>
+              <a:xfrm>
+                <a:off x="9992871" y="570678"/>
+                <a:ext cx="1279517" cy="461665"/>
+              </a:xfrm>
+              <a:prstGeom prst="rect">
+                <a:avLst/>
+              </a:prstGeom>
+              <a:noFill/>
+            </p:spPr>
+            <p:txBody>
+              <a:bodyPr wrap="none" rtlCol="0">
+                <a:spAutoFit/>
+              </a:bodyPr>
+              <a:lstStyle/>
+              <a:p>
+                <a:r>
+                  <a:rPr kumimoji="1" lang="en-US" altLang="ja-JP" sz="2400" b="1" dirty="0"/>
+                  <a:t>Group1</a:t>
+                </a:r>
+                <a:endParaRPr kumimoji="1" lang="ja-JP" altLang="en-US" sz="2400" b="1" dirty="0"/>
+              </a:p>
+            </p:txBody>
+          </p:sp>
+        </p:grpSp>
+        <p:grpSp>
+          <p:nvGrpSpPr>
+            <p:cNvPr id="17" name="グループ化 16">
+              <a:extLst>
+                <a:ext uri="{FF2B5EF4-FFF2-40B4-BE49-F238E27FC236}">
+                  <a16:creationId xmlns:a16="http://schemas.microsoft.com/office/drawing/2014/main" id="{AB2DF394-ABF7-44F0-8E02-AC9A735A873F}"/>
+                </a:ext>
+              </a:extLst>
+            </p:cNvPr>
+            <p:cNvGrpSpPr/>
+            <p:nvPr/>
+          </p:nvGrpSpPr>
+          <p:grpSpPr>
+            <a:xfrm>
+              <a:off x="9685867" y="1135434"/>
+              <a:ext cx="1586521" cy="461665"/>
+              <a:chOff x="9685867" y="1311112"/>
+              <a:chExt cx="1586521" cy="461665"/>
+            </a:xfrm>
+          </p:grpSpPr>
+          <p:sp>
+            <p:nvSpPr>
+              <p:cNvPr id="15" name="テキスト ボックス 14">
+                <a:extLst>
+                  <a:ext uri="{FF2B5EF4-FFF2-40B4-BE49-F238E27FC236}">
+                    <a16:creationId xmlns:a16="http://schemas.microsoft.com/office/drawing/2014/main" id="{17AF6AC9-02BE-4565-97D8-9FB86C8F9250}"/>
+                  </a:ext>
+                </a:extLst>
+              </p:cNvPr>
+              <p:cNvSpPr txBox="1"/>
+              <p:nvPr/>
+            </p:nvSpPr>
+            <p:spPr>
+              <a:xfrm>
+                <a:off x="9992871" y="1311112"/>
+                <a:ext cx="1279517" cy="461665"/>
+              </a:xfrm>
+              <a:prstGeom prst="rect">
+                <a:avLst/>
+              </a:prstGeom>
+              <a:noFill/>
+            </p:spPr>
+            <p:txBody>
+              <a:bodyPr wrap="none" rtlCol="0">
+                <a:spAutoFit/>
+              </a:bodyPr>
+              <a:lstStyle/>
+              <a:p>
+                <a:r>
+                  <a:rPr kumimoji="1" lang="en-US" altLang="ja-JP" sz="2400" b="1" dirty="0"/>
+                  <a:t>Group2</a:t>
+                </a:r>
+                <a:endParaRPr kumimoji="1" lang="ja-JP" altLang="en-US" sz="2400" b="1" dirty="0"/>
+              </a:p>
+            </p:txBody>
+          </p:sp>
+          <p:sp>
+            <p:nvSpPr>
+              <p:cNvPr id="16" name="二等辺三角形 15">
+                <a:extLst>
+                  <a:ext uri="{FF2B5EF4-FFF2-40B4-BE49-F238E27FC236}">
+                    <a16:creationId xmlns:a16="http://schemas.microsoft.com/office/drawing/2014/main" id="{6158CB43-4E96-44CC-8311-556B53DBD3E9}"/>
+                  </a:ext>
+                </a:extLst>
+              </p:cNvPr>
+              <p:cNvSpPr/>
+              <p:nvPr/>
+            </p:nvSpPr>
+            <p:spPr>
+              <a:xfrm>
+                <a:off x="9685867" y="1391010"/>
+                <a:ext cx="350167" cy="301868"/>
+              </a:xfrm>
+              <a:prstGeom prst="triangle">
+                <a:avLst/>
+              </a:prstGeom>
+              <a:solidFill>
+                <a:srgbClr val="1F03EB"/>
+              </a:solidFill>
+            </p:spPr>
+            <p:style>
+              <a:lnRef idx="2">
+                <a:schemeClr val="accent1">
+                  <a:shade val="50000"/>
+                </a:schemeClr>
+              </a:lnRef>
+              <a:fillRef idx="1">
+                <a:schemeClr val="accent1"/>
+              </a:fillRef>
+              <a:effectRef idx="0">
+                <a:schemeClr val="accent1"/>
+              </a:effectRef>
+              <a:fontRef idx="minor">
+                <a:schemeClr val="lt1"/>
+              </a:fontRef>
+            </p:style>
+            <p:txBody>
+              <a:bodyPr rtlCol="0" anchor="ctr"/>
+              <a:lstStyle/>
+              <a:p>
+                <a:pPr algn="ctr"/>
+                <a:endParaRPr kumimoji="1" lang="ja-JP" altLang="en-US"/>
+              </a:p>
+            </p:txBody>
+          </p:sp>
+        </p:grpSp>
+      </p:grpSp>
+    </p:spTree>
+    <p:extLst>
+      <p:ext uri="{BB962C8B-B14F-4D97-AF65-F5344CB8AC3E}">
+        <p14:creationId xmlns:p14="http://schemas.microsoft.com/office/powerpoint/2010/main" val="111005634"/>
+      </p:ext>
+    </p:extLst>
+  </p:cSld>
+  <p:clrMapOvr>
+    <a:masterClrMapping/>
+  </p:clrMapOvr>
+</p:sld>
+</file>
+
+<file path=ppt/slides/slide20.xml><?xml version="1.0" encoding="utf-8"?>
 <p:sld xmlns:a="http://schemas.openxmlformats.org/drawingml/2006/main" xmlns:r="http://schemas.openxmlformats.org/officeDocument/2006/relationships" xmlns:p="http://schemas.openxmlformats.org/presentationml/2006/main">
   <p:cSld>
     <p:spTree>
@@ -13903,7 +13490,7 @@
 </p:sld>
 </file>
 
-<file path=ppt/slides/slide19.xml><?xml version="1.0" encoding="utf-8"?>
+<file path=ppt/slides/slide21.xml><?xml version="1.0" encoding="utf-8"?>
 <p:sld xmlns:a="http://schemas.openxmlformats.org/drawingml/2006/main" xmlns:r="http://schemas.openxmlformats.org/officeDocument/2006/relationships" xmlns:p="http://schemas.openxmlformats.org/presentationml/2006/main">
   <p:cSld>
     <p:spTree>
@@ -15037,7 +14624,3761 @@
 </p:sld>
 </file>
 
-<file path=ppt/slides/slide2.xml><?xml version="1.0" encoding="utf-8"?>
+<file path=ppt/slides/slide22.xml><?xml version="1.0" encoding="utf-8"?>
+<p:sld xmlns:a="http://schemas.openxmlformats.org/drawingml/2006/main" xmlns:r="http://schemas.openxmlformats.org/officeDocument/2006/relationships" xmlns:p="http://schemas.openxmlformats.org/presentationml/2006/main">
+  <p:cSld>
+    <p:spTree>
+      <p:nvGrpSpPr>
+        <p:cNvPr id="1" name=""/>
+        <p:cNvGrpSpPr/>
+        <p:nvPr/>
+      </p:nvGrpSpPr>
+      <p:grpSpPr>
+        <a:xfrm>
+          <a:off x="0" y="0"/>
+          <a:ext cx="0" cy="0"/>
+          <a:chOff x="0" y="0"/>
+          <a:chExt cx="0" cy="0"/>
+        </a:xfrm>
+      </p:grpSpPr>
+      <p:grpSp>
+        <p:nvGrpSpPr>
+          <p:cNvPr id="6" name="グループ化 5"/>
+          <p:cNvGrpSpPr/>
+          <p:nvPr/>
+        </p:nvGrpSpPr>
+        <p:grpSpPr>
+          <a:xfrm>
+            <a:off x="3215301" y="805707"/>
+            <a:ext cx="5492814" cy="6052293"/>
+            <a:chOff x="119175" y="732192"/>
+            <a:chExt cx="5492814" cy="6052293"/>
+          </a:xfrm>
+        </p:grpSpPr>
+        <p:grpSp>
+          <p:nvGrpSpPr>
+            <p:cNvPr id="5" name="グループ化 4">
+              <a:extLst>
+                <a:ext uri="{FF2B5EF4-FFF2-40B4-BE49-F238E27FC236}">
+                  <a16:creationId xmlns:a16="http://schemas.microsoft.com/office/drawing/2014/main" id="{E7C82472-7D26-4F66-A92F-6E96170E4B08}"/>
+                </a:ext>
+              </a:extLst>
+            </p:cNvPr>
+            <p:cNvGrpSpPr/>
+            <p:nvPr/>
+          </p:nvGrpSpPr>
+          <p:grpSpPr>
+            <a:xfrm>
+              <a:off x="304801" y="1169503"/>
+              <a:ext cx="4810541" cy="4518992"/>
+              <a:chOff x="781879" y="1126435"/>
+              <a:chExt cx="4810541" cy="4518992"/>
+            </a:xfrm>
+          </p:grpSpPr>
+          <p:cxnSp>
+            <p:nvCxnSpPr>
+              <p:cNvPr id="3" name="直線矢印コネクタ 2">
+                <a:extLst>
+                  <a:ext uri="{FF2B5EF4-FFF2-40B4-BE49-F238E27FC236}">
+                    <a16:creationId xmlns:a16="http://schemas.microsoft.com/office/drawing/2014/main" id="{B8817C62-2C83-4A61-8C8A-FA28F450CE17}"/>
+                  </a:ext>
+                </a:extLst>
+              </p:cNvPr>
+              <p:cNvCxnSpPr>
+                <a:cxnSpLocks/>
+              </p:cNvCxnSpPr>
+              <p:nvPr/>
+            </p:nvCxnSpPr>
+            <p:spPr>
+              <a:xfrm flipV="1">
+                <a:off x="821635" y="1126435"/>
+                <a:ext cx="0" cy="4518991"/>
+              </a:xfrm>
+              <a:prstGeom prst="straightConnector1">
+                <a:avLst/>
+              </a:prstGeom>
+              <a:ln w="76200">
+                <a:tailEnd type="triangle"/>
+              </a:ln>
+            </p:spPr>
+            <p:style>
+              <a:lnRef idx="1">
+                <a:schemeClr val="dk1"/>
+              </a:lnRef>
+              <a:fillRef idx="0">
+                <a:schemeClr val="dk1"/>
+              </a:fillRef>
+              <a:effectRef idx="0">
+                <a:schemeClr val="dk1"/>
+              </a:effectRef>
+              <a:fontRef idx="minor">
+                <a:schemeClr val="tx1"/>
+              </a:fontRef>
+            </p:style>
+          </p:cxnSp>
+          <p:cxnSp>
+            <p:nvCxnSpPr>
+              <p:cNvPr id="4" name="直線矢印コネクタ 3">
+                <a:extLst>
+                  <a:ext uri="{FF2B5EF4-FFF2-40B4-BE49-F238E27FC236}">
+                    <a16:creationId xmlns:a16="http://schemas.microsoft.com/office/drawing/2014/main" id="{7A340436-1C06-4B9C-9736-BF1EBF853F7A}"/>
+                  </a:ext>
+                </a:extLst>
+              </p:cNvPr>
+              <p:cNvCxnSpPr>
+                <a:cxnSpLocks/>
+              </p:cNvCxnSpPr>
+              <p:nvPr/>
+            </p:nvCxnSpPr>
+            <p:spPr>
+              <a:xfrm>
+                <a:off x="781879" y="5645427"/>
+                <a:ext cx="4810541" cy="0"/>
+              </a:xfrm>
+              <a:prstGeom prst="straightConnector1">
+                <a:avLst/>
+              </a:prstGeom>
+              <a:ln w="76200">
+                <a:tailEnd type="triangle"/>
+              </a:ln>
+            </p:spPr>
+            <p:style>
+              <a:lnRef idx="1">
+                <a:schemeClr val="dk1"/>
+              </a:lnRef>
+              <a:fillRef idx="0">
+                <a:schemeClr val="dk1"/>
+              </a:fillRef>
+              <a:effectRef idx="0">
+                <a:schemeClr val="dk1"/>
+              </a:effectRef>
+              <a:fontRef idx="minor">
+                <a:schemeClr val="tx1"/>
+              </a:fontRef>
+            </p:style>
+          </p:cxnSp>
+        </p:grpSp>
+        <p:cxnSp>
+          <p:nvCxnSpPr>
+            <p:cNvPr id="7" name="直線コネクタ 6">
+              <a:extLst>
+                <a:ext uri="{FF2B5EF4-FFF2-40B4-BE49-F238E27FC236}">
+                  <a16:creationId xmlns:a16="http://schemas.microsoft.com/office/drawing/2014/main" id="{3E7DD812-678B-474A-9C84-DC3D690B10A4}"/>
+                </a:ext>
+              </a:extLst>
+            </p:cNvPr>
+            <p:cNvCxnSpPr>
+              <a:cxnSpLocks/>
+            </p:cNvCxnSpPr>
+            <p:nvPr/>
+          </p:nvCxnSpPr>
+          <p:spPr>
+            <a:xfrm flipV="1">
+              <a:off x="344557" y="4389781"/>
+              <a:ext cx="2544417" cy="1298714"/>
+            </a:xfrm>
+            <a:prstGeom prst="line">
+              <a:avLst/>
+            </a:prstGeom>
+            <a:ln w="76200">
+              <a:headEnd type="oval" w="med" len="med"/>
+              <a:tailEnd type="oval" w="med" len="med"/>
+            </a:ln>
+          </p:spPr>
+          <p:style>
+            <a:lnRef idx="1">
+              <a:schemeClr val="dk1"/>
+            </a:lnRef>
+            <a:fillRef idx="0">
+              <a:schemeClr val="dk1"/>
+            </a:fillRef>
+            <a:effectRef idx="0">
+              <a:schemeClr val="dk1"/>
+            </a:effectRef>
+            <a:fontRef idx="minor">
+              <a:schemeClr val="tx1"/>
+            </a:fontRef>
+          </p:style>
+        </p:cxnSp>
+        <p:cxnSp>
+          <p:nvCxnSpPr>
+            <p:cNvPr id="9" name="直線コネクタ 8">
+              <a:extLst>
+                <a:ext uri="{FF2B5EF4-FFF2-40B4-BE49-F238E27FC236}">
+                  <a16:creationId xmlns:a16="http://schemas.microsoft.com/office/drawing/2014/main" id="{5AFA99D1-D389-4C5B-AF30-1318FD231EBF}"/>
+                </a:ext>
+              </a:extLst>
+            </p:cNvPr>
+            <p:cNvCxnSpPr>
+              <a:cxnSpLocks/>
+            </p:cNvCxnSpPr>
+            <p:nvPr/>
+          </p:nvCxnSpPr>
+          <p:spPr>
+            <a:xfrm flipV="1">
+              <a:off x="2888974" y="2317278"/>
+              <a:ext cx="722505" cy="2072504"/>
+            </a:xfrm>
+            <a:prstGeom prst="line">
+              <a:avLst/>
+            </a:prstGeom>
+            <a:ln w="76200">
+              <a:headEnd type="diamond" w="med" len="med"/>
+              <a:tailEnd type="diamond" w="med" len="med"/>
+            </a:ln>
+          </p:spPr>
+          <p:style>
+            <a:lnRef idx="1">
+              <a:schemeClr val="dk1"/>
+            </a:lnRef>
+            <a:fillRef idx="0">
+              <a:schemeClr val="dk1"/>
+            </a:fillRef>
+            <a:effectRef idx="0">
+              <a:schemeClr val="dk1"/>
+            </a:effectRef>
+            <a:fontRef idx="minor">
+              <a:schemeClr val="tx1"/>
+            </a:fontRef>
+          </p:style>
+        </p:cxnSp>
+        <p:grpSp>
+          <p:nvGrpSpPr>
+            <p:cNvPr id="14" name="グループ化 13">
+              <a:extLst>
+                <a:ext uri="{FF2B5EF4-FFF2-40B4-BE49-F238E27FC236}">
+                  <a16:creationId xmlns:a16="http://schemas.microsoft.com/office/drawing/2014/main" id="{6802FE1C-4D13-4E0D-A2FD-B75CAE58F0DA}"/>
+                </a:ext>
+              </a:extLst>
+            </p:cNvPr>
+            <p:cNvGrpSpPr/>
+            <p:nvPr/>
+          </p:nvGrpSpPr>
+          <p:grpSpPr>
+            <a:xfrm rot="1222204">
+              <a:off x="3486330" y="1807313"/>
+              <a:ext cx="450639" cy="536165"/>
+              <a:chOff x="3460436" y="2308202"/>
+              <a:chExt cx="450639" cy="536165"/>
+            </a:xfrm>
+          </p:grpSpPr>
+          <p:cxnSp>
+            <p:nvCxnSpPr>
+              <p:cNvPr id="24" name="直線コネクタ 23">
+                <a:extLst>
+                  <a:ext uri="{FF2B5EF4-FFF2-40B4-BE49-F238E27FC236}">
+                    <a16:creationId xmlns:a16="http://schemas.microsoft.com/office/drawing/2014/main" id="{7A63DAD3-7512-432F-A3A7-1A497CA5CE0C}"/>
+                  </a:ext>
+                </a:extLst>
+              </p:cNvPr>
+              <p:cNvCxnSpPr>
+                <a:cxnSpLocks/>
+              </p:cNvCxnSpPr>
+              <p:nvPr/>
+            </p:nvCxnSpPr>
+            <p:spPr>
+              <a:xfrm flipV="1">
+                <a:off x="3463376" y="2319803"/>
+                <a:ext cx="0" cy="512965"/>
+              </a:xfrm>
+              <a:prstGeom prst="line">
+                <a:avLst/>
+              </a:prstGeom>
+              <a:ln w="38100">
+                <a:headEnd type="none" w="med" len="med"/>
+                <a:tailEnd type="none" w="med" len="med"/>
+              </a:ln>
+            </p:spPr>
+            <p:style>
+              <a:lnRef idx="1">
+                <a:schemeClr val="dk1"/>
+              </a:lnRef>
+              <a:fillRef idx="0">
+                <a:schemeClr val="dk1"/>
+              </a:fillRef>
+              <a:effectRef idx="0">
+                <a:schemeClr val="dk1"/>
+              </a:effectRef>
+              <a:fontRef idx="minor">
+                <a:schemeClr val="tx1"/>
+              </a:fontRef>
+            </p:style>
+          </p:cxnSp>
+          <p:cxnSp>
+            <p:nvCxnSpPr>
+              <p:cNvPr id="27" name="直線コネクタ 26">
+                <a:extLst>
+                  <a:ext uri="{FF2B5EF4-FFF2-40B4-BE49-F238E27FC236}">
+                    <a16:creationId xmlns:a16="http://schemas.microsoft.com/office/drawing/2014/main" id="{2A77E8F6-8AD4-4BC2-A42C-316012E6C5E5}"/>
+                  </a:ext>
+                </a:extLst>
+              </p:cNvPr>
+              <p:cNvCxnSpPr>
+                <a:cxnSpLocks/>
+              </p:cNvCxnSpPr>
+              <p:nvPr/>
+            </p:nvCxnSpPr>
+            <p:spPr>
+              <a:xfrm flipV="1">
+                <a:off x="3911075" y="2308202"/>
+                <a:ext cx="0" cy="536165"/>
+              </a:xfrm>
+              <a:prstGeom prst="line">
+                <a:avLst/>
+              </a:prstGeom>
+              <a:ln w="38100">
+                <a:headEnd type="none" w="med" len="med"/>
+                <a:tailEnd type="none" w="med" len="med"/>
+              </a:ln>
+            </p:spPr>
+            <p:style>
+              <a:lnRef idx="1">
+                <a:schemeClr val="dk1"/>
+              </a:lnRef>
+              <a:fillRef idx="0">
+                <a:schemeClr val="dk1"/>
+              </a:fillRef>
+              <a:effectRef idx="0">
+                <a:schemeClr val="dk1"/>
+              </a:effectRef>
+              <a:fontRef idx="minor">
+                <a:schemeClr val="tx1"/>
+              </a:fontRef>
+            </p:style>
+          </p:cxnSp>
+          <p:cxnSp>
+            <p:nvCxnSpPr>
+              <p:cNvPr id="29" name="直線コネクタ 28">
+                <a:extLst>
+                  <a:ext uri="{FF2B5EF4-FFF2-40B4-BE49-F238E27FC236}">
+                    <a16:creationId xmlns:a16="http://schemas.microsoft.com/office/drawing/2014/main" id="{11537060-4597-4BD9-A884-2B1DBDA32C08}"/>
+                  </a:ext>
+                </a:extLst>
+              </p:cNvPr>
+              <p:cNvCxnSpPr>
+                <a:cxnSpLocks/>
+              </p:cNvCxnSpPr>
+              <p:nvPr/>
+            </p:nvCxnSpPr>
+            <p:spPr>
+              <a:xfrm>
+                <a:off x="3460436" y="2832622"/>
+                <a:ext cx="450639" cy="0"/>
+              </a:xfrm>
+              <a:prstGeom prst="line">
+                <a:avLst/>
+              </a:prstGeom>
+              <a:ln w="38100"/>
+            </p:spPr>
+            <p:style>
+              <a:lnRef idx="1">
+                <a:schemeClr val="dk1"/>
+              </a:lnRef>
+              <a:fillRef idx="0">
+                <a:schemeClr val="dk1"/>
+              </a:fillRef>
+              <a:effectRef idx="0">
+                <a:schemeClr val="dk1"/>
+              </a:effectRef>
+              <a:fontRef idx="minor">
+                <a:schemeClr val="tx1"/>
+              </a:fontRef>
+            </p:style>
+          </p:cxnSp>
+        </p:grpSp>
+        <p:grpSp>
+          <p:nvGrpSpPr>
+            <p:cNvPr id="18" name="グループ化 17">
+              <a:extLst>
+                <a:ext uri="{FF2B5EF4-FFF2-40B4-BE49-F238E27FC236}">
+                  <a16:creationId xmlns:a16="http://schemas.microsoft.com/office/drawing/2014/main" id="{3D8BC205-555A-4D0A-85D7-105FB78C0129}"/>
+                </a:ext>
+              </a:extLst>
+            </p:cNvPr>
+            <p:cNvGrpSpPr/>
+            <p:nvPr/>
+          </p:nvGrpSpPr>
+          <p:grpSpPr>
+            <a:xfrm>
+              <a:off x="967412" y="5039138"/>
+              <a:ext cx="1054524" cy="1086669"/>
+              <a:chOff x="967412" y="5039138"/>
+              <a:chExt cx="1054524" cy="1086669"/>
+            </a:xfrm>
+          </p:grpSpPr>
+          <p:sp>
+            <p:nvSpPr>
+              <p:cNvPr id="31" name="円弧 30">
+                <a:extLst>
+                  <a:ext uri="{FF2B5EF4-FFF2-40B4-BE49-F238E27FC236}">
+                    <a16:creationId xmlns:a16="http://schemas.microsoft.com/office/drawing/2014/main" id="{8EF24A81-B80A-4AE1-B40C-03EC3BC7E03D}"/>
+                  </a:ext>
+                </a:extLst>
+              </p:cNvPr>
+              <p:cNvSpPr/>
+              <p:nvPr/>
+            </p:nvSpPr>
+            <p:spPr>
+              <a:xfrm>
+                <a:off x="967412" y="5251181"/>
+                <a:ext cx="490329" cy="874626"/>
+              </a:xfrm>
+              <a:prstGeom prst="arc">
+                <a:avLst/>
+              </a:prstGeom>
+              <a:ln w="38100">
+                <a:headEnd type="triangle" w="med" len="med"/>
+                <a:tailEnd type="none" w="med" len="med"/>
+              </a:ln>
+            </p:spPr>
+            <p:style>
+              <a:lnRef idx="1">
+                <a:schemeClr val="dk1"/>
+              </a:lnRef>
+              <a:fillRef idx="0">
+                <a:schemeClr val="dk1"/>
+              </a:fillRef>
+              <a:effectRef idx="0">
+                <a:schemeClr val="dk1"/>
+              </a:effectRef>
+              <a:fontRef idx="minor">
+                <a:schemeClr val="tx1"/>
+              </a:fontRef>
+            </p:style>
+            <p:txBody>
+              <a:bodyPr rtlCol="0" anchor="ctr"/>
+              <a:lstStyle/>
+              <a:p>
+                <a:pPr algn="ctr"/>
+                <a:endParaRPr kumimoji="1" lang="ja-JP" altLang="en-US"/>
+              </a:p>
+            </p:txBody>
+          </p:sp>
+          <p:sp>
+            <p:nvSpPr>
+              <p:cNvPr id="32" name="テキスト ボックス 31">
+                <a:extLst>
+                  <a:ext uri="{FF2B5EF4-FFF2-40B4-BE49-F238E27FC236}">
+                    <a16:creationId xmlns:a16="http://schemas.microsoft.com/office/drawing/2014/main" id="{EC060A66-2801-49EE-A823-A05C9B0A67BC}"/>
+                  </a:ext>
+                </a:extLst>
+              </p:cNvPr>
+              <p:cNvSpPr txBox="1"/>
+              <p:nvPr/>
+            </p:nvSpPr>
+            <p:spPr>
+              <a:xfrm>
+                <a:off x="1507051" y="5039138"/>
+                <a:ext cx="514885" cy="584775"/>
+              </a:xfrm>
+              <a:prstGeom prst="rect">
+                <a:avLst/>
+              </a:prstGeom>
+              <a:noFill/>
+            </p:spPr>
+            <p:txBody>
+              <a:bodyPr wrap="none" rtlCol="0">
+                <a:spAutoFit/>
+              </a:bodyPr>
+              <a:lstStyle/>
+              <a:p>
+                <a:r>
+                  <a:rPr kumimoji="1" lang="en-US" altLang="ja-JP" sz="3200" i="1" dirty="0">
+                    <a:latin typeface="Times New Roman" panose="02020603050405020304" pitchFamily="18" charset="0"/>
+                    <a:cs typeface="Times New Roman" panose="02020603050405020304" pitchFamily="18" charset="0"/>
+                  </a:rPr>
+                  <a:t>θ</a:t>
+                </a:r>
+                <a:r>
+                  <a:rPr kumimoji="1" lang="en-US" altLang="ja-JP" sz="2000" i="1" dirty="0">
+                    <a:latin typeface="Times New Roman" panose="02020603050405020304" pitchFamily="18" charset="0"/>
+                    <a:cs typeface="Times New Roman" panose="02020603050405020304" pitchFamily="18" charset="0"/>
+                  </a:rPr>
+                  <a:t>1</a:t>
+                </a:r>
+                <a:endParaRPr kumimoji="1" lang="ja-JP" altLang="en-US" sz="3200" i="1" dirty="0">
+                  <a:latin typeface="Times New Roman" panose="02020603050405020304" pitchFamily="18" charset="0"/>
+                  <a:cs typeface="Times New Roman" panose="02020603050405020304" pitchFamily="18" charset="0"/>
+                </a:endParaRPr>
+              </a:p>
+            </p:txBody>
+          </p:sp>
+        </p:grpSp>
+        <p:cxnSp>
+          <p:nvCxnSpPr>
+            <p:cNvPr id="34" name="直線コネクタ 33">
+              <a:extLst>
+                <a:ext uri="{FF2B5EF4-FFF2-40B4-BE49-F238E27FC236}">
+                  <a16:creationId xmlns:a16="http://schemas.microsoft.com/office/drawing/2014/main" id="{8C5149AD-287A-49FC-82F4-A8D6E9B7C9AA}"/>
+                </a:ext>
+              </a:extLst>
+            </p:cNvPr>
+            <p:cNvCxnSpPr>
+              <a:cxnSpLocks/>
+            </p:cNvCxnSpPr>
+            <p:nvPr/>
+          </p:nvCxnSpPr>
+          <p:spPr>
+            <a:xfrm flipV="1">
+              <a:off x="2729224" y="3376486"/>
+              <a:ext cx="2107096" cy="1076738"/>
+            </a:xfrm>
+            <a:prstGeom prst="line">
+              <a:avLst/>
+            </a:prstGeom>
+            <a:ln>
+              <a:prstDash val="dash"/>
+            </a:ln>
+          </p:spPr>
+          <p:style>
+            <a:lnRef idx="1">
+              <a:schemeClr val="dk1"/>
+            </a:lnRef>
+            <a:fillRef idx="0">
+              <a:schemeClr val="dk1"/>
+            </a:fillRef>
+            <a:effectRef idx="0">
+              <a:schemeClr val="dk1"/>
+            </a:effectRef>
+            <a:fontRef idx="minor">
+              <a:schemeClr val="tx1"/>
+            </a:fontRef>
+          </p:style>
+        </p:cxnSp>
+        <p:grpSp>
+          <p:nvGrpSpPr>
+            <p:cNvPr id="17" name="グループ化 16">
+              <a:extLst>
+                <a:ext uri="{FF2B5EF4-FFF2-40B4-BE49-F238E27FC236}">
+                  <a16:creationId xmlns:a16="http://schemas.microsoft.com/office/drawing/2014/main" id="{C7EDA8B6-CC9C-4914-9175-EDBE9D6B9807}"/>
+                </a:ext>
+              </a:extLst>
+            </p:cNvPr>
+            <p:cNvGrpSpPr/>
+            <p:nvPr/>
+          </p:nvGrpSpPr>
+          <p:grpSpPr>
+            <a:xfrm>
+              <a:off x="2832316" y="3458131"/>
+              <a:ext cx="928302" cy="952760"/>
+              <a:chOff x="3086158" y="3098126"/>
+              <a:chExt cx="928302" cy="952760"/>
+            </a:xfrm>
+          </p:grpSpPr>
+          <p:sp>
+            <p:nvSpPr>
+              <p:cNvPr id="35" name="円弧 34">
+                <a:extLst>
+                  <a:ext uri="{FF2B5EF4-FFF2-40B4-BE49-F238E27FC236}">
+                    <a16:creationId xmlns:a16="http://schemas.microsoft.com/office/drawing/2014/main" id="{42B38824-A192-469A-A63B-66B8DD337B18}"/>
+                  </a:ext>
+                </a:extLst>
+              </p:cNvPr>
+              <p:cNvSpPr/>
+              <p:nvPr/>
+            </p:nvSpPr>
+            <p:spPr>
+              <a:xfrm>
+                <a:off x="3086158" y="3468518"/>
+                <a:ext cx="540533" cy="582368"/>
+              </a:xfrm>
+              <a:prstGeom prst="arc">
+                <a:avLst/>
+              </a:prstGeom>
+              <a:ln w="38100">
+                <a:headEnd type="triangle" w="med" len="med"/>
+                <a:tailEnd type="none" w="med" len="med"/>
+              </a:ln>
+            </p:spPr>
+            <p:style>
+              <a:lnRef idx="1">
+                <a:schemeClr val="dk1"/>
+              </a:lnRef>
+              <a:fillRef idx="0">
+                <a:schemeClr val="dk1"/>
+              </a:fillRef>
+              <a:effectRef idx="0">
+                <a:schemeClr val="dk1"/>
+              </a:effectRef>
+              <a:fontRef idx="minor">
+                <a:schemeClr val="tx1"/>
+              </a:fontRef>
+            </p:style>
+            <p:txBody>
+              <a:bodyPr rtlCol="0" anchor="ctr"/>
+              <a:lstStyle/>
+              <a:p>
+                <a:pPr algn="ctr"/>
+                <a:endParaRPr kumimoji="1" lang="ja-JP" altLang="en-US"/>
+              </a:p>
+            </p:txBody>
+          </p:sp>
+          <p:sp>
+            <p:nvSpPr>
+              <p:cNvPr id="36" name="テキスト ボックス 35">
+                <a:extLst>
+                  <a:ext uri="{FF2B5EF4-FFF2-40B4-BE49-F238E27FC236}">
+                    <a16:creationId xmlns:a16="http://schemas.microsoft.com/office/drawing/2014/main" id="{C6651DFE-7985-4C3D-A1CC-63225A4B3DE9}"/>
+                  </a:ext>
+                </a:extLst>
+              </p:cNvPr>
+              <p:cNvSpPr txBox="1"/>
+              <p:nvPr/>
+            </p:nvSpPr>
+            <p:spPr>
+              <a:xfrm>
+                <a:off x="3499575" y="3098126"/>
+                <a:ext cx="514885" cy="584775"/>
+              </a:xfrm>
+              <a:prstGeom prst="rect">
+                <a:avLst/>
+              </a:prstGeom>
+              <a:noFill/>
+            </p:spPr>
+            <p:txBody>
+              <a:bodyPr wrap="none" rtlCol="0">
+                <a:spAutoFit/>
+              </a:bodyPr>
+              <a:lstStyle/>
+              <a:p>
+                <a:r>
+                  <a:rPr kumimoji="1" lang="en-US" altLang="ja-JP" sz="3200" i="1" dirty="0">
+                    <a:latin typeface="Times New Roman" panose="02020603050405020304" pitchFamily="18" charset="0"/>
+                    <a:cs typeface="Times New Roman" panose="02020603050405020304" pitchFamily="18" charset="0"/>
+                  </a:rPr>
+                  <a:t>θ</a:t>
+                </a:r>
+                <a:r>
+                  <a:rPr lang="en-US" altLang="ja-JP" sz="2000" i="1" dirty="0">
+                    <a:latin typeface="Times New Roman" panose="02020603050405020304" pitchFamily="18" charset="0"/>
+                    <a:cs typeface="Times New Roman" panose="02020603050405020304" pitchFamily="18" charset="0"/>
+                  </a:rPr>
+                  <a:t>2</a:t>
+                </a:r>
+                <a:endParaRPr kumimoji="1" lang="ja-JP" altLang="en-US" sz="3200" i="1" dirty="0">
+                  <a:latin typeface="Times New Roman" panose="02020603050405020304" pitchFamily="18" charset="0"/>
+                  <a:cs typeface="Times New Roman" panose="02020603050405020304" pitchFamily="18" charset="0"/>
+                </a:endParaRPr>
+              </a:p>
+            </p:txBody>
+          </p:sp>
+        </p:grpSp>
+        <p:sp>
+          <p:nvSpPr>
+            <p:cNvPr id="37" name="テキスト ボックス 36">
+              <a:extLst>
+                <a:ext uri="{FF2B5EF4-FFF2-40B4-BE49-F238E27FC236}">
+                  <a16:creationId xmlns:a16="http://schemas.microsoft.com/office/drawing/2014/main" id="{02C08B31-A1AD-4B3A-BCD2-C88427D9B253}"/>
+                </a:ext>
+              </a:extLst>
+            </p:cNvPr>
+            <p:cNvSpPr txBox="1"/>
+            <p:nvPr/>
+          </p:nvSpPr>
+          <p:spPr>
+            <a:xfrm>
+              <a:off x="119175" y="732192"/>
+              <a:ext cx="481222" cy="584775"/>
+            </a:xfrm>
+            <a:prstGeom prst="rect">
+              <a:avLst/>
+            </a:prstGeom>
+            <a:noFill/>
+          </p:spPr>
+          <p:txBody>
+            <a:bodyPr wrap="none" rtlCol="0">
+              <a:spAutoFit/>
+            </a:bodyPr>
+            <a:lstStyle/>
+            <a:p>
+              <a:r>
+                <a:rPr kumimoji="1" lang="en-US" altLang="ja-JP" sz="3200" b="1" dirty="0">
+                  <a:latin typeface="Times New Roman" panose="02020603050405020304" pitchFamily="18" charset="0"/>
+                  <a:cs typeface="Times New Roman" panose="02020603050405020304" pitchFamily="18" charset="0"/>
+                </a:rPr>
+                <a:t>Y</a:t>
+              </a:r>
+              <a:endParaRPr kumimoji="1" lang="ja-JP" altLang="en-US" sz="3200" b="1" dirty="0">
+                <a:latin typeface="Times New Roman" panose="02020603050405020304" pitchFamily="18" charset="0"/>
+                <a:cs typeface="Times New Roman" panose="02020603050405020304" pitchFamily="18" charset="0"/>
+              </a:endParaRPr>
+            </a:p>
+          </p:txBody>
+        </p:sp>
+        <p:sp>
+          <p:nvSpPr>
+            <p:cNvPr id="38" name="テキスト ボックス 37">
+              <a:extLst>
+                <a:ext uri="{FF2B5EF4-FFF2-40B4-BE49-F238E27FC236}">
+                  <a16:creationId xmlns:a16="http://schemas.microsoft.com/office/drawing/2014/main" id="{9B731AD9-55F8-43B4-A00D-422BB8DE04D5}"/>
+                </a:ext>
+              </a:extLst>
+            </p:cNvPr>
+            <p:cNvSpPr txBox="1"/>
+            <p:nvPr/>
+          </p:nvSpPr>
+          <p:spPr>
+            <a:xfrm>
+              <a:off x="5130767" y="5396106"/>
+              <a:ext cx="481222" cy="584775"/>
+            </a:xfrm>
+            <a:prstGeom prst="rect">
+              <a:avLst/>
+            </a:prstGeom>
+            <a:noFill/>
+          </p:spPr>
+          <p:txBody>
+            <a:bodyPr wrap="none" rtlCol="0">
+              <a:spAutoFit/>
+            </a:bodyPr>
+            <a:lstStyle/>
+            <a:p>
+              <a:r>
+                <a:rPr lang="en-US" altLang="ja-JP" sz="3200" b="1" dirty="0">
+                  <a:latin typeface="Times New Roman" panose="02020603050405020304" pitchFamily="18" charset="0"/>
+                  <a:cs typeface="Times New Roman" panose="02020603050405020304" pitchFamily="18" charset="0"/>
+                </a:rPr>
+                <a:t>X</a:t>
+              </a:r>
+              <a:endParaRPr kumimoji="1" lang="ja-JP" altLang="en-US" sz="3200" b="1" dirty="0">
+                <a:latin typeface="Times New Roman" panose="02020603050405020304" pitchFamily="18" charset="0"/>
+                <a:cs typeface="Times New Roman" panose="02020603050405020304" pitchFamily="18" charset="0"/>
+              </a:endParaRPr>
+            </a:p>
+          </p:txBody>
+        </p:sp>
+        <p:sp>
+          <p:nvSpPr>
+            <p:cNvPr id="39" name="テキスト ボックス 38">
+              <a:extLst>
+                <a:ext uri="{FF2B5EF4-FFF2-40B4-BE49-F238E27FC236}">
+                  <a16:creationId xmlns:a16="http://schemas.microsoft.com/office/drawing/2014/main" id="{0B389FA3-17ED-426C-A307-98D6AE2EE47F}"/>
+                </a:ext>
+              </a:extLst>
+            </p:cNvPr>
+            <p:cNvSpPr txBox="1"/>
+            <p:nvPr/>
+          </p:nvSpPr>
+          <p:spPr>
+            <a:xfrm>
+              <a:off x="2091334" y="4686030"/>
+              <a:ext cx="540533" cy="584775"/>
+            </a:xfrm>
+            <a:prstGeom prst="rect">
+              <a:avLst/>
+            </a:prstGeom>
+            <a:noFill/>
+          </p:spPr>
+          <p:txBody>
+            <a:bodyPr wrap="none" rtlCol="0">
+              <a:spAutoFit/>
+            </a:bodyPr>
+            <a:lstStyle/>
+            <a:p>
+              <a:r>
+                <a:rPr lang="en-US" altLang="ja-JP" sz="3200" i="1" dirty="0">
+                  <a:latin typeface="Times New Roman" panose="02020603050405020304" pitchFamily="18" charset="0"/>
+                  <a:cs typeface="Times New Roman" panose="02020603050405020304" pitchFamily="18" charset="0"/>
+                </a:rPr>
+                <a:t>L</a:t>
+              </a:r>
+              <a:r>
+                <a:rPr kumimoji="1" lang="en-US" altLang="ja-JP" sz="2000" i="1" dirty="0">
+                  <a:latin typeface="Times New Roman" panose="02020603050405020304" pitchFamily="18" charset="0"/>
+                  <a:cs typeface="Times New Roman" panose="02020603050405020304" pitchFamily="18" charset="0"/>
+                </a:rPr>
+                <a:t>1</a:t>
+              </a:r>
+              <a:endParaRPr kumimoji="1" lang="ja-JP" altLang="en-US" sz="3200" i="1" dirty="0">
+                <a:latin typeface="Times New Roman" panose="02020603050405020304" pitchFamily="18" charset="0"/>
+                <a:cs typeface="Times New Roman" panose="02020603050405020304" pitchFamily="18" charset="0"/>
+              </a:endParaRPr>
+            </a:p>
+          </p:txBody>
+        </p:sp>
+        <p:sp>
+          <p:nvSpPr>
+            <p:cNvPr id="40" name="テキスト ボックス 39">
+              <a:extLst>
+                <a:ext uri="{FF2B5EF4-FFF2-40B4-BE49-F238E27FC236}">
+                  <a16:creationId xmlns:a16="http://schemas.microsoft.com/office/drawing/2014/main" id="{D6B3404A-BA64-427D-B5F2-EF472F64A047}"/>
+                </a:ext>
+              </a:extLst>
+            </p:cNvPr>
+            <p:cNvSpPr txBox="1"/>
+            <p:nvPr/>
+          </p:nvSpPr>
+          <p:spPr>
+            <a:xfrm>
+              <a:off x="3549012" y="2852247"/>
+              <a:ext cx="540533" cy="584775"/>
+            </a:xfrm>
+            <a:prstGeom prst="rect">
+              <a:avLst/>
+            </a:prstGeom>
+            <a:noFill/>
+          </p:spPr>
+          <p:txBody>
+            <a:bodyPr wrap="none" rtlCol="0">
+              <a:spAutoFit/>
+            </a:bodyPr>
+            <a:lstStyle/>
+            <a:p>
+              <a:r>
+                <a:rPr lang="en-US" altLang="ja-JP" sz="3200" i="1" dirty="0">
+                  <a:latin typeface="Times New Roman" panose="02020603050405020304" pitchFamily="18" charset="0"/>
+                  <a:cs typeface="Times New Roman" panose="02020603050405020304" pitchFamily="18" charset="0"/>
+                </a:rPr>
+                <a:t>L</a:t>
+              </a:r>
+              <a:r>
+                <a:rPr lang="en-US" altLang="ja-JP" sz="2000" i="1" dirty="0">
+                  <a:latin typeface="Times New Roman" panose="02020603050405020304" pitchFamily="18" charset="0"/>
+                  <a:cs typeface="Times New Roman" panose="02020603050405020304" pitchFamily="18" charset="0"/>
+                </a:rPr>
+                <a:t>2</a:t>
+              </a:r>
+              <a:endParaRPr kumimoji="1" lang="ja-JP" altLang="en-US" sz="3200" i="1" dirty="0">
+                <a:latin typeface="Times New Roman" panose="02020603050405020304" pitchFamily="18" charset="0"/>
+                <a:cs typeface="Times New Roman" panose="02020603050405020304" pitchFamily="18" charset="0"/>
+              </a:endParaRPr>
+            </a:p>
+          </p:txBody>
+        </p:sp>
+        <p:cxnSp>
+          <p:nvCxnSpPr>
+            <p:cNvPr id="10" name="直線コネクタ 9">
+              <a:extLst>
+                <a:ext uri="{FF2B5EF4-FFF2-40B4-BE49-F238E27FC236}">
+                  <a16:creationId xmlns:a16="http://schemas.microsoft.com/office/drawing/2014/main" id="{FF0D5AA1-5B28-4251-ADF4-49B42A954391}"/>
+                </a:ext>
+              </a:extLst>
+            </p:cNvPr>
+            <p:cNvCxnSpPr>
+              <a:cxnSpLocks/>
+            </p:cNvCxnSpPr>
+            <p:nvPr/>
+          </p:nvCxnSpPr>
+          <p:spPr>
+            <a:xfrm flipV="1">
+              <a:off x="344557" y="2312488"/>
+              <a:ext cx="3239172" cy="3376006"/>
+            </a:xfrm>
+            <a:prstGeom prst="line">
+              <a:avLst/>
+            </a:prstGeom>
+          </p:spPr>
+          <p:style>
+            <a:lnRef idx="1">
+              <a:schemeClr val="dk1"/>
+            </a:lnRef>
+            <a:fillRef idx="0">
+              <a:schemeClr val="dk1"/>
+            </a:fillRef>
+            <a:effectRef idx="0">
+              <a:schemeClr val="dk1"/>
+            </a:effectRef>
+            <a:fontRef idx="minor">
+              <a:schemeClr val="tx1"/>
+            </a:fontRef>
+          </p:style>
+        </p:cxnSp>
+        <p:sp>
+          <p:nvSpPr>
+            <p:cNvPr id="26" name="円弧 25">
+              <a:extLst>
+                <a:ext uri="{FF2B5EF4-FFF2-40B4-BE49-F238E27FC236}">
+                  <a16:creationId xmlns:a16="http://schemas.microsoft.com/office/drawing/2014/main" id="{AD49D360-2973-4B43-BB64-1C3B0F575D49}"/>
+                </a:ext>
+              </a:extLst>
+            </p:cNvPr>
+            <p:cNvSpPr/>
+            <p:nvPr/>
+          </p:nvSpPr>
+          <p:spPr>
+            <a:xfrm rot="15368089">
+              <a:off x="2687398" y="3788875"/>
+              <a:ext cx="870618" cy="1215934"/>
+            </a:xfrm>
+            <a:prstGeom prst="arc">
+              <a:avLst/>
+            </a:prstGeom>
+            <a:ln w="38100">
+              <a:headEnd type="triangle" w="med" len="med"/>
+              <a:tailEnd type="none" w="med" len="med"/>
+            </a:ln>
+          </p:spPr>
+          <p:style>
+            <a:lnRef idx="1">
+              <a:schemeClr val="dk1"/>
+            </a:lnRef>
+            <a:fillRef idx="0">
+              <a:schemeClr val="dk1"/>
+            </a:fillRef>
+            <a:effectRef idx="0">
+              <a:schemeClr val="dk1"/>
+            </a:effectRef>
+            <a:fontRef idx="minor">
+              <a:schemeClr val="tx1"/>
+            </a:fontRef>
+          </p:style>
+          <p:txBody>
+            <a:bodyPr rtlCol="0" anchor="ctr"/>
+            <a:lstStyle/>
+            <a:p>
+              <a:pPr algn="ctr"/>
+              <a:endParaRPr kumimoji="1" lang="ja-JP" altLang="en-US"/>
+            </a:p>
+          </p:txBody>
+        </p:sp>
+        <p:sp>
+          <p:nvSpPr>
+            <p:cNvPr id="28" name="テキスト ボックス 27">
+              <a:extLst>
+                <a:ext uri="{FF2B5EF4-FFF2-40B4-BE49-F238E27FC236}">
+                  <a16:creationId xmlns:a16="http://schemas.microsoft.com/office/drawing/2014/main" id="{CBDD524B-5D53-45FF-8EEB-E5362DAC3AFB}"/>
+                </a:ext>
+              </a:extLst>
+            </p:cNvPr>
+            <p:cNvSpPr txBox="1"/>
+            <p:nvPr/>
+          </p:nvSpPr>
+          <p:spPr>
+            <a:xfrm>
+              <a:off x="2489506" y="3522879"/>
+              <a:ext cx="399468" cy="584775"/>
+            </a:xfrm>
+            <a:prstGeom prst="rect">
+              <a:avLst/>
+            </a:prstGeom>
+            <a:noFill/>
+          </p:spPr>
+          <p:txBody>
+            <a:bodyPr wrap="none" rtlCol="0">
+              <a:spAutoFit/>
+            </a:bodyPr>
+            <a:lstStyle/>
+            <a:p>
+              <a:r>
+                <a:rPr kumimoji="1" lang="en-US" altLang="ja-JP" sz="3200" i="1" dirty="0">
+                  <a:latin typeface="Times New Roman" panose="02020603050405020304" pitchFamily="18" charset="0"/>
+                  <a:cs typeface="Times New Roman" panose="02020603050405020304" pitchFamily="18" charset="0"/>
+                </a:rPr>
+                <a:t>α</a:t>
+              </a:r>
+              <a:endParaRPr kumimoji="1" lang="ja-JP" altLang="en-US" sz="3200" i="1" dirty="0">
+                <a:latin typeface="Times New Roman" panose="02020603050405020304" pitchFamily="18" charset="0"/>
+                <a:cs typeface="Times New Roman" panose="02020603050405020304" pitchFamily="18" charset="0"/>
+              </a:endParaRPr>
+            </a:p>
+          </p:txBody>
+        </p:sp>
+        <p:grpSp>
+          <p:nvGrpSpPr>
+            <p:cNvPr id="33" name="グループ化 32">
+              <a:extLst>
+                <a:ext uri="{FF2B5EF4-FFF2-40B4-BE49-F238E27FC236}">
+                  <a16:creationId xmlns:a16="http://schemas.microsoft.com/office/drawing/2014/main" id="{6321A31C-DB33-48D0-83F6-98631CFC5CB6}"/>
+                </a:ext>
+              </a:extLst>
+            </p:cNvPr>
+            <p:cNvGrpSpPr/>
+            <p:nvPr/>
+          </p:nvGrpSpPr>
+          <p:grpSpPr>
+            <a:xfrm>
+              <a:off x="1182185" y="4248991"/>
+              <a:ext cx="824429" cy="1227216"/>
+              <a:chOff x="3098410" y="3184155"/>
+              <a:chExt cx="959112" cy="1226145"/>
+            </a:xfrm>
+          </p:grpSpPr>
+          <p:sp>
+            <p:nvSpPr>
+              <p:cNvPr id="41" name="円弧 40">
+                <a:extLst>
+                  <a:ext uri="{FF2B5EF4-FFF2-40B4-BE49-F238E27FC236}">
+                    <a16:creationId xmlns:a16="http://schemas.microsoft.com/office/drawing/2014/main" id="{21B790D1-8C31-4299-A6C1-A14E1F93AFEE}"/>
+                  </a:ext>
+                </a:extLst>
+              </p:cNvPr>
+              <p:cNvSpPr/>
+              <p:nvPr/>
+            </p:nvSpPr>
+            <p:spPr>
+              <a:xfrm>
+                <a:off x="3098410" y="3535674"/>
+                <a:ext cx="490329" cy="874626"/>
+              </a:xfrm>
+              <a:prstGeom prst="arc">
+                <a:avLst/>
+              </a:prstGeom>
+              <a:ln w="38100">
+                <a:headEnd type="triangle" w="med" len="med"/>
+                <a:tailEnd type="none" w="med" len="med"/>
+              </a:ln>
+            </p:spPr>
+            <p:style>
+              <a:lnRef idx="1">
+                <a:schemeClr val="dk1"/>
+              </a:lnRef>
+              <a:fillRef idx="0">
+                <a:schemeClr val="dk1"/>
+              </a:fillRef>
+              <a:effectRef idx="0">
+                <a:schemeClr val="dk1"/>
+              </a:effectRef>
+              <a:fontRef idx="minor">
+                <a:schemeClr val="tx1"/>
+              </a:fontRef>
+            </p:style>
+            <p:txBody>
+              <a:bodyPr rtlCol="0" anchor="ctr"/>
+              <a:lstStyle/>
+              <a:p>
+                <a:pPr algn="ctr"/>
+                <a:endParaRPr kumimoji="1" lang="ja-JP" altLang="en-US"/>
+              </a:p>
+            </p:txBody>
+          </p:sp>
+          <p:sp>
+            <p:nvSpPr>
+              <p:cNvPr id="42" name="テキスト ボックス 41">
+                <a:extLst>
+                  <a:ext uri="{FF2B5EF4-FFF2-40B4-BE49-F238E27FC236}">
+                    <a16:creationId xmlns:a16="http://schemas.microsoft.com/office/drawing/2014/main" id="{EB613250-9B0E-403A-9E35-38CEEBECA403}"/>
+                  </a:ext>
+                </a:extLst>
+              </p:cNvPr>
+              <p:cNvSpPr txBox="1"/>
+              <p:nvPr/>
+            </p:nvSpPr>
+            <p:spPr>
+              <a:xfrm>
+                <a:off x="3603984" y="3184155"/>
+                <a:ext cx="453538" cy="584265"/>
+              </a:xfrm>
+              <a:prstGeom prst="rect">
+                <a:avLst/>
+              </a:prstGeom>
+              <a:noFill/>
+            </p:spPr>
+            <p:txBody>
+              <a:bodyPr wrap="none" rtlCol="0">
+                <a:spAutoFit/>
+              </a:bodyPr>
+              <a:lstStyle/>
+              <a:p>
+                <a:r>
+                  <a:rPr lang="en-US" altLang="ja-JP" sz="3200" i="1" dirty="0">
+                    <a:latin typeface="Times New Roman" panose="02020603050405020304" pitchFamily="18" charset="0"/>
+                    <a:cs typeface="Times New Roman" panose="02020603050405020304" pitchFamily="18" charset="0"/>
+                  </a:rPr>
+                  <a:t>β</a:t>
+                </a:r>
+                <a:endParaRPr kumimoji="1" lang="ja-JP" altLang="en-US" sz="3200" i="1" dirty="0">
+                  <a:latin typeface="Times New Roman" panose="02020603050405020304" pitchFamily="18" charset="0"/>
+                  <a:cs typeface="Times New Roman" panose="02020603050405020304" pitchFamily="18" charset="0"/>
+                </a:endParaRPr>
+              </a:p>
+            </p:txBody>
+          </p:sp>
+        </p:grpSp>
+        <p:sp>
+          <p:nvSpPr>
+            <p:cNvPr id="44" name="円弧 43">
+              <a:extLst>
+                <a:ext uri="{FF2B5EF4-FFF2-40B4-BE49-F238E27FC236}">
+                  <a16:creationId xmlns:a16="http://schemas.microsoft.com/office/drawing/2014/main" id="{5235F02B-25B1-48F3-99B5-4CF742A3954B}"/>
+                </a:ext>
+              </a:extLst>
+            </p:cNvPr>
+            <p:cNvSpPr/>
+            <p:nvPr/>
+          </p:nvSpPr>
+          <p:spPr>
+            <a:xfrm rot="605556">
+              <a:off x="1121280" y="2973641"/>
+              <a:ext cx="3004069" cy="3810844"/>
+            </a:xfrm>
+            <a:prstGeom prst="arc">
+              <a:avLst>
+                <a:gd name="adj1" fmla="val 16200000"/>
+                <a:gd name="adj2" fmla="val 1095798"/>
+              </a:avLst>
+            </a:prstGeom>
+            <a:ln w="38100">
+              <a:headEnd type="triangle" w="med" len="med"/>
+              <a:tailEnd type="none" w="med" len="med"/>
+            </a:ln>
+          </p:spPr>
+          <p:style>
+            <a:lnRef idx="1">
+              <a:schemeClr val="dk1"/>
+            </a:lnRef>
+            <a:fillRef idx="0">
+              <a:schemeClr val="dk1"/>
+            </a:fillRef>
+            <a:effectRef idx="0">
+              <a:schemeClr val="dk1"/>
+            </a:effectRef>
+            <a:fontRef idx="minor">
+              <a:schemeClr val="tx1"/>
+            </a:fontRef>
+          </p:style>
+          <p:txBody>
+            <a:bodyPr rtlCol="0" anchor="ctr"/>
+            <a:lstStyle/>
+            <a:p>
+              <a:pPr algn="ctr"/>
+              <a:endParaRPr kumimoji="1" lang="ja-JP" altLang="en-US"/>
+            </a:p>
+          </p:txBody>
+        </p:sp>
+        <p:sp>
+          <p:nvSpPr>
+            <p:cNvPr id="45" name="テキスト ボックス 44">
+              <a:extLst>
+                <a:ext uri="{FF2B5EF4-FFF2-40B4-BE49-F238E27FC236}">
+                  <a16:creationId xmlns:a16="http://schemas.microsoft.com/office/drawing/2014/main" id="{280D61BF-3F0D-486C-8C44-49BB30079BDD}"/>
+                </a:ext>
+              </a:extLst>
+            </p:cNvPr>
+            <p:cNvSpPr txBox="1"/>
+            <p:nvPr/>
+          </p:nvSpPr>
+          <p:spPr>
+            <a:xfrm>
+              <a:off x="4309089" y="4347995"/>
+              <a:ext cx="346570" cy="584775"/>
+            </a:xfrm>
+            <a:prstGeom prst="rect">
+              <a:avLst/>
+            </a:prstGeom>
+            <a:noFill/>
+          </p:spPr>
+          <p:txBody>
+            <a:bodyPr wrap="none" rtlCol="0">
+              <a:spAutoFit/>
+            </a:bodyPr>
+            <a:lstStyle/>
+            <a:p>
+              <a:r>
+                <a:rPr kumimoji="1" lang="en-US" altLang="ja-JP" sz="3200" i="1" dirty="0">
+                  <a:latin typeface="Times New Roman" panose="02020603050405020304" pitchFamily="18" charset="0"/>
+                  <a:cs typeface="Times New Roman" panose="02020603050405020304" pitchFamily="18" charset="0"/>
+                </a:rPr>
+                <a:t>γ</a:t>
+              </a:r>
+              <a:endParaRPr kumimoji="1" lang="ja-JP" altLang="en-US" sz="3200" i="1" dirty="0">
+                <a:latin typeface="Times New Roman" panose="02020603050405020304" pitchFamily="18" charset="0"/>
+                <a:cs typeface="Times New Roman" panose="02020603050405020304" pitchFamily="18" charset="0"/>
+              </a:endParaRPr>
+            </a:p>
+          </p:txBody>
+        </p:sp>
+        <mc:AlternateContent xmlns:mc="http://schemas.openxmlformats.org/markup-compatibility/2006" xmlns:a14="http://schemas.microsoft.com/office/drawing/2010/main">
+          <mc:Choice Requires="a14">
+            <p:sp>
+              <p:nvSpPr>
+                <p:cNvPr id="2" name="テキスト ボックス 1">
+                  <a:extLst>
+                    <a:ext uri="{FF2B5EF4-FFF2-40B4-BE49-F238E27FC236}">
+                      <a16:creationId xmlns:a16="http://schemas.microsoft.com/office/drawing/2014/main" id="{46D1AA0A-910C-4F75-91DE-C9A3A8707992}"/>
+                    </a:ext>
+                  </a:extLst>
+                </p:cNvPr>
+                <p:cNvSpPr txBox="1"/>
+                <p:nvPr/>
+              </p:nvSpPr>
+              <p:spPr>
+                <a:xfrm>
+                  <a:off x="1494433" y="3331786"/>
+                  <a:ext cx="659218" cy="555537"/>
+                </a:xfrm>
+                <a:prstGeom prst="rect">
+                  <a:avLst/>
+                </a:prstGeom>
+                <a:noFill/>
+              </p:spPr>
+              <p:txBody>
+                <a:bodyPr wrap="none" lIns="0" tIns="0" rIns="0" bIns="0" rtlCol="0">
+                  <a:spAutoFit/>
+                </a:bodyPr>
+                <a:lstStyle/>
+                <a:p>
+                  <a:pPr/>
+                  <a14:m>
+                    <m:oMathPara xmlns:m="http://schemas.openxmlformats.org/officeDocument/2006/math">
+                      <m:oMathParaPr>
+                        <m:jc m:val="centerGroup"/>
+                      </m:oMathParaPr>
+                      <m:oMath xmlns:m="http://schemas.openxmlformats.org/officeDocument/2006/math">
+                        <m:acc>
+                          <m:accPr>
+                            <m:chr m:val="⃗"/>
+                            <m:ctrlPr>
+                              <a:rPr kumimoji="1" lang="ja-JP" altLang="en-US" sz="3200" i="1" smtClean="0">
+                                <a:latin typeface="Cambria Math" panose="02040503050406030204" pitchFamily="18" charset="0"/>
+                              </a:rPr>
+                            </m:ctrlPr>
+                          </m:accPr>
+                          <m:e>
+                            <m:r>
+                              <a:rPr kumimoji="1" lang="en-US" altLang="ja-JP" sz="3200" b="0" i="1" smtClean="0">
+                                <a:latin typeface="Cambria Math" panose="02040503050406030204" pitchFamily="18" charset="0"/>
+                              </a:rPr>
+                              <m:t>𝑂𝑃</m:t>
+                            </m:r>
+                          </m:e>
+                        </m:acc>
+                      </m:oMath>
+                    </m:oMathPara>
+                  </a14:m>
+                  <a:endParaRPr kumimoji="1" lang="ja-JP" altLang="en-US" sz="1000" dirty="0"/>
+                </a:p>
+              </p:txBody>
+            </p:sp>
+          </mc:Choice>
+          <mc:Fallback xmlns="">
+            <p:sp>
+              <p:nvSpPr>
+                <p:cNvPr id="2" name="テキスト ボックス 1">
+                  <a:extLst>
+                    <a:ext uri="{FF2B5EF4-FFF2-40B4-BE49-F238E27FC236}">
+                      <a16:creationId xmlns:a16="http://schemas.microsoft.com/office/drawing/2014/main" id="{46D1AA0A-910C-4F75-91DE-C9A3A8707992}"/>
+                    </a:ext>
+                  </a:extLst>
+                </p:cNvPr>
+                <p:cNvSpPr txBox="1">
+                  <a:spLocks noRot="1" noChangeAspect="1" noMove="1" noResize="1" noEditPoints="1" noAdjustHandles="1" noChangeArrowheads="1" noChangeShapeType="1" noTextEdit="1"/>
+                </p:cNvSpPr>
+                <p:nvPr/>
+              </p:nvSpPr>
+              <p:spPr>
+                <a:xfrm>
+                  <a:off x="1494433" y="3331786"/>
+                  <a:ext cx="659218" cy="555537"/>
+                </a:xfrm>
+                <a:prstGeom prst="rect">
+                  <a:avLst/>
+                </a:prstGeom>
+                <a:blipFill>
+                  <a:blip r:embed="rId2"/>
+                  <a:stretch>
+                    <a:fillRect/>
+                  </a:stretch>
+                </a:blipFill>
+              </p:spPr>
+              <p:txBody>
+                <a:bodyPr/>
+                <a:lstStyle/>
+                <a:p>
+                  <a:r>
+                    <a:rPr lang="ja-JP" altLang="en-US">
+                      <a:noFill/>
+                    </a:rPr>
+                    <a:t> </a:t>
+                  </a:r>
+                </a:p>
+              </p:txBody>
+            </p:sp>
+          </mc:Fallback>
+        </mc:AlternateContent>
+      </p:grpSp>
+    </p:spTree>
+    <p:extLst>
+      <p:ext uri="{BB962C8B-B14F-4D97-AF65-F5344CB8AC3E}">
+        <p14:creationId xmlns:p14="http://schemas.microsoft.com/office/powerpoint/2010/main" val="1521513505"/>
+      </p:ext>
+    </p:extLst>
+  </p:cSld>
+  <p:clrMapOvr>
+    <a:masterClrMapping/>
+  </p:clrMapOvr>
+</p:sld>
+</file>
+
+<file path=ppt/slides/slide23.xml><?xml version="1.0" encoding="utf-8"?>
+<p:sld xmlns:a="http://schemas.openxmlformats.org/drawingml/2006/main" xmlns:r="http://schemas.openxmlformats.org/officeDocument/2006/relationships" xmlns:p="http://schemas.openxmlformats.org/presentationml/2006/main">
+  <p:cSld>
+    <p:spTree>
+      <p:nvGrpSpPr>
+        <p:cNvPr id="1" name=""/>
+        <p:cNvGrpSpPr/>
+        <p:nvPr/>
+      </p:nvGrpSpPr>
+      <p:grpSpPr>
+        <a:xfrm>
+          <a:off x="0" y="0"/>
+          <a:ext cx="0" cy="0"/>
+          <a:chOff x="0" y="0"/>
+          <a:chExt cx="0" cy="0"/>
+        </a:xfrm>
+      </p:grpSpPr>
+      <p:grpSp>
+        <p:nvGrpSpPr>
+          <p:cNvPr id="8" name="グループ化 7"/>
+          <p:cNvGrpSpPr/>
+          <p:nvPr/>
+        </p:nvGrpSpPr>
+        <p:grpSpPr>
+          <a:xfrm>
+            <a:off x="3576656" y="468348"/>
+            <a:ext cx="5360493" cy="5602867"/>
+            <a:chOff x="160124" y="584727"/>
+            <a:chExt cx="5360493" cy="5602867"/>
+          </a:xfrm>
+        </p:grpSpPr>
+        <p:grpSp>
+          <p:nvGrpSpPr>
+            <p:cNvPr id="5" name="グループ化 4">
+              <a:extLst>
+                <a:ext uri="{FF2B5EF4-FFF2-40B4-BE49-F238E27FC236}">
+                  <a16:creationId xmlns:a16="http://schemas.microsoft.com/office/drawing/2014/main" id="{E7C82472-7D26-4F66-A92F-6E96170E4B08}"/>
+                </a:ext>
+              </a:extLst>
+            </p:cNvPr>
+            <p:cNvGrpSpPr/>
+            <p:nvPr/>
+          </p:nvGrpSpPr>
+          <p:grpSpPr>
+            <a:xfrm>
+              <a:off x="304801" y="1169503"/>
+              <a:ext cx="4810541" cy="4518992"/>
+              <a:chOff x="781879" y="1126435"/>
+              <a:chExt cx="4810541" cy="4518992"/>
+            </a:xfrm>
+          </p:grpSpPr>
+          <p:cxnSp>
+            <p:nvCxnSpPr>
+              <p:cNvPr id="3" name="直線矢印コネクタ 2">
+                <a:extLst>
+                  <a:ext uri="{FF2B5EF4-FFF2-40B4-BE49-F238E27FC236}">
+                    <a16:creationId xmlns:a16="http://schemas.microsoft.com/office/drawing/2014/main" id="{B8817C62-2C83-4A61-8C8A-FA28F450CE17}"/>
+                  </a:ext>
+                </a:extLst>
+              </p:cNvPr>
+              <p:cNvCxnSpPr>
+                <a:cxnSpLocks/>
+              </p:cNvCxnSpPr>
+              <p:nvPr/>
+            </p:nvCxnSpPr>
+            <p:spPr>
+              <a:xfrm flipV="1">
+                <a:off x="821635" y="1126435"/>
+                <a:ext cx="0" cy="4518991"/>
+              </a:xfrm>
+              <a:prstGeom prst="straightConnector1">
+                <a:avLst/>
+              </a:prstGeom>
+              <a:ln w="76200">
+                <a:tailEnd type="triangle"/>
+              </a:ln>
+            </p:spPr>
+            <p:style>
+              <a:lnRef idx="1">
+                <a:schemeClr val="dk1"/>
+              </a:lnRef>
+              <a:fillRef idx="0">
+                <a:schemeClr val="dk1"/>
+              </a:fillRef>
+              <a:effectRef idx="0">
+                <a:schemeClr val="dk1"/>
+              </a:effectRef>
+              <a:fontRef idx="minor">
+                <a:schemeClr val="tx1"/>
+              </a:fontRef>
+            </p:style>
+          </p:cxnSp>
+          <p:cxnSp>
+            <p:nvCxnSpPr>
+              <p:cNvPr id="4" name="直線矢印コネクタ 3">
+                <a:extLst>
+                  <a:ext uri="{FF2B5EF4-FFF2-40B4-BE49-F238E27FC236}">
+                    <a16:creationId xmlns:a16="http://schemas.microsoft.com/office/drawing/2014/main" id="{7A340436-1C06-4B9C-9736-BF1EBF853F7A}"/>
+                  </a:ext>
+                </a:extLst>
+              </p:cNvPr>
+              <p:cNvCxnSpPr>
+                <a:cxnSpLocks/>
+              </p:cNvCxnSpPr>
+              <p:nvPr/>
+            </p:nvCxnSpPr>
+            <p:spPr>
+              <a:xfrm>
+                <a:off x="781879" y="5645427"/>
+                <a:ext cx="4810541" cy="0"/>
+              </a:xfrm>
+              <a:prstGeom prst="straightConnector1">
+                <a:avLst/>
+              </a:prstGeom>
+              <a:ln w="76200">
+                <a:tailEnd type="triangle"/>
+              </a:ln>
+            </p:spPr>
+            <p:style>
+              <a:lnRef idx="1">
+                <a:schemeClr val="dk1"/>
+              </a:lnRef>
+              <a:fillRef idx="0">
+                <a:schemeClr val="dk1"/>
+              </a:fillRef>
+              <a:effectRef idx="0">
+                <a:schemeClr val="dk1"/>
+              </a:effectRef>
+              <a:fontRef idx="minor">
+                <a:schemeClr val="tx1"/>
+              </a:fontRef>
+            </p:style>
+          </p:cxnSp>
+        </p:grpSp>
+        <p:cxnSp>
+          <p:nvCxnSpPr>
+            <p:cNvPr id="7" name="直線コネクタ 6">
+              <a:extLst>
+                <a:ext uri="{FF2B5EF4-FFF2-40B4-BE49-F238E27FC236}">
+                  <a16:creationId xmlns:a16="http://schemas.microsoft.com/office/drawing/2014/main" id="{3E7DD812-678B-474A-9C84-DC3D690B10A4}"/>
+                </a:ext>
+              </a:extLst>
+            </p:cNvPr>
+            <p:cNvCxnSpPr>
+              <a:cxnSpLocks/>
+            </p:cNvCxnSpPr>
+            <p:nvPr/>
+          </p:nvCxnSpPr>
+          <p:spPr>
+            <a:xfrm flipV="1">
+              <a:off x="344557" y="4389781"/>
+              <a:ext cx="2544417" cy="1298714"/>
+            </a:xfrm>
+            <a:prstGeom prst="line">
+              <a:avLst/>
+            </a:prstGeom>
+            <a:ln w="76200">
+              <a:headEnd type="oval" w="med" len="med"/>
+              <a:tailEnd type="oval" w="med" len="med"/>
+            </a:ln>
+          </p:spPr>
+          <p:style>
+            <a:lnRef idx="1">
+              <a:schemeClr val="dk1"/>
+            </a:lnRef>
+            <a:fillRef idx="0">
+              <a:schemeClr val="dk1"/>
+            </a:fillRef>
+            <a:effectRef idx="0">
+              <a:schemeClr val="dk1"/>
+            </a:effectRef>
+            <a:fontRef idx="minor">
+              <a:schemeClr val="tx1"/>
+            </a:fontRef>
+          </p:style>
+        </p:cxnSp>
+        <p:cxnSp>
+          <p:nvCxnSpPr>
+            <p:cNvPr id="9" name="直線コネクタ 8">
+              <a:extLst>
+                <a:ext uri="{FF2B5EF4-FFF2-40B4-BE49-F238E27FC236}">
+                  <a16:creationId xmlns:a16="http://schemas.microsoft.com/office/drawing/2014/main" id="{5AFA99D1-D389-4C5B-AF30-1318FD231EBF}"/>
+                </a:ext>
+              </a:extLst>
+            </p:cNvPr>
+            <p:cNvCxnSpPr>
+              <a:cxnSpLocks/>
+            </p:cNvCxnSpPr>
+            <p:nvPr/>
+          </p:nvCxnSpPr>
+          <p:spPr>
+            <a:xfrm flipV="1">
+              <a:off x="2888974" y="2317278"/>
+              <a:ext cx="722505" cy="2072504"/>
+            </a:xfrm>
+            <a:prstGeom prst="line">
+              <a:avLst/>
+            </a:prstGeom>
+            <a:ln w="76200">
+              <a:headEnd type="diamond" w="med" len="med"/>
+              <a:tailEnd type="diamond" w="med" len="med"/>
+            </a:ln>
+          </p:spPr>
+          <p:style>
+            <a:lnRef idx="1">
+              <a:schemeClr val="dk1"/>
+            </a:lnRef>
+            <a:fillRef idx="0">
+              <a:schemeClr val="dk1"/>
+            </a:fillRef>
+            <a:effectRef idx="0">
+              <a:schemeClr val="dk1"/>
+            </a:effectRef>
+            <a:fontRef idx="minor">
+              <a:schemeClr val="tx1"/>
+            </a:fontRef>
+          </p:style>
+        </p:cxnSp>
+        <p:grpSp>
+          <p:nvGrpSpPr>
+            <p:cNvPr id="14" name="グループ化 13">
+              <a:extLst>
+                <a:ext uri="{FF2B5EF4-FFF2-40B4-BE49-F238E27FC236}">
+                  <a16:creationId xmlns:a16="http://schemas.microsoft.com/office/drawing/2014/main" id="{6802FE1C-4D13-4E0D-A2FD-B75CAE58F0DA}"/>
+                </a:ext>
+              </a:extLst>
+            </p:cNvPr>
+            <p:cNvGrpSpPr/>
+            <p:nvPr/>
+          </p:nvGrpSpPr>
+          <p:grpSpPr>
+            <a:xfrm rot="1222204">
+              <a:off x="3486330" y="1807313"/>
+              <a:ext cx="450639" cy="536165"/>
+              <a:chOff x="3460436" y="2308202"/>
+              <a:chExt cx="450639" cy="536165"/>
+            </a:xfrm>
+          </p:grpSpPr>
+          <p:cxnSp>
+            <p:nvCxnSpPr>
+              <p:cNvPr id="24" name="直線コネクタ 23">
+                <a:extLst>
+                  <a:ext uri="{FF2B5EF4-FFF2-40B4-BE49-F238E27FC236}">
+                    <a16:creationId xmlns:a16="http://schemas.microsoft.com/office/drawing/2014/main" id="{7A63DAD3-7512-432F-A3A7-1A497CA5CE0C}"/>
+                  </a:ext>
+                </a:extLst>
+              </p:cNvPr>
+              <p:cNvCxnSpPr>
+                <a:cxnSpLocks/>
+              </p:cNvCxnSpPr>
+              <p:nvPr/>
+            </p:nvCxnSpPr>
+            <p:spPr>
+              <a:xfrm flipV="1">
+                <a:off x="3463376" y="2319803"/>
+                <a:ext cx="0" cy="512965"/>
+              </a:xfrm>
+              <a:prstGeom prst="line">
+                <a:avLst/>
+              </a:prstGeom>
+              <a:ln w="38100">
+                <a:headEnd type="none" w="med" len="med"/>
+                <a:tailEnd type="none" w="med" len="med"/>
+              </a:ln>
+            </p:spPr>
+            <p:style>
+              <a:lnRef idx="1">
+                <a:schemeClr val="dk1"/>
+              </a:lnRef>
+              <a:fillRef idx="0">
+                <a:schemeClr val="dk1"/>
+              </a:fillRef>
+              <a:effectRef idx="0">
+                <a:schemeClr val="dk1"/>
+              </a:effectRef>
+              <a:fontRef idx="minor">
+                <a:schemeClr val="tx1"/>
+              </a:fontRef>
+            </p:style>
+          </p:cxnSp>
+          <p:cxnSp>
+            <p:nvCxnSpPr>
+              <p:cNvPr id="27" name="直線コネクタ 26">
+                <a:extLst>
+                  <a:ext uri="{FF2B5EF4-FFF2-40B4-BE49-F238E27FC236}">
+                    <a16:creationId xmlns:a16="http://schemas.microsoft.com/office/drawing/2014/main" id="{2A77E8F6-8AD4-4BC2-A42C-316012E6C5E5}"/>
+                  </a:ext>
+                </a:extLst>
+              </p:cNvPr>
+              <p:cNvCxnSpPr>
+                <a:cxnSpLocks/>
+              </p:cNvCxnSpPr>
+              <p:nvPr/>
+            </p:nvCxnSpPr>
+            <p:spPr>
+              <a:xfrm flipV="1">
+                <a:off x="3911075" y="2308202"/>
+                <a:ext cx="0" cy="536165"/>
+              </a:xfrm>
+              <a:prstGeom prst="line">
+                <a:avLst/>
+              </a:prstGeom>
+              <a:ln w="38100">
+                <a:headEnd type="none" w="med" len="med"/>
+                <a:tailEnd type="none" w="med" len="med"/>
+              </a:ln>
+            </p:spPr>
+            <p:style>
+              <a:lnRef idx="1">
+                <a:schemeClr val="dk1"/>
+              </a:lnRef>
+              <a:fillRef idx="0">
+                <a:schemeClr val="dk1"/>
+              </a:fillRef>
+              <a:effectRef idx="0">
+                <a:schemeClr val="dk1"/>
+              </a:effectRef>
+              <a:fontRef idx="minor">
+                <a:schemeClr val="tx1"/>
+              </a:fontRef>
+            </p:style>
+          </p:cxnSp>
+          <p:cxnSp>
+            <p:nvCxnSpPr>
+              <p:cNvPr id="29" name="直線コネクタ 28">
+                <a:extLst>
+                  <a:ext uri="{FF2B5EF4-FFF2-40B4-BE49-F238E27FC236}">
+                    <a16:creationId xmlns:a16="http://schemas.microsoft.com/office/drawing/2014/main" id="{11537060-4597-4BD9-A884-2B1DBDA32C08}"/>
+                  </a:ext>
+                </a:extLst>
+              </p:cNvPr>
+              <p:cNvCxnSpPr>
+                <a:cxnSpLocks/>
+              </p:cNvCxnSpPr>
+              <p:nvPr/>
+            </p:nvCxnSpPr>
+            <p:spPr>
+              <a:xfrm>
+                <a:off x="3460436" y="2832622"/>
+                <a:ext cx="450639" cy="0"/>
+              </a:xfrm>
+              <a:prstGeom prst="line">
+                <a:avLst/>
+              </a:prstGeom>
+              <a:ln w="38100"/>
+            </p:spPr>
+            <p:style>
+              <a:lnRef idx="1">
+                <a:schemeClr val="dk1"/>
+              </a:lnRef>
+              <a:fillRef idx="0">
+                <a:schemeClr val="dk1"/>
+              </a:fillRef>
+              <a:effectRef idx="0">
+                <a:schemeClr val="dk1"/>
+              </a:effectRef>
+              <a:fontRef idx="minor">
+                <a:schemeClr val="tx1"/>
+              </a:fontRef>
+            </p:style>
+          </p:cxnSp>
+        </p:grpSp>
+        <p:grpSp>
+          <p:nvGrpSpPr>
+            <p:cNvPr id="18" name="グループ化 17">
+              <a:extLst>
+                <a:ext uri="{FF2B5EF4-FFF2-40B4-BE49-F238E27FC236}">
+                  <a16:creationId xmlns:a16="http://schemas.microsoft.com/office/drawing/2014/main" id="{3D8BC205-555A-4D0A-85D7-105FB78C0129}"/>
+                </a:ext>
+              </a:extLst>
+            </p:cNvPr>
+            <p:cNvGrpSpPr/>
+            <p:nvPr/>
+          </p:nvGrpSpPr>
+          <p:grpSpPr>
+            <a:xfrm>
+              <a:off x="967412" y="5147196"/>
+              <a:ext cx="956216" cy="978611"/>
+              <a:chOff x="967412" y="5147196"/>
+              <a:chExt cx="956216" cy="978611"/>
+            </a:xfrm>
+          </p:grpSpPr>
+          <p:sp>
+            <p:nvSpPr>
+              <p:cNvPr id="31" name="円弧 30">
+                <a:extLst>
+                  <a:ext uri="{FF2B5EF4-FFF2-40B4-BE49-F238E27FC236}">
+                    <a16:creationId xmlns:a16="http://schemas.microsoft.com/office/drawing/2014/main" id="{8EF24A81-B80A-4AE1-B40C-03EC3BC7E03D}"/>
+                  </a:ext>
+                </a:extLst>
+              </p:cNvPr>
+              <p:cNvSpPr/>
+              <p:nvPr/>
+            </p:nvSpPr>
+            <p:spPr>
+              <a:xfrm>
+                <a:off x="967412" y="5251181"/>
+                <a:ext cx="490329" cy="874626"/>
+              </a:xfrm>
+              <a:prstGeom prst="arc">
+                <a:avLst/>
+              </a:prstGeom>
+              <a:ln w="38100">
+                <a:headEnd type="triangle" w="med" len="med"/>
+                <a:tailEnd type="none" w="med" len="med"/>
+              </a:ln>
+            </p:spPr>
+            <p:style>
+              <a:lnRef idx="1">
+                <a:schemeClr val="dk1"/>
+              </a:lnRef>
+              <a:fillRef idx="0">
+                <a:schemeClr val="dk1"/>
+              </a:fillRef>
+              <a:effectRef idx="0">
+                <a:schemeClr val="dk1"/>
+              </a:effectRef>
+              <a:fontRef idx="minor">
+                <a:schemeClr val="tx1"/>
+              </a:fontRef>
+            </p:style>
+            <p:txBody>
+              <a:bodyPr rtlCol="0" anchor="ctr"/>
+              <a:lstStyle/>
+              <a:p>
+                <a:pPr algn="ctr"/>
+                <a:endParaRPr kumimoji="1" lang="ja-JP" altLang="en-US"/>
+              </a:p>
+            </p:txBody>
+          </p:sp>
+          <p:sp>
+            <p:nvSpPr>
+              <p:cNvPr id="32" name="テキスト ボックス 31">
+                <a:extLst>
+                  <a:ext uri="{FF2B5EF4-FFF2-40B4-BE49-F238E27FC236}">
+                    <a16:creationId xmlns:a16="http://schemas.microsoft.com/office/drawing/2014/main" id="{EC060A66-2801-49EE-A823-A05C9B0A67BC}"/>
+                  </a:ext>
+                </a:extLst>
+              </p:cNvPr>
+              <p:cNvSpPr txBox="1"/>
+              <p:nvPr/>
+            </p:nvSpPr>
+            <p:spPr>
+              <a:xfrm>
+                <a:off x="1408743" y="5147196"/>
+                <a:ext cx="514885" cy="584775"/>
+              </a:xfrm>
+              <a:prstGeom prst="rect">
+                <a:avLst/>
+              </a:prstGeom>
+              <a:noFill/>
+            </p:spPr>
+            <p:txBody>
+              <a:bodyPr wrap="none" rtlCol="0">
+                <a:spAutoFit/>
+              </a:bodyPr>
+              <a:lstStyle/>
+              <a:p>
+                <a:r>
+                  <a:rPr kumimoji="1" lang="en-US" altLang="ja-JP" sz="3200" i="1" dirty="0">
+                    <a:latin typeface="Times New Roman" panose="02020603050405020304" pitchFamily="18" charset="0"/>
+                    <a:cs typeface="Times New Roman" panose="02020603050405020304" pitchFamily="18" charset="0"/>
+                  </a:rPr>
+                  <a:t>θ</a:t>
+                </a:r>
+                <a:r>
+                  <a:rPr kumimoji="1" lang="en-US" altLang="ja-JP" sz="2000" i="1" dirty="0">
+                    <a:latin typeface="Times New Roman" panose="02020603050405020304" pitchFamily="18" charset="0"/>
+                    <a:cs typeface="Times New Roman" panose="02020603050405020304" pitchFamily="18" charset="0"/>
+                  </a:rPr>
+                  <a:t>1</a:t>
+                </a:r>
+                <a:endParaRPr kumimoji="1" lang="ja-JP" altLang="en-US" sz="3200" i="1" dirty="0">
+                  <a:latin typeface="Times New Roman" panose="02020603050405020304" pitchFamily="18" charset="0"/>
+                  <a:cs typeface="Times New Roman" panose="02020603050405020304" pitchFamily="18" charset="0"/>
+                </a:endParaRPr>
+              </a:p>
+            </p:txBody>
+          </p:sp>
+        </p:grpSp>
+        <p:cxnSp>
+          <p:nvCxnSpPr>
+            <p:cNvPr id="34" name="直線コネクタ 33">
+              <a:extLst>
+                <a:ext uri="{FF2B5EF4-FFF2-40B4-BE49-F238E27FC236}">
+                  <a16:creationId xmlns:a16="http://schemas.microsoft.com/office/drawing/2014/main" id="{8C5149AD-287A-49FC-82F4-A8D6E9B7C9AA}"/>
+                </a:ext>
+              </a:extLst>
+            </p:cNvPr>
+            <p:cNvCxnSpPr>
+              <a:cxnSpLocks/>
+            </p:cNvCxnSpPr>
+            <p:nvPr/>
+          </p:nvCxnSpPr>
+          <p:spPr>
+            <a:xfrm flipV="1">
+              <a:off x="2729224" y="3376486"/>
+              <a:ext cx="2107096" cy="1076738"/>
+            </a:xfrm>
+            <a:prstGeom prst="line">
+              <a:avLst/>
+            </a:prstGeom>
+            <a:ln>
+              <a:prstDash val="dash"/>
+            </a:ln>
+          </p:spPr>
+          <p:style>
+            <a:lnRef idx="1">
+              <a:schemeClr val="dk1"/>
+            </a:lnRef>
+            <a:fillRef idx="0">
+              <a:schemeClr val="dk1"/>
+            </a:fillRef>
+            <a:effectRef idx="0">
+              <a:schemeClr val="dk1"/>
+            </a:effectRef>
+            <a:fontRef idx="minor">
+              <a:schemeClr val="tx1"/>
+            </a:fontRef>
+          </p:style>
+        </p:cxnSp>
+        <p:grpSp>
+          <p:nvGrpSpPr>
+            <p:cNvPr id="17" name="グループ化 16">
+              <a:extLst>
+                <a:ext uri="{FF2B5EF4-FFF2-40B4-BE49-F238E27FC236}">
+                  <a16:creationId xmlns:a16="http://schemas.microsoft.com/office/drawing/2014/main" id="{C7EDA8B6-CC9C-4914-9175-EDBE9D6B9807}"/>
+                </a:ext>
+              </a:extLst>
+            </p:cNvPr>
+            <p:cNvGrpSpPr/>
+            <p:nvPr/>
+          </p:nvGrpSpPr>
+          <p:grpSpPr>
+            <a:xfrm>
+              <a:off x="2832316" y="3438585"/>
+              <a:ext cx="862464" cy="972306"/>
+              <a:chOff x="3086158" y="3078580"/>
+              <a:chExt cx="862464" cy="972306"/>
+            </a:xfrm>
+          </p:grpSpPr>
+          <p:sp>
+            <p:nvSpPr>
+              <p:cNvPr id="35" name="円弧 34">
+                <a:extLst>
+                  <a:ext uri="{FF2B5EF4-FFF2-40B4-BE49-F238E27FC236}">
+                    <a16:creationId xmlns:a16="http://schemas.microsoft.com/office/drawing/2014/main" id="{42B38824-A192-469A-A63B-66B8DD337B18}"/>
+                  </a:ext>
+                </a:extLst>
+              </p:cNvPr>
+              <p:cNvSpPr/>
+              <p:nvPr/>
+            </p:nvSpPr>
+            <p:spPr>
+              <a:xfrm>
+                <a:off x="3086158" y="3468518"/>
+                <a:ext cx="540533" cy="582368"/>
+              </a:xfrm>
+              <a:prstGeom prst="arc">
+                <a:avLst/>
+              </a:prstGeom>
+              <a:ln w="38100">
+                <a:headEnd type="triangle" w="med" len="med"/>
+                <a:tailEnd type="none" w="med" len="med"/>
+              </a:ln>
+            </p:spPr>
+            <p:style>
+              <a:lnRef idx="1">
+                <a:schemeClr val="dk1"/>
+              </a:lnRef>
+              <a:fillRef idx="0">
+                <a:schemeClr val="dk1"/>
+              </a:fillRef>
+              <a:effectRef idx="0">
+                <a:schemeClr val="dk1"/>
+              </a:effectRef>
+              <a:fontRef idx="minor">
+                <a:schemeClr val="tx1"/>
+              </a:fontRef>
+            </p:style>
+            <p:txBody>
+              <a:bodyPr rtlCol="0" anchor="ctr"/>
+              <a:lstStyle/>
+              <a:p>
+                <a:pPr algn="ctr"/>
+                <a:endParaRPr kumimoji="1" lang="ja-JP" altLang="en-US"/>
+              </a:p>
+            </p:txBody>
+          </p:sp>
+          <p:sp>
+            <p:nvSpPr>
+              <p:cNvPr id="36" name="テキスト ボックス 35">
+                <a:extLst>
+                  <a:ext uri="{FF2B5EF4-FFF2-40B4-BE49-F238E27FC236}">
+                    <a16:creationId xmlns:a16="http://schemas.microsoft.com/office/drawing/2014/main" id="{C6651DFE-7985-4C3D-A1CC-63225A4B3DE9}"/>
+                  </a:ext>
+                </a:extLst>
+              </p:cNvPr>
+              <p:cNvSpPr txBox="1"/>
+              <p:nvPr/>
+            </p:nvSpPr>
+            <p:spPr>
+              <a:xfrm>
+                <a:off x="3433737" y="3078580"/>
+                <a:ext cx="514885" cy="584775"/>
+              </a:xfrm>
+              <a:prstGeom prst="rect">
+                <a:avLst/>
+              </a:prstGeom>
+              <a:noFill/>
+            </p:spPr>
+            <p:txBody>
+              <a:bodyPr wrap="none" rtlCol="0">
+                <a:spAutoFit/>
+              </a:bodyPr>
+              <a:lstStyle/>
+              <a:p>
+                <a:r>
+                  <a:rPr kumimoji="1" lang="en-US" altLang="ja-JP" sz="3200" i="1" dirty="0">
+                    <a:latin typeface="Times New Roman" panose="02020603050405020304" pitchFamily="18" charset="0"/>
+                    <a:cs typeface="Times New Roman" panose="02020603050405020304" pitchFamily="18" charset="0"/>
+                  </a:rPr>
+                  <a:t>θ</a:t>
+                </a:r>
+                <a:r>
+                  <a:rPr lang="en-US" altLang="ja-JP" sz="2000" i="1" dirty="0">
+                    <a:latin typeface="Times New Roman" panose="02020603050405020304" pitchFamily="18" charset="0"/>
+                    <a:cs typeface="Times New Roman" panose="02020603050405020304" pitchFamily="18" charset="0"/>
+                  </a:rPr>
+                  <a:t>2</a:t>
+                </a:r>
+                <a:endParaRPr kumimoji="1" lang="ja-JP" altLang="en-US" sz="3200" i="1" dirty="0">
+                  <a:latin typeface="Times New Roman" panose="02020603050405020304" pitchFamily="18" charset="0"/>
+                  <a:cs typeface="Times New Roman" panose="02020603050405020304" pitchFamily="18" charset="0"/>
+                </a:endParaRPr>
+              </a:p>
+            </p:txBody>
+          </p:sp>
+        </p:grpSp>
+        <p:sp>
+          <p:nvSpPr>
+            <p:cNvPr id="37" name="テキスト ボックス 36">
+              <a:extLst>
+                <a:ext uri="{FF2B5EF4-FFF2-40B4-BE49-F238E27FC236}">
+                  <a16:creationId xmlns:a16="http://schemas.microsoft.com/office/drawing/2014/main" id="{02C08B31-A1AD-4B3A-BCD2-C88427D9B253}"/>
+                </a:ext>
+              </a:extLst>
+            </p:cNvPr>
+            <p:cNvSpPr txBox="1"/>
+            <p:nvPr/>
+          </p:nvSpPr>
+          <p:spPr>
+            <a:xfrm>
+              <a:off x="160124" y="584727"/>
+              <a:ext cx="389850" cy="584775"/>
+            </a:xfrm>
+            <a:prstGeom prst="rect">
+              <a:avLst/>
+            </a:prstGeom>
+            <a:noFill/>
+          </p:spPr>
+          <p:txBody>
+            <a:bodyPr wrap="none" rtlCol="0">
+              <a:spAutoFit/>
+            </a:bodyPr>
+            <a:lstStyle/>
+            <a:p>
+              <a:r>
+                <a:rPr lang="en-US" altLang="ja-JP" sz="3200" b="1" dirty="0">
+                  <a:latin typeface="Times New Roman" panose="02020603050405020304" pitchFamily="18" charset="0"/>
+                  <a:cs typeface="Times New Roman" panose="02020603050405020304" pitchFamily="18" charset="0"/>
+                </a:rPr>
+                <a:t>y</a:t>
+              </a:r>
+              <a:endParaRPr kumimoji="1" lang="ja-JP" altLang="en-US" sz="3200" b="1" dirty="0">
+                <a:latin typeface="Times New Roman" panose="02020603050405020304" pitchFamily="18" charset="0"/>
+                <a:cs typeface="Times New Roman" panose="02020603050405020304" pitchFamily="18" charset="0"/>
+              </a:endParaRPr>
+            </a:p>
+          </p:txBody>
+        </p:sp>
+        <p:sp>
+          <p:nvSpPr>
+            <p:cNvPr id="38" name="テキスト ボックス 37">
+              <a:extLst>
+                <a:ext uri="{FF2B5EF4-FFF2-40B4-BE49-F238E27FC236}">
+                  <a16:creationId xmlns:a16="http://schemas.microsoft.com/office/drawing/2014/main" id="{9B731AD9-55F8-43B4-A00D-422BB8DE04D5}"/>
+                </a:ext>
+              </a:extLst>
+            </p:cNvPr>
+            <p:cNvSpPr txBox="1"/>
+            <p:nvPr/>
+          </p:nvSpPr>
+          <p:spPr>
+            <a:xfrm>
+              <a:off x="5130767" y="5396106"/>
+              <a:ext cx="389850" cy="584775"/>
+            </a:xfrm>
+            <a:prstGeom prst="rect">
+              <a:avLst/>
+            </a:prstGeom>
+            <a:noFill/>
+          </p:spPr>
+          <p:txBody>
+            <a:bodyPr wrap="none" rtlCol="0">
+              <a:spAutoFit/>
+            </a:bodyPr>
+            <a:lstStyle/>
+            <a:p>
+              <a:r>
+                <a:rPr lang="en-US" altLang="ja-JP" sz="3200" b="1" dirty="0">
+                  <a:latin typeface="Times New Roman" panose="02020603050405020304" pitchFamily="18" charset="0"/>
+                  <a:cs typeface="Times New Roman" panose="02020603050405020304" pitchFamily="18" charset="0"/>
+                </a:rPr>
+                <a:t>x</a:t>
+              </a:r>
+              <a:endParaRPr kumimoji="1" lang="ja-JP" altLang="en-US" sz="3200" b="1" dirty="0">
+                <a:latin typeface="Times New Roman" panose="02020603050405020304" pitchFamily="18" charset="0"/>
+                <a:cs typeface="Times New Roman" panose="02020603050405020304" pitchFamily="18" charset="0"/>
+              </a:endParaRPr>
+            </a:p>
+          </p:txBody>
+        </p:sp>
+        <p:sp>
+          <p:nvSpPr>
+            <p:cNvPr id="39" name="テキスト ボックス 38">
+              <a:extLst>
+                <a:ext uri="{FF2B5EF4-FFF2-40B4-BE49-F238E27FC236}">
+                  <a16:creationId xmlns:a16="http://schemas.microsoft.com/office/drawing/2014/main" id="{0B389FA3-17ED-426C-A307-98D6AE2EE47F}"/>
+                </a:ext>
+              </a:extLst>
+            </p:cNvPr>
+            <p:cNvSpPr txBox="1"/>
+            <p:nvPr/>
+          </p:nvSpPr>
+          <p:spPr>
+            <a:xfrm>
+              <a:off x="1195188" y="4425404"/>
+              <a:ext cx="426720" cy="584775"/>
+            </a:xfrm>
+            <a:prstGeom prst="rect">
+              <a:avLst/>
+            </a:prstGeom>
+            <a:noFill/>
+          </p:spPr>
+          <p:txBody>
+            <a:bodyPr wrap="none" rtlCol="0">
+              <a:spAutoFit/>
+            </a:bodyPr>
+            <a:lstStyle/>
+            <a:p>
+              <a:r>
+                <a:rPr lang="en-US" altLang="ja-JP" sz="3200" i="1" dirty="0">
+                  <a:latin typeface="Times New Roman" panose="02020603050405020304" pitchFamily="18" charset="0"/>
+                  <a:cs typeface="Times New Roman" panose="02020603050405020304" pitchFamily="18" charset="0"/>
+                </a:rPr>
+                <a:t>l</a:t>
+              </a:r>
+              <a:r>
+                <a:rPr kumimoji="1" lang="en-US" altLang="ja-JP" sz="2000" i="1" dirty="0">
+                  <a:latin typeface="Times New Roman" panose="02020603050405020304" pitchFamily="18" charset="0"/>
+                  <a:cs typeface="Times New Roman" panose="02020603050405020304" pitchFamily="18" charset="0"/>
+                </a:rPr>
+                <a:t>1</a:t>
+              </a:r>
+              <a:endParaRPr kumimoji="1" lang="ja-JP" altLang="en-US" sz="3200" i="1" dirty="0">
+                <a:latin typeface="Times New Roman" panose="02020603050405020304" pitchFamily="18" charset="0"/>
+                <a:cs typeface="Times New Roman" panose="02020603050405020304" pitchFamily="18" charset="0"/>
+              </a:endParaRPr>
+            </a:p>
+          </p:txBody>
+        </p:sp>
+        <p:sp>
+          <p:nvSpPr>
+            <p:cNvPr id="40" name="テキスト ボックス 39">
+              <a:extLst>
+                <a:ext uri="{FF2B5EF4-FFF2-40B4-BE49-F238E27FC236}">
+                  <a16:creationId xmlns:a16="http://schemas.microsoft.com/office/drawing/2014/main" id="{D6B3404A-BA64-427D-B5F2-EF472F64A047}"/>
+                </a:ext>
+              </a:extLst>
+            </p:cNvPr>
+            <p:cNvSpPr txBox="1"/>
+            <p:nvPr/>
+          </p:nvSpPr>
+          <p:spPr>
+            <a:xfrm>
+              <a:off x="2690414" y="3012699"/>
+              <a:ext cx="426720" cy="584775"/>
+            </a:xfrm>
+            <a:prstGeom prst="rect">
+              <a:avLst/>
+            </a:prstGeom>
+            <a:noFill/>
+          </p:spPr>
+          <p:txBody>
+            <a:bodyPr wrap="none" rtlCol="0">
+              <a:spAutoFit/>
+            </a:bodyPr>
+            <a:lstStyle/>
+            <a:p>
+              <a:r>
+                <a:rPr lang="en-US" altLang="ja-JP" sz="3200" i="1" dirty="0">
+                  <a:latin typeface="Times New Roman" panose="02020603050405020304" pitchFamily="18" charset="0"/>
+                  <a:cs typeface="Times New Roman" panose="02020603050405020304" pitchFamily="18" charset="0"/>
+                </a:rPr>
+                <a:t>l</a:t>
+              </a:r>
+              <a:r>
+                <a:rPr lang="en-US" altLang="ja-JP" sz="2000" i="1" dirty="0">
+                  <a:latin typeface="Times New Roman" panose="02020603050405020304" pitchFamily="18" charset="0"/>
+                  <a:cs typeface="Times New Roman" panose="02020603050405020304" pitchFamily="18" charset="0"/>
+                </a:rPr>
+                <a:t>2</a:t>
+              </a:r>
+              <a:endParaRPr kumimoji="1" lang="ja-JP" altLang="en-US" sz="3200" i="1" dirty="0">
+                <a:latin typeface="Times New Roman" panose="02020603050405020304" pitchFamily="18" charset="0"/>
+                <a:cs typeface="Times New Roman" panose="02020603050405020304" pitchFamily="18" charset="0"/>
+              </a:endParaRPr>
+            </a:p>
+          </p:txBody>
+        </p:sp>
+        <p:grpSp>
+          <p:nvGrpSpPr>
+            <p:cNvPr id="6" name="グループ化 5"/>
+            <p:cNvGrpSpPr/>
+            <p:nvPr/>
+          </p:nvGrpSpPr>
+          <p:grpSpPr>
+            <a:xfrm rot="2230958" flipH="1">
+              <a:off x="2805246" y="2325175"/>
+              <a:ext cx="1440487" cy="2249766"/>
+              <a:chOff x="2274642" y="2124849"/>
+              <a:chExt cx="1440487" cy="2249766"/>
+            </a:xfrm>
+          </p:grpSpPr>
+          <p:sp>
+            <p:nvSpPr>
+              <p:cNvPr id="2" name="円弧 1"/>
+              <p:cNvSpPr/>
+              <p:nvPr/>
+            </p:nvSpPr>
+            <p:spPr>
+              <a:xfrm rot="3291253">
+                <a:off x="2755732" y="2124849"/>
+                <a:ext cx="959397" cy="959397"/>
+              </a:xfrm>
+              <a:prstGeom prst="arc">
+                <a:avLst>
+                  <a:gd name="adj1" fmla="val 16200000"/>
+                  <a:gd name="adj2" fmla="val 18458486"/>
+                </a:avLst>
+              </a:prstGeom>
+              <a:ln w="38100">
+                <a:solidFill>
+                  <a:schemeClr val="tx1"/>
+                </a:solidFill>
+              </a:ln>
+            </p:spPr>
+            <p:style>
+              <a:lnRef idx="1">
+                <a:schemeClr val="accent1"/>
+              </a:lnRef>
+              <a:fillRef idx="0">
+                <a:schemeClr val="accent1"/>
+              </a:fillRef>
+              <a:effectRef idx="0">
+                <a:schemeClr val="accent1"/>
+              </a:effectRef>
+              <a:fontRef idx="minor">
+                <a:schemeClr val="tx1"/>
+              </a:fontRef>
+            </p:style>
+            <p:txBody>
+              <a:bodyPr rtlCol="0" anchor="ctr"/>
+              <a:lstStyle/>
+              <a:p>
+                <a:pPr algn="ctr"/>
+                <a:endParaRPr kumimoji="1" lang="ja-JP" altLang="en-US"/>
+              </a:p>
+            </p:txBody>
+          </p:sp>
+          <p:sp>
+            <p:nvSpPr>
+              <p:cNvPr id="23" name="円弧 22"/>
+              <p:cNvSpPr/>
+              <p:nvPr/>
+            </p:nvSpPr>
+            <p:spPr>
+              <a:xfrm rot="19927927" flipV="1">
+                <a:off x="2274642" y="3415218"/>
+                <a:ext cx="959397" cy="959397"/>
+              </a:xfrm>
+              <a:prstGeom prst="arc">
+                <a:avLst>
+                  <a:gd name="adj1" fmla="val 16200000"/>
+                  <a:gd name="adj2" fmla="val 18458486"/>
+                </a:avLst>
+              </a:prstGeom>
+              <a:ln w="38100">
+                <a:solidFill>
+                  <a:schemeClr val="tx1"/>
+                </a:solidFill>
+              </a:ln>
+            </p:spPr>
+            <p:style>
+              <a:lnRef idx="1">
+                <a:schemeClr val="accent1"/>
+              </a:lnRef>
+              <a:fillRef idx="0">
+                <a:schemeClr val="accent1"/>
+              </a:fillRef>
+              <a:effectRef idx="0">
+                <a:schemeClr val="accent1"/>
+              </a:effectRef>
+              <a:fontRef idx="minor">
+                <a:schemeClr val="tx1"/>
+              </a:fontRef>
+            </p:style>
+            <p:txBody>
+              <a:bodyPr rtlCol="0" anchor="ctr"/>
+              <a:lstStyle/>
+              <a:p>
+                <a:pPr algn="ctr"/>
+                <a:endParaRPr kumimoji="1" lang="ja-JP" altLang="en-US"/>
+              </a:p>
+            </p:txBody>
+          </p:sp>
+        </p:grpSp>
+        <p:grpSp>
+          <p:nvGrpSpPr>
+            <p:cNvPr id="25" name="グループ化 24"/>
+            <p:cNvGrpSpPr/>
+            <p:nvPr/>
+          </p:nvGrpSpPr>
+          <p:grpSpPr>
+            <a:xfrm rot="16382869" flipV="1">
+              <a:off x="768985" y="3898833"/>
+              <a:ext cx="1941655" cy="2635867"/>
+              <a:chOff x="1710289" y="2088383"/>
+              <a:chExt cx="1941655" cy="2635867"/>
+            </a:xfrm>
+          </p:grpSpPr>
+          <p:sp>
+            <p:nvSpPr>
+              <p:cNvPr id="26" name="円弧 25"/>
+              <p:cNvSpPr/>
+              <p:nvPr/>
+            </p:nvSpPr>
+            <p:spPr>
+              <a:xfrm rot="4001098">
+                <a:off x="2692547" y="2088383"/>
+                <a:ext cx="959397" cy="959397"/>
+              </a:xfrm>
+              <a:prstGeom prst="arc">
+                <a:avLst>
+                  <a:gd name="adj1" fmla="val 16200000"/>
+                  <a:gd name="adj2" fmla="val 18458486"/>
+                </a:avLst>
+              </a:prstGeom>
+              <a:ln w="38100">
+                <a:solidFill>
+                  <a:schemeClr val="tx1"/>
+                </a:solidFill>
+              </a:ln>
+            </p:spPr>
+            <p:style>
+              <a:lnRef idx="1">
+                <a:schemeClr val="accent1"/>
+              </a:lnRef>
+              <a:fillRef idx="0">
+                <a:schemeClr val="accent1"/>
+              </a:fillRef>
+              <a:effectRef idx="0">
+                <a:schemeClr val="accent1"/>
+              </a:effectRef>
+              <a:fontRef idx="minor">
+                <a:schemeClr val="tx1"/>
+              </a:fontRef>
+            </p:style>
+            <p:txBody>
+              <a:bodyPr rtlCol="0" anchor="ctr"/>
+              <a:lstStyle/>
+              <a:p>
+                <a:pPr algn="ctr"/>
+                <a:endParaRPr kumimoji="1" lang="ja-JP" altLang="en-US"/>
+              </a:p>
+            </p:txBody>
+          </p:sp>
+          <p:sp>
+            <p:nvSpPr>
+              <p:cNvPr id="28" name="円弧 27"/>
+              <p:cNvSpPr/>
+              <p:nvPr/>
+            </p:nvSpPr>
+            <p:spPr>
+              <a:xfrm rot="21467698" flipV="1">
+                <a:off x="1710289" y="3764853"/>
+                <a:ext cx="959397" cy="959397"/>
+              </a:xfrm>
+              <a:prstGeom prst="arc">
+                <a:avLst>
+                  <a:gd name="adj1" fmla="val 16200000"/>
+                  <a:gd name="adj2" fmla="val 18458486"/>
+                </a:avLst>
+              </a:prstGeom>
+              <a:ln w="38100">
+                <a:solidFill>
+                  <a:schemeClr val="tx1"/>
+                </a:solidFill>
+              </a:ln>
+            </p:spPr>
+            <p:style>
+              <a:lnRef idx="1">
+                <a:schemeClr val="accent1"/>
+              </a:lnRef>
+              <a:fillRef idx="0">
+                <a:schemeClr val="accent1"/>
+              </a:fillRef>
+              <a:effectRef idx="0">
+                <a:schemeClr val="accent1"/>
+              </a:effectRef>
+              <a:fontRef idx="minor">
+                <a:schemeClr val="tx1"/>
+              </a:fontRef>
+            </p:style>
+            <p:txBody>
+              <a:bodyPr rtlCol="0" anchor="ctr"/>
+              <a:lstStyle/>
+              <a:p>
+                <a:pPr algn="ctr"/>
+                <a:endParaRPr kumimoji="1" lang="ja-JP" altLang="en-US"/>
+              </a:p>
+            </p:txBody>
+          </p:sp>
+        </p:grpSp>
+      </p:grpSp>
+      <p:cxnSp>
+        <p:nvCxnSpPr>
+          <p:cNvPr id="13" name="直線コネクタ 12"/>
+          <p:cNvCxnSpPr/>
+          <p:nvPr/>
+        </p:nvCxnSpPr>
+        <p:spPr>
+          <a:xfrm>
+            <a:off x="6315075" y="4262438"/>
+            <a:ext cx="2000250" cy="0"/>
+          </a:xfrm>
+          <a:prstGeom prst="line">
+            <a:avLst/>
+          </a:prstGeom>
+          <a:ln>
+            <a:prstDash val="dash"/>
+          </a:ln>
+        </p:spPr>
+        <p:style>
+          <a:lnRef idx="1">
+            <a:schemeClr val="dk1"/>
+          </a:lnRef>
+          <a:fillRef idx="0">
+            <a:schemeClr val="dk1"/>
+          </a:fillRef>
+          <a:effectRef idx="0">
+            <a:schemeClr val="dk1"/>
+          </a:effectRef>
+          <a:fontRef idx="minor">
+            <a:schemeClr val="tx1"/>
+          </a:fontRef>
+        </p:style>
+      </p:cxnSp>
+      <p:grpSp>
+        <p:nvGrpSpPr>
+          <p:cNvPr id="15" name="グループ化 14"/>
+          <p:cNvGrpSpPr/>
+          <p:nvPr/>
+        </p:nvGrpSpPr>
+        <p:grpSpPr>
+          <a:xfrm>
+            <a:off x="6937843" y="3706955"/>
+            <a:ext cx="956216" cy="978611"/>
+            <a:chOff x="4536344" y="5183217"/>
+            <a:chExt cx="956216" cy="978611"/>
+          </a:xfrm>
+        </p:grpSpPr>
+        <p:sp>
+          <p:nvSpPr>
+            <p:cNvPr id="41" name="円弧 40">
+              <a:extLst>
+                <a:ext uri="{FF2B5EF4-FFF2-40B4-BE49-F238E27FC236}">
+                  <a16:creationId xmlns:a16="http://schemas.microsoft.com/office/drawing/2014/main" id="{8EF24A81-B80A-4AE1-B40C-03EC3BC7E03D}"/>
+                </a:ext>
+              </a:extLst>
+            </p:cNvPr>
+            <p:cNvSpPr/>
+            <p:nvPr/>
+          </p:nvSpPr>
+          <p:spPr>
+            <a:xfrm>
+              <a:off x="4536344" y="5287202"/>
+              <a:ext cx="490329" cy="874626"/>
+            </a:xfrm>
+            <a:prstGeom prst="arc">
+              <a:avLst/>
+            </a:prstGeom>
+            <a:ln w="38100">
+              <a:headEnd type="triangle" w="med" len="med"/>
+              <a:tailEnd type="none" w="med" len="med"/>
+            </a:ln>
+          </p:spPr>
+          <p:style>
+            <a:lnRef idx="1">
+              <a:schemeClr val="dk1"/>
+            </a:lnRef>
+            <a:fillRef idx="0">
+              <a:schemeClr val="dk1"/>
+            </a:fillRef>
+            <a:effectRef idx="0">
+              <a:schemeClr val="dk1"/>
+            </a:effectRef>
+            <a:fontRef idx="minor">
+              <a:schemeClr val="tx1"/>
+            </a:fontRef>
+          </p:style>
+          <p:txBody>
+            <a:bodyPr rtlCol="0" anchor="ctr"/>
+            <a:lstStyle/>
+            <a:p>
+              <a:pPr algn="ctr"/>
+              <a:endParaRPr kumimoji="1" lang="ja-JP" altLang="en-US"/>
+            </a:p>
+          </p:txBody>
+        </p:sp>
+        <p:sp>
+          <p:nvSpPr>
+            <p:cNvPr id="42" name="テキスト ボックス 41">
+              <a:extLst>
+                <a:ext uri="{FF2B5EF4-FFF2-40B4-BE49-F238E27FC236}">
+                  <a16:creationId xmlns:a16="http://schemas.microsoft.com/office/drawing/2014/main" id="{EC060A66-2801-49EE-A823-A05C9B0A67BC}"/>
+                </a:ext>
+              </a:extLst>
+            </p:cNvPr>
+            <p:cNvSpPr txBox="1"/>
+            <p:nvPr/>
+          </p:nvSpPr>
+          <p:spPr>
+            <a:xfrm>
+              <a:off x="4977675" y="5183217"/>
+              <a:ext cx="514885" cy="584775"/>
+            </a:xfrm>
+            <a:prstGeom prst="rect">
+              <a:avLst/>
+            </a:prstGeom>
+            <a:noFill/>
+          </p:spPr>
+          <p:txBody>
+            <a:bodyPr wrap="none" rtlCol="0">
+              <a:spAutoFit/>
+            </a:bodyPr>
+            <a:lstStyle/>
+            <a:p>
+              <a:r>
+                <a:rPr kumimoji="1" lang="en-US" altLang="ja-JP" sz="3200" i="1" dirty="0">
+                  <a:latin typeface="Times New Roman" panose="02020603050405020304" pitchFamily="18" charset="0"/>
+                  <a:cs typeface="Times New Roman" panose="02020603050405020304" pitchFamily="18" charset="0"/>
+                </a:rPr>
+                <a:t>θ</a:t>
+              </a:r>
+              <a:r>
+                <a:rPr kumimoji="1" lang="en-US" altLang="ja-JP" sz="2000" i="1" dirty="0">
+                  <a:latin typeface="Times New Roman" panose="02020603050405020304" pitchFamily="18" charset="0"/>
+                  <a:cs typeface="Times New Roman" panose="02020603050405020304" pitchFamily="18" charset="0"/>
+                </a:rPr>
+                <a:t>1</a:t>
+              </a:r>
+              <a:endParaRPr kumimoji="1" lang="ja-JP" altLang="en-US" sz="3200" i="1" dirty="0">
+                <a:latin typeface="Times New Roman" panose="02020603050405020304" pitchFamily="18" charset="0"/>
+                <a:cs typeface="Times New Roman" panose="02020603050405020304" pitchFamily="18" charset="0"/>
+              </a:endParaRPr>
+            </a:p>
+          </p:txBody>
+        </p:sp>
+      </p:grpSp>
+    </p:spTree>
+    <p:extLst>
+      <p:ext uri="{BB962C8B-B14F-4D97-AF65-F5344CB8AC3E}">
+        <p14:creationId xmlns:p14="http://schemas.microsoft.com/office/powerpoint/2010/main" val="595994784"/>
+      </p:ext>
+    </p:extLst>
+  </p:cSld>
+  <p:clrMapOvr>
+    <a:masterClrMapping/>
+  </p:clrMapOvr>
+</p:sld>
+</file>
+
+<file path=ppt/slides/slide3.xml><?xml version="1.0" encoding="utf-8"?>
+<p:sld xmlns:a="http://schemas.openxmlformats.org/drawingml/2006/main" xmlns:r="http://schemas.openxmlformats.org/officeDocument/2006/relationships" xmlns:p="http://schemas.openxmlformats.org/presentationml/2006/main">
+  <p:cSld>
+    <p:spTree>
+      <p:nvGrpSpPr>
+        <p:cNvPr id="1" name=""/>
+        <p:cNvGrpSpPr/>
+        <p:nvPr/>
+      </p:nvGrpSpPr>
+      <p:grpSpPr>
+        <a:xfrm>
+          <a:off x="0" y="0"/>
+          <a:ext cx="0" cy="0"/>
+          <a:chOff x="0" y="0"/>
+          <a:chExt cx="0" cy="0"/>
+        </a:xfrm>
+      </p:grpSpPr>
+      <p:sp>
+        <p:nvSpPr>
+          <p:cNvPr id="2" name="楕円 1"/>
+          <p:cNvSpPr/>
+          <p:nvPr/>
+        </p:nvSpPr>
+        <p:spPr>
+          <a:xfrm>
+            <a:off x="5286894" y="2717814"/>
+            <a:ext cx="1618211" cy="1495397"/>
+          </a:xfrm>
+          <a:prstGeom prst="ellipse">
+            <a:avLst/>
+          </a:prstGeom>
+          <a:solidFill>
+            <a:schemeClr val="tx1">
+              <a:lumMod val="75000"/>
+              <a:lumOff val="25000"/>
+            </a:schemeClr>
+          </a:solidFill>
+          <a:ln w="28575">
+            <a:solidFill>
+              <a:schemeClr val="tx1"/>
+            </a:solidFill>
+          </a:ln>
+        </p:spPr>
+        <p:style>
+          <a:lnRef idx="2">
+            <a:schemeClr val="accent1">
+              <a:shade val="50000"/>
+            </a:schemeClr>
+          </a:lnRef>
+          <a:fillRef idx="1">
+            <a:schemeClr val="accent1"/>
+          </a:fillRef>
+          <a:effectRef idx="0">
+            <a:schemeClr val="accent1"/>
+          </a:effectRef>
+          <a:fontRef idx="minor">
+            <a:schemeClr val="lt1"/>
+          </a:fontRef>
+        </p:style>
+        <p:txBody>
+          <a:bodyPr rtlCol="0" anchor="ctr"/>
+          <a:lstStyle/>
+          <a:p>
+            <a:pPr algn="ctr"/>
+            <a:endParaRPr kumimoji="1" lang="ja-JP" altLang="en-US"/>
+          </a:p>
+        </p:txBody>
+      </p:sp>
+      <p:sp>
+        <p:nvSpPr>
+          <p:cNvPr id="3" name="楕円 2"/>
+          <p:cNvSpPr/>
+          <p:nvPr/>
+        </p:nvSpPr>
+        <p:spPr>
+          <a:xfrm>
+            <a:off x="534778" y="185204"/>
+            <a:ext cx="1618211" cy="1495397"/>
+          </a:xfrm>
+          <a:prstGeom prst="ellipse">
+            <a:avLst/>
+          </a:prstGeom>
+          <a:solidFill>
+            <a:schemeClr val="tx1">
+              <a:lumMod val="75000"/>
+              <a:lumOff val="25000"/>
+            </a:schemeClr>
+          </a:solidFill>
+          <a:ln w="28575">
+            <a:solidFill>
+              <a:schemeClr val="tx1"/>
+            </a:solidFill>
+          </a:ln>
+        </p:spPr>
+        <p:style>
+          <a:lnRef idx="2">
+            <a:schemeClr val="accent1">
+              <a:shade val="50000"/>
+            </a:schemeClr>
+          </a:lnRef>
+          <a:fillRef idx="1">
+            <a:schemeClr val="accent1"/>
+          </a:fillRef>
+          <a:effectRef idx="0">
+            <a:schemeClr val="accent1"/>
+          </a:effectRef>
+          <a:fontRef idx="minor">
+            <a:schemeClr val="lt1"/>
+          </a:fontRef>
+        </p:style>
+        <p:txBody>
+          <a:bodyPr rtlCol="0" anchor="ctr"/>
+          <a:lstStyle/>
+          <a:p>
+            <a:pPr algn="ctr"/>
+            <a:endParaRPr kumimoji="1" lang="ja-JP" altLang="en-US" dirty="0"/>
+          </a:p>
+        </p:txBody>
+      </p:sp>
+      <p:sp>
+        <p:nvSpPr>
+          <p:cNvPr id="4" name="楕円 3"/>
+          <p:cNvSpPr/>
+          <p:nvPr/>
+        </p:nvSpPr>
+        <p:spPr>
+          <a:xfrm>
+            <a:off x="534777" y="2717814"/>
+            <a:ext cx="1618211" cy="1495397"/>
+          </a:xfrm>
+          <a:prstGeom prst="ellipse">
+            <a:avLst/>
+          </a:prstGeom>
+          <a:solidFill>
+            <a:schemeClr val="tx1">
+              <a:lumMod val="75000"/>
+              <a:lumOff val="25000"/>
+            </a:schemeClr>
+          </a:solidFill>
+          <a:ln w="28575">
+            <a:solidFill>
+              <a:schemeClr val="tx1"/>
+            </a:solidFill>
+          </a:ln>
+        </p:spPr>
+        <p:style>
+          <a:lnRef idx="2">
+            <a:schemeClr val="accent1">
+              <a:shade val="50000"/>
+            </a:schemeClr>
+          </a:lnRef>
+          <a:fillRef idx="1">
+            <a:schemeClr val="accent1"/>
+          </a:fillRef>
+          <a:effectRef idx="0">
+            <a:schemeClr val="accent1"/>
+          </a:effectRef>
+          <a:fontRef idx="minor">
+            <a:schemeClr val="lt1"/>
+          </a:fontRef>
+        </p:style>
+        <p:txBody>
+          <a:bodyPr rtlCol="0" anchor="ctr"/>
+          <a:lstStyle/>
+          <a:p>
+            <a:pPr algn="ctr"/>
+            <a:endParaRPr kumimoji="1" lang="ja-JP" altLang="en-US"/>
+          </a:p>
+        </p:txBody>
+      </p:sp>
+      <p:sp>
+        <p:nvSpPr>
+          <p:cNvPr id="5" name="楕円 4"/>
+          <p:cNvSpPr/>
+          <p:nvPr/>
+        </p:nvSpPr>
+        <p:spPr>
+          <a:xfrm>
+            <a:off x="534776" y="5250424"/>
+            <a:ext cx="1618211" cy="1495397"/>
+          </a:xfrm>
+          <a:prstGeom prst="ellipse">
+            <a:avLst/>
+          </a:prstGeom>
+          <a:solidFill>
+            <a:schemeClr val="tx1">
+              <a:lumMod val="75000"/>
+              <a:lumOff val="25000"/>
+            </a:schemeClr>
+          </a:solidFill>
+          <a:ln w="28575">
+            <a:solidFill>
+              <a:schemeClr val="tx1"/>
+            </a:solidFill>
+          </a:ln>
+        </p:spPr>
+        <p:style>
+          <a:lnRef idx="2">
+            <a:schemeClr val="accent1">
+              <a:shade val="50000"/>
+            </a:schemeClr>
+          </a:lnRef>
+          <a:fillRef idx="1">
+            <a:schemeClr val="accent1"/>
+          </a:fillRef>
+          <a:effectRef idx="0">
+            <a:schemeClr val="accent1"/>
+          </a:effectRef>
+          <a:fontRef idx="minor">
+            <a:schemeClr val="lt1"/>
+          </a:fontRef>
+        </p:style>
+        <p:txBody>
+          <a:bodyPr rtlCol="0" anchor="ctr"/>
+          <a:lstStyle/>
+          <a:p>
+            <a:pPr algn="ctr"/>
+            <a:endParaRPr kumimoji="1" lang="ja-JP" altLang="en-US"/>
+          </a:p>
+        </p:txBody>
+      </p:sp>
+      <p:grpSp>
+        <p:nvGrpSpPr>
+          <p:cNvPr id="35" name="グループ化 34"/>
+          <p:cNvGrpSpPr/>
+          <p:nvPr/>
+        </p:nvGrpSpPr>
+        <p:grpSpPr>
+          <a:xfrm>
+            <a:off x="2152987" y="932903"/>
+            <a:ext cx="3133907" cy="5081397"/>
+            <a:chOff x="2152987" y="932903"/>
+            <a:chExt cx="3133907" cy="5081397"/>
+          </a:xfrm>
+        </p:grpSpPr>
+        <p:cxnSp>
+          <p:nvCxnSpPr>
+            <p:cNvPr id="7" name="直線コネクタ 6"/>
+            <p:cNvCxnSpPr>
+              <a:stCxn id="4" idx="6"/>
+              <a:endCxn id="2" idx="2"/>
+            </p:cNvCxnSpPr>
+            <p:nvPr/>
+          </p:nvCxnSpPr>
+          <p:spPr>
+            <a:xfrm>
+              <a:off x="2152988" y="3465513"/>
+              <a:ext cx="3133906" cy="0"/>
+            </a:xfrm>
+            <a:prstGeom prst="line">
+              <a:avLst/>
+            </a:prstGeom>
+            <a:ln w="57150">
+              <a:headEnd type="none" w="med" len="med"/>
+              <a:tailEnd type="triangle" w="med" len="med"/>
+            </a:ln>
+          </p:spPr>
+          <p:style>
+            <a:lnRef idx="1">
+              <a:schemeClr val="dk1"/>
+            </a:lnRef>
+            <a:fillRef idx="0">
+              <a:schemeClr val="dk1"/>
+            </a:fillRef>
+            <a:effectRef idx="0">
+              <a:schemeClr val="dk1"/>
+            </a:effectRef>
+            <a:fontRef idx="minor">
+              <a:schemeClr val="tx1"/>
+            </a:fontRef>
+          </p:style>
+        </p:cxnSp>
+        <p:cxnSp>
+          <p:nvCxnSpPr>
+            <p:cNvPr id="9" name="直線コネクタ 8"/>
+            <p:cNvCxnSpPr>
+              <a:stCxn id="3" idx="6"/>
+            </p:cNvCxnSpPr>
+            <p:nvPr/>
+          </p:nvCxnSpPr>
+          <p:spPr>
+            <a:xfrm>
+              <a:off x="2152989" y="932903"/>
+              <a:ext cx="1662547" cy="0"/>
+            </a:xfrm>
+            <a:prstGeom prst="line">
+              <a:avLst/>
+            </a:prstGeom>
+            <a:ln w="57150"/>
+          </p:spPr>
+          <p:style>
+            <a:lnRef idx="1">
+              <a:schemeClr val="dk1"/>
+            </a:lnRef>
+            <a:fillRef idx="0">
+              <a:schemeClr val="dk1"/>
+            </a:fillRef>
+            <a:effectRef idx="0">
+              <a:schemeClr val="dk1"/>
+            </a:effectRef>
+            <a:fontRef idx="minor">
+              <a:schemeClr val="tx1"/>
+            </a:fontRef>
+          </p:style>
+        </p:cxnSp>
+        <p:cxnSp>
+          <p:nvCxnSpPr>
+            <p:cNvPr id="12" name="直線コネクタ 11"/>
+            <p:cNvCxnSpPr>
+              <a:stCxn id="5" idx="6"/>
+            </p:cNvCxnSpPr>
+            <p:nvPr/>
+          </p:nvCxnSpPr>
+          <p:spPr>
+            <a:xfrm>
+              <a:off x="2152987" y="5998123"/>
+              <a:ext cx="1662547" cy="0"/>
+            </a:xfrm>
+            <a:prstGeom prst="line">
+              <a:avLst/>
+            </a:prstGeom>
+            <a:ln w="57150"/>
+          </p:spPr>
+          <p:style>
+            <a:lnRef idx="1">
+              <a:schemeClr val="dk1"/>
+            </a:lnRef>
+            <a:fillRef idx="0">
+              <a:schemeClr val="dk1"/>
+            </a:fillRef>
+            <a:effectRef idx="0">
+              <a:schemeClr val="dk1"/>
+            </a:effectRef>
+            <a:fontRef idx="minor">
+              <a:schemeClr val="tx1"/>
+            </a:fontRef>
+          </p:style>
+        </p:cxnSp>
+        <p:cxnSp>
+          <p:nvCxnSpPr>
+            <p:cNvPr id="16" name="直線コネクタ 15"/>
+            <p:cNvCxnSpPr/>
+            <p:nvPr/>
+          </p:nvCxnSpPr>
+          <p:spPr>
+            <a:xfrm>
+              <a:off x="3815536" y="949080"/>
+              <a:ext cx="0" cy="5065220"/>
+            </a:xfrm>
+            <a:prstGeom prst="line">
+              <a:avLst/>
+            </a:prstGeom>
+            <a:ln w="57150"/>
+          </p:spPr>
+          <p:style>
+            <a:lnRef idx="1">
+              <a:schemeClr val="dk1"/>
+            </a:lnRef>
+            <a:fillRef idx="0">
+              <a:schemeClr val="dk1"/>
+            </a:fillRef>
+            <a:effectRef idx="0">
+              <a:schemeClr val="dk1"/>
+            </a:effectRef>
+            <a:fontRef idx="minor">
+              <a:schemeClr val="tx1"/>
+            </a:fontRef>
+          </p:style>
+        </p:cxnSp>
+      </p:grpSp>
+      <mc:AlternateContent xmlns:mc="http://schemas.openxmlformats.org/markup-compatibility/2006" xmlns:a14="http://schemas.microsoft.com/office/drawing/2010/main">
+        <mc:Choice Requires="a14">
+          <p:sp>
+            <p:nvSpPr>
+              <p:cNvPr id="21" name="テキスト ボックス 20"/>
+              <p:cNvSpPr txBox="1"/>
+              <p:nvPr/>
+            </p:nvSpPr>
+            <p:spPr>
+              <a:xfrm>
+                <a:off x="1024277" y="585234"/>
+                <a:ext cx="639214" cy="615553"/>
+              </a:xfrm>
+              <a:prstGeom prst="rect">
+                <a:avLst/>
+              </a:prstGeom>
+              <a:noFill/>
+            </p:spPr>
+            <p:txBody>
+              <a:bodyPr wrap="none" lIns="0" tIns="0" rIns="0" bIns="0" rtlCol="0">
+                <a:spAutoFit/>
+              </a:bodyPr>
+              <a:lstStyle/>
+              <a:p>
+                <a:pPr/>
+                <a14:m>
+                  <m:oMathPara xmlns:m="http://schemas.openxmlformats.org/officeDocument/2006/math">
+                    <m:oMathParaPr>
+                      <m:jc m:val="centerGroup"/>
+                    </m:oMathParaPr>
+                    <m:oMath xmlns:m="http://schemas.openxmlformats.org/officeDocument/2006/math">
+                      <m:sSub>
+                        <m:sSubPr>
+                          <m:ctrlPr>
+                            <a:rPr kumimoji="1" lang="en-US" altLang="ja-JP" sz="4000" i="1" smtClean="0">
+                              <a:solidFill>
+                                <a:schemeClr val="bg1"/>
+                              </a:solidFill>
+                              <a:latin typeface="Cambria Math" panose="02040503050406030204" pitchFamily="18" charset="0"/>
+                            </a:rPr>
+                          </m:ctrlPr>
+                        </m:sSubPr>
+                        <m:e>
+                          <m:r>
+                            <a:rPr kumimoji="1" lang="en-US" altLang="ja-JP" sz="4000" b="0" i="1" smtClean="0">
+                              <a:solidFill>
+                                <a:schemeClr val="bg1"/>
+                              </a:solidFill>
+                              <a:latin typeface="Cambria Math" panose="02040503050406030204" pitchFamily="18" charset="0"/>
+                            </a:rPr>
+                            <m:t>𝑥</m:t>
+                          </m:r>
+                        </m:e>
+                        <m:sub>
+                          <m:r>
+                            <a:rPr kumimoji="1" lang="en-US" altLang="ja-JP" sz="4000" b="0" i="1" smtClean="0">
+                              <a:solidFill>
+                                <a:schemeClr val="bg1"/>
+                              </a:solidFill>
+                              <a:latin typeface="Cambria Math" panose="02040503050406030204" pitchFamily="18" charset="0"/>
+                            </a:rPr>
+                            <m:t>1</m:t>
+                          </m:r>
+                        </m:sub>
+                      </m:sSub>
+                    </m:oMath>
+                  </m:oMathPara>
+                </a14:m>
+                <a:endParaRPr kumimoji="1" lang="ja-JP" altLang="en-US" sz="4000" dirty="0">
+                  <a:solidFill>
+                    <a:schemeClr val="bg1"/>
+                  </a:solidFill>
+                </a:endParaRPr>
+              </a:p>
+            </p:txBody>
+          </p:sp>
+        </mc:Choice>
+        <mc:Fallback xmlns="">
+          <p:sp>
+            <p:nvSpPr>
+              <p:cNvPr id="21" name="テキスト ボックス 20"/>
+              <p:cNvSpPr txBox="1">
+                <a:spLocks noRot="1" noChangeAspect="1" noMove="1" noResize="1" noEditPoints="1" noAdjustHandles="1" noChangeArrowheads="1" noChangeShapeType="1" noTextEdit="1"/>
+              </p:cNvSpPr>
+              <p:nvPr/>
+            </p:nvSpPr>
+            <p:spPr>
+              <a:xfrm>
+                <a:off x="1024277" y="585234"/>
+                <a:ext cx="639214" cy="615553"/>
+              </a:xfrm>
+              <a:prstGeom prst="rect">
+                <a:avLst/>
+              </a:prstGeom>
+              <a:blipFill>
+                <a:blip r:embed="rId2"/>
+                <a:stretch>
+                  <a:fillRect/>
+                </a:stretch>
+              </a:blipFill>
+            </p:spPr>
+            <p:txBody>
+              <a:bodyPr/>
+              <a:lstStyle/>
+              <a:p>
+                <a:r>
+                  <a:rPr lang="ja-JP" altLang="en-US">
+                    <a:noFill/>
+                  </a:rPr>
+                  <a:t> </a:t>
+                </a:r>
+              </a:p>
+            </p:txBody>
+          </p:sp>
+        </mc:Fallback>
+      </mc:AlternateContent>
+      <mc:AlternateContent xmlns:mc="http://schemas.openxmlformats.org/markup-compatibility/2006" xmlns:a14="http://schemas.microsoft.com/office/drawing/2010/main">
+        <mc:Choice Requires="a14">
+          <p:sp>
+            <p:nvSpPr>
+              <p:cNvPr id="22" name="テキスト ボックス 21"/>
+              <p:cNvSpPr txBox="1"/>
+              <p:nvPr/>
+            </p:nvSpPr>
+            <p:spPr>
+              <a:xfrm>
+                <a:off x="1024277" y="3040259"/>
+                <a:ext cx="651076" cy="615553"/>
+              </a:xfrm>
+              <a:prstGeom prst="rect">
+                <a:avLst/>
+              </a:prstGeom>
+              <a:noFill/>
+            </p:spPr>
+            <p:txBody>
+              <a:bodyPr wrap="none" lIns="0" tIns="0" rIns="0" bIns="0" rtlCol="0">
+                <a:spAutoFit/>
+              </a:bodyPr>
+              <a:lstStyle/>
+              <a:p>
+                <a:pPr/>
+                <a14:m>
+                  <m:oMathPara xmlns:m="http://schemas.openxmlformats.org/officeDocument/2006/math">
+                    <m:oMathParaPr>
+                      <m:jc m:val="centerGroup"/>
+                    </m:oMathParaPr>
+                    <m:oMath xmlns:m="http://schemas.openxmlformats.org/officeDocument/2006/math">
+                      <m:sSub>
+                        <m:sSubPr>
+                          <m:ctrlPr>
+                            <a:rPr kumimoji="1" lang="en-US" altLang="ja-JP" sz="4000" i="1" smtClean="0">
+                              <a:solidFill>
+                                <a:schemeClr val="bg1"/>
+                              </a:solidFill>
+                              <a:latin typeface="Cambria Math" panose="02040503050406030204" pitchFamily="18" charset="0"/>
+                            </a:rPr>
+                          </m:ctrlPr>
+                        </m:sSubPr>
+                        <m:e>
+                          <m:r>
+                            <a:rPr kumimoji="1" lang="en-US" altLang="ja-JP" sz="4000" b="0" i="1" smtClean="0">
+                              <a:solidFill>
+                                <a:schemeClr val="bg1"/>
+                              </a:solidFill>
+                              <a:latin typeface="Cambria Math" panose="02040503050406030204" pitchFamily="18" charset="0"/>
+                            </a:rPr>
+                            <m:t>𝑥</m:t>
+                          </m:r>
+                        </m:e>
+                        <m:sub>
+                          <m:r>
+                            <a:rPr kumimoji="1" lang="en-US" altLang="ja-JP" sz="4000" b="0" i="1" smtClean="0">
+                              <a:solidFill>
+                                <a:schemeClr val="bg1"/>
+                              </a:solidFill>
+                              <a:latin typeface="Cambria Math" panose="02040503050406030204" pitchFamily="18" charset="0"/>
+                            </a:rPr>
+                            <m:t>2</m:t>
+                          </m:r>
+                        </m:sub>
+                      </m:sSub>
+                    </m:oMath>
+                  </m:oMathPara>
+                </a14:m>
+                <a:endParaRPr kumimoji="1" lang="ja-JP" altLang="en-US" sz="4000" dirty="0">
+                  <a:solidFill>
+                    <a:schemeClr val="bg1"/>
+                  </a:solidFill>
+                </a:endParaRPr>
+              </a:p>
+            </p:txBody>
+          </p:sp>
+        </mc:Choice>
+        <mc:Fallback xmlns="">
+          <p:sp>
+            <p:nvSpPr>
+              <p:cNvPr id="22" name="テキスト ボックス 21"/>
+              <p:cNvSpPr txBox="1">
+                <a:spLocks noRot="1" noChangeAspect="1" noMove="1" noResize="1" noEditPoints="1" noAdjustHandles="1" noChangeArrowheads="1" noChangeShapeType="1" noTextEdit="1"/>
+              </p:cNvSpPr>
+              <p:nvPr/>
+            </p:nvSpPr>
+            <p:spPr>
+              <a:xfrm>
+                <a:off x="1024277" y="3040259"/>
+                <a:ext cx="651076" cy="615553"/>
+              </a:xfrm>
+              <a:prstGeom prst="rect">
+                <a:avLst/>
+              </a:prstGeom>
+              <a:blipFill>
+                <a:blip r:embed="rId3"/>
+                <a:stretch>
+                  <a:fillRect/>
+                </a:stretch>
+              </a:blipFill>
+            </p:spPr>
+            <p:txBody>
+              <a:bodyPr/>
+              <a:lstStyle/>
+              <a:p>
+                <a:r>
+                  <a:rPr lang="ja-JP" altLang="en-US">
+                    <a:noFill/>
+                  </a:rPr>
+                  <a:t> </a:t>
+                </a:r>
+              </a:p>
+            </p:txBody>
+          </p:sp>
+        </mc:Fallback>
+      </mc:AlternateContent>
+      <mc:AlternateContent xmlns:mc="http://schemas.openxmlformats.org/markup-compatibility/2006" xmlns:a14="http://schemas.microsoft.com/office/drawing/2010/main">
+        <mc:Choice Requires="a14">
+          <p:sp>
+            <p:nvSpPr>
+              <p:cNvPr id="23" name="テキスト ボックス 22"/>
+              <p:cNvSpPr txBox="1"/>
+              <p:nvPr/>
+            </p:nvSpPr>
+            <p:spPr>
+              <a:xfrm>
+                <a:off x="1024277" y="5628288"/>
+                <a:ext cx="651076" cy="615553"/>
+              </a:xfrm>
+              <a:prstGeom prst="rect">
+                <a:avLst/>
+              </a:prstGeom>
+              <a:noFill/>
+            </p:spPr>
+            <p:txBody>
+              <a:bodyPr wrap="none" lIns="0" tIns="0" rIns="0" bIns="0" rtlCol="0">
+                <a:spAutoFit/>
+              </a:bodyPr>
+              <a:lstStyle/>
+              <a:p>
+                <a:pPr/>
+                <a14:m>
+                  <m:oMathPara xmlns:m="http://schemas.openxmlformats.org/officeDocument/2006/math">
+                    <m:oMathParaPr>
+                      <m:jc m:val="centerGroup"/>
+                    </m:oMathParaPr>
+                    <m:oMath xmlns:m="http://schemas.openxmlformats.org/officeDocument/2006/math">
+                      <m:sSub>
+                        <m:sSubPr>
+                          <m:ctrlPr>
+                            <a:rPr kumimoji="1" lang="en-US" altLang="ja-JP" sz="4000" i="1" smtClean="0">
+                              <a:solidFill>
+                                <a:schemeClr val="bg1"/>
+                              </a:solidFill>
+                              <a:latin typeface="Cambria Math" panose="02040503050406030204" pitchFamily="18" charset="0"/>
+                            </a:rPr>
+                          </m:ctrlPr>
+                        </m:sSubPr>
+                        <m:e>
+                          <m:r>
+                            <a:rPr kumimoji="1" lang="en-US" altLang="ja-JP" sz="4000" b="0" i="1" smtClean="0">
+                              <a:solidFill>
+                                <a:schemeClr val="bg1"/>
+                              </a:solidFill>
+                              <a:latin typeface="Cambria Math" panose="02040503050406030204" pitchFamily="18" charset="0"/>
+                            </a:rPr>
+                            <m:t>𝑥</m:t>
+                          </m:r>
+                        </m:e>
+                        <m:sub>
+                          <m:r>
+                            <a:rPr kumimoji="1" lang="en-US" altLang="ja-JP" sz="4000" b="0" i="1" smtClean="0">
+                              <a:solidFill>
+                                <a:schemeClr val="bg1"/>
+                              </a:solidFill>
+                              <a:latin typeface="Cambria Math" panose="02040503050406030204" pitchFamily="18" charset="0"/>
+                            </a:rPr>
+                            <m:t>3</m:t>
+                          </m:r>
+                        </m:sub>
+                      </m:sSub>
+                    </m:oMath>
+                  </m:oMathPara>
+                </a14:m>
+                <a:endParaRPr kumimoji="1" lang="ja-JP" altLang="en-US" sz="4000" dirty="0">
+                  <a:solidFill>
+                    <a:schemeClr val="bg1"/>
+                  </a:solidFill>
+                </a:endParaRPr>
+              </a:p>
+            </p:txBody>
+          </p:sp>
+        </mc:Choice>
+        <mc:Fallback xmlns="">
+          <p:sp>
+            <p:nvSpPr>
+              <p:cNvPr id="23" name="テキスト ボックス 22"/>
+              <p:cNvSpPr txBox="1">
+                <a:spLocks noRot="1" noChangeAspect="1" noMove="1" noResize="1" noEditPoints="1" noAdjustHandles="1" noChangeArrowheads="1" noChangeShapeType="1" noTextEdit="1"/>
+              </p:cNvSpPr>
+              <p:nvPr/>
+            </p:nvSpPr>
+            <p:spPr>
+              <a:xfrm>
+                <a:off x="1024277" y="5628288"/>
+                <a:ext cx="651076" cy="615553"/>
+              </a:xfrm>
+              <a:prstGeom prst="rect">
+                <a:avLst/>
+              </a:prstGeom>
+              <a:blipFill>
+                <a:blip r:embed="rId4"/>
+                <a:stretch>
+                  <a:fillRect/>
+                </a:stretch>
+              </a:blipFill>
+            </p:spPr>
+            <p:txBody>
+              <a:bodyPr/>
+              <a:lstStyle/>
+              <a:p>
+                <a:r>
+                  <a:rPr lang="ja-JP" altLang="en-US">
+                    <a:noFill/>
+                  </a:rPr>
+                  <a:t> </a:t>
+                </a:r>
+              </a:p>
+            </p:txBody>
+          </p:sp>
+        </mc:Fallback>
+      </mc:AlternateContent>
+      <mc:AlternateContent xmlns:mc="http://schemas.openxmlformats.org/markup-compatibility/2006" xmlns:a14="http://schemas.microsoft.com/office/drawing/2010/main">
+        <mc:Choice Requires="a14">
+          <p:sp>
+            <p:nvSpPr>
+              <p:cNvPr id="24" name="テキスト ボックス 23"/>
+              <p:cNvSpPr txBox="1"/>
+              <p:nvPr/>
+            </p:nvSpPr>
+            <p:spPr>
+              <a:xfrm>
+                <a:off x="5500067" y="3157735"/>
+                <a:ext cx="1191865" cy="615553"/>
+              </a:xfrm>
+              <a:prstGeom prst="rect">
+                <a:avLst/>
+              </a:prstGeom>
+              <a:noFill/>
+            </p:spPr>
+            <p:txBody>
+              <a:bodyPr wrap="none" lIns="0" tIns="0" rIns="0" bIns="0" rtlCol="0">
+                <a:spAutoFit/>
+              </a:bodyPr>
+              <a:lstStyle/>
+              <a:p>
+                <a:pPr/>
+                <a14:m>
+                  <m:oMathPara xmlns:m="http://schemas.openxmlformats.org/officeDocument/2006/math">
+                    <m:oMathParaPr>
+                      <m:jc m:val="centerGroup"/>
+                    </m:oMathParaPr>
+                    <m:oMath xmlns:m="http://schemas.openxmlformats.org/officeDocument/2006/math">
+                      <m:r>
+                        <a:rPr kumimoji="1" lang="ja-JP" altLang="en-US" sz="4000" i="1" smtClean="0">
+                          <a:solidFill>
+                            <a:schemeClr val="bg1"/>
+                          </a:solidFill>
+                          <a:latin typeface="Cambria Math" panose="02040503050406030204" pitchFamily="18" charset="0"/>
+                        </a:rPr>
+                        <m:t>𝜎</m:t>
+                      </m:r>
+                      <m:d>
+                        <m:dPr>
+                          <m:ctrlPr>
+                            <a:rPr kumimoji="1" lang="en-US" altLang="ja-JP" sz="4000" i="1" smtClean="0">
+                              <a:solidFill>
+                                <a:schemeClr val="bg1"/>
+                              </a:solidFill>
+                              <a:latin typeface="Cambria Math" panose="02040503050406030204" pitchFamily="18" charset="0"/>
+                            </a:rPr>
+                          </m:ctrlPr>
+                        </m:dPr>
+                        <m:e>
+                          <m:r>
+                            <a:rPr kumimoji="1" lang="en-US" altLang="ja-JP" sz="4000" b="0" i="1" smtClean="0">
+                              <a:solidFill>
+                                <a:schemeClr val="bg1"/>
+                              </a:solidFill>
+                              <a:latin typeface="Cambria Math" panose="02040503050406030204" pitchFamily="18" charset="0"/>
+                            </a:rPr>
+                            <m:t>𝑢</m:t>
+                          </m:r>
+                        </m:e>
+                      </m:d>
+                    </m:oMath>
+                  </m:oMathPara>
+                </a14:m>
+                <a:endParaRPr kumimoji="1" lang="ja-JP" altLang="en-US" sz="4000" dirty="0">
+                  <a:solidFill>
+                    <a:schemeClr val="bg1"/>
+                  </a:solidFill>
+                </a:endParaRPr>
+              </a:p>
+            </p:txBody>
+          </p:sp>
+        </mc:Choice>
+        <mc:Fallback xmlns="">
+          <p:sp>
+            <p:nvSpPr>
+              <p:cNvPr id="24" name="テキスト ボックス 23"/>
+              <p:cNvSpPr txBox="1">
+                <a:spLocks noRot="1" noChangeAspect="1" noMove="1" noResize="1" noEditPoints="1" noAdjustHandles="1" noChangeArrowheads="1" noChangeShapeType="1" noTextEdit="1"/>
+              </p:cNvSpPr>
+              <p:nvPr/>
+            </p:nvSpPr>
+            <p:spPr>
+              <a:xfrm>
+                <a:off x="5500067" y="3157735"/>
+                <a:ext cx="1191865" cy="615553"/>
+              </a:xfrm>
+              <a:prstGeom prst="rect">
+                <a:avLst/>
+              </a:prstGeom>
+              <a:blipFill>
+                <a:blip r:embed="rId5"/>
+                <a:stretch>
+                  <a:fillRect/>
+                </a:stretch>
+              </a:blipFill>
+            </p:spPr>
+            <p:txBody>
+              <a:bodyPr/>
+              <a:lstStyle/>
+              <a:p>
+                <a:r>
+                  <a:rPr lang="ja-JP" altLang="en-US">
+                    <a:noFill/>
+                  </a:rPr>
+                  <a:t> </a:t>
+                </a:r>
+              </a:p>
+            </p:txBody>
+          </p:sp>
+        </mc:Fallback>
+      </mc:AlternateContent>
+      <p:sp>
+        <p:nvSpPr>
+          <p:cNvPr id="30" name="楕円 29"/>
+          <p:cNvSpPr/>
+          <p:nvPr/>
+        </p:nvSpPr>
+        <p:spPr>
+          <a:xfrm>
+            <a:off x="10038997" y="2717814"/>
+            <a:ext cx="1618211" cy="1495397"/>
+          </a:xfrm>
+          <a:prstGeom prst="ellipse">
+            <a:avLst/>
+          </a:prstGeom>
+          <a:solidFill>
+            <a:schemeClr val="bg2">
+              <a:lumMod val="90000"/>
+            </a:schemeClr>
+          </a:solidFill>
+          <a:ln w="28575">
+            <a:solidFill>
+              <a:schemeClr val="tx1"/>
+            </a:solidFill>
+          </a:ln>
+        </p:spPr>
+        <p:style>
+          <a:lnRef idx="2">
+            <a:schemeClr val="accent1">
+              <a:shade val="50000"/>
+            </a:schemeClr>
+          </a:lnRef>
+          <a:fillRef idx="1">
+            <a:schemeClr val="accent1"/>
+          </a:fillRef>
+          <a:effectRef idx="0">
+            <a:schemeClr val="accent1"/>
+          </a:effectRef>
+          <a:fontRef idx="minor">
+            <a:schemeClr val="lt1"/>
+          </a:fontRef>
+        </p:style>
+        <p:txBody>
+          <a:bodyPr rtlCol="0" anchor="ctr"/>
+          <a:lstStyle/>
+          <a:p>
+            <a:pPr algn="ctr"/>
+            <a:endParaRPr kumimoji="1" lang="ja-JP" altLang="en-US" dirty="0"/>
+          </a:p>
+        </p:txBody>
+      </p:sp>
+      <p:cxnSp>
+        <p:nvCxnSpPr>
+          <p:cNvPr id="43" name="直線コネクタ 42"/>
+          <p:cNvCxnSpPr>
+            <a:stCxn id="2" idx="6"/>
+            <a:endCxn id="30" idx="2"/>
+          </p:cNvCxnSpPr>
+          <p:nvPr/>
+        </p:nvCxnSpPr>
+        <p:spPr>
+          <a:xfrm>
+            <a:off x="6905105" y="3465513"/>
+            <a:ext cx="3133892" cy="0"/>
+          </a:xfrm>
+          <a:prstGeom prst="line">
+            <a:avLst/>
+          </a:prstGeom>
+          <a:ln w="57150">
+            <a:headEnd type="none" w="med" len="med"/>
+            <a:tailEnd type="triangle" w="med" len="med"/>
+          </a:ln>
+        </p:spPr>
+        <p:style>
+          <a:lnRef idx="1">
+            <a:schemeClr val="dk1"/>
+          </a:lnRef>
+          <a:fillRef idx="0">
+            <a:schemeClr val="dk1"/>
+          </a:fillRef>
+          <a:effectRef idx="0">
+            <a:schemeClr val="dk1"/>
+          </a:effectRef>
+          <a:fontRef idx="minor">
+            <a:schemeClr val="tx1"/>
+          </a:fontRef>
+        </p:style>
+      </p:cxnSp>
+      <p:sp>
+        <p:nvSpPr>
+          <p:cNvPr id="47" name="右矢印 46"/>
+          <p:cNvSpPr/>
+          <p:nvPr/>
+        </p:nvSpPr>
+        <p:spPr>
+          <a:xfrm flipH="1">
+            <a:off x="7942806" y="3907575"/>
+            <a:ext cx="1058491" cy="387864"/>
+          </a:xfrm>
+          <a:prstGeom prst="rightArrow">
+            <a:avLst/>
+          </a:prstGeom>
+          <a:solidFill>
+            <a:schemeClr val="bg2">
+              <a:lumMod val="90000"/>
+            </a:schemeClr>
+          </a:solidFill>
+          <a:ln>
+            <a:noFill/>
+          </a:ln>
+        </p:spPr>
+        <p:style>
+          <a:lnRef idx="2">
+            <a:schemeClr val="accent1">
+              <a:shade val="50000"/>
+            </a:schemeClr>
+          </a:lnRef>
+          <a:fillRef idx="1">
+            <a:schemeClr val="accent1"/>
+          </a:fillRef>
+          <a:effectRef idx="0">
+            <a:schemeClr val="accent1"/>
+          </a:effectRef>
+          <a:fontRef idx="minor">
+            <a:schemeClr val="lt1"/>
+          </a:fontRef>
+        </p:style>
+        <p:txBody>
+          <a:bodyPr rtlCol="0" anchor="ctr"/>
+          <a:lstStyle/>
+          <a:p>
+            <a:pPr algn="ctr"/>
+            <a:endParaRPr kumimoji="1" lang="ja-JP" altLang="en-US"/>
+          </a:p>
+        </p:txBody>
+      </p:sp>
+      <p:sp>
+        <p:nvSpPr>
+          <p:cNvPr id="48" name="右矢印 47"/>
+          <p:cNvSpPr/>
+          <p:nvPr/>
+        </p:nvSpPr>
+        <p:spPr>
+          <a:xfrm>
+            <a:off x="7942805" y="2599920"/>
+            <a:ext cx="1058491" cy="387864"/>
+          </a:xfrm>
+          <a:prstGeom prst="rightArrow">
+            <a:avLst/>
+          </a:prstGeom>
+          <a:solidFill>
+            <a:schemeClr val="bg2">
+              <a:lumMod val="90000"/>
+            </a:schemeClr>
+          </a:solidFill>
+          <a:ln>
+            <a:noFill/>
+          </a:ln>
+        </p:spPr>
+        <p:style>
+          <a:lnRef idx="2">
+            <a:schemeClr val="accent1">
+              <a:shade val="50000"/>
+            </a:schemeClr>
+          </a:lnRef>
+          <a:fillRef idx="1">
+            <a:schemeClr val="accent1"/>
+          </a:fillRef>
+          <a:effectRef idx="0">
+            <a:schemeClr val="accent1"/>
+          </a:effectRef>
+          <a:fontRef idx="minor">
+            <a:schemeClr val="lt1"/>
+          </a:fontRef>
+        </p:style>
+        <p:txBody>
+          <a:bodyPr rtlCol="0" anchor="ctr"/>
+          <a:lstStyle/>
+          <a:p>
+            <a:pPr algn="ctr"/>
+            <a:endParaRPr kumimoji="1" lang="ja-JP" altLang="en-US"/>
+          </a:p>
+        </p:txBody>
+      </p:sp>
+      <mc:AlternateContent xmlns:mc="http://schemas.openxmlformats.org/markup-compatibility/2006" xmlns:a14="http://schemas.microsoft.com/office/drawing/2010/main">
+        <mc:Choice Requires="a14">
+          <p:sp>
+            <p:nvSpPr>
+              <p:cNvPr id="49" name="テキスト ボックス 48"/>
+              <p:cNvSpPr txBox="1"/>
+              <p:nvPr/>
+            </p:nvSpPr>
+            <p:spPr>
+              <a:xfrm>
+                <a:off x="7192640" y="2138255"/>
+                <a:ext cx="2692468" cy="461665"/>
+              </a:xfrm>
+              <a:prstGeom prst="rect">
+                <a:avLst/>
+              </a:prstGeom>
+              <a:noFill/>
+            </p:spPr>
+            <p:txBody>
+              <a:bodyPr wrap="none" rtlCol="0">
+                <a:spAutoFit/>
+              </a:bodyPr>
+              <a:lstStyle/>
+              <a:p>
+                <a:r>
+                  <a:rPr lang="ja-JP" altLang="en-US" sz="2400" dirty="0"/>
+                  <a:t>発火</a:t>
+                </a:r>
+                <a14:m>
+                  <m:oMath xmlns:m="http://schemas.openxmlformats.org/officeDocument/2006/math">
+                    <m:r>
+                      <a:rPr lang="en-US" altLang="ja-JP" sz="2400" b="0" i="0" smtClean="0">
+                        <a:latin typeface="Cambria Math" panose="02040503050406030204" pitchFamily="18" charset="0"/>
+                      </a:rPr>
+                      <m:t>  1  </m:t>
+                    </m:r>
+                    <m:d>
+                      <m:dPr>
+                        <m:ctrlPr>
+                          <a:rPr lang="en-US" altLang="ja-JP" sz="2400" i="1" smtClean="0">
+                            <a:latin typeface="Cambria Math" panose="02040503050406030204" pitchFamily="18" charset="0"/>
+                          </a:rPr>
+                        </m:ctrlPr>
+                      </m:dPr>
+                      <m:e>
+                        <m:r>
+                          <a:rPr lang="ja-JP" altLang="en-US" sz="2400" i="1" smtClean="0">
+                            <a:latin typeface="Cambria Math" panose="02040503050406030204" pitchFamily="18" charset="0"/>
+                          </a:rPr>
+                          <m:t>𝛿</m:t>
+                        </m:r>
+                        <m:d>
+                          <m:dPr>
+                            <m:ctrlPr>
+                              <a:rPr lang="en-US" altLang="ja-JP" sz="2400" i="1" smtClean="0">
+                                <a:latin typeface="Cambria Math" panose="02040503050406030204" pitchFamily="18" charset="0"/>
+                              </a:rPr>
+                            </m:ctrlPr>
+                          </m:dPr>
+                          <m:e>
+                            <m:r>
+                              <a:rPr lang="en-US" altLang="ja-JP" sz="2400" b="0" i="1" smtClean="0">
+                                <a:latin typeface="Cambria Math" panose="02040503050406030204" pitchFamily="18" charset="0"/>
+                              </a:rPr>
+                              <m:t>𝑢</m:t>
+                            </m:r>
+                          </m:e>
+                        </m:d>
+                        <m:r>
+                          <a:rPr lang="en-US" altLang="ja-JP" sz="2400" b="0" i="1" smtClean="0">
+                            <a:latin typeface="Cambria Math" panose="02040503050406030204" pitchFamily="18" charset="0"/>
+                          </a:rPr>
+                          <m:t>&gt;</m:t>
+                        </m:r>
+                        <m:r>
+                          <a:rPr lang="en-US" altLang="ja-JP" sz="2400" b="0" i="1" smtClean="0">
+                            <a:latin typeface="Cambria Math" panose="02040503050406030204" pitchFamily="18" charset="0"/>
+                          </a:rPr>
+                          <m:t>𝑎</m:t>
+                        </m:r>
+                      </m:e>
+                    </m:d>
+                  </m:oMath>
+                </a14:m>
+                <a:endParaRPr kumimoji="1" lang="ja-JP" altLang="en-US" sz="2400" dirty="0"/>
+              </a:p>
+            </p:txBody>
+          </p:sp>
+        </mc:Choice>
+        <mc:Fallback xmlns="">
+          <p:sp>
+            <p:nvSpPr>
+              <p:cNvPr id="49" name="テキスト ボックス 48"/>
+              <p:cNvSpPr txBox="1">
+                <a:spLocks noRot="1" noChangeAspect="1" noMove="1" noResize="1" noEditPoints="1" noAdjustHandles="1" noChangeArrowheads="1" noChangeShapeType="1" noTextEdit="1"/>
+              </p:cNvSpPr>
+              <p:nvPr/>
+            </p:nvSpPr>
+            <p:spPr>
+              <a:xfrm>
+                <a:off x="7192640" y="2138255"/>
+                <a:ext cx="2692468" cy="461665"/>
+              </a:xfrm>
+              <a:prstGeom prst="rect">
+                <a:avLst/>
+              </a:prstGeom>
+              <a:blipFill>
+                <a:blip r:embed="rId6"/>
+                <a:stretch>
+                  <a:fillRect l="-3620" t="-10667" b="-30667"/>
+                </a:stretch>
+              </a:blipFill>
+            </p:spPr>
+            <p:txBody>
+              <a:bodyPr/>
+              <a:lstStyle/>
+              <a:p>
+                <a:r>
+                  <a:rPr lang="ja-JP" altLang="en-US">
+                    <a:noFill/>
+                  </a:rPr>
+                  <a:t> </a:t>
+                </a:r>
+              </a:p>
+            </p:txBody>
+          </p:sp>
+        </mc:Fallback>
+      </mc:AlternateContent>
+      <mc:AlternateContent xmlns:mc="http://schemas.openxmlformats.org/markup-compatibility/2006" xmlns:a14="http://schemas.microsoft.com/office/drawing/2010/main">
+        <mc:Choice Requires="a14">
+          <p:sp>
+            <p:nvSpPr>
+              <p:cNvPr id="50" name="テキスト ボックス 49"/>
+              <p:cNvSpPr txBox="1"/>
+              <p:nvPr/>
+            </p:nvSpPr>
+            <p:spPr>
+              <a:xfrm>
+                <a:off x="7038752" y="4385305"/>
+                <a:ext cx="3000245" cy="461665"/>
+              </a:xfrm>
+              <a:prstGeom prst="rect">
+                <a:avLst/>
+              </a:prstGeom>
+              <a:noFill/>
+            </p:spPr>
+            <p:txBody>
+              <a:bodyPr wrap="none" rtlCol="0">
+                <a:spAutoFit/>
+              </a:bodyPr>
+              <a:lstStyle/>
+              <a:p>
+                <a:r>
+                  <a:rPr lang="ja-JP" altLang="en-US" sz="2400" dirty="0"/>
+                  <a:t>非発火</a:t>
+                </a:r>
+                <a14:m>
+                  <m:oMath xmlns:m="http://schemas.openxmlformats.org/officeDocument/2006/math">
+                    <m:r>
+                      <a:rPr lang="en-US" altLang="ja-JP" sz="2400" b="0" i="0" smtClean="0">
+                        <a:latin typeface="Cambria Math" panose="02040503050406030204" pitchFamily="18" charset="0"/>
+                      </a:rPr>
+                      <m:t>  0  </m:t>
+                    </m:r>
+                    <m:d>
+                      <m:dPr>
+                        <m:ctrlPr>
+                          <a:rPr lang="en-US" altLang="ja-JP" sz="2400" i="1" smtClean="0">
+                            <a:latin typeface="Cambria Math" panose="02040503050406030204" pitchFamily="18" charset="0"/>
+                          </a:rPr>
+                        </m:ctrlPr>
+                      </m:dPr>
+                      <m:e>
+                        <m:r>
+                          <a:rPr lang="ja-JP" altLang="en-US" sz="2400" i="1" smtClean="0">
+                            <a:latin typeface="Cambria Math" panose="02040503050406030204" pitchFamily="18" charset="0"/>
+                          </a:rPr>
+                          <m:t>𝛿</m:t>
+                        </m:r>
+                        <m:d>
+                          <m:dPr>
+                            <m:ctrlPr>
+                              <a:rPr lang="en-US" altLang="ja-JP" sz="2400" i="1" smtClean="0">
+                                <a:latin typeface="Cambria Math" panose="02040503050406030204" pitchFamily="18" charset="0"/>
+                              </a:rPr>
+                            </m:ctrlPr>
+                          </m:dPr>
+                          <m:e>
+                            <m:r>
+                              <a:rPr lang="en-US" altLang="ja-JP" sz="2400" b="0" i="1" smtClean="0">
+                                <a:latin typeface="Cambria Math" panose="02040503050406030204" pitchFamily="18" charset="0"/>
+                              </a:rPr>
+                              <m:t>𝑢</m:t>
+                            </m:r>
+                          </m:e>
+                        </m:d>
+                        <m:r>
+                          <a:rPr lang="en-US" altLang="ja-JP" sz="2400" i="1">
+                            <a:latin typeface="Cambria Math" panose="02040503050406030204" pitchFamily="18" charset="0"/>
+                            <a:ea typeface="Cambria Math" panose="02040503050406030204" pitchFamily="18" charset="0"/>
+                          </a:rPr>
+                          <m:t>≤</m:t>
+                        </m:r>
+                        <m:r>
+                          <a:rPr lang="en-US" altLang="ja-JP" sz="2400" b="0" i="1" smtClean="0">
+                            <a:latin typeface="Cambria Math" panose="02040503050406030204" pitchFamily="18" charset="0"/>
+                          </a:rPr>
+                          <m:t>𝑎</m:t>
+                        </m:r>
+                      </m:e>
+                    </m:d>
+                  </m:oMath>
+                </a14:m>
+                <a:endParaRPr kumimoji="1" lang="ja-JP" altLang="en-US" sz="2400" dirty="0"/>
+              </a:p>
+            </p:txBody>
+          </p:sp>
+        </mc:Choice>
+        <mc:Fallback xmlns="">
+          <p:sp>
+            <p:nvSpPr>
+              <p:cNvPr id="50" name="テキスト ボックス 49"/>
+              <p:cNvSpPr txBox="1">
+                <a:spLocks noRot="1" noChangeAspect="1" noMove="1" noResize="1" noEditPoints="1" noAdjustHandles="1" noChangeArrowheads="1" noChangeShapeType="1" noTextEdit="1"/>
+              </p:cNvSpPr>
+              <p:nvPr/>
+            </p:nvSpPr>
+            <p:spPr>
+              <a:xfrm>
+                <a:off x="7038752" y="4385305"/>
+                <a:ext cx="3000245" cy="461665"/>
+              </a:xfrm>
+              <a:prstGeom prst="rect">
+                <a:avLst/>
+              </a:prstGeom>
+              <a:blipFill>
+                <a:blip r:embed="rId7"/>
+                <a:stretch>
+                  <a:fillRect l="-3252" t="-10526" b="-28947"/>
+                </a:stretch>
+              </a:blipFill>
+            </p:spPr>
+            <p:txBody>
+              <a:bodyPr/>
+              <a:lstStyle/>
+              <a:p>
+                <a:r>
+                  <a:rPr lang="ja-JP" altLang="en-US">
+                    <a:noFill/>
+                  </a:rPr>
+                  <a:t> </a:t>
+                </a:r>
+              </a:p>
+            </p:txBody>
+          </p:sp>
+        </mc:Fallback>
+      </mc:AlternateContent>
+    </p:spTree>
+    <p:extLst>
+      <p:ext uri="{BB962C8B-B14F-4D97-AF65-F5344CB8AC3E}">
+        <p14:creationId xmlns:p14="http://schemas.microsoft.com/office/powerpoint/2010/main" val="4251893075"/>
+      </p:ext>
+    </p:extLst>
+  </p:cSld>
+  <p:clrMapOvr>
+    <a:masterClrMapping/>
+  </p:clrMapOvr>
+</p:sld>
+</file>
+
+<file path=ppt/slides/slide4.xml><?xml version="1.0" encoding="utf-8"?>
 <p:sld xmlns:a="http://schemas.openxmlformats.org/drawingml/2006/main" xmlns:r="http://schemas.openxmlformats.org/officeDocument/2006/relationships" xmlns:p="http://schemas.openxmlformats.org/presentationml/2006/main">
   <p:cSld>
     <p:spTree>
@@ -17414,10 +20755,9 @@
           <a:lstStyle/>
           <a:p>
             <a:r>
-              <a:rPr kumimoji="1" lang="ja-JP" altLang="en-US" sz="2800" b="1" dirty="0" smtClean="0"/>
+              <a:rPr kumimoji="1" lang="ja-JP" altLang="en-US" sz="2800" b="1" dirty="0"/>
               <a:t>軸索</a:t>
             </a:r>
-            <a:endParaRPr kumimoji="1" lang="ja-JP" altLang="en-US" sz="2800" b="1" dirty="0"/>
           </a:p>
         </p:txBody>
       </p:sp>
@@ -17451,12 +20791,8 @@
           <a:lstStyle/>
           <a:p>
             <a:r>
-              <a:rPr lang="ja-JP" altLang="en-US" sz="2800" b="1" dirty="0" smtClean="0"/>
-              <a:t>細胞</a:t>
-            </a:r>
-            <a:r>
               <a:rPr lang="ja-JP" altLang="en-US" sz="2800" b="1" dirty="0"/>
-              <a:t>体</a:t>
+              <a:t>細胞体</a:t>
             </a:r>
             <a:endParaRPr kumimoji="1" lang="ja-JP" altLang="en-US" sz="2800" b="1" dirty="0"/>
           </a:p>
@@ -17492,12 +20828,8 @@
           <a:lstStyle/>
           <a:p>
             <a:r>
-              <a:rPr lang="ja-JP" altLang="en-US" sz="2800" b="1" dirty="0" smtClean="0"/>
-              <a:t>樹状</a:t>
-            </a:r>
-            <a:r>
               <a:rPr lang="ja-JP" altLang="en-US" sz="2800" b="1" dirty="0"/>
-              <a:t>突起</a:t>
+              <a:t>樹状突起</a:t>
             </a:r>
             <a:endParaRPr kumimoji="1" lang="ja-JP" altLang="en-US" sz="2800" b="1" dirty="0"/>
           </a:p>
@@ -17533,7 +20865,7 @@
           <a:lstStyle/>
           <a:p>
             <a:r>
-              <a:rPr lang="ja-JP" altLang="en-US" sz="2800" b="1" dirty="0" smtClean="0"/>
+              <a:rPr lang="ja-JP" altLang="en-US" sz="2800" b="1" dirty="0"/>
               <a:t>核</a:t>
             </a:r>
             <a:endParaRPr kumimoji="1" lang="ja-JP" altLang="en-US" sz="2800" b="1" dirty="0"/>
@@ -17570,10 +20902,9 @@
           <a:lstStyle/>
           <a:p>
             <a:r>
-              <a:rPr kumimoji="1" lang="ja-JP" altLang="en-US" sz="2800" b="1" dirty="0" smtClean="0"/>
+              <a:rPr kumimoji="1" lang="ja-JP" altLang="en-US" sz="2800" b="1" dirty="0"/>
               <a:t>ミエリン鞘</a:t>
             </a:r>
-            <a:endParaRPr kumimoji="1" lang="ja-JP" altLang="en-US" sz="2800" b="1" dirty="0"/>
           </a:p>
         </p:txBody>
       </p:sp>
@@ -17590,2476 +20921,7 @@
 </p:sld>
 </file>
 
-<file path=ppt/slides/slide20.xml><?xml version="1.0" encoding="utf-8"?>
-<p:sld xmlns:a="http://schemas.openxmlformats.org/drawingml/2006/main" xmlns:r="http://schemas.openxmlformats.org/officeDocument/2006/relationships" xmlns:p="http://schemas.openxmlformats.org/presentationml/2006/main">
-  <p:cSld>
-    <p:spTree>
-      <p:nvGrpSpPr>
-        <p:cNvPr id="1" name=""/>
-        <p:cNvGrpSpPr/>
-        <p:nvPr/>
-      </p:nvGrpSpPr>
-      <p:grpSpPr>
-        <a:xfrm>
-          <a:off x="0" y="0"/>
-          <a:ext cx="0" cy="0"/>
-          <a:chOff x="0" y="0"/>
-          <a:chExt cx="0" cy="0"/>
-        </a:xfrm>
-      </p:grpSpPr>
-      <p:grpSp>
-        <p:nvGrpSpPr>
-          <p:cNvPr id="6" name="グループ化 5"/>
-          <p:cNvGrpSpPr/>
-          <p:nvPr/>
-        </p:nvGrpSpPr>
-        <p:grpSpPr>
-          <a:xfrm>
-            <a:off x="3215301" y="805707"/>
-            <a:ext cx="5492814" cy="6052293"/>
-            <a:chOff x="119175" y="732192"/>
-            <a:chExt cx="5492814" cy="6052293"/>
-          </a:xfrm>
-        </p:grpSpPr>
-        <p:grpSp>
-          <p:nvGrpSpPr>
-            <p:cNvPr id="5" name="グループ化 4">
-              <a:extLst>
-                <a:ext uri="{FF2B5EF4-FFF2-40B4-BE49-F238E27FC236}">
-                  <a16:creationId xmlns:a16="http://schemas.microsoft.com/office/drawing/2014/main" id="{E7C82472-7D26-4F66-A92F-6E96170E4B08}"/>
-                </a:ext>
-              </a:extLst>
-            </p:cNvPr>
-            <p:cNvGrpSpPr/>
-            <p:nvPr/>
-          </p:nvGrpSpPr>
-          <p:grpSpPr>
-            <a:xfrm>
-              <a:off x="304801" y="1169503"/>
-              <a:ext cx="4810541" cy="4518992"/>
-              <a:chOff x="781879" y="1126435"/>
-              <a:chExt cx="4810541" cy="4518992"/>
-            </a:xfrm>
-          </p:grpSpPr>
-          <p:cxnSp>
-            <p:nvCxnSpPr>
-              <p:cNvPr id="3" name="直線矢印コネクタ 2">
-                <a:extLst>
-                  <a:ext uri="{FF2B5EF4-FFF2-40B4-BE49-F238E27FC236}">
-                    <a16:creationId xmlns:a16="http://schemas.microsoft.com/office/drawing/2014/main" id="{B8817C62-2C83-4A61-8C8A-FA28F450CE17}"/>
-                  </a:ext>
-                </a:extLst>
-              </p:cNvPr>
-              <p:cNvCxnSpPr>
-                <a:cxnSpLocks/>
-              </p:cNvCxnSpPr>
-              <p:nvPr/>
-            </p:nvCxnSpPr>
-            <p:spPr>
-              <a:xfrm flipV="1">
-                <a:off x="821635" y="1126435"/>
-                <a:ext cx="0" cy="4518991"/>
-              </a:xfrm>
-              <a:prstGeom prst="straightConnector1">
-                <a:avLst/>
-              </a:prstGeom>
-              <a:ln w="76200">
-                <a:tailEnd type="triangle"/>
-              </a:ln>
-            </p:spPr>
-            <p:style>
-              <a:lnRef idx="1">
-                <a:schemeClr val="dk1"/>
-              </a:lnRef>
-              <a:fillRef idx="0">
-                <a:schemeClr val="dk1"/>
-              </a:fillRef>
-              <a:effectRef idx="0">
-                <a:schemeClr val="dk1"/>
-              </a:effectRef>
-              <a:fontRef idx="minor">
-                <a:schemeClr val="tx1"/>
-              </a:fontRef>
-            </p:style>
-          </p:cxnSp>
-          <p:cxnSp>
-            <p:nvCxnSpPr>
-              <p:cNvPr id="4" name="直線矢印コネクタ 3">
-                <a:extLst>
-                  <a:ext uri="{FF2B5EF4-FFF2-40B4-BE49-F238E27FC236}">
-                    <a16:creationId xmlns:a16="http://schemas.microsoft.com/office/drawing/2014/main" id="{7A340436-1C06-4B9C-9736-BF1EBF853F7A}"/>
-                  </a:ext>
-                </a:extLst>
-              </p:cNvPr>
-              <p:cNvCxnSpPr>
-                <a:cxnSpLocks/>
-              </p:cNvCxnSpPr>
-              <p:nvPr/>
-            </p:nvCxnSpPr>
-            <p:spPr>
-              <a:xfrm>
-                <a:off x="781879" y="5645427"/>
-                <a:ext cx="4810541" cy="0"/>
-              </a:xfrm>
-              <a:prstGeom prst="straightConnector1">
-                <a:avLst/>
-              </a:prstGeom>
-              <a:ln w="76200">
-                <a:tailEnd type="triangle"/>
-              </a:ln>
-            </p:spPr>
-            <p:style>
-              <a:lnRef idx="1">
-                <a:schemeClr val="dk1"/>
-              </a:lnRef>
-              <a:fillRef idx="0">
-                <a:schemeClr val="dk1"/>
-              </a:fillRef>
-              <a:effectRef idx="0">
-                <a:schemeClr val="dk1"/>
-              </a:effectRef>
-              <a:fontRef idx="minor">
-                <a:schemeClr val="tx1"/>
-              </a:fontRef>
-            </p:style>
-          </p:cxnSp>
-        </p:grpSp>
-        <p:cxnSp>
-          <p:nvCxnSpPr>
-            <p:cNvPr id="7" name="直線コネクタ 6">
-              <a:extLst>
-                <a:ext uri="{FF2B5EF4-FFF2-40B4-BE49-F238E27FC236}">
-                  <a16:creationId xmlns:a16="http://schemas.microsoft.com/office/drawing/2014/main" id="{3E7DD812-678B-474A-9C84-DC3D690B10A4}"/>
-                </a:ext>
-              </a:extLst>
-            </p:cNvPr>
-            <p:cNvCxnSpPr>
-              <a:cxnSpLocks/>
-            </p:cNvCxnSpPr>
-            <p:nvPr/>
-          </p:nvCxnSpPr>
-          <p:spPr>
-            <a:xfrm flipV="1">
-              <a:off x="344557" y="4389781"/>
-              <a:ext cx="2544417" cy="1298714"/>
-            </a:xfrm>
-            <a:prstGeom prst="line">
-              <a:avLst/>
-            </a:prstGeom>
-            <a:ln w="76200">
-              <a:headEnd type="oval" w="med" len="med"/>
-              <a:tailEnd type="oval" w="med" len="med"/>
-            </a:ln>
-          </p:spPr>
-          <p:style>
-            <a:lnRef idx="1">
-              <a:schemeClr val="dk1"/>
-            </a:lnRef>
-            <a:fillRef idx="0">
-              <a:schemeClr val="dk1"/>
-            </a:fillRef>
-            <a:effectRef idx="0">
-              <a:schemeClr val="dk1"/>
-            </a:effectRef>
-            <a:fontRef idx="minor">
-              <a:schemeClr val="tx1"/>
-            </a:fontRef>
-          </p:style>
-        </p:cxnSp>
-        <p:cxnSp>
-          <p:nvCxnSpPr>
-            <p:cNvPr id="9" name="直線コネクタ 8">
-              <a:extLst>
-                <a:ext uri="{FF2B5EF4-FFF2-40B4-BE49-F238E27FC236}">
-                  <a16:creationId xmlns:a16="http://schemas.microsoft.com/office/drawing/2014/main" id="{5AFA99D1-D389-4C5B-AF30-1318FD231EBF}"/>
-                </a:ext>
-              </a:extLst>
-            </p:cNvPr>
-            <p:cNvCxnSpPr>
-              <a:cxnSpLocks/>
-            </p:cNvCxnSpPr>
-            <p:nvPr/>
-          </p:nvCxnSpPr>
-          <p:spPr>
-            <a:xfrm flipV="1">
-              <a:off x="2888974" y="2317278"/>
-              <a:ext cx="722505" cy="2072504"/>
-            </a:xfrm>
-            <a:prstGeom prst="line">
-              <a:avLst/>
-            </a:prstGeom>
-            <a:ln w="76200">
-              <a:headEnd type="diamond" w="med" len="med"/>
-              <a:tailEnd type="diamond" w="med" len="med"/>
-            </a:ln>
-          </p:spPr>
-          <p:style>
-            <a:lnRef idx="1">
-              <a:schemeClr val="dk1"/>
-            </a:lnRef>
-            <a:fillRef idx="0">
-              <a:schemeClr val="dk1"/>
-            </a:fillRef>
-            <a:effectRef idx="0">
-              <a:schemeClr val="dk1"/>
-            </a:effectRef>
-            <a:fontRef idx="minor">
-              <a:schemeClr val="tx1"/>
-            </a:fontRef>
-          </p:style>
-        </p:cxnSp>
-        <p:grpSp>
-          <p:nvGrpSpPr>
-            <p:cNvPr id="14" name="グループ化 13">
-              <a:extLst>
-                <a:ext uri="{FF2B5EF4-FFF2-40B4-BE49-F238E27FC236}">
-                  <a16:creationId xmlns:a16="http://schemas.microsoft.com/office/drawing/2014/main" id="{6802FE1C-4D13-4E0D-A2FD-B75CAE58F0DA}"/>
-                </a:ext>
-              </a:extLst>
-            </p:cNvPr>
-            <p:cNvGrpSpPr/>
-            <p:nvPr/>
-          </p:nvGrpSpPr>
-          <p:grpSpPr>
-            <a:xfrm rot="1222204">
-              <a:off x="3486330" y="1807313"/>
-              <a:ext cx="450639" cy="536165"/>
-              <a:chOff x="3460436" y="2308202"/>
-              <a:chExt cx="450639" cy="536165"/>
-            </a:xfrm>
-          </p:grpSpPr>
-          <p:cxnSp>
-            <p:nvCxnSpPr>
-              <p:cNvPr id="24" name="直線コネクタ 23">
-                <a:extLst>
-                  <a:ext uri="{FF2B5EF4-FFF2-40B4-BE49-F238E27FC236}">
-                    <a16:creationId xmlns:a16="http://schemas.microsoft.com/office/drawing/2014/main" id="{7A63DAD3-7512-432F-A3A7-1A497CA5CE0C}"/>
-                  </a:ext>
-                </a:extLst>
-              </p:cNvPr>
-              <p:cNvCxnSpPr>
-                <a:cxnSpLocks/>
-              </p:cNvCxnSpPr>
-              <p:nvPr/>
-            </p:nvCxnSpPr>
-            <p:spPr>
-              <a:xfrm flipV="1">
-                <a:off x="3463376" y="2319803"/>
-                <a:ext cx="0" cy="512965"/>
-              </a:xfrm>
-              <a:prstGeom prst="line">
-                <a:avLst/>
-              </a:prstGeom>
-              <a:ln w="38100">
-                <a:headEnd type="none" w="med" len="med"/>
-                <a:tailEnd type="none" w="med" len="med"/>
-              </a:ln>
-            </p:spPr>
-            <p:style>
-              <a:lnRef idx="1">
-                <a:schemeClr val="dk1"/>
-              </a:lnRef>
-              <a:fillRef idx="0">
-                <a:schemeClr val="dk1"/>
-              </a:fillRef>
-              <a:effectRef idx="0">
-                <a:schemeClr val="dk1"/>
-              </a:effectRef>
-              <a:fontRef idx="minor">
-                <a:schemeClr val="tx1"/>
-              </a:fontRef>
-            </p:style>
-          </p:cxnSp>
-          <p:cxnSp>
-            <p:nvCxnSpPr>
-              <p:cNvPr id="27" name="直線コネクタ 26">
-                <a:extLst>
-                  <a:ext uri="{FF2B5EF4-FFF2-40B4-BE49-F238E27FC236}">
-                    <a16:creationId xmlns:a16="http://schemas.microsoft.com/office/drawing/2014/main" id="{2A77E8F6-8AD4-4BC2-A42C-316012E6C5E5}"/>
-                  </a:ext>
-                </a:extLst>
-              </p:cNvPr>
-              <p:cNvCxnSpPr>
-                <a:cxnSpLocks/>
-              </p:cNvCxnSpPr>
-              <p:nvPr/>
-            </p:nvCxnSpPr>
-            <p:spPr>
-              <a:xfrm flipV="1">
-                <a:off x="3911075" y="2308202"/>
-                <a:ext cx="0" cy="536165"/>
-              </a:xfrm>
-              <a:prstGeom prst="line">
-                <a:avLst/>
-              </a:prstGeom>
-              <a:ln w="38100">
-                <a:headEnd type="none" w="med" len="med"/>
-                <a:tailEnd type="none" w="med" len="med"/>
-              </a:ln>
-            </p:spPr>
-            <p:style>
-              <a:lnRef idx="1">
-                <a:schemeClr val="dk1"/>
-              </a:lnRef>
-              <a:fillRef idx="0">
-                <a:schemeClr val="dk1"/>
-              </a:fillRef>
-              <a:effectRef idx="0">
-                <a:schemeClr val="dk1"/>
-              </a:effectRef>
-              <a:fontRef idx="minor">
-                <a:schemeClr val="tx1"/>
-              </a:fontRef>
-            </p:style>
-          </p:cxnSp>
-          <p:cxnSp>
-            <p:nvCxnSpPr>
-              <p:cNvPr id="29" name="直線コネクタ 28">
-                <a:extLst>
-                  <a:ext uri="{FF2B5EF4-FFF2-40B4-BE49-F238E27FC236}">
-                    <a16:creationId xmlns:a16="http://schemas.microsoft.com/office/drawing/2014/main" id="{11537060-4597-4BD9-A884-2B1DBDA32C08}"/>
-                  </a:ext>
-                </a:extLst>
-              </p:cNvPr>
-              <p:cNvCxnSpPr>
-                <a:cxnSpLocks/>
-              </p:cNvCxnSpPr>
-              <p:nvPr/>
-            </p:nvCxnSpPr>
-            <p:spPr>
-              <a:xfrm>
-                <a:off x="3460436" y="2832622"/>
-                <a:ext cx="450639" cy="0"/>
-              </a:xfrm>
-              <a:prstGeom prst="line">
-                <a:avLst/>
-              </a:prstGeom>
-              <a:ln w="38100"/>
-            </p:spPr>
-            <p:style>
-              <a:lnRef idx="1">
-                <a:schemeClr val="dk1"/>
-              </a:lnRef>
-              <a:fillRef idx="0">
-                <a:schemeClr val="dk1"/>
-              </a:fillRef>
-              <a:effectRef idx="0">
-                <a:schemeClr val="dk1"/>
-              </a:effectRef>
-              <a:fontRef idx="minor">
-                <a:schemeClr val="tx1"/>
-              </a:fontRef>
-            </p:style>
-          </p:cxnSp>
-        </p:grpSp>
-        <p:grpSp>
-          <p:nvGrpSpPr>
-            <p:cNvPr id="18" name="グループ化 17">
-              <a:extLst>
-                <a:ext uri="{FF2B5EF4-FFF2-40B4-BE49-F238E27FC236}">
-                  <a16:creationId xmlns:a16="http://schemas.microsoft.com/office/drawing/2014/main" id="{3D8BC205-555A-4D0A-85D7-105FB78C0129}"/>
-                </a:ext>
-              </a:extLst>
-            </p:cNvPr>
-            <p:cNvGrpSpPr/>
-            <p:nvPr/>
-          </p:nvGrpSpPr>
-          <p:grpSpPr>
-            <a:xfrm>
-              <a:off x="967412" y="5039138"/>
-              <a:ext cx="1054524" cy="1086669"/>
-              <a:chOff x="967412" y="5039138"/>
-              <a:chExt cx="1054524" cy="1086669"/>
-            </a:xfrm>
-          </p:grpSpPr>
-          <p:sp>
-            <p:nvSpPr>
-              <p:cNvPr id="31" name="円弧 30">
-                <a:extLst>
-                  <a:ext uri="{FF2B5EF4-FFF2-40B4-BE49-F238E27FC236}">
-                    <a16:creationId xmlns:a16="http://schemas.microsoft.com/office/drawing/2014/main" id="{8EF24A81-B80A-4AE1-B40C-03EC3BC7E03D}"/>
-                  </a:ext>
-                </a:extLst>
-              </p:cNvPr>
-              <p:cNvSpPr/>
-              <p:nvPr/>
-            </p:nvSpPr>
-            <p:spPr>
-              <a:xfrm>
-                <a:off x="967412" y="5251181"/>
-                <a:ext cx="490329" cy="874626"/>
-              </a:xfrm>
-              <a:prstGeom prst="arc">
-                <a:avLst/>
-              </a:prstGeom>
-              <a:ln w="38100">
-                <a:headEnd type="triangle" w="med" len="med"/>
-                <a:tailEnd type="none" w="med" len="med"/>
-              </a:ln>
-            </p:spPr>
-            <p:style>
-              <a:lnRef idx="1">
-                <a:schemeClr val="dk1"/>
-              </a:lnRef>
-              <a:fillRef idx="0">
-                <a:schemeClr val="dk1"/>
-              </a:fillRef>
-              <a:effectRef idx="0">
-                <a:schemeClr val="dk1"/>
-              </a:effectRef>
-              <a:fontRef idx="minor">
-                <a:schemeClr val="tx1"/>
-              </a:fontRef>
-            </p:style>
-            <p:txBody>
-              <a:bodyPr rtlCol="0" anchor="ctr"/>
-              <a:lstStyle/>
-              <a:p>
-                <a:pPr algn="ctr"/>
-                <a:endParaRPr kumimoji="1" lang="ja-JP" altLang="en-US"/>
-              </a:p>
-            </p:txBody>
-          </p:sp>
-          <p:sp>
-            <p:nvSpPr>
-              <p:cNvPr id="32" name="テキスト ボックス 31">
-                <a:extLst>
-                  <a:ext uri="{FF2B5EF4-FFF2-40B4-BE49-F238E27FC236}">
-                    <a16:creationId xmlns:a16="http://schemas.microsoft.com/office/drawing/2014/main" id="{EC060A66-2801-49EE-A823-A05C9B0A67BC}"/>
-                  </a:ext>
-                </a:extLst>
-              </p:cNvPr>
-              <p:cNvSpPr txBox="1"/>
-              <p:nvPr/>
-            </p:nvSpPr>
-            <p:spPr>
-              <a:xfrm>
-                <a:off x="1507051" y="5039138"/>
-                <a:ext cx="514885" cy="584775"/>
-              </a:xfrm>
-              <a:prstGeom prst="rect">
-                <a:avLst/>
-              </a:prstGeom>
-              <a:noFill/>
-            </p:spPr>
-            <p:txBody>
-              <a:bodyPr wrap="none" rtlCol="0">
-                <a:spAutoFit/>
-              </a:bodyPr>
-              <a:lstStyle/>
-              <a:p>
-                <a:r>
-                  <a:rPr kumimoji="1" lang="en-US" altLang="ja-JP" sz="3200" i="1" dirty="0">
-                    <a:latin typeface="Times New Roman" panose="02020603050405020304" pitchFamily="18" charset="0"/>
-                    <a:cs typeface="Times New Roman" panose="02020603050405020304" pitchFamily="18" charset="0"/>
-                  </a:rPr>
-                  <a:t>θ</a:t>
-                </a:r>
-                <a:r>
-                  <a:rPr kumimoji="1" lang="en-US" altLang="ja-JP" sz="2000" i="1" dirty="0">
-                    <a:latin typeface="Times New Roman" panose="02020603050405020304" pitchFamily="18" charset="0"/>
-                    <a:cs typeface="Times New Roman" panose="02020603050405020304" pitchFamily="18" charset="0"/>
-                  </a:rPr>
-                  <a:t>1</a:t>
-                </a:r>
-                <a:endParaRPr kumimoji="1" lang="ja-JP" altLang="en-US" sz="3200" i="1" dirty="0">
-                  <a:latin typeface="Times New Roman" panose="02020603050405020304" pitchFamily="18" charset="0"/>
-                  <a:cs typeface="Times New Roman" panose="02020603050405020304" pitchFamily="18" charset="0"/>
-                </a:endParaRPr>
-              </a:p>
-            </p:txBody>
-          </p:sp>
-        </p:grpSp>
-        <p:cxnSp>
-          <p:nvCxnSpPr>
-            <p:cNvPr id="34" name="直線コネクタ 33">
-              <a:extLst>
-                <a:ext uri="{FF2B5EF4-FFF2-40B4-BE49-F238E27FC236}">
-                  <a16:creationId xmlns:a16="http://schemas.microsoft.com/office/drawing/2014/main" id="{8C5149AD-287A-49FC-82F4-A8D6E9B7C9AA}"/>
-                </a:ext>
-              </a:extLst>
-            </p:cNvPr>
-            <p:cNvCxnSpPr>
-              <a:cxnSpLocks/>
-            </p:cNvCxnSpPr>
-            <p:nvPr/>
-          </p:nvCxnSpPr>
-          <p:spPr>
-            <a:xfrm flipV="1">
-              <a:off x="2729224" y="3376486"/>
-              <a:ext cx="2107096" cy="1076738"/>
-            </a:xfrm>
-            <a:prstGeom prst="line">
-              <a:avLst/>
-            </a:prstGeom>
-            <a:ln>
-              <a:prstDash val="dash"/>
-            </a:ln>
-          </p:spPr>
-          <p:style>
-            <a:lnRef idx="1">
-              <a:schemeClr val="dk1"/>
-            </a:lnRef>
-            <a:fillRef idx="0">
-              <a:schemeClr val="dk1"/>
-            </a:fillRef>
-            <a:effectRef idx="0">
-              <a:schemeClr val="dk1"/>
-            </a:effectRef>
-            <a:fontRef idx="minor">
-              <a:schemeClr val="tx1"/>
-            </a:fontRef>
-          </p:style>
-        </p:cxnSp>
-        <p:grpSp>
-          <p:nvGrpSpPr>
-            <p:cNvPr id="17" name="グループ化 16">
-              <a:extLst>
-                <a:ext uri="{FF2B5EF4-FFF2-40B4-BE49-F238E27FC236}">
-                  <a16:creationId xmlns:a16="http://schemas.microsoft.com/office/drawing/2014/main" id="{C7EDA8B6-CC9C-4914-9175-EDBE9D6B9807}"/>
-                </a:ext>
-              </a:extLst>
-            </p:cNvPr>
-            <p:cNvGrpSpPr/>
-            <p:nvPr/>
-          </p:nvGrpSpPr>
-          <p:grpSpPr>
-            <a:xfrm>
-              <a:off x="2832316" y="3458131"/>
-              <a:ext cx="928302" cy="952760"/>
-              <a:chOff x="3086158" y="3098126"/>
-              <a:chExt cx="928302" cy="952760"/>
-            </a:xfrm>
-          </p:grpSpPr>
-          <p:sp>
-            <p:nvSpPr>
-              <p:cNvPr id="35" name="円弧 34">
-                <a:extLst>
-                  <a:ext uri="{FF2B5EF4-FFF2-40B4-BE49-F238E27FC236}">
-                    <a16:creationId xmlns:a16="http://schemas.microsoft.com/office/drawing/2014/main" id="{42B38824-A192-469A-A63B-66B8DD337B18}"/>
-                  </a:ext>
-                </a:extLst>
-              </p:cNvPr>
-              <p:cNvSpPr/>
-              <p:nvPr/>
-            </p:nvSpPr>
-            <p:spPr>
-              <a:xfrm>
-                <a:off x="3086158" y="3468518"/>
-                <a:ext cx="540533" cy="582368"/>
-              </a:xfrm>
-              <a:prstGeom prst="arc">
-                <a:avLst/>
-              </a:prstGeom>
-              <a:ln w="38100">
-                <a:headEnd type="triangle" w="med" len="med"/>
-                <a:tailEnd type="none" w="med" len="med"/>
-              </a:ln>
-            </p:spPr>
-            <p:style>
-              <a:lnRef idx="1">
-                <a:schemeClr val="dk1"/>
-              </a:lnRef>
-              <a:fillRef idx="0">
-                <a:schemeClr val="dk1"/>
-              </a:fillRef>
-              <a:effectRef idx="0">
-                <a:schemeClr val="dk1"/>
-              </a:effectRef>
-              <a:fontRef idx="minor">
-                <a:schemeClr val="tx1"/>
-              </a:fontRef>
-            </p:style>
-            <p:txBody>
-              <a:bodyPr rtlCol="0" anchor="ctr"/>
-              <a:lstStyle/>
-              <a:p>
-                <a:pPr algn="ctr"/>
-                <a:endParaRPr kumimoji="1" lang="ja-JP" altLang="en-US"/>
-              </a:p>
-            </p:txBody>
-          </p:sp>
-          <p:sp>
-            <p:nvSpPr>
-              <p:cNvPr id="36" name="テキスト ボックス 35">
-                <a:extLst>
-                  <a:ext uri="{FF2B5EF4-FFF2-40B4-BE49-F238E27FC236}">
-                    <a16:creationId xmlns:a16="http://schemas.microsoft.com/office/drawing/2014/main" id="{C6651DFE-7985-4C3D-A1CC-63225A4B3DE9}"/>
-                  </a:ext>
-                </a:extLst>
-              </p:cNvPr>
-              <p:cNvSpPr txBox="1"/>
-              <p:nvPr/>
-            </p:nvSpPr>
-            <p:spPr>
-              <a:xfrm>
-                <a:off x="3499575" y="3098126"/>
-                <a:ext cx="514885" cy="584775"/>
-              </a:xfrm>
-              <a:prstGeom prst="rect">
-                <a:avLst/>
-              </a:prstGeom>
-              <a:noFill/>
-            </p:spPr>
-            <p:txBody>
-              <a:bodyPr wrap="none" rtlCol="0">
-                <a:spAutoFit/>
-              </a:bodyPr>
-              <a:lstStyle/>
-              <a:p>
-                <a:r>
-                  <a:rPr kumimoji="1" lang="en-US" altLang="ja-JP" sz="3200" i="1" dirty="0">
-                    <a:latin typeface="Times New Roman" panose="02020603050405020304" pitchFamily="18" charset="0"/>
-                    <a:cs typeface="Times New Roman" panose="02020603050405020304" pitchFamily="18" charset="0"/>
-                  </a:rPr>
-                  <a:t>θ</a:t>
-                </a:r>
-                <a:r>
-                  <a:rPr lang="en-US" altLang="ja-JP" sz="2000" i="1" dirty="0">
-                    <a:latin typeface="Times New Roman" panose="02020603050405020304" pitchFamily="18" charset="0"/>
-                    <a:cs typeface="Times New Roman" panose="02020603050405020304" pitchFamily="18" charset="0"/>
-                  </a:rPr>
-                  <a:t>2</a:t>
-                </a:r>
-                <a:endParaRPr kumimoji="1" lang="ja-JP" altLang="en-US" sz="3200" i="1" dirty="0">
-                  <a:latin typeface="Times New Roman" panose="02020603050405020304" pitchFamily="18" charset="0"/>
-                  <a:cs typeface="Times New Roman" panose="02020603050405020304" pitchFamily="18" charset="0"/>
-                </a:endParaRPr>
-              </a:p>
-            </p:txBody>
-          </p:sp>
-        </p:grpSp>
-        <p:sp>
-          <p:nvSpPr>
-            <p:cNvPr id="37" name="テキスト ボックス 36">
-              <a:extLst>
-                <a:ext uri="{FF2B5EF4-FFF2-40B4-BE49-F238E27FC236}">
-                  <a16:creationId xmlns:a16="http://schemas.microsoft.com/office/drawing/2014/main" id="{02C08B31-A1AD-4B3A-BCD2-C88427D9B253}"/>
-                </a:ext>
-              </a:extLst>
-            </p:cNvPr>
-            <p:cNvSpPr txBox="1"/>
-            <p:nvPr/>
-          </p:nvSpPr>
-          <p:spPr>
-            <a:xfrm>
-              <a:off x="119175" y="732192"/>
-              <a:ext cx="481222" cy="584775"/>
-            </a:xfrm>
-            <a:prstGeom prst="rect">
-              <a:avLst/>
-            </a:prstGeom>
-            <a:noFill/>
-          </p:spPr>
-          <p:txBody>
-            <a:bodyPr wrap="none" rtlCol="0">
-              <a:spAutoFit/>
-            </a:bodyPr>
-            <a:lstStyle/>
-            <a:p>
-              <a:r>
-                <a:rPr kumimoji="1" lang="en-US" altLang="ja-JP" sz="3200" b="1" dirty="0">
-                  <a:latin typeface="Times New Roman" panose="02020603050405020304" pitchFamily="18" charset="0"/>
-                  <a:cs typeface="Times New Roman" panose="02020603050405020304" pitchFamily="18" charset="0"/>
-                </a:rPr>
-                <a:t>Y</a:t>
-              </a:r>
-              <a:endParaRPr kumimoji="1" lang="ja-JP" altLang="en-US" sz="3200" b="1" dirty="0">
-                <a:latin typeface="Times New Roman" panose="02020603050405020304" pitchFamily="18" charset="0"/>
-                <a:cs typeface="Times New Roman" panose="02020603050405020304" pitchFamily="18" charset="0"/>
-              </a:endParaRPr>
-            </a:p>
-          </p:txBody>
-        </p:sp>
-        <p:sp>
-          <p:nvSpPr>
-            <p:cNvPr id="38" name="テキスト ボックス 37">
-              <a:extLst>
-                <a:ext uri="{FF2B5EF4-FFF2-40B4-BE49-F238E27FC236}">
-                  <a16:creationId xmlns:a16="http://schemas.microsoft.com/office/drawing/2014/main" id="{9B731AD9-55F8-43B4-A00D-422BB8DE04D5}"/>
-                </a:ext>
-              </a:extLst>
-            </p:cNvPr>
-            <p:cNvSpPr txBox="1"/>
-            <p:nvPr/>
-          </p:nvSpPr>
-          <p:spPr>
-            <a:xfrm>
-              <a:off x="5130767" y="5396106"/>
-              <a:ext cx="481222" cy="584775"/>
-            </a:xfrm>
-            <a:prstGeom prst="rect">
-              <a:avLst/>
-            </a:prstGeom>
-            <a:noFill/>
-          </p:spPr>
-          <p:txBody>
-            <a:bodyPr wrap="none" rtlCol="0">
-              <a:spAutoFit/>
-            </a:bodyPr>
-            <a:lstStyle/>
-            <a:p>
-              <a:r>
-                <a:rPr lang="en-US" altLang="ja-JP" sz="3200" b="1" dirty="0">
-                  <a:latin typeface="Times New Roman" panose="02020603050405020304" pitchFamily="18" charset="0"/>
-                  <a:cs typeface="Times New Roman" panose="02020603050405020304" pitchFamily="18" charset="0"/>
-                </a:rPr>
-                <a:t>X</a:t>
-              </a:r>
-              <a:endParaRPr kumimoji="1" lang="ja-JP" altLang="en-US" sz="3200" b="1" dirty="0">
-                <a:latin typeface="Times New Roman" panose="02020603050405020304" pitchFamily="18" charset="0"/>
-                <a:cs typeface="Times New Roman" panose="02020603050405020304" pitchFamily="18" charset="0"/>
-              </a:endParaRPr>
-            </a:p>
-          </p:txBody>
-        </p:sp>
-        <p:sp>
-          <p:nvSpPr>
-            <p:cNvPr id="39" name="テキスト ボックス 38">
-              <a:extLst>
-                <a:ext uri="{FF2B5EF4-FFF2-40B4-BE49-F238E27FC236}">
-                  <a16:creationId xmlns:a16="http://schemas.microsoft.com/office/drawing/2014/main" id="{0B389FA3-17ED-426C-A307-98D6AE2EE47F}"/>
-                </a:ext>
-              </a:extLst>
-            </p:cNvPr>
-            <p:cNvSpPr txBox="1"/>
-            <p:nvPr/>
-          </p:nvSpPr>
-          <p:spPr>
-            <a:xfrm>
-              <a:off x="2091334" y="4686030"/>
-              <a:ext cx="540533" cy="584775"/>
-            </a:xfrm>
-            <a:prstGeom prst="rect">
-              <a:avLst/>
-            </a:prstGeom>
-            <a:noFill/>
-          </p:spPr>
-          <p:txBody>
-            <a:bodyPr wrap="none" rtlCol="0">
-              <a:spAutoFit/>
-            </a:bodyPr>
-            <a:lstStyle/>
-            <a:p>
-              <a:r>
-                <a:rPr lang="en-US" altLang="ja-JP" sz="3200" i="1" dirty="0">
-                  <a:latin typeface="Times New Roman" panose="02020603050405020304" pitchFamily="18" charset="0"/>
-                  <a:cs typeface="Times New Roman" panose="02020603050405020304" pitchFamily="18" charset="0"/>
-                </a:rPr>
-                <a:t>L</a:t>
-              </a:r>
-              <a:r>
-                <a:rPr kumimoji="1" lang="en-US" altLang="ja-JP" sz="2000" i="1" dirty="0">
-                  <a:latin typeface="Times New Roman" panose="02020603050405020304" pitchFamily="18" charset="0"/>
-                  <a:cs typeface="Times New Roman" panose="02020603050405020304" pitchFamily="18" charset="0"/>
-                </a:rPr>
-                <a:t>1</a:t>
-              </a:r>
-              <a:endParaRPr kumimoji="1" lang="ja-JP" altLang="en-US" sz="3200" i="1" dirty="0">
-                <a:latin typeface="Times New Roman" panose="02020603050405020304" pitchFamily="18" charset="0"/>
-                <a:cs typeface="Times New Roman" panose="02020603050405020304" pitchFamily="18" charset="0"/>
-              </a:endParaRPr>
-            </a:p>
-          </p:txBody>
-        </p:sp>
-        <p:sp>
-          <p:nvSpPr>
-            <p:cNvPr id="40" name="テキスト ボックス 39">
-              <a:extLst>
-                <a:ext uri="{FF2B5EF4-FFF2-40B4-BE49-F238E27FC236}">
-                  <a16:creationId xmlns:a16="http://schemas.microsoft.com/office/drawing/2014/main" id="{D6B3404A-BA64-427D-B5F2-EF472F64A047}"/>
-                </a:ext>
-              </a:extLst>
-            </p:cNvPr>
-            <p:cNvSpPr txBox="1"/>
-            <p:nvPr/>
-          </p:nvSpPr>
-          <p:spPr>
-            <a:xfrm>
-              <a:off x="3549012" y="2852247"/>
-              <a:ext cx="540533" cy="584775"/>
-            </a:xfrm>
-            <a:prstGeom prst="rect">
-              <a:avLst/>
-            </a:prstGeom>
-            <a:noFill/>
-          </p:spPr>
-          <p:txBody>
-            <a:bodyPr wrap="none" rtlCol="0">
-              <a:spAutoFit/>
-            </a:bodyPr>
-            <a:lstStyle/>
-            <a:p>
-              <a:r>
-                <a:rPr lang="en-US" altLang="ja-JP" sz="3200" i="1" dirty="0">
-                  <a:latin typeface="Times New Roman" panose="02020603050405020304" pitchFamily="18" charset="0"/>
-                  <a:cs typeface="Times New Roman" panose="02020603050405020304" pitchFamily="18" charset="0"/>
-                </a:rPr>
-                <a:t>L</a:t>
-              </a:r>
-              <a:r>
-                <a:rPr lang="en-US" altLang="ja-JP" sz="2000" i="1" dirty="0">
-                  <a:latin typeface="Times New Roman" panose="02020603050405020304" pitchFamily="18" charset="0"/>
-                  <a:cs typeface="Times New Roman" panose="02020603050405020304" pitchFamily="18" charset="0"/>
-                </a:rPr>
-                <a:t>2</a:t>
-              </a:r>
-              <a:endParaRPr kumimoji="1" lang="ja-JP" altLang="en-US" sz="3200" i="1" dirty="0">
-                <a:latin typeface="Times New Roman" panose="02020603050405020304" pitchFamily="18" charset="0"/>
-                <a:cs typeface="Times New Roman" panose="02020603050405020304" pitchFamily="18" charset="0"/>
-              </a:endParaRPr>
-            </a:p>
-          </p:txBody>
-        </p:sp>
-        <p:cxnSp>
-          <p:nvCxnSpPr>
-            <p:cNvPr id="10" name="直線コネクタ 9">
-              <a:extLst>
-                <a:ext uri="{FF2B5EF4-FFF2-40B4-BE49-F238E27FC236}">
-                  <a16:creationId xmlns:a16="http://schemas.microsoft.com/office/drawing/2014/main" id="{FF0D5AA1-5B28-4251-ADF4-49B42A954391}"/>
-                </a:ext>
-              </a:extLst>
-            </p:cNvPr>
-            <p:cNvCxnSpPr>
-              <a:cxnSpLocks/>
-            </p:cNvCxnSpPr>
-            <p:nvPr/>
-          </p:nvCxnSpPr>
-          <p:spPr>
-            <a:xfrm flipV="1">
-              <a:off x="344557" y="2312488"/>
-              <a:ext cx="3239172" cy="3376006"/>
-            </a:xfrm>
-            <a:prstGeom prst="line">
-              <a:avLst/>
-            </a:prstGeom>
-          </p:spPr>
-          <p:style>
-            <a:lnRef idx="1">
-              <a:schemeClr val="dk1"/>
-            </a:lnRef>
-            <a:fillRef idx="0">
-              <a:schemeClr val="dk1"/>
-            </a:fillRef>
-            <a:effectRef idx="0">
-              <a:schemeClr val="dk1"/>
-            </a:effectRef>
-            <a:fontRef idx="minor">
-              <a:schemeClr val="tx1"/>
-            </a:fontRef>
-          </p:style>
-        </p:cxnSp>
-        <p:sp>
-          <p:nvSpPr>
-            <p:cNvPr id="26" name="円弧 25">
-              <a:extLst>
-                <a:ext uri="{FF2B5EF4-FFF2-40B4-BE49-F238E27FC236}">
-                  <a16:creationId xmlns:a16="http://schemas.microsoft.com/office/drawing/2014/main" id="{AD49D360-2973-4B43-BB64-1C3B0F575D49}"/>
-                </a:ext>
-              </a:extLst>
-            </p:cNvPr>
-            <p:cNvSpPr/>
-            <p:nvPr/>
-          </p:nvSpPr>
-          <p:spPr>
-            <a:xfrm rot="15368089">
-              <a:off x="2687398" y="3788875"/>
-              <a:ext cx="870618" cy="1215934"/>
-            </a:xfrm>
-            <a:prstGeom prst="arc">
-              <a:avLst/>
-            </a:prstGeom>
-            <a:ln w="38100">
-              <a:headEnd type="triangle" w="med" len="med"/>
-              <a:tailEnd type="none" w="med" len="med"/>
-            </a:ln>
-          </p:spPr>
-          <p:style>
-            <a:lnRef idx="1">
-              <a:schemeClr val="dk1"/>
-            </a:lnRef>
-            <a:fillRef idx="0">
-              <a:schemeClr val="dk1"/>
-            </a:fillRef>
-            <a:effectRef idx="0">
-              <a:schemeClr val="dk1"/>
-            </a:effectRef>
-            <a:fontRef idx="minor">
-              <a:schemeClr val="tx1"/>
-            </a:fontRef>
-          </p:style>
-          <p:txBody>
-            <a:bodyPr rtlCol="0" anchor="ctr"/>
-            <a:lstStyle/>
-            <a:p>
-              <a:pPr algn="ctr"/>
-              <a:endParaRPr kumimoji="1" lang="ja-JP" altLang="en-US"/>
-            </a:p>
-          </p:txBody>
-        </p:sp>
-        <p:sp>
-          <p:nvSpPr>
-            <p:cNvPr id="28" name="テキスト ボックス 27">
-              <a:extLst>
-                <a:ext uri="{FF2B5EF4-FFF2-40B4-BE49-F238E27FC236}">
-                  <a16:creationId xmlns:a16="http://schemas.microsoft.com/office/drawing/2014/main" id="{CBDD524B-5D53-45FF-8EEB-E5362DAC3AFB}"/>
-                </a:ext>
-              </a:extLst>
-            </p:cNvPr>
-            <p:cNvSpPr txBox="1"/>
-            <p:nvPr/>
-          </p:nvSpPr>
-          <p:spPr>
-            <a:xfrm>
-              <a:off x="2489506" y="3522879"/>
-              <a:ext cx="399468" cy="584775"/>
-            </a:xfrm>
-            <a:prstGeom prst="rect">
-              <a:avLst/>
-            </a:prstGeom>
-            <a:noFill/>
-          </p:spPr>
-          <p:txBody>
-            <a:bodyPr wrap="none" rtlCol="0">
-              <a:spAutoFit/>
-            </a:bodyPr>
-            <a:lstStyle/>
-            <a:p>
-              <a:r>
-                <a:rPr kumimoji="1" lang="en-US" altLang="ja-JP" sz="3200" i="1" dirty="0">
-                  <a:latin typeface="Times New Roman" panose="02020603050405020304" pitchFamily="18" charset="0"/>
-                  <a:cs typeface="Times New Roman" panose="02020603050405020304" pitchFamily="18" charset="0"/>
-                </a:rPr>
-                <a:t>α</a:t>
-              </a:r>
-              <a:endParaRPr kumimoji="1" lang="ja-JP" altLang="en-US" sz="3200" i="1" dirty="0">
-                <a:latin typeface="Times New Roman" panose="02020603050405020304" pitchFamily="18" charset="0"/>
-                <a:cs typeface="Times New Roman" panose="02020603050405020304" pitchFamily="18" charset="0"/>
-              </a:endParaRPr>
-            </a:p>
-          </p:txBody>
-        </p:sp>
-        <p:grpSp>
-          <p:nvGrpSpPr>
-            <p:cNvPr id="33" name="グループ化 32">
-              <a:extLst>
-                <a:ext uri="{FF2B5EF4-FFF2-40B4-BE49-F238E27FC236}">
-                  <a16:creationId xmlns:a16="http://schemas.microsoft.com/office/drawing/2014/main" id="{6321A31C-DB33-48D0-83F6-98631CFC5CB6}"/>
-                </a:ext>
-              </a:extLst>
-            </p:cNvPr>
-            <p:cNvGrpSpPr/>
-            <p:nvPr/>
-          </p:nvGrpSpPr>
-          <p:grpSpPr>
-            <a:xfrm>
-              <a:off x="1182185" y="4248991"/>
-              <a:ext cx="824429" cy="1227216"/>
-              <a:chOff x="3098410" y="3184155"/>
-              <a:chExt cx="959112" cy="1226145"/>
-            </a:xfrm>
-          </p:grpSpPr>
-          <p:sp>
-            <p:nvSpPr>
-              <p:cNvPr id="41" name="円弧 40">
-                <a:extLst>
-                  <a:ext uri="{FF2B5EF4-FFF2-40B4-BE49-F238E27FC236}">
-                    <a16:creationId xmlns:a16="http://schemas.microsoft.com/office/drawing/2014/main" id="{21B790D1-8C31-4299-A6C1-A14E1F93AFEE}"/>
-                  </a:ext>
-                </a:extLst>
-              </p:cNvPr>
-              <p:cNvSpPr/>
-              <p:nvPr/>
-            </p:nvSpPr>
-            <p:spPr>
-              <a:xfrm>
-                <a:off x="3098410" y="3535674"/>
-                <a:ext cx="490329" cy="874626"/>
-              </a:xfrm>
-              <a:prstGeom prst="arc">
-                <a:avLst/>
-              </a:prstGeom>
-              <a:ln w="38100">
-                <a:headEnd type="triangle" w="med" len="med"/>
-                <a:tailEnd type="none" w="med" len="med"/>
-              </a:ln>
-            </p:spPr>
-            <p:style>
-              <a:lnRef idx="1">
-                <a:schemeClr val="dk1"/>
-              </a:lnRef>
-              <a:fillRef idx="0">
-                <a:schemeClr val="dk1"/>
-              </a:fillRef>
-              <a:effectRef idx="0">
-                <a:schemeClr val="dk1"/>
-              </a:effectRef>
-              <a:fontRef idx="minor">
-                <a:schemeClr val="tx1"/>
-              </a:fontRef>
-            </p:style>
-            <p:txBody>
-              <a:bodyPr rtlCol="0" anchor="ctr"/>
-              <a:lstStyle/>
-              <a:p>
-                <a:pPr algn="ctr"/>
-                <a:endParaRPr kumimoji="1" lang="ja-JP" altLang="en-US"/>
-              </a:p>
-            </p:txBody>
-          </p:sp>
-          <p:sp>
-            <p:nvSpPr>
-              <p:cNvPr id="42" name="テキスト ボックス 41">
-                <a:extLst>
-                  <a:ext uri="{FF2B5EF4-FFF2-40B4-BE49-F238E27FC236}">
-                    <a16:creationId xmlns:a16="http://schemas.microsoft.com/office/drawing/2014/main" id="{EB613250-9B0E-403A-9E35-38CEEBECA403}"/>
-                  </a:ext>
-                </a:extLst>
-              </p:cNvPr>
-              <p:cNvSpPr txBox="1"/>
-              <p:nvPr/>
-            </p:nvSpPr>
-            <p:spPr>
-              <a:xfrm>
-                <a:off x="3603984" y="3184155"/>
-                <a:ext cx="453538" cy="584265"/>
-              </a:xfrm>
-              <a:prstGeom prst="rect">
-                <a:avLst/>
-              </a:prstGeom>
-              <a:noFill/>
-            </p:spPr>
-            <p:txBody>
-              <a:bodyPr wrap="none" rtlCol="0">
-                <a:spAutoFit/>
-              </a:bodyPr>
-              <a:lstStyle/>
-              <a:p>
-                <a:r>
-                  <a:rPr lang="en-US" altLang="ja-JP" sz="3200" i="1" dirty="0">
-                    <a:latin typeface="Times New Roman" panose="02020603050405020304" pitchFamily="18" charset="0"/>
-                    <a:cs typeface="Times New Roman" panose="02020603050405020304" pitchFamily="18" charset="0"/>
-                  </a:rPr>
-                  <a:t>β</a:t>
-                </a:r>
-                <a:endParaRPr kumimoji="1" lang="ja-JP" altLang="en-US" sz="3200" i="1" dirty="0">
-                  <a:latin typeface="Times New Roman" panose="02020603050405020304" pitchFamily="18" charset="0"/>
-                  <a:cs typeface="Times New Roman" panose="02020603050405020304" pitchFamily="18" charset="0"/>
-                </a:endParaRPr>
-              </a:p>
-            </p:txBody>
-          </p:sp>
-        </p:grpSp>
-        <p:sp>
-          <p:nvSpPr>
-            <p:cNvPr id="44" name="円弧 43">
-              <a:extLst>
-                <a:ext uri="{FF2B5EF4-FFF2-40B4-BE49-F238E27FC236}">
-                  <a16:creationId xmlns:a16="http://schemas.microsoft.com/office/drawing/2014/main" id="{5235F02B-25B1-48F3-99B5-4CF742A3954B}"/>
-                </a:ext>
-              </a:extLst>
-            </p:cNvPr>
-            <p:cNvSpPr/>
-            <p:nvPr/>
-          </p:nvSpPr>
-          <p:spPr>
-            <a:xfrm rot="605556">
-              <a:off x="1121280" y="2973641"/>
-              <a:ext cx="3004069" cy="3810844"/>
-            </a:xfrm>
-            <a:prstGeom prst="arc">
-              <a:avLst>
-                <a:gd name="adj1" fmla="val 16200000"/>
-                <a:gd name="adj2" fmla="val 1095798"/>
-              </a:avLst>
-            </a:prstGeom>
-            <a:ln w="38100">
-              <a:headEnd type="triangle" w="med" len="med"/>
-              <a:tailEnd type="none" w="med" len="med"/>
-            </a:ln>
-          </p:spPr>
-          <p:style>
-            <a:lnRef idx="1">
-              <a:schemeClr val="dk1"/>
-            </a:lnRef>
-            <a:fillRef idx="0">
-              <a:schemeClr val="dk1"/>
-            </a:fillRef>
-            <a:effectRef idx="0">
-              <a:schemeClr val="dk1"/>
-            </a:effectRef>
-            <a:fontRef idx="minor">
-              <a:schemeClr val="tx1"/>
-            </a:fontRef>
-          </p:style>
-          <p:txBody>
-            <a:bodyPr rtlCol="0" anchor="ctr"/>
-            <a:lstStyle/>
-            <a:p>
-              <a:pPr algn="ctr"/>
-              <a:endParaRPr kumimoji="1" lang="ja-JP" altLang="en-US"/>
-            </a:p>
-          </p:txBody>
-        </p:sp>
-        <p:sp>
-          <p:nvSpPr>
-            <p:cNvPr id="45" name="テキスト ボックス 44">
-              <a:extLst>
-                <a:ext uri="{FF2B5EF4-FFF2-40B4-BE49-F238E27FC236}">
-                  <a16:creationId xmlns:a16="http://schemas.microsoft.com/office/drawing/2014/main" id="{280D61BF-3F0D-486C-8C44-49BB30079BDD}"/>
-                </a:ext>
-              </a:extLst>
-            </p:cNvPr>
-            <p:cNvSpPr txBox="1"/>
-            <p:nvPr/>
-          </p:nvSpPr>
-          <p:spPr>
-            <a:xfrm>
-              <a:off x="4309089" y="4347995"/>
-              <a:ext cx="346570" cy="584775"/>
-            </a:xfrm>
-            <a:prstGeom prst="rect">
-              <a:avLst/>
-            </a:prstGeom>
-            <a:noFill/>
-          </p:spPr>
-          <p:txBody>
-            <a:bodyPr wrap="none" rtlCol="0">
-              <a:spAutoFit/>
-            </a:bodyPr>
-            <a:lstStyle/>
-            <a:p>
-              <a:r>
-                <a:rPr kumimoji="1" lang="en-US" altLang="ja-JP" sz="3200" i="1" dirty="0">
-                  <a:latin typeface="Times New Roman" panose="02020603050405020304" pitchFamily="18" charset="0"/>
-                  <a:cs typeface="Times New Roman" panose="02020603050405020304" pitchFamily="18" charset="0"/>
-                </a:rPr>
-                <a:t>γ</a:t>
-              </a:r>
-              <a:endParaRPr kumimoji="1" lang="ja-JP" altLang="en-US" sz="3200" i="1" dirty="0">
-                <a:latin typeface="Times New Roman" panose="02020603050405020304" pitchFamily="18" charset="0"/>
-                <a:cs typeface="Times New Roman" panose="02020603050405020304" pitchFamily="18" charset="0"/>
-              </a:endParaRPr>
-            </a:p>
-          </p:txBody>
-        </p:sp>
-        <mc:AlternateContent xmlns:mc="http://schemas.openxmlformats.org/markup-compatibility/2006" xmlns:a14="http://schemas.microsoft.com/office/drawing/2010/main">
-          <mc:Choice Requires="a14">
-            <p:sp>
-              <p:nvSpPr>
-                <p:cNvPr id="2" name="テキスト ボックス 1">
-                  <a:extLst>
-                    <a:ext uri="{FF2B5EF4-FFF2-40B4-BE49-F238E27FC236}">
-                      <a16:creationId xmlns:a16="http://schemas.microsoft.com/office/drawing/2014/main" id="{46D1AA0A-910C-4F75-91DE-C9A3A8707992}"/>
-                    </a:ext>
-                  </a:extLst>
-                </p:cNvPr>
-                <p:cNvSpPr txBox="1"/>
-                <p:nvPr/>
-              </p:nvSpPr>
-              <p:spPr>
-                <a:xfrm>
-                  <a:off x="1494433" y="3331786"/>
-                  <a:ext cx="659218" cy="555537"/>
-                </a:xfrm>
-                <a:prstGeom prst="rect">
-                  <a:avLst/>
-                </a:prstGeom>
-                <a:noFill/>
-              </p:spPr>
-              <p:txBody>
-                <a:bodyPr wrap="none" lIns="0" tIns="0" rIns="0" bIns="0" rtlCol="0">
-                  <a:spAutoFit/>
-                </a:bodyPr>
-                <a:lstStyle/>
-                <a:p>
-                  <a:pPr/>
-                  <a14:m>
-                    <m:oMathPara xmlns:m="http://schemas.openxmlformats.org/officeDocument/2006/math">
-                      <m:oMathParaPr>
-                        <m:jc m:val="centerGroup"/>
-                      </m:oMathParaPr>
-                      <m:oMath xmlns:m="http://schemas.openxmlformats.org/officeDocument/2006/math">
-                        <m:acc>
-                          <m:accPr>
-                            <m:chr m:val="⃗"/>
-                            <m:ctrlPr>
-                              <a:rPr kumimoji="1" lang="ja-JP" altLang="en-US" sz="3200" i="1" smtClean="0">
-                                <a:latin typeface="Cambria Math" panose="02040503050406030204" pitchFamily="18" charset="0"/>
-                              </a:rPr>
-                            </m:ctrlPr>
-                          </m:accPr>
-                          <m:e>
-                            <m:r>
-                              <a:rPr kumimoji="1" lang="en-US" altLang="ja-JP" sz="3200" b="0" i="1" smtClean="0">
-                                <a:latin typeface="Cambria Math" panose="02040503050406030204" pitchFamily="18" charset="0"/>
-                              </a:rPr>
-                              <m:t>𝑂𝑃</m:t>
-                            </m:r>
-                          </m:e>
-                        </m:acc>
-                      </m:oMath>
-                    </m:oMathPara>
-                  </a14:m>
-                  <a:endParaRPr kumimoji="1" lang="ja-JP" altLang="en-US" sz="1000" dirty="0"/>
-                </a:p>
-              </p:txBody>
-            </p:sp>
-          </mc:Choice>
-          <mc:Fallback xmlns="">
-            <p:sp>
-              <p:nvSpPr>
-                <p:cNvPr id="2" name="テキスト ボックス 1">
-                  <a:extLst>
-                    <a:ext uri="{FF2B5EF4-FFF2-40B4-BE49-F238E27FC236}">
-                      <a16:creationId xmlns:a16="http://schemas.microsoft.com/office/drawing/2014/main" id="{46D1AA0A-910C-4F75-91DE-C9A3A8707992}"/>
-                    </a:ext>
-                  </a:extLst>
-                </p:cNvPr>
-                <p:cNvSpPr txBox="1">
-                  <a:spLocks noRot="1" noChangeAspect="1" noMove="1" noResize="1" noEditPoints="1" noAdjustHandles="1" noChangeArrowheads="1" noChangeShapeType="1" noTextEdit="1"/>
-                </p:cNvSpPr>
-                <p:nvPr/>
-              </p:nvSpPr>
-              <p:spPr>
-                <a:xfrm>
-                  <a:off x="1494433" y="3331786"/>
-                  <a:ext cx="659218" cy="555537"/>
-                </a:xfrm>
-                <a:prstGeom prst="rect">
-                  <a:avLst/>
-                </a:prstGeom>
-                <a:blipFill>
-                  <a:blip r:embed="rId2"/>
-                  <a:stretch>
-                    <a:fillRect/>
-                  </a:stretch>
-                </a:blipFill>
-              </p:spPr>
-              <p:txBody>
-                <a:bodyPr/>
-                <a:lstStyle/>
-                <a:p>
-                  <a:r>
-                    <a:rPr lang="ja-JP" altLang="en-US">
-                      <a:noFill/>
-                    </a:rPr>
-                    <a:t> </a:t>
-                  </a:r>
-                </a:p>
-              </p:txBody>
-            </p:sp>
-          </mc:Fallback>
-        </mc:AlternateContent>
-      </p:grpSp>
-    </p:spTree>
-    <p:extLst>
-      <p:ext uri="{BB962C8B-B14F-4D97-AF65-F5344CB8AC3E}">
-        <p14:creationId xmlns:p14="http://schemas.microsoft.com/office/powerpoint/2010/main" val="1521513505"/>
-      </p:ext>
-    </p:extLst>
-  </p:cSld>
-  <p:clrMapOvr>
-    <a:masterClrMapping/>
-  </p:clrMapOvr>
-</p:sld>
-</file>
-
-<file path=ppt/slides/slide21.xml><?xml version="1.0" encoding="utf-8"?>
-<p:sld xmlns:a="http://schemas.openxmlformats.org/drawingml/2006/main" xmlns:r="http://schemas.openxmlformats.org/officeDocument/2006/relationships" xmlns:p="http://schemas.openxmlformats.org/presentationml/2006/main">
-  <p:cSld>
-    <p:spTree>
-      <p:nvGrpSpPr>
-        <p:cNvPr id="1" name=""/>
-        <p:cNvGrpSpPr/>
-        <p:nvPr/>
-      </p:nvGrpSpPr>
-      <p:grpSpPr>
-        <a:xfrm>
-          <a:off x="0" y="0"/>
-          <a:ext cx="0" cy="0"/>
-          <a:chOff x="0" y="0"/>
-          <a:chExt cx="0" cy="0"/>
-        </a:xfrm>
-      </p:grpSpPr>
-      <p:grpSp>
-        <p:nvGrpSpPr>
-          <p:cNvPr id="8" name="グループ化 7"/>
-          <p:cNvGrpSpPr/>
-          <p:nvPr/>
-        </p:nvGrpSpPr>
-        <p:grpSpPr>
-          <a:xfrm>
-            <a:off x="3576656" y="468348"/>
-            <a:ext cx="5360493" cy="5602867"/>
-            <a:chOff x="160124" y="584727"/>
-            <a:chExt cx="5360493" cy="5602867"/>
-          </a:xfrm>
-        </p:grpSpPr>
-        <p:grpSp>
-          <p:nvGrpSpPr>
-            <p:cNvPr id="5" name="グループ化 4">
-              <a:extLst>
-                <a:ext uri="{FF2B5EF4-FFF2-40B4-BE49-F238E27FC236}">
-                  <a16:creationId xmlns:a16="http://schemas.microsoft.com/office/drawing/2014/main" id="{E7C82472-7D26-4F66-A92F-6E96170E4B08}"/>
-                </a:ext>
-              </a:extLst>
-            </p:cNvPr>
-            <p:cNvGrpSpPr/>
-            <p:nvPr/>
-          </p:nvGrpSpPr>
-          <p:grpSpPr>
-            <a:xfrm>
-              <a:off x="304801" y="1169503"/>
-              <a:ext cx="4810541" cy="4518992"/>
-              <a:chOff x="781879" y="1126435"/>
-              <a:chExt cx="4810541" cy="4518992"/>
-            </a:xfrm>
-          </p:grpSpPr>
-          <p:cxnSp>
-            <p:nvCxnSpPr>
-              <p:cNvPr id="3" name="直線矢印コネクタ 2">
-                <a:extLst>
-                  <a:ext uri="{FF2B5EF4-FFF2-40B4-BE49-F238E27FC236}">
-                    <a16:creationId xmlns:a16="http://schemas.microsoft.com/office/drawing/2014/main" id="{B8817C62-2C83-4A61-8C8A-FA28F450CE17}"/>
-                  </a:ext>
-                </a:extLst>
-              </p:cNvPr>
-              <p:cNvCxnSpPr>
-                <a:cxnSpLocks/>
-              </p:cNvCxnSpPr>
-              <p:nvPr/>
-            </p:nvCxnSpPr>
-            <p:spPr>
-              <a:xfrm flipV="1">
-                <a:off x="821635" y="1126435"/>
-                <a:ext cx="0" cy="4518991"/>
-              </a:xfrm>
-              <a:prstGeom prst="straightConnector1">
-                <a:avLst/>
-              </a:prstGeom>
-              <a:ln w="76200">
-                <a:tailEnd type="triangle"/>
-              </a:ln>
-            </p:spPr>
-            <p:style>
-              <a:lnRef idx="1">
-                <a:schemeClr val="dk1"/>
-              </a:lnRef>
-              <a:fillRef idx="0">
-                <a:schemeClr val="dk1"/>
-              </a:fillRef>
-              <a:effectRef idx="0">
-                <a:schemeClr val="dk1"/>
-              </a:effectRef>
-              <a:fontRef idx="minor">
-                <a:schemeClr val="tx1"/>
-              </a:fontRef>
-            </p:style>
-          </p:cxnSp>
-          <p:cxnSp>
-            <p:nvCxnSpPr>
-              <p:cNvPr id="4" name="直線矢印コネクタ 3">
-                <a:extLst>
-                  <a:ext uri="{FF2B5EF4-FFF2-40B4-BE49-F238E27FC236}">
-                    <a16:creationId xmlns:a16="http://schemas.microsoft.com/office/drawing/2014/main" id="{7A340436-1C06-4B9C-9736-BF1EBF853F7A}"/>
-                  </a:ext>
-                </a:extLst>
-              </p:cNvPr>
-              <p:cNvCxnSpPr>
-                <a:cxnSpLocks/>
-              </p:cNvCxnSpPr>
-              <p:nvPr/>
-            </p:nvCxnSpPr>
-            <p:spPr>
-              <a:xfrm>
-                <a:off x="781879" y="5645427"/>
-                <a:ext cx="4810541" cy="0"/>
-              </a:xfrm>
-              <a:prstGeom prst="straightConnector1">
-                <a:avLst/>
-              </a:prstGeom>
-              <a:ln w="76200">
-                <a:tailEnd type="triangle"/>
-              </a:ln>
-            </p:spPr>
-            <p:style>
-              <a:lnRef idx="1">
-                <a:schemeClr val="dk1"/>
-              </a:lnRef>
-              <a:fillRef idx="0">
-                <a:schemeClr val="dk1"/>
-              </a:fillRef>
-              <a:effectRef idx="0">
-                <a:schemeClr val="dk1"/>
-              </a:effectRef>
-              <a:fontRef idx="minor">
-                <a:schemeClr val="tx1"/>
-              </a:fontRef>
-            </p:style>
-          </p:cxnSp>
-        </p:grpSp>
-        <p:cxnSp>
-          <p:nvCxnSpPr>
-            <p:cNvPr id="7" name="直線コネクタ 6">
-              <a:extLst>
-                <a:ext uri="{FF2B5EF4-FFF2-40B4-BE49-F238E27FC236}">
-                  <a16:creationId xmlns:a16="http://schemas.microsoft.com/office/drawing/2014/main" id="{3E7DD812-678B-474A-9C84-DC3D690B10A4}"/>
-                </a:ext>
-              </a:extLst>
-            </p:cNvPr>
-            <p:cNvCxnSpPr>
-              <a:cxnSpLocks/>
-            </p:cNvCxnSpPr>
-            <p:nvPr/>
-          </p:nvCxnSpPr>
-          <p:spPr>
-            <a:xfrm flipV="1">
-              <a:off x="344557" y="4389781"/>
-              <a:ext cx="2544417" cy="1298714"/>
-            </a:xfrm>
-            <a:prstGeom prst="line">
-              <a:avLst/>
-            </a:prstGeom>
-            <a:ln w="76200">
-              <a:headEnd type="oval" w="med" len="med"/>
-              <a:tailEnd type="oval" w="med" len="med"/>
-            </a:ln>
-          </p:spPr>
-          <p:style>
-            <a:lnRef idx="1">
-              <a:schemeClr val="dk1"/>
-            </a:lnRef>
-            <a:fillRef idx="0">
-              <a:schemeClr val="dk1"/>
-            </a:fillRef>
-            <a:effectRef idx="0">
-              <a:schemeClr val="dk1"/>
-            </a:effectRef>
-            <a:fontRef idx="minor">
-              <a:schemeClr val="tx1"/>
-            </a:fontRef>
-          </p:style>
-        </p:cxnSp>
-        <p:cxnSp>
-          <p:nvCxnSpPr>
-            <p:cNvPr id="9" name="直線コネクタ 8">
-              <a:extLst>
-                <a:ext uri="{FF2B5EF4-FFF2-40B4-BE49-F238E27FC236}">
-                  <a16:creationId xmlns:a16="http://schemas.microsoft.com/office/drawing/2014/main" id="{5AFA99D1-D389-4C5B-AF30-1318FD231EBF}"/>
-                </a:ext>
-              </a:extLst>
-            </p:cNvPr>
-            <p:cNvCxnSpPr>
-              <a:cxnSpLocks/>
-            </p:cNvCxnSpPr>
-            <p:nvPr/>
-          </p:nvCxnSpPr>
-          <p:spPr>
-            <a:xfrm flipV="1">
-              <a:off x="2888974" y="2317278"/>
-              <a:ext cx="722505" cy="2072504"/>
-            </a:xfrm>
-            <a:prstGeom prst="line">
-              <a:avLst/>
-            </a:prstGeom>
-            <a:ln w="76200">
-              <a:headEnd type="diamond" w="med" len="med"/>
-              <a:tailEnd type="diamond" w="med" len="med"/>
-            </a:ln>
-          </p:spPr>
-          <p:style>
-            <a:lnRef idx="1">
-              <a:schemeClr val="dk1"/>
-            </a:lnRef>
-            <a:fillRef idx="0">
-              <a:schemeClr val="dk1"/>
-            </a:fillRef>
-            <a:effectRef idx="0">
-              <a:schemeClr val="dk1"/>
-            </a:effectRef>
-            <a:fontRef idx="minor">
-              <a:schemeClr val="tx1"/>
-            </a:fontRef>
-          </p:style>
-        </p:cxnSp>
-        <p:grpSp>
-          <p:nvGrpSpPr>
-            <p:cNvPr id="14" name="グループ化 13">
-              <a:extLst>
-                <a:ext uri="{FF2B5EF4-FFF2-40B4-BE49-F238E27FC236}">
-                  <a16:creationId xmlns:a16="http://schemas.microsoft.com/office/drawing/2014/main" id="{6802FE1C-4D13-4E0D-A2FD-B75CAE58F0DA}"/>
-                </a:ext>
-              </a:extLst>
-            </p:cNvPr>
-            <p:cNvGrpSpPr/>
-            <p:nvPr/>
-          </p:nvGrpSpPr>
-          <p:grpSpPr>
-            <a:xfrm rot="1222204">
-              <a:off x="3486330" y="1807313"/>
-              <a:ext cx="450639" cy="536165"/>
-              <a:chOff x="3460436" y="2308202"/>
-              <a:chExt cx="450639" cy="536165"/>
-            </a:xfrm>
-          </p:grpSpPr>
-          <p:cxnSp>
-            <p:nvCxnSpPr>
-              <p:cNvPr id="24" name="直線コネクタ 23">
-                <a:extLst>
-                  <a:ext uri="{FF2B5EF4-FFF2-40B4-BE49-F238E27FC236}">
-                    <a16:creationId xmlns:a16="http://schemas.microsoft.com/office/drawing/2014/main" id="{7A63DAD3-7512-432F-A3A7-1A497CA5CE0C}"/>
-                  </a:ext>
-                </a:extLst>
-              </p:cNvPr>
-              <p:cNvCxnSpPr>
-                <a:cxnSpLocks/>
-              </p:cNvCxnSpPr>
-              <p:nvPr/>
-            </p:nvCxnSpPr>
-            <p:spPr>
-              <a:xfrm flipV="1">
-                <a:off x="3463376" y="2319803"/>
-                <a:ext cx="0" cy="512965"/>
-              </a:xfrm>
-              <a:prstGeom prst="line">
-                <a:avLst/>
-              </a:prstGeom>
-              <a:ln w="38100">
-                <a:headEnd type="none" w="med" len="med"/>
-                <a:tailEnd type="none" w="med" len="med"/>
-              </a:ln>
-            </p:spPr>
-            <p:style>
-              <a:lnRef idx="1">
-                <a:schemeClr val="dk1"/>
-              </a:lnRef>
-              <a:fillRef idx="0">
-                <a:schemeClr val="dk1"/>
-              </a:fillRef>
-              <a:effectRef idx="0">
-                <a:schemeClr val="dk1"/>
-              </a:effectRef>
-              <a:fontRef idx="minor">
-                <a:schemeClr val="tx1"/>
-              </a:fontRef>
-            </p:style>
-          </p:cxnSp>
-          <p:cxnSp>
-            <p:nvCxnSpPr>
-              <p:cNvPr id="27" name="直線コネクタ 26">
-                <a:extLst>
-                  <a:ext uri="{FF2B5EF4-FFF2-40B4-BE49-F238E27FC236}">
-                    <a16:creationId xmlns:a16="http://schemas.microsoft.com/office/drawing/2014/main" id="{2A77E8F6-8AD4-4BC2-A42C-316012E6C5E5}"/>
-                  </a:ext>
-                </a:extLst>
-              </p:cNvPr>
-              <p:cNvCxnSpPr>
-                <a:cxnSpLocks/>
-              </p:cNvCxnSpPr>
-              <p:nvPr/>
-            </p:nvCxnSpPr>
-            <p:spPr>
-              <a:xfrm flipV="1">
-                <a:off x="3911075" y="2308202"/>
-                <a:ext cx="0" cy="536165"/>
-              </a:xfrm>
-              <a:prstGeom prst="line">
-                <a:avLst/>
-              </a:prstGeom>
-              <a:ln w="38100">
-                <a:headEnd type="none" w="med" len="med"/>
-                <a:tailEnd type="none" w="med" len="med"/>
-              </a:ln>
-            </p:spPr>
-            <p:style>
-              <a:lnRef idx="1">
-                <a:schemeClr val="dk1"/>
-              </a:lnRef>
-              <a:fillRef idx="0">
-                <a:schemeClr val="dk1"/>
-              </a:fillRef>
-              <a:effectRef idx="0">
-                <a:schemeClr val="dk1"/>
-              </a:effectRef>
-              <a:fontRef idx="minor">
-                <a:schemeClr val="tx1"/>
-              </a:fontRef>
-            </p:style>
-          </p:cxnSp>
-          <p:cxnSp>
-            <p:nvCxnSpPr>
-              <p:cNvPr id="29" name="直線コネクタ 28">
-                <a:extLst>
-                  <a:ext uri="{FF2B5EF4-FFF2-40B4-BE49-F238E27FC236}">
-                    <a16:creationId xmlns:a16="http://schemas.microsoft.com/office/drawing/2014/main" id="{11537060-4597-4BD9-A884-2B1DBDA32C08}"/>
-                  </a:ext>
-                </a:extLst>
-              </p:cNvPr>
-              <p:cNvCxnSpPr>
-                <a:cxnSpLocks/>
-              </p:cNvCxnSpPr>
-              <p:nvPr/>
-            </p:nvCxnSpPr>
-            <p:spPr>
-              <a:xfrm>
-                <a:off x="3460436" y="2832622"/>
-                <a:ext cx="450639" cy="0"/>
-              </a:xfrm>
-              <a:prstGeom prst="line">
-                <a:avLst/>
-              </a:prstGeom>
-              <a:ln w="38100"/>
-            </p:spPr>
-            <p:style>
-              <a:lnRef idx="1">
-                <a:schemeClr val="dk1"/>
-              </a:lnRef>
-              <a:fillRef idx="0">
-                <a:schemeClr val="dk1"/>
-              </a:fillRef>
-              <a:effectRef idx="0">
-                <a:schemeClr val="dk1"/>
-              </a:effectRef>
-              <a:fontRef idx="minor">
-                <a:schemeClr val="tx1"/>
-              </a:fontRef>
-            </p:style>
-          </p:cxnSp>
-        </p:grpSp>
-        <p:grpSp>
-          <p:nvGrpSpPr>
-            <p:cNvPr id="18" name="グループ化 17">
-              <a:extLst>
-                <a:ext uri="{FF2B5EF4-FFF2-40B4-BE49-F238E27FC236}">
-                  <a16:creationId xmlns:a16="http://schemas.microsoft.com/office/drawing/2014/main" id="{3D8BC205-555A-4D0A-85D7-105FB78C0129}"/>
-                </a:ext>
-              </a:extLst>
-            </p:cNvPr>
-            <p:cNvGrpSpPr/>
-            <p:nvPr/>
-          </p:nvGrpSpPr>
-          <p:grpSpPr>
-            <a:xfrm>
-              <a:off x="967412" y="5147196"/>
-              <a:ext cx="956216" cy="978611"/>
-              <a:chOff x="967412" y="5147196"/>
-              <a:chExt cx="956216" cy="978611"/>
-            </a:xfrm>
-          </p:grpSpPr>
-          <p:sp>
-            <p:nvSpPr>
-              <p:cNvPr id="31" name="円弧 30">
-                <a:extLst>
-                  <a:ext uri="{FF2B5EF4-FFF2-40B4-BE49-F238E27FC236}">
-                    <a16:creationId xmlns:a16="http://schemas.microsoft.com/office/drawing/2014/main" id="{8EF24A81-B80A-4AE1-B40C-03EC3BC7E03D}"/>
-                  </a:ext>
-                </a:extLst>
-              </p:cNvPr>
-              <p:cNvSpPr/>
-              <p:nvPr/>
-            </p:nvSpPr>
-            <p:spPr>
-              <a:xfrm>
-                <a:off x="967412" y="5251181"/>
-                <a:ext cx="490329" cy="874626"/>
-              </a:xfrm>
-              <a:prstGeom prst="arc">
-                <a:avLst/>
-              </a:prstGeom>
-              <a:ln w="38100">
-                <a:headEnd type="triangle" w="med" len="med"/>
-                <a:tailEnd type="none" w="med" len="med"/>
-              </a:ln>
-            </p:spPr>
-            <p:style>
-              <a:lnRef idx="1">
-                <a:schemeClr val="dk1"/>
-              </a:lnRef>
-              <a:fillRef idx="0">
-                <a:schemeClr val="dk1"/>
-              </a:fillRef>
-              <a:effectRef idx="0">
-                <a:schemeClr val="dk1"/>
-              </a:effectRef>
-              <a:fontRef idx="minor">
-                <a:schemeClr val="tx1"/>
-              </a:fontRef>
-            </p:style>
-            <p:txBody>
-              <a:bodyPr rtlCol="0" anchor="ctr"/>
-              <a:lstStyle/>
-              <a:p>
-                <a:pPr algn="ctr"/>
-                <a:endParaRPr kumimoji="1" lang="ja-JP" altLang="en-US"/>
-              </a:p>
-            </p:txBody>
-          </p:sp>
-          <p:sp>
-            <p:nvSpPr>
-              <p:cNvPr id="32" name="テキスト ボックス 31">
-                <a:extLst>
-                  <a:ext uri="{FF2B5EF4-FFF2-40B4-BE49-F238E27FC236}">
-                    <a16:creationId xmlns:a16="http://schemas.microsoft.com/office/drawing/2014/main" id="{EC060A66-2801-49EE-A823-A05C9B0A67BC}"/>
-                  </a:ext>
-                </a:extLst>
-              </p:cNvPr>
-              <p:cNvSpPr txBox="1"/>
-              <p:nvPr/>
-            </p:nvSpPr>
-            <p:spPr>
-              <a:xfrm>
-                <a:off x="1408743" y="5147196"/>
-                <a:ext cx="514885" cy="584775"/>
-              </a:xfrm>
-              <a:prstGeom prst="rect">
-                <a:avLst/>
-              </a:prstGeom>
-              <a:noFill/>
-            </p:spPr>
-            <p:txBody>
-              <a:bodyPr wrap="none" rtlCol="0">
-                <a:spAutoFit/>
-              </a:bodyPr>
-              <a:lstStyle/>
-              <a:p>
-                <a:r>
-                  <a:rPr kumimoji="1" lang="en-US" altLang="ja-JP" sz="3200" i="1" dirty="0">
-                    <a:latin typeface="Times New Roman" panose="02020603050405020304" pitchFamily="18" charset="0"/>
-                    <a:cs typeface="Times New Roman" panose="02020603050405020304" pitchFamily="18" charset="0"/>
-                  </a:rPr>
-                  <a:t>θ</a:t>
-                </a:r>
-                <a:r>
-                  <a:rPr kumimoji="1" lang="en-US" altLang="ja-JP" sz="2000" i="1" dirty="0">
-                    <a:latin typeface="Times New Roman" panose="02020603050405020304" pitchFamily="18" charset="0"/>
-                    <a:cs typeface="Times New Roman" panose="02020603050405020304" pitchFamily="18" charset="0"/>
-                  </a:rPr>
-                  <a:t>1</a:t>
-                </a:r>
-                <a:endParaRPr kumimoji="1" lang="ja-JP" altLang="en-US" sz="3200" i="1" dirty="0">
-                  <a:latin typeface="Times New Roman" panose="02020603050405020304" pitchFamily="18" charset="0"/>
-                  <a:cs typeface="Times New Roman" panose="02020603050405020304" pitchFamily="18" charset="0"/>
-                </a:endParaRPr>
-              </a:p>
-            </p:txBody>
-          </p:sp>
-        </p:grpSp>
-        <p:cxnSp>
-          <p:nvCxnSpPr>
-            <p:cNvPr id="34" name="直線コネクタ 33">
-              <a:extLst>
-                <a:ext uri="{FF2B5EF4-FFF2-40B4-BE49-F238E27FC236}">
-                  <a16:creationId xmlns:a16="http://schemas.microsoft.com/office/drawing/2014/main" id="{8C5149AD-287A-49FC-82F4-A8D6E9B7C9AA}"/>
-                </a:ext>
-              </a:extLst>
-            </p:cNvPr>
-            <p:cNvCxnSpPr>
-              <a:cxnSpLocks/>
-            </p:cNvCxnSpPr>
-            <p:nvPr/>
-          </p:nvCxnSpPr>
-          <p:spPr>
-            <a:xfrm flipV="1">
-              <a:off x="2729224" y="3376486"/>
-              <a:ext cx="2107096" cy="1076738"/>
-            </a:xfrm>
-            <a:prstGeom prst="line">
-              <a:avLst/>
-            </a:prstGeom>
-            <a:ln>
-              <a:prstDash val="dash"/>
-            </a:ln>
-          </p:spPr>
-          <p:style>
-            <a:lnRef idx="1">
-              <a:schemeClr val="dk1"/>
-            </a:lnRef>
-            <a:fillRef idx="0">
-              <a:schemeClr val="dk1"/>
-            </a:fillRef>
-            <a:effectRef idx="0">
-              <a:schemeClr val="dk1"/>
-            </a:effectRef>
-            <a:fontRef idx="minor">
-              <a:schemeClr val="tx1"/>
-            </a:fontRef>
-          </p:style>
-        </p:cxnSp>
-        <p:grpSp>
-          <p:nvGrpSpPr>
-            <p:cNvPr id="17" name="グループ化 16">
-              <a:extLst>
-                <a:ext uri="{FF2B5EF4-FFF2-40B4-BE49-F238E27FC236}">
-                  <a16:creationId xmlns:a16="http://schemas.microsoft.com/office/drawing/2014/main" id="{C7EDA8B6-CC9C-4914-9175-EDBE9D6B9807}"/>
-                </a:ext>
-              </a:extLst>
-            </p:cNvPr>
-            <p:cNvGrpSpPr/>
-            <p:nvPr/>
-          </p:nvGrpSpPr>
-          <p:grpSpPr>
-            <a:xfrm>
-              <a:off x="2832316" y="3438585"/>
-              <a:ext cx="862464" cy="972306"/>
-              <a:chOff x="3086158" y="3078580"/>
-              <a:chExt cx="862464" cy="972306"/>
-            </a:xfrm>
-          </p:grpSpPr>
-          <p:sp>
-            <p:nvSpPr>
-              <p:cNvPr id="35" name="円弧 34">
-                <a:extLst>
-                  <a:ext uri="{FF2B5EF4-FFF2-40B4-BE49-F238E27FC236}">
-                    <a16:creationId xmlns:a16="http://schemas.microsoft.com/office/drawing/2014/main" id="{42B38824-A192-469A-A63B-66B8DD337B18}"/>
-                  </a:ext>
-                </a:extLst>
-              </p:cNvPr>
-              <p:cNvSpPr/>
-              <p:nvPr/>
-            </p:nvSpPr>
-            <p:spPr>
-              <a:xfrm>
-                <a:off x="3086158" y="3468518"/>
-                <a:ext cx="540533" cy="582368"/>
-              </a:xfrm>
-              <a:prstGeom prst="arc">
-                <a:avLst/>
-              </a:prstGeom>
-              <a:ln w="38100">
-                <a:headEnd type="triangle" w="med" len="med"/>
-                <a:tailEnd type="none" w="med" len="med"/>
-              </a:ln>
-            </p:spPr>
-            <p:style>
-              <a:lnRef idx="1">
-                <a:schemeClr val="dk1"/>
-              </a:lnRef>
-              <a:fillRef idx="0">
-                <a:schemeClr val="dk1"/>
-              </a:fillRef>
-              <a:effectRef idx="0">
-                <a:schemeClr val="dk1"/>
-              </a:effectRef>
-              <a:fontRef idx="minor">
-                <a:schemeClr val="tx1"/>
-              </a:fontRef>
-            </p:style>
-            <p:txBody>
-              <a:bodyPr rtlCol="0" anchor="ctr"/>
-              <a:lstStyle/>
-              <a:p>
-                <a:pPr algn="ctr"/>
-                <a:endParaRPr kumimoji="1" lang="ja-JP" altLang="en-US"/>
-              </a:p>
-            </p:txBody>
-          </p:sp>
-          <p:sp>
-            <p:nvSpPr>
-              <p:cNvPr id="36" name="テキスト ボックス 35">
-                <a:extLst>
-                  <a:ext uri="{FF2B5EF4-FFF2-40B4-BE49-F238E27FC236}">
-                    <a16:creationId xmlns:a16="http://schemas.microsoft.com/office/drawing/2014/main" id="{C6651DFE-7985-4C3D-A1CC-63225A4B3DE9}"/>
-                  </a:ext>
-                </a:extLst>
-              </p:cNvPr>
-              <p:cNvSpPr txBox="1"/>
-              <p:nvPr/>
-            </p:nvSpPr>
-            <p:spPr>
-              <a:xfrm>
-                <a:off x="3433737" y="3078580"/>
-                <a:ext cx="514885" cy="584775"/>
-              </a:xfrm>
-              <a:prstGeom prst="rect">
-                <a:avLst/>
-              </a:prstGeom>
-              <a:noFill/>
-            </p:spPr>
-            <p:txBody>
-              <a:bodyPr wrap="none" rtlCol="0">
-                <a:spAutoFit/>
-              </a:bodyPr>
-              <a:lstStyle/>
-              <a:p>
-                <a:r>
-                  <a:rPr kumimoji="1" lang="en-US" altLang="ja-JP" sz="3200" i="1" dirty="0">
-                    <a:latin typeface="Times New Roman" panose="02020603050405020304" pitchFamily="18" charset="0"/>
-                    <a:cs typeface="Times New Roman" panose="02020603050405020304" pitchFamily="18" charset="0"/>
-                  </a:rPr>
-                  <a:t>θ</a:t>
-                </a:r>
-                <a:r>
-                  <a:rPr lang="en-US" altLang="ja-JP" sz="2000" i="1" dirty="0">
-                    <a:latin typeface="Times New Roman" panose="02020603050405020304" pitchFamily="18" charset="0"/>
-                    <a:cs typeface="Times New Roman" panose="02020603050405020304" pitchFamily="18" charset="0"/>
-                  </a:rPr>
-                  <a:t>2</a:t>
-                </a:r>
-                <a:endParaRPr kumimoji="1" lang="ja-JP" altLang="en-US" sz="3200" i="1" dirty="0">
-                  <a:latin typeface="Times New Roman" panose="02020603050405020304" pitchFamily="18" charset="0"/>
-                  <a:cs typeface="Times New Roman" panose="02020603050405020304" pitchFamily="18" charset="0"/>
-                </a:endParaRPr>
-              </a:p>
-            </p:txBody>
-          </p:sp>
-        </p:grpSp>
-        <p:sp>
-          <p:nvSpPr>
-            <p:cNvPr id="37" name="テキスト ボックス 36">
-              <a:extLst>
-                <a:ext uri="{FF2B5EF4-FFF2-40B4-BE49-F238E27FC236}">
-                  <a16:creationId xmlns:a16="http://schemas.microsoft.com/office/drawing/2014/main" id="{02C08B31-A1AD-4B3A-BCD2-C88427D9B253}"/>
-                </a:ext>
-              </a:extLst>
-            </p:cNvPr>
-            <p:cNvSpPr txBox="1"/>
-            <p:nvPr/>
-          </p:nvSpPr>
-          <p:spPr>
-            <a:xfrm>
-              <a:off x="160124" y="584727"/>
-              <a:ext cx="389850" cy="584775"/>
-            </a:xfrm>
-            <a:prstGeom prst="rect">
-              <a:avLst/>
-            </a:prstGeom>
-            <a:noFill/>
-          </p:spPr>
-          <p:txBody>
-            <a:bodyPr wrap="none" rtlCol="0">
-              <a:spAutoFit/>
-            </a:bodyPr>
-            <a:lstStyle/>
-            <a:p>
-              <a:r>
-                <a:rPr lang="en-US" altLang="ja-JP" sz="3200" b="1" dirty="0">
-                  <a:latin typeface="Times New Roman" panose="02020603050405020304" pitchFamily="18" charset="0"/>
-                  <a:cs typeface="Times New Roman" panose="02020603050405020304" pitchFamily="18" charset="0"/>
-                </a:rPr>
-                <a:t>y</a:t>
-              </a:r>
-              <a:endParaRPr kumimoji="1" lang="ja-JP" altLang="en-US" sz="3200" b="1" dirty="0">
-                <a:latin typeface="Times New Roman" panose="02020603050405020304" pitchFamily="18" charset="0"/>
-                <a:cs typeface="Times New Roman" panose="02020603050405020304" pitchFamily="18" charset="0"/>
-              </a:endParaRPr>
-            </a:p>
-          </p:txBody>
-        </p:sp>
-        <p:sp>
-          <p:nvSpPr>
-            <p:cNvPr id="38" name="テキスト ボックス 37">
-              <a:extLst>
-                <a:ext uri="{FF2B5EF4-FFF2-40B4-BE49-F238E27FC236}">
-                  <a16:creationId xmlns:a16="http://schemas.microsoft.com/office/drawing/2014/main" id="{9B731AD9-55F8-43B4-A00D-422BB8DE04D5}"/>
-                </a:ext>
-              </a:extLst>
-            </p:cNvPr>
-            <p:cNvSpPr txBox="1"/>
-            <p:nvPr/>
-          </p:nvSpPr>
-          <p:spPr>
-            <a:xfrm>
-              <a:off x="5130767" y="5396106"/>
-              <a:ext cx="389850" cy="584775"/>
-            </a:xfrm>
-            <a:prstGeom prst="rect">
-              <a:avLst/>
-            </a:prstGeom>
-            <a:noFill/>
-          </p:spPr>
-          <p:txBody>
-            <a:bodyPr wrap="none" rtlCol="0">
-              <a:spAutoFit/>
-            </a:bodyPr>
-            <a:lstStyle/>
-            <a:p>
-              <a:r>
-                <a:rPr lang="en-US" altLang="ja-JP" sz="3200" b="1" dirty="0">
-                  <a:latin typeface="Times New Roman" panose="02020603050405020304" pitchFamily="18" charset="0"/>
-                  <a:cs typeface="Times New Roman" panose="02020603050405020304" pitchFamily="18" charset="0"/>
-                </a:rPr>
-                <a:t>x</a:t>
-              </a:r>
-              <a:endParaRPr kumimoji="1" lang="ja-JP" altLang="en-US" sz="3200" b="1" dirty="0">
-                <a:latin typeface="Times New Roman" panose="02020603050405020304" pitchFamily="18" charset="0"/>
-                <a:cs typeface="Times New Roman" panose="02020603050405020304" pitchFamily="18" charset="0"/>
-              </a:endParaRPr>
-            </a:p>
-          </p:txBody>
-        </p:sp>
-        <p:sp>
-          <p:nvSpPr>
-            <p:cNvPr id="39" name="テキスト ボックス 38">
-              <a:extLst>
-                <a:ext uri="{FF2B5EF4-FFF2-40B4-BE49-F238E27FC236}">
-                  <a16:creationId xmlns:a16="http://schemas.microsoft.com/office/drawing/2014/main" id="{0B389FA3-17ED-426C-A307-98D6AE2EE47F}"/>
-                </a:ext>
-              </a:extLst>
-            </p:cNvPr>
-            <p:cNvSpPr txBox="1"/>
-            <p:nvPr/>
-          </p:nvSpPr>
-          <p:spPr>
-            <a:xfrm>
-              <a:off x="1195188" y="4425404"/>
-              <a:ext cx="426720" cy="584775"/>
-            </a:xfrm>
-            <a:prstGeom prst="rect">
-              <a:avLst/>
-            </a:prstGeom>
-            <a:noFill/>
-          </p:spPr>
-          <p:txBody>
-            <a:bodyPr wrap="none" rtlCol="0">
-              <a:spAutoFit/>
-            </a:bodyPr>
-            <a:lstStyle/>
-            <a:p>
-              <a:r>
-                <a:rPr lang="en-US" altLang="ja-JP" sz="3200" i="1" dirty="0">
-                  <a:latin typeface="Times New Roman" panose="02020603050405020304" pitchFamily="18" charset="0"/>
-                  <a:cs typeface="Times New Roman" panose="02020603050405020304" pitchFamily="18" charset="0"/>
-                </a:rPr>
-                <a:t>l</a:t>
-              </a:r>
-              <a:r>
-                <a:rPr kumimoji="1" lang="en-US" altLang="ja-JP" sz="2000" i="1" dirty="0">
-                  <a:latin typeface="Times New Roman" panose="02020603050405020304" pitchFamily="18" charset="0"/>
-                  <a:cs typeface="Times New Roman" panose="02020603050405020304" pitchFamily="18" charset="0"/>
-                </a:rPr>
-                <a:t>1</a:t>
-              </a:r>
-              <a:endParaRPr kumimoji="1" lang="ja-JP" altLang="en-US" sz="3200" i="1" dirty="0">
-                <a:latin typeface="Times New Roman" panose="02020603050405020304" pitchFamily="18" charset="0"/>
-                <a:cs typeface="Times New Roman" panose="02020603050405020304" pitchFamily="18" charset="0"/>
-              </a:endParaRPr>
-            </a:p>
-          </p:txBody>
-        </p:sp>
-        <p:sp>
-          <p:nvSpPr>
-            <p:cNvPr id="40" name="テキスト ボックス 39">
-              <a:extLst>
-                <a:ext uri="{FF2B5EF4-FFF2-40B4-BE49-F238E27FC236}">
-                  <a16:creationId xmlns:a16="http://schemas.microsoft.com/office/drawing/2014/main" id="{D6B3404A-BA64-427D-B5F2-EF472F64A047}"/>
-                </a:ext>
-              </a:extLst>
-            </p:cNvPr>
-            <p:cNvSpPr txBox="1"/>
-            <p:nvPr/>
-          </p:nvSpPr>
-          <p:spPr>
-            <a:xfrm>
-              <a:off x="2690414" y="3012699"/>
-              <a:ext cx="426720" cy="584775"/>
-            </a:xfrm>
-            <a:prstGeom prst="rect">
-              <a:avLst/>
-            </a:prstGeom>
-            <a:noFill/>
-          </p:spPr>
-          <p:txBody>
-            <a:bodyPr wrap="none" rtlCol="0">
-              <a:spAutoFit/>
-            </a:bodyPr>
-            <a:lstStyle/>
-            <a:p>
-              <a:r>
-                <a:rPr lang="en-US" altLang="ja-JP" sz="3200" i="1" dirty="0">
-                  <a:latin typeface="Times New Roman" panose="02020603050405020304" pitchFamily="18" charset="0"/>
-                  <a:cs typeface="Times New Roman" panose="02020603050405020304" pitchFamily="18" charset="0"/>
-                </a:rPr>
-                <a:t>l</a:t>
-              </a:r>
-              <a:r>
-                <a:rPr lang="en-US" altLang="ja-JP" sz="2000" i="1" dirty="0">
-                  <a:latin typeface="Times New Roman" panose="02020603050405020304" pitchFamily="18" charset="0"/>
-                  <a:cs typeface="Times New Roman" panose="02020603050405020304" pitchFamily="18" charset="0"/>
-                </a:rPr>
-                <a:t>2</a:t>
-              </a:r>
-              <a:endParaRPr kumimoji="1" lang="ja-JP" altLang="en-US" sz="3200" i="1" dirty="0">
-                <a:latin typeface="Times New Roman" panose="02020603050405020304" pitchFamily="18" charset="0"/>
-                <a:cs typeface="Times New Roman" panose="02020603050405020304" pitchFamily="18" charset="0"/>
-              </a:endParaRPr>
-            </a:p>
-          </p:txBody>
-        </p:sp>
-        <p:grpSp>
-          <p:nvGrpSpPr>
-            <p:cNvPr id="6" name="グループ化 5"/>
-            <p:cNvGrpSpPr/>
-            <p:nvPr/>
-          </p:nvGrpSpPr>
-          <p:grpSpPr>
-            <a:xfrm rot="2230958" flipH="1">
-              <a:off x="2805246" y="2325175"/>
-              <a:ext cx="1440487" cy="2249766"/>
-              <a:chOff x="2274642" y="2124849"/>
-              <a:chExt cx="1440487" cy="2249766"/>
-            </a:xfrm>
-          </p:grpSpPr>
-          <p:sp>
-            <p:nvSpPr>
-              <p:cNvPr id="2" name="円弧 1"/>
-              <p:cNvSpPr/>
-              <p:nvPr/>
-            </p:nvSpPr>
-            <p:spPr>
-              <a:xfrm rot="3291253">
-                <a:off x="2755732" y="2124849"/>
-                <a:ext cx="959397" cy="959397"/>
-              </a:xfrm>
-              <a:prstGeom prst="arc">
-                <a:avLst>
-                  <a:gd name="adj1" fmla="val 16200000"/>
-                  <a:gd name="adj2" fmla="val 18458486"/>
-                </a:avLst>
-              </a:prstGeom>
-              <a:ln w="38100">
-                <a:solidFill>
-                  <a:schemeClr val="tx1"/>
-                </a:solidFill>
-              </a:ln>
-            </p:spPr>
-            <p:style>
-              <a:lnRef idx="1">
-                <a:schemeClr val="accent1"/>
-              </a:lnRef>
-              <a:fillRef idx="0">
-                <a:schemeClr val="accent1"/>
-              </a:fillRef>
-              <a:effectRef idx="0">
-                <a:schemeClr val="accent1"/>
-              </a:effectRef>
-              <a:fontRef idx="minor">
-                <a:schemeClr val="tx1"/>
-              </a:fontRef>
-            </p:style>
-            <p:txBody>
-              <a:bodyPr rtlCol="0" anchor="ctr"/>
-              <a:lstStyle/>
-              <a:p>
-                <a:pPr algn="ctr"/>
-                <a:endParaRPr kumimoji="1" lang="ja-JP" altLang="en-US"/>
-              </a:p>
-            </p:txBody>
-          </p:sp>
-          <p:sp>
-            <p:nvSpPr>
-              <p:cNvPr id="23" name="円弧 22"/>
-              <p:cNvSpPr/>
-              <p:nvPr/>
-            </p:nvSpPr>
-            <p:spPr>
-              <a:xfrm rot="19927927" flipV="1">
-                <a:off x="2274642" y="3415218"/>
-                <a:ext cx="959397" cy="959397"/>
-              </a:xfrm>
-              <a:prstGeom prst="arc">
-                <a:avLst>
-                  <a:gd name="adj1" fmla="val 16200000"/>
-                  <a:gd name="adj2" fmla="val 18458486"/>
-                </a:avLst>
-              </a:prstGeom>
-              <a:ln w="38100">
-                <a:solidFill>
-                  <a:schemeClr val="tx1"/>
-                </a:solidFill>
-              </a:ln>
-            </p:spPr>
-            <p:style>
-              <a:lnRef idx="1">
-                <a:schemeClr val="accent1"/>
-              </a:lnRef>
-              <a:fillRef idx="0">
-                <a:schemeClr val="accent1"/>
-              </a:fillRef>
-              <a:effectRef idx="0">
-                <a:schemeClr val="accent1"/>
-              </a:effectRef>
-              <a:fontRef idx="minor">
-                <a:schemeClr val="tx1"/>
-              </a:fontRef>
-            </p:style>
-            <p:txBody>
-              <a:bodyPr rtlCol="0" anchor="ctr"/>
-              <a:lstStyle/>
-              <a:p>
-                <a:pPr algn="ctr"/>
-                <a:endParaRPr kumimoji="1" lang="ja-JP" altLang="en-US"/>
-              </a:p>
-            </p:txBody>
-          </p:sp>
-        </p:grpSp>
-        <p:grpSp>
-          <p:nvGrpSpPr>
-            <p:cNvPr id="25" name="グループ化 24"/>
-            <p:cNvGrpSpPr/>
-            <p:nvPr/>
-          </p:nvGrpSpPr>
-          <p:grpSpPr>
-            <a:xfrm rot="16382869" flipV="1">
-              <a:off x="768985" y="3898833"/>
-              <a:ext cx="1941655" cy="2635867"/>
-              <a:chOff x="1710289" y="2088383"/>
-              <a:chExt cx="1941655" cy="2635867"/>
-            </a:xfrm>
-          </p:grpSpPr>
-          <p:sp>
-            <p:nvSpPr>
-              <p:cNvPr id="26" name="円弧 25"/>
-              <p:cNvSpPr/>
-              <p:nvPr/>
-            </p:nvSpPr>
-            <p:spPr>
-              <a:xfrm rot="4001098">
-                <a:off x="2692547" y="2088383"/>
-                <a:ext cx="959397" cy="959397"/>
-              </a:xfrm>
-              <a:prstGeom prst="arc">
-                <a:avLst>
-                  <a:gd name="adj1" fmla="val 16200000"/>
-                  <a:gd name="adj2" fmla="val 18458486"/>
-                </a:avLst>
-              </a:prstGeom>
-              <a:ln w="38100">
-                <a:solidFill>
-                  <a:schemeClr val="tx1"/>
-                </a:solidFill>
-              </a:ln>
-            </p:spPr>
-            <p:style>
-              <a:lnRef idx="1">
-                <a:schemeClr val="accent1"/>
-              </a:lnRef>
-              <a:fillRef idx="0">
-                <a:schemeClr val="accent1"/>
-              </a:fillRef>
-              <a:effectRef idx="0">
-                <a:schemeClr val="accent1"/>
-              </a:effectRef>
-              <a:fontRef idx="minor">
-                <a:schemeClr val="tx1"/>
-              </a:fontRef>
-            </p:style>
-            <p:txBody>
-              <a:bodyPr rtlCol="0" anchor="ctr"/>
-              <a:lstStyle/>
-              <a:p>
-                <a:pPr algn="ctr"/>
-                <a:endParaRPr kumimoji="1" lang="ja-JP" altLang="en-US"/>
-              </a:p>
-            </p:txBody>
-          </p:sp>
-          <p:sp>
-            <p:nvSpPr>
-              <p:cNvPr id="28" name="円弧 27"/>
-              <p:cNvSpPr/>
-              <p:nvPr/>
-            </p:nvSpPr>
-            <p:spPr>
-              <a:xfrm rot="21467698" flipV="1">
-                <a:off x="1710289" y="3764853"/>
-                <a:ext cx="959397" cy="959397"/>
-              </a:xfrm>
-              <a:prstGeom prst="arc">
-                <a:avLst>
-                  <a:gd name="adj1" fmla="val 16200000"/>
-                  <a:gd name="adj2" fmla="val 18458486"/>
-                </a:avLst>
-              </a:prstGeom>
-              <a:ln w="38100">
-                <a:solidFill>
-                  <a:schemeClr val="tx1"/>
-                </a:solidFill>
-              </a:ln>
-            </p:spPr>
-            <p:style>
-              <a:lnRef idx="1">
-                <a:schemeClr val="accent1"/>
-              </a:lnRef>
-              <a:fillRef idx="0">
-                <a:schemeClr val="accent1"/>
-              </a:fillRef>
-              <a:effectRef idx="0">
-                <a:schemeClr val="accent1"/>
-              </a:effectRef>
-              <a:fontRef idx="minor">
-                <a:schemeClr val="tx1"/>
-              </a:fontRef>
-            </p:style>
-            <p:txBody>
-              <a:bodyPr rtlCol="0" anchor="ctr"/>
-              <a:lstStyle/>
-              <a:p>
-                <a:pPr algn="ctr"/>
-                <a:endParaRPr kumimoji="1" lang="ja-JP" altLang="en-US"/>
-              </a:p>
-            </p:txBody>
-          </p:sp>
-        </p:grpSp>
-      </p:grpSp>
-      <p:cxnSp>
-        <p:nvCxnSpPr>
-          <p:cNvPr id="13" name="直線コネクタ 12"/>
-          <p:cNvCxnSpPr/>
-          <p:nvPr/>
-        </p:nvCxnSpPr>
-        <p:spPr>
-          <a:xfrm>
-            <a:off x="6315075" y="4262438"/>
-            <a:ext cx="2000250" cy="0"/>
-          </a:xfrm>
-          <a:prstGeom prst="line">
-            <a:avLst/>
-          </a:prstGeom>
-          <a:ln>
-            <a:prstDash val="dash"/>
-          </a:ln>
-        </p:spPr>
-        <p:style>
-          <a:lnRef idx="1">
-            <a:schemeClr val="dk1"/>
-          </a:lnRef>
-          <a:fillRef idx="0">
-            <a:schemeClr val="dk1"/>
-          </a:fillRef>
-          <a:effectRef idx="0">
-            <a:schemeClr val="dk1"/>
-          </a:effectRef>
-          <a:fontRef idx="minor">
-            <a:schemeClr val="tx1"/>
-          </a:fontRef>
-        </p:style>
-      </p:cxnSp>
-      <p:grpSp>
-        <p:nvGrpSpPr>
-          <p:cNvPr id="15" name="グループ化 14"/>
-          <p:cNvGrpSpPr/>
-          <p:nvPr/>
-        </p:nvGrpSpPr>
-        <p:grpSpPr>
-          <a:xfrm>
-            <a:off x="6937843" y="3706955"/>
-            <a:ext cx="956216" cy="978611"/>
-            <a:chOff x="4536344" y="5183217"/>
-            <a:chExt cx="956216" cy="978611"/>
-          </a:xfrm>
-        </p:grpSpPr>
-        <p:sp>
-          <p:nvSpPr>
-            <p:cNvPr id="41" name="円弧 40">
-              <a:extLst>
-                <a:ext uri="{FF2B5EF4-FFF2-40B4-BE49-F238E27FC236}">
-                  <a16:creationId xmlns:a16="http://schemas.microsoft.com/office/drawing/2014/main" id="{8EF24A81-B80A-4AE1-B40C-03EC3BC7E03D}"/>
-                </a:ext>
-              </a:extLst>
-            </p:cNvPr>
-            <p:cNvSpPr/>
-            <p:nvPr/>
-          </p:nvSpPr>
-          <p:spPr>
-            <a:xfrm>
-              <a:off x="4536344" y="5287202"/>
-              <a:ext cx="490329" cy="874626"/>
-            </a:xfrm>
-            <a:prstGeom prst="arc">
-              <a:avLst/>
-            </a:prstGeom>
-            <a:ln w="38100">
-              <a:headEnd type="triangle" w="med" len="med"/>
-              <a:tailEnd type="none" w="med" len="med"/>
-            </a:ln>
-          </p:spPr>
-          <p:style>
-            <a:lnRef idx="1">
-              <a:schemeClr val="dk1"/>
-            </a:lnRef>
-            <a:fillRef idx="0">
-              <a:schemeClr val="dk1"/>
-            </a:fillRef>
-            <a:effectRef idx="0">
-              <a:schemeClr val="dk1"/>
-            </a:effectRef>
-            <a:fontRef idx="minor">
-              <a:schemeClr val="tx1"/>
-            </a:fontRef>
-          </p:style>
-          <p:txBody>
-            <a:bodyPr rtlCol="0" anchor="ctr"/>
-            <a:lstStyle/>
-            <a:p>
-              <a:pPr algn="ctr"/>
-              <a:endParaRPr kumimoji="1" lang="ja-JP" altLang="en-US"/>
-            </a:p>
-          </p:txBody>
-        </p:sp>
-        <p:sp>
-          <p:nvSpPr>
-            <p:cNvPr id="42" name="テキスト ボックス 41">
-              <a:extLst>
-                <a:ext uri="{FF2B5EF4-FFF2-40B4-BE49-F238E27FC236}">
-                  <a16:creationId xmlns:a16="http://schemas.microsoft.com/office/drawing/2014/main" id="{EC060A66-2801-49EE-A823-A05C9B0A67BC}"/>
-                </a:ext>
-              </a:extLst>
-            </p:cNvPr>
-            <p:cNvSpPr txBox="1"/>
-            <p:nvPr/>
-          </p:nvSpPr>
-          <p:spPr>
-            <a:xfrm>
-              <a:off x="4977675" y="5183217"/>
-              <a:ext cx="514885" cy="584775"/>
-            </a:xfrm>
-            <a:prstGeom prst="rect">
-              <a:avLst/>
-            </a:prstGeom>
-            <a:noFill/>
-          </p:spPr>
-          <p:txBody>
-            <a:bodyPr wrap="none" rtlCol="0">
-              <a:spAutoFit/>
-            </a:bodyPr>
-            <a:lstStyle/>
-            <a:p>
-              <a:r>
-                <a:rPr kumimoji="1" lang="en-US" altLang="ja-JP" sz="3200" i="1" dirty="0">
-                  <a:latin typeface="Times New Roman" panose="02020603050405020304" pitchFamily="18" charset="0"/>
-                  <a:cs typeface="Times New Roman" panose="02020603050405020304" pitchFamily="18" charset="0"/>
-                </a:rPr>
-                <a:t>θ</a:t>
-              </a:r>
-              <a:r>
-                <a:rPr kumimoji="1" lang="en-US" altLang="ja-JP" sz="2000" i="1" dirty="0">
-                  <a:latin typeface="Times New Roman" panose="02020603050405020304" pitchFamily="18" charset="0"/>
-                  <a:cs typeface="Times New Roman" panose="02020603050405020304" pitchFamily="18" charset="0"/>
-                </a:rPr>
-                <a:t>1</a:t>
-              </a:r>
-              <a:endParaRPr kumimoji="1" lang="ja-JP" altLang="en-US" sz="3200" i="1" dirty="0">
-                <a:latin typeface="Times New Roman" panose="02020603050405020304" pitchFamily="18" charset="0"/>
-                <a:cs typeface="Times New Roman" panose="02020603050405020304" pitchFamily="18" charset="0"/>
-              </a:endParaRPr>
-            </a:p>
-          </p:txBody>
-        </p:sp>
-      </p:grpSp>
-    </p:spTree>
-    <p:extLst>
-      <p:ext uri="{BB962C8B-B14F-4D97-AF65-F5344CB8AC3E}">
-        <p14:creationId xmlns:p14="http://schemas.microsoft.com/office/powerpoint/2010/main" val="595994784"/>
-      </p:ext>
-    </p:extLst>
-  </p:cSld>
-  <p:clrMapOvr>
-    <a:masterClrMapping/>
-  </p:clrMapOvr>
-</p:sld>
-</file>
-
-<file path=ppt/slides/slide3.xml><?xml version="1.0" encoding="utf-8"?>
+<file path=ppt/slides/slide5.xml><?xml version="1.0" encoding="utf-8"?>
 <p:sld xmlns:a="http://schemas.openxmlformats.org/drawingml/2006/main" xmlns:r="http://schemas.openxmlformats.org/officeDocument/2006/relationships" xmlns:p="http://schemas.openxmlformats.org/presentationml/2006/main">
   <p:cSld>
     <p:spTree>
@@ -20475,15 +21337,14 @@
                   <a:lstStyle/>
                   <a:p>
                     <a:r>
-                      <a:rPr kumimoji="1" lang="ja-JP" altLang="en-US" sz="2400" dirty="0" smtClean="0"/>
+                      <a:rPr kumimoji="1" lang="ja-JP" altLang="en-US" sz="2400" dirty="0"/>
                       <a:t>・・・</a:t>
                     </a:r>
-                    <a:endParaRPr kumimoji="1" lang="ja-JP" altLang="en-US" sz="2400" dirty="0"/>
                   </a:p>
                 </p:txBody>
               </p:sp>
-              <mc:AlternateContent xmlns:mc="http://schemas.openxmlformats.org/markup-compatibility/2006">
-                <mc:Choice xmlns:a14="http://schemas.microsoft.com/office/drawing/2010/main" Requires="a14">
+              <mc:AlternateContent xmlns:mc="http://schemas.openxmlformats.org/markup-compatibility/2006" xmlns:a14="http://schemas.microsoft.com/office/drawing/2010/main">
+                <mc:Choice Requires="a14">
                   <p:sp>
                     <p:nvSpPr>
                       <p:cNvPr id="28" name="テキスト ボックス 27"/>
@@ -20552,7 +21413,7 @@
                     </p:txBody>
                   </p:sp>
                 </mc:Choice>
-                <mc:Fallback>
+                <mc:Fallback xmlns="">
                   <p:sp>
                     <p:nvSpPr>
                       <p:cNvPr id="28" name="テキスト ボックス 27"/>
@@ -20591,8 +21452,8 @@
                   </p:sp>
                 </mc:Fallback>
               </mc:AlternateContent>
-              <mc:AlternateContent xmlns:mc="http://schemas.openxmlformats.org/markup-compatibility/2006">
-                <mc:Choice xmlns:a14="http://schemas.microsoft.com/office/drawing/2010/main" Requires="a14">
+              <mc:AlternateContent xmlns:mc="http://schemas.openxmlformats.org/markup-compatibility/2006" xmlns:a14="http://schemas.microsoft.com/office/drawing/2010/main">
+                <mc:Choice Requires="a14">
                   <p:sp>
                     <p:nvSpPr>
                       <p:cNvPr id="29" name="テキスト ボックス 28"/>
@@ -20661,7 +21522,7 @@
                     </p:txBody>
                   </p:sp>
                 </mc:Choice>
-                <mc:Fallback>
+                <mc:Fallback xmlns="">
                   <p:sp>
                     <p:nvSpPr>
                       <p:cNvPr id="29" name="テキスト ボックス 28"/>
@@ -20700,8 +21561,8 @@
                   </p:sp>
                 </mc:Fallback>
               </mc:AlternateContent>
-              <mc:AlternateContent xmlns:mc="http://schemas.openxmlformats.org/markup-compatibility/2006">
-                <mc:Choice xmlns:a14="http://schemas.microsoft.com/office/drawing/2010/main" Requires="a14">
+              <mc:AlternateContent xmlns:mc="http://schemas.openxmlformats.org/markup-compatibility/2006" xmlns:a14="http://schemas.microsoft.com/office/drawing/2010/main">
+                <mc:Choice Requires="a14">
                   <p:sp>
                     <p:nvSpPr>
                       <p:cNvPr id="35" name="テキスト ボックス 34"/>
@@ -20764,7 +21625,7 @@
                     </p:txBody>
                   </p:sp>
                 </mc:Choice>
-                <mc:Fallback>
+                <mc:Fallback xmlns="">
                   <p:sp>
                     <p:nvSpPr>
                       <p:cNvPr id="35" name="テキスト ボックス 34"/>
@@ -20803,8 +21664,8 @@
                   </p:sp>
                 </mc:Fallback>
               </mc:AlternateContent>
-              <mc:AlternateContent xmlns:mc="http://schemas.openxmlformats.org/markup-compatibility/2006">
-                <mc:Choice xmlns:a14="http://schemas.microsoft.com/office/drawing/2010/main" Requires="a14">
+              <mc:AlternateContent xmlns:mc="http://schemas.openxmlformats.org/markup-compatibility/2006" xmlns:a14="http://schemas.microsoft.com/office/drawing/2010/main">
+                <mc:Choice Requires="a14">
                   <p:sp>
                     <p:nvSpPr>
                       <p:cNvPr id="52" name="テキスト ボックス 51"/>
@@ -20867,7 +21728,7 @@
                     </p:txBody>
                   </p:sp>
                 </mc:Choice>
-                <mc:Fallback>
+                <mc:Fallback xmlns="">
                   <p:sp>
                     <p:nvSpPr>
                       <p:cNvPr id="52" name="テキスト ボックス 51"/>
@@ -20906,8 +21767,8 @@
                   </p:sp>
                 </mc:Fallback>
               </mc:AlternateContent>
-              <mc:AlternateContent xmlns:mc="http://schemas.openxmlformats.org/markup-compatibility/2006">
-                <mc:Choice xmlns:a14="http://schemas.microsoft.com/office/drawing/2010/main" Requires="a14">
+              <mc:AlternateContent xmlns:mc="http://schemas.openxmlformats.org/markup-compatibility/2006" xmlns:a14="http://schemas.microsoft.com/office/drawing/2010/main">
+                <mc:Choice Requires="a14">
                   <p:sp>
                     <p:nvSpPr>
                       <p:cNvPr id="58" name="テキスト ボックス 57"/>
@@ -20976,7 +21837,7 @@
                     </p:txBody>
                   </p:sp>
                 </mc:Choice>
-                <mc:Fallback>
+                <mc:Fallback xmlns="">
                   <p:sp>
                     <p:nvSpPr>
                       <p:cNvPr id="58" name="テキスト ボックス 57"/>
@@ -21015,8 +21876,8 @@
                   </p:sp>
                 </mc:Fallback>
               </mc:AlternateContent>
-              <mc:AlternateContent xmlns:mc="http://schemas.openxmlformats.org/markup-compatibility/2006">
-                <mc:Choice xmlns:a14="http://schemas.microsoft.com/office/drawing/2010/main" Requires="a14">
+              <mc:AlternateContent xmlns:mc="http://schemas.openxmlformats.org/markup-compatibility/2006" xmlns:a14="http://schemas.microsoft.com/office/drawing/2010/main">
+                <mc:Choice Requires="a14">
                   <p:sp>
                     <p:nvSpPr>
                       <p:cNvPr id="61" name="テキスト ボックス 60"/>
@@ -21079,7 +21940,7 @@
                     </p:txBody>
                   </p:sp>
                 </mc:Choice>
-                <mc:Fallback>
+                <mc:Fallback xmlns="">
                   <p:sp>
                     <p:nvSpPr>
                       <p:cNvPr id="61" name="テキスト ボックス 60"/>
@@ -21157,8 +22018,8 @@
                 </a:fontRef>
               </p:style>
             </p:cxnSp>
-            <mc:AlternateContent xmlns:mc="http://schemas.openxmlformats.org/markup-compatibility/2006">
-              <mc:Choice xmlns:a14="http://schemas.microsoft.com/office/drawing/2010/main" Requires="a14">
+            <mc:AlternateContent xmlns:mc="http://schemas.openxmlformats.org/markup-compatibility/2006" xmlns:a14="http://schemas.microsoft.com/office/drawing/2010/main">
+              <mc:Choice Requires="a14">
                 <p:sp>
                   <p:nvSpPr>
                     <p:cNvPr id="87" name="テキスト ボックス 86"/>
@@ -21221,7 +22082,7 @@
                   </p:txBody>
                 </p:sp>
               </mc:Choice>
-              <mc:Fallback>
+              <mc:Fallback xmlns="">
                 <p:sp>
                   <p:nvSpPr>
                     <p:cNvPr id="87" name="テキスト ボックス 86"/>
@@ -21260,8 +22121,8 @@
                 </p:sp>
               </mc:Fallback>
             </mc:AlternateContent>
-            <mc:AlternateContent xmlns:mc="http://schemas.openxmlformats.org/markup-compatibility/2006">
-              <mc:Choice xmlns:a14="http://schemas.microsoft.com/office/drawing/2010/main" Requires="a14">
+            <mc:AlternateContent xmlns:mc="http://schemas.openxmlformats.org/markup-compatibility/2006" xmlns:a14="http://schemas.microsoft.com/office/drawing/2010/main">
+              <mc:Choice Requires="a14">
                 <p:sp>
                   <p:nvSpPr>
                     <p:cNvPr id="88" name="テキスト ボックス 87"/>
@@ -21324,7 +22185,7 @@
                   </p:txBody>
                 </p:sp>
               </mc:Choice>
-              <mc:Fallback>
+              <mc:Fallback xmlns="">
                 <p:sp>
                   <p:nvSpPr>
                     <p:cNvPr id="88" name="テキスト ボックス 87"/>
@@ -21363,8 +22224,8 @@
                 </p:sp>
               </mc:Fallback>
             </mc:AlternateContent>
-            <mc:AlternateContent xmlns:mc="http://schemas.openxmlformats.org/markup-compatibility/2006">
-              <mc:Choice xmlns:a14="http://schemas.microsoft.com/office/drawing/2010/main" Requires="a14">
+            <mc:AlternateContent xmlns:mc="http://schemas.openxmlformats.org/markup-compatibility/2006" xmlns:a14="http://schemas.microsoft.com/office/drawing/2010/main">
+              <mc:Choice Requires="a14">
                 <p:sp>
                   <p:nvSpPr>
                     <p:cNvPr id="89" name="テキスト ボックス 88"/>
@@ -21427,7 +22288,7 @@
                   </p:txBody>
                 </p:sp>
               </mc:Choice>
-              <mc:Fallback>
+              <mc:Fallback xmlns="">
                 <p:sp>
                   <p:nvSpPr>
                     <p:cNvPr id="89" name="テキスト ボックス 88"/>
@@ -21466,8 +22327,8 @@
                 </p:sp>
               </mc:Fallback>
             </mc:AlternateContent>
-            <mc:AlternateContent xmlns:mc="http://schemas.openxmlformats.org/markup-compatibility/2006">
-              <mc:Choice xmlns:a14="http://schemas.microsoft.com/office/drawing/2010/main" Requires="a14">
+            <mc:AlternateContent xmlns:mc="http://schemas.openxmlformats.org/markup-compatibility/2006" xmlns:a14="http://schemas.microsoft.com/office/drawing/2010/main">
+              <mc:Choice Requires="a14">
                 <p:sp>
                   <p:nvSpPr>
                     <p:cNvPr id="90" name="テキスト ボックス 89"/>
@@ -21530,7 +22391,7 @@
                   </p:txBody>
                 </p:sp>
               </mc:Choice>
-              <mc:Fallback>
+              <mc:Fallback xmlns="">
                 <p:sp>
                   <p:nvSpPr>
                     <p:cNvPr id="90" name="テキスト ボックス 89"/>
@@ -21607,8 +22468,8 @@
               </a:fontRef>
             </p:style>
           </p:cxnSp>
-          <mc:AlternateContent xmlns:mc="http://schemas.openxmlformats.org/markup-compatibility/2006">
-            <mc:Choice xmlns:a14="http://schemas.microsoft.com/office/drawing/2010/main" Requires="a14">
+          <mc:AlternateContent xmlns:mc="http://schemas.openxmlformats.org/markup-compatibility/2006" xmlns:a14="http://schemas.microsoft.com/office/drawing/2010/main">
+            <mc:Choice Requires="a14">
               <p:sp>
                 <p:nvSpPr>
                   <p:cNvPr id="97" name="テキスト ボックス 96"/>
@@ -21652,7 +22513,7 @@
                 </p:txBody>
               </p:sp>
             </mc:Choice>
-            <mc:Fallback>
+            <mc:Fallback xmlns="">
               <p:sp>
                 <p:nvSpPr>
                   <p:cNvPr id="97" name="テキスト ボックス 96"/>
@@ -21692,8 +22553,8 @@
             </mc:Fallback>
           </mc:AlternateContent>
         </p:grpSp>
-        <mc:AlternateContent xmlns:mc="http://schemas.openxmlformats.org/markup-compatibility/2006">
-          <mc:Choice xmlns:a14="http://schemas.microsoft.com/office/drawing/2010/main" Requires="a14">
+        <mc:AlternateContent xmlns:mc="http://schemas.openxmlformats.org/markup-compatibility/2006" xmlns:a14="http://schemas.microsoft.com/office/drawing/2010/main">
+          <mc:Choice Requires="a14">
             <p:sp>
               <p:nvSpPr>
                 <p:cNvPr id="31" name="テキスト ボックス 30"/>
@@ -21743,7 +22604,7 @@
               </p:txBody>
             </p:sp>
           </mc:Choice>
-          <mc:Fallback>
+          <mc:Fallback xmlns="">
             <p:sp>
               <p:nvSpPr>
                 <p:cNvPr id="31" name="テキスト ボックス 30"/>
@@ -21796,7 +22657,7 @@
 </p:sld>
 </file>
 
-<file path=ppt/slides/slide4.xml><?xml version="1.0" encoding="utf-8"?>
+<file path=ppt/slides/slide6.xml><?xml version="1.0" encoding="utf-8"?>
 <p:sld xmlns:a="http://schemas.openxmlformats.org/drawingml/2006/main" xmlns:r="http://schemas.openxmlformats.org/officeDocument/2006/relationships" xmlns:p="http://schemas.openxmlformats.org/presentationml/2006/main">
   <p:cSld>
     <p:spTree>
@@ -24363,7 +25224,7 @@
 </p:sld>
 </file>
 
-<file path=ppt/slides/slide5.xml><?xml version="1.0" encoding="utf-8"?>
+<file path=ppt/slides/slide7.xml><?xml version="1.0" encoding="utf-8"?>
 <p:sld xmlns:a="http://schemas.openxmlformats.org/drawingml/2006/main" xmlns:r="http://schemas.openxmlformats.org/officeDocument/2006/relationships" xmlns:p="http://schemas.openxmlformats.org/presentationml/2006/main">
   <p:cSld>
     <p:spTree>
@@ -24873,7 +25734,7 @@
 </p:sld>
 </file>
 
-<file path=ppt/slides/slide6.xml><?xml version="1.0" encoding="utf-8"?>
+<file path=ppt/slides/slide8.xml><?xml version="1.0" encoding="utf-8"?>
 <p:sld xmlns:a="http://schemas.openxmlformats.org/drawingml/2006/main" xmlns:r="http://schemas.openxmlformats.org/officeDocument/2006/relationships" xmlns:p="http://schemas.openxmlformats.org/presentationml/2006/main">
   <p:cSld>
     <p:spTree>
@@ -24938,7 +25799,7 @@
 </p:sld>
 </file>
 
-<file path=ppt/slides/slide7.xml><?xml version="1.0" encoding="utf-8"?>
+<file path=ppt/slides/slide9.xml><?xml version="1.0" encoding="utf-8"?>
 <p:sld xmlns:a="http://schemas.openxmlformats.org/drawingml/2006/main" xmlns:r="http://schemas.openxmlformats.org/officeDocument/2006/relationships" xmlns:p="http://schemas.openxmlformats.org/presentationml/2006/main">
   <p:cSld>
     <p:spTree>
@@ -24994,136 +25855,6 @@
     <p:extLst>
       <p:ext uri="{BB962C8B-B14F-4D97-AF65-F5344CB8AC3E}">
         <p14:creationId xmlns:p14="http://schemas.microsoft.com/office/powerpoint/2010/main" val="3707320442"/>
-      </p:ext>
-    </p:extLst>
-  </p:cSld>
-  <p:clrMapOvr>
-    <a:masterClrMapping/>
-  </p:clrMapOvr>
-</p:sld>
-</file>
-
-<file path=ppt/slides/slide8.xml><?xml version="1.0" encoding="utf-8"?>
-<p:sld xmlns:a="http://schemas.openxmlformats.org/drawingml/2006/main" xmlns:r="http://schemas.openxmlformats.org/officeDocument/2006/relationships" xmlns:p="http://schemas.openxmlformats.org/presentationml/2006/main">
-  <p:cSld>
-    <p:spTree>
-      <p:nvGrpSpPr>
-        <p:cNvPr id="1" name=""/>
-        <p:cNvGrpSpPr/>
-        <p:nvPr/>
-      </p:nvGrpSpPr>
-      <p:grpSpPr>
-        <a:xfrm>
-          <a:off x="0" y="0"/>
-          <a:ext cx="0" cy="0"/>
-          <a:chOff x="0" y="0"/>
-          <a:chExt cx="0" cy="0"/>
-        </a:xfrm>
-      </p:grpSpPr>
-      <p:pic>
-        <p:nvPicPr>
-          <p:cNvPr id="3" name="図 2"/>
-          <p:cNvPicPr>
-            <a:picLocks noChangeAspect="1"/>
-          </p:cNvPicPr>
-          <p:nvPr/>
-        </p:nvPicPr>
-        <p:blipFill>
-          <a:blip r:embed="rId2">
-            <a:extLst>
-              <a:ext uri="{28A0092B-C50C-407E-A947-70E740481C1C}">
-                <a14:useLocalDpi xmlns:a14="http://schemas.microsoft.com/office/drawing/2010/main" val="0"/>
-              </a:ext>
-            </a:extLst>
-          </a:blip>
-          <a:stretch>
-            <a:fillRect/>
-          </a:stretch>
-        </p:blipFill>
-        <p:spPr>
-          <a:xfrm>
-            <a:off x="4571787" y="2285840"/>
-            <a:ext cx="3048425" cy="2286319"/>
-          </a:xfrm>
-          <a:prstGeom prst="rect">
-            <a:avLst/>
-          </a:prstGeom>
-          <a:ln>
-            <a:solidFill>
-              <a:schemeClr val="tx1"/>
-            </a:solidFill>
-          </a:ln>
-        </p:spPr>
-      </p:pic>
-    </p:spTree>
-    <p:extLst>
-      <p:ext uri="{BB962C8B-B14F-4D97-AF65-F5344CB8AC3E}">
-        <p14:creationId xmlns:p14="http://schemas.microsoft.com/office/powerpoint/2010/main" val="1131448522"/>
-      </p:ext>
-    </p:extLst>
-  </p:cSld>
-  <p:clrMapOvr>
-    <a:masterClrMapping/>
-  </p:clrMapOvr>
-</p:sld>
-</file>
-
-<file path=ppt/slides/slide9.xml><?xml version="1.0" encoding="utf-8"?>
-<p:sld xmlns:a="http://schemas.openxmlformats.org/drawingml/2006/main" xmlns:r="http://schemas.openxmlformats.org/officeDocument/2006/relationships" xmlns:p="http://schemas.openxmlformats.org/presentationml/2006/main">
-  <p:cSld>
-    <p:spTree>
-      <p:nvGrpSpPr>
-        <p:cNvPr id="1" name=""/>
-        <p:cNvGrpSpPr/>
-        <p:nvPr/>
-      </p:nvGrpSpPr>
-      <p:grpSpPr>
-        <a:xfrm>
-          <a:off x="0" y="0"/>
-          <a:ext cx="0" cy="0"/>
-          <a:chOff x="0" y="0"/>
-          <a:chExt cx="0" cy="0"/>
-        </a:xfrm>
-      </p:grpSpPr>
-      <p:pic>
-        <p:nvPicPr>
-          <p:cNvPr id="2" name="図 1"/>
-          <p:cNvPicPr>
-            <a:picLocks noChangeAspect="1"/>
-          </p:cNvPicPr>
-          <p:nvPr/>
-        </p:nvPicPr>
-        <p:blipFill>
-          <a:blip r:embed="rId2">
-            <a:extLst>
-              <a:ext uri="{28A0092B-C50C-407E-A947-70E740481C1C}">
-                <a14:useLocalDpi xmlns:a14="http://schemas.microsoft.com/office/drawing/2010/main" val="0"/>
-              </a:ext>
-            </a:extLst>
-          </a:blip>
-          <a:stretch>
-            <a:fillRect/>
-          </a:stretch>
-        </p:blipFill>
-        <p:spPr>
-          <a:xfrm>
-            <a:off x="4571787" y="2285840"/>
-            <a:ext cx="3048425" cy="2286319"/>
-          </a:xfrm>
-          <a:prstGeom prst="rect">
-            <a:avLst/>
-          </a:prstGeom>
-          <a:ln>
-            <a:solidFill>
-              <a:schemeClr val="tx1"/>
-            </a:solidFill>
-          </a:ln>
-        </p:spPr>
-      </p:pic>
-    </p:spTree>
-    <p:extLst>
-      <p:ext uri="{BB962C8B-B14F-4D97-AF65-F5344CB8AC3E}">
-        <p14:creationId xmlns:p14="http://schemas.microsoft.com/office/powerpoint/2010/main" val="4290672499"/>
       </p:ext>
     </p:extLst>
   </p:cSld>

--- a/卒研発表tex用_イラスト.pptx
+++ b/卒研発表tex用_イラスト.pptx
@@ -3453,13 +3453,13 @@
         </p:nvCxnSpPr>
         <p:spPr>
           <a:xfrm flipV="1">
-            <a:off x="2810933" y="406400"/>
-            <a:ext cx="0" cy="5644444"/>
+            <a:off x="3117023" y="207818"/>
+            <a:ext cx="0" cy="6387488"/>
           </a:xfrm>
           <a:prstGeom prst="straightConnector1">
             <a:avLst/>
           </a:prstGeom>
-          <a:ln>
+          <a:ln w="57150">
             <a:tailEnd type="triangle"/>
           </a:ln>
         </p:spPr>
@@ -3478,6 +3478,906 @@
           </a:fontRef>
         </p:style>
       </p:cxnSp>
+      <p:cxnSp>
+        <p:nvCxnSpPr>
+          <p:cNvPr id="4" name="直線矢印コネクタ 3">
+            <a:extLst>
+              <a:ext uri="{FF2B5EF4-FFF2-40B4-BE49-F238E27FC236}">
+                <a16:creationId xmlns:a16="http://schemas.microsoft.com/office/drawing/2014/main" id="{3D8810DB-8895-4C00-BBA0-377751952C15}"/>
+              </a:ext>
+            </a:extLst>
+          </p:cNvPr>
+          <p:cNvCxnSpPr>
+            <a:cxnSpLocks/>
+          </p:cNvCxnSpPr>
+          <p:nvPr/>
+        </p:nvCxnSpPr>
+        <p:spPr>
+          <a:xfrm>
+            <a:off x="2155517" y="5517760"/>
+            <a:ext cx="7404119" cy="0"/>
+          </a:xfrm>
+          <a:prstGeom prst="straightConnector1">
+            <a:avLst/>
+          </a:prstGeom>
+          <a:ln w="57150">
+            <a:tailEnd type="triangle"/>
+          </a:ln>
+        </p:spPr>
+        <p:style>
+          <a:lnRef idx="1">
+            <a:schemeClr val="dk1"/>
+          </a:lnRef>
+          <a:fillRef idx="0">
+            <a:schemeClr val="dk1"/>
+          </a:fillRef>
+          <a:effectRef idx="0">
+            <a:schemeClr val="dk1"/>
+          </a:effectRef>
+          <a:fontRef idx="minor">
+            <a:schemeClr val="tx1"/>
+          </a:fontRef>
+        </p:style>
+      </p:cxnSp>
+      <p:sp>
+        <p:nvSpPr>
+          <p:cNvPr id="7" name="楕円 6"/>
+          <p:cNvSpPr/>
+          <p:nvPr/>
+        </p:nvSpPr>
+        <p:spPr>
+          <a:xfrm>
+            <a:off x="7423266" y="5331438"/>
+            <a:ext cx="432261" cy="432261"/>
+          </a:xfrm>
+          <a:prstGeom prst="ellipse">
+            <a:avLst/>
+          </a:prstGeom>
+          <a:solidFill>
+            <a:srgbClr val="FF0000"/>
+          </a:solidFill>
+          <a:ln>
+            <a:noFill/>
+          </a:ln>
+        </p:spPr>
+        <p:style>
+          <a:lnRef idx="2">
+            <a:schemeClr val="accent1">
+              <a:shade val="50000"/>
+            </a:schemeClr>
+          </a:lnRef>
+          <a:fillRef idx="1">
+            <a:schemeClr val="accent1"/>
+          </a:fillRef>
+          <a:effectRef idx="0">
+            <a:schemeClr val="accent1"/>
+          </a:effectRef>
+          <a:fontRef idx="minor">
+            <a:schemeClr val="lt1"/>
+          </a:fontRef>
+        </p:style>
+        <p:txBody>
+          <a:bodyPr rtlCol="0" anchor="ctr"/>
+          <a:lstStyle/>
+          <a:p>
+            <a:pPr algn="ctr"/>
+            <a:endParaRPr kumimoji="1" lang="ja-JP" altLang="en-US" sz="2000"/>
+          </a:p>
+        </p:txBody>
+      </p:sp>
+      <p:sp>
+        <p:nvSpPr>
+          <p:cNvPr id="8" name="二等辺三角形 7"/>
+          <p:cNvSpPr/>
+          <p:nvPr/>
+        </p:nvSpPr>
+        <p:spPr>
+          <a:xfrm>
+            <a:off x="2900892" y="5331440"/>
+            <a:ext cx="432261" cy="372639"/>
+          </a:xfrm>
+          <a:prstGeom prst="triangle">
+            <a:avLst/>
+          </a:prstGeom>
+          <a:solidFill>
+            <a:srgbClr val="1F03EB"/>
+          </a:solidFill>
+          <a:ln>
+            <a:noFill/>
+          </a:ln>
+        </p:spPr>
+        <p:style>
+          <a:lnRef idx="2">
+            <a:schemeClr val="accent1">
+              <a:shade val="50000"/>
+            </a:schemeClr>
+          </a:lnRef>
+          <a:fillRef idx="1">
+            <a:schemeClr val="accent1"/>
+          </a:fillRef>
+          <a:effectRef idx="0">
+            <a:schemeClr val="accent1"/>
+          </a:effectRef>
+          <a:fontRef idx="minor">
+            <a:schemeClr val="lt1"/>
+          </a:fontRef>
+        </p:style>
+        <p:txBody>
+          <a:bodyPr rtlCol="0" anchor="ctr"/>
+          <a:lstStyle/>
+          <a:p>
+            <a:pPr algn="ctr"/>
+            <a:endParaRPr kumimoji="1" lang="ja-JP" altLang="en-US" sz="2000"/>
+          </a:p>
+        </p:txBody>
+      </p:sp>
+      <p:sp>
+        <p:nvSpPr>
+          <p:cNvPr id="9" name="二等辺三角形 8"/>
+          <p:cNvSpPr/>
+          <p:nvPr/>
+        </p:nvSpPr>
+        <p:spPr>
+          <a:xfrm>
+            <a:off x="7423265" y="841897"/>
+            <a:ext cx="432261" cy="372639"/>
+          </a:xfrm>
+          <a:prstGeom prst="triangle">
+            <a:avLst/>
+          </a:prstGeom>
+          <a:solidFill>
+            <a:srgbClr val="1F03EB"/>
+          </a:solidFill>
+          <a:ln>
+            <a:noFill/>
+          </a:ln>
+        </p:spPr>
+        <p:style>
+          <a:lnRef idx="2">
+            <a:schemeClr val="accent1">
+              <a:shade val="50000"/>
+            </a:schemeClr>
+          </a:lnRef>
+          <a:fillRef idx="1">
+            <a:schemeClr val="accent1"/>
+          </a:fillRef>
+          <a:effectRef idx="0">
+            <a:schemeClr val="accent1"/>
+          </a:effectRef>
+          <a:fontRef idx="minor">
+            <a:schemeClr val="lt1"/>
+          </a:fontRef>
+        </p:style>
+        <p:txBody>
+          <a:bodyPr rtlCol="0" anchor="ctr"/>
+          <a:lstStyle/>
+          <a:p>
+            <a:pPr algn="ctr"/>
+            <a:endParaRPr kumimoji="1" lang="ja-JP" altLang="en-US" sz="2000"/>
+          </a:p>
+        </p:txBody>
+      </p:sp>
+      <p:sp>
+        <p:nvSpPr>
+          <p:cNvPr id="10" name="楕円 9"/>
+          <p:cNvSpPr/>
+          <p:nvPr/>
+        </p:nvSpPr>
+        <p:spPr>
+          <a:xfrm>
+            <a:off x="2900891" y="812087"/>
+            <a:ext cx="432261" cy="432261"/>
+          </a:xfrm>
+          <a:prstGeom prst="ellipse">
+            <a:avLst/>
+          </a:prstGeom>
+          <a:solidFill>
+            <a:srgbClr val="FF0000"/>
+          </a:solidFill>
+          <a:ln>
+            <a:noFill/>
+          </a:ln>
+        </p:spPr>
+        <p:style>
+          <a:lnRef idx="2">
+            <a:schemeClr val="accent1">
+              <a:shade val="50000"/>
+            </a:schemeClr>
+          </a:lnRef>
+          <a:fillRef idx="1">
+            <a:schemeClr val="accent1"/>
+          </a:fillRef>
+          <a:effectRef idx="0">
+            <a:schemeClr val="accent1"/>
+          </a:effectRef>
+          <a:fontRef idx="minor">
+            <a:schemeClr val="lt1"/>
+          </a:fontRef>
+        </p:style>
+        <p:txBody>
+          <a:bodyPr rtlCol="0" anchor="ctr"/>
+          <a:lstStyle/>
+          <a:p>
+            <a:pPr algn="ctr"/>
+            <a:endParaRPr kumimoji="1" lang="ja-JP" altLang="en-US" sz="2000"/>
+          </a:p>
+        </p:txBody>
+      </p:sp>
+      <mc:AlternateContent xmlns:mc="http://schemas.openxmlformats.org/markup-compatibility/2006">
+        <mc:Choice xmlns:a14="http://schemas.microsoft.com/office/drawing/2010/main" Requires="a14">
+          <p:sp>
+            <p:nvSpPr>
+              <p:cNvPr id="14" name="正方形/長方形 13"/>
+              <p:cNvSpPr/>
+              <p:nvPr/>
+            </p:nvSpPr>
+            <p:spPr>
+              <a:xfrm>
+                <a:off x="1429998" y="845204"/>
+                <a:ext cx="1590628" cy="400110"/>
+              </a:xfrm>
+              <a:prstGeom prst="rect">
+                <a:avLst/>
+              </a:prstGeom>
+            </p:spPr>
+            <p:txBody>
+              <a:bodyPr wrap="none">
+                <a:spAutoFit/>
+              </a:bodyPr>
+              <a:lstStyle/>
+              <a:p>
+                <a14:m>
+                  <m:oMathPara xmlns:m="http://schemas.openxmlformats.org/officeDocument/2006/math">
+                    <m:oMathParaPr>
+                      <m:jc m:val="centerGroup"/>
+                    </m:oMathParaPr>
+                    <m:oMath xmlns:m="http://schemas.openxmlformats.org/officeDocument/2006/math">
+                      <m:r>
+                        <a:rPr lang="en-US" altLang="ja-JP" sz="2000" b="0" i="1" smtClean="0">
+                          <a:latin typeface="Cambria Math" panose="02040503050406030204" pitchFamily="18" charset="0"/>
+                        </a:rPr>
+                        <m:t>𝑦</m:t>
+                      </m:r>
+                      <m:r>
+                        <a:rPr lang="en-US" altLang="ja-JP" sz="2000" b="0" i="1" smtClean="0">
+                          <a:latin typeface="Cambria Math" panose="02040503050406030204" pitchFamily="18" charset="0"/>
+                        </a:rPr>
+                        <m:t>=1  </m:t>
+                      </m:r>
+                      <m:d>
+                        <m:dPr>
+                          <m:ctrlPr>
+                            <a:rPr lang="en-US" altLang="ja-JP" sz="2000" b="0" i="1" smtClean="0">
+                              <a:latin typeface="Cambria Math" panose="02040503050406030204" pitchFamily="18" charset="0"/>
+                            </a:rPr>
+                          </m:ctrlPr>
+                        </m:dPr>
+                        <m:e>
+                          <m:r>
+                            <a:rPr lang="en-US" altLang="ja-JP" sz="2000" b="0" i="1" smtClean="0">
+                              <a:latin typeface="Cambria Math" panose="02040503050406030204" pitchFamily="18" charset="0"/>
+                            </a:rPr>
+                            <m:t>0, 1</m:t>
+                          </m:r>
+                        </m:e>
+                      </m:d>
+                    </m:oMath>
+                  </m:oMathPara>
+                </a14:m>
+                <a:endParaRPr lang="ja-JP" altLang="en-US" sz="2000" dirty="0"/>
+              </a:p>
+            </p:txBody>
+          </p:sp>
+        </mc:Choice>
+        <mc:Fallback>
+          <p:sp>
+            <p:nvSpPr>
+              <p:cNvPr id="14" name="正方形/長方形 13"/>
+              <p:cNvSpPr>
+                <a:spLocks noRot="1" noChangeAspect="1" noMove="1" noResize="1" noEditPoints="1" noAdjustHandles="1" noChangeArrowheads="1" noChangeShapeType="1" noTextEdit="1"/>
+              </p:cNvSpPr>
+              <p:nvPr/>
+            </p:nvSpPr>
+            <p:spPr>
+              <a:xfrm>
+                <a:off x="1429998" y="845204"/>
+                <a:ext cx="1590628" cy="400110"/>
+              </a:xfrm>
+              <a:prstGeom prst="rect">
+                <a:avLst/>
+              </a:prstGeom>
+              <a:blipFill>
+                <a:blip r:embed="rId2"/>
+                <a:stretch>
+                  <a:fillRect b="-7692"/>
+                </a:stretch>
+              </a:blipFill>
+            </p:spPr>
+            <p:txBody>
+              <a:bodyPr/>
+              <a:lstStyle/>
+              <a:p>
+                <a:r>
+                  <a:rPr lang="ja-JP" altLang="en-US">
+                    <a:noFill/>
+                  </a:rPr>
+                  <a:t> </a:t>
+                </a:r>
+              </a:p>
+            </p:txBody>
+          </p:sp>
+        </mc:Fallback>
+      </mc:AlternateContent>
+      <mc:AlternateContent xmlns:mc="http://schemas.openxmlformats.org/markup-compatibility/2006">
+        <mc:Choice xmlns:a14="http://schemas.microsoft.com/office/drawing/2010/main" Requires="a14">
+          <p:sp>
+            <p:nvSpPr>
+              <p:cNvPr id="15" name="正方形/長方形 14"/>
+              <p:cNvSpPr/>
+              <p:nvPr/>
+            </p:nvSpPr>
+            <p:spPr>
+              <a:xfrm>
+                <a:off x="7002297" y="472565"/>
+                <a:ext cx="1590628" cy="400110"/>
+              </a:xfrm>
+              <a:prstGeom prst="rect">
+                <a:avLst/>
+              </a:prstGeom>
+            </p:spPr>
+            <p:txBody>
+              <a:bodyPr wrap="none">
+                <a:spAutoFit/>
+              </a:bodyPr>
+              <a:lstStyle/>
+              <a:p>
+                <a14:m>
+                  <m:oMathPara xmlns:m="http://schemas.openxmlformats.org/officeDocument/2006/math">
+                    <m:oMathParaPr>
+                      <m:jc m:val="centerGroup"/>
+                    </m:oMathParaPr>
+                    <m:oMath xmlns:m="http://schemas.openxmlformats.org/officeDocument/2006/math">
+                      <m:r>
+                        <a:rPr lang="en-US" altLang="ja-JP" sz="2000" b="0" i="1" smtClean="0">
+                          <a:latin typeface="Cambria Math" panose="02040503050406030204" pitchFamily="18" charset="0"/>
+                        </a:rPr>
+                        <m:t>𝑦</m:t>
+                      </m:r>
+                      <m:r>
+                        <a:rPr lang="en-US" altLang="ja-JP" sz="2000" b="0" i="1" smtClean="0">
+                          <a:latin typeface="Cambria Math" panose="02040503050406030204" pitchFamily="18" charset="0"/>
+                        </a:rPr>
+                        <m:t>=0  </m:t>
+                      </m:r>
+                      <m:d>
+                        <m:dPr>
+                          <m:ctrlPr>
+                            <a:rPr lang="en-US" altLang="ja-JP" sz="2000" b="0" i="1" smtClean="0">
+                              <a:latin typeface="Cambria Math" panose="02040503050406030204" pitchFamily="18" charset="0"/>
+                            </a:rPr>
+                          </m:ctrlPr>
+                        </m:dPr>
+                        <m:e>
+                          <m:r>
+                            <a:rPr lang="en-US" altLang="ja-JP" sz="2000" b="0" i="1" smtClean="0">
+                              <a:latin typeface="Cambria Math" panose="02040503050406030204" pitchFamily="18" charset="0"/>
+                            </a:rPr>
+                            <m:t>1, 1</m:t>
+                          </m:r>
+                        </m:e>
+                      </m:d>
+                    </m:oMath>
+                  </m:oMathPara>
+                </a14:m>
+                <a:endParaRPr lang="ja-JP" altLang="en-US" sz="2000" dirty="0"/>
+              </a:p>
+            </p:txBody>
+          </p:sp>
+        </mc:Choice>
+        <mc:Fallback>
+          <p:sp>
+            <p:nvSpPr>
+              <p:cNvPr id="15" name="正方形/長方形 14"/>
+              <p:cNvSpPr>
+                <a:spLocks noRot="1" noChangeAspect="1" noMove="1" noResize="1" noEditPoints="1" noAdjustHandles="1" noChangeArrowheads="1" noChangeShapeType="1" noTextEdit="1"/>
+              </p:cNvSpPr>
+              <p:nvPr/>
+            </p:nvSpPr>
+            <p:spPr>
+              <a:xfrm>
+                <a:off x="7002297" y="472565"/>
+                <a:ext cx="1590628" cy="400110"/>
+              </a:xfrm>
+              <a:prstGeom prst="rect">
+                <a:avLst/>
+              </a:prstGeom>
+              <a:blipFill>
+                <a:blip r:embed="rId3"/>
+                <a:stretch>
+                  <a:fillRect b="-7692"/>
+                </a:stretch>
+              </a:blipFill>
+            </p:spPr>
+            <p:txBody>
+              <a:bodyPr/>
+              <a:lstStyle/>
+              <a:p>
+                <a:r>
+                  <a:rPr lang="ja-JP" altLang="en-US">
+                    <a:noFill/>
+                  </a:rPr>
+                  <a:t> </a:t>
+                </a:r>
+              </a:p>
+            </p:txBody>
+          </p:sp>
+        </mc:Fallback>
+      </mc:AlternateContent>
+      <mc:AlternateContent xmlns:mc="http://schemas.openxmlformats.org/markup-compatibility/2006">
+        <mc:Choice xmlns:a14="http://schemas.microsoft.com/office/drawing/2010/main" Requires="a14">
+          <p:sp>
+            <p:nvSpPr>
+              <p:cNvPr id="16" name="正方形/長方形 15"/>
+              <p:cNvSpPr/>
+              <p:nvPr/>
+            </p:nvSpPr>
+            <p:spPr>
+              <a:xfrm>
+                <a:off x="6913876" y="5765353"/>
+                <a:ext cx="1590628" cy="400110"/>
+              </a:xfrm>
+              <a:prstGeom prst="rect">
+                <a:avLst/>
+              </a:prstGeom>
+            </p:spPr>
+            <p:txBody>
+              <a:bodyPr wrap="none">
+                <a:spAutoFit/>
+              </a:bodyPr>
+              <a:lstStyle/>
+              <a:p>
+                <a14:m>
+                  <m:oMathPara xmlns:m="http://schemas.openxmlformats.org/officeDocument/2006/math">
+                    <m:oMathParaPr>
+                      <m:jc m:val="centerGroup"/>
+                    </m:oMathParaPr>
+                    <m:oMath xmlns:m="http://schemas.openxmlformats.org/officeDocument/2006/math">
+                      <m:r>
+                        <a:rPr lang="en-US" altLang="ja-JP" sz="2000" b="0" i="1" smtClean="0">
+                          <a:latin typeface="Cambria Math" panose="02040503050406030204" pitchFamily="18" charset="0"/>
+                        </a:rPr>
+                        <m:t>𝑦</m:t>
+                      </m:r>
+                      <m:r>
+                        <a:rPr lang="en-US" altLang="ja-JP" sz="2000" b="0" i="1" smtClean="0">
+                          <a:latin typeface="Cambria Math" panose="02040503050406030204" pitchFamily="18" charset="0"/>
+                        </a:rPr>
+                        <m:t>=1  </m:t>
+                      </m:r>
+                      <m:d>
+                        <m:dPr>
+                          <m:ctrlPr>
+                            <a:rPr lang="en-US" altLang="ja-JP" sz="2000" b="0" i="1" smtClean="0">
+                              <a:latin typeface="Cambria Math" panose="02040503050406030204" pitchFamily="18" charset="0"/>
+                            </a:rPr>
+                          </m:ctrlPr>
+                        </m:dPr>
+                        <m:e>
+                          <m:r>
+                            <a:rPr lang="en-US" altLang="ja-JP" sz="2000" b="0" i="1" smtClean="0">
+                              <a:latin typeface="Cambria Math" panose="02040503050406030204" pitchFamily="18" charset="0"/>
+                            </a:rPr>
+                            <m:t>1, 0</m:t>
+                          </m:r>
+                        </m:e>
+                      </m:d>
+                    </m:oMath>
+                  </m:oMathPara>
+                </a14:m>
+                <a:endParaRPr lang="ja-JP" altLang="en-US" sz="2000" dirty="0"/>
+              </a:p>
+            </p:txBody>
+          </p:sp>
+        </mc:Choice>
+        <mc:Fallback>
+          <p:sp>
+            <p:nvSpPr>
+              <p:cNvPr id="16" name="正方形/長方形 15"/>
+              <p:cNvSpPr>
+                <a:spLocks noRot="1" noChangeAspect="1" noMove="1" noResize="1" noEditPoints="1" noAdjustHandles="1" noChangeArrowheads="1" noChangeShapeType="1" noTextEdit="1"/>
+              </p:cNvSpPr>
+              <p:nvPr/>
+            </p:nvSpPr>
+            <p:spPr>
+              <a:xfrm>
+                <a:off x="6913876" y="5765353"/>
+                <a:ext cx="1590628" cy="400110"/>
+              </a:xfrm>
+              <a:prstGeom prst="rect">
+                <a:avLst/>
+              </a:prstGeom>
+              <a:blipFill>
+                <a:blip r:embed="rId4"/>
+                <a:stretch>
+                  <a:fillRect b="-7692"/>
+                </a:stretch>
+              </a:blipFill>
+            </p:spPr>
+            <p:txBody>
+              <a:bodyPr/>
+              <a:lstStyle/>
+              <a:p>
+                <a:r>
+                  <a:rPr lang="ja-JP" altLang="en-US">
+                    <a:noFill/>
+                  </a:rPr>
+                  <a:t> </a:t>
+                </a:r>
+              </a:p>
+            </p:txBody>
+          </p:sp>
+        </mc:Fallback>
+      </mc:AlternateContent>
+      <mc:AlternateContent xmlns:mc="http://schemas.openxmlformats.org/markup-compatibility/2006">
+        <mc:Choice xmlns:a14="http://schemas.microsoft.com/office/drawing/2010/main" Requires="a14">
+          <p:sp>
+            <p:nvSpPr>
+              <p:cNvPr id="17" name="正方形/長方形 16"/>
+              <p:cNvSpPr/>
+              <p:nvPr/>
+            </p:nvSpPr>
+            <p:spPr>
+              <a:xfrm>
+                <a:off x="1557919" y="5765353"/>
+                <a:ext cx="1590628" cy="400110"/>
+              </a:xfrm>
+              <a:prstGeom prst="rect">
+                <a:avLst/>
+              </a:prstGeom>
+            </p:spPr>
+            <p:txBody>
+              <a:bodyPr wrap="none">
+                <a:spAutoFit/>
+              </a:bodyPr>
+              <a:lstStyle/>
+              <a:p>
+                <a14:m>
+                  <m:oMathPara xmlns:m="http://schemas.openxmlformats.org/officeDocument/2006/math">
+                    <m:oMathParaPr>
+                      <m:jc m:val="centerGroup"/>
+                    </m:oMathParaPr>
+                    <m:oMath xmlns:m="http://schemas.openxmlformats.org/officeDocument/2006/math">
+                      <m:r>
+                        <a:rPr lang="en-US" altLang="ja-JP" sz="2000" b="0" i="1" smtClean="0">
+                          <a:latin typeface="Cambria Math" panose="02040503050406030204" pitchFamily="18" charset="0"/>
+                        </a:rPr>
+                        <m:t>𝑦</m:t>
+                      </m:r>
+                      <m:r>
+                        <a:rPr lang="en-US" altLang="ja-JP" sz="2000" b="0" i="1" smtClean="0">
+                          <a:latin typeface="Cambria Math" panose="02040503050406030204" pitchFamily="18" charset="0"/>
+                        </a:rPr>
+                        <m:t>=0  </m:t>
+                      </m:r>
+                      <m:d>
+                        <m:dPr>
+                          <m:ctrlPr>
+                            <a:rPr lang="en-US" altLang="ja-JP" sz="2000" b="0" i="1" smtClean="0">
+                              <a:latin typeface="Cambria Math" panose="02040503050406030204" pitchFamily="18" charset="0"/>
+                            </a:rPr>
+                          </m:ctrlPr>
+                        </m:dPr>
+                        <m:e>
+                          <m:r>
+                            <a:rPr lang="en-US" altLang="ja-JP" sz="2000" b="0" i="1" smtClean="0">
+                              <a:latin typeface="Cambria Math" panose="02040503050406030204" pitchFamily="18" charset="0"/>
+                            </a:rPr>
+                            <m:t>0, 0</m:t>
+                          </m:r>
+                        </m:e>
+                      </m:d>
+                    </m:oMath>
+                  </m:oMathPara>
+                </a14:m>
+                <a:endParaRPr lang="ja-JP" altLang="en-US" sz="2000" dirty="0"/>
+              </a:p>
+            </p:txBody>
+          </p:sp>
+        </mc:Choice>
+        <mc:Fallback>
+          <p:sp>
+            <p:nvSpPr>
+              <p:cNvPr id="17" name="正方形/長方形 16"/>
+              <p:cNvSpPr>
+                <a:spLocks noRot="1" noChangeAspect="1" noMove="1" noResize="1" noEditPoints="1" noAdjustHandles="1" noChangeArrowheads="1" noChangeShapeType="1" noTextEdit="1"/>
+              </p:cNvSpPr>
+              <p:nvPr/>
+            </p:nvSpPr>
+            <p:spPr>
+              <a:xfrm>
+                <a:off x="1557919" y="5765353"/>
+                <a:ext cx="1590628" cy="400110"/>
+              </a:xfrm>
+              <a:prstGeom prst="rect">
+                <a:avLst/>
+              </a:prstGeom>
+              <a:blipFill>
+                <a:blip r:embed="rId5"/>
+                <a:stretch>
+                  <a:fillRect b="-7692"/>
+                </a:stretch>
+              </a:blipFill>
+            </p:spPr>
+            <p:txBody>
+              <a:bodyPr/>
+              <a:lstStyle/>
+              <a:p>
+                <a:r>
+                  <a:rPr lang="ja-JP" altLang="en-US">
+                    <a:noFill/>
+                  </a:rPr>
+                  <a:t> </a:t>
+                </a:r>
+              </a:p>
+            </p:txBody>
+          </p:sp>
+        </mc:Fallback>
+      </mc:AlternateContent>
+      <p:cxnSp>
+        <p:nvCxnSpPr>
+          <p:cNvPr id="19" name="直線コネクタ 18"/>
+          <p:cNvCxnSpPr/>
+          <p:nvPr/>
+        </p:nvCxnSpPr>
+        <p:spPr>
+          <a:xfrm>
+            <a:off x="4530436" y="472565"/>
+            <a:ext cx="4264429" cy="5477454"/>
+          </a:xfrm>
+          <a:prstGeom prst="line">
+            <a:avLst/>
+          </a:prstGeom>
+          <a:ln w="38100">
+            <a:solidFill>
+              <a:schemeClr val="tx1"/>
+            </a:solidFill>
+          </a:ln>
+        </p:spPr>
+        <p:style>
+          <a:lnRef idx="1">
+            <a:schemeClr val="dk1"/>
+          </a:lnRef>
+          <a:fillRef idx="0">
+            <a:schemeClr val="dk1"/>
+          </a:fillRef>
+          <a:effectRef idx="0">
+            <a:schemeClr val="dk1"/>
+          </a:effectRef>
+          <a:fontRef idx="minor">
+            <a:schemeClr val="tx1"/>
+          </a:fontRef>
+        </p:style>
+      </p:cxnSp>
+      <mc:AlternateContent xmlns:mc="http://schemas.openxmlformats.org/markup-compatibility/2006">
+        <mc:Choice xmlns:a14="http://schemas.microsoft.com/office/drawing/2010/main" Requires="a14">
+          <p:sp>
+            <p:nvSpPr>
+              <p:cNvPr id="20" name="テキスト ボックス 19"/>
+              <p:cNvSpPr txBox="1"/>
+              <p:nvPr/>
+            </p:nvSpPr>
+            <p:spPr>
+              <a:xfrm>
+                <a:off x="6488470" y="2623348"/>
+                <a:ext cx="2559675" cy="307777"/>
+              </a:xfrm>
+              <a:prstGeom prst="rect">
+                <a:avLst/>
+              </a:prstGeom>
+              <a:noFill/>
+            </p:spPr>
+            <p:txBody>
+              <a:bodyPr wrap="none" lIns="0" tIns="0" rIns="0" bIns="0" rtlCol="0">
+                <a:spAutoFit/>
+              </a:bodyPr>
+              <a:lstStyle/>
+              <a:p>
+                <a14:m>
+                  <m:oMathPara xmlns:m="http://schemas.openxmlformats.org/officeDocument/2006/math">
+                    <m:oMathParaPr>
+                      <m:jc m:val="centerGroup"/>
+                    </m:oMathParaPr>
+                    <m:oMath xmlns:m="http://schemas.openxmlformats.org/officeDocument/2006/math">
+                      <m:sSub>
+                        <m:sSubPr>
+                          <m:ctrlPr>
+                            <a:rPr kumimoji="1" lang="en-US" altLang="ja-JP" sz="2000" i="1" smtClean="0">
+                              <a:latin typeface="Cambria Math" panose="02040503050406030204" pitchFamily="18" charset="0"/>
+                            </a:rPr>
+                          </m:ctrlPr>
+                        </m:sSubPr>
+                        <m:e>
+                          <m:r>
+                            <a:rPr kumimoji="1" lang="en-US" altLang="ja-JP" sz="2000" b="0" i="1" smtClean="0">
+                              <a:latin typeface="Cambria Math" panose="02040503050406030204" pitchFamily="18" charset="0"/>
+                            </a:rPr>
+                            <m:t>𝑤</m:t>
+                          </m:r>
+                        </m:e>
+                        <m:sub>
+                          <m:r>
+                            <a:rPr kumimoji="1" lang="en-US" altLang="ja-JP" sz="2000" b="0" i="1" smtClean="0">
+                              <a:latin typeface="Cambria Math" panose="02040503050406030204" pitchFamily="18" charset="0"/>
+                            </a:rPr>
+                            <m:t>0</m:t>
+                          </m:r>
+                        </m:sub>
+                      </m:sSub>
+                      <m:r>
+                        <a:rPr kumimoji="1" lang="en-US" altLang="ja-JP" sz="2000" b="0" i="1" smtClean="0">
+                          <a:latin typeface="Cambria Math" panose="02040503050406030204" pitchFamily="18" charset="0"/>
+                        </a:rPr>
+                        <m:t>+</m:t>
+                      </m:r>
+                      <m:sSub>
+                        <m:sSubPr>
+                          <m:ctrlPr>
+                            <a:rPr kumimoji="1" lang="en-US" altLang="ja-JP" sz="2000" b="0" i="1" smtClean="0">
+                              <a:latin typeface="Cambria Math" panose="02040503050406030204" pitchFamily="18" charset="0"/>
+                            </a:rPr>
+                          </m:ctrlPr>
+                        </m:sSubPr>
+                        <m:e>
+                          <m:r>
+                            <a:rPr kumimoji="1" lang="en-US" altLang="ja-JP" sz="2000" b="0" i="1" smtClean="0">
+                              <a:latin typeface="Cambria Math" panose="02040503050406030204" pitchFamily="18" charset="0"/>
+                            </a:rPr>
+                            <m:t>𝑤</m:t>
+                          </m:r>
+                        </m:e>
+                        <m:sub>
+                          <m:r>
+                            <a:rPr kumimoji="1" lang="en-US" altLang="ja-JP" sz="2000" b="0" i="1" smtClean="0">
+                              <a:latin typeface="Cambria Math" panose="02040503050406030204" pitchFamily="18" charset="0"/>
+                            </a:rPr>
+                            <m:t>1</m:t>
+                          </m:r>
+                        </m:sub>
+                      </m:sSub>
+                      <m:sSub>
+                        <m:sSubPr>
+                          <m:ctrlPr>
+                            <a:rPr kumimoji="1" lang="en-US" altLang="ja-JP" sz="2000" b="0" i="1" smtClean="0">
+                              <a:latin typeface="Cambria Math" panose="02040503050406030204" pitchFamily="18" charset="0"/>
+                            </a:rPr>
+                          </m:ctrlPr>
+                        </m:sSubPr>
+                        <m:e>
+                          <m:r>
+                            <a:rPr kumimoji="1" lang="en-US" altLang="ja-JP" sz="2000" b="0" i="1" smtClean="0">
+                              <a:latin typeface="Cambria Math" panose="02040503050406030204" pitchFamily="18" charset="0"/>
+                            </a:rPr>
+                            <m:t>𝑥</m:t>
+                          </m:r>
+                        </m:e>
+                        <m:sub>
+                          <m:r>
+                            <a:rPr kumimoji="1" lang="en-US" altLang="ja-JP" sz="2000" b="0" i="1" smtClean="0">
+                              <a:latin typeface="Cambria Math" panose="02040503050406030204" pitchFamily="18" charset="0"/>
+                            </a:rPr>
+                            <m:t>1</m:t>
+                          </m:r>
+                        </m:sub>
+                      </m:sSub>
+                      <m:r>
+                        <a:rPr kumimoji="1" lang="en-US" altLang="ja-JP" sz="2000" b="0" i="1" smtClean="0">
+                          <a:latin typeface="Cambria Math" panose="02040503050406030204" pitchFamily="18" charset="0"/>
+                        </a:rPr>
+                        <m:t>+</m:t>
+                      </m:r>
+                      <m:sSub>
+                        <m:sSubPr>
+                          <m:ctrlPr>
+                            <a:rPr kumimoji="1" lang="en-US" altLang="ja-JP" sz="2000" b="0" i="1" smtClean="0">
+                              <a:latin typeface="Cambria Math" panose="02040503050406030204" pitchFamily="18" charset="0"/>
+                            </a:rPr>
+                          </m:ctrlPr>
+                        </m:sSubPr>
+                        <m:e>
+                          <m:r>
+                            <a:rPr kumimoji="1" lang="en-US" altLang="ja-JP" sz="2000" b="0" i="1" smtClean="0">
+                              <a:latin typeface="Cambria Math" panose="02040503050406030204" pitchFamily="18" charset="0"/>
+                            </a:rPr>
+                            <m:t>𝑤</m:t>
+                          </m:r>
+                        </m:e>
+                        <m:sub>
+                          <m:r>
+                            <a:rPr kumimoji="1" lang="en-US" altLang="ja-JP" sz="2000" b="0" i="1" smtClean="0">
+                              <a:latin typeface="Cambria Math" panose="02040503050406030204" pitchFamily="18" charset="0"/>
+                            </a:rPr>
+                            <m:t>2</m:t>
+                          </m:r>
+                        </m:sub>
+                      </m:sSub>
+                      <m:sSub>
+                        <m:sSubPr>
+                          <m:ctrlPr>
+                            <a:rPr kumimoji="1" lang="en-US" altLang="ja-JP" sz="2000" b="0" i="1" smtClean="0">
+                              <a:latin typeface="Cambria Math" panose="02040503050406030204" pitchFamily="18" charset="0"/>
+                            </a:rPr>
+                          </m:ctrlPr>
+                        </m:sSubPr>
+                        <m:e>
+                          <m:r>
+                            <a:rPr kumimoji="1" lang="en-US" altLang="ja-JP" sz="2000" b="0" i="1" smtClean="0">
+                              <a:latin typeface="Cambria Math" panose="02040503050406030204" pitchFamily="18" charset="0"/>
+                            </a:rPr>
+                            <m:t>𝑥</m:t>
+                          </m:r>
+                        </m:e>
+                        <m:sub>
+                          <m:r>
+                            <a:rPr kumimoji="1" lang="en-US" altLang="ja-JP" sz="2000" b="0" i="1" smtClean="0">
+                              <a:latin typeface="Cambria Math" panose="02040503050406030204" pitchFamily="18" charset="0"/>
+                            </a:rPr>
+                            <m:t>2</m:t>
+                          </m:r>
+                        </m:sub>
+                      </m:sSub>
+                      <m:r>
+                        <a:rPr kumimoji="1" lang="en-US" altLang="ja-JP" sz="2000" b="0" i="1" smtClean="0">
+                          <a:latin typeface="Cambria Math" panose="02040503050406030204" pitchFamily="18" charset="0"/>
+                        </a:rPr>
+                        <m:t>=0</m:t>
+                      </m:r>
+                    </m:oMath>
+                  </m:oMathPara>
+                </a14:m>
+                <a:endParaRPr kumimoji="1" lang="ja-JP" altLang="en-US" sz="2000" dirty="0"/>
+              </a:p>
+            </p:txBody>
+          </p:sp>
+        </mc:Choice>
+        <mc:Fallback>
+          <p:sp>
+            <p:nvSpPr>
+              <p:cNvPr id="20" name="テキスト ボックス 19"/>
+              <p:cNvSpPr txBox="1">
+                <a:spLocks noRot="1" noChangeAspect="1" noMove="1" noResize="1" noEditPoints="1" noAdjustHandles="1" noChangeArrowheads="1" noChangeShapeType="1" noTextEdit="1"/>
+              </p:cNvSpPr>
+              <p:nvPr/>
+            </p:nvSpPr>
+            <p:spPr>
+              <a:xfrm>
+                <a:off x="6488470" y="2623348"/>
+                <a:ext cx="2559675" cy="307777"/>
+              </a:xfrm>
+              <a:prstGeom prst="rect">
+                <a:avLst/>
+              </a:prstGeom>
+              <a:blipFill>
+                <a:blip r:embed="rId6"/>
+                <a:stretch>
+                  <a:fillRect l="-476" r="-1667" b="-15686"/>
+                </a:stretch>
+              </a:blipFill>
+            </p:spPr>
+            <p:txBody>
+              <a:bodyPr/>
+              <a:lstStyle/>
+              <a:p>
+                <a:r>
+                  <a:rPr lang="ja-JP" altLang="en-US">
+                    <a:noFill/>
+                  </a:rPr>
+                  <a:t> </a:t>
+                </a:r>
+              </a:p>
+            </p:txBody>
+          </p:sp>
+        </mc:Fallback>
+      </mc:AlternateContent>
     </p:spTree>
     <p:extLst>
       <p:ext uri="{BB962C8B-B14F-4D97-AF65-F5344CB8AC3E}">
@@ -11141,8 +12041,8 @@
           </a:fontRef>
         </p:style>
       </p:cxnSp>
-      <mc:AlternateContent xmlns:mc="http://schemas.openxmlformats.org/markup-compatibility/2006">
-        <mc:Choice xmlns:a14="http://schemas.microsoft.com/office/drawing/2010/main" Requires="a14">
+      <mc:AlternateContent xmlns:mc="http://schemas.openxmlformats.org/markup-compatibility/2006" xmlns:a14="http://schemas.microsoft.com/office/drawing/2010/main">
+        <mc:Choice Requires="a14">
           <p:sp>
             <p:nvSpPr>
               <p:cNvPr id="8" name="テキスト ボックス 7">
@@ -11173,6 +12073,7 @@
               </a:bodyPr>
               <a:lstStyle/>
               <a:p>
+                <a:pPr/>
                 <a14:m>
                   <m:oMathPara xmlns:m="http://schemas.openxmlformats.org/officeDocument/2006/math">
                     <m:oMathParaPr>
@@ -11196,7 +12097,7 @@
             </p:txBody>
           </p:sp>
         </mc:Choice>
-        <mc:Fallback>
+        <mc:Fallback xmlns="">
           <p:sp>
             <p:nvSpPr>
               <p:cNvPr id="8" name="テキスト ボックス 7">
@@ -11241,8 +12142,8 @@
           </p:sp>
         </mc:Fallback>
       </mc:AlternateContent>
-      <mc:AlternateContent xmlns:mc="http://schemas.openxmlformats.org/markup-compatibility/2006">
-        <mc:Choice xmlns:a14="http://schemas.microsoft.com/office/drawing/2010/main" Requires="a14">
+      <mc:AlternateContent xmlns:mc="http://schemas.openxmlformats.org/markup-compatibility/2006" xmlns:a14="http://schemas.microsoft.com/office/drawing/2010/main">
+        <mc:Choice Requires="a14">
           <p:sp>
             <p:nvSpPr>
               <p:cNvPr id="12" name="テキスト ボックス 11">
@@ -11273,6 +12174,7 @@
               </a:bodyPr>
               <a:lstStyle/>
               <a:p>
+                <a:pPr/>
                 <a14:m>
                   <m:oMathPara xmlns:m="http://schemas.openxmlformats.org/officeDocument/2006/math">
                     <m:oMathParaPr>
@@ -11321,7 +12223,7 @@
             </p:txBody>
           </p:sp>
         </mc:Choice>
-        <mc:Fallback>
+        <mc:Fallback xmlns="">
           <p:sp>
             <p:nvSpPr>
               <p:cNvPr id="12" name="テキスト ボックス 11">

--- a/卒研発表tex用_イラスト.pptx
+++ b/卒研発表tex用_イラスト.pptx
@@ -230,7 +230,7 @@
           <a:p>
             <a:fld id="{B5E7AF8B-FD9C-4188-8BA3-79A46472192F}" type="datetimeFigureOut">
               <a:rPr kumimoji="1" lang="ja-JP" altLang="en-US" smtClean="0"/>
-              <a:t>2020/1/31</a:t>
+              <a:t>2020/2/2</a:t>
             </a:fld>
             <a:endParaRPr kumimoji="1" lang="ja-JP" altLang="en-US"/>
           </a:p>
@@ -442,7 +442,7 @@
           <a:p>
             <a:fld id="{1019A24B-2DB6-47C4-AADA-142B59CEEE3F}" type="datetimeFigureOut">
               <a:rPr kumimoji="1" lang="ja-JP" altLang="en-US" smtClean="0"/>
-              <a:t>2020/1/31</a:t>
+              <a:t>2020/2/2</a:t>
             </a:fld>
             <a:endParaRPr kumimoji="1" lang="ja-JP" altLang="en-US"/>
           </a:p>
@@ -642,7 +642,7 @@
           <a:p>
             <a:fld id="{1019A24B-2DB6-47C4-AADA-142B59CEEE3F}" type="datetimeFigureOut">
               <a:rPr kumimoji="1" lang="ja-JP" altLang="en-US" smtClean="0"/>
-              <a:t>2020/1/31</a:t>
+              <a:t>2020/2/2</a:t>
             </a:fld>
             <a:endParaRPr kumimoji="1" lang="ja-JP" altLang="en-US"/>
           </a:p>
@@ -852,7 +852,7 @@
           <a:p>
             <a:fld id="{1019A24B-2DB6-47C4-AADA-142B59CEEE3F}" type="datetimeFigureOut">
               <a:rPr kumimoji="1" lang="ja-JP" altLang="en-US" smtClean="0"/>
-              <a:t>2020/1/31</a:t>
+              <a:t>2020/2/2</a:t>
             </a:fld>
             <a:endParaRPr kumimoji="1" lang="ja-JP" altLang="en-US"/>
           </a:p>
@@ -1052,7 +1052,7 @@
           <a:p>
             <a:fld id="{1019A24B-2DB6-47C4-AADA-142B59CEEE3F}" type="datetimeFigureOut">
               <a:rPr kumimoji="1" lang="ja-JP" altLang="en-US" smtClean="0"/>
-              <a:t>2020/1/31</a:t>
+              <a:t>2020/2/2</a:t>
             </a:fld>
             <a:endParaRPr kumimoji="1" lang="ja-JP" altLang="en-US"/>
           </a:p>
@@ -1297,7 +1297,7 @@
           <a:p>
             <a:fld id="{1019A24B-2DB6-47C4-AADA-142B59CEEE3F}" type="datetimeFigureOut">
               <a:rPr kumimoji="1" lang="ja-JP" altLang="en-US" smtClean="0"/>
-              <a:t>2020/1/31</a:t>
+              <a:t>2020/2/2</a:t>
             </a:fld>
             <a:endParaRPr kumimoji="1" lang="ja-JP" altLang="en-US"/>
           </a:p>
@@ -1590,7 +1590,7 @@
           <a:p>
             <a:fld id="{1019A24B-2DB6-47C4-AADA-142B59CEEE3F}" type="datetimeFigureOut">
               <a:rPr kumimoji="1" lang="ja-JP" altLang="en-US" smtClean="0"/>
-              <a:t>2020/1/31</a:t>
+              <a:t>2020/2/2</a:t>
             </a:fld>
             <a:endParaRPr kumimoji="1" lang="ja-JP" altLang="en-US"/>
           </a:p>
@@ -2018,7 +2018,7 @@
           <a:p>
             <a:fld id="{1019A24B-2DB6-47C4-AADA-142B59CEEE3F}" type="datetimeFigureOut">
               <a:rPr kumimoji="1" lang="ja-JP" altLang="en-US" smtClean="0"/>
-              <a:t>2020/1/31</a:t>
+              <a:t>2020/2/2</a:t>
             </a:fld>
             <a:endParaRPr kumimoji="1" lang="ja-JP" altLang="en-US"/>
           </a:p>
@@ -2135,7 +2135,7 @@
           <a:p>
             <a:fld id="{1019A24B-2DB6-47C4-AADA-142B59CEEE3F}" type="datetimeFigureOut">
               <a:rPr kumimoji="1" lang="ja-JP" altLang="en-US" smtClean="0"/>
-              <a:t>2020/1/31</a:t>
+              <a:t>2020/2/2</a:t>
             </a:fld>
             <a:endParaRPr kumimoji="1" lang="ja-JP" altLang="en-US"/>
           </a:p>
@@ -2230,7 +2230,7 @@
           <a:p>
             <a:fld id="{1019A24B-2DB6-47C4-AADA-142B59CEEE3F}" type="datetimeFigureOut">
               <a:rPr kumimoji="1" lang="ja-JP" altLang="en-US" smtClean="0"/>
-              <a:t>2020/1/31</a:t>
+              <a:t>2020/2/2</a:t>
             </a:fld>
             <a:endParaRPr kumimoji="1" lang="ja-JP" altLang="en-US"/>
           </a:p>
@@ -2537,7 +2537,7 @@
           <a:p>
             <a:fld id="{1019A24B-2DB6-47C4-AADA-142B59CEEE3F}" type="datetimeFigureOut">
               <a:rPr kumimoji="1" lang="ja-JP" altLang="en-US" smtClean="0"/>
-              <a:t>2020/1/31</a:t>
+              <a:t>2020/2/2</a:t>
             </a:fld>
             <a:endParaRPr kumimoji="1" lang="ja-JP" altLang="en-US"/>
           </a:p>
@@ -2789,7 +2789,7 @@
           <a:p>
             <a:fld id="{1019A24B-2DB6-47C4-AADA-142B59CEEE3F}" type="datetimeFigureOut">
               <a:rPr kumimoji="1" lang="ja-JP" altLang="en-US" smtClean="0"/>
-              <a:t>2020/1/31</a:t>
+              <a:t>2020/2/2</a:t>
             </a:fld>
             <a:endParaRPr kumimoji="1" lang="ja-JP" altLang="en-US"/>
           </a:p>
@@ -3032,7 +3032,7 @@
           <a:p>
             <a:fld id="{1019A24B-2DB6-47C4-AADA-142B59CEEE3F}" type="datetimeFigureOut">
               <a:rPr kumimoji="1" lang="ja-JP" altLang="en-US" smtClean="0"/>
-              <a:t>2020/1/31</a:t>
+              <a:t>2020/2/2</a:t>
             </a:fld>
             <a:endParaRPr kumimoji="1" lang="ja-JP" altLang="en-US"/>
           </a:p>
@@ -3703,8 +3703,8 @@
           </a:p>
         </p:txBody>
       </p:sp>
-      <mc:AlternateContent xmlns:mc="http://schemas.openxmlformats.org/markup-compatibility/2006">
-        <mc:Choice xmlns:a14="http://schemas.microsoft.com/office/drawing/2010/main" Requires="a14">
+      <mc:AlternateContent xmlns:mc="http://schemas.openxmlformats.org/markup-compatibility/2006" xmlns:a14="http://schemas.microsoft.com/office/drawing/2010/main">
+        <mc:Choice Requires="a14">
           <p:sp>
             <p:nvSpPr>
               <p:cNvPr id="14" name="正方形/長方形 13"/>
@@ -3726,6 +3726,7 @@
               </a:bodyPr>
               <a:lstStyle/>
               <a:p>
+                <a:pPr/>
                 <a14:m>
                   <m:oMathPara xmlns:m="http://schemas.openxmlformats.org/officeDocument/2006/math">
                     <m:oMathParaPr>
@@ -3769,7 +3770,7 @@
             </p:txBody>
           </p:sp>
         </mc:Choice>
-        <mc:Fallback>
+        <mc:Fallback xmlns="">
           <p:sp>
             <p:nvSpPr>
               <p:cNvPr id="14" name="正方形/長方形 13"/>
@@ -3808,8 +3809,8 @@
           </p:sp>
         </mc:Fallback>
       </mc:AlternateContent>
-      <mc:AlternateContent xmlns:mc="http://schemas.openxmlformats.org/markup-compatibility/2006">
-        <mc:Choice xmlns:a14="http://schemas.microsoft.com/office/drawing/2010/main" Requires="a14">
+      <mc:AlternateContent xmlns:mc="http://schemas.openxmlformats.org/markup-compatibility/2006" xmlns:a14="http://schemas.microsoft.com/office/drawing/2010/main">
+        <mc:Choice Requires="a14">
           <p:sp>
             <p:nvSpPr>
               <p:cNvPr id="15" name="正方形/長方形 14"/>
@@ -3831,6 +3832,7 @@
               </a:bodyPr>
               <a:lstStyle/>
               <a:p>
+                <a:pPr/>
                 <a14:m>
                   <m:oMathPara xmlns:m="http://schemas.openxmlformats.org/officeDocument/2006/math">
                     <m:oMathParaPr>
@@ -3874,7 +3876,7 @@
             </p:txBody>
           </p:sp>
         </mc:Choice>
-        <mc:Fallback>
+        <mc:Fallback xmlns="">
           <p:sp>
             <p:nvSpPr>
               <p:cNvPr id="15" name="正方形/長方形 14"/>
@@ -3913,8 +3915,8 @@
           </p:sp>
         </mc:Fallback>
       </mc:AlternateContent>
-      <mc:AlternateContent xmlns:mc="http://schemas.openxmlformats.org/markup-compatibility/2006">
-        <mc:Choice xmlns:a14="http://schemas.microsoft.com/office/drawing/2010/main" Requires="a14">
+      <mc:AlternateContent xmlns:mc="http://schemas.openxmlformats.org/markup-compatibility/2006" xmlns:a14="http://schemas.microsoft.com/office/drawing/2010/main">
+        <mc:Choice Requires="a14">
           <p:sp>
             <p:nvSpPr>
               <p:cNvPr id="16" name="正方形/長方形 15"/>
@@ -3936,6 +3938,7 @@
               </a:bodyPr>
               <a:lstStyle/>
               <a:p>
+                <a:pPr/>
                 <a14:m>
                   <m:oMathPara xmlns:m="http://schemas.openxmlformats.org/officeDocument/2006/math">
                     <m:oMathParaPr>
@@ -3979,7 +3982,7 @@
             </p:txBody>
           </p:sp>
         </mc:Choice>
-        <mc:Fallback>
+        <mc:Fallback xmlns="">
           <p:sp>
             <p:nvSpPr>
               <p:cNvPr id="16" name="正方形/長方形 15"/>
@@ -4018,8 +4021,8 @@
           </p:sp>
         </mc:Fallback>
       </mc:AlternateContent>
-      <mc:AlternateContent xmlns:mc="http://schemas.openxmlformats.org/markup-compatibility/2006">
-        <mc:Choice xmlns:a14="http://schemas.microsoft.com/office/drawing/2010/main" Requires="a14">
+      <mc:AlternateContent xmlns:mc="http://schemas.openxmlformats.org/markup-compatibility/2006" xmlns:a14="http://schemas.microsoft.com/office/drawing/2010/main">
+        <mc:Choice Requires="a14">
           <p:sp>
             <p:nvSpPr>
               <p:cNvPr id="17" name="正方形/長方形 16"/>
@@ -4041,6 +4044,7 @@
               </a:bodyPr>
               <a:lstStyle/>
               <a:p>
+                <a:pPr/>
                 <a14:m>
                   <m:oMathPara xmlns:m="http://schemas.openxmlformats.org/officeDocument/2006/math">
                     <m:oMathParaPr>
@@ -4084,7 +4088,7 @@
             </p:txBody>
           </p:sp>
         </mc:Choice>
-        <mc:Fallback>
+        <mc:Fallback xmlns="">
           <p:sp>
             <p:nvSpPr>
               <p:cNvPr id="17" name="正方形/長方形 16"/>
@@ -4158,8 +4162,8 @@
           </a:fontRef>
         </p:style>
       </p:cxnSp>
-      <mc:AlternateContent xmlns:mc="http://schemas.openxmlformats.org/markup-compatibility/2006">
-        <mc:Choice xmlns:a14="http://schemas.microsoft.com/office/drawing/2010/main" Requires="a14">
+      <mc:AlternateContent xmlns:mc="http://schemas.openxmlformats.org/markup-compatibility/2006" xmlns:a14="http://schemas.microsoft.com/office/drawing/2010/main">
+        <mc:Choice Requires="a14">
           <p:sp>
             <p:nvSpPr>
               <p:cNvPr id="20" name="テキスト ボックス 19"/>
@@ -4182,6 +4186,7 @@
               </a:bodyPr>
               <a:lstStyle/>
               <a:p>
+                <a:pPr/>
                 <a14:m>
                   <m:oMathPara xmlns:m="http://schemas.openxmlformats.org/officeDocument/2006/math">
                     <m:oMathParaPr>
@@ -4339,7 +4344,7 @@
             </p:txBody>
           </p:sp>
         </mc:Choice>
-        <mc:Fallback>
+        <mc:Fallback xmlns="">
           <p:sp>
             <p:nvSpPr>
               <p:cNvPr id="20" name="テキスト ボックス 19"/>
@@ -21840,1633 +21845,168 @@
           <a:chExt cx="0" cy="0"/>
         </a:xfrm>
       </p:grpSpPr>
+      <p:sp>
+        <p:nvSpPr>
+          <p:cNvPr id="7" name="楕円 6">
+            <a:extLst>
+              <a:ext uri="{FF2B5EF4-FFF2-40B4-BE49-F238E27FC236}">
+                <a16:creationId xmlns:a16="http://schemas.microsoft.com/office/drawing/2014/main" id="{BED10308-103D-406B-B631-F6335CDCF76E}"/>
+              </a:ext>
+            </a:extLst>
+          </p:cNvPr>
+          <p:cNvSpPr/>
+          <p:nvPr/>
+        </p:nvSpPr>
+        <p:spPr>
+          <a:xfrm>
+            <a:off x="636105" y="284258"/>
+            <a:ext cx="967408" cy="967408"/>
+          </a:xfrm>
+          <a:prstGeom prst="ellipse">
+            <a:avLst/>
+          </a:prstGeom>
+          <a:solidFill>
+            <a:schemeClr val="bg2">
+              <a:lumMod val="90000"/>
+            </a:schemeClr>
+          </a:solidFill>
+          <a:ln w="28575">
+            <a:solidFill>
+              <a:schemeClr val="tx1"/>
+            </a:solidFill>
+          </a:ln>
+        </p:spPr>
+        <p:style>
+          <a:lnRef idx="2">
+            <a:schemeClr val="accent1">
+              <a:shade val="50000"/>
+            </a:schemeClr>
+          </a:lnRef>
+          <a:fillRef idx="1">
+            <a:schemeClr val="accent1"/>
+          </a:fillRef>
+          <a:effectRef idx="0">
+            <a:schemeClr val="accent1"/>
+          </a:effectRef>
+          <a:fontRef idx="minor">
+            <a:schemeClr val="lt1"/>
+          </a:fontRef>
+        </p:style>
+        <p:txBody>
+          <a:bodyPr rtlCol="0" anchor="ctr"/>
+          <a:lstStyle/>
+          <a:p>
+            <a:pPr algn="ctr"/>
+            <a:r>
+              <a:rPr kumimoji="1" lang="en-US" altLang="ja-JP" sz="4400" dirty="0">
+                <a:solidFill>
+                  <a:schemeClr val="tx1"/>
+                </a:solidFill>
+              </a:rPr>
+              <a:t>1</a:t>
+            </a:r>
+            <a:endParaRPr kumimoji="1" lang="ja-JP" altLang="en-US" sz="4400" dirty="0">
+              <a:solidFill>
+                <a:schemeClr val="tx1"/>
+              </a:solidFill>
+            </a:endParaRPr>
+          </a:p>
+        </p:txBody>
+      </p:sp>
       <p:grpSp>
         <p:nvGrpSpPr>
-          <p:cNvPr id="5" name="グループ化 4"/>
+          <p:cNvPr id="9" name="グループ化 8">
+            <a:extLst>
+              <a:ext uri="{FF2B5EF4-FFF2-40B4-BE49-F238E27FC236}">
+                <a16:creationId xmlns:a16="http://schemas.microsoft.com/office/drawing/2014/main" id="{76313FA6-BCE5-4F75-9C9B-2DF7F19E2FC7}"/>
+              </a:ext>
+            </a:extLst>
+          </p:cNvPr>
           <p:cNvGrpSpPr/>
           <p:nvPr/>
         </p:nvGrpSpPr>
         <p:grpSpPr>
           <a:xfrm>
-            <a:off x="2969272" y="1002794"/>
-            <a:ext cx="5876111" cy="4455614"/>
-            <a:chOff x="2969272" y="1002794"/>
-            <a:chExt cx="5876111" cy="4455614"/>
+            <a:off x="632084" y="1927549"/>
+            <a:ext cx="967408" cy="967408"/>
+            <a:chOff x="609600" y="1358348"/>
+            <a:chExt cx="967408" cy="967408"/>
           </a:xfrm>
         </p:grpSpPr>
-        <p:grpSp>
-          <p:nvGrpSpPr>
-            <p:cNvPr id="4" name="グループ化 3"/>
-            <p:cNvGrpSpPr/>
+        <p:sp>
+          <p:nvSpPr>
+            <p:cNvPr id="33" name="楕円 32">
+              <a:extLst>
+                <a:ext uri="{FF2B5EF4-FFF2-40B4-BE49-F238E27FC236}">
+                  <a16:creationId xmlns:a16="http://schemas.microsoft.com/office/drawing/2014/main" id="{DEE913A2-57A1-4B1F-9B01-4F6CEB506C43}"/>
+                </a:ext>
+              </a:extLst>
+            </p:cNvPr>
+            <p:cNvSpPr/>
             <p:nvPr/>
-          </p:nvGrpSpPr>
-          <p:grpSpPr>
+          </p:nvSpPr>
+          <p:spPr>
             <a:xfrm>
-              <a:off x="2969272" y="1002794"/>
-              <a:ext cx="5876111" cy="4455614"/>
-              <a:chOff x="2969272" y="1002794"/>
-              <a:chExt cx="5876111" cy="4455614"/>
+              <a:off x="609600" y="1358348"/>
+              <a:ext cx="967408" cy="967408"/>
             </a:xfrm>
-          </p:grpSpPr>
-          <p:grpSp>
-            <p:nvGrpSpPr>
-              <p:cNvPr id="91" name="グループ化 90"/>
-              <p:cNvGrpSpPr/>
-              <p:nvPr/>
-            </p:nvGrpSpPr>
-            <p:grpSpPr>
-              <a:xfrm>
-                <a:off x="3080856" y="1002794"/>
-                <a:ext cx="5764527" cy="4455614"/>
-                <a:chOff x="3071331" y="1678486"/>
-                <a:chExt cx="5764527" cy="4455614"/>
-              </a:xfrm>
-            </p:grpSpPr>
+            <a:prstGeom prst="ellipse">
+              <a:avLst/>
+            </a:prstGeom>
+            <a:solidFill>
+              <a:schemeClr val="bg2">
+                <a:lumMod val="90000"/>
+              </a:schemeClr>
+            </a:solidFill>
+            <a:ln w="28575">
+              <a:solidFill>
+                <a:schemeClr val="tx1"/>
+              </a:solidFill>
+            </a:ln>
+          </p:spPr>
+          <p:style>
+            <a:lnRef idx="2">
+              <a:schemeClr val="accent1">
+                <a:shade val="50000"/>
+              </a:schemeClr>
+            </a:lnRef>
+            <a:fillRef idx="1">
+              <a:schemeClr val="accent1"/>
+            </a:fillRef>
+            <a:effectRef idx="0">
+              <a:schemeClr val="accent1"/>
+            </a:effectRef>
+            <a:fontRef idx="minor">
+              <a:schemeClr val="lt1"/>
+            </a:fontRef>
+          </p:style>
+          <p:txBody>
+            <a:bodyPr rtlCol="0" anchor="ctr"/>
+            <a:lstStyle/>
+            <a:p>
+              <a:pPr algn="ctr"/>
+              <a:endParaRPr kumimoji="1" lang="ja-JP" altLang="en-US" dirty="0"/>
+            </a:p>
+          </p:txBody>
+        </p:sp>
+        <mc:AlternateContent xmlns:mc="http://schemas.openxmlformats.org/markup-compatibility/2006">
+          <mc:Choice xmlns:a14="http://schemas.microsoft.com/office/drawing/2010/main" Requires="a14">
             <p:sp>
               <p:nvSpPr>
-                <p:cNvPr id="2" name="楕円 1">
+                <p:cNvPr id="8" name="テキスト ボックス 7">
                   <a:extLst>
                     <a:ext uri="{FF2B5EF4-FFF2-40B4-BE49-F238E27FC236}">
-                      <a16:creationId xmlns:a16="http://schemas.microsoft.com/office/drawing/2014/main" id="{E1FE9A11-EDD3-4D63-B932-407DE454C4F7}"/>
+                      <a16:creationId xmlns:a16="http://schemas.microsoft.com/office/drawing/2014/main" id="{8DC63FEA-8B58-4808-A4C2-76565D30011B}"/>
                     </a:ext>
                   </a:extLst>
                 </p:cNvPr>
-                <p:cNvSpPr/>
-                <p:nvPr/>
-              </p:nvSpPr>
-              <p:spPr>
-                <a:xfrm>
-                  <a:off x="5271880" y="3273286"/>
-                  <a:ext cx="1648240" cy="1706219"/>
-                </a:xfrm>
-                <a:prstGeom prst="ellipse">
-                  <a:avLst/>
-                </a:prstGeom>
-                <a:solidFill>
-                  <a:schemeClr val="bg2">
-                    <a:lumMod val="90000"/>
-                  </a:schemeClr>
-                </a:solidFill>
-                <a:ln w="28575">
-                  <a:solidFill>
-                    <a:schemeClr val="tx1"/>
-                  </a:solidFill>
-                </a:ln>
-              </p:spPr>
-              <p:style>
-                <a:lnRef idx="2">
-                  <a:schemeClr val="accent1">
-                    <a:shade val="50000"/>
-                  </a:schemeClr>
-                </a:lnRef>
-                <a:fillRef idx="1">
-                  <a:schemeClr val="accent1"/>
-                </a:fillRef>
-                <a:effectRef idx="0">
-                  <a:schemeClr val="accent1"/>
-                </a:effectRef>
-                <a:fontRef idx="minor">
-                  <a:schemeClr val="lt1"/>
-                </a:fontRef>
-              </p:style>
-              <p:txBody>
-                <a:bodyPr rtlCol="0" anchor="ctr"/>
-                <a:lstStyle/>
-                <a:p>
-                  <a:pPr algn="ctr"/>
-                  <a:endParaRPr kumimoji="1" lang="ja-JP" altLang="en-US" sz="2400" dirty="0"/>
-                </a:p>
-              </p:txBody>
-            </p:sp>
-            <p:cxnSp>
-              <p:nvCxnSpPr>
-                <p:cNvPr id="6" name="直線矢印コネクタ 5">
-                  <a:extLst>
-                    <a:ext uri="{FF2B5EF4-FFF2-40B4-BE49-F238E27FC236}">
-                      <a16:creationId xmlns:a16="http://schemas.microsoft.com/office/drawing/2014/main" id="{81B3166E-D7F3-41CA-B104-E7C2AB4D3C9B}"/>
-                    </a:ext>
-                  </a:extLst>
-                </p:cNvPr>
-                <p:cNvCxnSpPr>
-                  <a:cxnSpLocks/>
-                </p:cNvCxnSpPr>
-                <p:nvPr/>
-              </p:nvCxnSpPr>
-              <p:spPr>
-                <a:xfrm>
-                  <a:off x="4533427" y="2054288"/>
-                  <a:ext cx="1048515" cy="1369996"/>
-                </a:xfrm>
-                <a:prstGeom prst="straightConnector1">
-                  <a:avLst/>
-                </a:prstGeom>
-                <a:ln w="38100">
-                  <a:solidFill>
-                    <a:schemeClr val="tx1"/>
-                  </a:solidFill>
-                  <a:tailEnd type="triangle"/>
-                </a:ln>
-              </p:spPr>
-              <p:style>
-                <a:lnRef idx="1">
-                  <a:schemeClr val="accent1"/>
-                </a:lnRef>
-                <a:fillRef idx="0">
-                  <a:schemeClr val="accent1"/>
-                </a:fillRef>
-                <a:effectRef idx="0">
-                  <a:schemeClr val="accent1"/>
-                </a:effectRef>
-                <a:fontRef idx="minor">
-                  <a:schemeClr val="tx1"/>
-                </a:fontRef>
-              </p:style>
-            </p:cxnSp>
-            <p:cxnSp>
-              <p:nvCxnSpPr>
-                <p:cNvPr id="17" name="直線矢印コネクタ 16">
-                  <a:extLst>
-                    <a:ext uri="{FF2B5EF4-FFF2-40B4-BE49-F238E27FC236}">
-                      <a16:creationId xmlns:a16="http://schemas.microsoft.com/office/drawing/2014/main" id="{45DE7437-4ABD-4B13-81B2-615003459286}"/>
-                    </a:ext>
-                  </a:extLst>
-                </p:cNvPr>
-                <p:cNvCxnSpPr>
-                  <a:cxnSpLocks/>
-                </p:cNvCxnSpPr>
-                <p:nvPr/>
-              </p:nvCxnSpPr>
-              <p:spPr>
-                <a:xfrm flipH="1">
-                  <a:off x="6825308" y="2114817"/>
-                  <a:ext cx="1682843" cy="1596104"/>
-                </a:xfrm>
-                <a:prstGeom prst="straightConnector1">
-                  <a:avLst/>
-                </a:prstGeom>
-                <a:ln w="38100">
-                  <a:solidFill>
-                    <a:schemeClr val="tx1"/>
-                  </a:solidFill>
-                  <a:tailEnd type="triangle"/>
-                </a:ln>
-              </p:spPr>
-              <p:style>
-                <a:lnRef idx="1">
-                  <a:schemeClr val="accent1"/>
-                </a:lnRef>
-                <a:fillRef idx="0">
-                  <a:schemeClr val="accent1"/>
-                </a:fillRef>
-                <a:effectRef idx="0">
-                  <a:schemeClr val="accent1"/>
-                </a:effectRef>
-                <a:fontRef idx="minor">
-                  <a:schemeClr val="tx1"/>
-                </a:fontRef>
-              </p:style>
-            </p:cxnSp>
-            <p:cxnSp>
-              <p:nvCxnSpPr>
-                <p:cNvPr id="18" name="直線矢印コネクタ 17">
-                  <a:extLst>
-                    <a:ext uri="{FF2B5EF4-FFF2-40B4-BE49-F238E27FC236}">
-                      <a16:creationId xmlns:a16="http://schemas.microsoft.com/office/drawing/2014/main" id="{81B3166E-D7F3-41CA-B104-E7C2AB4D3C9B}"/>
-                    </a:ext>
-                  </a:extLst>
-                </p:cNvPr>
-                <p:cNvCxnSpPr>
-                  <a:cxnSpLocks/>
-                </p:cNvCxnSpPr>
-                <p:nvPr/>
-              </p:nvCxnSpPr>
-              <p:spPr>
-                <a:xfrm flipH="1">
-                  <a:off x="6363156" y="2149416"/>
-                  <a:ext cx="462152" cy="1132651"/>
-                </a:xfrm>
-                <a:prstGeom prst="straightConnector1">
-                  <a:avLst/>
-                </a:prstGeom>
-                <a:ln w="38100">
-                  <a:solidFill>
-                    <a:schemeClr val="tx1"/>
-                  </a:solidFill>
-                  <a:tailEnd type="triangle"/>
-                </a:ln>
-              </p:spPr>
-              <p:style>
-                <a:lnRef idx="1">
-                  <a:schemeClr val="accent1"/>
-                </a:lnRef>
-                <a:fillRef idx="0">
-                  <a:schemeClr val="accent1"/>
-                </a:fillRef>
-                <a:effectRef idx="0">
-                  <a:schemeClr val="accent1"/>
-                </a:effectRef>
-                <a:fontRef idx="minor">
-                  <a:schemeClr val="tx1"/>
-                </a:fontRef>
-              </p:style>
-            </p:cxnSp>
-            <p:cxnSp>
-              <p:nvCxnSpPr>
-                <p:cNvPr id="30" name="直線矢印コネクタ 29">
-                  <a:extLst>
-                    <a:ext uri="{FF2B5EF4-FFF2-40B4-BE49-F238E27FC236}">
-                      <a16:creationId xmlns:a16="http://schemas.microsoft.com/office/drawing/2014/main" id="{81B3166E-D7F3-41CA-B104-E7C2AB4D3C9B}"/>
-                    </a:ext>
-                  </a:extLst>
-                </p:cNvPr>
-                <p:cNvCxnSpPr>
-                  <a:cxnSpLocks/>
-                </p:cNvCxnSpPr>
-                <p:nvPr/>
-              </p:nvCxnSpPr>
-              <p:spPr>
-                <a:xfrm>
-                  <a:off x="3683849" y="2054288"/>
-                  <a:ext cx="1699157" cy="1656633"/>
-                </a:xfrm>
-                <a:prstGeom prst="straightConnector1">
-                  <a:avLst/>
-                </a:prstGeom>
-                <a:ln w="38100">
-                  <a:solidFill>
-                    <a:schemeClr val="tx1"/>
-                  </a:solidFill>
-                  <a:tailEnd type="triangle"/>
-                </a:ln>
-              </p:spPr>
-              <p:style>
-                <a:lnRef idx="1">
-                  <a:schemeClr val="accent1"/>
-                </a:lnRef>
-                <a:fillRef idx="0">
-                  <a:schemeClr val="accent1"/>
-                </a:fillRef>
-                <a:effectRef idx="0">
-                  <a:schemeClr val="accent1"/>
-                </a:effectRef>
-                <a:fontRef idx="minor">
-                  <a:schemeClr val="tx1"/>
-                </a:fontRef>
-              </p:style>
-            </p:cxnSp>
-            <p:cxnSp>
-              <p:nvCxnSpPr>
-                <p:cNvPr id="54" name="直線矢印コネクタ 53">
-                  <a:extLst>
-                    <a:ext uri="{FF2B5EF4-FFF2-40B4-BE49-F238E27FC236}">
-                      <a16:creationId xmlns:a16="http://schemas.microsoft.com/office/drawing/2014/main" id="{81B3166E-D7F3-41CA-B104-E7C2AB4D3C9B}"/>
-                    </a:ext>
-                  </a:extLst>
-                </p:cNvPr>
-                <p:cNvCxnSpPr>
-                  <a:cxnSpLocks/>
-                </p:cNvCxnSpPr>
-                <p:nvPr/>
-              </p:nvCxnSpPr>
-              <p:spPr>
-                <a:xfrm>
-                  <a:off x="5344848" y="2114817"/>
-                  <a:ext cx="554936" cy="1151408"/>
-                </a:xfrm>
-                <a:prstGeom prst="straightConnector1">
-                  <a:avLst/>
-                </a:prstGeom>
-                <a:ln w="38100">
-                  <a:solidFill>
-                    <a:schemeClr val="tx1"/>
-                  </a:solidFill>
-                  <a:tailEnd type="triangle"/>
-                </a:ln>
-              </p:spPr>
-              <p:style>
-                <a:lnRef idx="1">
-                  <a:schemeClr val="accent1"/>
-                </a:lnRef>
-                <a:fillRef idx="0">
-                  <a:schemeClr val="accent1"/>
-                </a:fillRef>
-                <a:effectRef idx="0">
-                  <a:schemeClr val="accent1"/>
-                </a:effectRef>
-                <a:fontRef idx="minor">
-                  <a:schemeClr val="tx1"/>
-                </a:fontRef>
-              </p:style>
-            </p:cxnSp>
-            <p:cxnSp>
-              <p:nvCxnSpPr>
-                <p:cNvPr id="59" name="直線矢印コネクタ 58">
-                  <a:extLst>
-                    <a:ext uri="{FF2B5EF4-FFF2-40B4-BE49-F238E27FC236}">
-                      <a16:creationId xmlns:a16="http://schemas.microsoft.com/office/drawing/2014/main" id="{45DE7437-4ABD-4B13-81B2-615003459286}"/>
-                    </a:ext>
-                  </a:extLst>
-                </p:cNvPr>
-                <p:cNvCxnSpPr>
-                  <a:cxnSpLocks/>
-                </p:cNvCxnSpPr>
-                <p:nvPr/>
-              </p:nvCxnSpPr>
-              <p:spPr>
-                <a:xfrm flipH="1">
-                  <a:off x="6618737" y="2114106"/>
-                  <a:ext cx="950502" cy="1304862"/>
-                </a:xfrm>
-                <a:prstGeom prst="straightConnector1">
-                  <a:avLst/>
-                </a:prstGeom>
-                <a:ln w="38100">
-                  <a:solidFill>
-                    <a:schemeClr val="tx1"/>
-                  </a:solidFill>
-                  <a:tailEnd type="triangle"/>
-                </a:ln>
-              </p:spPr>
-              <p:style>
-                <a:lnRef idx="1">
-                  <a:schemeClr val="accent1"/>
-                </a:lnRef>
-                <a:fillRef idx="0">
-                  <a:schemeClr val="accent1"/>
-                </a:fillRef>
-                <a:effectRef idx="0">
-                  <a:schemeClr val="accent1"/>
-                </a:effectRef>
-                <a:fontRef idx="minor">
-                  <a:schemeClr val="tx1"/>
-                </a:fontRef>
-              </p:style>
-            </p:cxnSp>
-            <p:grpSp>
-              <p:nvGrpSpPr>
-                <p:cNvPr id="72" name="グループ化 71"/>
-                <p:cNvGrpSpPr/>
-                <p:nvPr/>
-              </p:nvGrpSpPr>
-              <p:grpSpPr>
-                <a:xfrm>
-                  <a:off x="3071331" y="1678486"/>
-                  <a:ext cx="5764527" cy="837467"/>
-                  <a:chOff x="3510615" y="1660925"/>
-                  <a:chExt cx="4992704" cy="837467"/>
-                </a:xfrm>
-              </p:grpSpPr>
-              <p:sp>
-                <p:nvSpPr>
-                  <p:cNvPr id="19" name="テキスト ボックス 18"/>
-                  <p:cNvSpPr txBox="1"/>
-                  <p:nvPr/>
-                </p:nvSpPr>
-                <p:spPr>
-                  <a:xfrm>
-                    <a:off x="5741154" y="1667395"/>
-                    <a:ext cx="776944" cy="830997"/>
-                  </a:xfrm>
-                  <a:prstGeom prst="rect">
-                    <a:avLst/>
-                  </a:prstGeom>
-                  <a:noFill/>
-                </p:spPr>
-                <p:txBody>
-                  <a:bodyPr wrap="square" rtlCol="0">
-                    <a:spAutoFit/>
-                  </a:bodyPr>
-                  <a:lstStyle/>
-                  <a:p>
-                    <a:r>
-                      <a:rPr kumimoji="1" lang="ja-JP" altLang="en-US" sz="2400" dirty="0"/>
-                      <a:t>・・・</a:t>
-                    </a:r>
-                  </a:p>
-                </p:txBody>
-              </p:sp>
-              <mc:AlternateContent xmlns:mc="http://schemas.openxmlformats.org/markup-compatibility/2006" xmlns:a14="http://schemas.microsoft.com/office/drawing/2010/main">
-                <mc:Choice Requires="a14">
-                  <p:sp>
-                    <p:nvSpPr>
-                      <p:cNvPr id="28" name="テキスト ボックス 27"/>
-                      <p:cNvSpPr txBox="1"/>
-                      <p:nvPr/>
-                    </p:nvSpPr>
-                    <p:spPr>
-                      <a:xfrm>
-                        <a:off x="3510615" y="1664410"/>
-                        <a:ext cx="832636" cy="369332"/>
-                      </a:xfrm>
-                      <a:prstGeom prst="rect">
-                        <a:avLst/>
-                      </a:prstGeom>
-                      <a:noFill/>
-                    </p:spPr>
-                    <p:txBody>
-                      <a:bodyPr wrap="none" lIns="0" tIns="0" rIns="0" bIns="0" rtlCol="0">
-                        <a:spAutoFit/>
-                      </a:bodyPr>
-                      <a:lstStyle/>
-                      <a:p>
-                        <a:pPr/>
-                        <a14:m>
-                          <m:oMathPara xmlns:m="http://schemas.openxmlformats.org/officeDocument/2006/math">
-                            <m:oMathParaPr>
-                              <m:jc m:val="centerGroup"/>
-                            </m:oMathParaPr>
-                            <m:oMath xmlns:m="http://schemas.openxmlformats.org/officeDocument/2006/math">
-                              <m:sSub>
-                                <m:sSubPr>
-                                  <m:ctrlPr>
-                                    <a:rPr kumimoji="1" lang="en-US" altLang="ja-JP" sz="2400" i="1" smtClean="0">
-                                      <a:latin typeface="Cambria Math" panose="02040503050406030204" pitchFamily="18" charset="0"/>
-                                    </a:rPr>
-                                  </m:ctrlPr>
-                                </m:sSubPr>
-                                <m:e>
-                                  <m:r>
-                                    <a:rPr kumimoji="1" lang="en-US" altLang="ja-JP" sz="2400" b="0" i="1" smtClean="0">
-                                      <a:latin typeface="Cambria Math" panose="02040503050406030204" pitchFamily="18" charset="0"/>
-                                    </a:rPr>
-                                    <m:t>𝑥</m:t>
-                                  </m:r>
-                                </m:e>
-                                <m:sub>
-                                  <m:r>
-                                    <a:rPr kumimoji="1" lang="en-US" altLang="ja-JP" sz="2400" b="0" i="1" smtClean="0">
-                                      <a:latin typeface="Cambria Math" panose="02040503050406030204" pitchFamily="18" charset="0"/>
-                                    </a:rPr>
-                                    <m:t>0</m:t>
-                                  </m:r>
-                                </m:sub>
-                              </m:sSub>
-                              <m:r>
-                                <a:rPr kumimoji="1" lang="en-US" altLang="ja-JP" sz="2400" b="0" i="1" smtClean="0">
-                                  <a:latin typeface="Cambria Math" panose="02040503050406030204" pitchFamily="18" charset="0"/>
-                                </a:rPr>
-                                <m:t>=1</m:t>
-                              </m:r>
-                            </m:oMath>
-                          </m:oMathPara>
-                        </a14:m>
-                        <a:endParaRPr kumimoji="1" lang="ja-JP" altLang="en-US" sz="2400" dirty="0"/>
-                      </a:p>
-                    </p:txBody>
-                  </p:sp>
-                </mc:Choice>
-                <mc:Fallback xmlns="">
-                  <p:sp>
-                    <p:nvSpPr>
-                      <p:cNvPr id="28" name="テキスト ボックス 27"/>
-                      <p:cNvSpPr txBox="1">
-                        <a:spLocks noRot="1" noChangeAspect="1" noMove="1" noResize="1" noEditPoints="1" noAdjustHandles="1" noChangeArrowheads="1" noChangeShapeType="1" noTextEdit="1"/>
-                      </p:cNvSpPr>
-                      <p:nvPr/>
-                    </p:nvSpPr>
-                    <p:spPr>
-                      <a:xfrm>
-                        <a:off x="3510615" y="1664410"/>
-                        <a:ext cx="832636" cy="369332"/>
-                      </a:xfrm>
-                      <a:prstGeom prst="rect">
-                        <a:avLst/>
-                      </a:prstGeom>
-                      <a:blipFill>
-                        <a:blip r:embed="rId2"/>
-                        <a:stretch>
-                          <a:fillRect l="-2532" r="-6329" b="-11475"/>
-                        </a:stretch>
-                      </a:blipFill>
-                    </p:spPr>
-                    <p:txBody>
-                      <a:bodyPr/>
-                      <a:lstStyle/>
-                      <a:p>
-                        <a:r>
-                          <a:rPr lang="ja-JP" altLang="en-US">
-                            <a:noFill/>
-                          </a:rPr>
-                          <a:t> </a:t>
-                        </a:r>
-                      </a:p>
-                    </p:txBody>
-                  </p:sp>
-                </mc:Fallback>
-              </mc:AlternateContent>
-              <mc:AlternateContent xmlns:mc="http://schemas.openxmlformats.org/markup-compatibility/2006" xmlns:a14="http://schemas.microsoft.com/office/drawing/2010/main">
-                <mc:Choice Requires="a14">
-                  <p:sp>
-                    <p:nvSpPr>
-                      <p:cNvPr id="29" name="テキスト ボックス 28"/>
-                      <p:cNvSpPr txBox="1"/>
-                      <p:nvPr/>
-                    </p:nvSpPr>
-                    <p:spPr>
-                      <a:xfrm>
-                        <a:off x="6583053" y="1660926"/>
-                        <a:ext cx="610163" cy="369332"/>
-                      </a:xfrm>
-                      <a:prstGeom prst="rect">
-                        <a:avLst/>
-                      </a:prstGeom>
-                      <a:noFill/>
-                    </p:spPr>
-                    <p:txBody>
-                      <a:bodyPr wrap="none" lIns="0" tIns="0" rIns="0" bIns="0" rtlCol="0">
-                        <a:spAutoFit/>
-                      </a:bodyPr>
-                      <a:lstStyle/>
-                      <a:p>
-                        <a:pPr/>
-                        <a14:m>
-                          <m:oMathPara xmlns:m="http://schemas.openxmlformats.org/officeDocument/2006/math">
-                            <m:oMathParaPr>
-                              <m:jc m:val="centerGroup"/>
-                            </m:oMathParaPr>
-                            <m:oMath xmlns:m="http://schemas.openxmlformats.org/officeDocument/2006/math">
-                              <m:sSub>
-                                <m:sSubPr>
-                                  <m:ctrlPr>
-                                    <a:rPr kumimoji="1" lang="en-US" altLang="ja-JP" sz="2400" i="1" smtClean="0">
-                                      <a:latin typeface="Cambria Math" panose="02040503050406030204" pitchFamily="18" charset="0"/>
-                                    </a:rPr>
-                                  </m:ctrlPr>
-                                </m:sSubPr>
-                                <m:e>
-                                  <m:r>
-                                    <a:rPr kumimoji="1" lang="en-US" altLang="ja-JP" sz="2400" b="0" i="1" smtClean="0">
-                                      <a:latin typeface="Cambria Math" panose="02040503050406030204" pitchFamily="18" charset="0"/>
-                                    </a:rPr>
-                                    <m:t>𝑥</m:t>
-                                  </m:r>
-                                </m:e>
-                                <m:sub>
-                                  <m:r>
-                                    <a:rPr kumimoji="1" lang="en-US" altLang="ja-JP" sz="2400" b="0" i="1" smtClean="0">
-                                      <a:latin typeface="Cambria Math" panose="02040503050406030204" pitchFamily="18" charset="0"/>
-                                    </a:rPr>
-                                    <m:t>𝑛</m:t>
-                                  </m:r>
-                                  <m:r>
-                                    <a:rPr kumimoji="1" lang="en-US" altLang="ja-JP" sz="2400" b="0" i="1" smtClean="0">
-                                      <a:latin typeface="Cambria Math" panose="02040503050406030204" pitchFamily="18" charset="0"/>
-                                    </a:rPr>
-                                    <m:t>−2</m:t>
-                                  </m:r>
-                                </m:sub>
-                              </m:sSub>
-                            </m:oMath>
-                          </m:oMathPara>
-                        </a14:m>
-                        <a:endParaRPr kumimoji="1" lang="ja-JP" altLang="en-US" sz="2400" dirty="0"/>
-                      </a:p>
-                    </p:txBody>
-                  </p:sp>
-                </mc:Choice>
-                <mc:Fallback xmlns="">
-                  <p:sp>
-                    <p:nvSpPr>
-                      <p:cNvPr id="29" name="テキスト ボックス 28"/>
-                      <p:cNvSpPr txBox="1">
-                        <a:spLocks noRot="1" noChangeAspect="1" noMove="1" noResize="1" noEditPoints="1" noAdjustHandles="1" noChangeArrowheads="1" noChangeShapeType="1" noTextEdit="1"/>
-                      </p:cNvSpPr>
-                      <p:nvPr/>
-                    </p:nvSpPr>
-                    <p:spPr>
-                      <a:xfrm>
-                        <a:off x="6583053" y="1660926"/>
-                        <a:ext cx="610163" cy="369332"/>
-                      </a:xfrm>
-                      <a:prstGeom prst="rect">
-                        <a:avLst/>
-                      </a:prstGeom>
-                      <a:blipFill>
-                        <a:blip r:embed="rId3"/>
-                        <a:stretch>
-                          <a:fillRect l="-3448" r="-1724" b="-11667"/>
-                        </a:stretch>
-                      </a:blipFill>
-                    </p:spPr>
-                    <p:txBody>
-                      <a:bodyPr/>
-                      <a:lstStyle/>
-                      <a:p>
-                        <a:r>
-                          <a:rPr lang="ja-JP" altLang="en-US">
-                            <a:noFill/>
-                          </a:rPr>
-                          <a:t> </a:t>
-                        </a:r>
-                      </a:p>
-                    </p:txBody>
-                  </p:sp>
-                </mc:Fallback>
-              </mc:AlternateContent>
-              <mc:AlternateContent xmlns:mc="http://schemas.openxmlformats.org/markup-compatibility/2006" xmlns:a14="http://schemas.microsoft.com/office/drawing/2010/main">
-                <mc:Choice Requires="a14">
-                  <p:sp>
-                    <p:nvSpPr>
-                      <p:cNvPr id="35" name="テキスト ボックス 34"/>
-                      <p:cNvSpPr txBox="1"/>
-                      <p:nvPr/>
-                    </p:nvSpPr>
-                    <p:spPr>
-                      <a:xfrm>
-                        <a:off x="4603314" y="1660926"/>
-                        <a:ext cx="332709" cy="369332"/>
-                      </a:xfrm>
-                      <a:prstGeom prst="rect">
-                        <a:avLst/>
-                      </a:prstGeom>
-                      <a:noFill/>
-                    </p:spPr>
-                    <p:txBody>
-                      <a:bodyPr wrap="none" lIns="0" tIns="0" rIns="0" bIns="0" rtlCol="0">
-                        <a:spAutoFit/>
-                      </a:bodyPr>
-                      <a:lstStyle/>
-                      <a:p>
-                        <a:pPr/>
-                        <a14:m>
-                          <m:oMathPara xmlns:m="http://schemas.openxmlformats.org/officeDocument/2006/math">
-                            <m:oMathParaPr>
-                              <m:jc m:val="centerGroup"/>
-                            </m:oMathParaPr>
-                            <m:oMath xmlns:m="http://schemas.openxmlformats.org/officeDocument/2006/math">
-                              <m:sSub>
-                                <m:sSubPr>
-                                  <m:ctrlPr>
-                                    <a:rPr kumimoji="1" lang="en-US" altLang="ja-JP" sz="2400" i="1" smtClean="0">
-                                      <a:latin typeface="Cambria Math" panose="02040503050406030204" pitchFamily="18" charset="0"/>
-                                    </a:rPr>
-                                  </m:ctrlPr>
-                                </m:sSubPr>
-                                <m:e>
-                                  <m:r>
-                                    <a:rPr kumimoji="1" lang="en-US" altLang="ja-JP" sz="2400" b="0" i="1" smtClean="0">
-                                      <a:latin typeface="Cambria Math" panose="02040503050406030204" pitchFamily="18" charset="0"/>
-                                    </a:rPr>
-                                    <m:t>𝑥</m:t>
-                                  </m:r>
-                                </m:e>
-                                <m:sub>
-                                  <m:r>
-                                    <a:rPr kumimoji="1" lang="en-US" altLang="ja-JP" sz="2400" b="0" i="1" smtClean="0">
-                                      <a:latin typeface="Cambria Math" panose="02040503050406030204" pitchFamily="18" charset="0"/>
-                                    </a:rPr>
-                                    <m:t>1</m:t>
-                                  </m:r>
-                                </m:sub>
-                              </m:sSub>
-                            </m:oMath>
-                          </m:oMathPara>
-                        </a14:m>
-                        <a:endParaRPr kumimoji="1" lang="ja-JP" altLang="en-US" sz="2400" dirty="0"/>
-                      </a:p>
-                    </p:txBody>
-                  </p:sp>
-                </mc:Choice>
-                <mc:Fallback xmlns="">
-                  <p:sp>
-                    <p:nvSpPr>
-                      <p:cNvPr id="35" name="テキスト ボックス 34"/>
-                      <p:cNvSpPr txBox="1">
-                        <a:spLocks noRot="1" noChangeAspect="1" noMove="1" noResize="1" noEditPoints="1" noAdjustHandles="1" noChangeArrowheads="1" noChangeShapeType="1" noTextEdit="1"/>
-                      </p:cNvSpPr>
-                      <p:nvPr/>
-                    </p:nvSpPr>
-                    <p:spPr>
-                      <a:xfrm>
-                        <a:off x="4603314" y="1660926"/>
-                        <a:ext cx="332709" cy="369332"/>
-                      </a:xfrm>
-                      <a:prstGeom prst="rect">
-                        <a:avLst/>
-                      </a:prstGeom>
-                      <a:blipFill>
-                        <a:blip r:embed="rId4"/>
-                        <a:stretch>
-                          <a:fillRect l="-7937" r="-4762" b="-11667"/>
-                        </a:stretch>
-                      </a:blipFill>
-                    </p:spPr>
-                    <p:txBody>
-                      <a:bodyPr/>
-                      <a:lstStyle/>
-                      <a:p>
-                        <a:r>
-                          <a:rPr lang="ja-JP" altLang="en-US">
-                            <a:noFill/>
-                          </a:rPr>
-                          <a:t> </a:t>
-                        </a:r>
-                      </a:p>
-                    </p:txBody>
-                  </p:sp>
-                </mc:Fallback>
-              </mc:AlternateContent>
-              <mc:AlternateContent xmlns:mc="http://schemas.openxmlformats.org/markup-compatibility/2006" xmlns:a14="http://schemas.microsoft.com/office/drawing/2010/main">
-                <mc:Choice Requires="a14">
-                  <p:sp>
-                    <p:nvSpPr>
-                      <p:cNvPr id="52" name="テキスト ボックス 51"/>
-                      <p:cNvSpPr txBox="1"/>
-                      <p:nvPr/>
-                    </p:nvSpPr>
-                    <p:spPr>
-                      <a:xfrm>
-                        <a:off x="5332604" y="1660926"/>
-                        <a:ext cx="338874" cy="369332"/>
-                      </a:xfrm>
-                      <a:prstGeom prst="rect">
-                        <a:avLst/>
-                      </a:prstGeom>
-                      <a:noFill/>
-                    </p:spPr>
-                    <p:txBody>
-                      <a:bodyPr wrap="none" lIns="0" tIns="0" rIns="0" bIns="0" rtlCol="0">
-                        <a:spAutoFit/>
-                      </a:bodyPr>
-                      <a:lstStyle/>
-                      <a:p>
-                        <a:pPr/>
-                        <a14:m>
-                          <m:oMathPara xmlns:m="http://schemas.openxmlformats.org/officeDocument/2006/math">
-                            <m:oMathParaPr>
-                              <m:jc m:val="centerGroup"/>
-                            </m:oMathParaPr>
-                            <m:oMath xmlns:m="http://schemas.openxmlformats.org/officeDocument/2006/math">
-                              <m:sSub>
-                                <m:sSubPr>
-                                  <m:ctrlPr>
-                                    <a:rPr kumimoji="1" lang="en-US" altLang="ja-JP" sz="2400" i="1" smtClean="0">
-                                      <a:latin typeface="Cambria Math" panose="02040503050406030204" pitchFamily="18" charset="0"/>
-                                    </a:rPr>
-                                  </m:ctrlPr>
-                                </m:sSubPr>
-                                <m:e>
-                                  <m:r>
-                                    <a:rPr kumimoji="1" lang="en-US" altLang="ja-JP" sz="2400" b="0" i="1" smtClean="0">
-                                      <a:latin typeface="Cambria Math" panose="02040503050406030204" pitchFamily="18" charset="0"/>
-                                    </a:rPr>
-                                    <m:t>𝑥</m:t>
-                                  </m:r>
-                                </m:e>
-                                <m:sub>
-                                  <m:r>
-                                    <a:rPr kumimoji="1" lang="en-US" altLang="ja-JP" sz="2400" b="0" i="1" smtClean="0">
-                                      <a:latin typeface="Cambria Math" panose="02040503050406030204" pitchFamily="18" charset="0"/>
-                                    </a:rPr>
-                                    <m:t>2</m:t>
-                                  </m:r>
-                                </m:sub>
-                              </m:sSub>
-                            </m:oMath>
-                          </m:oMathPara>
-                        </a14:m>
-                        <a:endParaRPr kumimoji="1" lang="ja-JP" altLang="en-US" sz="2400" dirty="0"/>
-                      </a:p>
-                    </p:txBody>
-                  </p:sp>
-                </mc:Choice>
-                <mc:Fallback xmlns="">
-                  <p:sp>
-                    <p:nvSpPr>
-                      <p:cNvPr id="52" name="テキスト ボックス 51"/>
-                      <p:cNvSpPr txBox="1">
-                        <a:spLocks noRot="1" noChangeAspect="1" noMove="1" noResize="1" noEditPoints="1" noAdjustHandles="1" noChangeArrowheads="1" noChangeShapeType="1" noTextEdit="1"/>
-                      </p:cNvSpPr>
-                      <p:nvPr/>
-                    </p:nvSpPr>
-                    <p:spPr>
-                      <a:xfrm>
-                        <a:off x="5332604" y="1660926"/>
-                        <a:ext cx="338874" cy="369332"/>
-                      </a:xfrm>
-                      <a:prstGeom prst="rect">
-                        <a:avLst/>
-                      </a:prstGeom>
-                      <a:blipFill>
-                        <a:blip r:embed="rId5"/>
-                        <a:stretch>
-                          <a:fillRect l="-7692" r="-3077" b="-11667"/>
-                        </a:stretch>
-                      </a:blipFill>
-                    </p:spPr>
-                    <p:txBody>
-                      <a:bodyPr/>
-                      <a:lstStyle/>
-                      <a:p>
-                        <a:r>
-                          <a:rPr lang="ja-JP" altLang="en-US">
-                            <a:noFill/>
-                          </a:rPr>
-                          <a:t> </a:t>
-                        </a:r>
-                      </a:p>
-                    </p:txBody>
-                  </p:sp>
-                </mc:Fallback>
-              </mc:AlternateContent>
-              <mc:AlternateContent xmlns:mc="http://schemas.openxmlformats.org/markup-compatibility/2006" xmlns:a14="http://schemas.microsoft.com/office/drawing/2010/main">
-                <mc:Choice Requires="a14">
-                  <p:sp>
-                    <p:nvSpPr>
-                      <p:cNvPr id="58" name="テキスト ボックス 57"/>
-                      <p:cNvSpPr txBox="1"/>
-                      <p:nvPr/>
-                    </p:nvSpPr>
-                    <p:spPr>
-                      <a:xfrm>
-                        <a:off x="7259404" y="1660925"/>
-                        <a:ext cx="610163" cy="369332"/>
-                      </a:xfrm>
-                      <a:prstGeom prst="rect">
-                        <a:avLst/>
-                      </a:prstGeom>
-                      <a:noFill/>
-                    </p:spPr>
-                    <p:txBody>
-                      <a:bodyPr wrap="none" lIns="0" tIns="0" rIns="0" bIns="0" rtlCol="0">
-                        <a:spAutoFit/>
-                      </a:bodyPr>
-                      <a:lstStyle/>
-                      <a:p>
-                        <a:pPr/>
-                        <a14:m>
-                          <m:oMathPara xmlns:m="http://schemas.openxmlformats.org/officeDocument/2006/math">
-                            <m:oMathParaPr>
-                              <m:jc m:val="centerGroup"/>
-                            </m:oMathParaPr>
-                            <m:oMath xmlns:m="http://schemas.openxmlformats.org/officeDocument/2006/math">
-                              <m:sSub>
-                                <m:sSubPr>
-                                  <m:ctrlPr>
-                                    <a:rPr kumimoji="1" lang="en-US" altLang="ja-JP" sz="2400" i="1" smtClean="0">
-                                      <a:latin typeface="Cambria Math" panose="02040503050406030204" pitchFamily="18" charset="0"/>
-                                    </a:rPr>
-                                  </m:ctrlPr>
-                                </m:sSubPr>
-                                <m:e>
-                                  <m:r>
-                                    <a:rPr kumimoji="1" lang="en-US" altLang="ja-JP" sz="2400" b="0" i="1" smtClean="0">
-                                      <a:latin typeface="Cambria Math" panose="02040503050406030204" pitchFamily="18" charset="0"/>
-                                    </a:rPr>
-                                    <m:t>𝑥</m:t>
-                                  </m:r>
-                                </m:e>
-                                <m:sub>
-                                  <m:r>
-                                    <a:rPr kumimoji="1" lang="en-US" altLang="ja-JP" sz="2400" b="0" i="1" smtClean="0">
-                                      <a:latin typeface="Cambria Math" panose="02040503050406030204" pitchFamily="18" charset="0"/>
-                                    </a:rPr>
-                                    <m:t>𝑛</m:t>
-                                  </m:r>
-                                  <m:r>
-                                    <a:rPr kumimoji="1" lang="en-US" altLang="ja-JP" sz="2400" b="0" i="1" smtClean="0">
-                                      <a:latin typeface="Cambria Math" panose="02040503050406030204" pitchFamily="18" charset="0"/>
-                                    </a:rPr>
-                                    <m:t>−1</m:t>
-                                  </m:r>
-                                </m:sub>
-                              </m:sSub>
-                            </m:oMath>
-                          </m:oMathPara>
-                        </a14:m>
-                        <a:endParaRPr kumimoji="1" lang="ja-JP" altLang="en-US" sz="2400" dirty="0"/>
-                      </a:p>
-                    </p:txBody>
-                  </p:sp>
-                </mc:Choice>
-                <mc:Fallback xmlns="">
-                  <p:sp>
-                    <p:nvSpPr>
-                      <p:cNvPr id="58" name="テキスト ボックス 57"/>
-                      <p:cNvSpPr txBox="1">
-                        <a:spLocks noRot="1" noChangeAspect="1" noMove="1" noResize="1" noEditPoints="1" noAdjustHandles="1" noChangeArrowheads="1" noChangeShapeType="1" noTextEdit="1"/>
-                      </p:cNvSpPr>
-                      <p:nvPr/>
-                    </p:nvSpPr>
-                    <p:spPr>
-                      <a:xfrm>
-                        <a:off x="7259404" y="1660925"/>
-                        <a:ext cx="610163" cy="369332"/>
-                      </a:xfrm>
-                      <a:prstGeom prst="rect">
-                        <a:avLst/>
-                      </a:prstGeom>
-                      <a:blipFill>
-                        <a:blip r:embed="rId6"/>
-                        <a:stretch>
-                          <a:fillRect l="-3448" r="-1724" b="-11667"/>
-                        </a:stretch>
-                      </a:blipFill>
-                    </p:spPr>
-                    <p:txBody>
-                      <a:bodyPr/>
-                      <a:lstStyle/>
-                      <a:p>
-                        <a:r>
-                          <a:rPr lang="ja-JP" altLang="en-US">
-                            <a:noFill/>
-                          </a:rPr>
-                          <a:t> </a:t>
-                        </a:r>
-                      </a:p>
-                    </p:txBody>
-                  </p:sp>
-                </mc:Fallback>
-              </mc:AlternateContent>
-              <mc:AlternateContent xmlns:mc="http://schemas.openxmlformats.org/markup-compatibility/2006" xmlns:a14="http://schemas.microsoft.com/office/drawing/2010/main">
-                <mc:Choice Requires="a14">
-                  <p:sp>
-                    <p:nvSpPr>
-                      <p:cNvPr id="61" name="テキスト ボックス 60"/>
-                      <p:cNvSpPr txBox="1"/>
-                      <p:nvPr/>
-                    </p:nvSpPr>
-                    <p:spPr>
-                      <a:xfrm>
-                        <a:off x="8147229" y="1667395"/>
-                        <a:ext cx="356090" cy="369332"/>
-                      </a:xfrm>
-                      <a:prstGeom prst="rect">
-                        <a:avLst/>
-                      </a:prstGeom>
-                      <a:noFill/>
-                    </p:spPr>
-                    <p:txBody>
-                      <a:bodyPr wrap="none" lIns="0" tIns="0" rIns="0" bIns="0" rtlCol="0">
-                        <a:spAutoFit/>
-                      </a:bodyPr>
-                      <a:lstStyle/>
-                      <a:p>
-                        <a:pPr/>
-                        <a14:m>
-                          <m:oMathPara xmlns:m="http://schemas.openxmlformats.org/officeDocument/2006/math">
-                            <m:oMathParaPr>
-                              <m:jc m:val="centerGroup"/>
-                            </m:oMathParaPr>
-                            <m:oMath xmlns:m="http://schemas.openxmlformats.org/officeDocument/2006/math">
-                              <m:sSub>
-                                <m:sSubPr>
-                                  <m:ctrlPr>
-                                    <a:rPr kumimoji="1" lang="en-US" altLang="ja-JP" sz="2400" i="1" smtClean="0">
-                                      <a:latin typeface="Cambria Math" panose="02040503050406030204" pitchFamily="18" charset="0"/>
-                                    </a:rPr>
-                                  </m:ctrlPr>
-                                </m:sSubPr>
-                                <m:e>
-                                  <m:r>
-                                    <a:rPr kumimoji="1" lang="en-US" altLang="ja-JP" sz="2400" b="0" i="1" smtClean="0">
-                                      <a:latin typeface="Cambria Math" panose="02040503050406030204" pitchFamily="18" charset="0"/>
-                                    </a:rPr>
-                                    <m:t>𝑥</m:t>
-                                  </m:r>
-                                </m:e>
-                                <m:sub>
-                                  <m:r>
-                                    <a:rPr kumimoji="1" lang="en-US" altLang="ja-JP" sz="2400" b="0" i="1" smtClean="0">
-                                      <a:latin typeface="Cambria Math" panose="02040503050406030204" pitchFamily="18" charset="0"/>
-                                    </a:rPr>
-                                    <m:t>𝑛</m:t>
-                                  </m:r>
-                                </m:sub>
-                              </m:sSub>
-                            </m:oMath>
-                          </m:oMathPara>
-                        </a14:m>
-                        <a:endParaRPr kumimoji="1" lang="ja-JP" altLang="en-US" sz="2400" dirty="0"/>
-                      </a:p>
-                    </p:txBody>
-                  </p:sp>
-                </mc:Choice>
-                <mc:Fallback xmlns="">
-                  <p:sp>
-                    <p:nvSpPr>
-                      <p:cNvPr id="61" name="テキスト ボックス 60"/>
-                      <p:cNvSpPr txBox="1">
-                        <a:spLocks noRot="1" noChangeAspect="1" noMove="1" noResize="1" noEditPoints="1" noAdjustHandles="1" noChangeArrowheads="1" noChangeShapeType="1" noTextEdit="1"/>
-                      </p:cNvSpPr>
-                      <p:nvPr/>
-                    </p:nvSpPr>
-                    <p:spPr>
-                      <a:xfrm>
-                        <a:off x="8147229" y="1667395"/>
-                        <a:ext cx="356090" cy="369332"/>
-                      </a:xfrm>
-                      <a:prstGeom prst="rect">
-                        <a:avLst/>
-                      </a:prstGeom>
-                      <a:blipFill>
-                        <a:blip r:embed="rId7"/>
-                        <a:stretch>
-                          <a:fillRect l="-8955" b="-8333"/>
-                        </a:stretch>
-                      </a:blipFill>
-                    </p:spPr>
-                    <p:txBody>
-                      <a:bodyPr/>
-                      <a:lstStyle/>
-                      <a:p>
-                        <a:r>
-                          <a:rPr lang="ja-JP" altLang="en-US">
-                            <a:noFill/>
-                          </a:rPr>
-                          <a:t> </a:t>
-                        </a:r>
-                      </a:p>
-                    </p:txBody>
-                  </p:sp>
-                </mc:Fallback>
-              </mc:AlternateContent>
-            </p:grpSp>
-            <p:cxnSp>
-              <p:nvCxnSpPr>
-                <p:cNvPr id="68" name="直線矢印コネクタ 67"/>
-                <p:cNvCxnSpPr>
-                  <a:stCxn id="2" idx="4"/>
-                </p:cNvCxnSpPr>
-                <p:nvPr/>
-              </p:nvCxnSpPr>
-              <p:spPr>
-                <a:xfrm>
-                  <a:off x="6096000" y="4979505"/>
-                  <a:ext cx="0" cy="1154595"/>
-                </a:xfrm>
-                <a:prstGeom prst="straightConnector1">
-                  <a:avLst/>
-                </a:prstGeom>
-                <a:ln w="38100">
-                  <a:solidFill>
-                    <a:schemeClr val="tx1"/>
-                  </a:solidFill>
-                  <a:tailEnd type="triangle"/>
-                </a:ln>
-              </p:spPr>
-              <p:style>
-                <a:lnRef idx="1">
-                  <a:schemeClr val="dk1"/>
-                </a:lnRef>
-                <a:fillRef idx="0">
-                  <a:schemeClr val="dk1"/>
-                </a:fillRef>
-                <a:effectRef idx="0">
-                  <a:schemeClr val="dk1"/>
-                </a:effectRef>
-                <a:fontRef idx="minor">
-                  <a:schemeClr val="tx1"/>
-                </a:fontRef>
-              </p:style>
-            </p:cxnSp>
-            <mc:AlternateContent xmlns:mc="http://schemas.openxmlformats.org/markup-compatibility/2006" xmlns:a14="http://schemas.microsoft.com/office/drawing/2010/main">
-              <mc:Choice Requires="a14">
-                <p:sp>
-                  <p:nvSpPr>
-                    <p:cNvPr id="87" name="テキスト ボックス 86"/>
-                    <p:cNvSpPr txBox="1"/>
-                    <p:nvPr/>
-                  </p:nvSpPr>
-                  <p:spPr>
-                    <a:xfrm>
-                      <a:off x="5372280" y="3671223"/>
-                      <a:ext cx="448200" cy="369332"/>
-                    </a:xfrm>
-                    <a:prstGeom prst="rect">
-                      <a:avLst/>
-                    </a:prstGeom>
-                    <a:noFill/>
-                  </p:spPr>
-                  <p:txBody>
-                    <a:bodyPr wrap="none" lIns="0" tIns="0" rIns="0" bIns="0" rtlCol="0">
-                      <a:spAutoFit/>
-                    </a:bodyPr>
-                    <a:lstStyle/>
-                    <a:p>
-                      <a:pPr/>
-                      <a14:m>
-                        <m:oMathPara xmlns:m="http://schemas.openxmlformats.org/officeDocument/2006/math">
-                          <m:oMathParaPr>
-                            <m:jc m:val="centerGroup"/>
-                          </m:oMathParaPr>
-                          <m:oMath xmlns:m="http://schemas.openxmlformats.org/officeDocument/2006/math">
-                            <m:sSub>
-                              <m:sSubPr>
-                                <m:ctrlPr>
-                                  <a:rPr kumimoji="1" lang="en-US" altLang="ja-JP" sz="2400" i="1" smtClean="0">
-                                    <a:latin typeface="Cambria Math" panose="02040503050406030204" pitchFamily="18" charset="0"/>
-                                  </a:rPr>
-                                </m:ctrlPr>
-                              </m:sSubPr>
-                              <m:e>
-                                <m:r>
-                                  <a:rPr kumimoji="1" lang="en-US" altLang="ja-JP" sz="2400" b="0" i="1" smtClean="0">
-                                    <a:latin typeface="Cambria Math" panose="02040503050406030204" pitchFamily="18" charset="0"/>
-                                  </a:rPr>
-                                  <m:t>𝑤</m:t>
-                                </m:r>
-                              </m:e>
-                              <m:sub>
-                                <m:r>
-                                  <a:rPr kumimoji="1" lang="en-US" altLang="ja-JP" sz="2400" b="0" i="1" smtClean="0">
-                                    <a:latin typeface="Cambria Math" panose="02040503050406030204" pitchFamily="18" charset="0"/>
-                                  </a:rPr>
-                                  <m:t>0</m:t>
-                                </m:r>
-                              </m:sub>
-                            </m:sSub>
-                          </m:oMath>
-                        </m:oMathPara>
-                      </a14:m>
-                      <a:endParaRPr kumimoji="1" lang="ja-JP" altLang="en-US" sz="2400" dirty="0"/>
-                    </a:p>
-                  </p:txBody>
-                </p:sp>
-              </mc:Choice>
-              <mc:Fallback xmlns="">
-                <p:sp>
-                  <p:nvSpPr>
-                    <p:cNvPr id="87" name="テキスト ボックス 86"/>
-                    <p:cNvSpPr txBox="1">
-                      <a:spLocks noRot="1" noChangeAspect="1" noMove="1" noResize="1" noEditPoints="1" noAdjustHandles="1" noChangeArrowheads="1" noChangeShapeType="1" noTextEdit="1"/>
-                    </p:cNvSpPr>
-                    <p:nvPr/>
-                  </p:nvSpPr>
-                  <p:spPr>
-                    <a:xfrm>
-                      <a:off x="5372280" y="3671223"/>
-                      <a:ext cx="448200" cy="369332"/>
-                    </a:xfrm>
-                    <a:prstGeom prst="rect">
-                      <a:avLst/>
-                    </a:prstGeom>
-                    <a:blipFill>
-                      <a:blip r:embed="rId8"/>
-                      <a:stretch>
-                        <a:fillRect l="-8219" r="-2740" b="-11475"/>
-                      </a:stretch>
-                    </a:blipFill>
-                  </p:spPr>
-                  <p:txBody>
-                    <a:bodyPr/>
-                    <a:lstStyle/>
-                    <a:p>
-                      <a:r>
-                        <a:rPr lang="ja-JP" altLang="en-US">
-                          <a:noFill/>
-                        </a:rPr>
-                        <a:t> </a:t>
-                      </a:r>
-                    </a:p>
-                  </p:txBody>
-                </p:sp>
-              </mc:Fallback>
-            </mc:AlternateContent>
-            <mc:AlternateContent xmlns:mc="http://schemas.openxmlformats.org/markup-compatibility/2006" xmlns:a14="http://schemas.microsoft.com/office/drawing/2010/main">
-              <mc:Choice Requires="a14">
-                <p:sp>
-                  <p:nvSpPr>
-                    <p:cNvPr id="88" name="テキスト ボックス 87"/>
-                    <p:cNvSpPr txBox="1"/>
-                    <p:nvPr/>
-                  </p:nvSpPr>
-                  <p:spPr>
-                    <a:xfrm>
-                      <a:off x="5569822" y="3439481"/>
-                      <a:ext cx="441082" cy="369332"/>
-                    </a:xfrm>
-                    <a:prstGeom prst="rect">
-                      <a:avLst/>
-                    </a:prstGeom>
-                    <a:noFill/>
-                  </p:spPr>
-                  <p:txBody>
-                    <a:bodyPr wrap="none" lIns="0" tIns="0" rIns="0" bIns="0" rtlCol="0">
-                      <a:spAutoFit/>
-                    </a:bodyPr>
-                    <a:lstStyle/>
-                    <a:p>
-                      <a:pPr/>
-                      <a14:m>
-                        <m:oMathPara xmlns:m="http://schemas.openxmlformats.org/officeDocument/2006/math">
-                          <m:oMathParaPr>
-                            <m:jc m:val="centerGroup"/>
-                          </m:oMathParaPr>
-                          <m:oMath xmlns:m="http://schemas.openxmlformats.org/officeDocument/2006/math">
-                            <m:sSub>
-                              <m:sSubPr>
-                                <m:ctrlPr>
-                                  <a:rPr kumimoji="1" lang="en-US" altLang="ja-JP" sz="2400" i="1" smtClean="0">
-                                    <a:latin typeface="Cambria Math" panose="02040503050406030204" pitchFamily="18" charset="0"/>
-                                  </a:rPr>
-                                </m:ctrlPr>
-                              </m:sSubPr>
-                              <m:e>
-                                <m:r>
-                                  <a:rPr kumimoji="1" lang="en-US" altLang="ja-JP" sz="2400" b="0" i="1" smtClean="0">
-                                    <a:latin typeface="Cambria Math" panose="02040503050406030204" pitchFamily="18" charset="0"/>
-                                  </a:rPr>
-                                  <m:t>𝑤</m:t>
-                                </m:r>
-                              </m:e>
-                              <m:sub>
-                                <m:r>
-                                  <a:rPr kumimoji="1" lang="en-US" altLang="ja-JP" sz="2400" b="0" i="1" smtClean="0">
-                                    <a:latin typeface="Cambria Math" panose="02040503050406030204" pitchFamily="18" charset="0"/>
-                                  </a:rPr>
-                                  <m:t>1</m:t>
-                                </m:r>
-                              </m:sub>
-                            </m:sSub>
-                          </m:oMath>
-                        </m:oMathPara>
-                      </a14:m>
-                      <a:endParaRPr kumimoji="1" lang="ja-JP" altLang="en-US" sz="2400" dirty="0"/>
-                    </a:p>
-                  </p:txBody>
-                </p:sp>
-              </mc:Choice>
-              <mc:Fallback xmlns="">
-                <p:sp>
-                  <p:nvSpPr>
-                    <p:cNvPr id="88" name="テキスト ボックス 87"/>
-                    <p:cNvSpPr txBox="1">
-                      <a:spLocks noRot="1" noChangeAspect="1" noMove="1" noResize="1" noEditPoints="1" noAdjustHandles="1" noChangeArrowheads="1" noChangeShapeType="1" noTextEdit="1"/>
-                    </p:cNvSpPr>
-                    <p:nvPr/>
-                  </p:nvSpPr>
-                  <p:spPr>
-                    <a:xfrm>
-                      <a:off x="5569822" y="3439481"/>
-                      <a:ext cx="441082" cy="369332"/>
-                    </a:xfrm>
-                    <a:prstGeom prst="rect">
-                      <a:avLst/>
-                    </a:prstGeom>
-                    <a:blipFill>
-                      <a:blip r:embed="rId9"/>
-                      <a:stretch>
-                        <a:fillRect l="-6849" r="-1370" b="-11475"/>
-                      </a:stretch>
-                    </a:blipFill>
-                  </p:spPr>
-                  <p:txBody>
-                    <a:bodyPr/>
-                    <a:lstStyle/>
-                    <a:p>
-                      <a:r>
-                        <a:rPr lang="ja-JP" altLang="en-US">
-                          <a:noFill/>
-                        </a:rPr>
-                        <a:t> </a:t>
-                      </a:r>
-                    </a:p>
-                  </p:txBody>
-                </p:sp>
-              </mc:Fallback>
-            </mc:AlternateContent>
-            <mc:AlternateContent xmlns:mc="http://schemas.openxmlformats.org/markup-compatibility/2006" xmlns:a14="http://schemas.microsoft.com/office/drawing/2010/main">
-              <mc:Choice Requires="a14">
-                <p:sp>
-                  <p:nvSpPr>
-                    <p:cNvPr id="89" name="テキスト ボックス 88"/>
-                    <p:cNvSpPr txBox="1"/>
-                    <p:nvPr/>
-                  </p:nvSpPr>
-                  <p:spPr>
-                    <a:xfrm>
-                      <a:off x="5841776" y="3312329"/>
-                      <a:ext cx="448200" cy="369332"/>
-                    </a:xfrm>
-                    <a:prstGeom prst="rect">
-                      <a:avLst/>
-                    </a:prstGeom>
-                    <a:noFill/>
-                  </p:spPr>
-                  <p:txBody>
-                    <a:bodyPr wrap="none" lIns="0" tIns="0" rIns="0" bIns="0" rtlCol="0">
-                      <a:spAutoFit/>
-                    </a:bodyPr>
-                    <a:lstStyle/>
-                    <a:p>
-                      <a:pPr/>
-                      <a14:m>
-                        <m:oMathPara xmlns:m="http://schemas.openxmlformats.org/officeDocument/2006/math">
-                          <m:oMathParaPr>
-                            <m:jc m:val="centerGroup"/>
-                          </m:oMathParaPr>
-                          <m:oMath xmlns:m="http://schemas.openxmlformats.org/officeDocument/2006/math">
-                            <m:sSub>
-                              <m:sSubPr>
-                                <m:ctrlPr>
-                                  <a:rPr kumimoji="1" lang="en-US" altLang="ja-JP" sz="2400" i="1" smtClean="0">
-                                    <a:latin typeface="Cambria Math" panose="02040503050406030204" pitchFamily="18" charset="0"/>
-                                  </a:rPr>
-                                </m:ctrlPr>
-                              </m:sSubPr>
-                              <m:e>
-                                <m:r>
-                                  <a:rPr kumimoji="1" lang="en-US" altLang="ja-JP" sz="2400" b="0" i="1" smtClean="0">
-                                    <a:latin typeface="Cambria Math" panose="02040503050406030204" pitchFamily="18" charset="0"/>
-                                  </a:rPr>
-                                  <m:t>𝑤</m:t>
-                                </m:r>
-                              </m:e>
-                              <m:sub>
-                                <m:r>
-                                  <a:rPr kumimoji="1" lang="en-US" altLang="ja-JP" sz="2400" b="0" i="1" smtClean="0">
-                                    <a:latin typeface="Cambria Math" panose="02040503050406030204" pitchFamily="18" charset="0"/>
-                                  </a:rPr>
-                                  <m:t>2</m:t>
-                                </m:r>
-                              </m:sub>
-                            </m:sSub>
-                          </m:oMath>
-                        </m:oMathPara>
-                      </a14:m>
-                      <a:endParaRPr kumimoji="1" lang="ja-JP" altLang="en-US" sz="2400" dirty="0"/>
-                    </a:p>
-                  </p:txBody>
-                </p:sp>
-              </mc:Choice>
-              <mc:Fallback xmlns="">
-                <p:sp>
-                  <p:nvSpPr>
-                    <p:cNvPr id="89" name="テキスト ボックス 88"/>
-                    <p:cNvSpPr txBox="1">
-                      <a:spLocks noRot="1" noChangeAspect="1" noMove="1" noResize="1" noEditPoints="1" noAdjustHandles="1" noChangeArrowheads="1" noChangeShapeType="1" noTextEdit="1"/>
-                    </p:cNvSpPr>
-                    <p:nvPr/>
-                  </p:nvSpPr>
-                  <p:spPr>
-                    <a:xfrm>
-                      <a:off x="5841776" y="3312329"/>
-                      <a:ext cx="448200" cy="369332"/>
-                    </a:xfrm>
-                    <a:prstGeom prst="rect">
-                      <a:avLst/>
-                    </a:prstGeom>
-                    <a:blipFill>
-                      <a:blip r:embed="rId10"/>
-                      <a:stretch>
-                        <a:fillRect l="-8219" r="-2740" b="-13333"/>
-                      </a:stretch>
-                    </a:blipFill>
-                  </p:spPr>
-                  <p:txBody>
-                    <a:bodyPr/>
-                    <a:lstStyle/>
-                    <a:p>
-                      <a:r>
-                        <a:rPr lang="ja-JP" altLang="en-US">
-                          <a:noFill/>
-                        </a:rPr>
-                        <a:t> </a:t>
-                      </a:r>
-                    </a:p>
-                  </p:txBody>
-                </p:sp>
-              </mc:Fallback>
-            </mc:AlternateContent>
-            <mc:AlternateContent xmlns:mc="http://schemas.openxmlformats.org/markup-compatibility/2006" xmlns:a14="http://schemas.microsoft.com/office/drawing/2010/main">
-              <mc:Choice Requires="a14">
-                <p:sp>
-                  <p:nvSpPr>
-                    <p:cNvPr id="90" name="テキスト ボックス 89"/>
-                    <p:cNvSpPr txBox="1"/>
-                    <p:nvPr/>
-                  </p:nvSpPr>
-                  <p:spPr>
-                    <a:xfrm>
-                      <a:off x="6475295" y="3710897"/>
-                      <a:ext cx="458715" cy="369332"/>
-                    </a:xfrm>
-                    <a:prstGeom prst="rect">
-                      <a:avLst/>
-                    </a:prstGeom>
-                    <a:noFill/>
-                  </p:spPr>
-                  <p:txBody>
-                    <a:bodyPr wrap="none" lIns="0" tIns="0" rIns="0" bIns="0" rtlCol="0">
-                      <a:spAutoFit/>
-                    </a:bodyPr>
-                    <a:lstStyle/>
-                    <a:p>
-                      <a:pPr/>
-                      <a14:m>
-                        <m:oMathPara xmlns:m="http://schemas.openxmlformats.org/officeDocument/2006/math">
-                          <m:oMathParaPr>
-                            <m:jc m:val="centerGroup"/>
-                          </m:oMathParaPr>
-                          <m:oMath xmlns:m="http://schemas.openxmlformats.org/officeDocument/2006/math">
-                            <m:sSub>
-                              <m:sSubPr>
-                                <m:ctrlPr>
-                                  <a:rPr kumimoji="1" lang="en-US" altLang="ja-JP" sz="2400" i="1" smtClean="0">
-                                    <a:latin typeface="Cambria Math" panose="02040503050406030204" pitchFamily="18" charset="0"/>
-                                  </a:rPr>
-                                </m:ctrlPr>
-                              </m:sSubPr>
-                              <m:e>
-                                <m:r>
-                                  <a:rPr kumimoji="1" lang="en-US" altLang="ja-JP" sz="2400" b="0" i="1" smtClean="0">
-                                    <a:latin typeface="Cambria Math" panose="02040503050406030204" pitchFamily="18" charset="0"/>
-                                  </a:rPr>
-                                  <m:t>𝑤</m:t>
-                                </m:r>
-                              </m:e>
-                              <m:sub>
-                                <m:r>
-                                  <a:rPr kumimoji="1" lang="en-US" altLang="ja-JP" sz="2400" b="0" i="1" smtClean="0">
-                                    <a:latin typeface="Cambria Math" panose="02040503050406030204" pitchFamily="18" charset="0"/>
-                                  </a:rPr>
-                                  <m:t>𝑛</m:t>
-                                </m:r>
-                              </m:sub>
-                            </m:sSub>
-                          </m:oMath>
-                        </m:oMathPara>
-                      </a14:m>
-                      <a:endParaRPr kumimoji="1" lang="ja-JP" altLang="en-US" sz="2400" dirty="0"/>
-                    </a:p>
-                  </p:txBody>
-                </p:sp>
-              </mc:Choice>
-              <mc:Fallback xmlns="">
-                <p:sp>
-                  <p:nvSpPr>
-                    <p:cNvPr id="90" name="テキスト ボックス 89"/>
-                    <p:cNvSpPr txBox="1">
-                      <a:spLocks noRot="1" noChangeAspect="1" noMove="1" noResize="1" noEditPoints="1" noAdjustHandles="1" noChangeArrowheads="1" noChangeShapeType="1" noTextEdit="1"/>
-                    </p:cNvSpPr>
-                    <p:nvPr/>
-                  </p:nvSpPr>
-                  <p:spPr>
-                    <a:xfrm>
-                      <a:off x="6475295" y="3710897"/>
-                      <a:ext cx="458715" cy="369332"/>
-                    </a:xfrm>
-                    <a:prstGeom prst="rect">
-                      <a:avLst/>
-                    </a:prstGeom>
-                    <a:blipFill>
-                      <a:blip r:embed="rId11"/>
-                      <a:stretch>
-                        <a:fillRect l="-8000" b="-8333"/>
-                      </a:stretch>
-                    </a:blipFill>
-                  </p:spPr>
-                  <p:txBody>
-                    <a:bodyPr/>
-                    <a:lstStyle/>
-                    <a:p>
-                      <a:r>
-                        <a:rPr lang="ja-JP" altLang="en-US">
-                          <a:noFill/>
-                        </a:rPr>
-                        <a:t> </a:t>
-                      </a:r>
-                    </a:p>
-                  </p:txBody>
-                </p:sp>
-              </mc:Fallback>
-            </mc:AlternateContent>
-          </p:grpSp>
-          <p:cxnSp>
-            <p:nvCxnSpPr>
-              <p:cNvPr id="93" name="直線矢印コネクタ 92"/>
-              <p:cNvCxnSpPr/>
-              <p:nvPr/>
-            </p:nvCxnSpPr>
-            <p:spPr>
-              <a:xfrm>
-                <a:off x="3234604" y="2636637"/>
-                <a:ext cx="2024912" cy="814066"/>
-              </a:xfrm>
-              <a:prstGeom prst="straightConnector1">
-                <a:avLst/>
-              </a:prstGeom>
-              <a:ln w="38100">
-                <a:solidFill>
-                  <a:schemeClr val="tx1"/>
-                </a:solidFill>
-                <a:prstDash val="sysDash"/>
-                <a:tailEnd type="triangle"/>
-              </a:ln>
-            </p:spPr>
-            <p:style>
-              <a:lnRef idx="1">
-                <a:schemeClr val="dk1"/>
-              </a:lnRef>
-              <a:fillRef idx="0">
-                <a:schemeClr val="dk1"/>
-              </a:fillRef>
-              <a:effectRef idx="0">
-                <a:schemeClr val="dk1"/>
-              </a:effectRef>
-              <a:fontRef idx="minor">
-                <a:schemeClr val="tx1"/>
-              </a:fontRef>
-            </p:style>
-          </p:cxnSp>
-          <mc:AlternateContent xmlns:mc="http://schemas.openxmlformats.org/markup-compatibility/2006" xmlns:a14="http://schemas.microsoft.com/office/drawing/2010/main">
-            <mc:Choice Requires="a14">
-              <p:sp>
-                <p:nvSpPr>
-                  <p:cNvPr id="97" name="テキスト ボックス 96"/>
-                  <p:cNvSpPr txBox="1"/>
-                  <p:nvPr/>
-                </p:nvSpPr>
-                <p:spPr>
-                  <a:xfrm>
-                    <a:off x="2969272" y="2459094"/>
-                    <a:ext cx="264944" cy="369332"/>
-                  </a:xfrm>
-                  <a:prstGeom prst="rect">
-                    <a:avLst/>
-                  </a:prstGeom>
-                  <a:noFill/>
-                </p:spPr>
-                <p:txBody>
-                  <a:bodyPr wrap="none" lIns="0" tIns="0" rIns="0" bIns="0" rtlCol="0">
-                    <a:spAutoFit/>
-                  </a:bodyPr>
-                  <a:lstStyle/>
-                  <a:p>
-                    <a:pPr/>
-                    <a14:m>
-                      <m:oMathPara xmlns:m="http://schemas.openxmlformats.org/officeDocument/2006/math">
-                        <m:oMathParaPr>
-                          <m:jc m:val="centerGroup"/>
-                        </m:oMathParaPr>
-                        <m:oMath xmlns:m="http://schemas.openxmlformats.org/officeDocument/2006/math">
-                          <m:r>
-                            <a:rPr kumimoji="1" lang="en-US" altLang="ja-JP" sz="2400" b="0" i="1" smtClean="0">
-                              <a:latin typeface="Cambria Math" panose="02040503050406030204" pitchFamily="18" charset="0"/>
-                            </a:rPr>
-                            <m:t>𝑦</m:t>
-                          </m:r>
-                        </m:oMath>
-                      </m:oMathPara>
-                    </a14:m>
-                    <a:endParaRPr kumimoji="1" lang="ja-JP" altLang="en-US" sz="2400" dirty="0"/>
-                  </a:p>
-                </p:txBody>
-              </p:sp>
-            </mc:Choice>
-            <mc:Fallback xmlns="">
-              <p:sp>
-                <p:nvSpPr>
-                  <p:cNvPr id="97" name="テキスト ボックス 96"/>
-                  <p:cNvSpPr txBox="1">
-                    <a:spLocks noRot="1" noChangeAspect="1" noMove="1" noResize="1" noEditPoints="1" noAdjustHandles="1" noChangeArrowheads="1" noChangeShapeType="1" noTextEdit="1"/>
-                  </p:cNvSpPr>
-                  <p:nvPr/>
-                </p:nvSpPr>
-                <p:spPr>
-                  <a:xfrm>
-                    <a:off x="2969272" y="2459094"/>
-                    <a:ext cx="264944" cy="369332"/>
-                  </a:xfrm>
-                  <a:prstGeom prst="rect">
-                    <a:avLst/>
-                  </a:prstGeom>
-                  <a:blipFill>
-                    <a:blip r:embed="rId12"/>
-                    <a:stretch>
-                      <a:fillRect l="-25000" r="-20455" b="-22951"/>
-                    </a:stretch>
-                  </a:blipFill>
-                </p:spPr>
-                <p:txBody>
-                  <a:bodyPr/>
-                  <a:lstStyle/>
-                  <a:p>
-                    <a:r>
-                      <a:rPr lang="ja-JP" altLang="en-US">
-                        <a:noFill/>
-                      </a:rPr>
-                      <a:t> </a:t>
-                    </a:r>
-                  </a:p>
-                </p:txBody>
-              </p:sp>
-            </mc:Fallback>
-          </mc:AlternateContent>
-        </p:grpSp>
-        <mc:AlternateContent xmlns:mc="http://schemas.openxmlformats.org/markup-compatibility/2006" xmlns:a14="http://schemas.microsoft.com/office/drawing/2010/main">
-          <mc:Choice Requires="a14">
-            <p:sp>
-              <p:nvSpPr>
-                <p:cNvPr id="31" name="テキスト ボックス 30"/>
                 <p:cNvSpPr txBox="1"/>
                 <p:nvPr/>
               </p:nvSpPr>
               <p:spPr>
                 <a:xfrm>
-                  <a:off x="6449233" y="4691814"/>
-                  <a:ext cx="339837" cy="369332"/>
+                  <a:off x="820281" y="1414045"/>
+                  <a:ext cx="703719" cy="677108"/>
                 </a:xfrm>
                 <a:prstGeom prst="rect">
                   <a:avLst/>
@@ -23479,37 +22019,55 @@
                 </a:bodyPr>
                 <a:lstStyle/>
                 <a:p>
-                  <a:pPr/>
                   <a14:m>
                     <m:oMathPara xmlns:m="http://schemas.openxmlformats.org/officeDocument/2006/math">
                       <m:oMathParaPr>
                         <m:jc m:val="centerGroup"/>
                       </m:oMathParaPr>
                       <m:oMath xmlns:m="http://schemas.openxmlformats.org/officeDocument/2006/math">
-                        <m:r>
-                          <a:rPr kumimoji="1" lang="en-US" altLang="ja-JP" sz="2400" b="0" i="1" smtClean="0">
-                            <a:latin typeface="Cambria Math" panose="02040503050406030204" pitchFamily="18" charset="0"/>
-                          </a:rPr>
-                          <m:t>𝑦</m:t>
-                        </m:r>
-                        <m:r>
-                          <a:rPr kumimoji="1" lang="en-US" altLang="ja-JP" sz="2400" b="0" i="1" smtClean="0">
-                            <a:latin typeface="Cambria Math" panose="02040503050406030204" pitchFamily="18" charset="0"/>
-                          </a:rPr>
-                          <m:t>′</m:t>
-                        </m:r>
+                        <m:sSub>
+                          <m:sSubPr>
+                            <m:ctrlPr>
+                              <a:rPr kumimoji="1" lang="en-US" altLang="ja-JP" sz="4400" i="1" smtClean="0">
+                                <a:latin typeface="Cambria Math" panose="02040503050406030204" pitchFamily="18" charset="0"/>
+                              </a:rPr>
+                            </m:ctrlPr>
+                          </m:sSubPr>
+                          <m:e>
+                            <m:r>
+                              <a:rPr kumimoji="1" lang="en-US" altLang="ja-JP" sz="4400" b="0" i="1" smtClean="0">
+                                <a:latin typeface="Cambria Math" panose="02040503050406030204" pitchFamily="18" charset="0"/>
+                              </a:rPr>
+                              <m:t>𝑥</m:t>
+                            </m:r>
+                          </m:e>
+                          <m:sub>
+                            <m:r>
+                              <a:rPr kumimoji="1" lang="en-US" altLang="ja-JP" sz="4400" b="0" i="1" smtClean="0">
+                                <a:latin typeface="Cambria Math" panose="02040503050406030204" pitchFamily="18" charset="0"/>
+                              </a:rPr>
+                              <m:t>1</m:t>
+                            </m:r>
+                          </m:sub>
+                        </m:sSub>
                       </m:oMath>
                     </m:oMathPara>
                   </a14:m>
-                  <a:endParaRPr kumimoji="1" lang="ja-JP" altLang="en-US" sz="2400" dirty="0"/>
+                  <a:endParaRPr kumimoji="1" lang="ja-JP" altLang="en-US" sz="4400" dirty="0"/>
                 </a:p>
               </p:txBody>
             </p:sp>
           </mc:Choice>
-          <mc:Fallback xmlns="">
+          <mc:Fallback>
             <p:sp>
               <p:nvSpPr>
-                <p:cNvPr id="31" name="テキスト ボックス 30"/>
+                <p:cNvPr id="8" name="テキスト ボックス 7">
+                  <a:extLst>
+                    <a:ext uri="{FF2B5EF4-FFF2-40B4-BE49-F238E27FC236}">
+                      <a16:creationId xmlns:a16="http://schemas.microsoft.com/office/drawing/2014/main" id="{8DC63FEA-8B58-4808-A4C2-76565D30011B}"/>
+                    </a:ext>
+                  </a:extLst>
+                </p:cNvPr>
                 <p:cNvSpPr txBox="1">
                   <a:spLocks noRot="1" noChangeAspect="1" noMove="1" noResize="1" noEditPoints="1" noAdjustHandles="1" noChangeArrowheads="1" noChangeShapeType="1" noTextEdit="1"/>
                 </p:cNvSpPr>
@@ -23517,16 +22075,16 @@
               </p:nvSpPr>
               <p:spPr>
                 <a:xfrm>
-                  <a:off x="6449233" y="4691814"/>
-                  <a:ext cx="339837" cy="369332"/>
+                  <a:off x="820281" y="1414045"/>
+                  <a:ext cx="703719" cy="677108"/>
                 </a:xfrm>
                 <a:prstGeom prst="rect">
                   <a:avLst/>
                 </a:prstGeom>
                 <a:blipFill>
-                  <a:blip r:embed="rId13"/>
+                  <a:blip r:embed="rId2"/>
                   <a:stretch>
-                    <a:fillRect l="-32143" t="-8333" r="-30357" b="-36667"/>
+                    <a:fillRect/>
                   </a:stretch>
                 </a:blipFill>
               </p:spPr>
@@ -23546,6 +22104,2245 @@
           </mc:Fallback>
         </mc:AlternateContent>
       </p:grpSp>
+      <p:grpSp>
+        <p:nvGrpSpPr>
+          <p:cNvPr id="37" name="グループ化 36">
+            <a:extLst>
+              <a:ext uri="{FF2B5EF4-FFF2-40B4-BE49-F238E27FC236}">
+                <a16:creationId xmlns:a16="http://schemas.microsoft.com/office/drawing/2014/main" id="{2E331F26-144E-4579-86CD-0C8EDADDDD05}"/>
+              </a:ext>
+            </a:extLst>
+          </p:cNvPr>
+          <p:cNvGrpSpPr/>
+          <p:nvPr/>
+        </p:nvGrpSpPr>
+        <p:grpSpPr>
+          <a:xfrm>
+            <a:off x="632084" y="3716602"/>
+            <a:ext cx="967408" cy="967408"/>
+            <a:chOff x="609600" y="1358348"/>
+            <a:chExt cx="967408" cy="967408"/>
+          </a:xfrm>
+        </p:grpSpPr>
+        <p:sp>
+          <p:nvSpPr>
+            <p:cNvPr id="38" name="楕円 37">
+              <a:extLst>
+                <a:ext uri="{FF2B5EF4-FFF2-40B4-BE49-F238E27FC236}">
+                  <a16:creationId xmlns:a16="http://schemas.microsoft.com/office/drawing/2014/main" id="{5BEECFD0-B6AD-4C62-A338-6948E90472FD}"/>
+                </a:ext>
+              </a:extLst>
+            </p:cNvPr>
+            <p:cNvSpPr/>
+            <p:nvPr/>
+          </p:nvSpPr>
+          <p:spPr>
+            <a:xfrm>
+              <a:off x="609600" y="1358348"/>
+              <a:ext cx="967408" cy="967408"/>
+            </a:xfrm>
+            <a:prstGeom prst="ellipse">
+              <a:avLst/>
+            </a:prstGeom>
+            <a:solidFill>
+              <a:schemeClr val="bg2">
+                <a:lumMod val="90000"/>
+              </a:schemeClr>
+            </a:solidFill>
+            <a:ln w="28575">
+              <a:solidFill>
+                <a:schemeClr val="tx1"/>
+              </a:solidFill>
+            </a:ln>
+          </p:spPr>
+          <p:style>
+            <a:lnRef idx="2">
+              <a:schemeClr val="accent1">
+                <a:shade val="50000"/>
+              </a:schemeClr>
+            </a:lnRef>
+            <a:fillRef idx="1">
+              <a:schemeClr val="accent1"/>
+            </a:fillRef>
+            <a:effectRef idx="0">
+              <a:schemeClr val="accent1"/>
+            </a:effectRef>
+            <a:fontRef idx="minor">
+              <a:schemeClr val="lt1"/>
+            </a:fontRef>
+          </p:style>
+          <p:txBody>
+            <a:bodyPr rtlCol="0" anchor="ctr"/>
+            <a:lstStyle/>
+            <a:p>
+              <a:pPr algn="ctr"/>
+              <a:endParaRPr kumimoji="1" lang="ja-JP" altLang="en-US" dirty="0"/>
+            </a:p>
+          </p:txBody>
+        </p:sp>
+        <mc:AlternateContent xmlns:mc="http://schemas.openxmlformats.org/markup-compatibility/2006">
+          <mc:Choice xmlns:a14="http://schemas.microsoft.com/office/drawing/2010/main" Requires="a14">
+            <p:sp>
+              <p:nvSpPr>
+                <p:cNvPr id="39" name="テキスト ボックス 38">
+                  <a:extLst>
+                    <a:ext uri="{FF2B5EF4-FFF2-40B4-BE49-F238E27FC236}">
+                      <a16:creationId xmlns:a16="http://schemas.microsoft.com/office/drawing/2014/main" id="{6177AEE6-F40A-4B05-B65D-FC8097B411CC}"/>
+                    </a:ext>
+                  </a:extLst>
+                </p:cNvPr>
+                <p:cNvSpPr txBox="1"/>
+                <p:nvPr/>
+              </p:nvSpPr>
+              <p:spPr>
+                <a:xfrm>
+                  <a:off x="820281" y="1414045"/>
+                  <a:ext cx="716798" cy="677108"/>
+                </a:xfrm>
+                <a:prstGeom prst="rect">
+                  <a:avLst/>
+                </a:prstGeom>
+                <a:noFill/>
+              </p:spPr>
+              <p:txBody>
+                <a:bodyPr wrap="none" lIns="0" tIns="0" rIns="0" bIns="0" rtlCol="0">
+                  <a:spAutoFit/>
+                </a:bodyPr>
+                <a:lstStyle/>
+                <a:p>
+                  <a14:m>
+                    <m:oMathPara xmlns:m="http://schemas.openxmlformats.org/officeDocument/2006/math">
+                      <m:oMathParaPr>
+                        <m:jc m:val="centerGroup"/>
+                      </m:oMathParaPr>
+                      <m:oMath xmlns:m="http://schemas.openxmlformats.org/officeDocument/2006/math">
+                        <m:sSub>
+                          <m:sSubPr>
+                            <m:ctrlPr>
+                              <a:rPr kumimoji="1" lang="en-US" altLang="ja-JP" sz="4400" i="1" smtClean="0">
+                                <a:latin typeface="Cambria Math" panose="02040503050406030204" pitchFamily="18" charset="0"/>
+                              </a:rPr>
+                            </m:ctrlPr>
+                          </m:sSubPr>
+                          <m:e>
+                            <m:r>
+                              <a:rPr kumimoji="1" lang="en-US" altLang="ja-JP" sz="4400" b="0" i="1" smtClean="0">
+                                <a:latin typeface="Cambria Math" panose="02040503050406030204" pitchFamily="18" charset="0"/>
+                              </a:rPr>
+                              <m:t>𝑥</m:t>
+                            </m:r>
+                          </m:e>
+                          <m:sub>
+                            <m:r>
+                              <a:rPr kumimoji="1" lang="en-US" altLang="ja-JP" sz="4400" b="0" i="1" smtClean="0">
+                                <a:latin typeface="Cambria Math" panose="02040503050406030204" pitchFamily="18" charset="0"/>
+                              </a:rPr>
+                              <m:t>2</m:t>
+                            </m:r>
+                          </m:sub>
+                        </m:sSub>
+                      </m:oMath>
+                    </m:oMathPara>
+                  </a14:m>
+                  <a:endParaRPr kumimoji="1" lang="ja-JP" altLang="en-US" sz="4400" dirty="0"/>
+                </a:p>
+              </p:txBody>
+            </p:sp>
+          </mc:Choice>
+          <mc:Fallback>
+            <p:sp>
+              <p:nvSpPr>
+                <p:cNvPr id="39" name="テキスト ボックス 38">
+                  <a:extLst>
+                    <a:ext uri="{FF2B5EF4-FFF2-40B4-BE49-F238E27FC236}">
+                      <a16:creationId xmlns:a16="http://schemas.microsoft.com/office/drawing/2014/main" id="{6177AEE6-F40A-4B05-B65D-FC8097B411CC}"/>
+                    </a:ext>
+                  </a:extLst>
+                </p:cNvPr>
+                <p:cNvSpPr txBox="1">
+                  <a:spLocks noRot="1" noChangeAspect="1" noMove="1" noResize="1" noEditPoints="1" noAdjustHandles="1" noChangeArrowheads="1" noChangeShapeType="1" noTextEdit="1"/>
+                </p:cNvSpPr>
+                <p:nvPr/>
+              </p:nvSpPr>
+              <p:spPr>
+                <a:xfrm>
+                  <a:off x="820281" y="1414045"/>
+                  <a:ext cx="716798" cy="677108"/>
+                </a:xfrm>
+                <a:prstGeom prst="rect">
+                  <a:avLst/>
+                </a:prstGeom>
+                <a:blipFill>
+                  <a:blip r:embed="rId3"/>
+                  <a:stretch>
+                    <a:fillRect/>
+                  </a:stretch>
+                </a:blipFill>
+              </p:spPr>
+              <p:txBody>
+                <a:bodyPr/>
+                <a:lstStyle/>
+                <a:p>
+                  <a:r>
+                    <a:rPr lang="ja-JP" altLang="en-US">
+                      <a:noFill/>
+                    </a:rPr>
+                    <a:t> </a:t>
+                  </a:r>
+                </a:p>
+              </p:txBody>
+            </p:sp>
+          </mc:Fallback>
+        </mc:AlternateContent>
+      </p:grpSp>
+      <p:grpSp>
+        <p:nvGrpSpPr>
+          <p:cNvPr id="25" name="グループ化 24">
+            <a:extLst>
+              <a:ext uri="{FF2B5EF4-FFF2-40B4-BE49-F238E27FC236}">
+                <a16:creationId xmlns:a16="http://schemas.microsoft.com/office/drawing/2014/main" id="{528F8DA5-0A87-4FB7-9F49-E6F0AB7E3B45}"/>
+              </a:ext>
+            </a:extLst>
+          </p:cNvPr>
+          <p:cNvGrpSpPr/>
+          <p:nvPr/>
+        </p:nvGrpSpPr>
+        <p:grpSpPr>
+          <a:xfrm>
+            <a:off x="632084" y="5606334"/>
+            <a:ext cx="967408" cy="967408"/>
+            <a:chOff x="632084" y="5606334"/>
+            <a:chExt cx="967408" cy="967408"/>
+          </a:xfrm>
+        </p:grpSpPr>
+        <p:sp>
+          <p:nvSpPr>
+            <p:cNvPr id="41" name="楕円 40">
+              <a:extLst>
+                <a:ext uri="{FF2B5EF4-FFF2-40B4-BE49-F238E27FC236}">
+                  <a16:creationId xmlns:a16="http://schemas.microsoft.com/office/drawing/2014/main" id="{506E401E-3456-48D7-9120-1CAA18D66987}"/>
+                </a:ext>
+              </a:extLst>
+            </p:cNvPr>
+            <p:cNvSpPr/>
+            <p:nvPr/>
+          </p:nvSpPr>
+          <p:spPr>
+            <a:xfrm>
+              <a:off x="632084" y="5606334"/>
+              <a:ext cx="967408" cy="967408"/>
+            </a:xfrm>
+            <a:prstGeom prst="ellipse">
+              <a:avLst/>
+            </a:prstGeom>
+            <a:solidFill>
+              <a:schemeClr val="bg2">
+                <a:lumMod val="90000"/>
+              </a:schemeClr>
+            </a:solidFill>
+            <a:ln w="28575">
+              <a:solidFill>
+                <a:schemeClr val="tx1"/>
+              </a:solidFill>
+            </a:ln>
+          </p:spPr>
+          <p:style>
+            <a:lnRef idx="2">
+              <a:schemeClr val="accent1">
+                <a:shade val="50000"/>
+              </a:schemeClr>
+            </a:lnRef>
+            <a:fillRef idx="1">
+              <a:schemeClr val="accent1"/>
+            </a:fillRef>
+            <a:effectRef idx="0">
+              <a:schemeClr val="accent1"/>
+            </a:effectRef>
+            <a:fontRef idx="minor">
+              <a:schemeClr val="lt1"/>
+            </a:fontRef>
+          </p:style>
+          <p:txBody>
+            <a:bodyPr rtlCol="0" anchor="ctr"/>
+            <a:lstStyle/>
+            <a:p>
+              <a:pPr algn="ctr"/>
+              <a:endParaRPr kumimoji="1" lang="ja-JP" altLang="en-US" dirty="0"/>
+            </a:p>
+          </p:txBody>
+        </p:sp>
+        <mc:AlternateContent xmlns:mc="http://schemas.openxmlformats.org/markup-compatibility/2006">
+          <mc:Choice xmlns:a14="http://schemas.microsoft.com/office/drawing/2010/main" Requires="a14">
+            <p:sp>
+              <p:nvSpPr>
+                <p:cNvPr id="42" name="テキスト ボックス 41">
+                  <a:extLst>
+                    <a:ext uri="{FF2B5EF4-FFF2-40B4-BE49-F238E27FC236}">
+                      <a16:creationId xmlns:a16="http://schemas.microsoft.com/office/drawing/2014/main" id="{889A4EE9-CB92-4DA4-8D0E-5A3326D8DF77}"/>
+                    </a:ext>
+                  </a:extLst>
+                </p:cNvPr>
+                <p:cNvSpPr txBox="1"/>
+                <p:nvPr/>
+              </p:nvSpPr>
+              <p:spPr>
+                <a:xfrm>
+                  <a:off x="842765" y="5662031"/>
+                  <a:ext cx="752706" cy="677108"/>
+                </a:xfrm>
+                <a:prstGeom prst="rect">
+                  <a:avLst/>
+                </a:prstGeom>
+                <a:noFill/>
+              </p:spPr>
+              <p:txBody>
+                <a:bodyPr wrap="none" lIns="0" tIns="0" rIns="0" bIns="0" rtlCol="0">
+                  <a:spAutoFit/>
+                </a:bodyPr>
+                <a:lstStyle/>
+                <a:p>
+                  <a14:m>
+                    <m:oMathPara xmlns:m="http://schemas.openxmlformats.org/officeDocument/2006/math">
+                      <m:oMathParaPr>
+                        <m:jc m:val="centerGroup"/>
+                      </m:oMathParaPr>
+                      <m:oMath xmlns:m="http://schemas.openxmlformats.org/officeDocument/2006/math">
+                        <m:sSub>
+                          <m:sSubPr>
+                            <m:ctrlPr>
+                              <a:rPr kumimoji="1" lang="en-US" altLang="ja-JP" sz="4400" i="1" smtClean="0">
+                                <a:latin typeface="Cambria Math" panose="02040503050406030204" pitchFamily="18" charset="0"/>
+                              </a:rPr>
+                            </m:ctrlPr>
+                          </m:sSubPr>
+                          <m:e>
+                            <m:r>
+                              <a:rPr kumimoji="1" lang="en-US" altLang="ja-JP" sz="4400" b="0" i="1" smtClean="0">
+                                <a:latin typeface="Cambria Math" panose="02040503050406030204" pitchFamily="18" charset="0"/>
+                              </a:rPr>
+                              <m:t>𝑥</m:t>
+                            </m:r>
+                          </m:e>
+                          <m:sub>
+                            <m:r>
+                              <a:rPr kumimoji="1" lang="en-US" altLang="ja-JP" sz="4400" b="0" i="1" smtClean="0">
+                                <a:latin typeface="Cambria Math" panose="02040503050406030204" pitchFamily="18" charset="0"/>
+                              </a:rPr>
+                              <m:t>𝑛</m:t>
+                            </m:r>
+                          </m:sub>
+                        </m:sSub>
+                      </m:oMath>
+                    </m:oMathPara>
+                  </a14:m>
+                  <a:endParaRPr kumimoji="1" lang="ja-JP" altLang="en-US" sz="4400" dirty="0"/>
+                </a:p>
+              </p:txBody>
+            </p:sp>
+          </mc:Choice>
+          <mc:Fallback>
+            <p:sp>
+              <p:nvSpPr>
+                <p:cNvPr id="42" name="テキスト ボックス 41">
+                  <a:extLst>
+                    <a:ext uri="{FF2B5EF4-FFF2-40B4-BE49-F238E27FC236}">
+                      <a16:creationId xmlns:a16="http://schemas.microsoft.com/office/drawing/2014/main" id="{889A4EE9-CB92-4DA4-8D0E-5A3326D8DF77}"/>
+                    </a:ext>
+                  </a:extLst>
+                </p:cNvPr>
+                <p:cNvSpPr txBox="1">
+                  <a:spLocks noRot="1" noChangeAspect="1" noMove="1" noResize="1" noEditPoints="1" noAdjustHandles="1" noChangeArrowheads="1" noChangeShapeType="1" noTextEdit="1"/>
+                </p:cNvSpPr>
+                <p:nvPr/>
+              </p:nvSpPr>
+              <p:spPr>
+                <a:xfrm>
+                  <a:off x="842765" y="5662031"/>
+                  <a:ext cx="752706" cy="677108"/>
+                </a:xfrm>
+                <a:prstGeom prst="rect">
+                  <a:avLst/>
+                </a:prstGeom>
+                <a:blipFill>
+                  <a:blip r:embed="rId4"/>
+                  <a:stretch>
+                    <a:fillRect/>
+                  </a:stretch>
+                </a:blipFill>
+              </p:spPr>
+              <p:txBody>
+                <a:bodyPr/>
+                <a:lstStyle/>
+                <a:p>
+                  <a:r>
+                    <a:rPr lang="ja-JP" altLang="en-US">
+                      <a:noFill/>
+                    </a:rPr>
+                    <a:t> </a:t>
+                  </a:r>
+                </a:p>
+              </p:txBody>
+            </p:sp>
+          </mc:Fallback>
+        </mc:AlternateContent>
+      </p:grpSp>
+      <p:sp>
+        <p:nvSpPr>
+          <p:cNvPr id="10" name="テキスト ボックス 9">
+            <a:extLst>
+              <a:ext uri="{FF2B5EF4-FFF2-40B4-BE49-F238E27FC236}">
+                <a16:creationId xmlns:a16="http://schemas.microsoft.com/office/drawing/2014/main" id="{E7A22BD3-5456-4891-8500-D16F3E3E8D12}"/>
+              </a:ext>
+            </a:extLst>
+          </p:cNvPr>
+          <p:cNvSpPr txBox="1"/>
+          <p:nvPr/>
+        </p:nvSpPr>
+        <p:spPr>
+          <a:xfrm>
+            <a:off x="1578025" y="4630351"/>
+            <a:ext cx="861774" cy="714954"/>
+          </a:xfrm>
+          <a:prstGeom prst="rect">
+            <a:avLst/>
+          </a:prstGeom>
+          <a:noFill/>
+        </p:spPr>
+        <p:txBody>
+          <a:bodyPr vert="eaVert" wrap="square" rtlCol="0">
+            <a:spAutoFit/>
+          </a:bodyPr>
+          <a:lstStyle/>
+          <a:p>
+            <a:r>
+              <a:rPr kumimoji="1" lang="en-US" altLang="ja-JP" sz="4400" dirty="0"/>
+              <a:t>…</a:t>
+            </a:r>
+            <a:endParaRPr kumimoji="1" lang="ja-JP" altLang="en-US" sz="4400" dirty="0"/>
+          </a:p>
+        </p:txBody>
+      </p:sp>
+      <p:grpSp>
+        <p:nvGrpSpPr>
+          <p:cNvPr id="44" name="グループ化 43">
+            <a:extLst>
+              <a:ext uri="{FF2B5EF4-FFF2-40B4-BE49-F238E27FC236}">
+                <a16:creationId xmlns:a16="http://schemas.microsoft.com/office/drawing/2014/main" id="{969EF794-6417-4D2E-B6FF-AEBCFC470431}"/>
+              </a:ext>
+            </a:extLst>
+          </p:cNvPr>
+          <p:cNvGrpSpPr/>
+          <p:nvPr/>
+        </p:nvGrpSpPr>
+        <p:grpSpPr>
+          <a:xfrm>
+            <a:off x="5612296" y="2945296"/>
+            <a:ext cx="967408" cy="967408"/>
+            <a:chOff x="609600" y="1358348"/>
+            <a:chExt cx="967408" cy="967408"/>
+          </a:xfrm>
+        </p:grpSpPr>
+        <p:sp>
+          <p:nvSpPr>
+            <p:cNvPr id="45" name="楕円 44">
+              <a:extLst>
+                <a:ext uri="{FF2B5EF4-FFF2-40B4-BE49-F238E27FC236}">
+                  <a16:creationId xmlns:a16="http://schemas.microsoft.com/office/drawing/2014/main" id="{45019AF5-3B4E-4CDE-B13B-DEC61BF37EA9}"/>
+                </a:ext>
+              </a:extLst>
+            </p:cNvPr>
+            <p:cNvSpPr/>
+            <p:nvPr/>
+          </p:nvSpPr>
+          <p:spPr>
+            <a:xfrm>
+              <a:off x="609600" y="1358348"/>
+              <a:ext cx="967408" cy="967408"/>
+            </a:xfrm>
+            <a:prstGeom prst="ellipse">
+              <a:avLst/>
+            </a:prstGeom>
+            <a:solidFill>
+              <a:schemeClr val="bg2">
+                <a:lumMod val="90000"/>
+              </a:schemeClr>
+            </a:solidFill>
+            <a:ln w="28575">
+              <a:solidFill>
+                <a:schemeClr val="tx1"/>
+              </a:solidFill>
+            </a:ln>
+          </p:spPr>
+          <p:style>
+            <a:lnRef idx="2">
+              <a:schemeClr val="accent1">
+                <a:shade val="50000"/>
+              </a:schemeClr>
+            </a:lnRef>
+            <a:fillRef idx="1">
+              <a:schemeClr val="accent1"/>
+            </a:fillRef>
+            <a:effectRef idx="0">
+              <a:schemeClr val="accent1"/>
+            </a:effectRef>
+            <a:fontRef idx="minor">
+              <a:schemeClr val="lt1"/>
+            </a:fontRef>
+          </p:style>
+          <p:txBody>
+            <a:bodyPr rtlCol="0" anchor="ctr"/>
+            <a:lstStyle/>
+            <a:p>
+              <a:pPr algn="ctr"/>
+              <a:endParaRPr kumimoji="1" lang="ja-JP" altLang="en-US" dirty="0"/>
+            </a:p>
+          </p:txBody>
+        </p:sp>
+        <mc:AlternateContent xmlns:mc="http://schemas.openxmlformats.org/markup-compatibility/2006">
+          <mc:Choice xmlns:a14="http://schemas.microsoft.com/office/drawing/2010/main" Requires="a14">
+            <p:sp>
+              <p:nvSpPr>
+                <p:cNvPr id="46" name="テキスト ボックス 45">
+                  <a:extLst>
+                    <a:ext uri="{FF2B5EF4-FFF2-40B4-BE49-F238E27FC236}">
+                      <a16:creationId xmlns:a16="http://schemas.microsoft.com/office/drawing/2014/main" id="{4BF4BF17-8C53-4D22-9DC1-8F01F3C05194}"/>
+                    </a:ext>
+                  </a:extLst>
+                </p:cNvPr>
+                <p:cNvSpPr txBox="1"/>
+                <p:nvPr/>
+              </p:nvSpPr>
+              <p:spPr>
+                <a:xfrm>
+                  <a:off x="858464" y="1508243"/>
+                  <a:ext cx="469679" cy="677108"/>
+                </a:xfrm>
+                <a:prstGeom prst="rect">
+                  <a:avLst/>
+                </a:prstGeom>
+                <a:noFill/>
+              </p:spPr>
+              <p:txBody>
+                <a:bodyPr wrap="none" lIns="0" tIns="0" rIns="0" bIns="0" rtlCol="0">
+                  <a:spAutoFit/>
+                </a:bodyPr>
+                <a:lstStyle/>
+                <a:p>
+                  <a14:m>
+                    <m:oMathPara xmlns:m="http://schemas.openxmlformats.org/officeDocument/2006/math">
+                      <m:oMathParaPr>
+                        <m:jc m:val="centerGroup"/>
+                      </m:oMathParaPr>
+                      <m:oMath xmlns:m="http://schemas.openxmlformats.org/officeDocument/2006/math">
+                        <m:r>
+                          <m:rPr>
+                            <m:sty m:val="p"/>
+                          </m:rPr>
+                          <a:rPr kumimoji="1" lang="el-GR" altLang="ja-JP" sz="4400" i="1" smtClean="0">
+                            <a:latin typeface="Cambria Math" panose="02040503050406030204" pitchFamily="18" charset="0"/>
+                            <a:ea typeface="Cambria Math" panose="02040503050406030204" pitchFamily="18" charset="0"/>
+                          </a:rPr>
+                          <m:t>Σ</m:t>
+                        </m:r>
+                      </m:oMath>
+                    </m:oMathPara>
+                  </a14:m>
+                  <a:endParaRPr kumimoji="1" lang="ja-JP" altLang="en-US" sz="4400" dirty="0"/>
+                </a:p>
+              </p:txBody>
+            </p:sp>
+          </mc:Choice>
+          <mc:Fallback>
+            <p:sp>
+              <p:nvSpPr>
+                <p:cNvPr id="46" name="テキスト ボックス 45">
+                  <a:extLst>
+                    <a:ext uri="{FF2B5EF4-FFF2-40B4-BE49-F238E27FC236}">
+                      <a16:creationId xmlns:a16="http://schemas.microsoft.com/office/drawing/2014/main" id="{4BF4BF17-8C53-4D22-9DC1-8F01F3C05194}"/>
+                    </a:ext>
+                  </a:extLst>
+                </p:cNvPr>
+                <p:cNvSpPr txBox="1">
+                  <a:spLocks noRot="1" noChangeAspect="1" noMove="1" noResize="1" noEditPoints="1" noAdjustHandles="1" noChangeArrowheads="1" noChangeShapeType="1" noTextEdit="1"/>
+                </p:cNvSpPr>
+                <p:nvPr/>
+              </p:nvSpPr>
+              <p:spPr>
+                <a:xfrm>
+                  <a:off x="858464" y="1508243"/>
+                  <a:ext cx="469679" cy="677108"/>
+                </a:xfrm>
+                <a:prstGeom prst="rect">
+                  <a:avLst/>
+                </a:prstGeom>
+                <a:blipFill>
+                  <a:blip r:embed="rId5"/>
+                  <a:stretch>
+                    <a:fillRect/>
+                  </a:stretch>
+                </a:blipFill>
+              </p:spPr>
+              <p:txBody>
+                <a:bodyPr/>
+                <a:lstStyle/>
+                <a:p>
+                  <a:r>
+                    <a:rPr lang="ja-JP" altLang="en-US">
+                      <a:noFill/>
+                    </a:rPr>
+                    <a:t> </a:t>
+                  </a:r>
+                </a:p>
+              </p:txBody>
+            </p:sp>
+          </mc:Fallback>
+        </mc:AlternateContent>
+      </p:grpSp>
+      <p:cxnSp>
+        <p:nvCxnSpPr>
+          <p:cNvPr id="12" name="直線コネクタ 11">
+            <a:extLst>
+              <a:ext uri="{FF2B5EF4-FFF2-40B4-BE49-F238E27FC236}">
+                <a16:creationId xmlns:a16="http://schemas.microsoft.com/office/drawing/2014/main" id="{093AFC15-60C4-4EA3-89D2-8C971BBAEA69}"/>
+              </a:ext>
+            </a:extLst>
+          </p:cNvPr>
+          <p:cNvCxnSpPr>
+            <a:stCxn id="7" idx="6"/>
+            <a:endCxn id="45" idx="2"/>
+          </p:cNvCxnSpPr>
+          <p:nvPr/>
+        </p:nvCxnSpPr>
+        <p:spPr>
+          <a:xfrm>
+            <a:off x="1603513" y="767962"/>
+            <a:ext cx="4008783" cy="2661038"/>
+          </a:xfrm>
+          <a:prstGeom prst="line">
+            <a:avLst/>
+          </a:prstGeom>
+          <a:ln w="57150"/>
+        </p:spPr>
+        <p:style>
+          <a:lnRef idx="1">
+            <a:schemeClr val="dk1"/>
+          </a:lnRef>
+          <a:fillRef idx="0">
+            <a:schemeClr val="dk1"/>
+          </a:fillRef>
+          <a:effectRef idx="0">
+            <a:schemeClr val="dk1"/>
+          </a:effectRef>
+          <a:fontRef idx="minor">
+            <a:schemeClr val="tx1"/>
+          </a:fontRef>
+        </p:style>
+      </p:cxnSp>
+      <p:cxnSp>
+        <p:nvCxnSpPr>
+          <p:cNvPr id="53" name="直線コネクタ 52">
+            <a:extLst>
+              <a:ext uri="{FF2B5EF4-FFF2-40B4-BE49-F238E27FC236}">
+                <a16:creationId xmlns:a16="http://schemas.microsoft.com/office/drawing/2014/main" id="{19441386-1FA5-44EA-903D-FF3354D031A1}"/>
+              </a:ext>
+            </a:extLst>
+          </p:cNvPr>
+          <p:cNvCxnSpPr>
+            <a:cxnSpLocks/>
+            <a:stCxn id="33" idx="6"/>
+            <a:endCxn id="45" idx="2"/>
+          </p:cNvCxnSpPr>
+          <p:nvPr/>
+        </p:nvCxnSpPr>
+        <p:spPr>
+          <a:xfrm>
+            <a:off x="1599492" y="2411253"/>
+            <a:ext cx="4012804" cy="1017747"/>
+          </a:xfrm>
+          <a:prstGeom prst="line">
+            <a:avLst/>
+          </a:prstGeom>
+          <a:ln w="57150"/>
+        </p:spPr>
+        <p:style>
+          <a:lnRef idx="1">
+            <a:schemeClr val="dk1"/>
+          </a:lnRef>
+          <a:fillRef idx="0">
+            <a:schemeClr val="dk1"/>
+          </a:fillRef>
+          <a:effectRef idx="0">
+            <a:schemeClr val="dk1"/>
+          </a:effectRef>
+          <a:fontRef idx="minor">
+            <a:schemeClr val="tx1"/>
+          </a:fontRef>
+        </p:style>
+      </p:cxnSp>
+      <p:cxnSp>
+        <p:nvCxnSpPr>
+          <p:cNvPr id="55" name="直線コネクタ 54">
+            <a:extLst>
+              <a:ext uri="{FF2B5EF4-FFF2-40B4-BE49-F238E27FC236}">
+                <a16:creationId xmlns:a16="http://schemas.microsoft.com/office/drawing/2014/main" id="{92FADDC1-FBBE-459C-9B03-65BD6A6E7488}"/>
+              </a:ext>
+            </a:extLst>
+          </p:cNvPr>
+          <p:cNvCxnSpPr>
+            <a:cxnSpLocks/>
+            <a:stCxn id="41" idx="6"/>
+            <a:endCxn id="45" idx="2"/>
+          </p:cNvCxnSpPr>
+          <p:nvPr/>
+        </p:nvCxnSpPr>
+        <p:spPr>
+          <a:xfrm flipV="1">
+            <a:off x="1599492" y="3429000"/>
+            <a:ext cx="4012804" cy="2661038"/>
+          </a:xfrm>
+          <a:prstGeom prst="line">
+            <a:avLst/>
+          </a:prstGeom>
+          <a:ln w="57150"/>
+        </p:spPr>
+        <p:style>
+          <a:lnRef idx="1">
+            <a:schemeClr val="dk1"/>
+          </a:lnRef>
+          <a:fillRef idx="0">
+            <a:schemeClr val="dk1"/>
+          </a:fillRef>
+          <a:effectRef idx="0">
+            <a:schemeClr val="dk1"/>
+          </a:effectRef>
+          <a:fontRef idx="minor">
+            <a:schemeClr val="tx1"/>
+          </a:fontRef>
+        </p:style>
+      </p:cxnSp>
+      <p:cxnSp>
+        <p:nvCxnSpPr>
+          <p:cNvPr id="56" name="直線コネクタ 55">
+            <a:extLst>
+              <a:ext uri="{FF2B5EF4-FFF2-40B4-BE49-F238E27FC236}">
+                <a16:creationId xmlns:a16="http://schemas.microsoft.com/office/drawing/2014/main" id="{B529FBE7-CE21-4F2B-B33C-1ABDD5AF0D77}"/>
+              </a:ext>
+            </a:extLst>
+          </p:cNvPr>
+          <p:cNvCxnSpPr>
+            <a:cxnSpLocks/>
+            <a:stCxn id="38" idx="6"/>
+            <a:endCxn id="45" idx="2"/>
+          </p:cNvCxnSpPr>
+          <p:nvPr/>
+        </p:nvCxnSpPr>
+        <p:spPr>
+          <a:xfrm flipV="1">
+            <a:off x="1599492" y="3429000"/>
+            <a:ext cx="4012804" cy="771306"/>
+          </a:xfrm>
+          <a:prstGeom prst="line">
+            <a:avLst/>
+          </a:prstGeom>
+          <a:ln w="57150"/>
+        </p:spPr>
+        <p:style>
+          <a:lnRef idx="1">
+            <a:schemeClr val="dk1"/>
+          </a:lnRef>
+          <a:fillRef idx="0">
+            <a:schemeClr val="dk1"/>
+          </a:fillRef>
+          <a:effectRef idx="0">
+            <a:schemeClr val="dk1"/>
+          </a:effectRef>
+          <a:fontRef idx="minor">
+            <a:schemeClr val="tx1"/>
+          </a:fontRef>
+        </p:style>
+      </p:cxnSp>
+      <p:grpSp>
+        <p:nvGrpSpPr>
+          <p:cNvPr id="47" name="グループ化 46">
+            <a:extLst>
+              <a:ext uri="{FF2B5EF4-FFF2-40B4-BE49-F238E27FC236}">
+                <a16:creationId xmlns:a16="http://schemas.microsoft.com/office/drawing/2014/main" id="{6279ED4F-6BAB-42AB-82BC-DA1C3C0E302E}"/>
+              </a:ext>
+            </a:extLst>
+          </p:cNvPr>
+          <p:cNvGrpSpPr/>
+          <p:nvPr/>
+        </p:nvGrpSpPr>
+        <p:grpSpPr>
+          <a:xfrm>
+            <a:off x="2638486" y="1176824"/>
+            <a:ext cx="967408" cy="967408"/>
+            <a:chOff x="609600" y="1358348"/>
+            <a:chExt cx="967408" cy="967408"/>
+          </a:xfrm>
+        </p:grpSpPr>
+        <p:sp>
+          <p:nvSpPr>
+            <p:cNvPr id="48" name="楕円 47">
+              <a:extLst>
+                <a:ext uri="{FF2B5EF4-FFF2-40B4-BE49-F238E27FC236}">
+                  <a16:creationId xmlns:a16="http://schemas.microsoft.com/office/drawing/2014/main" id="{A5CE914A-82FF-4379-BAAB-34BB132E9385}"/>
+                </a:ext>
+              </a:extLst>
+            </p:cNvPr>
+            <p:cNvSpPr/>
+            <p:nvPr/>
+          </p:nvSpPr>
+          <p:spPr>
+            <a:xfrm>
+              <a:off x="609600" y="1358348"/>
+              <a:ext cx="967408" cy="967408"/>
+            </a:xfrm>
+            <a:prstGeom prst="ellipse">
+              <a:avLst/>
+            </a:prstGeom>
+            <a:solidFill>
+              <a:schemeClr val="bg2">
+                <a:lumMod val="90000"/>
+              </a:schemeClr>
+            </a:solidFill>
+            <a:ln w="28575">
+              <a:solidFill>
+                <a:schemeClr val="tx1"/>
+              </a:solidFill>
+            </a:ln>
+          </p:spPr>
+          <p:style>
+            <a:lnRef idx="2">
+              <a:schemeClr val="accent1">
+                <a:shade val="50000"/>
+              </a:schemeClr>
+            </a:lnRef>
+            <a:fillRef idx="1">
+              <a:schemeClr val="accent1"/>
+            </a:fillRef>
+            <a:effectRef idx="0">
+              <a:schemeClr val="accent1"/>
+            </a:effectRef>
+            <a:fontRef idx="minor">
+              <a:schemeClr val="lt1"/>
+            </a:fontRef>
+          </p:style>
+          <p:txBody>
+            <a:bodyPr rtlCol="0" anchor="ctr"/>
+            <a:lstStyle/>
+            <a:p>
+              <a:pPr algn="ctr"/>
+              <a:endParaRPr kumimoji="1" lang="ja-JP" altLang="en-US" dirty="0"/>
+            </a:p>
+          </p:txBody>
+        </p:sp>
+        <mc:AlternateContent xmlns:mc="http://schemas.openxmlformats.org/markup-compatibility/2006">
+          <mc:Choice xmlns:a14="http://schemas.microsoft.com/office/drawing/2010/main" Requires="a14">
+            <p:sp>
+              <p:nvSpPr>
+                <p:cNvPr id="49" name="テキスト ボックス 48">
+                  <a:extLst>
+                    <a:ext uri="{FF2B5EF4-FFF2-40B4-BE49-F238E27FC236}">
+                      <a16:creationId xmlns:a16="http://schemas.microsoft.com/office/drawing/2014/main" id="{E6CFA9AA-8311-4FDF-9F37-3638CB018CCB}"/>
+                    </a:ext>
+                  </a:extLst>
+                </p:cNvPr>
+                <p:cNvSpPr txBox="1"/>
+                <p:nvPr/>
+              </p:nvSpPr>
+              <p:spPr>
+                <a:xfrm>
+                  <a:off x="682999" y="1431965"/>
+                  <a:ext cx="820609" cy="677108"/>
+                </a:xfrm>
+                <a:prstGeom prst="rect">
+                  <a:avLst/>
+                </a:prstGeom>
+                <a:noFill/>
+              </p:spPr>
+              <p:txBody>
+                <a:bodyPr wrap="none" lIns="0" tIns="0" rIns="0" bIns="0" rtlCol="0">
+                  <a:spAutoFit/>
+                </a:bodyPr>
+                <a:lstStyle/>
+                <a:p>
+                  <a14:m>
+                    <m:oMathPara xmlns:m="http://schemas.openxmlformats.org/officeDocument/2006/math">
+                      <m:oMathParaPr>
+                        <m:jc m:val="centerGroup"/>
+                      </m:oMathParaPr>
+                      <m:oMath xmlns:m="http://schemas.openxmlformats.org/officeDocument/2006/math">
+                        <m:sSub>
+                          <m:sSubPr>
+                            <m:ctrlPr>
+                              <a:rPr kumimoji="1" lang="en-US" altLang="ja-JP" sz="4400" i="1" smtClean="0">
+                                <a:latin typeface="Cambria Math" panose="02040503050406030204" pitchFamily="18" charset="0"/>
+                              </a:rPr>
+                            </m:ctrlPr>
+                          </m:sSubPr>
+                          <m:e>
+                            <m:r>
+                              <a:rPr kumimoji="1" lang="en-US" altLang="ja-JP" sz="4400" b="0" i="1" smtClean="0">
+                                <a:latin typeface="Cambria Math" panose="02040503050406030204" pitchFamily="18" charset="0"/>
+                              </a:rPr>
+                              <m:t>𝑤</m:t>
+                            </m:r>
+                          </m:e>
+                          <m:sub>
+                            <m:r>
+                              <a:rPr kumimoji="1" lang="en-US" altLang="ja-JP" sz="4400" b="0" i="1" smtClean="0">
+                                <a:latin typeface="Cambria Math" panose="02040503050406030204" pitchFamily="18" charset="0"/>
+                              </a:rPr>
+                              <m:t>0</m:t>
+                            </m:r>
+                          </m:sub>
+                        </m:sSub>
+                      </m:oMath>
+                    </m:oMathPara>
+                  </a14:m>
+                  <a:endParaRPr kumimoji="1" lang="ja-JP" altLang="en-US" sz="4400" dirty="0"/>
+                </a:p>
+              </p:txBody>
+            </p:sp>
+          </mc:Choice>
+          <mc:Fallback>
+            <p:sp>
+              <p:nvSpPr>
+                <p:cNvPr id="49" name="テキスト ボックス 48">
+                  <a:extLst>
+                    <a:ext uri="{FF2B5EF4-FFF2-40B4-BE49-F238E27FC236}">
+                      <a16:creationId xmlns:a16="http://schemas.microsoft.com/office/drawing/2014/main" id="{E6CFA9AA-8311-4FDF-9F37-3638CB018CCB}"/>
+                    </a:ext>
+                  </a:extLst>
+                </p:cNvPr>
+                <p:cNvSpPr txBox="1">
+                  <a:spLocks noRot="1" noChangeAspect="1" noMove="1" noResize="1" noEditPoints="1" noAdjustHandles="1" noChangeArrowheads="1" noChangeShapeType="1" noTextEdit="1"/>
+                </p:cNvSpPr>
+                <p:nvPr/>
+              </p:nvSpPr>
+              <p:spPr>
+                <a:xfrm>
+                  <a:off x="682999" y="1431965"/>
+                  <a:ext cx="820609" cy="677108"/>
+                </a:xfrm>
+                <a:prstGeom prst="rect">
+                  <a:avLst/>
+                </a:prstGeom>
+                <a:blipFill>
+                  <a:blip r:embed="rId6"/>
+                  <a:stretch>
+                    <a:fillRect/>
+                  </a:stretch>
+                </a:blipFill>
+              </p:spPr>
+              <p:txBody>
+                <a:bodyPr/>
+                <a:lstStyle/>
+                <a:p>
+                  <a:r>
+                    <a:rPr lang="ja-JP" altLang="en-US">
+                      <a:noFill/>
+                    </a:rPr>
+                    <a:t> </a:t>
+                  </a:r>
+                </a:p>
+              </p:txBody>
+            </p:sp>
+          </mc:Fallback>
+        </mc:AlternateContent>
+      </p:grpSp>
+      <p:grpSp>
+        <p:nvGrpSpPr>
+          <p:cNvPr id="65" name="グループ化 64">
+            <a:extLst>
+              <a:ext uri="{FF2B5EF4-FFF2-40B4-BE49-F238E27FC236}">
+                <a16:creationId xmlns:a16="http://schemas.microsoft.com/office/drawing/2014/main" id="{D258C08B-0D08-44EB-B22B-56A9280F9783}"/>
+              </a:ext>
+            </a:extLst>
+          </p:cNvPr>
+          <p:cNvGrpSpPr/>
+          <p:nvPr/>
+        </p:nvGrpSpPr>
+        <p:grpSpPr>
+          <a:xfrm>
+            <a:off x="2638485" y="2321800"/>
+            <a:ext cx="967408" cy="967408"/>
+            <a:chOff x="609600" y="1358348"/>
+            <a:chExt cx="967408" cy="967408"/>
+          </a:xfrm>
+        </p:grpSpPr>
+        <p:sp>
+          <p:nvSpPr>
+            <p:cNvPr id="66" name="楕円 65">
+              <a:extLst>
+                <a:ext uri="{FF2B5EF4-FFF2-40B4-BE49-F238E27FC236}">
+                  <a16:creationId xmlns:a16="http://schemas.microsoft.com/office/drawing/2014/main" id="{4BAE1DE8-5171-4A5B-AACF-368D18E20CD3}"/>
+                </a:ext>
+              </a:extLst>
+            </p:cNvPr>
+            <p:cNvSpPr/>
+            <p:nvPr/>
+          </p:nvSpPr>
+          <p:spPr>
+            <a:xfrm>
+              <a:off x="609600" y="1358348"/>
+              <a:ext cx="967408" cy="967408"/>
+            </a:xfrm>
+            <a:prstGeom prst="ellipse">
+              <a:avLst/>
+            </a:prstGeom>
+            <a:solidFill>
+              <a:schemeClr val="bg2">
+                <a:lumMod val="90000"/>
+              </a:schemeClr>
+            </a:solidFill>
+            <a:ln w="28575">
+              <a:solidFill>
+                <a:schemeClr val="tx1"/>
+              </a:solidFill>
+            </a:ln>
+          </p:spPr>
+          <p:style>
+            <a:lnRef idx="2">
+              <a:schemeClr val="accent1">
+                <a:shade val="50000"/>
+              </a:schemeClr>
+            </a:lnRef>
+            <a:fillRef idx="1">
+              <a:schemeClr val="accent1"/>
+            </a:fillRef>
+            <a:effectRef idx="0">
+              <a:schemeClr val="accent1"/>
+            </a:effectRef>
+            <a:fontRef idx="minor">
+              <a:schemeClr val="lt1"/>
+            </a:fontRef>
+          </p:style>
+          <p:txBody>
+            <a:bodyPr rtlCol="0" anchor="ctr"/>
+            <a:lstStyle/>
+            <a:p>
+              <a:pPr algn="ctr"/>
+              <a:endParaRPr kumimoji="1" lang="ja-JP" altLang="en-US" dirty="0"/>
+            </a:p>
+          </p:txBody>
+        </p:sp>
+        <mc:AlternateContent xmlns:mc="http://schemas.openxmlformats.org/markup-compatibility/2006">
+          <mc:Choice xmlns:a14="http://schemas.microsoft.com/office/drawing/2010/main" Requires="a14">
+            <p:sp>
+              <p:nvSpPr>
+                <p:cNvPr id="67" name="テキスト ボックス 66">
+                  <a:extLst>
+                    <a:ext uri="{FF2B5EF4-FFF2-40B4-BE49-F238E27FC236}">
+                      <a16:creationId xmlns:a16="http://schemas.microsoft.com/office/drawing/2014/main" id="{044FD123-0878-4D3A-9AEA-8EE2036C18E4}"/>
+                    </a:ext>
+                  </a:extLst>
+                </p:cNvPr>
+                <p:cNvSpPr txBox="1"/>
+                <p:nvPr/>
+              </p:nvSpPr>
+              <p:spPr>
+                <a:xfrm>
+                  <a:off x="682999" y="1431965"/>
+                  <a:ext cx="807529" cy="677108"/>
+                </a:xfrm>
+                <a:prstGeom prst="rect">
+                  <a:avLst/>
+                </a:prstGeom>
+                <a:noFill/>
+              </p:spPr>
+              <p:txBody>
+                <a:bodyPr wrap="none" lIns="0" tIns="0" rIns="0" bIns="0" rtlCol="0">
+                  <a:spAutoFit/>
+                </a:bodyPr>
+                <a:lstStyle/>
+                <a:p>
+                  <a14:m>
+                    <m:oMathPara xmlns:m="http://schemas.openxmlformats.org/officeDocument/2006/math">
+                      <m:oMathParaPr>
+                        <m:jc m:val="centerGroup"/>
+                      </m:oMathParaPr>
+                      <m:oMath xmlns:m="http://schemas.openxmlformats.org/officeDocument/2006/math">
+                        <m:sSub>
+                          <m:sSubPr>
+                            <m:ctrlPr>
+                              <a:rPr kumimoji="1" lang="en-US" altLang="ja-JP" sz="4400" i="1" smtClean="0">
+                                <a:latin typeface="Cambria Math" panose="02040503050406030204" pitchFamily="18" charset="0"/>
+                              </a:rPr>
+                            </m:ctrlPr>
+                          </m:sSubPr>
+                          <m:e>
+                            <m:r>
+                              <a:rPr kumimoji="1" lang="en-US" altLang="ja-JP" sz="4400" b="0" i="1" smtClean="0">
+                                <a:latin typeface="Cambria Math" panose="02040503050406030204" pitchFamily="18" charset="0"/>
+                              </a:rPr>
+                              <m:t>𝑤</m:t>
+                            </m:r>
+                          </m:e>
+                          <m:sub>
+                            <m:r>
+                              <a:rPr kumimoji="1" lang="en-US" altLang="ja-JP" sz="4400" b="0" i="1" smtClean="0">
+                                <a:latin typeface="Cambria Math" panose="02040503050406030204" pitchFamily="18" charset="0"/>
+                              </a:rPr>
+                              <m:t>1</m:t>
+                            </m:r>
+                          </m:sub>
+                        </m:sSub>
+                      </m:oMath>
+                    </m:oMathPara>
+                  </a14:m>
+                  <a:endParaRPr kumimoji="1" lang="ja-JP" altLang="en-US" sz="4400" dirty="0"/>
+                </a:p>
+              </p:txBody>
+            </p:sp>
+          </mc:Choice>
+          <mc:Fallback>
+            <p:sp>
+              <p:nvSpPr>
+                <p:cNvPr id="67" name="テキスト ボックス 66">
+                  <a:extLst>
+                    <a:ext uri="{FF2B5EF4-FFF2-40B4-BE49-F238E27FC236}">
+                      <a16:creationId xmlns:a16="http://schemas.microsoft.com/office/drawing/2014/main" id="{044FD123-0878-4D3A-9AEA-8EE2036C18E4}"/>
+                    </a:ext>
+                  </a:extLst>
+                </p:cNvPr>
+                <p:cNvSpPr txBox="1">
+                  <a:spLocks noRot="1" noChangeAspect="1" noMove="1" noResize="1" noEditPoints="1" noAdjustHandles="1" noChangeArrowheads="1" noChangeShapeType="1" noTextEdit="1"/>
+                </p:cNvSpPr>
+                <p:nvPr/>
+              </p:nvSpPr>
+              <p:spPr>
+                <a:xfrm>
+                  <a:off x="682999" y="1431965"/>
+                  <a:ext cx="807529" cy="677108"/>
+                </a:xfrm>
+                <a:prstGeom prst="rect">
+                  <a:avLst/>
+                </a:prstGeom>
+                <a:blipFill>
+                  <a:blip r:embed="rId7"/>
+                  <a:stretch>
+                    <a:fillRect/>
+                  </a:stretch>
+                </a:blipFill>
+              </p:spPr>
+              <p:txBody>
+                <a:bodyPr/>
+                <a:lstStyle/>
+                <a:p>
+                  <a:r>
+                    <a:rPr lang="ja-JP" altLang="en-US">
+                      <a:noFill/>
+                    </a:rPr>
+                    <a:t> </a:t>
+                  </a:r>
+                </a:p>
+              </p:txBody>
+            </p:sp>
+          </mc:Fallback>
+        </mc:AlternateContent>
+      </p:grpSp>
+      <p:grpSp>
+        <p:nvGrpSpPr>
+          <p:cNvPr id="69" name="グループ化 68">
+            <a:extLst>
+              <a:ext uri="{FF2B5EF4-FFF2-40B4-BE49-F238E27FC236}">
+                <a16:creationId xmlns:a16="http://schemas.microsoft.com/office/drawing/2014/main" id="{530A92D4-7B3F-45BD-AA8C-61C0C22749F6}"/>
+              </a:ext>
+            </a:extLst>
+          </p:cNvPr>
+          <p:cNvGrpSpPr/>
+          <p:nvPr/>
+        </p:nvGrpSpPr>
+        <p:grpSpPr>
+          <a:xfrm>
+            <a:off x="2638485" y="3481387"/>
+            <a:ext cx="967408" cy="967408"/>
+            <a:chOff x="609600" y="1358348"/>
+            <a:chExt cx="967408" cy="967408"/>
+          </a:xfrm>
+        </p:grpSpPr>
+        <p:sp>
+          <p:nvSpPr>
+            <p:cNvPr id="70" name="楕円 69">
+              <a:extLst>
+                <a:ext uri="{FF2B5EF4-FFF2-40B4-BE49-F238E27FC236}">
+                  <a16:creationId xmlns:a16="http://schemas.microsoft.com/office/drawing/2014/main" id="{87FB24A1-15C0-4F4F-A1B8-10865FAF7F21}"/>
+                </a:ext>
+              </a:extLst>
+            </p:cNvPr>
+            <p:cNvSpPr/>
+            <p:nvPr/>
+          </p:nvSpPr>
+          <p:spPr>
+            <a:xfrm>
+              <a:off x="609600" y="1358348"/>
+              <a:ext cx="967408" cy="967408"/>
+            </a:xfrm>
+            <a:prstGeom prst="ellipse">
+              <a:avLst/>
+            </a:prstGeom>
+            <a:solidFill>
+              <a:schemeClr val="bg2">
+                <a:lumMod val="90000"/>
+              </a:schemeClr>
+            </a:solidFill>
+            <a:ln w="28575">
+              <a:solidFill>
+                <a:schemeClr val="tx1"/>
+              </a:solidFill>
+            </a:ln>
+          </p:spPr>
+          <p:style>
+            <a:lnRef idx="2">
+              <a:schemeClr val="accent1">
+                <a:shade val="50000"/>
+              </a:schemeClr>
+            </a:lnRef>
+            <a:fillRef idx="1">
+              <a:schemeClr val="accent1"/>
+            </a:fillRef>
+            <a:effectRef idx="0">
+              <a:schemeClr val="accent1"/>
+            </a:effectRef>
+            <a:fontRef idx="minor">
+              <a:schemeClr val="lt1"/>
+            </a:fontRef>
+          </p:style>
+          <p:txBody>
+            <a:bodyPr rtlCol="0" anchor="ctr"/>
+            <a:lstStyle/>
+            <a:p>
+              <a:pPr algn="ctr"/>
+              <a:endParaRPr kumimoji="1" lang="ja-JP" altLang="en-US" dirty="0"/>
+            </a:p>
+          </p:txBody>
+        </p:sp>
+        <mc:AlternateContent xmlns:mc="http://schemas.openxmlformats.org/markup-compatibility/2006">
+          <mc:Choice xmlns:a14="http://schemas.microsoft.com/office/drawing/2010/main" Requires="a14">
+            <p:sp>
+              <p:nvSpPr>
+                <p:cNvPr id="71" name="テキスト ボックス 70">
+                  <a:extLst>
+                    <a:ext uri="{FF2B5EF4-FFF2-40B4-BE49-F238E27FC236}">
+                      <a16:creationId xmlns:a16="http://schemas.microsoft.com/office/drawing/2014/main" id="{9E1B89AC-DCEA-4545-8C53-4705DFF5B47B}"/>
+                    </a:ext>
+                  </a:extLst>
+                </p:cNvPr>
+                <p:cNvSpPr txBox="1"/>
+                <p:nvPr/>
+              </p:nvSpPr>
+              <p:spPr>
+                <a:xfrm>
+                  <a:off x="682999" y="1431965"/>
+                  <a:ext cx="820609" cy="677108"/>
+                </a:xfrm>
+                <a:prstGeom prst="rect">
+                  <a:avLst/>
+                </a:prstGeom>
+                <a:noFill/>
+              </p:spPr>
+              <p:txBody>
+                <a:bodyPr wrap="none" lIns="0" tIns="0" rIns="0" bIns="0" rtlCol="0">
+                  <a:spAutoFit/>
+                </a:bodyPr>
+                <a:lstStyle/>
+                <a:p>
+                  <a14:m>
+                    <m:oMathPara xmlns:m="http://schemas.openxmlformats.org/officeDocument/2006/math">
+                      <m:oMathParaPr>
+                        <m:jc m:val="centerGroup"/>
+                      </m:oMathParaPr>
+                      <m:oMath xmlns:m="http://schemas.openxmlformats.org/officeDocument/2006/math">
+                        <m:sSub>
+                          <m:sSubPr>
+                            <m:ctrlPr>
+                              <a:rPr kumimoji="1" lang="en-US" altLang="ja-JP" sz="4400" i="1" smtClean="0">
+                                <a:latin typeface="Cambria Math" panose="02040503050406030204" pitchFamily="18" charset="0"/>
+                              </a:rPr>
+                            </m:ctrlPr>
+                          </m:sSubPr>
+                          <m:e>
+                            <m:r>
+                              <a:rPr kumimoji="1" lang="en-US" altLang="ja-JP" sz="4400" b="0" i="1" smtClean="0">
+                                <a:latin typeface="Cambria Math" panose="02040503050406030204" pitchFamily="18" charset="0"/>
+                              </a:rPr>
+                              <m:t>𝑤</m:t>
+                            </m:r>
+                          </m:e>
+                          <m:sub>
+                            <m:r>
+                              <a:rPr kumimoji="1" lang="en-US" altLang="ja-JP" sz="4400" b="0" i="1" smtClean="0">
+                                <a:latin typeface="Cambria Math" panose="02040503050406030204" pitchFamily="18" charset="0"/>
+                              </a:rPr>
+                              <m:t>2</m:t>
+                            </m:r>
+                          </m:sub>
+                        </m:sSub>
+                      </m:oMath>
+                    </m:oMathPara>
+                  </a14:m>
+                  <a:endParaRPr kumimoji="1" lang="ja-JP" altLang="en-US" sz="4400" dirty="0"/>
+                </a:p>
+              </p:txBody>
+            </p:sp>
+          </mc:Choice>
+          <mc:Fallback>
+            <p:sp>
+              <p:nvSpPr>
+                <p:cNvPr id="71" name="テキスト ボックス 70">
+                  <a:extLst>
+                    <a:ext uri="{FF2B5EF4-FFF2-40B4-BE49-F238E27FC236}">
+                      <a16:creationId xmlns:a16="http://schemas.microsoft.com/office/drawing/2014/main" id="{9E1B89AC-DCEA-4545-8C53-4705DFF5B47B}"/>
+                    </a:ext>
+                  </a:extLst>
+                </p:cNvPr>
+                <p:cNvSpPr txBox="1">
+                  <a:spLocks noRot="1" noChangeAspect="1" noMove="1" noResize="1" noEditPoints="1" noAdjustHandles="1" noChangeArrowheads="1" noChangeShapeType="1" noTextEdit="1"/>
+                </p:cNvSpPr>
+                <p:nvPr/>
+              </p:nvSpPr>
+              <p:spPr>
+                <a:xfrm>
+                  <a:off x="682999" y="1431965"/>
+                  <a:ext cx="820609" cy="677108"/>
+                </a:xfrm>
+                <a:prstGeom prst="rect">
+                  <a:avLst/>
+                </a:prstGeom>
+                <a:blipFill>
+                  <a:blip r:embed="rId8"/>
+                  <a:stretch>
+                    <a:fillRect/>
+                  </a:stretch>
+                </a:blipFill>
+              </p:spPr>
+              <p:txBody>
+                <a:bodyPr/>
+                <a:lstStyle/>
+                <a:p>
+                  <a:r>
+                    <a:rPr lang="ja-JP" altLang="en-US">
+                      <a:noFill/>
+                    </a:rPr>
+                    <a:t> </a:t>
+                  </a:r>
+                </a:p>
+              </p:txBody>
+            </p:sp>
+          </mc:Fallback>
+        </mc:AlternateContent>
+      </p:grpSp>
+      <p:grpSp>
+        <p:nvGrpSpPr>
+          <p:cNvPr id="73" name="グループ化 72">
+            <a:extLst>
+              <a:ext uri="{FF2B5EF4-FFF2-40B4-BE49-F238E27FC236}">
+                <a16:creationId xmlns:a16="http://schemas.microsoft.com/office/drawing/2014/main" id="{FA654723-FD39-454A-BFE7-93A0A46D686F}"/>
+              </a:ext>
+            </a:extLst>
+          </p:cNvPr>
+          <p:cNvGrpSpPr/>
+          <p:nvPr/>
+        </p:nvGrpSpPr>
+        <p:grpSpPr>
+          <a:xfrm>
+            <a:off x="2639786" y="4594580"/>
+            <a:ext cx="967408" cy="967408"/>
+            <a:chOff x="609600" y="1358348"/>
+            <a:chExt cx="967408" cy="967408"/>
+          </a:xfrm>
+        </p:grpSpPr>
+        <p:sp>
+          <p:nvSpPr>
+            <p:cNvPr id="74" name="楕円 73">
+              <a:extLst>
+                <a:ext uri="{FF2B5EF4-FFF2-40B4-BE49-F238E27FC236}">
+                  <a16:creationId xmlns:a16="http://schemas.microsoft.com/office/drawing/2014/main" id="{DF89A816-F4EE-43F0-9F28-95F0C80D8173}"/>
+                </a:ext>
+              </a:extLst>
+            </p:cNvPr>
+            <p:cNvSpPr/>
+            <p:nvPr/>
+          </p:nvSpPr>
+          <p:spPr>
+            <a:xfrm>
+              <a:off x="609600" y="1358348"/>
+              <a:ext cx="967408" cy="967408"/>
+            </a:xfrm>
+            <a:prstGeom prst="ellipse">
+              <a:avLst/>
+            </a:prstGeom>
+            <a:solidFill>
+              <a:schemeClr val="bg2">
+                <a:lumMod val="90000"/>
+              </a:schemeClr>
+            </a:solidFill>
+            <a:ln w="28575">
+              <a:solidFill>
+                <a:schemeClr val="tx1"/>
+              </a:solidFill>
+            </a:ln>
+          </p:spPr>
+          <p:style>
+            <a:lnRef idx="2">
+              <a:schemeClr val="accent1">
+                <a:shade val="50000"/>
+              </a:schemeClr>
+            </a:lnRef>
+            <a:fillRef idx="1">
+              <a:schemeClr val="accent1"/>
+            </a:fillRef>
+            <a:effectRef idx="0">
+              <a:schemeClr val="accent1"/>
+            </a:effectRef>
+            <a:fontRef idx="minor">
+              <a:schemeClr val="lt1"/>
+            </a:fontRef>
+          </p:style>
+          <p:txBody>
+            <a:bodyPr rtlCol="0" anchor="ctr"/>
+            <a:lstStyle/>
+            <a:p>
+              <a:pPr algn="ctr"/>
+              <a:endParaRPr kumimoji="1" lang="ja-JP" altLang="en-US" dirty="0"/>
+            </a:p>
+          </p:txBody>
+        </p:sp>
+        <mc:AlternateContent xmlns:mc="http://schemas.openxmlformats.org/markup-compatibility/2006">
+          <mc:Choice xmlns:a14="http://schemas.microsoft.com/office/drawing/2010/main" Requires="a14">
+            <p:sp>
+              <p:nvSpPr>
+                <p:cNvPr id="75" name="テキスト ボックス 74">
+                  <a:extLst>
+                    <a:ext uri="{FF2B5EF4-FFF2-40B4-BE49-F238E27FC236}">
+                      <a16:creationId xmlns:a16="http://schemas.microsoft.com/office/drawing/2014/main" id="{2AA26794-AE77-4C49-A885-14251EAF06BA}"/>
+                    </a:ext>
+                  </a:extLst>
+                </p:cNvPr>
+                <p:cNvSpPr txBox="1"/>
+                <p:nvPr/>
+              </p:nvSpPr>
+              <p:spPr>
+                <a:xfrm>
+                  <a:off x="682999" y="1431965"/>
+                  <a:ext cx="839397" cy="677108"/>
+                </a:xfrm>
+                <a:prstGeom prst="rect">
+                  <a:avLst/>
+                </a:prstGeom>
+                <a:noFill/>
+              </p:spPr>
+              <p:txBody>
+                <a:bodyPr wrap="none" lIns="0" tIns="0" rIns="0" bIns="0" rtlCol="0">
+                  <a:spAutoFit/>
+                </a:bodyPr>
+                <a:lstStyle/>
+                <a:p>
+                  <a14:m>
+                    <m:oMathPara xmlns:m="http://schemas.openxmlformats.org/officeDocument/2006/math">
+                      <m:oMathParaPr>
+                        <m:jc m:val="centerGroup"/>
+                      </m:oMathParaPr>
+                      <m:oMath xmlns:m="http://schemas.openxmlformats.org/officeDocument/2006/math">
+                        <m:sSub>
+                          <m:sSubPr>
+                            <m:ctrlPr>
+                              <a:rPr kumimoji="1" lang="en-US" altLang="ja-JP" sz="4400" i="1" smtClean="0">
+                                <a:latin typeface="Cambria Math" panose="02040503050406030204" pitchFamily="18" charset="0"/>
+                              </a:rPr>
+                            </m:ctrlPr>
+                          </m:sSubPr>
+                          <m:e>
+                            <m:r>
+                              <a:rPr kumimoji="1" lang="en-US" altLang="ja-JP" sz="4400" b="0" i="1" smtClean="0">
+                                <a:latin typeface="Cambria Math" panose="02040503050406030204" pitchFamily="18" charset="0"/>
+                              </a:rPr>
+                              <m:t>𝑤</m:t>
+                            </m:r>
+                          </m:e>
+                          <m:sub>
+                            <m:r>
+                              <a:rPr kumimoji="1" lang="en-US" altLang="ja-JP" sz="4400" b="0" i="1" smtClean="0">
+                                <a:latin typeface="Cambria Math" panose="02040503050406030204" pitchFamily="18" charset="0"/>
+                              </a:rPr>
+                              <m:t>𝑛</m:t>
+                            </m:r>
+                          </m:sub>
+                        </m:sSub>
+                      </m:oMath>
+                    </m:oMathPara>
+                  </a14:m>
+                  <a:endParaRPr kumimoji="1" lang="ja-JP" altLang="en-US" sz="4400" dirty="0"/>
+                </a:p>
+              </p:txBody>
+            </p:sp>
+          </mc:Choice>
+          <mc:Fallback>
+            <p:sp>
+              <p:nvSpPr>
+                <p:cNvPr id="75" name="テキスト ボックス 74">
+                  <a:extLst>
+                    <a:ext uri="{FF2B5EF4-FFF2-40B4-BE49-F238E27FC236}">
+                      <a16:creationId xmlns:a16="http://schemas.microsoft.com/office/drawing/2014/main" id="{2AA26794-AE77-4C49-A885-14251EAF06BA}"/>
+                    </a:ext>
+                  </a:extLst>
+                </p:cNvPr>
+                <p:cNvSpPr txBox="1">
+                  <a:spLocks noRot="1" noChangeAspect="1" noMove="1" noResize="1" noEditPoints="1" noAdjustHandles="1" noChangeArrowheads="1" noChangeShapeType="1" noTextEdit="1"/>
+                </p:cNvSpPr>
+                <p:nvPr/>
+              </p:nvSpPr>
+              <p:spPr>
+                <a:xfrm>
+                  <a:off x="682999" y="1431965"/>
+                  <a:ext cx="839397" cy="677108"/>
+                </a:xfrm>
+                <a:prstGeom prst="rect">
+                  <a:avLst/>
+                </a:prstGeom>
+                <a:blipFill>
+                  <a:blip r:embed="rId9"/>
+                  <a:stretch>
+                    <a:fillRect/>
+                  </a:stretch>
+                </a:blipFill>
+              </p:spPr>
+              <p:txBody>
+                <a:bodyPr/>
+                <a:lstStyle/>
+                <a:p>
+                  <a:r>
+                    <a:rPr lang="ja-JP" altLang="en-US">
+                      <a:noFill/>
+                    </a:rPr>
+                    <a:t> </a:t>
+                  </a:r>
+                </a:p>
+              </p:txBody>
+            </p:sp>
+          </mc:Fallback>
+        </mc:AlternateContent>
+      </p:grpSp>
+      <p:grpSp>
+        <p:nvGrpSpPr>
+          <p:cNvPr id="64" name="グループ化 63">
+            <a:extLst>
+              <a:ext uri="{FF2B5EF4-FFF2-40B4-BE49-F238E27FC236}">
+                <a16:creationId xmlns:a16="http://schemas.microsoft.com/office/drawing/2014/main" id="{77A8A9D1-DCA6-438A-BDB3-9FFC71CCF86F}"/>
+              </a:ext>
+            </a:extLst>
+          </p:cNvPr>
+          <p:cNvGrpSpPr/>
+          <p:nvPr/>
+        </p:nvGrpSpPr>
+        <p:grpSpPr>
+          <a:xfrm>
+            <a:off x="8479577" y="2945296"/>
+            <a:ext cx="967408" cy="967408"/>
+            <a:chOff x="8479577" y="2945296"/>
+            <a:chExt cx="967408" cy="967408"/>
+          </a:xfrm>
+        </p:grpSpPr>
+        <p:sp>
+          <p:nvSpPr>
+            <p:cNvPr id="77" name="楕円 76">
+              <a:extLst>
+                <a:ext uri="{FF2B5EF4-FFF2-40B4-BE49-F238E27FC236}">
+                  <a16:creationId xmlns:a16="http://schemas.microsoft.com/office/drawing/2014/main" id="{1F9B2C56-1FD9-4F03-A30E-9C10332DDFC0}"/>
+                </a:ext>
+              </a:extLst>
+            </p:cNvPr>
+            <p:cNvSpPr/>
+            <p:nvPr/>
+          </p:nvSpPr>
+          <p:spPr>
+            <a:xfrm>
+              <a:off x="8479577" y="2945296"/>
+              <a:ext cx="967408" cy="967408"/>
+            </a:xfrm>
+            <a:prstGeom prst="ellipse">
+              <a:avLst/>
+            </a:prstGeom>
+            <a:solidFill>
+              <a:schemeClr val="bg2">
+                <a:lumMod val="90000"/>
+              </a:schemeClr>
+            </a:solidFill>
+            <a:ln w="28575">
+              <a:solidFill>
+                <a:schemeClr val="tx1"/>
+              </a:solidFill>
+            </a:ln>
+          </p:spPr>
+          <p:style>
+            <a:lnRef idx="2">
+              <a:schemeClr val="accent1">
+                <a:shade val="50000"/>
+              </a:schemeClr>
+            </a:lnRef>
+            <a:fillRef idx="1">
+              <a:schemeClr val="accent1"/>
+            </a:fillRef>
+            <a:effectRef idx="0">
+              <a:schemeClr val="accent1"/>
+            </a:effectRef>
+            <a:fontRef idx="minor">
+              <a:schemeClr val="lt1"/>
+            </a:fontRef>
+          </p:style>
+          <p:txBody>
+            <a:bodyPr rtlCol="0" anchor="ctr"/>
+            <a:lstStyle/>
+            <a:p>
+              <a:pPr algn="ctr"/>
+              <a:endParaRPr kumimoji="1" lang="ja-JP" altLang="en-US" dirty="0"/>
+            </a:p>
+          </p:txBody>
+        </p:sp>
+        <p:grpSp>
+          <p:nvGrpSpPr>
+            <p:cNvPr id="63" name="グループ化 62">
+              <a:extLst>
+                <a:ext uri="{FF2B5EF4-FFF2-40B4-BE49-F238E27FC236}">
+                  <a16:creationId xmlns:a16="http://schemas.microsoft.com/office/drawing/2014/main" id="{51E91958-3E88-4AF7-B040-A4585E34534A}"/>
+                </a:ext>
+              </a:extLst>
+            </p:cNvPr>
+            <p:cNvGrpSpPr/>
+            <p:nvPr/>
+          </p:nvGrpSpPr>
+          <p:grpSpPr>
+            <a:xfrm>
+              <a:off x="8677023" y="3144086"/>
+              <a:ext cx="572516" cy="572516"/>
+              <a:chOff x="6228520" y="620945"/>
+              <a:chExt cx="1934817" cy="1934817"/>
+            </a:xfrm>
+          </p:grpSpPr>
+          <p:cxnSp>
+            <p:nvCxnSpPr>
+              <p:cNvPr id="27" name="直線コネクタ 26">
+                <a:extLst>
+                  <a:ext uri="{FF2B5EF4-FFF2-40B4-BE49-F238E27FC236}">
+                    <a16:creationId xmlns:a16="http://schemas.microsoft.com/office/drawing/2014/main" id="{67D0C8B5-61C7-49DC-BB59-5234F9C005A6}"/>
+                  </a:ext>
+                </a:extLst>
+              </p:cNvPr>
+              <p:cNvCxnSpPr/>
+              <p:nvPr/>
+            </p:nvCxnSpPr>
+            <p:spPr>
+              <a:xfrm>
+                <a:off x="6228520" y="1534079"/>
+                <a:ext cx="1934817" cy="0"/>
+              </a:xfrm>
+              <a:prstGeom prst="line">
+                <a:avLst/>
+              </a:prstGeom>
+            </p:spPr>
+            <p:style>
+              <a:lnRef idx="1">
+                <a:schemeClr val="dk1"/>
+              </a:lnRef>
+              <a:fillRef idx="0">
+                <a:schemeClr val="dk1"/>
+              </a:fillRef>
+              <a:effectRef idx="0">
+                <a:schemeClr val="dk1"/>
+              </a:effectRef>
+              <a:fontRef idx="minor">
+                <a:schemeClr val="tx1"/>
+              </a:fontRef>
+            </p:style>
+          </p:cxnSp>
+          <p:cxnSp>
+            <p:nvCxnSpPr>
+              <p:cNvPr id="79" name="直線コネクタ 78">
+                <a:extLst>
+                  <a:ext uri="{FF2B5EF4-FFF2-40B4-BE49-F238E27FC236}">
+                    <a16:creationId xmlns:a16="http://schemas.microsoft.com/office/drawing/2014/main" id="{946DADFB-F3F6-4CD4-B2CA-42880799E28B}"/>
+                  </a:ext>
+                </a:extLst>
+              </p:cNvPr>
+              <p:cNvCxnSpPr>
+                <a:cxnSpLocks/>
+              </p:cNvCxnSpPr>
+              <p:nvPr/>
+            </p:nvCxnSpPr>
+            <p:spPr>
+              <a:xfrm rot="5400000">
+                <a:off x="6228521" y="1588354"/>
+                <a:ext cx="1934817" cy="0"/>
+              </a:xfrm>
+              <a:prstGeom prst="line">
+                <a:avLst/>
+              </a:prstGeom>
+            </p:spPr>
+            <p:style>
+              <a:lnRef idx="1">
+                <a:schemeClr val="dk1"/>
+              </a:lnRef>
+              <a:fillRef idx="0">
+                <a:schemeClr val="dk1"/>
+              </a:fillRef>
+              <a:effectRef idx="0">
+                <a:schemeClr val="dk1"/>
+              </a:effectRef>
+              <a:fontRef idx="minor">
+                <a:schemeClr val="tx1"/>
+              </a:fontRef>
+            </p:style>
+          </p:cxnSp>
+          <p:cxnSp>
+            <p:nvCxnSpPr>
+              <p:cNvPr id="51" name="直線コネクタ 50">
+                <a:extLst>
+                  <a:ext uri="{FF2B5EF4-FFF2-40B4-BE49-F238E27FC236}">
+                    <a16:creationId xmlns:a16="http://schemas.microsoft.com/office/drawing/2014/main" id="{DEC8C7C8-F109-4A74-B910-805CECDEC545}"/>
+                  </a:ext>
+                </a:extLst>
+              </p:cNvPr>
+              <p:cNvCxnSpPr/>
+              <p:nvPr/>
+            </p:nvCxnSpPr>
+            <p:spPr>
+              <a:xfrm>
+                <a:off x="6228520" y="2264211"/>
+                <a:ext cx="967408" cy="0"/>
+              </a:xfrm>
+              <a:prstGeom prst="line">
+                <a:avLst/>
+              </a:prstGeom>
+              <a:ln w="38100"/>
+            </p:spPr>
+            <p:style>
+              <a:lnRef idx="1">
+                <a:schemeClr val="dk1"/>
+              </a:lnRef>
+              <a:fillRef idx="0">
+                <a:schemeClr val="dk1"/>
+              </a:fillRef>
+              <a:effectRef idx="0">
+                <a:schemeClr val="dk1"/>
+              </a:effectRef>
+              <a:fontRef idx="minor">
+                <a:schemeClr val="tx1"/>
+              </a:fontRef>
+            </p:style>
+          </p:cxnSp>
+          <p:cxnSp>
+            <p:nvCxnSpPr>
+              <p:cNvPr id="82" name="直線コネクタ 81">
+                <a:extLst>
+                  <a:ext uri="{FF2B5EF4-FFF2-40B4-BE49-F238E27FC236}">
+                    <a16:creationId xmlns:a16="http://schemas.microsoft.com/office/drawing/2014/main" id="{FCA94167-B054-4E9A-9539-F2D6A796DB5F}"/>
+                  </a:ext>
+                </a:extLst>
+              </p:cNvPr>
+              <p:cNvCxnSpPr>
+                <a:cxnSpLocks/>
+              </p:cNvCxnSpPr>
+              <p:nvPr/>
+            </p:nvCxnSpPr>
+            <p:spPr>
+              <a:xfrm flipV="1">
+                <a:off x="7191908" y="767962"/>
+                <a:ext cx="0" cy="1496249"/>
+              </a:xfrm>
+              <a:prstGeom prst="line">
+                <a:avLst/>
+              </a:prstGeom>
+              <a:ln w="38100"/>
+            </p:spPr>
+            <p:style>
+              <a:lnRef idx="1">
+                <a:schemeClr val="dk1"/>
+              </a:lnRef>
+              <a:fillRef idx="0">
+                <a:schemeClr val="dk1"/>
+              </a:fillRef>
+              <a:effectRef idx="0">
+                <a:schemeClr val="dk1"/>
+              </a:effectRef>
+              <a:fontRef idx="minor">
+                <a:schemeClr val="tx1"/>
+              </a:fontRef>
+            </p:style>
+          </p:cxnSp>
+          <p:cxnSp>
+            <p:nvCxnSpPr>
+              <p:cNvPr id="83" name="直線コネクタ 82">
+                <a:extLst>
+                  <a:ext uri="{FF2B5EF4-FFF2-40B4-BE49-F238E27FC236}">
+                    <a16:creationId xmlns:a16="http://schemas.microsoft.com/office/drawing/2014/main" id="{4BEE26C6-8CFA-48CA-B4E9-716396F4CF95}"/>
+                  </a:ext>
+                </a:extLst>
+              </p:cNvPr>
+              <p:cNvCxnSpPr/>
+              <p:nvPr/>
+            </p:nvCxnSpPr>
+            <p:spPr>
+              <a:xfrm>
+                <a:off x="7191908" y="767962"/>
+                <a:ext cx="967408" cy="0"/>
+              </a:xfrm>
+              <a:prstGeom prst="line">
+                <a:avLst/>
+              </a:prstGeom>
+              <a:ln w="38100"/>
+            </p:spPr>
+            <p:style>
+              <a:lnRef idx="1">
+                <a:schemeClr val="dk1"/>
+              </a:lnRef>
+              <a:fillRef idx="0">
+                <a:schemeClr val="dk1"/>
+              </a:fillRef>
+              <a:effectRef idx="0">
+                <a:schemeClr val="dk1"/>
+              </a:effectRef>
+              <a:fontRef idx="minor">
+                <a:schemeClr val="tx1"/>
+              </a:fontRef>
+            </p:style>
+          </p:cxnSp>
+        </p:grpSp>
+      </p:grpSp>
+      <p:cxnSp>
+        <p:nvCxnSpPr>
+          <p:cNvPr id="81" name="直線コネクタ 80">
+            <a:extLst>
+              <a:ext uri="{FF2B5EF4-FFF2-40B4-BE49-F238E27FC236}">
+                <a16:creationId xmlns:a16="http://schemas.microsoft.com/office/drawing/2014/main" id="{F0F567DA-AAAF-403D-AA60-05B4942863C2}"/>
+              </a:ext>
+            </a:extLst>
+          </p:cNvPr>
+          <p:cNvCxnSpPr>
+            <a:stCxn id="45" idx="6"/>
+            <a:endCxn id="77" idx="2"/>
+          </p:cNvCxnSpPr>
+          <p:nvPr/>
+        </p:nvCxnSpPr>
+        <p:spPr>
+          <a:xfrm>
+            <a:off x="6579704" y="3429000"/>
+            <a:ext cx="1899873" cy="0"/>
+          </a:xfrm>
+          <a:prstGeom prst="line">
+            <a:avLst/>
+          </a:prstGeom>
+          <a:ln w="57150"/>
+        </p:spPr>
+        <p:style>
+          <a:lnRef idx="1">
+            <a:schemeClr val="dk1"/>
+          </a:lnRef>
+          <a:fillRef idx="0">
+            <a:schemeClr val="dk1"/>
+          </a:fillRef>
+          <a:effectRef idx="0">
+            <a:schemeClr val="dk1"/>
+          </a:effectRef>
+          <a:fontRef idx="minor">
+            <a:schemeClr val="tx1"/>
+          </a:fontRef>
+        </p:style>
+      </p:cxnSp>
+      <p:cxnSp>
+        <p:nvCxnSpPr>
+          <p:cNvPr id="85" name="直線矢印コネクタ 84">
+            <a:extLst>
+              <a:ext uri="{FF2B5EF4-FFF2-40B4-BE49-F238E27FC236}">
+                <a16:creationId xmlns:a16="http://schemas.microsoft.com/office/drawing/2014/main" id="{B693B4B7-6666-4767-B258-EC30B9218FCC}"/>
+              </a:ext>
+            </a:extLst>
+          </p:cNvPr>
+          <p:cNvCxnSpPr>
+            <a:stCxn id="77" idx="6"/>
+          </p:cNvCxnSpPr>
+          <p:nvPr/>
+        </p:nvCxnSpPr>
+        <p:spPr>
+          <a:xfrm>
+            <a:off x="9446985" y="3429000"/>
+            <a:ext cx="1380041" cy="0"/>
+          </a:xfrm>
+          <a:prstGeom prst="straightConnector1">
+            <a:avLst/>
+          </a:prstGeom>
+          <a:ln w="57150">
+            <a:tailEnd type="triangle"/>
+          </a:ln>
+        </p:spPr>
+        <p:style>
+          <a:lnRef idx="1">
+            <a:schemeClr val="dk1"/>
+          </a:lnRef>
+          <a:fillRef idx="0">
+            <a:schemeClr val="dk1"/>
+          </a:fillRef>
+          <a:effectRef idx="0">
+            <a:schemeClr val="dk1"/>
+          </a:effectRef>
+          <a:fontRef idx="minor">
+            <a:schemeClr val="tx1"/>
+          </a:fontRef>
+        </p:style>
+      </p:cxnSp>
+      <p:cxnSp>
+        <p:nvCxnSpPr>
+          <p:cNvPr id="92" name="直線コネクタ 91">
+            <a:extLst>
+              <a:ext uri="{FF2B5EF4-FFF2-40B4-BE49-F238E27FC236}">
+                <a16:creationId xmlns:a16="http://schemas.microsoft.com/office/drawing/2014/main" id="{4CEE6100-1504-451B-86D9-C43031715093}"/>
+              </a:ext>
+            </a:extLst>
+          </p:cNvPr>
+          <p:cNvCxnSpPr>
+            <a:cxnSpLocks/>
+          </p:cNvCxnSpPr>
+          <p:nvPr/>
+        </p:nvCxnSpPr>
+        <p:spPr>
+          <a:xfrm flipV="1">
+            <a:off x="10017735" y="1250440"/>
+            <a:ext cx="2" cy="2158522"/>
+          </a:xfrm>
+          <a:prstGeom prst="line">
+            <a:avLst/>
+          </a:prstGeom>
+          <a:ln w="38100"/>
+        </p:spPr>
+        <p:style>
+          <a:lnRef idx="1">
+            <a:schemeClr val="dk1"/>
+          </a:lnRef>
+          <a:fillRef idx="0">
+            <a:schemeClr val="dk1"/>
+          </a:fillRef>
+          <a:effectRef idx="0">
+            <a:schemeClr val="dk1"/>
+          </a:effectRef>
+          <a:fontRef idx="minor">
+            <a:schemeClr val="tx1"/>
+          </a:fontRef>
+        </p:style>
+      </p:cxnSp>
+      <p:cxnSp>
+        <p:nvCxnSpPr>
+          <p:cNvPr id="95" name="直線コネクタ 94">
+            <a:extLst>
+              <a:ext uri="{FF2B5EF4-FFF2-40B4-BE49-F238E27FC236}">
+                <a16:creationId xmlns:a16="http://schemas.microsoft.com/office/drawing/2014/main" id="{BE47A0C0-9A36-49A9-9AAF-C04C4958CDB0}"/>
+              </a:ext>
+            </a:extLst>
+          </p:cNvPr>
+          <p:cNvCxnSpPr>
+            <a:cxnSpLocks/>
+            <a:endCxn id="96" idx="3"/>
+          </p:cNvCxnSpPr>
+          <p:nvPr/>
+        </p:nvCxnSpPr>
+        <p:spPr>
+          <a:xfrm flipH="1">
+            <a:off x="8110329" y="1275261"/>
+            <a:ext cx="1907406" cy="0"/>
+          </a:xfrm>
+          <a:prstGeom prst="line">
+            <a:avLst/>
+          </a:prstGeom>
+          <a:ln w="57150">
+            <a:solidFill>
+              <a:schemeClr val="tx1"/>
+            </a:solidFill>
+          </a:ln>
+        </p:spPr>
+        <p:style>
+          <a:lnRef idx="1">
+            <a:schemeClr val="accent1"/>
+          </a:lnRef>
+          <a:fillRef idx="0">
+            <a:schemeClr val="accent1"/>
+          </a:fillRef>
+          <a:effectRef idx="0">
+            <a:schemeClr val="accent1"/>
+          </a:effectRef>
+          <a:fontRef idx="minor">
+            <a:schemeClr val="tx1"/>
+          </a:fontRef>
+        </p:style>
+      </p:cxnSp>
+      <mc:AlternateContent xmlns:mc="http://schemas.openxmlformats.org/markup-compatibility/2006">
+        <mc:Choice xmlns:a14="http://schemas.microsoft.com/office/drawing/2010/main" Requires="a14">
+          <p:sp>
+            <p:nvSpPr>
+              <p:cNvPr id="96" name="正方形/長方形 95">
+                <a:extLst>
+                  <a:ext uri="{FF2B5EF4-FFF2-40B4-BE49-F238E27FC236}">
+                    <a16:creationId xmlns:a16="http://schemas.microsoft.com/office/drawing/2014/main" id="{5C7FC1E2-E281-4451-94EC-694F3D75B861}"/>
+                  </a:ext>
+                </a:extLst>
+              </p:cNvPr>
+              <p:cNvSpPr/>
+              <p:nvPr/>
+            </p:nvSpPr>
+            <p:spPr>
+              <a:xfrm>
+                <a:off x="5861160" y="885744"/>
+                <a:ext cx="2249169" cy="779034"/>
+              </a:xfrm>
+              <a:prstGeom prst="rect">
+                <a:avLst/>
+              </a:prstGeom>
+              <a:solidFill>
+                <a:schemeClr val="bg2">
+                  <a:lumMod val="90000"/>
+                </a:schemeClr>
+              </a:solidFill>
+              <a:ln w="38100">
+                <a:solidFill>
+                  <a:schemeClr val="tx1"/>
+                </a:solidFill>
+              </a:ln>
+            </p:spPr>
+            <p:style>
+              <a:lnRef idx="2">
+                <a:schemeClr val="accent1">
+                  <a:shade val="50000"/>
+                </a:schemeClr>
+              </a:lnRef>
+              <a:fillRef idx="1">
+                <a:schemeClr val="accent1"/>
+              </a:fillRef>
+              <a:effectRef idx="0">
+                <a:schemeClr val="accent1"/>
+              </a:effectRef>
+              <a:fontRef idx="minor">
+                <a:schemeClr val="lt1"/>
+              </a:fontRef>
+            </p:style>
+            <p:txBody>
+              <a:bodyPr rtlCol="0" anchor="ctr"/>
+              <a:lstStyle/>
+              <a:p>
+                <a:pPr algn="ctr"/>
+                <a14:m>
+                  <m:oMathPara xmlns:m="http://schemas.openxmlformats.org/officeDocument/2006/math">
+                    <m:oMathParaPr>
+                      <m:jc m:val="center"/>
+                    </m:oMathParaPr>
+                    <m:oMath xmlns:m="http://schemas.openxmlformats.org/officeDocument/2006/math">
+                      <m:d>
+                        <m:dPr>
+                          <m:ctrlPr>
+                            <a:rPr kumimoji="1" lang="en-US" altLang="ja-JP" sz="3200" i="1" smtClean="0">
+                              <a:solidFill>
+                                <a:schemeClr val="tx1"/>
+                              </a:solidFill>
+                              <a:latin typeface="Cambria Math" panose="02040503050406030204" pitchFamily="18" charset="0"/>
+                            </a:rPr>
+                          </m:ctrlPr>
+                        </m:dPr>
+                        <m:e>
+                          <m:r>
+                            <a:rPr kumimoji="1" lang="en-US" altLang="ja-JP" sz="3200" b="1" i="1" smtClean="0">
+                              <a:solidFill>
+                                <a:schemeClr val="tx1"/>
+                              </a:solidFill>
+                              <a:latin typeface="Cambria Math" panose="02040503050406030204" pitchFamily="18" charset="0"/>
+                            </a:rPr>
+                            <m:t>𝒚</m:t>
+                          </m:r>
+                          <m:r>
+                            <a:rPr kumimoji="1" lang="en-US" altLang="ja-JP" sz="3200" b="0" i="1" smtClean="0">
+                              <a:solidFill>
+                                <a:schemeClr val="tx1"/>
+                              </a:solidFill>
+                              <a:latin typeface="Cambria Math" panose="02040503050406030204" pitchFamily="18" charset="0"/>
+                            </a:rPr>
+                            <m:t>−</m:t>
+                          </m:r>
+                          <m:r>
+                            <a:rPr kumimoji="1" lang="en-US" altLang="ja-JP" sz="3200" b="1" i="1" smtClean="0">
+                              <a:solidFill>
+                                <a:schemeClr val="tx1"/>
+                              </a:solidFill>
+                              <a:latin typeface="Cambria Math" panose="02040503050406030204" pitchFamily="18" charset="0"/>
+                            </a:rPr>
+                            <m:t>𝒚</m:t>
+                          </m:r>
+                          <m:r>
+                            <a:rPr kumimoji="1" lang="en-US" altLang="ja-JP" sz="3200" b="0" i="1" smtClean="0">
+                              <a:solidFill>
+                                <a:schemeClr val="tx1"/>
+                              </a:solidFill>
+                              <a:latin typeface="Cambria Math" panose="02040503050406030204" pitchFamily="18" charset="0"/>
+                            </a:rPr>
+                            <m:t>′</m:t>
+                          </m:r>
+                        </m:e>
+                      </m:d>
+                      <m:r>
+                        <a:rPr kumimoji="1" lang="en-US" altLang="ja-JP" sz="3200" b="1" i="1" smtClean="0">
+                          <a:solidFill>
+                            <a:schemeClr val="tx1"/>
+                          </a:solidFill>
+                          <a:latin typeface="Cambria Math" panose="02040503050406030204" pitchFamily="18" charset="0"/>
+                        </a:rPr>
+                        <m:t>𝒙</m:t>
+                      </m:r>
+                    </m:oMath>
+                  </m:oMathPara>
+                </a14:m>
+                <a:endParaRPr kumimoji="1" lang="ja-JP" altLang="en-US" sz="5400" b="1" dirty="0">
+                  <a:solidFill>
+                    <a:schemeClr val="tx1"/>
+                  </a:solidFill>
+                </a:endParaRPr>
+              </a:p>
+            </p:txBody>
+          </p:sp>
+        </mc:Choice>
+        <mc:Fallback>
+          <p:sp>
+            <p:nvSpPr>
+              <p:cNvPr id="96" name="正方形/長方形 95">
+                <a:extLst>
+                  <a:ext uri="{FF2B5EF4-FFF2-40B4-BE49-F238E27FC236}">
+                    <a16:creationId xmlns:a16="http://schemas.microsoft.com/office/drawing/2014/main" id="{5C7FC1E2-E281-4451-94EC-694F3D75B861}"/>
+                  </a:ext>
+                </a:extLst>
+              </p:cNvPr>
+              <p:cNvSpPr>
+                <a:spLocks noRot="1" noChangeAspect="1" noMove="1" noResize="1" noEditPoints="1" noAdjustHandles="1" noChangeArrowheads="1" noChangeShapeType="1" noTextEdit="1"/>
+              </p:cNvSpPr>
+              <p:nvPr/>
+            </p:nvSpPr>
+            <p:spPr>
+              <a:xfrm>
+                <a:off x="5861160" y="885744"/>
+                <a:ext cx="2249169" cy="779034"/>
+              </a:xfrm>
+              <a:prstGeom prst="rect">
+                <a:avLst/>
+              </a:prstGeom>
+              <a:blipFill>
+                <a:blip r:embed="rId10"/>
+                <a:stretch>
+                  <a:fillRect/>
+                </a:stretch>
+              </a:blipFill>
+              <a:ln w="38100">
+                <a:solidFill>
+                  <a:schemeClr val="tx1"/>
+                </a:solidFill>
+              </a:ln>
+            </p:spPr>
+            <p:txBody>
+              <a:bodyPr/>
+              <a:lstStyle/>
+              <a:p>
+                <a:r>
+                  <a:rPr lang="ja-JP" altLang="en-US">
+                    <a:noFill/>
+                  </a:rPr>
+                  <a:t> </a:t>
+                </a:r>
+              </a:p>
+            </p:txBody>
+          </p:sp>
+        </mc:Fallback>
+      </mc:AlternateContent>
+      <p:cxnSp>
+        <p:nvCxnSpPr>
+          <p:cNvPr id="105" name="直線コネクタ 104">
+            <a:extLst>
+              <a:ext uri="{FF2B5EF4-FFF2-40B4-BE49-F238E27FC236}">
+                <a16:creationId xmlns:a16="http://schemas.microsoft.com/office/drawing/2014/main" id="{968B4609-F7E2-45BE-87FA-F87DFE001CA4}"/>
+              </a:ext>
+            </a:extLst>
+          </p:cNvPr>
+          <p:cNvCxnSpPr>
+            <a:cxnSpLocks/>
+            <a:stCxn id="96" idx="1"/>
+          </p:cNvCxnSpPr>
+          <p:nvPr/>
+        </p:nvCxnSpPr>
+        <p:spPr>
+          <a:xfrm flipH="1">
+            <a:off x="5083930" y="1275261"/>
+            <a:ext cx="777230" cy="0"/>
+          </a:xfrm>
+          <a:prstGeom prst="line">
+            <a:avLst/>
+          </a:prstGeom>
+          <a:ln w="57150">
+            <a:solidFill>
+              <a:schemeClr val="tx1"/>
+            </a:solidFill>
+          </a:ln>
+        </p:spPr>
+        <p:style>
+          <a:lnRef idx="1">
+            <a:schemeClr val="accent1"/>
+          </a:lnRef>
+          <a:fillRef idx="0">
+            <a:schemeClr val="accent1"/>
+          </a:fillRef>
+          <a:effectRef idx="0">
+            <a:schemeClr val="accent1"/>
+          </a:effectRef>
+          <a:fontRef idx="minor">
+            <a:schemeClr val="tx1"/>
+          </a:fontRef>
+        </p:style>
+      </p:cxnSp>
+      <p:cxnSp>
+        <p:nvCxnSpPr>
+          <p:cNvPr id="108" name="直線矢印コネクタ 107">
+            <a:extLst>
+              <a:ext uri="{FF2B5EF4-FFF2-40B4-BE49-F238E27FC236}">
+                <a16:creationId xmlns:a16="http://schemas.microsoft.com/office/drawing/2014/main" id="{96222160-43EB-40ED-8096-183BAF95EE03}"/>
+              </a:ext>
+            </a:extLst>
+          </p:cNvPr>
+          <p:cNvCxnSpPr>
+            <a:cxnSpLocks/>
+          </p:cNvCxnSpPr>
+          <p:nvPr/>
+        </p:nvCxnSpPr>
+        <p:spPr>
+          <a:xfrm flipH="1">
+            <a:off x="3765661" y="1275261"/>
+            <a:ext cx="1313035" cy="446896"/>
+          </a:xfrm>
+          <a:prstGeom prst="straightConnector1">
+            <a:avLst/>
+          </a:prstGeom>
+          <a:ln w="57150">
+            <a:solidFill>
+              <a:schemeClr val="tx1"/>
+            </a:solidFill>
+            <a:tailEnd type="triangle"/>
+          </a:ln>
+        </p:spPr>
+        <p:style>
+          <a:lnRef idx="1">
+            <a:schemeClr val="accent1"/>
+          </a:lnRef>
+          <a:fillRef idx="0">
+            <a:schemeClr val="accent1"/>
+          </a:fillRef>
+          <a:effectRef idx="0">
+            <a:schemeClr val="accent1"/>
+          </a:effectRef>
+          <a:fontRef idx="minor">
+            <a:schemeClr val="tx1"/>
+          </a:fontRef>
+        </p:style>
+      </p:cxnSp>
     </p:spTree>
     <p:extLst>
       <p:ext uri="{BB962C8B-B14F-4D97-AF65-F5344CB8AC3E}">

--- a/卒研発表tex用_イラスト.pptx
+++ b/卒研発表tex用_イラスト.pptx
@@ -230,7 +230,7 @@
           <a:p>
             <a:fld id="{B5E7AF8B-FD9C-4188-8BA3-79A46472192F}" type="datetimeFigureOut">
               <a:rPr kumimoji="1" lang="ja-JP" altLang="en-US" smtClean="0"/>
-              <a:t>2020/2/2</a:t>
+              <a:t>2020/2/4</a:t>
             </a:fld>
             <a:endParaRPr kumimoji="1" lang="ja-JP" altLang="en-US"/>
           </a:p>
@@ -442,7 +442,7 @@
           <a:p>
             <a:fld id="{1019A24B-2DB6-47C4-AADA-142B59CEEE3F}" type="datetimeFigureOut">
               <a:rPr kumimoji="1" lang="ja-JP" altLang="en-US" smtClean="0"/>
-              <a:t>2020/2/2</a:t>
+              <a:t>2020/2/4</a:t>
             </a:fld>
             <a:endParaRPr kumimoji="1" lang="ja-JP" altLang="en-US"/>
           </a:p>
@@ -642,7 +642,7 @@
           <a:p>
             <a:fld id="{1019A24B-2DB6-47C4-AADA-142B59CEEE3F}" type="datetimeFigureOut">
               <a:rPr kumimoji="1" lang="ja-JP" altLang="en-US" smtClean="0"/>
-              <a:t>2020/2/2</a:t>
+              <a:t>2020/2/4</a:t>
             </a:fld>
             <a:endParaRPr kumimoji="1" lang="ja-JP" altLang="en-US"/>
           </a:p>
@@ -852,7 +852,7 @@
           <a:p>
             <a:fld id="{1019A24B-2DB6-47C4-AADA-142B59CEEE3F}" type="datetimeFigureOut">
               <a:rPr kumimoji="1" lang="ja-JP" altLang="en-US" smtClean="0"/>
-              <a:t>2020/2/2</a:t>
+              <a:t>2020/2/4</a:t>
             </a:fld>
             <a:endParaRPr kumimoji="1" lang="ja-JP" altLang="en-US"/>
           </a:p>
@@ -1052,7 +1052,7 @@
           <a:p>
             <a:fld id="{1019A24B-2DB6-47C4-AADA-142B59CEEE3F}" type="datetimeFigureOut">
               <a:rPr kumimoji="1" lang="ja-JP" altLang="en-US" smtClean="0"/>
-              <a:t>2020/2/2</a:t>
+              <a:t>2020/2/4</a:t>
             </a:fld>
             <a:endParaRPr kumimoji="1" lang="ja-JP" altLang="en-US"/>
           </a:p>
@@ -1297,7 +1297,7 @@
           <a:p>
             <a:fld id="{1019A24B-2DB6-47C4-AADA-142B59CEEE3F}" type="datetimeFigureOut">
               <a:rPr kumimoji="1" lang="ja-JP" altLang="en-US" smtClean="0"/>
-              <a:t>2020/2/2</a:t>
+              <a:t>2020/2/4</a:t>
             </a:fld>
             <a:endParaRPr kumimoji="1" lang="ja-JP" altLang="en-US"/>
           </a:p>
@@ -1590,7 +1590,7 @@
           <a:p>
             <a:fld id="{1019A24B-2DB6-47C4-AADA-142B59CEEE3F}" type="datetimeFigureOut">
               <a:rPr kumimoji="1" lang="ja-JP" altLang="en-US" smtClean="0"/>
-              <a:t>2020/2/2</a:t>
+              <a:t>2020/2/4</a:t>
             </a:fld>
             <a:endParaRPr kumimoji="1" lang="ja-JP" altLang="en-US"/>
           </a:p>
@@ -2018,7 +2018,7 @@
           <a:p>
             <a:fld id="{1019A24B-2DB6-47C4-AADA-142B59CEEE3F}" type="datetimeFigureOut">
               <a:rPr kumimoji="1" lang="ja-JP" altLang="en-US" smtClean="0"/>
-              <a:t>2020/2/2</a:t>
+              <a:t>2020/2/4</a:t>
             </a:fld>
             <a:endParaRPr kumimoji="1" lang="ja-JP" altLang="en-US"/>
           </a:p>
@@ -2135,7 +2135,7 @@
           <a:p>
             <a:fld id="{1019A24B-2DB6-47C4-AADA-142B59CEEE3F}" type="datetimeFigureOut">
               <a:rPr kumimoji="1" lang="ja-JP" altLang="en-US" smtClean="0"/>
-              <a:t>2020/2/2</a:t>
+              <a:t>2020/2/4</a:t>
             </a:fld>
             <a:endParaRPr kumimoji="1" lang="ja-JP" altLang="en-US"/>
           </a:p>
@@ -2230,7 +2230,7 @@
           <a:p>
             <a:fld id="{1019A24B-2DB6-47C4-AADA-142B59CEEE3F}" type="datetimeFigureOut">
               <a:rPr kumimoji="1" lang="ja-JP" altLang="en-US" smtClean="0"/>
-              <a:t>2020/2/2</a:t>
+              <a:t>2020/2/4</a:t>
             </a:fld>
             <a:endParaRPr kumimoji="1" lang="ja-JP" altLang="en-US"/>
           </a:p>
@@ -2537,7 +2537,7 @@
           <a:p>
             <a:fld id="{1019A24B-2DB6-47C4-AADA-142B59CEEE3F}" type="datetimeFigureOut">
               <a:rPr kumimoji="1" lang="ja-JP" altLang="en-US" smtClean="0"/>
-              <a:t>2020/2/2</a:t>
+              <a:t>2020/2/4</a:t>
             </a:fld>
             <a:endParaRPr kumimoji="1" lang="ja-JP" altLang="en-US"/>
           </a:p>
@@ -2789,7 +2789,7 @@
           <a:p>
             <a:fld id="{1019A24B-2DB6-47C4-AADA-142B59CEEE3F}" type="datetimeFigureOut">
               <a:rPr kumimoji="1" lang="ja-JP" altLang="en-US" smtClean="0"/>
-              <a:t>2020/2/2</a:t>
+              <a:t>2020/2/4</a:t>
             </a:fld>
             <a:endParaRPr kumimoji="1" lang="ja-JP" altLang="en-US"/>
           </a:p>
@@ -3032,7 +3032,7 @@
           <a:p>
             <a:fld id="{1019A24B-2DB6-47C4-AADA-142B59CEEE3F}" type="datetimeFigureOut">
               <a:rPr kumimoji="1" lang="ja-JP" altLang="en-US" smtClean="0"/>
-              <a:t>2020/2/2</a:t>
+              <a:t>2020/2/4</a:t>
             </a:fld>
             <a:endParaRPr kumimoji="1" lang="ja-JP" altLang="en-US"/>
           </a:p>
@@ -21989,8 +21989,8 @@
             </a:p>
           </p:txBody>
         </p:sp>
-        <mc:AlternateContent xmlns:mc="http://schemas.openxmlformats.org/markup-compatibility/2006">
-          <mc:Choice xmlns:a14="http://schemas.microsoft.com/office/drawing/2010/main" Requires="a14">
+        <mc:AlternateContent xmlns:mc="http://schemas.openxmlformats.org/markup-compatibility/2006" xmlns:a14="http://schemas.microsoft.com/office/drawing/2010/main">
+          <mc:Choice Requires="a14">
             <p:sp>
               <p:nvSpPr>
                 <p:cNvPr id="8" name="テキスト ボックス 7">
@@ -22019,6 +22019,7 @@
                 </a:bodyPr>
                 <a:lstStyle/>
                 <a:p>
+                  <a:pPr/>
                   <a14:m>
                     <m:oMathPara xmlns:m="http://schemas.openxmlformats.org/officeDocument/2006/math">
                       <m:oMathParaPr>
@@ -22058,7 +22059,7 @@
               </p:txBody>
             </p:sp>
           </mc:Choice>
-          <mc:Fallback>
+          <mc:Fallback xmlns="">
             <p:sp>
               <p:nvSpPr>
                 <p:cNvPr id="8" name="テキスト ボックス 7">
@@ -22180,8 +22181,8 @@
             </a:p>
           </p:txBody>
         </p:sp>
-        <mc:AlternateContent xmlns:mc="http://schemas.openxmlformats.org/markup-compatibility/2006">
-          <mc:Choice xmlns:a14="http://schemas.microsoft.com/office/drawing/2010/main" Requires="a14">
+        <mc:AlternateContent xmlns:mc="http://schemas.openxmlformats.org/markup-compatibility/2006" xmlns:a14="http://schemas.microsoft.com/office/drawing/2010/main">
+          <mc:Choice Requires="a14">
             <p:sp>
               <p:nvSpPr>
                 <p:cNvPr id="39" name="テキスト ボックス 38">
@@ -22210,6 +22211,7 @@
                 </a:bodyPr>
                 <a:lstStyle/>
                 <a:p>
+                  <a:pPr/>
                   <a14:m>
                     <m:oMathPara xmlns:m="http://schemas.openxmlformats.org/officeDocument/2006/math">
                       <m:oMathParaPr>
@@ -22249,7 +22251,7 @@
               </p:txBody>
             </p:sp>
           </mc:Choice>
-          <mc:Fallback>
+          <mc:Fallback xmlns="">
             <p:sp>
               <p:nvSpPr>
                 <p:cNvPr id="39" name="テキスト ボックス 38">
@@ -22371,8 +22373,8 @@
             </a:p>
           </p:txBody>
         </p:sp>
-        <mc:AlternateContent xmlns:mc="http://schemas.openxmlformats.org/markup-compatibility/2006">
-          <mc:Choice xmlns:a14="http://schemas.microsoft.com/office/drawing/2010/main" Requires="a14">
+        <mc:AlternateContent xmlns:mc="http://schemas.openxmlformats.org/markup-compatibility/2006" xmlns:a14="http://schemas.microsoft.com/office/drawing/2010/main">
+          <mc:Choice Requires="a14">
             <p:sp>
               <p:nvSpPr>
                 <p:cNvPr id="42" name="テキスト ボックス 41">
@@ -22401,6 +22403,7 @@
                 </a:bodyPr>
                 <a:lstStyle/>
                 <a:p>
+                  <a:pPr/>
                   <a14:m>
                     <m:oMathPara xmlns:m="http://schemas.openxmlformats.org/officeDocument/2006/math">
                       <m:oMathParaPr>
@@ -22440,7 +22443,7 @@
               </p:txBody>
             </p:sp>
           </mc:Choice>
-          <mc:Fallback>
+          <mc:Fallback xmlns="">
             <p:sp>
               <p:nvSpPr>
                 <p:cNvPr id="42" name="テキスト ボックス 41">
@@ -22598,8 +22601,8 @@
             </a:p>
           </p:txBody>
         </p:sp>
-        <mc:AlternateContent xmlns:mc="http://schemas.openxmlformats.org/markup-compatibility/2006">
-          <mc:Choice xmlns:a14="http://schemas.microsoft.com/office/drawing/2010/main" Requires="a14">
+        <mc:AlternateContent xmlns:mc="http://schemas.openxmlformats.org/markup-compatibility/2006" xmlns:a14="http://schemas.microsoft.com/office/drawing/2010/main">
+          <mc:Choice Requires="a14">
             <p:sp>
               <p:nvSpPr>
                 <p:cNvPr id="46" name="テキスト ボックス 45">
@@ -22628,6 +22631,7 @@
                 </a:bodyPr>
                 <a:lstStyle/>
                 <a:p>
+                  <a:pPr/>
                   <a14:m>
                     <m:oMathPara xmlns:m="http://schemas.openxmlformats.org/officeDocument/2006/math">
                       <m:oMathParaPr>
@@ -22652,7 +22656,7 @@
               </p:txBody>
             </p:sp>
           </mc:Choice>
-          <mc:Fallback>
+          <mc:Fallback xmlns="">
             <p:sp>
               <p:nvSpPr>
                 <p:cNvPr id="46" name="テキスト ボックス 45">
@@ -22937,8 +22941,8 @@
             </a:p>
           </p:txBody>
         </p:sp>
-        <mc:AlternateContent xmlns:mc="http://schemas.openxmlformats.org/markup-compatibility/2006">
-          <mc:Choice xmlns:a14="http://schemas.microsoft.com/office/drawing/2010/main" Requires="a14">
+        <mc:AlternateContent xmlns:mc="http://schemas.openxmlformats.org/markup-compatibility/2006" xmlns:a14="http://schemas.microsoft.com/office/drawing/2010/main">
+          <mc:Choice Requires="a14">
             <p:sp>
               <p:nvSpPr>
                 <p:cNvPr id="49" name="テキスト ボックス 48">
@@ -22967,6 +22971,7 @@
                 </a:bodyPr>
                 <a:lstStyle/>
                 <a:p>
+                  <a:pPr/>
                   <a14:m>
                     <m:oMathPara xmlns:m="http://schemas.openxmlformats.org/officeDocument/2006/math">
                       <m:oMathParaPr>
@@ -23006,7 +23011,7 @@
               </p:txBody>
             </p:sp>
           </mc:Choice>
-          <mc:Fallback>
+          <mc:Fallback xmlns="">
             <p:sp>
               <p:nvSpPr>
                 <p:cNvPr id="49" name="テキスト ボックス 48">
@@ -23128,8 +23133,8 @@
             </a:p>
           </p:txBody>
         </p:sp>
-        <mc:AlternateContent xmlns:mc="http://schemas.openxmlformats.org/markup-compatibility/2006">
-          <mc:Choice xmlns:a14="http://schemas.microsoft.com/office/drawing/2010/main" Requires="a14">
+        <mc:AlternateContent xmlns:mc="http://schemas.openxmlformats.org/markup-compatibility/2006" xmlns:a14="http://schemas.microsoft.com/office/drawing/2010/main">
+          <mc:Choice Requires="a14">
             <p:sp>
               <p:nvSpPr>
                 <p:cNvPr id="67" name="テキスト ボックス 66">
@@ -23158,6 +23163,7 @@
                 </a:bodyPr>
                 <a:lstStyle/>
                 <a:p>
+                  <a:pPr/>
                   <a14:m>
                     <m:oMathPara xmlns:m="http://schemas.openxmlformats.org/officeDocument/2006/math">
                       <m:oMathParaPr>
@@ -23197,7 +23203,7 @@
               </p:txBody>
             </p:sp>
           </mc:Choice>
-          <mc:Fallback>
+          <mc:Fallback xmlns="">
             <p:sp>
               <p:nvSpPr>
                 <p:cNvPr id="67" name="テキスト ボックス 66">
@@ -23319,8 +23325,8 @@
             </a:p>
           </p:txBody>
         </p:sp>
-        <mc:AlternateContent xmlns:mc="http://schemas.openxmlformats.org/markup-compatibility/2006">
-          <mc:Choice xmlns:a14="http://schemas.microsoft.com/office/drawing/2010/main" Requires="a14">
+        <mc:AlternateContent xmlns:mc="http://schemas.openxmlformats.org/markup-compatibility/2006" xmlns:a14="http://schemas.microsoft.com/office/drawing/2010/main">
+          <mc:Choice Requires="a14">
             <p:sp>
               <p:nvSpPr>
                 <p:cNvPr id="71" name="テキスト ボックス 70">
@@ -23349,6 +23355,7 @@
                 </a:bodyPr>
                 <a:lstStyle/>
                 <a:p>
+                  <a:pPr/>
                   <a14:m>
                     <m:oMathPara xmlns:m="http://schemas.openxmlformats.org/officeDocument/2006/math">
                       <m:oMathParaPr>
@@ -23388,7 +23395,7 @@
               </p:txBody>
             </p:sp>
           </mc:Choice>
-          <mc:Fallback>
+          <mc:Fallback xmlns="">
             <p:sp>
               <p:nvSpPr>
                 <p:cNvPr id="71" name="テキスト ボックス 70">
@@ -23510,8 +23517,8 @@
             </a:p>
           </p:txBody>
         </p:sp>
-        <mc:AlternateContent xmlns:mc="http://schemas.openxmlformats.org/markup-compatibility/2006">
-          <mc:Choice xmlns:a14="http://schemas.microsoft.com/office/drawing/2010/main" Requires="a14">
+        <mc:AlternateContent xmlns:mc="http://schemas.openxmlformats.org/markup-compatibility/2006" xmlns:a14="http://schemas.microsoft.com/office/drawing/2010/main">
+          <mc:Choice Requires="a14">
             <p:sp>
               <p:nvSpPr>
                 <p:cNvPr id="75" name="テキスト ボックス 74">
@@ -23540,6 +23547,7 @@
                 </a:bodyPr>
                 <a:lstStyle/>
                 <a:p>
+                  <a:pPr/>
                   <a14:m>
                     <m:oMathPara xmlns:m="http://schemas.openxmlformats.org/officeDocument/2006/math">
                       <m:oMathParaPr>
@@ -23579,7 +23587,7 @@
               </p:txBody>
             </p:sp>
           </mc:Choice>
-          <mc:Fallback>
+          <mc:Fallback xmlns="">
             <p:sp>
               <p:nvSpPr>
                 <p:cNvPr id="75" name="テキスト ボックス 74">
@@ -24074,8 +24082,8 @@
           </a:fontRef>
         </p:style>
       </p:cxnSp>
-      <mc:AlternateContent xmlns:mc="http://schemas.openxmlformats.org/markup-compatibility/2006">
-        <mc:Choice xmlns:a14="http://schemas.microsoft.com/office/drawing/2010/main" Requires="a14">
+      <mc:AlternateContent xmlns:mc="http://schemas.openxmlformats.org/markup-compatibility/2006" xmlns:a14="http://schemas.microsoft.com/office/drawing/2010/main">
+        <mc:Choice Requires="a14">
           <p:sp>
             <p:nvSpPr>
               <p:cNvPr id="96" name="正方形/長方形 95">
@@ -24205,7 +24213,7 @@
             </p:txBody>
           </p:sp>
         </mc:Choice>
-        <mc:Fallback>
+        <mc:Fallback xmlns="">
           <p:sp>
             <p:nvSpPr>
               <p:cNvPr id="96" name="正方形/長方形 95">

--- a/卒研発表tex用_イラスト.pptx
+++ b/卒研発表tex用_イラスト.pptx
@@ -5,32 +5,35 @@
     <p:sldMasterId id="2147483648" r:id="rId1"/>
   </p:sldMasterIdLst>
   <p:handoutMasterIdLst>
-    <p:handoutMasterId r:id="rId25"/>
+    <p:handoutMasterId r:id="rId28"/>
   </p:handoutMasterIdLst>
   <p:sldIdLst>
-    <p:sldId id="305" r:id="rId2"/>
-    <p:sldId id="304" r:id="rId3"/>
-    <p:sldId id="303" r:id="rId4"/>
-    <p:sldId id="302" r:id="rId5"/>
-    <p:sldId id="301" r:id="rId6"/>
-    <p:sldId id="300" r:id="rId7"/>
-    <p:sldId id="299" r:id="rId8"/>
-    <p:sldId id="293" r:id="rId9"/>
-    <p:sldId id="294" r:id="rId10"/>
-    <p:sldId id="295" r:id="rId11"/>
-    <p:sldId id="296" r:id="rId12"/>
-    <p:sldId id="297" r:id="rId13"/>
-    <p:sldId id="298" r:id="rId14"/>
-    <p:sldId id="292" r:id="rId15"/>
-    <p:sldId id="291" r:id="rId16"/>
-    <p:sldId id="264" r:id="rId17"/>
-    <p:sldId id="265" r:id="rId18"/>
-    <p:sldId id="258" r:id="rId19"/>
-    <p:sldId id="259" r:id="rId20"/>
-    <p:sldId id="260" r:id="rId21"/>
-    <p:sldId id="261" r:id="rId22"/>
-    <p:sldId id="262" r:id="rId23"/>
-    <p:sldId id="263" r:id="rId24"/>
+    <p:sldId id="306" r:id="rId2"/>
+    <p:sldId id="305" r:id="rId3"/>
+    <p:sldId id="304" r:id="rId4"/>
+    <p:sldId id="308" r:id="rId5"/>
+    <p:sldId id="307" r:id="rId6"/>
+    <p:sldId id="303" r:id="rId7"/>
+    <p:sldId id="302" r:id="rId8"/>
+    <p:sldId id="301" r:id="rId9"/>
+    <p:sldId id="300" r:id="rId10"/>
+    <p:sldId id="299" r:id="rId11"/>
+    <p:sldId id="293" r:id="rId12"/>
+    <p:sldId id="294" r:id="rId13"/>
+    <p:sldId id="295" r:id="rId14"/>
+    <p:sldId id="296" r:id="rId15"/>
+    <p:sldId id="297" r:id="rId16"/>
+    <p:sldId id="298" r:id="rId17"/>
+    <p:sldId id="292" r:id="rId18"/>
+    <p:sldId id="291" r:id="rId19"/>
+    <p:sldId id="264" r:id="rId20"/>
+    <p:sldId id="265" r:id="rId21"/>
+    <p:sldId id="258" r:id="rId22"/>
+    <p:sldId id="259" r:id="rId23"/>
+    <p:sldId id="260" r:id="rId24"/>
+    <p:sldId id="261" r:id="rId25"/>
+    <p:sldId id="262" r:id="rId26"/>
+    <p:sldId id="263" r:id="rId27"/>
   </p:sldIdLst>
   <p:sldSz cx="12192000" cy="6858000"/>
   <p:notesSz cx="7099300" cy="10234613"/>
@@ -230,7 +233,7 @@
           <a:p>
             <a:fld id="{B5E7AF8B-FD9C-4188-8BA3-79A46472192F}" type="datetimeFigureOut">
               <a:rPr kumimoji="1" lang="ja-JP" altLang="en-US" smtClean="0"/>
-              <a:t>2020/2/4</a:t>
+              <a:t>2020/2/6</a:t>
             </a:fld>
             <a:endParaRPr kumimoji="1" lang="ja-JP" altLang="en-US"/>
           </a:p>
@@ -442,7 +445,7 @@
           <a:p>
             <a:fld id="{1019A24B-2DB6-47C4-AADA-142B59CEEE3F}" type="datetimeFigureOut">
               <a:rPr kumimoji="1" lang="ja-JP" altLang="en-US" smtClean="0"/>
-              <a:t>2020/2/4</a:t>
+              <a:t>2020/2/6</a:t>
             </a:fld>
             <a:endParaRPr kumimoji="1" lang="ja-JP" altLang="en-US"/>
           </a:p>
@@ -642,7 +645,7 @@
           <a:p>
             <a:fld id="{1019A24B-2DB6-47C4-AADA-142B59CEEE3F}" type="datetimeFigureOut">
               <a:rPr kumimoji="1" lang="ja-JP" altLang="en-US" smtClean="0"/>
-              <a:t>2020/2/4</a:t>
+              <a:t>2020/2/6</a:t>
             </a:fld>
             <a:endParaRPr kumimoji="1" lang="ja-JP" altLang="en-US"/>
           </a:p>
@@ -852,7 +855,7 @@
           <a:p>
             <a:fld id="{1019A24B-2DB6-47C4-AADA-142B59CEEE3F}" type="datetimeFigureOut">
               <a:rPr kumimoji="1" lang="ja-JP" altLang="en-US" smtClean="0"/>
-              <a:t>2020/2/4</a:t>
+              <a:t>2020/2/6</a:t>
             </a:fld>
             <a:endParaRPr kumimoji="1" lang="ja-JP" altLang="en-US"/>
           </a:p>
@@ -1052,7 +1055,7 @@
           <a:p>
             <a:fld id="{1019A24B-2DB6-47C4-AADA-142B59CEEE3F}" type="datetimeFigureOut">
               <a:rPr kumimoji="1" lang="ja-JP" altLang="en-US" smtClean="0"/>
-              <a:t>2020/2/4</a:t>
+              <a:t>2020/2/6</a:t>
             </a:fld>
             <a:endParaRPr kumimoji="1" lang="ja-JP" altLang="en-US"/>
           </a:p>
@@ -1297,7 +1300,7 @@
           <a:p>
             <a:fld id="{1019A24B-2DB6-47C4-AADA-142B59CEEE3F}" type="datetimeFigureOut">
               <a:rPr kumimoji="1" lang="ja-JP" altLang="en-US" smtClean="0"/>
-              <a:t>2020/2/4</a:t>
+              <a:t>2020/2/6</a:t>
             </a:fld>
             <a:endParaRPr kumimoji="1" lang="ja-JP" altLang="en-US"/>
           </a:p>
@@ -1590,7 +1593,7 @@
           <a:p>
             <a:fld id="{1019A24B-2DB6-47C4-AADA-142B59CEEE3F}" type="datetimeFigureOut">
               <a:rPr kumimoji="1" lang="ja-JP" altLang="en-US" smtClean="0"/>
-              <a:t>2020/2/4</a:t>
+              <a:t>2020/2/6</a:t>
             </a:fld>
             <a:endParaRPr kumimoji="1" lang="ja-JP" altLang="en-US"/>
           </a:p>
@@ -2018,7 +2021,7 @@
           <a:p>
             <a:fld id="{1019A24B-2DB6-47C4-AADA-142B59CEEE3F}" type="datetimeFigureOut">
               <a:rPr kumimoji="1" lang="ja-JP" altLang="en-US" smtClean="0"/>
-              <a:t>2020/2/4</a:t>
+              <a:t>2020/2/6</a:t>
             </a:fld>
             <a:endParaRPr kumimoji="1" lang="ja-JP" altLang="en-US"/>
           </a:p>
@@ -2135,7 +2138,7 @@
           <a:p>
             <a:fld id="{1019A24B-2DB6-47C4-AADA-142B59CEEE3F}" type="datetimeFigureOut">
               <a:rPr kumimoji="1" lang="ja-JP" altLang="en-US" smtClean="0"/>
-              <a:t>2020/2/4</a:t>
+              <a:t>2020/2/6</a:t>
             </a:fld>
             <a:endParaRPr kumimoji="1" lang="ja-JP" altLang="en-US"/>
           </a:p>
@@ -2230,7 +2233,7 @@
           <a:p>
             <a:fld id="{1019A24B-2DB6-47C4-AADA-142B59CEEE3F}" type="datetimeFigureOut">
               <a:rPr kumimoji="1" lang="ja-JP" altLang="en-US" smtClean="0"/>
-              <a:t>2020/2/4</a:t>
+              <a:t>2020/2/6</a:t>
             </a:fld>
             <a:endParaRPr kumimoji="1" lang="ja-JP" altLang="en-US"/>
           </a:p>
@@ -2537,7 +2540,7 @@
           <a:p>
             <a:fld id="{1019A24B-2DB6-47C4-AADA-142B59CEEE3F}" type="datetimeFigureOut">
               <a:rPr kumimoji="1" lang="ja-JP" altLang="en-US" smtClean="0"/>
-              <a:t>2020/2/4</a:t>
+              <a:t>2020/2/6</a:t>
             </a:fld>
             <a:endParaRPr kumimoji="1" lang="ja-JP" altLang="en-US"/>
           </a:p>
@@ -2789,7 +2792,7 @@
           <a:p>
             <a:fld id="{1019A24B-2DB6-47C4-AADA-142B59CEEE3F}" type="datetimeFigureOut">
               <a:rPr kumimoji="1" lang="ja-JP" altLang="en-US" smtClean="0"/>
-              <a:t>2020/2/4</a:t>
+              <a:t>2020/2/6</a:t>
             </a:fld>
             <a:endParaRPr kumimoji="1" lang="ja-JP" altLang="en-US"/>
           </a:p>
@@ -3032,7 +3035,7 @@
           <a:p>
             <a:fld id="{1019A24B-2DB6-47C4-AADA-142B59CEEE3F}" type="datetimeFigureOut">
               <a:rPr kumimoji="1" lang="ja-JP" altLang="en-US" smtClean="0"/>
-              <a:t>2020/2/4</a:t>
+              <a:t>2020/2/6</a:t>
             </a:fld>
             <a:endParaRPr kumimoji="1" lang="ja-JP" altLang="en-US"/>
           </a:p>
@@ -3437,104 +3440,996 @@
           <a:chExt cx="0" cy="0"/>
         </a:xfrm>
       </p:grpSpPr>
-      <p:cxnSp>
-        <p:nvCxnSpPr>
-          <p:cNvPr id="3" name="直線矢印コネクタ 2">
+      <p:grpSp>
+        <p:nvGrpSpPr>
+          <p:cNvPr id="16" name="グループ化 15">
             <a:extLst>
               <a:ext uri="{FF2B5EF4-FFF2-40B4-BE49-F238E27FC236}">
-                <a16:creationId xmlns:a16="http://schemas.microsoft.com/office/drawing/2014/main" id="{3D8810DB-8895-4C00-BBA0-377751952C15}"/>
+                <a16:creationId xmlns:a16="http://schemas.microsoft.com/office/drawing/2014/main" id="{F5A9D2F1-2B0F-430C-944F-D69916362F54}"/>
               </a:ext>
             </a:extLst>
           </p:cNvPr>
-          <p:cNvCxnSpPr>
-            <a:cxnSpLocks/>
-          </p:cNvCxnSpPr>
+          <p:cNvGrpSpPr/>
           <p:nvPr/>
-        </p:nvCxnSpPr>
-        <p:spPr>
-          <a:xfrm flipV="1">
-            <a:off x="3117023" y="207818"/>
-            <a:ext cx="0" cy="6387488"/>
+        </p:nvGrpSpPr>
+        <p:grpSpPr>
+          <a:xfrm>
+            <a:off x="815093" y="1777504"/>
+            <a:ext cx="3302992" cy="3314935"/>
+            <a:chOff x="815093" y="1777504"/>
+            <a:chExt cx="3302992" cy="3314935"/>
           </a:xfrm>
-          <a:prstGeom prst="straightConnector1">
-            <a:avLst/>
-          </a:prstGeom>
-          <a:ln w="57150">
-            <a:tailEnd type="triangle"/>
-          </a:ln>
-        </p:spPr>
-        <p:style>
-          <a:lnRef idx="1">
-            <a:schemeClr val="dk1"/>
-          </a:lnRef>
-          <a:fillRef idx="0">
-            <a:schemeClr val="dk1"/>
-          </a:fillRef>
-          <a:effectRef idx="0">
-            <a:schemeClr val="dk1"/>
-          </a:effectRef>
-          <a:fontRef idx="minor">
-            <a:schemeClr val="tx1"/>
-          </a:fontRef>
-        </p:style>
-      </p:cxnSp>
-      <p:cxnSp>
-        <p:nvCxnSpPr>
-          <p:cNvPr id="4" name="直線矢印コネクタ 3">
+        </p:grpSpPr>
+        <p:sp>
+          <p:nvSpPr>
+            <p:cNvPr id="2" name="正方形/長方形 1">
+              <a:extLst>
+                <a:ext uri="{FF2B5EF4-FFF2-40B4-BE49-F238E27FC236}">
+                  <a16:creationId xmlns:a16="http://schemas.microsoft.com/office/drawing/2014/main" id="{6C2725BB-5553-4CF3-B700-B7D6BA4D74F9}"/>
+                </a:ext>
+              </a:extLst>
+            </p:cNvPr>
+            <p:cNvSpPr/>
+            <p:nvPr/>
+          </p:nvSpPr>
+          <p:spPr>
+            <a:xfrm>
+              <a:off x="815093" y="1777504"/>
+              <a:ext cx="3302992" cy="3302992"/>
+            </a:xfrm>
+            <a:prstGeom prst="rect">
+              <a:avLst/>
+            </a:prstGeom>
+            <a:noFill/>
+            <a:ln w="28575">
+              <a:solidFill>
+                <a:schemeClr val="tx1"/>
+              </a:solidFill>
+            </a:ln>
+          </p:spPr>
+          <p:style>
+            <a:lnRef idx="2">
+              <a:schemeClr val="accent1">
+                <a:shade val="50000"/>
+              </a:schemeClr>
+            </a:lnRef>
+            <a:fillRef idx="1">
+              <a:schemeClr val="accent1"/>
+            </a:fillRef>
+            <a:effectRef idx="0">
+              <a:schemeClr val="accent1"/>
+            </a:effectRef>
+            <a:fontRef idx="minor">
+              <a:schemeClr val="lt1"/>
+            </a:fontRef>
+          </p:style>
+          <p:txBody>
+            <a:bodyPr rtlCol="0" anchor="ctr"/>
+            <a:lstStyle/>
+            <a:p>
+              <a:pPr algn="ctr"/>
+              <a:endParaRPr kumimoji="1" lang="ja-JP" altLang="en-US"/>
+            </a:p>
+          </p:txBody>
+        </p:sp>
+        <p:cxnSp>
+          <p:nvCxnSpPr>
+            <p:cNvPr id="3" name="直線コネクタ 2">
+              <a:extLst>
+                <a:ext uri="{FF2B5EF4-FFF2-40B4-BE49-F238E27FC236}">
+                  <a16:creationId xmlns:a16="http://schemas.microsoft.com/office/drawing/2014/main" id="{97CE7F0B-9F87-4AAE-B1AD-ADDB90F8023B}"/>
+                </a:ext>
+              </a:extLst>
+            </p:cNvPr>
+            <p:cNvCxnSpPr>
+              <a:cxnSpLocks/>
+            </p:cNvCxnSpPr>
+            <p:nvPr/>
+          </p:nvCxnSpPr>
+          <p:spPr>
+            <a:xfrm>
+              <a:off x="991777" y="4465488"/>
+              <a:ext cx="2978823" cy="0"/>
+            </a:xfrm>
+            <a:prstGeom prst="line">
+              <a:avLst/>
+            </a:prstGeom>
+            <a:ln w="28575"/>
+          </p:spPr>
+          <p:style>
+            <a:lnRef idx="1">
+              <a:schemeClr val="dk1"/>
+            </a:lnRef>
+            <a:fillRef idx="0">
+              <a:schemeClr val="dk1"/>
+            </a:fillRef>
+            <a:effectRef idx="0">
+              <a:schemeClr val="dk1"/>
+            </a:effectRef>
+            <a:fontRef idx="minor">
+              <a:schemeClr val="tx1"/>
+            </a:fontRef>
+          </p:style>
+        </p:cxnSp>
+        <p:cxnSp>
+          <p:nvCxnSpPr>
+            <p:cNvPr id="4" name="直線コネクタ 3">
+              <a:extLst>
+                <a:ext uri="{FF2B5EF4-FFF2-40B4-BE49-F238E27FC236}">
+                  <a16:creationId xmlns:a16="http://schemas.microsoft.com/office/drawing/2014/main" id="{26401D2D-E604-4068-8596-43427EDF9ACC}"/>
+                </a:ext>
+              </a:extLst>
+            </p:cNvPr>
+            <p:cNvCxnSpPr>
+              <a:cxnSpLocks/>
+            </p:cNvCxnSpPr>
+            <p:nvPr/>
+          </p:nvCxnSpPr>
+          <p:spPr>
+            <a:xfrm>
+              <a:off x="2455724" y="2330245"/>
+              <a:ext cx="0" cy="2135243"/>
+            </a:xfrm>
+            <a:prstGeom prst="line">
+              <a:avLst/>
+            </a:prstGeom>
+            <a:ln w="28575"/>
+          </p:spPr>
+          <p:style>
+            <a:lnRef idx="1">
+              <a:schemeClr val="dk1"/>
+            </a:lnRef>
+            <a:fillRef idx="0">
+              <a:schemeClr val="dk1"/>
+            </a:fillRef>
+            <a:effectRef idx="0">
+              <a:schemeClr val="dk1"/>
+            </a:effectRef>
+            <a:fontRef idx="minor">
+              <a:schemeClr val="tx1"/>
+            </a:fontRef>
+          </p:style>
+        </p:cxnSp>
+        <p:cxnSp>
+          <p:nvCxnSpPr>
+            <p:cNvPr id="12" name="直線コネクタ 11">
+              <a:extLst>
+                <a:ext uri="{FF2B5EF4-FFF2-40B4-BE49-F238E27FC236}">
+                  <a16:creationId xmlns:a16="http://schemas.microsoft.com/office/drawing/2014/main" id="{E04E839C-62FA-4686-8AFF-3FDACB51E9C6}"/>
+                </a:ext>
+              </a:extLst>
+            </p:cNvPr>
+            <p:cNvCxnSpPr/>
+            <p:nvPr/>
+          </p:nvCxnSpPr>
+          <p:spPr>
+            <a:xfrm>
+              <a:off x="991777" y="4465488"/>
+              <a:ext cx="1463947" cy="0"/>
+            </a:xfrm>
+            <a:prstGeom prst="line">
+              <a:avLst/>
+            </a:prstGeom>
+            <a:ln w="76200"/>
+          </p:spPr>
+          <p:style>
+            <a:lnRef idx="1">
+              <a:schemeClr val="dk1"/>
+            </a:lnRef>
+            <a:fillRef idx="0">
+              <a:schemeClr val="dk1"/>
+            </a:fillRef>
+            <a:effectRef idx="0">
+              <a:schemeClr val="dk1"/>
+            </a:effectRef>
+            <a:fontRef idx="minor">
+              <a:schemeClr val="tx1"/>
+            </a:fontRef>
+          </p:style>
+        </p:cxnSp>
+        <p:cxnSp>
+          <p:nvCxnSpPr>
+            <p:cNvPr id="13" name="直線コネクタ 12">
+              <a:extLst>
+                <a:ext uri="{FF2B5EF4-FFF2-40B4-BE49-F238E27FC236}">
+                  <a16:creationId xmlns:a16="http://schemas.microsoft.com/office/drawing/2014/main" id="{96F85452-EAC4-4521-9770-2410E5A5F5AB}"/>
+                </a:ext>
+              </a:extLst>
+            </p:cNvPr>
+            <p:cNvCxnSpPr/>
+            <p:nvPr/>
+          </p:nvCxnSpPr>
+          <p:spPr>
+            <a:xfrm>
+              <a:off x="2455724" y="2934231"/>
+              <a:ext cx="1463947" cy="0"/>
+            </a:xfrm>
+            <a:prstGeom prst="line">
+              <a:avLst/>
+            </a:prstGeom>
+            <a:ln w="76200"/>
+          </p:spPr>
+          <p:style>
+            <a:lnRef idx="1">
+              <a:schemeClr val="dk1"/>
+            </a:lnRef>
+            <a:fillRef idx="0">
+              <a:schemeClr val="dk1"/>
+            </a:fillRef>
+            <a:effectRef idx="0">
+              <a:schemeClr val="dk1"/>
+            </a:effectRef>
+            <a:fontRef idx="minor">
+              <a:schemeClr val="tx1"/>
+            </a:fontRef>
+          </p:style>
+        </p:cxnSp>
+        <p:sp>
+          <p:nvSpPr>
+            <p:cNvPr id="14" name="テキスト ボックス 13">
+              <a:extLst>
+                <a:ext uri="{FF2B5EF4-FFF2-40B4-BE49-F238E27FC236}">
+                  <a16:creationId xmlns:a16="http://schemas.microsoft.com/office/drawing/2014/main" id="{877560A6-CAAE-4744-9396-499D11F066A2}"/>
+                </a:ext>
+              </a:extLst>
+            </p:cNvPr>
+            <p:cNvSpPr txBox="1"/>
+            <p:nvPr/>
+          </p:nvSpPr>
+          <p:spPr>
+            <a:xfrm>
+              <a:off x="2262709" y="4446108"/>
+              <a:ext cx="441146" cy="646331"/>
+            </a:xfrm>
+            <a:prstGeom prst="rect">
+              <a:avLst/>
+            </a:prstGeom>
+            <a:noFill/>
+          </p:spPr>
+          <p:txBody>
+            <a:bodyPr wrap="none" rtlCol="0">
+              <a:spAutoFit/>
+            </a:bodyPr>
+            <a:lstStyle/>
+            <a:p>
+              <a:r>
+                <a:rPr kumimoji="1" lang="en-US" altLang="ja-JP" sz="3600" dirty="0"/>
+                <a:t>0</a:t>
+              </a:r>
+              <a:endParaRPr kumimoji="1" lang="ja-JP" altLang="en-US" sz="3600" dirty="0"/>
+            </a:p>
+          </p:txBody>
+        </p:sp>
+        <p:sp>
+          <p:nvSpPr>
+            <p:cNvPr id="15" name="テキスト ボックス 14">
+              <a:extLst>
+                <a:ext uri="{FF2B5EF4-FFF2-40B4-BE49-F238E27FC236}">
+                  <a16:creationId xmlns:a16="http://schemas.microsoft.com/office/drawing/2014/main" id="{7130B18B-12D1-4888-941C-83B8F8A0E1B5}"/>
+                </a:ext>
+              </a:extLst>
+            </p:cNvPr>
+            <p:cNvSpPr txBox="1"/>
+            <p:nvPr/>
+          </p:nvSpPr>
+          <p:spPr>
+            <a:xfrm>
+              <a:off x="2458746" y="2368875"/>
+              <a:ext cx="441146" cy="646331"/>
+            </a:xfrm>
+            <a:prstGeom prst="rect">
+              <a:avLst/>
+            </a:prstGeom>
+            <a:noFill/>
+          </p:spPr>
+          <p:txBody>
+            <a:bodyPr wrap="none" rtlCol="0">
+              <a:spAutoFit/>
+            </a:bodyPr>
+            <a:lstStyle/>
+            <a:p>
+              <a:r>
+                <a:rPr lang="en-US" altLang="ja-JP" sz="3600" dirty="0"/>
+                <a:t>1</a:t>
+              </a:r>
+              <a:endParaRPr kumimoji="1" lang="ja-JP" altLang="en-US" sz="3600" dirty="0"/>
+            </a:p>
+          </p:txBody>
+        </p:sp>
+      </p:grpSp>
+      <p:grpSp>
+        <p:nvGrpSpPr>
+          <p:cNvPr id="26" name="グループ化 25">
             <a:extLst>
               <a:ext uri="{FF2B5EF4-FFF2-40B4-BE49-F238E27FC236}">
-                <a16:creationId xmlns:a16="http://schemas.microsoft.com/office/drawing/2014/main" id="{3D8810DB-8895-4C00-BBA0-377751952C15}"/>
+                <a16:creationId xmlns:a16="http://schemas.microsoft.com/office/drawing/2014/main" id="{FAA38DD2-8326-4044-8E71-950782A4B3E2}"/>
               </a:ext>
             </a:extLst>
           </p:cNvPr>
-          <p:cNvCxnSpPr>
-            <a:cxnSpLocks/>
-          </p:cNvCxnSpPr>
+          <p:cNvGrpSpPr/>
           <p:nvPr/>
-        </p:nvCxnSpPr>
-        <p:spPr>
+        </p:nvGrpSpPr>
+        <p:grpSpPr>
           <a:xfrm>
-            <a:off x="2155517" y="5517760"/>
-            <a:ext cx="7404119" cy="0"/>
+            <a:off x="6807854" y="1777504"/>
+            <a:ext cx="3302992" cy="3302992"/>
+            <a:chOff x="6807854" y="1777504"/>
+            <a:chExt cx="3302992" cy="3302992"/>
           </a:xfrm>
-          <a:prstGeom prst="straightConnector1">
-            <a:avLst/>
-          </a:prstGeom>
-          <a:ln w="57150">
-            <a:tailEnd type="triangle"/>
-          </a:ln>
-        </p:spPr>
-        <p:style>
-          <a:lnRef idx="1">
-            <a:schemeClr val="dk1"/>
-          </a:lnRef>
-          <a:fillRef idx="0">
-            <a:schemeClr val="dk1"/>
-          </a:fillRef>
-          <a:effectRef idx="0">
-            <a:schemeClr val="dk1"/>
-          </a:effectRef>
-          <a:fontRef idx="minor">
-            <a:schemeClr val="tx1"/>
-          </a:fontRef>
-        </p:style>
-      </p:cxnSp>
+        </p:grpSpPr>
+        <p:sp>
+          <p:nvSpPr>
+            <p:cNvPr id="5" name="正方形/長方形 4">
+              <a:extLst>
+                <a:ext uri="{FF2B5EF4-FFF2-40B4-BE49-F238E27FC236}">
+                  <a16:creationId xmlns:a16="http://schemas.microsoft.com/office/drawing/2014/main" id="{4A581DB3-3B2B-4326-8901-F63DFEDE2D20}"/>
+                </a:ext>
+              </a:extLst>
+            </p:cNvPr>
+            <p:cNvSpPr/>
+            <p:nvPr/>
+          </p:nvSpPr>
+          <p:spPr>
+            <a:xfrm>
+              <a:off x="6807854" y="1777504"/>
+              <a:ext cx="3302992" cy="3302992"/>
+            </a:xfrm>
+            <a:prstGeom prst="rect">
+              <a:avLst/>
+            </a:prstGeom>
+            <a:noFill/>
+            <a:ln w="28575">
+              <a:solidFill>
+                <a:schemeClr val="tx1"/>
+              </a:solidFill>
+            </a:ln>
+          </p:spPr>
+          <p:style>
+            <a:lnRef idx="2">
+              <a:schemeClr val="accent1">
+                <a:shade val="50000"/>
+              </a:schemeClr>
+            </a:lnRef>
+            <a:fillRef idx="1">
+              <a:schemeClr val="accent1"/>
+            </a:fillRef>
+            <a:effectRef idx="0">
+              <a:schemeClr val="accent1"/>
+            </a:effectRef>
+            <a:fontRef idx="minor">
+              <a:schemeClr val="lt1"/>
+            </a:fontRef>
+          </p:style>
+          <p:txBody>
+            <a:bodyPr rtlCol="0" anchor="ctr"/>
+            <a:lstStyle/>
+            <a:p>
+              <a:pPr algn="ctr"/>
+              <a:endParaRPr kumimoji="1" lang="ja-JP" altLang="en-US"/>
+            </a:p>
+          </p:txBody>
+        </p:sp>
+        <p:grpSp>
+          <p:nvGrpSpPr>
+            <p:cNvPr id="21" name="グループ化 20">
+              <a:extLst>
+                <a:ext uri="{FF2B5EF4-FFF2-40B4-BE49-F238E27FC236}">
+                  <a16:creationId xmlns:a16="http://schemas.microsoft.com/office/drawing/2014/main" id="{5838E05A-1242-4297-B9D7-6DD5411A7CEE}"/>
+                </a:ext>
+              </a:extLst>
+            </p:cNvPr>
+            <p:cNvGrpSpPr/>
+            <p:nvPr/>
+          </p:nvGrpSpPr>
+          <p:grpSpPr>
+            <a:xfrm>
+              <a:off x="7253889" y="2330245"/>
+              <a:ext cx="2410922" cy="2407410"/>
+              <a:chOff x="6984538" y="1939101"/>
+              <a:chExt cx="2978823" cy="2974484"/>
+            </a:xfrm>
+          </p:grpSpPr>
+          <p:cxnSp>
+            <p:nvCxnSpPr>
+              <p:cNvPr id="6" name="直線コネクタ 5">
+                <a:extLst>
+                  <a:ext uri="{FF2B5EF4-FFF2-40B4-BE49-F238E27FC236}">
+                    <a16:creationId xmlns:a16="http://schemas.microsoft.com/office/drawing/2014/main" id="{67CE7B4B-0165-493C-B3F6-1E4E0B9748FF}"/>
+                  </a:ext>
+                </a:extLst>
+              </p:cNvPr>
+              <p:cNvCxnSpPr>
+                <a:cxnSpLocks/>
+              </p:cNvCxnSpPr>
+              <p:nvPr/>
+            </p:nvCxnSpPr>
+            <p:spPr>
+              <a:xfrm>
+                <a:off x="6984538" y="3433097"/>
+                <a:ext cx="2978823" cy="0"/>
+              </a:xfrm>
+              <a:prstGeom prst="line">
+                <a:avLst/>
+              </a:prstGeom>
+              <a:ln w="28575"/>
+            </p:spPr>
+            <p:style>
+              <a:lnRef idx="1">
+                <a:schemeClr val="dk1"/>
+              </a:lnRef>
+              <a:fillRef idx="0">
+                <a:schemeClr val="dk1"/>
+              </a:fillRef>
+              <a:effectRef idx="0">
+                <a:schemeClr val="dk1"/>
+              </a:effectRef>
+              <a:fontRef idx="minor">
+                <a:schemeClr val="tx1"/>
+              </a:fontRef>
+            </p:style>
+          </p:cxnSp>
+          <p:cxnSp>
+            <p:nvCxnSpPr>
+              <p:cNvPr id="7" name="直線コネクタ 6">
+                <a:extLst>
+                  <a:ext uri="{FF2B5EF4-FFF2-40B4-BE49-F238E27FC236}">
+                    <a16:creationId xmlns:a16="http://schemas.microsoft.com/office/drawing/2014/main" id="{9F143C1B-4B07-4776-88B7-C469FFCA6F52}"/>
+                  </a:ext>
+                </a:extLst>
+              </p:cNvPr>
+              <p:cNvCxnSpPr>
+                <a:cxnSpLocks/>
+              </p:cNvCxnSpPr>
+              <p:nvPr/>
+            </p:nvCxnSpPr>
+            <p:spPr>
+              <a:xfrm>
+                <a:off x="8448485" y="1939101"/>
+                <a:ext cx="0" cy="2974484"/>
+              </a:xfrm>
+              <a:prstGeom prst="line">
+                <a:avLst/>
+              </a:prstGeom>
+              <a:ln w="28575"/>
+            </p:spPr>
+            <p:style>
+              <a:lnRef idx="1">
+                <a:schemeClr val="dk1"/>
+              </a:lnRef>
+              <a:fillRef idx="0">
+                <a:schemeClr val="dk1"/>
+              </a:fillRef>
+              <a:effectRef idx="0">
+                <a:schemeClr val="dk1"/>
+              </a:effectRef>
+              <a:fontRef idx="minor">
+                <a:schemeClr val="tx1"/>
+              </a:fontRef>
+            </p:style>
+          </p:cxnSp>
+        </p:grpSp>
+        <p:cxnSp>
+          <p:nvCxnSpPr>
+            <p:cNvPr id="17" name="直線コネクタ 16">
+              <a:extLst>
+                <a:ext uri="{FF2B5EF4-FFF2-40B4-BE49-F238E27FC236}">
+                  <a16:creationId xmlns:a16="http://schemas.microsoft.com/office/drawing/2014/main" id="{18311019-3444-49CF-A728-0206A7530079}"/>
+                </a:ext>
+              </a:extLst>
+            </p:cNvPr>
+            <p:cNvCxnSpPr>
+              <a:cxnSpLocks/>
+            </p:cNvCxnSpPr>
+            <p:nvPr/>
+          </p:nvCxnSpPr>
+          <p:spPr>
+            <a:xfrm>
+              <a:off x="7253889" y="4137828"/>
+              <a:ext cx="1184851" cy="0"/>
+            </a:xfrm>
+            <a:prstGeom prst="line">
+              <a:avLst/>
+            </a:prstGeom>
+            <a:ln w="76200"/>
+          </p:spPr>
+          <p:style>
+            <a:lnRef idx="1">
+              <a:schemeClr val="dk1"/>
+            </a:lnRef>
+            <a:fillRef idx="0">
+              <a:schemeClr val="dk1"/>
+            </a:fillRef>
+            <a:effectRef idx="0">
+              <a:schemeClr val="dk1"/>
+            </a:effectRef>
+            <a:fontRef idx="minor">
+              <a:schemeClr val="tx1"/>
+            </a:fontRef>
+          </p:style>
+        </p:cxnSp>
+        <p:cxnSp>
+          <p:nvCxnSpPr>
+            <p:cNvPr id="23" name="直線コネクタ 22">
+              <a:extLst>
+                <a:ext uri="{FF2B5EF4-FFF2-40B4-BE49-F238E27FC236}">
+                  <a16:creationId xmlns:a16="http://schemas.microsoft.com/office/drawing/2014/main" id="{0CD55698-52FE-4180-B857-8260D58B2F44}"/>
+                </a:ext>
+              </a:extLst>
+            </p:cNvPr>
+            <p:cNvCxnSpPr>
+              <a:cxnSpLocks/>
+            </p:cNvCxnSpPr>
+            <p:nvPr/>
+          </p:nvCxnSpPr>
+          <p:spPr>
+            <a:xfrm>
+              <a:off x="8438740" y="2881059"/>
+              <a:ext cx="1184851" cy="0"/>
+            </a:xfrm>
+            <a:prstGeom prst="line">
+              <a:avLst/>
+            </a:prstGeom>
+            <a:ln w="76200"/>
+          </p:spPr>
+          <p:style>
+            <a:lnRef idx="1">
+              <a:schemeClr val="dk1"/>
+            </a:lnRef>
+            <a:fillRef idx="0">
+              <a:schemeClr val="dk1"/>
+            </a:fillRef>
+            <a:effectRef idx="0">
+              <a:schemeClr val="dk1"/>
+            </a:effectRef>
+            <a:fontRef idx="minor">
+              <a:schemeClr val="tx1"/>
+            </a:fontRef>
+          </p:style>
+        </p:cxnSp>
+        <p:sp>
+          <p:nvSpPr>
+            <p:cNvPr id="24" name="テキスト ボックス 23">
+              <a:extLst>
+                <a:ext uri="{FF2B5EF4-FFF2-40B4-BE49-F238E27FC236}">
+                  <a16:creationId xmlns:a16="http://schemas.microsoft.com/office/drawing/2014/main" id="{BFFFB9EC-BA13-4828-975A-22F158E367F9}"/>
+                </a:ext>
+              </a:extLst>
+            </p:cNvPr>
+            <p:cNvSpPr txBox="1"/>
+            <p:nvPr/>
+          </p:nvSpPr>
+          <p:spPr>
+            <a:xfrm>
+              <a:off x="8537422" y="3874607"/>
+              <a:ext cx="641522" cy="646331"/>
+            </a:xfrm>
+            <a:prstGeom prst="rect">
+              <a:avLst/>
+            </a:prstGeom>
+            <a:noFill/>
+          </p:spPr>
+          <p:txBody>
+            <a:bodyPr wrap="none" rtlCol="0">
+              <a:spAutoFit/>
+            </a:bodyPr>
+            <a:lstStyle/>
+            <a:p>
+              <a:r>
+                <a:rPr lang="en-US" altLang="ja-JP" sz="3600" dirty="0"/>
+                <a:t>-1</a:t>
+              </a:r>
+              <a:endParaRPr kumimoji="1" lang="ja-JP" altLang="en-US" sz="3600" dirty="0"/>
+            </a:p>
+          </p:txBody>
+        </p:sp>
+        <p:sp>
+          <p:nvSpPr>
+            <p:cNvPr id="25" name="テキスト ボックス 24">
+              <a:extLst>
+                <a:ext uri="{FF2B5EF4-FFF2-40B4-BE49-F238E27FC236}">
+                  <a16:creationId xmlns:a16="http://schemas.microsoft.com/office/drawing/2014/main" id="{53AF48AF-2C8C-4A48-8A23-F5E5D3B232C7}"/>
+                </a:ext>
+              </a:extLst>
+            </p:cNvPr>
+            <p:cNvSpPr txBox="1"/>
+            <p:nvPr/>
+          </p:nvSpPr>
+          <p:spPr>
+            <a:xfrm>
+              <a:off x="7898913" y="2593879"/>
+              <a:ext cx="441146" cy="646331"/>
+            </a:xfrm>
+            <a:prstGeom prst="rect">
+              <a:avLst/>
+            </a:prstGeom>
+            <a:noFill/>
+          </p:spPr>
+          <p:txBody>
+            <a:bodyPr wrap="none" rtlCol="0">
+              <a:spAutoFit/>
+            </a:bodyPr>
+            <a:lstStyle/>
+            <a:p>
+              <a:r>
+                <a:rPr lang="en-US" altLang="ja-JP" sz="3600" dirty="0"/>
+                <a:t>1</a:t>
+              </a:r>
+              <a:endParaRPr kumimoji="1" lang="ja-JP" altLang="en-US" sz="3600" dirty="0"/>
+            </a:p>
+          </p:txBody>
+        </p:sp>
+      </p:grpSp>
+    </p:spTree>
+    <p:extLst>
+      <p:ext uri="{BB962C8B-B14F-4D97-AF65-F5344CB8AC3E}">
+        <p14:creationId xmlns:p14="http://schemas.microsoft.com/office/powerpoint/2010/main" val="2199699484"/>
+      </p:ext>
+    </p:extLst>
+  </p:cSld>
+  <p:clrMapOvr>
+    <a:masterClrMapping/>
+  </p:clrMapOvr>
+</p:sld>
+</file>
+
+<file path=ppt/slides/slide10.xml><?xml version="1.0" encoding="utf-8"?>
+<p:sld xmlns:a="http://schemas.openxmlformats.org/drawingml/2006/main" xmlns:r="http://schemas.openxmlformats.org/officeDocument/2006/relationships" xmlns:p="http://schemas.openxmlformats.org/presentationml/2006/main">
+  <p:cSld>
+    <p:spTree>
+      <p:nvGrpSpPr>
+        <p:cNvPr id="1" name=""/>
+        <p:cNvGrpSpPr/>
+        <p:nvPr/>
+      </p:nvGrpSpPr>
+      <p:grpSpPr>
+        <a:xfrm>
+          <a:off x="0" y="0"/>
+          <a:ext cx="0" cy="0"/>
+          <a:chOff x="0" y="0"/>
+          <a:chExt cx="0" cy="0"/>
+        </a:xfrm>
+      </p:grpSpPr>
       <p:sp>
         <p:nvSpPr>
-          <p:cNvPr id="7" name="楕円 6"/>
+          <p:cNvPr id="2" name="四角形: 角を丸くする 1">
+            <a:extLst>
+              <a:ext uri="{FF2B5EF4-FFF2-40B4-BE49-F238E27FC236}">
+                <a16:creationId xmlns:a16="http://schemas.microsoft.com/office/drawing/2014/main" id="{2A55337E-6094-4D79-B334-FAF3768FC102}"/>
+              </a:ext>
+            </a:extLst>
+          </p:cNvPr>
           <p:cNvSpPr/>
           <p:nvPr/>
         </p:nvSpPr>
         <p:spPr>
           <a:xfrm>
-            <a:off x="7423266" y="5331438"/>
-            <a:ext cx="432261" cy="432261"/>
+            <a:off x="715617" y="221973"/>
+            <a:ext cx="10654748" cy="6414053"/>
+          </a:xfrm>
+          <a:prstGeom prst="roundRect">
+            <a:avLst/>
+          </a:prstGeom>
+          <a:solidFill>
+            <a:schemeClr val="accent1">
+              <a:lumMod val="40000"/>
+              <a:lumOff val="60000"/>
+            </a:schemeClr>
+          </a:solidFill>
+          <a:ln w="38100">
+            <a:solidFill>
+              <a:schemeClr val="accent1">
+                <a:lumMod val="75000"/>
+              </a:schemeClr>
+            </a:solidFill>
+          </a:ln>
+        </p:spPr>
+        <p:style>
+          <a:lnRef idx="2">
+            <a:schemeClr val="accent1">
+              <a:shade val="50000"/>
+            </a:schemeClr>
+          </a:lnRef>
+          <a:fillRef idx="1">
+            <a:schemeClr val="accent1"/>
+          </a:fillRef>
+          <a:effectRef idx="0">
+            <a:schemeClr val="accent1"/>
+          </a:effectRef>
+          <a:fontRef idx="minor">
+            <a:schemeClr val="lt1"/>
+          </a:fontRef>
+        </p:style>
+        <p:txBody>
+          <a:bodyPr rtlCol="0" anchor="ctr"/>
+          <a:lstStyle/>
+          <a:p>
+            <a:pPr algn="ctr"/>
+            <a:endParaRPr kumimoji="1" lang="ja-JP" altLang="en-US" dirty="0"/>
+          </a:p>
+        </p:txBody>
+      </p:sp>
+      <p:sp>
+        <p:nvSpPr>
+          <p:cNvPr id="3" name="テキスト ボックス 2">
+            <a:extLst>
+              <a:ext uri="{FF2B5EF4-FFF2-40B4-BE49-F238E27FC236}">
+                <a16:creationId xmlns:a16="http://schemas.microsoft.com/office/drawing/2014/main" id="{878647A7-EBA7-42AC-86BC-12E885556F17}"/>
+              </a:ext>
+            </a:extLst>
+          </p:cNvPr>
+          <p:cNvSpPr txBox="1"/>
+          <p:nvPr/>
+        </p:nvSpPr>
+        <p:spPr>
+          <a:xfrm>
+            <a:off x="5027328" y="244875"/>
+            <a:ext cx="1826141" cy="584775"/>
+          </a:xfrm>
+          <a:prstGeom prst="rect">
+            <a:avLst/>
+          </a:prstGeom>
+          <a:noFill/>
+        </p:spPr>
+        <p:txBody>
+          <a:bodyPr wrap="none" rtlCol="0">
+            <a:spAutoFit/>
+          </a:bodyPr>
+          <a:lstStyle/>
+          <a:p>
+            <a:r>
+              <a:rPr kumimoji="1" lang="ja-JP" altLang="en-US" sz="3200" b="1" dirty="0"/>
+              <a:t>画像認識</a:t>
+            </a:r>
+          </a:p>
+        </p:txBody>
+      </p:sp>
+      <p:sp>
+        <p:nvSpPr>
+          <p:cNvPr id="13" name="四角形: 角を丸くする 12">
+            <a:extLst>
+              <a:ext uri="{FF2B5EF4-FFF2-40B4-BE49-F238E27FC236}">
+                <a16:creationId xmlns:a16="http://schemas.microsoft.com/office/drawing/2014/main" id="{D9E55BD3-4B1B-454C-AECE-B463ACE3BA69}"/>
+              </a:ext>
+            </a:extLst>
+          </p:cNvPr>
+          <p:cNvSpPr/>
+          <p:nvPr/>
+        </p:nvSpPr>
+        <p:spPr>
+          <a:xfrm>
+            <a:off x="959222" y="829650"/>
+            <a:ext cx="10194031" cy="5654169"/>
+          </a:xfrm>
+          <a:prstGeom prst="roundRect">
+            <a:avLst>
+              <a:gd name="adj" fmla="val 19403"/>
+            </a:avLst>
+          </a:prstGeom>
+          <a:solidFill>
+            <a:schemeClr val="accent2">
+              <a:lumMod val="40000"/>
+              <a:lumOff val="60000"/>
+            </a:schemeClr>
+          </a:solidFill>
+          <a:ln w="38100">
+            <a:solidFill>
+              <a:schemeClr val="accent2">
+                <a:lumMod val="75000"/>
+              </a:schemeClr>
+            </a:solidFill>
+          </a:ln>
+        </p:spPr>
+        <p:style>
+          <a:lnRef idx="2">
+            <a:schemeClr val="accent1">
+              <a:shade val="50000"/>
+            </a:schemeClr>
+          </a:lnRef>
+          <a:fillRef idx="1">
+            <a:schemeClr val="accent1"/>
+          </a:fillRef>
+          <a:effectRef idx="0">
+            <a:schemeClr val="accent1"/>
+          </a:effectRef>
+          <a:fontRef idx="minor">
+            <a:schemeClr val="lt1"/>
+          </a:fontRef>
+        </p:style>
+        <p:txBody>
+          <a:bodyPr rtlCol="0" anchor="ctr"/>
+          <a:lstStyle/>
+          <a:p>
+            <a:pPr algn="ctr"/>
+            <a:endParaRPr kumimoji="1" lang="ja-JP" altLang="en-US"/>
+          </a:p>
+        </p:txBody>
+      </p:sp>
+      <p:sp>
+        <p:nvSpPr>
+          <p:cNvPr id="9" name="四角形: 角を丸くする 8">
+            <a:extLst>
+              <a:ext uri="{FF2B5EF4-FFF2-40B4-BE49-F238E27FC236}">
+                <a16:creationId xmlns:a16="http://schemas.microsoft.com/office/drawing/2014/main" id="{394B96E7-2F83-4B0F-8BCF-78FAFB2CD2BC}"/>
+              </a:ext>
+            </a:extLst>
+          </p:cNvPr>
+          <p:cNvSpPr/>
+          <p:nvPr/>
+        </p:nvSpPr>
+        <p:spPr>
+          <a:xfrm>
+            <a:off x="1401062" y="1551408"/>
+            <a:ext cx="3864567" cy="4210651"/>
+          </a:xfrm>
+          <a:prstGeom prst="roundRect">
+            <a:avLst>
+              <a:gd name="adj" fmla="val 19403"/>
+            </a:avLst>
+          </a:prstGeom>
+          <a:solidFill>
+            <a:schemeClr val="accent6">
+              <a:lumMod val="60000"/>
+              <a:lumOff val="40000"/>
+            </a:schemeClr>
+          </a:solidFill>
+          <a:ln w="38100">
+            <a:solidFill>
+              <a:schemeClr val="accent6">
+                <a:lumMod val="75000"/>
+              </a:schemeClr>
+            </a:solidFill>
+          </a:ln>
+        </p:spPr>
+        <p:style>
+          <a:lnRef idx="2">
+            <a:schemeClr val="accent1">
+              <a:shade val="50000"/>
+            </a:schemeClr>
+          </a:lnRef>
+          <a:fillRef idx="1">
+            <a:schemeClr val="accent1"/>
+          </a:fillRef>
+          <a:effectRef idx="0">
+            <a:schemeClr val="accent1"/>
+          </a:effectRef>
+          <a:fontRef idx="minor">
+            <a:schemeClr val="lt1"/>
+          </a:fontRef>
+        </p:style>
+        <p:txBody>
+          <a:bodyPr rtlCol="0" anchor="ctr"/>
+          <a:lstStyle/>
+          <a:p>
+            <a:pPr algn="ctr"/>
+            <a:endParaRPr kumimoji="1" lang="ja-JP" altLang="en-US"/>
+          </a:p>
+        </p:txBody>
+      </p:sp>
+      <p:sp>
+        <p:nvSpPr>
+          <p:cNvPr id="10" name="四角形: 角を丸くする 9">
+            <a:extLst>
+              <a:ext uri="{FF2B5EF4-FFF2-40B4-BE49-F238E27FC236}">
+                <a16:creationId xmlns:a16="http://schemas.microsoft.com/office/drawing/2014/main" id="{18E4DC69-68FD-4B6D-B3E3-C175BB908423}"/>
+              </a:ext>
+            </a:extLst>
+          </p:cNvPr>
+          <p:cNvSpPr/>
+          <p:nvPr/>
+        </p:nvSpPr>
+        <p:spPr>
+          <a:xfrm>
+            <a:off x="6911043" y="2063315"/>
+            <a:ext cx="3864567" cy="4210652"/>
+          </a:xfrm>
+          <a:prstGeom prst="roundRect">
+            <a:avLst>
+              <a:gd name="adj" fmla="val 19403"/>
+            </a:avLst>
+          </a:prstGeom>
+          <a:solidFill>
+            <a:schemeClr val="accent4">
+              <a:lumMod val="40000"/>
+              <a:lumOff val="60000"/>
+            </a:schemeClr>
+          </a:solidFill>
+          <a:ln w="38100">
+            <a:solidFill>
+              <a:schemeClr val="accent4">
+                <a:lumMod val="75000"/>
+              </a:schemeClr>
+            </a:solidFill>
+          </a:ln>
+        </p:spPr>
+        <p:style>
+          <a:lnRef idx="2">
+            <a:schemeClr val="accent1">
+              <a:shade val="50000"/>
+            </a:schemeClr>
+          </a:lnRef>
+          <a:fillRef idx="1">
+            <a:schemeClr val="accent1"/>
+          </a:fillRef>
+          <a:effectRef idx="0">
+            <a:schemeClr val="accent1"/>
+          </a:effectRef>
+          <a:fontRef idx="minor">
+            <a:schemeClr val="lt1"/>
+          </a:fontRef>
+        </p:style>
+        <p:txBody>
+          <a:bodyPr rtlCol="0" anchor="ctr"/>
+          <a:lstStyle/>
+          <a:p>
+            <a:pPr algn="ctr"/>
+            <a:endParaRPr kumimoji="1" lang="ja-JP" altLang="en-US"/>
+          </a:p>
+        </p:txBody>
+      </p:sp>
+      <p:sp>
+        <p:nvSpPr>
+          <p:cNvPr id="14" name="テキスト ボックス 13">
+            <a:extLst>
+              <a:ext uri="{FF2B5EF4-FFF2-40B4-BE49-F238E27FC236}">
+                <a16:creationId xmlns:a16="http://schemas.microsoft.com/office/drawing/2014/main" id="{F8963166-85A6-4EF5-B027-7E10C427F600}"/>
+              </a:ext>
+            </a:extLst>
+          </p:cNvPr>
+          <p:cNvSpPr txBox="1"/>
+          <p:nvPr/>
+        </p:nvSpPr>
+        <p:spPr>
+          <a:xfrm>
+            <a:off x="4065950" y="820455"/>
+            <a:ext cx="3980577" cy="646331"/>
+          </a:xfrm>
+          <a:prstGeom prst="rect">
+            <a:avLst/>
+          </a:prstGeom>
+          <a:noFill/>
+        </p:spPr>
+        <p:txBody>
+          <a:bodyPr wrap="none" rtlCol="0">
+            <a:spAutoFit/>
+          </a:bodyPr>
+          <a:lstStyle/>
+          <a:p>
+            <a:r>
+              <a:rPr kumimoji="1" lang="ja-JP" altLang="en-US" sz="3600" b="1" dirty="0"/>
+              <a:t>画像</a:t>
+            </a:r>
+            <a:r>
+              <a:rPr kumimoji="1" lang="ja-JP" altLang="en-US" sz="3200" b="1" dirty="0"/>
+              <a:t>アノテーション</a:t>
+            </a:r>
+            <a:endParaRPr kumimoji="1" lang="ja-JP" altLang="en-US" sz="3600" b="1" dirty="0"/>
+          </a:p>
+        </p:txBody>
+      </p:sp>
+      <p:sp>
+        <p:nvSpPr>
+          <p:cNvPr id="11" name="楕円 10">
+            <a:extLst>
+              <a:ext uri="{FF2B5EF4-FFF2-40B4-BE49-F238E27FC236}">
+                <a16:creationId xmlns:a16="http://schemas.microsoft.com/office/drawing/2014/main" id="{4239044F-9372-41A5-B67F-EB96411ADE2B}"/>
+              </a:ext>
+            </a:extLst>
+          </p:cNvPr>
+          <p:cNvSpPr/>
+          <p:nvPr/>
+        </p:nvSpPr>
+        <p:spPr>
+          <a:xfrm>
+            <a:off x="1601644" y="2273166"/>
+            <a:ext cx="2880784" cy="2810521"/>
           </a:xfrm>
           <a:prstGeom prst="ellipse">
             <a:avLst/>
           </a:prstGeom>
           <a:solidFill>
-            <a:srgbClr val="FF0000"/>
+            <a:schemeClr val="accent5">
+              <a:lumMod val="75000"/>
+            </a:schemeClr>
           </a:solidFill>
           <a:ln>
             <a:noFill/>
@@ -3561,832 +4456,123 @@
           <a:lstStyle/>
           <a:p>
             <a:pPr algn="ctr"/>
-            <a:endParaRPr kumimoji="1" lang="ja-JP" altLang="en-US" sz="2000"/>
+            <a:endParaRPr kumimoji="1" lang="ja-JP" altLang="en-US"/>
           </a:p>
         </p:txBody>
       </p:sp>
       <p:sp>
         <p:nvSpPr>
-          <p:cNvPr id="8" name="二等辺三角形 7"/>
-          <p:cNvSpPr/>
+          <p:cNvPr id="7" name="テキスト ボックス 6">
+            <a:extLst>
+              <a:ext uri="{FF2B5EF4-FFF2-40B4-BE49-F238E27F